--- a/Cadec-vårdens-apier.pptx
+++ b/Cadec-vårdens-apier.pptx
@@ -5,23 +5,28 @@
     <p:sldMasterId id="2147483648" r:id="rId1"/>
   </p:sldMasterIdLst>
   <p:notesMasterIdLst>
-    <p:notesMasterId r:id="rId13"/>
+    <p:notesMasterId r:id="rId18"/>
   </p:notesMasterIdLst>
   <p:handoutMasterIdLst>
-    <p:handoutMasterId r:id="rId14"/>
+    <p:handoutMasterId r:id="rId19"/>
   </p:handoutMasterIdLst>
   <p:sldIdLst>
     <p:sldId id="256" r:id="rId2"/>
     <p:sldId id="260" r:id="rId3"/>
     <p:sldId id="262" r:id="rId4"/>
-    <p:sldId id="263" r:id="rId5"/>
-    <p:sldId id="257" r:id="rId6"/>
-    <p:sldId id="258" r:id="rId7"/>
-    <p:sldId id="259" r:id="rId8"/>
-    <p:sldId id="261" r:id="rId9"/>
-    <p:sldId id="264" r:id="rId10"/>
-    <p:sldId id="266" r:id="rId11"/>
-    <p:sldId id="265" r:id="rId12"/>
+    <p:sldId id="268" r:id="rId5"/>
+    <p:sldId id="263" r:id="rId6"/>
+    <p:sldId id="257" r:id="rId7"/>
+    <p:sldId id="258" r:id="rId8"/>
+    <p:sldId id="259" r:id="rId9"/>
+    <p:sldId id="261" r:id="rId10"/>
+    <p:sldId id="264" r:id="rId11"/>
+    <p:sldId id="266" r:id="rId12"/>
+    <p:sldId id="265" r:id="rId13"/>
+    <p:sldId id="267" r:id="rId14"/>
+    <p:sldId id="269" r:id="rId15"/>
+    <p:sldId id="271" r:id="rId16"/>
+    <p:sldId id="270" r:id="rId17"/>
   </p:sldIdLst>
   <p:sldSz cx="9144000" cy="6858000" type="screen4x3"/>
   <p:notesSz cx="6858000" cy="9144000"/>
@@ -252,7 +257,7 @@
               <a:pPr>
                 <a:defRPr/>
               </a:pPr>
-              <a:t>2012-12-19</a:t>
+              <a:t>2012-12-20</a:t>
             </a:fld>
             <a:endParaRPr lang="sv-SE"/>
           </a:p>
@@ -452,7 +457,7 @@
               <a:pPr>
                 <a:defRPr/>
               </a:pPr>
-              <a:t>2012-12-19</a:t>
+              <a:t>2012-12-20</a:t>
             </a:fld>
             <a:endParaRPr lang="sv-SE"/>
           </a:p>
@@ -905,382 +910,7 @@
           <a:bodyPr/>
           <a:lstStyle/>
           <a:p>
-            <a:r>
-              <a:rPr lang="en-US" dirty="0" err="1" smtClean="0"/>
-              <a:t>Projektet</a:t>
-            </a:r>
-            <a:r>
-              <a:rPr lang="en-US" dirty="0" smtClean="0"/>
-              <a:t> </a:t>
-            </a:r>
-            <a:r>
-              <a:rPr lang="en-US" dirty="0" err="1" smtClean="0"/>
-              <a:t>drivs</a:t>
-            </a:r>
-            <a:r>
-              <a:rPr lang="en-US" dirty="0" smtClean="0"/>
-              <a:t> </a:t>
-            </a:r>
-            <a:r>
-              <a:rPr lang="en-US" dirty="0" err="1" smtClean="0"/>
-              <a:t>av</a:t>
-            </a:r>
-            <a:r>
-              <a:rPr lang="en-US" dirty="0" smtClean="0"/>
-              <a:t> SLL</a:t>
-            </a:r>
-            <a:r>
-              <a:rPr lang="en-US" baseline="0" dirty="0" smtClean="0"/>
-              <a:t> </a:t>
-            </a:r>
-            <a:r>
-              <a:rPr lang="en-US" baseline="0" dirty="0" err="1" smtClean="0"/>
-              <a:t>ihop</a:t>
-            </a:r>
-            <a:r>
-              <a:rPr lang="en-US" baseline="0" dirty="0" smtClean="0"/>
-              <a:t> med </a:t>
-            </a:r>
-            <a:r>
-              <a:rPr lang="en-US" baseline="0" dirty="0" err="1" smtClean="0"/>
-              <a:t>Vinnova</a:t>
-            </a:r>
-            <a:r>
-              <a:rPr lang="en-US" baseline="0" dirty="0" smtClean="0"/>
-              <a:t>. </a:t>
-            </a:r>
-          </a:p>
-          <a:p>
-            <a:r>
-              <a:rPr lang="en-US" baseline="0" dirty="0" err="1" smtClean="0"/>
-              <a:t>Vinnova</a:t>
-            </a:r>
-            <a:r>
-              <a:rPr lang="en-US" baseline="0" dirty="0" smtClean="0"/>
-              <a:t> </a:t>
-            </a:r>
-            <a:r>
-              <a:rPr lang="en-US" baseline="0" dirty="0" err="1" smtClean="0"/>
-              <a:t>är</a:t>
-            </a:r>
-            <a:r>
-              <a:rPr lang="en-US" baseline="0" dirty="0" smtClean="0"/>
-              <a:t> </a:t>
-            </a:r>
-            <a:r>
-              <a:rPr lang="en-US" baseline="0" dirty="0" err="1" smtClean="0"/>
-              <a:t>Sveriges</a:t>
-            </a:r>
-            <a:r>
-              <a:rPr lang="en-US" baseline="0" dirty="0" smtClean="0"/>
-              <a:t> </a:t>
-            </a:r>
-            <a:r>
-              <a:rPr lang="en-US" baseline="0" dirty="0" err="1" smtClean="0"/>
-              <a:t>innovationsmyndighet</a:t>
-            </a:r>
-            <a:r>
-              <a:rPr lang="en-US" baseline="0" dirty="0" smtClean="0"/>
-              <a:t> </a:t>
-            </a:r>
-            <a:r>
-              <a:rPr lang="en-US" baseline="0" dirty="0" err="1" smtClean="0"/>
-              <a:t>som</a:t>
-            </a:r>
-            <a:r>
-              <a:rPr lang="en-US" baseline="0" dirty="0" smtClean="0"/>
-              <a:t> </a:t>
-            </a:r>
-            <a:r>
-              <a:rPr lang="en-US" baseline="0" dirty="0" err="1" smtClean="0"/>
-              <a:t>bla</a:t>
-            </a:r>
-            <a:r>
-              <a:rPr lang="en-US" baseline="0" dirty="0" smtClean="0"/>
-              <a:t> </a:t>
-            </a:r>
-            <a:r>
-              <a:rPr lang="en-US" baseline="0" dirty="0" err="1" smtClean="0"/>
-              <a:t>sponsrar</a:t>
-            </a:r>
-            <a:r>
-              <a:rPr lang="en-US" baseline="0" dirty="0" smtClean="0"/>
-              <a:t> </a:t>
-            </a:r>
-            <a:r>
-              <a:rPr lang="en-US" baseline="0" dirty="0" err="1" smtClean="0"/>
-              <a:t>forskningsprojekt</a:t>
-            </a:r>
-            <a:r>
-              <a:rPr lang="en-US" baseline="0" dirty="0" smtClean="0"/>
-              <a:t>. </a:t>
-            </a:r>
-          </a:p>
-          <a:p>
-            <a:r>
-              <a:rPr lang="en-US" baseline="0" dirty="0" smtClean="0"/>
-              <a:t>SDKs </a:t>
-            </a:r>
-            <a:r>
-              <a:rPr lang="en-US" baseline="0" dirty="0" err="1" smtClean="0"/>
-              <a:t>syfte</a:t>
-            </a:r>
-            <a:r>
-              <a:rPr lang="en-US" baseline="0" dirty="0" smtClean="0"/>
-              <a:t> </a:t>
-            </a:r>
-            <a:r>
-              <a:rPr lang="en-US" baseline="0" dirty="0" err="1" smtClean="0"/>
-              <a:t>är</a:t>
-            </a:r>
-            <a:r>
-              <a:rPr lang="en-US" baseline="0" dirty="0" smtClean="0"/>
-              <a:t> </a:t>
-            </a:r>
-            <a:r>
-              <a:rPr lang="en-US" baseline="0" dirty="0" err="1" smtClean="0"/>
-              <a:t>att</a:t>
-            </a:r>
-            <a:r>
-              <a:rPr lang="en-US" baseline="0" dirty="0" smtClean="0"/>
-              <a:t> </a:t>
-            </a:r>
-            <a:r>
-              <a:rPr lang="en-US" baseline="0" dirty="0" err="1" smtClean="0"/>
-              <a:t>tillgängliggöra</a:t>
-            </a:r>
-            <a:r>
-              <a:rPr lang="en-US" baseline="0" dirty="0" smtClean="0"/>
-              <a:t> </a:t>
-            </a:r>
-            <a:r>
-              <a:rPr lang="en-US" baseline="0" dirty="0" err="1" smtClean="0"/>
-              <a:t>vårdinformation</a:t>
-            </a:r>
-            <a:r>
-              <a:rPr lang="en-US" baseline="0" dirty="0" smtClean="0"/>
-              <a:t> </a:t>
-            </a:r>
-            <a:r>
-              <a:rPr lang="en-US" baseline="0" dirty="0" err="1" smtClean="0"/>
-              <a:t>för</a:t>
-            </a:r>
-            <a:r>
-              <a:rPr lang="en-US" baseline="0" dirty="0" smtClean="0"/>
-              <a:t> </a:t>
-            </a:r>
-            <a:r>
-              <a:rPr lang="en-US" baseline="0" dirty="0" err="1" smtClean="0"/>
-              <a:t>invårnarna</a:t>
-            </a:r>
-            <a:r>
-              <a:rPr lang="en-US" baseline="0" dirty="0" smtClean="0"/>
-              <a:t> via </a:t>
-            </a:r>
-            <a:r>
-              <a:rPr lang="en-US" baseline="0" dirty="0" err="1" smtClean="0"/>
-              <a:t>APIer</a:t>
-            </a:r>
-            <a:endParaRPr lang="en-US" baseline="0" dirty="0" smtClean="0"/>
-          </a:p>
-          <a:p>
-            <a:r>
-              <a:rPr lang="en-US" baseline="0" dirty="0" err="1" smtClean="0"/>
-              <a:t>APIerna</a:t>
-            </a:r>
-            <a:r>
-              <a:rPr lang="en-US" baseline="0" dirty="0" smtClean="0"/>
-              <a:t> </a:t>
-            </a:r>
-            <a:r>
-              <a:rPr lang="en-US" baseline="0" dirty="0" err="1" smtClean="0"/>
-              <a:t>är</a:t>
-            </a:r>
-            <a:r>
-              <a:rPr lang="en-US" baseline="0" dirty="0" smtClean="0"/>
-              <a:t> </a:t>
-            </a:r>
-            <a:r>
-              <a:rPr lang="en-US" baseline="0" dirty="0" err="1" smtClean="0"/>
-              <a:t>uppdelade</a:t>
-            </a:r>
-            <a:r>
-              <a:rPr lang="en-US" baseline="0" dirty="0" smtClean="0"/>
-              <a:t> I </a:t>
-            </a:r>
-            <a:r>
-              <a:rPr lang="en-US" baseline="0" dirty="0" err="1" smtClean="0"/>
-              <a:t>tre</a:t>
-            </a:r>
-            <a:r>
-              <a:rPr lang="en-US" baseline="0" dirty="0" smtClean="0"/>
-              <a:t> </a:t>
-            </a:r>
-            <a:r>
-              <a:rPr lang="en-US" baseline="0" dirty="0" err="1" smtClean="0"/>
-              <a:t>kategorier</a:t>
-            </a:r>
-            <a:endParaRPr lang="en-US" baseline="0" dirty="0" smtClean="0"/>
-          </a:p>
-          <a:p>
-            <a:r>
-              <a:rPr lang="en-US" baseline="0" dirty="0" smtClean="0"/>
-              <a:t>	1. </a:t>
-            </a:r>
-            <a:r>
-              <a:rPr lang="en-US" baseline="0" dirty="0" err="1" smtClean="0"/>
-              <a:t>Öppen</a:t>
-            </a:r>
-            <a:r>
-              <a:rPr lang="en-US" baseline="0" dirty="0" smtClean="0"/>
-              <a:t>-data-</a:t>
-            </a:r>
-            <a:r>
-              <a:rPr lang="en-US" baseline="0" dirty="0" err="1" smtClean="0"/>
-              <a:t>APIer</a:t>
-            </a:r>
-            <a:r>
-              <a:rPr lang="en-US" baseline="0" dirty="0" smtClean="0"/>
-              <a:t> (</a:t>
-            </a:r>
-            <a:r>
-              <a:rPr lang="en-US" baseline="0" dirty="0" err="1" smtClean="0"/>
-              <a:t>APIer</a:t>
-            </a:r>
-            <a:r>
-              <a:rPr lang="en-US" baseline="0" dirty="0" smtClean="0"/>
-              <a:t> </a:t>
-            </a:r>
-            <a:r>
-              <a:rPr lang="en-US" baseline="0" dirty="0" err="1" smtClean="0"/>
-              <a:t>för</a:t>
-            </a:r>
-            <a:r>
-              <a:rPr lang="en-US" baseline="0" dirty="0" smtClean="0"/>
-              <a:t> </a:t>
-            </a:r>
-            <a:r>
-              <a:rPr lang="en-US" baseline="0" dirty="0" err="1" smtClean="0"/>
-              <a:t>offentlig</a:t>
-            </a:r>
-            <a:r>
-              <a:rPr lang="en-US" baseline="0" dirty="0" smtClean="0"/>
-              <a:t> data)</a:t>
-            </a:r>
-          </a:p>
-          <a:p>
-            <a:r>
-              <a:rPr lang="en-US" baseline="0" dirty="0" smtClean="0"/>
-              <a:t>	2. </a:t>
-            </a:r>
-            <a:r>
-              <a:rPr lang="en-US" baseline="0" dirty="0" err="1" smtClean="0"/>
-              <a:t>Patientdata-APIer</a:t>
-            </a:r>
-            <a:r>
-              <a:rPr lang="en-US" baseline="0" dirty="0" smtClean="0"/>
-              <a:t> (</a:t>
-            </a:r>
-            <a:r>
-              <a:rPr lang="en-US" baseline="0" dirty="0" err="1" smtClean="0"/>
-              <a:t>APIer</a:t>
-            </a:r>
-            <a:r>
-              <a:rPr lang="en-US" baseline="0" dirty="0" smtClean="0"/>
-              <a:t> </a:t>
-            </a:r>
-            <a:r>
-              <a:rPr lang="en-US" baseline="0" dirty="0" err="1" smtClean="0"/>
-              <a:t>för</a:t>
-            </a:r>
-            <a:r>
-              <a:rPr lang="en-US" baseline="0" dirty="0" smtClean="0"/>
-              <a:t> </a:t>
-            </a:r>
-            <a:r>
-              <a:rPr lang="en-US" baseline="0" dirty="0" err="1" smtClean="0"/>
-              <a:t>patientbunden</a:t>
-            </a:r>
-            <a:r>
-              <a:rPr lang="en-US" baseline="0" dirty="0" smtClean="0"/>
-              <a:t> data </a:t>
-            </a:r>
-            <a:r>
-              <a:rPr lang="en-US" baseline="0" dirty="0" err="1" smtClean="0"/>
-              <a:t>för</a:t>
-            </a:r>
-            <a:r>
-              <a:rPr lang="en-US" baseline="0" dirty="0" smtClean="0"/>
-              <a:t> </a:t>
-            </a:r>
-            <a:r>
-              <a:rPr lang="en-US" baseline="0" dirty="0" err="1" smtClean="0"/>
-              <a:t>tredje</a:t>
-            </a:r>
-            <a:r>
-              <a:rPr lang="en-US" baseline="0" dirty="0" smtClean="0"/>
-              <a:t> part)</a:t>
-            </a:r>
-          </a:p>
-          <a:p>
-            <a:r>
-              <a:rPr lang="en-US" baseline="0" dirty="0" smtClean="0"/>
-              <a:t>	3. </a:t>
-            </a:r>
-            <a:r>
-              <a:rPr lang="en-US" baseline="0" dirty="0" err="1" smtClean="0"/>
-              <a:t>Vårdgivar-APIer</a:t>
-            </a:r>
-            <a:r>
-              <a:rPr lang="en-US" baseline="0" dirty="0" smtClean="0"/>
-              <a:t> (</a:t>
-            </a:r>
-            <a:r>
-              <a:rPr lang="en-US" baseline="0" dirty="0" err="1" smtClean="0"/>
-              <a:t>APIer</a:t>
-            </a:r>
-            <a:r>
-              <a:rPr lang="en-US" baseline="0" dirty="0" smtClean="0"/>
-              <a:t> </a:t>
-            </a:r>
-            <a:r>
-              <a:rPr lang="en-US" baseline="0" dirty="0" err="1" smtClean="0"/>
-              <a:t>för</a:t>
-            </a:r>
-            <a:r>
-              <a:rPr lang="en-US" baseline="0" dirty="0" smtClean="0"/>
-              <a:t> </a:t>
-            </a:r>
-            <a:r>
-              <a:rPr lang="en-US" baseline="0" dirty="0" err="1" smtClean="0"/>
-              <a:t>patientbunden</a:t>
-            </a:r>
-            <a:r>
-              <a:rPr lang="en-US" baseline="0" dirty="0" smtClean="0"/>
-              <a:t> data </a:t>
-            </a:r>
-            <a:r>
-              <a:rPr lang="en-US" baseline="0" dirty="0" err="1" smtClean="0"/>
-              <a:t>för</a:t>
-            </a:r>
-            <a:r>
-              <a:rPr lang="en-US" baseline="0" dirty="0" smtClean="0"/>
-              <a:t> </a:t>
-            </a:r>
-            <a:r>
-              <a:rPr lang="en-US" baseline="0" dirty="0" err="1" smtClean="0"/>
-              <a:t>vårdgivare</a:t>
-            </a:r>
-            <a:r>
-              <a:rPr lang="en-US" baseline="0" dirty="0" smtClean="0"/>
-              <a:t>)</a:t>
-            </a:r>
-          </a:p>
-          <a:p>
-            <a:endParaRPr lang="en-US" smtClean="0"/>
-          </a:p>
-          <a:p>
-            <a:endParaRPr lang="en-US"/>
+            <a:endParaRPr lang="en-US" dirty="0"/>
           </a:p>
         </p:txBody>
       </p:sp>
@@ -1316,7 +946,7 @@
     </p:spTree>
     <p:extLst>
       <p:ext uri="{BB962C8B-B14F-4D97-AF65-F5344CB8AC3E}">
-        <p14:creationId xmlns:p14="http://schemas.microsoft.com/office/powerpoint/2010/main" val="1770856474"/>
+        <p14:creationId xmlns:p14="http://schemas.microsoft.com/office/powerpoint/2010/main" val="1433702104"/>
       </p:ext>
     </p:extLst>
   </p:cSld>
@@ -1372,7 +1002,7 @@
           <a:p>
             <a:r>
               <a:rPr lang="en-US" dirty="0" err="1" smtClean="0"/>
-              <a:t>Kort</a:t>
+              <a:t>Projektet</a:t>
             </a:r>
             <a:r>
               <a:rPr lang="en-US" dirty="0" smtClean="0"/>
@@ -1380,7 +1010,7 @@
             </a:r>
             <a:r>
               <a:rPr lang="en-US" dirty="0" err="1" smtClean="0"/>
-              <a:t>om</a:t>
+              <a:t>drivs</a:t>
             </a:r>
             <a:r>
               <a:rPr lang="en-US" dirty="0" smtClean="0"/>
@@ -1388,56 +1018,329 @@
             </a:r>
             <a:r>
               <a:rPr lang="en-US" dirty="0" err="1" smtClean="0"/>
-              <a:t>API’er</a:t>
+              <a:t>av</a:t>
             </a:r>
             <a:r>
               <a:rPr lang="en-US" dirty="0" smtClean="0"/>
+              <a:t> SLL</a:t>
+            </a:r>
+            <a:r>
+              <a:rPr lang="en-US" baseline="0" dirty="0" smtClean="0"/>
               <a:t> </a:t>
             </a:r>
             <a:r>
-              <a:rPr lang="en-US" dirty="0" err="1" smtClean="0"/>
+              <a:rPr lang="en-US" baseline="0" dirty="0" err="1" smtClean="0"/>
+              <a:t>ihop</a:t>
+            </a:r>
+            <a:r>
+              <a:rPr lang="en-US" baseline="0" dirty="0" smtClean="0"/>
+              <a:t> med </a:t>
+            </a:r>
+            <a:r>
+              <a:rPr lang="en-US" baseline="0" dirty="0" err="1" smtClean="0"/>
+              <a:t>Vinnova</a:t>
+            </a:r>
+            <a:r>
+              <a:rPr lang="en-US" baseline="0" dirty="0" smtClean="0"/>
+              <a:t>. </a:t>
+            </a:r>
+          </a:p>
+          <a:p>
+            <a:r>
+              <a:rPr lang="en-US" baseline="0" dirty="0" err="1" smtClean="0"/>
+              <a:t>Vinnova</a:t>
+            </a:r>
+            <a:r>
+              <a:rPr lang="en-US" baseline="0" dirty="0" smtClean="0"/>
+              <a:t> </a:t>
+            </a:r>
+            <a:r>
+              <a:rPr lang="en-US" baseline="0" dirty="0" err="1" smtClean="0"/>
+              <a:t>är</a:t>
+            </a:r>
+            <a:r>
+              <a:rPr lang="en-US" baseline="0" dirty="0" smtClean="0"/>
+              <a:t> </a:t>
+            </a:r>
+            <a:r>
+              <a:rPr lang="en-US" baseline="0" dirty="0" err="1" smtClean="0"/>
+              <a:t>Sveriges</a:t>
+            </a:r>
+            <a:r>
+              <a:rPr lang="en-US" baseline="0" dirty="0" smtClean="0"/>
+              <a:t> </a:t>
+            </a:r>
+            <a:r>
+              <a:rPr lang="en-US" baseline="0" dirty="0" err="1" smtClean="0"/>
+              <a:t>innovationsmyndighet</a:t>
+            </a:r>
+            <a:r>
+              <a:rPr lang="en-US" baseline="0" dirty="0" smtClean="0"/>
+              <a:t> </a:t>
+            </a:r>
+            <a:r>
+              <a:rPr lang="en-US" baseline="0" dirty="0" err="1" smtClean="0"/>
+              <a:t>som</a:t>
+            </a:r>
+            <a:r>
+              <a:rPr lang="en-US" baseline="0" dirty="0" smtClean="0"/>
+              <a:t> </a:t>
+            </a:r>
+            <a:r>
+              <a:rPr lang="en-US" baseline="0" dirty="0" err="1" smtClean="0"/>
+              <a:t>bla</a:t>
+            </a:r>
+            <a:r>
+              <a:rPr lang="en-US" baseline="0" dirty="0" smtClean="0"/>
+              <a:t> </a:t>
+            </a:r>
+            <a:r>
+              <a:rPr lang="en-US" baseline="0" dirty="0" err="1" smtClean="0"/>
+              <a:t>sponsrar</a:t>
+            </a:r>
+            <a:r>
+              <a:rPr lang="en-US" baseline="0" dirty="0" smtClean="0"/>
+              <a:t> </a:t>
+            </a:r>
+            <a:r>
+              <a:rPr lang="en-US" baseline="0" dirty="0" err="1" smtClean="0"/>
+              <a:t>forskningsprojekt</a:t>
+            </a:r>
+            <a:r>
+              <a:rPr lang="en-US" baseline="0" dirty="0" smtClean="0"/>
+              <a:t>. </a:t>
+            </a:r>
+          </a:p>
+          <a:p>
+            <a:r>
+              <a:rPr lang="en-US" baseline="0" dirty="0" smtClean="0"/>
+              <a:t>SDKs </a:t>
+            </a:r>
+            <a:r>
+              <a:rPr lang="en-US" baseline="0" dirty="0" err="1" smtClean="0"/>
+              <a:t>syfte</a:t>
+            </a:r>
+            <a:r>
+              <a:rPr lang="en-US" baseline="0" dirty="0" smtClean="0"/>
+              <a:t> </a:t>
+            </a:r>
+            <a:r>
+              <a:rPr lang="en-US" baseline="0" dirty="0" err="1" smtClean="0"/>
+              <a:t>är</a:t>
+            </a:r>
+            <a:r>
+              <a:rPr lang="en-US" baseline="0" dirty="0" smtClean="0"/>
+              <a:t> </a:t>
+            </a:r>
+            <a:r>
+              <a:rPr lang="en-US" baseline="0" dirty="0" err="1" smtClean="0"/>
+              <a:t>att</a:t>
+            </a:r>
+            <a:r>
+              <a:rPr lang="en-US" baseline="0" dirty="0" smtClean="0"/>
+              <a:t> </a:t>
+            </a:r>
+            <a:r>
+              <a:rPr lang="en-US" baseline="0" dirty="0" err="1" smtClean="0"/>
+              <a:t>tillgängliggöra</a:t>
+            </a:r>
+            <a:r>
+              <a:rPr lang="en-US" baseline="0" dirty="0" smtClean="0"/>
+              <a:t> </a:t>
+            </a:r>
+            <a:r>
+              <a:rPr lang="en-US" baseline="0" dirty="0" err="1" smtClean="0"/>
+              <a:t>vårdinformation</a:t>
+            </a:r>
+            <a:r>
+              <a:rPr lang="en-US" baseline="0" dirty="0" smtClean="0"/>
+              <a:t> </a:t>
+            </a:r>
+            <a:r>
+              <a:rPr lang="en-US" baseline="0" dirty="0" err="1" smtClean="0"/>
               <a:t>för</a:t>
             </a:r>
             <a:r>
-              <a:rPr lang="en-US" dirty="0" smtClean="0"/>
+              <a:rPr lang="en-US" baseline="0" dirty="0" smtClean="0"/>
               <a:t> </a:t>
             </a:r>
             <a:r>
-              <a:rPr lang="en-US" dirty="0" err="1" smtClean="0"/>
+              <a:rPr lang="en-US" baseline="0" dirty="0" err="1" smtClean="0"/>
+              <a:t>invårnarna</a:t>
+            </a:r>
+            <a:r>
+              <a:rPr lang="en-US" baseline="0" dirty="0" smtClean="0"/>
+              <a:t> via </a:t>
+            </a:r>
+            <a:r>
+              <a:rPr lang="en-US" baseline="0" dirty="0" err="1" smtClean="0"/>
+              <a:t>APIer</a:t>
+            </a:r>
+            <a:endParaRPr lang="en-US" baseline="0" dirty="0" smtClean="0"/>
+          </a:p>
+          <a:p>
+            <a:r>
+              <a:rPr lang="en-US" baseline="0" dirty="0" err="1" smtClean="0"/>
+              <a:t>APIerna</a:t>
+            </a:r>
+            <a:r>
+              <a:rPr lang="en-US" baseline="0" dirty="0" smtClean="0"/>
+              <a:t> </a:t>
+            </a:r>
+            <a:r>
+              <a:rPr lang="en-US" baseline="0" dirty="0" err="1" smtClean="0"/>
+              <a:t>är</a:t>
+            </a:r>
+            <a:r>
+              <a:rPr lang="en-US" baseline="0" dirty="0" smtClean="0"/>
+              <a:t> </a:t>
+            </a:r>
+            <a:r>
+              <a:rPr lang="en-US" baseline="0" dirty="0" err="1" smtClean="0"/>
+              <a:t>uppdelade</a:t>
+            </a:r>
+            <a:r>
+              <a:rPr lang="en-US" baseline="0" dirty="0" smtClean="0"/>
+              <a:t> I </a:t>
+            </a:r>
+            <a:r>
+              <a:rPr lang="en-US" baseline="0" dirty="0" err="1" smtClean="0"/>
+              <a:t>tre</a:t>
+            </a:r>
+            <a:r>
+              <a:rPr lang="en-US" baseline="0" dirty="0" smtClean="0"/>
+              <a:t> </a:t>
+            </a:r>
+            <a:r>
+              <a:rPr lang="en-US" baseline="0" dirty="0" err="1" smtClean="0"/>
+              <a:t>kategorier</a:t>
+            </a:r>
+            <a:endParaRPr lang="en-US" baseline="0" dirty="0" smtClean="0"/>
+          </a:p>
+          <a:p>
+            <a:r>
+              <a:rPr lang="en-US" baseline="0" dirty="0" smtClean="0"/>
+              <a:t>	1. </a:t>
+            </a:r>
+            <a:r>
+              <a:rPr lang="en-US" baseline="0" dirty="0" err="1" smtClean="0"/>
+              <a:t>Öppen</a:t>
+            </a:r>
+            <a:r>
+              <a:rPr lang="en-US" baseline="0" dirty="0" smtClean="0"/>
+              <a:t>-data-</a:t>
+            </a:r>
+            <a:r>
+              <a:rPr lang="en-US" baseline="0" dirty="0" err="1" smtClean="0"/>
+              <a:t>APIer</a:t>
+            </a:r>
+            <a:r>
+              <a:rPr lang="en-US" baseline="0" dirty="0" smtClean="0"/>
+              <a:t> (</a:t>
+            </a:r>
+            <a:r>
+              <a:rPr lang="en-US" baseline="0" dirty="0" err="1" smtClean="0"/>
+              <a:t>APIer</a:t>
+            </a:r>
+            <a:r>
+              <a:rPr lang="en-US" baseline="0" dirty="0" smtClean="0"/>
+              <a:t> </a:t>
+            </a:r>
+            <a:r>
+              <a:rPr lang="en-US" baseline="0" dirty="0" err="1" smtClean="0"/>
+              <a:t>för</a:t>
+            </a:r>
+            <a:r>
+              <a:rPr lang="en-US" baseline="0" dirty="0" smtClean="0"/>
+              <a:t> </a:t>
+            </a:r>
+            <a:r>
+              <a:rPr lang="en-US" baseline="0" dirty="0" err="1" smtClean="0"/>
+              <a:t>offentlig</a:t>
+            </a:r>
+            <a:r>
+              <a:rPr lang="en-US" baseline="0" dirty="0" smtClean="0"/>
+              <a:t> data)</a:t>
+            </a:r>
+          </a:p>
+          <a:p>
+            <a:r>
+              <a:rPr lang="en-US" baseline="0" dirty="0" smtClean="0"/>
+              <a:t>	2. </a:t>
+            </a:r>
+            <a:r>
+              <a:rPr lang="en-US" baseline="0" dirty="0" err="1" smtClean="0"/>
+              <a:t>Patientdata-APIer</a:t>
+            </a:r>
+            <a:r>
+              <a:rPr lang="en-US" baseline="0" dirty="0" smtClean="0"/>
+              <a:t> (</a:t>
+            </a:r>
+            <a:r>
+              <a:rPr lang="en-US" baseline="0" dirty="0" err="1" smtClean="0"/>
+              <a:t>APIer</a:t>
+            </a:r>
+            <a:r>
+              <a:rPr lang="en-US" baseline="0" dirty="0" smtClean="0"/>
+              <a:t> </a:t>
+            </a:r>
+            <a:r>
+              <a:rPr lang="en-US" baseline="0" dirty="0" err="1" smtClean="0"/>
+              <a:t>för</a:t>
+            </a:r>
+            <a:r>
+              <a:rPr lang="en-US" baseline="0" dirty="0" smtClean="0"/>
+              <a:t> </a:t>
+            </a:r>
+            <a:r>
+              <a:rPr lang="en-US" baseline="0" dirty="0" err="1" smtClean="0"/>
               <a:t>patientbunden</a:t>
             </a:r>
             <a:r>
-              <a:rPr lang="en-US" dirty="0" smtClean="0"/>
-              <a:t> data</a:t>
-            </a:r>
-          </a:p>
-          <a:p>
-            <a:endParaRPr lang="en-US" dirty="0" smtClean="0"/>
-          </a:p>
-          <a:p>
-            <a:r>
-              <a:rPr lang="en-US" dirty="0" smtClean="0"/>
-              <a:t>Nu </a:t>
-            </a:r>
-            <a:r>
-              <a:rPr lang="en-US" dirty="0" err="1" smtClean="0"/>
-              <a:t>har</a:t>
-            </a:r>
-            <a:r>
-              <a:rPr lang="en-US" dirty="0" smtClean="0"/>
+              <a:rPr lang="en-US" baseline="0" dirty="0" smtClean="0"/>
+              <a:t> data </a:t>
+            </a:r>
+            <a:r>
+              <a:rPr lang="en-US" baseline="0" dirty="0" err="1" smtClean="0"/>
+              <a:t>för</a:t>
+            </a:r>
+            <a:r>
+              <a:rPr lang="en-US" baseline="0" dirty="0" smtClean="0"/>
               <a:t> </a:t>
             </a:r>
             <a:r>
-              <a:rPr lang="en-US" dirty="0" err="1" smtClean="0"/>
-              <a:t>ni</a:t>
-            </a:r>
-            <a:r>
-              <a:rPr lang="en-US" dirty="0" smtClean="0"/>
+              <a:rPr lang="en-US" baseline="0" dirty="0" err="1" smtClean="0"/>
+              <a:t>tredje</a:t>
+            </a:r>
+            <a:r>
+              <a:rPr lang="en-US" baseline="0" dirty="0" smtClean="0"/>
+              <a:t> part)</a:t>
+            </a:r>
+          </a:p>
+          <a:p>
+            <a:r>
+              <a:rPr lang="en-US" baseline="0" dirty="0" smtClean="0"/>
+              <a:t>	3. </a:t>
+            </a:r>
+            <a:r>
+              <a:rPr lang="en-US" baseline="0" dirty="0" err="1" smtClean="0"/>
+              <a:t>Vårdgivar-APIer</a:t>
+            </a:r>
+            <a:r>
+              <a:rPr lang="en-US" baseline="0" dirty="0" smtClean="0"/>
+              <a:t> (</a:t>
+            </a:r>
+            <a:r>
+              <a:rPr lang="en-US" baseline="0" dirty="0" err="1" smtClean="0"/>
+              <a:t>APIer</a:t>
+            </a:r>
+            <a:r>
+              <a:rPr lang="en-US" baseline="0" dirty="0" smtClean="0"/>
               <a:t> </a:t>
             </a:r>
             <a:r>
-              <a:rPr lang="en-US" dirty="0" err="1" smtClean="0"/>
-              <a:t>testat</a:t>
+              <a:rPr lang="en-US" baseline="0" dirty="0" err="1" smtClean="0"/>
+              <a:t>för</a:t>
             </a:r>
             <a:r>
               <a:rPr lang="en-US" baseline="0" dirty="0" smtClean="0"/>
@@ -1445,7 +1348,15 @@
             </a:r>
             <a:r>
               <a:rPr lang="en-US" baseline="0" dirty="0" err="1" smtClean="0"/>
-              <a:t>APIer</a:t>
+              <a:t>patientbunden</a:t>
+            </a:r>
+            <a:r>
+              <a:rPr lang="en-US" baseline="0" dirty="0" smtClean="0"/>
+              <a:t> data </a:t>
+            </a:r>
+            <a:r>
+              <a:rPr lang="en-US" baseline="0" dirty="0" err="1" smtClean="0"/>
+              <a:t>för</a:t>
             </a:r>
             <a:r>
               <a:rPr lang="en-US" baseline="0" dirty="0" smtClean="0"/>
@@ -1453,279 +1364,18 @@
             </a:r>
             <a:r>
               <a:rPr lang="en-US" baseline="0" dirty="0" err="1" smtClean="0"/>
-              <a:t>för</a:t>
-            </a:r>
-            <a:r>
-              <a:rPr lang="en-US" baseline="0" dirty="0" smtClean="0"/>
-              <a:t> </a:t>
-            </a:r>
-            <a:r>
-              <a:rPr lang="en-US" baseline="0" dirty="0" err="1" smtClean="0"/>
-              <a:t>offentlig</a:t>
-            </a:r>
-            <a:r>
-              <a:rPr lang="en-US" baseline="0" dirty="0" smtClean="0"/>
-              <a:t> data </a:t>
-            </a:r>
-            <a:r>
-              <a:rPr lang="en-US" baseline="0" dirty="0" err="1" smtClean="0"/>
-              <a:t>som</a:t>
-            </a:r>
-            <a:r>
-              <a:rPr lang="en-US" baseline="0" dirty="0" smtClean="0"/>
-              <a:t> </a:t>
-            </a:r>
-            <a:r>
-              <a:rPr lang="en-US" baseline="0" dirty="0" err="1" smtClean="0"/>
-              <a:t>är</a:t>
-            </a:r>
-            <a:r>
-              <a:rPr lang="en-US" baseline="0" dirty="0" smtClean="0"/>
-              <a:t> </a:t>
-            </a:r>
-            <a:r>
-              <a:rPr lang="en-US" baseline="0" dirty="0" err="1" smtClean="0"/>
-              <a:t>helt</a:t>
-            </a:r>
-            <a:r>
-              <a:rPr lang="en-US" baseline="0" dirty="0" smtClean="0"/>
-              <a:t> </a:t>
-            </a:r>
-            <a:r>
-              <a:rPr lang="en-US" baseline="0" dirty="0" err="1" smtClean="0"/>
-              <a:t>öppna</a:t>
-            </a:r>
-            <a:endParaRPr lang="en-US" baseline="0" dirty="0" smtClean="0"/>
-          </a:p>
-          <a:p>
-            <a:endParaRPr lang="en-US" baseline="0" dirty="0" smtClean="0"/>
-          </a:p>
-          <a:p>
-            <a:r>
-              <a:rPr lang="en-US" baseline="0" dirty="0" err="1" smtClean="0"/>
-              <a:t>Apier</a:t>
-            </a:r>
-            <a:r>
-              <a:rPr lang="en-US" baseline="0" dirty="0" smtClean="0"/>
-              <a:t> </a:t>
-            </a:r>
-            <a:r>
-              <a:rPr lang="en-US" baseline="0" dirty="0" err="1" smtClean="0"/>
-              <a:t>för</a:t>
-            </a:r>
-            <a:r>
-              <a:rPr lang="en-US" baseline="0" dirty="0" smtClean="0"/>
-              <a:t> </a:t>
-            </a:r>
-            <a:r>
-              <a:rPr lang="en-US" baseline="0" dirty="0" err="1" smtClean="0"/>
-              <a:t>patientbunden</a:t>
-            </a:r>
-            <a:r>
-              <a:rPr lang="en-US" baseline="0" dirty="0" smtClean="0"/>
-              <a:t> data </a:t>
-            </a:r>
-            <a:r>
-              <a:rPr lang="en-US" baseline="0" dirty="0" err="1" smtClean="0"/>
-              <a:t>kräver</a:t>
-            </a:r>
-            <a:r>
-              <a:rPr lang="en-US" baseline="0" dirty="0" smtClean="0"/>
-              <a:t> en </a:t>
-            </a:r>
-            <a:r>
-              <a:rPr lang="en-US" baseline="0" dirty="0" err="1" smtClean="0"/>
-              <a:t>strikt</a:t>
-            </a:r>
-            <a:r>
-              <a:rPr lang="en-US" baseline="0" dirty="0" smtClean="0"/>
-              <a:t> </a:t>
-            </a:r>
-            <a:r>
-              <a:rPr lang="en-US" baseline="0" dirty="0" err="1" smtClean="0"/>
-              <a:t>åtkomstkontroll</a:t>
-            </a:r>
-            <a:r>
-              <a:rPr lang="en-US" baseline="0" dirty="0" smtClean="0"/>
-              <a:t> </a:t>
-            </a:r>
-            <a:r>
-              <a:rPr lang="en-US" baseline="0" dirty="0" err="1" smtClean="0"/>
-              <a:t>för</a:t>
-            </a:r>
-            <a:r>
-              <a:rPr lang="en-US" baseline="0" dirty="0" smtClean="0"/>
-              <a:t> </a:t>
-            </a:r>
-            <a:r>
-              <a:rPr lang="en-US" baseline="0" dirty="0" err="1" smtClean="0"/>
-              <a:t>att</a:t>
-            </a:r>
-            <a:r>
-              <a:rPr lang="en-US" baseline="0" dirty="0" smtClean="0"/>
-              <a:t> </a:t>
-            </a:r>
-            <a:r>
-              <a:rPr lang="en-US" baseline="0" dirty="0" err="1" smtClean="0"/>
-              <a:t>inte</a:t>
-            </a:r>
-            <a:r>
-              <a:rPr lang="en-US" baseline="0" dirty="0" smtClean="0"/>
-              <a:t> data </a:t>
-            </a:r>
-            <a:r>
-              <a:rPr lang="en-US" baseline="0" dirty="0" err="1" smtClean="0"/>
-              <a:t>skall</a:t>
-            </a:r>
-            <a:r>
-              <a:rPr lang="en-US" baseline="0" dirty="0" smtClean="0"/>
-              <a:t> </a:t>
-            </a:r>
-            <a:r>
-              <a:rPr lang="en-US" baseline="0" dirty="0" err="1" smtClean="0"/>
-              <a:t>hamna</a:t>
-            </a:r>
-            <a:r>
-              <a:rPr lang="en-US" baseline="0" dirty="0" smtClean="0"/>
-              <a:t> </a:t>
-            </a:r>
-            <a:r>
-              <a:rPr lang="en-US" baseline="0" dirty="0" err="1" smtClean="0"/>
-              <a:t>i</a:t>
-            </a:r>
-            <a:r>
-              <a:rPr lang="en-US" baseline="0" dirty="0" smtClean="0"/>
-              <a:t> </a:t>
-            </a:r>
-            <a:r>
-              <a:rPr lang="en-US" baseline="0" dirty="0" err="1" smtClean="0"/>
-              <a:t>orätta</a:t>
-            </a:r>
-            <a:r>
-              <a:rPr lang="en-US" baseline="0" dirty="0" smtClean="0"/>
-              <a:t> </a:t>
-            </a:r>
-            <a:r>
-              <a:rPr lang="en-US" baseline="0" dirty="0" err="1" smtClean="0"/>
-              <a:t>händer</a:t>
-            </a:r>
-            <a:endParaRPr lang="en-US" baseline="0" dirty="0" smtClean="0"/>
-          </a:p>
-          <a:p>
-            <a:endParaRPr lang="en-US" baseline="0" dirty="0" smtClean="0"/>
-          </a:p>
-          <a:p>
-            <a:r>
-              <a:rPr lang="en-US" baseline="0" dirty="0" err="1" smtClean="0"/>
-              <a:t>Förtroende</a:t>
-            </a:r>
-            <a:r>
-              <a:rPr lang="en-US" baseline="0" dirty="0" smtClean="0"/>
-              <a:t> -&gt; </a:t>
-            </a:r>
-            <a:r>
-              <a:rPr lang="en-US" baseline="0" dirty="0" err="1" smtClean="0"/>
-              <a:t>www.minavardkontakter.se</a:t>
-            </a:r>
-            <a:endParaRPr lang="en-US" baseline="0" dirty="0" smtClean="0"/>
-          </a:p>
-          <a:p>
-            <a:r>
-              <a:rPr lang="en-US" baseline="0" dirty="0" err="1" smtClean="0"/>
-              <a:t>Identifiering</a:t>
-            </a:r>
-            <a:r>
-              <a:rPr lang="en-US" baseline="0" dirty="0" smtClean="0"/>
-              <a:t> -&gt; </a:t>
-            </a:r>
-            <a:r>
-              <a:rPr lang="en-US" baseline="0" dirty="0" err="1" smtClean="0"/>
-              <a:t>inloggning</a:t>
-            </a:r>
-            <a:r>
-              <a:rPr lang="en-US" baseline="0" dirty="0" smtClean="0"/>
-              <a:t> via </a:t>
-            </a:r>
-            <a:r>
-              <a:rPr lang="en-US" baseline="0" dirty="0" err="1" smtClean="0"/>
-              <a:t>mvk</a:t>
-            </a:r>
-            <a:r>
-              <a:rPr lang="en-US" baseline="0" dirty="0" smtClean="0"/>
-              <a:t> med 2-faktorsautenticering till </a:t>
-            </a:r>
-            <a:r>
-              <a:rPr lang="en-US" baseline="0" dirty="0" err="1" smtClean="0"/>
-              <a:t>excempel</a:t>
-            </a:r>
-            <a:r>
-              <a:rPr lang="en-US" baseline="0" dirty="0" smtClean="0"/>
-              <a:t> e-leg. </a:t>
-            </a:r>
-            <a:r>
-              <a:rPr lang="en-US" baseline="0" dirty="0" err="1" smtClean="0"/>
-              <a:t>Krav</a:t>
-            </a:r>
-            <a:r>
-              <a:rPr lang="en-US" baseline="0" dirty="0" smtClean="0"/>
-              <a:t> </a:t>
-            </a:r>
-            <a:r>
-              <a:rPr lang="en-US" baseline="0" dirty="0" err="1" smtClean="0"/>
-              <a:t>från</a:t>
-            </a:r>
-            <a:r>
-              <a:rPr lang="en-US" baseline="0" dirty="0" smtClean="0"/>
-              <a:t> </a:t>
-            </a:r>
-            <a:r>
-              <a:rPr lang="en-US" baseline="0" dirty="0" err="1" smtClean="0"/>
-              <a:t>datainspektionen</a:t>
-            </a:r>
-            <a:r>
-              <a:rPr lang="en-US" baseline="0" dirty="0" smtClean="0"/>
-              <a:t>.</a:t>
-            </a:r>
-          </a:p>
-          <a:p>
-            <a:r>
-              <a:rPr lang="en-US" baseline="0" dirty="0" err="1" smtClean="0"/>
-              <a:t>Auktorisation</a:t>
-            </a:r>
-            <a:r>
-              <a:rPr lang="en-US" baseline="0" dirty="0" smtClean="0"/>
-              <a:t>….</a:t>
-            </a:r>
-          </a:p>
-          <a:p>
-            <a:r>
-              <a:rPr lang="en-US" baseline="0" dirty="0" smtClean="0"/>
-              <a:t>   </a:t>
-            </a:r>
-            <a:r>
-              <a:rPr lang="en-US" baseline="0" dirty="0" err="1" smtClean="0"/>
-              <a:t>Oauth</a:t>
-            </a:r>
-            <a:r>
-              <a:rPr lang="en-US" baseline="0" dirty="0" smtClean="0"/>
-              <a:t> 2.0 TADA… </a:t>
-            </a:r>
-            <a:r>
-              <a:rPr lang="en-US" baseline="0" dirty="0" err="1" smtClean="0"/>
-              <a:t>vänd</a:t>
-            </a:r>
-            <a:r>
-              <a:rPr lang="en-US" baseline="0" dirty="0" smtClean="0"/>
-              <a:t> </a:t>
-            </a:r>
-            <a:r>
-              <a:rPr lang="en-US" baseline="0" dirty="0" err="1" smtClean="0"/>
-              <a:t>blad</a:t>
-            </a:r>
-            <a:endParaRPr lang="en-US" baseline="0" dirty="0" smtClean="0"/>
-          </a:p>
-          <a:p>
-            <a:endParaRPr lang="en-US" baseline="0" dirty="0" smtClean="0"/>
+              <a:t>vårdgivare</a:t>
+            </a:r>
+            <a:r>
+              <a:rPr lang="en-US" baseline="0" dirty="0" smtClean="0"/>
+              <a:t>)</a:t>
+            </a:r>
+          </a:p>
+          <a:p>
+            <a:endParaRPr lang="en-US" smtClean="0"/>
+          </a:p>
+          <a:p>
+            <a:endParaRPr lang="en-US"/>
           </a:p>
         </p:txBody>
       </p:sp>
@@ -1752,7 +1402,7 @@
               <a:pPr>
                 <a:defRPr/>
               </a:pPr>
-              <a:t>9</a:t>
+              <a:t>5</a:t>
             </a:fld>
             <a:endParaRPr lang="sv-SE"/>
           </a:p>
@@ -1761,7 +1411,7 @@
     </p:spTree>
     <p:extLst>
       <p:ext uri="{BB962C8B-B14F-4D97-AF65-F5344CB8AC3E}">
-        <p14:creationId xmlns:p14="http://schemas.microsoft.com/office/powerpoint/2010/main" val="422046913"/>
+        <p14:creationId xmlns:p14="http://schemas.microsoft.com/office/powerpoint/2010/main" val="1770856474"/>
       </p:ext>
     </p:extLst>
   </p:cSld>
@@ -1816,12 +1466,8 @@
           <a:lstStyle/>
           <a:p>
             <a:r>
-              <a:rPr lang="en-US" dirty="0" smtClean="0"/>
-              <a:t>Visa </a:t>
-            </a:r>
-            <a:r>
               <a:rPr lang="en-US" dirty="0" err="1" smtClean="0"/>
-              <a:t>på</a:t>
+              <a:t>Kort</a:t>
             </a:r>
             <a:r>
               <a:rPr lang="en-US" dirty="0" smtClean="0"/>
@@ -1829,33 +1475,64 @@
             </a:r>
             <a:r>
               <a:rPr lang="en-US" dirty="0" err="1" smtClean="0"/>
-              <a:t>problemet</a:t>
-            </a:r>
+              <a:t>om</a:t>
+            </a:r>
+            <a:r>
+              <a:rPr lang="en-US" dirty="0" smtClean="0"/>
+              <a:t> </a:t>
+            </a:r>
+            <a:r>
+              <a:rPr lang="en-US" dirty="0" err="1" smtClean="0"/>
+              <a:t>API’er</a:t>
+            </a:r>
+            <a:r>
+              <a:rPr lang="en-US" dirty="0" smtClean="0"/>
+              <a:t> </a:t>
+            </a:r>
+            <a:r>
+              <a:rPr lang="en-US" dirty="0" err="1" smtClean="0"/>
+              <a:t>för</a:t>
+            </a:r>
+            <a:r>
+              <a:rPr lang="en-US" dirty="0" smtClean="0"/>
+              <a:t> </a:t>
+            </a:r>
+            <a:r>
+              <a:rPr lang="en-US" dirty="0" err="1" smtClean="0"/>
+              <a:t>patientbunden</a:t>
+            </a:r>
+            <a:r>
+              <a:rPr lang="en-US" dirty="0" smtClean="0"/>
+              <a:t> data</a:t>
+            </a:r>
+          </a:p>
+          <a:p>
             <a:endParaRPr lang="en-US" dirty="0" smtClean="0"/>
           </a:p>
           <a:p>
-            <a:endParaRPr lang="en-US" dirty="0" smtClean="0"/>
-          </a:p>
-          <a:p>
             <a:r>
               <a:rPr lang="en-US" dirty="0" smtClean="0"/>
-              <a:t>Den</a:t>
-            </a:r>
-            <a:r>
-              <a:rPr lang="en-US" baseline="0" dirty="0" smtClean="0"/>
+              <a:t>Nu </a:t>
+            </a:r>
+            <a:r>
+              <a:rPr lang="en-US" dirty="0" err="1" smtClean="0"/>
+              <a:t>har</a:t>
+            </a:r>
+            <a:r>
+              <a:rPr lang="en-US" dirty="0" smtClean="0"/>
               <a:t> </a:t>
             </a:r>
             <a:r>
-              <a:rPr lang="en-US" baseline="0" dirty="0" err="1" smtClean="0"/>
-              <a:t>naiva</a:t>
-            </a:r>
-            <a:r>
-              <a:rPr lang="en-US" baseline="0" dirty="0" smtClean="0"/>
+              <a:rPr lang="en-US" dirty="0" err="1" smtClean="0"/>
+              <a:t>ni</a:t>
+            </a:r>
+            <a:r>
+              <a:rPr lang="en-US" dirty="0" smtClean="0"/>
               <a:t> </a:t>
             </a:r>
             <a:r>
-              <a:rPr lang="en-US" baseline="0" dirty="0" err="1" smtClean="0"/>
-              <a:t>approachen</a:t>
+              <a:rPr lang="en-US" dirty="0" err="1" smtClean="0"/>
+              <a:t>testat</a:t>
             </a:r>
             <a:r>
               <a:rPr lang="en-US" baseline="0" dirty="0" smtClean="0"/>
@@ -1863,6 +1540,38 @@
             </a:r>
             <a:r>
               <a:rPr lang="en-US" baseline="0" dirty="0" err="1" smtClean="0"/>
+              <a:t>APIer</a:t>
+            </a:r>
+            <a:r>
+              <a:rPr lang="en-US" baseline="0" dirty="0" smtClean="0"/>
+              <a:t> </a:t>
+            </a:r>
+            <a:r>
+              <a:rPr lang="en-US" baseline="0" dirty="0" err="1" smtClean="0"/>
+              <a:t>för</a:t>
+            </a:r>
+            <a:r>
+              <a:rPr lang="en-US" baseline="0" dirty="0" smtClean="0"/>
+              <a:t> </a:t>
+            </a:r>
+            <a:r>
+              <a:rPr lang="en-US" baseline="0" dirty="0" err="1" smtClean="0"/>
+              <a:t>offentlig</a:t>
+            </a:r>
+            <a:r>
+              <a:rPr lang="en-US" baseline="0" dirty="0" smtClean="0"/>
+              <a:t> data </a:t>
+            </a:r>
+            <a:r>
+              <a:rPr lang="en-US" baseline="0" dirty="0" err="1" smtClean="0"/>
+              <a:t>som</a:t>
+            </a:r>
+            <a:r>
+              <a:rPr lang="en-US" baseline="0" dirty="0" smtClean="0"/>
+              <a:t> </a:t>
+            </a:r>
+            <a:r>
+              <a:rPr lang="en-US" baseline="0" dirty="0" err="1" smtClean="0"/>
               <a:t>är</a:t>
             </a:r>
             <a:r>
@@ -1871,23 +1580,97 @@
             </a:r>
             <a:r>
               <a:rPr lang="en-US" baseline="0" dirty="0" err="1" smtClean="0"/>
+              <a:t>helt</a:t>
+            </a:r>
+            <a:r>
+              <a:rPr lang="en-US" baseline="0" dirty="0" smtClean="0"/>
+              <a:t> </a:t>
+            </a:r>
+            <a:r>
+              <a:rPr lang="en-US" baseline="0" dirty="0" err="1" smtClean="0"/>
+              <a:t>öppna</a:t>
+            </a:r>
+            <a:endParaRPr lang="en-US" baseline="0" dirty="0" smtClean="0"/>
+          </a:p>
+          <a:p>
+            <a:endParaRPr lang="en-US" baseline="0" dirty="0" smtClean="0"/>
+          </a:p>
+          <a:p>
+            <a:r>
+              <a:rPr lang="en-US" baseline="0" dirty="0" err="1" smtClean="0"/>
+              <a:t>Apier</a:t>
+            </a:r>
+            <a:r>
+              <a:rPr lang="en-US" baseline="0" dirty="0" smtClean="0"/>
+              <a:t> </a:t>
+            </a:r>
+            <a:r>
+              <a:rPr lang="en-US" baseline="0" dirty="0" err="1" smtClean="0"/>
+              <a:t>för</a:t>
+            </a:r>
+            <a:r>
+              <a:rPr lang="en-US" baseline="0" dirty="0" smtClean="0"/>
+              <a:t> </a:t>
+            </a:r>
+            <a:r>
+              <a:rPr lang="en-US" baseline="0" dirty="0" err="1" smtClean="0"/>
+              <a:t>patientbunden</a:t>
+            </a:r>
+            <a:r>
+              <a:rPr lang="en-US" baseline="0" dirty="0" smtClean="0"/>
+              <a:t> data </a:t>
+            </a:r>
+            <a:r>
+              <a:rPr lang="en-US" baseline="0" dirty="0" err="1" smtClean="0"/>
+              <a:t>kräver</a:t>
+            </a:r>
+            <a:r>
+              <a:rPr lang="en-US" baseline="0" dirty="0" smtClean="0"/>
+              <a:t> en </a:t>
+            </a:r>
+            <a:r>
+              <a:rPr lang="en-US" baseline="0" dirty="0" err="1" smtClean="0"/>
+              <a:t>strikt</a:t>
+            </a:r>
+            <a:r>
+              <a:rPr lang="en-US" baseline="0" dirty="0" smtClean="0"/>
+              <a:t> </a:t>
+            </a:r>
+            <a:r>
+              <a:rPr lang="en-US" baseline="0" dirty="0" err="1" smtClean="0"/>
+              <a:t>åtkomstkontroll</a:t>
+            </a:r>
+            <a:r>
+              <a:rPr lang="en-US" baseline="0" dirty="0" smtClean="0"/>
+              <a:t> </a:t>
+            </a:r>
+            <a:r>
+              <a:rPr lang="en-US" baseline="0" dirty="0" err="1" smtClean="0"/>
+              <a:t>för</a:t>
+            </a:r>
+            <a:r>
+              <a:rPr lang="en-US" baseline="0" dirty="0" smtClean="0"/>
+              <a:t> </a:t>
+            </a:r>
+            <a:r>
+              <a:rPr lang="en-US" baseline="0" dirty="0" err="1" smtClean="0"/>
               <a:t>att</a:t>
             </a:r>
             <a:r>
               <a:rPr lang="en-US" baseline="0" dirty="0" smtClean="0"/>
-              <a:t> en </a:t>
-            </a:r>
-            <a:r>
-              <a:rPr lang="en-US" baseline="0" dirty="0" err="1" smtClean="0"/>
-              <a:t>betrodd</a:t>
-            </a:r>
-            <a:r>
-              <a:rPr lang="en-US" baseline="0" dirty="0" smtClean="0"/>
               <a:t> </a:t>
             </a:r>
             <a:r>
               <a:rPr lang="en-US" baseline="0" dirty="0" err="1" smtClean="0"/>
-              <a:t>klient</a:t>
+              <a:t>inte</a:t>
+            </a:r>
+            <a:r>
+              <a:rPr lang="en-US" baseline="0" dirty="0" smtClean="0"/>
+              <a:t> data </a:t>
+            </a:r>
+            <a:r>
+              <a:rPr lang="en-US" baseline="0" dirty="0" err="1" smtClean="0"/>
+              <a:t>skall</a:t>
             </a:r>
             <a:r>
               <a:rPr lang="en-US" baseline="0" dirty="0" smtClean="0"/>
@@ -1895,7 +1678,7 @@
             </a:r>
             <a:r>
               <a:rPr lang="en-US" baseline="0" dirty="0" err="1" smtClean="0"/>
-              <a:t>kan</a:t>
+              <a:t>hamna</a:t>
             </a:r>
             <a:r>
               <a:rPr lang="en-US" baseline="0" dirty="0" smtClean="0"/>
@@ -1903,7 +1686,7 @@
             </a:r>
             <a:r>
               <a:rPr lang="en-US" baseline="0" dirty="0" err="1" smtClean="0"/>
-              <a:t>anropa</a:t>
+              <a:t>i</a:t>
             </a:r>
             <a:r>
               <a:rPr lang="en-US" baseline="0" dirty="0" smtClean="0"/>
@@ -1911,7 +1694,7 @@
             </a:r>
             <a:r>
               <a:rPr lang="en-US" baseline="0" dirty="0" err="1" smtClean="0"/>
-              <a:t>APIet</a:t>
+              <a:t>orätta</a:t>
             </a:r>
             <a:r>
               <a:rPr lang="en-US" baseline="0" dirty="0" smtClean="0"/>
@@ -1919,7 +1702,64 @@
             </a:r>
             <a:r>
               <a:rPr lang="en-US" baseline="0" dirty="0" err="1" smtClean="0"/>
-              <a:t>och</a:t>
+              <a:t>händer</a:t>
+            </a:r>
+            <a:endParaRPr lang="en-US" baseline="0" dirty="0" smtClean="0"/>
+          </a:p>
+          <a:p>
+            <a:endParaRPr lang="en-US" baseline="0" dirty="0" smtClean="0"/>
+          </a:p>
+          <a:p>
+            <a:r>
+              <a:rPr lang="en-US" baseline="0" dirty="0" err="1" smtClean="0"/>
+              <a:t>Förtroende</a:t>
+            </a:r>
+            <a:r>
+              <a:rPr lang="en-US" baseline="0" dirty="0" smtClean="0"/>
+              <a:t> -&gt; </a:t>
+            </a:r>
+            <a:r>
+              <a:rPr lang="en-US" baseline="0" dirty="0" err="1" smtClean="0"/>
+              <a:t>www.minavardkontakter.se</a:t>
+            </a:r>
+            <a:endParaRPr lang="en-US" baseline="0" dirty="0" smtClean="0"/>
+          </a:p>
+          <a:p>
+            <a:r>
+              <a:rPr lang="en-US" baseline="0" dirty="0" err="1" smtClean="0"/>
+              <a:t>Identifiering</a:t>
+            </a:r>
+            <a:r>
+              <a:rPr lang="en-US" baseline="0" dirty="0" smtClean="0"/>
+              <a:t> -&gt; </a:t>
+            </a:r>
+            <a:r>
+              <a:rPr lang="en-US" baseline="0" dirty="0" err="1" smtClean="0"/>
+              <a:t>inloggning</a:t>
+            </a:r>
+            <a:r>
+              <a:rPr lang="en-US" baseline="0" dirty="0" smtClean="0"/>
+              <a:t> via </a:t>
+            </a:r>
+            <a:r>
+              <a:rPr lang="en-US" baseline="0" dirty="0" err="1" smtClean="0"/>
+              <a:t>mvk</a:t>
+            </a:r>
+            <a:r>
+              <a:rPr lang="en-US" baseline="0" dirty="0" smtClean="0"/>
+              <a:t> med 2-faktorsautenticering till </a:t>
+            </a:r>
+            <a:r>
+              <a:rPr lang="en-US" baseline="0" dirty="0" err="1" smtClean="0"/>
+              <a:t>excempel</a:t>
+            </a:r>
+            <a:r>
+              <a:rPr lang="en-US" baseline="0" dirty="0" smtClean="0"/>
+              <a:t> e-leg. </a:t>
+            </a:r>
+            <a:r>
+              <a:rPr lang="en-US" baseline="0" dirty="0" err="1" smtClean="0"/>
+              <a:t>Krav</a:t>
             </a:r>
             <a:r>
               <a:rPr lang="en-US" baseline="0" dirty="0" smtClean="0"/>
@@ -1927,7 +1767,7 @@
             </a:r>
             <a:r>
               <a:rPr lang="en-US" baseline="0" dirty="0" err="1" smtClean="0"/>
-              <a:t>begära</a:t>
+              <a:t>från</a:t>
             </a:r>
             <a:r>
               <a:rPr lang="en-US" baseline="0" dirty="0" smtClean="0"/>
@@ -1935,15 +1775,39 @@
             </a:r>
             <a:r>
               <a:rPr lang="en-US" baseline="0" dirty="0" err="1" smtClean="0"/>
-              <a:t>ut</a:t>
-            </a:r>
-            <a:r>
-              <a:rPr lang="en-US" baseline="0" dirty="0" smtClean="0"/>
-              <a:t> den information </a:t>
-            </a:r>
-            <a:r>
-              <a:rPr lang="en-US" baseline="0" dirty="0" err="1" smtClean="0"/>
-              <a:t>som</a:t>
+              <a:t>datainspektionen</a:t>
+            </a:r>
+            <a:r>
+              <a:rPr lang="en-US" baseline="0" dirty="0" smtClean="0"/>
+              <a:t>.</a:t>
+            </a:r>
+          </a:p>
+          <a:p>
+            <a:r>
+              <a:rPr lang="en-US" baseline="0" dirty="0" err="1" smtClean="0"/>
+              <a:t>Auktorisation</a:t>
+            </a:r>
+            <a:r>
+              <a:rPr lang="en-US" baseline="0" dirty="0" smtClean="0"/>
+              <a:t>….</a:t>
+            </a:r>
+          </a:p>
+          <a:p>
+            <a:r>
+              <a:rPr lang="en-US" baseline="0" dirty="0" smtClean="0"/>
+              <a:t>   </a:t>
+            </a:r>
+            <a:r>
+              <a:rPr lang="en-US" baseline="0" dirty="0" err="1" smtClean="0"/>
+              <a:t>Oauth</a:t>
+            </a:r>
+            <a:r>
+              <a:rPr lang="en-US" baseline="0" dirty="0" smtClean="0"/>
+              <a:t> 2.0 TADA… </a:t>
+            </a:r>
+            <a:r>
+              <a:rPr lang="en-US" baseline="0" dirty="0" err="1" smtClean="0"/>
+              <a:t>vänd</a:t>
             </a:r>
             <a:r>
               <a:rPr lang="en-US" baseline="0" dirty="0" smtClean="0"/>
@@ -1951,383 +1815,12 @@
             </a:r>
             <a:r>
               <a:rPr lang="en-US" baseline="0" dirty="0" err="1" smtClean="0"/>
-              <a:t>behövs</a:t>
+              <a:t>blad</a:t>
             </a:r>
             <a:endParaRPr lang="en-US" baseline="0" dirty="0" smtClean="0"/>
           </a:p>
           <a:p>
             <a:endParaRPr lang="en-US" baseline="0" dirty="0" smtClean="0"/>
-          </a:p>
-          <a:p>
-            <a:r>
-              <a:rPr lang="en-US" baseline="0" dirty="0" smtClean="0"/>
-              <a:t>MEN… </a:t>
-            </a:r>
-            <a:r>
-              <a:rPr lang="en-US" baseline="0" dirty="0" err="1" smtClean="0"/>
-              <a:t>är</a:t>
-            </a:r>
-            <a:r>
-              <a:rPr lang="en-US" baseline="0" dirty="0" smtClean="0"/>
-              <a:t> </a:t>
-            </a:r>
-            <a:r>
-              <a:rPr lang="en-US" baseline="0" dirty="0" err="1" smtClean="0"/>
-              <a:t>det</a:t>
-            </a:r>
-            <a:r>
-              <a:rPr lang="en-US" baseline="0" dirty="0" smtClean="0"/>
-              <a:t> </a:t>
-            </a:r>
-            <a:r>
-              <a:rPr lang="en-US" baseline="0" dirty="0" err="1" smtClean="0"/>
-              <a:t>säkert</a:t>
-            </a:r>
-            <a:r>
-              <a:rPr lang="en-US" baseline="0" dirty="0" smtClean="0"/>
-              <a:t> </a:t>
-            </a:r>
-            <a:r>
-              <a:rPr lang="en-US" baseline="0" dirty="0" err="1" smtClean="0"/>
-              <a:t>att</a:t>
-            </a:r>
-            <a:r>
-              <a:rPr lang="en-US" baseline="0" dirty="0" smtClean="0"/>
-              <a:t> </a:t>
-            </a:r>
-            <a:r>
-              <a:rPr lang="en-US" baseline="0" dirty="0" err="1" smtClean="0"/>
-              <a:t>invånaren</a:t>
-            </a:r>
-            <a:r>
-              <a:rPr lang="en-US" baseline="0" dirty="0" smtClean="0"/>
-              <a:t> </a:t>
-            </a:r>
-            <a:r>
-              <a:rPr lang="en-US" baseline="0" dirty="0" err="1" smtClean="0"/>
-              <a:t>kan</a:t>
-            </a:r>
-            <a:r>
-              <a:rPr lang="en-US" baseline="0" dirty="0" smtClean="0"/>
-              <a:t> </a:t>
-            </a:r>
-            <a:r>
-              <a:rPr lang="en-US" baseline="0" dirty="0" err="1" smtClean="0"/>
-              <a:t>lita</a:t>
-            </a:r>
-            <a:r>
-              <a:rPr lang="en-US" baseline="0" dirty="0" smtClean="0"/>
-              <a:t> </a:t>
-            </a:r>
-            <a:r>
-              <a:rPr lang="en-US" baseline="0" dirty="0" err="1" smtClean="0"/>
-              <a:t>på</a:t>
-            </a:r>
-            <a:r>
-              <a:rPr lang="en-US" baseline="0" dirty="0" smtClean="0"/>
-              <a:t> </a:t>
-            </a:r>
-            <a:r>
-              <a:rPr lang="en-US" baseline="0" dirty="0" err="1" smtClean="0"/>
-              <a:t>att</a:t>
-            </a:r>
-            <a:r>
-              <a:rPr lang="en-US" baseline="0" dirty="0" smtClean="0"/>
-              <a:t> </a:t>
-            </a:r>
-            <a:r>
-              <a:rPr lang="en-US" baseline="0" dirty="0" err="1" smtClean="0"/>
-              <a:t>klieneten</a:t>
-            </a:r>
-            <a:r>
-              <a:rPr lang="en-US" baseline="0" dirty="0" smtClean="0"/>
-              <a:t> </a:t>
-            </a:r>
-            <a:r>
-              <a:rPr lang="en-US" baseline="0" dirty="0" err="1" smtClean="0"/>
-              <a:t>inte</a:t>
-            </a:r>
-            <a:r>
-              <a:rPr lang="en-US" baseline="0" dirty="0" smtClean="0"/>
-              <a:t> </a:t>
-            </a:r>
-            <a:r>
-              <a:rPr lang="en-US" baseline="0" dirty="0" err="1" smtClean="0"/>
-              <a:t>begär</a:t>
-            </a:r>
-            <a:r>
-              <a:rPr lang="en-US" baseline="0" dirty="0" smtClean="0"/>
-              <a:t> </a:t>
-            </a:r>
-            <a:r>
-              <a:rPr lang="en-US" baseline="0" dirty="0" err="1" smtClean="0"/>
-              <a:t>ut</a:t>
-            </a:r>
-            <a:r>
-              <a:rPr lang="en-US" baseline="0" dirty="0" smtClean="0"/>
-              <a:t> information </a:t>
-            </a:r>
-            <a:r>
-              <a:rPr lang="en-US" baseline="0" dirty="0" err="1" smtClean="0"/>
-              <a:t>utan</a:t>
-            </a:r>
-            <a:r>
-              <a:rPr lang="en-US" baseline="0" dirty="0" smtClean="0"/>
-              <a:t> </a:t>
-            </a:r>
-            <a:r>
-              <a:rPr lang="en-US" baseline="0" dirty="0" err="1" smtClean="0"/>
-              <a:t>att</a:t>
-            </a:r>
-            <a:r>
-              <a:rPr lang="en-US" baseline="0" dirty="0" smtClean="0"/>
-              <a:t> </a:t>
-            </a:r>
-            <a:r>
-              <a:rPr lang="en-US" baseline="0" dirty="0" err="1" smtClean="0"/>
-              <a:t>invånaren</a:t>
-            </a:r>
-            <a:r>
-              <a:rPr lang="en-US" baseline="0" dirty="0" smtClean="0"/>
-              <a:t> </a:t>
-            </a:r>
-            <a:r>
-              <a:rPr lang="en-US" baseline="0" dirty="0" err="1" smtClean="0"/>
-              <a:t>godkänt</a:t>
-            </a:r>
-            <a:r>
-              <a:rPr lang="en-US" baseline="0" dirty="0" smtClean="0"/>
-              <a:t>.</a:t>
-            </a:r>
-          </a:p>
-          <a:p>
-            <a:endParaRPr lang="en-US" baseline="0" dirty="0" smtClean="0"/>
-          </a:p>
-          <a:p>
-            <a:r>
-              <a:rPr lang="en-US" baseline="0" dirty="0" err="1" smtClean="0"/>
-              <a:t>För</a:t>
-            </a:r>
-            <a:r>
-              <a:rPr lang="en-US" baseline="0" dirty="0" smtClean="0"/>
-              <a:t> </a:t>
-            </a:r>
-            <a:r>
-              <a:rPr lang="en-US" baseline="0" dirty="0" err="1" smtClean="0"/>
-              <a:t>att</a:t>
-            </a:r>
-            <a:r>
-              <a:rPr lang="en-US" baseline="0" dirty="0" smtClean="0"/>
-              <a:t> </a:t>
-            </a:r>
-            <a:r>
-              <a:rPr lang="en-US" baseline="0" dirty="0" err="1" smtClean="0"/>
-              <a:t>få</a:t>
-            </a:r>
-            <a:r>
-              <a:rPr lang="en-US" baseline="0" dirty="0" smtClean="0"/>
-              <a:t> </a:t>
-            </a:r>
-            <a:r>
-              <a:rPr lang="en-US" baseline="0" dirty="0" err="1" smtClean="0"/>
-              <a:t>tillit</a:t>
-            </a:r>
-            <a:r>
-              <a:rPr lang="en-US" baseline="0" dirty="0" smtClean="0"/>
-              <a:t> I </a:t>
-            </a:r>
-            <a:r>
-              <a:rPr lang="en-US" baseline="0" dirty="0" err="1" smtClean="0"/>
-              <a:t>systemet</a:t>
-            </a:r>
-            <a:r>
-              <a:rPr lang="en-US" baseline="0" dirty="0" smtClean="0"/>
-              <a:t> </a:t>
-            </a:r>
-            <a:r>
-              <a:rPr lang="en-US" baseline="0" dirty="0" err="1" smtClean="0"/>
-              <a:t>behöver</a:t>
-            </a:r>
-            <a:r>
-              <a:rPr lang="en-US" baseline="0" dirty="0" smtClean="0"/>
-              <a:t> </a:t>
-            </a:r>
-            <a:r>
-              <a:rPr lang="en-US" baseline="0" dirty="0" err="1" smtClean="0"/>
-              <a:t>det</a:t>
-            </a:r>
-            <a:r>
-              <a:rPr lang="en-US" baseline="0" dirty="0" smtClean="0"/>
-              <a:t> </a:t>
-            </a:r>
-            <a:r>
-              <a:rPr lang="en-US" baseline="0" dirty="0" err="1" smtClean="0"/>
-              <a:t>finnas</a:t>
-            </a:r>
-            <a:r>
-              <a:rPr lang="en-US" baseline="0" dirty="0" smtClean="0"/>
-              <a:t> en </a:t>
-            </a:r>
-            <a:r>
-              <a:rPr lang="en-US" baseline="0" dirty="0" err="1" smtClean="0"/>
-              <a:t>mekanism</a:t>
-            </a:r>
-            <a:r>
-              <a:rPr lang="en-US" baseline="0" dirty="0" smtClean="0"/>
-              <a:t> </a:t>
-            </a:r>
-            <a:r>
-              <a:rPr lang="en-US" baseline="0" dirty="0" err="1" smtClean="0"/>
-              <a:t>som</a:t>
-            </a:r>
-            <a:r>
-              <a:rPr lang="en-US" baseline="0" dirty="0" smtClean="0"/>
-              <a:t> </a:t>
-            </a:r>
-            <a:r>
-              <a:rPr lang="en-US" baseline="0" dirty="0" err="1" smtClean="0"/>
-              <a:t>gör</a:t>
-            </a:r>
-            <a:r>
-              <a:rPr lang="en-US" baseline="0" dirty="0" smtClean="0"/>
-              <a:t> </a:t>
-            </a:r>
-            <a:r>
-              <a:rPr lang="en-US" baseline="0" dirty="0" err="1" smtClean="0"/>
-              <a:t>att</a:t>
-            </a:r>
-            <a:r>
-              <a:rPr lang="en-US" baseline="0" dirty="0" smtClean="0"/>
-              <a:t> </a:t>
-            </a:r>
-            <a:r>
-              <a:rPr lang="en-US" baseline="0" dirty="0" err="1" smtClean="0"/>
-              <a:t>klienten</a:t>
-            </a:r>
-            <a:r>
-              <a:rPr lang="en-US" baseline="0" dirty="0" smtClean="0"/>
-              <a:t> </a:t>
-            </a:r>
-            <a:r>
-              <a:rPr lang="en-US" baseline="0" dirty="0" err="1" smtClean="0"/>
-              <a:t>endast</a:t>
-            </a:r>
-            <a:r>
-              <a:rPr lang="en-US" baseline="0" dirty="0" smtClean="0"/>
-              <a:t> </a:t>
-            </a:r>
-            <a:r>
-              <a:rPr lang="en-US" baseline="0" dirty="0" err="1" smtClean="0"/>
-              <a:t>kan</a:t>
-            </a:r>
-            <a:r>
-              <a:rPr lang="en-US" baseline="0" dirty="0" smtClean="0"/>
-              <a:t> </a:t>
-            </a:r>
-            <a:r>
-              <a:rPr lang="en-US" baseline="0" dirty="0" err="1" smtClean="0"/>
-              <a:t>hämta</a:t>
-            </a:r>
-            <a:r>
-              <a:rPr lang="en-US" baseline="0" dirty="0" smtClean="0"/>
-              <a:t> </a:t>
-            </a:r>
-            <a:r>
-              <a:rPr lang="en-US" baseline="0" dirty="0" err="1" smtClean="0"/>
-              <a:t>ut</a:t>
-            </a:r>
-            <a:r>
-              <a:rPr lang="en-US" baseline="0" dirty="0" smtClean="0"/>
-              <a:t> information </a:t>
-            </a:r>
-            <a:r>
-              <a:rPr lang="en-US" baseline="0" dirty="0" err="1" smtClean="0"/>
-              <a:t>som</a:t>
-            </a:r>
-            <a:r>
-              <a:rPr lang="en-US" baseline="0" dirty="0" smtClean="0"/>
-              <a:t> </a:t>
-            </a:r>
-            <a:r>
-              <a:rPr lang="en-US" baseline="0" dirty="0" err="1" smtClean="0"/>
-              <a:t>invånaren</a:t>
-            </a:r>
-            <a:r>
-              <a:rPr lang="en-US" baseline="0" dirty="0" smtClean="0"/>
-              <a:t> </a:t>
-            </a:r>
-            <a:r>
-              <a:rPr lang="en-US" baseline="0" dirty="0" err="1" smtClean="0"/>
-              <a:t>har</a:t>
-            </a:r>
-            <a:r>
-              <a:rPr lang="en-US" baseline="0" dirty="0" smtClean="0"/>
-              <a:t> </a:t>
-            </a:r>
-            <a:r>
-              <a:rPr lang="en-US" baseline="0" dirty="0" err="1" smtClean="0"/>
-              <a:t>godkänt</a:t>
-            </a:r>
-            <a:r>
-              <a:rPr lang="en-US" baseline="0" dirty="0" smtClean="0"/>
-              <a:t>.</a:t>
-            </a:r>
-          </a:p>
-          <a:p>
-            <a:r>
-              <a:rPr lang="en-US" baseline="0" dirty="0" err="1" smtClean="0"/>
-              <a:t>APIet</a:t>
-            </a:r>
-            <a:r>
-              <a:rPr lang="en-US" baseline="0" dirty="0" smtClean="0"/>
-              <a:t> </a:t>
-            </a:r>
-            <a:r>
-              <a:rPr lang="en-US" baseline="0" dirty="0" err="1" smtClean="0"/>
-              <a:t>behöver</a:t>
-            </a:r>
-            <a:r>
-              <a:rPr lang="en-US" baseline="0" dirty="0" smtClean="0"/>
-              <a:t> </a:t>
-            </a:r>
-            <a:r>
-              <a:rPr lang="en-US" baseline="0" dirty="0" err="1" smtClean="0"/>
-              <a:t>verifiera</a:t>
-            </a:r>
-            <a:r>
-              <a:rPr lang="en-US" baseline="0" dirty="0" smtClean="0"/>
-              <a:t> </a:t>
-            </a:r>
-            <a:r>
-              <a:rPr lang="en-US" baseline="0" dirty="0" err="1" smtClean="0"/>
-              <a:t>detta</a:t>
-            </a:r>
-            <a:r>
-              <a:rPr lang="en-US" baseline="0" dirty="0" smtClean="0"/>
-              <a:t>.</a:t>
-            </a:r>
-          </a:p>
-          <a:p>
-            <a:endParaRPr lang="en-US" baseline="0" dirty="0" smtClean="0"/>
-          </a:p>
-          <a:p>
-            <a:r>
-              <a:rPr lang="en-US" baseline="0" dirty="0" err="1" smtClean="0"/>
-              <a:t>Såååå</a:t>
-            </a:r>
-            <a:r>
-              <a:rPr lang="en-US" baseline="0" dirty="0" smtClean="0"/>
-              <a:t>…… OAUTH 2.0 </a:t>
-            </a:r>
-            <a:r>
-              <a:rPr lang="en-US" baseline="0" dirty="0" err="1" smtClean="0"/>
-              <a:t>nästa</a:t>
-            </a:r>
-            <a:r>
-              <a:rPr lang="en-US" baseline="0" dirty="0" smtClean="0"/>
-              <a:t> slide…</a:t>
-            </a:r>
-            <a:endParaRPr lang="en-US" dirty="0"/>
           </a:p>
         </p:txBody>
       </p:sp>
@@ -2363,7 +1856,7 @@
     </p:spTree>
     <p:extLst>
       <p:ext uri="{BB962C8B-B14F-4D97-AF65-F5344CB8AC3E}">
-        <p14:creationId xmlns:p14="http://schemas.microsoft.com/office/powerpoint/2010/main" val="1531746770"/>
+        <p14:creationId xmlns:p14="http://schemas.microsoft.com/office/powerpoint/2010/main" val="422046913"/>
       </p:ext>
     </p:extLst>
   </p:cSld>
@@ -2417,7 +1910,519 @@
           <a:bodyPr/>
           <a:lstStyle/>
           <a:p>
+            <a:r>
+              <a:rPr lang="en-US" dirty="0" smtClean="0"/>
+              <a:t>Visa </a:t>
+            </a:r>
+            <a:r>
+              <a:rPr lang="en-US" dirty="0" err="1" smtClean="0"/>
+              <a:t>på</a:t>
+            </a:r>
+            <a:r>
+              <a:rPr lang="en-US" dirty="0" smtClean="0"/>
+              <a:t> </a:t>
+            </a:r>
+            <a:r>
+              <a:rPr lang="en-US" dirty="0" err="1" smtClean="0"/>
+              <a:t>problemet</a:t>
+            </a:r>
+            <a:endParaRPr lang="en-US" dirty="0" smtClean="0"/>
+          </a:p>
+          <a:p>
+            <a:endParaRPr lang="en-US" dirty="0" smtClean="0"/>
+          </a:p>
+          <a:p>
+            <a:r>
+              <a:rPr lang="en-US" dirty="0" smtClean="0"/>
+              <a:t>Den</a:t>
+            </a:r>
+            <a:r>
+              <a:rPr lang="en-US" baseline="0" dirty="0" smtClean="0"/>
+              <a:t> </a:t>
+            </a:r>
+            <a:r>
+              <a:rPr lang="en-US" baseline="0" dirty="0" err="1" smtClean="0"/>
+              <a:t>naiva</a:t>
+            </a:r>
+            <a:r>
+              <a:rPr lang="en-US" baseline="0" dirty="0" smtClean="0"/>
+              <a:t> </a:t>
+            </a:r>
+            <a:r>
+              <a:rPr lang="en-US" baseline="0" dirty="0" err="1" smtClean="0"/>
+              <a:t>approachen</a:t>
+            </a:r>
+            <a:r>
+              <a:rPr lang="en-US" baseline="0" dirty="0" smtClean="0"/>
+              <a:t> </a:t>
+            </a:r>
+            <a:r>
+              <a:rPr lang="en-US" baseline="0" dirty="0" err="1" smtClean="0"/>
+              <a:t>är</a:t>
+            </a:r>
+            <a:r>
+              <a:rPr lang="en-US" baseline="0" dirty="0" smtClean="0"/>
+              <a:t> </a:t>
+            </a:r>
+            <a:r>
+              <a:rPr lang="en-US" baseline="0" dirty="0" err="1" smtClean="0"/>
+              <a:t>att</a:t>
+            </a:r>
+            <a:r>
+              <a:rPr lang="en-US" baseline="0" dirty="0" smtClean="0"/>
+              <a:t> en </a:t>
+            </a:r>
+            <a:r>
+              <a:rPr lang="en-US" baseline="0" dirty="0" err="1" smtClean="0"/>
+              <a:t>betrodd</a:t>
+            </a:r>
+            <a:r>
+              <a:rPr lang="en-US" baseline="0" dirty="0" smtClean="0"/>
+              <a:t> </a:t>
+            </a:r>
+            <a:r>
+              <a:rPr lang="en-US" baseline="0" dirty="0" err="1" smtClean="0"/>
+              <a:t>klient</a:t>
+            </a:r>
+            <a:r>
+              <a:rPr lang="en-US" baseline="0" dirty="0" smtClean="0"/>
+              <a:t> </a:t>
+            </a:r>
+            <a:r>
+              <a:rPr lang="en-US" baseline="0" dirty="0" err="1" smtClean="0"/>
+              <a:t>kan</a:t>
+            </a:r>
+            <a:r>
+              <a:rPr lang="en-US" baseline="0" dirty="0" smtClean="0"/>
+              <a:t> </a:t>
+            </a:r>
+            <a:r>
+              <a:rPr lang="en-US" baseline="0" dirty="0" err="1" smtClean="0"/>
+              <a:t>anropa</a:t>
+            </a:r>
+            <a:r>
+              <a:rPr lang="en-US" baseline="0" dirty="0" smtClean="0"/>
+              <a:t> </a:t>
+            </a:r>
+            <a:r>
+              <a:rPr lang="en-US" baseline="0" dirty="0" err="1" smtClean="0"/>
+              <a:t>APIet</a:t>
+            </a:r>
+            <a:r>
+              <a:rPr lang="en-US" baseline="0" dirty="0" smtClean="0"/>
+              <a:t> </a:t>
+            </a:r>
+            <a:r>
+              <a:rPr lang="en-US" baseline="0" dirty="0" err="1" smtClean="0"/>
+              <a:t>och</a:t>
+            </a:r>
+            <a:r>
+              <a:rPr lang="en-US" baseline="0" dirty="0" smtClean="0"/>
+              <a:t> </a:t>
+            </a:r>
+            <a:r>
+              <a:rPr lang="en-US" baseline="0" dirty="0" err="1" smtClean="0"/>
+              <a:t>begära</a:t>
+            </a:r>
+            <a:r>
+              <a:rPr lang="en-US" baseline="0" dirty="0" smtClean="0"/>
+              <a:t> </a:t>
+            </a:r>
+            <a:r>
+              <a:rPr lang="en-US" baseline="0" dirty="0" err="1" smtClean="0"/>
+              <a:t>ut</a:t>
+            </a:r>
+            <a:r>
+              <a:rPr lang="en-US" baseline="0" dirty="0" smtClean="0"/>
+              <a:t> den information </a:t>
+            </a:r>
+            <a:r>
+              <a:rPr lang="en-US" baseline="0" dirty="0" err="1" smtClean="0"/>
+              <a:t>som</a:t>
+            </a:r>
+            <a:r>
+              <a:rPr lang="en-US" baseline="0" dirty="0" smtClean="0"/>
+              <a:t> </a:t>
+            </a:r>
+            <a:r>
+              <a:rPr lang="en-US" baseline="0" dirty="0" err="1" smtClean="0"/>
+              <a:t>behövs</a:t>
+            </a:r>
             <a:endParaRPr lang="en-US" baseline="0" dirty="0" smtClean="0"/>
+          </a:p>
+          <a:p>
+            <a:endParaRPr lang="en-US" baseline="0" dirty="0" smtClean="0"/>
+          </a:p>
+          <a:p>
+            <a:r>
+              <a:rPr lang="en-US" baseline="0" dirty="0" smtClean="0"/>
+              <a:t>MEN… </a:t>
+            </a:r>
+            <a:r>
+              <a:rPr lang="en-US" baseline="0" dirty="0" err="1" smtClean="0"/>
+              <a:t>är</a:t>
+            </a:r>
+            <a:r>
+              <a:rPr lang="en-US" baseline="0" dirty="0" smtClean="0"/>
+              <a:t> </a:t>
+            </a:r>
+            <a:r>
+              <a:rPr lang="en-US" baseline="0" dirty="0" err="1" smtClean="0"/>
+              <a:t>det</a:t>
+            </a:r>
+            <a:r>
+              <a:rPr lang="en-US" baseline="0" dirty="0" smtClean="0"/>
+              <a:t> </a:t>
+            </a:r>
+            <a:r>
+              <a:rPr lang="en-US" baseline="0" dirty="0" err="1" smtClean="0"/>
+              <a:t>säkert</a:t>
+            </a:r>
+            <a:r>
+              <a:rPr lang="en-US" baseline="0" dirty="0" smtClean="0"/>
+              <a:t> </a:t>
+            </a:r>
+            <a:r>
+              <a:rPr lang="en-US" baseline="0" dirty="0" err="1" smtClean="0"/>
+              <a:t>att</a:t>
+            </a:r>
+            <a:r>
+              <a:rPr lang="en-US" baseline="0" dirty="0" smtClean="0"/>
+              <a:t> </a:t>
+            </a:r>
+            <a:r>
+              <a:rPr lang="en-US" baseline="0" dirty="0" err="1" smtClean="0"/>
+              <a:t>invånaren</a:t>
+            </a:r>
+            <a:r>
+              <a:rPr lang="en-US" baseline="0" dirty="0" smtClean="0"/>
+              <a:t> </a:t>
+            </a:r>
+            <a:r>
+              <a:rPr lang="en-US" baseline="0" dirty="0" err="1" smtClean="0"/>
+              <a:t>kan</a:t>
+            </a:r>
+            <a:r>
+              <a:rPr lang="en-US" baseline="0" dirty="0" smtClean="0"/>
+              <a:t> </a:t>
+            </a:r>
+            <a:r>
+              <a:rPr lang="en-US" baseline="0" dirty="0" err="1" smtClean="0"/>
+              <a:t>lita</a:t>
+            </a:r>
+            <a:r>
+              <a:rPr lang="en-US" baseline="0" dirty="0" smtClean="0"/>
+              <a:t> </a:t>
+            </a:r>
+            <a:r>
+              <a:rPr lang="en-US" baseline="0" dirty="0" err="1" smtClean="0"/>
+              <a:t>på</a:t>
+            </a:r>
+            <a:r>
+              <a:rPr lang="en-US" baseline="0" dirty="0" smtClean="0"/>
+              <a:t> </a:t>
+            </a:r>
+            <a:r>
+              <a:rPr lang="en-US" baseline="0" dirty="0" err="1" smtClean="0"/>
+              <a:t>att</a:t>
+            </a:r>
+            <a:r>
+              <a:rPr lang="en-US" baseline="0" dirty="0" smtClean="0"/>
+              <a:t> </a:t>
+            </a:r>
+            <a:r>
+              <a:rPr lang="en-US" baseline="0" dirty="0" err="1" smtClean="0"/>
+              <a:t>klieneten</a:t>
+            </a:r>
+            <a:r>
+              <a:rPr lang="en-US" baseline="0" dirty="0" smtClean="0"/>
+              <a:t> </a:t>
+            </a:r>
+            <a:r>
+              <a:rPr lang="en-US" baseline="0" dirty="0" err="1" smtClean="0"/>
+              <a:t>inte</a:t>
+            </a:r>
+            <a:r>
+              <a:rPr lang="en-US" baseline="0" dirty="0" smtClean="0"/>
+              <a:t> </a:t>
+            </a:r>
+            <a:r>
+              <a:rPr lang="en-US" baseline="0" dirty="0" err="1" smtClean="0"/>
+              <a:t>begär</a:t>
+            </a:r>
+            <a:r>
+              <a:rPr lang="en-US" baseline="0" dirty="0" smtClean="0"/>
+              <a:t> </a:t>
+            </a:r>
+            <a:r>
+              <a:rPr lang="en-US" baseline="0" dirty="0" err="1" smtClean="0"/>
+              <a:t>ut</a:t>
+            </a:r>
+            <a:r>
+              <a:rPr lang="en-US" baseline="0" dirty="0" smtClean="0"/>
+              <a:t> information </a:t>
+            </a:r>
+            <a:r>
+              <a:rPr lang="en-US" baseline="0" dirty="0" err="1" smtClean="0"/>
+              <a:t>utan</a:t>
+            </a:r>
+            <a:r>
+              <a:rPr lang="en-US" baseline="0" dirty="0" smtClean="0"/>
+              <a:t> </a:t>
+            </a:r>
+            <a:r>
+              <a:rPr lang="en-US" baseline="0" dirty="0" err="1" smtClean="0"/>
+              <a:t>att</a:t>
+            </a:r>
+            <a:r>
+              <a:rPr lang="en-US" baseline="0" dirty="0" smtClean="0"/>
+              <a:t> </a:t>
+            </a:r>
+            <a:r>
+              <a:rPr lang="en-US" baseline="0" dirty="0" err="1" smtClean="0"/>
+              <a:t>invånaren</a:t>
+            </a:r>
+            <a:r>
+              <a:rPr lang="en-US" baseline="0" dirty="0" smtClean="0"/>
+              <a:t> </a:t>
+            </a:r>
+            <a:r>
+              <a:rPr lang="en-US" baseline="0" dirty="0" err="1" smtClean="0"/>
+              <a:t>godkänt</a:t>
+            </a:r>
+            <a:r>
+              <a:rPr lang="en-US" baseline="0" dirty="0" smtClean="0"/>
+              <a:t>.</a:t>
+            </a:r>
+          </a:p>
+          <a:p>
+            <a:endParaRPr lang="en-US" baseline="0" dirty="0" smtClean="0"/>
+          </a:p>
+          <a:p>
+            <a:r>
+              <a:rPr lang="en-US" baseline="0" dirty="0" err="1" smtClean="0"/>
+              <a:t>För</a:t>
+            </a:r>
+            <a:r>
+              <a:rPr lang="en-US" baseline="0" dirty="0" smtClean="0"/>
+              <a:t> </a:t>
+            </a:r>
+            <a:r>
+              <a:rPr lang="en-US" baseline="0" dirty="0" err="1" smtClean="0"/>
+              <a:t>att</a:t>
+            </a:r>
+            <a:r>
+              <a:rPr lang="en-US" baseline="0" dirty="0" smtClean="0"/>
+              <a:t> </a:t>
+            </a:r>
+            <a:r>
+              <a:rPr lang="en-US" baseline="0" dirty="0" err="1" smtClean="0"/>
+              <a:t>få</a:t>
+            </a:r>
+            <a:r>
+              <a:rPr lang="en-US" baseline="0" dirty="0" smtClean="0"/>
+              <a:t> </a:t>
+            </a:r>
+            <a:r>
+              <a:rPr lang="en-US" baseline="0" dirty="0" err="1" smtClean="0"/>
+              <a:t>tillit</a:t>
+            </a:r>
+            <a:r>
+              <a:rPr lang="en-US" baseline="0" dirty="0" smtClean="0"/>
+              <a:t> I </a:t>
+            </a:r>
+            <a:r>
+              <a:rPr lang="en-US" baseline="0" dirty="0" err="1" smtClean="0"/>
+              <a:t>systemet</a:t>
+            </a:r>
+            <a:r>
+              <a:rPr lang="en-US" baseline="0" dirty="0" smtClean="0"/>
+              <a:t> </a:t>
+            </a:r>
+            <a:r>
+              <a:rPr lang="en-US" baseline="0" dirty="0" err="1" smtClean="0"/>
+              <a:t>behöver</a:t>
+            </a:r>
+            <a:r>
+              <a:rPr lang="en-US" baseline="0" dirty="0" smtClean="0"/>
+              <a:t> </a:t>
+            </a:r>
+            <a:r>
+              <a:rPr lang="en-US" baseline="0" dirty="0" err="1" smtClean="0"/>
+              <a:t>det</a:t>
+            </a:r>
+            <a:r>
+              <a:rPr lang="en-US" baseline="0" dirty="0" smtClean="0"/>
+              <a:t> </a:t>
+            </a:r>
+            <a:r>
+              <a:rPr lang="en-US" baseline="0" dirty="0" err="1" smtClean="0"/>
+              <a:t>finnas</a:t>
+            </a:r>
+            <a:r>
+              <a:rPr lang="en-US" baseline="0" dirty="0" smtClean="0"/>
+              <a:t> en </a:t>
+            </a:r>
+            <a:r>
+              <a:rPr lang="en-US" baseline="0" dirty="0" err="1" smtClean="0"/>
+              <a:t>mekanism</a:t>
+            </a:r>
+            <a:r>
+              <a:rPr lang="en-US" baseline="0" dirty="0" smtClean="0"/>
+              <a:t> </a:t>
+            </a:r>
+            <a:r>
+              <a:rPr lang="en-US" baseline="0" dirty="0" err="1" smtClean="0"/>
+              <a:t>som</a:t>
+            </a:r>
+            <a:r>
+              <a:rPr lang="en-US" baseline="0" dirty="0" smtClean="0"/>
+              <a:t> </a:t>
+            </a:r>
+            <a:r>
+              <a:rPr lang="en-US" baseline="0" dirty="0" err="1" smtClean="0"/>
+              <a:t>gör</a:t>
+            </a:r>
+            <a:r>
+              <a:rPr lang="en-US" baseline="0" dirty="0" smtClean="0"/>
+              <a:t> </a:t>
+            </a:r>
+            <a:r>
+              <a:rPr lang="en-US" baseline="0" dirty="0" err="1" smtClean="0"/>
+              <a:t>att</a:t>
+            </a:r>
+            <a:r>
+              <a:rPr lang="en-US" baseline="0" dirty="0" smtClean="0"/>
+              <a:t> </a:t>
+            </a:r>
+            <a:r>
+              <a:rPr lang="en-US" baseline="0" dirty="0" err="1" smtClean="0"/>
+              <a:t>klienten</a:t>
+            </a:r>
+            <a:r>
+              <a:rPr lang="en-US" baseline="0" dirty="0" smtClean="0"/>
+              <a:t> </a:t>
+            </a:r>
+            <a:r>
+              <a:rPr lang="en-US" baseline="0" dirty="0" err="1" smtClean="0"/>
+              <a:t>endast</a:t>
+            </a:r>
+            <a:r>
+              <a:rPr lang="en-US" baseline="0" dirty="0" smtClean="0"/>
+              <a:t> </a:t>
+            </a:r>
+            <a:r>
+              <a:rPr lang="en-US" baseline="0" dirty="0" err="1" smtClean="0"/>
+              <a:t>kan</a:t>
+            </a:r>
+            <a:r>
+              <a:rPr lang="en-US" baseline="0" dirty="0" smtClean="0"/>
+              <a:t> </a:t>
+            </a:r>
+            <a:r>
+              <a:rPr lang="en-US" baseline="0" dirty="0" err="1" smtClean="0"/>
+              <a:t>hämta</a:t>
+            </a:r>
+            <a:r>
+              <a:rPr lang="en-US" baseline="0" dirty="0" smtClean="0"/>
+              <a:t> </a:t>
+            </a:r>
+            <a:r>
+              <a:rPr lang="en-US" baseline="0" dirty="0" err="1" smtClean="0"/>
+              <a:t>ut</a:t>
+            </a:r>
+            <a:r>
+              <a:rPr lang="en-US" baseline="0" dirty="0" smtClean="0"/>
+              <a:t> information </a:t>
+            </a:r>
+            <a:r>
+              <a:rPr lang="en-US" baseline="0" dirty="0" err="1" smtClean="0"/>
+              <a:t>som</a:t>
+            </a:r>
+            <a:r>
+              <a:rPr lang="en-US" baseline="0" dirty="0" smtClean="0"/>
+              <a:t> </a:t>
+            </a:r>
+            <a:r>
+              <a:rPr lang="en-US" baseline="0" dirty="0" err="1" smtClean="0"/>
+              <a:t>invånaren</a:t>
+            </a:r>
+            <a:r>
+              <a:rPr lang="en-US" baseline="0" dirty="0" smtClean="0"/>
+              <a:t> </a:t>
+            </a:r>
+            <a:r>
+              <a:rPr lang="en-US" baseline="0" dirty="0" err="1" smtClean="0"/>
+              <a:t>har</a:t>
+            </a:r>
+            <a:r>
+              <a:rPr lang="en-US" baseline="0" dirty="0" smtClean="0"/>
+              <a:t> </a:t>
+            </a:r>
+            <a:r>
+              <a:rPr lang="en-US" baseline="0" dirty="0" err="1" smtClean="0"/>
+              <a:t>godkänt</a:t>
+            </a:r>
+            <a:r>
+              <a:rPr lang="en-US" baseline="0" dirty="0" smtClean="0"/>
+              <a:t>.</a:t>
+            </a:r>
+          </a:p>
+          <a:p>
+            <a:r>
+              <a:rPr lang="en-US" baseline="0" dirty="0" err="1" smtClean="0"/>
+              <a:t>APIet</a:t>
+            </a:r>
+            <a:r>
+              <a:rPr lang="en-US" baseline="0" dirty="0" smtClean="0"/>
+              <a:t> </a:t>
+            </a:r>
+            <a:r>
+              <a:rPr lang="en-US" baseline="0" dirty="0" err="1" smtClean="0"/>
+              <a:t>behöver</a:t>
+            </a:r>
+            <a:r>
+              <a:rPr lang="en-US" baseline="0" dirty="0" smtClean="0"/>
+              <a:t> </a:t>
+            </a:r>
+            <a:r>
+              <a:rPr lang="en-US" baseline="0" dirty="0" err="1" smtClean="0"/>
+              <a:t>verifiera</a:t>
+            </a:r>
+            <a:r>
+              <a:rPr lang="en-US" baseline="0" dirty="0" smtClean="0"/>
+              <a:t> </a:t>
+            </a:r>
+            <a:r>
+              <a:rPr lang="en-US" baseline="0" dirty="0" err="1" smtClean="0"/>
+              <a:t>detta</a:t>
+            </a:r>
+            <a:r>
+              <a:rPr lang="en-US" baseline="0" dirty="0" smtClean="0"/>
+              <a:t>.</a:t>
+            </a:r>
+          </a:p>
+          <a:p>
+            <a:endParaRPr lang="en-US" baseline="0" dirty="0" smtClean="0"/>
+          </a:p>
+          <a:p>
+            <a:r>
+              <a:rPr lang="en-US" baseline="0" dirty="0" err="1" smtClean="0"/>
+              <a:t>Såååå</a:t>
+            </a:r>
+            <a:r>
+              <a:rPr lang="en-US" baseline="0" dirty="0" smtClean="0"/>
+              <a:t>…… OAUTH 2.0 </a:t>
+            </a:r>
+            <a:r>
+              <a:rPr lang="en-US" baseline="0" dirty="0" err="1" smtClean="0"/>
+              <a:t>nästa</a:t>
+            </a:r>
+            <a:r>
+              <a:rPr lang="en-US" baseline="0" dirty="0" smtClean="0"/>
+              <a:t> slide…</a:t>
+            </a:r>
+            <a:endParaRPr lang="en-US" dirty="0"/>
           </a:p>
         </p:txBody>
       </p:sp>
@@ -2445,6 +2450,96 @@
                 <a:defRPr/>
               </a:pPr>
               <a:t>11</a:t>
+            </a:fld>
+            <a:endParaRPr lang="sv-SE"/>
+          </a:p>
+        </p:txBody>
+      </p:sp>
+    </p:spTree>
+    <p:extLst>
+      <p:ext uri="{BB962C8B-B14F-4D97-AF65-F5344CB8AC3E}">
+        <p14:creationId xmlns:p14="http://schemas.microsoft.com/office/powerpoint/2010/main" val="1531746770"/>
+      </p:ext>
+    </p:extLst>
+  </p:cSld>
+  <p:clrMapOvr>
+    <a:masterClrMapping/>
+  </p:clrMapOvr>
+</p:notes>
+</file>
+
+<file path=ppt/notesSlides/notesSlide6.xml><?xml version="1.0" encoding="utf-8"?>
+<p:notes xmlns:a="http://schemas.openxmlformats.org/drawingml/2006/main" xmlns:r="http://schemas.openxmlformats.org/officeDocument/2006/relationships" xmlns:p="http://schemas.openxmlformats.org/presentationml/2006/main">
+  <p:cSld>
+    <p:spTree>
+      <p:nvGrpSpPr>
+        <p:cNvPr id="1" name=""/>
+        <p:cNvGrpSpPr/>
+        <p:nvPr/>
+      </p:nvGrpSpPr>
+      <p:grpSpPr>
+        <a:xfrm>
+          <a:off x="0" y="0"/>
+          <a:ext cx="0" cy="0"/>
+          <a:chOff x="0" y="0"/>
+          <a:chExt cx="0" cy="0"/>
+        </a:xfrm>
+      </p:grpSpPr>
+      <p:sp>
+        <p:nvSpPr>
+          <p:cNvPr id="2" name="Slide Image Placeholder 1"/>
+          <p:cNvSpPr>
+            <a:spLocks noGrp="1" noRot="1" noChangeAspect="1"/>
+          </p:cNvSpPr>
+          <p:nvPr>
+            <p:ph type="sldImg"/>
+          </p:nvPr>
+        </p:nvSpPr>
+        <p:spPr/>
+      </p:sp>
+      <p:sp>
+        <p:nvSpPr>
+          <p:cNvPr id="3" name="Notes Placeholder 2"/>
+          <p:cNvSpPr>
+            <a:spLocks noGrp="1"/>
+          </p:cNvSpPr>
+          <p:nvPr>
+            <p:ph type="body" idx="1"/>
+          </p:nvPr>
+        </p:nvSpPr>
+        <p:spPr/>
+        <p:txBody>
+          <a:bodyPr/>
+          <a:lstStyle/>
+          <a:p>
+            <a:endParaRPr lang="en-US" baseline="0" dirty="0" smtClean="0"/>
+          </a:p>
+        </p:txBody>
+      </p:sp>
+      <p:sp>
+        <p:nvSpPr>
+          <p:cNvPr id="4" name="Slide Number Placeholder 3"/>
+          <p:cNvSpPr>
+            <a:spLocks noGrp="1"/>
+          </p:cNvSpPr>
+          <p:nvPr>
+            <p:ph type="sldNum" sz="quarter" idx="10"/>
+          </p:nvPr>
+        </p:nvSpPr>
+        <p:spPr/>
+        <p:txBody>
+          <a:bodyPr/>
+          <a:lstStyle/>
+          <a:p>
+            <a:pPr>
+              <a:defRPr/>
+            </a:pPr>
+            <a:fld id="{72F66423-05E2-6345-AF5A-73942C9C3A7C}" type="slidenum">
+              <a:rPr lang="sv-SE" smtClean="0"/>
+              <a:pPr>
+                <a:defRPr/>
+              </a:pPr>
+              <a:t>12</a:t>
             </a:fld>
             <a:endParaRPr lang="sv-SE"/>
           </a:p>
@@ -6417,7 +6512,15 @@
           <a:lstStyle/>
           <a:p>
             <a:pPr eaLnBrk="1" hangingPunct="1"/>
-            <a:endParaRPr lang="en-US">
+            <a:r>
+              <a:rPr lang="en-US" dirty="0" err="1" smtClean="0">
+                <a:latin typeface="Cambria" charset="0"/>
+                <a:ea typeface="ＭＳ Ｐゴシック" charset="0"/>
+                <a:cs typeface="Cambria" charset="0"/>
+              </a:rPr>
+              <a:t>Rubrik</a:t>
+            </a:r>
+            <a:endParaRPr lang="en-US" dirty="0">
               <a:latin typeface="Cambria" charset="0"/>
               <a:ea typeface="ＭＳ Ｐゴシック" charset="0"/>
               <a:cs typeface="Cambria" charset="0"/>
@@ -6477,27 +6580,31 @@
             </a:pPr>
             <a:r>
               <a:rPr lang="sv-SE" dirty="0" smtClean="0"/>
-              <a:t>Your </a:t>
-            </a:r>
-            <a:r>
-              <a:rPr lang="sv-SE" dirty="0" err="1" smtClean="0"/>
-              <a:t>Name</a:t>
-            </a:r>
-            <a:r>
-              <a:rPr lang="sv-SE" dirty="0" smtClean="0"/>
-              <a:t> | </a:t>
-            </a:r>
-            <a:r>
-              <a:rPr lang="sv-SE" dirty="0" err="1" smtClean="0"/>
-              <a:t>your.name@callistaenterprise.se</a:t>
+              <a:t>Christian Hilmersson, Hans Thunberg</a:t>
             </a:r>
             <a:r>
               <a:rPr lang="sv-SE" dirty="0" smtClean="0"/>
               <a:t> </a:t>
             </a:r>
             <a:r>
-              <a:rPr lang="sv-SE" smtClean="0"/>
-              <a:t>| 201x-xx-xx</a:t>
+              <a:rPr lang="sv-SE" dirty="0" smtClean="0"/>
+              <a:t>| </a:t>
+            </a:r>
+            <a:r>
+              <a:rPr lang="sv-SE" dirty="0" err="1" smtClean="0"/>
+              <a:t>callistaenterprise.se</a:t>
+            </a:r>
+            <a:r>
+              <a:rPr lang="sv-SE" dirty="0" smtClean="0"/>
+              <a:t> </a:t>
+            </a:r>
+            <a:r>
+              <a:rPr lang="sv-SE" dirty="0" smtClean="0"/>
+              <a:t>| </a:t>
+            </a:r>
+            <a:r>
+              <a:rPr lang="sv-SE" dirty="0" smtClean="0"/>
+              <a:t>2013-01-16</a:t>
             </a:r>
             <a:endParaRPr lang="sv-SE" dirty="0" smtClean="0"/>
           </a:p>
@@ -6553,12 +6660,14 @@
         </p:nvSpPr>
         <p:spPr/>
         <p:txBody>
-          <a:bodyPr/>
+          <a:bodyPr>
+            <a:normAutofit fontScale="90000"/>
+          </a:bodyPr>
           <a:lstStyle/>
           <a:p>
             <a:r>
               <a:rPr lang="en-US" dirty="0" smtClean="0"/>
-              <a:t>The problem</a:t>
+              <a:t>API’s for patient related information</a:t>
             </a:r>
             <a:endParaRPr lang="en-US" dirty="0"/>
           </a:p>
@@ -6581,6 +6690,10 @@
           </a:bodyPr>
           <a:lstStyle/>
           <a:p>
+            <a:r>
+              <a:rPr lang="en-US" dirty="0" smtClean="0"/>
+              <a:t>Introduction</a:t>
+            </a:r>
             <a:endParaRPr lang="en-US" dirty="0"/>
           </a:p>
         </p:txBody>
@@ -6595,70 +6708,84 @@
             <p:ph type="body" sz="quarter" idx="13"/>
           </p:nvPr>
         </p:nvSpPr>
-        <p:spPr>
-          <a:ln w="38100" cmpd="sng">
-            <a:solidFill>
-              <a:srgbClr val="4F81BD"/>
-            </a:solidFill>
-          </a:ln>
-        </p:spPr>
+        <p:spPr/>
         <p:txBody>
           <a:bodyPr/>
           <a:lstStyle/>
           <a:p>
-            <a:pPr marL="0" indent="0">
-              <a:buNone/>
-            </a:pPr>
             <a:r>
               <a:rPr lang="en-US" sz="1800" dirty="0" smtClean="0"/>
-              <a:t>Simple solution??</a:t>
-            </a:r>
-          </a:p>
-          <a:p>
-            <a:pPr marL="0" indent="0">
-              <a:buNone/>
-            </a:pPr>
+              <a:t>As opposed to the public API’s, not open data API’s</a:t>
+            </a:r>
+          </a:p>
+          <a:p>
             <a:r>
               <a:rPr lang="en-US" sz="1800" dirty="0" smtClean="0"/>
-              <a:t>Are you sure 20121212-1212 </a:t>
-            </a:r>
-            <a:r>
-              <a:rPr lang="sv-SE" sz="1800" dirty="0" err="1" smtClean="0"/>
-              <a:t>approves</a:t>
-            </a:r>
-            <a:r>
-              <a:rPr lang="sv-SE" sz="1800" dirty="0" smtClean="0"/>
-              <a:t> </a:t>
-            </a:r>
-            <a:r>
-              <a:rPr lang="sv-SE" sz="1800" dirty="0" err="1" smtClean="0"/>
-              <a:t>this</a:t>
-            </a:r>
+              <a:t>Strong authentication of citizens</a:t>
+            </a:r>
+          </a:p>
+          <a:p>
+            <a:pPr lvl="1"/>
             <a:r>
               <a:rPr lang="en-US" sz="1800" dirty="0" smtClean="0"/>
-              <a:t> request?</a:t>
-            </a:r>
-          </a:p>
-          <a:p>
-            <a:pPr marL="0" indent="0">
-              <a:buNone/>
-            </a:pPr>
+              <a:t>Demand from </a:t>
+            </a:r>
+            <a:r>
+              <a:rPr lang="en-US" sz="1800" dirty="0" err="1" smtClean="0"/>
+              <a:t>Datainspektionen</a:t>
+            </a:r>
+            <a:endParaRPr lang="en-US" sz="1800" dirty="0" smtClean="0"/>
+          </a:p>
+          <a:p>
+            <a:pPr lvl="1"/>
             <a:r>
               <a:rPr lang="en-US" sz="1800" dirty="0" smtClean="0"/>
-              <a:t>API must verify approval from the citizen</a:t>
-            </a:r>
-          </a:p>
-          <a:p>
-            <a:pPr marL="0" indent="0">
-              <a:buNone/>
-            </a:pPr>
+              <a:t>2 factor</a:t>
+            </a:r>
+          </a:p>
+          <a:p>
+            <a:r>
+              <a:rPr lang="en-US" sz="1800" dirty="0" smtClean="0"/>
+              <a:t>Strong authentication of API clients</a:t>
+            </a:r>
+          </a:p>
+          <a:p>
+            <a:pPr lvl="1"/>
+            <a:r>
+              <a:rPr lang="en-US" sz="1800" dirty="0" smtClean="0"/>
+              <a:t>SSL/TLS certificate</a:t>
+            </a:r>
+          </a:p>
+          <a:p>
+            <a:pPr lvl="1"/>
+            <a:r>
+              <a:rPr lang="en-US" sz="1800" dirty="0" smtClean="0"/>
+              <a:t>Mutual </a:t>
+            </a:r>
+            <a:r>
+              <a:rPr lang="en-US" sz="1800" dirty="0" err="1" smtClean="0"/>
+              <a:t>authenticaton</a:t>
+            </a:r>
             <a:endParaRPr lang="en-US" sz="1800" dirty="0" smtClean="0"/>
           </a:p>
           <a:p>
-            <a:pPr marL="0" indent="0">
-              <a:buNone/>
-            </a:pPr>
-            <a:endParaRPr lang="en-US" sz="1800" dirty="0"/>
+            <a:r>
+              <a:rPr lang="en-US" sz="1800" dirty="0" smtClean="0"/>
+              <a:t>Strict authorization control</a:t>
+            </a:r>
+          </a:p>
+          <a:p>
+            <a:pPr lvl="1"/>
+            <a:r>
+              <a:rPr lang="en-US" sz="1600" dirty="0" smtClean="0"/>
+              <a:t>Citizen approved </a:t>
+            </a:r>
+          </a:p>
+          <a:p>
+            <a:r>
+              <a:rPr lang="en-US" sz="1800" dirty="0" smtClean="0"/>
+              <a:t>So what’s the problem???</a:t>
+            </a:r>
           </a:p>
         </p:txBody>
       </p:sp>
@@ -6686,6 +6813,186 @@
                 <a:defRPr/>
               </a:pPr>
               <a:t>10</a:t>
+            </a:fld>
+            <a:endParaRPr lang="sv-SE"/>
+          </a:p>
+        </p:txBody>
+      </p:sp>
+    </p:spTree>
+    <p:extLst>
+      <p:ext uri="{BB962C8B-B14F-4D97-AF65-F5344CB8AC3E}">
+        <p14:creationId xmlns:p14="http://schemas.microsoft.com/office/powerpoint/2010/main" val="910791665"/>
+      </p:ext>
+    </p:extLst>
+  </p:cSld>
+  <p:clrMapOvr>
+    <a:masterClrMapping/>
+  </p:clrMapOvr>
+</p:sld>
+</file>
+
+<file path=ppt/slides/slide11.xml><?xml version="1.0" encoding="utf-8"?>
+<p:sld xmlns:a="http://schemas.openxmlformats.org/drawingml/2006/main" xmlns:r="http://schemas.openxmlformats.org/officeDocument/2006/relationships" xmlns:p="http://schemas.openxmlformats.org/presentationml/2006/main">
+  <p:cSld>
+    <p:spTree>
+      <p:nvGrpSpPr>
+        <p:cNvPr id="1" name=""/>
+        <p:cNvGrpSpPr/>
+        <p:nvPr/>
+      </p:nvGrpSpPr>
+      <p:grpSpPr>
+        <a:xfrm>
+          <a:off x="0" y="0"/>
+          <a:ext cx="0" cy="0"/>
+          <a:chOff x="0" y="0"/>
+          <a:chExt cx="0" cy="0"/>
+        </a:xfrm>
+      </p:grpSpPr>
+      <p:sp>
+        <p:nvSpPr>
+          <p:cNvPr id="2" name="Title 1"/>
+          <p:cNvSpPr>
+            <a:spLocks noGrp="1"/>
+          </p:cNvSpPr>
+          <p:nvPr>
+            <p:ph type="ctrTitle"/>
+          </p:nvPr>
+        </p:nvSpPr>
+        <p:spPr/>
+        <p:txBody>
+          <a:bodyPr/>
+          <a:lstStyle/>
+          <a:p>
+            <a:r>
+              <a:rPr lang="en-US" dirty="0" smtClean="0"/>
+              <a:t>The problem</a:t>
+            </a:r>
+            <a:endParaRPr lang="en-US" dirty="0"/>
+          </a:p>
+        </p:txBody>
+      </p:sp>
+      <p:sp>
+        <p:nvSpPr>
+          <p:cNvPr id="3" name="Subtitle 2"/>
+          <p:cNvSpPr>
+            <a:spLocks noGrp="1"/>
+          </p:cNvSpPr>
+          <p:nvPr>
+            <p:ph type="subTitle" idx="1"/>
+          </p:nvPr>
+        </p:nvSpPr>
+        <p:spPr/>
+        <p:txBody>
+          <a:bodyPr>
+            <a:normAutofit fontScale="92500" lnSpcReduction="10000"/>
+          </a:bodyPr>
+          <a:lstStyle/>
+          <a:p>
+            <a:endParaRPr lang="en-US" dirty="0"/>
+          </a:p>
+        </p:txBody>
+      </p:sp>
+      <p:sp>
+        <p:nvSpPr>
+          <p:cNvPr id="4" name="Text Placeholder 3"/>
+          <p:cNvSpPr>
+            <a:spLocks noGrp="1"/>
+          </p:cNvSpPr>
+          <p:nvPr>
+            <p:ph type="body" sz="quarter" idx="13"/>
+          </p:nvPr>
+        </p:nvSpPr>
+        <p:spPr>
+          <a:ln w="38100" cmpd="sng">
+            <a:solidFill>
+              <a:srgbClr val="4F81BD"/>
+            </a:solidFill>
+          </a:ln>
+        </p:spPr>
+        <p:txBody>
+          <a:bodyPr/>
+          <a:lstStyle/>
+          <a:p>
+            <a:pPr marL="0" indent="0">
+              <a:buNone/>
+            </a:pPr>
+            <a:r>
+              <a:rPr lang="en-US" sz="1800" dirty="0" smtClean="0"/>
+              <a:t>Simple solution??</a:t>
+            </a:r>
+          </a:p>
+          <a:p>
+            <a:pPr marL="0" indent="0">
+              <a:buNone/>
+            </a:pPr>
+            <a:r>
+              <a:rPr lang="en-US" sz="1800" dirty="0" smtClean="0"/>
+              <a:t>Are you sure 20121212-1212 </a:t>
+            </a:r>
+            <a:r>
+              <a:rPr lang="sv-SE" sz="1800" dirty="0" err="1" smtClean="0"/>
+              <a:t>approves</a:t>
+            </a:r>
+            <a:r>
+              <a:rPr lang="sv-SE" sz="1800" dirty="0" smtClean="0"/>
+              <a:t> </a:t>
+            </a:r>
+            <a:r>
+              <a:rPr lang="sv-SE" sz="1800" dirty="0" err="1" smtClean="0"/>
+              <a:t>this</a:t>
+            </a:r>
+            <a:r>
+              <a:rPr lang="en-US" sz="1800" dirty="0" smtClean="0"/>
+              <a:t> request?</a:t>
+            </a:r>
+          </a:p>
+          <a:p>
+            <a:pPr marL="0" indent="0">
+              <a:buNone/>
+            </a:pPr>
+            <a:r>
+              <a:rPr lang="en-US" sz="1800" dirty="0" smtClean="0"/>
+              <a:t>API must verify approval from the citizen</a:t>
+            </a:r>
+          </a:p>
+          <a:p>
+            <a:pPr marL="0" indent="0">
+              <a:buNone/>
+            </a:pPr>
+            <a:endParaRPr lang="en-US" sz="1800" dirty="0" smtClean="0"/>
+          </a:p>
+          <a:p>
+            <a:pPr marL="0" indent="0">
+              <a:buNone/>
+            </a:pPr>
+            <a:endParaRPr lang="en-US" sz="1800" dirty="0"/>
+          </a:p>
+        </p:txBody>
+      </p:sp>
+      <p:sp>
+        <p:nvSpPr>
+          <p:cNvPr id="5" name="Slide Number Placeholder 4"/>
+          <p:cNvSpPr>
+            <a:spLocks noGrp="1"/>
+          </p:cNvSpPr>
+          <p:nvPr>
+            <p:ph type="sldNum" sz="quarter" idx="14"/>
+          </p:nvPr>
+        </p:nvSpPr>
+        <p:spPr/>
+        <p:txBody>
+          <a:bodyPr/>
+          <a:lstStyle/>
+          <a:p>
+            <a:pPr>
+              <a:defRPr/>
+            </a:pPr>
+            <a:fld id="{4AA01602-B999-AA4E-80A6-B21CED3A9C3C}" type="slidenum">
+              <a:rPr lang="sv-SE" smtClean="0"/>
+              <a:pPr>
+                <a:defRPr/>
+              </a:pPr>
+              <a:t>11</a:t>
             </a:fld>
             <a:endParaRPr lang="sv-SE"/>
           </a:p>
@@ -7146,7 +7453,7 @@
 </p:sld>
 </file>
 
-<file path=ppt/slides/slide11.xml><?xml version="1.0" encoding="utf-8"?>
+<file path=ppt/slides/slide12.xml><?xml version="1.0" encoding="utf-8"?>
 <p:sld xmlns:a="http://schemas.openxmlformats.org/drawingml/2006/main" xmlns:r="http://schemas.openxmlformats.org/officeDocument/2006/relationships" xmlns:p="http://schemas.openxmlformats.org/presentationml/2006/main">
   <p:cSld>
     <p:spTree>
@@ -7304,7 +7611,7 @@
               <a:pPr>
                 <a:defRPr/>
               </a:pPr>
-              <a:t>11</a:t>
+              <a:t>12</a:t>
             </a:fld>
             <a:endParaRPr lang="sv-SE"/>
           </a:p>
@@ -7314,6 +7621,600 @@
     <p:extLst>
       <p:ext uri="{BB962C8B-B14F-4D97-AF65-F5344CB8AC3E}">
         <p14:creationId xmlns:p14="http://schemas.microsoft.com/office/powerpoint/2010/main" val="25701892"/>
+      </p:ext>
+    </p:extLst>
+  </p:cSld>
+  <p:clrMapOvr>
+    <a:masterClrMapping/>
+  </p:clrMapOvr>
+</p:sld>
+</file>
+
+<file path=ppt/slides/slide13.xml><?xml version="1.0" encoding="utf-8"?>
+<p:sld xmlns:a="http://schemas.openxmlformats.org/drawingml/2006/main" xmlns:r="http://schemas.openxmlformats.org/officeDocument/2006/relationships" xmlns:p="http://schemas.openxmlformats.org/presentationml/2006/main">
+  <p:cSld>
+    <p:spTree>
+      <p:nvGrpSpPr>
+        <p:cNvPr id="1" name=""/>
+        <p:cNvGrpSpPr/>
+        <p:nvPr/>
+      </p:nvGrpSpPr>
+      <p:grpSpPr>
+        <a:xfrm>
+          <a:off x="0" y="0"/>
+          <a:ext cx="0" cy="0"/>
+          <a:chOff x="0" y="0"/>
+          <a:chExt cx="0" cy="0"/>
+        </a:xfrm>
+      </p:grpSpPr>
+      <p:sp>
+        <p:nvSpPr>
+          <p:cNvPr id="2" name="Title 1"/>
+          <p:cNvSpPr>
+            <a:spLocks noGrp="1"/>
+          </p:cNvSpPr>
+          <p:nvPr>
+            <p:ph type="ctrTitle"/>
+          </p:nvPr>
+        </p:nvSpPr>
+        <p:spPr/>
+        <p:txBody>
+          <a:bodyPr/>
+          <a:lstStyle/>
+          <a:p>
+            <a:r>
+              <a:rPr lang="en-US" dirty="0" smtClean="0"/>
+              <a:t>Simple </a:t>
+            </a:r>
+            <a:r>
+              <a:rPr lang="en-US" dirty="0" err="1" smtClean="0"/>
+              <a:t>OAuth</a:t>
+            </a:r>
+            <a:r>
+              <a:rPr lang="en-US" dirty="0" smtClean="0"/>
+              <a:t> 2.0 API Client</a:t>
+            </a:r>
+            <a:endParaRPr lang="en-US" dirty="0"/>
+          </a:p>
+        </p:txBody>
+      </p:sp>
+      <p:sp>
+        <p:nvSpPr>
+          <p:cNvPr id="3" name="Subtitle 2"/>
+          <p:cNvSpPr>
+            <a:spLocks noGrp="1"/>
+          </p:cNvSpPr>
+          <p:nvPr>
+            <p:ph type="subTitle" idx="1"/>
+          </p:nvPr>
+        </p:nvSpPr>
+        <p:spPr/>
+        <p:txBody>
+          <a:bodyPr>
+            <a:normAutofit fontScale="92500" lnSpcReduction="10000"/>
+          </a:bodyPr>
+          <a:lstStyle/>
+          <a:p>
+            <a:r>
+              <a:rPr lang="en-US" dirty="0" smtClean="0"/>
+              <a:t>Exercise </a:t>
+            </a:r>
+            <a:r>
+              <a:rPr lang="en-US" dirty="0" smtClean="0"/>
+              <a:t>3</a:t>
+            </a:r>
+            <a:endParaRPr lang="en-US" dirty="0"/>
+          </a:p>
+        </p:txBody>
+      </p:sp>
+      <p:sp>
+        <p:nvSpPr>
+          <p:cNvPr id="4" name="Text Placeholder 3"/>
+          <p:cNvSpPr>
+            <a:spLocks noGrp="1"/>
+          </p:cNvSpPr>
+          <p:nvPr>
+            <p:ph type="body" sz="quarter" idx="13"/>
+          </p:nvPr>
+        </p:nvSpPr>
+        <p:spPr/>
+        <p:txBody>
+          <a:bodyPr/>
+          <a:lstStyle/>
+          <a:p>
+            <a:pPr marL="0" indent="0">
+              <a:buNone/>
+            </a:pPr>
+            <a:r>
+              <a:rPr lang="en-US" dirty="0" smtClean="0"/>
+              <a:t>Get familiar with </a:t>
+            </a:r>
+            <a:r>
+              <a:rPr lang="en-US" dirty="0" err="1" smtClean="0"/>
+              <a:t>OAuth</a:t>
+            </a:r>
+            <a:r>
+              <a:rPr lang="en-US" dirty="0" smtClean="0"/>
+              <a:t> 2.0 and SDK by using a simple client letting the user authorize access.</a:t>
+            </a:r>
+            <a:endParaRPr lang="en-US" dirty="0" smtClean="0"/>
+          </a:p>
+        </p:txBody>
+      </p:sp>
+      <p:sp>
+        <p:nvSpPr>
+          <p:cNvPr id="5" name="Slide Number Placeholder 4"/>
+          <p:cNvSpPr>
+            <a:spLocks noGrp="1"/>
+          </p:cNvSpPr>
+          <p:nvPr>
+            <p:ph type="sldNum" sz="quarter" idx="14"/>
+          </p:nvPr>
+        </p:nvSpPr>
+        <p:spPr/>
+        <p:txBody>
+          <a:bodyPr/>
+          <a:lstStyle/>
+          <a:p>
+            <a:pPr>
+              <a:defRPr/>
+            </a:pPr>
+            <a:fld id="{4AA01602-B999-AA4E-80A6-B21CED3A9C3C}" type="slidenum">
+              <a:rPr lang="sv-SE" smtClean="0"/>
+              <a:pPr>
+                <a:defRPr/>
+              </a:pPr>
+              <a:t>13</a:t>
+            </a:fld>
+            <a:endParaRPr lang="sv-SE"/>
+          </a:p>
+        </p:txBody>
+      </p:sp>
+    </p:spTree>
+    <p:extLst>
+      <p:ext uri="{BB962C8B-B14F-4D97-AF65-F5344CB8AC3E}">
+        <p14:creationId xmlns:p14="http://schemas.microsoft.com/office/powerpoint/2010/main" val="3636441538"/>
+      </p:ext>
+    </p:extLst>
+  </p:cSld>
+  <p:clrMapOvr>
+    <a:masterClrMapping/>
+  </p:clrMapOvr>
+</p:sld>
+</file>
+
+<file path=ppt/slides/slide14.xml><?xml version="1.0" encoding="utf-8"?>
+<p:sld xmlns:a="http://schemas.openxmlformats.org/drawingml/2006/main" xmlns:r="http://schemas.openxmlformats.org/officeDocument/2006/relationships" xmlns:p="http://schemas.openxmlformats.org/presentationml/2006/main">
+  <p:cSld>
+    <p:spTree>
+      <p:nvGrpSpPr>
+        <p:cNvPr id="1" name=""/>
+        <p:cNvGrpSpPr/>
+        <p:nvPr/>
+      </p:nvGrpSpPr>
+      <p:grpSpPr>
+        <a:xfrm>
+          <a:off x="0" y="0"/>
+          <a:ext cx="0" cy="0"/>
+          <a:chOff x="0" y="0"/>
+          <a:chExt cx="0" cy="0"/>
+        </a:xfrm>
+      </p:grpSpPr>
+      <p:sp>
+        <p:nvSpPr>
+          <p:cNvPr id="2" name="Title 1"/>
+          <p:cNvSpPr>
+            <a:spLocks noGrp="1"/>
+          </p:cNvSpPr>
+          <p:nvPr>
+            <p:ph type="ctrTitle"/>
+          </p:nvPr>
+        </p:nvSpPr>
+        <p:spPr/>
+        <p:txBody>
+          <a:bodyPr/>
+          <a:lstStyle/>
+          <a:p>
+            <a:r>
+              <a:rPr lang="en-US" dirty="0" smtClean="0"/>
+              <a:t>Backend</a:t>
+            </a:r>
+            <a:endParaRPr lang="en-US" dirty="0"/>
+          </a:p>
+        </p:txBody>
+      </p:sp>
+      <p:sp>
+        <p:nvSpPr>
+          <p:cNvPr id="3" name="Subtitle 2"/>
+          <p:cNvSpPr>
+            <a:spLocks noGrp="1"/>
+          </p:cNvSpPr>
+          <p:nvPr>
+            <p:ph type="subTitle" idx="1"/>
+          </p:nvPr>
+        </p:nvSpPr>
+        <p:spPr/>
+        <p:txBody>
+          <a:bodyPr>
+            <a:normAutofit fontScale="92500" lnSpcReduction="10000"/>
+          </a:bodyPr>
+          <a:lstStyle/>
+          <a:p>
+            <a:r>
+              <a:rPr lang="en-US" dirty="0" smtClean="0"/>
+              <a:t>Exercise </a:t>
+            </a:r>
+            <a:r>
+              <a:rPr lang="en-US" dirty="0"/>
+              <a:t>4</a:t>
+            </a:r>
+            <a:endParaRPr lang="en-US" dirty="0"/>
+          </a:p>
+        </p:txBody>
+      </p:sp>
+      <p:sp>
+        <p:nvSpPr>
+          <p:cNvPr id="4" name="Text Placeholder 3"/>
+          <p:cNvSpPr>
+            <a:spLocks noGrp="1"/>
+          </p:cNvSpPr>
+          <p:nvPr>
+            <p:ph type="body" sz="quarter" idx="13"/>
+          </p:nvPr>
+        </p:nvSpPr>
+        <p:spPr/>
+        <p:txBody>
+          <a:bodyPr/>
+          <a:lstStyle/>
+          <a:p>
+            <a:pPr marL="0" indent="0">
+              <a:buNone/>
+            </a:pPr>
+            <a:r>
+              <a:rPr lang="en-US" dirty="0" smtClean="0"/>
+              <a:t>Build the app backend to handle the </a:t>
+            </a:r>
+            <a:r>
+              <a:rPr lang="en-US" dirty="0" err="1" smtClean="0"/>
+              <a:t>OAuth</a:t>
+            </a:r>
+            <a:r>
+              <a:rPr lang="en-US" dirty="0" smtClean="0"/>
+              <a:t> 2.0 </a:t>
+            </a:r>
+            <a:r>
+              <a:rPr lang="en-US" dirty="0" smtClean="0"/>
+              <a:t>integration with SDK and to provide an API for the app. </a:t>
+            </a:r>
+          </a:p>
+          <a:p>
+            <a:endParaRPr lang="en-US" dirty="0" smtClean="0"/>
+          </a:p>
+        </p:txBody>
+      </p:sp>
+      <p:sp>
+        <p:nvSpPr>
+          <p:cNvPr id="5" name="Slide Number Placeholder 4"/>
+          <p:cNvSpPr>
+            <a:spLocks noGrp="1"/>
+          </p:cNvSpPr>
+          <p:nvPr>
+            <p:ph type="sldNum" sz="quarter" idx="14"/>
+          </p:nvPr>
+        </p:nvSpPr>
+        <p:spPr/>
+        <p:txBody>
+          <a:bodyPr/>
+          <a:lstStyle/>
+          <a:p>
+            <a:pPr>
+              <a:defRPr/>
+            </a:pPr>
+            <a:fld id="{4AA01602-B999-AA4E-80A6-B21CED3A9C3C}" type="slidenum">
+              <a:rPr lang="sv-SE" smtClean="0"/>
+              <a:pPr>
+                <a:defRPr/>
+              </a:pPr>
+              <a:t>14</a:t>
+            </a:fld>
+            <a:endParaRPr lang="sv-SE"/>
+          </a:p>
+        </p:txBody>
+      </p:sp>
+    </p:spTree>
+    <p:extLst>
+      <p:ext uri="{BB962C8B-B14F-4D97-AF65-F5344CB8AC3E}">
+        <p14:creationId xmlns:p14="http://schemas.microsoft.com/office/powerpoint/2010/main" val="3668199394"/>
+      </p:ext>
+    </p:extLst>
+  </p:cSld>
+  <p:clrMapOvr>
+    <a:masterClrMapping/>
+  </p:clrMapOvr>
+</p:sld>
+</file>
+
+<file path=ppt/slides/slide15.xml><?xml version="1.0" encoding="utf-8"?>
+<p:sld xmlns:a="http://schemas.openxmlformats.org/drawingml/2006/main" xmlns:r="http://schemas.openxmlformats.org/officeDocument/2006/relationships" xmlns:p="http://schemas.openxmlformats.org/presentationml/2006/main">
+  <p:cSld>
+    <p:spTree>
+      <p:nvGrpSpPr>
+        <p:cNvPr id="1" name=""/>
+        <p:cNvGrpSpPr/>
+        <p:nvPr/>
+      </p:nvGrpSpPr>
+      <p:grpSpPr>
+        <a:xfrm>
+          <a:off x="0" y="0"/>
+          <a:ext cx="0" cy="0"/>
+          <a:chOff x="0" y="0"/>
+          <a:chExt cx="0" cy="0"/>
+        </a:xfrm>
+      </p:grpSpPr>
+      <p:sp>
+        <p:nvSpPr>
+          <p:cNvPr id="2" name="Title 1"/>
+          <p:cNvSpPr>
+            <a:spLocks noGrp="1"/>
+          </p:cNvSpPr>
+          <p:nvPr>
+            <p:ph type="ctrTitle"/>
+          </p:nvPr>
+        </p:nvSpPr>
+        <p:spPr/>
+        <p:txBody>
+          <a:bodyPr/>
+          <a:lstStyle/>
+          <a:p>
+            <a:r>
+              <a:rPr lang="en-US" dirty="0" smtClean="0"/>
+              <a:t>Frontend</a:t>
+            </a:r>
+            <a:endParaRPr lang="en-US" dirty="0"/>
+          </a:p>
+        </p:txBody>
+      </p:sp>
+      <p:sp>
+        <p:nvSpPr>
+          <p:cNvPr id="3" name="Subtitle 2"/>
+          <p:cNvSpPr>
+            <a:spLocks noGrp="1"/>
+          </p:cNvSpPr>
+          <p:nvPr>
+            <p:ph type="subTitle" idx="1"/>
+          </p:nvPr>
+        </p:nvSpPr>
+        <p:spPr/>
+        <p:txBody>
+          <a:bodyPr>
+            <a:normAutofit fontScale="92500" lnSpcReduction="10000"/>
+          </a:bodyPr>
+          <a:lstStyle/>
+          <a:p>
+            <a:endParaRPr lang="en-US" dirty="0"/>
+          </a:p>
+        </p:txBody>
+      </p:sp>
+      <p:sp>
+        <p:nvSpPr>
+          <p:cNvPr id="4" name="Text Placeholder 3"/>
+          <p:cNvSpPr>
+            <a:spLocks noGrp="1"/>
+          </p:cNvSpPr>
+          <p:nvPr>
+            <p:ph type="body" sz="quarter" idx="13"/>
+          </p:nvPr>
+        </p:nvSpPr>
+        <p:spPr/>
+        <p:txBody>
+          <a:bodyPr/>
+          <a:lstStyle/>
+          <a:p>
+            <a:pPr marL="0" indent="0">
+              <a:buNone/>
+            </a:pPr>
+            <a:r>
+              <a:rPr lang="en-US" dirty="0" smtClean="0"/>
+              <a:t>Frontend technologies</a:t>
+            </a:r>
+          </a:p>
+          <a:p>
+            <a:r>
+              <a:rPr lang="en-US" dirty="0" smtClean="0"/>
+              <a:t>What’s happening on the frontend</a:t>
+            </a:r>
+          </a:p>
+          <a:p>
+            <a:r>
+              <a:rPr lang="en-US" dirty="0" smtClean="0"/>
+              <a:t>Short intro to Backbone</a:t>
+            </a:r>
+            <a:endParaRPr lang="en-US" dirty="0" smtClean="0"/>
+          </a:p>
+        </p:txBody>
+      </p:sp>
+      <p:sp>
+        <p:nvSpPr>
+          <p:cNvPr id="5" name="Slide Number Placeholder 4"/>
+          <p:cNvSpPr>
+            <a:spLocks noGrp="1"/>
+          </p:cNvSpPr>
+          <p:nvPr>
+            <p:ph type="sldNum" sz="quarter" idx="14"/>
+          </p:nvPr>
+        </p:nvSpPr>
+        <p:spPr/>
+        <p:txBody>
+          <a:bodyPr/>
+          <a:lstStyle/>
+          <a:p>
+            <a:pPr>
+              <a:defRPr/>
+            </a:pPr>
+            <a:fld id="{4AA01602-B999-AA4E-80A6-B21CED3A9C3C}" type="slidenum">
+              <a:rPr lang="sv-SE" smtClean="0"/>
+              <a:pPr>
+                <a:defRPr/>
+              </a:pPr>
+              <a:t>15</a:t>
+            </a:fld>
+            <a:endParaRPr lang="sv-SE"/>
+          </a:p>
+        </p:txBody>
+      </p:sp>
+    </p:spTree>
+    <p:extLst>
+      <p:ext uri="{BB962C8B-B14F-4D97-AF65-F5344CB8AC3E}">
+        <p14:creationId xmlns:p14="http://schemas.microsoft.com/office/powerpoint/2010/main" val="3753766513"/>
+      </p:ext>
+    </p:extLst>
+  </p:cSld>
+  <p:clrMapOvr>
+    <a:masterClrMapping/>
+  </p:clrMapOvr>
+</p:sld>
+</file>
+
+<file path=ppt/slides/slide16.xml><?xml version="1.0" encoding="utf-8"?>
+<p:sld xmlns:a="http://schemas.openxmlformats.org/drawingml/2006/main" xmlns:r="http://schemas.openxmlformats.org/officeDocument/2006/relationships" xmlns:p="http://schemas.openxmlformats.org/presentationml/2006/main">
+  <p:cSld>
+    <p:spTree>
+      <p:nvGrpSpPr>
+        <p:cNvPr id="1" name=""/>
+        <p:cNvGrpSpPr/>
+        <p:nvPr/>
+      </p:nvGrpSpPr>
+      <p:grpSpPr>
+        <a:xfrm>
+          <a:off x="0" y="0"/>
+          <a:ext cx="0" cy="0"/>
+          <a:chOff x="0" y="0"/>
+          <a:chExt cx="0" cy="0"/>
+        </a:xfrm>
+      </p:grpSpPr>
+      <p:sp>
+        <p:nvSpPr>
+          <p:cNvPr id="2" name="Title 1"/>
+          <p:cNvSpPr>
+            <a:spLocks noGrp="1"/>
+          </p:cNvSpPr>
+          <p:nvPr>
+            <p:ph type="ctrTitle"/>
+          </p:nvPr>
+        </p:nvSpPr>
+        <p:spPr/>
+        <p:txBody>
+          <a:bodyPr/>
+          <a:lstStyle/>
+          <a:p>
+            <a:r>
+              <a:rPr lang="en-US" dirty="0" smtClean="0"/>
+              <a:t>Frontend</a:t>
+            </a:r>
+            <a:endParaRPr lang="en-US" dirty="0"/>
+          </a:p>
+        </p:txBody>
+      </p:sp>
+      <p:sp>
+        <p:nvSpPr>
+          <p:cNvPr id="3" name="Subtitle 2"/>
+          <p:cNvSpPr>
+            <a:spLocks noGrp="1"/>
+          </p:cNvSpPr>
+          <p:nvPr>
+            <p:ph type="subTitle" idx="1"/>
+          </p:nvPr>
+        </p:nvSpPr>
+        <p:spPr/>
+        <p:txBody>
+          <a:bodyPr>
+            <a:normAutofit fontScale="92500" lnSpcReduction="10000"/>
+          </a:bodyPr>
+          <a:lstStyle/>
+          <a:p>
+            <a:r>
+              <a:rPr lang="en-US" dirty="0" smtClean="0"/>
+              <a:t>Exercise </a:t>
+            </a:r>
+            <a:r>
+              <a:rPr lang="en-US" dirty="0"/>
+              <a:t>5</a:t>
+            </a:r>
+            <a:endParaRPr lang="en-US" dirty="0"/>
+          </a:p>
+        </p:txBody>
+      </p:sp>
+      <p:sp>
+        <p:nvSpPr>
+          <p:cNvPr id="4" name="Text Placeholder 3"/>
+          <p:cNvSpPr>
+            <a:spLocks noGrp="1"/>
+          </p:cNvSpPr>
+          <p:nvPr>
+            <p:ph type="body" sz="quarter" idx="13"/>
+          </p:nvPr>
+        </p:nvSpPr>
+        <p:spPr/>
+        <p:txBody>
+          <a:bodyPr/>
+          <a:lstStyle/>
+          <a:p>
+            <a:pPr marL="0" indent="0">
+              <a:buNone/>
+            </a:pPr>
+            <a:r>
+              <a:rPr lang="en-US" dirty="0" smtClean="0"/>
+              <a:t>Build a simple client tha</a:t>
+            </a:r>
+            <a:r>
+              <a:rPr lang="en-US" dirty="0" smtClean="0"/>
+              <a:t>t use the API provided by the backend. </a:t>
+            </a:r>
+          </a:p>
+          <a:p>
+            <a:r>
+              <a:rPr lang="en-US" dirty="0" smtClean="0"/>
+              <a:t>Login user to create a session</a:t>
+            </a:r>
+          </a:p>
+          <a:p>
+            <a:endParaRPr lang="en-US" dirty="0" smtClean="0"/>
+          </a:p>
+        </p:txBody>
+      </p:sp>
+      <p:sp>
+        <p:nvSpPr>
+          <p:cNvPr id="5" name="Slide Number Placeholder 4"/>
+          <p:cNvSpPr>
+            <a:spLocks noGrp="1"/>
+          </p:cNvSpPr>
+          <p:nvPr>
+            <p:ph type="sldNum" sz="quarter" idx="14"/>
+          </p:nvPr>
+        </p:nvSpPr>
+        <p:spPr/>
+        <p:txBody>
+          <a:bodyPr/>
+          <a:lstStyle/>
+          <a:p>
+            <a:pPr>
+              <a:defRPr/>
+            </a:pPr>
+            <a:fld id="{4AA01602-B999-AA4E-80A6-B21CED3A9C3C}" type="slidenum">
+              <a:rPr lang="sv-SE" smtClean="0"/>
+              <a:pPr>
+                <a:defRPr/>
+              </a:pPr>
+              <a:t>16</a:t>
+            </a:fld>
+            <a:endParaRPr lang="sv-SE"/>
+          </a:p>
+        </p:txBody>
+      </p:sp>
+    </p:spTree>
+    <p:extLst>
+      <p:ext uri="{BB962C8B-B14F-4D97-AF65-F5344CB8AC3E}">
+        <p14:creationId xmlns:p14="http://schemas.microsoft.com/office/powerpoint/2010/main" val="3598812586"/>
       </p:ext>
     </p:extLst>
   </p:cSld>
@@ -7532,48 +8433,88 @@
           <a:lstStyle/>
           <a:p>
             <a:r>
-              <a:rPr lang="en-US" dirty="0" smtClean="0"/>
+              <a:rPr lang="en-US" sz="2000" dirty="0" smtClean="0"/>
               <a:t>Introduction to SDK by VINNOVA</a:t>
             </a:r>
           </a:p>
           <a:p>
             <a:r>
-              <a:rPr lang="en-US" dirty="0" smtClean="0"/>
+              <a:rPr lang="en-US" sz="2000" dirty="0" smtClean="0"/>
               <a:t>HTTP overview</a:t>
             </a:r>
           </a:p>
           <a:p>
             <a:pPr lvl="1"/>
             <a:r>
-              <a:rPr lang="en-US" dirty="0" smtClean="0"/>
-              <a:t>Lab on public data API</a:t>
-            </a:r>
-            <a:r>
-              <a:rPr lang="en-US" dirty="0" smtClean="0"/>
-              <a:t>’s</a:t>
-            </a:r>
-            <a:endParaRPr lang="en-US" dirty="0" smtClean="0"/>
-          </a:p>
-          <a:p>
-            <a:r>
-              <a:rPr lang="en-US" dirty="0" smtClean="0"/>
+              <a:rPr lang="en-US" sz="2000" dirty="0" smtClean="0"/>
+              <a:t>Lab on public data API’s</a:t>
+            </a:r>
+          </a:p>
+          <a:p>
+            <a:r>
+              <a:rPr lang="en-US" sz="2000" dirty="0" smtClean="0"/>
               <a:t>API’s for patient related information</a:t>
             </a:r>
           </a:p>
           <a:p>
             <a:pPr lvl="1"/>
             <a:r>
-              <a:rPr lang="en-US" dirty="0" err="1" smtClean="0"/>
+              <a:rPr lang="en-US" sz="2000" dirty="0" err="1" smtClean="0"/>
               <a:t>OAuth</a:t>
             </a:r>
             <a:r>
-              <a:rPr lang="en-US" dirty="0" smtClean="0"/>
+              <a:rPr lang="en-US" sz="2000" dirty="0" smtClean="0"/>
+              <a:t> </a:t>
+            </a:r>
+            <a:r>
+              <a:rPr lang="en-US" sz="2000" dirty="0" smtClean="0"/>
+              <a:t>2.0 intro</a:t>
+            </a:r>
+          </a:p>
+          <a:p>
+            <a:pPr lvl="1"/>
+            <a:r>
+              <a:rPr lang="en-US" sz="2000" dirty="0" smtClean="0"/>
+              <a:t>Lab on </a:t>
+            </a:r>
+            <a:r>
+              <a:rPr lang="en-US" sz="2000" dirty="0" err="1" smtClean="0"/>
+              <a:t>OAuth</a:t>
+            </a:r>
+            <a:r>
+              <a:rPr lang="en-US" sz="2000" dirty="0" smtClean="0"/>
               <a:t> 2.0</a:t>
             </a:r>
-            <a:endParaRPr lang="en-US" dirty="0" smtClean="0"/>
-          </a:p>
-          <a:p>
-            <a:endParaRPr lang="en-US" dirty="0" smtClean="0"/>
+          </a:p>
+          <a:p>
+            <a:pPr lvl="1"/>
+            <a:r>
+              <a:rPr lang="en-US" sz="2000" dirty="0" smtClean="0"/>
+              <a:t>The </a:t>
+            </a:r>
+            <a:r>
+              <a:rPr lang="en-US" sz="2000" dirty="0" err="1" smtClean="0"/>
+              <a:t>OAuth</a:t>
+            </a:r>
+            <a:r>
+              <a:rPr lang="en-US" sz="2000" dirty="0" smtClean="0"/>
+              <a:t> 2.0 dance</a:t>
+            </a:r>
+          </a:p>
+          <a:p>
+            <a:pPr lvl="1"/>
+            <a:r>
+              <a:rPr lang="en-US" sz="2000" dirty="0" smtClean="0"/>
+              <a:t>Lab 3, implement </a:t>
+            </a:r>
+            <a:r>
+              <a:rPr lang="en-US" sz="2000" dirty="0" err="1" smtClean="0"/>
+              <a:t>OAuth</a:t>
+            </a:r>
+            <a:r>
+              <a:rPr lang="en-US" sz="2000" dirty="0" smtClean="0"/>
+              <a:t> 2.0 dance</a:t>
+            </a:r>
           </a:p>
         </p:txBody>
       </p:sp>
@@ -7660,7 +8601,7 @@
           <a:p>
             <a:r>
               <a:rPr lang="en-US" dirty="0" smtClean="0"/>
-              <a:t>Introduction to SDK by VINNOVA</a:t>
+              <a:t>Agenda</a:t>
             </a:r>
             <a:endParaRPr lang="en-US" dirty="0"/>
           </a:p>
@@ -7683,7 +8624,7 @@
           </a:bodyPr>
           <a:lstStyle/>
           <a:p>
-            <a:endParaRPr lang="en-US" dirty="0"/>
+            <a:endParaRPr lang="en-US"/>
           </a:p>
         </p:txBody>
       </p:sp>
@@ -7703,34 +8644,41 @@
           <a:lstStyle/>
           <a:p>
             <a:r>
-              <a:rPr lang="en-US" dirty="0" smtClean="0">
-                <a:hlinkClick r:id="rId3"/>
-              </a:rPr>
-              <a:t>SDK by </a:t>
-            </a:r>
-            <a:r>
-              <a:rPr lang="en-US" dirty="0" smtClean="0">
-                <a:hlinkClick r:id="rId3"/>
-              </a:rPr>
-              <a:t>VINNOVA</a:t>
-            </a:r>
-            <a:endParaRPr lang="en-US" dirty="0" smtClean="0"/>
-          </a:p>
-          <a:p>
-            <a:r>
-              <a:rPr lang="en-US" dirty="0" smtClean="0"/>
-              <a:t>Background</a:t>
-            </a:r>
-          </a:p>
-          <a:p>
-            <a:r>
-              <a:rPr lang="en-US" dirty="0" smtClean="0"/>
-              <a:t>API</a:t>
-            </a:r>
-            <a:r>
-              <a:rPr lang="en-US" dirty="0" smtClean="0"/>
-              <a:t>’s</a:t>
-            </a:r>
+              <a:rPr lang="en-US" sz="2000" dirty="0" smtClean="0"/>
+              <a:t>Building the App </a:t>
+            </a:r>
+          </a:p>
+          <a:p>
+            <a:pPr lvl="1"/>
+            <a:r>
+              <a:rPr lang="en-US" sz="2000" dirty="0" smtClean="0"/>
+              <a:t>Need for an app backend</a:t>
+            </a:r>
+          </a:p>
+          <a:p>
+            <a:pPr lvl="1"/>
+            <a:r>
+              <a:rPr lang="en-US" sz="2000" dirty="0" smtClean="0"/>
+              <a:t>Lab 4, build the app backend</a:t>
+            </a:r>
+          </a:p>
+          <a:p>
+            <a:pPr lvl="1"/>
+            <a:r>
+              <a:rPr lang="en-US" sz="2000" dirty="0" smtClean="0"/>
+              <a:t>Front-end development fro mobile apps, differences ?</a:t>
+            </a:r>
+          </a:p>
+          <a:p>
+            <a:pPr lvl="1"/>
+            <a:r>
+              <a:rPr lang="en-US" sz="2000" dirty="0" smtClean="0"/>
+              <a:t>Lab 5, Applying the app</a:t>
+            </a:r>
+            <a:endParaRPr lang="en-US" sz="2000" dirty="0" smtClean="0"/>
+          </a:p>
+          <a:p>
+            <a:endParaRPr lang="en-US" sz="2000" dirty="0" smtClean="0"/>
           </a:p>
         </p:txBody>
       </p:sp>
@@ -7758,6 +8706,153 @@
                 <a:defRPr/>
               </a:pPr>
               <a:t>4</a:t>
+            </a:fld>
+            <a:endParaRPr lang="sv-SE"/>
+          </a:p>
+        </p:txBody>
+      </p:sp>
+    </p:spTree>
+    <p:extLst>
+      <p:ext uri="{BB962C8B-B14F-4D97-AF65-F5344CB8AC3E}">
+        <p14:creationId xmlns:p14="http://schemas.microsoft.com/office/powerpoint/2010/main" val="2390511196"/>
+      </p:ext>
+    </p:extLst>
+  </p:cSld>
+  <p:clrMapOvr>
+    <a:masterClrMapping/>
+  </p:clrMapOvr>
+  <p:timing>
+    <p:tnLst>
+      <p:par>
+        <p:cTn xmlns:p14="http://schemas.microsoft.com/office/powerpoint/2010/main" id="1" dur="indefinite" restart="never" nodeType="tmRoot"/>
+      </p:par>
+    </p:tnLst>
+  </p:timing>
+</p:sld>
+</file>
+
+<file path=ppt/slides/slide5.xml><?xml version="1.0" encoding="utf-8"?>
+<p:sld xmlns:a="http://schemas.openxmlformats.org/drawingml/2006/main" xmlns:r="http://schemas.openxmlformats.org/officeDocument/2006/relationships" xmlns:p="http://schemas.openxmlformats.org/presentationml/2006/main">
+  <p:cSld>
+    <p:spTree>
+      <p:nvGrpSpPr>
+        <p:cNvPr id="1" name=""/>
+        <p:cNvGrpSpPr/>
+        <p:nvPr/>
+      </p:nvGrpSpPr>
+      <p:grpSpPr>
+        <a:xfrm>
+          <a:off x="0" y="0"/>
+          <a:ext cx="0" cy="0"/>
+          <a:chOff x="0" y="0"/>
+          <a:chExt cx="0" cy="0"/>
+        </a:xfrm>
+      </p:grpSpPr>
+      <p:sp>
+        <p:nvSpPr>
+          <p:cNvPr id="2" name="Title 1"/>
+          <p:cNvSpPr>
+            <a:spLocks noGrp="1"/>
+          </p:cNvSpPr>
+          <p:nvPr>
+            <p:ph type="ctrTitle"/>
+          </p:nvPr>
+        </p:nvSpPr>
+        <p:spPr/>
+        <p:txBody>
+          <a:bodyPr/>
+          <a:lstStyle/>
+          <a:p>
+            <a:r>
+              <a:rPr lang="en-US" dirty="0" smtClean="0"/>
+              <a:t>Introduction to SDK by VINNOVA</a:t>
+            </a:r>
+            <a:endParaRPr lang="en-US" dirty="0"/>
+          </a:p>
+        </p:txBody>
+      </p:sp>
+      <p:sp>
+        <p:nvSpPr>
+          <p:cNvPr id="3" name="Subtitle 2"/>
+          <p:cNvSpPr>
+            <a:spLocks noGrp="1"/>
+          </p:cNvSpPr>
+          <p:nvPr>
+            <p:ph type="subTitle" idx="1"/>
+          </p:nvPr>
+        </p:nvSpPr>
+        <p:spPr/>
+        <p:txBody>
+          <a:bodyPr>
+            <a:normAutofit fontScale="92500" lnSpcReduction="10000"/>
+          </a:bodyPr>
+          <a:lstStyle/>
+          <a:p>
+            <a:endParaRPr lang="en-US" dirty="0"/>
+          </a:p>
+        </p:txBody>
+      </p:sp>
+      <p:sp>
+        <p:nvSpPr>
+          <p:cNvPr id="4" name="Text Placeholder 3"/>
+          <p:cNvSpPr>
+            <a:spLocks noGrp="1"/>
+          </p:cNvSpPr>
+          <p:nvPr>
+            <p:ph type="body" sz="quarter" idx="13"/>
+          </p:nvPr>
+        </p:nvSpPr>
+        <p:spPr/>
+        <p:txBody>
+          <a:bodyPr/>
+          <a:lstStyle/>
+          <a:p>
+            <a:r>
+              <a:rPr lang="en-US" dirty="0" smtClean="0">
+                <a:hlinkClick r:id="rId3"/>
+              </a:rPr>
+              <a:t>SDK by VINNOVA</a:t>
+            </a:r>
+            <a:endParaRPr lang="en-US" dirty="0" smtClean="0"/>
+          </a:p>
+          <a:p>
+            <a:r>
+              <a:rPr lang="en-US" dirty="0" smtClean="0"/>
+              <a:t>Background</a:t>
+            </a:r>
+          </a:p>
+          <a:p>
+            <a:r>
+              <a:rPr lang="en-US" dirty="0" smtClean="0"/>
+              <a:t>API’s</a:t>
+            </a:r>
+          </a:p>
+        </p:txBody>
+      </p:sp>
+      <p:sp>
+        <p:nvSpPr>
+          <p:cNvPr id="5" name="Slide Number Placeholder 4"/>
+          <p:cNvSpPr>
+            <a:spLocks noGrp="1"/>
+          </p:cNvSpPr>
+          <p:nvPr>
+            <p:ph type="sldNum" sz="quarter" idx="14"/>
+          </p:nvPr>
+        </p:nvSpPr>
+        <p:spPr/>
+        <p:txBody>
+          <a:bodyPr/>
+          <a:lstStyle/>
+          <a:p>
+            <a:pPr>
+              <a:defRPr/>
+            </a:pPr>
+            <a:fld id="{4AA01602-B999-AA4E-80A6-B21CED3A9C3C}" type="slidenum">
+              <a:rPr lang="sv-SE" smtClean="0"/>
+              <a:pPr>
+                <a:defRPr/>
+              </a:pPr>
+              <a:t>5</a:t>
             </a:fld>
             <a:endParaRPr lang="sv-SE"/>
           </a:p>
@@ -7813,199 +8908,6 @@
 </p:sld>
 </file>
 
-<file path=ppt/slides/slide5.xml><?xml version="1.0" encoding="utf-8"?>
-<p:sld xmlns:a="http://schemas.openxmlformats.org/drawingml/2006/main" xmlns:r="http://schemas.openxmlformats.org/officeDocument/2006/relationships" xmlns:p="http://schemas.openxmlformats.org/presentationml/2006/main">
-  <p:cSld>
-    <p:spTree>
-      <p:nvGrpSpPr>
-        <p:cNvPr id="1" name=""/>
-        <p:cNvGrpSpPr/>
-        <p:nvPr/>
-      </p:nvGrpSpPr>
-      <p:grpSpPr>
-        <a:xfrm>
-          <a:off x="0" y="0"/>
-          <a:ext cx="0" cy="0"/>
-          <a:chOff x="0" y="0"/>
-          <a:chExt cx="0" cy="0"/>
-        </a:xfrm>
-      </p:grpSpPr>
-      <p:sp>
-        <p:nvSpPr>
-          <p:cNvPr id="2" name="Title 1"/>
-          <p:cNvSpPr>
-            <a:spLocks noGrp="1"/>
-          </p:cNvSpPr>
-          <p:nvPr>
-            <p:ph type="ctrTitle"/>
-          </p:nvPr>
-        </p:nvSpPr>
-        <p:spPr/>
-        <p:txBody>
-          <a:bodyPr/>
-          <a:lstStyle/>
-          <a:p>
-            <a:r>
-              <a:rPr lang="en-US" dirty="0" smtClean="0"/>
-              <a:t>HTTP overview</a:t>
-            </a:r>
-            <a:endParaRPr lang="en-US" dirty="0"/>
-          </a:p>
-        </p:txBody>
-      </p:sp>
-      <p:sp>
-        <p:nvSpPr>
-          <p:cNvPr id="3" name="Subtitle 2"/>
-          <p:cNvSpPr>
-            <a:spLocks noGrp="1"/>
-          </p:cNvSpPr>
-          <p:nvPr>
-            <p:ph type="subTitle" idx="1"/>
-          </p:nvPr>
-        </p:nvSpPr>
-        <p:spPr/>
-        <p:txBody>
-          <a:bodyPr>
-            <a:normAutofit fontScale="92500" lnSpcReduction="10000"/>
-          </a:bodyPr>
-          <a:lstStyle/>
-          <a:p>
-            <a:r>
-              <a:rPr lang="en-US" dirty="0" smtClean="0"/>
-              <a:t>HTTP-request</a:t>
-            </a:r>
-            <a:endParaRPr lang="en-US" dirty="0"/>
-          </a:p>
-        </p:txBody>
-      </p:sp>
-      <p:sp>
-        <p:nvSpPr>
-          <p:cNvPr id="4" name="Text Placeholder 3"/>
-          <p:cNvSpPr>
-            <a:spLocks noGrp="1"/>
-          </p:cNvSpPr>
-          <p:nvPr>
-            <p:ph type="body" sz="quarter" idx="13"/>
-          </p:nvPr>
-        </p:nvSpPr>
-        <p:spPr/>
-        <p:txBody>
-          <a:bodyPr/>
-          <a:lstStyle/>
-          <a:p>
-            <a:r>
-              <a:rPr lang="en-US" sz="1800" dirty="0" smtClean="0"/>
-              <a:t>POST, GET, PUT, DELETE</a:t>
-            </a:r>
-          </a:p>
-          <a:p>
-            <a:pPr lvl="1"/>
-            <a:r>
-              <a:rPr lang="en-US" sz="1800" dirty="0" smtClean="0"/>
-              <a:t>CRUD mappings based on best practices within REST community.</a:t>
-            </a:r>
-          </a:p>
-          <a:p>
-            <a:r>
-              <a:rPr lang="en-US" sz="1800" dirty="0" smtClean="0"/>
-              <a:t>URL</a:t>
-            </a:r>
-          </a:p>
-          <a:p>
-            <a:pPr lvl="1"/>
-            <a:r>
-              <a:rPr lang="en-US" sz="1800" dirty="0" smtClean="0"/>
-              <a:t>Address + parameters</a:t>
-            </a:r>
-          </a:p>
-          <a:p>
-            <a:r>
-              <a:rPr lang="en-US" sz="1800" dirty="0" smtClean="0"/>
-              <a:t>HTTP </a:t>
-            </a:r>
-            <a:r>
-              <a:rPr lang="en-US" sz="1800" dirty="0"/>
-              <a:t>headers</a:t>
-            </a:r>
-          </a:p>
-          <a:p>
-            <a:pPr lvl="1"/>
-            <a:r>
-              <a:rPr lang="en-US" sz="1800" dirty="0" smtClean="0"/>
-              <a:t>Accept</a:t>
-            </a:r>
-          </a:p>
-          <a:p>
-            <a:pPr lvl="1"/>
-            <a:r>
-              <a:rPr lang="en-US" sz="1800" dirty="0" smtClean="0"/>
-              <a:t>Authorization</a:t>
-            </a:r>
-          </a:p>
-          <a:p>
-            <a:pPr lvl="1"/>
-            <a:r>
-              <a:rPr lang="en-US" sz="1800" dirty="0" smtClean="0"/>
-              <a:t>Content-Type</a:t>
-            </a:r>
-          </a:p>
-          <a:p>
-            <a:r>
-              <a:rPr lang="en-US" sz="1800" dirty="0" smtClean="0"/>
-              <a:t>Payload/Content</a:t>
-            </a:r>
-          </a:p>
-        </p:txBody>
-      </p:sp>
-      <p:sp>
-        <p:nvSpPr>
-          <p:cNvPr id="5" name="Slide Number Placeholder 4"/>
-          <p:cNvSpPr>
-            <a:spLocks noGrp="1"/>
-          </p:cNvSpPr>
-          <p:nvPr>
-            <p:ph type="sldNum" sz="quarter" idx="14"/>
-          </p:nvPr>
-        </p:nvSpPr>
-        <p:spPr/>
-        <p:txBody>
-          <a:bodyPr/>
-          <a:lstStyle/>
-          <a:p>
-            <a:pPr>
-              <a:defRPr/>
-            </a:pPr>
-            <a:fld id="{4AA01602-B999-AA4E-80A6-B21CED3A9C3C}" type="slidenum">
-              <a:rPr lang="sv-SE" smtClean="0"/>
-              <a:pPr>
-                <a:defRPr/>
-              </a:pPr>
-              <a:t>5</a:t>
-            </a:fld>
-            <a:endParaRPr lang="sv-SE"/>
-          </a:p>
-        </p:txBody>
-      </p:sp>
-    </p:spTree>
-    <p:extLst>
-      <p:ext uri="{BB962C8B-B14F-4D97-AF65-F5344CB8AC3E}">
-        <p14:creationId xmlns:p14="http://schemas.microsoft.com/office/powerpoint/2010/main" val="292200695"/>
-      </p:ext>
-    </p:extLst>
-  </p:cSld>
-  <p:clrMapOvr>
-    <a:masterClrMapping/>
-  </p:clrMapOvr>
-  <p:timing>
-    <p:tnLst>
-      <p:par>
-        <p:cTn xmlns:p14="http://schemas.microsoft.com/office/powerpoint/2010/main" id="1" dur="indefinite" restart="never" nodeType="tmRoot"/>
-      </p:par>
-    </p:tnLst>
-  </p:timing>
-</p:sld>
-</file>
-
 <file path=ppt/slides/slide6.xml><?xml version="1.0" encoding="utf-8"?>
 <p:sld xmlns:a="http://schemas.openxmlformats.org/drawingml/2006/main" xmlns:r="http://schemas.openxmlformats.org/officeDocument/2006/relationships" xmlns:p="http://schemas.openxmlformats.org/presentationml/2006/main">
   <p:cSld>
@@ -8065,7 +8967,7 @@
           <a:p>
             <a:r>
               <a:rPr lang="en-US" dirty="0" smtClean="0"/>
-              <a:t>HTTP-response</a:t>
+              <a:t>HTTP-request</a:t>
             </a:r>
             <a:endParaRPr lang="en-US" dirty="0"/>
           </a:p>
@@ -8087,73 +8989,66 @@
           <a:lstStyle/>
           <a:p>
             <a:r>
-              <a:rPr lang="en-US" dirty="0" smtClean="0"/>
-              <a:t>Status codes</a:t>
-            </a:r>
-            <a:endParaRPr lang="en-US" dirty="0"/>
+              <a:rPr lang="en-US" sz="1800" dirty="0" smtClean="0"/>
+              <a:t>POST, GET, PUT, DELETE</a:t>
+            </a:r>
           </a:p>
           <a:p>
             <a:pPr lvl="1"/>
             <a:r>
-              <a:rPr lang="en-US" dirty="0" smtClean="0"/>
-              <a:t>2xx, 3xx, 4xx, 5xx</a:t>
+              <a:rPr lang="en-US" sz="1800" dirty="0" smtClean="0"/>
+              <a:t>CRUD mappings based on best practices within REST community.</a:t>
+            </a:r>
+          </a:p>
+          <a:p>
+            <a:r>
+              <a:rPr lang="en-US" sz="1800" dirty="0" smtClean="0"/>
+              <a:t>URL</a:t>
             </a:r>
           </a:p>
           <a:p>
             <a:pPr lvl="1"/>
             <a:r>
-              <a:rPr lang="en-US" dirty="0" smtClean="0"/>
-              <a:t>418 I’m a teapot (RFC2324)</a:t>
-            </a:r>
-          </a:p>
-          <a:p>
-            <a:pPr lvl="2"/>
-            <a:r>
-              <a:rPr lang="en-US" dirty="0" smtClean="0"/>
-              <a:t>Hyper Text Coffee Pot Control Protocol</a:t>
-            </a:r>
-          </a:p>
-          <a:p>
-            <a:r>
-              <a:rPr lang="en-US" dirty="0" smtClean="0"/>
-              <a:t>HTTP Headers</a:t>
+              <a:rPr lang="en-US" sz="1800" dirty="0" smtClean="0"/>
+              <a:t>Address + parameters</a:t>
+            </a:r>
+          </a:p>
+          <a:p>
+            <a:r>
+              <a:rPr lang="en-US" sz="1800" dirty="0" smtClean="0"/>
+              <a:t>HTTP </a:t>
+            </a:r>
+            <a:r>
+              <a:rPr lang="en-US" sz="1800" dirty="0"/>
+              <a:t>headers</a:t>
             </a:r>
           </a:p>
           <a:p>
             <a:pPr lvl="1"/>
             <a:r>
-              <a:rPr lang="en-US" dirty="0" smtClean="0"/>
-              <a:t>Location</a:t>
+              <a:rPr lang="en-US" sz="1800" dirty="0" smtClean="0"/>
+              <a:t>Accept</a:t>
             </a:r>
           </a:p>
           <a:p>
             <a:pPr lvl="1"/>
             <a:r>
-              <a:rPr lang="en-US" sz="2400" dirty="0"/>
-              <a:t>Content-</a:t>
-            </a:r>
-            <a:r>
-              <a:rPr lang="en-US" sz="2400" dirty="0" smtClean="0"/>
-              <a:t>Type</a:t>
-            </a:r>
-            <a:endParaRPr lang="en-US" dirty="0" smtClean="0"/>
-          </a:p>
-          <a:p>
-            <a:pPr marL="342900" lvl="1" indent="-342900">
-              <a:buFont typeface="Arial" charset="0"/>
-              <a:buChar char="•"/>
-            </a:pPr>
-            <a:r>
-              <a:rPr lang="en-US" dirty="0" smtClean="0"/>
-              <a:t>Example: Redirect, how does it work?</a:t>
-            </a:r>
-            <a:endParaRPr lang="en-US" dirty="0"/>
-          </a:p>
-          <a:p>
-            <a:endParaRPr lang="en-US" dirty="0"/>
-          </a:p>
-          <a:p>
-            <a:endParaRPr lang="en-US" dirty="0"/>
+              <a:rPr lang="en-US" sz="1800" dirty="0" smtClean="0"/>
+              <a:t>Authorization</a:t>
+            </a:r>
+          </a:p>
+          <a:p>
+            <a:pPr lvl="1"/>
+            <a:r>
+              <a:rPr lang="en-US" sz="1800" dirty="0" smtClean="0"/>
+              <a:t>Content-Type</a:t>
+            </a:r>
+          </a:p>
+          <a:p>
+            <a:r>
+              <a:rPr lang="en-US" sz="1800" dirty="0" smtClean="0"/>
+              <a:t>Payload/Content</a:t>
+            </a:r>
           </a:p>
         </p:txBody>
       </p:sp>
@@ -8189,7 +9084,7 @@
     </p:spTree>
     <p:extLst>
       <p:ext uri="{BB962C8B-B14F-4D97-AF65-F5344CB8AC3E}">
-        <p14:creationId xmlns:p14="http://schemas.microsoft.com/office/powerpoint/2010/main" val="970070681"/>
+        <p14:creationId xmlns:p14="http://schemas.microsoft.com/office/powerpoint/2010/main" val="292200695"/>
       </p:ext>
     </p:extLst>
   </p:cSld>
@@ -8265,7 +9160,7 @@
           <a:p>
             <a:r>
               <a:rPr lang="en-US" dirty="0" smtClean="0"/>
-              <a:t>Example: Redirect, how does it work?</a:t>
+              <a:t>HTTP-response</a:t>
             </a:r>
             <a:endParaRPr lang="en-US" dirty="0"/>
           </a:p>
@@ -8288,8 +9183,72 @@
           <a:p>
             <a:r>
               <a:rPr lang="en-US" dirty="0" smtClean="0"/>
-              <a:t>{SNYGG BILD}</a:t>
-            </a:r>
+              <a:t>Status codes</a:t>
+            </a:r>
+            <a:endParaRPr lang="en-US" dirty="0"/>
+          </a:p>
+          <a:p>
+            <a:pPr lvl="1"/>
+            <a:r>
+              <a:rPr lang="en-US" dirty="0" smtClean="0"/>
+              <a:t>2xx, 3xx, 4xx, 5xx</a:t>
+            </a:r>
+          </a:p>
+          <a:p>
+            <a:pPr lvl="1"/>
+            <a:r>
+              <a:rPr lang="en-US" dirty="0" smtClean="0"/>
+              <a:t>418 I’m a teapot (RFC2324)</a:t>
+            </a:r>
+          </a:p>
+          <a:p>
+            <a:pPr lvl="2"/>
+            <a:r>
+              <a:rPr lang="en-US" dirty="0" smtClean="0"/>
+              <a:t>Hyper Text Coffee Pot Control Protocol</a:t>
+            </a:r>
+          </a:p>
+          <a:p>
+            <a:r>
+              <a:rPr lang="en-US" dirty="0" smtClean="0"/>
+              <a:t>HTTP Headers</a:t>
+            </a:r>
+          </a:p>
+          <a:p>
+            <a:pPr lvl="1"/>
+            <a:r>
+              <a:rPr lang="en-US" dirty="0" smtClean="0"/>
+              <a:t>Location</a:t>
+            </a:r>
+          </a:p>
+          <a:p>
+            <a:pPr lvl="1"/>
+            <a:r>
+              <a:rPr lang="en-US" sz="2400" dirty="0"/>
+              <a:t>Content-</a:t>
+            </a:r>
+            <a:r>
+              <a:rPr lang="en-US" sz="2400" dirty="0" smtClean="0"/>
+              <a:t>Type</a:t>
+            </a:r>
+            <a:endParaRPr lang="en-US" dirty="0" smtClean="0"/>
+          </a:p>
+          <a:p>
+            <a:pPr marL="342900" lvl="1" indent="-342900">
+              <a:buFont typeface="Arial" charset="0"/>
+              <a:buChar char="•"/>
+            </a:pPr>
+            <a:r>
+              <a:rPr lang="en-US" dirty="0" smtClean="0"/>
+              <a:t>Example: Redirect, how does it work?</a:t>
+            </a:r>
+            <a:endParaRPr lang="en-US" dirty="0"/>
+          </a:p>
+          <a:p>
+            <a:endParaRPr lang="en-US" dirty="0"/>
+          </a:p>
+          <a:p>
+            <a:endParaRPr lang="en-US" dirty="0"/>
           </a:p>
         </p:txBody>
       </p:sp>
@@ -8325,13 +9284,20 @@
     </p:spTree>
     <p:extLst>
       <p:ext uri="{BB962C8B-B14F-4D97-AF65-F5344CB8AC3E}">
-        <p14:creationId xmlns:p14="http://schemas.microsoft.com/office/powerpoint/2010/main" val="2100865221"/>
+        <p14:creationId xmlns:p14="http://schemas.microsoft.com/office/powerpoint/2010/main" val="970070681"/>
       </p:ext>
     </p:extLst>
   </p:cSld>
   <p:clrMapOvr>
     <a:masterClrMapping/>
   </p:clrMapOvr>
+  <p:timing>
+    <p:tnLst>
+      <p:par>
+        <p:cTn xmlns:p14="http://schemas.microsoft.com/office/powerpoint/2010/main" id="1" dur="indefinite" restart="never" nodeType="tmRoot"/>
+      </p:par>
+    </p:tnLst>
+  </p:timing>
 </p:sld>
 </file>
 
@@ -8394,7 +9360,7 @@
           <a:p>
             <a:r>
               <a:rPr lang="en-US" dirty="0" smtClean="0"/>
-              <a:t>Exercise 1</a:t>
+              <a:t>Example: Redirect, how does it work?</a:t>
             </a:r>
             <a:endParaRPr lang="en-US" dirty="0"/>
           </a:p>
@@ -8415,12 +9381,9 @@
           <a:bodyPr/>
           <a:lstStyle/>
           <a:p>
-            <a:pPr marL="0" indent="0">
-              <a:buNone/>
-            </a:pPr>
             <a:r>
               <a:rPr lang="en-US" dirty="0" smtClean="0"/>
-              <a:t>Use Curl to make http requests</a:t>
+              <a:t>{SNYGG BILD}</a:t>
             </a:r>
           </a:p>
         </p:txBody>
@@ -8457,7 +9420,7 @@
     </p:spTree>
     <p:extLst>
       <p:ext uri="{BB962C8B-B14F-4D97-AF65-F5344CB8AC3E}">
-        <p14:creationId xmlns:p14="http://schemas.microsoft.com/office/powerpoint/2010/main" val="3805536355"/>
+        <p14:creationId xmlns:p14="http://schemas.microsoft.com/office/powerpoint/2010/main" val="2100865221"/>
       </p:ext>
     </p:extLst>
   </p:cSld>
@@ -8496,14 +9459,12 @@
         </p:nvSpPr>
         <p:spPr/>
         <p:txBody>
-          <a:bodyPr>
-            <a:normAutofit fontScale="90000"/>
-          </a:bodyPr>
+          <a:bodyPr/>
           <a:lstStyle/>
           <a:p>
             <a:r>
               <a:rPr lang="en-US" dirty="0" smtClean="0"/>
-              <a:t>API’s for patient related information</a:t>
+              <a:t>HTTP overview</a:t>
             </a:r>
             <a:endParaRPr lang="en-US" dirty="0"/>
           </a:p>
@@ -8528,7 +9489,7 @@
           <a:p>
             <a:r>
               <a:rPr lang="en-US" dirty="0" smtClean="0"/>
-              <a:t>Introduction</a:t>
+              <a:t>Exercise 1</a:t>
             </a:r>
             <a:endParaRPr lang="en-US" dirty="0"/>
           </a:p>
@@ -8549,83 +9510,12 @@
           <a:bodyPr/>
           <a:lstStyle/>
           <a:p>
-            <a:r>
-              <a:rPr lang="en-US" sz="1800" dirty="0" smtClean="0"/>
-              <a:t>As opposed to the public API’s, not open data API</a:t>
-            </a:r>
-            <a:r>
-              <a:rPr lang="en-US" sz="1800" dirty="0" smtClean="0"/>
-              <a:t>’s</a:t>
-            </a:r>
-            <a:endParaRPr lang="en-US" sz="1800" dirty="0" smtClean="0"/>
-          </a:p>
-          <a:p>
-            <a:r>
-              <a:rPr lang="en-US" sz="1800" dirty="0" smtClean="0"/>
-              <a:t>Strong authentication of citizens</a:t>
-            </a:r>
-          </a:p>
-          <a:p>
-            <a:pPr lvl="1"/>
-            <a:r>
-              <a:rPr lang="en-US" sz="1800" dirty="0" smtClean="0"/>
-              <a:t>Demand from </a:t>
-            </a:r>
-            <a:r>
-              <a:rPr lang="en-US" sz="1800" dirty="0" err="1" smtClean="0"/>
-              <a:t>Datainspektionen</a:t>
-            </a:r>
-            <a:endParaRPr lang="en-US" sz="1800" dirty="0" smtClean="0"/>
-          </a:p>
-          <a:p>
-            <a:pPr lvl="1"/>
-            <a:r>
-              <a:rPr lang="en-US" sz="1800" dirty="0" smtClean="0"/>
-              <a:t>2 factor</a:t>
-            </a:r>
-          </a:p>
-          <a:p>
-            <a:r>
-              <a:rPr lang="en-US" sz="1800" dirty="0" smtClean="0"/>
-              <a:t>Strong authentication of API clients</a:t>
-            </a:r>
-          </a:p>
-          <a:p>
-            <a:pPr lvl="1"/>
-            <a:r>
-              <a:rPr lang="en-US" sz="1800" dirty="0" smtClean="0"/>
-              <a:t>SSL/TLS certificate</a:t>
-            </a:r>
-          </a:p>
-          <a:p>
-            <a:pPr lvl="1"/>
-            <a:r>
-              <a:rPr lang="en-US" sz="1800" dirty="0" smtClean="0"/>
-              <a:t>Mutual </a:t>
-            </a:r>
-            <a:r>
-              <a:rPr lang="en-US" sz="1800" dirty="0" err="1" smtClean="0"/>
-              <a:t>authenticaton</a:t>
-            </a:r>
-            <a:endParaRPr lang="en-US" sz="1800" dirty="0" smtClean="0"/>
-          </a:p>
-          <a:p>
-            <a:r>
-              <a:rPr lang="en-US" sz="1800" dirty="0" smtClean="0"/>
-              <a:t>Strict authorization control</a:t>
-            </a:r>
-          </a:p>
-          <a:p>
-            <a:pPr lvl="1"/>
-            <a:r>
-              <a:rPr lang="en-US" sz="1600" dirty="0" smtClean="0"/>
-              <a:t>Citizen approved </a:t>
-            </a:r>
-          </a:p>
-          <a:p>
-            <a:r>
-              <a:rPr lang="en-US" sz="1800" dirty="0" smtClean="0"/>
-              <a:t>So what’s the problem???</a:t>
+            <a:pPr marL="0" indent="0">
+              <a:buNone/>
+            </a:pPr>
+            <a:r>
+              <a:rPr lang="en-US" dirty="0" smtClean="0"/>
+              <a:t>Use Curl to make http requests</a:t>
             </a:r>
           </a:p>
         </p:txBody>
@@ -8662,7 +9552,7 @@
     </p:spTree>
     <p:extLst>
       <p:ext uri="{BB962C8B-B14F-4D97-AF65-F5344CB8AC3E}">
-        <p14:creationId xmlns:p14="http://schemas.microsoft.com/office/powerpoint/2010/main" val="910791665"/>
+        <p14:creationId xmlns:p14="http://schemas.microsoft.com/office/powerpoint/2010/main" val="3805536355"/>
       </p:ext>
     </p:extLst>
   </p:cSld>

--- a/Cadec-vårdens-apier.pptx
+++ b/Cadec-vårdens-apier.pptx
@@ -5,10 +5,10 @@
     <p:sldMasterId id="2147483648" r:id="rId1"/>
   </p:sldMasterIdLst>
   <p:notesMasterIdLst>
-    <p:notesMasterId r:id="rId18"/>
+    <p:notesMasterId r:id="rId21"/>
   </p:notesMasterIdLst>
   <p:handoutMasterIdLst>
-    <p:handoutMasterId r:id="rId19"/>
+    <p:handoutMasterId r:id="rId22"/>
   </p:handoutMasterIdLst>
   <p:sldIdLst>
     <p:sldId id="256" r:id="rId2"/>
@@ -22,11 +22,14 @@
     <p:sldId id="261" r:id="rId10"/>
     <p:sldId id="264" r:id="rId11"/>
     <p:sldId id="266" r:id="rId12"/>
-    <p:sldId id="265" r:id="rId13"/>
-    <p:sldId id="267" r:id="rId14"/>
-    <p:sldId id="269" r:id="rId15"/>
-    <p:sldId id="271" r:id="rId16"/>
-    <p:sldId id="270" r:id="rId17"/>
+    <p:sldId id="272" r:id="rId13"/>
+    <p:sldId id="273" r:id="rId14"/>
+    <p:sldId id="265" r:id="rId15"/>
+    <p:sldId id="267" r:id="rId16"/>
+    <p:sldId id="269" r:id="rId17"/>
+    <p:sldId id="271" r:id="rId18"/>
+    <p:sldId id="270" r:id="rId19"/>
+    <p:sldId id="274" r:id="rId20"/>
   </p:sldIdLst>
   <p:sldSz cx="9144000" cy="6858000" type="screen4x3"/>
   <p:notesSz cx="6858000" cy="9144000"/>
@@ -257,7 +260,7 @@
               <a:pPr>
                 <a:defRPr/>
               </a:pPr>
-              <a:t>2012-12-20</a:t>
+              <a:t>2012-12-27</a:t>
             </a:fld>
             <a:endParaRPr lang="sv-SE"/>
           </a:p>
@@ -457,7 +460,7 @@
               <a:pPr>
                 <a:defRPr/>
               </a:pPr>
-              <a:t>2012-12-20</a:t>
+              <a:t>2012-12-27</a:t>
             </a:fld>
             <a:endParaRPr lang="sv-SE"/>
           </a:p>
@@ -2512,7 +2515,416 @@
           <a:bodyPr/>
           <a:lstStyle/>
           <a:p>
-            <a:endParaRPr lang="en-US" baseline="0" dirty="0" smtClean="0"/>
+            <a:r>
+              <a:rPr lang="en-US" dirty="0" err="1" smtClean="0"/>
+              <a:t>Reaource</a:t>
+            </a:r>
+            <a:r>
+              <a:rPr lang="en-US" dirty="0" smtClean="0"/>
+              <a:t> Owner: En roll </a:t>
+            </a:r>
+            <a:r>
+              <a:rPr lang="en-US" dirty="0" err="1" smtClean="0"/>
+              <a:t>i</a:t>
+            </a:r>
+            <a:r>
+              <a:rPr lang="en-US" dirty="0" smtClean="0"/>
+              <a:t> </a:t>
+            </a:r>
+            <a:r>
+              <a:rPr lang="en-US" dirty="0" err="1" smtClean="0"/>
+              <a:t>OAuth</a:t>
+            </a:r>
+            <a:r>
+              <a:rPr lang="en-US" dirty="0" smtClean="0"/>
+              <a:t> 2.0 </a:t>
+            </a:r>
+            <a:r>
+              <a:rPr lang="en-US" dirty="0" err="1" smtClean="0"/>
+              <a:t>specifikationen</a:t>
+            </a:r>
+            <a:r>
+              <a:rPr lang="en-US" dirty="0" smtClean="0"/>
+              <a:t> </a:t>
+            </a:r>
+            <a:r>
+              <a:rPr lang="en-US" dirty="0" err="1" smtClean="0"/>
+              <a:t>som</a:t>
+            </a:r>
+            <a:r>
+              <a:rPr lang="en-US" dirty="0" smtClean="0"/>
+              <a:t> </a:t>
+            </a:r>
+            <a:r>
+              <a:rPr lang="en-US" dirty="0" err="1" smtClean="0"/>
+              <a:t>pekar</a:t>
+            </a:r>
+            <a:r>
+              <a:rPr lang="en-US" dirty="0" smtClean="0"/>
+              <a:t> </a:t>
+            </a:r>
+            <a:r>
+              <a:rPr lang="en-US" dirty="0" err="1" smtClean="0"/>
+              <a:t>ut</a:t>
+            </a:r>
+            <a:r>
+              <a:rPr lang="en-US" dirty="0" smtClean="0"/>
+              <a:t> </a:t>
+            </a:r>
+            <a:r>
+              <a:rPr lang="en-US" dirty="0" err="1" smtClean="0"/>
+              <a:t>användaren</a:t>
+            </a:r>
+            <a:r>
+              <a:rPr lang="en-US" dirty="0" smtClean="0"/>
+              <a:t> </a:t>
+            </a:r>
+            <a:r>
+              <a:rPr lang="en-US" dirty="0" err="1" smtClean="0"/>
+              <a:t>som</a:t>
+            </a:r>
+            <a:r>
+              <a:rPr lang="en-US" dirty="0" smtClean="0"/>
+              <a:t> </a:t>
+            </a:r>
+            <a:r>
+              <a:rPr lang="en-US" dirty="0" err="1" smtClean="0"/>
+              <a:t>äger</a:t>
+            </a:r>
+            <a:r>
+              <a:rPr lang="en-US" dirty="0" smtClean="0"/>
+              <a:t> en given </a:t>
+            </a:r>
+            <a:r>
+              <a:rPr lang="en-US" dirty="0" err="1" smtClean="0"/>
+              <a:t>resurs</a:t>
+            </a:r>
+            <a:r>
+              <a:rPr lang="en-US" dirty="0" smtClean="0"/>
+              <a:t>.</a:t>
+            </a:r>
+          </a:p>
+          <a:p>
+            <a:r>
+              <a:rPr lang="en-US" dirty="0" smtClean="0"/>
+              <a:t>Client: I </a:t>
+            </a:r>
+            <a:r>
+              <a:rPr lang="en-US" dirty="0" err="1" smtClean="0"/>
+              <a:t>OAuth</a:t>
+            </a:r>
+            <a:r>
+              <a:rPr lang="en-US" dirty="0" smtClean="0"/>
+              <a:t> 2.0-specifikationen </a:t>
+            </a:r>
+            <a:r>
+              <a:rPr lang="en-US" dirty="0" err="1" smtClean="0"/>
+              <a:t>är</a:t>
+            </a:r>
+            <a:r>
+              <a:rPr lang="en-US" dirty="0" smtClean="0"/>
+              <a:t> </a:t>
+            </a:r>
+            <a:r>
+              <a:rPr lang="en-US" dirty="0" err="1" smtClean="0"/>
+              <a:t>klienten</a:t>
+            </a:r>
+            <a:r>
+              <a:rPr lang="en-US" dirty="0" smtClean="0"/>
+              <a:t> </a:t>
+            </a:r>
+            <a:r>
+              <a:rPr lang="en-US" dirty="0" err="1" smtClean="0"/>
+              <a:t>hela</a:t>
+            </a:r>
+            <a:r>
+              <a:rPr lang="en-US" dirty="0" smtClean="0"/>
+              <a:t> </a:t>
+            </a:r>
+            <a:r>
+              <a:rPr lang="en-US" dirty="0" err="1" smtClean="0"/>
+              <a:t>tredjeparts-lösningen</a:t>
+            </a:r>
+            <a:r>
+              <a:rPr lang="en-US" dirty="0" smtClean="0"/>
+              <a:t>. </a:t>
+            </a:r>
+            <a:r>
+              <a:rPr lang="en-US" dirty="0" err="1" smtClean="0"/>
+              <a:t>Det</a:t>
+            </a:r>
+            <a:r>
+              <a:rPr lang="en-US" dirty="0" smtClean="0"/>
+              <a:t> </a:t>
+            </a:r>
+            <a:r>
+              <a:rPr lang="en-US" dirty="0" err="1" smtClean="0"/>
+              <a:t>vill</a:t>
+            </a:r>
+            <a:r>
+              <a:rPr lang="en-US" dirty="0" smtClean="0"/>
+              <a:t> </a:t>
+            </a:r>
+            <a:r>
+              <a:rPr lang="en-US" dirty="0" err="1" smtClean="0"/>
+              <a:t>säga</a:t>
+            </a:r>
+            <a:r>
+              <a:rPr lang="en-US" dirty="0" smtClean="0"/>
+              <a:t> </a:t>
+            </a:r>
+            <a:r>
+              <a:rPr lang="en-US" dirty="0" err="1" smtClean="0"/>
+              <a:t>klienten</a:t>
+            </a:r>
+            <a:r>
+              <a:rPr lang="en-US" dirty="0" smtClean="0"/>
+              <a:t> </a:t>
+            </a:r>
+            <a:r>
+              <a:rPr lang="en-US" dirty="0" err="1" smtClean="0"/>
+              <a:t>är</a:t>
+            </a:r>
+            <a:r>
+              <a:rPr lang="en-US" dirty="0" smtClean="0"/>
+              <a:t> </a:t>
+            </a:r>
+            <a:r>
+              <a:rPr lang="en-US" dirty="0" err="1" smtClean="0"/>
+              <a:t>både</a:t>
+            </a:r>
+            <a:r>
+              <a:rPr lang="en-US" dirty="0" smtClean="0"/>
+              <a:t> back-end </a:t>
+            </a:r>
+            <a:r>
+              <a:rPr lang="en-US" dirty="0" err="1" smtClean="0"/>
+              <a:t>och</a:t>
+            </a:r>
+            <a:r>
+              <a:rPr lang="en-US" dirty="0" smtClean="0"/>
+              <a:t> front-end </a:t>
+            </a:r>
+            <a:r>
+              <a:rPr lang="en-US" dirty="0" err="1" smtClean="0"/>
+              <a:t>av</a:t>
+            </a:r>
+            <a:r>
+              <a:rPr lang="en-US" dirty="0" smtClean="0"/>
+              <a:t> </a:t>
+            </a:r>
+            <a:r>
+              <a:rPr lang="en-US" dirty="0" err="1" smtClean="0"/>
+              <a:t>tredjeparts-lösningen</a:t>
+            </a:r>
+            <a:r>
+              <a:rPr lang="en-US" dirty="0" smtClean="0"/>
+              <a:t>.</a:t>
+            </a:r>
+          </a:p>
+          <a:p>
+            <a:r>
+              <a:rPr lang="en-US" dirty="0" smtClean="0"/>
+              <a:t>Authorization server: En roll </a:t>
+            </a:r>
+            <a:r>
+              <a:rPr lang="en-US" dirty="0" err="1" smtClean="0"/>
+              <a:t>i</a:t>
+            </a:r>
+            <a:r>
+              <a:rPr lang="en-US" dirty="0" smtClean="0"/>
+              <a:t> </a:t>
+            </a:r>
+            <a:r>
+              <a:rPr lang="en-US" dirty="0" err="1" smtClean="0"/>
+              <a:t>OAuth</a:t>
+            </a:r>
+            <a:r>
+              <a:rPr lang="en-US" dirty="0" smtClean="0"/>
+              <a:t> 2.0 </a:t>
+            </a:r>
+            <a:r>
+              <a:rPr lang="en-US" dirty="0" err="1" smtClean="0"/>
+              <a:t>specifikationen</a:t>
+            </a:r>
+            <a:r>
+              <a:rPr lang="en-US" dirty="0" smtClean="0"/>
+              <a:t> </a:t>
+            </a:r>
+            <a:r>
+              <a:rPr lang="en-US" dirty="0" err="1" smtClean="0"/>
+              <a:t>som</a:t>
+            </a:r>
+            <a:r>
+              <a:rPr lang="en-US" dirty="0" smtClean="0"/>
+              <a:t> </a:t>
+            </a:r>
+            <a:r>
+              <a:rPr lang="en-US" dirty="0" err="1" smtClean="0"/>
+              <a:t>pekar</a:t>
+            </a:r>
+            <a:r>
+              <a:rPr lang="en-US" dirty="0" smtClean="0"/>
+              <a:t> </a:t>
+            </a:r>
+            <a:r>
+              <a:rPr lang="en-US" dirty="0" err="1" smtClean="0"/>
+              <a:t>ut</a:t>
+            </a:r>
+            <a:r>
+              <a:rPr lang="en-US" dirty="0" smtClean="0"/>
+              <a:t> den del </a:t>
+            </a:r>
+            <a:r>
+              <a:rPr lang="en-US" dirty="0" err="1" smtClean="0"/>
+              <a:t>som</a:t>
+            </a:r>
+            <a:r>
+              <a:rPr lang="en-US" dirty="0" smtClean="0"/>
+              <a:t> </a:t>
+            </a:r>
+            <a:r>
+              <a:rPr lang="en-US" dirty="0" err="1" smtClean="0"/>
+              <a:t>är</a:t>
+            </a:r>
+            <a:r>
+              <a:rPr lang="en-US" dirty="0" smtClean="0"/>
+              <a:t> </a:t>
+            </a:r>
+            <a:r>
+              <a:rPr lang="en-US" dirty="0" err="1" smtClean="0"/>
+              <a:t>ansvarig</a:t>
+            </a:r>
+            <a:r>
+              <a:rPr lang="en-US" dirty="0" smtClean="0"/>
+              <a:t> </a:t>
+            </a:r>
+            <a:r>
+              <a:rPr lang="en-US" dirty="0" err="1" smtClean="0"/>
+              <a:t>för</a:t>
+            </a:r>
+            <a:r>
+              <a:rPr lang="en-US" dirty="0" smtClean="0"/>
+              <a:t> </a:t>
+            </a:r>
+            <a:r>
+              <a:rPr lang="en-US" dirty="0" err="1" smtClean="0"/>
+              <a:t>auktorisationsadministration</a:t>
+            </a:r>
+            <a:r>
+              <a:rPr lang="en-US" dirty="0" smtClean="0"/>
+              <a:t>.</a:t>
+            </a:r>
+          </a:p>
+          <a:p>
+            <a:r>
+              <a:rPr lang="en-US" dirty="0" smtClean="0"/>
+              <a:t>Resource server:</a:t>
+            </a:r>
+            <a:r>
+              <a:rPr lang="en-US" baseline="0" dirty="0" smtClean="0"/>
+              <a:t> En roll </a:t>
+            </a:r>
+            <a:r>
+              <a:rPr lang="en-US" baseline="0" dirty="0" err="1" smtClean="0"/>
+              <a:t>i</a:t>
+            </a:r>
+            <a:r>
+              <a:rPr lang="en-US" baseline="0" dirty="0" smtClean="0"/>
+              <a:t> </a:t>
+            </a:r>
+            <a:r>
+              <a:rPr lang="en-US" baseline="0" dirty="0" err="1" smtClean="0"/>
+              <a:t>OAuth</a:t>
+            </a:r>
+            <a:r>
+              <a:rPr lang="en-US" baseline="0" dirty="0" smtClean="0"/>
+              <a:t> 2.0 </a:t>
+            </a:r>
+            <a:r>
+              <a:rPr lang="en-US" baseline="0" dirty="0" err="1" smtClean="0"/>
+              <a:t>specifikationen</a:t>
+            </a:r>
+            <a:r>
+              <a:rPr lang="en-US" baseline="0" dirty="0" smtClean="0"/>
+              <a:t> </a:t>
+            </a:r>
+            <a:r>
+              <a:rPr lang="en-US" baseline="0" dirty="0" err="1" smtClean="0"/>
+              <a:t>som</a:t>
+            </a:r>
+            <a:r>
+              <a:rPr lang="en-US" baseline="0" dirty="0" smtClean="0"/>
+              <a:t> </a:t>
+            </a:r>
+            <a:r>
+              <a:rPr lang="en-US" baseline="0" dirty="0" err="1" smtClean="0"/>
+              <a:t>pekar</a:t>
+            </a:r>
+            <a:r>
+              <a:rPr lang="en-US" baseline="0" dirty="0" smtClean="0"/>
+              <a:t> </a:t>
+            </a:r>
+            <a:r>
+              <a:rPr lang="en-US" baseline="0" dirty="0" err="1" smtClean="0"/>
+              <a:t>ut</a:t>
+            </a:r>
+            <a:r>
+              <a:rPr lang="en-US" baseline="0" dirty="0" smtClean="0"/>
+              <a:t> den del </a:t>
+            </a:r>
+            <a:r>
+              <a:rPr lang="en-US" baseline="0" dirty="0" err="1" smtClean="0"/>
+              <a:t>som</a:t>
+            </a:r>
+            <a:r>
+              <a:rPr lang="en-US" baseline="0" dirty="0" smtClean="0"/>
+              <a:t> </a:t>
+            </a:r>
+            <a:r>
+              <a:rPr lang="en-US" baseline="0" dirty="0" err="1" smtClean="0"/>
+              <a:t>är</a:t>
+            </a:r>
+            <a:r>
+              <a:rPr lang="en-US" baseline="0" dirty="0" smtClean="0"/>
+              <a:t> </a:t>
+            </a:r>
+            <a:r>
+              <a:rPr lang="en-US" baseline="0" dirty="0" err="1" smtClean="0"/>
+              <a:t>ansvarig</a:t>
+            </a:r>
+            <a:r>
+              <a:rPr lang="en-US" baseline="0" dirty="0" smtClean="0"/>
+              <a:t> </a:t>
+            </a:r>
+            <a:r>
+              <a:rPr lang="en-US" baseline="0" dirty="0" err="1" smtClean="0"/>
+              <a:t>för</a:t>
+            </a:r>
+            <a:r>
+              <a:rPr lang="en-US" baseline="0" dirty="0" smtClean="0"/>
+              <a:t> </a:t>
+            </a:r>
+            <a:r>
+              <a:rPr lang="en-US" baseline="0" dirty="0" err="1" smtClean="0"/>
+              <a:t>resurshantering</a:t>
+            </a:r>
+            <a:r>
+              <a:rPr lang="en-US" baseline="0" dirty="0" smtClean="0"/>
+              <a:t>/</a:t>
+            </a:r>
+            <a:r>
+              <a:rPr lang="en-US" baseline="0" dirty="0" err="1" smtClean="0"/>
+              <a:t>resursutlämning</a:t>
+            </a:r>
+            <a:r>
+              <a:rPr lang="en-US" baseline="0" dirty="0" smtClean="0"/>
+              <a:t>.</a:t>
+            </a:r>
+            <a:endParaRPr lang="en-US" dirty="0" smtClean="0"/>
+          </a:p>
+          <a:p>
+            <a:endParaRPr lang="en-US" dirty="0"/>
           </a:p>
         </p:txBody>
       </p:sp>
@@ -2540,6 +2952,342 @@
                 <a:defRPr/>
               </a:pPr>
               <a:t>12</a:t>
+            </a:fld>
+            <a:endParaRPr lang="sv-SE"/>
+          </a:p>
+        </p:txBody>
+      </p:sp>
+    </p:spTree>
+    <p:extLst>
+      <p:ext uri="{BB962C8B-B14F-4D97-AF65-F5344CB8AC3E}">
+        <p14:creationId xmlns:p14="http://schemas.microsoft.com/office/powerpoint/2010/main" val="698192533"/>
+      </p:ext>
+    </p:extLst>
+  </p:cSld>
+  <p:clrMapOvr>
+    <a:masterClrMapping/>
+  </p:clrMapOvr>
+</p:notes>
+</file>
+
+<file path=ppt/notesSlides/notesSlide7.xml><?xml version="1.0" encoding="utf-8"?>
+<p:notes xmlns:a="http://schemas.openxmlformats.org/drawingml/2006/main" xmlns:r="http://schemas.openxmlformats.org/officeDocument/2006/relationships" xmlns:p="http://schemas.openxmlformats.org/presentationml/2006/main">
+  <p:cSld>
+    <p:spTree>
+      <p:nvGrpSpPr>
+        <p:cNvPr id="1" name=""/>
+        <p:cNvGrpSpPr/>
+        <p:nvPr/>
+      </p:nvGrpSpPr>
+      <p:grpSpPr>
+        <a:xfrm>
+          <a:off x="0" y="0"/>
+          <a:ext cx="0" cy="0"/>
+          <a:chOff x="0" y="0"/>
+          <a:chExt cx="0" cy="0"/>
+        </a:xfrm>
+      </p:grpSpPr>
+      <p:sp>
+        <p:nvSpPr>
+          <p:cNvPr id="2" name="Slide Image Placeholder 1"/>
+          <p:cNvSpPr>
+            <a:spLocks noGrp="1" noRot="1" noChangeAspect="1"/>
+          </p:cNvSpPr>
+          <p:nvPr>
+            <p:ph type="sldImg"/>
+          </p:nvPr>
+        </p:nvSpPr>
+        <p:spPr/>
+      </p:sp>
+      <p:sp>
+        <p:nvSpPr>
+          <p:cNvPr id="3" name="Notes Placeholder 2"/>
+          <p:cNvSpPr>
+            <a:spLocks noGrp="1"/>
+          </p:cNvSpPr>
+          <p:nvPr>
+            <p:ph type="body" idx="1"/>
+          </p:nvPr>
+        </p:nvSpPr>
+        <p:spPr/>
+        <p:txBody>
+          <a:bodyPr/>
+          <a:lstStyle/>
+          <a:p>
+            <a:r>
+              <a:rPr lang="en-US" dirty="0" smtClean="0"/>
+              <a:t>En </a:t>
+            </a:r>
+            <a:r>
+              <a:rPr lang="en-US" dirty="0" err="1" smtClean="0"/>
+              <a:t>applikation</a:t>
+            </a:r>
+            <a:r>
+              <a:rPr lang="en-US" dirty="0" smtClean="0"/>
+              <a:t>, </a:t>
+            </a:r>
+            <a:r>
+              <a:rPr lang="en-US" dirty="0" err="1" smtClean="0"/>
+              <a:t>tex</a:t>
+            </a:r>
+            <a:r>
+              <a:rPr lang="en-US" dirty="0" smtClean="0"/>
+              <a:t> </a:t>
+            </a:r>
+            <a:r>
+              <a:rPr lang="en-US" dirty="0" err="1" smtClean="0"/>
+              <a:t>Runkeeper</a:t>
+            </a:r>
+            <a:r>
+              <a:rPr lang="en-US" dirty="0" smtClean="0"/>
+              <a:t>, </a:t>
+            </a:r>
+            <a:r>
+              <a:rPr lang="en-US" dirty="0" err="1" smtClean="0"/>
+              <a:t>som</a:t>
+            </a:r>
+            <a:r>
+              <a:rPr lang="en-US" dirty="0" smtClean="0"/>
+              <a:t> du </a:t>
+            </a:r>
+            <a:r>
+              <a:rPr lang="en-US" dirty="0" err="1" smtClean="0"/>
+              <a:t>lagt</a:t>
+            </a:r>
+            <a:r>
+              <a:rPr lang="en-US" dirty="0" smtClean="0"/>
+              <a:t> till </a:t>
+            </a:r>
+            <a:r>
+              <a:rPr lang="en-US" dirty="0" err="1" smtClean="0"/>
+              <a:t>nyligen</a:t>
+            </a:r>
+            <a:r>
+              <a:rPr lang="en-US" dirty="0" smtClean="0"/>
+              <a:t> </a:t>
+            </a:r>
+            <a:r>
+              <a:rPr lang="en-US" dirty="0" err="1" smtClean="0"/>
+              <a:t>vill</a:t>
+            </a:r>
+            <a:r>
+              <a:rPr lang="en-US" dirty="0" smtClean="0"/>
+              <a:t> </a:t>
+            </a:r>
+            <a:r>
+              <a:rPr lang="en-US" dirty="0" err="1" smtClean="0"/>
+              <a:t>komma</a:t>
+            </a:r>
+            <a:r>
+              <a:rPr lang="en-US" dirty="0" smtClean="0"/>
+              <a:t> </a:t>
+            </a:r>
+            <a:r>
+              <a:rPr lang="en-US" dirty="0" err="1" smtClean="0"/>
+              <a:t>åt</a:t>
+            </a:r>
+            <a:r>
+              <a:rPr lang="en-US" dirty="0" smtClean="0"/>
+              <a:t> information</a:t>
+            </a:r>
+            <a:r>
+              <a:rPr lang="en-US" baseline="0" dirty="0" smtClean="0"/>
+              <a:t> </a:t>
+            </a:r>
+            <a:r>
+              <a:rPr lang="en-US" baseline="0" dirty="0" err="1" smtClean="0"/>
+              <a:t>om</a:t>
+            </a:r>
+            <a:r>
+              <a:rPr lang="en-US" baseline="0" dirty="0" smtClean="0"/>
+              <a:t> dig. I </a:t>
+            </a:r>
+            <a:r>
+              <a:rPr lang="en-US" baseline="0" dirty="0" err="1" smtClean="0"/>
+              <a:t>applikationen</a:t>
+            </a:r>
+            <a:r>
+              <a:rPr lang="en-US" baseline="0" dirty="0" smtClean="0"/>
+              <a:t> </a:t>
+            </a:r>
+            <a:r>
+              <a:rPr lang="en-US" baseline="0" dirty="0" err="1" smtClean="0"/>
+              <a:t>är</a:t>
+            </a:r>
+            <a:r>
+              <a:rPr lang="en-US" baseline="0" dirty="0" smtClean="0"/>
+              <a:t> du </a:t>
+            </a:r>
+            <a:r>
+              <a:rPr lang="en-US" baseline="0" dirty="0" err="1" smtClean="0"/>
+              <a:t>inloggad</a:t>
+            </a:r>
+            <a:r>
+              <a:rPr lang="en-US" baseline="0" dirty="0" smtClean="0"/>
+              <a:t> med </a:t>
+            </a:r>
+            <a:r>
+              <a:rPr lang="en-US" baseline="0" dirty="0" err="1" smtClean="0"/>
+              <a:t>ditt</a:t>
+            </a:r>
+            <a:r>
+              <a:rPr lang="en-US" baseline="0" dirty="0" smtClean="0"/>
+              <a:t> </a:t>
+            </a:r>
+            <a:r>
+              <a:rPr lang="en-US" baseline="0" dirty="0" err="1" smtClean="0"/>
+              <a:t>användarnamn</a:t>
+            </a:r>
+            <a:r>
+              <a:rPr lang="en-US" baseline="0" dirty="0" smtClean="0"/>
+              <a:t> </a:t>
+            </a:r>
+            <a:r>
+              <a:rPr lang="en-US" baseline="0" dirty="0" err="1" smtClean="0"/>
+              <a:t>för</a:t>
+            </a:r>
+            <a:r>
+              <a:rPr lang="en-US" baseline="0" dirty="0" smtClean="0"/>
+              <a:t> just den </a:t>
+            </a:r>
+            <a:r>
+              <a:rPr lang="en-US" baseline="0" dirty="0" err="1" smtClean="0"/>
+              <a:t>applikationen</a:t>
+            </a:r>
+            <a:r>
+              <a:rPr lang="en-US" baseline="0" dirty="0" smtClean="0"/>
+              <a:t>, </a:t>
+            </a:r>
+            <a:r>
+              <a:rPr lang="en-US" baseline="0" dirty="0" err="1" smtClean="0"/>
+              <a:t>ett</a:t>
+            </a:r>
+            <a:r>
+              <a:rPr lang="en-US" baseline="0" dirty="0" smtClean="0"/>
+              <a:t> alias </a:t>
+            </a:r>
+            <a:r>
+              <a:rPr lang="en-US" baseline="0" smtClean="0"/>
+              <a:t>tex.</a:t>
+            </a:r>
+            <a:endParaRPr lang="en-US" dirty="0"/>
+          </a:p>
+        </p:txBody>
+      </p:sp>
+      <p:sp>
+        <p:nvSpPr>
+          <p:cNvPr id="4" name="Slide Number Placeholder 3"/>
+          <p:cNvSpPr>
+            <a:spLocks noGrp="1"/>
+          </p:cNvSpPr>
+          <p:nvPr>
+            <p:ph type="sldNum" sz="quarter" idx="10"/>
+          </p:nvPr>
+        </p:nvSpPr>
+        <p:spPr/>
+        <p:txBody>
+          <a:bodyPr/>
+          <a:lstStyle/>
+          <a:p>
+            <a:pPr>
+              <a:defRPr/>
+            </a:pPr>
+            <a:fld id="{72F66423-05E2-6345-AF5A-73942C9C3A7C}" type="slidenum">
+              <a:rPr lang="sv-SE" smtClean="0"/>
+              <a:pPr>
+                <a:defRPr/>
+              </a:pPr>
+              <a:t>13</a:t>
+            </a:fld>
+            <a:endParaRPr lang="sv-SE"/>
+          </a:p>
+        </p:txBody>
+      </p:sp>
+    </p:spTree>
+    <p:extLst>
+      <p:ext uri="{BB962C8B-B14F-4D97-AF65-F5344CB8AC3E}">
+        <p14:creationId xmlns:p14="http://schemas.microsoft.com/office/powerpoint/2010/main" val="698192533"/>
+      </p:ext>
+    </p:extLst>
+  </p:cSld>
+  <p:clrMapOvr>
+    <a:masterClrMapping/>
+  </p:clrMapOvr>
+</p:notes>
+</file>
+
+<file path=ppt/notesSlides/notesSlide8.xml><?xml version="1.0" encoding="utf-8"?>
+<p:notes xmlns:a="http://schemas.openxmlformats.org/drawingml/2006/main" xmlns:r="http://schemas.openxmlformats.org/officeDocument/2006/relationships" xmlns:p="http://schemas.openxmlformats.org/presentationml/2006/main">
+  <p:cSld>
+    <p:spTree>
+      <p:nvGrpSpPr>
+        <p:cNvPr id="1" name=""/>
+        <p:cNvGrpSpPr/>
+        <p:nvPr/>
+      </p:nvGrpSpPr>
+      <p:grpSpPr>
+        <a:xfrm>
+          <a:off x="0" y="0"/>
+          <a:ext cx="0" cy="0"/>
+          <a:chOff x="0" y="0"/>
+          <a:chExt cx="0" cy="0"/>
+        </a:xfrm>
+      </p:grpSpPr>
+      <p:sp>
+        <p:nvSpPr>
+          <p:cNvPr id="2" name="Slide Image Placeholder 1"/>
+          <p:cNvSpPr>
+            <a:spLocks noGrp="1" noRot="1" noChangeAspect="1"/>
+          </p:cNvSpPr>
+          <p:nvPr>
+            <p:ph type="sldImg"/>
+          </p:nvPr>
+        </p:nvSpPr>
+        <p:spPr/>
+      </p:sp>
+      <p:sp>
+        <p:nvSpPr>
+          <p:cNvPr id="3" name="Notes Placeholder 2"/>
+          <p:cNvSpPr>
+            <a:spLocks noGrp="1"/>
+          </p:cNvSpPr>
+          <p:nvPr>
+            <p:ph type="body" idx="1"/>
+          </p:nvPr>
+        </p:nvSpPr>
+        <p:spPr/>
+        <p:txBody>
+          <a:bodyPr/>
+          <a:lstStyle/>
+          <a:p>
+            <a:endParaRPr lang="en-US" baseline="0" dirty="0" smtClean="0"/>
+          </a:p>
+        </p:txBody>
+      </p:sp>
+      <p:sp>
+        <p:nvSpPr>
+          <p:cNvPr id="4" name="Slide Number Placeholder 3"/>
+          <p:cNvSpPr>
+            <a:spLocks noGrp="1"/>
+          </p:cNvSpPr>
+          <p:nvPr>
+            <p:ph type="sldNum" sz="quarter" idx="10"/>
+          </p:nvPr>
+        </p:nvSpPr>
+        <p:spPr/>
+        <p:txBody>
+          <a:bodyPr/>
+          <a:lstStyle/>
+          <a:p>
+            <a:pPr>
+              <a:defRPr/>
+            </a:pPr>
+            <a:fld id="{72F66423-05E2-6345-AF5A-73942C9C3A7C}" type="slidenum">
+              <a:rPr lang="sv-SE" smtClean="0"/>
+              <a:pPr>
+                <a:defRPr/>
+              </a:pPr>
+              <a:t>14</a:t>
             </a:fld>
             <a:endParaRPr lang="sv-SE"/>
           </a:p>
@@ -6580,15 +7328,7 @@
             </a:pPr>
             <a:r>
               <a:rPr lang="sv-SE" dirty="0" smtClean="0"/>
-              <a:t>Christian Hilmersson, Hans Thunberg</a:t>
-            </a:r>
-            <a:r>
-              <a:rPr lang="sv-SE" dirty="0" smtClean="0"/>
-              <a:t> </a:t>
-            </a:r>
-            <a:r>
-              <a:rPr lang="sv-SE" dirty="0" smtClean="0"/>
-              <a:t>| </a:t>
+              <a:t>Christian Hilmersson, Hans Thunberg | </a:t>
             </a:r>
             <a:r>
               <a:rPr lang="sv-SE" dirty="0" err="1" smtClean="0"/>
@@ -6596,17 +7336,8 @@
             </a:r>
             <a:r>
               <a:rPr lang="sv-SE" dirty="0" smtClean="0"/>
-              <a:t> </a:t>
-            </a:r>
-            <a:r>
-              <a:rPr lang="sv-SE" dirty="0" smtClean="0"/>
-              <a:t>| </a:t>
-            </a:r>
-            <a:r>
-              <a:rPr lang="sv-SE" dirty="0" smtClean="0"/>
-              <a:t>2013-01-16</a:t>
-            </a:r>
-            <a:endParaRPr lang="sv-SE" dirty="0" smtClean="0"/>
+              <a:t> | 2013-01-16</a:t>
+            </a:r>
           </a:p>
           <a:p>
             <a:pPr eaLnBrk="1" hangingPunct="1">
@@ -6753,8 +7484,13 @@
             <a:pPr lvl="1"/>
             <a:r>
               <a:rPr lang="en-US" sz="1800" dirty="0" smtClean="0"/>
-              <a:t>SSL/TLS certificate</a:t>
-            </a:r>
+              <a:t>SSL/TLS </a:t>
+            </a:r>
+            <a:r>
+              <a:rPr lang="en-US" sz="1800" dirty="0" smtClean="0"/>
+              <a:t>certificate issued by trusted CA</a:t>
+            </a:r>
+            <a:endParaRPr lang="en-US" sz="1800" dirty="0" smtClean="0"/>
           </a:p>
           <a:p>
             <a:pPr lvl="1"/>
@@ -7482,14 +8218,16 @@
         </p:nvSpPr>
         <p:spPr/>
         <p:txBody>
-          <a:bodyPr>
-            <a:normAutofit fontScale="90000"/>
-          </a:bodyPr>
+          <a:bodyPr/>
           <a:lstStyle/>
           <a:p>
             <a:r>
-              <a:rPr lang="en-US" dirty="0" smtClean="0"/>
-              <a:t>API’s for patient related information</a:t>
+              <a:rPr lang="en-US" dirty="0" err="1" smtClean="0"/>
+              <a:t>OAuth</a:t>
+            </a:r>
+            <a:r>
+              <a:rPr lang="en-US" dirty="0" smtClean="0"/>
+              <a:t> 2.0</a:t>
             </a:r>
             <a:endParaRPr lang="en-US" dirty="0"/>
           </a:p>
@@ -7513,12 +8251,8 @@
           <a:lstStyle/>
           <a:p>
             <a:r>
-              <a:rPr lang="en-US" dirty="0" err="1" smtClean="0"/>
-              <a:t>OAuth</a:t>
-            </a:r>
-            <a:r>
-              <a:rPr lang="en-US" dirty="0" smtClean="0"/>
-              <a:t> 2.0</a:t>
+              <a:rPr lang="en-US" dirty="0" smtClean="0"/>
+              <a:t>Roles</a:t>
             </a:r>
             <a:endParaRPr lang="en-US" dirty="0"/>
           </a:p>
@@ -7539,51 +8273,9 @@
           <a:bodyPr/>
           <a:lstStyle/>
           <a:p>
-            <a:r>
-              <a:rPr lang="en-US" dirty="0" err="1" smtClean="0"/>
-              <a:t>Oauth</a:t>
-            </a:r>
-            <a:r>
-              <a:rPr lang="en-US" dirty="0" smtClean="0"/>
-              <a:t> 2.0 addresses these kind of issues</a:t>
-            </a:r>
-          </a:p>
-          <a:p>
-            <a:r>
-              <a:rPr lang="en-US" dirty="0" smtClean="0"/>
-              <a:t>Possible for the citizen to be anonymous in the app</a:t>
-            </a:r>
-          </a:p>
-          <a:p>
-            <a:pPr lvl="1"/>
-            <a:r>
-              <a:rPr lang="en-US" dirty="0" smtClean="0"/>
-              <a:t>E.g. username </a:t>
-            </a:r>
-            <a:r>
-              <a:rPr lang="en-US" smtClean="0"/>
-              <a:t>kallekula</a:t>
-            </a:r>
-          </a:p>
-          <a:p>
-            <a:pPr lvl="1"/>
-            <a:r>
-              <a:rPr lang="en-US" dirty="0" smtClean="0"/>
-              <a:t>But still authenticated against MVK while authorizing the client</a:t>
-            </a:r>
-          </a:p>
-          <a:p>
-            <a:r>
-              <a:rPr lang="en-US" dirty="0" smtClean="0"/>
-              <a:t>Twitter, Facebook </a:t>
-            </a:r>
-            <a:r>
-              <a:rPr lang="en-US" dirty="0" err="1" smtClean="0"/>
-              <a:t>etc</a:t>
-            </a:r>
-            <a:endParaRPr lang="en-US" dirty="0" smtClean="0"/>
-          </a:p>
-          <a:p>
+            <a:pPr marL="0" indent="0">
+              <a:buNone/>
+            </a:pPr>
             <a:endParaRPr lang="en-US" dirty="0"/>
           </a:p>
         </p:txBody>
@@ -7617,16 +8309,449 @@
           </a:p>
         </p:txBody>
       </p:sp>
+      <p:grpSp>
+        <p:nvGrpSpPr>
+          <p:cNvPr id="16" name="Group 15"/>
+          <p:cNvGrpSpPr/>
+          <p:nvPr/>
+        </p:nvGrpSpPr>
+        <p:grpSpPr>
+          <a:xfrm>
+            <a:off x="1873394" y="3362428"/>
+            <a:ext cx="953043" cy="1301544"/>
+            <a:chOff x="975723" y="3327527"/>
+            <a:chExt cx="953043" cy="1301544"/>
+          </a:xfrm>
+        </p:grpSpPr>
+        <p:pic>
+          <p:nvPicPr>
+            <p:cNvPr id="14" name="Picture 13" descr="resource owner.gif"/>
+            <p:cNvPicPr>
+              <a:picLocks noChangeAspect="1"/>
+            </p:cNvPicPr>
+            <p:nvPr/>
+          </p:nvPicPr>
+          <p:blipFill>
+            <a:blip r:embed="rId3">
+              <a:extLst>
+                <a:ext uri="{28A0092B-C50C-407E-A947-70E740481C1C}">
+                  <a14:useLocalDpi xmlns:a14="http://schemas.microsoft.com/office/drawing/2010/main" val="0"/>
+                </a:ext>
+              </a:extLst>
+            </a:blip>
+            <a:stretch>
+              <a:fillRect/>
+            </a:stretch>
+          </p:blipFill>
+          <p:spPr>
+            <a:xfrm>
+              <a:off x="1090023" y="3327527"/>
+              <a:ext cx="618814" cy="807606"/>
+            </a:xfrm>
+            <a:prstGeom prst="rect">
+              <a:avLst/>
+            </a:prstGeom>
+          </p:spPr>
+        </p:pic>
+        <p:sp>
+          <p:nvSpPr>
+            <p:cNvPr id="15" name="TextBox 14"/>
+            <p:cNvSpPr txBox="1"/>
+            <p:nvPr/>
+          </p:nvSpPr>
+          <p:spPr>
+            <a:xfrm>
+              <a:off x="975723" y="4105851"/>
+              <a:ext cx="953043" cy="523220"/>
+            </a:xfrm>
+            <a:prstGeom prst="rect">
+              <a:avLst/>
+            </a:prstGeom>
+            <a:noFill/>
+          </p:spPr>
+          <p:txBody>
+            <a:bodyPr wrap="none" rtlCol="0">
+              <a:spAutoFit/>
+            </a:bodyPr>
+            <a:lstStyle/>
+            <a:p>
+              <a:r>
+                <a:rPr lang="en-US" sz="1400" dirty="0" smtClean="0"/>
+                <a:t>Resource </a:t>
+              </a:r>
+            </a:p>
+            <a:p>
+              <a:r>
+                <a:rPr lang="en-US" sz="1400" dirty="0" smtClean="0"/>
+                <a:t>Owner </a:t>
+              </a:r>
+              <a:endParaRPr lang="en-US" sz="1400" dirty="0"/>
+            </a:p>
+          </p:txBody>
+        </p:sp>
+      </p:grpSp>
+      <p:grpSp>
+        <p:nvGrpSpPr>
+          <p:cNvPr id="23" name="Group 22"/>
+          <p:cNvGrpSpPr/>
+          <p:nvPr/>
+        </p:nvGrpSpPr>
+        <p:grpSpPr>
+          <a:xfrm>
+            <a:off x="5830551" y="2091660"/>
+            <a:ext cx="990600" cy="1349971"/>
+            <a:chOff x="3708400" y="2100590"/>
+            <a:chExt cx="990600" cy="1349971"/>
+          </a:xfrm>
+        </p:grpSpPr>
+        <p:pic>
+          <p:nvPicPr>
+            <p:cNvPr id="17" name="Picture 16"/>
+            <p:cNvPicPr>
+              <a:picLocks noChangeAspect="1"/>
+            </p:cNvPicPr>
+            <p:nvPr/>
+          </p:nvPicPr>
+          <p:blipFill>
+            <a:blip r:embed="rId4"/>
+            <a:stretch>
+              <a:fillRect/>
+            </a:stretch>
+          </p:blipFill>
+          <p:spPr>
+            <a:xfrm>
+              <a:off x="3708400" y="2547610"/>
+              <a:ext cx="902951" cy="902951"/>
+            </a:xfrm>
+            <a:prstGeom prst="rect">
+              <a:avLst/>
+            </a:prstGeom>
+          </p:spPr>
+        </p:pic>
+        <p:sp>
+          <p:nvSpPr>
+            <p:cNvPr id="18" name="TextBox 17"/>
+            <p:cNvSpPr txBox="1"/>
+            <p:nvPr/>
+          </p:nvSpPr>
+          <p:spPr>
+            <a:xfrm>
+              <a:off x="3745957" y="2100590"/>
+              <a:ext cx="953043" cy="523220"/>
+            </a:xfrm>
+            <a:prstGeom prst="rect">
+              <a:avLst/>
+            </a:prstGeom>
+            <a:noFill/>
+          </p:spPr>
+          <p:txBody>
+            <a:bodyPr wrap="none" rtlCol="0">
+              <a:spAutoFit/>
+            </a:bodyPr>
+            <a:lstStyle/>
+            <a:p>
+              <a:pPr algn="ctr"/>
+              <a:r>
+                <a:rPr lang="en-US" sz="1400" dirty="0" smtClean="0"/>
+                <a:t>Resource</a:t>
+              </a:r>
+            </a:p>
+            <a:p>
+              <a:pPr algn="ctr"/>
+              <a:r>
+                <a:rPr lang="en-US" sz="1400" dirty="0" smtClean="0"/>
+                <a:t>Server</a:t>
+              </a:r>
+              <a:endParaRPr lang="en-US" sz="1400" dirty="0"/>
+            </a:p>
+          </p:txBody>
+        </p:sp>
+      </p:grpSp>
+      <p:grpSp>
+        <p:nvGrpSpPr>
+          <p:cNvPr id="24" name="Group 23"/>
+          <p:cNvGrpSpPr/>
+          <p:nvPr/>
+        </p:nvGrpSpPr>
+        <p:grpSpPr>
+          <a:xfrm>
+            <a:off x="5791201" y="3872801"/>
+            <a:ext cx="1232604" cy="1337271"/>
+            <a:chOff x="4303427" y="3920529"/>
+            <a:chExt cx="1232604" cy="1337271"/>
+          </a:xfrm>
+        </p:grpSpPr>
+        <p:pic>
+          <p:nvPicPr>
+            <p:cNvPr id="19" name="Picture 18"/>
+            <p:cNvPicPr>
+              <a:picLocks noChangeAspect="1"/>
+            </p:cNvPicPr>
+            <p:nvPr/>
+          </p:nvPicPr>
+          <p:blipFill>
+            <a:blip r:embed="rId4"/>
+            <a:stretch>
+              <a:fillRect/>
+            </a:stretch>
+          </p:blipFill>
+          <p:spPr>
+            <a:xfrm>
+              <a:off x="4405649" y="4354849"/>
+              <a:ext cx="902951" cy="902951"/>
+            </a:xfrm>
+            <a:prstGeom prst="rect">
+              <a:avLst/>
+            </a:prstGeom>
+          </p:spPr>
+        </p:pic>
+        <p:sp>
+          <p:nvSpPr>
+            <p:cNvPr id="20" name="TextBox 19"/>
+            <p:cNvSpPr txBox="1"/>
+            <p:nvPr/>
+          </p:nvSpPr>
+          <p:spPr>
+            <a:xfrm>
+              <a:off x="4303427" y="3920529"/>
+              <a:ext cx="1232604" cy="523220"/>
+            </a:xfrm>
+            <a:prstGeom prst="rect">
+              <a:avLst/>
+            </a:prstGeom>
+            <a:noFill/>
+          </p:spPr>
+          <p:txBody>
+            <a:bodyPr wrap="none" rtlCol="0">
+              <a:spAutoFit/>
+            </a:bodyPr>
+            <a:lstStyle/>
+            <a:p>
+              <a:pPr algn="ctr"/>
+              <a:r>
+                <a:rPr lang="en-US" sz="1400" dirty="0" smtClean="0"/>
+                <a:t>Authorization</a:t>
+              </a:r>
+            </a:p>
+            <a:p>
+              <a:pPr algn="ctr"/>
+              <a:r>
+                <a:rPr lang="en-US" sz="1400" dirty="0" smtClean="0"/>
+                <a:t>Server</a:t>
+              </a:r>
+              <a:endParaRPr lang="en-US" sz="1400" dirty="0"/>
+            </a:p>
+          </p:txBody>
+        </p:sp>
+      </p:grpSp>
+      <p:grpSp>
+        <p:nvGrpSpPr>
+          <p:cNvPr id="25" name="Group 24"/>
+          <p:cNvGrpSpPr/>
+          <p:nvPr/>
+        </p:nvGrpSpPr>
+        <p:grpSpPr>
+          <a:xfrm>
+            <a:off x="3524858" y="2766646"/>
+            <a:ext cx="1291327" cy="1616036"/>
+            <a:chOff x="2077058" y="2995246"/>
+            <a:chExt cx="1291327" cy="1616036"/>
+          </a:xfrm>
+        </p:grpSpPr>
+        <p:pic>
+          <p:nvPicPr>
+            <p:cNvPr id="21" name="Picture 20"/>
+            <p:cNvPicPr>
+              <a:picLocks noChangeAspect="1"/>
+            </p:cNvPicPr>
+            <p:nvPr/>
+          </p:nvPicPr>
+          <p:blipFill>
+            <a:blip r:embed="rId4"/>
+            <a:stretch>
+              <a:fillRect/>
+            </a:stretch>
+          </p:blipFill>
+          <p:spPr>
+            <a:xfrm>
+              <a:off x="2197100" y="3708331"/>
+              <a:ext cx="902951" cy="902951"/>
+            </a:xfrm>
+            <a:prstGeom prst="rect">
+              <a:avLst/>
+            </a:prstGeom>
+          </p:spPr>
+        </p:pic>
+        <p:sp>
+          <p:nvSpPr>
+            <p:cNvPr id="22" name="TextBox 21"/>
+            <p:cNvSpPr txBox="1"/>
+            <p:nvPr/>
+          </p:nvSpPr>
+          <p:spPr>
+            <a:xfrm>
+              <a:off x="2077058" y="2995246"/>
+              <a:ext cx="1291327" cy="738664"/>
+            </a:xfrm>
+            <a:prstGeom prst="rect">
+              <a:avLst/>
+            </a:prstGeom>
+            <a:noFill/>
+          </p:spPr>
+          <p:txBody>
+            <a:bodyPr wrap="square" rtlCol="0">
+              <a:spAutoFit/>
+            </a:bodyPr>
+            <a:lstStyle/>
+            <a:p>
+              <a:pPr algn="ctr"/>
+              <a:r>
+                <a:rPr lang="en-US" sz="1400" dirty="0" smtClean="0"/>
+                <a:t>3</a:t>
+              </a:r>
+              <a:r>
+                <a:rPr lang="en-US" sz="1400" baseline="30000" dirty="0" smtClean="0"/>
+                <a:t>rd</a:t>
+              </a:r>
+              <a:r>
+                <a:rPr lang="en-US" sz="1400" dirty="0" smtClean="0"/>
+                <a:t> party </a:t>
+              </a:r>
+            </a:p>
+            <a:p>
+              <a:pPr algn="ctr"/>
+              <a:r>
+                <a:rPr lang="en-US" sz="1400" dirty="0" smtClean="0"/>
+                <a:t>Client</a:t>
+              </a:r>
+            </a:p>
+            <a:p>
+              <a:pPr algn="ctr"/>
+              <a:r>
+                <a:rPr lang="en-US" sz="1400" dirty="0" smtClean="0"/>
+                <a:t> application</a:t>
+              </a:r>
+              <a:endParaRPr lang="en-US" sz="1400" dirty="0"/>
+            </a:p>
+          </p:txBody>
+        </p:sp>
+      </p:grpSp>
+      <p:cxnSp>
+        <p:nvCxnSpPr>
+          <p:cNvPr id="27" name="Straight Arrow Connector 26"/>
+          <p:cNvCxnSpPr/>
+          <p:nvPr/>
+        </p:nvCxnSpPr>
+        <p:spPr>
+          <a:xfrm>
+            <a:off x="2717800" y="3872801"/>
+            <a:ext cx="927100" cy="0"/>
+          </a:xfrm>
+          <a:prstGeom prst="straightConnector1">
+            <a:avLst/>
+          </a:prstGeom>
+          <a:ln>
+            <a:tailEnd type="arrow"/>
+          </a:ln>
+        </p:spPr>
+        <p:style>
+          <a:lnRef idx="2">
+            <a:schemeClr val="accent1"/>
+          </a:lnRef>
+          <a:fillRef idx="0">
+            <a:schemeClr val="accent1"/>
+          </a:fillRef>
+          <a:effectRef idx="1">
+            <a:schemeClr val="accent1"/>
+          </a:effectRef>
+          <a:fontRef idx="minor">
+            <a:schemeClr val="tx1"/>
+          </a:fontRef>
+        </p:style>
+      </p:cxnSp>
+      <p:cxnSp>
+        <p:nvCxnSpPr>
+          <p:cNvPr id="28" name="Straight Arrow Connector 27"/>
+          <p:cNvCxnSpPr/>
+          <p:nvPr/>
+        </p:nvCxnSpPr>
+        <p:spPr>
+          <a:xfrm flipV="1">
+            <a:off x="4394200" y="3111500"/>
+            <a:ext cx="1499223" cy="761301"/>
+          </a:xfrm>
+          <a:prstGeom prst="straightConnector1">
+            <a:avLst/>
+          </a:prstGeom>
+          <a:ln>
+            <a:tailEnd type="arrow"/>
+          </a:ln>
+        </p:spPr>
+        <p:style>
+          <a:lnRef idx="2">
+            <a:schemeClr val="accent1"/>
+          </a:lnRef>
+          <a:fillRef idx="0">
+            <a:schemeClr val="accent1"/>
+          </a:fillRef>
+          <a:effectRef idx="1">
+            <a:schemeClr val="accent1"/>
+          </a:effectRef>
+          <a:fontRef idx="minor">
+            <a:schemeClr val="tx1"/>
+          </a:fontRef>
+        </p:style>
+      </p:cxnSp>
+      <p:cxnSp>
+        <p:nvCxnSpPr>
+          <p:cNvPr id="30" name="Straight Arrow Connector 29"/>
+          <p:cNvCxnSpPr/>
+          <p:nvPr/>
+        </p:nvCxnSpPr>
+        <p:spPr>
+          <a:xfrm>
+            <a:off x="4394200" y="3872801"/>
+            <a:ext cx="1499223" cy="673799"/>
+          </a:xfrm>
+          <a:prstGeom prst="straightConnector1">
+            <a:avLst/>
+          </a:prstGeom>
+          <a:ln>
+            <a:tailEnd type="arrow"/>
+          </a:ln>
+        </p:spPr>
+        <p:style>
+          <a:lnRef idx="2">
+            <a:schemeClr val="accent1"/>
+          </a:lnRef>
+          <a:fillRef idx="0">
+            <a:schemeClr val="accent1"/>
+          </a:fillRef>
+          <a:effectRef idx="1">
+            <a:schemeClr val="accent1"/>
+          </a:effectRef>
+          <a:fontRef idx="minor">
+            <a:schemeClr val="tx1"/>
+          </a:fontRef>
+        </p:style>
+      </p:cxnSp>
     </p:spTree>
     <p:extLst>
       <p:ext uri="{BB962C8B-B14F-4D97-AF65-F5344CB8AC3E}">
-        <p14:creationId xmlns:p14="http://schemas.microsoft.com/office/powerpoint/2010/main" val="25701892"/>
+        <p14:creationId xmlns:p14="http://schemas.microsoft.com/office/powerpoint/2010/main" val="1177100080"/>
       </p:ext>
     </p:extLst>
   </p:cSld>
   <p:clrMapOvr>
     <a:masterClrMapping/>
   </p:clrMapOvr>
+  <p:timing>
+    <p:tnLst>
+      <p:par>
+        <p:cTn xmlns:p14="http://schemas.microsoft.com/office/powerpoint/2010/main" id="1" dur="indefinite" restart="never" nodeType="tmRoot"/>
+      </p:par>
+    </p:tnLst>
+  </p:timing>
 </p:sld>
 </file>
 
@@ -7663,16 +8788,12 @@
           <a:lstStyle/>
           <a:p>
             <a:r>
-              <a:rPr lang="en-US" dirty="0" smtClean="0"/>
-              <a:t>Simple </a:t>
-            </a:r>
-            <a:r>
               <a:rPr lang="en-US" dirty="0" err="1" smtClean="0"/>
               <a:t>OAuth</a:t>
             </a:r>
             <a:r>
               <a:rPr lang="en-US" dirty="0" smtClean="0"/>
-              <a:t> 2.0 API Client</a:t>
+              <a:t> 2.0</a:t>
             </a:r>
             <a:endParaRPr lang="en-US" dirty="0"/>
           </a:p>
@@ -7697,11 +8818,7 @@
           <a:p>
             <a:r>
               <a:rPr lang="en-US" dirty="0" smtClean="0"/>
-              <a:t>Exercise </a:t>
-            </a:r>
-            <a:r>
-              <a:rPr lang="en-US" dirty="0" smtClean="0"/>
-              <a:t>3</a:t>
+              <a:t>Authorization code flow</a:t>
             </a:r>
             <a:endParaRPr lang="en-US" dirty="0"/>
           </a:p>
@@ -7725,19 +8842,7 @@
             <a:pPr marL="0" indent="0">
               <a:buNone/>
             </a:pPr>
-            <a:r>
-              <a:rPr lang="en-US" dirty="0" smtClean="0"/>
-              <a:t>Get familiar with </a:t>
-            </a:r>
-            <a:r>
-              <a:rPr lang="en-US" dirty="0" err="1" smtClean="0"/>
-              <a:t>OAuth</a:t>
-            </a:r>
-            <a:r>
-              <a:rPr lang="en-US" dirty="0" smtClean="0"/>
-              <a:t> 2.0 and SDK by using a simple client letting the user authorize access.</a:t>
-            </a:r>
-            <a:endParaRPr lang="en-US" dirty="0" smtClean="0"/>
+            <a:endParaRPr lang="en-US" dirty="0"/>
           </a:p>
         </p:txBody>
       </p:sp>
@@ -7770,16 +8875,53 @@
           </a:p>
         </p:txBody>
       </p:sp>
+      <p:pic>
+        <p:nvPicPr>
+          <p:cNvPr id="6" name="Picture 5" descr="OAuth20 authcode flow.jpg"/>
+          <p:cNvPicPr>
+            <a:picLocks noChangeAspect="1"/>
+          </p:cNvPicPr>
+          <p:nvPr/>
+        </p:nvPicPr>
+        <p:blipFill>
+          <a:blip r:embed="rId3">
+            <a:extLst>
+              <a:ext uri="{28A0092B-C50C-407E-A947-70E740481C1C}">
+                <a14:useLocalDpi xmlns:a14="http://schemas.microsoft.com/office/drawing/2010/main" val="0"/>
+              </a:ext>
+            </a:extLst>
+          </a:blip>
+          <a:stretch>
+            <a:fillRect/>
+          </a:stretch>
+        </p:blipFill>
+        <p:spPr>
+          <a:xfrm>
+            <a:off x="1346200" y="2011652"/>
+            <a:ext cx="5969000" cy="3500147"/>
+          </a:xfrm>
+          <a:prstGeom prst="rect">
+            <a:avLst/>
+          </a:prstGeom>
+        </p:spPr>
+      </p:pic>
     </p:spTree>
     <p:extLst>
       <p:ext uri="{BB962C8B-B14F-4D97-AF65-F5344CB8AC3E}">
-        <p14:creationId xmlns:p14="http://schemas.microsoft.com/office/powerpoint/2010/main" val="3636441538"/>
+        <p14:creationId xmlns:p14="http://schemas.microsoft.com/office/powerpoint/2010/main" val="3779845909"/>
       </p:ext>
     </p:extLst>
   </p:cSld>
   <p:clrMapOvr>
     <a:masterClrMapping/>
   </p:clrMapOvr>
+  <p:timing>
+    <p:tnLst>
+      <p:par>
+        <p:cTn xmlns:p14="http://schemas.microsoft.com/office/powerpoint/2010/main" id="1" dur="indefinite" restart="never" nodeType="tmRoot"/>
+      </p:par>
+    </p:tnLst>
+  </p:timing>
 </p:sld>
 </file>
 
@@ -7812,12 +8954,14 @@
         </p:nvSpPr>
         <p:spPr/>
         <p:txBody>
-          <a:bodyPr/>
+          <a:bodyPr>
+            <a:normAutofit fontScale="90000"/>
+          </a:bodyPr>
           <a:lstStyle/>
           <a:p>
             <a:r>
               <a:rPr lang="en-US" dirty="0" smtClean="0"/>
-              <a:t>Backend</a:t>
+              <a:t>API’s for patient related information</a:t>
             </a:r>
             <a:endParaRPr lang="en-US" dirty="0"/>
           </a:p>
@@ -7841,12 +8985,12 @@
           <a:lstStyle/>
           <a:p>
             <a:r>
-              <a:rPr lang="en-US" dirty="0" smtClean="0"/>
-              <a:t>Exercise </a:t>
-            </a:r>
-            <a:r>
-              <a:rPr lang="en-US" dirty="0"/>
-              <a:t>4</a:t>
+              <a:rPr lang="en-US" dirty="0" err="1" smtClean="0"/>
+              <a:t>OAuth</a:t>
+            </a:r>
+            <a:r>
+              <a:rPr lang="en-US" dirty="0" smtClean="0"/>
+              <a:t> 2.0</a:t>
             </a:r>
             <a:endParaRPr lang="en-US" dirty="0"/>
           </a:p>
@@ -7867,28 +9011,52 @@
           <a:bodyPr/>
           <a:lstStyle/>
           <a:p>
-            <a:pPr marL="0" indent="0">
-              <a:buNone/>
-            </a:pPr>
-            <a:r>
-              <a:rPr lang="en-US" dirty="0" smtClean="0"/>
-              <a:t>Build the app backend to handle the </a:t>
-            </a:r>
             <a:r>
               <a:rPr lang="en-US" dirty="0" err="1" smtClean="0"/>
-              <a:t>OAuth</a:t>
-            </a:r>
-            <a:r>
-              <a:rPr lang="en-US" dirty="0" smtClean="0"/>
-              <a:t> 2.0 </a:t>
-            </a:r>
-            <a:r>
-              <a:rPr lang="en-US" dirty="0" smtClean="0"/>
-              <a:t>integration with SDK and to provide an API for the app. </a:t>
-            </a:r>
-          </a:p>
-          <a:p>
+              <a:t>Oauth</a:t>
+            </a:r>
+            <a:r>
+              <a:rPr lang="en-US" dirty="0" smtClean="0"/>
+              <a:t> 2.0 addresses these kind of issues</a:t>
+            </a:r>
+          </a:p>
+          <a:p>
+            <a:r>
+              <a:rPr lang="en-US" dirty="0" smtClean="0"/>
+              <a:t>Possible for the citizen to be anonymous in the app</a:t>
+            </a:r>
+          </a:p>
+          <a:p>
+            <a:pPr lvl="1"/>
+            <a:r>
+              <a:rPr lang="en-US" dirty="0" smtClean="0"/>
+              <a:t>E.g. username </a:t>
+            </a:r>
+            <a:r>
+              <a:rPr lang="en-US" smtClean="0"/>
+              <a:t>kallekula</a:t>
+            </a:r>
+          </a:p>
+          <a:p>
+            <a:pPr lvl="1"/>
+            <a:r>
+              <a:rPr lang="en-US" dirty="0" smtClean="0"/>
+              <a:t>But still authenticated against MVK while authorizing the client</a:t>
+            </a:r>
+          </a:p>
+          <a:p>
+            <a:r>
+              <a:rPr lang="en-US" dirty="0" smtClean="0"/>
+              <a:t>Twitter, Facebook </a:t>
+            </a:r>
+            <a:r>
+              <a:rPr lang="en-US" dirty="0" err="1" smtClean="0"/>
+              <a:t>etc</a:t>
+            </a:r>
             <a:endParaRPr lang="en-US" dirty="0" smtClean="0"/>
+          </a:p>
+          <a:p>
+            <a:endParaRPr lang="en-US" dirty="0"/>
           </a:p>
         </p:txBody>
       </p:sp>
@@ -7924,13 +9092,20 @@
     </p:spTree>
     <p:extLst>
       <p:ext uri="{BB962C8B-B14F-4D97-AF65-F5344CB8AC3E}">
-        <p14:creationId xmlns:p14="http://schemas.microsoft.com/office/powerpoint/2010/main" val="3668199394"/>
+        <p14:creationId xmlns:p14="http://schemas.microsoft.com/office/powerpoint/2010/main" val="25701892"/>
       </p:ext>
     </p:extLst>
   </p:cSld>
   <p:clrMapOvr>
     <a:masterClrMapping/>
   </p:clrMapOvr>
+  <p:timing>
+    <p:tnLst>
+      <p:par>
+        <p:cTn xmlns:p14="http://schemas.microsoft.com/office/powerpoint/2010/main" id="1" dur="indefinite" restart="never" nodeType="tmRoot"/>
+      </p:par>
+    </p:tnLst>
+  </p:timing>
 </p:sld>
 </file>
 
@@ -7968,7 +9143,15 @@
           <a:p>
             <a:r>
               <a:rPr lang="en-US" dirty="0" smtClean="0"/>
-              <a:t>Frontend</a:t>
+              <a:t>Simple </a:t>
+            </a:r>
+            <a:r>
+              <a:rPr lang="en-US" dirty="0" err="1" smtClean="0"/>
+              <a:t>OAuth</a:t>
+            </a:r>
+            <a:r>
+              <a:rPr lang="en-US" dirty="0" smtClean="0"/>
+              <a:t> 2.0 API Client</a:t>
             </a:r>
             <a:endParaRPr lang="en-US" dirty="0"/>
           </a:p>
@@ -7991,6 +9174,10 @@
           </a:bodyPr>
           <a:lstStyle/>
           <a:p>
+            <a:r>
+              <a:rPr lang="en-US" dirty="0" smtClean="0"/>
+              <a:t>Exercise 3</a:t>
+            </a:r>
             <a:endParaRPr lang="en-US" dirty="0"/>
           </a:p>
         </p:txBody>
@@ -8015,21 +9202,16 @@
             </a:pPr>
             <a:r>
               <a:rPr lang="en-US" dirty="0" smtClean="0"/>
-              <a:t>Frontend technologies</a:t>
-            </a:r>
-          </a:p>
-          <a:p>
-            <a:r>
-              <a:rPr lang="en-US" dirty="0" smtClean="0"/>
-              <a:t>What’s happening on the frontend</a:t>
-            </a:r>
-          </a:p>
-          <a:p>
-            <a:r>
-              <a:rPr lang="en-US" dirty="0" smtClean="0"/>
-              <a:t>Short intro to Backbone</a:t>
-            </a:r>
-            <a:endParaRPr lang="en-US" dirty="0" smtClean="0"/>
+              <a:t>Get familiar with </a:t>
+            </a:r>
+            <a:r>
+              <a:rPr lang="en-US" dirty="0" err="1" smtClean="0"/>
+              <a:t>OAuth</a:t>
+            </a:r>
+            <a:r>
+              <a:rPr lang="en-US" dirty="0" smtClean="0"/>
+              <a:t> 2.0 and SDK by using a simple client letting the user authorize access.</a:t>
+            </a:r>
           </a:p>
         </p:txBody>
       </p:sp>
@@ -8065,13 +9247,20 @@
     </p:spTree>
     <p:extLst>
       <p:ext uri="{BB962C8B-B14F-4D97-AF65-F5344CB8AC3E}">
-        <p14:creationId xmlns:p14="http://schemas.microsoft.com/office/powerpoint/2010/main" val="3753766513"/>
+        <p14:creationId xmlns:p14="http://schemas.microsoft.com/office/powerpoint/2010/main" val="3636441538"/>
       </p:ext>
     </p:extLst>
   </p:cSld>
   <p:clrMapOvr>
     <a:masterClrMapping/>
   </p:clrMapOvr>
+  <p:timing>
+    <p:tnLst>
+      <p:par>
+        <p:cTn xmlns:p14="http://schemas.microsoft.com/office/powerpoint/2010/main" id="1" dur="indefinite" restart="never" nodeType="tmRoot"/>
+      </p:par>
+    </p:tnLst>
+  </p:timing>
 </p:sld>
 </file>
 
@@ -8109,7 +9298,7 @@
           <a:p>
             <a:r>
               <a:rPr lang="en-US" dirty="0" smtClean="0"/>
-              <a:t>Frontend</a:t>
+              <a:t>Backend</a:t>
             </a:r>
             <a:endParaRPr lang="en-US" dirty="0"/>
           </a:p>
@@ -8138,9 +9327,8 @@
             </a:r>
             <a:r>
               <a:rPr lang="en-US" dirty="0"/>
-              <a:t>5</a:t>
-            </a:r>
-            <a:endParaRPr lang="en-US" dirty="0"/>
+              <a:t>4</a:t>
+            </a:r>
           </a:p>
         </p:txBody>
       </p:sp>
@@ -8164,17 +9352,15 @@
             </a:pPr>
             <a:r>
               <a:rPr lang="en-US" dirty="0" smtClean="0"/>
-              <a:t>Build a simple client tha</a:t>
-            </a:r>
-            <a:r>
-              <a:rPr lang="en-US" dirty="0" smtClean="0"/>
-              <a:t>t use the API provided by the backend. </a:t>
-            </a:r>
-          </a:p>
-          <a:p>
-            <a:r>
-              <a:rPr lang="en-US" dirty="0" smtClean="0"/>
-              <a:t>Login user to create a session</a:t>
+              <a:t>Build the app backend to handle the </a:t>
+            </a:r>
+            <a:r>
+              <a:rPr lang="en-US" dirty="0" err="1" smtClean="0"/>
+              <a:t>OAuth</a:t>
+            </a:r>
+            <a:r>
+              <a:rPr lang="en-US" dirty="0" smtClean="0"/>
+              <a:t> 2.0 integration with SDK and to provide an API for the app. </a:t>
             </a:r>
           </a:p>
           <a:p>
@@ -8214,7 +9400,479 @@
     </p:spTree>
     <p:extLst>
       <p:ext uri="{BB962C8B-B14F-4D97-AF65-F5344CB8AC3E}">
+        <p14:creationId xmlns:p14="http://schemas.microsoft.com/office/powerpoint/2010/main" val="3668199394"/>
+      </p:ext>
+    </p:extLst>
+  </p:cSld>
+  <p:clrMapOvr>
+    <a:masterClrMapping/>
+  </p:clrMapOvr>
+  <p:timing>
+    <p:tnLst>
+      <p:par>
+        <p:cTn xmlns:p14="http://schemas.microsoft.com/office/powerpoint/2010/main" id="1" dur="indefinite" restart="never" nodeType="tmRoot"/>
+      </p:par>
+    </p:tnLst>
+  </p:timing>
+</p:sld>
+</file>
+
+<file path=ppt/slides/slide17.xml><?xml version="1.0" encoding="utf-8"?>
+<p:sld xmlns:a="http://schemas.openxmlformats.org/drawingml/2006/main" xmlns:r="http://schemas.openxmlformats.org/officeDocument/2006/relationships" xmlns:p="http://schemas.openxmlformats.org/presentationml/2006/main">
+  <p:cSld>
+    <p:spTree>
+      <p:nvGrpSpPr>
+        <p:cNvPr id="1" name=""/>
+        <p:cNvGrpSpPr/>
+        <p:nvPr/>
+      </p:nvGrpSpPr>
+      <p:grpSpPr>
+        <a:xfrm>
+          <a:off x="0" y="0"/>
+          <a:ext cx="0" cy="0"/>
+          <a:chOff x="0" y="0"/>
+          <a:chExt cx="0" cy="0"/>
+        </a:xfrm>
+      </p:grpSpPr>
+      <p:sp>
+        <p:nvSpPr>
+          <p:cNvPr id="2" name="Title 1"/>
+          <p:cNvSpPr>
+            <a:spLocks noGrp="1"/>
+          </p:cNvSpPr>
+          <p:nvPr>
+            <p:ph type="ctrTitle"/>
+          </p:nvPr>
+        </p:nvSpPr>
+        <p:spPr/>
+        <p:txBody>
+          <a:bodyPr/>
+          <a:lstStyle/>
+          <a:p>
+            <a:r>
+              <a:rPr lang="en-US" dirty="0" smtClean="0"/>
+              <a:t>Frontend</a:t>
+            </a:r>
+            <a:endParaRPr lang="en-US" dirty="0"/>
+          </a:p>
+        </p:txBody>
+      </p:sp>
+      <p:sp>
+        <p:nvSpPr>
+          <p:cNvPr id="3" name="Subtitle 2"/>
+          <p:cNvSpPr>
+            <a:spLocks noGrp="1"/>
+          </p:cNvSpPr>
+          <p:nvPr>
+            <p:ph type="subTitle" idx="1"/>
+          </p:nvPr>
+        </p:nvSpPr>
+        <p:spPr/>
+        <p:txBody>
+          <a:bodyPr>
+            <a:normAutofit fontScale="92500" lnSpcReduction="10000"/>
+          </a:bodyPr>
+          <a:lstStyle/>
+          <a:p>
+            <a:endParaRPr lang="en-US" dirty="0"/>
+          </a:p>
+        </p:txBody>
+      </p:sp>
+      <p:sp>
+        <p:nvSpPr>
+          <p:cNvPr id="4" name="Text Placeholder 3"/>
+          <p:cNvSpPr>
+            <a:spLocks noGrp="1"/>
+          </p:cNvSpPr>
+          <p:nvPr>
+            <p:ph type="body" sz="quarter" idx="13"/>
+          </p:nvPr>
+        </p:nvSpPr>
+        <p:spPr/>
+        <p:txBody>
+          <a:bodyPr/>
+          <a:lstStyle/>
+          <a:p>
+            <a:pPr marL="0" indent="0">
+              <a:buNone/>
+            </a:pPr>
+            <a:r>
+              <a:rPr lang="en-US" dirty="0" smtClean="0"/>
+              <a:t>Frontend technologies</a:t>
+            </a:r>
+          </a:p>
+          <a:p>
+            <a:r>
+              <a:rPr lang="en-US" dirty="0" smtClean="0"/>
+              <a:t>What’s happening on the frontend</a:t>
+            </a:r>
+          </a:p>
+          <a:p>
+            <a:r>
+              <a:rPr lang="en-US" dirty="0" smtClean="0"/>
+              <a:t>Short intro to Backbone</a:t>
+            </a:r>
+          </a:p>
+        </p:txBody>
+      </p:sp>
+      <p:sp>
+        <p:nvSpPr>
+          <p:cNvPr id="5" name="Slide Number Placeholder 4"/>
+          <p:cNvSpPr>
+            <a:spLocks noGrp="1"/>
+          </p:cNvSpPr>
+          <p:nvPr>
+            <p:ph type="sldNum" sz="quarter" idx="14"/>
+          </p:nvPr>
+        </p:nvSpPr>
+        <p:spPr/>
+        <p:txBody>
+          <a:bodyPr/>
+          <a:lstStyle/>
+          <a:p>
+            <a:pPr>
+              <a:defRPr/>
+            </a:pPr>
+            <a:fld id="{4AA01602-B999-AA4E-80A6-B21CED3A9C3C}" type="slidenum">
+              <a:rPr lang="sv-SE" smtClean="0"/>
+              <a:pPr>
+                <a:defRPr/>
+              </a:pPr>
+              <a:t>17</a:t>
+            </a:fld>
+            <a:endParaRPr lang="sv-SE"/>
+          </a:p>
+        </p:txBody>
+      </p:sp>
+    </p:spTree>
+    <p:extLst>
+      <p:ext uri="{BB962C8B-B14F-4D97-AF65-F5344CB8AC3E}">
+        <p14:creationId xmlns:p14="http://schemas.microsoft.com/office/powerpoint/2010/main" val="3753766513"/>
+      </p:ext>
+    </p:extLst>
+  </p:cSld>
+  <p:clrMapOvr>
+    <a:masterClrMapping/>
+  </p:clrMapOvr>
+</p:sld>
+</file>
+
+<file path=ppt/slides/slide18.xml><?xml version="1.0" encoding="utf-8"?>
+<p:sld xmlns:a="http://schemas.openxmlformats.org/drawingml/2006/main" xmlns:r="http://schemas.openxmlformats.org/officeDocument/2006/relationships" xmlns:p="http://schemas.openxmlformats.org/presentationml/2006/main">
+  <p:cSld>
+    <p:spTree>
+      <p:nvGrpSpPr>
+        <p:cNvPr id="1" name=""/>
+        <p:cNvGrpSpPr/>
+        <p:nvPr/>
+      </p:nvGrpSpPr>
+      <p:grpSpPr>
+        <a:xfrm>
+          <a:off x="0" y="0"/>
+          <a:ext cx="0" cy="0"/>
+          <a:chOff x="0" y="0"/>
+          <a:chExt cx="0" cy="0"/>
+        </a:xfrm>
+      </p:grpSpPr>
+      <p:sp>
+        <p:nvSpPr>
+          <p:cNvPr id="2" name="Title 1"/>
+          <p:cNvSpPr>
+            <a:spLocks noGrp="1"/>
+          </p:cNvSpPr>
+          <p:nvPr>
+            <p:ph type="ctrTitle"/>
+          </p:nvPr>
+        </p:nvSpPr>
+        <p:spPr/>
+        <p:txBody>
+          <a:bodyPr/>
+          <a:lstStyle/>
+          <a:p>
+            <a:r>
+              <a:rPr lang="en-US" dirty="0" smtClean="0"/>
+              <a:t>Frontend</a:t>
+            </a:r>
+            <a:endParaRPr lang="en-US" dirty="0"/>
+          </a:p>
+        </p:txBody>
+      </p:sp>
+      <p:sp>
+        <p:nvSpPr>
+          <p:cNvPr id="3" name="Subtitle 2"/>
+          <p:cNvSpPr>
+            <a:spLocks noGrp="1"/>
+          </p:cNvSpPr>
+          <p:nvPr>
+            <p:ph type="subTitle" idx="1"/>
+          </p:nvPr>
+        </p:nvSpPr>
+        <p:spPr/>
+        <p:txBody>
+          <a:bodyPr>
+            <a:normAutofit fontScale="92500" lnSpcReduction="10000"/>
+          </a:bodyPr>
+          <a:lstStyle/>
+          <a:p>
+            <a:r>
+              <a:rPr lang="en-US" dirty="0" smtClean="0"/>
+              <a:t>Exercise </a:t>
+            </a:r>
+            <a:r>
+              <a:rPr lang="en-US" dirty="0"/>
+              <a:t>5</a:t>
+            </a:r>
+          </a:p>
+        </p:txBody>
+      </p:sp>
+      <p:sp>
+        <p:nvSpPr>
+          <p:cNvPr id="4" name="Text Placeholder 3"/>
+          <p:cNvSpPr>
+            <a:spLocks noGrp="1"/>
+          </p:cNvSpPr>
+          <p:nvPr>
+            <p:ph type="body" sz="quarter" idx="13"/>
+          </p:nvPr>
+        </p:nvSpPr>
+        <p:spPr/>
+        <p:txBody>
+          <a:bodyPr/>
+          <a:lstStyle/>
+          <a:p>
+            <a:pPr marL="0" indent="0">
+              <a:buNone/>
+            </a:pPr>
+            <a:r>
+              <a:rPr lang="en-US" dirty="0" smtClean="0"/>
+              <a:t>Build a simple client that use the API provided by the backend. </a:t>
+            </a:r>
+          </a:p>
+          <a:p>
+            <a:r>
+              <a:rPr lang="en-US" dirty="0" smtClean="0"/>
+              <a:t>Login user to create a session</a:t>
+            </a:r>
+          </a:p>
+          <a:p>
+            <a:endParaRPr lang="en-US" dirty="0" smtClean="0"/>
+          </a:p>
+        </p:txBody>
+      </p:sp>
+      <p:sp>
+        <p:nvSpPr>
+          <p:cNvPr id="5" name="Slide Number Placeholder 4"/>
+          <p:cNvSpPr>
+            <a:spLocks noGrp="1"/>
+          </p:cNvSpPr>
+          <p:nvPr>
+            <p:ph type="sldNum" sz="quarter" idx="14"/>
+          </p:nvPr>
+        </p:nvSpPr>
+        <p:spPr/>
+        <p:txBody>
+          <a:bodyPr/>
+          <a:lstStyle/>
+          <a:p>
+            <a:pPr>
+              <a:defRPr/>
+            </a:pPr>
+            <a:fld id="{4AA01602-B999-AA4E-80A6-B21CED3A9C3C}" type="slidenum">
+              <a:rPr lang="sv-SE" smtClean="0"/>
+              <a:pPr>
+                <a:defRPr/>
+              </a:pPr>
+              <a:t>18</a:t>
+            </a:fld>
+            <a:endParaRPr lang="sv-SE"/>
+          </a:p>
+        </p:txBody>
+      </p:sp>
+    </p:spTree>
+    <p:extLst>
+      <p:ext uri="{BB962C8B-B14F-4D97-AF65-F5344CB8AC3E}">
         <p14:creationId xmlns:p14="http://schemas.microsoft.com/office/powerpoint/2010/main" val="3598812586"/>
+      </p:ext>
+    </p:extLst>
+  </p:cSld>
+  <p:clrMapOvr>
+    <a:masterClrMapping/>
+  </p:clrMapOvr>
+</p:sld>
+</file>
+
+<file path=ppt/slides/slide19.xml><?xml version="1.0" encoding="utf-8"?>
+<p:sld xmlns:a="http://schemas.openxmlformats.org/drawingml/2006/main" xmlns:r="http://schemas.openxmlformats.org/officeDocument/2006/relationships" xmlns:p="http://schemas.openxmlformats.org/presentationml/2006/main">
+  <p:cSld>
+    <p:spTree>
+      <p:nvGrpSpPr>
+        <p:cNvPr id="1" name=""/>
+        <p:cNvGrpSpPr/>
+        <p:nvPr/>
+      </p:nvGrpSpPr>
+      <p:grpSpPr>
+        <a:xfrm>
+          <a:off x="0" y="0"/>
+          <a:ext cx="0" cy="0"/>
+          <a:chOff x="0" y="0"/>
+          <a:chExt cx="0" cy="0"/>
+        </a:xfrm>
+      </p:grpSpPr>
+      <p:sp>
+        <p:nvSpPr>
+          <p:cNvPr id="2" name="Title 1"/>
+          <p:cNvSpPr>
+            <a:spLocks noGrp="1"/>
+          </p:cNvSpPr>
+          <p:nvPr>
+            <p:ph type="ctrTitle"/>
+          </p:nvPr>
+        </p:nvSpPr>
+        <p:spPr/>
+        <p:txBody>
+          <a:bodyPr/>
+          <a:lstStyle/>
+          <a:p>
+            <a:r>
+              <a:rPr lang="en-US" dirty="0" smtClean="0"/>
+              <a:t>Links</a:t>
+            </a:r>
+            <a:endParaRPr lang="en-US" dirty="0"/>
+          </a:p>
+        </p:txBody>
+      </p:sp>
+      <p:sp>
+        <p:nvSpPr>
+          <p:cNvPr id="3" name="Subtitle 2"/>
+          <p:cNvSpPr>
+            <a:spLocks noGrp="1"/>
+          </p:cNvSpPr>
+          <p:nvPr>
+            <p:ph type="subTitle" idx="1"/>
+          </p:nvPr>
+        </p:nvSpPr>
+        <p:spPr/>
+        <p:txBody>
+          <a:bodyPr>
+            <a:normAutofit fontScale="92500" lnSpcReduction="10000"/>
+          </a:bodyPr>
+          <a:lstStyle/>
+          <a:p>
+            <a:endParaRPr lang="en-US"/>
+          </a:p>
+        </p:txBody>
+      </p:sp>
+      <p:sp>
+        <p:nvSpPr>
+          <p:cNvPr id="4" name="Text Placeholder 3"/>
+          <p:cNvSpPr>
+            <a:spLocks noGrp="1"/>
+          </p:cNvSpPr>
+          <p:nvPr>
+            <p:ph type="body" sz="quarter" idx="13"/>
+          </p:nvPr>
+        </p:nvSpPr>
+        <p:spPr/>
+        <p:txBody>
+          <a:bodyPr/>
+          <a:lstStyle/>
+          <a:p>
+            <a:pPr marL="0" indent="0">
+              <a:buNone/>
+            </a:pPr>
+            <a:endParaRPr lang="en-US" sz="1800" dirty="0" smtClean="0">
+              <a:hlinkClick r:id="rId2"/>
+            </a:endParaRPr>
+          </a:p>
+          <a:p>
+            <a:pPr marL="0" indent="0">
+              <a:buNone/>
+            </a:pPr>
+            <a:r>
+              <a:rPr lang="en-US" sz="1800" dirty="0" smtClean="0">
+                <a:hlinkClick r:id="rId2"/>
+              </a:rPr>
+              <a:t>https</a:t>
+            </a:r>
+            <a:r>
+              <a:rPr lang="en-US" sz="1800" dirty="0">
+                <a:hlinkClick r:id="rId2"/>
+              </a:rPr>
+              <a:t>://developers.google.com/accounts/docs/</a:t>
+            </a:r>
+            <a:r>
+              <a:rPr lang="en-US" sz="1800" dirty="0" smtClean="0">
+                <a:hlinkClick r:id="rId2"/>
+              </a:rPr>
+              <a:t>OAuth2</a:t>
+            </a:r>
+            <a:endParaRPr lang="en-US" sz="1800" dirty="0" smtClean="0"/>
+          </a:p>
+          <a:p>
+            <a:pPr marL="0" indent="0">
+              <a:buNone/>
+            </a:pPr>
+            <a:r>
+              <a:rPr lang="en-US" sz="1800" dirty="0">
+                <a:hlinkClick r:id="rId3"/>
+              </a:rPr>
+              <a:t>https://developers.facebook.com/docs/reference/dialogs/oauth</a:t>
+            </a:r>
+            <a:r>
+              <a:rPr lang="en-US" sz="1800" dirty="0" smtClean="0">
+                <a:hlinkClick r:id="rId3"/>
+              </a:rPr>
+              <a:t>/</a:t>
+            </a:r>
+            <a:endParaRPr lang="en-US" sz="1800" dirty="0" smtClean="0"/>
+          </a:p>
+          <a:p>
+            <a:pPr marL="0" indent="0">
+              <a:buNone/>
+            </a:pPr>
+            <a:endParaRPr lang="en-US" sz="1800" dirty="0"/>
+          </a:p>
+          <a:p>
+            <a:pPr marL="0" indent="0">
+              <a:buNone/>
+            </a:pPr>
+            <a:endParaRPr lang="en-US" sz="1800" dirty="0"/>
+          </a:p>
+        </p:txBody>
+      </p:sp>
+      <p:sp>
+        <p:nvSpPr>
+          <p:cNvPr id="5" name="Slide Number Placeholder 4"/>
+          <p:cNvSpPr>
+            <a:spLocks noGrp="1"/>
+          </p:cNvSpPr>
+          <p:nvPr>
+            <p:ph type="sldNum" sz="quarter" idx="14"/>
+          </p:nvPr>
+        </p:nvSpPr>
+        <p:spPr/>
+        <p:txBody>
+          <a:bodyPr/>
+          <a:lstStyle/>
+          <a:p>
+            <a:pPr>
+              <a:defRPr/>
+            </a:pPr>
+            <a:fld id="{4AA01602-B999-AA4E-80A6-B21CED3A9C3C}" type="slidenum">
+              <a:rPr lang="sv-SE" smtClean="0"/>
+              <a:pPr>
+                <a:defRPr/>
+              </a:pPr>
+              <a:t>19</a:t>
+            </a:fld>
+            <a:endParaRPr lang="sv-SE"/>
+          </a:p>
+        </p:txBody>
+      </p:sp>
+    </p:spTree>
+    <p:extLst>
+      <p:ext uri="{BB962C8B-B14F-4D97-AF65-F5344CB8AC3E}">
+        <p14:creationId xmlns:p14="http://schemas.microsoft.com/office/powerpoint/2010/main" val="930752604"/>
       </p:ext>
     </p:extLst>
   </p:cSld>
@@ -8464,11 +10122,7 @@
             </a:r>
             <a:r>
               <a:rPr lang="en-US" sz="2000" dirty="0" smtClean="0"/>
-              <a:t> </a:t>
-            </a:r>
-            <a:r>
-              <a:rPr lang="en-US" sz="2000" dirty="0" smtClean="0"/>
-              <a:t>2.0 intro</a:t>
+              <a:t> 2.0 intro</a:t>
             </a:r>
           </a:p>
           <a:p>
@@ -8675,7 +10329,6 @@
               <a:rPr lang="en-US" sz="2000" dirty="0" smtClean="0"/>
               <a:t>Lab 5, Applying the app</a:t>
             </a:r>
-            <a:endParaRPr lang="en-US" sz="2000" dirty="0" smtClean="0"/>
           </a:p>
           <a:p>
             <a:endParaRPr lang="en-US" sz="2000" dirty="0" smtClean="0"/>
@@ -9515,8 +11168,13 @@
             </a:pPr>
             <a:r>
               <a:rPr lang="en-US" dirty="0" smtClean="0"/>
-              <a:t>Use Curl to make http requests</a:t>
-            </a:r>
+              <a:t>Use Curl to make http </a:t>
+            </a:r>
+            <a:r>
+              <a:rPr lang="en-US" dirty="0" smtClean="0"/>
+              <a:t>requests against public data API</a:t>
+            </a:r>
+            <a:endParaRPr lang="en-US" dirty="0" smtClean="0"/>
           </a:p>
         </p:txBody>
       </p:sp>

--- a/Cadec-vårdens-apier.pptx
+++ b/Cadec-vårdens-apier.pptx
@@ -5,31 +5,33 @@
     <p:sldMasterId id="2147483648" r:id="rId1"/>
   </p:sldMasterIdLst>
   <p:notesMasterIdLst>
-    <p:notesMasterId r:id="rId21"/>
+    <p:notesMasterId r:id="rId23"/>
   </p:notesMasterIdLst>
   <p:handoutMasterIdLst>
-    <p:handoutMasterId r:id="rId22"/>
+    <p:handoutMasterId r:id="rId24"/>
   </p:handoutMasterIdLst>
   <p:sldIdLst>
     <p:sldId id="256" r:id="rId2"/>
     <p:sldId id="260" r:id="rId3"/>
     <p:sldId id="262" r:id="rId4"/>
     <p:sldId id="268" r:id="rId5"/>
-    <p:sldId id="263" r:id="rId6"/>
-    <p:sldId id="257" r:id="rId7"/>
-    <p:sldId id="258" r:id="rId8"/>
-    <p:sldId id="259" r:id="rId9"/>
-    <p:sldId id="261" r:id="rId10"/>
-    <p:sldId id="264" r:id="rId11"/>
-    <p:sldId id="266" r:id="rId12"/>
-    <p:sldId id="272" r:id="rId13"/>
-    <p:sldId id="273" r:id="rId14"/>
-    <p:sldId id="265" r:id="rId15"/>
-    <p:sldId id="267" r:id="rId16"/>
-    <p:sldId id="269" r:id="rId17"/>
-    <p:sldId id="271" r:id="rId18"/>
-    <p:sldId id="270" r:id="rId19"/>
-    <p:sldId id="274" r:id="rId20"/>
+    <p:sldId id="276" r:id="rId6"/>
+    <p:sldId id="263" r:id="rId7"/>
+    <p:sldId id="257" r:id="rId8"/>
+    <p:sldId id="258" r:id="rId9"/>
+    <p:sldId id="259" r:id="rId10"/>
+    <p:sldId id="261" r:id="rId11"/>
+    <p:sldId id="264" r:id="rId12"/>
+    <p:sldId id="266" r:id="rId13"/>
+    <p:sldId id="265" r:id="rId14"/>
+    <p:sldId id="272" r:id="rId15"/>
+    <p:sldId id="273" r:id="rId16"/>
+    <p:sldId id="267" r:id="rId17"/>
+    <p:sldId id="275" r:id="rId18"/>
+    <p:sldId id="269" r:id="rId19"/>
+    <p:sldId id="271" r:id="rId20"/>
+    <p:sldId id="270" r:id="rId21"/>
+    <p:sldId id="274" r:id="rId22"/>
   </p:sldIdLst>
   <p:sldSz cx="9144000" cy="6858000" type="screen4x3"/>
   <p:notesSz cx="6858000" cy="9144000"/>
@@ -1405,7 +1407,7 @@
               <a:pPr>
                 <a:defRPr/>
               </a:pPr>
-              <a:t>5</a:t>
+              <a:t>6</a:t>
             </a:fld>
             <a:endParaRPr lang="sv-SE"/>
           </a:p>
@@ -1850,7 +1852,7 @@
               <a:pPr>
                 <a:defRPr/>
               </a:pPr>
-              <a:t>10</a:t>
+              <a:t>11</a:t>
             </a:fld>
             <a:endParaRPr lang="sv-SE"/>
           </a:p>
@@ -2452,7 +2454,7 @@
               <a:pPr>
                 <a:defRPr/>
               </a:pPr>
-              <a:t>11</a:t>
+              <a:t>12</a:t>
             </a:fld>
             <a:endParaRPr lang="sv-SE"/>
           </a:p>
@@ -2515,416 +2517,7 @@
           <a:bodyPr/>
           <a:lstStyle/>
           <a:p>
-            <a:r>
-              <a:rPr lang="en-US" dirty="0" err="1" smtClean="0"/>
-              <a:t>Reaource</a:t>
-            </a:r>
-            <a:r>
-              <a:rPr lang="en-US" dirty="0" smtClean="0"/>
-              <a:t> Owner: En roll </a:t>
-            </a:r>
-            <a:r>
-              <a:rPr lang="en-US" dirty="0" err="1" smtClean="0"/>
-              <a:t>i</a:t>
-            </a:r>
-            <a:r>
-              <a:rPr lang="en-US" dirty="0" smtClean="0"/>
-              <a:t> </a:t>
-            </a:r>
-            <a:r>
-              <a:rPr lang="en-US" dirty="0" err="1" smtClean="0"/>
-              <a:t>OAuth</a:t>
-            </a:r>
-            <a:r>
-              <a:rPr lang="en-US" dirty="0" smtClean="0"/>
-              <a:t> 2.0 </a:t>
-            </a:r>
-            <a:r>
-              <a:rPr lang="en-US" dirty="0" err="1" smtClean="0"/>
-              <a:t>specifikationen</a:t>
-            </a:r>
-            <a:r>
-              <a:rPr lang="en-US" dirty="0" smtClean="0"/>
-              <a:t> </a:t>
-            </a:r>
-            <a:r>
-              <a:rPr lang="en-US" dirty="0" err="1" smtClean="0"/>
-              <a:t>som</a:t>
-            </a:r>
-            <a:r>
-              <a:rPr lang="en-US" dirty="0" smtClean="0"/>
-              <a:t> </a:t>
-            </a:r>
-            <a:r>
-              <a:rPr lang="en-US" dirty="0" err="1" smtClean="0"/>
-              <a:t>pekar</a:t>
-            </a:r>
-            <a:r>
-              <a:rPr lang="en-US" dirty="0" smtClean="0"/>
-              <a:t> </a:t>
-            </a:r>
-            <a:r>
-              <a:rPr lang="en-US" dirty="0" err="1" smtClean="0"/>
-              <a:t>ut</a:t>
-            </a:r>
-            <a:r>
-              <a:rPr lang="en-US" dirty="0" smtClean="0"/>
-              <a:t> </a:t>
-            </a:r>
-            <a:r>
-              <a:rPr lang="en-US" dirty="0" err="1" smtClean="0"/>
-              <a:t>användaren</a:t>
-            </a:r>
-            <a:r>
-              <a:rPr lang="en-US" dirty="0" smtClean="0"/>
-              <a:t> </a:t>
-            </a:r>
-            <a:r>
-              <a:rPr lang="en-US" dirty="0" err="1" smtClean="0"/>
-              <a:t>som</a:t>
-            </a:r>
-            <a:r>
-              <a:rPr lang="en-US" dirty="0" smtClean="0"/>
-              <a:t> </a:t>
-            </a:r>
-            <a:r>
-              <a:rPr lang="en-US" dirty="0" err="1" smtClean="0"/>
-              <a:t>äger</a:t>
-            </a:r>
-            <a:r>
-              <a:rPr lang="en-US" dirty="0" smtClean="0"/>
-              <a:t> en given </a:t>
-            </a:r>
-            <a:r>
-              <a:rPr lang="en-US" dirty="0" err="1" smtClean="0"/>
-              <a:t>resurs</a:t>
-            </a:r>
-            <a:r>
-              <a:rPr lang="en-US" dirty="0" smtClean="0"/>
-              <a:t>.</a:t>
-            </a:r>
-          </a:p>
-          <a:p>
-            <a:r>
-              <a:rPr lang="en-US" dirty="0" smtClean="0"/>
-              <a:t>Client: I </a:t>
-            </a:r>
-            <a:r>
-              <a:rPr lang="en-US" dirty="0" err="1" smtClean="0"/>
-              <a:t>OAuth</a:t>
-            </a:r>
-            <a:r>
-              <a:rPr lang="en-US" dirty="0" smtClean="0"/>
-              <a:t> 2.0-specifikationen </a:t>
-            </a:r>
-            <a:r>
-              <a:rPr lang="en-US" dirty="0" err="1" smtClean="0"/>
-              <a:t>är</a:t>
-            </a:r>
-            <a:r>
-              <a:rPr lang="en-US" dirty="0" smtClean="0"/>
-              <a:t> </a:t>
-            </a:r>
-            <a:r>
-              <a:rPr lang="en-US" dirty="0" err="1" smtClean="0"/>
-              <a:t>klienten</a:t>
-            </a:r>
-            <a:r>
-              <a:rPr lang="en-US" dirty="0" smtClean="0"/>
-              <a:t> </a:t>
-            </a:r>
-            <a:r>
-              <a:rPr lang="en-US" dirty="0" err="1" smtClean="0"/>
-              <a:t>hela</a:t>
-            </a:r>
-            <a:r>
-              <a:rPr lang="en-US" dirty="0" smtClean="0"/>
-              <a:t> </a:t>
-            </a:r>
-            <a:r>
-              <a:rPr lang="en-US" dirty="0" err="1" smtClean="0"/>
-              <a:t>tredjeparts-lösningen</a:t>
-            </a:r>
-            <a:r>
-              <a:rPr lang="en-US" dirty="0" smtClean="0"/>
-              <a:t>. </a:t>
-            </a:r>
-            <a:r>
-              <a:rPr lang="en-US" dirty="0" err="1" smtClean="0"/>
-              <a:t>Det</a:t>
-            </a:r>
-            <a:r>
-              <a:rPr lang="en-US" dirty="0" smtClean="0"/>
-              <a:t> </a:t>
-            </a:r>
-            <a:r>
-              <a:rPr lang="en-US" dirty="0" err="1" smtClean="0"/>
-              <a:t>vill</a:t>
-            </a:r>
-            <a:r>
-              <a:rPr lang="en-US" dirty="0" smtClean="0"/>
-              <a:t> </a:t>
-            </a:r>
-            <a:r>
-              <a:rPr lang="en-US" dirty="0" err="1" smtClean="0"/>
-              <a:t>säga</a:t>
-            </a:r>
-            <a:r>
-              <a:rPr lang="en-US" dirty="0" smtClean="0"/>
-              <a:t> </a:t>
-            </a:r>
-            <a:r>
-              <a:rPr lang="en-US" dirty="0" err="1" smtClean="0"/>
-              <a:t>klienten</a:t>
-            </a:r>
-            <a:r>
-              <a:rPr lang="en-US" dirty="0" smtClean="0"/>
-              <a:t> </a:t>
-            </a:r>
-            <a:r>
-              <a:rPr lang="en-US" dirty="0" err="1" smtClean="0"/>
-              <a:t>är</a:t>
-            </a:r>
-            <a:r>
-              <a:rPr lang="en-US" dirty="0" smtClean="0"/>
-              <a:t> </a:t>
-            </a:r>
-            <a:r>
-              <a:rPr lang="en-US" dirty="0" err="1" smtClean="0"/>
-              <a:t>både</a:t>
-            </a:r>
-            <a:r>
-              <a:rPr lang="en-US" dirty="0" smtClean="0"/>
-              <a:t> back-end </a:t>
-            </a:r>
-            <a:r>
-              <a:rPr lang="en-US" dirty="0" err="1" smtClean="0"/>
-              <a:t>och</a:t>
-            </a:r>
-            <a:r>
-              <a:rPr lang="en-US" dirty="0" smtClean="0"/>
-              <a:t> front-end </a:t>
-            </a:r>
-            <a:r>
-              <a:rPr lang="en-US" dirty="0" err="1" smtClean="0"/>
-              <a:t>av</a:t>
-            </a:r>
-            <a:r>
-              <a:rPr lang="en-US" dirty="0" smtClean="0"/>
-              <a:t> </a:t>
-            </a:r>
-            <a:r>
-              <a:rPr lang="en-US" dirty="0" err="1" smtClean="0"/>
-              <a:t>tredjeparts-lösningen</a:t>
-            </a:r>
-            <a:r>
-              <a:rPr lang="en-US" dirty="0" smtClean="0"/>
-              <a:t>.</a:t>
-            </a:r>
-          </a:p>
-          <a:p>
-            <a:r>
-              <a:rPr lang="en-US" dirty="0" smtClean="0"/>
-              <a:t>Authorization server: En roll </a:t>
-            </a:r>
-            <a:r>
-              <a:rPr lang="en-US" dirty="0" err="1" smtClean="0"/>
-              <a:t>i</a:t>
-            </a:r>
-            <a:r>
-              <a:rPr lang="en-US" dirty="0" smtClean="0"/>
-              <a:t> </a:t>
-            </a:r>
-            <a:r>
-              <a:rPr lang="en-US" dirty="0" err="1" smtClean="0"/>
-              <a:t>OAuth</a:t>
-            </a:r>
-            <a:r>
-              <a:rPr lang="en-US" dirty="0" smtClean="0"/>
-              <a:t> 2.0 </a:t>
-            </a:r>
-            <a:r>
-              <a:rPr lang="en-US" dirty="0" err="1" smtClean="0"/>
-              <a:t>specifikationen</a:t>
-            </a:r>
-            <a:r>
-              <a:rPr lang="en-US" dirty="0" smtClean="0"/>
-              <a:t> </a:t>
-            </a:r>
-            <a:r>
-              <a:rPr lang="en-US" dirty="0" err="1" smtClean="0"/>
-              <a:t>som</a:t>
-            </a:r>
-            <a:r>
-              <a:rPr lang="en-US" dirty="0" smtClean="0"/>
-              <a:t> </a:t>
-            </a:r>
-            <a:r>
-              <a:rPr lang="en-US" dirty="0" err="1" smtClean="0"/>
-              <a:t>pekar</a:t>
-            </a:r>
-            <a:r>
-              <a:rPr lang="en-US" dirty="0" smtClean="0"/>
-              <a:t> </a:t>
-            </a:r>
-            <a:r>
-              <a:rPr lang="en-US" dirty="0" err="1" smtClean="0"/>
-              <a:t>ut</a:t>
-            </a:r>
-            <a:r>
-              <a:rPr lang="en-US" dirty="0" smtClean="0"/>
-              <a:t> den del </a:t>
-            </a:r>
-            <a:r>
-              <a:rPr lang="en-US" dirty="0" err="1" smtClean="0"/>
-              <a:t>som</a:t>
-            </a:r>
-            <a:r>
-              <a:rPr lang="en-US" dirty="0" smtClean="0"/>
-              <a:t> </a:t>
-            </a:r>
-            <a:r>
-              <a:rPr lang="en-US" dirty="0" err="1" smtClean="0"/>
-              <a:t>är</a:t>
-            </a:r>
-            <a:r>
-              <a:rPr lang="en-US" dirty="0" smtClean="0"/>
-              <a:t> </a:t>
-            </a:r>
-            <a:r>
-              <a:rPr lang="en-US" dirty="0" err="1" smtClean="0"/>
-              <a:t>ansvarig</a:t>
-            </a:r>
-            <a:r>
-              <a:rPr lang="en-US" dirty="0" smtClean="0"/>
-              <a:t> </a:t>
-            </a:r>
-            <a:r>
-              <a:rPr lang="en-US" dirty="0" err="1" smtClean="0"/>
-              <a:t>för</a:t>
-            </a:r>
-            <a:r>
-              <a:rPr lang="en-US" dirty="0" smtClean="0"/>
-              <a:t> </a:t>
-            </a:r>
-            <a:r>
-              <a:rPr lang="en-US" dirty="0" err="1" smtClean="0"/>
-              <a:t>auktorisationsadministration</a:t>
-            </a:r>
-            <a:r>
-              <a:rPr lang="en-US" dirty="0" smtClean="0"/>
-              <a:t>.</a:t>
-            </a:r>
-          </a:p>
-          <a:p>
-            <a:r>
-              <a:rPr lang="en-US" dirty="0" smtClean="0"/>
-              <a:t>Resource server:</a:t>
-            </a:r>
-            <a:r>
-              <a:rPr lang="en-US" baseline="0" dirty="0" smtClean="0"/>
-              <a:t> En roll </a:t>
-            </a:r>
-            <a:r>
-              <a:rPr lang="en-US" baseline="0" dirty="0" err="1" smtClean="0"/>
-              <a:t>i</a:t>
-            </a:r>
-            <a:r>
-              <a:rPr lang="en-US" baseline="0" dirty="0" smtClean="0"/>
-              <a:t> </a:t>
-            </a:r>
-            <a:r>
-              <a:rPr lang="en-US" baseline="0" dirty="0" err="1" smtClean="0"/>
-              <a:t>OAuth</a:t>
-            </a:r>
-            <a:r>
-              <a:rPr lang="en-US" baseline="0" dirty="0" smtClean="0"/>
-              <a:t> 2.0 </a:t>
-            </a:r>
-            <a:r>
-              <a:rPr lang="en-US" baseline="0" dirty="0" err="1" smtClean="0"/>
-              <a:t>specifikationen</a:t>
-            </a:r>
-            <a:r>
-              <a:rPr lang="en-US" baseline="0" dirty="0" smtClean="0"/>
-              <a:t> </a:t>
-            </a:r>
-            <a:r>
-              <a:rPr lang="en-US" baseline="0" dirty="0" err="1" smtClean="0"/>
-              <a:t>som</a:t>
-            </a:r>
-            <a:r>
-              <a:rPr lang="en-US" baseline="0" dirty="0" smtClean="0"/>
-              <a:t> </a:t>
-            </a:r>
-            <a:r>
-              <a:rPr lang="en-US" baseline="0" dirty="0" err="1" smtClean="0"/>
-              <a:t>pekar</a:t>
-            </a:r>
-            <a:r>
-              <a:rPr lang="en-US" baseline="0" dirty="0" smtClean="0"/>
-              <a:t> </a:t>
-            </a:r>
-            <a:r>
-              <a:rPr lang="en-US" baseline="0" dirty="0" err="1" smtClean="0"/>
-              <a:t>ut</a:t>
-            </a:r>
-            <a:r>
-              <a:rPr lang="en-US" baseline="0" dirty="0" smtClean="0"/>
-              <a:t> den del </a:t>
-            </a:r>
-            <a:r>
-              <a:rPr lang="en-US" baseline="0" dirty="0" err="1" smtClean="0"/>
-              <a:t>som</a:t>
-            </a:r>
-            <a:r>
-              <a:rPr lang="en-US" baseline="0" dirty="0" smtClean="0"/>
-              <a:t> </a:t>
-            </a:r>
-            <a:r>
-              <a:rPr lang="en-US" baseline="0" dirty="0" err="1" smtClean="0"/>
-              <a:t>är</a:t>
-            </a:r>
-            <a:r>
-              <a:rPr lang="en-US" baseline="0" dirty="0" smtClean="0"/>
-              <a:t> </a:t>
-            </a:r>
-            <a:r>
-              <a:rPr lang="en-US" baseline="0" dirty="0" err="1" smtClean="0"/>
-              <a:t>ansvarig</a:t>
-            </a:r>
-            <a:r>
-              <a:rPr lang="en-US" baseline="0" dirty="0" smtClean="0"/>
-              <a:t> </a:t>
-            </a:r>
-            <a:r>
-              <a:rPr lang="en-US" baseline="0" dirty="0" err="1" smtClean="0"/>
-              <a:t>för</a:t>
-            </a:r>
-            <a:r>
-              <a:rPr lang="en-US" baseline="0" dirty="0" smtClean="0"/>
-              <a:t> </a:t>
-            </a:r>
-            <a:r>
-              <a:rPr lang="en-US" baseline="0" dirty="0" err="1" smtClean="0"/>
-              <a:t>resurshantering</a:t>
-            </a:r>
-            <a:r>
-              <a:rPr lang="en-US" baseline="0" dirty="0" smtClean="0"/>
-              <a:t>/</a:t>
-            </a:r>
-            <a:r>
-              <a:rPr lang="en-US" baseline="0" dirty="0" err="1" smtClean="0"/>
-              <a:t>resursutlämning</a:t>
-            </a:r>
-            <a:r>
-              <a:rPr lang="en-US" baseline="0" dirty="0" smtClean="0"/>
-              <a:t>.</a:t>
-            </a:r>
-            <a:endParaRPr lang="en-US" dirty="0" smtClean="0"/>
-          </a:p>
-          <a:p>
-            <a:endParaRPr lang="en-US" dirty="0"/>
+            <a:endParaRPr lang="en-US" baseline="0" dirty="0" smtClean="0"/>
           </a:p>
         </p:txBody>
       </p:sp>
@@ -2951,7 +2544,7 @@
               <a:pPr>
                 <a:defRPr/>
               </a:pPr>
-              <a:t>12</a:t>
+              <a:t>13</a:t>
             </a:fld>
             <a:endParaRPr lang="sv-SE"/>
           </a:p>
@@ -2960,7 +2553,7 @@
     </p:spTree>
     <p:extLst>
       <p:ext uri="{BB962C8B-B14F-4D97-AF65-F5344CB8AC3E}">
-        <p14:creationId xmlns:p14="http://schemas.microsoft.com/office/powerpoint/2010/main" val="698192533"/>
+        <p14:creationId xmlns:p14="http://schemas.microsoft.com/office/powerpoint/2010/main" val="422046913"/>
       </p:ext>
     </p:extLst>
   </p:cSld>
@@ -3015,32 +2608,36 @@
           <a:lstStyle/>
           <a:p>
             <a:r>
+              <a:rPr lang="en-US" dirty="0" err="1" smtClean="0"/>
+              <a:t>Reaource</a:t>
+            </a:r>
+            <a:r>
               <a:rPr lang="en-US" dirty="0" smtClean="0"/>
-              <a:t>En </a:t>
+              <a:t> Owner: En roll </a:t>
             </a:r>
             <a:r>
               <a:rPr lang="en-US" dirty="0" err="1" smtClean="0"/>
-              <a:t>applikation</a:t>
+              <a:t>i</a:t>
             </a:r>
             <a:r>
               <a:rPr lang="en-US" dirty="0" smtClean="0"/>
-              <a:t>, </a:t>
+              <a:t> </a:t>
             </a:r>
             <a:r>
               <a:rPr lang="en-US" dirty="0" err="1" smtClean="0"/>
-              <a:t>tex</a:t>
+              <a:t>OAuth</a:t>
             </a:r>
             <a:r>
               <a:rPr lang="en-US" dirty="0" smtClean="0"/>
-              <a:t> </a:t>
+              <a:t> 2.0 </a:t>
             </a:r>
             <a:r>
               <a:rPr lang="en-US" dirty="0" err="1" smtClean="0"/>
-              <a:t>Runkeeper</a:t>
+              <a:t>specifikationen</a:t>
             </a:r>
             <a:r>
               <a:rPr lang="en-US" dirty="0" smtClean="0"/>
-              <a:t>, </a:t>
+              <a:t> </a:t>
             </a:r>
             <a:r>
               <a:rPr lang="en-US" dirty="0" err="1" smtClean="0"/>
@@ -3048,19 +2645,105 @@
             </a:r>
             <a:r>
               <a:rPr lang="en-US" dirty="0" smtClean="0"/>
-              <a:t> du </a:t>
+              <a:t> </a:t>
             </a:r>
             <a:r>
               <a:rPr lang="en-US" dirty="0" err="1" smtClean="0"/>
-              <a:t>lagt</a:t>
+              <a:t>pekar</a:t>
             </a:r>
             <a:r>
               <a:rPr lang="en-US" dirty="0" smtClean="0"/>
-              <a:t> till </a:t>
+              <a:t> </a:t>
             </a:r>
             <a:r>
               <a:rPr lang="en-US" dirty="0" err="1" smtClean="0"/>
-              <a:t>nyligen</a:t>
+              <a:t>ut</a:t>
+            </a:r>
+            <a:r>
+              <a:rPr lang="en-US" dirty="0" smtClean="0"/>
+              <a:t> </a:t>
+            </a:r>
+            <a:r>
+              <a:rPr lang="en-US" dirty="0" err="1" smtClean="0"/>
+              <a:t>användaren</a:t>
+            </a:r>
+            <a:r>
+              <a:rPr lang="en-US" dirty="0" smtClean="0"/>
+              <a:t> </a:t>
+            </a:r>
+            <a:r>
+              <a:rPr lang="en-US" dirty="0" err="1" smtClean="0"/>
+              <a:t>som</a:t>
+            </a:r>
+            <a:r>
+              <a:rPr lang="en-US" dirty="0" smtClean="0"/>
+              <a:t> </a:t>
+            </a:r>
+            <a:r>
+              <a:rPr lang="en-US" dirty="0" err="1" smtClean="0"/>
+              <a:t>äger</a:t>
+            </a:r>
+            <a:r>
+              <a:rPr lang="en-US" dirty="0" smtClean="0"/>
+              <a:t> en given </a:t>
+            </a:r>
+            <a:r>
+              <a:rPr lang="en-US" dirty="0" err="1" smtClean="0"/>
+              <a:t>resurs</a:t>
+            </a:r>
+            <a:r>
+              <a:rPr lang="en-US" dirty="0" smtClean="0"/>
+              <a:t>.</a:t>
+            </a:r>
+          </a:p>
+          <a:p>
+            <a:r>
+              <a:rPr lang="en-US" dirty="0" smtClean="0"/>
+              <a:t>Client: I </a:t>
+            </a:r>
+            <a:r>
+              <a:rPr lang="en-US" dirty="0" err="1" smtClean="0"/>
+              <a:t>OAuth</a:t>
+            </a:r>
+            <a:r>
+              <a:rPr lang="en-US" dirty="0" smtClean="0"/>
+              <a:t> 2.0-specifikationen </a:t>
+            </a:r>
+            <a:r>
+              <a:rPr lang="en-US" dirty="0" err="1" smtClean="0"/>
+              <a:t>är</a:t>
+            </a:r>
+            <a:r>
+              <a:rPr lang="en-US" dirty="0" smtClean="0"/>
+              <a:t> </a:t>
+            </a:r>
+            <a:r>
+              <a:rPr lang="en-US" dirty="0" err="1" smtClean="0"/>
+              <a:t>klienten</a:t>
+            </a:r>
+            <a:r>
+              <a:rPr lang="en-US" dirty="0" smtClean="0"/>
+              <a:t> </a:t>
+            </a:r>
+            <a:r>
+              <a:rPr lang="en-US" dirty="0" err="1" smtClean="0"/>
+              <a:t>hela</a:t>
+            </a:r>
+            <a:r>
+              <a:rPr lang="en-US" dirty="0" smtClean="0"/>
+              <a:t> </a:t>
+            </a:r>
+            <a:r>
+              <a:rPr lang="en-US" dirty="0" err="1" smtClean="0"/>
+              <a:t>tredjeparts-lösningen</a:t>
+            </a:r>
+            <a:r>
+              <a:rPr lang="en-US" dirty="0" smtClean="0"/>
+              <a:t>. </a:t>
+            </a:r>
+            <a:r>
+              <a:rPr lang="en-US" dirty="0" err="1" smtClean="0"/>
+              <a:t>Det</a:t>
             </a:r>
             <a:r>
               <a:rPr lang="en-US" dirty="0" smtClean="0"/>
@@ -3076,7 +2759,7 @@
             </a:r>
             <a:r>
               <a:rPr lang="en-US" dirty="0" err="1" smtClean="0"/>
-              <a:t>komma</a:t>
+              <a:t>säga</a:t>
             </a:r>
             <a:r>
               <a:rPr lang="en-US" dirty="0" smtClean="0"/>
@@ -3084,92 +2767,255 @@
             </a:r>
             <a:r>
               <a:rPr lang="en-US" dirty="0" err="1" smtClean="0"/>
-              <a:t>åt</a:t>
+              <a:t>klienten</a:t>
             </a:r>
             <a:r>
               <a:rPr lang="en-US" dirty="0" smtClean="0"/>
-              <a:t> information</a:t>
-            </a:r>
-            <a:r>
-              <a:rPr lang="en-US" baseline="0" dirty="0" smtClean="0"/>
-              <a:t> </a:t>
-            </a:r>
-            <a:r>
-              <a:rPr lang="en-US" baseline="0" dirty="0" err="1" smtClean="0"/>
-              <a:t>om</a:t>
-            </a:r>
-            <a:r>
-              <a:rPr lang="en-US" baseline="0" dirty="0" smtClean="0"/>
-              <a:t> dig. I </a:t>
-            </a:r>
-            <a:r>
-              <a:rPr lang="en-US" baseline="0" dirty="0" err="1" smtClean="0"/>
-              <a:t>applikationen</a:t>
-            </a:r>
-            <a:r>
-              <a:rPr lang="en-US" baseline="0" dirty="0" smtClean="0"/>
-              <a:t> </a:t>
-            </a:r>
-            <a:r>
-              <a:rPr lang="en-US" baseline="0" dirty="0" err="1" smtClean="0"/>
+              <a:t> </a:t>
+            </a:r>
+            <a:r>
+              <a:rPr lang="en-US" dirty="0" err="1" smtClean="0"/>
               <a:t>är</a:t>
             </a:r>
             <a:r>
-              <a:rPr lang="en-US" baseline="0" dirty="0" smtClean="0"/>
-              <a:t> du </a:t>
-            </a:r>
-            <a:r>
-              <a:rPr lang="en-US" baseline="0" dirty="0" err="1" smtClean="0"/>
-              <a:t>inloggad</a:t>
-            </a:r>
-            <a:r>
-              <a:rPr lang="en-US" baseline="0" dirty="0" smtClean="0"/>
-              <a:t> med </a:t>
-            </a:r>
-            <a:r>
-              <a:rPr lang="en-US" baseline="0" dirty="0" err="1" smtClean="0"/>
-              <a:t>ditt</a:t>
-            </a:r>
-            <a:r>
-              <a:rPr lang="en-US" baseline="0" dirty="0" smtClean="0"/>
-              <a:t> </a:t>
-            </a:r>
-            <a:r>
-              <a:rPr lang="en-US" baseline="0" dirty="0" err="1" smtClean="0"/>
-              <a:t>användarnamn</a:t>
-            </a:r>
-            <a:r>
-              <a:rPr lang="en-US" baseline="0" dirty="0" smtClean="0"/>
-              <a:t> </a:t>
-            </a:r>
-            <a:r>
-              <a:rPr lang="en-US" baseline="0" dirty="0" err="1" smtClean="0"/>
+              <a:rPr lang="en-US" dirty="0" smtClean="0"/>
+              <a:t> </a:t>
+            </a:r>
+            <a:r>
+              <a:rPr lang="en-US" dirty="0" err="1" smtClean="0"/>
+              <a:t>både</a:t>
+            </a:r>
+            <a:r>
+              <a:rPr lang="en-US" dirty="0" smtClean="0"/>
+              <a:t> back-end </a:t>
+            </a:r>
+            <a:r>
+              <a:rPr lang="en-US" dirty="0" err="1" smtClean="0"/>
+              <a:t>och</a:t>
+            </a:r>
+            <a:r>
+              <a:rPr lang="en-US" dirty="0" smtClean="0"/>
+              <a:t> front-end </a:t>
+            </a:r>
+            <a:r>
+              <a:rPr lang="en-US" dirty="0" err="1" smtClean="0"/>
+              <a:t>av</a:t>
+            </a:r>
+            <a:r>
+              <a:rPr lang="en-US" dirty="0" smtClean="0"/>
+              <a:t> </a:t>
+            </a:r>
+            <a:r>
+              <a:rPr lang="en-US" dirty="0" err="1" smtClean="0"/>
+              <a:t>tredjeparts-lösningen</a:t>
+            </a:r>
+            <a:r>
+              <a:rPr lang="en-US" dirty="0" smtClean="0"/>
+              <a:t>.</a:t>
+            </a:r>
+          </a:p>
+          <a:p>
+            <a:r>
+              <a:rPr lang="en-US" dirty="0" smtClean="0"/>
+              <a:t>Authorization server: En roll </a:t>
+            </a:r>
+            <a:r>
+              <a:rPr lang="en-US" dirty="0" err="1" smtClean="0"/>
+              <a:t>i</a:t>
+            </a:r>
+            <a:r>
+              <a:rPr lang="en-US" dirty="0" smtClean="0"/>
+              <a:t> </a:t>
+            </a:r>
+            <a:r>
+              <a:rPr lang="en-US" dirty="0" err="1" smtClean="0"/>
+              <a:t>OAuth</a:t>
+            </a:r>
+            <a:r>
+              <a:rPr lang="en-US" dirty="0" smtClean="0"/>
+              <a:t> 2.0 </a:t>
+            </a:r>
+            <a:r>
+              <a:rPr lang="en-US" dirty="0" err="1" smtClean="0"/>
+              <a:t>specifikationen</a:t>
+            </a:r>
+            <a:r>
+              <a:rPr lang="en-US" dirty="0" smtClean="0"/>
+              <a:t> </a:t>
+            </a:r>
+            <a:r>
+              <a:rPr lang="en-US" dirty="0" err="1" smtClean="0"/>
+              <a:t>som</a:t>
+            </a:r>
+            <a:r>
+              <a:rPr lang="en-US" dirty="0" smtClean="0"/>
+              <a:t> </a:t>
+            </a:r>
+            <a:r>
+              <a:rPr lang="en-US" dirty="0" err="1" smtClean="0"/>
+              <a:t>pekar</a:t>
+            </a:r>
+            <a:r>
+              <a:rPr lang="en-US" dirty="0" smtClean="0"/>
+              <a:t> </a:t>
+            </a:r>
+            <a:r>
+              <a:rPr lang="en-US" dirty="0" err="1" smtClean="0"/>
+              <a:t>ut</a:t>
+            </a:r>
+            <a:r>
+              <a:rPr lang="en-US" dirty="0" smtClean="0"/>
+              <a:t> den del </a:t>
+            </a:r>
+            <a:r>
+              <a:rPr lang="en-US" dirty="0" err="1" smtClean="0"/>
+              <a:t>som</a:t>
+            </a:r>
+            <a:r>
+              <a:rPr lang="en-US" dirty="0" smtClean="0"/>
+              <a:t> </a:t>
+            </a:r>
+            <a:r>
+              <a:rPr lang="en-US" dirty="0" err="1" smtClean="0"/>
+              <a:t>är</a:t>
+            </a:r>
+            <a:r>
+              <a:rPr lang="en-US" dirty="0" smtClean="0"/>
+              <a:t> </a:t>
+            </a:r>
+            <a:r>
+              <a:rPr lang="en-US" dirty="0" err="1" smtClean="0"/>
+              <a:t>ansvarig</a:t>
+            </a:r>
+            <a:r>
+              <a:rPr lang="en-US" dirty="0" smtClean="0"/>
+              <a:t> </a:t>
+            </a:r>
+            <a:r>
+              <a:rPr lang="en-US" dirty="0" err="1" smtClean="0"/>
               <a:t>för</a:t>
             </a:r>
             <a:r>
-              <a:rPr lang="en-US" baseline="0" dirty="0" smtClean="0"/>
-              <a:t> just den </a:t>
-            </a:r>
-            <a:r>
-              <a:rPr lang="en-US" baseline="0" dirty="0" err="1" smtClean="0"/>
-              <a:t>applikationen</a:t>
-            </a:r>
-            <a:r>
-              <a:rPr lang="en-US" baseline="0" dirty="0" smtClean="0"/>
-              <a:t>, </a:t>
-            </a:r>
-            <a:r>
-              <a:rPr lang="en-US" baseline="0" dirty="0" err="1" smtClean="0"/>
-              <a:t>ett</a:t>
-            </a:r>
-            <a:r>
-              <a:rPr lang="en-US" baseline="0" dirty="0" smtClean="0"/>
-              <a:t> alias </a:t>
-            </a:r>
-            <a:r>
-              <a:rPr lang="en-US" baseline="0" smtClean="0"/>
-              <a:t>tex.</a:t>
-            </a:r>
+              <a:rPr lang="en-US" dirty="0" smtClean="0"/>
+              <a:t> </a:t>
+            </a:r>
+            <a:r>
+              <a:rPr lang="en-US" dirty="0" err="1" smtClean="0"/>
+              <a:t>auktorisationsadministration</a:t>
+            </a:r>
+            <a:r>
+              <a:rPr lang="en-US" dirty="0" smtClean="0"/>
+              <a:t>.</a:t>
+            </a:r>
+          </a:p>
+          <a:p>
+            <a:r>
+              <a:rPr lang="en-US" dirty="0" smtClean="0"/>
+              <a:t>Resource server:</a:t>
+            </a:r>
+            <a:r>
+              <a:rPr lang="en-US" baseline="0" dirty="0" smtClean="0"/>
+              <a:t> En roll </a:t>
+            </a:r>
+            <a:r>
+              <a:rPr lang="en-US" baseline="0" dirty="0" err="1" smtClean="0"/>
+              <a:t>i</a:t>
+            </a:r>
+            <a:r>
+              <a:rPr lang="en-US" baseline="0" dirty="0" smtClean="0"/>
+              <a:t> </a:t>
+            </a:r>
+            <a:r>
+              <a:rPr lang="en-US" baseline="0" dirty="0" err="1" smtClean="0"/>
+              <a:t>OAuth</a:t>
+            </a:r>
+            <a:r>
+              <a:rPr lang="en-US" baseline="0" dirty="0" smtClean="0"/>
+              <a:t> 2.0 </a:t>
+            </a:r>
+            <a:r>
+              <a:rPr lang="en-US" baseline="0" dirty="0" err="1" smtClean="0"/>
+              <a:t>specifikationen</a:t>
+            </a:r>
+            <a:r>
+              <a:rPr lang="en-US" baseline="0" dirty="0" smtClean="0"/>
+              <a:t> </a:t>
+            </a:r>
+            <a:r>
+              <a:rPr lang="en-US" baseline="0" dirty="0" err="1" smtClean="0"/>
+              <a:t>som</a:t>
+            </a:r>
+            <a:r>
+              <a:rPr lang="en-US" baseline="0" dirty="0" smtClean="0"/>
+              <a:t> </a:t>
+            </a:r>
+            <a:r>
+              <a:rPr lang="en-US" baseline="0" dirty="0" err="1" smtClean="0"/>
+              <a:t>pekar</a:t>
+            </a:r>
+            <a:r>
+              <a:rPr lang="en-US" baseline="0" dirty="0" smtClean="0"/>
+              <a:t> </a:t>
+            </a:r>
+            <a:r>
+              <a:rPr lang="en-US" baseline="0" dirty="0" err="1" smtClean="0"/>
+              <a:t>ut</a:t>
+            </a:r>
+            <a:r>
+              <a:rPr lang="en-US" baseline="0" dirty="0" smtClean="0"/>
+              <a:t> den del </a:t>
+            </a:r>
+            <a:r>
+              <a:rPr lang="en-US" baseline="0" dirty="0" err="1" smtClean="0"/>
+              <a:t>som</a:t>
+            </a:r>
+            <a:r>
+              <a:rPr lang="en-US" baseline="0" dirty="0" smtClean="0"/>
+              <a:t> </a:t>
+            </a:r>
+            <a:r>
+              <a:rPr lang="en-US" baseline="0" dirty="0" err="1" smtClean="0"/>
+              <a:t>är</a:t>
+            </a:r>
+            <a:r>
+              <a:rPr lang="en-US" baseline="0" dirty="0" smtClean="0"/>
+              <a:t> </a:t>
+            </a:r>
+            <a:r>
+              <a:rPr lang="en-US" baseline="0" dirty="0" err="1" smtClean="0"/>
+              <a:t>ansvarig</a:t>
+            </a:r>
+            <a:r>
+              <a:rPr lang="en-US" baseline="0" dirty="0" smtClean="0"/>
+              <a:t> </a:t>
+            </a:r>
+            <a:r>
+              <a:rPr lang="en-US" baseline="0" dirty="0" err="1" smtClean="0"/>
+              <a:t>för</a:t>
+            </a:r>
+            <a:r>
+              <a:rPr lang="en-US" baseline="0" dirty="0" smtClean="0"/>
+              <a:t> </a:t>
+            </a:r>
+            <a:r>
+              <a:rPr lang="en-US" baseline="0" dirty="0" err="1" smtClean="0"/>
+              <a:t>resurshantering</a:t>
+            </a:r>
+            <a:r>
+              <a:rPr lang="en-US" baseline="0" dirty="0" smtClean="0"/>
+              <a:t>/</a:t>
+            </a:r>
+            <a:r>
+              <a:rPr lang="en-US" baseline="0" dirty="0" err="1" smtClean="0"/>
+              <a:t>resursutlämning</a:t>
+            </a:r>
+            <a:r>
+              <a:rPr lang="en-US" baseline="0" dirty="0" smtClean="0"/>
+              <a:t>.</a:t>
+            </a:r>
+            <a:endParaRPr lang="en-US" dirty="0" smtClean="0"/>
+          </a:p>
+          <a:p>
             <a:endParaRPr lang="en-US" dirty="0"/>
           </a:p>
         </p:txBody>
@@ -3197,7 +3043,7 @@
               <a:pPr>
                 <a:defRPr/>
               </a:pPr>
-              <a:t>13</a:t>
+              <a:t>14</a:t>
             </a:fld>
             <a:endParaRPr lang="sv-SE"/>
           </a:p>
@@ -3260,7 +3106,163 @@
           <a:bodyPr/>
           <a:lstStyle/>
           <a:p>
-            <a:endParaRPr lang="en-US" baseline="0" dirty="0" smtClean="0"/>
+            <a:r>
+              <a:rPr lang="en-US" dirty="0" smtClean="0"/>
+              <a:t>En </a:t>
+            </a:r>
+            <a:r>
+              <a:rPr lang="en-US" dirty="0" err="1" smtClean="0"/>
+              <a:t>applikation</a:t>
+            </a:r>
+            <a:r>
+              <a:rPr lang="en-US" dirty="0" smtClean="0"/>
+              <a:t>, </a:t>
+            </a:r>
+            <a:r>
+              <a:rPr lang="en-US" dirty="0" err="1" smtClean="0"/>
+              <a:t>tex</a:t>
+            </a:r>
+            <a:r>
+              <a:rPr lang="en-US" dirty="0" smtClean="0"/>
+              <a:t> </a:t>
+            </a:r>
+            <a:r>
+              <a:rPr lang="en-US" dirty="0" err="1" smtClean="0"/>
+              <a:t>Runkeeper</a:t>
+            </a:r>
+            <a:r>
+              <a:rPr lang="en-US" dirty="0" smtClean="0"/>
+              <a:t>, </a:t>
+            </a:r>
+            <a:r>
+              <a:rPr lang="en-US" dirty="0" err="1" smtClean="0"/>
+              <a:t>som</a:t>
+            </a:r>
+            <a:r>
+              <a:rPr lang="en-US" dirty="0" smtClean="0"/>
+              <a:t> du </a:t>
+            </a:r>
+            <a:r>
+              <a:rPr lang="en-US" dirty="0" err="1" smtClean="0"/>
+              <a:t>lagt</a:t>
+            </a:r>
+            <a:r>
+              <a:rPr lang="en-US" dirty="0" smtClean="0"/>
+              <a:t> till </a:t>
+            </a:r>
+            <a:r>
+              <a:rPr lang="en-US" dirty="0" err="1" smtClean="0"/>
+              <a:t>nyligen</a:t>
+            </a:r>
+            <a:r>
+              <a:rPr lang="en-US" dirty="0" smtClean="0"/>
+              <a:t> </a:t>
+            </a:r>
+            <a:r>
+              <a:rPr lang="en-US" dirty="0" err="1" smtClean="0"/>
+              <a:t>vill</a:t>
+            </a:r>
+            <a:r>
+              <a:rPr lang="en-US" dirty="0" smtClean="0"/>
+              <a:t> </a:t>
+            </a:r>
+            <a:r>
+              <a:rPr lang="en-US" dirty="0" err="1" smtClean="0"/>
+              <a:t>komma</a:t>
+            </a:r>
+            <a:r>
+              <a:rPr lang="en-US" dirty="0" smtClean="0"/>
+              <a:t> </a:t>
+            </a:r>
+            <a:r>
+              <a:rPr lang="en-US" dirty="0" err="1" smtClean="0"/>
+              <a:t>åt</a:t>
+            </a:r>
+            <a:r>
+              <a:rPr lang="en-US" dirty="0" smtClean="0"/>
+              <a:t> information</a:t>
+            </a:r>
+            <a:r>
+              <a:rPr lang="en-US" baseline="0" dirty="0" smtClean="0"/>
+              <a:t> </a:t>
+            </a:r>
+            <a:r>
+              <a:rPr lang="en-US" baseline="0" dirty="0" err="1" smtClean="0"/>
+              <a:t>om</a:t>
+            </a:r>
+            <a:r>
+              <a:rPr lang="en-US" baseline="0" dirty="0" smtClean="0"/>
+              <a:t> dig. I </a:t>
+            </a:r>
+            <a:r>
+              <a:rPr lang="en-US" baseline="0" dirty="0" err="1" smtClean="0"/>
+              <a:t>applikationen</a:t>
+            </a:r>
+            <a:r>
+              <a:rPr lang="en-US" baseline="0" dirty="0" smtClean="0"/>
+              <a:t> </a:t>
+            </a:r>
+            <a:r>
+              <a:rPr lang="en-US" baseline="0" dirty="0" err="1" smtClean="0"/>
+              <a:t>är</a:t>
+            </a:r>
+            <a:r>
+              <a:rPr lang="en-US" baseline="0" dirty="0" smtClean="0"/>
+              <a:t> du </a:t>
+            </a:r>
+            <a:r>
+              <a:rPr lang="en-US" baseline="0" dirty="0" err="1" smtClean="0"/>
+              <a:t>inloggad</a:t>
+            </a:r>
+            <a:r>
+              <a:rPr lang="en-US" baseline="0" dirty="0" smtClean="0"/>
+              <a:t> med </a:t>
+            </a:r>
+            <a:r>
+              <a:rPr lang="en-US" baseline="0" dirty="0" err="1" smtClean="0"/>
+              <a:t>ditt</a:t>
+            </a:r>
+            <a:r>
+              <a:rPr lang="en-US" baseline="0" dirty="0" smtClean="0"/>
+              <a:t> </a:t>
+            </a:r>
+            <a:r>
+              <a:rPr lang="en-US" baseline="0" dirty="0" err="1" smtClean="0"/>
+              <a:t>användarnamn</a:t>
+            </a:r>
+            <a:r>
+              <a:rPr lang="en-US" baseline="0" dirty="0" smtClean="0"/>
+              <a:t> </a:t>
+            </a:r>
+            <a:r>
+              <a:rPr lang="en-US" baseline="0" dirty="0" err="1" smtClean="0"/>
+              <a:t>för</a:t>
+            </a:r>
+            <a:r>
+              <a:rPr lang="en-US" baseline="0" dirty="0" smtClean="0"/>
+              <a:t> just den </a:t>
+            </a:r>
+            <a:r>
+              <a:rPr lang="en-US" baseline="0" dirty="0" err="1" smtClean="0"/>
+              <a:t>applikationen</a:t>
+            </a:r>
+            <a:r>
+              <a:rPr lang="en-US" baseline="0" dirty="0" smtClean="0"/>
+              <a:t>, </a:t>
+            </a:r>
+            <a:r>
+              <a:rPr lang="en-US" baseline="0" dirty="0" err="1" smtClean="0"/>
+              <a:t>ett</a:t>
+            </a:r>
+            <a:r>
+              <a:rPr lang="en-US" baseline="0" dirty="0" smtClean="0"/>
+              <a:t> alias </a:t>
+            </a:r>
+            <a:r>
+              <a:rPr lang="en-US" baseline="0" dirty="0" err="1" smtClean="0"/>
+              <a:t>tex.</a:t>
+            </a:r>
+            <a:endParaRPr lang="en-US" dirty="0"/>
           </a:p>
         </p:txBody>
       </p:sp>
@@ -3287,7 +3289,7 @@
               <a:pPr>
                 <a:defRPr/>
               </a:pPr>
-              <a:t>14</a:t>
+              <a:t>15</a:t>
             </a:fld>
             <a:endParaRPr lang="sv-SE"/>
           </a:p>
@@ -3296,7 +3298,7 @@
     </p:spTree>
     <p:extLst>
       <p:ext uri="{BB962C8B-B14F-4D97-AF65-F5344CB8AC3E}">
-        <p14:creationId xmlns:p14="http://schemas.microsoft.com/office/powerpoint/2010/main" val="422046913"/>
+        <p14:creationId xmlns:p14="http://schemas.microsoft.com/office/powerpoint/2010/main" val="698192533"/>
       </p:ext>
     </p:extLst>
   </p:cSld>
@@ -7391,14 +7393,12 @@
         </p:nvSpPr>
         <p:spPr/>
         <p:txBody>
-          <a:bodyPr>
-            <a:normAutofit fontScale="90000"/>
-          </a:bodyPr>
+          <a:bodyPr/>
           <a:lstStyle/>
           <a:p>
             <a:r>
               <a:rPr lang="en-US" dirty="0" smtClean="0"/>
-              <a:t>API’s for patient related information</a:t>
+              <a:t>HTTP overview</a:t>
             </a:r>
             <a:endParaRPr lang="en-US" dirty="0"/>
           </a:p>
@@ -7423,7 +7423,7 @@
           <a:p>
             <a:r>
               <a:rPr lang="en-US" dirty="0" smtClean="0"/>
-              <a:t>Introduction</a:t>
+              <a:t>Exercise 1</a:t>
             </a:r>
             <a:endParaRPr lang="en-US" dirty="0"/>
           </a:p>
@@ -7444,84 +7444,18 @@
           <a:bodyPr/>
           <a:lstStyle/>
           <a:p>
-            <a:r>
-              <a:rPr lang="en-US" sz="1800" dirty="0" smtClean="0"/>
-              <a:t>As opposed to the public API’s, not open data API’s</a:t>
-            </a:r>
-          </a:p>
-          <a:p>
-            <a:r>
-              <a:rPr lang="en-US" sz="1800" dirty="0" smtClean="0"/>
-              <a:t>Strong authentication of citizens</a:t>
-            </a:r>
-          </a:p>
-          <a:p>
-            <a:pPr lvl="1"/>
-            <a:r>
-              <a:rPr lang="en-US" sz="1800" dirty="0" smtClean="0"/>
-              <a:t>Demand from </a:t>
-            </a:r>
-            <a:r>
-              <a:rPr lang="en-US" sz="1800" dirty="0" err="1" smtClean="0"/>
-              <a:t>Datainspektionen</a:t>
-            </a:r>
-            <a:endParaRPr lang="en-US" sz="1800" dirty="0" smtClean="0"/>
-          </a:p>
-          <a:p>
-            <a:pPr lvl="1"/>
-            <a:r>
-              <a:rPr lang="en-US" sz="1800" dirty="0" smtClean="0"/>
-              <a:t>2 factor</a:t>
-            </a:r>
-          </a:p>
-          <a:p>
-            <a:r>
-              <a:rPr lang="en-US" sz="1800" dirty="0" smtClean="0"/>
-              <a:t>Strong authentication of API clients</a:t>
-            </a:r>
-          </a:p>
-          <a:p>
-            <a:pPr lvl="1"/>
-            <a:r>
-              <a:rPr lang="en-US" sz="1800" dirty="0" smtClean="0"/>
-              <a:t>SSL/TLS </a:t>
-            </a:r>
-            <a:r>
-              <a:rPr lang="en-US" sz="1800" dirty="0" smtClean="0"/>
-              <a:t>certificate issued by trusted CA</a:t>
-            </a:r>
-            <a:endParaRPr lang="en-US" sz="1800" dirty="0" smtClean="0"/>
-          </a:p>
-          <a:p>
-            <a:pPr lvl="1"/>
-            <a:r>
-              <a:rPr lang="en-US" sz="1800" dirty="0" smtClean="0"/>
-              <a:t>Mutual </a:t>
-            </a:r>
-            <a:r>
-              <a:rPr lang="en-US" sz="1800" dirty="0" err="1" smtClean="0"/>
-              <a:t>authenticaton</a:t>
-            </a:r>
-            <a:endParaRPr lang="en-US" sz="1800" dirty="0" smtClean="0"/>
-          </a:p>
-          <a:p>
-            <a:r>
-              <a:rPr lang="en-US" sz="1800" dirty="0" smtClean="0"/>
-              <a:t>Strict authorization control</a:t>
-            </a:r>
-          </a:p>
-          <a:p>
-            <a:pPr lvl="1"/>
-            <a:r>
-              <a:rPr lang="en-US" sz="1600" dirty="0" smtClean="0"/>
-              <a:t>Citizen approved </a:t>
-            </a:r>
-          </a:p>
-          <a:p>
-            <a:r>
-              <a:rPr lang="en-US" sz="1800" dirty="0" smtClean="0"/>
-              <a:t>So what’s the problem???</a:t>
-            </a:r>
+            <a:pPr marL="0" indent="0">
+              <a:buNone/>
+            </a:pPr>
+            <a:r>
+              <a:rPr lang="en-US" dirty="0" smtClean="0"/>
+              <a:t>Use Curl to make http </a:t>
+            </a:r>
+            <a:r>
+              <a:rPr lang="en-US" dirty="0" smtClean="0"/>
+              <a:t>requests against public data API</a:t>
+            </a:r>
+            <a:endParaRPr lang="en-US" dirty="0" smtClean="0"/>
           </a:p>
         </p:txBody>
       </p:sp>
@@ -7557,7 +7491,7 @@
     </p:spTree>
     <p:extLst>
       <p:ext uri="{BB962C8B-B14F-4D97-AF65-F5344CB8AC3E}">
-        <p14:creationId xmlns:p14="http://schemas.microsoft.com/office/powerpoint/2010/main" val="910791665"/>
+        <p14:creationId xmlns:p14="http://schemas.microsoft.com/office/powerpoint/2010/main" val="3805536355"/>
       </p:ext>
     </p:extLst>
   </p:cSld>
@@ -7596,12 +7530,14 @@
         </p:nvSpPr>
         <p:spPr/>
         <p:txBody>
-          <a:bodyPr/>
+          <a:bodyPr>
+            <a:normAutofit fontScale="90000"/>
+          </a:bodyPr>
           <a:lstStyle/>
           <a:p>
             <a:r>
               <a:rPr lang="en-US" dirty="0" smtClean="0"/>
-              <a:t>The problem</a:t>
+              <a:t>API’s for patient related information</a:t>
             </a:r>
             <a:endParaRPr lang="en-US" dirty="0"/>
           </a:p>
@@ -7624,6 +7560,10 @@
           </a:bodyPr>
           <a:lstStyle/>
           <a:p>
+            <a:r>
+              <a:rPr lang="en-US" dirty="0" smtClean="0"/>
+              <a:t>Introduction</a:t>
+            </a:r>
             <a:endParaRPr lang="en-US" dirty="0"/>
           </a:p>
         </p:txBody>
@@ -7638,70 +7578,89 @@
             <p:ph type="body" sz="quarter" idx="13"/>
           </p:nvPr>
         </p:nvSpPr>
-        <p:spPr>
-          <a:ln w="38100" cmpd="sng">
-            <a:solidFill>
-              <a:srgbClr val="4F81BD"/>
-            </a:solidFill>
-          </a:ln>
-        </p:spPr>
+        <p:spPr/>
         <p:txBody>
           <a:bodyPr/>
           <a:lstStyle/>
           <a:p>
-            <a:pPr marL="0" indent="0">
-              <a:buNone/>
-            </a:pPr>
             <a:r>
               <a:rPr lang="en-US" sz="1800" dirty="0" smtClean="0"/>
-              <a:t>Simple solution??</a:t>
-            </a:r>
-          </a:p>
-          <a:p>
-            <a:pPr marL="0" indent="0">
-              <a:buNone/>
-            </a:pPr>
+              <a:t>As opposed to the public API’s, not open data API’s</a:t>
+            </a:r>
+          </a:p>
+          <a:p>
             <a:r>
               <a:rPr lang="en-US" sz="1800" dirty="0" smtClean="0"/>
-              <a:t>Are you sure 20121212-1212 </a:t>
-            </a:r>
-            <a:r>
-              <a:rPr lang="sv-SE" sz="1800" dirty="0" err="1" smtClean="0"/>
-              <a:t>approves</a:t>
-            </a:r>
-            <a:r>
-              <a:rPr lang="sv-SE" sz="1800" dirty="0" smtClean="0"/>
-              <a:t> </a:t>
-            </a:r>
-            <a:r>
-              <a:rPr lang="sv-SE" sz="1800" dirty="0" err="1" smtClean="0"/>
-              <a:t>this</a:t>
-            </a:r>
+              <a:t>Strong authentication of citizens</a:t>
+            </a:r>
+          </a:p>
+          <a:p>
+            <a:pPr lvl="1"/>
             <a:r>
               <a:rPr lang="en-US" sz="1800" dirty="0" smtClean="0"/>
-              <a:t> request?</a:t>
-            </a:r>
-          </a:p>
-          <a:p>
-            <a:pPr marL="0" indent="0">
-              <a:buNone/>
-            </a:pPr>
+              <a:t>Demand from </a:t>
+            </a:r>
+            <a:r>
+              <a:rPr lang="en-US" sz="1800" dirty="0" err="1" smtClean="0"/>
+              <a:t>Datainspektionen</a:t>
+            </a:r>
+            <a:endParaRPr lang="en-US" sz="1800" dirty="0" smtClean="0"/>
+          </a:p>
+          <a:p>
+            <a:pPr lvl="1"/>
             <a:r>
               <a:rPr lang="en-US" sz="1800" dirty="0" smtClean="0"/>
-              <a:t>API must verify approval from the citizen</a:t>
-            </a:r>
-          </a:p>
-          <a:p>
-            <a:pPr marL="0" indent="0">
-              <a:buNone/>
-            </a:pPr>
+              <a:t>2 factor</a:t>
+            </a:r>
+          </a:p>
+          <a:p>
+            <a:r>
+              <a:rPr lang="en-US" sz="1800" dirty="0" smtClean="0"/>
+              <a:t>Strong authentication of API clients</a:t>
+            </a:r>
+          </a:p>
+          <a:p>
+            <a:pPr lvl="1"/>
+            <a:r>
+              <a:rPr lang="en-US" sz="1800" dirty="0" smtClean="0"/>
+              <a:t>SSL/TLS </a:t>
+            </a:r>
+            <a:r>
+              <a:rPr lang="en-US" sz="1800" dirty="0" smtClean="0"/>
+              <a:t>certificate issued by trusted CA</a:t>
+            </a:r>
             <a:endParaRPr lang="en-US" sz="1800" dirty="0" smtClean="0"/>
           </a:p>
           <a:p>
-            <a:pPr marL="0" indent="0">
-              <a:buNone/>
-            </a:pPr>
-            <a:endParaRPr lang="en-US" sz="1800" dirty="0"/>
+            <a:pPr lvl="1"/>
+            <a:r>
+              <a:rPr lang="en-US" sz="1800" dirty="0" smtClean="0"/>
+              <a:t>Mutual </a:t>
+            </a:r>
+            <a:r>
+              <a:rPr lang="en-US" sz="1800" dirty="0" err="1" smtClean="0"/>
+              <a:t>authenticaton</a:t>
+            </a:r>
+            <a:endParaRPr lang="en-US" sz="1800" dirty="0" smtClean="0"/>
+          </a:p>
+          <a:p>
+            <a:r>
+              <a:rPr lang="en-US" sz="1800" dirty="0" smtClean="0"/>
+              <a:t>Strict authorization control</a:t>
+            </a:r>
+          </a:p>
+          <a:p>
+            <a:pPr lvl="1"/>
+            <a:r>
+              <a:rPr lang="en-US" sz="1600" dirty="0" smtClean="0"/>
+              <a:t>Citizen approved </a:t>
+            </a:r>
+          </a:p>
+          <a:p>
+            <a:r>
+              <a:rPr lang="en-US" sz="1800" dirty="0" smtClean="0"/>
+              <a:t>So what’s the problem???</a:t>
+            </a:r>
           </a:p>
         </p:txBody>
       </p:sp>
@@ -7729,6 +7688,192 @@
                 <a:defRPr/>
               </a:pPr>
               <a:t>11</a:t>
+            </a:fld>
+            <a:endParaRPr lang="sv-SE"/>
+          </a:p>
+        </p:txBody>
+      </p:sp>
+    </p:spTree>
+    <p:extLst>
+      <p:ext uri="{BB962C8B-B14F-4D97-AF65-F5344CB8AC3E}">
+        <p14:creationId xmlns:p14="http://schemas.microsoft.com/office/powerpoint/2010/main" val="910791665"/>
+      </p:ext>
+    </p:extLst>
+  </p:cSld>
+  <p:clrMapOvr>
+    <a:masterClrMapping/>
+  </p:clrMapOvr>
+</p:sld>
+</file>
+
+<file path=ppt/slides/slide12.xml><?xml version="1.0" encoding="utf-8"?>
+<p:sld xmlns:a="http://schemas.openxmlformats.org/drawingml/2006/main" xmlns:r="http://schemas.openxmlformats.org/officeDocument/2006/relationships" xmlns:p="http://schemas.openxmlformats.org/presentationml/2006/main">
+  <p:cSld>
+    <p:spTree>
+      <p:nvGrpSpPr>
+        <p:cNvPr id="1" name=""/>
+        <p:cNvGrpSpPr/>
+        <p:nvPr/>
+      </p:nvGrpSpPr>
+      <p:grpSpPr>
+        <a:xfrm>
+          <a:off x="0" y="0"/>
+          <a:ext cx="0" cy="0"/>
+          <a:chOff x="0" y="0"/>
+          <a:chExt cx="0" cy="0"/>
+        </a:xfrm>
+      </p:grpSpPr>
+      <p:sp>
+        <p:nvSpPr>
+          <p:cNvPr id="2" name="Title 1"/>
+          <p:cNvSpPr>
+            <a:spLocks noGrp="1"/>
+          </p:cNvSpPr>
+          <p:nvPr>
+            <p:ph type="ctrTitle"/>
+          </p:nvPr>
+        </p:nvSpPr>
+        <p:spPr/>
+        <p:txBody>
+          <a:bodyPr>
+            <a:normAutofit fontScale="90000"/>
+          </a:bodyPr>
+          <a:lstStyle/>
+          <a:p>
+            <a:r>
+              <a:rPr lang="en-US" dirty="0"/>
+              <a:t>API’s for patient related information</a:t>
+            </a:r>
+            <a:endParaRPr lang="en-US" dirty="0"/>
+          </a:p>
+        </p:txBody>
+      </p:sp>
+      <p:sp>
+        <p:nvSpPr>
+          <p:cNvPr id="3" name="Subtitle 2"/>
+          <p:cNvSpPr>
+            <a:spLocks noGrp="1"/>
+          </p:cNvSpPr>
+          <p:nvPr>
+            <p:ph type="subTitle" idx="1"/>
+          </p:nvPr>
+        </p:nvSpPr>
+        <p:spPr/>
+        <p:txBody>
+          <a:bodyPr>
+            <a:normAutofit fontScale="92500" lnSpcReduction="10000"/>
+          </a:bodyPr>
+          <a:lstStyle/>
+          <a:p>
+            <a:r>
+              <a:rPr lang="en-US" dirty="0" smtClean="0"/>
+              <a:t>The problem</a:t>
+            </a:r>
+            <a:endParaRPr lang="en-US" dirty="0"/>
+          </a:p>
+        </p:txBody>
+      </p:sp>
+      <p:sp>
+        <p:nvSpPr>
+          <p:cNvPr id="4" name="Text Placeholder 3"/>
+          <p:cNvSpPr>
+            <a:spLocks noGrp="1"/>
+          </p:cNvSpPr>
+          <p:nvPr>
+            <p:ph type="body" sz="quarter" idx="13"/>
+          </p:nvPr>
+        </p:nvSpPr>
+        <p:spPr>
+          <a:ln w="38100" cmpd="sng">
+            <a:solidFill>
+              <a:srgbClr val="4F81BD"/>
+            </a:solidFill>
+          </a:ln>
+        </p:spPr>
+        <p:txBody>
+          <a:bodyPr/>
+          <a:lstStyle/>
+          <a:p>
+            <a:pPr marL="0" indent="0">
+              <a:buNone/>
+            </a:pPr>
+            <a:r>
+              <a:rPr lang="en-US" sz="1800" dirty="0" smtClean="0"/>
+              <a:t>Simple solution??</a:t>
+            </a:r>
+          </a:p>
+          <a:p>
+            <a:pPr marL="0" indent="0">
+              <a:buNone/>
+            </a:pPr>
+            <a:r>
+              <a:rPr lang="en-US" sz="1800" dirty="0" smtClean="0"/>
+              <a:t>Are you sure 20121212-1212 </a:t>
+            </a:r>
+            <a:r>
+              <a:rPr lang="sv-SE" sz="1800" dirty="0" err="1" smtClean="0"/>
+              <a:t>approves</a:t>
+            </a:r>
+            <a:r>
+              <a:rPr lang="sv-SE" sz="1800" dirty="0" smtClean="0"/>
+              <a:t> </a:t>
+            </a:r>
+            <a:r>
+              <a:rPr lang="sv-SE" sz="1800" dirty="0" err="1" smtClean="0"/>
+              <a:t>this</a:t>
+            </a:r>
+            <a:r>
+              <a:rPr lang="en-US" sz="1800" dirty="0" smtClean="0"/>
+              <a:t> request?</a:t>
+            </a:r>
+          </a:p>
+          <a:p>
+            <a:pPr marL="0" indent="0">
+              <a:buNone/>
+            </a:pPr>
+            <a:r>
+              <a:rPr lang="en-US" sz="1800" dirty="0" smtClean="0"/>
+              <a:t>API must verify approval from the citizen</a:t>
+            </a:r>
+          </a:p>
+          <a:p>
+            <a:pPr marL="0" indent="0">
+              <a:buNone/>
+            </a:pPr>
+            <a:endParaRPr lang="en-US" sz="1800" dirty="0" smtClean="0"/>
+          </a:p>
+          <a:p>
+            <a:pPr marL="0" indent="0">
+              <a:buNone/>
+            </a:pPr>
+            <a:endParaRPr lang="en-US" sz="1800" dirty="0"/>
+          </a:p>
+        </p:txBody>
+      </p:sp>
+      <p:sp>
+        <p:nvSpPr>
+          <p:cNvPr id="5" name="Slide Number Placeholder 4"/>
+          <p:cNvSpPr>
+            <a:spLocks noGrp="1"/>
+          </p:cNvSpPr>
+          <p:nvPr>
+            <p:ph type="sldNum" sz="quarter" idx="14"/>
+          </p:nvPr>
+        </p:nvSpPr>
+        <p:spPr/>
+        <p:txBody>
+          <a:bodyPr/>
+          <a:lstStyle/>
+          <a:p>
+            <a:pPr>
+              <a:defRPr/>
+            </a:pPr>
+            <a:fld id="{4AA01602-B999-AA4E-80A6-B21CED3A9C3C}" type="slidenum">
+              <a:rPr lang="sv-SE" smtClean="0"/>
+              <a:pPr>
+                <a:defRPr/>
+              </a:pPr>
+              <a:t>12</a:t>
             </a:fld>
             <a:endParaRPr lang="sv-SE"/>
           </a:p>
@@ -7951,179 +8096,6 @@
           </a:p>
         </p:txBody>
       </p:sp>
-      <p:grpSp>
-        <p:nvGrpSpPr>
-          <p:cNvPr id="36" name="Group 35"/>
-          <p:cNvGrpSpPr/>
-          <p:nvPr/>
-        </p:nvGrpSpPr>
-        <p:grpSpPr>
-          <a:xfrm>
-            <a:off x="3640670" y="4055538"/>
-            <a:ext cx="626532" cy="1141084"/>
-            <a:chOff x="2963334" y="2931387"/>
-            <a:chExt cx="626532" cy="1141084"/>
-          </a:xfrm>
-        </p:grpSpPr>
-        <p:cxnSp>
-          <p:nvCxnSpPr>
-            <p:cNvPr id="24" name="Straight Connector 23"/>
-            <p:cNvCxnSpPr/>
-            <p:nvPr/>
-          </p:nvCxnSpPr>
-          <p:spPr>
-            <a:xfrm>
-              <a:off x="3268133" y="3354725"/>
-              <a:ext cx="0" cy="438346"/>
-            </a:xfrm>
-            <a:prstGeom prst="line">
-              <a:avLst/>
-            </a:prstGeom>
-          </p:spPr>
-          <p:style>
-            <a:lnRef idx="2">
-              <a:schemeClr val="accent1"/>
-            </a:lnRef>
-            <a:fillRef idx="0">
-              <a:schemeClr val="accent1"/>
-            </a:fillRef>
-            <a:effectRef idx="1">
-              <a:schemeClr val="accent1"/>
-            </a:effectRef>
-            <a:fontRef idx="minor">
-              <a:schemeClr val="tx1"/>
-            </a:fontRef>
-          </p:style>
-        </p:cxnSp>
-        <p:cxnSp>
-          <p:nvCxnSpPr>
-            <p:cNvPr id="25" name="Straight Connector 24"/>
-            <p:cNvCxnSpPr/>
-            <p:nvPr/>
-          </p:nvCxnSpPr>
-          <p:spPr>
-            <a:xfrm>
-              <a:off x="3268133" y="3786525"/>
-              <a:ext cx="220133" cy="285946"/>
-            </a:xfrm>
-            <a:prstGeom prst="line">
-              <a:avLst/>
-            </a:prstGeom>
-          </p:spPr>
-          <p:style>
-            <a:lnRef idx="2">
-              <a:schemeClr val="accent1"/>
-            </a:lnRef>
-            <a:fillRef idx="0">
-              <a:schemeClr val="accent1"/>
-            </a:fillRef>
-            <a:effectRef idx="1">
-              <a:schemeClr val="accent1"/>
-            </a:effectRef>
-            <a:fontRef idx="minor">
-              <a:schemeClr val="tx1"/>
-            </a:fontRef>
-          </p:style>
-        </p:cxnSp>
-        <p:cxnSp>
-          <p:nvCxnSpPr>
-            <p:cNvPr id="27" name="Straight Connector 26"/>
-            <p:cNvCxnSpPr/>
-            <p:nvPr/>
-          </p:nvCxnSpPr>
-          <p:spPr>
-            <a:xfrm flipV="1">
-              <a:off x="3064933" y="3793071"/>
-              <a:ext cx="203200" cy="237068"/>
-            </a:xfrm>
-            <a:prstGeom prst="line">
-              <a:avLst/>
-            </a:prstGeom>
-          </p:spPr>
-          <p:style>
-            <a:lnRef idx="2">
-              <a:schemeClr val="accent1"/>
-            </a:lnRef>
-            <a:fillRef idx="0">
-              <a:schemeClr val="accent1"/>
-            </a:fillRef>
-            <a:effectRef idx="1">
-              <a:schemeClr val="accent1"/>
-            </a:effectRef>
-            <a:fontRef idx="minor">
-              <a:schemeClr val="tx1"/>
-            </a:fontRef>
-          </p:style>
-        </p:cxnSp>
-        <p:cxnSp>
-          <p:nvCxnSpPr>
-            <p:cNvPr id="30" name="Straight Connector 29"/>
-            <p:cNvCxnSpPr/>
-            <p:nvPr/>
-          </p:nvCxnSpPr>
-          <p:spPr>
-            <a:xfrm flipH="1" flipV="1">
-              <a:off x="2963334" y="3354725"/>
-              <a:ext cx="626532" cy="397932"/>
-            </a:xfrm>
-            <a:prstGeom prst="line">
-              <a:avLst/>
-            </a:prstGeom>
-          </p:spPr>
-          <p:style>
-            <a:lnRef idx="2">
-              <a:schemeClr val="accent1"/>
-            </a:lnRef>
-            <a:fillRef idx="0">
-              <a:schemeClr val="accent1"/>
-            </a:fillRef>
-            <a:effectRef idx="1">
-              <a:schemeClr val="accent1"/>
-            </a:effectRef>
-            <a:fontRef idx="minor">
-              <a:schemeClr val="tx1"/>
-            </a:fontRef>
-          </p:style>
-        </p:cxnSp>
-        <p:sp>
-          <p:nvSpPr>
-            <p:cNvPr id="34" name="Oval 33"/>
-            <p:cNvSpPr/>
-            <p:nvPr/>
-          </p:nvSpPr>
-          <p:spPr>
-            <a:xfrm>
-              <a:off x="3064933" y="2931387"/>
-              <a:ext cx="423333" cy="406400"/>
-            </a:xfrm>
-            <a:prstGeom prst="ellipse">
-              <a:avLst/>
-            </a:prstGeom>
-          </p:spPr>
-          <p:style>
-            <a:lnRef idx="1">
-              <a:schemeClr val="accent1"/>
-            </a:lnRef>
-            <a:fillRef idx="3">
-              <a:schemeClr val="accent1"/>
-            </a:fillRef>
-            <a:effectRef idx="2">
-              <a:schemeClr val="accent1"/>
-            </a:effectRef>
-            <a:fontRef idx="minor">
-              <a:schemeClr val="lt1"/>
-            </a:fontRef>
-          </p:style>
-          <p:txBody>
-            <a:bodyPr rtlCol="0" anchor="ctr"/>
-            <a:lstStyle/>
-            <a:p>
-              <a:pPr algn="ctr"/>
-              <a:endParaRPr lang="en-US"/>
-            </a:p>
-          </p:txBody>
-        </p:sp>
-      </p:grpSp>
       <p:sp>
         <p:nvSpPr>
           <p:cNvPr id="43" name="Oval Callout 42"/>
@@ -8132,7 +8104,7 @@
         </p:nvSpPr>
         <p:spPr>
           <a:xfrm>
-            <a:off x="3945469" y="3170218"/>
+            <a:off x="3767669" y="3005672"/>
             <a:ext cx="1439334" cy="668864"/>
           </a:xfrm>
           <a:prstGeom prst="wedgeEllipseCallout">
@@ -8169,6 +8141,36 @@
           </a:p>
         </p:txBody>
       </p:sp>
+      <p:pic>
+        <p:nvPicPr>
+          <p:cNvPr id="19" name="Picture 18" descr="owner.gif"/>
+          <p:cNvPicPr>
+            <a:picLocks noChangeAspect="1"/>
+          </p:cNvPicPr>
+          <p:nvPr/>
+        </p:nvPicPr>
+        <p:blipFill>
+          <a:blip r:embed="rId3">
+            <a:extLst>
+              <a:ext uri="{28A0092B-C50C-407E-A947-70E740481C1C}">
+                <a14:useLocalDpi xmlns:a14="http://schemas.microsoft.com/office/drawing/2010/main" val="0"/>
+              </a:ext>
+            </a:extLst>
+          </a:blip>
+          <a:stretch>
+            <a:fillRect/>
+          </a:stretch>
+        </p:blipFill>
+        <p:spPr>
+          <a:xfrm>
+            <a:off x="3364030" y="3839082"/>
+            <a:ext cx="581439" cy="1678493"/>
+          </a:xfrm>
+          <a:prstGeom prst="rect">
+            <a:avLst/>
+          </a:prstGeom>
+        </p:spPr>
+      </p:pic>
     </p:spTree>
     <p:extLst>
       <p:ext uri="{BB962C8B-B14F-4D97-AF65-F5344CB8AC3E}">
@@ -8189,7 +8191,7 @@
 </p:sld>
 </file>
 
-<file path=ppt/slides/slide12.xml><?xml version="1.0" encoding="utf-8"?>
+<file path=ppt/slides/slide13.xml><?xml version="1.0" encoding="utf-8"?>
 <p:sld xmlns:a="http://schemas.openxmlformats.org/drawingml/2006/main" xmlns:r="http://schemas.openxmlformats.org/officeDocument/2006/relationships" xmlns:p="http://schemas.openxmlformats.org/presentationml/2006/main">
   <p:cSld>
     <p:spTree>
@@ -8218,16 +8220,14 @@
         </p:nvSpPr>
         <p:spPr/>
         <p:txBody>
-          <a:bodyPr/>
+          <a:bodyPr>
+            <a:normAutofit fontScale="90000"/>
+          </a:bodyPr>
           <a:lstStyle/>
           <a:p>
             <a:r>
-              <a:rPr lang="en-US" dirty="0" err="1" smtClean="0"/>
-              <a:t>OAuth</a:t>
-            </a:r>
-            <a:r>
               <a:rPr lang="en-US" dirty="0" smtClean="0"/>
-              <a:t> 2.0</a:t>
+              <a:t>API’s for patient related information</a:t>
             </a:r>
             <a:endParaRPr lang="en-US" dirty="0"/>
           </a:p>
@@ -8251,8 +8251,12 @@
           <a:lstStyle/>
           <a:p>
             <a:r>
+              <a:rPr lang="en-US" dirty="0" err="1" smtClean="0"/>
+              <a:t>OAuth</a:t>
+            </a:r>
+            <a:r>
               <a:rPr lang="en-US" dirty="0" smtClean="0"/>
-              <a:t>Roles</a:t>
+              <a:t> 2.0</a:t>
             </a:r>
             <a:endParaRPr lang="en-US" dirty="0"/>
           </a:p>
@@ -8273,9 +8277,51 @@
           <a:bodyPr/>
           <a:lstStyle/>
           <a:p>
-            <a:pPr marL="0" indent="0">
-              <a:buNone/>
-            </a:pPr>
+            <a:r>
+              <a:rPr lang="en-US" dirty="0" err="1" smtClean="0"/>
+              <a:t>Oauth</a:t>
+            </a:r>
+            <a:r>
+              <a:rPr lang="en-US" dirty="0" smtClean="0"/>
+              <a:t> 2.0 addresses these kind of issues</a:t>
+            </a:r>
+          </a:p>
+          <a:p>
+            <a:r>
+              <a:rPr lang="en-US" dirty="0" smtClean="0"/>
+              <a:t>Possible for the citizen to be anonymous in the app</a:t>
+            </a:r>
+          </a:p>
+          <a:p>
+            <a:pPr lvl="1"/>
+            <a:r>
+              <a:rPr lang="en-US" dirty="0" smtClean="0"/>
+              <a:t>E.g. username </a:t>
+            </a:r>
+            <a:r>
+              <a:rPr lang="en-US" smtClean="0"/>
+              <a:t>kallekula</a:t>
+            </a:r>
+          </a:p>
+          <a:p>
+            <a:pPr lvl="1"/>
+            <a:r>
+              <a:rPr lang="en-US" dirty="0" smtClean="0"/>
+              <a:t>But still authenticated against MVK while authorizing the client</a:t>
+            </a:r>
+          </a:p>
+          <a:p>
+            <a:r>
+              <a:rPr lang="en-US" dirty="0" smtClean="0"/>
+              <a:t>Twitter, Facebook </a:t>
+            </a:r>
+            <a:r>
+              <a:rPr lang="en-US" dirty="0" err="1" smtClean="0"/>
+              <a:t>etc</a:t>
+            </a:r>
+            <a:endParaRPr lang="en-US" dirty="0" smtClean="0"/>
+          </a:p>
+          <a:p>
             <a:endParaRPr lang="en-US" dirty="0"/>
           </a:p>
         </p:txBody>
@@ -8303,93 +8349,153 @@
               <a:pPr>
                 <a:defRPr/>
               </a:pPr>
-              <a:t>12</a:t>
+              <a:t>13</a:t>
             </a:fld>
             <a:endParaRPr lang="sv-SE"/>
           </a:p>
         </p:txBody>
       </p:sp>
-      <p:grpSp>
-        <p:nvGrpSpPr>
-          <p:cNvPr id="16" name="Group 15"/>
-          <p:cNvGrpSpPr/>
-          <p:nvPr/>
-        </p:nvGrpSpPr>
-        <p:grpSpPr>
-          <a:xfrm>
-            <a:off x="1873394" y="3362428"/>
-            <a:ext cx="953043" cy="1301544"/>
-            <a:chOff x="975723" y="3327527"/>
-            <a:chExt cx="953043" cy="1301544"/>
-          </a:xfrm>
-        </p:grpSpPr>
-        <p:pic>
-          <p:nvPicPr>
-            <p:cNvPr id="14" name="Picture 13" descr="resource owner.gif"/>
-            <p:cNvPicPr>
-              <a:picLocks noChangeAspect="1"/>
-            </p:cNvPicPr>
-            <p:nvPr/>
-          </p:nvPicPr>
-          <p:blipFill>
-            <a:blip r:embed="rId3">
-              <a:extLst>
-                <a:ext uri="{28A0092B-C50C-407E-A947-70E740481C1C}">
-                  <a14:useLocalDpi xmlns:a14="http://schemas.microsoft.com/office/drawing/2010/main" val="0"/>
-                </a:ext>
-              </a:extLst>
-            </a:blip>
-            <a:stretch>
-              <a:fillRect/>
-            </a:stretch>
-          </p:blipFill>
-          <p:spPr>
-            <a:xfrm>
-              <a:off x="1090023" y="3327527"/>
-              <a:ext cx="618814" cy="807606"/>
-            </a:xfrm>
-            <a:prstGeom prst="rect">
-              <a:avLst/>
-            </a:prstGeom>
-          </p:spPr>
-        </p:pic>
-        <p:sp>
-          <p:nvSpPr>
-            <p:cNvPr id="15" name="TextBox 14"/>
-            <p:cNvSpPr txBox="1"/>
-            <p:nvPr/>
-          </p:nvSpPr>
-          <p:spPr>
-            <a:xfrm>
-              <a:off x="975723" y="4105851"/>
-              <a:ext cx="953043" cy="523220"/>
-            </a:xfrm>
-            <a:prstGeom prst="rect">
-              <a:avLst/>
-            </a:prstGeom>
-            <a:noFill/>
-          </p:spPr>
-          <p:txBody>
-            <a:bodyPr wrap="none" rtlCol="0">
-              <a:spAutoFit/>
-            </a:bodyPr>
-            <a:lstStyle/>
-            <a:p>
-              <a:r>
-                <a:rPr lang="en-US" sz="1400" dirty="0" smtClean="0"/>
-                <a:t>Resource </a:t>
-              </a:r>
-            </a:p>
-            <a:p>
-              <a:r>
-                <a:rPr lang="en-US" sz="1400" dirty="0" smtClean="0"/>
-                <a:t>Owner </a:t>
-              </a:r>
-              <a:endParaRPr lang="en-US" sz="1400" dirty="0"/>
-            </a:p>
-          </p:txBody>
-        </p:sp>
-      </p:grpSp>
+    </p:spTree>
+    <p:extLst>
+      <p:ext uri="{BB962C8B-B14F-4D97-AF65-F5344CB8AC3E}">
+        <p14:creationId xmlns:p14="http://schemas.microsoft.com/office/powerpoint/2010/main" val="25701892"/>
+      </p:ext>
+    </p:extLst>
+  </p:cSld>
+  <p:clrMapOvr>
+    <a:masterClrMapping/>
+  </p:clrMapOvr>
+  <p:timing>
+    <p:tnLst>
+      <p:par>
+        <p:cTn xmlns:p14="http://schemas.microsoft.com/office/powerpoint/2010/main" id="1" dur="indefinite" restart="never" nodeType="tmRoot"/>
+      </p:par>
+    </p:tnLst>
+  </p:timing>
+</p:sld>
+</file>
+
+<file path=ppt/slides/slide14.xml><?xml version="1.0" encoding="utf-8"?>
+<p:sld xmlns:a="http://schemas.openxmlformats.org/drawingml/2006/main" xmlns:r="http://schemas.openxmlformats.org/officeDocument/2006/relationships" xmlns:p="http://schemas.openxmlformats.org/presentationml/2006/main">
+  <p:cSld>
+    <p:spTree>
+      <p:nvGrpSpPr>
+        <p:cNvPr id="1" name=""/>
+        <p:cNvGrpSpPr/>
+        <p:nvPr/>
+      </p:nvGrpSpPr>
+      <p:grpSpPr>
+        <a:xfrm>
+          <a:off x="0" y="0"/>
+          <a:ext cx="0" cy="0"/>
+          <a:chOff x="0" y="0"/>
+          <a:chExt cx="0" cy="0"/>
+        </a:xfrm>
+      </p:grpSpPr>
+      <p:sp>
+        <p:nvSpPr>
+          <p:cNvPr id="2" name="Title 1"/>
+          <p:cNvSpPr>
+            <a:spLocks noGrp="1"/>
+          </p:cNvSpPr>
+          <p:nvPr>
+            <p:ph type="ctrTitle"/>
+          </p:nvPr>
+        </p:nvSpPr>
+        <p:spPr/>
+        <p:txBody>
+          <a:bodyPr>
+            <a:normAutofit fontScale="90000"/>
+          </a:bodyPr>
+          <a:lstStyle/>
+          <a:p>
+            <a:r>
+              <a:rPr lang="en-US" dirty="0"/>
+              <a:t>API’s for patient related information</a:t>
+            </a:r>
+          </a:p>
+        </p:txBody>
+      </p:sp>
+      <p:sp>
+        <p:nvSpPr>
+          <p:cNvPr id="3" name="Subtitle 2"/>
+          <p:cNvSpPr>
+            <a:spLocks noGrp="1"/>
+          </p:cNvSpPr>
+          <p:nvPr>
+            <p:ph type="subTitle" idx="1"/>
+          </p:nvPr>
+        </p:nvSpPr>
+        <p:spPr/>
+        <p:txBody>
+          <a:bodyPr>
+            <a:normAutofit fontScale="92500" lnSpcReduction="10000"/>
+          </a:bodyPr>
+          <a:lstStyle/>
+          <a:p>
+            <a:r>
+              <a:rPr lang="en-US" dirty="0" err="1" smtClean="0"/>
+              <a:t>OAuth</a:t>
+            </a:r>
+            <a:r>
+              <a:rPr lang="en-US" dirty="0" smtClean="0"/>
+              <a:t> 2.0 Roles</a:t>
+            </a:r>
+            <a:endParaRPr lang="en-US" dirty="0"/>
+          </a:p>
+        </p:txBody>
+      </p:sp>
+      <p:sp>
+        <p:nvSpPr>
+          <p:cNvPr id="4" name="Text Placeholder 3"/>
+          <p:cNvSpPr>
+            <a:spLocks noGrp="1"/>
+          </p:cNvSpPr>
+          <p:nvPr>
+            <p:ph type="body" sz="quarter" idx="13"/>
+          </p:nvPr>
+        </p:nvSpPr>
+        <p:spPr/>
+        <p:txBody>
+          <a:bodyPr/>
+          <a:lstStyle/>
+          <a:p>
+            <a:pPr marL="0" indent="0">
+              <a:buNone/>
+            </a:pPr>
+            <a:endParaRPr lang="en-US" dirty="0"/>
+          </a:p>
+        </p:txBody>
+      </p:sp>
+      <p:sp>
+        <p:nvSpPr>
+          <p:cNvPr id="5" name="Slide Number Placeholder 4"/>
+          <p:cNvSpPr>
+            <a:spLocks noGrp="1"/>
+          </p:cNvSpPr>
+          <p:nvPr>
+            <p:ph type="sldNum" sz="quarter" idx="14"/>
+          </p:nvPr>
+        </p:nvSpPr>
+        <p:spPr/>
+        <p:txBody>
+          <a:bodyPr/>
+          <a:lstStyle/>
+          <a:p>
+            <a:pPr>
+              <a:defRPr/>
+            </a:pPr>
+            <a:fld id="{4AA01602-B999-AA4E-80A6-B21CED3A9C3C}" type="slidenum">
+              <a:rPr lang="sv-SE" smtClean="0"/>
+              <a:pPr>
+                <a:defRPr/>
+              </a:pPr>
+              <a:t>14</a:t>
+            </a:fld>
+            <a:endParaRPr lang="sv-SE"/>
+          </a:p>
+        </p:txBody>
+      </p:sp>
       <p:grpSp>
         <p:nvGrpSpPr>
           <p:cNvPr id="23" name="Group 22"/>
@@ -8413,7 +8519,7 @@
             <p:nvPr/>
           </p:nvPicPr>
           <p:blipFill>
-            <a:blip r:embed="rId4"/>
+            <a:blip r:embed="rId3"/>
             <a:stretch>
               <a:fillRect/>
             </a:stretch>
@@ -8490,7 +8596,7 @@
             <p:nvPr/>
           </p:nvPicPr>
           <p:blipFill>
-            <a:blip r:embed="rId4"/>
+            <a:blip r:embed="rId3"/>
             <a:stretch>
               <a:fillRect/>
             </a:stretch>
@@ -8567,7 +8673,7 @@
             <p:nvPr/>
           </p:nvPicPr>
           <p:blipFill>
-            <a:blip r:embed="rId4"/>
+            <a:blip r:embed="rId3"/>
             <a:stretch>
               <a:fillRect/>
             </a:stretch>
@@ -8735,6 +8841,72 @@
           </a:fontRef>
         </p:style>
       </p:cxnSp>
+      <p:pic>
+        <p:nvPicPr>
+          <p:cNvPr id="37" name="Picture 36" descr="owner.gif"/>
+          <p:cNvPicPr>
+            <a:picLocks noChangeAspect="1"/>
+          </p:cNvPicPr>
+          <p:nvPr/>
+        </p:nvPicPr>
+        <p:blipFill>
+          <a:blip r:embed="rId4">
+            <a:extLst>
+              <a:ext uri="{28A0092B-C50C-407E-A947-70E740481C1C}">
+                <a14:useLocalDpi xmlns:a14="http://schemas.microsoft.com/office/drawing/2010/main" val="0"/>
+              </a:ext>
+            </a:extLst>
+          </a:blip>
+          <a:stretch>
+            <a:fillRect/>
+          </a:stretch>
+        </p:blipFill>
+        <p:spPr>
+          <a:xfrm>
+            <a:off x="1852872" y="3174301"/>
+            <a:ext cx="392415" cy="1132820"/>
+          </a:xfrm>
+          <a:prstGeom prst="rect">
+            <a:avLst/>
+          </a:prstGeom>
+        </p:spPr>
+      </p:pic>
+      <p:sp>
+        <p:nvSpPr>
+          <p:cNvPr id="38" name="TextBox 37"/>
+          <p:cNvSpPr txBox="1"/>
+          <p:nvPr/>
+        </p:nvSpPr>
+        <p:spPr>
+          <a:xfrm>
+            <a:off x="1596021" y="4230282"/>
+            <a:ext cx="953043" cy="523220"/>
+          </a:xfrm>
+          <a:prstGeom prst="rect">
+            <a:avLst/>
+          </a:prstGeom>
+          <a:noFill/>
+        </p:spPr>
+        <p:txBody>
+          <a:bodyPr wrap="none" rtlCol="0">
+            <a:spAutoFit/>
+          </a:bodyPr>
+          <a:lstStyle/>
+          <a:p>
+            <a:r>
+              <a:rPr lang="en-US" sz="1400" dirty="0" smtClean="0"/>
+              <a:t>Resource</a:t>
+            </a:r>
+          </a:p>
+          <a:p>
+            <a:r>
+              <a:rPr lang="en-US" sz="1400" dirty="0" smtClean="0"/>
+              <a:t>Owner</a:t>
+            </a:r>
+            <a:endParaRPr lang="en-US" sz="1400" dirty="0"/>
+          </a:p>
+        </p:txBody>
+      </p:sp>
     </p:spTree>
     <p:extLst>
       <p:ext uri="{BB962C8B-B14F-4D97-AF65-F5344CB8AC3E}">
@@ -8755,7 +8927,7 @@
 </p:sld>
 </file>
 
-<file path=ppt/slides/slide13.xml><?xml version="1.0" encoding="utf-8"?>
+<file path=ppt/slides/slide15.xml><?xml version="1.0" encoding="utf-8"?>
 <p:sld xmlns:a="http://schemas.openxmlformats.org/drawingml/2006/main" xmlns:r="http://schemas.openxmlformats.org/officeDocument/2006/relationships" xmlns:p="http://schemas.openxmlformats.org/presentationml/2006/main">
   <p:cSld>
     <p:spTree>
@@ -8784,18 +8956,15 @@
         </p:nvSpPr>
         <p:spPr/>
         <p:txBody>
-          <a:bodyPr/>
+          <a:bodyPr>
+            <a:normAutofit fontScale="90000"/>
+          </a:bodyPr>
           <a:lstStyle/>
           <a:p>
             <a:r>
-              <a:rPr lang="en-US" dirty="0" err="1" smtClean="0"/>
-              <a:t>OAuth</a:t>
-            </a:r>
-            <a:r>
-              <a:rPr lang="en-US" dirty="0" smtClean="0"/>
-              <a:t> 2.0</a:t>
-            </a:r>
-            <a:endParaRPr lang="en-US" dirty="0"/>
+              <a:rPr lang="en-US" dirty="0"/>
+              <a:t>API’s for patient related information</a:t>
+            </a:r>
           </a:p>
         </p:txBody>
       </p:sp>
@@ -8817,8 +8986,12 @@
           <a:lstStyle/>
           <a:p>
             <a:r>
+              <a:rPr lang="en-US" dirty="0" err="1" smtClean="0"/>
+              <a:t>OAuth</a:t>
+            </a:r>
+            <a:r>
               <a:rPr lang="en-US" dirty="0" smtClean="0"/>
-              <a:t>Authorization code flow</a:t>
+              <a:t> 2.0 Authorization code flow</a:t>
             </a:r>
             <a:endParaRPr lang="en-US" dirty="0"/>
           </a:p>
@@ -8869,7 +9042,7 @@
               <a:pPr>
                 <a:defRPr/>
               </a:pPr>
-              <a:t>13</a:t>
+              <a:t>15</a:t>
             </a:fld>
             <a:endParaRPr lang="sv-SE"/>
           </a:p>
@@ -8925,345 +9098,6 @@
 </p:sld>
 </file>
 
-<file path=ppt/slides/slide14.xml><?xml version="1.0" encoding="utf-8"?>
-<p:sld xmlns:a="http://schemas.openxmlformats.org/drawingml/2006/main" xmlns:r="http://schemas.openxmlformats.org/officeDocument/2006/relationships" xmlns:p="http://schemas.openxmlformats.org/presentationml/2006/main">
-  <p:cSld>
-    <p:spTree>
-      <p:nvGrpSpPr>
-        <p:cNvPr id="1" name=""/>
-        <p:cNvGrpSpPr/>
-        <p:nvPr/>
-      </p:nvGrpSpPr>
-      <p:grpSpPr>
-        <a:xfrm>
-          <a:off x="0" y="0"/>
-          <a:ext cx="0" cy="0"/>
-          <a:chOff x="0" y="0"/>
-          <a:chExt cx="0" cy="0"/>
-        </a:xfrm>
-      </p:grpSpPr>
-      <p:sp>
-        <p:nvSpPr>
-          <p:cNvPr id="2" name="Title 1"/>
-          <p:cNvSpPr>
-            <a:spLocks noGrp="1"/>
-          </p:cNvSpPr>
-          <p:nvPr>
-            <p:ph type="ctrTitle"/>
-          </p:nvPr>
-        </p:nvSpPr>
-        <p:spPr/>
-        <p:txBody>
-          <a:bodyPr>
-            <a:normAutofit fontScale="90000"/>
-          </a:bodyPr>
-          <a:lstStyle/>
-          <a:p>
-            <a:r>
-              <a:rPr lang="en-US" dirty="0" smtClean="0"/>
-              <a:t>API’s for patient related information</a:t>
-            </a:r>
-            <a:endParaRPr lang="en-US" dirty="0"/>
-          </a:p>
-        </p:txBody>
-      </p:sp>
-      <p:sp>
-        <p:nvSpPr>
-          <p:cNvPr id="3" name="Subtitle 2"/>
-          <p:cNvSpPr>
-            <a:spLocks noGrp="1"/>
-          </p:cNvSpPr>
-          <p:nvPr>
-            <p:ph type="subTitle" idx="1"/>
-          </p:nvPr>
-        </p:nvSpPr>
-        <p:spPr/>
-        <p:txBody>
-          <a:bodyPr>
-            <a:normAutofit fontScale="92500" lnSpcReduction="10000"/>
-          </a:bodyPr>
-          <a:lstStyle/>
-          <a:p>
-            <a:r>
-              <a:rPr lang="en-US" dirty="0" err="1" smtClean="0"/>
-              <a:t>OAuth</a:t>
-            </a:r>
-            <a:r>
-              <a:rPr lang="en-US" dirty="0" smtClean="0"/>
-              <a:t> 2.0</a:t>
-            </a:r>
-            <a:endParaRPr lang="en-US" dirty="0"/>
-          </a:p>
-        </p:txBody>
-      </p:sp>
-      <p:sp>
-        <p:nvSpPr>
-          <p:cNvPr id="4" name="Text Placeholder 3"/>
-          <p:cNvSpPr>
-            <a:spLocks noGrp="1"/>
-          </p:cNvSpPr>
-          <p:nvPr>
-            <p:ph type="body" sz="quarter" idx="13"/>
-          </p:nvPr>
-        </p:nvSpPr>
-        <p:spPr/>
-        <p:txBody>
-          <a:bodyPr/>
-          <a:lstStyle/>
-          <a:p>
-            <a:r>
-              <a:rPr lang="en-US" dirty="0" err="1" smtClean="0"/>
-              <a:t>Oauth</a:t>
-            </a:r>
-            <a:r>
-              <a:rPr lang="en-US" dirty="0" smtClean="0"/>
-              <a:t> 2.0 addresses these kind of issues</a:t>
-            </a:r>
-          </a:p>
-          <a:p>
-            <a:r>
-              <a:rPr lang="en-US" dirty="0" smtClean="0"/>
-              <a:t>Possible for the citizen to be anonymous in the app</a:t>
-            </a:r>
-          </a:p>
-          <a:p>
-            <a:pPr lvl="1"/>
-            <a:r>
-              <a:rPr lang="en-US" dirty="0" smtClean="0"/>
-              <a:t>E.g. username </a:t>
-            </a:r>
-            <a:r>
-              <a:rPr lang="en-US" smtClean="0"/>
-              <a:t>kallekula</a:t>
-            </a:r>
-          </a:p>
-          <a:p>
-            <a:pPr lvl="1"/>
-            <a:r>
-              <a:rPr lang="en-US" dirty="0" smtClean="0"/>
-              <a:t>But still authenticated against MVK while authorizing the client</a:t>
-            </a:r>
-          </a:p>
-          <a:p>
-            <a:r>
-              <a:rPr lang="en-US" dirty="0" smtClean="0"/>
-              <a:t>Twitter, Facebook </a:t>
-            </a:r>
-            <a:r>
-              <a:rPr lang="en-US" dirty="0" err="1" smtClean="0"/>
-              <a:t>etc</a:t>
-            </a:r>
-            <a:endParaRPr lang="en-US" dirty="0" smtClean="0"/>
-          </a:p>
-          <a:p>
-            <a:endParaRPr lang="en-US" dirty="0"/>
-          </a:p>
-        </p:txBody>
-      </p:sp>
-      <p:sp>
-        <p:nvSpPr>
-          <p:cNvPr id="5" name="Slide Number Placeholder 4"/>
-          <p:cNvSpPr>
-            <a:spLocks noGrp="1"/>
-          </p:cNvSpPr>
-          <p:nvPr>
-            <p:ph type="sldNum" sz="quarter" idx="14"/>
-          </p:nvPr>
-        </p:nvSpPr>
-        <p:spPr/>
-        <p:txBody>
-          <a:bodyPr/>
-          <a:lstStyle/>
-          <a:p>
-            <a:pPr>
-              <a:defRPr/>
-            </a:pPr>
-            <a:fld id="{4AA01602-B999-AA4E-80A6-B21CED3A9C3C}" type="slidenum">
-              <a:rPr lang="sv-SE" smtClean="0"/>
-              <a:pPr>
-                <a:defRPr/>
-              </a:pPr>
-              <a:t>14</a:t>
-            </a:fld>
-            <a:endParaRPr lang="sv-SE"/>
-          </a:p>
-        </p:txBody>
-      </p:sp>
-    </p:spTree>
-    <p:extLst>
-      <p:ext uri="{BB962C8B-B14F-4D97-AF65-F5344CB8AC3E}">
-        <p14:creationId xmlns:p14="http://schemas.microsoft.com/office/powerpoint/2010/main" val="25701892"/>
-      </p:ext>
-    </p:extLst>
-  </p:cSld>
-  <p:clrMapOvr>
-    <a:masterClrMapping/>
-  </p:clrMapOvr>
-  <p:timing>
-    <p:tnLst>
-      <p:par>
-        <p:cTn xmlns:p14="http://schemas.microsoft.com/office/powerpoint/2010/main" id="1" dur="indefinite" restart="never" nodeType="tmRoot"/>
-      </p:par>
-    </p:tnLst>
-  </p:timing>
-</p:sld>
-</file>
-
-<file path=ppt/slides/slide15.xml><?xml version="1.0" encoding="utf-8"?>
-<p:sld xmlns:a="http://schemas.openxmlformats.org/drawingml/2006/main" xmlns:r="http://schemas.openxmlformats.org/officeDocument/2006/relationships" xmlns:p="http://schemas.openxmlformats.org/presentationml/2006/main">
-  <p:cSld>
-    <p:spTree>
-      <p:nvGrpSpPr>
-        <p:cNvPr id="1" name=""/>
-        <p:cNvGrpSpPr/>
-        <p:nvPr/>
-      </p:nvGrpSpPr>
-      <p:grpSpPr>
-        <a:xfrm>
-          <a:off x="0" y="0"/>
-          <a:ext cx="0" cy="0"/>
-          <a:chOff x="0" y="0"/>
-          <a:chExt cx="0" cy="0"/>
-        </a:xfrm>
-      </p:grpSpPr>
-      <p:sp>
-        <p:nvSpPr>
-          <p:cNvPr id="2" name="Title 1"/>
-          <p:cNvSpPr>
-            <a:spLocks noGrp="1"/>
-          </p:cNvSpPr>
-          <p:nvPr>
-            <p:ph type="ctrTitle"/>
-          </p:nvPr>
-        </p:nvSpPr>
-        <p:spPr/>
-        <p:txBody>
-          <a:bodyPr/>
-          <a:lstStyle/>
-          <a:p>
-            <a:r>
-              <a:rPr lang="en-US" dirty="0" smtClean="0"/>
-              <a:t>Simple </a:t>
-            </a:r>
-            <a:r>
-              <a:rPr lang="en-US" dirty="0" err="1" smtClean="0"/>
-              <a:t>OAuth</a:t>
-            </a:r>
-            <a:r>
-              <a:rPr lang="en-US" dirty="0" smtClean="0"/>
-              <a:t> 2.0 API Client</a:t>
-            </a:r>
-            <a:endParaRPr lang="en-US" dirty="0"/>
-          </a:p>
-        </p:txBody>
-      </p:sp>
-      <p:sp>
-        <p:nvSpPr>
-          <p:cNvPr id="3" name="Subtitle 2"/>
-          <p:cNvSpPr>
-            <a:spLocks noGrp="1"/>
-          </p:cNvSpPr>
-          <p:nvPr>
-            <p:ph type="subTitle" idx="1"/>
-          </p:nvPr>
-        </p:nvSpPr>
-        <p:spPr/>
-        <p:txBody>
-          <a:bodyPr>
-            <a:normAutofit fontScale="92500" lnSpcReduction="10000"/>
-          </a:bodyPr>
-          <a:lstStyle/>
-          <a:p>
-            <a:r>
-              <a:rPr lang="en-US" dirty="0" smtClean="0"/>
-              <a:t>Exercise 3</a:t>
-            </a:r>
-            <a:endParaRPr lang="en-US" dirty="0"/>
-          </a:p>
-        </p:txBody>
-      </p:sp>
-      <p:sp>
-        <p:nvSpPr>
-          <p:cNvPr id="4" name="Text Placeholder 3"/>
-          <p:cNvSpPr>
-            <a:spLocks noGrp="1"/>
-          </p:cNvSpPr>
-          <p:nvPr>
-            <p:ph type="body" sz="quarter" idx="13"/>
-          </p:nvPr>
-        </p:nvSpPr>
-        <p:spPr/>
-        <p:txBody>
-          <a:bodyPr/>
-          <a:lstStyle/>
-          <a:p>
-            <a:pPr marL="0" indent="0">
-              <a:buNone/>
-            </a:pPr>
-            <a:r>
-              <a:rPr lang="en-US" dirty="0" smtClean="0"/>
-              <a:t>Get familiar with </a:t>
-            </a:r>
-            <a:r>
-              <a:rPr lang="en-US" dirty="0" err="1" smtClean="0"/>
-              <a:t>OAuth</a:t>
-            </a:r>
-            <a:r>
-              <a:rPr lang="en-US" dirty="0" smtClean="0"/>
-              <a:t> 2.0 and SDK by using a simple client letting the user authorize access.</a:t>
-            </a:r>
-          </a:p>
-        </p:txBody>
-      </p:sp>
-      <p:sp>
-        <p:nvSpPr>
-          <p:cNvPr id="5" name="Slide Number Placeholder 4"/>
-          <p:cNvSpPr>
-            <a:spLocks noGrp="1"/>
-          </p:cNvSpPr>
-          <p:nvPr>
-            <p:ph type="sldNum" sz="quarter" idx="14"/>
-          </p:nvPr>
-        </p:nvSpPr>
-        <p:spPr/>
-        <p:txBody>
-          <a:bodyPr/>
-          <a:lstStyle/>
-          <a:p>
-            <a:pPr>
-              <a:defRPr/>
-            </a:pPr>
-            <a:fld id="{4AA01602-B999-AA4E-80A6-B21CED3A9C3C}" type="slidenum">
-              <a:rPr lang="sv-SE" smtClean="0"/>
-              <a:pPr>
-                <a:defRPr/>
-              </a:pPr>
-              <a:t>15</a:t>
-            </a:fld>
-            <a:endParaRPr lang="sv-SE"/>
-          </a:p>
-        </p:txBody>
-      </p:sp>
-    </p:spTree>
-    <p:extLst>
-      <p:ext uri="{BB962C8B-B14F-4D97-AF65-F5344CB8AC3E}">
-        <p14:creationId xmlns:p14="http://schemas.microsoft.com/office/powerpoint/2010/main" val="3636441538"/>
-      </p:ext>
-    </p:extLst>
-  </p:cSld>
-  <p:clrMapOvr>
-    <a:masterClrMapping/>
-  </p:clrMapOvr>
-  <p:timing>
-    <p:tnLst>
-      <p:par>
-        <p:cTn xmlns:p14="http://schemas.microsoft.com/office/powerpoint/2010/main" id="1" dur="indefinite" restart="never" nodeType="tmRoot"/>
-      </p:par>
-    </p:tnLst>
-  </p:timing>
-</p:sld>
-</file>
-
 <file path=ppt/slides/slide16.xml><?xml version="1.0" encoding="utf-8"?>
 <p:sld xmlns:a="http://schemas.openxmlformats.org/drawingml/2006/main" xmlns:r="http://schemas.openxmlformats.org/officeDocument/2006/relationships" xmlns:p="http://schemas.openxmlformats.org/presentationml/2006/main">
   <p:cSld>
@@ -9298,7 +9132,15 @@
           <a:p>
             <a:r>
               <a:rPr lang="en-US" dirty="0" smtClean="0"/>
-              <a:t>Backend</a:t>
+              <a:t>Simple </a:t>
+            </a:r>
+            <a:r>
+              <a:rPr lang="en-US" dirty="0" err="1" smtClean="0"/>
+              <a:t>OAuth</a:t>
+            </a:r>
+            <a:r>
+              <a:rPr lang="en-US" dirty="0" smtClean="0"/>
+              <a:t> 2.0 API Client</a:t>
             </a:r>
             <a:endParaRPr lang="en-US" dirty="0"/>
           </a:p>
@@ -9323,12 +9165,9 @@
           <a:p>
             <a:r>
               <a:rPr lang="en-US" dirty="0" smtClean="0"/>
-              <a:t>Exercise </a:t>
-            </a:r>
-            <a:r>
-              <a:rPr lang="en-US" dirty="0"/>
-              <a:t>4</a:t>
-            </a:r>
+              <a:t>Exercise 3</a:t>
+            </a:r>
+            <a:endParaRPr lang="en-US" dirty="0"/>
           </a:p>
         </p:txBody>
       </p:sp>
@@ -9352,7 +9191,7 @@
             </a:pPr>
             <a:r>
               <a:rPr lang="en-US" dirty="0" smtClean="0"/>
-              <a:t>Build the app backend to handle the </a:t>
+              <a:t>Get familiar with </a:t>
             </a:r>
             <a:r>
               <a:rPr lang="en-US" dirty="0" err="1" smtClean="0"/>
@@ -9360,11 +9199,8 @@
             </a:r>
             <a:r>
               <a:rPr lang="en-US" dirty="0" smtClean="0"/>
-              <a:t> 2.0 integration with SDK and to provide an API for the app. </a:t>
-            </a:r>
-          </a:p>
-          <a:p>
-            <a:endParaRPr lang="en-US" dirty="0" smtClean="0"/>
+              <a:t> 2.0 and SDK by using a simple client letting the user authorize access.</a:t>
+            </a:r>
           </a:p>
         </p:txBody>
       </p:sp>
@@ -9400,7 +9236,7 @@
     </p:spTree>
     <p:extLst>
       <p:ext uri="{BB962C8B-B14F-4D97-AF65-F5344CB8AC3E}">
-        <p14:creationId xmlns:p14="http://schemas.microsoft.com/office/powerpoint/2010/main" val="3668199394"/>
+        <p14:creationId xmlns:p14="http://schemas.microsoft.com/office/powerpoint/2010/main" val="3636441538"/>
       </p:ext>
     </p:extLst>
   </p:cSld>
@@ -9450,8 +9286,8 @@
           <a:lstStyle/>
           <a:p>
             <a:r>
-              <a:rPr lang="en-US" dirty="0" smtClean="0"/>
-              <a:t>Frontend</a:t>
+              <a:rPr lang="en-US" dirty="0" err="1" smtClean="0"/>
+              <a:t>Kaffe</a:t>
             </a:r>
             <a:endParaRPr lang="en-US" dirty="0"/>
           </a:p>
@@ -9474,7 +9310,7 @@
           </a:bodyPr>
           <a:lstStyle/>
           <a:p>
-            <a:endParaRPr lang="en-US" dirty="0"/>
+            <a:endParaRPr lang="en-US"/>
           </a:p>
         </p:txBody>
       </p:sp>
@@ -9493,25 +9329,7 @@
           <a:bodyPr/>
           <a:lstStyle/>
           <a:p>
-            <a:pPr marL="0" indent="0">
-              <a:buNone/>
-            </a:pPr>
-            <a:r>
-              <a:rPr lang="en-US" dirty="0" smtClean="0"/>
-              <a:t>Frontend technologies</a:t>
-            </a:r>
-          </a:p>
-          <a:p>
-            <a:r>
-              <a:rPr lang="en-US" dirty="0" smtClean="0"/>
-              <a:t>What’s happening on the frontend</a:t>
-            </a:r>
-          </a:p>
-          <a:p>
-            <a:r>
-              <a:rPr lang="en-US" dirty="0" smtClean="0"/>
-              <a:t>Short intro to Backbone</a:t>
-            </a:r>
+            <a:endParaRPr lang="en-US" dirty="0"/>
           </a:p>
         </p:txBody>
       </p:sp>
@@ -9544,10 +9362,40 @@
           </a:p>
         </p:txBody>
       </p:sp>
+      <p:pic>
+        <p:nvPicPr>
+          <p:cNvPr id="6" name="Picture 5" descr="kaffe.gif"/>
+          <p:cNvPicPr>
+            <a:picLocks noChangeAspect="1"/>
+          </p:cNvPicPr>
+          <p:nvPr/>
+        </p:nvPicPr>
+        <p:blipFill>
+          <a:blip r:embed="rId2">
+            <a:extLst>
+              <a:ext uri="{28A0092B-C50C-407E-A947-70E740481C1C}">
+                <a14:useLocalDpi xmlns:a14="http://schemas.microsoft.com/office/drawing/2010/main" val="0"/>
+              </a:ext>
+            </a:extLst>
+          </a:blip>
+          <a:stretch>
+            <a:fillRect/>
+          </a:stretch>
+        </p:blipFill>
+        <p:spPr>
+          <a:xfrm>
+            <a:off x="3683000" y="2768600"/>
+            <a:ext cx="1778000" cy="1854200"/>
+          </a:xfrm>
+          <a:prstGeom prst="rect">
+            <a:avLst/>
+          </a:prstGeom>
+        </p:spPr>
+      </p:pic>
     </p:spTree>
     <p:extLst>
       <p:ext uri="{BB962C8B-B14F-4D97-AF65-F5344CB8AC3E}">
-        <p14:creationId xmlns:p14="http://schemas.microsoft.com/office/powerpoint/2010/main" val="3753766513"/>
+        <p14:creationId xmlns:p14="http://schemas.microsoft.com/office/powerpoint/2010/main" val="1938316176"/>
       </p:ext>
     </p:extLst>
   </p:cSld>
@@ -9591,7 +9439,7 @@
           <a:p>
             <a:r>
               <a:rPr lang="en-US" dirty="0" smtClean="0"/>
-              <a:t>Frontend</a:t>
+              <a:t>Backend</a:t>
             </a:r>
             <a:endParaRPr lang="en-US" dirty="0"/>
           </a:p>
@@ -9620,7 +9468,7 @@
             </a:r>
             <a:r>
               <a:rPr lang="en-US" dirty="0"/>
-              <a:t>5</a:t>
+              <a:t>4</a:t>
             </a:r>
           </a:p>
         </p:txBody>
@@ -9645,13 +9493,15 @@
             </a:pPr>
             <a:r>
               <a:rPr lang="en-US" dirty="0" smtClean="0"/>
-              <a:t>Build a simple client that use the API provided by the backend. </a:t>
-            </a:r>
-          </a:p>
-          <a:p>
+              <a:t>Build the app backend to handle the </a:t>
+            </a:r>
+            <a:r>
+              <a:rPr lang="en-US" dirty="0" err="1" smtClean="0"/>
+              <a:t>OAuth</a:t>
+            </a:r>
             <a:r>
               <a:rPr lang="en-US" dirty="0" smtClean="0"/>
-              <a:t>Login user to create a session</a:t>
+              <a:t> 2.0 integration with SDK and to provide an API for the app. </a:t>
             </a:r>
           </a:p>
           <a:p>
@@ -9691,13 +9541,20 @@
     </p:spTree>
     <p:extLst>
       <p:ext uri="{BB962C8B-B14F-4D97-AF65-F5344CB8AC3E}">
-        <p14:creationId xmlns:p14="http://schemas.microsoft.com/office/powerpoint/2010/main" val="3598812586"/>
+        <p14:creationId xmlns:p14="http://schemas.microsoft.com/office/powerpoint/2010/main" val="3668199394"/>
       </p:ext>
     </p:extLst>
   </p:cSld>
   <p:clrMapOvr>
     <a:masterClrMapping/>
   </p:clrMapOvr>
+  <p:timing>
+    <p:tnLst>
+      <p:par>
+        <p:cTn xmlns:p14="http://schemas.microsoft.com/office/powerpoint/2010/main" id="1" dur="indefinite" restart="never" nodeType="tmRoot"/>
+      </p:par>
+    </p:tnLst>
+  </p:timing>
 </p:sld>
 </file>
 
@@ -9735,7 +9592,7 @@
           <a:p>
             <a:r>
               <a:rPr lang="en-US" dirty="0" smtClean="0"/>
-              <a:t>Links</a:t>
+              <a:t>Frontend</a:t>
             </a:r>
             <a:endParaRPr lang="en-US" dirty="0"/>
           </a:p>
@@ -9758,7 +9615,7 @@
           </a:bodyPr>
           <a:lstStyle/>
           <a:p>
-            <a:endParaRPr lang="en-US"/>
+            <a:endParaRPr lang="en-US" dirty="0"/>
           </a:p>
         </p:txBody>
       </p:sp>
@@ -9780,63 +9637,22 @@
             <a:pPr marL="0" indent="0">
               <a:buNone/>
             </a:pPr>
-            <a:endParaRPr lang="en-US" sz="1800" dirty="0" smtClean="0">
-              <a:hlinkClick r:id="rId2"/>
-            </a:endParaRPr>
-          </a:p>
-          <a:p>
-            <a:pPr marL="0" indent="0">
-              <a:buNone/>
-            </a:pPr>
-            <a:r>
-              <a:rPr lang="en-US" sz="1800" dirty="0" smtClean="0">
-                <a:hlinkClick r:id="rId2"/>
-              </a:rPr>
-              <a:t>https</a:t>
-            </a:r>
-            <a:r>
-              <a:rPr lang="en-US" sz="1800" dirty="0">
-                <a:hlinkClick r:id="rId2"/>
-              </a:rPr>
-              <a:t>://developers.google.com/accounts/docs/</a:t>
-            </a:r>
-            <a:r>
-              <a:rPr lang="en-US" sz="1800" dirty="0" smtClean="0">
-                <a:hlinkClick r:id="rId2"/>
-              </a:rPr>
-              <a:t>OAuth2</a:t>
-            </a:r>
-            <a:endParaRPr lang="en-US" sz="1800" dirty="0" smtClean="0"/>
-          </a:p>
-          <a:p>
-            <a:pPr marL="0" indent="0">
-              <a:buNone/>
-            </a:pPr>
-            <a:r>
-              <a:rPr lang="en-US" sz="1800" dirty="0">
-                <a:hlinkClick r:id="rId3"/>
-              </a:rPr>
-              <a:t>https://developers.facebook.com/docs/reference/dialogs/oauth</a:t>
-            </a:r>
-            <a:r>
-              <a:rPr lang="en-US" sz="1800" dirty="0" smtClean="0">
-                <a:hlinkClick r:id="rId3"/>
-              </a:rPr>
-              <a:t>/</a:t>
-            </a:r>
-            <a:endParaRPr lang="en-US" sz="1800" dirty="0" smtClean="0"/>
-          </a:p>
-          <a:p>
-            <a:pPr marL="0" indent="0">
-              <a:buNone/>
-            </a:pPr>
-            <a:endParaRPr lang="en-US" sz="1800" dirty="0"/>
-          </a:p>
-          <a:p>
-            <a:pPr marL="0" indent="0">
-              <a:buNone/>
-            </a:pPr>
-            <a:endParaRPr lang="en-US" sz="1800" dirty="0"/>
+            <a:r>
+              <a:rPr lang="en-US" dirty="0" smtClean="0"/>
+              <a:t>Frontend technologies</a:t>
+            </a:r>
+          </a:p>
+          <a:p>
+            <a:r>
+              <a:rPr lang="en-US" dirty="0" smtClean="0"/>
+              <a:t>What’s happening on the frontend</a:t>
+            </a:r>
+          </a:p>
+          <a:p>
+            <a:r>
+              <a:rPr lang="en-US" dirty="0" smtClean="0"/>
+              <a:t>Short intro to Backbone</a:t>
+            </a:r>
           </a:p>
         </p:txBody>
       </p:sp>
@@ -9872,7 +9688,7 @@
     </p:spTree>
     <p:extLst>
       <p:ext uri="{BB962C8B-B14F-4D97-AF65-F5344CB8AC3E}">
-        <p14:creationId xmlns:p14="http://schemas.microsoft.com/office/powerpoint/2010/main" val="930752604"/>
+        <p14:creationId xmlns:p14="http://schemas.microsoft.com/office/powerpoint/2010/main" val="3753766513"/>
       </p:ext>
     </p:extLst>
   </p:cSld>
@@ -10014,6 +9830,368 @@
 </p:sld>
 </file>
 
+<file path=ppt/slides/slide20.xml><?xml version="1.0" encoding="utf-8"?>
+<p:sld xmlns:a="http://schemas.openxmlformats.org/drawingml/2006/main" xmlns:r="http://schemas.openxmlformats.org/officeDocument/2006/relationships" xmlns:p="http://schemas.openxmlformats.org/presentationml/2006/main">
+  <p:cSld>
+    <p:spTree>
+      <p:nvGrpSpPr>
+        <p:cNvPr id="1" name=""/>
+        <p:cNvGrpSpPr/>
+        <p:nvPr/>
+      </p:nvGrpSpPr>
+      <p:grpSpPr>
+        <a:xfrm>
+          <a:off x="0" y="0"/>
+          <a:ext cx="0" cy="0"/>
+          <a:chOff x="0" y="0"/>
+          <a:chExt cx="0" cy="0"/>
+        </a:xfrm>
+      </p:grpSpPr>
+      <p:sp>
+        <p:nvSpPr>
+          <p:cNvPr id="2" name="Title 1"/>
+          <p:cNvSpPr>
+            <a:spLocks noGrp="1"/>
+          </p:cNvSpPr>
+          <p:nvPr>
+            <p:ph type="ctrTitle"/>
+          </p:nvPr>
+        </p:nvSpPr>
+        <p:spPr/>
+        <p:txBody>
+          <a:bodyPr/>
+          <a:lstStyle/>
+          <a:p>
+            <a:r>
+              <a:rPr lang="en-US" dirty="0" smtClean="0"/>
+              <a:t>Frontend</a:t>
+            </a:r>
+            <a:endParaRPr lang="en-US" dirty="0"/>
+          </a:p>
+        </p:txBody>
+      </p:sp>
+      <p:sp>
+        <p:nvSpPr>
+          <p:cNvPr id="3" name="Subtitle 2"/>
+          <p:cNvSpPr>
+            <a:spLocks noGrp="1"/>
+          </p:cNvSpPr>
+          <p:nvPr>
+            <p:ph type="subTitle" idx="1"/>
+          </p:nvPr>
+        </p:nvSpPr>
+        <p:spPr/>
+        <p:txBody>
+          <a:bodyPr>
+            <a:normAutofit fontScale="92500" lnSpcReduction="10000"/>
+          </a:bodyPr>
+          <a:lstStyle/>
+          <a:p>
+            <a:r>
+              <a:rPr lang="en-US" dirty="0" smtClean="0"/>
+              <a:t>Exercise </a:t>
+            </a:r>
+            <a:r>
+              <a:rPr lang="en-US" dirty="0"/>
+              <a:t>5</a:t>
+            </a:r>
+          </a:p>
+        </p:txBody>
+      </p:sp>
+      <p:sp>
+        <p:nvSpPr>
+          <p:cNvPr id="4" name="Text Placeholder 3"/>
+          <p:cNvSpPr>
+            <a:spLocks noGrp="1"/>
+          </p:cNvSpPr>
+          <p:nvPr>
+            <p:ph type="body" sz="quarter" idx="13"/>
+          </p:nvPr>
+        </p:nvSpPr>
+        <p:spPr/>
+        <p:txBody>
+          <a:bodyPr/>
+          <a:lstStyle/>
+          <a:p>
+            <a:pPr marL="0" indent="0">
+              <a:buNone/>
+            </a:pPr>
+            <a:r>
+              <a:rPr lang="en-US" dirty="0" smtClean="0"/>
+              <a:t>Build a simple client that use the API provided by the backend. </a:t>
+            </a:r>
+          </a:p>
+          <a:p>
+            <a:r>
+              <a:rPr lang="en-US" dirty="0" smtClean="0"/>
+              <a:t>Login user to create a session</a:t>
+            </a:r>
+          </a:p>
+          <a:p>
+            <a:endParaRPr lang="en-US" dirty="0" smtClean="0"/>
+          </a:p>
+        </p:txBody>
+      </p:sp>
+      <p:sp>
+        <p:nvSpPr>
+          <p:cNvPr id="5" name="Slide Number Placeholder 4"/>
+          <p:cNvSpPr>
+            <a:spLocks noGrp="1"/>
+          </p:cNvSpPr>
+          <p:nvPr>
+            <p:ph type="sldNum" sz="quarter" idx="14"/>
+          </p:nvPr>
+        </p:nvSpPr>
+        <p:spPr/>
+        <p:txBody>
+          <a:bodyPr/>
+          <a:lstStyle/>
+          <a:p>
+            <a:pPr>
+              <a:defRPr/>
+            </a:pPr>
+            <a:fld id="{4AA01602-B999-AA4E-80A6-B21CED3A9C3C}" type="slidenum">
+              <a:rPr lang="sv-SE" smtClean="0"/>
+              <a:pPr>
+                <a:defRPr/>
+              </a:pPr>
+              <a:t>20</a:t>
+            </a:fld>
+            <a:endParaRPr lang="sv-SE"/>
+          </a:p>
+        </p:txBody>
+      </p:sp>
+    </p:spTree>
+    <p:extLst>
+      <p:ext uri="{BB962C8B-B14F-4D97-AF65-F5344CB8AC3E}">
+        <p14:creationId xmlns:p14="http://schemas.microsoft.com/office/powerpoint/2010/main" val="3598812586"/>
+      </p:ext>
+    </p:extLst>
+  </p:cSld>
+  <p:clrMapOvr>
+    <a:masterClrMapping/>
+  </p:clrMapOvr>
+</p:sld>
+</file>
+
+<file path=ppt/slides/slide21.xml><?xml version="1.0" encoding="utf-8"?>
+<p:sld xmlns:a="http://schemas.openxmlformats.org/drawingml/2006/main" xmlns:r="http://schemas.openxmlformats.org/officeDocument/2006/relationships" xmlns:p="http://schemas.openxmlformats.org/presentationml/2006/main">
+  <p:cSld>
+    <p:spTree>
+      <p:nvGrpSpPr>
+        <p:cNvPr id="1" name=""/>
+        <p:cNvGrpSpPr/>
+        <p:nvPr/>
+      </p:nvGrpSpPr>
+      <p:grpSpPr>
+        <a:xfrm>
+          <a:off x="0" y="0"/>
+          <a:ext cx="0" cy="0"/>
+          <a:chOff x="0" y="0"/>
+          <a:chExt cx="0" cy="0"/>
+        </a:xfrm>
+      </p:grpSpPr>
+      <p:sp>
+        <p:nvSpPr>
+          <p:cNvPr id="2" name="Title 1"/>
+          <p:cNvSpPr>
+            <a:spLocks noGrp="1"/>
+          </p:cNvSpPr>
+          <p:nvPr>
+            <p:ph type="ctrTitle"/>
+          </p:nvPr>
+        </p:nvSpPr>
+        <p:spPr/>
+        <p:txBody>
+          <a:bodyPr/>
+          <a:lstStyle/>
+          <a:p>
+            <a:r>
+              <a:rPr lang="en-US" dirty="0" smtClean="0"/>
+              <a:t>Links</a:t>
+            </a:r>
+            <a:endParaRPr lang="en-US" dirty="0"/>
+          </a:p>
+        </p:txBody>
+      </p:sp>
+      <p:sp>
+        <p:nvSpPr>
+          <p:cNvPr id="3" name="Subtitle 2"/>
+          <p:cNvSpPr>
+            <a:spLocks noGrp="1"/>
+          </p:cNvSpPr>
+          <p:nvPr>
+            <p:ph type="subTitle" idx="1"/>
+          </p:nvPr>
+        </p:nvSpPr>
+        <p:spPr/>
+        <p:txBody>
+          <a:bodyPr>
+            <a:normAutofit fontScale="92500" lnSpcReduction="10000"/>
+          </a:bodyPr>
+          <a:lstStyle/>
+          <a:p>
+            <a:endParaRPr lang="en-US"/>
+          </a:p>
+        </p:txBody>
+      </p:sp>
+      <p:sp>
+        <p:nvSpPr>
+          <p:cNvPr id="4" name="Text Placeholder 3"/>
+          <p:cNvSpPr>
+            <a:spLocks noGrp="1"/>
+          </p:cNvSpPr>
+          <p:nvPr>
+            <p:ph type="body" sz="quarter" idx="13"/>
+          </p:nvPr>
+        </p:nvSpPr>
+        <p:spPr/>
+        <p:txBody>
+          <a:bodyPr/>
+          <a:lstStyle/>
+          <a:p>
+            <a:pPr marL="0" indent="0">
+              <a:buNone/>
+            </a:pPr>
+            <a:endParaRPr lang="en-US" sz="1800" dirty="0" smtClean="0">
+              <a:hlinkClick r:id="rId2"/>
+            </a:endParaRPr>
+          </a:p>
+          <a:p>
+            <a:pPr marL="0" indent="0">
+              <a:buNone/>
+            </a:pPr>
+            <a:r>
+              <a:rPr lang="en-US" sz="1800" dirty="0">
+                <a:hlinkClick r:id="rId2"/>
+              </a:rPr>
+              <a:t>http://sdk.minavardkontakter.se</a:t>
+            </a:r>
+            <a:r>
+              <a:rPr lang="en-US" sz="1800">
+                <a:hlinkClick r:id="rId2"/>
+              </a:rPr>
+              <a:t>/</a:t>
+            </a:r>
+            <a:endParaRPr lang="en-US" sz="1800" dirty="0" smtClean="0">
+              <a:hlinkClick r:id="rId2"/>
+            </a:endParaRPr>
+          </a:p>
+          <a:p>
+            <a:pPr marL="0" indent="0">
+              <a:buNone/>
+            </a:pPr>
+            <a:r>
+              <a:rPr lang="en-US" sz="1800" dirty="0" smtClean="0">
+                <a:hlinkClick r:id="rId2"/>
+              </a:rPr>
+              <a:t>https</a:t>
+            </a:r>
+            <a:r>
+              <a:rPr lang="en-US" sz="1800" dirty="0">
+                <a:hlinkClick r:id="rId2"/>
+              </a:rPr>
+              <a:t>://developers.google.com/accounts/docs/</a:t>
+            </a:r>
+            <a:r>
+              <a:rPr lang="en-US" sz="1800" dirty="0" smtClean="0">
+                <a:hlinkClick r:id="rId2"/>
+              </a:rPr>
+              <a:t>OAuth2</a:t>
+            </a:r>
+            <a:endParaRPr lang="en-US" sz="1800" dirty="0" smtClean="0"/>
+          </a:p>
+          <a:p>
+            <a:pPr marL="0" indent="0">
+              <a:buNone/>
+            </a:pPr>
+            <a:r>
+              <a:rPr lang="en-US" sz="1800" dirty="0">
+                <a:hlinkClick r:id="rId3"/>
+              </a:rPr>
+              <a:t>https://developers.facebook.com/docs/reference/dialogs/oauth</a:t>
+            </a:r>
+            <a:r>
+              <a:rPr lang="en-US" sz="1800" dirty="0" smtClean="0">
+                <a:hlinkClick r:id="rId3"/>
+              </a:rPr>
+              <a:t>/</a:t>
+            </a:r>
+            <a:endParaRPr lang="en-US" sz="1800" dirty="0" smtClean="0"/>
+          </a:p>
+          <a:p>
+            <a:pPr marL="0" indent="0">
+              <a:buNone/>
+            </a:pPr>
+            <a:r>
+              <a:rPr lang="en-US" sz="1800" dirty="0"/>
+              <a:t>http://</a:t>
+            </a:r>
+            <a:r>
+              <a:rPr lang="en-US" sz="1800" dirty="0" err="1"/>
+              <a:t>www.vinnova.se</a:t>
+            </a:r>
+            <a:r>
+              <a:rPr lang="en-US" sz="1800" dirty="0" smtClean="0"/>
+              <a:t>/</a:t>
+            </a:r>
+          </a:p>
+          <a:p>
+            <a:pPr marL="0" indent="0">
+              <a:buNone/>
+            </a:pPr>
+            <a:endParaRPr lang="en-US" sz="1800" dirty="0"/>
+          </a:p>
+          <a:p>
+            <a:pPr marL="0" indent="0">
+              <a:buNone/>
+            </a:pPr>
+            <a:endParaRPr lang="en-US" sz="1800" dirty="0"/>
+          </a:p>
+        </p:txBody>
+      </p:sp>
+      <p:sp>
+        <p:nvSpPr>
+          <p:cNvPr id="5" name="Slide Number Placeholder 4"/>
+          <p:cNvSpPr>
+            <a:spLocks noGrp="1"/>
+          </p:cNvSpPr>
+          <p:nvPr>
+            <p:ph type="sldNum" sz="quarter" idx="14"/>
+          </p:nvPr>
+        </p:nvSpPr>
+        <p:spPr/>
+        <p:txBody>
+          <a:bodyPr/>
+          <a:lstStyle/>
+          <a:p>
+            <a:pPr>
+              <a:defRPr/>
+            </a:pPr>
+            <a:fld id="{4AA01602-B999-AA4E-80A6-B21CED3A9C3C}" type="slidenum">
+              <a:rPr lang="sv-SE" smtClean="0"/>
+              <a:pPr>
+                <a:defRPr/>
+              </a:pPr>
+              <a:t>21</a:t>
+            </a:fld>
+            <a:endParaRPr lang="sv-SE"/>
+          </a:p>
+        </p:txBody>
+      </p:sp>
+    </p:spTree>
+    <p:extLst>
+      <p:ext uri="{BB962C8B-B14F-4D97-AF65-F5344CB8AC3E}">
+        <p14:creationId xmlns:p14="http://schemas.microsoft.com/office/powerpoint/2010/main" val="930752604"/>
+      </p:ext>
+    </p:extLst>
+  </p:cSld>
+  <p:clrMapOvr>
+    <a:masterClrMapping/>
+  </p:clrMapOvr>
+</p:sld>
+</file>
+
 <file path=ppt/slides/slide3.xml><?xml version="1.0" encoding="utf-8"?>
 <p:sld xmlns:a="http://schemas.openxmlformats.org/drawingml/2006/main" xmlns:r="http://schemas.openxmlformats.org/officeDocument/2006/relationships" xmlns:p="http://schemas.openxmlformats.org/presentationml/2006/main">
   <p:cSld>
@@ -10092,7 +10270,18 @@
           <a:p>
             <a:r>
               <a:rPr lang="en-US" sz="2000" dirty="0" smtClean="0"/>
-              <a:t>Introduction to SDK by VINNOVA</a:t>
+              <a:t>Practical info</a:t>
+            </a:r>
+            <a:endParaRPr lang="en-US" sz="2000" dirty="0" smtClean="0"/>
+          </a:p>
+          <a:p>
+            <a:r>
+              <a:rPr lang="en-US" sz="2000" dirty="0" smtClean="0"/>
+              <a:t>Introduction </a:t>
+            </a:r>
+            <a:r>
+              <a:rPr lang="en-US" sz="2000" dirty="0" smtClean="0"/>
+              <a:t>to SDK by VINNOVA</a:t>
             </a:r>
           </a:p>
           <a:p>
@@ -10418,7 +10607,7 @@
           <a:p>
             <a:r>
               <a:rPr lang="en-US" dirty="0" smtClean="0"/>
-              <a:t>Introduction to SDK by VINNOVA</a:t>
+              <a:t>Practical info</a:t>
             </a:r>
             <a:endParaRPr lang="en-US" dirty="0"/>
           </a:p>
@@ -10441,7 +10630,7 @@
           </a:bodyPr>
           <a:lstStyle/>
           <a:p>
-            <a:endParaRPr lang="en-US" dirty="0"/>
+            <a:endParaRPr lang="en-US"/>
           </a:p>
         </p:txBody>
       </p:sp>
@@ -10460,25 +10649,7 @@
           <a:bodyPr/>
           <a:lstStyle/>
           <a:p>
-            <a:r>
-              <a:rPr lang="en-US" dirty="0" smtClean="0">
-                <a:hlinkClick r:id="rId3"/>
-              </a:rPr>
-              <a:t>SDK by VINNOVA</a:t>
-            </a:r>
-            <a:endParaRPr lang="en-US" dirty="0" smtClean="0"/>
-          </a:p>
-          <a:p>
-            <a:r>
-              <a:rPr lang="en-US" dirty="0" smtClean="0"/>
-              <a:t>Background</a:t>
-            </a:r>
-          </a:p>
-          <a:p>
-            <a:r>
-              <a:rPr lang="en-US" dirty="0" smtClean="0"/>
-              <a:t>API’s</a:t>
-            </a:r>
+            <a:endParaRPr lang="en-US" dirty="0"/>
           </a:p>
         </p:txBody>
       </p:sp>
@@ -10506,6 +10677,236 @@
                 <a:defRPr/>
               </a:pPr>
               <a:t>5</a:t>
+            </a:fld>
+            <a:endParaRPr lang="sv-SE"/>
+          </a:p>
+        </p:txBody>
+      </p:sp>
+      <p:pic>
+        <p:nvPicPr>
+          <p:cNvPr id="7" name="Picture 6" descr="kaffe.gif"/>
+          <p:cNvPicPr>
+            <a:picLocks noChangeAspect="1"/>
+          </p:cNvPicPr>
+          <p:nvPr/>
+        </p:nvPicPr>
+        <p:blipFill>
+          <a:blip r:embed="rId2">
+            <a:extLst>
+              <a:ext uri="{28A0092B-C50C-407E-A947-70E740481C1C}">
+                <a14:useLocalDpi xmlns:a14="http://schemas.microsoft.com/office/drawing/2010/main" val="0"/>
+              </a:ext>
+            </a:extLst>
+          </a:blip>
+          <a:stretch>
+            <a:fillRect/>
+          </a:stretch>
+        </p:blipFill>
+        <p:spPr>
+          <a:xfrm>
+            <a:off x="3289300" y="2501900"/>
+            <a:ext cx="1778000" cy="1854200"/>
+          </a:xfrm>
+          <a:prstGeom prst="rect">
+            <a:avLst/>
+          </a:prstGeom>
+        </p:spPr>
+      </p:pic>
+      <p:pic>
+        <p:nvPicPr>
+          <p:cNvPr id="8" name="Picture 7" descr="wifi.gif"/>
+          <p:cNvPicPr>
+            <a:picLocks noChangeAspect="1"/>
+          </p:cNvPicPr>
+          <p:nvPr/>
+        </p:nvPicPr>
+        <p:blipFill>
+          <a:blip r:embed="rId3">
+            <a:extLst>
+              <a:ext uri="{28A0092B-C50C-407E-A947-70E740481C1C}">
+                <a14:useLocalDpi xmlns:a14="http://schemas.microsoft.com/office/drawing/2010/main" val="0"/>
+              </a:ext>
+            </a:extLst>
+          </a:blip>
+          <a:stretch>
+            <a:fillRect/>
+          </a:stretch>
+        </p:blipFill>
+        <p:spPr>
+          <a:xfrm>
+            <a:off x="1187450" y="2692987"/>
+            <a:ext cx="1460500" cy="1663113"/>
+          </a:xfrm>
+          <a:prstGeom prst="rect">
+            <a:avLst/>
+          </a:prstGeom>
+        </p:spPr>
+      </p:pic>
+      <p:pic>
+        <p:nvPicPr>
+          <p:cNvPr id="9" name="Picture 8" descr="symbol-sign-male-female.png"/>
+          <p:cNvPicPr>
+            <a:picLocks noChangeAspect="1"/>
+          </p:cNvPicPr>
+          <p:nvPr/>
+        </p:nvPicPr>
+        <p:blipFill>
+          <a:blip r:embed="rId4">
+            <a:extLst>
+              <a:ext uri="{28A0092B-C50C-407E-A947-70E740481C1C}">
+                <a14:useLocalDpi xmlns:a14="http://schemas.microsoft.com/office/drawing/2010/main" val="0"/>
+              </a:ext>
+            </a:extLst>
+          </a:blip>
+          <a:stretch>
+            <a:fillRect/>
+          </a:stretch>
+        </p:blipFill>
+        <p:spPr>
+          <a:xfrm>
+            <a:off x="5689600" y="2768013"/>
+            <a:ext cx="1397000" cy="1397000"/>
+          </a:xfrm>
+          <a:prstGeom prst="rect">
+            <a:avLst/>
+          </a:prstGeom>
+        </p:spPr>
+      </p:pic>
+    </p:spTree>
+    <p:extLst>
+      <p:ext uri="{BB962C8B-B14F-4D97-AF65-F5344CB8AC3E}">
+        <p14:creationId xmlns:p14="http://schemas.microsoft.com/office/powerpoint/2010/main" val="3151205929"/>
+      </p:ext>
+    </p:extLst>
+  </p:cSld>
+  <p:clrMapOvr>
+    <a:masterClrMapping/>
+  </p:clrMapOvr>
+</p:sld>
+</file>
+
+<file path=ppt/slides/slide6.xml><?xml version="1.0" encoding="utf-8"?>
+<p:sld xmlns:a="http://schemas.openxmlformats.org/drawingml/2006/main" xmlns:r="http://schemas.openxmlformats.org/officeDocument/2006/relationships" xmlns:p="http://schemas.openxmlformats.org/presentationml/2006/main">
+  <p:cSld>
+    <p:spTree>
+      <p:nvGrpSpPr>
+        <p:cNvPr id="1" name=""/>
+        <p:cNvGrpSpPr/>
+        <p:nvPr/>
+      </p:nvGrpSpPr>
+      <p:grpSpPr>
+        <a:xfrm>
+          <a:off x="0" y="0"/>
+          <a:ext cx="0" cy="0"/>
+          <a:chOff x="0" y="0"/>
+          <a:chExt cx="0" cy="0"/>
+        </a:xfrm>
+      </p:grpSpPr>
+      <p:sp>
+        <p:nvSpPr>
+          <p:cNvPr id="2" name="Title 1"/>
+          <p:cNvSpPr>
+            <a:spLocks noGrp="1"/>
+          </p:cNvSpPr>
+          <p:nvPr>
+            <p:ph type="ctrTitle"/>
+          </p:nvPr>
+        </p:nvSpPr>
+        <p:spPr/>
+        <p:txBody>
+          <a:bodyPr/>
+          <a:lstStyle/>
+          <a:p>
+            <a:r>
+              <a:rPr lang="en-US" dirty="0" smtClean="0"/>
+              <a:t>Introduction to SDK by VINNOVA</a:t>
+            </a:r>
+            <a:endParaRPr lang="en-US" dirty="0"/>
+          </a:p>
+        </p:txBody>
+      </p:sp>
+      <p:sp>
+        <p:nvSpPr>
+          <p:cNvPr id="3" name="Subtitle 2"/>
+          <p:cNvSpPr>
+            <a:spLocks noGrp="1"/>
+          </p:cNvSpPr>
+          <p:nvPr>
+            <p:ph type="subTitle" idx="1"/>
+          </p:nvPr>
+        </p:nvSpPr>
+        <p:spPr/>
+        <p:txBody>
+          <a:bodyPr>
+            <a:normAutofit fontScale="92500" lnSpcReduction="10000"/>
+          </a:bodyPr>
+          <a:lstStyle/>
+          <a:p>
+            <a:endParaRPr lang="en-US" dirty="0"/>
+          </a:p>
+        </p:txBody>
+      </p:sp>
+      <p:sp>
+        <p:nvSpPr>
+          <p:cNvPr id="4" name="Text Placeholder 3"/>
+          <p:cNvSpPr>
+            <a:spLocks noGrp="1"/>
+          </p:cNvSpPr>
+          <p:nvPr>
+            <p:ph type="body" sz="quarter" idx="13"/>
+          </p:nvPr>
+        </p:nvSpPr>
+        <p:spPr/>
+        <p:txBody>
+          <a:bodyPr/>
+          <a:lstStyle/>
+          <a:p>
+            <a:r>
+              <a:rPr lang="en-US" dirty="0" smtClean="0">
+                <a:hlinkClick r:id="rId3"/>
+              </a:rPr>
+              <a:t>SDK by VINNOVA</a:t>
+            </a:r>
+            <a:endParaRPr lang="en-US" dirty="0" smtClean="0"/>
+          </a:p>
+          <a:p>
+            <a:r>
+              <a:rPr lang="en-US" dirty="0" smtClean="0"/>
+              <a:t>Background</a:t>
+            </a:r>
+          </a:p>
+          <a:p>
+            <a:r>
+              <a:rPr lang="en-US" dirty="0" smtClean="0"/>
+              <a:t>API’s</a:t>
+            </a:r>
+          </a:p>
+        </p:txBody>
+      </p:sp>
+      <p:sp>
+        <p:nvSpPr>
+          <p:cNvPr id="5" name="Slide Number Placeholder 4"/>
+          <p:cNvSpPr>
+            <a:spLocks noGrp="1"/>
+          </p:cNvSpPr>
+          <p:nvPr>
+            <p:ph type="sldNum" sz="quarter" idx="14"/>
+          </p:nvPr>
+        </p:nvSpPr>
+        <p:spPr/>
+        <p:txBody>
+          <a:bodyPr/>
+          <a:lstStyle/>
+          <a:p>
+            <a:pPr>
+              <a:defRPr/>
+            </a:pPr>
+            <a:fld id="{4AA01602-B999-AA4E-80A6-B21CED3A9C3C}" type="slidenum">
+              <a:rPr lang="sv-SE" smtClean="0"/>
+              <a:pPr>
+                <a:defRPr/>
+              </a:pPr>
+              <a:t>6</a:t>
             </a:fld>
             <a:endParaRPr lang="sv-SE"/>
           </a:p>
@@ -10561,199 +10962,6 @@
 </p:sld>
 </file>
 
-<file path=ppt/slides/slide6.xml><?xml version="1.0" encoding="utf-8"?>
-<p:sld xmlns:a="http://schemas.openxmlformats.org/drawingml/2006/main" xmlns:r="http://schemas.openxmlformats.org/officeDocument/2006/relationships" xmlns:p="http://schemas.openxmlformats.org/presentationml/2006/main">
-  <p:cSld>
-    <p:spTree>
-      <p:nvGrpSpPr>
-        <p:cNvPr id="1" name=""/>
-        <p:cNvGrpSpPr/>
-        <p:nvPr/>
-      </p:nvGrpSpPr>
-      <p:grpSpPr>
-        <a:xfrm>
-          <a:off x="0" y="0"/>
-          <a:ext cx="0" cy="0"/>
-          <a:chOff x="0" y="0"/>
-          <a:chExt cx="0" cy="0"/>
-        </a:xfrm>
-      </p:grpSpPr>
-      <p:sp>
-        <p:nvSpPr>
-          <p:cNvPr id="2" name="Title 1"/>
-          <p:cNvSpPr>
-            <a:spLocks noGrp="1"/>
-          </p:cNvSpPr>
-          <p:nvPr>
-            <p:ph type="ctrTitle"/>
-          </p:nvPr>
-        </p:nvSpPr>
-        <p:spPr/>
-        <p:txBody>
-          <a:bodyPr/>
-          <a:lstStyle/>
-          <a:p>
-            <a:r>
-              <a:rPr lang="en-US" dirty="0" smtClean="0"/>
-              <a:t>HTTP overview</a:t>
-            </a:r>
-            <a:endParaRPr lang="en-US" dirty="0"/>
-          </a:p>
-        </p:txBody>
-      </p:sp>
-      <p:sp>
-        <p:nvSpPr>
-          <p:cNvPr id="3" name="Subtitle 2"/>
-          <p:cNvSpPr>
-            <a:spLocks noGrp="1"/>
-          </p:cNvSpPr>
-          <p:nvPr>
-            <p:ph type="subTitle" idx="1"/>
-          </p:nvPr>
-        </p:nvSpPr>
-        <p:spPr/>
-        <p:txBody>
-          <a:bodyPr>
-            <a:normAutofit fontScale="92500" lnSpcReduction="10000"/>
-          </a:bodyPr>
-          <a:lstStyle/>
-          <a:p>
-            <a:r>
-              <a:rPr lang="en-US" dirty="0" smtClean="0"/>
-              <a:t>HTTP-request</a:t>
-            </a:r>
-            <a:endParaRPr lang="en-US" dirty="0"/>
-          </a:p>
-        </p:txBody>
-      </p:sp>
-      <p:sp>
-        <p:nvSpPr>
-          <p:cNvPr id="4" name="Text Placeholder 3"/>
-          <p:cNvSpPr>
-            <a:spLocks noGrp="1"/>
-          </p:cNvSpPr>
-          <p:nvPr>
-            <p:ph type="body" sz="quarter" idx="13"/>
-          </p:nvPr>
-        </p:nvSpPr>
-        <p:spPr/>
-        <p:txBody>
-          <a:bodyPr/>
-          <a:lstStyle/>
-          <a:p>
-            <a:r>
-              <a:rPr lang="en-US" sz="1800" dirty="0" smtClean="0"/>
-              <a:t>POST, GET, PUT, DELETE</a:t>
-            </a:r>
-          </a:p>
-          <a:p>
-            <a:pPr lvl="1"/>
-            <a:r>
-              <a:rPr lang="en-US" sz="1800" dirty="0" smtClean="0"/>
-              <a:t>CRUD mappings based on best practices within REST community.</a:t>
-            </a:r>
-          </a:p>
-          <a:p>
-            <a:r>
-              <a:rPr lang="en-US" sz="1800" dirty="0" smtClean="0"/>
-              <a:t>URL</a:t>
-            </a:r>
-          </a:p>
-          <a:p>
-            <a:pPr lvl="1"/>
-            <a:r>
-              <a:rPr lang="en-US" sz="1800" dirty="0" smtClean="0"/>
-              <a:t>Address + parameters</a:t>
-            </a:r>
-          </a:p>
-          <a:p>
-            <a:r>
-              <a:rPr lang="en-US" sz="1800" dirty="0" smtClean="0"/>
-              <a:t>HTTP </a:t>
-            </a:r>
-            <a:r>
-              <a:rPr lang="en-US" sz="1800" dirty="0"/>
-              <a:t>headers</a:t>
-            </a:r>
-          </a:p>
-          <a:p>
-            <a:pPr lvl="1"/>
-            <a:r>
-              <a:rPr lang="en-US" sz="1800" dirty="0" smtClean="0"/>
-              <a:t>Accept</a:t>
-            </a:r>
-          </a:p>
-          <a:p>
-            <a:pPr lvl="1"/>
-            <a:r>
-              <a:rPr lang="en-US" sz="1800" dirty="0" smtClean="0"/>
-              <a:t>Authorization</a:t>
-            </a:r>
-          </a:p>
-          <a:p>
-            <a:pPr lvl="1"/>
-            <a:r>
-              <a:rPr lang="en-US" sz="1800" dirty="0" smtClean="0"/>
-              <a:t>Content-Type</a:t>
-            </a:r>
-          </a:p>
-          <a:p>
-            <a:r>
-              <a:rPr lang="en-US" sz="1800" dirty="0" smtClean="0"/>
-              <a:t>Payload/Content</a:t>
-            </a:r>
-          </a:p>
-        </p:txBody>
-      </p:sp>
-      <p:sp>
-        <p:nvSpPr>
-          <p:cNvPr id="5" name="Slide Number Placeholder 4"/>
-          <p:cNvSpPr>
-            <a:spLocks noGrp="1"/>
-          </p:cNvSpPr>
-          <p:nvPr>
-            <p:ph type="sldNum" sz="quarter" idx="14"/>
-          </p:nvPr>
-        </p:nvSpPr>
-        <p:spPr/>
-        <p:txBody>
-          <a:bodyPr/>
-          <a:lstStyle/>
-          <a:p>
-            <a:pPr>
-              <a:defRPr/>
-            </a:pPr>
-            <a:fld id="{4AA01602-B999-AA4E-80A6-B21CED3A9C3C}" type="slidenum">
-              <a:rPr lang="sv-SE" smtClean="0"/>
-              <a:pPr>
-                <a:defRPr/>
-              </a:pPr>
-              <a:t>6</a:t>
-            </a:fld>
-            <a:endParaRPr lang="sv-SE"/>
-          </a:p>
-        </p:txBody>
-      </p:sp>
-    </p:spTree>
-    <p:extLst>
-      <p:ext uri="{BB962C8B-B14F-4D97-AF65-F5344CB8AC3E}">
-        <p14:creationId xmlns:p14="http://schemas.microsoft.com/office/powerpoint/2010/main" val="292200695"/>
-      </p:ext>
-    </p:extLst>
-  </p:cSld>
-  <p:clrMapOvr>
-    <a:masterClrMapping/>
-  </p:clrMapOvr>
-  <p:timing>
-    <p:tnLst>
-      <p:par>
-        <p:cTn xmlns:p14="http://schemas.microsoft.com/office/powerpoint/2010/main" id="1" dur="indefinite" restart="never" nodeType="tmRoot"/>
-      </p:par>
-    </p:tnLst>
-  </p:timing>
-</p:sld>
-</file>
-
 <file path=ppt/slides/slide7.xml><?xml version="1.0" encoding="utf-8"?>
 <p:sld xmlns:a="http://schemas.openxmlformats.org/drawingml/2006/main" xmlns:r="http://schemas.openxmlformats.org/officeDocument/2006/relationships" xmlns:p="http://schemas.openxmlformats.org/presentationml/2006/main">
   <p:cSld>
@@ -10813,7 +11021,7 @@
           <a:p>
             <a:r>
               <a:rPr lang="en-US" dirty="0" smtClean="0"/>
-              <a:t>HTTP-response</a:t>
+              <a:t>HTTP-request</a:t>
             </a:r>
             <a:endParaRPr lang="en-US" dirty="0"/>
           </a:p>
@@ -10835,73 +11043,66 @@
           <a:lstStyle/>
           <a:p>
             <a:r>
-              <a:rPr lang="en-US" dirty="0" smtClean="0"/>
-              <a:t>Status codes</a:t>
-            </a:r>
-            <a:endParaRPr lang="en-US" dirty="0"/>
+              <a:rPr lang="en-US" sz="1800" dirty="0" smtClean="0"/>
+              <a:t>POST, GET, PUT, DELETE</a:t>
+            </a:r>
           </a:p>
           <a:p>
             <a:pPr lvl="1"/>
             <a:r>
-              <a:rPr lang="en-US" dirty="0" smtClean="0"/>
-              <a:t>2xx, 3xx, 4xx, 5xx</a:t>
+              <a:rPr lang="en-US" sz="1800" dirty="0" smtClean="0"/>
+              <a:t>CRUD mappings based on best practices within REST community.</a:t>
+            </a:r>
+          </a:p>
+          <a:p>
+            <a:r>
+              <a:rPr lang="en-US" sz="1800" dirty="0" smtClean="0"/>
+              <a:t>URL</a:t>
             </a:r>
           </a:p>
           <a:p>
             <a:pPr lvl="1"/>
             <a:r>
-              <a:rPr lang="en-US" dirty="0" smtClean="0"/>
-              <a:t>418 I’m a teapot (RFC2324)</a:t>
-            </a:r>
-          </a:p>
-          <a:p>
-            <a:pPr lvl="2"/>
-            <a:r>
-              <a:rPr lang="en-US" dirty="0" smtClean="0"/>
-              <a:t>Hyper Text Coffee Pot Control Protocol</a:t>
-            </a:r>
-          </a:p>
-          <a:p>
-            <a:r>
-              <a:rPr lang="en-US" dirty="0" smtClean="0"/>
-              <a:t>HTTP Headers</a:t>
+              <a:rPr lang="en-US" sz="1800" dirty="0" smtClean="0"/>
+              <a:t>Address + parameters</a:t>
+            </a:r>
+          </a:p>
+          <a:p>
+            <a:r>
+              <a:rPr lang="en-US" sz="1800" dirty="0" smtClean="0"/>
+              <a:t>HTTP </a:t>
+            </a:r>
+            <a:r>
+              <a:rPr lang="en-US" sz="1800" dirty="0"/>
+              <a:t>headers</a:t>
             </a:r>
           </a:p>
           <a:p>
             <a:pPr lvl="1"/>
             <a:r>
-              <a:rPr lang="en-US" dirty="0" smtClean="0"/>
-              <a:t>Location</a:t>
+              <a:rPr lang="en-US" sz="1800" dirty="0" smtClean="0"/>
+              <a:t>Accept</a:t>
             </a:r>
           </a:p>
           <a:p>
             <a:pPr lvl="1"/>
             <a:r>
-              <a:rPr lang="en-US" sz="2400" dirty="0"/>
-              <a:t>Content-</a:t>
-            </a:r>
-            <a:r>
-              <a:rPr lang="en-US" sz="2400" dirty="0" smtClean="0"/>
-              <a:t>Type</a:t>
-            </a:r>
-            <a:endParaRPr lang="en-US" dirty="0" smtClean="0"/>
-          </a:p>
-          <a:p>
-            <a:pPr marL="342900" lvl="1" indent="-342900">
-              <a:buFont typeface="Arial" charset="0"/>
-              <a:buChar char="•"/>
-            </a:pPr>
-            <a:r>
-              <a:rPr lang="en-US" dirty="0" smtClean="0"/>
-              <a:t>Example: Redirect, how does it work?</a:t>
-            </a:r>
-            <a:endParaRPr lang="en-US" dirty="0"/>
-          </a:p>
-          <a:p>
-            <a:endParaRPr lang="en-US" dirty="0"/>
-          </a:p>
-          <a:p>
-            <a:endParaRPr lang="en-US" dirty="0"/>
+              <a:rPr lang="en-US" sz="1800" dirty="0" smtClean="0"/>
+              <a:t>Authorization</a:t>
+            </a:r>
+          </a:p>
+          <a:p>
+            <a:pPr lvl="1"/>
+            <a:r>
+              <a:rPr lang="en-US" sz="1800" dirty="0" smtClean="0"/>
+              <a:t>Content-Type</a:t>
+            </a:r>
+          </a:p>
+          <a:p>
+            <a:r>
+              <a:rPr lang="en-US" sz="1800" dirty="0" smtClean="0"/>
+              <a:t>Payload/Content</a:t>
+            </a:r>
           </a:p>
         </p:txBody>
       </p:sp>
@@ -10937,7 +11138,7 @@
     </p:spTree>
     <p:extLst>
       <p:ext uri="{BB962C8B-B14F-4D97-AF65-F5344CB8AC3E}">
-        <p14:creationId xmlns:p14="http://schemas.microsoft.com/office/powerpoint/2010/main" val="970070681"/>
+        <p14:creationId xmlns:p14="http://schemas.microsoft.com/office/powerpoint/2010/main" val="292200695"/>
       </p:ext>
     </p:extLst>
   </p:cSld>
@@ -11013,7 +11214,7 @@
           <a:p>
             <a:r>
               <a:rPr lang="en-US" dirty="0" smtClean="0"/>
-              <a:t>Example: Redirect, how does it work?</a:t>
+              <a:t>HTTP-response</a:t>
             </a:r>
             <a:endParaRPr lang="en-US" dirty="0"/>
           </a:p>
@@ -11036,8 +11237,72 @@
           <a:p>
             <a:r>
               <a:rPr lang="en-US" dirty="0" smtClean="0"/>
-              <a:t>{SNYGG BILD}</a:t>
-            </a:r>
+              <a:t>Status codes</a:t>
+            </a:r>
+            <a:endParaRPr lang="en-US" dirty="0"/>
+          </a:p>
+          <a:p>
+            <a:pPr lvl="1"/>
+            <a:r>
+              <a:rPr lang="en-US" dirty="0" smtClean="0"/>
+              <a:t>2xx, 3xx, 4xx, 5xx</a:t>
+            </a:r>
+          </a:p>
+          <a:p>
+            <a:pPr lvl="1"/>
+            <a:r>
+              <a:rPr lang="en-US" dirty="0" smtClean="0"/>
+              <a:t>418 I’m a teapot (RFC2324)</a:t>
+            </a:r>
+          </a:p>
+          <a:p>
+            <a:pPr lvl="2"/>
+            <a:r>
+              <a:rPr lang="en-US" dirty="0" smtClean="0"/>
+              <a:t>Hyper Text Coffee Pot Control Protocol</a:t>
+            </a:r>
+          </a:p>
+          <a:p>
+            <a:r>
+              <a:rPr lang="en-US" dirty="0" smtClean="0"/>
+              <a:t>HTTP Headers</a:t>
+            </a:r>
+          </a:p>
+          <a:p>
+            <a:pPr lvl="1"/>
+            <a:r>
+              <a:rPr lang="en-US" dirty="0" smtClean="0"/>
+              <a:t>Location</a:t>
+            </a:r>
+          </a:p>
+          <a:p>
+            <a:pPr lvl="1"/>
+            <a:r>
+              <a:rPr lang="en-US" sz="2400" dirty="0"/>
+              <a:t>Content-</a:t>
+            </a:r>
+            <a:r>
+              <a:rPr lang="en-US" sz="2400" dirty="0" smtClean="0"/>
+              <a:t>Type</a:t>
+            </a:r>
+            <a:endParaRPr lang="en-US" dirty="0" smtClean="0"/>
+          </a:p>
+          <a:p>
+            <a:pPr marL="342900" lvl="1" indent="-342900">
+              <a:buFont typeface="Arial" charset="0"/>
+              <a:buChar char="•"/>
+            </a:pPr>
+            <a:r>
+              <a:rPr lang="en-US" dirty="0" smtClean="0"/>
+              <a:t>Example: Redirect, how does it work?</a:t>
+            </a:r>
+            <a:endParaRPr lang="en-US" dirty="0"/>
+          </a:p>
+          <a:p>
+            <a:endParaRPr lang="en-US" dirty="0"/>
+          </a:p>
+          <a:p>
+            <a:endParaRPr lang="en-US" dirty="0"/>
           </a:p>
         </p:txBody>
       </p:sp>
@@ -11073,13 +11338,20 @@
     </p:spTree>
     <p:extLst>
       <p:ext uri="{BB962C8B-B14F-4D97-AF65-F5344CB8AC3E}">
-        <p14:creationId xmlns:p14="http://schemas.microsoft.com/office/powerpoint/2010/main" val="2100865221"/>
+        <p14:creationId xmlns:p14="http://schemas.microsoft.com/office/powerpoint/2010/main" val="970070681"/>
       </p:ext>
     </p:extLst>
   </p:cSld>
   <p:clrMapOvr>
     <a:masterClrMapping/>
   </p:clrMapOvr>
+  <p:timing>
+    <p:tnLst>
+      <p:par>
+        <p:cTn xmlns:p14="http://schemas.microsoft.com/office/powerpoint/2010/main" id="1" dur="indefinite" restart="never" nodeType="tmRoot"/>
+      </p:par>
+    </p:tnLst>
+  </p:timing>
 </p:sld>
 </file>
 
@@ -11142,7 +11414,7 @@
           <a:p>
             <a:r>
               <a:rPr lang="en-US" dirty="0" smtClean="0"/>
-              <a:t>Exercise 1</a:t>
+              <a:t>Example: Redirect, how does it work?</a:t>
             </a:r>
             <a:endParaRPr lang="en-US" dirty="0"/>
           </a:p>
@@ -11163,18 +11435,10 @@
           <a:bodyPr/>
           <a:lstStyle/>
           <a:p>
-            <a:pPr marL="0" indent="0">
-              <a:buNone/>
-            </a:pPr>
             <a:r>
               <a:rPr lang="en-US" dirty="0" smtClean="0"/>
-              <a:t>Use Curl to make http </a:t>
-            </a:r>
-            <a:r>
-              <a:rPr lang="en-US" dirty="0" smtClean="0"/>
-              <a:t>requests against public data API</a:t>
-            </a:r>
-            <a:endParaRPr lang="en-US" dirty="0" smtClean="0"/>
+              <a:t>{SNYGG BILD}</a:t>
+            </a:r>
           </a:p>
         </p:txBody>
       </p:sp>
@@ -11210,7 +11474,7 @@
     </p:spTree>
     <p:extLst>
       <p:ext uri="{BB962C8B-B14F-4D97-AF65-F5344CB8AC3E}">
-        <p14:creationId xmlns:p14="http://schemas.microsoft.com/office/powerpoint/2010/main" val="3805536355"/>
+        <p14:creationId xmlns:p14="http://schemas.microsoft.com/office/powerpoint/2010/main" val="2100865221"/>
       </p:ext>
     </p:extLst>
   </p:cSld>

--- a/Cadec-vårdens-apier.pptx
+++ b/Cadec-vårdens-apier.pptx
@@ -22,7 +22,7 @@
     <p:sldId id="259" r:id="rId10"/>
     <p:sldId id="261" r:id="rId11"/>
     <p:sldId id="264" r:id="rId12"/>
-    <p:sldId id="266" r:id="rId13"/>
+    <p:sldId id="277" r:id="rId13"/>
     <p:sldId id="265" r:id="rId14"/>
     <p:sldId id="272" r:id="rId15"/>
     <p:sldId id="273" r:id="rId16"/>
@@ -262,7 +262,7 @@
               <a:pPr>
                 <a:defRPr/>
               </a:pPr>
-              <a:t>2012-12-27</a:t>
+              <a:t>2012-12-28</a:t>
             </a:fld>
             <a:endParaRPr lang="sv-SE"/>
           </a:p>
@@ -462,7 +462,7 @@
               <a:pPr>
                 <a:defRPr/>
               </a:pPr>
-              <a:t>2012-12-27</a:t>
+              <a:t>2012-12-28</a:t>
             </a:fld>
             <a:endParaRPr lang="sv-SE"/>
           </a:p>
@@ -7449,13 +7449,8 @@
             </a:pPr>
             <a:r>
               <a:rPr lang="en-US" dirty="0" smtClean="0"/>
-              <a:t>Use Curl to make http </a:t>
-            </a:r>
-            <a:r>
-              <a:rPr lang="en-US" dirty="0" smtClean="0"/>
-              <a:t>requests against public data API</a:t>
-            </a:r>
-            <a:endParaRPr lang="en-US" dirty="0" smtClean="0"/>
+              <a:t>Use Curl to make http requests against public data API</a:t>
+            </a:r>
           </a:p>
         </p:txBody>
       </p:sp>
@@ -7623,13 +7618,8 @@
             <a:pPr lvl="1"/>
             <a:r>
               <a:rPr lang="en-US" sz="1800" dirty="0" smtClean="0"/>
-              <a:t>SSL/TLS </a:t>
-            </a:r>
-            <a:r>
-              <a:rPr lang="en-US" sz="1800" dirty="0" smtClean="0"/>
-              <a:t>certificate issued by trusted CA</a:t>
-            </a:r>
-            <a:endParaRPr lang="en-US" sz="1800" dirty="0" smtClean="0"/>
+              <a:t>SSL/TLS certificate issued by trusted CA</a:t>
+            </a:r>
           </a:p>
           <a:p>
             <a:pPr lvl="1"/>
@@ -7703,6 +7693,13 @@
   <p:clrMapOvr>
     <a:masterClrMapping/>
   </p:clrMapOvr>
+  <p:timing>
+    <p:tnLst>
+      <p:par>
+        <p:cTn xmlns:p14="http://schemas.microsoft.com/office/powerpoint/2010/main" id="1" dur="indefinite" restart="never" nodeType="tmRoot"/>
+      </p:par>
+    </p:tnLst>
+  </p:timing>
 </p:sld>
 </file>
 
@@ -7744,7 +7741,6 @@
               <a:rPr lang="en-US" dirty="0"/>
               <a:t>API’s for patient related information</a:t>
             </a:r>
-            <a:endParaRPr lang="en-US" dirty="0"/>
           </a:p>
         </p:txBody>
       </p:sp>
@@ -7797,56 +7793,7 @@
             <a:pPr marL="0" indent="0">
               <a:buNone/>
             </a:pPr>
-            <a:r>
-              <a:rPr lang="en-US" sz="1800" dirty="0" smtClean="0"/>
-              <a:t>Simple solution??</a:t>
-            </a:r>
-          </a:p>
-          <a:p>
-            <a:pPr marL="0" indent="0">
-              <a:buNone/>
-            </a:pPr>
-            <a:r>
-              <a:rPr lang="en-US" sz="1800" dirty="0" smtClean="0"/>
-              <a:t>Are you sure 20121212-1212 </a:t>
-            </a:r>
-            <a:r>
-              <a:rPr lang="sv-SE" sz="1800" dirty="0" err="1" smtClean="0"/>
-              <a:t>approves</a:t>
-            </a:r>
-            <a:r>
-              <a:rPr lang="sv-SE" sz="1800" dirty="0" smtClean="0"/>
-              <a:t> </a:t>
-            </a:r>
-            <a:r>
-              <a:rPr lang="sv-SE" sz="1800" dirty="0" err="1" smtClean="0"/>
-              <a:t>this</a:t>
-            </a:r>
-            <a:r>
-              <a:rPr lang="en-US" sz="1800" dirty="0" smtClean="0"/>
-              <a:t> request?</a:t>
-            </a:r>
-          </a:p>
-          <a:p>
-            <a:pPr marL="0" indent="0">
-              <a:buNone/>
-            </a:pPr>
-            <a:r>
-              <a:rPr lang="en-US" sz="1800" dirty="0" smtClean="0"/>
-              <a:t>API must verify approval from the citizen</a:t>
-            </a:r>
-          </a:p>
-          <a:p>
-            <a:pPr marL="0" indent="0">
-              <a:buNone/>
-            </a:pPr>
-            <a:endParaRPr lang="en-US" sz="1800" dirty="0" smtClean="0"/>
-          </a:p>
-          <a:p>
-            <a:pPr marL="0" indent="0">
-              <a:buNone/>
-            </a:pPr>
-            <a:endParaRPr lang="en-US" sz="1800" dirty="0"/>
+            <a:endParaRPr lang="en-US" sz="1400" dirty="0"/>
           </a:p>
         </p:txBody>
       </p:sp>
@@ -7879,16 +7826,108 @@
           </a:p>
         </p:txBody>
       </p:sp>
-      <p:sp>
-        <p:nvSpPr>
-          <p:cNvPr id="6" name="Rectangle 5"/>
+      <p:grpSp>
+        <p:nvGrpSpPr>
+          <p:cNvPr id="15" name="Group 14"/>
+          <p:cNvGrpSpPr/>
+          <p:nvPr/>
+        </p:nvGrpSpPr>
+        <p:grpSpPr>
+          <a:xfrm>
+            <a:off x="5054636" y="1894254"/>
+            <a:ext cx="1291327" cy="1616036"/>
+            <a:chOff x="2077058" y="2995246"/>
+            <a:chExt cx="1291327" cy="1616036"/>
+          </a:xfrm>
+        </p:grpSpPr>
+        <p:pic>
+          <p:nvPicPr>
+            <p:cNvPr id="16" name="Picture 15"/>
+            <p:cNvPicPr>
+              <a:picLocks noChangeAspect="1"/>
+            </p:cNvPicPr>
+            <p:nvPr/>
+          </p:nvPicPr>
+          <p:blipFill>
+            <a:blip r:embed="rId3"/>
+            <a:stretch>
+              <a:fillRect/>
+            </a:stretch>
+          </p:blipFill>
+          <p:spPr>
+            <a:xfrm>
+              <a:off x="2197100" y="3708331"/>
+              <a:ext cx="902951" cy="902951"/>
+            </a:xfrm>
+            <a:prstGeom prst="rect">
+              <a:avLst/>
+            </a:prstGeom>
+          </p:spPr>
+        </p:pic>
+        <p:sp>
+          <p:nvSpPr>
+            <p:cNvPr id="17" name="TextBox 16"/>
+            <p:cNvSpPr txBox="1"/>
+            <p:nvPr/>
+          </p:nvSpPr>
+          <p:spPr>
+            <a:xfrm>
+              <a:off x="2077058" y="2995246"/>
+              <a:ext cx="1291327" cy="738664"/>
+            </a:xfrm>
+            <a:prstGeom prst="rect">
+              <a:avLst/>
+            </a:prstGeom>
+            <a:noFill/>
+          </p:spPr>
+          <p:txBody>
+            <a:bodyPr wrap="square" rtlCol="0">
+              <a:spAutoFit/>
+            </a:bodyPr>
+            <a:lstStyle/>
+            <a:p>
+              <a:pPr algn="ctr"/>
+              <a:r>
+                <a:rPr lang="en-US" sz="1400" dirty="0" smtClean="0"/>
+                <a:t>3</a:t>
+              </a:r>
+              <a:r>
+                <a:rPr lang="en-US" sz="1400" baseline="30000" dirty="0" smtClean="0"/>
+                <a:t>rd</a:t>
+              </a:r>
+              <a:r>
+                <a:rPr lang="en-US" sz="1400" dirty="0" smtClean="0"/>
+                <a:t> party </a:t>
+              </a:r>
+            </a:p>
+            <a:p>
+              <a:pPr algn="ctr"/>
+              <a:r>
+                <a:rPr lang="en-US" sz="1400" dirty="0" smtClean="0"/>
+                <a:t>Client</a:t>
+              </a:r>
+            </a:p>
+            <a:p>
+              <a:pPr algn="ctr"/>
+              <a:r>
+                <a:rPr lang="en-US" sz="1400" dirty="0" smtClean="0"/>
+                <a:t> application</a:t>
+              </a:r>
+              <a:endParaRPr lang="en-US" sz="1400" dirty="0"/>
+            </a:p>
+          </p:txBody>
+        </p:sp>
+      </p:grpSp>
+      <p:sp>
+        <p:nvSpPr>
+          <p:cNvPr id="8" name="Rectangle 7"/>
           <p:cNvSpPr/>
           <p:nvPr/>
         </p:nvSpPr>
         <p:spPr>
           <a:xfrm>
-            <a:off x="5892799" y="2743202"/>
-            <a:ext cx="1185333" cy="897467"/>
+            <a:off x="3937000" y="4076700"/>
+            <a:ext cx="3556000" cy="469900"/>
           </a:xfrm>
           <a:prstGeom prst="rect">
             <a:avLst/>
@@ -7915,55 +7954,173 @@
             <a:pPr algn="ctr"/>
             <a:r>
               <a:rPr lang="en-US" dirty="0" smtClean="0"/>
-              <a:t>Certified Client</a:t>
+              <a:t>API</a:t>
             </a:r>
             <a:endParaRPr lang="en-US" dirty="0"/>
           </a:p>
         </p:txBody>
       </p:sp>
-      <p:cxnSp>
-        <p:nvCxnSpPr>
-          <p:cNvPr id="9" name="Straight Arrow Connector 8"/>
-          <p:cNvCxnSpPr/>
+      <p:grpSp>
+        <p:nvGrpSpPr>
+          <p:cNvPr id="12" name="Group 11"/>
+          <p:cNvGrpSpPr/>
           <p:nvPr/>
-        </p:nvCxnSpPr>
+        </p:nvGrpSpPr>
+        <p:grpSpPr>
+          <a:xfrm>
+            <a:off x="1371600" y="4254381"/>
+            <a:ext cx="1262936" cy="1435219"/>
+            <a:chOff x="1371600" y="3510290"/>
+            <a:chExt cx="1262936" cy="1435219"/>
+          </a:xfrm>
+        </p:grpSpPr>
+        <p:pic>
+          <p:nvPicPr>
+            <p:cNvPr id="23" name="Picture 22" descr="owner.gif"/>
+            <p:cNvPicPr>
+              <a:picLocks noChangeAspect="1"/>
+            </p:cNvPicPr>
+            <p:nvPr/>
+          </p:nvPicPr>
+          <p:blipFill>
+            <a:blip r:embed="rId4">
+              <a:extLst>
+                <a:ext uri="{28A0092B-C50C-407E-A947-70E740481C1C}">
+                  <a14:useLocalDpi xmlns:a14="http://schemas.microsoft.com/office/drawing/2010/main" val="0"/>
+                </a:ext>
+              </a:extLst>
+            </a:blip>
+            <a:stretch>
+              <a:fillRect/>
+            </a:stretch>
+          </p:blipFill>
+          <p:spPr>
+            <a:xfrm>
+              <a:off x="1852871" y="3510290"/>
+              <a:ext cx="392415" cy="1132820"/>
+            </a:xfrm>
+            <a:prstGeom prst="rect">
+              <a:avLst/>
+            </a:prstGeom>
+          </p:spPr>
+        </p:pic>
+        <p:sp>
+          <p:nvSpPr>
+            <p:cNvPr id="10" name="TextBox 9"/>
+            <p:cNvSpPr txBox="1"/>
+            <p:nvPr/>
+          </p:nvSpPr>
+          <p:spPr>
+            <a:xfrm>
+              <a:off x="1371600" y="4668510"/>
+              <a:ext cx="1262936" cy="276999"/>
+            </a:xfrm>
+            <a:prstGeom prst="rect">
+              <a:avLst/>
+            </a:prstGeom>
+            <a:noFill/>
+          </p:spPr>
+          <p:txBody>
+            <a:bodyPr wrap="none" rtlCol="0">
+              <a:spAutoFit/>
+            </a:bodyPr>
+            <a:lstStyle/>
+            <a:p>
+              <a:r>
+                <a:rPr lang="en-US" sz="1200" dirty="0" smtClean="0"/>
+                <a:t>20121212-1212</a:t>
+              </a:r>
+              <a:endParaRPr lang="en-US" sz="1200" dirty="0"/>
+            </a:p>
+          </p:txBody>
+        </p:sp>
+      </p:grpSp>
+      <p:sp>
+        <p:nvSpPr>
+          <p:cNvPr id="24" name="Down Arrow 23"/>
+          <p:cNvSpPr/>
+          <p:nvPr/>
+        </p:nvSpPr>
         <p:spPr>
-          <a:xfrm flipH="1">
-            <a:off x="6451599" y="3674536"/>
-            <a:ext cx="1" cy="397933"/>
+          <a:xfrm>
+            <a:off x="5499100" y="3510290"/>
+            <a:ext cx="355600" cy="566410"/>
           </a:xfrm>
-          <a:prstGeom prst="straightConnector1">
+          <a:prstGeom prst="downArrow">
             <a:avLst/>
           </a:prstGeom>
-          <a:ln>
-            <a:tailEnd type="arrow"/>
-          </a:ln>
         </p:spPr>
         <p:style>
-          <a:lnRef idx="2">
+          <a:lnRef idx="1">
             <a:schemeClr val="accent1"/>
           </a:lnRef>
-          <a:fillRef idx="0">
+          <a:fillRef idx="3">
             <a:schemeClr val="accent1"/>
           </a:fillRef>
-          <a:effectRef idx="1">
+          <a:effectRef idx="2">
             <a:schemeClr val="accent1"/>
           </a:effectRef>
           <a:fontRef idx="minor">
-            <a:schemeClr val="tx1"/>
+            <a:schemeClr val="lt1"/>
           </a:fontRef>
         </p:style>
-      </p:cxnSp>
-      <p:sp>
-        <p:nvSpPr>
-          <p:cNvPr id="7" name="Rectangle 6"/>
+        <p:txBody>
+          <a:bodyPr rtlCol="0" anchor="ctr"/>
+          <a:lstStyle/>
+          <a:p>
+            <a:pPr algn="ctr"/>
+            <a:endParaRPr lang="en-US"/>
+          </a:p>
+        </p:txBody>
+      </p:sp>
+      <p:sp>
+        <p:nvSpPr>
+          <p:cNvPr id="25" name="TextBox 24"/>
+          <p:cNvSpPr txBox="1"/>
+          <p:nvPr/>
+        </p:nvSpPr>
+        <p:spPr>
+          <a:xfrm>
+            <a:off x="4102100" y="3510290"/>
+            <a:ext cx="3914165" cy="307777"/>
+          </a:xfrm>
+          <a:prstGeom prst="rect">
+            <a:avLst/>
+          </a:prstGeom>
+          <a:noFill/>
+        </p:spPr>
+        <p:txBody>
+          <a:bodyPr wrap="none" rtlCol="0">
+            <a:spAutoFit/>
+          </a:bodyPr>
+          <a:lstStyle/>
+          <a:p>
+            <a:r>
+              <a:rPr lang="en-US" sz="1400" dirty="0" smtClean="0"/>
+              <a:t>GET http://</a:t>
+            </a:r>
+            <a:r>
+              <a:rPr lang="en-US" sz="1400" dirty="0" err="1" smtClean="0"/>
+              <a:t>someurltoapi.com</a:t>
+            </a:r>
+            <a:r>
+              <a:rPr lang="en-US" sz="1400" dirty="0" smtClean="0"/>
+              <a:t>/20121212121212 </a:t>
+            </a:r>
+            <a:endParaRPr lang="en-US" sz="1400" dirty="0"/>
+          </a:p>
+        </p:txBody>
+      </p:sp>
+      <p:sp>
+        <p:nvSpPr>
+          <p:cNvPr id="26" name="Rectangle 25"/>
           <p:cNvSpPr/>
           <p:nvPr/>
         </p:nvSpPr>
         <p:spPr>
           <a:xfrm>
-            <a:off x="5858933" y="4436535"/>
-            <a:ext cx="1185333" cy="897467"/>
+            <a:off x="3937000" y="4775200"/>
+            <a:ext cx="1066800" cy="673100"/>
           </a:xfrm>
           <a:prstGeom prst="rect">
             <a:avLst/>
@@ -7989,25 +8146,110 @@
           <a:p>
             <a:pPr algn="ctr"/>
             <a:r>
-              <a:rPr lang="en-US" dirty="0" smtClean="0"/>
-              <a:t>API</a:t>
-            </a:r>
-            <a:endParaRPr lang="en-US" dirty="0"/>
+              <a:rPr lang="en-US" sz="1400" dirty="0" smtClean="0"/>
+              <a:t>Citizens medical records</a:t>
+            </a:r>
+            <a:endParaRPr lang="en-US" sz="1400" dirty="0"/>
+          </a:p>
+        </p:txBody>
+      </p:sp>
+      <p:sp>
+        <p:nvSpPr>
+          <p:cNvPr id="29" name="Rectangle 28"/>
+          <p:cNvSpPr/>
+          <p:nvPr/>
+        </p:nvSpPr>
+        <p:spPr>
+          <a:xfrm>
+            <a:off x="5207000" y="4775200"/>
+            <a:ext cx="1011963" cy="673100"/>
+          </a:xfrm>
+          <a:prstGeom prst="rect">
+            <a:avLst/>
+          </a:prstGeom>
+        </p:spPr>
+        <p:style>
+          <a:lnRef idx="1">
+            <a:schemeClr val="accent1"/>
+          </a:lnRef>
+          <a:fillRef idx="3">
+            <a:schemeClr val="accent1"/>
+          </a:fillRef>
+          <a:effectRef idx="2">
+            <a:schemeClr val="accent1"/>
+          </a:effectRef>
+          <a:fontRef idx="minor">
+            <a:schemeClr val="lt1"/>
+          </a:fontRef>
+        </p:style>
+        <p:txBody>
+          <a:bodyPr rtlCol="0" anchor="ctr"/>
+          <a:lstStyle/>
+          <a:p>
+            <a:pPr algn="ctr"/>
+            <a:r>
+              <a:rPr lang="en-US" sz="1400" dirty="0" smtClean="0"/>
+              <a:t>Citizens medical records</a:t>
+            </a:r>
+            <a:endParaRPr lang="en-US" sz="1400" dirty="0"/>
+          </a:p>
+        </p:txBody>
+      </p:sp>
+      <p:sp>
+        <p:nvSpPr>
+          <p:cNvPr id="30" name="Rectangle 29"/>
+          <p:cNvSpPr/>
+          <p:nvPr/>
+        </p:nvSpPr>
+        <p:spPr>
+          <a:xfrm>
+            <a:off x="6413500" y="4775200"/>
+            <a:ext cx="1079500" cy="673100"/>
+          </a:xfrm>
+          <a:prstGeom prst="rect">
+            <a:avLst/>
+          </a:prstGeom>
+        </p:spPr>
+        <p:style>
+          <a:lnRef idx="1">
+            <a:schemeClr val="accent1"/>
+          </a:lnRef>
+          <a:fillRef idx="3">
+            <a:schemeClr val="accent1"/>
+          </a:fillRef>
+          <a:effectRef idx="2">
+            <a:schemeClr val="accent1"/>
+          </a:effectRef>
+          <a:fontRef idx="minor">
+            <a:schemeClr val="lt1"/>
+          </a:fontRef>
+        </p:style>
+        <p:txBody>
+          <a:bodyPr rtlCol="0" anchor="ctr"/>
+          <a:lstStyle/>
+          <a:p>
+            <a:pPr algn="ctr"/>
+            <a:r>
+              <a:rPr lang="en-US" sz="1400" dirty="0" smtClean="0"/>
+              <a:t>Citizens medical records</a:t>
+            </a:r>
+            <a:endParaRPr lang="en-US" sz="1400" dirty="0"/>
           </a:p>
         </p:txBody>
       </p:sp>
       <p:cxnSp>
         <p:nvCxnSpPr>
-          <p:cNvPr id="11" name="Straight Connector 10"/>
+          <p:cNvPr id="31" name="Straight Connector 30"/>
           <p:cNvCxnSpPr>
-            <a:stCxn id="7" idx="0"/>
+            <a:stCxn id="8" idx="2"/>
+            <a:endCxn id="26" idx="0"/>
           </p:cNvCxnSpPr>
           <p:nvPr/>
         </p:nvCxnSpPr>
         <p:spPr>
-          <a:xfrm flipV="1">
-            <a:off x="6451600" y="4216403"/>
-            <a:ext cx="0" cy="220132"/>
+          <a:xfrm flipH="1">
+            <a:off x="4470400" y="4546600"/>
+            <a:ext cx="1244600" cy="228600"/>
           </a:xfrm>
           <a:prstGeom prst="line">
             <a:avLst/>
@@ -8028,54 +8270,82 @@
           </a:fontRef>
         </p:style>
       </p:cxnSp>
-      <p:sp>
-        <p:nvSpPr>
-          <p:cNvPr id="14" name="Oval 13"/>
-          <p:cNvSpPr/>
+      <p:cxnSp>
+        <p:nvCxnSpPr>
+          <p:cNvPr id="33" name="Straight Connector 32"/>
+          <p:cNvCxnSpPr>
+            <a:stCxn id="8" idx="2"/>
+            <a:endCxn id="29" idx="0"/>
+          </p:cNvCxnSpPr>
           <p:nvPr/>
-        </p:nvSpPr>
+        </p:nvCxnSpPr>
         <p:spPr>
-          <a:xfrm>
-            <a:off x="6375400" y="4079015"/>
-            <a:ext cx="152400" cy="137388"/>
+          <a:xfrm flipH="1">
+            <a:off x="5712982" y="4546600"/>
+            <a:ext cx="2018" cy="228600"/>
           </a:xfrm>
-          <a:prstGeom prst="ellipse">
+          <a:prstGeom prst="line">
             <a:avLst/>
           </a:prstGeom>
         </p:spPr>
         <p:style>
-          <a:lnRef idx="1">
+          <a:lnRef idx="2">
             <a:schemeClr val="accent1"/>
           </a:lnRef>
-          <a:fillRef idx="3">
+          <a:fillRef idx="0">
             <a:schemeClr val="accent1"/>
           </a:fillRef>
-          <a:effectRef idx="2">
+          <a:effectRef idx="1">
             <a:schemeClr val="accent1"/>
           </a:effectRef>
           <a:fontRef idx="minor">
-            <a:schemeClr val="lt1"/>
+            <a:schemeClr val="tx1"/>
           </a:fontRef>
         </p:style>
-        <p:txBody>
-          <a:bodyPr rtlCol="0" anchor="ctr"/>
-          <a:lstStyle/>
-          <a:p>
-            <a:pPr algn="ctr"/>
-            <a:endParaRPr lang="en-US"/>
-          </a:p>
-        </p:txBody>
-      </p:sp>
-      <p:sp>
-        <p:nvSpPr>
-          <p:cNvPr id="21" name="TextBox 20"/>
+      </p:cxnSp>
+      <p:cxnSp>
+        <p:nvCxnSpPr>
+          <p:cNvPr id="35" name="Straight Connector 34"/>
+          <p:cNvCxnSpPr>
+            <a:stCxn id="8" idx="2"/>
+            <a:endCxn id="30" idx="0"/>
+          </p:cNvCxnSpPr>
+          <p:nvPr/>
+        </p:nvCxnSpPr>
+        <p:spPr>
+          <a:xfrm>
+            <a:off x="5715000" y="4546600"/>
+            <a:ext cx="1238250" cy="228600"/>
+          </a:xfrm>
+          <a:prstGeom prst="line">
+            <a:avLst/>
+          </a:prstGeom>
+        </p:spPr>
+        <p:style>
+          <a:lnRef idx="2">
+            <a:schemeClr val="accent1"/>
+          </a:lnRef>
+          <a:fillRef idx="0">
+            <a:schemeClr val="accent1"/>
+          </a:fillRef>
+          <a:effectRef idx="1">
+            <a:schemeClr val="accent1"/>
+          </a:effectRef>
+          <a:fontRef idx="minor">
+            <a:schemeClr val="tx1"/>
+          </a:fontRef>
+        </p:style>
+      </p:cxnSp>
+      <p:sp>
+        <p:nvSpPr>
+          <p:cNvPr id="36" name="TextBox 35"/>
           <p:cNvSpPr txBox="1"/>
           <p:nvPr/>
         </p:nvSpPr>
         <p:spPr>
           <a:xfrm>
-            <a:off x="6460068" y="3839082"/>
-            <a:ext cx="1981507" cy="369332"/>
+            <a:off x="685800" y="1907727"/>
+            <a:ext cx="4521200" cy="2462213"/>
           </a:xfrm>
           <a:prstGeom prst="rect">
             <a:avLst/>
@@ -8083,34 +8353,125 @@
           <a:noFill/>
         </p:spPr>
         <p:txBody>
-          <a:bodyPr wrap="none" rtlCol="0">
+          <a:bodyPr wrap="square" rtlCol="0">
             <a:spAutoFit/>
           </a:bodyPr>
           <a:lstStyle/>
           <a:p>
-            <a:r>
-              <a:rPr lang="en-US" dirty="0" smtClean="0"/>
-              <a:t>Get 121212-1212</a:t>
-            </a:r>
-            <a:endParaRPr lang="en-US" dirty="0"/>
-          </a:p>
-        </p:txBody>
-      </p:sp>
-      <p:sp>
-        <p:nvSpPr>
-          <p:cNvPr id="43" name="Oval Callout 42"/>
+            <a:pPr marL="0" indent="0">
+              <a:buNone/>
+            </a:pPr>
+            <a:r>
+              <a:rPr lang="en-US" sz="1400" dirty="0"/>
+              <a:t>Simple solution??</a:t>
+            </a:r>
+          </a:p>
+          <a:p>
+            <a:pPr marL="0" indent="0">
+              <a:buNone/>
+            </a:pPr>
+            <a:endParaRPr lang="en-US" sz="1400" dirty="0" smtClean="0"/>
+          </a:p>
+          <a:p>
+            <a:pPr marL="0" indent="0">
+              <a:buNone/>
+            </a:pPr>
+            <a:r>
+              <a:rPr lang="en-US" sz="1400" dirty="0" smtClean="0"/>
+              <a:t>Are </a:t>
+            </a:r>
+            <a:r>
+              <a:rPr lang="en-US" sz="1400" dirty="0"/>
+              <a:t>you sure 20121212-1212 </a:t>
+            </a:r>
+            <a:r>
+              <a:rPr lang="sv-SE" sz="1400" dirty="0" err="1"/>
+              <a:t>approves</a:t>
+            </a:r>
+            <a:r>
+              <a:rPr lang="sv-SE" sz="1400" dirty="0"/>
+              <a:t> </a:t>
+            </a:r>
+            <a:r>
+              <a:rPr lang="sv-SE" sz="1400" dirty="0" err="1"/>
+              <a:t>this</a:t>
+            </a:r>
+            <a:r>
+              <a:rPr lang="en-US" sz="1400" dirty="0"/>
+              <a:t> request?</a:t>
+            </a:r>
+          </a:p>
+          <a:p>
+            <a:pPr marL="0" indent="0">
+              <a:buNone/>
+            </a:pPr>
+            <a:r>
+              <a:rPr lang="en-US" sz="1400" dirty="0"/>
+              <a:t>API must verify approval from the </a:t>
+            </a:r>
+            <a:r>
+              <a:rPr lang="en-US" sz="1400" dirty="0" smtClean="0"/>
+              <a:t>citizen.</a:t>
+            </a:r>
+          </a:p>
+          <a:p>
+            <a:pPr marL="0" indent="0">
+              <a:buNone/>
+            </a:pPr>
+            <a:endParaRPr lang="en-US" sz="1400" dirty="0" smtClean="0"/>
+          </a:p>
+          <a:p>
+            <a:pPr marL="0" indent="0">
+              <a:buNone/>
+            </a:pPr>
+            <a:r>
+              <a:rPr lang="en-US" sz="1400" dirty="0" smtClean="0"/>
+              <a:t>Does providers of medical records trust the client application?</a:t>
+            </a:r>
+          </a:p>
+          <a:p>
+            <a:pPr marL="0" indent="0">
+              <a:buNone/>
+            </a:pPr>
+            <a:r>
+              <a:rPr lang="en-US" sz="1400" dirty="0" smtClean="0"/>
+              <a:t>API must verify client applications. </a:t>
+            </a:r>
+            <a:endParaRPr lang="en-US" sz="1400" dirty="0"/>
+          </a:p>
+          <a:p>
+            <a:pPr marL="0" indent="0">
+              <a:buNone/>
+            </a:pPr>
+            <a:endParaRPr lang="en-US" sz="1400" dirty="0"/>
+          </a:p>
+          <a:p>
+            <a:pPr marL="0" indent="0">
+              <a:buNone/>
+            </a:pPr>
+            <a:endParaRPr lang="en-US" sz="1400" dirty="0"/>
+          </a:p>
+          <a:p>
+            <a:endParaRPr lang="en-US" sz="1400" dirty="0"/>
+          </a:p>
+        </p:txBody>
+      </p:sp>
+      <p:sp>
+        <p:nvSpPr>
+          <p:cNvPr id="37" name="Rounded Rectangular Callout 36"/>
           <p:cNvSpPr/>
           <p:nvPr/>
         </p:nvSpPr>
         <p:spPr>
           <a:xfrm>
-            <a:off x="3767669" y="3005672"/>
-            <a:ext cx="1439334" cy="668864"/>
+            <a:off x="2537386" y="3884880"/>
+            <a:ext cx="1056714" cy="464749"/>
           </a:xfrm>
-          <a:prstGeom prst="wedgeEllipseCallout">
+          <a:prstGeom prst="wedgeRoundRectCallout">
             <a:avLst>
-              <a:gd name="adj1" fmla="val -29068"/>
-              <a:gd name="adj2" fmla="val 97943"/>
+              <a:gd name="adj1" fmla="val -83839"/>
+              <a:gd name="adj2" fmla="val 45913"/>
+              <a:gd name="adj3" fmla="val 16667"/>
             </a:avLst>
           </a:prstGeom>
         </p:spPr>
@@ -8134,47 +8495,17 @@
           <a:p>
             <a:pPr algn="ctr"/>
             <a:r>
-              <a:rPr lang="en-US" dirty="0" smtClean="0"/>
-              <a:t>Yes</a:t>
-            </a:r>
-            <a:endParaRPr lang="en-US" dirty="0"/>
-          </a:p>
-        </p:txBody>
-      </p:sp>
-      <p:pic>
-        <p:nvPicPr>
-          <p:cNvPr id="19" name="Picture 18" descr="owner.gif"/>
-          <p:cNvPicPr>
-            <a:picLocks noChangeAspect="1"/>
-          </p:cNvPicPr>
-          <p:nvPr/>
-        </p:nvPicPr>
-        <p:blipFill>
-          <a:blip r:embed="rId3">
-            <a:extLst>
-              <a:ext uri="{28A0092B-C50C-407E-A947-70E740481C1C}">
-                <a14:useLocalDpi xmlns:a14="http://schemas.microsoft.com/office/drawing/2010/main" val="0"/>
-              </a:ext>
-            </a:extLst>
-          </a:blip>
-          <a:stretch>
-            <a:fillRect/>
-          </a:stretch>
-        </p:blipFill>
-        <p:spPr>
-          <a:xfrm>
-            <a:off x="3364030" y="3839082"/>
-            <a:ext cx="581439" cy="1678493"/>
-          </a:xfrm>
-          <a:prstGeom prst="rect">
-            <a:avLst/>
-          </a:prstGeom>
-        </p:spPr>
-      </p:pic>
+              <a:rPr lang="en-US" sz="1400" dirty="0" smtClean="0"/>
+              <a:t>Approved</a:t>
+            </a:r>
+            <a:endParaRPr lang="en-US" sz="1400" dirty="0"/>
+          </a:p>
+        </p:txBody>
+      </p:sp>
     </p:spTree>
     <p:extLst>
       <p:ext uri="{BB962C8B-B14F-4D97-AF65-F5344CB8AC3E}">
-        <p14:creationId xmlns:p14="http://schemas.microsoft.com/office/powerpoint/2010/main" val="3263381963"/>
+        <p14:creationId xmlns:p14="http://schemas.microsoft.com/office/powerpoint/2010/main" val="1704152341"/>
       </p:ext>
     </p:extLst>
   </p:cSld>
@@ -10065,13 +10396,7 @@
               <a:rPr lang="en-US" sz="1800" dirty="0">
                 <a:hlinkClick r:id="rId2"/>
               </a:rPr>
-              <a:t>http://sdk.minavardkontakter.se</a:t>
-            </a:r>
-            <a:r>
-              <a:rPr lang="en-US" sz="1800">
-                <a:hlinkClick r:id="rId2"/>
-              </a:rPr>
-              <a:t>/</a:t>
+              <a:t>http://sdk.minavardkontakter.se/</a:t>
             </a:r>
             <a:endParaRPr lang="en-US" sz="1800" dirty="0" smtClean="0">
               <a:hlinkClick r:id="rId2"/>
@@ -10272,16 +10597,11 @@
               <a:rPr lang="en-US" sz="2000" dirty="0" smtClean="0"/>
               <a:t>Practical info</a:t>
             </a:r>
-            <a:endParaRPr lang="en-US" sz="2000" dirty="0" smtClean="0"/>
           </a:p>
           <a:p>
             <a:r>
               <a:rPr lang="en-US" sz="2000" dirty="0" smtClean="0"/>
-              <a:t>Introduction </a:t>
-            </a:r>
-            <a:r>
-              <a:rPr lang="en-US" sz="2000" dirty="0" smtClean="0"/>
-              <a:t>to SDK by VINNOVA</a:t>
+              <a:t>Introduction to SDK by VINNOVA</a:t>
             </a:r>
           </a:p>
           <a:p>

--- a/Cadec-vårdens-apier.pptx
+++ b/Cadec-vårdens-apier.pptx
@@ -5,33 +5,34 @@
     <p:sldMasterId id="2147483648" r:id="rId1"/>
   </p:sldMasterIdLst>
   <p:notesMasterIdLst>
-    <p:notesMasterId r:id="rId23"/>
+    <p:notesMasterId r:id="rId24"/>
   </p:notesMasterIdLst>
   <p:handoutMasterIdLst>
-    <p:handoutMasterId r:id="rId24"/>
+    <p:handoutMasterId r:id="rId25"/>
   </p:handoutMasterIdLst>
   <p:sldIdLst>
     <p:sldId id="256" r:id="rId2"/>
     <p:sldId id="260" r:id="rId3"/>
     <p:sldId id="262" r:id="rId4"/>
-    <p:sldId id="268" r:id="rId5"/>
-    <p:sldId id="276" r:id="rId6"/>
-    <p:sldId id="263" r:id="rId7"/>
-    <p:sldId id="257" r:id="rId8"/>
-    <p:sldId id="258" r:id="rId9"/>
-    <p:sldId id="259" r:id="rId10"/>
-    <p:sldId id="261" r:id="rId11"/>
-    <p:sldId id="264" r:id="rId12"/>
-    <p:sldId id="277" r:id="rId13"/>
-    <p:sldId id="265" r:id="rId14"/>
-    <p:sldId id="272" r:id="rId15"/>
-    <p:sldId id="273" r:id="rId16"/>
-    <p:sldId id="267" r:id="rId17"/>
-    <p:sldId id="275" r:id="rId18"/>
-    <p:sldId id="269" r:id="rId19"/>
-    <p:sldId id="271" r:id="rId20"/>
-    <p:sldId id="270" r:id="rId21"/>
-    <p:sldId id="274" r:id="rId22"/>
+    <p:sldId id="276" r:id="rId5"/>
+    <p:sldId id="263" r:id="rId6"/>
+    <p:sldId id="278" r:id="rId7"/>
+    <p:sldId id="279" r:id="rId8"/>
+    <p:sldId id="257" r:id="rId9"/>
+    <p:sldId id="258" r:id="rId10"/>
+    <p:sldId id="259" r:id="rId11"/>
+    <p:sldId id="261" r:id="rId12"/>
+    <p:sldId id="264" r:id="rId13"/>
+    <p:sldId id="277" r:id="rId14"/>
+    <p:sldId id="265" r:id="rId15"/>
+    <p:sldId id="272" r:id="rId16"/>
+    <p:sldId id="273" r:id="rId17"/>
+    <p:sldId id="267" r:id="rId18"/>
+    <p:sldId id="275" r:id="rId19"/>
+    <p:sldId id="269" r:id="rId20"/>
+    <p:sldId id="271" r:id="rId21"/>
+    <p:sldId id="270" r:id="rId22"/>
+    <p:sldId id="274" r:id="rId23"/>
   </p:sldIdLst>
   <p:sldSz cx="9144000" cy="6858000" type="screen4x3"/>
   <p:notesSz cx="6858000" cy="9144000"/>
@@ -915,7 +916,70 @@
           <a:bodyPr/>
           <a:lstStyle/>
           <a:p>
-            <a:endParaRPr lang="en-US" dirty="0"/>
+            <a:r>
+              <a:rPr lang="en-US" baseline="0" dirty="0" err="1" smtClean="0"/>
+              <a:t>Vinnova</a:t>
+            </a:r>
+            <a:r>
+              <a:rPr lang="en-US" baseline="0" dirty="0" smtClean="0"/>
+              <a:t> </a:t>
+            </a:r>
+            <a:r>
+              <a:rPr lang="en-US" baseline="0" dirty="0" err="1" smtClean="0"/>
+              <a:t>är</a:t>
+            </a:r>
+            <a:r>
+              <a:rPr lang="en-US" baseline="0" dirty="0" smtClean="0"/>
+              <a:t> </a:t>
+            </a:r>
+            <a:r>
+              <a:rPr lang="en-US" baseline="0" dirty="0" err="1" smtClean="0"/>
+              <a:t>Sveriges</a:t>
+            </a:r>
+            <a:r>
+              <a:rPr lang="en-US" baseline="0" dirty="0" smtClean="0"/>
+              <a:t> </a:t>
+            </a:r>
+            <a:r>
+              <a:rPr lang="en-US" baseline="0" dirty="0" err="1" smtClean="0"/>
+              <a:t>innovationsmyndighet</a:t>
+            </a:r>
+            <a:r>
+              <a:rPr lang="en-US" baseline="0" dirty="0" smtClean="0"/>
+              <a:t> </a:t>
+            </a:r>
+            <a:r>
+              <a:rPr lang="en-US" baseline="0" dirty="0" err="1" smtClean="0"/>
+              <a:t>som</a:t>
+            </a:r>
+            <a:r>
+              <a:rPr lang="en-US" baseline="0" dirty="0" smtClean="0"/>
+              <a:t> </a:t>
+            </a:r>
+            <a:r>
+              <a:rPr lang="en-US" baseline="0" dirty="0" err="1" smtClean="0"/>
+              <a:t>bla</a:t>
+            </a:r>
+            <a:r>
+              <a:rPr lang="en-US" baseline="0" dirty="0" smtClean="0"/>
+              <a:t> </a:t>
+            </a:r>
+            <a:r>
+              <a:rPr lang="en-US" baseline="0" dirty="0" err="1" smtClean="0"/>
+              <a:t>sponsrar</a:t>
+            </a:r>
+            <a:r>
+              <a:rPr lang="en-US" baseline="0" dirty="0" smtClean="0"/>
+              <a:t> </a:t>
+            </a:r>
+            <a:r>
+              <a:rPr lang="en-US" baseline="0" dirty="0" err="1" smtClean="0"/>
+              <a:t>forskningsprojekt</a:t>
+            </a:r>
+            <a:r>
+              <a:rPr lang="en-US" baseline="0" dirty="0" smtClean="0"/>
+              <a:t>. </a:t>
+            </a:r>
           </a:p>
         </p:txBody>
       </p:sp>
@@ -942,7 +1006,7 @@
               <a:pPr>
                 <a:defRPr/>
               </a:pPr>
-              <a:t>4</a:t>
+              <a:t>5</a:t>
             </a:fld>
             <a:endParaRPr lang="sv-SE"/>
           </a:p>
@@ -951,7 +1015,7 @@
     </p:spTree>
     <p:extLst>
       <p:ext uri="{BB962C8B-B14F-4D97-AF65-F5344CB8AC3E}">
-        <p14:creationId xmlns:p14="http://schemas.microsoft.com/office/powerpoint/2010/main" val="1433702104"/>
+        <p14:creationId xmlns:p14="http://schemas.microsoft.com/office/powerpoint/2010/main" val="1770856474"/>
       </p:ext>
     </p:extLst>
   </p:cSld>
@@ -1052,8 +1116,12 @@
           </a:p>
           <a:p>
             <a:r>
-              <a:rPr lang="en-US" baseline="0" dirty="0" err="1" smtClean="0"/>
-              <a:t>Vinnova</a:t>
+              <a:rPr lang="en-US" baseline="0" dirty="0" smtClean="0"/>
+              <a:t>SDKs </a:t>
+            </a:r>
+            <a:r>
+              <a:rPr lang="en-US" baseline="0" dirty="0" err="1" smtClean="0"/>
+              <a:t>syfte</a:t>
             </a:r>
             <a:r>
               <a:rPr lang="en-US" baseline="0" dirty="0" smtClean="0"/>
@@ -1069,76 +1137,6 @@
             </a:r>
             <a:r>
               <a:rPr lang="en-US" baseline="0" dirty="0" err="1" smtClean="0"/>
-              <a:t>Sveriges</a:t>
-            </a:r>
-            <a:r>
-              <a:rPr lang="en-US" baseline="0" dirty="0" smtClean="0"/>
-              <a:t> </a:t>
-            </a:r>
-            <a:r>
-              <a:rPr lang="en-US" baseline="0" dirty="0" err="1" smtClean="0"/>
-              <a:t>innovationsmyndighet</a:t>
-            </a:r>
-            <a:r>
-              <a:rPr lang="en-US" baseline="0" dirty="0" smtClean="0"/>
-              <a:t> </a:t>
-            </a:r>
-            <a:r>
-              <a:rPr lang="en-US" baseline="0" dirty="0" err="1" smtClean="0"/>
-              <a:t>som</a:t>
-            </a:r>
-            <a:r>
-              <a:rPr lang="en-US" baseline="0" dirty="0" smtClean="0"/>
-              <a:t> </a:t>
-            </a:r>
-            <a:r>
-              <a:rPr lang="en-US" baseline="0" dirty="0" err="1" smtClean="0"/>
-              <a:t>bla</a:t>
-            </a:r>
-            <a:r>
-              <a:rPr lang="en-US" baseline="0" dirty="0" smtClean="0"/>
-              <a:t> </a:t>
-            </a:r>
-            <a:r>
-              <a:rPr lang="en-US" baseline="0" dirty="0" err="1" smtClean="0"/>
-              <a:t>sponsrar</a:t>
-            </a:r>
-            <a:r>
-              <a:rPr lang="en-US" baseline="0" dirty="0" smtClean="0"/>
-              <a:t> </a:t>
-            </a:r>
-            <a:r>
-              <a:rPr lang="en-US" baseline="0" dirty="0" err="1" smtClean="0"/>
-              <a:t>forskningsprojekt</a:t>
-            </a:r>
-            <a:r>
-              <a:rPr lang="en-US" baseline="0" dirty="0" smtClean="0"/>
-              <a:t>. </a:t>
-            </a:r>
-          </a:p>
-          <a:p>
-            <a:r>
-              <a:rPr lang="en-US" baseline="0" dirty="0" smtClean="0"/>
-              <a:t>SDKs </a:t>
-            </a:r>
-            <a:r>
-              <a:rPr lang="en-US" baseline="0" dirty="0" err="1" smtClean="0"/>
-              <a:t>syfte</a:t>
-            </a:r>
-            <a:r>
-              <a:rPr lang="en-US" baseline="0" dirty="0" smtClean="0"/>
-              <a:t> </a:t>
-            </a:r>
-            <a:r>
-              <a:rPr lang="en-US" baseline="0" dirty="0" err="1" smtClean="0"/>
-              <a:t>är</a:t>
-            </a:r>
-            <a:r>
-              <a:rPr lang="en-US" baseline="0" dirty="0" smtClean="0"/>
-              <a:t> </a:t>
-            </a:r>
-            <a:r>
-              <a:rPr lang="en-US" baseline="0" dirty="0" err="1" smtClean="0"/>
               <a:t>att</a:t>
             </a:r>
             <a:r>
@@ -1181,206 +1179,11 @@
               <a:rPr lang="en-US" baseline="0" dirty="0" err="1" smtClean="0"/>
               <a:t>APIer</a:t>
             </a:r>
+            <a:r>
+              <a:rPr lang="en-US" baseline="0" dirty="0" smtClean="0"/>
+              <a:t>.</a:t>
+            </a:r>
             <a:endParaRPr lang="en-US" baseline="0" dirty="0" smtClean="0"/>
-          </a:p>
-          <a:p>
-            <a:r>
-              <a:rPr lang="en-US" baseline="0" dirty="0" err="1" smtClean="0"/>
-              <a:t>APIerna</a:t>
-            </a:r>
-            <a:r>
-              <a:rPr lang="en-US" baseline="0" dirty="0" smtClean="0"/>
-              <a:t> </a:t>
-            </a:r>
-            <a:r>
-              <a:rPr lang="en-US" baseline="0" dirty="0" err="1" smtClean="0"/>
-              <a:t>är</a:t>
-            </a:r>
-            <a:r>
-              <a:rPr lang="en-US" baseline="0" dirty="0" smtClean="0"/>
-              <a:t> </a:t>
-            </a:r>
-            <a:r>
-              <a:rPr lang="en-US" baseline="0" dirty="0" err="1" smtClean="0"/>
-              <a:t>uppdelade</a:t>
-            </a:r>
-            <a:r>
-              <a:rPr lang="en-US" baseline="0" dirty="0" smtClean="0"/>
-              <a:t> I </a:t>
-            </a:r>
-            <a:r>
-              <a:rPr lang="en-US" baseline="0" dirty="0" err="1" smtClean="0"/>
-              <a:t>tre</a:t>
-            </a:r>
-            <a:r>
-              <a:rPr lang="en-US" baseline="0" dirty="0" smtClean="0"/>
-              <a:t> </a:t>
-            </a:r>
-            <a:r>
-              <a:rPr lang="en-US" baseline="0" dirty="0" err="1" smtClean="0"/>
-              <a:t>kategorier</a:t>
-            </a:r>
-            <a:endParaRPr lang="en-US" baseline="0" dirty="0" smtClean="0"/>
-          </a:p>
-          <a:p>
-            <a:r>
-              <a:rPr lang="en-US" baseline="0" dirty="0" smtClean="0"/>
-              <a:t>	1. </a:t>
-            </a:r>
-            <a:r>
-              <a:rPr lang="en-US" baseline="0" dirty="0" err="1" smtClean="0"/>
-              <a:t>Öppen</a:t>
-            </a:r>
-            <a:r>
-              <a:rPr lang="en-US" baseline="0" dirty="0" smtClean="0"/>
-              <a:t>-data-</a:t>
-            </a:r>
-            <a:r>
-              <a:rPr lang="en-US" baseline="0" dirty="0" err="1" smtClean="0"/>
-              <a:t>APIer</a:t>
-            </a:r>
-            <a:r>
-              <a:rPr lang="en-US" baseline="0" dirty="0" smtClean="0"/>
-              <a:t> (</a:t>
-            </a:r>
-            <a:r>
-              <a:rPr lang="en-US" baseline="0" dirty="0" err="1" smtClean="0"/>
-              <a:t>APIer</a:t>
-            </a:r>
-            <a:r>
-              <a:rPr lang="en-US" baseline="0" dirty="0" smtClean="0"/>
-              <a:t> </a:t>
-            </a:r>
-            <a:r>
-              <a:rPr lang="en-US" baseline="0" dirty="0" err="1" smtClean="0"/>
-              <a:t>för</a:t>
-            </a:r>
-            <a:r>
-              <a:rPr lang="en-US" baseline="0" dirty="0" smtClean="0"/>
-              <a:t> </a:t>
-            </a:r>
-            <a:r>
-              <a:rPr lang="en-US" baseline="0" dirty="0" err="1" smtClean="0"/>
-              <a:t>offentlig</a:t>
-            </a:r>
-            <a:r>
-              <a:rPr lang="en-US" baseline="0" dirty="0" smtClean="0"/>
-              <a:t> data)</a:t>
-            </a:r>
-          </a:p>
-          <a:p>
-            <a:r>
-              <a:rPr lang="en-US" baseline="0" dirty="0" smtClean="0"/>
-              <a:t>	2. </a:t>
-            </a:r>
-            <a:r>
-              <a:rPr lang="en-US" baseline="0" dirty="0" err="1" smtClean="0"/>
-              <a:t>Patientdata-APIer</a:t>
-            </a:r>
-            <a:r>
-              <a:rPr lang="en-US" baseline="0" dirty="0" smtClean="0"/>
-              <a:t> (</a:t>
-            </a:r>
-            <a:r>
-              <a:rPr lang="en-US" baseline="0" dirty="0" err="1" smtClean="0"/>
-              <a:t>APIer</a:t>
-            </a:r>
-            <a:r>
-              <a:rPr lang="en-US" baseline="0" dirty="0" smtClean="0"/>
-              <a:t> </a:t>
-            </a:r>
-            <a:r>
-              <a:rPr lang="en-US" baseline="0" dirty="0" err="1" smtClean="0"/>
-              <a:t>för</a:t>
-            </a:r>
-            <a:r>
-              <a:rPr lang="en-US" baseline="0" dirty="0" smtClean="0"/>
-              <a:t> </a:t>
-            </a:r>
-            <a:r>
-              <a:rPr lang="en-US" baseline="0" dirty="0" err="1" smtClean="0"/>
-              <a:t>patientbunden</a:t>
-            </a:r>
-            <a:r>
-              <a:rPr lang="en-US" baseline="0" dirty="0" smtClean="0"/>
-              <a:t> data </a:t>
-            </a:r>
-            <a:r>
-              <a:rPr lang="en-US" baseline="0" dirty="0" err="1" smtClean="0"/>
-              <a:t>för</a:t>
-            </a:r>
-            <a:r>
-              <a:rPr lang="en-US" baseline="0" dirty="0" smtClean="0"/>
-              <a:t> </a:t>
-            </a:r>
-            <a:r>
-              <a:rPr lang="en-US" baseline="0" dirty="0" err="1" smtClean="0"/>
-              <a:t>tredje</a:t>
-            </a:r>
-            <a:r>
-              <a:rPr lang="en-US" baseline="0" dirty="0" smtClean="0"/>
-              <a:t> part)</a:t>
-            </a:r>
-          </a:p>
-          <a:p>
-            <a:r>
-              <a:rPr lang="en-US" baseline="0" dirty="0" smtClean="0"/>
-              <a:t>	3. </a:t>
-            </a:r>
-            <a:r>
-              <a:rPr lang="en-US" baseline="0" dirty="0" err="1" smtClean="0"/>
-              <a:t>Vårdgivar-APIer</a:t>
-            </a:r>
-            <a:r>
-              <a:rPr lang="en-US" baseline="0" dirty="0" smtClean="0"/>
-              <a:t> (</a:t>
-            </a:r>
-            <a:r>
-              <a:rPr lang="en-US" baseline="0" dirty="0" err="1" smtClean="0"/>
-              <a:t>APIer</a:t>
-            </a:r>
-            <a:r>
-              <a:rPr lang="en-US" baseline="0" dirty="0" smtClean="0"/>
-              <a:t> </a:t>
-            </a:r>
-            <a:r>
-              <a:rPr lang="en-US" baseline="0" dirty="0" err="1" smtClean="0"/>
-              <a:t>för</a:t>
-            </a:r>
-            <a:r>
-              <a:rPr lang="en-US" baseline="0" dirty="0" smtClean="0"/>
-              <a:t> </a:t>
-            </a:r>
-            <a:r>
-              <a:rPr lang="en-US" baseline="0" dirty="0" err="1" smtClean="0"/>
-              <a:t>patientbunden</a:t>
-            </a:r>
-            <a:r>
-              <a:rPr lang="en-US" baseline="0" dirty="0" smtClean="0"/>
-              <a:t> data </a:t>
-            </a:r>
-            <a:r>
-              <a:rPr lang="en-US" baseline="0" dirty="0" err="1" smtClean="0"/>
-              <a:t>för</a:t>
-            </a:r>
-            <a:r>
-              <a:rPr lang="en-US" baseline="0" dirty="0" smtClean="0"/>
-              <a:t> </a:t>
-            </a:r>
-            <a:r>
-              <a:rPr lang="en-US" baseline="0" dirty="0" err="1" smtClean="0"/>
-              <a:t>vårdgivare</a:t>
-            </a:r>
-            <a:r>
-              <a:rPr lang="en-US" baseline="0" dirty="0" smtClean="0"/>
-              <a:t>)</a:t>
-            </a:r>
-          </a:p>
-          <a:p>
-            <a:endParaRPr lang="en-US" smtClean="0"/>
-          </a:p>
-          <a:p>
-            <a:endParaRPr lang="en-US"/>
           </a:p>
         </p:txBody>
       </p:sp>
@@ -1471,361 +1274,202 @@
           <a:lstStyle/>
           <a:p>
             <a:r>
-              <a:rPr lang="en-US" dirty="0" err="1" smtClean="0"/>
-              <a:t>Kort</a:t>
-            </a:r>
-            <a:r>
-              <a:rPr lang="en-US" dirty="0" smtClean="0"/>
-              <a:t> </a:t>
-            </a:r>
-            <a:r>
-              <a:rPr lang="en-US" dirty="0" err="1" smtClean="0"/>
-              <a:t>om</a:t>
-            </a:r>
-            <a:r>
-              <a:rPr lang="en-US" dirty="0" smtClean="0"/>
-              <a:t> </a:t>
-            </a:r>
-            <a:r>
-              <a:rPr lang="en-US" dirty="0" err="1" smtClean="0"/>
-              <a:t>API’er</a:t>
-            </a:r>
-            <a:r>
-              <a:rPr lang="en-US" dirty="0" smtClean="0"/>
-              <a:t> </a:t>
-            </a:r>
-            <a:r>
-              <a:rPr lang="en-US" dirty="0" err="1" smtClean="0"/>
+              <a:rPr lang="en-US" baseline="0" dirty="0" err="1" smtClean="0"/>
+              <a:t>APIerna</a:t>
+            </a:r>
+            <a:r>
+              <a:rPr lang="en-US" baseline="0" dirty="0" smtClean="0"/>
+              <a:t> </a:t>
+            </a:r>
+            <a:r>
+              <a:rPr lang="en-US" baseline="0" dirty="0" err="1" smtClean="0"/>
+              <a:t>är</a:t>
+            </a:r>
+            <a:r>
+              <a:rPr lang="en-US" baseline="0" dirty="0" smtClean="0"/>
+              <a:t> </a:t>
+            </a:r>
+            <a:r>
+              <a:rPr lang="en-US" baseline="0" dirty="0" err="1" smtClean="0"/>
+              <a:t>uppdelade</a:t>
+            </a:r>
+            <a:r>
+              <a:rPr lang="en-US" baseline="0" dirty="0" smtClean="0"/>
+              <a:t> I </a:t>
+            </a:r>
+            <a:r>
+              <a:rPr lang="en-US" baseline="0" dirty="0" err="1" smtClean="0"/>
+              <a:t>tre</a:t>
+            </a:r>
+            <a:r>
+              <a:rPr lang="en-US" baseline="0" dirty="0" smtClean="0"/>
+              <a:t> </a:t>
+            </a:r>
+            <a:r>
+              <a:rPr lang="en-US" baseline="0" dirty="0" err="1" smtClean="0"/>
+              <a:t>kategorier</a:t>
+            </a:r>
+            <a:endParaRPr lang="en-US" baseline="0" dirty="0" smtClean="0"/>
+          </a:p>
+          <a:p>
+            <a:r>
+              <a:rPr lang="en-US" baseline="0" dirty="0" smtClean="0"/>
+              <a:t>	1. </a:t>
+            </a:r>
+            <a:r>
+              <a:rPr lang="en-US" baseline="0" dirty="0" err="1" smtClean="0"/>
+              <a:t>Öppen</a:t>
+            </a:r>
+            <a:r>
+              <a:rPr lang="en-US" baseline="0" dirty="0" smtClean="0"/>
+              <a:t>-data-</a:t>
+            </a:r>
+            <a:r>
+              <a:rPr lang="en-US" baseline="0" dirty="0" err="1" smtClean="0"/>
+              <a:t>APIer</a:t>
+            </a:r>
+            <a:r>
+              <a:rPr lang="en-US" baseline="0" dirty="0" smtClean="0"/>
+              <a:t> (</a:t>
+            </a:r>
+            <a:r>
+              <a:rPr lang="en-US" baseline="0" dirty="0" err="1" smtClean="0"/>
+              <a:t>APIer</a:t>
+            </a:r>
+            <a:r>
+              <a:rPr lang="en-US" baseline="0" dirty="0" smtClean="0"/>
+              <a:t> </a:t>
+            </a:r>
+            <a:r>
+              <a:rPr lang="en-US" baseline="0" dirty="0" err="1" smtClean="0"/>
               <a:t>för</a:t>
             </a:r>
             <a:r>
-              <a:rPr lang="en-US" dirty="0" smtClean="0"/>
-              <a:t> </a:t>
-            </a:r>
-            <a:r>
-              <a:rPr lang="en-US" dirty="0" err="1" smtClean="0"/>
+              <a:rPr lang="en-US" baseline="0" dirty="0" smtClean="0"/>
+              <a:t> </a:t>
+            </a:r>
+            <a:r>
+              <a:rPr lang="en-US" baseline="0" dirty="0" err="1" smtClean="0"/>
+              <a:t>offentlig</a:t>
+            </a:r>
+            <a:r>
+              <a:rPr lang="en-US" baseline="0" dirty="0" smtClean="0"/>
+              <a:t> data)</a:t>
+            </a:r>
+          </a:p>
+          <a:p>
+            <a:r>
+              <a:rPr lang="en-US" baseline="0" dirty="0" smtClean="0"/>
+              <a:t>	2. </a:t>
+            </a:r>
+            <a:r>
+              <a:rPr lang="en-US" baseline="0" dirty="0" err="1" smtClean="0"/>
+              <a:t>Patientdata-APIer</a:t>
+            </a:r>
+            <a:r>
+              <a:rPr lang="en-US" baseline="0" dirty="0" smtClean="0"/>
+              <a:t> (</a:t>
+            </a:r>
+            <a:r>
+              <a:rPr lang="en-US" baseline="0" dirty="0" err="1" smtClean="0"/>
+              <a:t>APIer</a:t>
+            </a:r>
+            <a:r>
+              <a:rPr lang="en-US" baseline="0" dirty="0" smtClean="0"/>
+              <a:t> </a:t>
+            </a:r>
+            <a:r>
+              <a:rPr lang="en-US" baseline="0" dirty="0" err="1" smtClean="0"/>
+              <a:t>för</a:t>
+            </a:r>
+            <a:r>
+              <a:rPr lang="en-US" baseline="0" dirty="0" smtClean="0"/>
+              <a:t> </a:t>
+            </a:r>
+            <a:r>
+              <a:rPr lang="en-US" baseline="0" dirty="0" err="1" smtClean="0"/>
               <a:t>patientbunden</a:t>
             </a:r>
             <a:r>
-              <a:rPr lang="en-US" dirty="0" smtClean="0"/>
-              <a:t> data</a:t>
+              <a:rPr lang="en-US" baseline="0" dirty="0" smtClean="0"/>
+              <a:t> data </a:t>
+            </a:r>
+            <a:r>
+              <a:rPr lang="en-US" baseline="0" dirty="0" err="1" smtClean="0"/>
+              <a:t>för</a:t>
+            </a:r>
+            <a:r>
+              <a:rPr lang="en-US" baseline="0" dirty="0" smtClean="0"/>
+              <a:t> </a:t>
+            </a:r>
+            <a:r>
+              <a:rPr lang="en-US" baseline="0" dirty="0" err="1" smtClean="0"/>
+              <a:t>tredje</a:t>
+            </a:r>
+            <a:r>
+              <a:rPr lang="en-US" baseline="0" dirty="0" smtClean="0"/>
+              <a:t> part)</a:t>
+            </a:r>
+          </a:p>
+          <a:p>
+            <a:r>
+              <a:rPr lang="en-US" baseline="0" dirty="0" smtClean="0"/>
+              <a:t>	3. </a:t>
+            </a:r>
+            <a:r>
+              <a:rPr lang="en-US" baseline="0" dirty="0" err="1" smtClean="0"/>
+              <a:t>Vårdgivar-APIer</a:t>
+            </a:r>
+            <a:r>
+              <a:rPr lang="en-US" baseline="0" dirty="0" smtClean="0"/>
+              <a:t> (</a:t>
+            </a:r>
+            <a:r>
+              <a:rPr lang="en-US" baseline="0" dirty="0" err="1" smtClean="0"/>
+              <a:t>APIer</a:t>
+            </a:r>
+            <a:r>
+              <a:rPr lang="en-US" baseline="0" dirty="0" smtClean="0"/>
+              <a:t> </a:t>
+            </a:r>
+            <a:r>
+              <a:rPr lang="en-US" baseline="0" dirty="0" err="1" smtClean="0"/>
+              <a:t>för</a:t>
+            </a:r>
+            <a:r>
+              <a:rPr lang="en-US" baseline="0" dirty="0" smtClean="0"/>
+              <a:t> </a:t>
+            </a:r>
+            <a:r>
+              <a:rPr lang="en-US" baseline="0" dirty="0" err="1" smtClean="0"/>
+              <a:t>patientbunden</a:t>
+            </a:r>
+            <a:r>
+              <a:rPr lang="en-US" baseline="0" dirty="0" smtClean="0"/>
+              <a:t> data </a:t>
+            </a:r>
+            <a:r>
+              <a:rPr lang="en-US" baseline="0" dirty="0" err="1" smtClean="0"/>
+              <a:t>för</a:t>
+            </a:r>
+            <a:r>
+              <a:rPr lang="en-US" baseline="0" dirty="0" smtClean="0"/>
+              <a:t> </a:t>
+            </a:r>
+            <a:r>
+              <a:rPr lang="en-US" baseline="0" dirty="0" err="1" smtClean="0"/>
+              <a:t>vårdgivare</a:t>
+            </a:r>
+            <a:r>
+              <a:rPr lang="en-US" baseline="0" dirty="0" smtClean="0"/>
+              <a:t>)</a:t>
             </a:r>
           </a:p>
           <a:p>
             <a:endParaRPr lang="en-US" dirty="0" smtClean="0"/>
           </a:p>
           <a:p>
-            <a:r>
-              <a:rPr lang="en-US" dirty="0" smtClean="0"/>
-              <a:t>Nu </a:t>
-            </a:r>
-            <a:r>
-              <a:rPr lang="en-US" dirty="0" err="1" smtClean="0"/>
-              <a:t>har</a:t>
-            </a:r>
-            <a:r>
-              <a:rPr lang="en-US" dirty="0" smtClean="0"/>
-              <a:t> </a:t>
-            </a:r>
-            <a:r>
-              <a:rPr lang="en-US" dirty="0" err="1" smtClean="0"/>
-              <a:t>ni</a:t>
-            </a:r>
-            <a:r>
-              <a:rPr lang="en-US" dirty="0" smtClean="0"/>
-              <a:t> </a:t>
-            </a:r>
-            <a:r>
-              <a:rPr lang="en-US" dirty="0" err="1" smtClean="0"/>
-              <a:t>testat</a:t>
-            </a:r>
-            <a:r>
-              <a:rPr lang="en-US" baseline="0" dirty="0" smtClean="0"/>
-              <a:t> </a:t>
-            </a:r>
-            <a:r>
-              <a:rPr lang="en-US" baseline="0" dirty="0" err="1" smtClean="0"/>
-              <a:t>APIer</a:t>
-            </a:r>
-            <a:r>
-              <a:rPr lang="en-US" baseline="0" dirty="0" smtClean="0"/>
-              <a:t> </a:t>
-            </a:r>
-            <a:r>
-              <a:rPr lang="en-US" baseline="0" dirty="0" err="1" smtClean="0"/>
-              <a:t>för</a:t>
-            </a:r>
-            <a:r>
-              <a:rPr lang="en-US" baseline="0" dirty="0" smtClean="0"/>
-              <a:t> </a:t>
-            </a:r>
-            <a:r>
-              <a:rPr lang="en-US" baseline="0" dirty="0" err="1" smtClean="0"/>
-              <a:t>offentlig</a:t>
-            </a:r>
-            <a:r>
-              <a:rPr lang="en-US" baseline="0" dirty="0" smtClean="0"/>
-              <a:t> data </a:t>
-            </a:r>
-            <a:r>
-              <a:rPr lang="en-US" baseline="0" dirty="0" err="1" smtClean="0"/>
-              <a:t>som</a:t>
-            </a:r>
-            <a:r>
-              <a:rPr lang="en-US" baseline="0" dirty="0" smtClean="0"/>
-              <a:t> </a:t>
-            </a:r>
-            <a:r>
-              <a:rPr lang="en-US" baseline="0" dirty="0" err="1" smtClean="0"/>
-              <a:t>är</a:t>
-            </a:r>
-            <a:r>
-              <a:rPr lang="en-US" baseline="0" dirty="0" smtClean="0"/>
-              <a:t> </a:t>
-            </a:r>
-            <a:r>
-              <a:rPr lang="en-US" baseline="0" dirty="0" err="1" smtClean="0"/>
-              <a:t>helt</a:t>
-            </a:r>
-            <a:r>
-              <a:rPr lang="en-US" baseline="0" dirty="0" smtClean="0"/>
-              <a:t> </a:t>
-            </a:r>
-            <a:r>
-              <a:rPr lang="en-US" baseline="0" dirty="0" err="1" smtClean="0"/>
-              <a:t>öppna</a:t>
-            </a:r>
-            <a:endParaRPr lang="en-US" baseline="0" dirty="0" smtClean="0"/>
-          </a:p>
-          <a:p>
-            <a:endParaRPr lang="en-US" baseline="0" dirty="0" smtClean="0"/>
-          </a:p>
-          <a:p>
-            <a:r>
-              <a:rPr lang="en-US" baseline="0" dirty="0" err="1" smtClean="0"/>
-              <a:t>Apier</a:t>
-            </a:r>
-            <a:r>
-              <a:rPr lang="en-US" baseline="0" dirty="0" smtClean="0"/>
-              <a:t> </a:t>
-            </a:r>
-            <a:r>
-              <a:rPr lang="en-US" baseline="0" dirty="0" err="1" smtClean="0"/>
-              <a:t>för</a:t>
-            </a:r>
-            <a:r>
-              <a:rPr lang="en-US" baseline="0" dirty="0" smtClean="0"/>
-              <a:t> </a:t>
-            </a:r>
-            <a:r>
-              <a:rPr lang="en-US" baseline="0" dirty="0" err="1" smtClean="0"/>
-              <a:t>patientbunden</a:t>
-            </a:r>
-            <a:r>
-              <a:rPr lang="en-US" baseline="0" dirty="0" smtClean="0"/>
-              <a:t> data </a:t>
-            </a:r>
-            <a:r>
-              <a:rPr lang="en-US" baseline="0" dirty="0" err="1" smtClean="0"/>
-              <a:t>kräver</a:t>
-            </a:r>
-            <a:r>
-              <a:rPr lang="en-US" baseline="0" dirty="0" smtClean="0"/>
-              <a:t> en </a:t>
-            </a:r>
-            <a:r>
-              <a:rPr lang="en-US" baseline="0" dirty="0" err="1" smtClean="0"/>
-              <a:t>strikt</a:t>
-            </a:r>
-            <a:r>
-              <a:rPr lang="en-US" baseline="0" dirty="0" smtClean="0"/>
-              <a:t> </a:t>
-            </a:r>
-            <a:r>
-              <a:rPr lang="en-US" baseline="0" dirty="0" err="1" smtClean="0"/>
-              <a:t>åtkomstkontroll</a:t>
-            </a:r>
-            <a:r>
-              <a:rPr lang="en-US" baseline="0" dirty="0" smtClean="0"/>
-              <a:t> </a:t>
-            </a:r>
-            <a:r>
-              <a:rPr lang="en-US" baseline="0" dirty="0" err="1" smtClean="0"/>
-              <a:t>för</a:t>
-            </a:r>
-            <a:r>
-              <a:rPr lang="en-US" baseline="0" dirty="0" smtClean="0"/>
-              <a:t> </a:t>
-            </a:r>
-            <a:r>
-              <a:rPr lang="en-US" baseline="0" dirty="0" err="1" smtClean="0"/>
-              <a:t>att</a:t>
-            </a:r>
-            <a:r>
-              <a:rPr lang="en-US" baseline="0" dirty="0" smtClean="0"/>
-              <a:t> </a:t>
-            </a:r>
-            <a:r>
-              <a:rPr lang="en-US" baseline="0" dirty="0" err="1" smtClean="0"/>
-              <a:t>inte</a:t>
-            </a:r>
-            <a:r>
-              <a:rPr lang="en-US" baseline="0" dirty="0" smtClean="0"/>
-              <a:t> data </a:t>
-            </a:r>
-            <a:r>
-              <a:rPr lang="en-US" baseline="0" dirty="0" err="1" smtClean="0"/>
-              <a:t>skall</a:t>
-            </a:r>
-            <a:r>
-              <a:rPr lang="en-US" baseline="0" dirty="0" smtClean="0"/>
-              <a:t> </a:t>
-            </a:r>
-            <a:r>
-              <a:rPr lang="en-US" baseline="0" dirty="0" err="1" smtClean="0"/>
-              <a:t>hamna</a:t>
-            </a:r>
-            <a:r>
-              <a:rPr lang="en-US" baseline="0" dirty="0" smtClean="0"/>
-              <a:t> </a:t>
-            </a:r>
-            <a:r>
-              <a:rPr lang="en-US" baseline="0" dirty="0" err="1" smtClean="0"/>
-              <a:t>i</a:t>
-            </a:r>
-            <a:r>
-              <a:rPr lang="en-US" baseline="0" dirty="0" smtClean="0"/>
-              <a:t> </a:t>
-            </a:r>
-            <a:r>
-              <a:rPr lang="en-US" baseline="0" dirty="0" err="1" smtClean="0"/>
-              <a:t>orätta</a:t>
-            </a:r>
-            <a:r>
-              <a:rPr lang="en-US" baseline="0" dirty="0" smtClean="0"/>
-              <a:t> </a:t>
-            </a:r>
-            <a:r>
-              <a:rPr lang="en-US" baseline="0" dirty="0" err="1" smtClean="0"/>
-              <a:t>händer</a:t>
-            </a:r>
-            <a:endParaRPr lang="en-US" baseline="0" dirty="0" smtClean="0"/>
-          </a:p>
-          <a:p>
-            <a:endParaRPr lang="en-US" baseline="0" dirty="0" smtClean="0"/>
-          </a:p>
-          <a:p>
-            <a:r>
-              <a:rPr lang="en-US" baseline="0" dirty="0" err="1" smtClean="0"/>
-              <a:t>Förtroende</a:t>
-            </a:r>
-            <a:r>
-              <a:rPr lang="en-US" baseline="0" dirty="0" smtClean="0"/>
-              <a:t> -&gt; </a:t>
-            </a:r>
-            <a:r>
-              <a:rPr lang="en-US" baseline="0" dirty="0" err="1" smtClean="0"/>
-              <a:t>www.minavardkontakter.se</a:t>
-            </a:r>
-            <a:endParaRPr lang="en-US" baseline="0" dirty="0" smtClean="0"/>
-          </a:p>
-          <a:p>
-            <a:r>
-              <a:rPr lang="en-US" baseline="0" dirty="0" err="1" smtClean="0"/>
-              <a:t>Identifiering</a:t>
-            </a:r>
-            <a:r>
-              <a:rPr lang="en-US" baseline="0" dirty="0" smtClean="0"/>
-              <a:t> -&gt; </a:t>
-            </a:r>
-            <a:r>
-              <a:rPr lang="en-US" baseline="0" dirty="0" err="1" smtClean="0"/>
-              <a:t>inloggning</a:t>
-            </a:r>
-            <a:r>
-              <a:rPr lang="en-US" baseline="0" dirty="0" smtClean="0"/>
-              <a:t> via </a:t>
-            </a:r>
-            <a:r>
-              <a:rPr lang="en-US" baseline="0" dirty="0" err="1" smtClean="0"/>
-              <a:t>mvk</a:t>
-            </a:r>
-            <a:r>
-              <a:rPr lang="en-US" baseline="0" dirty="0" smtClean="0"/>
-              <a:t> med 2-faktorsautenticering till </a:t>
-            </a:r>
-            <a:r>
-              <a:rPr lang="en-US" baseline="0" dirty="0" err="1" smtClean="0"/>
-              <a:t>excempel</a:t>
-            </a:r>
-            <a:r>
-              <a:rPr lang="en-US" baseline="0" dirty="0" smtClean="0"/>
-              <a:t> e-leg. </a:t>
-            </a:r>
-            <a:r>
-              <a:rPr lang="en-US" baseline="0" dirty="0" err="1" smtClean="0"/>
-              <a:t>Krav</a:t>
-            </a:r>
-            <a:r>
-              <a:rPr lang="en-US" baseline="0" dirty="0" smtClean="0"/>
-              <a:t> </a:t>
-            </a:r>
-            <a:r>
-              <a:rPr lang="en-US" baseline="0" dirty="0" err="1" smtClean="0"/>
-              <a:t>från</a:t>
-            </a:r>
-            <a:r>
-              <a:rPr lang="en-US" baseline="0" dirty="0" smtClean="0"/>
-              <a:t> </a:t>
-            </a:r>
-            <a:r>
-              <a:rPr lang="en-US" baseline="0" dirty="0" err="1" smtClean="0"/>
-              <a:t>datainspektionen</a:t>
-            </a:r>
-            <a:r>
-              <a:rPr lang="en-US" baseline="0" dirty="0" smtClean="0"/>
-              <a:t>.</a:t>
-            </a:r>
-          </a:p>
-          <a:p>
-            <a:r>
-              <a:rPr lang="en-US" baseline="0" dirty="0" err="1" smtClean="0"/>
-              <a:t>Auktorisation</a:t>
-            </a:r>
-            <a:r>
-              <a:rPr lang="en-US" baseline="0" dirty="0" smtClean="0"/>
-              <a:t>….</a:t>
-            </a:r>
-          </a:p>
-          <a:p>
-            <a:r>
-              <a:rPr lang="en-US" baseline="0" dirty="0" smtClean="0"/>
-              <a:t>   </a:t>
-            </a:r>
-            <a:r>
-              <a:rPr lang="en-US" baseline="0" dirty="0" err="1" smtClean="0"/>
-              <a:t>Oauth</a:t>
-            </a:r>
-            <a:r>
-              <a:rPr lang="en-US" baseline="0" dirty="0" smtClean="0"/>
-              <a:t> 2.0 TADA… </a:t>
-            </a:r>
-            <a:r>
-              <a:rPr lang="en-US" baseline="0" dirty="0" err="1" smtClean="0"/>
-              <a:t>vänd</a:t>
-            </a:r>
-            <a:r>
-              <a:rPr lang="en-US" baseline="0" dirty="0" smtClean="0"/>
-              <a:t> </a:t>
-            </a:r>
-            <a:r>
-              <a:rPr lang="en-US" baseline="0" dirty="0" err="1" smtClean="0"/>
-              <a:t>blad</a:t>
-            </a:r>
-            <a:endParaRPr lang="en-US" baseline="0" dirty="0" smtClean="0"/>
-          </a:p>
-          <a:p>
-            <a:endParaRPr lang="en-US" baseline="0" dirty="0" smtClean="0"/>
+            <a:endParaRPr lang="en-US" dirty="0"/>
           </a:p>
         </p:txBody>
       </p:sp>
@@ -1852,7 +1496,7 @@
               <a:pPr>
                 <a:defRPr/>
               </a:pPr>
-              <a:t>11</a:t>
+              <a:t>7</a:t>
             </a:fld>
             <a:endParaRPr lang="sv-SE"/>
           </a:p>
@@ -1861,7 +1505,7 @@
     </p:spTree>
     <p:extLst>
       <p:ext uri="{BB962C8B-B14F-4D97-AF65-F5344CB8AC3E}">
-        <p14:creationId xmlns:p14="http://schemas.microsoft.com/office/powerpoint/2010/main" val="422046913"/>
+        <p14:creationId xmlns:p14="http://schemas.microsoft.com/office/powerpoint/2010/main" val="1770856474"/>
       </p:ext>
     </p:extLst>
   </p:cSld>
@@ -1916,12 +1560,16 @@
           <a:lstStyle/>
           <a:p>
             <a:r>
+              <a:rPr lang="en-US" dirty="0" err="1" smtClean="0"/>
+              <a:t>Kort</a:t>
+            </a:r>
+            <a:r>
               <a:rPr lang="en-US" dirty="0" smtClean="0"/>
-              <a:t>Visa </a:t>
+              <a:t> </a:t>
             </a:r>
             <a:r>
               <a:rPr lang="en-US" dirty="0" err="1" smtClean="0"/>
-              <a:t>på</a:t>
+              <a:t>om</a:t>
             </a:r>
             <a:r>
               <a:rPr lang="en-US" dirty="0" smtClean="0"/>
@@ -1929,33 +1577,88 @@
             </a:r>
             <a:r>
               <a:rPr lang="en-US" dirty="0" err="1" smtClean="0"/>
-              <a:t>problemet</a:t>
-            </a:r>
+              <a:t>API’er</a:t>
+            </a:r>
+            <a:r>
+              <a:rPr lang="en-US" dirty="0" smtClean="0"/>
+              <a:t> </a:t>
+            </a:r>
+            <a:r>
+              <a:rPr lang="en-US" dirty="0" err="1" smtClean="0"/>
+              <a:t>för</a:t>
+            </a:r>
+            <a:r>
+              <a:rPr lang="en-US" dirty="0" smtClean="0"/>
+              <a:t> </a:t>
+            </a:r>
+            <a:r>
+              <a:rPr lang="en-US" dirty="0" err="1" smtClean="0"/>
+              <a:t>patientbunden</a:t>
+            </a:r>
+            <a:r>
+              <a:rPr lang="en-US" dirty="0" smtClean="0"/>
+              <a:t> data</a:t>
+            </a:r>
+          </a:p>
+          <a:p>
             <a:endParaRPr lang="en-US" dirty="0" smtClean="0"/>
           </a:p>
           <a:p>
-            <a:endParaRPr lang="en-US" dirty="0" smtClean="0"/>
-          </a:p>
-          <a:p>
             <a:r>
               <a:rPr lang="en-US" dirty="0" smtClean="0"/>
-              <a:t>Den</a:t>
-            </a:r>
-            <a:r>
-              <a:rPr lang="en-US" baseline="0" dirty="0" smtClean="0"/>
-              <a:t> </a:t>
-            </a:r>
-            <a:r>
-              <a:rPr lang="en-US" baseline="0" dirty="0" err="1" smtClean="0"/>
-              <a:t>naiva</a:t>
-            </a:r>
-            <a:r>
-              <a:rPr lang="en-US" baseline="0" dirty="0" smtClean="0"/>
-              <a:t> </a:t>
-            </a:r>
-            <a:r>
-              <a:rPr lang="en-US" baseline="0" dirty="0" err="1" smtClean="0"/>
-              <a:t>approachen</a:t>
+              <a:t>Nu </a:t>
+            </a:r>
+            <a:r>
+              <a:rPr lang="en-US" dirty="0" err="1" smtClean="0"/>
+              <a:t>har</a:t>
+            </a:r>
+            <a:r>
+              <a:rPr lang="en-US" dirty="0" smtClean="0"/>
+              <a:t> </a:t>
+            </a:r>
+            <a:r>
+              <a:rPr lang="en-US" dirty="0" err="1" smtClean="0"/>
+              <a:t>ni</a:t>
+            </a:r>
+            <a:r>
+              <a:rPr lang="en-US" dirty="0" smtClean="0"/>
+              <a:t> </a:t>
+            </a:r>
+            <a:r>
+              <a:rPr lang="en-US" dirty="0" err="1" smtClean="0"/>
+              <a:t>testat</a:t>
+            </a:r>
+            <a:r>
+              <a:rPr lang="en-US" baseline="0" dirty="0" smtClean="0"/>
+              <a:t> </a:t>
+            </a:r>
+            <a:r>
+              <a:rPr lang="en-US" baseline="0" dirty="0" err="1" smtClean="0"/>
+              <a:t>APIer</a:t>
+            </a:r>
+            <a:r>
+              <a:rPr lang="en-US" baseline="0" dirty="0" smtClean="0"/>
+              <a:t> </a:t>
+            </a:r>
+            <a:r>
+              <a:rPr lang="en-US" baseline="0" dirty="0" err="1" smtClean="0"/>
+              <a:t>för</a:t>
+            </a:r>
+            <a:r>
+              <a:rPr lang="en-US" baseline="0" dirty="0" smtClean="0"/>
+              <a:t> </a:t>
+            </a:r>
+            <a:r>
+              <a:rPr lang="en-US" baseline="0" dirty="0" err="1" smtClean="0"/>
+              <a:t>offentlig</a:t>
+            </a:r>
+            <a:r>
+              <a:rPr lang="en-US" baseline="0" dirty="0" smtClean="0"/>
+              <a:t> data </a:t>
+            </a:r>
+            <a:r>
+              <a:rPr lang="en-US" baseline="0" dirty="0" err="1" smtClean="0"/>
+              <a:t>som</a:t>
             </a:r>
             <a:r>
               <a:rPr lang="en-US" baseline="0" dirty="0" smtClean="0"/>
@@ -1971,87 +1674,129 @@
             </a:r>
             <a:r>
               <a:rPr lang="en-US" baseline="0" dirty="0" err="1" smtClean="0"/>
+              <a:t>helt</a:t>
+            </a:r>
+            <a:r>
+              <a:rPr lang="en-US" baseline="0" dirty="0" smtClean="0"/>
+              <a:t> </a:t>
+            </a:r>
+            <a:r>
+              <a:rPr lang="en-US" baseline="0" dirty="0" err="1" smtClean="0"/>
+              <a:t>öppna</a:t>
+            </a:r>
+            <a:endParaRPr lang="en-US" baseline="0" dirty="0" smtClean="0"/>
+          </a:p>
+          <a:p>
+            <a:endParaRPr lang="en-US" baseline="0" dirty="0" smtClean="0"/>
+          </a:p>
+          <a:p>
+            <a:r>
+              <a:rPr lang="en-US" baseline="0" dirty="0" err="1" smtClean="0"/>
+              <a:t>Apier</a:t>
+            </a:r>
+            <a:r>
+              <a:rPr lang="en-US" baseline="0" dirty="0" smtClean="0"/>
+              <a:t> </a:t>
+            </a:r>
+            <a:r>
+              <a:rPr lang="en-US" baseline="0" dirty="0" err="1" smtClean="0"/>
+              <a:t>för</a:t>
+            </a:r>
+            <a:r>
+              <a:rPr lang="en-US" baseline="0" dirty="0" smtClean="0"/>
+              <a:t> </a:t>
+            </a:r>
+            <a:r>
+              <a:rPr lang="en-US" baseline="0" dirty="0" err="1" smtClean="0"/>
+              <a:t>patientbunden</a:t>
+            </a:r>
+            <a:r>
+              <a:rPr lang="en-US" baseline="0" dirty="0" smtClean="0"/>
+              <a:t> data </a:t>
+            </a:r>
+            <a:r>
+              <a:rPr lang="en-US" baseline="0" dirty="0" err="1" smtClean="0"/>
+              <a:t>kräver</a:t>
+            </a:r>
+            <a:r>
+              <a:rPr lang="en-US" baseline="0" dirty="0" smtClean="0"/>
+              <a:t> en </a:t>
+            </a:r>
+            <a:r>
+              <a:rPr lang="en-US" baseline="0" dirty="0" err="1" smtClean="0"/>
+              <a:t>strikt</a:t>
+            </a:r>
+            <a:r>
+              <a:rPr lang="en-US" baseline="0" dirty="0" smtClean="0"/>
+              <a:t> </a:t>
+            </a:r>
+            <a:r>
+              <a:rPr lang="en-US" baseline="0" dirty="0" err="1" smtClean="0"/>
+              <a:t>åtkomstkontroll</a:t>
+            </a:r>
+            <a:r>
+              <a:rPr lang="en-US" baseline="0" dirty="0" smtClean="0"/>
+              <a:t> </a:t>
+            </a:r>
+            <a:r>
+              <a:rPr lang="en-US" baseline="0" dirty="0" err="1" smtClean="0"/>
+              <a:t>för</a:t>
+            </a:r>
+            <a:r>
+              <a:rPr lang="en-US" baseline="0" dirty="0" smtClean="0"/>
+              <a:t> </a:t>
+            </a:r>
+            <a:r>
+              <a:rPr lang="en-US" baseline="0" dirty="0" err="1" smtClean="0"/>
               <a:t>att</a:t>
             </a:r>
             <a:r>
               <a:rPr lang="en-US" baseline="0" dirty="0" smtClean="0"/>
-              <a:t> en </a:t>
-            </a:r>
-            <a:r>
-              <a:rPr lang="en-US" baseline="0" dirty="0" err="1" smtClean="0"/>
-              <a:t>betrodd</a:t>
-            </a:r>
-            <a:r>
-              <a:rPr lang="en-US" baseline="0" dirty="0" smtClean="0"/>
-              <a:t> </a:t>
-            </a:r>
-            <a:r>
-              <a:rPr lang="en-US" baseline="0" dirty="0" err="1" smtClean="0"/>
-              <a:t>klient</a:t>
-            </a:r>
-            <a:r>
-              <a:rPr lang="en-US" baseline="0" dirty="0" smtClean="0"/>
-              <a:t> </a:t>
-            </a:r>
-            <a:r>
-              <a:rPr lang="en-US" baseline="0" dirty="0" err="1" smtClean="0"/>
-              <a:t>kan</a:t>
-            </a:r>
-            <a:r>
-              <a:rPr lang="en-US" baseline="0" dirty="0" smtClean="0"/>
-              <a:t> </a:t>
-            </a:r>
-            <a:r>
-              <a:rPr lang="en-US" baseline="0" dirty="0" err="1" smtClean="0"/>
-              <a:t>anropa</a:t>
-            </a:r>
-            <a:r>
-              <a:rPr lang="en-US" baseline="0" dirty="0" smtClean="0"/>
-              <a:t> </a:t>
-            </a:r>
-            <a:r>
-              <a:rPr lang="en-US" baseline="0" dirty="0" err="1" smtClean="0"/>
-              <a:t>APIet</a:t>
-            </a:r>
-            <a:r>
-              <a:rPr lang="en-US" baseline="0" dirty="0" smtClean="0"/>
-              <a:t> </a:t>
-            </a:r>
-            <a:r>
-              <a:rPr lang="en-US" baseline="0" dirty="0" err="1" smtClean="0"/>
-              <a:t>och</a:t>
-            </a:r>
-            <a:r>
-              <a:rPr lang="en-US" baseline="0" dirty="0" smtClean="0"/>
-              <a:t> </a:t>
-            </a:r>
-            <a:r>
-              <a:rPr lang="en-US" baseline="0" dirty="0" err="1" smtClean="0"/>
-              <a:t>begära</a:t>
-            </a:r>
-            <a:r>
-              <a:rPr lang="en-US" baseline="0" dirty="0" smtClean="0"/>
-              <a:t> </a:t>
-            </a:r>
-            <a:r>
-              <a:rPr lang="en-US" baseline="0" dirty="0" err="1" smtClean="0"/>
-              <a:t>ut</a:t>
-            </a:r>
-            <a:r>
-              <a:rPr lang="en-US" baseline="0" dirty="0" smtClean="0"/>
-              <a:t> den information </a:t>
-            </a:r>
-            <a:r>
-              <a:rPr lang="en-US" baseline="0" dirty="0" err="1" smtClean="0"/>
-              <a:t>som</a:t>
-            </a:r>
-            <a:r>
-              <a:rPr lang="en-US" baseline="0" dirty="0" smtClean="0"/>
-              <a:t> </a:t>
-            </a:r>
-            <a:r>
-              <a:rPr lang="en-US" baseline="0" dirty="0" err="1" smtClean="0"/>
-              <a:t>behövs</a:t>
+              <a:t> </a:t>
+            </a:r>
+            <a:r>
+              <a:rPr lang="en-US" baseline="0" dirty="0" err="1" smtClean="0"/>
+              <a:t>inte</a:t>
+            </a:r>
+            <a:r>
+              <a:rPr lang="en-US" baseline="0" dirty="0" smtClean="0"/>
+              <a:t> data </a:t>
+            </a:r>
+            <a:r>
+              <a:rPr lang="en-US" baseline="0" dirty="0" err="1" smtClean="0"/>
+              <a:t>skall</a:t>
+            </a:r>
+            <a:r>
+              <a:rPr lang="en-US" baseline="0" dirty="0" smtClean="0"/>
+              <a:t> </a:t>
+            </a:r>
+            <a:r>
+              <a:rPr lang="en-US" baseline="0" dirty="0" err="1" smtClean="0"/>
+              <a:t>hamna</a:t>
+            </a:r>
+            <a:r>
+              <a:rPr lang="en-US" baseline="0" dirty="0" smtClean="0"/>
+              <a:t> </a:t>
+            </a:r>
+            <a:r>
+              <a:rPr lang="en-US" baseline="0" dirty="0" err="1" smtClean="0"/>
+              <a:t>i</a:t>
+            </a:r>
+            <a:r>
+              <a:rPr lang="en-US" baseline="0" dirty="0" smtClean="0"/>
+              <a:t> </a:t>
+            </a:r>
+            <a:r>
+              <a:rPr lang="en-US" baseline="0" dirty="0" err="1" smtClean="0"/>
+              <a:t>orätta</a:t>
+            </a:r>
+            <a:r>
+              <a:rPr lang="en-US" baseline="0" dirty="0" smtClean="0"/>
+              <a:t> </a:t>
+            </a:r>
+            <a:r>
+              <a:rPr lang="en-US" baseline="0" dirty="0" err="1" smtClean="0"/>
+              <a:t>händer</a:t>
             </a:r>
             <a:endParaRPr lang="en-US" baseline="0" dirty="0" smtClean="0"/>
           </a:p>
@@ -2060,140 +1805,71 @@
           </a:p>
           <a:p>
             <a:r>
-              <a:rPr lang="en-US" baseline="0" dirty="0" smtClean="0"/>
-              <a:t>MEN… </a:t>
-            </a:r>
-            <a:r>
-              <a:rPr lang="en-US" baseline="0" dirty="0" err="1" smtClean="0"/>
-              <a:t>är</a:t>
-            </a:r>
-            <a:r>
-              <a:rPr lang="en-US" baseline="0" dirty="0" smtClean="0"/>
-              <a:t> </a:t>
-            </a:r>
-            <a:r>
-              <a:rPr lang="en-US" baseline="0" dirty="0" err="1" smtClean="0"/>
-              <a:t>det</a:t>
-            </a:r>
-            <a:r>
-              <a:rPr lang="en-US" baseline="0" dirty="0" smtClean="0"/>
-              <a:t> </a:t>
-            </a:r>
-            <a:r>
-              <a:rPr lang="en-US" baseline="0" dirty="0" err="1" smtClean="0"/>
-              <a:t>säkert</a:t>
-            </a:r>
-            <a:r>
-              <a:rPr lang="en-US" baseline="0" dirty="0" smtClean="0"/>
-              <a:t> </a:t>
-            </a:r>
-            <a:r>
-              <a:rPr lang="en-US" baseline="0" dirty="0" err="1" smtClean="0"/>
-              <a:t>att</a:t>
-            </a:r>
-            <a:r>
-              <a:rPr lang="en-US" baseline="0" dirty="0" smtClean="0"/>
-              <a:t> </a:t>
-            </a:r>
-            <a:r>
-              <a:rPr lang="en-US" baseline="0" dirty="0" err="1" smtClean="0"/>
-              <a:t>invånaren</a:t>
-            </a:r>
-            <a:r>
-              <a:rPr lang="en-US" baseline="0" dirty="0" smtClean="0"/>
-              <a:t> </a:t>
-            </a:r>
-            <a:r>
-              <a:rPr lang="en-US" baseline="0" dirty="0" err="1" smtClean="0"/>
-              <a:t>kan</a:t>
-            </a:r>
-            <a:r>
-              <a:rPr lang="en-US" baseline="0" dirty="0" smtClean="0"/>
-              <a:t> </a:t>
-            </a:r>
-            <a:r>
-              <a:rPr lang="en-US" baseline="0" dirty="0" err="1" smtClean="0"/>
-              <a:t>lita</a:t>
-            </a:r>
-            <a:r>
-              <a:rPr lang="en-US" baseline="0" dirty="0" smtClean="0"/>
-              <a:t> </a:t>
-            </a:r>
-            <a:r>
-              <a:rPr lang="en-US" baseline="0" dirty="0" err="1" smtClean="0"/>
-              <a:t>på</a:t>
-            </a:r>
-            <a:r>
-              <a:rPr lang="en-US" baseline="0" dirty="0" smtClean="0"/>
-              <a:t> </a:t>
-            </a:r>
-            <a:r>
-              <a:rPr lang="en-US" baseline="0" dirty="0" err="1" smtClean="0"/>
-              <a:t>att</a:t>
-            </a:r>
-            <a:r>
-              <a:rPr lang="en-US" baseline="0" dirty="0" smtClean="0"/>
-              <a:t> </a:t>
-            </a:r>
-            <a:r>
-              <a:rPr lang="en-US" baseline="0" dirty="0" err="1" smtClean="0"/>
-              <a:t>klieneten</a:t>
-            </a:r>
-            <a:r>
-              <a:rPr lang="en-US" baseline="0" dirty="0" smtClean="0"/>
-              <a:t> </a:t>
-            </a:r>
-            <a:r>
-              <a:rPr lang="en-US" baseline="0" dirty="0" err="1" smtClean="0"/>
-              <a:t>inte</a:t>
-            </a:r>
-            <a:r>
-              <a:rPr lang="en-US" baseline="0" dirty="0" smtClean="0"/>
-              <a:t> </a:t>
-            </a:r>
-            <a:r>
-              <a:rPr lang="en-US" baseline="0" dirty="0" err="1" smtClean="0"/>
-              <a:t>begär</a:t>
-            </a:r>
-            <a:r>
-              <a:rPr lang="en-US" baseline="0" dirty="0" smtClean="0"/>
-              <a:t> </a:t>
-            </a:r>
-            <a:r>
-              <a:rPr lang="en-US" baseline="0" dirty="0" err="1" smtClean="0"/>
-              <a:t>ut</a:t>
-            </a:r>
-            <a:r>
-              <a:rPr lang="en-US" baseline="0" dirty="0" smtClean="0"/>
-              <a:t> information </a:t>
-            </a:r>
-            <a:r>
-              <a:rPr lang="en-US" baseline="0" dirty="0" err="1" smtClean="0"/>
-              <a:t>utan</a:t>
-            </a:r>
-            <a:r>
-              <a:rPr lang="en-US" baseline="0" dirty="0" smtClean="0"/>
-              <a:t> </a:t>
-            </a:r>
-            <a:r>
-              <a:rPr lang="en-US" baseline="0" dirty="0" err="1" smtClean="0"/>
-              <a:t>att</a:t>
-            </a:r>
-            <a:r>
-              <a:rPr lang="en-US" baseline="0" dirty="0" smtClean="0"/>
-              <a:t> </a:t>
-            </a:r>
-            <a:r>
-              <a:rPr lang="en-US" baseline="0" dirty="0" err="1" smtClean="0"/>
-              <a:t>invånaren</a:t>
-            </a:r>
-            <a:r>
-              <a:rPr lang="en-US" baseline="0" dirty="0" smtClean="0"/>
-              <a:t> </a:t>
-            </a:r>
-            <a:r>
-              <a:rPr lang="en-US" baseline="0" dirty="0" err="1" smtClean="0"/>
-              <a:t>godkänt</a:t>
+              <a:rPr lang="en-US" baseline="0" dirty="0" err="1" smtClean="0"/>
+              <a:t>Förtroende</a:t>
+            </a:r>
+            <a:r>
+              <a:rPr lang="en-US" baseline="0" dirty="0" smtClean="0"/>
+              <a:t> -&gt; </a:t>
+            </a:r>
+            <a:r>
+              <a:rPr lang="en-US" baseline="0" dirty="0" err="1" smtClean="0"/>
+              <a:t>www.minavardkontakter.se</a:t>
+            </a:r>
+            <a:endParaRPr lang="en-US" baseline="0" dirty="0" smtClean="0"/>
+          </a:p>
+          <a:p>
+            <a:r>
+              <a:rPr lang="en-US" baseline="0" dirty="0" err="1" smtClean="0"/>
+              <a:t>Identifiering</a:t>
+            </a:r>
+            <a:r>
+              <a:rPr lang="en-US" baseline="0" dirty="0" smtClean="0"/>
+              <a:t> -&gt; </a:t>
+            </a:r>
+            <a:r>
+              <a:rPr lang="en-US" baseline="0" dirty="0" err="1" smtClean="0"/>
+              <a:t>inloggning</a:t>
+            </a:r>
+            <a:r>
+              <a:rPr lang="en-US" baseline="0" dirty="0" smtClean="0"/>
+              <a:t> via </a:t>
+            </a:r>
+            <a:r>
+              <a:rPr lang="en-US" baseline="0" dirty="0" err="1" smtClean="0"/>
+              <a:t>mvk</a:t>
+            </a:r>
+            <a:r>
+              <a:rPr lang="en-US" baseline="0" dirty="0" smtClean="0"/>
+              <a:t> med 2-faktorsautenticering till </a:t>
+            </a:r>
+            <a:r>
+              <a:rPr lang="en-US" baseline="0" dirty="0" err="1" smtClean="0"/>
+              <a:t>excempel</a:t>
+            </a:r>
+            <a:r>
+              <a:rPr lang="en-US" baseline="0" dirty="0" smtClean="0"/>
+              <a:t> e-leg. </a:t>
+            </a:r>
+            <a:r>
+              <a:rPr lang="en-US" baseline="0" dirty="0" err="1" smtClean="0"/>
+              <a:t>Krav</a:t>
+            </a:r>
+            <a:r>
+              <a:rPr lang="en-US" baseline="0" dirty="0" smtClean="0"/>
+              <a:t> </a:t>
+            </a:r>
+            <a:r>
+              <a:rPr lang="en-US" baseline="0" dirty="0" err="1" smtClean="0"/>
+              <a:t>från</a:t>
+            </a:r>
+            <a:r>
+              <a:rPr lang="en-US" baseline="0" dirty="0" smtClean="0"/>
+              <a:t> </a:t>
+            </a:r>
+            <a:r>
+              <a:rPr lang="en-US" baseline="0" dirty="0" err="1" smtClean="0"/>
+              <a:t>datainspektionen</a:t>
             </a:r>
             <a:r>
               <a:rPr lang="en-US" baseline="0" dirty="0" smtClean="0"/>
@@ -2201,233 +1877,44 @@
             </a:r>
           </a:p>
           <a:p>
+            <a:r>
+              <a:rPr lang="en-US" baseline="0" dirty="0" err="1" smtClean="0"/>
+              <a:t>Auktorisation</a:t>
+            </a:r>
+            <a:r>
+              <a:rPr lang="en-US" baseline="0" dirty="0" smtClean="0"/>
+              <a:t>….</a:t>
+            </a:r>
+          </a:p>
+          <a:p>
+            <a:r>
+              <a:rPr lang="en-US" baseline="0" dirty="0" smtClean="0"/>
+              <a:t>   </a:t>
+            </a:r>
+            <a:r>
+              <a:rPr lang="en-US" baseline="0" dirty="0" err="1" smtClean="0"/>
+              <a:t>Oauth</a:t>
+            </a:r>
+            <a:r>
+              <a:rPr lang="en-US" baseline="0" dirty="0" smtClean="0"/>
+              <a:t> 2.0 TADA… </a:t>
+            </a:r>
+            <a:r>
+              <a:rPr lang="en-US" baseline="0" dirty="0" err="1" smtClean="0"/>
+              <a:t>vänd</a:t>
+            </a:r>
+            <a:r>
+              <a:rPr lang="en-US" baseline="0" dirty="0" smtClean="0"/>
+              <a:t> </a:t>
+            </a:r>
+            <a:r>
+              <a:rPr lang="en-US" baseline="0" dirty="0" err="1" smtClean="0"/>
+              <a:t>blad</a:t>
+            </a:r>
             <a:endParaRPr lang="en-US" baseline="0" dirty="0" smtClean="0"/>
           </a:p>
           <a:p>
-            <a:r>
-              <a:rPr lang="en-US" baseline="0" dirty="0" err="1" smtClean="0"/>
-              <a:t>För</a:t>
-            </a:r>
-            <a:r>
-              <a:rPr lang="en-US" baseline="0" dirty="0" smtClean="0"/>
-              <a:t> </a:t>
-            </a:r>
-            <a:r>
-              <a:rPr lang="en-US" baseline="0" dirty="0" err="1" smtClean="0"/>
-              <a:t>att</a:t>
-            </a:r>
-            <a:r>
-              <a:rPr lang="en-US" baseline="0" dirty="0" smtClean="0"/>
-              <a:t> </a:t>
-            </a:r>
-            <a:r>
-              <a:rPr lang="en-US" baseline="0" dirty="0" err="1" smtClean="0"/>
-              <a:t>få</a:t>
-            </a:r>
-            <a:r>
-              <a:rPr lang="en-US" baseline="0" dirty="0" smtClean="0"/>
-              <a:t> </a:t>
-            </a:r>
-            <a:r>
-              <a:rPr lang="en-US" baseline="0" dirty="0" err="1" smtClean="0"/>
-              <a:t>tillit</a:t>
-            </a:r>
-            <a:r>
-              <a:rPr lang="en-US" baseline="0" dirty="0" smtClean="0"/>
-              <a:t> I </a:t>
-            </a:r>
-            <a:r>
-              <a:rPr lang="en-US" baseline="0" dirty="0" err="1" smtClean="0"/>
-              <a:t>systemet</a:t>
-            </a:r>
-            <a:r>
-              <a:rPr lang="en-US" baseline="0" dirty="0" smtClean="0"/>
-              <a:t> </a:t>
-            </a:r>
-            <a:r>
-              <a:rPr lang="en-US" baseline="0" dirty="0" err="1" smtClean="0"/>
-              <a:t>behöver</a:t>
-            </a:r>
-            <a:r>
-              <a:rPr lang="en-US" baseline="0" dirty="0" smtClean="0"/>
-              <a:t> </a:t>
-            </a:r>
-            <a:r>
-              <a:rPr lang="en-US" baseline="0" dirty="0" err="1" smtClean="0"/>
-              <a:t>det</a:t>
-            </a:r>
-            <a:r>
-              <a:rPr lang="en-US" baseline="0" dirty="0" smtClean="0"/>
-              <a:t> </a:t>
-            </a:r>
-            <a:r>
-              <a:rPr lang="en-US" baseline="0" dirty="0" err="1" smtClean="0"/>
-              <a:t>finnas</a:t>
-            </a:r>
-            <a:r>
-              <a:rPr lang="en-US" baseline="0" dirty="0" smtClean="0"/>
-              <a:t> en </a:t>
-            </a:r>
-            <a:r>
-              <a:rPr lang="en-US" baseline="0" dirty="0" err="1" smtClean="0"/>
-              <a:t>mekanism</a:t>
-            </a:r>
-            <a:r>
-              <a:rPr lang="en-US" baseline="0" dirty="0" smtClean="0"/>
-              <a:t> </a:t>
-            </a:r>
-            <a:r>
-              <a:rPr lang="en-US" baseline="0" dirty="0" err="1" smtClean="0"/>
-              <a:t>som</a:t>
-            </a:r>
-            <a:r>
-              <a:rPr lang="en-US" baseline="0" dirty="0" smtClean="0"/>
-              <a:t> </a:t>
-            </a:r>
-            <a:r>
-              <a:rPr lang="en-US" baseline="0" dirty="0" err="1" smtClean="0"/>
-              <a:t>gör</a:t>
-            </a:r>
-            <a:r>
-              <a:rPr lang="en-US" baseline="0" dirty="0" smtClean="0"/>
-              <a:t> </a:t>
-            </a:r>
-            <a:r>
-              <a:rPr lang="en-US" baseline="0" dirty="0" err="1" smtClean="0"/>
-              <a:t>att</a:t>
-            </a:r>
-            <a:r>
-              <a:rPr lang="en-US" baseline="0" dirty="0" smtClean="0"/>
-              <a:t> </a:t>
-            </a:r>
-            <a:r>
-              <a:rPr lang="en-US" baseline="0" dirty="0" err="1" smtClean="0"/>
-              <a:t>klienten</a:t>
-            </a:r>
-            <a:r>
-              <a:rPr lang="en-US" baseline="0" dirty="0" smtClean="0"/>
-              <a:t> </a:t>
-            </a:r>
-            <a:r>
-              <a:rPr lang="en-US" baseline="0" dirty="0" err="1" smtClean="0"/>
-              <a:t>endast</a:t>
-            </a:r>
-            <a:r>
-              <a:rPr lang="en-US" baseline="0" dirty="0" smtClean="0"/>
-              <a:t> </a:t>
-            </a:r>
-            <a:r>
-              <a:rPr lang="en-US" baseline="0" dirty="0" err="1" smtClean="0"/>
-              <a:t>kan</a:t>
-            </a:r>
-            <a:r>
-              <a:rPr lang="en-US" baseline="0" dirty="0" smtClean="0"/>
-              <a:t> </a:t>
-            </a:r>
-            <a:r>
-              <a:rPr lang="en-US" baseline="0" dirty="0" err="1" smtClean="0"/>
-              <a:t>hämta</a:t>
-            </a:r>
-            <a:r>
-              <a:rPr lang="en-US" baseline="0" dirty="0" smtClean="0"/>
-              <a:t> </a:t>
-            </a:r>
-            <a:r>
-              <a:rPr lang="en-US" baseline="0" dirty="0" err="1" smtClean="0"/>
-              <a:t>ut</a:t>
-            </a:r>
-            <a:r>
-              <a:rPr lang="en-US" baseline="0" dirty="0" smtClean="0"/>
-              <a:t> information </a:t>
-            </a:r>
-            <a:r>
-              <a:rPr lang="en-US" baseline="0" dirty="0" err="1" smtClean="0"/>
-              <a:t>som</a:t>
-            </a:r>
-            <a:r>
-              <a:rPr lang="en-US" baseline="0" dirty="0" smtClean="0"/>
-              <a:t> </a:t>
-            </a:r>
-            <a:r>
-              <a:rPr lang="en-US" baseline="0" dirty="0" err="1" smtClean="0"/>
-              <a:t>invånaren</a:t>
-            </a:r>
-            <a:r>
-              <a:rPr lang="en-US" baseline="0" dirty="0" smtClean="0"/>
-              <a:t> </a:t>
-            </a:r>
-            <a:r>
-              <a:rPr lang="en-US" baseline="0" dirty="0" err="1" smtClean="0"/>
-              <a:t>har</a:t>
-            </a:r>
-            <a:r>
-              <a:rPr lang="en-US" baseline="0" dirty="0" smtClean="0"/>
-              <a:t> </a:t>
-            </a:r>
-            <a:r>
-              <a:rPr lang="en-US" baseline="0" dirty="0" err="1" smtClean="0"/>
-              <a:t>godkänt</a:t>
-            </a:r>
-            <a:r>
-              <a:rPr lang="en-US" baseline="0" dirty="0" smtClean="0"/>
-              <a:t>.</a:t>
-            </a:r>
-          </a:p>
-          <a:p>
-            <a:r>
-              <a:rPr lang="en-US" baseline="0" dirty="0" err="1" smtClean="0"/>
-              <a:t>APIet</a:t>
-            </a:r>
-            <a:r>
-              <a:rPr lang="en-US" baseline="0" dirty="0" smtClean="0"/>
-              <a:t> </a:t>
-            </a:r>
-            <a:r>
-              <a:rPr lang="en-US" baseline="0" dirty="0" err="1" smtClean="0"/>
-              <a:t>behöver</a:t>
-            </a:r>
-            <a:r>
-              <a:rPr lang="en-US" baseline="0" dirty="0" smtClean="0"/>
-              <a:t> </a:t>
-            </a:r>
-            <a:r>
-              <a:rPr lang="en-US" baseline="0" dirty="0" err="1" smtClean="0"/>
-              <a:t>verifiera</a:t>
-            </a:r>
-            <a:r>
-              <a:rPr lang="en-US" baseline="0" dirty="0" smtClean="0"/>
-              <a:t> </a:t>
-            </a:r>
-            <a:r>
-              <a:rPr lang="en-US" baseline="0" dirty="0" err="1" smtClean="0"/>
-              <a:t>detta</a:t>
-            </a:r>
-            <a:r>
-              <a:rPr lang="en-US" baseline="0" dirty="0" smtClean="0"/>
-              <a:t>.</a:t>
-            </a:r>
-          </a:p>
-          <a:p>
             <a:endParaRPr lang="en-US" baseline="0" dirty="0" smtClean="0"/>
-          </a:p>
-          <a:p>
-            <a:r>
-              <a:rPr lang="en-US" baseline="0" dirty="0" err="1" smtClean="0"/>
-              <a:t>Såååå</a:t>
-            </a:r>
-            <a:r>
-              <a:rPr lang="en-US" baseline="0" dirty="0" smtClean="0"/>
-              <a:t>…… OAUTH 2.0 </a:t>
-            </a:r>
-            <a:r>
-              <a:rPr lang="en-US" baseline="0" dirty="0" err="1" smtClean="0"/>
-              <a:t>nästa</a:t>
-            </a:r>
-            <a:r>
-              <a:rPr lang="en-US" baseline="0" dirty="0" smtClean="0"/>
-              <a:t> slide…</a:t>
-            </a:r>
-            <a:endParaRPr lang="en-US" dirty="0"/>
           </a:p>
         </p:txBody>
       </p:sp>
@@ -2463,7 +1950,7 @@
     </p:spTree>
     <p:extLst>
       <p:ext uri="{BB962C8B-B14F-4D97-AF65-F5344CB8AC3E}">
-        <p14:creationId xmlns:p14="http://schemas.microsoft.com/office/powerpoint/2010/main" val="1531746770"/>
+        <p14:creationId xmlns:p14="http://schemas.microsoft.com/office/powerpoint/2010/main" val="422046913"/>
       </p:ext>
     </p:extLst>
   </p:cSld>
@@ -2517,7 +2004,519 @@
           <a:bodyPr/>
           <a:lstStyle/>
           <a:p>
+            <a:r>
+              <a:rPr lang="en-US" dirty="0" smtClean="0"/>
+              <a:t>Visa </a:t>
+            </a:r>
+            <a:r>
+              <a:rPr lang="en-US" dirty="0" err="1" smtClean="0"/>
+              <a:t>på</a:t>
+            </a:r>
+            <a:r>
+              <a:rPr lang="en-US" dirty="0" smtClean="0"/>
+              <a:t> </a:t>
+            </a:r>
+            <a:r>
+              <a:rPr lang="en-US" dirty="0" err="1" smtClean="0"/>
+              <a:t>problemet</a:t>
+            </a:r>
+            <a:endParaRPr lang="en-US" dirty="0" smtClean="0"/>
+          </a:p>
+          <a:p>
+            <a:endParaRPr lang="en-US" dirty="0" smtClean="0"/>
+          </a:p>
+          <a:p>
+            <a:r>
+              <a:rPr lang="en-US" dirty="0" smtClean="0"/>
+              <a:t>Den</a:t>
+            </a:r>
+            <a:r>
+              <a:rPr lang="en-US" baseline="0" dirty="0" smtClean="0"/>
+              <a:t> </a:t>
+            </a:r>
+            <a:r>
+              <a:rPr lang="en-US" baseline="0" dirty="0" err="1" smtClean="0"/>
+              <a:t>naiva</a:t>
+            </a:r>
+            <a:r>
+              <a:rPr lang="en-US" baseline="0" dirty="0" smtClean="0"/>
+              <a:t> </a:t>
+            </a:r>
+            <a:r>
+              <a:rPr lang="en-US" baseline="0" dirty="0" err="1" smtClean="0"/>
+              <a:t>approachen</a:t>
+            </a:r>
+            <a:r>
+              <a:rPr lang="en-US" baseline="0" dirty="0" smtClean="0"/>
+              <a:t> </a:t>
+            </a:r>
+            <a:r>
+              <a:rPr lang="en-US" baseline="0" dirty="0" err="1" smtClean="0"/>
+              <a:t>är</a:t>
+            </a:r>
+            <a:r>
+              <a:rPr lang="en-US" baseline="0" dirty="0" smtClean="0"/>
+              <a:t> </a:t>
+            </a:r>
+            <a:r>
+              <a:rPr lang="en-US" baseline="0" dirty="0" err="1" smtClean="0"/>
+              <a:t>att</a:t>
+            </a:r>
+            <a:r>
+              <a:rPr lang="en-US" baseline="0" dirty="0" smtClean="0"/>
+              <a:t> en </a:t>
+            </a:r>
+            <a:r>
+              <a:rPr lang="en-US" baseline="0" dirty="0" err="1" smtClean="0"/>
+              <a:t>betrodd</a:t>
+            </a:r>
+            <a:r>
+              <a:rPr lang="en-US" baseline="0" dirty="0" smtClean="0"/>
+              <a:t> </a:t>
+            </a:r>
+            <a:r>
+              <a:rPr lang="en-US" baseline="0" dirty="0" err="1" smtClean="0"/>
+              <a:t>klient</a:t>
+            </a:r>
+            <a:r>
+              <a:rPr lang="en-US" baseline="0" dirty="0" smtClean="0"/>
+              <a:t> </a:t>
+            </a:r>
+            <a:r>
+              <a:rPr lang="en-US" baseline="0" dirty="0" err="1" smtClean="0"/>
+              <a:t>kan</a:t>
+            </a:r>
+            <a:r>
+              <a:rPr lang="en-US" baseline="0" dirty="0" smtClean="0"/>
+              <a:t> </a:t>
+            </a:r>
+            <a:r>
+              <a:rPr lang="en-US" baseline="0" dirty="0" err="1" smtClean="0"/>
+              <a:t>anropa</a:t>
+            </a:r>
+            <a:r>
+              <a:rPr lang="en-US" baseline="0" dirty="0" smtClean="0"/>
+              <a:t> </a:t>
+            </a:r>
+            <a:r>
+              <a:rPr lang="en-US" baseline="0" dirty="0" err="1" smtClean="0"/>
+              <a:t>APIet</a:t>
+            </a:r>
+            <a:r>
+              <a:rPr lang="en-US" baseline="0" dirty="0" smtClean="0"/>
+              <a:t> </a:t>
+            </a:r>
+            <a:r>
+              <a:rPr lang="en-US" baseline="0" dirty="0" err="1" smtClean="0"/>
+              <a:t>och</a:t>
+            </a:r>
+            <a:r>
+              <a:rPr lang="en-US" baseline="0" dirty="0" smtClean="0"/>
+              <a:t> </a:t>
+            </a:r>
+            <a:r>
+              <a:rPr lang="en-US" baseline="0" dirty="0" err="1" smtClean="0"/>
+              <a:t>begära</a:t>
+            </a:r>
+            <a:r>
+              <a:rPr lang="en-US" baseline="0" dirty="0" smtClean="0"/>
+              <a:t> </a:t>
+            </a:r>
+            <a:r>
+              <a:rPr lang="en-US" baseline="0" dirty="0" err="1" smtClean="0"/>
+              <a:t>ut</a:t>
+            </a:r>
+            <a:r>
+              <a:rPr lang="en-US" baseline="0" dirty="0" smtClean="0"/>
+              <a:t> den information </a:t>
+            </a:r>
+            <a:r>
+              <a:rPr lang="en-US" baseline="0" dirty="0" err="1" smtClean="0"/>
+              <a:t>som</a:t>
+            </a:r>
+            <a:r>
+              <a:rPr lang="en-US" baseline="0" dirty="0" smtClean="0"/>
+              <a:t> </a:t>
+            </a:r>
+            <a:r>
+              <a:rPr lang="en-US" baseline="0" dirty="0" err="1" smtClean="0"/>
+              <a:t>behövs</a:t>
+            </a:r>
             <a:endParaRPr lang="en-US" baseline="0" dirty="0" smtClean="0"/>
+          </a:p>
+          <a:p>
+            <a:endParaRPr lang="en-US" baseline="0" dirty="0" smtClean="0"/>
+          </a:p>
+          <a:p>
+            <a:r>
+              <a:rPr lang="en-US" baseline="0" dirty="0" smtClean="0"/>
+              <a:t>MEN… </a:t>
+            </a:r>
+            <a:r>
+              <a:rPr lang="en-US" baseline="0" dirty="0" err="1" smtClean="0"/>
+              <a:t>är</a:t>
+            </a:r>
+            <a:r>
+              <a:rPr lang="en-US" baseline="0" dirty="0" smtClean="0"/>
+              <a:t> </a:t>
+            </a:r>
+            <a:r>
+              <a:rPr lang="en-US" baseline="0" dirty="0" err="1" smtClean="0"/>
+              <a:t>det</a:t>
+            </a:r>
+            <a:r>
+              <a:rPr lang="en-US" baseline="0" dirty="0" smtClean="0"/>
+              <a:t> </a:t>
+            </a:r>
+            <a:r>
+              <a:rPr lang="en-US" baseline="0" dirty="0" err="1" smtClean="0"/>
+              <a:t>säkert</a:t>
+            </a:r>
+            <a:r>
+              <a:rPr lang="en-US" baseline="0" dirty="0" smtClean="0"/>
+              <a:t> </a:t>
+            </a:r>
+            <a:r>
+              <a:rPr lang="en-US" baseline="0" dirty="0" err="1" smtClean="0"/>
+              <a:t>att</a:t>
+            </a:r>
+            <a:r>
+              <a:rPr lang="en-US" baseline="0" dirty="0" smtClean="0"/>
+              <a:t> </a:t>
+            </a:r>
+            <a:r>
+              <a:rPr lang="en-US" baseline="0" dirty="0" err="1" smtClean="0"/>
+              <a:t>invånaren</a:t>
+            </a:r>
+            <a:r>
+              <a:rPr lang="en-US" baseline="0" dirty="0" smtClean="0"/>
+              <a:t> </a:t>
+            </a:r>
+            <a:r>
+              <a:rPr lang="en-US" baseline="0" dirty="0" err="1" smtClean="0"/>
+              <a:t>kan</a:t>
+            </a:r>
+            <a:r>
+              <a:rPr lang="en-US" baseline="0" dirty="0" smtClean="0"/>
+              <a:t> </a:t>
+            </a:r>
+            <a:r>
+              <a:rPr lang="en-US" baseline="0" dirty="0" err="1" smtClean="0"/>
+              <a:t>lita</a:t>
+            </a:r>
+            <a:r>
+              <a:rPr lang="en-US" baseline="0" dirty="0" smtClean="0"/>
+              <a:t> </a:t>
+            </a:r>
+            <a:r>
+              <a:rPr lang="en-US" baseline="0" dirty="0" err="1" smtClean="0"/>
+              <a:t>på</a:t>
+            </a:r>
+            <a:r>
+              <a:rPr lang="en-US" baseline="0" dirty="0" smtClean="0"/>
+              <a:t> </a:t>
+            </a:r>
+            <a:r>
+              <a:rPr lang="en-US" baseline="0" dirty="0" err="1" smtClean="0"/>
+              <a:t>att</a:t>
+            </a:r>
+            <a:r>
+              <a:rPr lang="en-US" baseline="0" dirty="0" smtClean="0"/>
+              <a:t> </a:t>
+            </a:r>
+            <a:r>
+              <a:rPr lang="en-US" baseline="0" dirty="0" err="1" smtClean="0"/>
+              <a:t>klieneten</a:t>
+            </a:r>
+            <a:r>
+              <a:rPr lang="en-US" baseline="0" dirty="0" smtClean="0"/>
+              <a:t> </a:t>
+            </a:r>
+            <a:r>
+              <a:rPr lang="en-US" baseline="0" dirty="0" err="1" smtClean="0"/>
+              <a:t>inte</a:t>
+            </a:r>
+            <a:r>
+              <a:rPr lang="en-US" baseline="0" dirty="0" smtClean="0"/>
+              <a:t> </a:t>
+            </a:r>
+            <a:r>
+              <a:rPr lang="en-US" baseline="0" dirty="0" err="1" smtClean="0"/>
+              <a:t>begär</a:t>
+            </a:r>
+            <a:r>
+              <a:rPr lang="en-US" baseline="0" dirty="0" smtClean="0"/>
+              <a:t> </a:t>
+            </a:r>
+            <a:r>
+              <a:rPr lang="en-US" baseline="0" dirty="0" err="1" smtClean="0"/>
+              <a:t>ut</a:t>
+            </a:r>
+            <a:r>
+              <a:rPr lang="en-US" baseline="0" dirty="0" smtClean="0"/>
+              <a:t> information </a:t>
+            </a:r>
+            <a:r>
+              <a:rPr lang="en-US" baseline="0" dirty="0" err="1" smtClean="0"/>
+              <a:t>utan</a:t>
+            </a:r>
+            <a:r>
+              <a:rPr lang="en-US" baseline="0" dirty="0" smtClean="0"/>
+              <a:t> </a:t>
+            </a:r>
+            <a:r>
+              <a:rPr lang="en-US" baseline="0" dirty="0" err="1" smtClean="0"/>
+              <a:t>att</a:t>
+            </a:r>
+            <a:r>
+              <a:rPr lang="en-US" baseline="0" dirty="0" smtClean="0"/>
+              <a:t> </a:t>
+            </a:r>
+            <a:r>
+              <a:rPr lang="en-US" baseline="0" dirty="0" err="1" smtClean="0"/>
+              <a:t>invånaren</a:t>
+            </a:r>
+            <a:r>
+              <a:rPr lang="en-US" baseline="0" dirty="0" smtClean="0"/>
+              <a:t> </a:t>
+            </a:r>
+            <a:r>
+              <a:rPr lang="en-US" baseline="0" dirty="0" err="1" smtClean="0"/>
+              <a:t>godkänt</a:t>
+            </a:r>
+            <a:r>
+              <a:rPr lang="en-US" baseline="0" dirty="0" smtClean="0"/>
+              <a:t>.</a:t>
+            </a:r>
+          </a:p>
+          <a:p>
+            <a:endParaRPr lang="en-US" baseline="0" dirty="0" smtClean="0"/>
+          </a:p>
+          <a:p>
+            <a:r>
+              <a:rPr lang="en-US" baseline="0" dirty="0" err="1" smtClean="0"/>
+              <a:t>För</a:t>
+            </a:r>
+            <a:r>
+              <a:rPr lang="en-US" baseline="0" dirty="0" smtClean="0"/>
+              <a:t> </a:t>
+            </a:r>
+            <a:r>
+              <a:rPr lang="en-US" baseline="0" dirty="0" err="1" smtClean="0"/>
+              <a:t>att</a:t>
+            </a:r>
+            <a:r>
+              <a:rPr lang="en-US" baseline="0" dirty="0" smtClean="0"/>
+              <a:t> </a:t>
+            </a:r>
+            <a:r>
+              <a:rPr lang="en-US" baseline="0" dirty="0" err="1" smtClean="0"/>
+              <a:t>få</a:t>
+            </a:r>
+            <a:r>
+              <a:rPr lang="en-US" baseline="0" dirty="0" smtClean="0"/>
+              <a:t> </a:t>
+            </a:r>
+            <a:r>
+              <a:rPr lang="en-US" baseline="0" dirty="0" err="1" smtClean="0"/>
+              <a:t>tillit</a:t>
+            </a:r>
+            <a:r>
+              <a:rPr lang="en-US" baseline="0" dirty="0" smtClean="0"/>
+              <a:t> I </a:t>
+            </a:r>
+            <a:r>
+              <a:rPr lang="en-US" baseline="0" dirty="0" err="1" smtClean="0"/>
+              <a:t>systemet</a:t>
+            </a:r>
+            <a:r>
+              <a:rPr lang="en-US" baseline="0" dirty="0" smtClean="0"/>
+              <a:t> </a:t>
+            </a:r>
+            <a:r>
+              <a:rPr lang="en-US" baseline="0" dirty="0" err="1" smtClean="0"/>
+              <a:t>behöver</a:t>
+            </a:r>
+            <a:r>
+              <a:rPr lang="en-US" baseline="0" dirty="0" smtClean="0"/>
+              <a:t> </a:t>
+            </a:r>
+            <a:r>
+              <a:rPr lang="en-US" baseline="0" dirty="0" err="1" smtClean="0"/>
+              <a:t>det</a:t>
+            </a:r>
+            <a:r>
+              <a:rPr lang="en-US" baseline="0" dirty="0" smtClean="0"/>
+              <a:t> </a:t>
+            </a:r>
+            <a:r>
+              <a:rPr lang="en-US" baseline="0" dirty="0" err="1" smtClean="0"/>
+              <a:t>finnas</a:t>
+            </a:r>
+            <a:r>
+              <a:rPr lang="en-US" baseline="0" dirty="0" smtClean="0"/>
+              <a:t> en </a:t>
+            </a:r>
+            <a:r>
+              <a:rPr lang="en-US" baseline="0" dirty="0" err="1" smtClean="0"/>
+              <a:t>mekanism</a:t>
+            </a:r>
+            <a:r>
+              <a:rPr lang="en-US" baseline="0" dirty="0" smtClean="0"/>
+              <a:t> </a:t>
+            </a:r>
+            <a:r>
+              <a:rPr lang="en-US" baseline="0" dirty="0" err="1" smtClean="0"/>
+              <a:t>som</a:t>
+            </a:r>
+            <a:r>
+              <a:rPr lang="en-US" baseline="0" dirty="0" smtClean="0"/>
+              <a:t> </a:t>
+            </a:r>
+            <a:r>
+              <a:rPr lang="en-US" baseline="0" dirty="0" err="1" smtClean="0"/>
+              <a:t>gör</a:t>
+            </a:r>
+            <a:r>
+              <a:rPr lang="en-US" baseline="0" dirty="0" smtClean="0"/>
+              <a:t> </a:t>
+            </a:r>
+            <a:r>
+              <a:rPr lang="en-US" baseline="0" dirty="0" err="1" smtClean="0"/>
+              <a:t>att</a:t>
+            </a:r>
+            <a:r>
+              <a:rPr lang="en-US" baseline="0" dirty="0" smtClean="0"/>
+              <a:t> </a:t>
+            </a:r>
+            <a:r>
+              <a:rPr lang="en-US" baseline="0" dirty="0" err="1" smtClean="0"/>
+              <a:t>klienten</a:t>
+            </a:r>
+            <a:r>
+              <a:rPr lang="en-US" baseline="0" dirty="0" smtClean="0"/>
+              <a:t> </a:t>
+            </a:r>
+            <a:r>
+              <a:rPr lang="en-US" baseline="0" dirty="0" err="1" smtClean="0"/>
+              <a:t>endast</a:t>
+            </a:r>
+            <a:r>
+              <a:rPr lang="en-US" baseline="0" dirty="0" smtClean="0"/>
+              <a:t> </a:t>
+            </a:r>
+            <a:r>
+              <a:rPr lang="en-US" baseline="0" dirty="0" err="1" smtClean="0"/>
+              <a:t>kan</a:t>
+            </a:r>
+            <a:r>
+              <a:rPr lang="en-US" baseline="0" dirty="0" smtClean="0"/>
+              <a:t> </a:t>
+            </a:r>
+            <a:r>
+              <a:rPr lang="en-US" baseline="0" dirty="0" err="1" smtClean="0"/>
+              <a:t>hämta</a:t>
+            </a:r>
+            <a:r>
+              <a:rPr lang="en-US" baseline="0" dirty="0" smtClean="0"/>
+              <a:t> </a:t>
+            </a:r>
+            <a:r>
+              <a:rPr lang="en-US" baseline="0" dirty="0" err="1" smtClean="0"/>
+              <a:t>ut</a:t>
+            </a:r>
+            <a:r>
+              <a:rPr lang="en-US" baseline="0" dirty="0" smtClean="0"/>
+              <a:t> information </a:t>
+            </a:r>
+            <a:r>
+              <a:rPr lang="en-US" baseline="0" dirty="0" err="1" smtClean="0"/>
+              <a:t>som</a:t>
+            </a:r>
+            <a:r>
+              <a:rPr lang="en-US" baseline="0" dirty="0" smtClean="0"/>
+              <a:t> </a:t>
+            </a:r>
+            <a:r>
+              <a:rPr lang="en-US" baseline="0" dirty="0" err="1" smtClean="0"/>
+              <a:t>invånaren</a:t>
+            </a:r>
+            <a:r>
+              <a:rPr lang="en-US" baseline="0" dirty="0" smtClean="0"/>
+              <a:t> </a:t>
+            </a:r>
+            <a:r>
+              <a:rPr lang="en-US" baseline="0" dirty="0" err="1" smtClean="0"/>
+              <a:t>har</a:t>
+            </a:r>
+            <a:r>
+              <a:rPr lang="en-US" baseline="0" dirty="0" smtClean="0"/>
+              <a:t> </a:t>
+            </a:r>
+            <a:r>
+              <a:rPr lang="en-US" baseline="0" dirty="0" err="1" smtClean="0"/>
+              <a:t>godkänt</a:t>
+            </a:r>
+            <a:r>
+              <a:rPr lang="en-US" baseline="0" dirty="0" smtClean="0"/>
+              <a:t>.</a:t>
+            </a:r>
+          </a:p>
+          <a:p>
+            <a:r>
+              <a:rPr lang="en-US" baseline="0" dirty="0" err="1" smtClean="0"/>
+              <a:t>APIet</a:t>
+            </a:r>
+            <a:r>
+              <a:rPr lang="en-US" baseline="0" dirty="0" smtClean="0"/>
+              <a:t> </a:t>
+            </a:r>
+            <a:r>
+              <a:rPr lang="en-US" baseline="0" dirty="0" err="1" smtClean="0"/>
+              <a:t>behöver</a:t>
+            </a:r>
+            <a:r>
+              <a:rPr lang="en-US" baseline="0" dirty="0" smtClean="0"/>
+              <a:t> </a:t>
+            </a:r>
+            <a:r>
+              <a:rPr lang="en-US" baseline="0" dirty="0" err="1" smtClean="0"/>
+              <a:t>verifiera</a:t>
+            </a:r>
+            <a:r>
+              <a:rPr lang="en-US" baseline="0" dirty="0" smtClean="0"/>
+              <a:t> </a:t>
+            </a:r>
+            <a:r>
+              <a:rPr lang="en-US" baseline="0" dirty="0" err="1" smtClean="0"/>
+              <a:t>detta</a:t>
+            </a:r>
+            <a:r>
+              <a:rPr lang="en-US" baseline="0" dirty="0" smtClean="0"/>
+              <a:t>.</a:t>
+            </a:r>
+          </a:p>
+          <a:p>
+            <a:endParaRPr lang="en-US" baseline="0" dirty="0" smtClean="0"/>
+          </a:p>
+          <a:p>
+            <a:r>
+              <a:rPr lang="en-US" baseline="0" dirty="0" err="1" smtClean="0"/>
+              <a:t>Såååå</a:t>
+            </a:r>
+            <a:r>
+              <a:rPr lang="en-US" baseline="0" dirty="0" smtClean="0"/>
+              <a:t>…… OAUTH 2.0 </a:t>
+            </a:r>
+            <a:r>
+              <a:rPr lang="en-US" baseline="0" dirty="0" err="1" smtClean="0"/>
+              <a:t>nästa</a:t>
+            </a:r>
+            <a:r>
+              <a:rPr lang="en-US" baseline="0" dirty="0" smtClean="0"/>
+              <a:t> slide…</a:t>
+            </a:r>
+            <a:endParaRPr lang="en-US" dirty="0"/>
           </a:p>
         </p:txBody>
       </p:sp>
@@ -2553,7 +2552,7 @@
     </p:spTree>
     <p:extLst>
       <p:ext uri="{BB962C8B-B14F-4D97-AF65-F5344CB8AC3E}">
-        <p14:creationId xmlns:p14="http://schemas.microsoft.com/office/powerpoint/2010/main" val="422046913"/>
+        <p14:creationId xmlns:p14="http://schemas.microsoft.com/office/powerpoint/2010/main" val="1531746770"/>
       </p:ext>
     </p:extLst>
   </p:cSld>
@@ -2607,416 +2606,7 @@
           <a:bodyPr/>
           <a:lstStyle/>
           <a:p>
-            <a:r>
-              <a:rPr lang="en-US" dirty="0" err="1" smtClean="0"/>
-              <a:t>Reaource</a:t>
-            </a:r>
-            <a:r>
-              <a:rPr lang="en-US" dirty="0" smtClean="0"/>
-              <a:t> Owner: En roll </a:t>
-            </a:r>
-            <a:r>
-              <a:rPr lang="en-US" dirty="0" err="1" smtClean="0"/>
-              <a:t>i</a:t>
-            </a:r>
-            <a:r>
-              <a:rPr lang="en-US" dirty="0" smtClean="0"/>
-              <a:t> </a:t>
-            </a:r>
-            <a:r>
-              <a:rPr lang="en-US" dirty="0" err="1" smtClean="0"/>
-              <a:t>OAuth</a:t>
-            </a:r>
-            <a:r>
-              <a:rPr lang="en-US" dirty="0" smtClean="0"/>
-              <a:t> 2.0 </a:t>
-            </a:r>
-            <a:r>
-              <a:rPr lang="en-US" dirty="0" err="1" smtClean="0"/>
-              <a:t>specifikationen</a:t>
-            </a:r>
-            <a:r>
-              <a:rPr lang="en-US" dirty="0" smtClean="0"/>
-              <a:t> </a:t>
-            </a:r>
-            <a:r>
-              <a:rPr lang="en-US" dirty="0" err="1" smtClean="0"/>
-              <a:t>som</a:t>
-            </a:r>
-            <a:r>
-              <a:rPr lang="en-US" dirty="0" smtClean="0"/>
-              <a:t> </a:t>
-            </a:r>
-            <a:r>
-              <a:rPr lang="en-US" dirty="0" err="1" smtClean="0"/>
-              <a:t>pekar</a:t>
-            </a:r>
-            <a:r>
-              <a:rPr lang="en-US" dirty="0" smtClean="0"/>
-              <a:t> </a:t>
-            </a:r>
-            <a:r>
-              <a:rPr lang="en-US" dirty="0" err="1" smtClean="0"/>
-              <a:t>ut</a:t>
-            </a:r>
-            <a:r>
-              <a:rPr lang="en-US" dirty="0" smtClean="0"/>
-              <a:t> </a:t>
-            </a:r>
-            <a:r>
-              <a:rPr lang="en-US" dirty="0" err="1" smtClean="0"/>
-              <a:t>användaren</a:t>
-            </a:r>
-            <a:r>
-              <a:rPr lang="en-US" dirty="0" smtClean="0"/>
-              <a:t> </a:t>
-            </a:r>
-            <a:r>
-              <a:rPr lang="en-US" dirty="0" err="1" smtClean="0"/>
-              <a:t>som</a:t>
-            </a:r>
-            <a:r>
-              <a:rPr lang="en-US" dirty="0" smtClean="0"/>
-              <a:t> </a:t>
-            </a:r>
-            <a:r>
-              <a:rPr lang="en-US" dirty="0" err="1" smtClean="0"/>
-              <a:t>äger</a:t>
-            </a:r>
-            <a:r>
-              <a:rPr lang="en-US" dirty="0" smtClean="0"/>
-              <a:t> en given </a:t>
-            </a:r>
-            <a:r>
-              <a:rPr lang="en-US" dirty="0" err="1" smtClean="0"/>
-              <a:t>resurs</a:t>
-            </a:r>
-            <a:r>
-              <a:rPr lang="en-US" dirty="0" smtClean="0"/>
-              <a:t>.</a:t>
-            </a:r>
-          </a:p>
-          <a:p>
-            <a:r>
-              <a:rPr lang="en-US" dirty="0" smtClean="0"/>
-              <a:t>Client: I </a:t>
-            </a:r>
-            <a:r>
-              <a:rPr lang="en-US" dirty="0" err="1" smtClean="0"/>
-              <a:t>OAuth</a:t>
-            </a:r>
-            <a:r>
-              <a:rPr lang="en-US" dirty="0" smtClean="0"/>
-              <a:t> 2.0-specifikationen </a:t>
-            </a:r>
-            <a:r>
-              <a:rPr lang="en-US" dirty="0" err="1" smtClean="0"/>
-              <a:t>är</a:t>
-            </a:r>
-            <a:r>
-              <a:rPr lang="en-US" dirty="0" smtClean="0"/>
-              <a:t> </a:t>
-            </a:r>
-            <a:r>
-              <a:rPr lang="en-US" dirty="0" err="1" smtClean="0"/>
-              <a:t>klienten</a:t>
-            </a:r>
-            <a:r>
-              <a:rPr lang="en-US" dirty="0" smtClean="0"/>
-              <a:t> </a:t>
-            </a:r>
-            <a:r>
-              <a:rPr lang="en-US" dirty="0" err="1" smtClean="0"/>
-              <a:t>hela</a:t>
-            </a:r>
-            <a:r>
-              <a:rPr lang="en-US" dirty="0" smtClean="0"/>
-              <a:t> </a:t>
-            </a:r>
-            <a:r>
-              <a:rPr lang="en-US" dirty="0" err="1" smtClean="0"/>
-              <a:t>tredjeparts-lösningen</a:t>
-            </a:r>
-            <a:r>
-              <a:rPr lang="en-US" dirty="0" smtClean="0"/>
-              <a:t>. </a:t>
-            </a:r>
-            <a:r>
-              <a:rPr lang="en-US" dirty="0" err="1" smtClean="0"/>
-              <a:t>Det</a:t>
-            </a:r>
-            <a:r>
-              <a:rPr lang="en-US" dirty="0" smtClean="0"/>
-              <a:t> </a:t>
-            </a:r>
-            <a:r>
-              <a:rPr lang="en-US" dirty="0" err="1" smtClean="0"/>
-              <a:t>vill</a:t>
-            </a:r>
-            <a:r>
-              <a:rPr lang="en-US" dirty="0" smtClean="0"/>
-              <a:t> </a:t>
-            </a:r>
-            <a:r>
-              <a:rPr lang="en-US" dirty="0" err="1" smtClean="0"/>
-              <a:t>säga</a:t>
-            </a:r>
-            <a:r>
-              <a:rPr lang="en-US" dirty="0" smtClean="0"/>
-              <a:t> </a:t>
-            </a:r>
-            <a:r>
-              <a:rPr lang="en-US" dirty="0" err="1" smtClean="0"/>
-              <a:t>klienten</a:t>
-            </a:r>
-            <a:r>
-              <a:rPr lang="en-US" dirty="0" smtClean="0"/>
-              <a:t> </a:t>
-            </a:r>
-            <a:r>
-              <a:rPr lang="en-US" dirty="0" err="1" smtClean="0"/>
-              <a:t>är</a:t>
-            </a:r>
-            <a:r>
-              <a:rPr lang="en-US" dirty="0" smtClean="0"/>
-              <a:t> </a:t>
-            </a:r>
-            <a:r>
-              <a:rPr lang="en-US" dirty="0" err="1" smtClean="0"/>
-              <a:t>både</a:t>
-            </a:r>
-            <a:r>
-              <a:rPr lang="en-US" dirty="0" smtClean="0"/>
-              <a:t> back-end </a:t>
-            </a:r>
-            <a:r>
-              <a:rPr lang="en-US" dirty="0" err="1" smtClean="0"/>
-              <a:t>och</a:t>
-            </a:r>
-            <a:r>
-              <a:rPr lang="en-US" dirty="0" smtClean="0"/>
-              <a:t> front-end </a:t>
-            </a:r>
-            <a:r>
-              <a:rPr lang="en-US" dirty="0" err="1" smtClean="0"/>
-              <a:t>av</a:t>
-            </a:r>
-            <a:r>
-              <a:rPr lang="en-US" dirty="0" smtClean="0"/>
-              <a:t> </a:t>
-            </a:r>
-            <a:r>
-              <a:rPr lang="en-US" dirty="0" err="1" smtClean="0"/>
-              <a:t>tredjeparts-lösningen</a:t>
-            </a:r>
-            <a:r>
-              <a:rPr lang="en-US" dirty="0" smtClean="0"/>
-              <a:t>.</a:t>
-            </a:r>
-          </a:p>
-          <a:p>
-            <a:r>
-              <a:rPr lang="en-US" dirty="0" smtClean="0"/>
-              <a:t>Authorization server: En roll </a:t>
-            </a:r>
-            <a:r>
-              <a:rPr lang="en-US" dirty="0" err="1" smtClean="0"/>
-              <a:t>i</a:t>
-            </a:r>
-            <a:r>
-              <a:rPr lang="en-US" dirty="0" smtClean="0"/>
-              <a:t> </a:t>
-            </a:r>
-            <a:r>
-              <a:rPr lang="en-US" dirty="0" err="1" smtClean="0"/>
-              <a:t>OAuth</a:t>
-            </a:r>
-            <a:r>
-              <a:rPr lang="en-US" dirty="0" smtClean="0"/>
-              <a:t> 2.0 </a:t>
-            </a:r>
-            <a:r>
-              <a:rPr lang="en-US" dirty="0" err="1" smtClean="0"/>
-              <a:t>specifikationen</a:t>
-            </a:r>
-            <a:r>
-              <a:rPr lang="en-US" dirty="0" smtClean="0"/>
-              <a:t> </a:t>
-            </a:r>
-            <a:r>
-              <a:rPr lang="en-US" dirty="0" err="1" smtClean="0"/>
-              <a:t>som</a:t>
-            </a:r>
-            <a:r>
-              <a:rPr lang="en-US" dirty="0" smtClean="0"/>
-              <a:t> </a:t>
-            </a:r>
-            <a:r>
-              <a:rPr lang="en-US" dirty="0" err="1" smtClean="0"/>
-              <a:t>pekar</a:t>
-            </a:r>
-            <a:r>
-              <a:rPr lang="en-US" dirty="0" smtClean="0"/>
-              <a:t> </a:t>
-            </a:r>
-            <a:r>
-              <a:rPr lang="en-US" dirty="0" err="1" smtClean="0"/>
-              <a:t>ut</a:t>
-            </a:r>
-            <a:r>
-              <a:rPr lang="en-US" dirty="0" smtClean="0"/>
-              <a:t> den del </a:t>
-            </a:r>
-            <a:r>
-              <a:rPr lang="en-US" dirty="0" err="1" smtClean="0"/>
-              <a:t>som</a:t>
-            </a:r>
-            <a:r>
-              <a:rPr lang="en-US" dirty="0" smtClean="0"/>
-              <a:t> </a:t>
-            </a:r>
-            <a:r>
-              <a:rPr lang="en-US" dirty="0" err="1" smtClean="0"/>
-              <a:t>är</a:t>
-            </a:r>
-            <a:r>
-              <a:rPr lang="en-US" dirty="0" smtClean="0"/>
-              <a:t> </a:t>
-            </a:r>
-            <a:r>
-              <a:rPr lang="en-US" dirty="0" err="1" smtClean="0"/>
-              <a:t>ansvarig</a:t>
-            </a:r>
-            <a:r>
-              <a:rPr lang="en-US" dirty="0" smtClean="0"/>
-              <a:t> </a:t>
-            </a:r>
-            <a:r>
-              <a:rPr lang="en-US" dirty="0" err="1" smtClean="0"/>
-              <a:t>för</a:t>
-            </a:r>
-            <a:r>
-              <a:rPr lang="en-US" dirty="0" smtClean="0"/>
-              <a:t> </a:t>
-            </a:r>
-            <a:r>
-              <a:rPr lang="en-US" dirty="0" err="1" smtClean="0"/>
-              <a:t>auktorisationsadministration</a:t>
-            </a:r>
-            <a:r>
-              <a:rPr lang="en-US" dirty="0" smtClean="0"/>
-              <a:t>.</a:t>
-            </a:r>
-          </a:p>
-          <a:p>
-            <a:r>
-              <a:rPr lang="en-US" dirty="0" smtClean="0"/>
-              <a:t>Resource server:</a:t>
-            </a:r>
-            <a:r>
-              <a:rPr lang="en-US" baseline="0" dirty="0" smtClean="0"/>
-              <a:t> En roll </a:t>
-            </a:r>
-            <a:r>
-              <a:rPr lang="en-US" baseline="0" dirty="0" err="1" smtClean="0"/>
-              <a:t>i</a:t>
-            </a:r>
-            <a:r>
-              <a:rPr lang="en-US" baseline="0" dirty="0" smtClean="0"/>
-              <a:t> </a:t>
-            </a:r>
-            <a:r>
-              <a:rPr lang="en-US" baseline="0" dirty="0" err="1" smtClean="0"/>
-              <a:t>OAuth</a:t>
-            </a:r>
-            <a:r>
-              <a:rPr lang="en-US" baseline="0" dirty="0" smtClean="0"/>
-              <a:t> 2.0 </a:t>
-            </a:r>
-            <a:r>
-              <a:rPr lang="en-US" baseline="0" dirty="0" err="1" smtClean="0"/>
-              <a:t>specifikationen</a:t>
-            </a:r>
-            <a:r>
-              <a:rPr lang="en-US" baseline="0" dirty="0" smtClean="0"/>
-              <a:t> </a:t>
-            </a:r>
-            <a:r>
-              <a:rPr lang="en-US" baseline="0" dirty="0" err="1" smtClean="0"/>
-              <a:t>som</a:t>
-            </a:r>
-            <a:r>
-              <a:rPr lang="en-US" baseline="0" dirty="0" smtClean="0"/>
-              <a:t> </a:t>
-            </a:r>
-            <a:r>
-              <a:rPr lang="en-US" baseline="0" dirty="0" err="1" smtClean="0"/>
-              <a:t>pekar</a:t>
-            </a:r>
-            <a:r>
-              <a:rPr lang="en-US" baseline="0" dirty="0" smtClean="0"/>
-              <a:t> </a:t>
-            </a:r>
-            <a:r>
-              <a:rPr lang="en-US" baseline="0" dirty="0" err="1" smtClean="0"/>
-              <a:t>ut</a:t>
-            </a:r>
-            <a:r>
-              <a:rPr lang="en-US" baseline="0" dirty="0" smtClean="0"/>
-              <a:t> den del </a:t>
-            </a:r>
-            <a:r>
-              <a:rPr lang="en-US" baseline="0" dirty="0" err="1" smtClean="0"/>
-              <a:t>som</a:t>
-            </a:r>
-            <a:r>
-              <a:rPr lang="en-US" baseline="0" dirty="0" smtClean="0"/>
-              <a:t> </a:t>
-            </a:r>
-            <a:r>
-              <a:rPr lang="en-US" baseline="0" dirty="0" err="1" smtClean="0"/>
-              <a:t>är</a:t>
-            </a:r>
-            <a:r>
-              <a:rPr lang="en-US" baseline="0" dirty="0" smtClean="0"/>
-              <a:t> </a:t>
-            </a:r>
-            <a:r>
-              <a:rPr lang="en-US" baseline="0" dirty="0" err="1" smtClean="0"/>
-              <a:t>ansvarig</a:t>
-            </a:r>
-            <a:r>
-              <a:rPr lang="en-US" baseline="0" dirty="0" smtClean="0"/>
-              <a:t> </a:t>
-            </a:r>
-            <a:r>
-              <a:rPr lang="en-US" baseline="0" dirty="0" err="1" smtClean="0"/>
-              <a:t>för</a:t>
-            </a:r>
-            <a:r>
-              <a:rPr lang="en-US" baseline="0" dirty="0" smtClean="0"/>
-              <a:t> </a:t>
-            </a:r>
-            <a:r>
-              <a:rPr lang="en-US" baseline="0" dirty="0" err="1" smtClean="0"/>
-              <a:t>resurshantering</a:t>
-            </a:r>
-            <a:r>
-              <a:rPr lang="en-US" baseline="0" dirty="0" smtClean="0"/>
-              <a:t>/</a:t>
-            </a:r>
-            <a:r>
-              <a:rPr lang="en-US" baseline="0" dirty="0" err="1" smtClean="0"/>
-              <a:t>resursutlämning</a:t>
-            </a:r>
-            <a:r>
-              <a:rPr lang="en-US" baseline="0" dirty="0" smtClean="0"/>
-              <a:t>.</a:t>
-            </a:r>
-            <a:endParaRPr lang="en-US" dirty="0" smtClean="0"/>
-          </a:p>
-          <a:p>
-            <a:endParaRPr lang="en-US" dirty="0"/>
+            <a:endParaRPr lang="en-US" baseline="0" dirty="0" smtClean="0"/>
           </a:p>
         </p:txBody>
       </p:sp>
@@ -3052,7 +2642,7 @@
     </p:spTree>
     <p:extLst>
       <p:ext uri="{BB962C8B-B14F-4D97-AF65-F5344CB8AC3E}">
-        <p14:creationId xmlns:p14="http://schemas.microsoft.com/office/powerpoint/2010/main" val="698192533"/>
+        <p14:creationId xmlns:p14="http://schemas.microsoft.com/office/powerpoint/2010/main" val="422046913"/>
       </p:ext>
     </p:extLst>
   </p:cSld>
@@ -3107,32 +2697,36 @@
           <a:lstStyle/>
           <a:p>
             <a:r>
+              <a:rPr lang="en-US" dirty="0" err="1" smtClean="0"/>
+              <a:t>Reaource</a:t>
+            </a:r>
+            <a:r>
               <a:rPr lang="en-US" dirty="0" smtClean="0"/>
-              <a:t>En </a:t>
+              <a:t> Owner: En roll </a:t>
             </a:r>
             <a:r>
               <a:rPr lang="en-US" dirty="0" err="1" smtClean="0"/>
-              <a:t>applikation</a:t>
+              <a:t>i</a:t>
             </a:r>
             <a:r>
               <a:rPr lang="en-US" dirty="0" smtClean="0"/>
-              <a:t>, </a:t>
+              <a:t> </a:t>
             </a:r>
             <a:r>
               <a:rPr lang="en-US" dirty="0" err="1" smtClean="0"/>
-              <a:t>tex</a:t>
+              <a:t>OAuth</a:t>
             </a:r>
             <a:r>
               <a:rPr lang="en-US" dirty="0" smtClean="0"/>
-              <a:t> </a:t>
+              <a:t> 2.0 </a:t>
             </a:r>
             <a:r>
               <a:rPr lang="en-US" dirty="0" err="1" smtClean="0"/>
-              <a:t>Runkeeper</a:t>
+              <a:t>specifikationen</a:t>
             </a:r>
             <a:r>
               <a:rPr lang="en-US" dirty="0" smtClean="0"/>
-              <a:t>, </a:t>
+              <a:t> </a:t>
             </a:r>
             <a:r>
               <a:rPr lang="en-US" dirty="0" err="1" smtClean="0"/>
@@ -3140,19 +2734,105 @@
             </a:r>
             <a:r>
               <a:rPr lang="en-US" dirty="0" smtClean="0"/>
-              <a:t> du </a:t>
+              <a:t> </a:t>
             </a:r>
             <a:r>
               <a:rPr lang="en-US" dirty="0" err="1" smtClean="0"/>
-              <a:t>lagt</a:t>
+              <a:t>pekar</a:t>
             </a:r>
             <a:r>
               <a:rPr lang="en-US" dirty="0" smtClean="0"/>
-              <a:t> till </a:t>
+              <a:t> </a:t>
             </a:r>
             <a:r>
               <a:rPr lang="en-US" dirty="0" err="1" smtClean="0"/>
-              <a:t>nyligen</a:t>
+              <a:t>ut</a:t>
+            </a:r>
+            <a:r>
+              <a:rPr lang="en-US" dirty="0" smtClean="0"/>
+              <a:t> </a:t>
+            </a:r>
+            <a:r>
+              <a:rPr lang="en-US" dirty="0" err="1" smtClean="0"/>
+              <a:t>användaren</a:t>
+            </a:r>
+            <a:r>
+              <a:rPr lang="en-US" dirty="0" smtClean="0"/>
+              <a:t> </a:t>
+            </a:r>
+            <a:r>
+              <a:rPr lang="en-US" dirty="0" err="1" smtClean="0"/>
+              <a:t>som</a:t>
+            </a:r>
+            <a:r>
+              <a:rPr lang="en-US" dirty="0" smtClean="0"/>
+              <a:t> </a:t>
+            </a:r>
+            <a:r>
+              <a:rPr lang="en-US" dirty="0" err="1" smtClean="0"/>
+              <a:t>äger</a:t>
+            </a:r>
+            <a:r>
+              <a:rPr lang="en-US" dirty="0" smtClean="0"/>
+              <a:t> en given </a:t>
+            </a:r>
+            <a:r>
+              <a:rPr lang="en-US" dirty="0" err="1" smtClean="0"/>
+              <a:t>resurs</a:t>
+            </a:r>
+            <a:r>
+              <a:rPr lang="en-US" dirty="0" smtClean="0"/>
+              <a:t>.</a:t>
+            </a:r>
+          </a:p>
+          <a:p>
+            <a:r>
+              <a:rPr lang="en-US" dirty="0" smtClean="0"/>
+              <a:t>Client: I </a:t>
+            </a:r>
+            <a:r>
+              <a:rPr lang="en-US" dirty="0" err="1" smtClean="0"/>
+              <a:t>OAuth</a:t>
+            </a:r>
+            <a:r>
+              <a:rPr lang="en-US" dirty="0" smtClean="0"/>
+              <a:t> 2.0-specifikationen </a:t>
+            </a:r>
+            <a:r>
+              <a:rPr lang="en-US" dirty="0" err="1" smtClean="0"/>
+              <a:t>är</a:t>
+            </a:r>
+            <a:r>
+              <a:rPr lang="en-US" dirty="0" smtClean="0"/>
+              <a:t> </a:t>
+            </a:r>
+            <a:r>
+              <a:rPr lang="en-US" dirty="0" err="1" smtClean="0"/>
+              <a:t>klienten</a:t>
+            </a:r>
+            <a:r>
+              <a:rPr lang="en-US" dirty="0" smtClean="0"/>
+              <a:t> </a:t>
+            </a:r>
+            <a:r>
+              <a:rPr lang="en-US" dirty="0" err="1" smtClean="0"/>
+              <a:t>hela</a:t>
+            </a:r>
+            <a:r>
+              <a:rPr lang="en-US" dirty="0" smtClean="0"/>
+              <a:t> </a:t>
+            </a:r>
+            <a:r>
+              <a:rPr lang="en-US" dirty="0" err="1" smtClean="0"/>
+              <a:t>tredjeparts-lösningen</a:t>
+            </a:r>
+            <a:r>
+              <a:rPr lang="en-US" dirty="0" smtClean="0"/>
+              <a:t>. </a:t>
+            </a:r>
+            <a:r>
+              <a:rPr lang="en-US" dirty="0" err="1" smtClean="0"/>
+              <a:t>Det</a:t>
             </a:r>
             <a:r>
               <a:rPr lang="en-US" dirty="0" smtClean="0"/>
@@ -3168,7 +2848,7 @@
             </a:r>
             <a:r>
               <a:rPr lang="en-US" dirty="0" err="1" smtClean="0"/>
-              <a:t>komma</a:t>
+              <a:t>säga</a:t>
             </a:r>
             <a:r>
               <a:rPr lang="en-US" dirty="0" smtClean="0"/>
@@ -3176,92 +2856,255 @@
             </a:r>
             <a:r>
               <a:rPr lang="en-US" dirty="0" err="1" smtClean="0"/>
-              <a:t>åt</a:t>
+              <a:t>klienten</a:t>
             </a:r>
             <a:r>
               <a:rPr lang="en-US" dirty="0" smtClean="0"/>
-              <a:t> information</a:t>
-            </a:r>
-            <a:r>
-              <a:rPr lang="en-US" baseline="0" dirty="0" smtClean="0"/>
-              <a:t> </a:t>
-            </a:r>
-            <a:r>
-              <a:rPr lang="en-US" baseline="0" dirty="0" err="1" smtClean="0"/>
-              <a:t>om</a:t>
-            </a:r>
-            <a:r>
-              <a:rPr lang="en-US" baseline="0" dirty="0" smtClean="0"/>
-              <a:t> dig. I </a:t>
-            </a:r>
-            <a:r>
-              <a:rPr lang="en-US" baseline="0" dirty="0" err="1" smtClean="0"/>
-              <a:t>applikationen</a:t>
-            </a:r>
-            <a:r>
-              <a:rPr lang="en-US" baseline="0" dirty="0" smtClean="0"/>
-              <a:t> </a:t>
-            </a:r>
-            <a:r>
-              <a:rPr lang="en-US" baseline="0" dirty="0" err="1" smtClean="0"/>
+              <a:t> </a:t>
+            </a:r>
+            <a:r>
+              <a:rPr lang="en-US" dirty="0" err="1" smtClean="0"/>
               <a:t>är</a:t>
             </a:r>
             <a:r>
-              <a:rPr lang="en-US" baseline="0" dirty="0" smtClean="0"/>
-              <a:t> du </a:t>
-            </a:r>
-            <a:r>
-              <a:rPr lang="en-US" baseline="0" dirty="0" err="1" smtClean="0"/>
-              <a:t>inloggad</a:t>
-            </a:r>
-            <a:r>
-              <a:rPr lang="en-US" baseline="0" dirty="0" smtClean="0"/>
-              <a:t> med </a:t>
-            </a:r>
-            <a:r>
-              <a:rPr lang="en-US" baseline="0" dirty="0" err="1" smtClean="0"/>
-              <a:t>ditt</a:t>
-            </a:r>
-            <a:r>
-              <a:rPr lang="en-US" baseline="0" dirty="0" smtClean="0"/>
-              <a:t> </a:t>
-            </a:r>
-            <a:r>
-              <a:rPr lang="en-US" baseline="0" dirty="0" err="1" smtClean="0"/>
-              <a:t>användarnamn</a:t>
-            </a:r>
-            <a:r>
-              <a:rPr lang="en-US" baseline="0" dirty="0" smtClean="0"/>
-              <a:t> </a:t>
-            </a:r>
-            <a:r>
-              <a:rPr lang="en-US" baseline="0" dirty="0" err="1" smtClean="0"/>
+              <a:rPr lang="en-US" dirty="0" smtClean="0"/>
+              <a:t> </a:t>
+            </a:r>
+            <a:r>
+              <a:rPr lang="en-US" dirty="0" err="1" smtClean="0"/>
+              <a:t>både</a:t>
+            </a:r>
+            <a:r>
+              <a:rPr lang="en-US" dirty="0" smtClean="0"/>
+              <a:t> back-end </a:t>
+            </a:r>
+            <a:r>
+              <a:rPr lang="en-US" dirty="0" err="1" smtClean="0"/>
+              <a:t>och</a:t>
+            </a:r>
+            <a:r>
+              <a:rPr lang="en-US" dirty="0" smtClean="0"/>
+              <a:t> front-end </a:t>
+            </a:r>
+            <a:r>
+              <a:rPr lang="en-US" dirty="0" err="1" smtClean="0"/>
+              <a:t>av</a:t>
+            </a:r>
+            <a:r>
+              <a:rPr lang="en-US" dirty="0" smtClean="0"/>
+              <a:t> </a:t>
+            </a:r>
+            <a:r>
+              <a:rPr lang="en-US" dirty="0" err="1" smtClean="0"/>
+              <a:t>tredjeparts-lösningen</a:t>
+            </a:r>
+            <a:r>
+              <a:rPr lang="en-US" dirty="0" smtClean="0"/>
+              <a:t>.</a:t>
+            </a:r>
+          </a:p>
+          <a:p>
+            <a:r>
+              <a:rPr lang="en-US" dirty="0" smtClean="0"/>
+              <a:t>Authorization server: En roll </a:t>
+            </a:r>
+            <a:r>
+              <a:rPr lang="en-US" dirty="0" err="1" smtClean="0"/>
+              <a:t>i</a:t>
+            </a:r>
+            <a:r>
+              <a:rPr lang="en-US" dirty="0" smtClean="0"/>
+              <a:t> </a:t>
+            </a:r>
+            <a:r>
+              <a:rPr lang="en-US" dirty="0" err="1" smtClean="0"/>
+              <a:t>OAuth</a:t>
+            </a:r>
+            <a:r>
+              <a:rPr lang="en-US" dirty="0" smtClean="0"/>
+              <a:t> 2.0 </a:t>
+            </a:r>
+            <a:r>
+              <a:rPr lang="en-US" dirty="0" err="1" smtClean="0"/>
+              <a:t>specifikationen</a:t>
+            </a:r>
+            <a:r>
+              <a:rPr lang="en-US" dirty="0" smtClean="0"/>
+              <a:t> </a:t>
+            </a:r>
+            <a:r>
+              <a:rPr lang="en-US" dirty="0" err="1" smtClean="0"/>
+              <a:t>som</a:t>
+            </a:r>
+            <a:r>
+              <a:rPr lang="en-US" dirty="0" smtClean="0"/>
+              <a:t> </a:t>
+            </a:r>
+            <a:r>
+              <a:rPr lang="en-US" dirty="0" err="1" smtClean="0"/>
+              <a:t>pekar</a:t>
+            </a:r>
+            <a:r>
+              <a:rPr lang="en-US" dirty="0" smtClean="0"/>
+              <a:t> </a:t>
+            </a:r>
+            <a:r>
+              <a:rPr lang="en-US" dirty="0" err="1" smtClean="0"/>
+              <a:t>ut</a:t>
+            </a:r>
+            <a:r>
+              <a:rPr lang="en-US" dirty="0" smtClean="0"/>
+              <a:t> den del </a:t>
+            </a:r>
+            <a:r>
+              <a:rPr lang="en-US" dirty="0" err="1" smtClean="0"/>
+              <a:t>som</a:t>
+            </a:r>
+            <a:r>
+              <a:rPr lang="en-US" dirty="0" smtClean="0"/>
+              <a:t> </a:t>
+            </a:r>
+            <a:r>
+              <a:rPr lang="en-US" dirty="0" err="1" smtClean="0"/>
+              <a:t>är</a:t>
+            </a:r>
+            <a:r>
+              <a:rPr lang="en-US" dirty="0" smtClean="0"/>
+              <a:t> </a:t>
+            </a:r>
+            <a:r>
+              <a:rPr lang="en-US" dirty="0" err="1" smtClean="0"/>
+              <a:t>ansvarig</a:t>
+            </a:r>
+            <a:r>
+              <a:rPr lang="en-US" dirty="0" smtClean="0"/>
+              <a:t> </a:t>
+            </a:r>
+            <a:r>
+              <a:rPr lang="en-US" dirty="0" err="1" smtClean="0"/>
               <a:t>för</a:t>
             </a:r>
             <a:r>
-              <a:rPr lang="en-US" baseline="0" dirty="0" smtClean="0"/>
-              <a:t> just den </a:t>
-            </a:r>
-            <a:r>
-              <a:rPr lang="en-US" baseline="0" dirty="0" err="1" smtClean="0"/>
-              <a:t>applikationen</a:t>
-            </a:r>
-            <a:r>
-              <a:rPr lang="en-US" baseline="0" dirty="0" smtClean="0"/>
-              <a:t>, </a:t>
-            </a:r>
-            <a:r>
-              <a:rPr lang="en-US" baseline="0" dirty="0" err="1" smtClean="0"/>
-              <a:t>ett</a:t>
-            </a:r>
-            <a:r>
-              <a:rPr lang="en-US" baseline="0" dirty="0" smtClean="0"/>
-              <a:t> alias </a:t>
-            </a:r>
-            <a:r>
-              <a:rPr lang="en-US" baseline="0" dirty="0" err="1" smtClean="0"/>
-              <a:t>tex.</a:t>
-            </a:r>
+              <a:rPr lang="en-US" dirty="0" smtClean="0"/>
+              <a:t> </a:t>
+            </a:r>
+            <a:r>
+              <a:rPr lang="en-US" dirty="0" err="1" smtClean="0"/>
+              <a:t>auktorisationsadministration</a:t>
+            </a:r>
+            <a:r>
+              <a:rPr lang="en-US" dirty="0" smtClean="0"/>
+              <a:t>.</a:t>
+            </a:r>
+          </a:p>
+          <a:p>
+            <a:r>
+              <a:rPr lang="en-US" dirty="0" smtClean="0"/>
+              <a:t>Resource server:</a:t>
+            </a:r>
+            <a:r>
+              <a:rPr lang="en-US" baseline="0" dirty="0" smtClean="0"/>
+              <a:t> En roll </a:t>
+            </a:r>
+            <a:r>
+              <a:rPr lang="en-US" baseline="0" dirty="0" err="1" smtClean="0"/>
+              <a:t>i</a:t>
+            </a:r>
+            <a:r>
+              <a:rPr lang="en-US" baseline="0" dirty="0" smtClean="0"/>
+              <a:t> </a:t>
+            </a:r>
+            <a:r>
+              <a:rPr lang="en-US" baseline="0" dirty="0" err="1" smtClean="0"/>
+              <a:t>OAuth</a:t>
+            </a:r>
+            <a:r>
+              <a:rPr lang="en-US" baseline="0" dirty="0" smtClean="0"/>
+              <a:t> 2.0 </a:t>
+            </a:r>
+            <a:r>
+              <a:rPr lang="en-US" baseline="0" dirty="0" err="1" smtClean="0"/>
+              <a:t>specifikationen</a:t>
+            </a:r>
+            <a:r>
+              <a:rPr lang="en-US" baseline="0" dirty="0" smtClean="0"/>
+              <a:t> </a:t>
+            </a:r>
+            <a:r>
+              <a:rPr lang="en-US" baseline="0" dirty="0" err="1" smtClean="0"/>
+              <a:t>som</a:t>
+            </a:r>
+            <a:r>
+              <a:rPr lang="en-US" baseline="0" dirty="0" smtClean="0"/>
+              <a:t> </a:t>
+            </a:r>
+            <a:r>
+              <a:rPr lang="en-US" baseline="0" dirty="0" err="1" smtClean="0"/>
+              <a:t>pekar</a:t>
+            </a:r>
+            <a:r>
+              <a:rPr lang="en-US" baseline="0" dirty="0" smtClean="0"/>
+              <a:t> </a:t>
+            </a:r>
+            <a:r>
+              <a:rPr lang="en-US" baseline="0" dirty="0" err="1" smtClean="0"/>
+              <a:t>ut</a:t>
+            </a:r>
+            <a:r>
+              <a:rPr lang="en-US" baseline="0" dirty="0" smtClean="0"/>
+              <a:t> den del </a:t>
+            </a:r>
+            <a:r>
+              <a:rPr lang="en-US" baseline="0" dirty="0" err="1" smtClean="0"/>
+              <a:t>som</a:t>
+            </a:r>
+            <a:r>
+              <a:rPr lang="en-US" baseline="0" dirty="0" smtClean="0"/>
+              <a:t> </a:t>
+            </a:r>
+            <a:r>
+              <a:rPr lang="en-US" baseline="0" dirty="0" err="1" smtClean="0"/>
+              <a:t>är</a:t>
+            </a:r>
+            <a:r>
+              <a:rPr lang="en-US" baseline="0" dirty="0" smtClean="0"/>
+              <a:t> </a:t>
+            </a:r>
+            <a:r>
+              <a:rPr lang="en-US" baseline="0" dirty="0" err="1" smtClean="0"/>
+              <a:t>ansvarig</a:t>
+            </a:r>
+            <a:r>
+              <a:rPr lang="en-US" baseline="0" dirty="0" smtClean="0"/>
+              <a:t> </a:t>
+            </a:r>
+            <a:r>
+              <a:rPr lang="en-US" baseline="0" dirty="0" err="1" smtClean="0"/>
+              <a:t>för</a:t>
+            </a:r>
+            <a:r>
+              <a:rPr lang="en-US" baseline="0" dirty="0" smtClean="0"/>
+              <a:t> </a:t>
+            </a:r>
+            <a:r>
+              <a:rPr lang="en-US" baseline="0" dirty="0" err="1" smtClean="0"/>
+              <a:t>resurshantering</a:t>
+            </a:r>
+            <a:r>
+              <a:rPr lang="en-US" baseline="0" dirty="0" smtClean="0"/>
+              <a:t>/</a:t>
+            </a:r>
+            <a:r>
+              <a:rPr lang="en-US" baseline="0" dirty="0" err="1" smtClean="0"/>
+              <a:t>resursutlämning</a:t>
+            </a:r>
+            <a:r>
+              <a:rPr lang="en-US" baseline="0" dirty="0" smtClean="0"/>
+              <a:t>.</a:t>
+            </a:r>
+            <a:endParaRPr lang="en-US" dirty="0" smtClean="0"/>
+          </a:p>
+          <a:p>
             <a:endParaRPr lang="en-US" dirty="0"/>
           </a:p>
         </p:txBody>
@@ -3290,6 +3133,252 @@
                 <a:defRPr/>
               </a:pPr>
               <a:t>15</a:t>
+            </a:fld>
+            <a:endParaRPr lang="sv-SE"/>
+          </a:p>
+        </p:txBody>
+      </p:sp>
+    </p:spTree>
+    <p:extLst>
+      <p:ext uri="{BB962C8B-B14F-4D97-AF65-F5344CB8AC3E}">
+        <p14:creationId xmlns:p14="http://schemas.microsoft.com/office/powerpoint/2010/main" val="698192533"/>
+      </p:ext>
+    </p:extLst>
+  </p:cSld>
+  <p:clrMapOvr>
+    <a:masterClrMapping/>
+  </p:clrMapOvr>
+</p:notes>
+</file>
+
+<file path=ppt/notesSlides/notesSlide9.xml><?xml version="1.0" encoding="utf-8"?>
+<p:notes xmlns:a="http://schemas.openxmlformats.org/drawingml/2006/main" xmlns:r="http://schemas.openxmlformats.org/officeDocument/2006/relationships" xmlns:p="http://schemas.openxmlformats.org/presentationml/2006/main">
+  <p:cSld>
+    <p:spTree>
+      <p:nvGrpSpPr>
+        <p:cNvPr id="1" name=""/>
+        <p:cNvGrpSpPr/>
+        <p:nvPr/>
+      </p:nvGrpSpPr>
+      <p:grpSpPr>
+        <a:xfrm>
+          <a:off x="0" y="0"/>
+          <a:ext cx="0" cy="0"/>
+          <a:chOff x="0" y="0"/>
+          <a:chExt cx="0" cy="0"/>
+        </a:xfrm>
+      </p:grpSpPr>
+      <p:sp>
+        <p:nvSpPr>
+          <p:cNvPr id="2" name="Slide Image Placeholder 1"/>
+          <p:cNvSpPr>
+            <a:spLocks noGrp="1" noRot="1" noChangeAspect="1"/>
+          </p:cNvSpPr>
+          <p:nvPr>
+            <p:ph type="sldImg"/>
+          </p:nvPr>
+        </p:nvSpPr>
+        <p:spPr/>
+      </p:sp>
+      <p:sp>
+        <p:nvSpPr>
+          <p:cNvPr id="3" name="Notes Placeholder 2"/>
+          <p:cNvSpPr>
+            <a:spLocks noGrp="1"/>
+          </p:cNvSpPr>
+          <p:nvPr>
+            <p:ph type="body" idx="1"/>
+          </p:nvPr>
+        </p:nvSpPr>
+        <p:spPr/>
+        <p:txBody>
+          <a:bodyPr/>
+          <a:lstStyle/>
+          <a:p>
+            <a:r>
+              <a:rPr lang="en-US" dirty="0" smtClean="0"/>
+              <a:t>En </a:t>
+            </a:r>
+            <a:r>
+              <a:rPr lang="en-US" dirty="0" err="1" smtClean="0"/>
+              <a:t>applikation</a:t>
+            </a:r>
+            <a:r>
+              <a:rPr lang="en-US" dirty="0" smtClean="0"/>
+              <a:t>, </a:t>
+            </a:r>
+            <a:r>
+              <a:rPr lang="en-US" dirty="0" err="1" smtClean="0"/>
+              <a:t>tex</a:t>
+            </a:r>
+            <a:r>
+              <a:rPr lang="en-US" dirty="0" smtClean="0"/>
+              <a:t> </a:t>
+            </a:r>
+            <a:r>
+              <a:rPr lang="en-US" dirty="0" err="1" smtClean="0"/>
+              <a:t>Runkeeper</a:t>
+            </a:r>
+            <a:r>
+              <a:rPr lang="en-US" dirty="0" smtClean="0"/>
+              <a:t>, </a:t>
+            </a:r>
+            <a:r>
+              <a:rPr lang="en-US" dirty="0" err="1" smtClean="0"/>
+              <a:t>som</a:t>
+            </a:r>
+            <a:r>
+              <a:rPr lang="en-US" dirty="0" smtClean="0"/>
+              <a:t> du </a:t>
+            </a:r>
+            <a:r>
+              <a:rPr lang="en-US" dirty="0" err="1" smtClean="0"/>
+              <a:t>lagt</a:t>
+            </a:r>
+            <a:r>
+              <a:rPr lang="en-US" dirty="0" smtClean="0"/>
+              <a:t> till </a:t>
+            </a:r>
+            <a:r>
+              <a:rPr lang="en-US" dirty="0" err="1" smtClean="0"/>
+              <a:t>nyligen</a:t>
+            </a:r>
+            <a:r>
+              <a:rPr lang="en-US" dirty="0" smtClean="0"/>
+              <a:t> </a:t>
+            </a:r>
+            <a:r>
+              <a:rPr lang="en-US" dirty="0" err="1" smtClean="0"/>
+              <a:t>vill</a:t>
+            </a:r>
+            <a:r>
+              <a:rPr lang="en-US" dirty="0" smtClean="0"/>
+              <a:t> </a:t>
+            </a:r>
+            <a:r>
+              <a:rPr lang="en-US" dirty="0" err="1" smtClean="0"/>
+              <a:t>komma</a:t>
+            </a:r>
+            <a:r>
+              <a:rPr lang="en-US" dirty="0" smtClean="0"/>
+              <a:t> </a:t>
+            </a:r>
+            <a:r>
+              <a:rPr lang="en-US" dirty="0" err="1" smtClean="0"/>
+              <a:t>åt</a:t>
+            </a:r>
+            <a:r>
+              <a:rPr lang="en-US" dirty="0" smtClean="0"/>
+              <a:t> information</a:t>
+            </a:r>
+            <a:r>
+              <a:rPr lang="en-US" baseline="0" dirty="0" smtClean="0"/>
+              <a:t> </a:t>
+            </a:r>
+            <a:r>
+              <a:rPr lang="en-US" baseline="0" dirty="0" err="1" smtClean="0"/>
+              <a:t>om</a:t>
+            </a:r>
+            <a:r>
+              <a:rPr lang="en-US" baseline="0" dirty="0" smtClean="0"/>
+              <a:t> dig. I </a:t>
+            </a:r>
+            <a:r>
+              <a:rPr lang="en-US" baseline="0" dirty="0" err="1" smtClean="0"/>
+              <a:t>applikationen</a:t>
+            </a:r>
+            <a:r>
+              <a:rPr lang="en-US" baseline="0" dirty="0" smtClean="0"/>
+              <a:t> </a:t>
+            </a:r>
+            <a:r>
+              <a:rPr lang="en-US" baseline="0" dirty="0" err="1" smtClean="0"/>
+              <a:t>är</a:t>
+            </a:r>
+            <a:r>
+              <a:rPr lang="en-US" baseline="0" dirty="0" smtClean="0"/>
+              <a:t> du </a:t>
+            </a:r>
+            <a:r>
+              <a:rPr lang="en-US" baseline="0" dirty="0" err="1" smtClean="0"/>
+              <a:t>inloggad</a:t>
+            </a:r>
+            <a:r>
+              <a:rPr lang="en-US" baseline="0" dirty="0" smtClean="0"/>
+              <a:t> med </a:t>
+            </a:r>
+            <a:r>
+              <a:rPr lang="en-US" baseline="0" dirty="0" err="1" smtClean="0"/>
+              <a:t>ditt</a:t>
+            </a:r>
+            <a:r>
+              <a:rPr lang="en-US" baseline="0" dirty="0" smtClean="0"/>
+              <a:t> </a:t>
+            </a:r>
+            <a:r>
+              <a:rPr lang="en-US" baseline="0" dirty="0" err="1" smtClean="0"/>
+              <a:t>användarnamn</a:t>
+            </a:r>
+            <a:r>
+              <a:rPr lang="en-US" baseline="0" dirty="0" smtClean="0"/>
+              <a:t> </a:t>
+            </a:r>
+            <a:r>
+              <a:rPr lang="en-US" baseline="0" dirty="0" err="1" smtClean="0"/>
+              <a:t>för</a:t>
+            </a:r>
+            <a:r>
+              <a:rPr lang="en-US" baseline="0" dirty="0" smtClean="0"/>
+              <a:t> just den </a:t>
+            </a:r>
+            <a:r>
+              <a:rPr lang="en-US" baseline="0" dirty="0" err="1" smtClean="0"/>
+              <a:t>applikationen</a:t>
+            </a:r>
+            <a:r>
+              <a:rPr lang="en-US" baseline="0" dirty="0" smtClean="0"/>
+              <a:t>, </a:t>
+            </a:r>
+            <a:r>
+              <a:rPr lang="en-US" baseline="0" dirty="0" err="1" smtClean="0"/>
+              <a:t>ett</a:t>
+            </a:r>
+            <a:r>
+              <a:rPr lang="en-US" baseline="0" dirty="0" smtClean="0"/>
+              <a:t> alias </a:t>
+            </a:r>
+            <a:r>
+              <a:rPr lang="en-US" baseline="0" dirty="0" err="1" smtClean="0"/>
+              <a:t>tex.</a:t>
+            </a:r>
+            <a:endParaRPr lang="en-US" dirty="0"/>
+          </a:p>
+        </p:txBody>
+      </p:sp>
+      <p:sp>
+        <p:nvSpPr>
+          <p:cNvPr id="4" name="Slide Number Placeholder 3"/>
+          <p:cNvSpPr>
+            <a:spLocks noGrp="1"/>
+          </p:cNvSpPr>
+          <p:nvPr>
+            <p:ph type="sldNum" sz="quarter" idx="10"/>
+          </p:nvPr>
+        </p:nvSpPr>
+        <p:spPr/>
+        <p:txBody>
+          <a:bodyPr/>
+          <a:lstStyle/>
+          <a:p>
+            <a:pPr>
+              <a:defRPr/>
+            </a:pPr>
+            <a:fld id="{72F66423-05E2-6345-AF5A-73942C9C3A7C}" type="slidenum">
+              <a:rPr lang="sv-SE" smtClean="0"/>
+              <a:pPr>
+                <a:defRPr/>
+              </a:pPr>
+              <a:t>16</a:t>
             </a:fld>
             <a:endParaRPr lang="sv-SE"/>
           </a:p>
@@ -7423,7 +7512,7 @@
           <a:p>
             <a:r>
               <a:rPr lang="en-US" dirty="0" smtClean="0"/>
-              <a:t>Exercise 1</a:t>
+              <a:t>Example: Redirect, how does it work?</a:t>
             </a:r>
             <a:endParaRPr lang="en-US" dirty="0"/>
           </a:p>
@@ -7444,12 +7533,9 @@
           <a:bodyPr/>
           <a:lstStyle/>
           <a:p>
-            <a:pPr marL="0" indent="0">
-              <a:buNone/>
-            </a:pPr>
             <a:r>
               <a:rPr lang="en-US" dirty="0" smtClean="0"/>
-              <a:t>Use Curl to make http requests against public data API</a:t>
+              <a:t>{SNYGG BILD}</a:t>
             </a:r>
           </a:p>
         </p:txBody>
@@ -7486,13 +7572,20 @@
     </p:spTree>
     <p:extLst>
       <p:ext uri="{BB962C8B-B14F-4D97-AF65-F5344CB8AC3E}">
-        <p14:creationId xmlns:p14="http://schemas.microsoft.com/office/powerpoint/2010/main" val="3805536355"/>
+        <p14:creationId xmlns:p14="http://schemas.microsoft.com/office/powerpoint/2010/main" val="2100865221"/>
       </p:ext>
     </p:extLst>
   </p:cSld>
   <p:clrMapOvr>
     <a:masterClrMapping/>
   </p:clrMapOvr>
+  <p:timing>
+    <p:tnLst>
+      <p:par>
+        <p:cTn xmlns:p14="http://schemas.microsoft.com/office/powerpoint/2010/main" id="1" dur="indefinite" restart="never" nodeType="tmRoot"/>
+      </p:par>
+    </p:tnLst>
+  </p:timing>
 </p:sld>
 </file>
 
@@ -7525,14 +7618,12 @@
         </p:nvSpPr>
         <p:spPr/>
         <p:txBody>
-          <a:bodyPr>
-            <a:normAutofit fontScale="90000"/>
-          </a:bodyPr>
+          <a:bodyPr/>
           <a:lstStyle/>
           <a:p>
             <a:r>
               <a:rPr lang="en-US" dirty="0" smtClean="0"/>
-              <a:t>API’s for patient related information</a:t>
+              <a:t>HTTP overview</a:t>
             </a:r>
             <a:endParaRPr lang="en-US" dirty="0"/>
           </a:p>
@@ -7557,7 +7648,7 @@
           <a:p>
             <a:r>
               <a:rPr lang="en-US" dirty="0" smtClean="0"/>
-              <a:t>Introduction</a:t>
+              <a:t>Exercise 1</a:t>
             </a:r>
             <a:endParaRPr lang="en-US" dirty="0"/>
           </a:p>
@@ -7578,78 +7669,12 @@
           <a:bodyPr/>
           <a:lstStyle/>
           <a:p>
-            <a:r>
-              <a:rPr lang="en-US" sz="1800" dirty="0" smtClean="0"/>
-              <a:t>As opposed to the public API’s, not open data API’s</a:t>
-            </a:r>
-          </a:p>
-          <a:p>
-            <a:r>
-              <a:rPr lang="en-US" sz="1800" dirty="0" smtClean="0"/>
-              <a:t>Strong authentication of citizens</a:t>
-            </a:r>
-          </a:p>
-          <a:p>
-            <a:pPr lvl="1"/>
-            <a:r>
-              <a:rPr lang="en-US" sz="1800" dirty="0" smtClean="0"/>
-              <a:t>Demand from </a:t>
-            </a:r>
-            <a:r>
-              <a:rPr lang="en-US" sz="1800" dirty="0" err="1" smtClean="0"/>
-              <a:t>Datainspektionen</a:t>
-            </a:r>
-            <a:endParaRPr lang="en-US" sz="1800" dirty="0" smtClean="0"/>
-          </a:p>
-          <a:p>
-            <a:pPr lvl="1"/>
-            <a:r>
-              <a:rPr lang="en-US" sz="1800" dirty="0" smtClean="0"/>
-              <a:t>2 factor</a:t>
-            </a:r>
-          </a:p>
-          <a:p>
-            <a:r>
-              <a:rPr lang="en-US" sz="1800" dirty="0" smtClean="0"/>
-              <a:t>Strong authentication of API clients</a:t>
-            </a:r>
-          </a:p>
-          <a:p>
-            <a:pPr lvl="1"/>
-            <a:r>
-              <a:rPr lang="en-US" sz="1800" dirty="0" smtClean="0"/>
-              <a:t>SSL/TLS certificate issued by trusted CA</a:t>
-            </a:r>
-          </a:p>
-          <a:p>
-            <a:pPr lvl="1"/>
-            <a:r>
-              <a:rPr lang="en-US" sz="1800" dirty="0" smtClean="0"/>
-              <a:t>Mutual </a:t>
-            </a:r>
-            <a:r>
-              <a:rPr lang="en-US" sz="1800" dirty="0" err="1" smtClean="0"/>
-              <a:t>authenticaton</a:t>
-            </a:r>
-            <a:endParaRPr lang="en-US" sz="1800" dirty="0" smtClean="0"/>
-          </a:p>
-          <a:p>
-            <a:r>
-              <a:rPr lang="en-US" sz="1800" dirty="0" smtClean="0"/>
-              <a:t>Strict authorization control</a:t>
-            </a:r>
-          </a:p>
-          <a:p>
-            <a:pPr lvl="1"/>
-            <a:r>
-              <a:rPr lang="en-US" sz="1600" dirty="0" smtClean="0"/>
-              <a:t>Citizen approved </a:t>
-            </a:r>
-          </a:p>
-          <a:p>
-            <a:r>
-              <a:rPr lang="en-US" sz="1800" dirty="0" smtClean="0"/>
-              <a:t>So what’s the problem???</a:t>
+            <a:pPr marL="0" indent="0">
+              <a:buNone/>
+            </a:pPr>
+            <a:r>
+              <a:rPr lang="en-US" dirty="0" smtClean="0"/>
+              <a:t>Use Curl to make http requests against public data API</a:t>
             </a:r>
           </a:p>
         </p:txBody>
@@ -7686,7 +7711,7 @@
     </p:spTree>
     <p:extLst>
       <p:ext uri="{BB962C8B-B14F-4D97-AF65-F5344CB8AC3E}">
-        <p14:creationId xmlns:p14="http://schemas.microsoft.com/office/powerpoint/2010/main" val="910791665"/>
+        <p14:creationId xmlns:p14="http://schemas.microsoft.com/office/powerpoint/2010/main" val="3805536355"/>
       </p:ext>
     </p:extLst>
   </p:cSld>
@@ -7738,9 +7763,10 @@
           <a:lstStyle/>
           <a:p>
             <a:r>
-              <a:rPr lang="en-US" dirty="0"/>
+              <a:rPr lang="en-US" dirty="0" smtClean="0"/>
               <a:t>API’s for patient related information</a:t>
             </a:r>
+            <a:endParaRPr lang="en-US" dirty="0"/>
           </a:p>
         </p:txBody>
       </p:sp>
@@ -7763,7 +7789,7 @@
           <a:p>
             <a:r>
               <a:rPr lang="en-US" dirty="0" smtClean="0"/>
-              <a:t>The problem</a:t>
+              <a:t>Introduction</a:t>
             </a:r>
             <a:endParaRPr lang="en-US" dirty="0"/>
           </a:p>
@@ -7779,21 +7805,84 @@
             <p:ph type="body" sz="quarter" idx="13"/>
           </p:nvPr>
         </p:nvSpPr>
-        <p:spPr>
-          <a:ln w="38100" cmpd="sng">
-            <a:solidFill>
-              <a:srgbClr val="4F81BD"/>
-            </a:solidFill>
-          </a:ln>
-        </p:spPr>
+        <p:spPr/>
         <p:txBody>
           <a:bodyPr/>
           <a:lstStyle/>
           <a:p>
-            <a:pPr marL="0" indent="0">
-              <a:buNone/>
-            </a:pPr>
-            <a:endParaRPr lang="en-US" sz="1400" dirty="0"/>
+            <a:r>
+              <a:rPr lang="en-US" sz="1800" dirty="0" smtClean="0"/>
+              <a:t>As opposed to the public API’s, not open data API’s</a:t>
+            </a:r>
+          </a:p>
+          <a:p>
+            <a:r>
+              <a:rPr lang="en-US" sz="1800" dirty="0" smtClean="0"/>
+              <a:t>Strong authentication of citizens</a:t>
+            </a:r>
+          </a:p>
+          <a:p>
+            <a:pPr lvl="1"/>
+            <a:r>
+              <a:rPr lang="en-US" sz="1800" dirty="0" smtClean="0"/>
+              <a:t>Demand from </a:t>
+            </a:r>
+            <a:r>
+              <a:rPr lang="en-US" sz="1800" dirty="0" err="1" smtClean="0"/>
+              <a:t>Datainspektionen</a:t>
+            </a:r>
+            <a:endParaRPr lang="en-US" sz="1800" dirty="0" smtClean="0"/>
+          </a:p>
+          <a:p>
+            <a:pPr lvl="1"/>
+            <a:r>
+              <a:rPr lang="en-US" sz="1800" dirty="0" smtClean="0"/>
+              <a:t>2 factor</a:t>
+            </a:r>
+          </a:p>
+          <a:p>
+            <a:r>
+              <a:rPr lang="en-US" sz="1800" dirty="0" smtClean="0"/>
+              <a:t>Strong authentication of API clients</a:t>
+            </a:r>
+          </a:p>
+          <a:p>
+            <a:pPr lvl="1"/>
+            <a:r>
+              <a:rPr lang="en-US" sz="1800" dirty="0" smtClean="0"/>
+              <a:t>SSL/TLS certificate issued by trusted CA</a:t>
+            </a:r>
+          </a:p>
+          <a:p>
+            <a:pPr lvl="1"/>
+            <a:r>
+              <a:rPr lang="en-US" sz="1800" dirty="0" smtClean="0"/>
+              <a:t>Mutual </a:t>
+            </a:r>
+            <a:r>
+              <a:rPr lang="en-US" sz="1800" dirty="0" err="1" smtClean="0"/>
+              <a:t>authenticaton</a:t>
+            </a:r>
+            <a:endParaRPr lang="en-US" sz="1800" dirty="0" smtClean="0"/>
+          </a:p>
+          <a:p>
+            <a:r>
+              <a:rPr lang="en-US" sz="1800" dirty="0" smtClean="0"/>
+              <a:t>Strict authorization control</a:t>
+            </a:r>
+          </a:p>
+          <a:p>
+            <a:pPr lvl="1"/>
+            <a:r>
+              <a:rPr lang="en-US" sz="1600" dirty="0" smtClean="0"/>
+              <a:t>Citizen approved </a:t>
+            </a:r>
+          </a:p>
+          <a:p>
+            <a:r>
+              <a:rPr lang="en-US" sz="1800" dirty="0" smtClean="0"/>
+              <a:t>So what’s the problem???</a:t>
+            </a:r>
           </a:p>
         </p:txBody>
       </p:sp>
@@ -7821,6 +7910,149 @@
                 <a:defRPr/>
               </a:pPr>
               <a:t>12</a:t>
+            </a:fld>
+            <a:endParaRPr lang="sv-SE"/>
+          </a:p>
+        </p:txBody>
+      </p:sp>
+    </p:spTree>
+    <p:extLst>
+      <p:ext uri="{BB962C8B-B14F-4D97-AF65-F5344CB8AC3E}">
+        <p14:creationId xmlns:p14="http://schemas.microsoft.com/office/powerpoint/2010/main" val="910791665"/>
+      </p:ext>
+    </p:extLst>
+  </p:cSld>
+  <p:clrMapOvr>
+    <a:masterClrMapping/>
+  </p:clrMapOvr>
+  <p:timing>
+    <p:tnLst>
+      <p:par>
+        <p:cTn xmlns:p14="http://schemas.microsoft.com/office/powerpoint/2010/main" id="1" dur="indefinite" restart="never" nodeType="tmRoot"/>
+      </p:par>
+    </p:tnLst>
+  </p:timing>
+</p:sld>
+</file>
+
+<file path=ppt/slides/slide13.xml><?xml version="1.0" encoding="utf-8"?>
+<p:sld xmlns:a="http://schemas.openxmlformats.org/drawingml/2006/main" xmlns:r="http://schemas.openxmlformats.org/officeDocument/2006/relationships" xmlns:p="http://schemas.openxmlformats.org/presentationml/2006/main">
+  <p:cSld>
+    <p:spTree>
+      <p:nvGrpSpPr>
+        <p:cNvPr id="1" name=""/>
+        <p:cNvGrpSpPr/>
+        <p:nvPr/>
+      </p:nvGrpSpPr>
+      <p:grpSpPr>
+        <a:xfrm>
+          <a:off x="0" y="0"/>
+          <a:ext cx="0" cy="0"/>
+          <a:chOff x="0" y="0"/>
+          <a:chExt cx="0" cy="0"/>
+        </a:xfrm>
+      </p:grpSpPr>
+      <p:sp>
+        <p:nvSpPr>
+          <p:cNvPr id="2" name="Title 1"/>
+          <p:cNvSpPr>
+            <a:spLocks noGrp="1"/>
+          </p:cNvSpPr>
+          <p:nvPr>
+            <p:ph type="ctrTitle"/>
+          </p:nvPr>
+        </p:nvSpPr>
+        <p:spPr/>
+        <p:txBody>
+          <a:bodyPr>
+            <a:normAutofit fontScale="90000"/>
+          </a:bodyPr>
+          <a:lstStyle/>
+          <a:p>
+            <a:r>
+              <a:rPr lang="en-US" dirty="0"/>
+              <a:t>API’s for patient related information</a:t>
+            </a:r>
+          </a:p>
+        </p:txBody>
+      </p:sp>
+      <p:sp>
+        <p:nvSpPr>
+          <p:cNvPr id="3" name="Subtitle 2"/>
+          <p:cNvSpPr>
+            <a:spLocks noGrp="1"/>
+          </p:cNvSpPr>
+          <p:nvPr>
+            <p:ph type="subTitle" idx="1"/>
+          </p:nvPr>
+        </p:nvSpPr>
+        <p:spPr/>
+        <p:txBody>
+          <a:bodyPr>
+            <a:normAutofit fontScale="92500" lnSpcReduction="10000"/>
+          </a:bodyPr>
+          <a:lstStyle/>
+          <a:p>
+            <a:r>
+              <a:rPr lang="en-US" dirty="0" smtClean="0"/>
+              <a:t>The problem</a:t>
+            </a:r>
+            <a:endParaRPr lang="en-US" dirty="0"/>
+          </a:p>
+        </p:txBody>
+      </p:sp>
+      <p:sp>
+        <p:nvSpPr>
+          <p:cNvPr id="4" name="Text Placeholder 3"/>
+          <p:cNvSpPr>
+            <a:spLocks noGrp="1"/>
+          </p:cNvSpPr>
+          <p:nvPr>
+            <p:ph type="body" sz="quarter" idx="13"/>
+          </p:nvPr>
+        </p:nvSpPr>
+        <p:spPr>
+          <a:ln w="38100" cmpd="sng">
+            <a:solidFill>
+              <a:srgbClr val="4F81BD"/>
+            </a:solidFill>
+          </a:ln>
+        </p:spPr>
+        <p:txBody>
+          <a:bodyPr/>
+          <a:lstStyle/>
+          <a:p>
+            <a:pPr marL="0" indent="0">
+              <a:buNone/>
+            </a:pPr>
+            <a:endParaRPr lang="en-US" sz="1400" dirty="0"/>
+          </a:p>
+        </p:txBody>
+      </p:sp>
+      <p:sp>
+        <p:nvSpPr>
+          <p:cNvPr id="5" name="Slide Number Placeholder 4"/>
+          <p:cNvSpPr>
+            <a:spLocks noGrp="1"/>
+          </p:cNvSpPr>
+          <p:nvPr>
+            <p:ph type="sldNum" sz="quarter" idx="14"/>
+          </p:nvPr>
+        </p:nvSpPr>
+        <p:spPr/>
+        <p:txBody>
+          <a:bodyPr/>
+          <a:lstStyle/>
+          <a:p>
+            <a:pPr>
+              <a:defRPr/>
+            </a:pPr>
+            <a:fld id="{4AA01602-B999-AA4E-80A6-B21CED3A9C3C}" type="slidenum">
+              <a:rPr lang="sv-SE" smtClean="0"/>
+              <a:pPr>
+                <a:defRPr/>
+              </a:pPr>
+              <a:t>13</a:t>
             </a:fld>
             <a:endParaRPr lang="sv-SE"/>
           </a:p>
@@ -8522,7 +8754,7 @@
 </p:sld>
 </file>
 
-<file path=ppt/slides/slide13.xml><?xml version="1.0" encoding="utf-8"?>
+<file path=ppt/slides/slide14.xml><?xml version="1.0" encoding="utf-8"?>
 <p:sld xmlns:a="http://schemas.openxmlformats.org/drawingml/2006/main" xmlns:r="http://schemas.openxmlformats.org/officeDocument/2006/relationships" xmlns:p="http://schemas.openxmlformats.org/presentationml/2006/main">
   <p:cSld>
     <p:spTree>
@@ -8680,7 +8912,7 @@
               <a:pPr>
                 <a:defRPr/>
               </a:pPr>
-              <a:t>13</a:t>
+              <a:t>14</a:t>
             </a:fld>
             <a:endParaRPr lang="sv-SE"/>
           </a:p>
@@ -8706,7 +8938,7 @@
 </p:sld>
 </file>
 
-<file path=ppt/slides/slide14.xml><?xml version="1.0" encoding="utf-8"?>
+<file path=ppt/slides/slide15.xml><?xml version="1.0" encoding="utf-8"?>
 <p:sld xmlns:a="http://schemas.openxmlformats.org/drawingml/2006/main" xmlns:r="http://schemas.openxmlformats.org/officeDocument/2006/relationships" xmlns:p="http://schemas.openxmlformats.org/presentationml/2006/main">
   <p:cSld>
     <p:spTree>
@@ -8821,7 +9053,7 @@
               <a:pPr>
                 <a:defRPr/>
               </a:pPr>
-              <a:t>14</a:t>
+              <a:t>15</a:t>
             </a:fld>
             <a:endParaRPr lang="sv-SE"/>
           </a:p>
@@ -9258,7 +9490,7 @@
 </p:sld>
 </file>
 
-<file path=ppt/slides/slide15.xml><?xml version="1.0" encoding="utf-8"?>
+<file path=ppt/slides/slide16.xml><?xml version="1.0" encoding="utf-8"?>
 <p:sld xmlns:a="http://schemas.openxmlformats.org/drawingml/2006/main" xmlns:r="http://schemas.openxmlformats.org/officeDocument/2006/relationships" xmlns:p="http://schemas.openxmlformats.org/presentationml/2006/main">
   <p:cSld>
     <p:spTree>
@@ -9373,7 +9605,7 @@
               <a:pPr>
                 <a:defRPr/>
               </a:pPr>
-              <a:t>15</a:t>
+              <a:t>16</a:t>
             </a:fld>
             <a:endParaRPr lang="sv-SE"/>
           </a:p>
@@ -9429,7 +9661,7 @@
 </p:sld>
 </file>
 
-<file path=ppt/slides/slide16.xml><?xml version="1.0" encoding="utf-8"?>
+<file path=ppt/slides/slide17.xml><?xml version="1.0" encoding="utf-8"?>
 <p:sld xmlns:a="http://schemas.openxmlformats.org/drawingml/2006/main" xmlns:r="http://schemas.openxmlformats.org/officeDocument/2006/relationships" xmlns:p="http://schemas.openxmlformats.org/presentationml/2006/main">
   <p:cSld>
     <p:spTree>
@@ -9558,7 +9790,7 @@
               <a:pPr>
                 <a:defRPr/>
               </a:pPr>
-              <a:t>16</a:t>
+              <a:t>17</a:t>
             </a:fld>
             <a:endParaRPr lang="sv-SE"/>
           </a:p>
@@ -9584,7 +9816,7 @@
 </p:sld>
 </file>
 
-<file path=ppt/slides/slide17.xml><?xml version="1.0" encoding="utf-8"?>
+<file path=ppt/slides/slide18.xml><?xml version="1.0" encoding="utf-8"?>
 <p:sld xmlns:a="http://schemas.openxmlformats.org/drawingml/2006/main" xmlns:r="http://schemas.openxmlformats.org/officeDocument/2006/relationships" xmlns:p="http://schemas.openxmlformats.org/presentationml/2006/main">
   <p:cSld>
     <p:spTree>
@@ -9687,7 +9919,7 @@
               <a:pPr>
                 <a:defRPr/>
               </a:pPr>
-              <a:t>17</a:t>
+              <a:t>18</a:t>
             </a:fld>
             <a:endParaRPr lang="sv-SE"/>
           </a:p>
@@ -9733,152 +9965,6 @@
   <p:clrMapOvr>
     <a:masterClrMapping/>
   </p:clrMapOvr>
-</p:sld>
-</file>
-
-<file path=ppt/slides/slide18.xml><?xml version="1.0" encoding="utf-8"?>
-<p:sld xmlns:a="http://schemas.openxmlformats.org/drawingml/2006/main" xmlns:r="http://schemas.openxmlformats.org/officeDocument/2006/relationships" xmlns:p="http://schemas.openxmlformats.org/presentationml/2006/main">
-  <p:cSld>
-    <p:spTree>
-      <p:nvGrpSpPr>
-        <p:cNvPr id="1" name=""/>
-        <p:cNvGrpSpPr/>
-        <p:nvPr/>
-      </p:nvGrpSpPr>
-      <p:grpSpPr>
-        <a:xfrm>
-          <a:off x="0" y="0"/>
-          <a:ext cx="0" cy="0"/>
-          <a:chOff x="0" y="0"/>
-          <a:chExt cx="0" cy="0"/>
-        </a:xfrm>
-      </p:grpSpPr>
-      <p:sp>
-        <p:nvSpPr>
-          <p:cNvPr id="2" name="Title 1"/>
-          <p:cNvSpPr>
-            <a:spLocks noGrp="1"/>
-          </p:cNvSpPr>
-          <p:nvPr>
-            <p:ph type="ctrTitle"/>
-          </p:nvPr>
-        </p:nvSpPr>
-        <p:spPr/>
-        <p:txBody>
-          <a:bodyPr/>
-          <a:lstStyle/>
-          <a:p>
-            <a:r>
-              <a:rPr lang="en-US" dirty="0" smtClean="0"/>
-              <a:t>Backend</a:t>
-            </a:r>
-            <a:endParaRPr lang="en-US" dirty="0"/>
-          </a:p>
-        </p:txBody>
-      </p:sp>
-      <p:sp>
-        <p:nvSpPr>
-          <p:cNvPr id="3" name="Subtitle 2"/>
-          <p:cNvSpPr>
-            <a:spLocks noGrp="1"/>
-          </p:cNvSpPr>
-          <p:nvPr>
-            <p:ph type="subTitle" idx="1"/>
-          </p:nvPr>
-        </p:nvSpPr>
-        <p:spPr/>
-        <p:txBody>
-          <a:bodyPr>
-            <a:normAutofit fontScale="92500" lnSpcReduction="10000"/>
-          </a:bodyPr>
-          <a:lstStyle/>
-          <a:p>
-            <a:r>
-              <a:rPr lang="en-US" dirty="0" smtClean="0"/>
-              <a:t>Exercise </a:t>
-            </a:r>
-            <a:r>
-              <a:rPr lang="en-US" dirty="0"/>
-              <a:t>4</a:t>
-            </a:r>
-          </a:p>
-        </p:txBody>
-      </p:sp>
-      <p:sp>
-        <p:nvSpPr>
-          <p:cNvPr id="4" name="Text Placeholder 3"/>
-          <p:cNvSpPr>
-            <a:spLocks noGrp="1"/>
-          </p:cNvSpPr>
-          <p:nvPr>
-            <p:ph type="body" sz="quarter" idx="13"/>
-          </p:nvPr>
-        </p:nvSpPr>
-        <p:spPr/>
-        <p:txBody>
-          <a:bodyPr/>
-          <a:lstStyle/>
-          <a:p>
-            <a:pPr marL="0" indent="0">
-              <a:buNone/>
-            </a:pPr>
-            <a:r>
-              <a:rPr lang="en-US" dirty="0" smtClean="0"/>
-              <a:t>Build the app backend to handle the </a:t>
-            </a:r>
-            <a:r>
-              <a:rPr lang="en-US" dirty="0" err="1" smtClean="0"/>
-              <a:t>OAuth</a:t>
-            </a:r>
-            <a:r>
-              <a:rPr lang="en-US" dirty="0" smtClean="0"/>
-              <a:t> 2.0 integration with SDK and to provide an API for the app. </a:t>
-            </a:r>
-          </a:p>
-          <a:p>
-            <a:endParaRPr lang="en-US" dirty="0" smtClean="0"/>
-          </a:p>
-        </p:txBody>
-      </p:sp>
-      <p:sp>
-        <p:nvSpPr>
-          <p:cNvPr id="5" name="Slide Number Placeholder 4"/>
-          <p:cNvSpPr>
-            <a:spLocks noGrp="1"/>
-          </p:cNvSpPr>
-          <p:nvPr>
-            <p:ph type="sldNum" sz="quarter" idx="14"/>
-          </p:nvPr>
-        </p:nvSpPr>
-        <p:spPr/>
-        <p:txBody>
-          <a:bodyPr/>
-          <a:lstStyle/>
-          <a:p>
-            <a:pPr>
-              <a:defRPr/>
-            </a:pPr>
-            <a:fld id="{4AA01602-B999-AA4E-80A6-B21CED3A9C3C}" type="slidenum">
-              <a:rPr lang="sv-SE" smtClean="0"/>
-              <a:pPr>
-                <a:defRPr/>
-              </a:pPr>
-              <a:t>18</a:t>
-            </a:fld>
-            <a:endParaRPr lang="sv-SE"/>
-          </a:p>
-        </p:txBody>
-      </p:sp>
-    </p:spTree>
-    <p:extLst>
-      <p:ext uri="{BB962C8B-B14F-4D97-AF65-F5344CB8AC3E}">
-        <p14:creationId xmlns:p14="http://schemas.microsoft.com/office/powerpoint/2010/main" val="3668199394"/>
-      </p:ext>
-    </p:extLst>
-  </p:cSld>
-  <p:clrMapOvr>
-    <a:masterClrMapping/>
-  </p:clrMapOvr>
   <p:timing>
     <p:tnLst>
       <p:par>
@@ -9923,7 +10009,7 @@
           <a:p>
             <a:r>
               <a:rPr lang="en-US" dirty="0" smtClean="0"/>
-              <a:t>Frontend</a:t>
+              <a:t>Backend</a:t>
             </a:r>
             <a:endParaRPr lang="en-US" dirty="0"/>
           </a:p>
@@ -9946,7 +10032,14 @@
           </a:bodyPr>
           <a:lstStyle/>
           <a:p>
-            <a:endParaRPr lang="en-US" dirty="0"/>
+            <a:r>
+              <a:rPr lang="en-US" dirty="0" smtClean="0"/>
+              <a:t>Exercise </a:t>
+            </a:r>
+            <a:r>
+              <a:rPr lang="en-US" dirty="0"/>
+              <a:t>4</a:t>
+            </a:r>
           </a:p>
         </p:txBody>
       </p:sp>
@@ -9970,20 +10063,19 @@
             </a:pPr>
             <a:r>
               <a:rPr lang="en-US" dirty="0" smtClean="0"/>
-              <a:t>Frontend technologies</a:t>
-            </a:r>
-          </a:p>
-          <a:p>
+              <a:t>Build the app backend to handle the </a:t>
+            </a:r>
+            <a:r>
+              <a:rPr lang="en-US" dirty="0" err="1" smtClean="0"/>
+              <a:t>OAuth</a:t>
+            </a:r>
             <a:r>
               <a:rPr lang="en-US" dirty="0" smtClean="0"/>
-              <a:t>What’s happening on the frontend</a:t>
-            </a:r>
-          </a:p>
-          <a:p>
-            <a:r>
-              <a:rPr lang="en-US" dirty="0" smtClean="0"/>
-              <a:t>Short intro to Backbone</a:t>
-            </a:r>
+              <a:t> 2.0 integration with SDK and to provide an API for the app. </a:t>
+            </a:r>
+          </a:p>
+          <a:p>
+            <a:endParaRPr lang="en-US" dirty="0" smtClean="0"/>
           </a:p>
         </p:txBody>
       </p:sp>
@@ -10019,13 +10111,20 @@
     </p:spTree>
     <p:extLst>
       <p:ext uri="{BB962C8B-B14F-4D97-AF65-F5344CB8AC3E}">
-        <p14:creationId xmlns:p14="http://schemas.microsoft.com/office/powerpoint/2010/main" val="3753766513"/>
+        <p14:creationId xmlns:p14="http://schemas.microsoft.com/office/powerpoint/2010/main" val="3668199394"/>
       </p:ext>
     </p:extLst>
   </p:cSld>
   <p:clrMapOvr>
     <a:masterClrMapping/>
   </p:clrMapOvr>
+  <p:timing>
+    <p:tnLst>
+      <p:par>
+        <p:cTn xmlns:p14="http://schemas.microsoft.com/office/powerpoint/2010/main" id="1" dur="indefinite" restart="never" nodeType="tmRoot"/>
+      </p:par>
+    </p:tnLst>
+  </p:timing>
 </p:sld>
 </file>
 
@@ -10158,6 +10257,13 @@
   <p:clrMapOvr>
     <a:masterClrMapping/>
   </p:clrMapOvr>
+  <p:timing>
+    <p:tnLst>
+      <p:par>
+        <p:cTn xmlns:p14="http://schemas.microsoft.com/office/powerpoint/2010/main" id="1" dur="indefinite" restart="never" nodeType="tmRoot"/>
+      </p:par>
+    </p:tnLst>
+  </p:timing>
 </p:sld>
 </file>
 
@@ -10218,14 +10324,7 @@
           </a:bodyPr>
           <a:lstStyle/>
           <a:p>
-            <a:r>
-              <a:rPr lang="en-US" dirty="0" smtClean="0"/>
-              <a:t>Exercise </a:t>
-            </a:r>
-            <a:r>
-              <a:rPr lang="en-US" dirty="0"/>
-              <a:t>5</a:t>
-            </a:r>
+            <a:endParaRPr lang="en-US" dirty="0"/>
           </a:p>
         </p:txBody>
       </p:sp>
@@ -10249,17 +10348,20 @@
             </a:pPr>
             <a:r>
               <a:rPr lang="en-US" dirty="0" smtClean="0"/>
-              <a:t>Build a simple client that use the API provided by the backend. </a:t>
+              <a:t>Frontend technologies</a:t>
             </a:r>
           </a:p>
           <a:p>
             <a:r>
               <a:rPr lang="en-US" dirty="0" smtClean="0"/>
-              <a:t>Login user to create a session</a:t>
-            </a:r>
-          </a:p>
-          <a:p>
-            <a:endParaRPr lang="en-US" dirty="0" smtClean="0"/>
+              <a:t>What’s happening on the frontend</a:t>
+            </a:r>
+          </a:p>
+          <a:p>
+            <a:r>
+              <a:rPr lang="en-US" dirty="0" smtClean="0"/>
+              <a:t>Short intro to Backbone</a:t>
+            </a:r>
           </a:p>
         </p:txBody>
       </p:sp>
@@ -10295,13 +10397,20 @@
     </p:spTree>
     <p:extLst>
       <p:ext uri="{BB962C8B-B14F-4D97-AF65-F5344CB8AC3E}">
-        <p14:creationId xmlns:p14="http://schemas.microsoft.com/office/powerpoint/2010/main" val="3598812586"/>
+        <p14:creationId xmlns:p14="http://schemas.microsoft.com/office/powerpoint/2010/main" val="3753766513"/>
       </p:ext>
     </p:extLst>
   </p:cSld>
   <p:clrMapOvr>
     <a:masterClrMapping/>
   </p:clrMapOvr>
+  <p:timing>
+    <p:tnLst>
+      <p:par>
+        <p:cTn xmlns:p14="http://schemas.microsoft.com/office/powerpoint/2010/main" id="1" dur="indefinite" restart="never" nodeType="tmRoot"/>
+      </p:par>
+    </p:tnLst>
+  </p:timing>
 </p:sld>
 </file>
 
@@ -10339,7 +10448,7 @@
           <a:p>
             <a:r>
               <a:rPr lang="en-US" dirty="0" smtClean="0"/>
-              <a:t>Links</a:t>
+              <a:t>Frontend</a:t>
             </a:r>
             <a:endParaRPr lang="en-US" dirty="0"/>
           </a:p>
@@ -10362,7 +10471,14 @@
           </a:bodyPr>
           <a:lstStyle/>
           <a:p>
-            <a:endParaRPr lang="en-US"/>
+            <a:r>
+              <a:rPr lang="en-US" dirty="0" smtClean="0"/>
+              <a:t>Exercise </a:t>
+            </a:r>
+            <a:r>
+              <a:rPr lang="en-US" dirty="0"/>
+              <a:t>5</a:t>
+            </a:r>
           </a:p>
         </p:txBody>
       </p:sp>
@@ -10384,94 +10500,19 @@
             <a:pPr marL="0" indent="0">
               <a:buNone/>
             </a:pPr>
-            <a:endParaRPr lang="en-US" sz="1800" dirty="0" smtClean="0">
-              <a:hlinkClick r:id="rId2"/>
-            </a:endParaRPr>
-          </a:p>
-          <a:p>
-            <a:pPr marL="0" indent="0">
-              <a:buNone/>
-            </a:pPr>
-            <a:r>
-              <a:rPr lang="en-US" sz="1800" dirty="0">
-                <a:hlinkClick r:id="rId2"/>
-              </a:rPr>
-              <a:t>http://sdk.minavardkontakter.se/</a:t>
-            </a:r>
-            <a:endParaRPr lang="en-US" sz="1800" dirty="0" smtClean="0">
-              <a:hlinkClick r:id="rId2"/>
-            </a:endParaRPr>
-          </a:p>
-          <a:p>
-            <a:pPr marL="0" indent="0">
-              <a:buNone/>
-            </a:pPr>
-            <a:r>
-              <a:rPr lang="en-US" sz="1800" dirty="0" smtClean="0">
-                <a:hlinkClick r:id="rId2"/>
-              </a:rPr>
-              <a:t>https</a:t>
-            </a:r>
-            <a:r>
-              <a:rPr lang="en-US" sz="1800" dirty="0">
-                <a:hlinkClick r:id="rId2"/>
-              </a:rPr>
-              <a:t>://developers.google.com/accounts/docs/</a:t>
-            </a:r>
-            <a:r>
-              <a:rPr lang="en-US" sz="1800" dirty="0" smtClean="0">
-                <a:hlinkClick r:id="rId2"/>
-              </a:rPr>
-              <a:t>OAuth2</a:t>
-            </a:r>
-            <a:endParaRPr lang="en-US" sz="1800" dirty="0" smtClean="0"/>
-          </a:p>
-          <a:p>
-            <a:pPr marL="0" indent="0">
-              <a:buNone/>
-            </a:pPr>
-            <a:r>
-              <a:rPr lang="en-US" sz="1800" dirty="0">
-                <a:hlinkClick r:id="rId3"/>
-              </a:rPr>
-              <a:t>https://developers.facebook.com/docs/reference/dialogs/oauth</a:t>
-            </a:r>
-            <a:r>
-              <a:rPr lang="en-US" sz="1800" dirty="0" smtClean="0">
-                <a:hlinkClick r:id="rId3"/>
-              </a:rPr>
-              <a:t>/</a:t>
-            </a:r>
-            <a:endParaRPr lang="en-US" sz="1800" dirty="0" smtClean="0"/>
-          </a:p>
-          <a:p>
-            <a:pPr marL="0" indent="0">
-              <a:buNone/>
-            </a:pPr>
-            <a:r>
-              <a:rPr lang="en-US" sz="1800" dirty="0"/>
-              <a:t>http://</a:t>
-            </a:r>
-            <a:r>
-              <a:rPr lang="en-US" sz="1800" dirty="0" err="1"/>
-              <a:t>www.vinnova.se</a:t>
-            </a:r>
-            <a:r>
-              <a:rPr lang="en-US" sz="1800" dirty="0" smtClean="0"/>
-              <a:t>/</a:t>
-            </a:r>
-          </a:p>
-          <a:p>
-            <a:pPr marL="0" indent="0">
-              <a:buNone/>
-            </a:pPr>
-            <a:endParaRPr lang="en-US" sz="1800" dirty="0"/>
-          </a:p>
-          <a:p>
-            <a:pPr marL="0" indent="0">
-              <a:buNone/>
-            </a:pPr>
-            <a:endParaRPr lang="en-US" sz="1800" dirty="0"/>
+            <a:r>
+              <a:rPr lang="en-US" dirty="0" smtClean="0"/>
+              <a:t>Build a simple client that use the API provided by the backend. </a:t>
+            </a:r>
+          </a:p>
+          <a:p>
+            <a:r>
+              <a:rPr lang="en-US" dirty="0" smtClean="0"/>
+              <a:t>Login user to create a session</a:t>
+            </a:r>
+          </a:p>
+          <a:p>
+            <a:endParaRPr lang="en-US" dirty="0" smtClean="0"/>
           </a:p>
         </p:txBody>
       </p:sp>
@@ -10507,6 +10548,262 @@
     </p:spTree>
     <p:extLst>
       <p:ext uri="{BB962C8B-B14F-4D97-AF65-F5344CB8AC3E}">
+        <p14:creationId xmlns:p14="http://schemas.microsoft.com/office/powerpoint/2010/main" val="3598812586"/>
+      </p:ext>
+    </p:extLst>
+  </p:cSld>
+  <p:clrMapOvr>
+    <a:masterClrMapping/>
+  </p:clrMapOvr>
+  <p:timing>
+    <p:tnLst>
+      <p:par>
+        <p:cTn xmlns:p14="http://schemas.microsoft.com/office/powerpoint/2010/main" id="1" dur="indefinite" restart="never" nodeType="tmRoot"/>
+      </p:par>
+    </p:tnLst>
+  </p:timing>
+</p:sld>
+</file>
+
+<file path=ppt/slides/slide22.xml><?xml version="1.0" encoding="utf-8"?>
+<p:sld xmlns:a="http://schemas.openxmlformats.org/drawingml/2006/main" xmlns:r="http://schemas.openxmlformats.org/officeDocument/2006/relationships" xmlns:p="http://schemas.openxmlformats.org/presentationml/2006/main">
+  <p:cSld>
+    <p:spTree>
+      <p:nvGrpSpPr>
+        <p:cNvPr id="1" name=""/>
+        <p:cNvGrpSpPr/>
+        <p:nvPr/>
+      </p:nvGrpSpPr>
+      <p:grpSpPr>
+        <a:xfrm>
+          <a:off x="0" y="0"/>
+          <a:ext cx="0" cy="0"/>
+          <a:chOff x="0" y="0"/>
+          <a:chExt cx="0" cy="0"/>
+        </a:xfrm>
+      </p:grpSpPr>
+      <p:sp>
+        <p:nvSpPr>
+          <p:cNvPr id="2" name="Title 1"/>
+          <p:cNvSpPr>
+            <a:spLocks noGrp="1"/>
+          </p:cNvSpPr>
+          <p:nvPr>
+            <p:ph type="ctrTitle"/>
+          </p:nvPr>
+        </p:nvSpPr>
+        <p:spPr/>
+        <p:txBody>
+          <a:bodyPr/>
+          <a:lstStyle/>
+          <a:p>
+            <a:r>
+              <a:rPr lang="en-US" dirty="0" smtClean="0"/>
+              <a:t>Links</a:t>
+            </a:r>
+            <a:endParaRPr lang="en-US" dirty="0"/>
+          </a:p>
+        </p:txBody>
+      </p:sp>
+      <p:sp>
+        <p:nvSpPr>
+          <p:cNvPr id="3" name="Subtitle 2"/>
+          <p:cNvSpPr>
+            <a:spLocks noGrp="1"/>
+          </p:cNvSpPr>
+          <p:nvPr>
+            <p:ph type="subTitle" idx="1"/>
+          </p:nvPr>
+        </p:nvSpPr>
+        <p:spPr/>
+        <p:txBody>
+          <a:bodyPr>
+            <a:normAutofit fontScale="92500" lnSpcReduction="10000"/>
+          </a:bodyPr>
+          <a:lstStyle/>
+          <a:p>
+            <a:endParaRPr lang="en-US"/>
+          </a:p>
+        </p:txBody>
+      </p:sp>
+      <p:sp>
+        <p:nvSpPr>
+          <p:cNvPr id="4" name="Text Placeholder 3"/>
+          <p:cNvSpPr>
+            <a:spLocks noGrp="1"/>
+          </p:cNvSpPr>
+          <p:nvPr>
+            <p:ph type="body" sz="quarter" idx="13"/>
+          </p:nvPr>
+        </p:nvSpPr>
+        <p:spPr/>
+        <p:txBody>
+          <a:bodyPr/>
+          <a:lstStyle/>
+          <a:p>
+            <a:pPr marL="0" indent="0">
+              <a:buNone/>
+            </a:pPr>
+            <a:endParaRPr lang="en-US" sz="1800" dirty="0" smtClean="0">
+              <a:hlinkClick r:id="rId2"/>
+            </a:endParaRPr>
+          </a:p>
+          <a:p>
+            <a:pPr marL="0" indent="0">
+              <a:buNone/>
+            </a:pPr>
+            <a:r>
+              <a:rPr lang="en-US" sz="1800" dirty="0"/>
+              <a:t>http://</a:t>
+            </a:r>
+            <a:r>
+              <a:rPr lang="en-US" sz="1800" dirty="0" err="1"/>
+              <a:t>www.vinnova.se</a:t>
+            </a:r>
+            <a:r>
+              <a:rPr lang="en-US" sz="1800" dirty="0" smtClean="0"/>
+              <a:t>/</a:t>
+            </a:r>
+            <a:endParaRPr lang="en-US" sz="1800" dirty="0" smtClean="0">
+              <a:hlinkClick r:id="rId2"/>
+            </a:endParaRPr>
+          </a:p>
+          <a:p>
+            <a:pPr marL="0" indent="0">
+              <a:buNone/>
+            </a:pPr>
+            <a:r>
+              <a:rPr lang="en-US" sz="1800" dirty="0">
+                <a:hlinkClick r:id="rId2"/>
+              </a:rPr>
+              <a:t>http://sdk.minavardkontakter.se</a:t>
+            </a:r>
+            <a:r>
+              <a:rPr lang="en-US" sz="1800" dirty="0" smtClean="0">
+                <a:hlinkClick r:id="rId2"/>
+              </a:rPr>
+              <a:t>/</a:t>
+            </a:r>
+          </a:p>
+          <a:p>
+            <a:pPr marL="0" indent="0">
+              <a:buNone/>
+            </a:pPr>
+            <a:r>
+              <a:rPr lang="en-US" sz="1800" dirty="0">
+                <a:hlinkClick r:id="rId2"/>
+              </a:rPr>
+              <a:t>http://oauth.net/2</a:t>
+            </a:r>
+            <a:r>
+              <a:rPr lang="en-US" sz="1800" dirty="0" smtClean="0">
+                <a:hlinkClick r:id="rId2"/>
+              </a:rPr>
+              <a:t>/</a:t>
+            </a:r>
+          </a:p>
+          <a:p>
+            <a:pPr marL="0" indent="0">
+              <a:buNone/>
+            </a:pPr>
+            <a:r>
+              <a:rPr lang="en-US" sz="1800" dirty="0">
+                <a:hlinkClick r:id="rId2"/>
+              </a:rPr>
+              <a:t>http://tools.ietf.org/html/draft-ietf-oauth-v2-31</a:t>
+            </a:r>
+            <a:endParaRPr lang="en-US" sz="1800" dirty="0" smtClean="0">
+              <a:hlinkClick r:id="rId2"/>
+            </a:endParaRPr>
+          </a:p>
+          <a:p>
+            <a:pPr marL="0" indent="0">
+              <a:buNone/>
+            </a:pPr>
+            <a:r>
+              <a:rPr lang="en-US" sz="1800" dirty="0" smtClean="0">
+                <a:hlinkClick r:id="rId2"/>
+              </a:rPr>
+              <a:t>https</a:t>
+            </a:r>
+            <a:r>
+              <a:rPr lang="en-US" sz="1800" dirty="0">
+                <a:hlinkClick r:id="rId2"/>
+              </a:rPr>
+              <a:t>://developers.google.com/accounts/docs/</a:t>
+            </a:r>
+            <a:r>
+              <a:rPr lang="en-US" sz="1800" dirty="0" smtClean="0">
+                <a:hlinkClick r:id="rId2"/>
+              </a:rPr>
+              <a:t>OAuth2</a:t>
+            </a:r>
+            <a:endParaRPr lang="en-US" sz="1800" dirty="0" smtClean="0"/>
+          </a:p>
+          <a:p>
+            <a:pPr marL="0" indent="0">
+              <a:buNone/>
+            </a:pPr>
+            <a:r>
+              <a:rPr lang="en-US" sz="1800" dirty="0">
+                <a:hlinkClick r:id="rId3"/>
+              </a:rPr>
+              <a:t>https://developers.facebook.com/docs/reference/dialogs/oauth</a:t>
+            </a:r>
+            <a:r>
+              <a:rPr lang="en-US" sz="1800" dirty="0" smtClean="0">
+                <a:hlinkClick r:id="rId3"/>
+              </a:rPr>
+              <a:t>/</a:t>
+            </a:r>
+            <a:endParaRPr lang="en-US" sz="1800" dirty="0" smtClean="0"/>
+          </a:p>
+          <a:p>
+            <a:pPr marL="0" indent="0">
+              <a:buNone/>
+            </a:pPr>
+            <a:endParaRPr lang="en-US" sz="1800" dirty="0"/>
+          </a:p>
+          <a:p>
+            <a:pPr marL="0" indent="0">
+              <a:buNone/>
+            </a:pPr>
+            <a:endParaRPr lang="en-US" sz="1800" dirty="0"/>
+          </a:p>
+        </p:txBody>
+      </p:sp>
+      <p:sp>
+        <p:nvSpPr>
+          <p:cNvPr id="5" name="Slide Number Placeholder 4"/>
+          <p:cNvSpPr>
+            <a:spLocks noGrp="1"/>
+          </p:cNvSpPr>
+          <p:nvPr>
+            <p:ph type="sldNum" sz="quarter" idx="14"/>
+          </p:nvPr>
+        </p:nvSpPr>
+        <p:spPr/>
+        <p:txBody>
+          <a:bodyPr/>
+          <a:lstStyle/>
+          <a:p>
+            <a:pPr>
+              <a:defRPr/>
+            </a:pPr>
+            <a:fld id="{4AA01602-B999-AA4E-80A6-B21CED3A9C3C}" type="slidenum">
+              <a:rPr lang="sv-SE" smtClean="0"/>
+              <a:pPr>
+                <a:defRPr/>
+              </a:pPr>
+              <a:t>22</a:t>
+            </a:fld>
+            <a:endParaRPr lang="sv-SE"/>
+          </a:p>
+        </p:txBody>
+      </p:sp>
+    </p:spTree>
+    <p:extLst>
+      <p:ext uri="{BB962C8B-B14F-4D97-AF65-F5344CB8AC3E}">
         <p14:creationId xmlns:p14="http://schemas.microsoft.com/office/powerpoint/2010/main" val="930752604"/>
       </p:ext>
     </p:extLst>
@@ -10514,6 +10811,13 @@
   <p:clrMapOvr>
     <a:masterClrMapping/>
   </p:clrMapOvr>
+  <p:timing>
+    <p:tnLst>
+      <p:par>
+        <p:cTn xmlns:p14="http://schemas.microsoft.com/office/powerpoint/2010/main" id="1" dur="indefinite" restart="never" nodeType="tmRoot"/>
+      </p:par>
+    </p:tnLst>
+  </p:timing>
 </p:sld>
 </file>
 
@@ -10559,125 +10863,118 @@
       </p:sp>
       <p:sp>
         <p:nvSpPr>
-          <p:cNvPr id="3" name="Subtitle 2"/>
+          <p:cNvPr id="4" name="Text Placeholder 3"/>
           <p:cNvSpPr>
             <a:spLocks noGrp="1"/>
           </p:cNvSpPr>
           <p:nvPr>
-            <p:ph type="subTitle" idx="1"/>
-          </p:nvPr>
-        </p:nvSpPr>
-        <p:spPr/>
-        <p:txBody>
-          <a:bodyPr>
-            <a:normAutofit fontScale="92500" lnSpcReduction="10000"/>
-          </a:bodyPr>
-          <a:lstStyle/>
-          <a:p>
-            <a:endParaRPr lang="en-US"/>
-          </a:p>
-        </p:txBody>
-      </p:sp>
-      <p:sp>
-        <p:nvSpPr>
-          <p:cNvPr id="4" name="Text Placeholder 3"/>
-          <p:cNvSpPr>
-            <a:spLocks noGrp="1"/>
-          </p:cNvSpPr>
-          <p:nvPr>
             <p:ph type="body" sz="quarter" idx="13"/>
           </p:nvPr>
         </p:nvSpPr>
-        <p:spPr/>
+        <p:spPr>
+          <a:xfrm>
+            <a:off x="685800" y="1399726"/>
+            <a:ext cx="7721303" cy="4226373"/>
+          </a:xfrm>
+        </p:spPr>
         <p:txBody>
           <a:bodyPr/>
           <a:lstStyle/>
           <a:p>
             <a:r>
-              <a:rPr lang="en-US" sz="2000" dirty="0" smtClean="0"/>
+              <a:rPr lang="en-US" sz="1800" dirty="0" smtClean="0"/>
               <a:t>Practical info</a:t>
             </a:r>
           </a:p>
           <a:p>
             <a:r>
-              <a:rPr lang="en-US" sz="2000" dirty="0" smtClean="0"/>
+              <a:rPr lang="en-US" sz="1800" dirty="0" smtClean="0"/>
               <a:t>Introduction to SDK by VINNOVA</a:t>
             </a:r>
           </a:p>
           <a:p>
             <a:r>
-              <a:rPr lang="en-US" sz="2000" dirty="0" smtClean="0"/>
+              <a:rPr lang="en-US" sz="1800" dirty="0" smtClean="0"/>
               <a:t>HTTP overview</a:t>
             </a:r>
           </a:p>
           <a:p>
             <a:pPr lvl="1"/>
             <a:r>
-              <a:rPr lang="en-US" sz="2000" dirty="0" smtClean="0"/>
+              <a:rPr lang="en-US" sz="1800" dirty="0" smtClean="0"/>
               <a:t>Lab on public data API’s</a:t>
             </a:r>
           </a:p>
           <a:p>
             <a:r>
-              <a:rPr lang="en-US" sz="2000" dirty="0" smtClean="0"/>
+              <a:rPr lang="en-US" sz="1800" dirty="0" smtClean="0"/>
               <a:t>API’s for patient related information</a:t>
             </a:r>
           </a:p>
           <a:p>
             <a:pPr lvl="1"/>
             <a:r>
-              <a:rPr lang="en-US" sz="2000" dirty="0" err="1" smtClean="0"/>
+              <a:rPr lang="en-US" sz="1800" dirty="0" err="1" smtClean="0"/>
               <a:t>OAuth</a:t>
             </a:r>
             <a:r>
-              <a:rPr lang="en-US" sz="2000" dirty="0" smtClean="0"/>
-              <a:t> 2.0 intro</a:t>
+              <a:rPr lang="en-US" sz="1800" dirty="0" smtClean="0"/>
+              <a:t> </a:t>
+            </a:r>
+            <a:r>
+              <a:rPr lang="en-US" sz="1800" dirty="0" smtClean="0"/>
+              <a:t>2.0, intro and lab</a:t>
+            </a:r>
+            <a:endParaRPr lang="en-US" sz="1800" dirty="0"/>
+          </a:p>
+          <a:p>
+            <a:r>
+              <a:rPr lang="en-US" sz="1800" dirty="0"/>
+              <a:t>Building the App </a:t>
             </a:r>
           </a:p>
           <a:p>
             <a:pPr lvl="1"/>
             <a:r>
-              <a:rPr lang="en-US" sz="2000" dirty="0" smtClean="0"/>
-              <a:t>Lab on </a:t>
-            </a:r>
-            <a:r>
-              <a:rPr lang="en-US" sz="2000" dirty="0" err="1" smtClean="0"/>
-              <a:t>OAuth</a:t>
-            </a:r>
-            <a:r>
-              <a:rPr lang="en-US" sz="2000" dirty="0" smtClean="0"/>
-              <a:t> 2.0</a:t>
+              <a:rPr lang="en-US" sz="1800" dirty="0"/>
+              <a:t>Need for an app backend</a:t>
             </a:r>
           </a:p>
           <a:p>
             <a:pPr lvl="1"/>
             <a:r>
-              <a:rPr lang="en-US" sz="2000" dirty="0" smtClean="0"/>
-              <a:t>The </a:t>
-            </a:r>
-            <a:r>
-              <a:rPr lang="en-US" sz="2000" dirty="0" err="1" smtClean="0"/>
-              <a:t>OAuth</a:t>
-            </a:r>
-            <a:r>
-              <a:rPr lang="en-US" sz="2000" dirty="0" smtClean="0"/>
-              <a:t> 2.0 dance</a:t>
+              <a:rPr lang="en-US" sz="1800" dirty="0"/>
+              <a:t>Lab 4, build the app backend</a:t>
             </a:r>
           </a:p>
           <a:p>
             <a:pPr lvl="1"/>
             <a:r>
-              <a:rPr lang="en-US" sz="2000" dirty="0" smtClean="0"/>
-              <a:t>Lab 3, implement </a:t>
-            </a:r>
-            <a:r>
-              <a:rPr lang="en-US" sz="2000" dirty="0" err="1" smtClean="0"/>
-              <a:t>OAuth</a:t>
-            </a:r>
-            <a:r>
-              <a:rPr lang="en-US" sz="2000" dirty="0" smtClean="0"/>
-              <a:t> 2.0 dance</a:t>
-            </a:r>
+              <a:rPr lang="en-US" sz="1800" dirty="0"/>
+              <a:t>Front-end development </a:t>
+            </a:r>
+            <a:r>
+              <a:rPr lang="en-US" sz="1800" dirty="0" smtClean="0"/>
+              <a:t>for </a:t>
+            </a:r>
+            <a:r>
+              <a:rPr lang="en-US" sz="1800" dirty="0"/>
+              <a:t>mobile apps, differences ?</a:t>
+            </a:r>
+          </a:p>
+          <a:p>
+            <a:pPr lvl="1"/>
+            <a:r>
+              <a:rPr lang="en-US" sz="1800" dirty="0"/>
+              <a:t>Lab 5, Applying the app</a:t>
+            </a:r>
+          </a:p>
+          <a:p>
+            <a:endParaRPr lang="en-US" sz="1800" dirty="0"/>
+          </a:p>
+          <a:p>
+            <a:pPr lvl="1"/>
+            <a:endParaRPr lang="en-US" sz="1800" dirty="0" smtClean="0"/>
           </a:p>
         </p:txBody>
       </p:sp>
@@ -10764,7 +11061,7 @@
           <a:p>
             <a:r>
               <a:rPr lang="en-US" dirty="0" smtClean="0"/>
-              <a:t>Agenda</a:t>
+              <a:t>Practical info</a:t>
             </a:r>
             <a:endParaRPr lang="en-US" dirty="0"/>
           </a:p>
@@ -10806,41 +11103,7 @@
           <a:bodyPr/>
           <a:lstStyle/>
           <a:p>
-            <a:r>
-              <a:rPr lang="en-US" sz="2000" dirty="0" smtClean="0"/>
-              <a:t>Building the App </a:t>
-            </a:r>
-          </a:p>
-          <a:p>
-            <a:pPr lvl="1"/>
-            <a:r>
-              <a:rPr lang="en-US" sz="2000" dirty="0" smtClean="0"/>
-              <a:t>Need for an app backend</a:t>
-            </a:r>
-          </a:p>
-          <a:p>
-            <a:pPr lvl="1"/>
-            <a:r>
-              <a:rPr lang="en-US" sz="2000" dirty="0" smtClean="0"/>
-              <a:t>Lab 4, build the app backend</a:t>
-            </a:r>
-          </a:p>
-          <a:p>
-            <a:pPr lvl="1"/>
-            <a:r>
-              <a:rPr lang="en-US" sz="2000" dirty="0" smtClean="0"/>
-              <a:t>Front-end development fro mobile apps, differences ?</a:t>
-            </a:r>
-          </a:p>
-          <a:p>
-            <a:pPr lvl="1"/>
-            <a:r>
-              <a:rPr lang="en-US" sz="2000" dirty="0" smtClean="0"/>
-              <a:t>Lab 5, Applying the app</a:t>
-            </a:r>
-          </a:p>
-          <a:p>
-            <a:endParaRPr lang="en-US" sz="2000" dirty="0" smtClean="0"/>
+            <a:endParaRPr lang="en-US" dirty="0"/>
           </a:p>
         </p:txBody>
       </p:sp>
@@ -10868,135 +11131,6 @@
                 <a:defRPr/>
               </a:pPr>
               <a:t>4</a:t>
-            </a:fld>
-            <a:endParaRPr lang="sv-SE"/>
-          </a:p>
-        </p:txBody>
-      </p:sp>
-    </p:spTree>
-    <p:extLst>
-      <p:ext uri="{BB962C8B-B14F-4D97-AF65-F5344CB8AC3E}">
-        <p14:creationId xmlns:p14="http://schemas.microsoft.com/office/powerpoint/2010/main" val="2390511196"/>
-      </p:ext>
-    </p:extLst>
-  </p:cSld>
-  <p:clrMapOvr>
-    <a:masterClrMapping/>
-  </p:clrMapOvr>
-  <p:timing>
-    <p:tnLst>
-      <p:par>
-        <p:cTn xmlns:p14="http://schemas.microsoft.com/office/powerpoint/2010/main" id="1" dur="indefinite" restart="never" nodeType="tmRoot"/>
-      </p:par>
-    </p:tnLst>
-  </p:timing>
-</p:sld>
-</file>
-
-<file path=ppt/slides/slide5.xml><?xml version="1.0" encoding="utf-8"?>
-<p:sld xmlns:a="http://schemas.openxmlformats.org/drawingml/2006/main" xmlns:r="http://schemas.openxmlformats.org/officeDocument/2006/relationships" xmlns:p="http://schemas.openxmlformats.org/presentationml/2006/main">
-  <p:cSld>
-    <p:spTree>
-      <p:nvGrpSpPr>
-        <p:cNvPr id="1" name=""/>
-        <p:cNvGrpSpPr/>
-        <p:nvPr/>
-      </p:nvGrpSpPr>
-      <p:grpSpPr>
-        <a:xfrm>
-          <a:off x="0" y="0"/>
-          <a:ext cx="0" cy="0"/>
-          <a:chOff x="0" y="0"/>
-          <a:chExt cx="0" cy="0"/>
-        </a:xfrm>
-      </p:grpSpPr>
-      <p:sp>
-        <p:nvSpPr>
-          <p:cNvPr id="2" name="Title 1"/>
-          <p:cNvSpPr>
-            <a:spLocks noGrp="1"/>
-          </p:cNvSpPr>
-          <p:nvPr>
-            <p:ph type="ctrTitle"/>
-          </p:nvPr>
-        </p:nvSpPr>
-        <p:spPr/>
-        <p:txBody>
-          <a:bodyPr/>
-          <a:lstStyle/>
-          <a:p>
-            <a:r>
-              <a:rPr lang="en-US" dirty="0" smtClean="0"/>
-              <a:t>Practical info</a:t>
-            </a:r>
-            <a:endParaRPr lang="en-US" dirty="0"/>
-          </a:p>
-        </p:txBody>
-      </p:sp>
-      <p:sp>
-        <p:nvSpPr>
-          <p:cNvPr id="3" name="Subtitle 2"/>
-          <p:cNvSpPr>
-            <a:spLocks noGrp="1"/>
-          </p:cNvSpPr>
-          <p:nvPr>
-            <p:ph type="subTitle" idx="1"/>
-          </p:nvPr>
-        </p:nvSpPr>
-        <p:spPr/>
-        <p:txBody>
-          <a:bodyPr>
-            <a:normAutofit fontScale="92500" lnSpcReduction="10000"/>
-          </a:bodyPr>
-          <a:lstStyle/>
-          <a:p>
-            <a:endParaRPr lang="en-US"/>
-          </a:p>
-        </p:txBody>
-      </p:sp>
-      <p:sp>
-        <p:nvSpPr>
-          <p:cNvPr id="4" name="Text Placeholder 3"/>
-          <p:cNvSpPr>
-            <a:spLocks noGrp="1"/>
-          </p:cNvSpPr>
-          <p:nvPr>
-            <p:ph type="body" sz="quarter" idx="13"/>
-          </p:nvPr>
-        </p:nvSpPr>
-        <p:spPr/>
-        <p:txBody>
-          <a:bodyPr/>
-          <a:lstStyle/>
-          <a:p>
-            <a:endParaRPr lang="en-US" dirty="0"/>
-          </a:p>
-        </p:txBody>
-      </p:sp>
-      <p:sp>
-        <p:nvSpPr>
-          <p:cNvPr id="5" name="Slide Number Placeholder 4"/>
-          <p:cNvSpPr>
-            <a:spLocks noGrp="1"/>
-          </p:cNvSpPr>
-          <p:nvPr>
-            <p:ph type="sldNum" sz="quarter" idx="14"/>
-          </p:nvPr>
-        </p:nvSpPr>
-        <p:spPr/>
-        <p:txBody>
-          <a:bodyPr/>
-          <a:lstStyle/>
-          <a:p>
-            <a:pPr>
-              <a:defRPr/>
-            </a:pPr>
-            <a:fld id="{4AA01602-B999-AA4E-80A6-B21CED3A9C3C}" type="slidenum">
-              <a:rPr lang="sv-SE" smtClean="0"/>
-              <a:pPr>
-                <a:defRPr/>
-              </a:pPr>
-              <a:t>5</a:t>
             </a:fld>
             <a:endParaRPr lang="sv-SE"/>
           </a:p>
@@ -11102,10 +11236,17 @@
   <p:clrMapOvr>
     <a:masterClrMapping/>
   </p:clrMapOvr>
+  <p:timing>
+    <p:tnLst>
+      <p:par>
+        <p:cTn xmlns:p14="http://schemas.microsoft.com/office/powerpoint/2010/main" id="1" dur="indefinite" restart="never" nodeType="tmRoot"/>
+      </p:par>
+    </p:tnLst>
+  </p:timing>
 </p:sld>
 </file>
 
-<file path=ppt/slides/slide6.xml><?xml version="1.0" encoding="utf-8"?>
+<file path=ppt/slides/slide5.xml><?xml version="1.0" encoding="utf-8"?>
 <p:sld xmlns:a="http://schemas.openxmlformats.org/drawingml/2006/main" xmlns:r="http://schemas.openxmlformats.org/officeDocument/2006/relationships" xmlns:p="http://schemas.openxmlformats.org/presentationml/2006/main">
   <p:cSld>
     <p:spTree>
@@ -11162,6 +11303,10 @@
           </a:bodyPr>
           <a:lstStyle/>
           <a:p>
+            <a:r>
+              <a:rPr lang="en-US" dirty="0" smtClean="0"/>
+              <a:t>SDK by VINNOVA</a:t>
+            </a:r>
             <a:endParaRPr lang="en-US" dirty="0"/>
           </a:p>
         </p:txBody>
@@ -11185,21 +11330,15 @@
               <a:rPr lang="en-US" dirty="0" smtClean="0">
                 <a:hlinkClick r:id="rId3"/>
               </a:rPr>
-              <a:t>SDK by VINNOVA</a:t>
+              <a:t>SDK by </a:t>
+            </a:r>
+            <a:r>
+              <a:rPr lang="en-US" dirty="0" smtClean="0">
+                <a:hlinkClick r:id="rId3"/>
+              </a:rPr>
+              <a:t>VINNOVA</a:t>
             </a:r>
             <a:endParaRPr lang="en-US" dirty="0" smtClean="0"/>
-          </a:p>
-          <a:p>
-            <a:r>
-              <a:rPr lang="en-US" dirty="0" smtClean="0"/>
-              <a:t>Background</a:t>
-            </a:r>
-          </a:p>
-          <a:p>
-            <a:r>
-              <a:rPr lang="en-US" dirty="0" smtClean="0"/>
-              <a:t>API’s</a:t>
-            </a:r>
           </a:p>
         </p:txBody>
       </p:sp>
@@ -11226,7 +11365,7 @@
               <a:pPr>
                 <a:defRPr/>
               </a:pPr>
-              <a:t>6</a:t>
+              <a:t>5</a:t>
             </a:fld>
             <a:endParaRPr lang="sv-SE"/>
           </a:p>
@@ -11282,6 +11421,173 @@
 </p:sld>
 </file>
 
+<file path=ppt/slides/slide6.xml><?xml version="1.0" encoding="utf-8"?>
+<p:sld xmlns:a="http://schemas.openxmlformats.org/drawingml/2006/main" xmlns:r="http://schemas.openxmlformats.org/officeDocument/2006/relationships" xmlns:p="http://schemas.openxmlformats.org/presentationml/2006/main">
+  <p:cSld>
+    <p:spTree>
+      <p:nvGrpSpPr>
+        <p:cNvPr id="1" name=""/>
+        <p:cNvGrpSpPr/>
+        <p:nvPr/>
+      </p:nvGrpSpPr>
+      <p:grpSpPr>
+        <a:xfrm>
+          <a:off x="0" y="0"/>
+          <a:ext cx="0" cy="0"/>
+          <a:chOff x="0" y="0"/>
+          <a:chExt cx="0" cy="0"/>
+        </a:xfrm>
+      </p:grpSpPr>
+      <p:sp>
+        <p:nvSpPr>
+          <p:cNvPr id="2" name="Title 1"/>
+          <p:cNvSpPr>
+            <a:spLocks noGrp="1"/>
+          </p:cNvSpPr>
+          <p:nvPr>
+            <p:ph type="ctrTitle"/>
+          </p:nvPr>
+        </p:nvSpPr>
+        <p:spPr/>
+        <p:txBody>
+          <a:bodyPr/>
+          <a:lstStyle/>
+          <a:p>
+            <a:r>
+              <a:rPr lang="en-US" dirty="0" smtClean="0"/>
+              <a:t>Introduction to SDK by VINNOVA</a:t>
+            </a:r>
+            <a:endParaRPr lang="en-US" dirty="0"/>
+          </a:p>
+        </p:txBody>
+      </p:sp>
+      <p:sp>
+        <p:nvSpPr>
+          <p:cNvPr id="3" name="Subtitle 2"/>
+          <p:cNvSpPr>
+            <a:spLocks noGrp="1"/>
+          </p:cNvSpPr>
+          <p:nvPr>
+            <p:ph type="subTitle" idx="1"/>
+          </p:nvPr>
+        </p:nvSpPr>
+        <p:spPr/>
+        <p:txBody>
+          <a:bodyPr>
+            <a:normAutofit fontScale="92500" lnSpcReduction="10000"/>
+          </a:bodyPr>
+          <a:lstStyle/>
+          <a:p>
+            <a:r>
+              <a:rPr lang="en-US" dirty="0" smtClean="0"/>
+              <a:t>Background</a:t>
+            </a:r>
+            <a:endParaRPr lang="en-US" dirty="0"/>
+          </a:p>
+        </p:txBody>
+      </p:sp>
+      <p:sp>
+        <p:nvSpPr>
+          <p:cNvPr id="4" name="Text Placeholder 3"/>
+          <p:cNvSpPr>
+            <a:spLocks noGrp="1"/>
+          </p:cNvSpPr>
+          <p:nvPr>
+            <p:ph type="body" sz="quarter" idx="13"/>
+          </p:nvPr>
+        </p:nvSpPr>
+        <p:spPr/>
+        <p:txBody>
+          <a:bodyPr/>
+          <a:lstStyle/>
+          <a:p>
+            <a:r>
+              <a:rPr lang="en-US" dirty="0" smtClean="0"/>
+              <a:t>Background</a:t>
+            </a:r>
+            <a:endParaRPr lang="en-US" dirty="0" smtClean="0"/>
+          </a:p>
+        </p:txBody>
+      </p:sp>
+      <p:sp>
+        <p:nvSpPr>
+          <p:cNvPr id="5" name="Slide Number Placeholder 4"/>
+          <p:cNvSpPr>
+            <a:spLocks noGrp="1"/>
+          </p:cNvSpPr>
+          <p:nvPr>
+            <p:ph type="sldNum" sz="quarter" idx="14"/>
+          </p:nvPr>
+        </p:nvSpPr>
+        <p:spPr/>
+        <p:txBody>
+          <a:bodyPr/>
+          <a:lstStyle/>
+          <a:p>
+            <a:pPr>
+              <a:defRPr/>
+            </a:pPr>
+            <a:fld id="{4AA01602-B999-AA4E-80A6-B21CED3A9C3C}" type="slidenum">
+              <a:rPr lang="sv-SE" smtClean="0"/>
+              <a:pPr>
+                <a:defRPr/>
+              </a:pPr>
+              <a:t>6</a:t>
+            </a:fld>
+            <a:endParaRPr lang="sv-SE"/>
+          </a:p>
+        </p:txBody>
+      </p:sp>
+      <p:pic>
+        <p:nvPicPr>
+          <p:cNvPr id="6" name="Picture 5" descr="site-logo.png"/>
+          <p:cNvPicPr>
+            <a:picLocks noChangeAspect="1"/>
+          </p:cNvPicPr>
+          <p:nvPr/>
+        </p:nvPicPr>
+        <p:blipFill>
+          <a:blip r:embed="rId3">
+            <a:extLst>
+              <a:ext uri="{28A0092B-C50C-407E-A947-70E740481C1C}">
+                <a14:useLocalDpi xmlns:a14="http://schemas.microsoft.com/office/drawing/2010/main" val="0"/>
+              </a:ext>
+            </a:extLst>
+          </a:blip>
+          <a:stretch>
+            <a:fillRect/>
+          </a:stretch>
+        </p:blipFill>
+        <p:spPr>
+          <a:xfrm>
+            <a:off x="685800" y="4842933"/>
+            <a:ext cx="1540933" cy="654897"/>
+          </a:xfrm>
+          <a:prstGeom prst="rect">
+            <a:avLst/>
+          </a:prstGeom>
+        </p:spPr>
+      </p:pic>
+    </p:spTree>
+    <p:extLst>
+      <p:ext uri="{BB962C8B-B14F-4D97-AF65-F5344CB8AC3E}">
+        <p14:creationId xmlns:p14="http://schemas.microsoft.com/office/powerpoint/2010/main" val="1594419933"/>
+      </p:ext>
+    </p:extLst>
+  </p:cSld>
+  <p:clrMapOvr>
+    <a:masterClrMapping/>
+  </p:clrMapOvr>
+  <p:timing>
+    <p:tnLst>
+      <p:par>
+        <p:cTn xmlns:p14="http://schemas.microsoft.com/office/powerpoint/2010/main" id="1" dur="indefinite" restart="never" nodeType="tmRoot"/>
+      </p:par>
+    </p:tnLst>
+  </p:timing>
+</p:sld>
+</file>
+
 <file path=ppt/slides/slide7.xml><?xml version="1.0" encoding="utf-8"?>
 <p:sld xmlns:a="http://schemas.openxmlformats.org/drawingml/2006/main" xmlns:r="http://schemas.openxmlformats.org/officeDocument/2006/relationships" xmlns:p="http://schemas.openxmlformats.org/presentationml/2006/main">
   <p:cSld>
@@ -11316,7 +11622,7 @@
           <a:p>
             <a:r>
               <a:rPr lang="en-US" dirty="0" smtClean="0"/>
-              <a:t>HTTP overview</a:t>
+              <a:t>Introduction to SDK by VINNOVA</a:t>
             </a:r>
             <a:endParaRPr lang="en-US" dirty="0"/>
           </a:p>
@@ -11341,7 +11647,7 @@
           <a:p>
             <a:r>
               <a:rPr lang="en-US" dirty="0" smtClean="0"/>
-              <a:t>HTTP-request</a:t>
+              <a:t>API’s</a:t>
             </a:r>
             <a:endParaRPr lang="en-US" dirty="0"/>
           </a:p>
@@ -11363,66 +11669,10 @@
           <a:lstStyle/>
           <a:p>
             <a:r>
-              <a:rPr lang="en-US" sz="1800" dirty="0" smtClean="0"/>
-              <a:t>POST, GET, PUT, DELETE</a:t>
-            </a:r>
-          </a:p>
-          <a:p>
-            <a:pPr lvl="1"/>
-            <a:r>
-              <a:rPr lang="en-US" sz="1800" dirty="0" smtClean="0"/>
-              <a:t>CRUD mappings based on best practices within REST community.</a:t>
-            </a:r>
-          </a:p>
-          <a:p>
-            <a:r>
-              <a:rPr lang="en-US" sz="1800" dirty="0" smtClean="0"/>
-              <a:t>URL</a:t>
-            </a:r>
-          </a:p>
-          <a:p>
-            <a:pPr lvl="1"/>
-            <a:r>
-              <a:rPr lang="en-US" sz="1800" dirty="0" smtClean="0"/>
-              <a:t>Address + parameters</a:t>
-            </a:r>
-          </a:p>
-          <a:p>
-            <a:r>
-              <a:rPr lang="en-US" sz="1800" dirty="0" smtClean="0"/>
-              <a:t>HTTP </a:t>
-            </a:r>
-            <a:r>
-              <a:rPr lang="en-US" sz="1800" dirty="0"/>
-              <a:t>headers</a:t>
-            </a:r>
-          </a:p>
-          <a:p>
-            <a:pPr lvl="1"/>
-            <a:r>
-              <a:rPr lang="en-US" sz="1800" dirty="0" smtClean="0"/>
-              <a:t>Accept</a:t>
-            </a:r>
-          </a:p>
-          <a:p>
-            <a:pPr lvl="1"/>
-            <a:r>
-              <a:rPr lang="en-US" sz="1800" dirty="0" smtClean="0"/>
-              <a:t>Authorization</a:t>
-            </a:r>
-          </a:p>
-          <a:p>
-            <a:pPr lvl="1"/>
-            <a:r>
-              <a:rPr lang="en-US" sz="1800" dirty="0" smtClean="0"/>
-              <a:t>Content-Type</a:t>
-            </a:r>
-          </a:p>
-          <a:p>
-            <a:r>
-              <a:rPr lang="en-US" sz="1800" dirty="0" smtClean="0"/>
-              <a:t>Payload/Content</a:t>
-            </a:r>
+              <a:rPr lang="en-US" dirty="0" smtClean="0"/>
+              <a:t>API’s</a:t>
+            </a:r>
+            <a:endParaRPr lang="en-US" dirty="0" smtClean="0"/>
           </a:p>
         </p:txBody>
       </p:sp>
@@ -11455,10 +11705,40 @@
           </a:p>
         </p:txBody>
       </p:sp>
+      <p:pic>
+        <p:nvPicPr>
+          <p:cNvPr id="6" name="Picture 5" descr="site-logo.png"/>
+          <p:cNvPicPr>
+            <a:picLocks noChangeAspect="1"/>
+          </p:cNvPicPr>
+          <p:nvPr/>
+        </p:nvPicPr>
+        <p:blipFill>
+          <a:blip r:embed="rId3">
+            <a:extLst>
+              <a:ext uri="{28A0092B-C50C-407E-A947-70E740481C1C}">
+                <a14:useLocalDpi xmlns:a14="http://schemas.microsoft.com/office/drawing/2010/main" val="0"/>
+              </a:ext>
+            </a:extLst>
+          </a:blip>
+          <a:stretch>
+            <a:fillRect/>
+          </a:stretch>
+        </p:blipFill>
+        <p:spPr>
+          <a:xfrm>
+            <a:off x="685800" y="4842933"/>
+            <a:ext cx="1540933" cy="654897"/>
+          </a:xfrm>
+          <a:prstGeom prst="rect">
+            <a:avLst/>
+          </a:prstGeom>
+        </p:spPr>
+      </p:pic>
     </p:spTree>
     <p:extLst>
       <p:ext uri="{BB962C8B-B14F-4D97-AF65-F5344CB8AC3E}">
-        <p14:creationId xmlns:p14="http://schemas.microsoft.com/office/powerpoint/2010/main" val="292200695"/>
+        <p14:creationId xmlns:p14="http://schemas.microsoft.com/office/powerpoint/2010/main" val="786419873"/>
       </p:ext>
     </p:extLst>
   </p:cSld>
@@ -11534,7 +11814,7 @@
           <a:p>
             <a:r>
               <a:rPr lang="en-US" dirty="0" smtClean="0"/>
-              <a:t>HTTP-response</a:t>
+              <a:t>HTTP-request</a:t>
             </a:r>
             <a:endParaRPr lang="en-US" dirty="0"/>
           </a:p>
@@ -11556,73 +11836,66 @@
           <a:lstStyle/>
           <a:p>
             <a:r>
-              <a:rPr lang="en-US" dirty="0" smtClean="0"/>
-              <a:t>Status codes</a:t>
-            </a:r>
-            <a:endParaRPr lang="en-US" dirty="0"/>
+              <a:rPr lang="en-US" sz="1800" dirty="0" smtClean="0"/>
+              <a:t>POST, GET, PUT, DELETE</a:t>
+            </a:r>
           </a:p>
           <a:p>
             <a:pPr lvl="1"/>
             <a:r>
-              <a:rPr lang="en-US" dirty="0" smtClean="0"/>
-              <a:t>2xx, 3xx, 4xx, 5xx</a:t>
+              <a:rPr lang="en-US" sz="1800" dirty="0" smtClean="0"/>
+              <a:t>CRUD mappings based on best practices within REST community.</a:t>
+            </a:r>
+          </a:p>
+          <a:p>
+            <a:r>
+              <a:rPr lang="en-US" sz="1800" dirty="0" smtClean="0"/>
+              <a:t>URL</a:t>
             </a:r>
           </a:p>
           <a:p>
             <a:pPr lvl="1"/>
             <a:r>
-              <a:rPr lang="en-US" dirty="0" smtClean="0"/>
-              <a:t>418 I’m a teapot (RFC2324)</a:t>
-            </a:r>
-          </a:p>
-          <a:p>
-            <a:pPr lvl="2"/>
-            <a:r>
-              <a:rPr lang="en-US" dirty="0" smtClean="0"/>
-              <a:t>Hyper Text Coffee Pot Control Protocol</a:t>
-            </a:r>
-          </a:p>
-          <a:p>
-            <a:r>
-              <a:rPr lang="en-US" dirty="0" smtClean="0"/>
-              <a:t>HTTP Headers</a:t>
+              <a:rPr lang="en-US" sz="1800" dirty="0" smtClean="0"/>
+              <a:t>Address + parameters</a:t>
+            </a:r>
+          </a:p>
+          <a:p>
+            <a:r>
+              <a:rPr lang="en-US" sz="1800" dirty="0" smtClean="0"/>
+              <a:t>HTTP </a:t>
+            </a:r>
+            <a:r>
+              <a:rPr lang="en-US" sz="1800" dirty="0"/>
+              <a:t>headers</a:t>
             </a:r>
           </a:p>
           <a:p>
             <a:pPr lvl="1"/>
             <a:r>
-              <a:rPr lang="en-US" dirty="0" smtClean="0"/>
-              <a:t>Location</a:t>
+              <a:rPr lang="en-US" sz="1800" dirty="0" smtClean="0"/>
+              <a:t>Accept</a:t>
             </a:r>
           </a:p>
           <a:p>
             <a:pPr lvl="1"/>
             <a:r>
-              <a:rPr lang="en-US" sz="2400" dirty="0"/>
-              <a:t>Content-</a:t>
-            </a:r>
-            <a:r>
-              <a:rPr lang="en-US" sz="2400" dirty="0" smtClean="0"/>
-              <a:t>Type</a:t>
-            </a:r>
-            <a:endParaRPr lang="en-US" dirty="0" smtClean="0"/>
-          </a:p>
-          <a:p>
-            <a:pPr marL="342900" lvl="1" indent="-342900">
-              <a:buFont typeface="Arial" charset="0"/>
-              <a:buChar char="•"/>
-            </a:pPr>
-            <a:r>
-              <a:rPr lang="en-US" dirty="0" smtClean="0"/>
-              <a:t>Example: Redirect, how does it work?</a:t>
-            </a:r>
-            <a:endParaRPr lang="en-US" dirty="0"/>
-          </a:p>
-          <a:p>
-            <a:endParaRPr lang="en-US" dirty="0"/>
-          </a:p>
-          <a:p>
-            <a:endParaRPr lang="en-US" dirty="0"/>
+              <a:rPr lang="en-US" sz="1800" dirty="0" smtClean="0"/>
+              <a:t>Authorization</a:t>
+            </a:r>
+          </a:p>
+          <a:p>
+            <a:pPr lvl="1"/>
+            <a:r>
+              <a:rPr lang="en-US" sz="1800" dirty="0" smtClean="0"/>
+              <a:t>Content-Type</a:t>
+            </a:r>
+          </a:p>
+          <a:p>
+            <a:r>
+              <a:rPr lang="en-US" sz="1800" dirty="0" smtClean="0"/>
+              <a:t>Payload/Content</a:t>
+            </a:r>
           </a:p>
         </p:txBody>
       </p:sp>
@@ -11658,7 +11931,7 @@
     </p:spTree>
     <p:extLst>
       <p:ext uri="{BB962C8B-B14F-4D97-AF65-F5344CB8AC3E}">
-        <p14:creationId xmlns:p14="http://schemas.microsoft.com/office/powerpoint/2010/main" val="970070681"/>
+        <p14:creationId xmlns:p14="http://schemas.microsoft.com/office/powerpoint/2010/main" val="292200695"/>
       </p:ext>
     </p:extLst>
   </p:cSld>
@@ -11734,7 +12007,7 @@
           <a:p>
             <a:r>
               <a:rPr lang="en-US" dirty="0" smtClean="0"/>
-              <a:t>Example: Redirect, how does it work?</a:t>
+              <a:t>HTTP-response</a:t>
             </a:r>
             <a:endParaRPr lang="en-US" dirty="0"/>
           </a:p>
@@ -11757,8 +12030,72 @@
           <a:p>
             <a:r>
               <a:rPr lang="en-US" dirty="0" smtClean="0"/>
-              <a:t>{SNYGG BILD}</a:t>
-            </a:r>
+              <a:t>Status codes</a:t>
+            </a:r>
+            <a:endParaRPr lang="en-US" dirty="0"/>
+          </a:p>
+          <a:p>
+            <a:pPr lvl="1"/>
+            <a:r>
+              <a:rPr lang="en-US" dirty="0" smtClean="0"/>
+              <a:t>2xx, 3xx, 4xx, 5xx</a:t>
+            </a:r>
+          </a:p>
+          <a:p>
+            <a:pPr lvl="1"/>
+            <a:r>
+              <a:rPr lang="en-US" dirty="0" smtClean="0"/>
+              <a:t>418 I’m a teapot (RFC2324)</a:t>
+            </a:r>
+          </a:p>
+          <a:p>
+            <a:pPr lvl="2"/>
+            <a:r>
+              <a:rPr lang="en-US" dirty="0" smtClean="0"/>
+              <a:t>Hyper Text Coffee Pot Control Protocol</a:t>
+            </a:r>
+          </a:p>
+          <a:p>
+            <a:r>
+              <a:rPr lang="en-US" dirty="0" smtClean="0"/>
+              <a:t>HTTP Headers</a:t>
+            </a:r>
+          </a:p>
+          <a:p>
+            <a:pPr lvl="1"/>
+            <a:r>
+              <a:rPr lang="en-US" dirty="0" smtClean="0"/>
+              <a:t>Location</a:t>
+            </a:r>
+          </a:p>
+          <a:p>
+            <a:pPr lvl="1"/>
+            <a:r>
+              <a:rPr lang="en-US" sz="2400" dirty="0"/>
+              <a:t>Content-</a:t>
+            </a:r>
+            <a:r>
+              <a:rPr lang="en-US" sz="2400" dirty="0" smtClean="0"/>
+              <a:t>Type</a:t>
+            </a:r>
+            <a:endParaRPr lang="en-US" dirty="0" smtClean="0"/>
+          </a:p>
+          <a:p>
+            <a:pPr marL="342900" lvl="1" indent="-342900">
+              <a:buFont typeface="Arial" charset="0"/>
+              <a:buChar char="•"/>
+            </a:pPr>
+            <a:r>
+              <a:rPr lang="en-US" dirty="0" smtClean="0"/>
+              <a:t>Example: Redirect, how does it work?</a:t>
+            </a:r>
+            <a:endParaRPr lang="en-US" dirty="0"/>
+          </a:p>
+          <a:p>
+            <a:endParaRPr lang="en-US" dirty="0"/>
+          </a:p>
+          <a:p>
+            <a:endParaRPr lang="en-US" dirty="0"/>
           </a:p>
         </p:txBody>
       </p:sp>
@@ -11794,13 +12131,20 @@
     </p:spTree>
     <p:extLst>
       <p:ext uri="{BB962C8B-B14F-4D97-AF65-F5344CB8AC3E}">
-        <p14:creationId xmlns:p14="http://schemas.microsoft.com/office/powerpoint/2010/main" val="2100865221"/>
+        <p14:creationId xmlns:p14="http://schemas.microsoft.com/office/powerpoint/2010/main" val="970070681"/>
       </p:ext>
     </p:extLst>
   </p:cSld>
   <p:clrMapOvr>
     <a:masterClrMapping/>
   </p:clrMapOvr>
+  <p:timing>
+    <p:tnLst>
+      <p:par>
+        <p:cTn xmlns:p14="http://schemas.microsoft.com/office/powerpoint/2010/main" id="1" dur="indefinite" restart="never" nodeType="tmRoot"/>
+      </p:par>
+    </p:tnLst>
+  </p:timing>
 </p:sld>
 </file>
 

--- a/Cadec-vårdens-apier.pptx
+++ b/Cadec-vårdens-apier.pptx
@@ -1183,7 +1183,6 @@
               <a:rPr lang="en-US" baseline="0" dirty="0" smtClean="0"/>
               <a:t>.</a:t>
             </a:r>
-            <a:endParaRPr lang="en-US" baseline="0" dirty="0" smtClean="0"/>
           </a:p>
         </p:txBody>
       </p:sp>
@@ -10762,6 +10761,12 @@
             <a:pPr marL="0" indent="0">
               <a:buNone/>
             </a:pPr>
+            <a:endParaRPr lang="en-US" sz="1800" dirty="0" smtClean="0"/>
+          </a:p>
+          <a:p>
+            <a:pPr marL="0" indent="0">
+              <a:buNone/>
+            </a:pPr>
             <a:endParaRPr lang="en-US" sz="1800" dirty="0"/>
           </a:p>
           <a:p>
@@ -10919,11 +10924,7 @@
             </a:r>
             <a:r>
               <a:rPr lang="en-US" sz="1800" dirty="0" smtClean="0"/>
-              <a:t> </a:t>
-            </a:r>
-            <a:r>
-              <a:rPr lang="en-US" sz="1800" dirty="0" smtClean="0"/>
-              <a:t>2.0, intro and lab</a:t>
+              <a:t> 2.0, intro and lab</a:t>
             </a:r>
             <a:endParaRPr lang="en-US" sz="1800" dirty="0"/>
           </a:p>
@@ -11330,13 +11331,7 @@
               <a:rPr lang="en-US" dirty="0" smtClean="0">
                 <a:hlinkClick r:id="rId3"/>
               </a:rPr>
-              <a:t>SDK by </a:t>
-            </a:r>
-            <a:r>
-              <a:rPr lang="en-US" dirty="0" smtClean="0">
-                <a:hlinkClick r:id="rId3"/>
-              </a:rPr>
-              <a:t>VINNOVA</a:t>
+              <a:t>SDK by VINNOVA</a:t>
             </a:r>
             <a:endParaRPr lang="en-US" dirty="0" smtClean="0"/>
           </a:p>
@@ -11505,7 +11500,6 @@
               <a:rPr lang="en-US" dirty="0" smtClean="0"/>
               <a:t>Background</a:t>
             </a:r>
-            <a:endParaRPr lang="en-US" dirty="0" smtClean="0"/>
           </a:p>
         </p:txBody>
       </p:sp>
@@ -11672,7 +11666,6 @@
               <a:rPr lang="en-US" dirty="0" smtClean="0"/>
               <a:t>API’s</a:t>
             </a:r>
-            <a:endParaRPr lang="en-US" dirty="0" smtClean="0"/>
           </a:p>
         </p:txBody>
       </p:sp>

--- a/Cadec-vårdens-apier.pptx
+++ b/Cadec-vårdens-apier.pptx
@@ -5,10 +5,10 @@
     <p:sldMasterId id="2147483648" r:id="rId1"/>
   </p:sldMasterIdLst>
   <p:notesMasterIdLst>
-    <p:notesMasterId r:id="rId24"/>
+    <p:notesMasterId r:id="rId25"/>
   </p:notesMasterIdLst>
   <p:handoutMasterIdLst>
-    <p:handoutMasterId r:id="rId25"/>
+    <p:handoutMasterId r:id="rId26"/>
   </p:handoutMasterIdLst>
   <p:sldIdLst>
     <p:sldId id="256" r:id="rId2"/>
@@ -21,18 +21,19 @@
     <p:sldId id="257" r:id="rId9"/>
     <p:sldId id="258" r:id="rId10"/>
     <p:sldId id="259" r:id="rId11"/>
-    <p:sldId id="261" r:id="rId12"/>
-    <p:sldId id="264" r:id="rId13"/>
-    <p:sldId id="277" r:id="rId14"/>
-    <p:sldId id="265" r:id="rId15"/>
-    <p:sldId id="272" r:id="rId16"/>
-    <p:sldId id="273" r:id="rId17"/>
-    <p:sldId id="267" r:id="rId18"/>
-    <p:sldId id="275" r:id="rId19"/>
-    <p:sldId id="269" r:id="rId20"/>
-    <p:sldId id="271" r:id="rId21"/>
-    <p:sldId id="270" r:id="rId22"/>
-    <p:sldId id="274" r:id="rId23"/>
+    <p:sldId id="280" r:id="rId12"/>
+    <p:sldId id="261" r:id="rId13"/>
+    <p:sldId id="264" r:id="rId14"/>
+    <p:sldId id="277" r:id="rId15"/>
+    <p:sldId id="265" r:id="rId16"/>
+    <p:sldId id="272" r:id="rId17"/>
+    <p:sldId id="273" r:id="rId18"/>
+    <p:sldId id="267" r:id="rId19"/>
+    <p:sldId id="275" r:id="rId20"/>
+    <p:sldId id="269" r:id="rId21"/>
+    <p:sldId id="271" r:id="rId22"/>
+    <p:sldId id="270" r:id="rId23"/>
+    <p:sldId id="274" r:id="rId24"/>
   </p:sldIdLst>
   <p:sldSz cx="9144000" cy="6858000" type="screen4x3"/>
   <p:notesSz cx="6858000" cy="9144000"/>
@@ -263,7 +264,7 @@
               <a:pPr>
                 <a:defRPr/>
               </a:pPr>
-              <a:t>2012-12-28</a:t>
+              <a:t>2013-01-02</a:t>
             </a:fld>
             <a:endParaRPr lang="sv-SE"/>
           </a:p>
@@ -463,7 +464,7 @@
               <a:pPr>
                 <a:defRPr/>
               </a:pPr>
-              <a:t>2012-12-28</a:t>
+              <a:t>2013-01-02</a:t>
             </a:fld>
             <a:endParaRPr lang="sv-SE"/>
           </a:p>
@@ -1940,7 +1941,7 @@
               <a:pPr>
                 <a:defRPr/>
               </a:pPr>
-              <a:t>12</a:t>
+              <a:t>13</a:t>
             </a:fld>
             <a:endParaRPr lang="sv-SE"/>
           </a:p>
@@ -2542,7 +2543,7 @@
               <a:pPr>
                 <a:defRPr/>
               </a:pPr>
-              <a:t>13</a:t>
+              <a:t>14</a:t>
             </a:fld>
             <a:endParaRPr lang="sv-SE"/>
           </a:p>
@@ -2632,7 +2633,7 @@
               <a:pPr>
                 <a:defRPr/>
               </a:pPr>
-              <a:t>14</a:t>
+              <a:t>15</a:t>
             </a:fld>
             <a:endParaRPr lang="sv-SE"/>
           </a:p>
@@ -3131,7 +3132,7 @@
               <a:pPr>
                 <a:defRPr/>
               </a:pPr>
-              <a:t>15</a:t>
+              <a:t>16</a:t>
             </a:fld>
             <a:endParaRPr lang="sv-SE"/>
           </a:p>
@@ -3377,7 +3378,7 @@
               <a:pPr>
                 <a:defRPr/>
               </a:pPr>
-              <a:t>16</a:t>
+              <a:t>17</a:t>
             </a:fld>
             <a:endParaRPr lang="sv-SE"/>
           </a:p>
@@ -7647,7 +7648,7 @@
           <a:p>
             <a:r>
               <a:rPr lang="en-US" dirty="0" smtClean="0"/>
-              <a:t>Exercise 1</a:t>
+              <a:t>Example: Redirect, how does it work?</a:t>
             </a:r>
             <a:endParaRPr lang="en-US" dirty="0"/>
           </a:p>
@@ -7671,10 +7672,7 @@
             <a:pPr marL="0" indent="0">
               <a:buNone/>
             </a:pPr>
-            <a:r>
-              <a:rPr lang="en-US" dirty="0" smtClean="0"/>
-              <a:t>Use Curl to make http requests against public data API</a:t>
-            </a:r>
+            <a:endParaRPr lang="en-US" dirty="0" smtClean="0"/>
           </a:p>
         </p:txBody>
       </p:sp>
@@ -7707,10 +7705,868 @@
           </a:p>
         </p:txBody>
       </p:sp>
+      <p:pic>
+        <p:nvPicPr>
+          <p:cNvPr id="9" name="Picture 8"/>
+          <p:cNvPicPr>
+            <a:picLocks noChangeAspect="1"/>
+          </p:cNvPicPr>
+          <p:nvPr/>
+        </p:nvPicPr>
+        <p:blipFill>
+          <a:blip r:embed="rId2"/>
+          <a:stretch>
+            <a:fillRect/>
+          </a:stretch>
+        </p:blipFill>
+        <p:spPr>
+          <a:xfrm>
+            <a:off x="685800" y="3275938"/>
+            <a:ext cx="1041400" cy="998008"/>
+          </a:xfrm>
+          <a:prstGeom prst="rect">
+            <a:avLst/>
+          </a:prstGeom>
+        </p:spPr>
+      </p:pic>
+      <p:sp>
+        <p:nvSpPr>
+          <p:cNvPr id="10" name="TextBox 9"/>
+          <p:cNvSpPr txBox="1"/>
+          <p:nvPr/>
+        </p:nvSpPr>
+        <p:spPr>
+          <a:xfrm>
+            <a:off x="287338" y="2612140"/>
+            <a:ext cx="2364750" cy="523220"/>
+          </a:xfrm>
+          <a:prstGeom prst="rect">
+            <a:avLst/>
+          </a:prstGeom>
+          <a:noFill/>
+        </p:spPr>
+        <p:txBody>
+          <a:bodyPr wrap="none" rtlCol="0">
+            <a:spAutoFit/>
+          </a:bodyPr>
+          <a:lstStyle/>
+          <a:p>
+            <a:r>
+              <a:rPr lang="en-US" sz="1400" dirty="0" smtClean="0"/>
+              <a:t>Issue request from browser</a:t>
+            </a:r>
+          </a:p>
+          <a:p>
+            <a:r>
+              <a:rPr lang="en-US" sz="1400" dirty="0" smtClean="0"/>
+              <a:t>http://</a:t>
+            </a:r>
+            <a:r>
+              <a:rPr lang="en-US" sz="1400" dirty="0" err="1" smtClean="0"/>
+              <a:t>host.com</a:t>
+            </a:r>
+            <a:r>
+              <a:rPr lang="en-US" sz="1400" dirty="0" smtClean="0"/>
+              <a:t>/path</a:t>
+            </a:r>
+            <a:endParaRPr lang="en-US" sz="1400" dirty="0"/>
+          </a:p>
+        </p:txBody>
+      </p:sp>
+      <p:sp>
+        <p:nvSpPr>
+          <p:cNvPr id="12" name="Snip Single Corner Rectangle 11"/>
+          <p:cNvSpPr/>
+          <p:nvPr/>
+        </p:nvSpPr>
+        <p:spPr>
+          <a:xfrm>
+            <a:off x="2667000" y="1795992"/>
+            <a:ext cx="3746500" cy="2318808"/>
+          </a:xfrm>
+          <a:prstGeom prst="snip1Rect">
+            <a:avLst/>
+          </a:prstGeom>
+          <a:solidFill>
+            <a:schemeClr val="tx1"/>
+          </a:solidFill>
+        </p:spPr>
+        <p:style>
+          <a:lnRef idx="1">
+            <a:schemeClr val="accent1"/>
+          </a:lnRef>
+          <a:fillRef idx="3">
+            <a:schemeClr val="accent1"/>
+          </a:fillRef>
+          <a:effectRef idx="2">
+            <a:schemeClr val="accent1"/>
+          </a:effectRef>
+          <a:fontRef idx="minor">
+            <a:schemeClr val="lt1"/>
+          </a:fontRef>
+        </p:style>
+        <p:txBody>
+          <a:bodyPr rtlCol="0" anchor="t" anchorCtr="0"/>
+          <a:lstStyle/>
+          <a:p>
+            <a:r>
+              <a:rPr lang="en-US" sz="1200" dirty="0">
+                <a:solidFill>
+                  <a:schemeClr val="bg1"/>
+                </a:solidFill>
+                <a:latin typeface="Consolas"/>
+                <a:cs typeface="Consolas"/>
+              </a:rPr>
+              <a:t>&gt; GET /path HTTP/1.1</a:t>
+            </a:r>
+          </a:p>
+          <a:p>
+            <a:r>
+              <a:rPr lang="en-US" sz="1200" dirty="0">
+                <a:solidFill>
+                  <a:schemeClr val="bg1"/>
+                </a:solidFill>
+                <a:latin typeface="Consolas"/>
+                <a:cs typeface="Consolas"/>
+              </a:rPr>
+              <a:t>&gt; User-Agent: Mozilla/</a:t>
+            </a:r>
+            <a:r>
+              <a:rPr lang="en-US" sz="1200" dirty="0" smtClean="0">
+                <a:solidFill>
+                  <a:schemeClr val="bg1"/>
+                </a:solidFill>
+                <a:latin typeface="Consolas"/>
+                <a:cs typeface="Consolas"/>
+              </a:rPr>
+              <a:t>5.0</a:t>
+            </a:r>
+            <a:endParaRPr lang="en-US" sz="1200" dirty="0">
+              <a:solidFill>
+                <a:schemeClr val="bg1"/>
+              </a:solidFill>
+              <a:latin typeface="Consolas"/>
+              <a:cs typeface="Consolas"/>
+            </a:endParaRPr>
+          </a:p>
+          <a:p>
+            <a:r>
+              <a:rPr lang="en-US" sz="1200" dirty="0">
+                <a:solidFill>
+                  <a:schemeClr val="bg1"/>
+                </a:solidFill>
+                <a:latin typeface="Consolas"/>
+                <a:cs typeface="Consolas"/>
+              </a:rPr>
+              <a:t>&gt; Host: </a:t>
+            </a:r>
+            <a:r>
+              <a:rPr lang="en-US" sz="1200" dirty="0" err="1">
+                <a:solidFill>
+                  <a:schemeClr val="bg1"/>
+                </a:solidFill>
+                <a:latin typeface="Consolas"/>
+                <a:cs typeface="Consolas"/>
+              </a:rPr>
+              <a:t>host.com</a:t>
+            </a:r>
+            <a:endParaRPr lang="en-US" sz="1200" dirty="0">
+              <a:solidFill>
+                <a:schemeClr val="bg1"/>
+              </a:solidFill>
+              <a:latin typeface="Consolas"/>
+              <a:cs typeface="Consolas"/>
+            </a:endParaRPr>
+          </a:p>
+          <a:p>
+            <a:pPr marL="171450" indent="-171450">
+              <a:buFont typeface="Wingdings" charset="0"/>
+              <a:buChar char="Ø"/>
+            </a:pPr>
+            <a:r>
+              <a:rPr lang="en-US" sz="1200" dirty="0" smtClean="0">
+                <a:solidFill>
+                  <a:schemeClr val="bg1"/>
+                </a:solidFill>
+                <a:latin typeface="Consolas"/>
+                <a:cs typeface="Consolas"/>
+              </a:rPr>
+              <a:t>.</a:t>
+            </a:r>
+            <a:r>
+              <a:rPr lang="en-US" sz="1200" dirty="0">
+                <a:solidFill>
+                  <a:schemeClr val="bg1"/>
+                </a:solidFill>
+                <a:latin typeface="Consolas"/>
+                <a:cs typeface="Consolas"/>
+              </a:rPr>
+              <a:t>.....</a:t>
+            </a:r>
+            <a:r>
+              <a:rPr lang="en-US" sz="1200" dirty="0" smtClean="0">
+                <a:solidFill>
+                  <a:schemeClr val="bg1"/>
+                </a:solidFill>
+                <a:latin typeface="Consolas"/>
+                <a:cs typeface="Consolas"/>
+              </a:rPr>
+              <a:t>.</a:t>
+            </a:r>
+          </a:p>
+          <a:p>
+            <a:pPr marL="171450" indent="-171450">
+              <a:buFont typeface="Wingdings" charset="0"/>
+              <a:buChar char="Ø"/>
+            </a:pPr>
+            <a:endParaRPr lang="en-US" sz="1200" dirty="0">
+              <a:solidFill>
+                <a:schemeClr val="bg1"/>
+              </a:solidFill>
+              <a:latin typeface="Consolas"/>
+              <a:cs typeface="Consolas"/>
+            </a:endParaRPr>
+          </a:p>
+          <a:p>
+            <a:r>
+              <a:rPr lang="en-US" sz="1200" dirty="0">
+                <a:solidFill>
+                  <a:schemeClr val="bg1"/>
+                </a:solidFill>
+                <a:latin typeface="Consolas"/>
+                <a:cs typeface="Consolas"/>
+              </a:rPr>
+              <a:t>&lt; HTTP/1.1 302 Found</a:t>
+            </a:r>
+          </a:p>
+          <a:p>
+            <a:r>
+              <a:rPr lang="en-US" sz="1200" dirty="0">
+                <a:solidFill>
+                  <a:schemeClr val="bg1"/>
+                </a:solidFill>
+                <a:latin typeface="Consolas"/>
+                <a:cs typeface="Consolas"/>
+              </a:rPr>
+              <a:t>&lt; Date: Wed, </a:t>
+            </a:r>
+            <a:r>
+              <a:rPr lang="en-US" sz="1200" dirty="0" smtClean="0">
+                <a:solidFill>
+                  <a:schemeClr val="bg1"/>
+                </a:solidFill>
+                <a:latin typeface="Consolas"/>
+                <a:cs typeface="Consolas"/>
+              </a:rPr>
+              <a:t>01 </a:t>
+            </a:r>
+            <a:r>
+              <a:rPr lang="en-US" sz="1200" dirty="0">
+                <a:solidFill>
+                  <a:schemeClr val="bg1"/>
+                </a:solidFill>
+                <a:latin typeface="Consolas"/>
+                <a:cs typeface="Consolas"/>
+              </a:rPr>
+              <a:t>Jan 2013 20:11:48 GMT</a:t>
+            </a:r>
+          </a:p>
+          <a:p>
+            <a:r>
+              <a:rPr lang="en-US" sz="1200" dirty="0">
+                <a:solidFill>
+                  <a:schemeClr val="bg1"/>
+                </a:solidFill>
+                <a:latin typeface="Consolas"/>
+                <a:cs typeface="Consolas"/>
+              </a:rPr>
+              <a:t>&lt; Server: Apache/2.2.23</a:t>
+            </a:r>
+          </a:p>
+          <a:p>
+            <a:r>
+              <a:rPr lang="en-US" sz="1200" dirty="0">
+                <a:solidFill>
+                  <a:schemeClr val="bg1"/>
+                </a:solidFill>
+                <a:latin typeface="Consolas"/>
+                <a:cs typeface="Consolas"/>
+              </a:rPr>
+              <a:t>&lt; Location: http://</a:t>
+            </a:r>
+            <a:r>
+              <a:rPr lang="en-US" sz="1200" dirty="0" err="1">
+                <a:solidFill>
+                  <a:schemeClr val="bg1"/>
+                </a:solidFill>
+                <a:latin typeface="Consolas"/>
+                <a:cs typeface="Consolas"/>
+              </a:rPr>
+              <a:t>anotherhost.com</a:t>
+            </a:r>
+            <a:r>
+              <a:rPr lang="en-US" sz="1200" dirty="0">
+                <a:solidFill>
+                  <a:schemeClr val="bg1"/>
+                </a:solidFill>
+                <a:latin typeface="Consolas"/>
+                <a:cs typeface="Consolas"/>
+              </a:rPr>
+              <a:t>/path</a:t>
+            </a:r>
+          </a:p>
+          <a:p>
+            <a:r>
+              <a:rPr lang="en-US" sz="1200" dirty="0">
+                <a:solidFill>
+                  <a:schemeClr val="bg1"/>
+                </a:solidFill>
+                <a:latin typeface="Consolas"/>
+                <a:cs typeface="Consolas"/>
+              </a:rPr>
+              <a:t>&lt; ......</a:t>
+            </a:r>
+          </a:p>
+          <a:p>
+            <a:pPr marL="171450" indent="-171450">
+              <a:buFont typeface="Wingdings" charset="0"/>
+              <a:buChar char="Ø"/>
+            </a:pPr>
+            <a:endParaRPr lang="en-US" sz="1200" dirty="0">
+              <a:solidFill>
+                <a:schemeClr val="bg1"/>
+              </a:solidFill>
+              <a:latin typeface="Consolas"/>
+              <a:cs typeface="Consolas"/>
+            </a:endParaRPr>
+          </a:p>
+        </p:txBody>
+      </p:sp>
+      <p:pic>
+        <p:nvPicPr>
+          <p:cNvPr id="13" name="Picture 12"/>
+          <p:cNvPicPr>
+            <a:picLocks noChangeAspect="1"/>
+          </p:cNvPicPr>
+          <p:nvPr/>
+        </p:nvPicPr>
+        <p:blipFill>
+          <a:blip r:embed="rId3"/>
+          <a:stretch>
+            <a:fillRect/>
+          </a:stretch>
+        </p:blipFill>
+        <p:spPr>
+          <a:xfrm>
+            <a:off x="6908503" y="2585844"/>
+            <a:ext cx="961994" cy="921232"/>
+          </a:xfrm>
+          <a:prstGeom prst="rect">
+            <a:avLst/>
+          </a:prstGeom>
+        </p:spPr>
+      </p:pic>
+      <p:sp>
+        <p:nvSpPr>
+          <p:cNvPr id="15" name="TextBox 14"/>
+          <p:cNvSpPr txBox="1"/>
+          <p:nvPr/>
+        </p:nvSpPr>
+        <p:spPr>
+          <a:xfrm>
+            <a:off x="6705303" y="2013157"/>
+            <a:ext cx="913068" cy="307777"/>
+          </a:xfrm>
+          <a:prstGeom prst="rect">
+            <a:avLst/>
+          </a:prstGeom>
+          <a:noFill/>
+        </p:spPr>
+        <p:txBody>
+          <a:bodyPr wrap="none" rtlCol="0">
+            <a:spAutoFit/>
+          </a:bodyPr>
+          <a:lstStyle/>
+          <a:p>
+            <a:r>
+              <a:rPr lang="en-US" sz="1400" dirty="0" err="1"/>
+              <a:t>h</a:t>
+            </a:r>
+            <a:r>
+              <a:rPr lang="en-US" sz="1400" dirty="0" err="1" smtClean="0"/>
+              <a:t>ost.com</a:t>
+            </a:r>
+            <a:endParaRPr lang="en-US" sz="1400" dirty="0"/>
+          </a:p>
+        </p:txBody>
+      </p:sp>
+      <p:sp>
+        <p:nvSpPr>
+          <p:cNvPr id="16" name="Curved Left Arrow 15"/>
+          <p:cNvSpPr/>
+          <p:nvPr/>
+        </p:nvSpPr>
+        <p:spPr>
+          <a:xfrm>
+            <a:off x="6616402" y="2395021"/>
+            <a:ext cx="584200" cy="1302876"/>
+          </a:xfrm>
+          <a:prstGeom prst="curvedLeftArrow">
+            <a:avLst/>
+          </a:prstGeom>
+        </p:spPr>
+        <p:style>
+          <a:lnRef idx="1">
+            <a:schemeClr val="accent1"/>
+          </a:lnRef>
+          <a:fillRef idx="3">
+            <a:schemeClr val="accent1"/>
+          </a:fillRef>
+          <a:effectRef idx="2">
+            <a:schemeClr val="accent1"/>
+          </a:effectRef>
+          <a:fontRef idx="minor">
+            <a:schemeClr val="lt1"/>
+          </a:fontRef>
+        </p:style>
+        <p:txBody>
+          <a:bodyPr rtlCol="0" anchor="ctr"/>
+          <a:lstStyle/>
+          <a:p>
+            <a:pPr algn="ctr"/>
+            <a:endParaRPr lang="en-US">
+              <a:solidFill>
+                <a:schemeClr val="tx1"/>
+              </a:solidFill>
+            </a:endParaRPr>
+          </a:p>
+        </p:txBody>
+      </p:sp>
+      <p:sp>
+        <p:nvSpPr>
+          <p:cNvPr id="17" name="Snip Single Corner Rectangle 16"/>
+          <p:cNvSpPr/>
+          <p:nvPr/>
+        </p:nvSpPr>
+        <p:spPr>
+          <a:xfrm>
+            <a:off x="2667000" y="4221692"/>
+            <a:ext cx="3758902" cy="2255308"/>
+          </a:xfrm>
+          <a:prstGeom prst="snip1Rect">
+            <a:avLst/>
+          </a:prstGeom>
+          <a:solidFill>
+            <a:schemeClr val="tx1"/>
+          </a:solidFill>
+        </p:spPr>
+        <p:style>
+          <a:lnRef idx="1">
+            <a:schemeClr val="accent1"/>
+          </a:lnRef>
+          <a:fillRef idx="3">
+            <a:schemeClr val="accent1"/>
+          </a:fillRef>
+          <a:effectRef idx="2">
+            <a:schemeClr val="accent1"/>
+          </a:effectRef>
+          <a:fontRef idx="minor">
+            <a:schemeClr val="lt1"/>
+          </a:fontRef>
+        </p:style>
+        <p:txBody>
+          <a:bodyPr rtlCol="0" anchor="t" anchorCtr="0"/>
+          <a:lstStyle/>
+          <a:p>
+            <a:r>
+              <a:rPr lang="en-US" sz="1200" dirty="0">
+                <a:solidFill>
+                  <a:schemeClr val="bg1"/>
+                </a:solidFill>
+                <a:latin typeface="Consolas"/>
+                <a:cs typeface="Consolas"/>
+              </a:rPr>
+              <a:t>&gt; GET /path HTTP/1.1</a:t>
+            </a:r>
+          </a:p>
+          <a:p>
+            <a:r>
+              <a:rPr lang="en-US" sz="1200" dirty="0">
+                <a:solidFill>
+                  <a:schemeClr val="bg1"/>
+                </a:solidFill>
+                <a:latin typeface="Consolas"/>
+                <a:cs typeface="Consolas"/>
+              </a:rPr>
+              <a:t>&gt; User-Agent: Mozilla/</a:t>
+            </a:r>
+            <a:r>
+              <a:rPr lang="en-US" sz="1200" dirty="0" smtClean="0">
+                <a:solidFill>
+                  <a:schemeClr val="bg1"/>
+                </a:solidFill>
+                <a:latin typeface="Consolas"/>
+                <a:cs typeface="Consolas"/>
+              </a:rPr>
+              <a:t>5.0</a:t>
+            </a:r>
+            <a:endParaRPr lang="en-US" sz="1200" dirty="0">
+              <a:solidFill>
+                <a:schemeClr val="bg1"/>
+              </a:solidFill>
+              <a:latin typeface="Consolas"/>
+              <a:cs typeface="Consolas"/>
+            </a:endParaRPr>
+          </a:p>
+          <a:p>
+            <a:r>
+              <a:rPr lang="en-US" sz="1200" dirty="0">
+                <a:solidFill>
+                  <a:schemeClr val="bg1"/>
+                </a:solidFill>
+                <a:latin typeface="Consolas"/>
+                <a:cs typeface="Consolas"/>
+              </a:rPr>
+              <a:t>&gt; Host: </a:t>
+            </a:r>
+            <a:r>
+              <a:rPr lang="en-US" sz="1200" dirty="0" err="1" smtClean="0">
+                <a:solidFill>
+                  <a:schemeClr val="bg1"/>
+                </a:solidFill>
+                <a:latin typeface="Consolas"/>
+                <a:cs typeface="Consolas"/>
+              </a:rPr>
+              <a:t>anotherhost.com</a:t>
+            </a:r>
+            <a:endParaRPr lang="en-US" sz="1200" dirty="0">
+              <a:solidFill>
+                <a:schemeClr val="bg1"/>
+              </a:solidFill>
+              <a:latin typeface="Consolas"/>
+              <a:cs typeface="Consolas"/>
+            </a:endParaRPr>
+          </a:p>
+          <a:p>
+            <a:pPr marL="171450" indent="-171450">
+              <a:buFont typeface="Wingdings" charset="0"/>
+              <a:buChar char="Ø"/>
+            </a:pPr>
+            <a:r>
+              <a:rPr lang="en-US" sz="1200" dirty="0" smtClean="0">
+                <a:solidFill>
+                  <a:schemeClr val="bg1"/>
+                </a:solidFill>
+                <a:latin typeface="Consolas"/>
+                <a:cs typeface="Consolas"/>
+              </a:rPr>
+              <a:t>.</a:t>
+            </a:r>
+            <a:r>
+              <a:rPr lang="en-US" sz="1200" dirty="0">
+                <a:solidFill>
+                  <a:schemeClr val="bg1"/>
+                </a:solidFill>
+                <a:latin typeface="Consolas"/>
+                <a:cs typeface="Consolas"/>
+              </a:rPr>
+              <a:t>.....</a:t>
+            </a:r>
+            <a:r>
+              <a:rPr lang="en-US" sz="1200" dirty="0" smtClean="0">
+                <a:solidFill>
+                  <a:schemeClr val="bg1"/>
+                </a:solidFill>
+                <a:latin typeface="Consolas"/>
+                <a:cs typeface="Consolas"/>
+              </a:rPr>
+              <a:t>.</a:t>
+            </a:r>
+          </a:p>
+          <a:p>
+            <a:pPr marL="171450" indent="-171450">
+              <a:buFont typeface="Wingdings" charset="0"/>
+              <a:buChar char="Ø"/>
+            </a:pPr>
+            <a:endParaRPr lang="en-US" sz="1200" dirty="0">
+              <a:solidFill>
+                <a:schemeClr val="bg1"/>
+              </a:solidFill>
+              <a:latin typeface="Consolas"/>
+              <a:cs typeface="Consolas"/>
+            </a:endParaRPr>
+          </a:p>
+          <a:p>
+            <a:r>
+              <a:rPr lang="en-US" sz="1200" dirty="0">
+                <a:solidFill>
+                  <a:schemeClr val="bg1"/>
+                </a:solidFill>
+                <a:latin typeface="Consolas"/>
+                <a:cs typeface="Consolas"/>
+              </a:rPr>
+              <a:t>&lt; HTTP/1.1 200 OK</a:t>
+            </a:r>
+          </a:p>
+          <a:p>
+            <a:r>
+              <a:rPr lang="en-US" sz="1200" dirty="0">
+                <a:solidFill>
+                  <a:schemeClr val="bg1"/>
+                </a:solidFill>
+                <a:latin typeface="Consolas"/>
+                <a:cs typeface="Consolas"/>
+              </a:rPr>
+              <a:t>&lt; Date: Wed, </a:t>
+            </a:r>
+            <a:r>
+              <a:rPr lang="en-US" sz="1200" dirty="0" smtClean="0">
+                <a:solidFill>
+                  <a:schemeClr val="bg1"/>
+                </a:solidFill>
+                <a:latin typeface="Consolas"/>
+                <a:cs typeface="Consolas"/>
+              </a:rPr>
+              <a:t>01 </a:t>
+            </a:r>
+            <a:r>
+              <a:rPr lang="en-US" sz="1200" dirty="0">
+                <a:solidFill>
+                  <a:schemeClr val="bg1"/>
+                </a:solidFill>
+                <a:latin typeface="Consolas"/>
+                <a:cs typeface="Consolas"/>
+              </a:rPr>
+              <a:t>Jan 2013 </a:t>
+            </a:r>
+            <a:r>
+              <a:rPr lang="en-US" sz="1200" dirty="0" smtClean="0">
+                <a:solidFill>
+                  <a:schemeClr val="bg1"/>
+                </a:solidFill>
+                <a:latin typeface="Consolas"/>
+                <a:cs typeface="Consolas"/>
+              </a:rPr>
+              <a:t>20:11:49 </a:t>
+            </a:r>
+            <a:r>
+              <a:rPr lang="en-US" sz="1200" dirty="0">
+                <a:solidFill>
+                  <a:schemeClr val="bg1"/>
+                </a:solidFill>
+                <a:latin typeface="Consolas"/>
+                <a:cs typeface="Consolas"/>
+              </a:rPr>
+              <a:t>GMT</a:t>
+            </a:r>
+          </a:p>
+          <a:p>
+            <a:r>
+              <a:rPr lang="en-US" sz="1200" dirty="0">
+                <a:solidFill>
+                  <a:schemeClr val="bg1"/>
+                </a:solidFill>
+                <a:latin typeface="Consolas"/>
+                <a:cs typeface="Consolas"/>
+              </a:rPr>
+              <a:t>&lt; Server</a:t>
+            </a:r>
+            <a:r>
+              <a:rPr lang="en-US" sz="1200">
+                <a:solidFill>
+                  <a:schemeClr val="bg1"/>
+                </a:solidFill>
+                <a:latin typeface="Consolas"/>
+                <a:cs typeface="Consolas"/>
+              </a:rPr>
+              <a:t>: </a:t>
+            </a:r>
+            <a:r>
+              <a:rPr lang="en-US" sz="1200">
+                <a:solidFill>
+                  <a:schemeClr val="bg1"/>
+                </a:solidFill>
+                <a:latin typeface="Consolas"/>
+                <a:cs typeface="Consolas"/>
+              </a:rPr>
+              <a:t>Apache/2.2.23</a:t>
+            </a:r>
+            <a:endParaRPr lang="en-US" sz="1200" dirty="0">
+              <a:solidFill>
+                <a:schemeClr val="bg1"/>
+              </a:solidFill>
+              <a:latin typeface="Consolas"/>
+              <a:cs typeface="Consolas"/>
+            </a:endParaRPr>
+          </a:p>
+          <a:p>
+            <a:r>
+              <a:rPr lang="en-US" sz="1200" dirty="0">
+                <a:solidFill>
+                  <a:schemeClr val="bg1"/>
+                </a:solidFill>
+                <a:latin typeface="Consolas"/>
+                <a:cs typeface="Consolas"/>
+              </a:rPr>
+              <a:t>&lt; Content-Type: application/</a:t>
+            </a:r>
+            <a:r>
+              <a:rPr lang="en-US" sz="1200" dirty="0" err="1">
+                <a:solidFill>
+                  <a:schemeClr val="bg1"/>
+                </a:solidFill>
+                <a:latin typeface="Consolas"/>
+                <a:cs typeface="Consolas"/>
+              </a:rPr>
+              <a:t>json;charset</a:t>
+            </a:r>
+            <a:r>
+              <a:rPr lang="en-US" sz="1200" dirty="0">
+                <a:solidFill>
+                  <a:schemeClr val="bg1"/>
+                </a:solidFill>
+                <a:latin typeface="Consolas"/>
+                <a:cs typeface="Consolas"/>
+              </a:rPr>
+              <a:t>=UTF-8</a:t>
+            </a:r>
+          </a:p>
+          <a:p>
+            <a:r>
+              <a:rPr lang="en-US" sz="1200" dirty="0">
+                <a:solidFill>
+                  <a:schemeClr val="bg1"/>
+                </a:solidFill>
+                <a:latin typeface="Consolas"/>
+                <a:cs typeface="Consolas"/>
+              </a:rPr>
+              <a:t>&lt; ......</a:t>
+            </a:r>
+          </a:p>
+          <a:p>
+            <a:endParaRPr lang="en-US" sz="1200" dirty="0">
+              <a:solidFill>
+                <a:schemeClr val="bg1"/>
+              </a:solidFill>
+              <a:latin typeface="Consolas"/>
+              <a:cs typeface="Consolas"/>
+            </a:endParaRPr>
+          </a:p>
+          <a:p>
+            <a:pPr marL="171450" indent="-171450">
+              <a:buFont typeface="Wingdings" charset="0"/>
+              <a:buChar char="Ø"/>
+            </a:pPr>
+            <a:endParaRPr lang="en-US" sz="1200" dirty="0">
+              <a:solidFill>
+                <a:schemeClr val="bg1"/>
+              </a:solidFill>
+              <a:latin typeface="Consolas"/>
+              <a:cs typeface="Consolas"/>
+            </a:endParaRPr>
+          </a:p>
+        </p:txBody>
+      </p:sp>
+      <p:pic>
+        <p:nvPicPr>
+          <p:cNvPr id="18" name="Picture 17"/>
+          <p:cNvPicPr>
+            <a:picLocks noChangeAspect="1"/>
+          </p:cNvPicPr>
+          <p:nvPr/>
+        </p:nvPicPr>
+        <p:blipFill>
+          <a:blip r:embed="rId3"/>
+          <a:stretch>
+            <a:fillRect/>
+          </a:stretch>
+        </p:blipFill>
+        <p:spPr>
+          <a:xfrm>
+            <a:off x="6919600" y="4838700"/>
+            <a:ext cx="961994" cy="921232"/>
+          </a:xfrm>
+          <a:prstGeom prst="rect">
+            <a:avLst/>
+          </a:prstGeom>
+        </p:spPr>
+      </p:pic>
+      <p:sp>
+        <p:nvSpPr>
+          <p:cNvPr id="19" name="TextBox 18"/>
+          <p:cNvSpPr txBox="1"/>
+          <p:nvPr/>
+        </p:nvSpPr>
+        <p:spPr>
+          <a:xfrm>
+            <a:off x="6527503" y="4337446"/>
+            <a:ext cx="1521984" cy="307777"/>
+          </a:xfrm>
+          <a:prstGeom prst="rect">
+            <a:avLst/>
+          </a:prstGeom>
+          <a:noFill/>
+        </p:spPr>
+        <p:txBody>
+          <a:bodyPr wrap="none" rtlCol="0">
+            <a:spAutoFit/>
+          </a:bodyPr>
+          <a:lstStyle/>
+          <a:p>
+            <a:r>
+              <a:rPr lang="en-US" sz="1400" dirty="0" err="1" smtClean="0"/>
+              <a:t>anotherhost.com</a:t>
+            </a:r>
+            <a:endParaRPr lang="en-US" sz="1400" dirty="0"/>
+          </a:p>
+        </p:txBody>
+      </p:sp>
+      <p:sp>
+        <p:nvSpPr>
+          <p:cNvPr id="21" name="Curved Left Arrow 20"/>
+          <p:cNvSpPr/>
+          <p:nvPr/>
+        </p:nvSpPr>
+        <p:spPr>
+          <a:xfrm>
+            <a:off x="6667011" y="4714334"/>
+            <a:ext cx="584200" cy="1302876"/>
+          </a:xfrm>
+          <a:prstGeom prst="curvedLeftArrow">
+            <a:avLst/>
+          </a:prstGeom>
+        </p:spPr>
+        <p:style>
+          <a:lnRef idx="1">
+            <a:schemeClr val="accent1"/>
+          </a:lnRef>
+          <a:fillRef idx="3">
+            <a:schemeClr val="accent1"/>
+          </a:fillRef>
+          <a:effectRef idx="2">
+            <a:schemeClr val="accent1"/>
+          </a:effectRef>
+          <a:fontRef idx="minor">
+            <a:schemeClr val="lt1"/>
+          </a:fontRef>
+        </p:style>
+        <p:txBody>
+          <a:bodyPr rtlCol="0" anchor="ctr"/>
+          <a:lstStyle/>
+          <a:p>
+            <a:pPr algn="ctr"/>
+            <a:endParaRPr lang="en-US">
+              <a:solidFill>
+                <a:schemeClr val="tx1"/>
+              </a:solidFill>
+            </a:endParaRPr>
+          </a:p>
+        </p:txBody>
+      </p:sp>
     </p:spTree>
     <p:extLst>
       <p:ext uri="{BB962C8B-B14F-4D97-AF65-F5344CB8AC3E}">
-        <p14:creationId xmlns:p14="http://schemas.microsoft.com/office/powerpoint/2010/main" val="3805536355"/>
+        <p14:creationId xmlns:p14="http://schemas.microsoft.com/office/powerpoint/2010/main" val="1916411446"/>
       </p:ext>
     </p:extLst>
   </p:cSld>
@@ -7756,14 +8612,12 @@
         </p:nvSpPr>
         <p:spPr/>
         <p:txBody>
-          <a:bodyPr>
-            <a:normAutofit fontScale="90000"/>
-          </a:bodyPr>
+          <a:bodyPr/>
           <a:lstStyle/>
           <a:p>
             <a:r>
               <a:rPr lang="en-US" dirty="0" smtClean="0"/>
-              <a:t>API’s for patient related information</a:t>
+              <a:t>HTTP overview</a:t>
             </a:r>
             <a:endParaRPr lang="en-US" dirty="0"/>
           </a:p>
@@ -7788,7 +8642,7 @@
           <a:p>
             <a:r>
               <a:rPr lang="en-US" dirty="0" smtClean="0"/>
-              <a:t>Introduction</a:t>
+              <a:t>Exercise 1</a:t>
             </a:r>
             <a:endParaRPr lang="en-US" dirty="0"/>
           </a:p>
@@ -7809,78 +8663,12 @@
           <a:bodyPr/>
           <a:lstStyle/>
           <a:p>
-            <a:r>
-              <a:rPr lang="en-US" sz="1800" dirty="0" smtClean="0"/>
-              <a:t>As opposed to the public API’s, not open data API’s</a:t>
-            </a:r>
-          </a:p>
-          <a:p>
-            <a:r>
-              <a:rPr lang="en-US" sz="1800" dirty="0" smtClean="0"/>
-              <a:t>Strong authentication of citizens</a:t>
-            </a:r>
-          </a:p>
-          <a:p>
-            <a:pPr lvl="1"/>
-            <a:r>
-              <a:rPr lang="en-US" sz="1800" dirty="0" smtClean="0"/>
-              <a:t>Demand from </a:t>
-            </a:r>
-            <a:r>
-              <a:rPr lang="en-US" sz="1800" dirty="0" err="1" smtClean="0"/>
-              <a:t>Datainspektionen</a:t>
-            </a:r>
-            <a:endParaRPr lang="en-US" sz="1800" dirty="0" smtClean="0"/>
-          </a:p>
-          <a:p>
-            <a:pPr lvl="1"/>
-            <a:r>
-              <a:rPr lang="en-US" sz="1800" dirty="0" smtClean="0"/>
-              <a:t>2 factor</a:t>
-            </a:r>
-          </a:p>
-          <a:p>
-            <a:r>
-              <a:rPr lang="en-US" sz="1800" dirty="0" smtClean="0"/>
-              <a:t>Strong authentication of API clients</a:t>
-            </a:r>
-          </a:p>
-          <a:p>
-            <a:pPr lvl="1"/>
-            <a:r>
-              <a:rPr lang="en-US" sz="1800" dirty="0" smtClean="0"/>
-              <a:t>SSL/TLS certificate issued by trusted CA</a:t>
-            </a:r>
-          </a:p>
-          <a:p>
-            <a:pPr lvl="1"/>
-            <a:r>
-              <a:rPr lang="en-US" sz="1800" dirty="0" smtClean="0"/>
-              <a:t>Mutual </a:t>
-            </a:r>
-            <a:r>
-              <a:rPr lang="en-US" sz="1800" dirty="0" err="1" smtClean="0"/>
-              <a:t>authenticaton</a:t>
-            </a:r>
-            <a:endParaRPr lang="en-US" sz="1800" dirty="0" smtClean="0"/>
-          </a:p>
-          <a:p>
-            <a:r>
-              <a:rPr lang="en-US" sz="1800" dirty="0" smtClean="0"/>
-              <a:t>Strict authorization control</a:t>
-            </a:r>
-          </a:p>
-          <a:p>
-            <a:pPr lvl="1"/>
-            <a:r>
-              <a:rPr lang="en-US" sz="1600" dirty="0" smtClean="0"/>
-              <a:t>Citizen approved </a:t>
-            </a:r>
-          </a:p>
-          <a:p>
-            <a:r>
-              <a:rPr lang="en-US" sz="1800" dirty="0" smtClean="0"/>
-              <a:t>So what’s the problem???</a:t>
+            <a:pPr marL="0" indent="0">
+              <a:buNone/>
+            </a:pPr>
+            <a:r>
+              <a:rPr lang="en-US" dirty="0" smtClean="0"/>
+              <a:t>Use Curl to make http requests against public data API</a:t>
             </a:r>
           </a:p>
         </p:txBody>
@@ -7917,7 +8705,7 @@
     </p:spTree>
     <p:extLst>
       <p:ext uri="{BB962C8B-B14F-4D97-AF65-F5344CB8AC3E}">
-        <p14:creationId xmlns:p14="http://schemas.microsoft.com/office/powerpoint/2010/main" val="910791665"/>
+        <p14:creationId xmlns:p14="http://schemas.microsoft.com/office/powerpoint/2010/main" val="3805536355"/>
       </p:ext>
     </p:extLst>
   </p:cSld>
@@ -7969,9 +8757,10 @@
           <a:lstStyle/>
           <a:p>
             <a:r>
-              <a:rPr lang="en-US" dirty="0"/>
+              <a:rPr lang="en-US" dirty="0" smtClean="0"/>
               <a:t>API’s for patient related information</a:t>
             </a:r>
+            <a:endParaRPr lang="en-US" dirty="0"/>
           </a:p>
         </p:txBody>
       </p:sp>
@@ -7994,7 +8783,7 @@
           <a:p>
             <a:r>
               <a:rPr lang="en-US" dirty="0" smtClean="0"/>
-              <a:t>The problem</a:t>
+              <a:t>Introduction</a:t>
             </a:r>
             <a:endParaRPr lang="en-US" dirty="0"/>
           </a:p>
@@ -8010,21 +8799,84 @@
             <p:ph type="body" sz="quarter" idx="13"/>
           </p:nvPr>
         </p:nvSpPr>
-        <p:spPr>
-          <a:ln w="38100" cmpd="sng">
-            <a:solidFill>
-              <a:srgbClr val="4F81BD"/>
-            </a:solidFill>
-          </a:ln>
-        </p:spPr>
+        <p:spPr/>
         <p:txBody>
           <a:bodyPr/>
           <a:lstStyle/>
           <a:p>
-            <a:pPr marL="0" indent="0">
-              <a:buNone/>
-            </a:pPr>
-            <a:endParaRPr lang="en-US" sz="1400" dirty="0"/>
+            <a:r>
+              <a:rPr lang="en-US" sz="1800" dirty="0" smtClean="0"/>
+              <a:t>As opposed to the public API’s, not open data API’s</a:t>
+            </a:r>
+          </a:p>
+          <a:p>
+            <a:r>
+              <a:rPr lang="en-US" sz="1800" dirty="0" smtClean="0"/>
+              <a:t>Strong authentication of citizens</a:t>
+            </a:r>
+          </a:p>
+          <a:p>
+            <a:pPr lvl="1"/>
+            <a:r>
+              <a:rPr lang="en-US" sz="1800" dirty="0" smtClean="0"/>
+              <a:t>Demand from </a:t>
+            </a:r>
+            <a:r>
+              <a:rPr lang="en-US" sz="1800" dirty="0" err="1" smtClean="0"/>
+              <a:t>Datainspektionen</a:t>
+            </a:r>
+            <a:endParaRPr lang="en-US" sz="1800" dirty="0" smtClean="0"/>
+          </a:p>
+          <a:p>
+            <a:pPr lvl="1"/>
+            <a:r>
+              <a:rPr lang="en-US" sz="1800" dirty="0" smtClean="0"/>
+              <a:t>2 factor</a:t>
+            </a:r>
+          </a:p>
+          <a:p>
+            <a:r>
+              <a:rPr lang="en-US" sz="1800" dirty="0" smtClean="0"/>
+              <a:t>Strong authentication of API clients</a:t>
+            </a:r>
+          </a:p>
+          <a:p>
+            <a:pPr lvl="1"/>
+            <a:r>
+              <a:rPr lang="en-US" sz="1800" dirty="0" smtClean="0"/>
+              <a:t>SSL/TLS certificate issued by trusted CA</a:t>
+            </a:r>
+          </a:p>
+          <a:p>
+            <a:pPr lvl="1"/>
+            <a:r>
+              <a:rPr lang="en-US" sz="1800" dirty="0" smtClean="0"/>
+              <a:t>Mutual </a:t>
+            </a:r>
+            <a:r>
+              <a:rPr lang="en-US" sz="1800" dirty="0" err="1" smtClean="0"/>
+              <a:t>authenticaton</a:t>
+            </a:r>
+            <a:endParaRPr lang="en-US" sz="1800" dirty="0" smtClean="0"/>
+          </a:p>
+          <a:p>
+            <a:r>
+              <a:rPr lang="en-US" sz="1800" dirty="0" smtClean="0"/>
+              <a:t>Strict authorization control</a:t>
+            </a:r>
+          </a:p>
+          <a:p>
+            <a:pPr lvl="1"/>
+            <a:r>
+              <a:rPr lang="en-US" sz="1600" dirty="0" smtClean="0"/>
+              <a:t>Citizen approved </a:t>
+            </a:r>
+          </a:p>
+          <a:p>
+            <a:r>
+              <a:rPr lang="en-US" sz="1800" dirty="0" smtClean="0"/>
+              <a:t>So what’s the problem???</a:t>
+            </a:r>
           </a:p>
         </p:txBody>
       </p:sp>
@@ -8052,6 +8904,149 @@
                 <a:defRPr/>
               </a:pPr>
               <a:t>13</a:t>
+            </a:fld>
+            <a:endParaRPr lang="sv-SE"/>
+          </a:p>
+        </p:txBody>
+      </p:sp>
+    </p:spTree>
+    <p:extLst>
+      <p:ext uri="{BB962C8B-B14F-4D97-AF65-F5344CB8AC3E}">
+        <p14:creationId xmlns:p14="http://schemas.microsoft.com/office/powerpoint/2010/main" val="910791665"/>
+      </p:ext>
+    </p:extLst>
+  </p:cSld>
+  <p:clrMapOvr>
+    <a:masterClrMapping/>
+  </p:clrMapOvr>
+  <p:timing>
+    <p:tnLst>
+      <p:par>
+        <p:cTn xmlns:p14="http://schemas.microsoft.com/office/powerpoint/2010/main" id="1" dur="indefinite" restart="never" nodeType="tmRoot"/>
+      </p:par>
+    </p:tnLst>
+  </p:timing>
+</p:sld>
+</file>
+
+<file path=ppt/slides/slide14.xml><?xml version="1.0" encoding="utf-8"?>
+<p:sld xmlns:a="http://schemas.openxmlformats.org/drawingml/2006/main" xmlns:r="http://schemas.openxmlformats.org/officeDocument/2006/relationships" xmlns:p="http://schemas.openxmlformats.org/presentationml/2006/main">
+  <p:cSld>
+    <p:spTree>
+      <p:nvGrpSpPr>
+        <p:cNvPr id="1" name=""/>
+        <p:cNvGrpSpPr/>
+        <p:nvPr/>
+      </p:nvGrpSpPr>
+      <p:grpSpPr>
+        <a:xfrm>
+          <a:off x="0" y="0"/>
+          <a:ext cx="0" cy="0"/>
+          <a:chOff x="0" y="0"/>
+          <a:chExt cx="0" cy="0"/>
+        </a:xfrm>
+      </p:grpSpPr>
+      <p:sp>
+        <p:nvSpPr>
+          <p:cNvPr id="2" name="Title 1"/>
+          <p:cNvSpPr>
+            <a:spLocks noGrp="1"/>
+          </p:cNvSpPr>
+          <p:nvPr>
+            <p:ph type="ctrTitle"/>
+          </p:nvPr>
+        </p:nvSpPr>
+        <p:spPr/>
+        <p:txBody>
+          <a:bodyPr>
+            <a:normAutofit fontScale="90000"/>
+          </a:bodyPr>
+          <a:lstStyle/>
+          <a:p>
+            <a:r>
+              <a:rPr lang="en-US" dirty="0"/>
+              <a:t>API’s for patient related information</a:t>
+            </a:r>
+          </a:p>
+        </p:txBody>
+      </p:sp>
+      <p:sp>
+        <p:nvSpPr>
+          <p:cNvPr id="3" name="Subtitle 2"/>
+          <p:cNvSpPr>
+            <a:spLocks noGrp="1"/>
+          </p:cNvSpPr>
+          <p:nvPr>
+            <p:ph type="subTitle" idx="1"/>
+          </p:nvPr>
+        </p:nvSpPr>
+        <p:spPr/>
+        <p:txBody>
+          <a:bodyPr>
+            <a:normAutofit fontScale="92500" lnSpcReduction="10000"/>
+          </a:bodyPr>
+          <a:lstStyle/>
+          <a:p>
+            <a:r>
+              <a:rPr lang="en-US" dirty="0" smtClean="0"/>
+              <a:t>The problem</a:t>
+            </a:r>
+            <a:endParaRPr lang="en-US" dirty="0"/>
+          </a:p>
+        </p:txBody>
+      </p:sp>
+      <p:sp>
+        <p:nvSpPr>
+          <p:cNvPr id="4" name="Text Placeholder 3"/>
+          <p:cNvSpPr>
+            <a:spLocks noGrp="1"/>
+          </p:cNvSpPr>
+          <p:nvPr>
+            <p:ph type="body" sz="quarter" idx="13"/>
+          </p:nvPr>
+        </p:nvSpPr>
+        <p:spPr>
+          <a:ln w="38100" cmpd="sng">
+            <a:solidFill>
+              <a:srgbClr val="4F81BD"/>
+            </a:solidFill>
+          </a:ln>
+        </p:spPr>
+        <p:txBody>
+          <a:bodyPr/>
+          <a:lstStyle/>
+          <a:p>
+            <a:pPr marL="0" indent="0">
+              <a:buNone/>
+            </a:pPr>
+            <a:endParaRPr lang="en-US" sz="1400" dirty="0"/>
+          </a:p>
+        </p:txBody>
+      </p:sp>
+      <p:sp>
+        <p:nvSpPr>
+          <p:cNvPr id="5" name="Slide Number Placeholder 4"/>
+          <p:cNvSpPr>
+            <a:spLocks noGrp="1"/>
+          </p:cNvSpPr>
+          <p:nvPr>
+            <p:ph type="sldNum" sz="quarter" idx="14"/>
+          </p:nvPr>
+        </p:nvSpPr>
+        <p:spPr/>
+        <p:txBody>
+          <a:bodyPr/>
+          <a:lstStyle/>
+          <a:p>
+            <a:pPr>
+              <a:defRPr/>
+            </a:pPr>
+            <a:fld id="{4AA01602-B999-AA4E-80A6-B21CED3A9C3C}" type="slidenum">
+              <a:rPr lang="sv-SE" smtClean="0"/>
+              <a:pPr>
+                <a:defRPr/>
+              </a:pPr>
+              <a:t>14</a:t>
             </a:fld>
             <a:endParaRPr lang="sv-SE"/>
           </a:p>
@@ -8753,7 +9748,7 @@
 </p:sld>
 </file>
 
-<file path=ppt/slides/slide14.xml><?xml version="1.0" encoding="utf-8"?>
+<file path=ppt/slides/slide15.xml><?xml version="1.0" encoding="utf-8"?>
 <p:sld xmlns:a="http://schemas.openxmlformats.org/drawingml/2006/main" xmlns:r="http://schemas.openxmlformats.org/officeDocument/2006/relationships" xmlns:p="http://schemas.openxmlformats.org/presentationml/2006/main">
   <p:cSld>
     <p:spTree>
@@ -8911,7 +9906,7 @@
               <a:pPr>
                 <a:defRPr/>
               </a:pPr>
-              <a:t>14</a:t>
+              <a:t>15</a:t>
             </a:fld>
             <a:endParaRPr lang="sv-SE"/>
           </a:p>
@@ -8937,7 +9932,7 @@
 </p:sld>
 </file>
 
-<file path=ppt/slides/slide15.xml><?xml version="1.0" encoding="utf-8"?>
+<file path=ppt/slides/slide16.xml><?xml version="1.0" encoding="utf-8"?>
 <p:sld xmlns:a="http://schemas.openxmlformats.org/drawingml/2006/main" xmlns:r="http://schemas.openxmlformats.org/officeDocument/2006/relationships" xmlns:p="http://schemas.openxmlformats.org/presentationml/2006/main">
   <p:cSld>
     <p:spTree>
@@ -9052,7 +10047,7 @@
               <a:pPr>
                 <a:defRPr/>
               </a:pPr>
-              <a:t>15</a:t>
+              <a:t>16</a:t>
             </a:fld>
             <a:endParaRPr lang="sv-SE"/>
           </a:p>
@@ -9489,7 +10484,7 @@
 </p:sld>
 </file>
 
-<file path=ppt/slides/slide16.xml><?xml version="1.0" encoding="utf-8"?>
+<file path=ppt/slides/slide17.xml><?xml version="1.0" encoding="utf-8"?>
 <p:sld xmlns:a="http://schemas.openxmlformats.org/drawingml/2006/main" xmlns:r="http://schemas.openxmlformats.org/officeDocument/2006/relationships" xmlns:p="http://schemas.openxmlformats.org/presentationml/2006/main">
   <p:cSld>
     <p:spTree>
@@ -9604,7 +10599,7 @@
               <a:pPr>
                 <a:defRPr/>
               </a:pPr>
-              <a:t>16</a:t>
+              <a:t>17</a:t>
             </a:fld>
             <a:endParaRPr lang="sv-SE"/>
           </a:p>
@@ -9660,7 +10655,7 @@
 </p:sld>
 </file>
 
-<file path=ppt/slides/slide17.xml><?xml version="1.0" encoding="utf-8"?>
+<file path=ppt/slides/slide18.xml><?xml version="1.0" encoding="utf-8"?>
 <p:sld xmlns:a="http://schemas.openxmlformats.org/drawingml/2006/main" xmlns:r="http://schemas.openxmlformats.org/officeDocument/2006/relationships" xmlns:p="http://schemas.openxmlformats.org/presentationml/2006/main">
   <p:cSld>
     <p:spTree>
@@ -9789,7 +10784,7 @@
               <a:pPr>
                 <a:defRPr/>
               </a:pPr>
-              <a:t>17</a:t>
+              <a:t>18</a:t>
             </a:fld>
             <a:endParaRPr lang="sv-SE"/>
           </a:p>
@@ -9815,7 +10810,7 @@
 </p:sld>
 </file>
 
-<file path=ppt/slides/slide18.xml><?xml version="1.0" encoding="utf-8"?>
+<file path=ppt/slides/slide19.xml><?xml version="1.0" encoding="utf-8"?>
 <p:sld xmlns:a="http://schemas.openxmlformats.org/drawingml/2006/main" xmlns:r="http://schemas.openxmlformats.org/officeDocument/2006/relationships" xmlns:p="http://schemas.openxmlformats.org/presentationml/2006/main">
   <p:cSld>
     <p:spTree>
@@ -9918,7 +10913,7 @@
               <a:pPr>
                 <a:defRPr/>
               </a:pPr>
-              <a:t>18</a:t>
+              <a:t>19</a:t>
             </a:fld>
             <a:endParaRPr lang="sv-SE"/>
           </a:p>
@@ -9974,159 +10969,6 @@
 </p:sld>
 </file>
 
-<file path=ppt/slides/slide19.xml><?xml version="1.0" encoding="utf-8"?>
-<p:sld xmlns:a="http://schemas.openxmlformats.org/drawingml/2006/main" xmlns:r="http://schemas.openxmlformats.org/officeDocument/2006/relationships" xmlns:p="http://schemas.openxmlformats.org/presentationml/2006/main">
-  <p:cSld>
-    <p:spTree>
-      <p:nvGrpSpPr>
-        <p:cNvPr id="1" name=""/>
-        <p:cNvGrpSpPr/>
-        <p:nvPr/>
-      </p:nvGrpSpPr>
-      <p:grpSpPr>
-        <a:xfrm>
-          <a:off x="0" y="0"/>
-          <a:ext cx="0" cy="0"/>
-          <a:chOff x="0" y="0"/>
-          <a:chExt cx="0" cy="0"/>
-        </a:xfrm>
-      </p:grpSpPr>
-      <p:sp>
-        <p:nvSpPr>
-          <p:cNvPr id="2" name="Title 1"/>
-          <p:cNvSpPr>
-            <a:spLocks noGrp="1"/>
-          </p:cNvSpPr>
-          <p:nvPr>
-            <p:ph type="ctrTitle"/>
-          </p:nvPr>
-        </p:nvSpPr>
-        <p:spPr/>
-        <p:txBody>
-          <a:bodyPr/>
-          <a:lstStyle/>
-          <a:p>
-            <a:r>
-              <a:rPr lang="en-US" dirty="0" smtClean="0"/>
-              <a:t>Backend</a:t>
-            </a:r>
-            <a:endParaRPr lang="en-US" dirty="0"/>
-          </a:p>
-        </p:txBody>
-      </p:sp>
-      <p:sp>
-        <p:nvSpPr>
-          <p:cNvPr id="3" name="Subtitle 2"/>
-          <p:cNvSpPr>
-            <a:spLocks noGrp="1"/>
-          </p:cNvSpPr>
-          <p:nvPr>
-            <p:ph type="subTitle" idx="1"/>
-          </p:nvPr>
-        </p:nvSpPr>
-        <p:spPr/>
-        <p:txBody>
-          <a:bodyPr>
-            <a:normAutofit fontScale="92500" lnSpcReduction="10000"/>
-          </a:bodyPr>
-          <a:lstStyle/>
-          <a:p>
-            <a:r>
-              <a:rPr lang="en-US" dirty="0" smtClean="0"/>
-              <a:t>Exercise </a:t>
-            </a:r>
-            <a:r>
-              <a:rPr lang="en-US" dirty="0"/>
-              <a:t>4</a:t>
-            </a:r>
-          </a:p>
-        </p:txBody>
-      </p:sp>
-      <p:sp>
-        <p:nvSpPr>
-          <p:cNvPr id="4" name="Text Placeholder 3"/>
-          <p:cNvSpPr>
-            <a:spLocks noGrp="1"/>
-          </p:cNvSpPr>
-          <p:nvPr>
-            <p:ph type="body" sz="quarter" idx="13"/>
-          </p:nvPr>
-        </p:nvSpPr>
-        <p:spPr/>
-        <p:txBody>
-          <a:bodyPr/>
-          <a:lstStyle/>
-          <a:p>
-            <a:pPr marL="0" indent="0">
-              <a:buNone/>
-            </a:pPr>
-            <a:r>
-              <a:rPr lang="en-US" dirty="0" smtClean="0"/>
-              <a:t>Build the app backend to handle the </a:t>
-            </a:r>
-            <a:r>
-              <a:rPr lang="en-US" dirty="0" err="1" smtClean="0"/>
-              <a:t>OAuth</a:t>
-            </a:r>
-            <a:r>
-              <a:rPr lang="en-US" dirty="0" smtClean="0"/>
-              <a:t> 2.0 integration with SDK and to provide an API for the app. </a:t>
-            </a:r>
-          </a:p>
-          <a:p>
-            <a:endParaRPr lang="en-US" dirty="0" smtClean="0"/>
-          </a:p>
-        </p:txBody>
-      </p:sp>
-      <p:sp>
-        <p:nvSpPr>
-          <p:cNvPr id="5" name="Slide Number Placeholder 4"/>
-          <p:cNvSpPr>
-            <a:spLocks noGrp="1"/>
-          </p:cNvSpPr>
-          <p:nvPr>
-            <p:ph type="sldNum" sz="quarter" idx="14"/>
-          </p:nvPr>
-        </p:nvSpPr>
-        <p:spPr/>
-        <p:txBody>
-          <a:bodyPr/>
-          <a:lstStyle/>
-          <a:p>
-            <a:pPr>
-              <a:defRPr/>
-            </a:pPr>
-            <a:fld id="{4AA01602-B999-AA4E-80A6-B21CED3A9C3C}" type="slidenum">
-              <a:rPr lang="sv-SE" smtClean="0"/>
-              <a:pPr>
-                <a:defRPr/>
-              </a:pPr>
-              <a:t>19</a:t>
-            </a:fld>
-            <a:endParaRPr lang="sv-SE"/>
-          </a:p>
-        </p:txBody>
-      </p:sp>
-    </p:spTree>
-    <p:extLst>
-      <p:ext uri="{BB962C8B-B14F-4D97-AF65-F5344CB8AC3E}">
-        <p14:creationId xmlns:p14="http://schemas.microsoft.com/office/powerpoint/2010/main" val="3668199394"/>
-      </p:ext>
-    </p:extLst>
-  </p:cSld>
-  <p:clrMapOvr>
-    <a:masterClrMapping/>
-  </p:clrMapOvr>
-  <p:timing>
-    <p:tnLst>
-      <p:par>
-        <p:cTn xmlns:p14="http://schemas.microsoft.com/office/powerpoint/2010/main" id="1" dur="indefinite" restart="never" nodeType="tmRoot"/>
-      </p:par>
-    </p:tnLst>
-  </p:timing>
-</p:sld>
-</file>
-
 <file path=ppt/slides/slide2.xml><?xml version="1.0" encoding="utf-8"?>
 <p:sld xmlns:a="http://schemas.openxmlformats.org/drawingml/2006/main" xmlns:r="http://schemas.openxmlformats.org/officeDocument/2006/relationships" xmlns:p="http://schemas.openxmlformats.org/presentationml/2006/main">
   <p:cSld>
@@ -10300,7 +11142,7 @@
           <a:p>
             <a:r>
               <a:rPr lang="en-US" dirty="0" smtClean="0"/>
-              <a:t>Frontend</a:t>
+              <a:t>Backend</a:t>
             </a:r>
             <a:endParaRPr lang="en-US" dirty="0"/>
           </a:p>
@@ -10323,7 +11165,14 @@
           </a:bodyPr>
           <a:lstStyle/>
           <a:p>
-            <a:endParaRPr lang="en-US" dirty="0"/>
+            <a:r>
+              <a:rPr lang="en-US" dirty="0" smtClean="0"/>
+              <a:t>Exercise </a:t>
+            </a:r>
+            <a:r>
+              <a:rPr lang="en-US" dirty="0"/>
+              <a:t>4</a:t>
+            </a:r>
           </a:p>
         </p:txBody>
       </p:sp>
@@ -10347,20 +11196,19 @@
             </a:pPr>
             <a:r>
               <a:rPr lang="en-US" dirty="0" smtClean="0"/>
-              <a:t>Frontend technologies</a:t>
-            </a:r>
-          </a:p>
-          <a:p>
+              <a:t>Build the app backend to handle the </a:t>
+            </a:r>
+            <a:r>
+              <a:rPr lang="en-US" dirty="0" err="1" smtClean="0"/>
+              <a:t>OAuth</a:t>
+            </a:r>
             <a:r>
               <a:rPr lang="en-US" dirty="0" smtClean="0"/>
-              <a:t>What’s happening on the frontend</a:t>
-            </a:r>
-          </a:p>
-          <a:p>
-            <a:r>
-              <a:rPr lang="en-US" dirty="0" smtClean="0"/>
-              <a:t>Short intro to Backbone</a:t>
-            </a:r>
+              <a:t> 2.0 integration with SDK and to provide an API for the app. </a:t>
+            </a:r>
+          </a:p>
+          <a:p>
+            <a:endParaRPr lang="en-US" dirty="0" smtClean="0"/>
           </a:p>
         </p:txBody>
       </p:sp>
@@ -10396,7 +11244,7 @@
     </p:spTree>
     <p:extLst>
       <p:ext uri="{BB962C8B-B14F-4D97-AF65-F5344CB8AC3E}">
-        <p14:creationId xmlns:p14="http://schemas.microsoft.com/office/powerpoint/2010/main" val="3753766513"/>
+        <p14:creationId xmlns:p14="http://schemas.microsoft.com/office/powerpoint/2010/main" val="3668199394"/>
       </p:ext>
     </p:extLst>
   </p:cSld>
@@ -10470,14 +11318,7 @@
           </a:bodyPr>
           <a:lstStyle/>
           <a:p>
-            <a:r>
-              <a:rPr lang="en-US" dirty="0" smtClean="0"/>
-              <a:t>Exercise </a:t>
-            </a:r>
-            <a:r>
-              <a:rPr lang="en-US" dirty="0"/>
-              <a:t>5</a:t>
-            </a:r>
+            <a:endParaRPr lang="en-US" dirty="0"/>
           </a:p>
         </p:txBody>
       </p:sp>
@@ -10501,17 +11342,20 @@
             </a:pPr>
             <a:r>
               <a:rPr lang="en-US" dirty="0" smtClean="0"/>
-              <a:t>Build a simple client that use the API provided by the backend. </a:t>
+              <a:t>Frontend technologies</a:t>
             </a:r>
           </a:p>
           <a:p>
             <a:r>
               <a:rPr lang="en-US" dirty="0" smtClean="0"/>
-              <a:t>Login user to create a session</a:t>
-            </a:r>
-          </a:p>
-          <a:p>
-            <a:endParaRPr lang="en-US" dirty="0" smtClean="0"/>
+              <a:t>What’s happening on the frontend</a:t>
+            </a:r>
+          </a:p>
+          <a:p>
+            <a:r>
+              <a:rPr lang="en-US" dirty="0" smtClean="0"/>
+              <a:t>Short intro to Backbone</a:t>
+            </a:r>
           </a:p>
         </p:txBody>
       </p:sp>
@@ -10547,7 +11391,7 @@
     </p:spTree>
     <p:extLst>
       <p:ext uri="{BB962C8B-B14F-4D97-AF65-F5344CB8AC3E}">
-        <p14:creationId xmlns:p14="http://schemas.microsoft.com/office/powerpoint/2010/main" val="3598812586"/>
+        <p14:creationId xmlns:p14="http://schemas.microsoft.com/office/powerpoint/2010/main" val="3753766513"/>
       </p:ext>
     </p:extLst>
   </p:cSld>
@@ -10598,7 +11442,7 @@
           <a:p>
             <a:r>
               <a:rPr lang="en-US" dirty="0" smtClean="0"/>
-              <a:t>Links</a:t>
+              <a:t>Frontend</a:t>
             </a:r>
             <a:endParaRPr lang="en-US" dirty="0"/>
           </a:p>
@@ -10621,7 +11465,14 @@
           </a:bodyPr>
           <a:lstStyle/>
           <a:p>
-            <a:endParaRPr lang="en-US"/>
+            <a:r>
+              <a:rPr lang="en-US" dirty="0" smtClean="0"/>
+              <a:t>Exercise </a:t>
+            </a:r>
+            <a:r>
+              <a:rPr lang="en-US" dirty="0"/>
+              <a:t>5</a:t>
+            </a:r>
           </a:p>
         </p:txBody>
       </p:sp>
@@ -10643,137 +11494,19 @@
             <a:pPr marL="0" indent="0">
               <a:buNone/>
             </a:pPr>
-            <a:endParaRPr lang="en-US" sz="1800" dirty="0" smtClean="0">
-              <a:hlinkClick r:id="rId2"/>
-            </a:endParaRPr>
-          </a:p>
-          <a:p>
-            <a:pPr marL="0" indent="0">
-              <a:buNone/>
-            </a:pPr>
-            <a:r>
-              <a:rPr lang="en-US" sz="1800" dirty="0"/>
-              <a:t>http://</a:t>
-            </a:r>
-            <a:r>
-              <a:rPr lang="en-US" sz="1800" dirty="0" err="1"/>
-              <a:t>www.vinnova.se</a:t>
-            </a:r>
-            <a:r>
-              <a:rPr lang="en-US" sz="1800" dirty="0" smtClean="0"/>
-              <a:t>/</a:t>
-            </a:r>
-            <a:endParaRPr lang="en-US" sz="1800" dirty="0" smtClean="0">
-              <a:hlinkClick r:id="rId2"/>
-            </a:endParaRPr>
-          </a:p>
-          <a:p>
-            <a:pPr marL="0" indent="0">
-              <a:buNone/>
-            </a:pPr>
-            <a:r>
-              <a:rPr lang="en-US" sz="1800" dirty="0">
-                <a:hlinkClick r:id="rId2"/>
-              </a:rPr>
-              <a:t>http://sdk.minavardkontakter.se</a:t>
-            </a:r>
-            <a:r>
-              <a:rPr lang="en-US" sz="1800" dirty="0" smtClean="0">
-                <a:hlinkClick r:id="rId2"/>
-              </a:rPr>
-              <a:t>/</a:t>
-            </a:r>
-          </a:p>
-          <a:p>
-            <a:pPr marL="0" indent="0">
-              <a:buNone/>
-            </a:pPr>
-            <a:r>
-              <a:rPr lang="en-US" sz="1800" dirty="0">
-                <a:hlinkClick r:id="rId2"/>
-              </a:rPr>
-              <a:t>http://oauth.net/2</a:t>
-            </a:r>
-            <a:r>
-              <a:rPr lang="en-US" sz="1800" dirty="0" smtClean="0">
-                <a:hlinkClick r:id="rId2"/>
-              </a:rPr>
-              <a:t>/</a:t>
-            </a:r>
-          </a:p>
-          <a:p>
-            <a:pPr marL="0" indent="0">
-              <a:buNone/>
-            </a:pPr>
-            <a:r>
-              <a:rPr lang="en-US" sz="1800" dirty="0">
-                <a:hlinkClick r:id="rId2"/>
-              </a:rPr>
-              <a:t>http://tools.ietf.org/html/draft-ietf-oauth-v2-31</a:t>
-            </a:r>
-            <a:endParaRPr lang="en-US" sz="1800" dirty="0" smtClean="0">
-              <a:hlinkClick r:id="rId2"/>
-            </a:endParaRPr>
-          </a:p>
-          <a:p>
-            <a:pPr marL="0" indent="0">
-              <a:buNone/>
-            </a:pPr>
-            <a:r>
-              <a:rPr lang="en-US" sz="1800" dirty="0" smtClean="0">
-                <a:hlinkClick r:id="rId2"/>
-              </a:rPr>
-              <a:t>https</a:t>
-            </a:r>
-            <a:r>
-              <a:rPr lang="en-US" sz="1800" dirty="0">
-                <a:hlinkClick r:id="rId2"/>
-              </a:rPr>
-              <a:t>://developers.google.com/accounts/docs/</a:t>
-            </a:r>
-            <a:r>
-              <a:rPr lang="en-US" sz="1800" dirty="0" smtClean="0">
-                <a:hlinkClick r:id="rId2"/>
-              </a:rPr>
-              <a:t>OAuth2</a:t>
-            </a:r>
-            <a:endParaRPr lang="en-US" sz="1800" dirty="0" smtClean="0"/>
-          </a:p>
-          <a:p>
-            <a:pPr marL="0" indent="0">
-              <a:buNone/>
-            </a:pPr>
-            <a:r>
-              <a:rPr lang="en-US" sz="1800" dirty="0">
-                <a:hlinkClick r:id="rId3"/>
-              </a:rPr>
-              <a:t>https://developers.facebook.com/docs/reference/dialogs/oauth</a:t>
-            </a:r>
-            <a:r>
-              <a:rPr lang="en-US" sz="1800" dirty="0" smtClean="0">
-                <a:hlinkClick r:id="rId3"/>
-              </a:rPr>
-              <a:t>/</a:t>
-            </a:r>
-            <a:endParaRPr lang="en-US" sz="1800" dirty="0" smtClean="0"/>
-          </a:p>
-          <a:p>
-            <a:pPr marL="0" indent="0">
-              <a:buNone/>
-            </a:pPr>
-            <a:endParaRPr lang="en-US" sz="1800" dirty="0" smtClean="0"/>
-          </a:p>
-          <a:p>
-            <a:pPr marL="0" indent="0">
-              <a:buNone/>
-            </a:pPr>
-            <a:endParaRPr lang="en-US" sz="1800" dirty="0"/>
-          </a:p>
-          <a:p>
-            <a:pPr marL="0" indent="0">
-              <a:buNone/>
-            </a:pPr>
-            <a:endParaRPr lang="en-US" sz="1800" dirty="0"/>
+            <a:r>
+              <a:rPr lang="en-US" dirty="0" smtClean="0"/>
+              <a:t>Build a simple client that use the API provided by the backend. </a:t>
+            </a:r>
+          </a:p>
+          <a:p>
+            <a:r>
+              <a:rPr lang="en-US" dirty="0" smtClean="0"/>
+              <a:t>Login user to create a session</a:t>
+            </a:r>
+          </a:p>
+          <a:p>
+            <a:endParaRPr lang="en-US" dirty="0" smtClean="0"/>
           </a:p>
         </p:txBody>
       </p:sp>
@@ -10801,6 +11534,268 @@
                 <a:defRPr/>
               </a:pPr>
               <a:t>22</a:t>
+            </a:fld>
+            <a:endParaRPr lang="sv-SE"/>
+          </a:p>
+        </p:txBody>
+      </p:sp>
+    </p:spTree>
+    <p:extLst>
+      <p:ext uri="{BB962C8B-B14F-4D97-AF65-F5344CB8AC3E}">
+        <p14:creationId xmlns:p14="http://schemas.microsoft.com/office/powerpoint/2010/main" val="3598812586"/>
+      </p:ext>
+    </p:extLst>
+  </p:cSld>
+  <p:clrMapOvr>
+    <a:masterClrMapping/>
+  </p:clrMapOvr>
+  <p:timing>
+    <p:tnLst>
+      <p:par>
+        <p:cTn xmlns:p14="http://schemas.microsoft.com/office/powerpoint/2010/main" id="1" dur="indefinite" restart="never" nodeType="tmRoot"/>
+      </p:par>
+    </p:tnLst>
+  </p:timing>
+</p:sld>
+</file>
+
+<file path=ppt/slides/slide23.xml><?xml version="1.0" encoding="utf-8"?>
+<p:sld xmlns:a="http://schemas.openxmlformats.org/drawingml/2006/main" xmlns:r="http://schemas.openxmlformats.org/officeDocument/2006/relationships" xmlns:p="http://schemas.openxmlformats.org/presentationml/2006/main">
+  <p:cSld>
+    <p:spTree>
+      <p:nvGrpSpPr>
+        <p:cNvPr id="1" name=""/>
+        <p:cNvGrpSpPr/>
+        <p:nvPr/>
+      </p:nvGrpSpPr>
+      <p:grpSpPr>
+        <a:xfrm>
+          <a:off x="0" y="0"/>
+          <a:ext cx="0" cy="0"/>
+          <a:chOff x="0" y="0"/>
+          <a:chExt cx="0" cy="0"/>
+        </a:xfrm>
+      </p:grpSpPr>
+      <p:sp>
+        <p:nvSpPr>
+          <p:cNvPr id="2" name="Title 1"/>
+          <p:cNvSpPr>
+            <a:spLocks noGrp="1"/>
+          </p:cNvSpPr>
+          <p:nvPr>
+            <p:ph type="ctrTitle"/>
+          </p:nvPr>
+        </p:nvSpPr>
+        <p:spPr/>
+        <p:txBody>
+          <a:bodyPr/>
+          <a:lstStyle/>
+          <a:p>
+            <a:r>
+              <a:rPr lang="en-US" dirty="0" smtClean="0"/>
+              <a:t>Links</a:t>
+            </a:r>
+            <a:endParaRPr lang="en-US" dirty="0"/>
+          </a:p>
+        </p:txBody>
+      </p:sp>
+      <p:sp>
+        <p:nvSpPr>
+          <p:cNvPr id="3" name="Subtitle 2"/>
+          <p:cNvSpPr>
+            <a:spLocks noGrp="1"/>
+          </p:cNvSpPr>
+          <p:nvPr>
+            <p:ph type="subTitle" idx="1"/>
+          </p:nvPr>
+        </p:nvSpPr>
+        <p:spPr/>
+        <p:txBody>
+          <a:bodyPr>
+            <a:normAutofit fontScale="92500" lnSpcReduction="10000"/>
+          </a:bodyPr>
+          <a:lstStyle/>
+          <a:p>
+            <a:endParaRPr lang="en-US"/>
+          </a:p>
+        </p:txBody>
+      </p:sp>
+      <p:sp>
+        <p:nvSpPr>
+          <p:cNvPr id="4" name="Text Placeholder 3"/>
+          <p:cNvSpPr>
+            <a:spLocks noGrp="1"/>
+          </p:cNvSpPr>
+          <p:nvPr>
+            <p:ph type="body" sz="quarter" idx="13"/>
+          </p:nvPr>
+        </p:nvSpPr>
+        <p:spPr/>
+        <p:txBody>
+          <a:bodyPr/>
+          <a:lstStyle/>
+          <a:p>
+            <a:pPr marL="0" indent="0">
+              <a:buNone/>
+            </a:pPr>
+            <a:endParaRPr lang="en-US" sz="1800" dirty="0" smtClean="0">
+              <a:hlinkClick r:id="rId2"/>
+            </a:endParaRPr>
+          </a:p>
+          <a:p>
+            <a:pPr marL="0" indent="0">
+              <a:buNone/>
+            </a:pPr>
+            <a:r>
+              <a:rPr lang="en-US" sz="1800" dirty="0"/>
+              <a:t>http://</a:t>
+            </a:r>
+            <a:r>
+              <a:rPr lang="en-US" sz="1800" dirty="0" err="1"/>
+              <a:t>www.vinnova.se</a:t>
+            </a:r>
+            <a:r>
+              <a:rPr lang="en-US" sz="1800" dirty="0" smtClean="0"/>
+              <a:t>/</a:t>
+            </a:r>
+            <a:endParaRPr lang="en-US" sz="1800" dirty="0" smtClean="0">
+              <a:hlinkClick r:id="rId2"/>
+            </a:endParaRPr>
+          </a:p>
+          <a:p>
+            <a:pPr marL="0" indent="0">
+              <a:buNone/>
+            </a:pPr>
+            <a:r>
+              <a:rPr lang="en-US" sz="1800" dirty="0">
+                <a:hlinkClick r:id="rId2"/>
+              </a:rPr>
+              <a:t>http://sdk.minavardkontakter.se</a:t>
+            </a:r>
+            <a:r>
+              <a:rPr lang="en-US" sz="1800" dirty="0" smtClean="0">
+                <a:hlinkClick r:id="rId2"/>
+              </a:rPr>
+              <a:t>/</a:t>
+            </a:r>
+          </a:p>
+          <a:p>
+            <a:pPr marL="0" indent="0">
+              <a:buNone/>
+            </a:pPr>
+            <a:r>
+              <a:rPr lang="en-US" sz="1800" dirty="0">
+                <a:hlinkClick r:id="rId2"/>
+              </a:rPr>
+              <a:t>http://oauth.net/2</a:t>
+            </a:r>
+            <a:r>
+              <a:rPr lang="en-US" sz="1800" dirty="0" smtClean="0">
+                <a:hlinkClick r:id="rId2"/>
+              </a:rPr>
+              <a:t>/</a:t>
+            </a:r>
+          </a:p>
+          <a:p>
+            <a:pPr marL="0" indent="0">
+              <a:buNone/>
+            </a:pPr>
+            <a:r>
+              <a:rPr lang="en-US" sz="1800" dirty="0">
+                <a:hlinkClick r:id="rId2"/>
+              </a:rPr>
+              <a:t>http://tools.ietf.org/html/draft-ietf-oauth-v2-31</a:t>
+            </a:r>
+            <a:endParaRPr lang="en-US" sz="1800" dirty="0" smtClean="0">
+              <a:hlinkClick r:id="rId2"/>
+            </a:endParaRPr>
+          </a:p>
+          <a:p>
+            <a:pPr marL="0" indent="0">
+              <a:buNone/>
+            </a:pPr>
+            <a:r>
+              <a:rPr lang="en-US" sz="1800" dirty="0" smtClean="0">
+                <a:hlinkClick r:id="rId2"/>
+              </a:rPr>
+              <a:t>https</a:t>
+            </a:r>
+            <a:r>
+              <a:rPr lang="en-US" sz="1800" dirty="0">
+                <a:hlinkClick r:id="rId2"/>
+              </a:rPr>
+              <a:t>://developers.google.com/accounts/docs/</a:t>
+            </a:r>
+            <a:r>
+              <a:rPr lang="en-US" sz="1800" dirty="0" smtClean="0">
+                <a:hlinkClick r:id="rId2"/>
+              </a:rPr>
+              <a:t>OAuth2</a:t>
+            </a:r>
+            <a:endParaRPr lang="en-US" sz="1800" dirty="0" smtClean="0"/>
+          </a:p>
+          <a:p>
+            <a:pPr marL="0" indent="0">
+              <a:buNone/>
+            </a:pPr>
+            <a:r>
+              <a:rPr lang="en-US" sz="1800" dirty="0">
+                <a:hlinkClick r:id="rId3"/>
+              </a:rPr>
+              <a:t>https://developers.facebook.com/docs/reference/dialogs/oauth</a:t>
+            </a:r>
+            <a:r>
+              <a:rPr lang="en-US" sz="1800" dirty="0" smtClean="0">
+                <a:hlinkClick r:id="rId3"/>
+              </a:rPr>
+              <a:t>/</a:t>
+            </a:r>
+            <a:endParaRPr lang="en-US" sz="1800" dirty="0" smtClean="0"/>
+          </a:p>
+          <a:p>
+            <a:pPr marL="0" indent="0">
+              <a:buNone/>
+            </a:pPr>
+            <a:endParaRPr lang="en-US" sz="1800" dirty="0" smtClean="0"/>
+          </a:p>
+          <a:p>
+            <a:pPr marL="0" indent="0">
+              <a:buNone/>
+            </a:pPr>
+            <a:endParaRPr lang="en-US" sz="1800" dirty="0"/>
+          </a:p>
+          <a:p>
+            <a:pPr marL="0" indent="0">
+              <a:buNone/>
+            </a:pPr>
+            <a:endParaRPr lang="en-US" sz="1800" dirty="0"/>
+          </a:p>
+        </p:txBody>
+      </p:sp>
+      <p:sp>
+        <p:nvSpPr>
+          <p:cNvPr id="5" name="Slide Number Placeholder 4"/>
+          <p:cNvSpPr>
+            <a:spLocks noGrp="1"/>
+          </p:cNvSpPr>
+          <p:nvPr>
+            <p:ph type="sldNum" sz="quarter" idx="14"/>
+          </p:nvPr>
+        </p:nvSpPr>
+        <p:spPr/>
+        <p:txBody>
+          <a:bodyPr/>
+          <a:lstStyle/>
+          <a:p>
+            <a:pPr>
+              <a:defRPr/>
+            </a:pPr>
+            <a:fld id="{4AA01602-B999-AA4E-80A6-B21CED3A9C3C}" type="slidenum">
+              <a:rPr lang="sv-SE" smtClean="0"/>
+              <a:pPr>
+                <a:defRPr/>
+              </a:pPr>
+              <a:t>23</a:t>
             </a:fld>
             <a:endParaRPr lang="sv-SE"/>
           </a:p>
@@ -11836,21 +12831,50 @@
           <a:p>
             <a:pPr lvl="1"/>
             <a:r>
-              <a:rPr lang="en-US" sz="1800" dirty="0" smtClean="0"/>
+              <a:rPr lang="en-US" sz="1600" dirty="0" smtClean="0"/>
               <a:t>CRUD mappings based on best practices within REST community.</a:t>
             </a:r>
           </a:p>
           <a:p>
             <a:r>
-              <a:rPr lang="en-US" sz="1800" dirty="0" smtClean="0"/>
-              <a:t>URL</a:t>
-            </a:r>
+              <a:rPr lang="en-US" sz="1800" dirty="0"/>
+              <a:t>URL </a:t>
+            </a:r>
+            <a:endParaRPr lang="en-US" sz="1800" dirty="0" smtClean="0"/>
           </a:p>
           <a:p>
             <a:pPr lvl="1"/>
             <a:r>
-              <a:rPr lang="en-US" sz="1800" dirty="0" smtClean="0"/>
-              <a:t>Address + parameters</a:t>
+              <a:rPr lang="en-US" sz="1600" dirty="0" smtClean="0"/>
+              <a:t>Uniform </a:t>
+            </a:r>
+            <a:r>
+              <a:rPr lang="en-US" sz="1600" dirty="0"/>
+              <a:t>Resource </a:t>
+            </a:r>
+            <a:r>
+              <a:rPr lang="en-US" sz="1600" dirty="0" smtClean="0"/>
+              <a:t>Locator </a:t>
+            </a:r>
+            <a:r>
+              <a:rPr lang="en-US" sz="1600" dirty="0"/>
+              <a:t>is used to uniquely identify a resource over the </a:t>
+            </a:r>
+            <a:r>
+              <a:rPr lang="en-US" sz="1600" dirty="0" smtClean="0"/>
+              <a:t>web</a:t>
+            </a:r>
+            <a:endParaRPr lang="en-US" sz="1600" dirty="0" smtClean="0"/>
+          </a:p>
+          <a:p>
+            <a:pPr lvl="1"/>
+            <a:r>
+              <a:rPr lang="en-US" sz="1600" dirty="0" smtClean="0"/>
+              <a:t>Address </a:t>
+            </a:r>
+            <a:r>
+              <a:rPr lang="en-US" sz="1600" dirty="0" smtClean="0"/>
+              <a:t>+ parameters</a:t>
             </a:r>
           </a:p>
           <a:p>
@@ -11866,21 +12890,21 @@
           <a:p>
             <a:pPr lvl="1"/>
             <a:r>
-              <a:rPr lang="en-US" sz="1800" dirty="0" smtClean="0"/>
+              <a:rPr lang="en-US" sz="1600" dirty="0" smtClean="0"/>
               <a:t>Accept</a:t>
             </a:r>
           </a:p>
           <a:p>
             <a:pPr lvl="1"/>
             <a:r>
-              <a:rPr lang="en-US" sz="1800" dirty="0" smtClean="0"/>
+              <a:rPr lang="en-US" sz="1600" dirty="0" smtClean="0"/>
               <a:t>Authorization</a:t>
             </a:r>
           </a:p>
           <a:p>
             <a:pPr lvl="1"/>
             <a:r>
-              <a:rPr lang="en-US" sz="1800" dirty="0" smtClean="0"/>
+              <a:rPr lang="en-US" sz="1600" dirty="0" smtClean="0"/>
               <a:t>Content-Type</a:t>
             </a:r>
           </a:p>

--- a/Cadec-vårdens-apier.pptx
+++ b/Cadec-vårdens-apier.pptx
@@ -5,10 +5,10 @@
     <p:sldMasterId id="2147483648" r:id="rId1"/>
   </p:sldMasterIdLst>
   <p:notesMasterIdLst>
-    <p:notesMasterId r:id="rId25"/>
+    <p:notesMasterId r:id="rId24"/>
   </p:notesMasterIdLst>
   <p:handoutMasterIdLst>
-    <p:handoutMasterId r:id="rId26"/>
+    <p:handoutMasterId r:id="rId25"/>
   </p:handoutMasterIdLst>
   <p:sldIdLst>
     <p:sldId id="256" r:id="rId2"/>
@@ -20,20 +20,19 @@
     <p:sldId id="279" r:id="rId8"/>
     <p:sldId id="257" r:id="rId9"/>
     <p:sldId id="258" r:id="rId10"/>
-    <p:sldId id="259" r:id="rId11"/>
-    <p:sldId id="280" r:id="rId12"/>
-    <p:sldId id="261" r:id="rId13"/>
-    <p:sldId id="264" r:id="rId14"/>
-    <p:sldId id="277" r:id="rId15"/>
-    <p:sldId id="265" r:id="rId16"/>
-    <p:sldId id="272" r:id="rId17"/>
-    <p:sldId id="273" r:id="rId18"/>
-    <p:sldId id="267" r:id="rId19"/>
-    <p:sldId id="275" r:id="rId20"/>
-    <p:sldId id="269" r:id="rId21"/>
-    <p:sldId id="271" r:id="rId22"/>
-    <p:sldId id="270" r:id="rId23"/>
-    <p:sldId id="274" r:id="rId24"/>
+    <p:sldId id="280" r:id="rId11"/>
+    <p:sldId id="261" r:id="rId12"/>
+    <p:sldId id="264" r:id="rId13"/>
+    <p:sldId id="277" r:id="rId14"/>
+    <p:sldId id="265" r:id="rId15"/>
+    <p:sldId id="272" r:id="rId16"/>
+    <p:sldId id="273" r:id="rId17"/>
+    <p:sldId id="267" r:id="rId18"/>
+    <p:sldId id="275" r:id="rId19"/>
+    <p:sldId id="269" r:id="rId20"/>
+    <p:sldId id="271" r:id="rId21"/>
+    <p:sldId id="270" r:id="rId22"/>
+    <p:sldId id="274" r:id="rId23"/>
   </p:sldIdLst>
   <p:sldSz cx="9144000" cy="6858000" type="screen4x3"/>
   <p:notesSz cx="6858000" cy="9144000"/>
@@ -1941,7 +1940,7 @@
               <a:pPr>
                 <a:defRPr/>
               </a:pPr>
-              <a:t>13</a:t>
+              <a:t>12</a:t>
             </a:fld>
             <a:endParaRPr lang="sv-SE"/>
           </a:p>
@@ -2543,7 +2542,7 @@
               <a:pPr>
                 <a:defRPr/>
               </a:pPr>
-              <a:t>14</a:t>
+              <a:t>13</a:t>
             </a:fld>
             <a:endParaRPr lang="sv-SE"/>
           </a:p>
@@ -2633,7 +2632,7 @@
               <a:pPr>
                 <a:defRPr/>
               </a:pPr>
-              <a:t>15</a:t>
+              <a:t>14</a:t>
             </a:fld>
             <a:endParaRPr lang="sv-SE"/>
           </a:p>
@@ -3132,7 +3131,7 @@
               <a:pPr>
                 <a:defRPr/>
               </a:pPr>
-              <a:t>16</a:t>
+              <a:t>15</a:t>
             </a:fld>
             <a:endParaRPr lang="sv-SE"/>
           </a:p>
@@ -3378,7 +3377,7 @@
               <a:pPr>
                 <a:defRPr/>
               </a:pPr>
-              <a:t>17</a:t>
+              <a:t>16</a:t>
             </a:fld>
             <a:endParaRPr lang="sv-SE"/>
           </a:p>
@@ -7533,10 +7532,10 @@
           <a:bodyPr/>
           <a:lstStyle/>
           <a:p>
-            <a:r>
-              <a:rPr lang="en-US" dirty="0" smtClean="0"/>
-              <a:t>{SNYGG BILD}</a:t>
-            </a:r>
+            <a:pPr marL="0" indent="0">
+              <a:buNone/>
+            </a:pPr>
+            <a:endParaRPr lang="en-US" dirty="0" smtClean="0"/>
           </a:p>
         </p:txBody>
       </p:sp>
@@ -7569,10 +7568,841 @@
           </a:p>
         </p:txBody>
       </p:sp>
+      <p:pic>
+        <p:nvPicPr>
+          <p:cNvPr id="9" name="Picture 8"/>
+          <p:cNvPicPr>
+            <a:picLocks noChangeAspect="1"/>
+          </p:cNvPicPr>
+          <p:nvPr/>
+        </p:nvPicPr>
+        <p:blipFill>
+          <a:blip r:embed="rId2"/>
+          <a:stretch>
+            <a:fillRect/>
+          </a:stretch>
+        </p:blipFill>
+        <p:spPr>
+          <a:xfrm>
+            <a:off x="685800" y="3275938"/>
+            <a:ext cx="1041400" cy="998008"/>
+          </a:xfrm>
+          <a:prstGeom prst="rect">
+            <a:avLst/>
+          </a:prstGeom>
+        </p:spPr>
+      </p:pic>
+      <p:sp>
+        <p:nvSpPr>
+          <p:cNvPr id="10" name="TextBox 9"/>
+          <p:cNvSpPr txBox="1"/>
+          <p:nvPr/>
+        </p:nvSpPr>
+        <p:spPr>
+          <a:xfrm>
+            <a:off x="287338" y="2612140"/>
+            <a:ext cx="2364750" cy="523220"/>
+          </a:xfrm>
+          <a:prstGeom prst="rect">
+            <a:avLst/>
+          </a:prstGeom>
+          <a:noFill/>
+        </p:spPr>
+        <p:txBody>
+          <a:bodyPr wrap="none" rtlCol="0">
+            <a:spAutoFit/>
+          </a:bodyPr>
+          <a:lstStyle/>
+          <a:p>
+            <a:r>
+              <a:rPr lang="en-US" sz="1400" dirty="0" smtClean="0"/>
+              <a:t>Issue request from browser</a:t>
+            </a:r>
+          </a:p>
+          <a:p>
+            <a:r>
+              <a:rPr lang="en-US" sz="1400" dirty="0" smtClean="0"/>
+              <a:t>http://</a:t>
+            </a:r>
+            <a:r>
+              <a:rPr lang="en-US" sz="1400" dirty="0" err="1" smtClean="0"/>
+              <a:t>host.com</a:t>
+            </a:r>
+            <a:r>
+              <a:rPr lang="en-US" sz="1400" dirty="0" smtClean="0"/>
+              <a:t>/path</a:t>
+            </a:r>
+            <a:endParaRPr lang="en-US" sz="1400" dirty="0"/>
+          </a:p>
+        </p:txBody>
+      </p:sp>
+      <p:sp>
+        <p:nvSpPr>
+          <p:cNvPr id="12" name="Snip Single Corner Rectangle 11"/>
+          <p:cNvSpPr/>
+          <p:nvPr/>
+        </p:nvSpPr>
+        <p:spPr>
+          <a:xfrm>
+            <a:off x="2667000" y="1795992"/>
+            <a:ext cx="3746500" cy="2318808"/>
+          </a:xfrm>
+          <a:prstGeom prst="snip1Rect">
+            <a:avLst/>
+          </a:prstGeom>
+          <a:solidFill>
+            <a:schemeClr val="tx1"/>
+          </a:solidFill>
+        </p:spPr>
+        <p:style>
+          <a:lnRef idx="1">
+            <a:schemeClr val="accent1"/>
+          </a:lnRef>
+          <a:fillRef idx="3">
+            <a:schemeClr val="accent1"/>
+          </a:fillRef>
+          <a:effectRef idx="2">
+            <a:schemeClr val="accent1"/>
+          </a:effectRef>
+          <a:fontRef idx="minor">
+            <a:schemeClr val="lt1"/>
+          </a:fontRef>
+        </p:style>
+        <p:txBody>
+          <a:bodyPr rtlCol="0" anchor="t" anchorCtr="0"/>
+          <a:lstStyle/>
+          <a:p>
+            <a:r>
+              <a:rPr lang="en-US" sz="1200" dirty="0">
+                <a:solidFill>
+                  <a:schemeClr val="bg1"/>
+                </a:solidFill>
+                <a:latin typeface="Consolas"/>
+                <a:cs typeface="Consolas"/>
+              </a:rPr>
+              <a:t>&gt; GET /path HTTP/1.1</a:t>
+            </a:r>
+          </a:p>
+          <a:p>
+            <a:r>
+              <a:rPr lang="en-US" sz="1200" dirty="0">
+                <a:solidFill>
+                  <a:schemeClr val="bg1"/>
+                </a:solidFill>
+                <a:latin typeface="Consolas"/>
+                <a:cs typeface="Consolas"/>
+              </a:rPr>
+              <a:t>&gt; User-Agent: Mozilla/</a:t>
+            </a:r>
+            <a:r>
+              <a:rPr lang="en-US" sz="1200" dirty="0" smtClean="0">
+                <a:solidFill>
+                  <a:schemeClr val="bg1"/>
+                </a:solidFill>
+                <a:latin typeface="Consolas"/>
+                <a:cs typeface="Consolas"/>
+              </a:rPr>
+              <a:t>5.0</a:t>
+            </a:r>
+            <a:endParaRPr lang="en-US" sz="1200" dirty="0">
+              <a:solidFill>
+                <a:schemeClr val="bg1"/>
+              </a:solidFill>
+              <a:latin typeface="Consolas"/>
+              <a:cs typeface="Consolas"/>
+            </a:endParaRPr>
+          </a:p>
+          <a:p>
+            <a:r>
+              <a:rPr lang="en-US" sz="1200" dirty="0">
+                <a:solidFill>
+                  <a:schemeClr val="bg1"/>
+                </a:solidFill>
+                <a:latin typeface="Consolas"/>
+                <a:cs typeface="Consolas"/>
+              </a:rPr>
+              <a:t>&gt; Host: </a:t>
+            </a:r>
+            <a:r>
+              <a:rPr lang="en-US" sz="1200" dirty="0" err="1">
+                <a:solidFill>
+                  <a:schemeClr val="bg1"/>
+                </a:solidFill>
+                <a:latin typeface="Consolas"/>
+                <a:cs typeface="Consolas"/>
+              </a:rPr>
+              <a:t>host.com</a:t>
+            </a:r>
+            <a:endParaRPr lang="en-US" sz="1200" dirty="0">
+              <a:solidFill>
+                <a:schemeClr val="bg1"/>
+              </a:solidFill>
+              <a:latin typeface="Consolas"/>
+              <a:cs typeface="Consolas"/>
+            </a:endParaRPr>
+          </a:p>
+          <a:p>
+            <a:pPr marL="171450" indent="-171450">
+              <a:buFont typeface="Wingdings" charset="0"/>
+              <a:buChar char="Ø"/>
+            </a:pPr>
+            <a:r>
+              <a:rPr lang="en-US" sz="1200" dirty="0" smtClean="0">
+                <a:solidFill>
+                  <a:schemeClr val="bg1"/>
+                </a:solidFill>
+                <a:latin typeface="Consolas"/>
+                <a:cs typeface="Consolas"/>
+              </a:rPr>
+              <a:t>.</a:t>
+            </a:r>
+            <a:r>
+              <a:rPr lang="en-US" sz="1200" dirty="0">
+                <a:solidFill>
+                  <a:schemeClr val="bg1"/>
+                </a:solidFill>
+                <a:latin typeface="Consolas"/>
+                <a:cs typeface="Consolas"/>
+              </a:rPr>
+              <a:t>.....</a:t>
+            </a:r>
+            <a:r>
+              <a:rPr lang="en-US" sz="1200" dirty="0" smtClean="0">
+                <a:solidFill>
+                  <a:schemeClr val="bg1"/>
+                </a:solidFill>
+                <a:latin typeface="Consolas"/>
+                <a:cs typeface="Consolas"/>
+              </a:rPr>
+              <a:t>.</a:t>
+            </a:r>
+          </a:p>
+          <a:p>
+            <a:pPr marL="171450" indent="-171450">
+              <a:buFont typeface="Wingdings" charset="0"/>
+              <a:buChar char="Ø"/>
+            </a:pPr>
+            <a:endParaRPr lang="en-US" sz="1200" dirty="0">
+              <a:solidFill>
+                <a:schemeClr val="bg1"/>
+              </a:solidFill>
+              <a:latin typeface="Consolas"/>
+              <a:cs typeface="Consolas"/>
+            </a:endParaRPr>
+          </a:p>
+          <a:p>
+            <a:r>
+              <a:rPr lang="en-US" sz="1200" dirty="0">
+                <a:solidFill>
+                  <a:schemeClr val="bg1"/>
+                </a:solidFill>
+                <a:latin typeface="Consolas"/>
+                <a:cs typeface="Consolas"/>
+              </a:rPr>
+              <a:t>&lt; HTTP/1.1 302 Found</a:t>
+            </a:r>
+          </a:p>
+          <a:p>
+            <a:r>
+              <a:rPr lang="en-US" sz="1200" dirty="0">
+                <a:solidFill>
+                  <a:schemeClr val="bg1"/>
+                </a:solidFill>
+                <a:latin typeface="Consolas"/>
+                <a:cs typeface="Consolas"/>
+              </a:rPr>
+              <a:t>&lt; Date: Wed, </a:t>
+            </a:r>
+            <a:r>
+              <a:rPr lang="en-US" sz="1200" dirty="0" smtClean="0">
+                <a:solidFill>
+                  <a:schemeClr val="bg1"/>
+                </a:solidFill>
+                <a:latin typeface="Consolas"/>
+                <a:cs typeface="Consolas"/>
+              </a:rPr>
+              <a:t>01 </a:t>
+            </a:r>
+            <a:r>
+              <a:rPr lang="en-US" sz="1200" dirty="0">
+                <a:solidFill>
+                  <a:schemeClr val="bg1"/>
+                </a:solidFill>
+                <a:latin typeface="Consolas"/>
+                <a:cs typeface="Consolas"/>
+              </a:rPr>
+              <a:t>Jan 2013 20:11:48 GMT</a:t>
+            </a:r>
+          </a:p>
+          <a:p>
+            <a:r>
+              <a:rPr lang="en-US" sz="1200" dirty="0">
+                <a:solidFill>
+                  <a:schemeClr val="bg1"/>
+                </a:solidFill>
+                <a:latin typeface="Consolas"/>
+                <a:cs typeface="Consolas"/>
+              </a:rPr>
+              <a:t>&lt; Server: Apache/2.2.23</a:t>
+            </a:r>
+          </a:p>
+          <a:p>
+            <a:r>
+              <a:rPr lang="en-US" sz="1200" dirty="0">
+                <a:solidFill>
+                  <a:schemeClr val="bg1"/>
+                </a:solidFill>
+                <a:latin typeface="Consolas"/>
+                <a:cs typeface="Consolas"/>
+              </a:rPr>
+              <a:t>&lt; Location: http://</a:t>
+            </a:r>
+            <a:r>
+              <a:rPr lang="en-US" sz="1200" dirty="0" err="1">
+                <a:solidFill>
+                  <a:schemeClr val="bg1"/>
+                </a:solidFill>
+                <a:latin typeface="Consolas"/>
+                <a:cs typeface="Consolas"/>
+              </a:rPr>
+              <a:t>anotherhost.com</a:t>
+            </a:r>
+            <a:r>
+              <a:rPr lang="en-US" sz="1200" dirty="0">
+                <a:solidFill>
+                  <a:schemeClr val="bg1"/>
+                </a:solidFill>
+                <a:latin typeface="Consolas"/>
+                <a:cs typeface="Consolas"/>
+              </a:rPr>
+              <a:t>/path</a:t>
+            </a:r>
+          </a:p>
+          <a:p>
+            <a:r>
+              <a:rPr lang="en-US" sz="1200" dirty="0">
+                <a:solidFill>
+                  <a:schemeClr val="bg1"/>
+                </a:solidFill>
+                <a:latin typeface="Consolas"/>
+                <a:cs typeface="Consolas"/>
+              </a:rPr>
+              <a:t>&lt; ......</a:t>
+            </a:r>
+          </a:p>
+          <a:p>
+            <a:pPr marL="171450" indent="-171450">
+              <a:buFont typeface="Wingdings" charset="0"/>
+              <a:buChar char="Ø"/>
+            </a:pPr>
+            <a:endParaRPr lang="en-US" sz="1200" dirty="0">
+              <a:solidFill>
+                <a:schemeClr val="bg1"/>
+              </a:solidFill>
+              <a:latin typeface="Consolas"/>
+              <a:cs typeface="Consolas"/>
+            </a:endParaRPr>
+          </a:p>
+        </p:txBody>
+      </p:sp>
+      <p:pic>
+        <p:nvPicPr>
+          <p:cNvPr id="13" name="Picture 12"/>
+          <p:cNvPicPr>
+            <a:picLocks noChangeAspect="1"/>
+          </p:cNvPicPr>
+          <p:nvPr/>
+        </p:nvPicPr>
+        <p:blipFill>
+          <a:blip r:embed="rId3"/>
+          <a:stretch>
+            <a:fillRect/>
+          </a:stretch>
+        </p:blipFill>
+        <p:spPr>
+          <a:xfrm>
+            <a:off x="6908503" y="2585844"/>
+            <a:ext cx="961994" cy="921232"/>
+          </a:xfrm>
+          <a:prstGeom prst="rect">
+            <a:avLst/>
+          </a:prstGeom>
+        </p:spPr>
+      </p:pic>
+      <p:sp>
+        <p:nvSpPr>
+          <p:cNvPr id="15" name="TextBox 14"/>
+          <p:cNvSpPr txBox="1"/>
+          <p:nvPr/>
+        </p:nvSpPr>
+        <p:spPr>
+          <a:xfrm>
+            <a:off x="6705303" y="2013157"/>
+            <a:ext cx="913068" cy="307777"/>
+          </a:xfrm>
+          <a:prstGeom prst="rect">
+            <a:avLst/>
+          </a:prstGeom>
+          <a:noFill/>
+        </p:spPr>
+        <p:txBody>
+          <a:bodyPr wrap="none" rtlCol="0">
+            <a:spAutoFit/>
+          </a:bodyPr>
+          <a:lstStyle/>
+          <a:p>
+            <a:r>
+              <a:rPr lang="en-US" sz="1400" dirty="0" err="1"/>
+              <a:t>h</a:t>
+            </a:r>
+            <a:r>
+              <a:rPr lang="en-US" sz="1400" dirty="0" err="1" smtClean="0"/>
+              <a:t>ost.com</a:t>
+            </a:r>
+            <a:endParaRPr lang="en-US" sz="1400" dirty="0"/>
+          </a:p>
+        </p:txBody>
+      </p:sp>
+      <p:sp>
+        <p:nvSpPr>
+          <p:cNvPr id="16" name="Curved Left Arrow 15"/>
+          <p:cNvSpPr/>
+          <p:nvPr/>
+        </p:nvSpPr>
+        <p:spPr>
+          <a:xfrm>
+            <a:off x="6616402" y="2395021"/>
+            <a:ext cx="584200" cy="1302876"/>
+          </a:xfrm>
+          <a:prstGeom prst="curvedLeftArrow">
+            <a:avLst/>
+          </a:prstGeom>
+        </p:spPr>
+        <p:style>
+          <a:lnRef idx="1">
+            <a:schemeClr val="accent1"/>
+          </a:lnRef>
+          <a:fillRef idx="3">
+            <a:schemeClr val="accent1"/>
+          </a:fillRef>
+          <a:effectRef idx="2">
+            <a:schemeClr val="accent1"/>
+          </a:effectRef>
+          <a:fontRef idx="minor">
+            <a:schemeClr val="lt1"/>
+          </a:fontRef>
+        </p:style>
+        <p:txBody>
+          <a:bodyPr rtlCol="0" anchor="ctr"/>
+          <a:lstStyle/>
+          <a:p>
+            <a:pPr algn="ctr"/>
+            <a:endParaRPr lang="en-US">
+              <a:solidFill>
+                <a:schemeClr val="tx1"/>
+              </a:solidFill>
+            </a:endParaRPr>
+          </a:p>
+        </p:txBody>
+      </p:sp>
+      <p:sp>
+        <p:nvSpPr>
+          <p:cNvPr id="17" name="Snip Single Corner Rectangle 16"/>
+          <p:cNvSpPr/>
+          <p:nvPr/>
+        </p:nvSpPr>
+        <p:spPr>
+          <a:xfrm>
+            <a:off x="2667000" y="4221692"/>
+            <a:ext cx="3758902" cy="2255308"/>
+          </a:xfrm>
+          <a:prstGeom prst="snip1Rect">
+            <a:avLst/>
+          </a:prstGeom>
+          <a:solidFill>
+            <a:schemeClr val="tx1"/>
+          </a:solidFill>
+        </p:spPr>
+        <p:style>
+          <a:lnRef idx="1">
+            <a:schemeClr val="accent1"/>
+          </a:lnRef>
+          <a:fillRef idx="3">
+            <a:schemeClr val="accent1"/>
+          </a:fillRef>
+          <a:effectRef idx="2">
+            <a:schemeClr val="accent1"/>
+          </a:effectRef>
+          <a:fontRef idx="minor">
+            <a:schemeClr val="lt1"/>
+          </a:fontRef>
+        </p:style>
+        <p:txBody>
+          <a:bodyPr rtlCol="0" anchor="t" anchorCtr="0"/>
+          <a:lstStyle/>
+          <a:p>
+            <a:r>
+              <a:rPr lang="en-US" sz="1200" dirty="0">
+                <a:solidFill>
+                  <a:schemeClr val="bg1"/>
+                </a:solidFill>
+                <a:latin typeface="Consolas"/>
+                <a:cs typeface="Consolas"/>
+              </a:rPr>
+              <a:t>&gt; GET /path HTTP/1.1</a:t>
+            </a:r>
+          </a:p>
+          <a:p>
+            <a:r>
+              <a:rPr lang="en-US" sz="1200" dirty="0">
+                <a:solidFill>
+                  <a:schemeClr val="bg1"/>
+                </a:solidFill>
+                <a:latin typeface="Consolas"/>
+                <a:cs typeface="Consolas"/>
+              </a:rPr>
+              <a:t>&gt; User-Agent: Mozilla/</a:t>
+            </a:r>
+            <a:r>
+              <a:rPr lang="en-US" sz="1200" dirty="0" smtClean="0">
+                <a:solidFill>
+                  <a:schemeClr val="bg1"/>
+                </a:solidFill>
+                <a:latin typeface="Consolas"/>
+                <a:cs typeface="Consolas"/>
+              </a:rPr>
+              <a:t>5.0</a:t>
+            </a:r>
+            <a:endParaRPr lang="en-US" sz="1200" dirty="0">
+              <a:solidFill>
+                <a:schemeClr val="bg1"/>
+              </a:solidFill>
+              <a:latin typeface="Consolas"/>
+              <a:cs typeface="Consolas"/>
+            </a:endParaRPr>
+          </a:p>
+          <a:p>
+            <a:r>
+              <a:rPr lang="en-US" sz="1200" dirty="0">
+                <a:solidFill>
+                  <a:schemeClr val="bg1"/>
+                </a:solidFill>
+                <a:latin typeface="Consolas"/>
+                <a:cs typeface="Consolas"/>
+              </a:rPr>
+              <a:t>&gt; Host: </a:t>
+            </a:r>
+            <a:r>
+              <a:rPr lang="en-US" sz="1200" dirty="0" err="1" smtClean="0">
+                <a:solidFill>
+                  <a:schemeClr val="bg1"/>
+                </a:solidFill>
+                <a:latin typeface="Consolas"/>
+                <a:cs typeface="Consolas"/>
+              </a:rPr>
+              <a:t>anotherhost.com</a:t>
+            </a:r>
+            <a:endParaRPr lang="en-US" sz="1200" dirty="0">
+              <a:solidFill>
+                <a:schemeClr val="bg1"/>
+              </a:solidFill>
+              <a:latin typeface="Consolas"/>
+              <a:cs typeface="Consolas"/>
+            </a:endParaRPr>
+          </a:p>
+          <a:p>
+            <a:pPr marL="171450" indent="-171450">
+              <a:buFont typeface="Wingdings" charset="0"/>
+              <a:buChar char="Ø"/>
+            </a:pPr>
+            <a:r>
+              <a:rPr lang="en-US" sz="1200" dirty="0" smtClean="0">
+                <a:solidFill>
+                  <a:schemeClr val="bg1"/>
+                </a:solidFill>
+                <a:latin typeface="Consolas"/>
+                <a:cs typeface="Consolas"/>
+              </a:rPr>
+              <a:t>.</a:t>
+            </a:r>
+            <a:r>
+              <a:rPr lang="en-US" sz="1200" dirty="0">
+                <a:solidFill>
+                  <a:schemeClr val="bg1"/>
+                </a:solidFill>
+                <a:latin typeface="Consolas"/>
+                <a:cs typeface="Consolas"/>
+              </a:rPr>
+              <a:t>.....</a:t>
+            </a:r>
+            <a:r>
+              <a:rPr lang="en-US" sz="1200" dirty="0" smtClean="0">
+                <a:solidFill>
+                  <a:schemeClr val="bg1"/>
+                </a:solidFill>
+                <a:latin typeface="Consolas"/>
+                <a:cs typeface="Consolas"/>
+              </a:rPr>
+              <a:t>.</a:t>
+            </a:r>
+          </a:p>
+          <a:p>
+            <a:pPr marL="171450" indent="-171450">
+              <a:buFont typeface="Wingdings" charset="0"/>
+              <a:buChar char="Ø"/>
+            </a:pPr>
+            <a:endParaRPr lang="en-US" sz="1200" dirty="0">
+              <a:solidFill>
+                <a:schemeClr val="bg1"/>
+              </a:solidFill>
+              <a:latin typeface="Consolas"/>
+              <a:cs typeface="Consolas"/>
+            </a:endParaRPr>
+          </a:p>
+          <a:p>
+            <a:r>
+              <a:rPr lang="en-US" sz="1200" dirty="0">
+                <a:solidFill>
+                  <a:schemeClr val="bg1"/>
+                </a:solidFill>
+                <a:latin typeface="Consolas"/>
+                <a:cs typeface="Consolas"/>
+              </a:rPr>
+              <a:t>&lt; HTTP/1.1 200 OK</a:t>
+            </a:r>
+          </a:p>
+          <a:p>
+            <a:r>
+              <a:rPr lang="en-US" sz="1200" dirty="0">
+                <a:solidFill>
+                  <a:schemeClr val="bg1"/>
+                </a:solidFill>
+                <a:latin typeface="Consolas"/>
+                <a:cs typeface="Consolas"/>
+              </a:rPr>
+              <a:t>&lt; Date: Wed, </a:t>
+            </a:r>
+            <a:r>
+              <a:rPr lang="en-US" sz="1200" dirty="0" smtClean="0">
+                <a:solidFill>
+                  <a:schemeClr val="bg1"/>
+                </a:solidFill>
+                <a:latin typeface="Consolas"/>
+                <a:cs typeface="Consolas"/>
+              </a:rPr>
+              <a:t>01 </a:t>
+            </a:r>
+            <a:r>
+              <a:rPr lang="en-US" sz="1200" dirty="0">
+                <a:solidFill>
+                  <a:schemeClr val="bg1"/>
+                </a:solidFill>
+                <a:latin typeface="Consolas"/>
+                <a:cs typeface="Consolas"/>
+              </a:rPr>
+              <a:t>Jan 2013 </a:t>
+            </a:r>
+            <a:r>
+              <a:rPr lang="en-US" sz="1200" dirty="0" smtClean="0">
+                <a:solidFill>
+                  <a:schemeClr val="bg1"/>
+                </a:solidFill>
+                <a:latin typeface="Consolas"/>
+                <a:cs typeface="Consolas"/>
+              </a:rPr>
+              <a:t>20:11:49 </a:t>
+            </a:r>
+            <a:r>
+              <a:rPr lang="en-US" sz="1200" dirty="0">
+                <a:solidFill>
+                  <a:schemeClr val="bg1"/>
+                </a:solidFill>
+                <a:latin typeface="Consolas"/>
+                <a:cs typeface="Consolas"/>
+              </a:rPr>
+              <a:t>GMT</a:t>
+            </a:r>
+          </a:p>
+          <a:p>
+            <a:r>
+              <a:rPr lang="en-US" sz="1200" dirty="0">
+                <a:solidFill>
+                  <a:schemeClr val="bg1"/>
+                </a:solidFill>
+                <a:latin typeface="Consolas"/>
+                <a:cs typeface="Consolas"/>
+              </a:rPr>
+              <a:t>&lt; Server: Apache/2.2.23</a:t>
+            </a:r>
+          </a:p>
+          <a:p>
+            <a:r>
+              <a:rPr lang="en-US" sz="1200" dirty="0">
+                <a:solidFill>
+                  <a:schemeClr val="bg1"/>
+                </a:solidFill>
+                <a:latin typeface="Consolas"/>
+                <a:cs typeface="Consolas"/>
+              </a:rPr>
+              <a:t>&lt; Content-Type: application/</a:t>
+            </a:r>
+            <a:r>
+              <a:rPr lang="en-US" sz="1200" dirty="0" err="1">
+                <a:solidFill>
+                  <a:schemeClr val="bg1"/>
+                </a:solidFill>
+                <a:latin typeface="Consolas"/>
+                <a:cs typeface="Consolas"/>
+              </a:rPr>
+              <a:t>json;charset</a:t>
+            </a:r>
+            <a:r>
+              <a:rPr lang="en-US" sz="1200" dirty="0">
+                <a:solidFill>
+                  <a:schemeClr val="bg1"/>
+                </a:solidFill>
+                <a:latin typeface="Consolas"/>
+                <a:cs typeface="Consolas"/>
+              </a:rPr>
+              <a:t>=UTF-8</a:t>
+            </a:r>
+          </a:p>
+          <a:p>
+            <a:r>
+              <a:rPr lang="en-US" sz="1200" dirty="0">
+                <a:solidFill>
+                  <a:schemeClr val="bg1"/>
+                </a:solidFill>
+                <a:latin typeface="Consolas"/>
+                <a:cs typeface="Consolas"/>
+              </a:rPr>
+              <a:t>&lt; ......</a:t>
+            </a:r>
+          </a:p>
+          <a:p>
+            <a:endParaRPr lang="en-US" sz="1200" dirty="0">
+              <a:solidFill>
+                <a:schemeClr val="bg1"/>
+              </a:solidFill>
+              <a:latin typeface="Consolas"/>
+              <a:cs typeface="Consolas"/>
+            </a:endParaRPr>
+          </a:p>
+          <a:p>
+            <a:pPr marL="171450" indent="-171450">
+              <a:buFont typeface="Wingdings" charset="0"/>
+              <a:buChar char="Ø"/>
+            </a:pPr>
+            <a:endParaRPr lang="en-US" sz="1200" dirty="0">
+              <a:solidFill>
+                <a:schemeClr val="bg1"/>
+              </a:solidFill>
+              <a:latin typeface="Consolas"/>
+              <a:cs typeface="Consolas"/>
+            </a:endParaRPr>
+          </a:p>
+        </p:txBody>
+      </p:sp>
+      <p:pic>
+        <p:nvPicPr>
+          <p:cNvPr id="18" name="Picture 17"/>
+          <p:cNvPicPr>
+            <a:picLocks noChangeAspect="1"/>
+          </p:cNvPicPr>
+          <p:nvPr/>
+        </p:nvPicPr>
+        <p:blipFill>
+          <a:blip r:embed="rId3"/>
+          <a:stretch>
+            <a:fillRect/>
+          </a:stretch>
+        </p:blipFill>
+        <p:spPr>
+          <a:xfrm>
+            <a:off x="6919600" y="4838700"/>
+            <a:ext cx="961994" cy="921232"/>
+          </a:xfrm>
+          <a:prstGeom prst="rect">
+            <a:avLst/>
+          </a:prstGeom>
+        </p:spPr>
+      </p:pic>
+      <p:sp>
+        <p:nvSpPr>
+          <p:cNvPr id="19" name="TextBox 18"/>
+          <p:cNvSpPr txBox="1"/>
+          <p:nvPr/>
+        </p:nvSpPr>
+        <p:spPr>
+          <a:xfrm>
+            <a:off x="6527503" y="4337446"/>
+            <a:ext cx="1521984" cy="307777"/>
+          </a:xfrm>
+          <a:prstGeom prst="rect">
+            <a:avLst/>
+          </a:prstGeom>
+          <a:noFill/>
+        </p:spPr>
+        <p:txBody>
+          <a:bodyPr wrap="none" rtlCol="0">
+            <a:spAutoFit/>
+          </a:bodyPr>
+          <a:lstStyle/>
+          <a:p>
+            <a:r>
+              <a:rPr lang="en-US" sz="1400" dirty="0" err="1" smtClean="0"/>
+              <a:t>anotherhost.com</a:t>
+            </a:r>
+            <a:endParaRPr lang="en-US" sz="1400" dirty="0"/>
+          </a:p>
+        </p:txBody>
+      </p:sp>
+      <p:sp>
+        <p:nvSpPr>
+          <p:cNvPr id="21" name="Curved Left Arrow 20"/>
+          <p:cNvSpPr/>
+          <p:nvPr/>
+        </p:nvSpPr>
+        <p:spPr>
+          <a:xfrm>
+            <a:off x="6667011" y="4714334"/>
+            <a:ext cx="584200" cy="1302876"/>
+          </a:xfrm>
+          <a:prstGeom prst="curvedLeftArrow">
+            <a:avLst/>
+          </a:prstGeom>
+        </p:spPr>
+        <p:style>
+          <a:lnRef idx="1">
+            <a:schemeClr val="accent1"/>
+          </a:lnRef>
+          <a:fillRef idx="3">
+            <a:schemeClr val="accent1"/>
+          </a:fillRef>
+          <a:effectRef idx="2">
+            <a:schemeClr val="accent1"/>
+          </a:effectRef>
+          <a:fontRef idx="minor">
+            <a:schemeClr val="lt1"/>
+          </a:fontRef>
+        </p:style>
+        <p:txBody>
+          <a:bodyPr rtlCol="0" anchor="ctr"/>
+          <a:lstStyle/>
+          <a:p>
+            <a:pPr algn="ctr"/>
+            <a:endParaRPr lang="en-US">
+              <a:solidFill>
+                <a:schemeClr val="tx1"/>
+              </a:solidFill>
+            </a:endParaRPr>
+          </a:p>
+        </p:txBody>
+      </p:sp>
     </p:spTree>
     <p:extLst>
       <p:ext uri="{BB962C8B-B14F-4D97-AF65-F5344CB8AC3E}">
-        <p14:creationId xmlns:p14="http://schemas.microsoft.com/office/powerpoint/2010/main" val="2100865221"/>
+        <p14:creationId xmlns:p14="http://schemas.microsoft.com/office/powerpoint/2010/main" val="1916411446"/>
       </p:ext>
     </p:extLst>
   </p:cSld>
@@ -7648,7 +8478,7 @@
           <a:p>
             <a:r>
               <a:rPr lang="en-US" dirty="0" smtClean="0"/>
-              <a:t>Example: Redirect, how does it work?</a:t>
+              <a:t>Exercise 1</a:t>
             </a:r>
             <a:endParaRPr lang="en-US" dirty="0"/>
           </a:p>
@@ -7672,7 +8502,10 @@
             <a:pPr marL="0" indent="0">
               <a:buNone/>
             </a:pPr>
-            <a:endParaRPr lang="en-US" dirty="0" smtClean="0"/>
+            <a:r>
+              <a:rPr lang="en-US" dirty="0" smtClean="0"/>
+              <a:t>Use Curl to make http requests against public data API</a:t>
+            </a:r>
           </a:p>
         </p:txBody>
       </p:sp>
@@ -7705,868 +8538,10 @@
           </a:p>
         </p:txBody>
       </p:sp>
-      <p:pic>
-        <p:nvPicPr>
-          <p:cNvPr id="9" name="Picture 8"/>
-          <p:cNvPicPr>
-            <a:picLocks noChangeAspect="1"/>
-          </p:cNvPicPr>
-          <p:nvPr/>
-        </p:nvPicPr>
-        <p:blipFill>
-          <a:blip r:embed="rId2"/>
-          <a:stretch>
-            <a:fillRect/>
-          </a:stretch>
-        </p:blipFill>
-        <p:spPr>
-          <a:xfrm>
-            <a:off x="685800" y="3275938"/>
-            <a:ext cx="1041400" cy="998008"/>
-          </a:xfrm>
-          <a:prstGeom prst="rect">
-            <a:avLst/>
-          </a:prstGeom>
-        </p:spPr>
-      </p:pic>
-      <p:sp>
-        <p:nvSpPr>
-          <p:cNvPr id="10" name="TextBox 9"/>
-          <p:cNvSpPr txBox="1"/>
-          <p:nvPr/>
-        </p:nvSpPr>
-        <p:spPr>
-          <a:xfrm>
-            <a:off x="287338" y="2612140"/>
-            <a:ext cx="2364750" cy="523220"/>
-          </a:xfrm>
-          <a:prstGeom prst="rect">
-            <a:avLst/>
-          </a:prstGeom>
-          <a:noFill/>
-        </p:spPr>
-        <p:txBody>
-          <a:bodyPr wrap="none" rtlCol="0">
-            <a:spAutoFit/>
-          </a:bodyPr>
-          <a:lstStyle/>
-          <a:p>
-            <a:r>
-              <a:rPr lang="en-US" sz="1400" dirty="0" smtClean="0"/>
-              <a:t>Issue request from browser</a:t>
-            </a:r>
-          </a:p>
-          <a:p>
-            <a:r>
-              <a:rPr lang="en-US" sz="1400" dirty="0" smtClean="0"/>
-              <a:t>http://</a:t>
-            </a:r>
-            <a:r>
-              <a:rPr lang="en-US" sz="1400" dirty="0" err="1" smtClean="0"/>
-              <a:t>host.com</a:t>
-            </a:r>
-            <a:r>
-              <a:rPr lang="en-US" sz="1400" dirty="0" smtClean="0"/>
-              <a:t>/path</a:t>
-            </a:r>
-            <a:endParaRPr lang="en-US" sz="1400" dirty="0"/>
-          </a:p>
-        </p:txBody>
-      </p:sp>
-      <p:sp>
-        <p:nvSpPr>
-          <p:cNvPr id="12" name="Snip Single Corner Rectangle 11"/>
-          <p:cNvSpPr/>
-          <p:nvPr/>
-        </p:nvSpPr>
-        <p:spPr>
-          <a:xfrm>
-            <a:off x="2667000" y="1795992"/>
-            <a:ext cx="3746500" cy="2318808"/>
-          </a:xfrm>
-          <a:prstGeom prst="snip1Rect">
-            <a:avLst/>
-          </a:prstGeom>
-          <a:solidFill>
-            <a:schemeClr val="tx1"/>
-          </a:solidFill>
-        </p:spPr>
-        <p:style>
-          <a:lnRef idx="1">
-            <a:schemeClr val="accent1"/>
-          </a:lnRef>
-          <a:fillRef idx="3">
-            <a:schemeClr val="accent1"/>
-          </a:fillRef>
-          <a:effectRef idx="2">
-            <a:schemeClr val="accent1"/>
-          </a:effectRef>
-          <a:fontRef idx="minor">
-            <a:schemeClr val="lt1"/>
-          </a:fontRef>
-        </p:style>
-        <p:txBody>
-          <a:bodyPr rtlCol="0" anchor="t" anchorCtr="0"/>
-          <a:lstStyle/>
-          <a:p>
-            <a:r>
-              <a:rPr lang="en-US" sz="1200" dirty="0">
-                <a:solidFill>
-                  <a:schemeClr val="bg1"/>
-                </a:solidFill>
-                <a:latin typeface="Consolas"/>
-                <a:cs typeface="Consolas"/>
-              </a:rPr>
-              <a:t>&gt; GET /path HTTP/1.1</a:t>
-            </a:r>
-          </a:p>
-          <a:p>
-            <a:r>
-              <a:rPr lang="en-US" sz="1200" dirty="0">
-                <a:solidFill>
-                  <a:schemeClr val="bg1"/>
-                </a:solidFill>
-                <a:latin typeface="Consolas"/>
-                <a:cs typeface="Consolas"/>
-              </a:rPr>
-              <a:t>&gt; User-Agent: Mozilla/</a:t>
-            </a:r>
-            <a:r>
-              <a:rPr lang="en-US" sz="1200" dirty="0" smtClean="0">
-                <a:solidFill>
-                  <a:schemeClr val="bg1"/>
-                </a:solidFill>
-                <a:latin typeface="Consolas"/>
-                <a:cs typeface="Consolas"/>
-              </a:rPr>
-              <a:t>5.0</a:t>
-            </a:r>
-            <a:endParaRPr lang="en-US" sz="1200" dirty="0">
-              <a:solidFill>
-                <a:schemeClr val="bg1"/>
-              </a:solidFill>
-              <a:latin typeface="Consolas"/>
-              <a:cs typeface="Consolas"/>
-            </a:endParaRPr>
-          </a:p>
-          <a:p>
-            <a:r>
-              <a:rPr lang="en-US" sz="1200" dirty="0">
-                <a:solidFill>
-                  <a:schemeClr val="bg1"/>
-                </a:solidFill>
-                <a:latin typeface="Consolas"/>
-                <a:cs typeface="Consolas"/>
-              </a:rPr>
-              <a:t>&gt; Host: </a:t>
-            </a:r>
-            <a:r>
-              <a:rPr lang="en-US" sz="1200" dirty="0" err="1">
-                <a:solidFill>
-                  <a:schemeClr val="bg1"/>
-                </a:solidFill>
-                <a:latin typeface="Consolas"/>
-                <a:cs typeface="Consolas"/>
-              </a:rPr>
-              <a:t>host.com</a:t>
-            </a:r>
-            <a:endParaRPr lang="en-US" sz="1200" dirty="0">
-              <a:solidFill>
-                <a:schemeClr val="bg1"/>
-              </a:solidFill>
-              <a:latin typeface="Consolas"/>
-              <a:cs typeface="Consolas"/>
-            </a:endParaRPr>
-          </a:p>
-          <a:p>
-            <a:pPr marL="171450" indent="-171450">
-              <a:buFont typeface="Wingdings" charset="0"/>
-              <a:buChar char="Ø"/>
-            </a:pPr>
-            <a:r>
-              <a:rPr lang="en-US" sz="1200" dirty="0" smtClean="0">
-                <a:solidFill>
-                  <a:schemeClr val="bg1"/>
-                </a:solidFill>
-                <a:latin typeface="Consolas"/>
-                <a:cs typeface="Consolas"/>
-              </a:rPr>
-              <a:t>.</a:t>
-            </a:r>
-            <a:r>
-              <a:rPr lang="en-US" sz="1200" dirty="0">
-                <a:solidFill>
-                  <a:schemeClr val="bg1"/>
-                </a:solidFill>
-                <a:latin typeface="Consolas"/>
-                <a:cs typeface="Consolas"/>
-              </a:rPr>
-              <a:t>.....</a:t>
-            </a:r>
-            <a:r>
-              <a:rPr lang="en-US" sz="1200" dirty="0" smtClean="0">
-                <a:solidFill>
-                  <a:schemeClr val="bg1"/>
-                </a:solidFill>
-                <a:latin typeface="Consolas"/>
-                <a:cs typeface="Consolas"/>
-              </a:rPr>
-              <a:t>.</a:t>
-            </a:r>
-          </a:p>
-          <a:p>
-            <a:pPr marL="171450" indent="-171450">
-              <a:buFont typeface="Wingdings" charset="0"/>
-              <a:buChar char="Ø"/>
-            </a:pPr>
-            <a:endParaRPr lang="en-US" sz="1200" dirty="0">
-              <a:solidFill>
-                <a:schemeClr val="bg1"/>
-              </a:solidFill>
-              <a:latin typeface="Consolas"/>
-              <a:cs typeface="Consolas"/>
-            </a:endParaRPr>
-          </a:p>
-          <a:p>
-            <a:r>
-              <a:rPr lang="en-US" sz="1200" dirty="0">
-                <a:solidFill>
-                  <a:schemeClr val="bg1"/>
-                </a:solidFill>
-                <a:latin typeface="Consolas"/>
-                <a:cs typeface="Consolas"/>
-              </a:rPr>
-              <a:t>&lt; HTTP/1.1 302 Found</a:t>
-            </a:r>
-          </a:p>
-          <a:p>
-            <a:r>
-              <a:rPr lang="en-US" sz="1200" dirty="0">
-                <a:solidFill>
-                  <a:schemeClr val="bg1"/>
-                </a:solidFill>
-                <a:latin typeface="Consolas"/>
-                <a:cs typeface="Consolas"/>
-              </a:rPr>
-              <a:t>&lt; Date: Wed, </a:t>
-            </a:r>
-            <a:r>
-              <a:rPr lang="en-US" sz="1200" dirty="0" smtClean="0">
-                <a:solidFill>
-                  <a:schemeClr val="bg1"/>
-                </a:solidFill>
-                <a:latin typeface="Consolas"/>
-                <a:cs typeface="Consolas"/>
-              </a:rPr>
-              <a:t>01 </a:t>
-            </a:r>
-            <a:r>
-              <a:rPr lang="en-US" sz="1200" dirty="0">
-                <a:solidFill>
-                  <a:schemeClr val="bg1"/>
-                </a:solidFill>
-                <a:latin typeface="Consolas"/>
-                <a:cs typeface="Consolas"/>
-              </a:rPr>
-              <a:t>Jan 2013 20:11:48 GMT</a:t>
-            </a:r>
-          </a:p>
-          <a:p>
-            <a:r>
-              <a:rPr lang="en-US" sz="1200" dirty="0">
-                <a:solidFill>
-                  <a:schemeClr val="bg1"/>
-                </a:solidFill>
-                <a:latin typeface="Consolas"/>
-                <a:cs typeface="Consolas"/>
-              </a:rPr>
-              <a:t>&lt; Server: Apache/2.2.23</a:t>
-            </a:r>
-          </a:p>
-          <a:p>
-            <a:r>
-              <a:rPr lang="en-US" sz="1200" dirty="0">
-                <a:solidFill>
-                  <a:schemeClr val="bg1"/>
-                </a:solidFill>
-                <a:latin typeface="Consolas"/>
-                <a:cs typeface="Consolas"/>
-              </a:rPr>
-              <a:t>&lt; Location: http://</a:t>
-            </a:r>
-            <a:r>
-              <a:rPr lang="en-US" sz="1200" dirty="0" err="1">
-                <a:solidFill>
-                  <a:schemeClr val="bg1"/>
-                </a:solidFill>
-                <a:latin typeface="Consolas"/>
-                <a:cs typeface="Consolas"/>
-              </a:rPr>
-              <a:t>anotherhost.com</a:t>
-            </a:r>
-            <a:r>
-              <a:rPr lang="en-US" sz="1200" dirty="0">
-                <a:solidFill>
-                  <a:schemeClr val="bg1"/>
-                </a:solidFill>
-                <a:latin typeface="Consolas"/>
-                <a:cs typeface="Consolas"/>
-              </a:rPr>
-              <a:t>/path</a:t>
-            </a:r>
-          </a:p>
-          <a:p>
-            <a:r>
-              <a:rPr lang="en-US" sz="1200" dirty="0">
-                <a:solidFill>
-                  <a:schemeClr val="bg1"/>
-                </a:solidFill>
-                <a:latin typeface="Consolas"/>
-                <a:cs typeface="Consolas"/>
-              </a:rPr>
-              <a:t>&lt; ......</a:t>
-            </a:r>
-          </a:p>
-          <a:p>
-            <a:pPr marL="171450" indent="-171450">
-              <a:buFont typeface="Wingdings" charset="0"/>
-              <a:buChar char="Ø"/>
-            </a:pPr>
-            <a:endParaRPr lang="en-US" sz="1200" dirty="0">
-              <a:solidFill>
-                <a:schemeClr val="bg1"/>
-              </a:solidFill>
-              <a:latin typeface="Consolas"/>
-              <a:cs typeface="Consolas"/>
-            </a:endParaRPr>
-          </a:p>
-        </p:txBody>
-      </p:sp>
-      <p:pic>
-        <p:nvPicPr>
-          <p:cNvPr id="13" name="Picture 12"/>
-          <p:cNvPicPr>
-            <a:picLocks noChangeAspect="1"/>
-          </p:cNvPicPr>
-          <p:nvPr/>
-        </p:nvPicPr>
-        <p:blipFill>
-          <a:blip r:embed="rId3"/>
-          <a:stretch>
-            <a:fillRect/>
-          </a:stretch>
-        </p:blipFill>
-        <p:spPr>
-          <a:xfrm>
-            <a:off x="6908503" y="2585844"/>
-            <a:ext cx="961994" cy="921232"/>
-          </a:xfrm>
-          <a:prstGeom prst="rect">
-            <a:avLst/>
-          </a:prstGeom>
-        </p:spPr>
-      </p:pic>
-      <p:sp>
-        <p:nvSpPr>
-          <p:cNvPr id="15" name="TextBox 14"/>
-          <p:cNvSpPr txBox="1"/>
-          <p:nvPr/>
-        </p:nvSpPr>
-        <p:spPr>
-          <a:xfrm>
-            <a:off x="6705303" y="2013157"/>
-            <a:ext cx="913068" cy="307777"/>
-          </a:xfrm>
-          <a:prstGeom prst="rect">
-            <a:avLst/>
-          </a:prstGeom>
-          <a:noFill/>
-        </p:spPr>
-        <p:txBody>
-          <a:bodyPr wrap="none" rtlCol="0">
-            <a:spAutoFit/>
-          </a:bodyPr>
-          <a:lstStyle/>
-          <a:p>
-            <a:r>
-              <a:rPr lang="en-US" sz="1400" dirty="0" err="1"/>
-              <a:t>h</a:t>
-            </a:r>
-            <a:r>
-              <a:rPr lang="en-US" sz="1400" dirty="0" err="1" smtClean="0"/>
-              <a:t>ost.com</a:t>
-            </a:r>
-            <a:endParaRPr lang="en-US" sz="1400" dirty="0"/>
-          </a:p>
-        </p:txBody>
-      </p:sp>
-      <p:sp>
-        <p:nvSpPr>
-          <p:cNvPr id="16" name="Curved Left Arrow 15"/>
-          <p:cNvSpPr/>
-          <p:nvPr/>
-        </p:nvSpPr>
-        <p:spPr>
-          <a:xfrm>
-            <a:off x="6616402" y="2395021"/>
-            <a:ext cx="584200" cy="1302876"/>
-          </a:xfrm>
-          <a:prstGeom prst="curvedLeftArrow">
-            <a:avLst/>
-          </a:prstGeom>
-        </p:spPr>
-        <p:style>
-          <a:lnRef idx="1">
-            <a:schemeClr val="accent1"/>
-          </a:lnRef>
-          <a:fillRef idx="3">
-            <a:schemeClr val="accent1"/>
-          </a:fillRef>
-          <a:effectRef idx="2">
-            <a:schemeClr val="accent1"/>
-          </a:effectRef>
-          <a:fontRef idx="minor">
-            <a:schemeClr val="lt1"/>
-          </a:fontRef>
-        </p:style>
-        <p:txBody>
-          <a:bodyPr rtlCol="0" anchor="ctr"/>
-          <a:lstStyle/>
-          <a:p>
-            <a:pPr algn="ctr"/>
-            <a:endParaRPr lang="en-US">
-              <a:solidFill>
-                <a:schemeClr val="tx1"/>
-              </a:solidFill>
-            </a:endParaRPr>
-          </a:p>
-        </p:txBody>
-      </p:sp>
-      <p:sp>
-        <p:nvSpPr>
-          <p:cNvPr id="17" name="Snip Single Corner Rectangle 16"/>
-          <p:cNvSpPr/>
-          <p:nvPr/>
-        </p:nvSpPr>
-        <p:spPr>
-          <a:xfrm>
-            <a:off x="2667000" y="4221692"/>
-            <a:ext cx="3758902" cy="2255308"/>
-          </a:xfrm>
-          <a:prstGeom prst="snip1Rect">
-            <a:avLst/>
-          </a:prstGeom>
-          <a:solidFill>
-            <a:schemeClr val="tx1"/>
-          </a:solidFill>
-        </p:spPr>
-        <p:style>
-          <a:lnRef idx="1">
-            <a:schemeClr val="accent1"/>
-          </a:lnRef>
-          <a:fillRef idx="3">
-            <a:schemeClr val="accent1"/>
-          </a:fillRef>
-          <a:effectRef idx="2">
-            <a:schemeClr val="accent1"/>
-          </a:effectRef>
-          <a:fontRef idx="minor">
-            <a:schemeClr val="lt1"/>
-          </a:fontRef>
-        </p:style>
-        <p:txBody>
-          <a:bodyPr rtlCol="0" anchor="t" anchorCtr="0"/>
-          <a:lstStyle/>
-          <a:p>
-            <a:r>
-              <a:rPr lang="en-US" sz="1200" dirty="0">
-                <a:solidFill>
-                  <a:schemeClr val="bg1"/>
-                </a:solidFill>
-                <a:latin typeface="Consolas"/>
-                <a:cs typeface="Consolas"/>
-              </a:rPr>
-              <a:t>&gt; GET /path HTTP/1.1</a:t>
-            </a:r>
-          </a:p>
-          <a:p>
-            <a:r>
-              <a:rPr lang="en-US" sz="1200" dirty="0">
-                <a:solidFill>
-                  <a:schemeClr val="bg1"/>
-                </a:solidFill>
-                <a:latin typeface="Consolas"/>
-                <a:cs typeface="Consolas"/>
-              </a:rPr>
-              <a:t>&gt; User-Agent: Mozilla/</a:t>
-            </a:r>
-            <a:r>
-              <a:rPr lang="en-US" sz="1200" dirty="0" smtClean="0">
-                <a:solidFill>
-                  <a:schemeClr val="bg1"/>
-                </a:solidFill>
-                <a:latin typeface="Consolas"/>
-                <a:cs typeface="Consolas"/>
-              </a:rPr>
-              <a:t>5.0</a:t>
-            </a:r>
-            <a:endParaRPr lang="en-US" sz="1200" dirty="0">
-              <a:solidFill>
-                <a:schemeClr val="bg1"/>
-              </a:solidFill>
-              <a:latin typeface="Consolas"/>
-              <a:cs typeface="Consolas"/>
-            </a:endParaRPr>
-          </a:p>
-          <a:p>
-            <a:r>
-              <a:rPr lang="en-US" sz="1200" dirty="0">
-                <a:solidFill>
-                  <a:schemeClr val="bg1"/>
-                </a:solidFill>
-                <a:latin typeface="Consolas"/>
-                <a:cs typeface="Consolas"/>
-              </a:rPr>
-              <a:t>&gt; Host: </a:t>
-            </a:r>
-            <a:r>
-              <a:rPr lang="en-US" sz="1200" dirty="0" err="1" smtClean="0">
-                <a:solidFill>
-                  <a:schemeClr val="bg1"/>
-                </a:solidFill>
-                <a:latin typeface="Consolas"/>
-                <a:cs typeface="Consolas"/>
-              </a:rPr>
-              <a:t>anotherhost.com</a:t>
-            </a:r>
-            <a:endParaRPr lang="en-US" sz="1200" dirty="0">
-              <a:solidFill>
-                <a:schemeClr val="bg1"/>
-              </a:solidFill>
-              <a:latin typeface="Consolas"/>
-              <a:cs typeface="Consolas"/>
-            </a:endParaRPr>
-          </a:p>
-          <a:p>
-            <a:pPr marL="171450" indent="-171450">
-              <a:buFont typeface="Wingdings" charset="0"/>
-              <a:buChar char="Ø"/>
-            </a:pPr>
-            <a:r>
-              <a:rPr lang="en-US" sz="1200" dirty="0" smtClean="0">
-                <a:solidFill>
-                  <a:schemeClr val="bg1"/>
-                </a:solidFill>
-                <a:latin typeface="Consolas"/>
-                <a:cs typeface="Consolas"/>
-              </a:rPr>
-              <a:t>.</a:t>
-            </a:r>
-            <a:r>
-              <a:rPr lang="en-US" sz="1200" dirty="0">
-                <a:solidFill>
-                  <a:schemeClr val="bg1"/>
-                </a:solidFill>
-                <a:latin typeface="Consolas"/>
-                <a:cs typeface="Consolas"/>
-              </a:rPr>
-              <a:t>.....</a:t>
-            </a:r>
-            <a:r>
-              <a:rPr lang="en-US" sz="1200" dirty="0" smtClean="0">
-                <a:solidFill>
-                  <a:schemeClr val="bg1"/>
-                </a:solidFill>
-                <a:latin typeface="Consolas"/>
-                <a:cs typeface="Consolas"/>
-              </a:rPr>
-              <a:t>.</a:t>
-            </a:r>
-          </a:p>
-          <a:p>
-            <a:pPr marL="171450" indent="-171450">
-              <a:buFont typeface="Wingdings" charset="0"/>
-              <a:buChar char="Ø"/>
-            </a:pPr>
-            <a:endParaRPr lang="en-US" sz="1200" dirty="0">
-              <a:solidFill>
-                <a:schemeClr val="bg1"/>
-              </a:solidFill>
-              <a:latin typeface="Consolas"/>
-              <a:cs typeface="Consolas"/>
-            </a:endParaRPr>
-          </a:p>
-          <a:p>
-            <a:r>
-              <a:rPr lang="en-US" sz="1200" dirty="0">
-                <a:solidFill>
-                  <a:schemeClr val="bg1"/>
-                </a:solidFill>
-                <a:latin typeface="Consolas"/>
-                <a:cs typeface="Consolas"/>
-              </a:rPr>
-              <a:t>&lt; HTTP/1.1 200 OK</a:t>
-            </a:r>
-          </a:p>
-          <a:p>
-            <a:r>
-              <a:rPr lang="en-US" sz="1200" dirty="0">
-                <a:solidFill>
-                  <a:schemeClr val="bg1"/>
-                </a:solidFill>
-                <a:latin typeface="Consolas"/>
-                <a:cs typeface="Consolas"/>
-              </a:rPr>
-              <a:t>&lt; Date: Wed, </a:t>
-            </a:r>
-            <a:r>
-              <a:rPr lang="en-US" sz="1200" dirty="0" smtClean="0">
-                <a:solidFill>
-                  <a:schemeClr val="bg1"/>
-                </a:solidFill>
-                <a:latin typeface="Consolas"/>
-                <a:cs typeface="Consolas"/>
-              </a:rPr>
-              <a:t>01 </a:t>
-            </a:r>
-            <a:r>
-              <a:rPr lang="en-US" sz="1200" dirty="0">
-                <a:solidFill>
-                  <a:schemeClr val="bg1"/>
-                </a:solidFill>
-                <a:latin typeface="Consolas"/>
-                <a:cs typeface="Consolas"/>
-              </a:rPr>
-              <a:t>Jan 2013 </a:t>
-            </a:r>
-            <a:r>
-              <a:rPr lang="en-US" sz="1200" dirty="0" smtClean="0">
-                <a:solidFill>
-                  <a:schemeClr val="bg1"/>
-                </a:solidFill>
-                <a:latin typeface="Consolas"/>
-                <a:cs typeface="Consolas"/>
-              </a:rPr>
-              <a:t>20:11:49 </a:t>
-            </a:r>
-            <a:r>
-              <a:rPr lang="en-US" sz="1200" dirty="0">
-                <a:solidFill>
-                  <a:schemeClr val="bg1"/>
-                </a:solidFill>
-                <a:latin typeface="Consolas"/>
-                <a:cs typeface="Consolas"/>
-              </a:rPr>
-              <a:t>GMT</a:t>
-            </a:r>
-          </a:p>
-          <a:p>
-            <a:r>
-              <a:rPr lang="en-US" sz="1200" dirty="0">
-                <a:solidFill>
-                  <a:schemeClr val="bg1"/>
-                </a:solidFill>
-                <a:latin typeface="Consolas"/>
-                <a:cs typeface="Consolas"/>
-              </a:rPr>
-              <a:t>&lt; Server</a:t>
-            </a:r>
-            <a:r>
-              <a:rPr lang="en-US" sz="1200">
-                <a:solidFill>
-                  <a:schemeClr val="bg1"/>
-                </a:solidFill>
-                <a:latin typeface="Consolas"/>
-                <a:cs typeface="Consolas"/>
-              </a:rPr>
-              <a:t>: </a:t>
-            </a:r>
-            <a:r>
-              <a:rPr lang="en-US" sz="1200">
-                <a:solidFill>
-                  <a:schemeClr val="bg1"/>
-                </a:solidFill>
-                <a:latin typeface="Consolas"/>
-                <a:cs typeface="Consolas"/>
-              </a:rPr>
-              <a:t>Apache/2.2.23</a:t>
-            </a:r>
-            <a:endParaRPr lang="en-US" sz="1200" dirty="0">
-              <a:solidFill>
-                <a:schemeClr val="bg1"/>
-              </a:solidFill>
-              <a:latin typeface="Consolas"/>
-              <a:cs typeface="Consolas"/>
-            </a:endParaRPr>
-          </a:p>
-          <a:p>
-            <a:r>
-              <a:rPr lang="en-US" sz="1200" dirty="0">
-                <a:solidFill>
-                  <a:schemeClr val="bg1"/>
-                </a:solidFill>
-                <a:latin typeface="Consolas"/>
-                <a:cs typeface="Consolas"/>
-              </a:rPr>
-              <a:t>&lt; Content-Type: application/</a:t>
-            </a:r>
-            <a:r>
-              <a:rPr lang="en-US" sz="1200" dirty="0" err="1">
-                <a:solidFill>
-                  <a:schemeClr val="bg1"/>
-                </a:solidFill>
-                <a:latin typeface="Consolas"/>
-                <a:cs typeface="Consolas"/>
-              </a:rPr>
-              <a:t>json;charset</a:t>
-            </a:r>
-            <a:r>
-              <a:rPr lang="en-US" sz="1200" dirty="0">
-                <a:solidFill>
-                  <a:schemeClr val="bg1"/>
-                </a:solidFill>
-                <a:latin typeface="Consolas"/>
-                <a:cs typeface="Consolas"/>
-              </a:rPr>
-              <a:t>=UTF-8</a:t>
-            </a:r>
-          </a:p>
-          <a:p>
-            <a:r>
-              <a:rPr lang="en-US" sz="1200" dirty="0">
-                <a:solidFill>
-                  <a:schemeClr val="bg1"/>
-                </a:solidFill>
-                <a:latin typeface="Consolas"/>
-                <a:cs typeface="Consolas"/>
-              </a:rPr>
-              <a:t>&lt; ......</a:t>
-            </a:r>
-          </a:p>
-          <a:p>
-            <a:endParaRPr lang="en-US" sz="1200" dirty="0">
-              <a:solidFill>
-                <a:schemeClr val="bg1"/>
-              </a:solidFill>
-              <a:latin typeface="Consolas"/>
-              <a:cs typeface="Consolas"/>
-            </a:endParaRPr>
-          </a:p>
-          <a:p>
-            <a:pPr marL="171450" indent="-171450">
-              <a:buFont typeface="Wingdings" charset="0"/>
-              <a:buChar char="Ø"/>
-            </a:pPr>
-            <a:endParaRPr lang="en-US" sz="1200" dirty="0">
-              <a:solidFill>
-                <a:schemeClr val="bg1"/>
-              </a:solidFill>
-              <a:latin typeface="Consolas"/>
-              <a:cs typeface="Consolas"/>
-            </a:endParaRPr>
-          </a:p>
-        </p:txBody>
-      </p:sp>
-      <p:pic>
-        <p:nvPicPr>
-          <p:cNvPr id="18" name="Picture 17"/>
-          <p:cNvPicPr>
-            <a:picLocks noChangeAspect="1"/>
-          </p:cNvPicPr>
-          <p:nvPr/>
-        </p:nvPicPr>
-        <p:blipFill>
-          <a:blip r:embed="rId3"/>
-          <a:stretch>
-            <a:fillRect/>
-          </a:stretch>
-        </p:blipFill>
-        <p:spPr>
-          <a:xfrm>
-            <a:off x="6919600" y="4838700"/>
-            <a:ext cx="961994" cy="921232"/>
-          </a:xfrm>
-          <a:prstGeom prst="rect">
-            <a:avLst/>
-          </a:prstGeom>
-        </p:spPr>
-      </p:pic>
-      <p:sp>
-        <p:nvSpPr>
-          <p:cNvPr id="19" name="TextBox 18"/>
-          <p:cNvSpPr txBox="1"/>
-          <p:nvPr/>
-        </p:nvSpPr>
-        <p:spPr>
-          <a:xfrm>
-            <a:off x="6527503" y="4337446"/>
-            <a:ext cx="1521984" cy="307777"/>
-          </a:xfrm>
-          <a:prstGeom prst="rect">
-            <a:avLst/>
-          </a:prstGeom>
-          <a:noFill/>
-        </p:spPr>
-        <p:txBody>
-          <a:bodyPr wrap="none" rtlCol="0">
-            <a:spAutoFit/>
-          </a:bodyPr>
-          <a:lstStyle/>
-          <a:p>
-            <a:r>
-              <a:rPr lang="en-US" sz="1400" dirty="0" err="1" smtClean="0"/>
-              <a:t>anotherhost.com</a:t>
-            </a:r>
-            <a:endParaRPr lang="en-US" sz="1400" dirty="0"/>
-          </a:p>
-        </p:txBody>
-      </p:sp>
-      <p:sp>
-        <p:nvSpPr>
-          <p:cNvPr id="21" name="Curved Left Arrow 20"/>
-          <p:cNvSpPr/>
-          <p:nvPr/>
-        </p:nvSpPr>
-        <p:spPr>
-          <a:xfrm>
-            <a:off x="6667011" y="4714334"/>
-            <a:ext cx="584200" cy="1302876"/>
-          </a:xfrm>
-          <a:prstGeom prst="curvedLeftArrow">
-            <a:avLst/>
-          </a:prstGeom>
-        </p:spPr>
-        <p:style>
-          <a:lnRef idx="1">
-            <a:schemeClr val="accent1"/>
-          </a:lnRef>
-          <a:fillRef idx="3">
-            <a:schemeClr val="accent1"/>
-          </a:fillRef>
-          <a:effectRef idx="2">
-            <a:schemeClr val="accent1"/>
-          </a:effectRef>
-          <a:fontRef idx="minor">
-            <a:schemeClr val="lt1"/>
-          </a:fontRef>
-        </p:style>
-        <p:txBody>
-          <a:bodyPr rtlCol="0" anchor="ctr"/>
-          <a:lstStyle/>
-          <a:p>
-            <a:pPr algn="ctr"/>
-            <a:endParaRPr lang="en-US">
-              <a:solidFill>
-                <a:schemeClr val="tx1"/>
-              </a:solidFill>
-            </a:endParaRPr>
-          </a:p>
-        </p:txBody>
-      </p:sp>
     </p:spTree>
     <p:extLst>
       <p:ext uri="{BB962C8B-B14F-4D97-AF65-F5344CB8AC3E}">
-        <p14:creationId xmlns:p14="http://schemas.microsoft.com/office/powerpoint/2010/main" val="1916411446"/>
+        <p14:creationId xmlns:p14="http://schemas.microsoft.com/office/powerpoint/2010/main" val="3805536355"/>
       </p:ext>
     </p:extLst>
   </p:cSld>
@@ -8612,12 +8587,14 @@
         </p:nvSpPr>
         <p:spPr/>
         <p:txBody>
-          <a:bodyPr/>
+          <a:bodyPr>
+            <a:normAutofit fontScale="90000"/>
+          </a:bodyPr>
           <a:lstStyle/>
           <a:p>
             <a:r>
               <a:rPr lang="en-US" dirty="0" smtClean="0"/>
-              <a:t>HTTP overview</a:t>
+              <a:t>API’s for patient related information</a:t>
             </a:r>
             <a:endParaRPr lang="en-US" dirty="0"/>
           </a:p>
@@ -8642,7 +8619,7 @@
           <a:p>
             <a:r>
               <a:rPr lang="en-US" dirty="0" smtClean="0"/>
-              <a:t>Exercise 1</a:t>
+              <a:t>Introduction</a:t>
             </a:r>
             <a:endParaRPr lang="en-US" dirty="0"/>
           </a:p>
@@ -8663,12 +8640,78 @@
           <a:bodyPr/>
           <a:lstStyle/>
           <a:p>
-            <a:pPr marL="0" indent="0">
-              <a:buNone/>
-            </a:pPr>
-            <a:r>
-              <a:rPr lang="en-US" dirty="0" smtClean="0"/>
-              <a:t>Use Curl to make http requests against public data API</a:t>
+            <a:r>
+              <a:rPr lang="en-US" sz="1800" dirty="0" smtClean="0"/>
+              <a:t>As opposed to the public API’s, not open data API’s</a:t>
+            </a:r>
+          </a:p>
+          <a:p>
+            <a:r>
+              <a:rPr lang="en-US" sz="1800" dirty="0" smtClean="0"/>
+              <a:t>Strong authentication of citizens</a:t>
+            </a:r>
+          </a:p>
+          <a:p>
+            <a:pPr lvl="1"/>
+            <a:r>
+              <a:rPr lang="en-US" sz="1800" dirty="0" smtClean="0"/>
+              <a:t>Demand from </a:t>
+            </a:r>
+            <a:r>
+              <a:rPr lang="en-US" sz="1800" dirty="0" err="1" smtClean="0"/>
+              <a:t>Datainspektionen</a:t>
+            </a:r>
+            <a:endParaRPr lang="en-US" sz="1800" dirty="0" smtClean="0"/>
+          </a:p>
+          <a:p>
+            <a:pPr lvl="1"/>
+            <a:r>
+              <a:rPr lang="en-US" sz="1800" dirty="0" smtClean="0"/>
+              <a:t>2 factor</a:t>
+            </a:r>
+          </a:p>
+          <a:p>
+            <a:r>
+              <a:rPr lang="en-US" sz="1800" dirty="0" smtClean="0"/>
+              <a:t>Strong authentication of API clients</a:t>
+            </a:r>
+          </a:p>
+          <a:p>
+            <a:pPr lvl="1"/>
+            <a:r>
+              <a:rPr lang="en-US" sz="1800" dirty="0" smtClean="0"/>
+              <a:t>SSL/TLS certificate issued by trusted CA</a:t>
+            </a:r>
+          </a:p>
+          <a:p>
+            <a:pPr lvl="1"/>
+            <a:r>
+              <a:rPr lang="en-US" sz="1800" dirty="0" smtClean="0"/>
+              <a:t>Mutual </a:t>
+            </a:r>
+            <a:r>
+              <a:rPr lang="en-US" sz="1800" dirty="0" err="1" smtClean="0"/>
+              <a:t>authenticaton</a:t>
+            </a:r>
+            <a:endParaRPr lang="en-US" sz="1800" dirty="0" smtClean="0"/>
+          </a:p>
+          <a:p>
+            <a:r>
+              <a:rPr lang="en-US" sz="1800" dirty="0" smtClean="0"/>
+              <a:t>Strict authorization control</a:t>
+            </a:r>
+          </a:p>
+          <a:p>
+            <a:pPr lvl="1"/>
+            <a:r>
+              <a:rPr lang="en-US" sz="1600" dirty="0" smtClean="0"/>
+              <a:t>Citizen approved </a:t>
+            </a:r>
+          </a:p>
+          <a:p>
+            <a:r>
+              <a:rPr lang="en-US" sz="1800" dirty="0" smtClean="0"/>
+              <a:t>So what’s the problem???</a:t>
             </a:r>
           </a:p>
         </p:txBody>
@@ -8705,7 +8748,7 @@
     </p:spTree>
     <p:extLst>
       <p:ext uri="{BB962C8B-B14F-4D97-AF65-F5344CB8AC3E}">
-        <p14:creationId xmlns:p14="http://schemas.microsoft.com/office/powerpoint/2010/main" val="3805536355"/>
+        <p14:creationId xmlns:p14="http://schemas.microsoft.com/office/powerpoint/2010/main" val="910791665"/>
       </p:ext>
     </p:extLst>
   </p:cSld>
@@ -8757,10 +8800,9 @@
           <a:lstStyle/>
           <a:p>
             <a:r>
-              <a:rPr lang="en-US" dirty="0" smtClean="0"/>
+              <a:rPr lang="en-US" dirty="0"/>
               <a:t>API’s for patient related information</a:t>
             </a:r>
-            <a:endParaRPr lang="en-US" dirty="0"/>
           </a:p>
         </p:txBody>
       </p:sp>
@@ -8783,7 +8825,7 @@
           <a:p>
             <a:r>
               <a:rPr lang="en-US" dirty="0" smtClean="0"/>
-              <a:t>Introduction</a:t>
+              <a:t>The problem</a:t>
             </a:r>
             <a:endParaRPr lang="en-US" dirty="0"/>
           </a:p>
@@ -8799,84 +8841,21 @@
             <p:ph type="body" sz="quarter" idx="13"/>
           </p:nvPr>
         </p:nvSpPr>
-        <p:spPr/>
+        <p:spPr>
+          <a:ln w="38100" cmpd="sng">
+            <a:solidFill>
+              <a:srgbClr val="4F81BD"/>
+            </a:solidFill>
+          </a:ln>
+        </p:spPr>
         <p:txBody>
           <a:bodyPr/>
           <a:lstStyle/>
           <a:p>
-            <a:r>
-              <a:rPr lang="en-US" sz="1800" dirty="0" smtClean="0"/>
-              <a:t>As opposed to the public API’s, not open data API’s</a:t>
-            </a:r>
-          </a:p>
-          <a:p>
-            <a:r>
-              <a:rPr lang="en-US" sz="1800" dirty="0" smtClean="0"/>
-              <a:t>Strong authentication of citizens</a:t>
-            </a:r>
-          </a:p>
-          <a:p>
-            <a:pPr lvl="1"/>
-            <a:r>
-              <a:rPr lang="en-US" sz="1800" dirty="0" smtClean="0"/>
-              <a:t>Demand from </a:t>
-            </a:r>
-            <a:r>
-              <a:rPr lang="en-US" sz="1800" dirty="0" err="1" smtClean="0"/>
-              <a:t>Datainspektionen</a:t>
-            </a:r>
-            <a:endParaRPr lang="en-US" sz="1800" dirty="0" smtClean="0"/>
-          </a:p>
-          <a:p>
-            <a:pPr lvl="1"/>
-            <a:r>
-              <a:rPr lang="en-US" sz="1800" dirty="0" smtClean="0"/>
-              <a:t>2 factor</a:t>
-            </a:r>
-          </a:p>
-          <a:p>
-            <a:r>
-              <a:rPr lang="en-US" sz="1800" dirty="0" smtClean="0"/>
-              <a:t>Strong authentication of API clients</a:t>
-            </a:r>
-          </a:p>
-          <a:p>
-            <a:pPr lvl="1"/>
-            <a:r>
-              <a:rPr lang="en-US" sz="1800" dirty="0" smtClean="0"/>
-              <a:t>SSL/TLS certificate issued by trusted CA</a:t>
-            </a:r>
-          </a:p>
-          <a:p>
-            <a:pPr lvl="1"/>
-            <a:r>
-              <a:rPr lang="en-US" sz="1800" dirty="0" smtClean="0"/>
-              <a:t>Mutual </a:t>
-            </a:r>
-            <a:r>
-              <a:rPr lang="en-US" sz="1800" dirty="0" err="1" smtClean="0"/>
-              <a:t>authenticaton</a:t>
-            </a:r>
-            <a:endParaRPr lang="en-US" sz="1800" dirty="0" smtClean="0"/>
-          </a:p>
-          <a:p>
-            <a:r>
-              <a:rPr lang="en-US" sz="1800" dirty="0" smtClean="0"/>
-              <a:t>Strict authorization control</a:t>
-            </a:r>
-          </a:p>
-          <a:p>
-            <a:pPr lvl="1"/>
-            <a:r>
-              <a:rPr lang="en-US" sz="1600" dirty="0" smtClean="0"/>
-              <a:t>Citizen approved </a:t>
-            </a:r>
-          </a:p>
-          <a:p>
-            <a:r>
-              <a:rPr lang="en-US" sz="1800" dirty="0" smtClean="0"/>
-              <a:t>So what’s the problem???</a:t>
-            </a:r>
+            <a:pPr marL="0" indent="0">
+              <a:buNone/>
+            </a:pPr>
+            <a:endParaRPr lang="en-US" sz="1400" dirty="0"/>
           </a:p>
         </p:txBody>
       </p:sp>
@@ -8904,149 +8883,6 @@
                 <a:defRPr/>
               </a:pPr>
               <a:t>13</a:t>
-            </a:fld>
-            <a:endParaRPr lang="sv-SE"/>
-          </a:p>
-        </p:txBody>
-      </p:sp>
-    </p:spTree>
-    <p:extLst>
-      <p:ext uri="{BB962C8B-B14F-4D97-AF65-F5344CB8AC3E}">
-        <p14:creationId xmlns:p14="http://schemas.microsoft.com/office/powerpoint/2010/main" val="910791665"/>
-      </p:ext>
-    </p:extLst>
-  </p:cSld>
-  <p:clrMapOvr>
-    <a:masterClrMapping/>
-  </p:clrMapOvr>
-  <p:timing>
-    <p:tnLst>
-      <p:par>
-        <p:cTn xmlns:p14="http://schemas.microsoft.com/office/powerpoint/2010/main" id="1" dur="indefinite" restart="never" nodeType="tmRoot"/>
-      </p:par>
-    </p:tnLst>
-  </p:timing>
-</p:sld>
-</file>
-
-<file path=ppt/slides/slide14.xml><?xml version="1.0" encoding="utf-8"?>
-<p:sld xmlns:a="http://schemas.openxmlformats.org/drawingml/2006/main" xmlns:r="http://schemas.openxmlformats.org/officeDocument/2006/relationships" xmlns:p="http://schemas.openxmlformats.org/presentationml/2006/main">
-  <p:cSld>
-    <p:spTree>
-      <p:nvGrpSpPr>
-        <p:cNvPr id="1" name=""/>
-        <p:cNvGrpSpPr/>
-        <p:nvPr/>
-      </p:nvGrpSpPr>
-      <p:grpSpPr>
-        <a:xfrm>
-          <a:off x="0" y="0"/>
-          <a:ext cx="0" cy="0"/>
-          <a:chOff x="0" y="0"/>
-          <a:chExt cx="0" cy="0"/>
-        </a:xfrm>
-      </p:grpSpPr>
-      <p:sp>
-        <p:nvSpPr>
-          <p:cNvPr id="2" name="Title 1"/>
-          <p:cNvSpPr>
-            <a:spLocks noGrp="1"/>
-          </p:cNvSpPr>
-          <p:nvPr>
-            <p:ph type="ctrTitle"/>
-          </p:nvPr>
-        </p:nvSpPr>
-        <p:spPr/>
-        <p:txBody>
-          <a:bodyPr>
-            <a:normAutofit fontScale="90000"/>
-          </a:bodyPr>
-          <a:lstStyle/>
-          <a:p>
-            <a:r>
-              <a:rPr lang="en-US" dirty="0"/>
-              <a:t>API’s for patient related information</a:t>
-            </a:r>
-          </a:p>
-        </p:txBody>
-      </p:sp>
-      <p:sp>
-        <p:nvSpPr>
-          <p:cNvPr id="3" name="Subtitle 2"/>
-          <p:cNvSpPr>
-            <a:spLocks noGrp="1"/>
-          </p:cNvSpPr>
-          <p:nvPr>
-            <p:ph type="subTitle" idx="1"/>
-          </p:nvPr>
-        </p:nvSpPr>
-        <p:spPr/>
-        <p:txBody>
-          <a:bodyPr>
-            <a:normAutofit fontScale="92500" lnSpcReduction="10000"/>
-          </a:bodyPr>
-          <a:lstStyle/>
-          <a:p>
-            <a:r>
-              <a:rPr lang="en-US" dirty="0" smtClean="0"/>
-              <a:t>The problem</a:t>
-            </a:r>
-            <a:endParaRPr lang="en-US" dirty="0"/>
-          </a:p>
-        </p:txBody>
-      </p:sp>
-      <p:sp>
-        <p:nvSpPr>
-          <p:cNvPr id="4" name="Text Placeholder 3"/>
-          <p:cNvSpPr>
-            <a:spLocks noGrp="1"/>
-          </p:cNvSpPr>
-          <p:nvPr>
-            <p:ph type="body" sz="quarter" idx="13"/>
-          </p:nvPr>
-        </p:nvSpPr>
-        <p:spPr>
-          <a:ln w="38100" cmpd="sng">
-            <a:solidFill>
-              <a:srgbClr val="4F81BD"/>
-            </a:solidFill>
-          </a:ln>
-        </p:spPr>
-        <p:txBody>
-          <a:bodyPr/>
-          <a:lstStyle/>
-          <a:p>
-            <a:pPr marL="0" indent="0">
-              <a:buNone/>
-            </a:pPr>
-            <a:endParaRPr lang="en-US" sz="1400" dirty="0"/>
-          </a:p>
-        </p:txBody>
-      </p:sp>
-      <p:sp>
-        <p:nvSpPr>
-          <p:cNvPr id="5" name="Slide Number Placeholder 4"/>
-          <p:cNvSpPr>
-            <a:spLocks noGrp="1"/>
-          </p:cNvSpPr>
-          <p:nvPr>
-            <p:ph type="sldNum" sz="quarter" idx="14"/>
-          </p:nvPr>
-        </p:nvSpPr>
-        <p:spPr/>
-        <p:txBody>
-          <a:bodyPr/>
-          <a:lstStyle/>
-          <a:p>
-            <a:pPr>
-              <a:defRPr/>
-            </a:pPr>
-            <a:fld id="{4AA01602-B999-AA4E-80A6-B21CED3A9C3C}" type="slidenum">
-              <a:rPr lang="sv-SE" smtClean="0"/>
-              <a:pPr>
-                <a:defRPr/>
-              </a:pPr>
-              <a:t>14</a:t>
             </a:fld>
             <a:endParaRPr lang="sv-SE"/>
           </a:p>
@@ -9748,7 +9584,7 @@
 </p:sld>
 </file>
 
-<file path=ppt/slides/slide15.xml><?xml version="1.0" encoding="utf-8"?>
+<file path=ppt/slides/slide14.xml><?xml version="1.0" encoding="utf-8"?>
 <p:sld xmlns:a="http://schemas.openxmlformats.org/drawingml/2006/main" xmlns:r="http://schemas.openxmlformats.org/officeDocument/2006/relationships" xmlns:p="http://schemas.openxmlformats.org/presentationml/2006/main">
   <p:cSld>
     <p:spTree>
@@ -9906,7 +9742,7 @@
               <a:pPr>
                 <a:defRPr/>
               </a:pPr>
-              <a:t>15</a:t>
+              <a:t>14</a:t>
             </a:fld>
             <a:endParaRPr lang="sv-SE"/>
           </a:p>
@@ -9932,7 +9768,7 @@
 </p:sld>
 </file>
 
-<file path=ppt/slides/slide16.xml><?xml version="1.0" encoding="utf-8"?>
+<file path=ppt/slides/slide15.xml><?xml version="1.0" encoding="utf-8"?>
 <p:sld xmlns:a="http://schemas.openxmlformats.org/drawingml/2006/main" xmlns:r="http://schemas.openxmlformats.org/officeDocument/2006/relationships" xmlns:p="http://schemas.openxmlformats.org/presentationml/2006/main">
   <p:cSld>
     <p:spTree>
@@ -10047,7 +9883,7 @@
               <a:pPr>
                 <a:defRPr/>
               </a:pPr>
-              <a:t>16</a:t>
+              <a:t>15</a:t>
             </a:fld>
             <a:endParaRPr lang="sv-SE"/>
           </a:p>
@@ -10484,7 +10320,7 @@
 </p:sld>
 </file>
 
-<file path=ppt/slides/slide17.xml><?xml version="1.0" encoding="utf-8"?>
+<file path=ppt/slides/slide16.xml><?xml version="1.0" encoding="utf-8"?>
 <p:sld xmlns:a="http://schemas.openxmlformats.org/drawingml/2006/main" xmlns:r="http://schemas.openxmlformats.org/officeDocument/2006/relationships" xmlns:p="http://schemas.openxmlformats.org/presentationml/2006/main">
   <p:cSld>
     <p:spTree>
@@ -10599,7 +10435,7 @@
               <a:pPr>
                 <a:defRPr/>
               </a:pPr>
-              <a:t>17</a:t>
+              <a:t>16</a:t>
             </a:fld>
             <a:endParaRPr lang="sv-SE"/>
           </a:p>
@@ -10655,7 +10491,7 @@
 </p:sld>
 </file>
 
-<file path=ppt/slides/slide18.xml><?xml version="1.0" encoding="utf-8"?>
+<file path=ppt/slides/slide17.xml><?xml version="1.0" encoding="utf-8"?>
 <p:sld xmlns:a="http://schemas.openxmlformats.org/drawingml/2006/main" xmlns:r="http://schemas.openxmlformats.org/officeDocument/2006/relationships" xmlns:p="http://schemas.openxmlformats.org/presentationml/2006/main">
   <p:cSld>
     <p:spTree>
@@ -10784,7 +10620,7 @@
               <a:pPr>
                 <a:defRPr/>
               </a:pPr>
-              <a:t>18</a:t>
+              <a:t>17</a:t>
             </a:fld>
             <a:endParaRPr lang="sv-SE"/>
           </a:p>
@@ -10810,7 +10646,7 @@
 </p:sld>
 </file>
 
-<file path=ppt/slides/slide19.xml><?xml version="1.0" encoding="utf-8"?>
+<file path=ppt/slides/slide18.xml><?xml version="1.0" encoding="utf-8"?>
 <p:sld xmlns:a="http://schemas.openxmlformats.org/drawingml/2006/main" xmlns:r="http://schemas.openxmlformats.org/officeDocument/2006/relationships" xmlns:p="http://schemas.openxmlformats.org/presentationml/2006/main">
   <p:cSld>
     <p:spTree>
@@ -10913,7 +10749,7 @@
               <a:pPr>
                 <a:defRPr/>
               </a:pPr>
-              <a:t>19</a:t>
+              <a:t>18</a:t>
             </a:fld>
             <a:endParaRPr lang="sv-SE"/>
           </a:p>
@@ -10969,6 +10805,159 @@
 </p:sld>
 </file>
 
+<file path=ppt/slides/slide19.xml><?xml version="1.0" encoding="utf-8"?>
+<p:sld xmlns:a="http://schemas.openxmlformats.org/drawingml/2006/main" xmlns:r="http://schemas.openxmlformats.org/officeDocument/2006/relationships" xmlns:p="http://schemas.openxmlformats.org/presentationml/2006/main">
+  <p:cSld>
+    <p:spTree>
+      <p:nvGrpSpPr>
+        <p:cNvPr id="1" name=""/>
+        <p:cNvGrpSpPr/>
+        <p:nvPr/>
+      </p:nvGrpSpPr>
+      <p:grpSpPr>
+        <a:xfrm>
+          <a:off x="0" y="0"/>
+          <a:ext cx="0" cy="0"/>
+          <a:chOff x="0" y="0"/>
+          <a:chExt cx="0" cy="0"/>
+        </a:xfrm>
+      </p:grpSpPr>
+      <p:sp>
+        <p:nvSpPr>
+          <p:cNvPr id="2" name="Title 1"/>
+          <p:cNvSpPr>
+            <a:spLocks noGrp="1"/>
+          </p:cNvSpPr>
+          <p:nvPr>
+            <p:ph type="ctrTitle"/>
+          </p:nvPr>
+        </p:nvSpPr>
+        <p:spPr/>
+        <p:txBody>
+          <a:bodyPr/>
+          <a:lstStyle/>
+          <a:p>
+            <a:r>
+              <a:rPr lang="en-US" dirty="0" smtClean="0"/>
+              <a:t>Backend</a:t>
+            </a:r>
+            <a:endParaRPr lang="en-US" dirty="0"/>
+          </a:p>
+        </p:txBody>
+      </p:sp>
+      <p:sp>
+        <p:nvSpPr>
+          <p:cNvPr id="3" name="Subtitle 2"/>
+          <p:cNvSpPr>
+            <a:spLocks noGrp="1"/>
+          </p:cNvSpPr>
+          <p:nvPr>
+            <p:ph type="subTitle" idx="1"/>
+          </p:nvPr>
+        </p:nvSpPr>
+        <p:spPr/>
+        <p:txBody>
+          <a:bodyPr>
+            <a:normAutofit fontScale="92500" lnSpcReduction="10000"/>
+          </a:bodyPr>
+          <a:lstStyle/>
+          <a:p>
+            <a:r>
+              <a:rPr lang="en-US" dirty="0" smtClean="0"/>
+              <a:t>Exercise </a:t>
+            </a:r>
+            <a:r>
+              <a:rPr lang="en-US" dirty="0"/>
+              <a:t>4</a:t>
+            </a:r>
+          </a:p>
+        </p:txBody>
+      </p:sp>
+      <p:sp>
+        <p:nvSpPr>
+          <p:cNvPr id="4" name="Text Placeholder 3"/>
+          <p:cNvSpPr>
+            <a:spLocks noGrp="1"/>
+          </p:cNvSpPr>
+          <p:nvPr>
+            <p:ph type="body" sz="quarter" idx="13"/>
+          </p:nvPr>
+        </p:nvSpPr>
+        <p:spPr/>
+        <p:txBody>
+          <a:bodyPr/>
+          <a:lstStyle/>
+          <a:p>
+            <a:pPr marL="0" indent="0">
+              <a:buNone/>
+            </a:pPr>
+            <a:r>
+              <a:rPr lang="en-US" dirty="0" smtClean="0"/>
+              <a:t>Build the app backend to handle the </a:t>
+            </a:r>
+            <a:r>
+              <a:rPr lang="en-US" dirty="0" err="1" smtClean="0"/>
+              <a:t>OAuth</a:t>
+            </a:r>
+            <a:r>
+              <a:rPr lang="en-US" dirty="0" smtClean="0"/>
+              <a:t> 2.0 integration with SDK and to provide an API for the app. </a:t>
+            </a:r>
+          </a:p>
+          <a:p>
+            <a:endParaRPr lang="en-US" dirty="0" smtClean="0"/>
+          </a:p>
+        </p:txBody>
+      </p:sp>
+      <p:sp>
+        <p:nvSpPr>
+          <p:cNvPr id="5" name="Slide Number Placeholder 4"/>
+          <p:cNvSpPr>
+            <a:spLocks noGrp="1"/>
+          </p:cNvSpPr>
+          <p:nvPr>
+            <p:ph type="sldNum" sz="quarter" idx="14"/>
+          </p:nvPr>
+        </p:nvSpPr>
+        <p:spPr/>
+        <p:txBody>
+          <a:bodyPr/>
+          <a:lstStyle/>
+          <a:p>
+            <a:pPr>
+              <a:defRPr/>
+            </a:pPr>
+            <a:fld id="{4AA01602-B999-AA4E-80A6-B21CED3A9C3C}" type="slidenum">
+              <a:rPr lang="sv-SE" smtClean="0"/>
+              <a:pPr>
+                <a:defRPr/>
+              </a:pPr>
+              <a:t>19</a:t>
+            </a:fld>
+            <a:endParaRPr lang="sv-SE"/>
+          </a:p>
+        </p:txBody>
+      </p:sp>
+    </p:spTree>
+    <p:extLst>
+      <p:ext uri="{BB962C8B-B14F-4D97-AF65-F5344CB8AC3E}">
+        <p14:creationId xmlns:p14="http://schemas.microsoft.com/office/powerpoint/2010/main" val="3668199394"/>
+      </p:ext>
+    </p:extLst>
+  </p:cSld>
+  <p:clrMapOvr>
+    <a:masterClrMapping/>
+  </p:clrMapOvr>
+  <p:timing>
+    <p:tnLst>
+      <p:par>
+        <p:cTn xmlns:p14="http://schemas.microsoft.com/office/powerpoint/2010/main" id="1" dur="indefinite" restart="never" nodeType="tmRoot"/>
+      </p:par>
+    </p:tnLst>
+  </p:timing>
+</p:sld>
+</file>
+
 <file path=ppt/slides/slide2.xml><?xml version="1.0" encoding="utf-8"?>
 <p:sld xmlns:a="http://schemas.openxmlformats.org/drawingml/2006/main" xmlns:r="http://schemas.openxmlformats.org/officeDocument/2006/relationships" xmlns:p="http://schemas.openxmlformats.org/presentationml/2006/main">
   <p:cSld>
@@ -11142,7 +11131,7 @@
           <a:p>
             <a:r>
               <a:rPr lang="en-US" dirty="0" smtClean="0"/>
-              <a:t>Backend</a:t>
+              <a:t>Frontend</a:t>
             </a:r>
             <a:endParaRPr lang="en-US" dirty="0"/>
           </a:p>
@@ -11165,14 +11154,7 @@
           </a:bodyPr>
           <a:lstStyle/>
           <a:p>
-            <a:r>
-              <a:rPr lang="en-US" dirty="0" smtClean="0"/>
-              <a:t>Exercise </a:t>
-            </a:r>
-            <a:r>
-              <a:rPr lang="en-US" dirty="0"/>
-              <a:t>4</a:t>
-            </a:r>
+            <a:endParaRPr lang="en-US" dirty="0"/>
           </a:p>
         </p:txBody>
       </p:sp>
@@ -11196,19 +11178,20 @@
             </a:pPr>
             <a:r>
               <a:rPr lang="en-US" dirty="0" smtClean="0"/>
-              <a:t>Build the app backend to handle the </a:t>
-            </a:r>
-            <a:r>
-              <a:rPr lang="en-US" dirty="0" err="1" smtClean="0"/>
-              <a:t>OAuth</a:t>
-            </a:r>
+              <a:t>Frontend technologies</a:t>
+            </a:r>
+          </a:p>
+          <a:p>
             <a:r>
               <a:rPr lang="en-US" dirty="0" smtClean="0"/>
-              <a:t> 2.0 integration with SDK and to provide an API for the app. </a:t>
-            </a:r>
-          </a:p>
-          <a:p>
-            <a:endParaRPr lang="en-US" dirty="0" smtClean="0"/>
+              <a:t>What’s happening on the frontend</a:t>
+            </a:r>
+          </a:p>
+          <a:p>
+            <a:r>
+              <a:rPr lang="en-US" dirty="0" smtClean="0"/>
+              <a:t>Short intro to Backbone</a:t>
+            </a:r>
           </a:p>
         </p:txBody>
       </p:sp>
@@ -11244,7 +11227,7 @@
     </p:spTree>
     <p:extLst>
       <p:ext uri="{BB962C8B-B14F-4D97-AF65-F5344CB8AC3E}">
-        <p14:creationId xmlns:p14="http://schemas.microsoft.com/office/powerpoint/2010/main" val="3668199394"/>
+        <p14:creationId xmlns:p14="http://schemas.microsoft.com/office/powerpoint/2010/main" val="3753766513"/>
       </p:ext>
     </p:extLst>
   </p:cSld>
@@ -11318,7 +11301,14 @@
           </a:bodyPr>
           <a:lstStyle/>
           <a:p>
-            <a:endParaRPr lang="en-US" dirty="0"/>
+            <a:r>
+              <a:rPr lang="en-US" dirty="0" smtClean="0"/>
+              <a:t>Exercise </a:t>
+            </a:r>
+            <a:r>
+              <a:rPr lang="en-US" dirty="0"/>
+              <a:t>5</a:t>
+            </a:r>
           </a:p>
         </p:txBody>
       </p:sp>
@@ -11342,20 +11332,17 @@
             </a:pPr>
             <a:r>
               <a:rPr lang="en-US" dirty="0" smtClean="0"/>
-              <a:t>Frontend technologies</a:t>
+              <a:t>Build a simple client that use the API provided by the backend. </a:t>
             </a:r>
           </a:p>
           <a:p>
             <a:r>
               <a:rPr lang="en-US" dirty="0" smtClean="0"/>
-              <a:t>What’s happening on the frontend</a:t>
-            </a:r>
-          </a:p>
-          <a:p>
-            <a:r>
-              <a:rPr lang="en-US" dirty="0" smtClean="0"/>
-              <a:t>Short intro to Backbone</a:t>
-            </a:r>
+              <a:t>Login user to create a session</a:t>
+            </a:r>
+          </a:p>
+          <a:p>
+            <a:endParaRPr lang="en-US" dirty="0" smtClean="0"/>
           </a:p>
         </p:txBody>
       </p:sp>
@@ -11391,7 +11378,7 @@
     </p:spTree>
     <p:extLst>
       <p:ext uri="{BB962C8B-B14F-4D97-AF65-F5344CB8AC3E}">
-        <p14:creationId xmlns:p14="http://schemas.microsoft.com/office/powerpoint/2010/main" val="3753766513"/>
+        <p14:creationId xmlns:p14="http://schemas.microsoft.com/office/powerpoint/2010/main" val="3598812586"/>
       </p:ext>
     </p:extLst>
   </p:cSld>
@@ -11442,7 +11429,7 @@
           <a:p>
             <a:r>
               <a:rPr lang="en-US" dirty="0" smtClean="0"/>
-              <a:t>Frontend</a:t>
+              <a:t>Links</a:t>
             </a:r>
             <a:endParaRPr lang="en-US" dirty="0"/>
           </a:p>
@@ -11465,14 +11452,7 @@
           </a:bodyPr>
           <a:lstStyle/>
           <a:p>
-            <a:r>
-              <a:rPr lang="en-US" dirty="0" smtClean="0"/>
-              <a:t>Exercise </a:t>
-            </a:r>
-            <a:r>
-              <a:rPr lang="en-US" dirty="0"/>
-              <a:t>5</a:t>
-            </a:r>
+            <a:endParaRPr lang="en-US"/>
           </a:p>
         </p:txBody>
       </p:sp>
@@ -11494,19 +11474,137 @@
             <a:pPr marL="0" indent="0">
               <a:buNone/>
             </a:pPr>
-            <a:r>
-              <a:rPr lang="en-US" dirty="0" smtClean="0"/>
-              <a:t>Build a simple client that use the API provided by the backend. </a:t>
-            </a:r>
-          </a:p>
-          <a:p>
-            <a:r>
-              <a:rPr lang="en-US" dirty="0" smtClean="0"/>
-              <a:t>Login user to create a session</a:t>
-            </a:r>
-          </a:p>
-          <a:p>
-            <a:endParaRPr lang="en-US" dirty="0" smtClean="0"/>
+            <a:endParaRPr lang="en-US" sz="1800" dirty="0" smtClean="0">
+              <a:hlinkClick r:id="rId2"/>
+            </a:endParaRPr>
+          </a:p>
+          <a:p>
+            <a:pPr marL="0" indent="0">
+              <a:buNone/>
+            </a:pPr>
+            <a:r>
+              <a:rPr lang="en-US" sz="1800" dirty="0"/>
+              <a:t>http://</a:t>
+            </a:r>
+            <a:r>
+              <a:rPr lang="en-US" sz="1800" dirty="0" err="1"/>
+              <a:t>www.vinnova.se</a:t>
+            </a:r>
+            <a:r>
+              <a:rPr lang="en-US" sz="1800" dirty="0" smtClean="0"/>
+              <a:t>/</a:t>
+            </a:r>
+            <a:endParaRPr lang="en-US" sz="1800" dirty="0" smtClean="0">
+              <a:hlinkClick r:id="rId2"/>
+            </a:endParaRPr>
+          </a:p>
+          <a:p>
+            <a:pPr marL="0" indent="0">
+              <a:buNone/>
+            </a:pPr>
+            <a:r>
+              <a:rPr lang="en-US" sz="1800" dirty="0">
+                <a:hlinkClick r:id="rId2"/>
+              </a:rPr>
+              <a:t>http://sdk.minavardkontakter.se</a:t>
+            </a:r>
+            <a:r>
+              <a:rPr lang="en-US" sz="1800" dirty="0" smtClean="0">
+                <a:hlinkClick r:id="rId2"/>
+              </a:rPr>
+              <a:t>/</a:t>
+            </a:r>
+          </a:p>
+          <a:p>
+            <a:pPr marL="0" indent="0">
+              <a:buNone/>
+            </a:pPr>
+            <a:r>
+              <a:rPr lang="en-US" sz="1800" dirty="0">
+                <a:hlinkClick r:id="rId2"/>
+              </a:rPr>
+              <a:t>http://oauth.net/2</a:t>
+            </a:r>
+            <a:r>
+              <a:rPr lang="en-US" sz="1800" dirty="0" smtClean="0">
+                <a:hlinkClick r:id="rId2"/>
+              </a:rPr>
+              <a:t>/</a:t>
+            </a:r>
+          </a:p>
+          <a:p>
+            <a:pPr marL="0" indent="0">
+              <a:buNone/>
+            </a:pPr>
+            <a:r>
+              <a:rPr lang="en-US" sz="1800" dirty="0">
+                <a:hlinkClick r:id="rId2"/>
+              </a:rPr>
+              <a:t>http://tools.ietf.org/html/draft-ietf-oauth-v2-31</a:t>
+            </a:r>
+            <a:endParaRPr lang="en-US" sz="1800" dirty="0" smtClean="0">
+              <a:hlinkClick r:id="rId2"/>
+            </a:endParaRPr>
+          </a:p>
+          <a:p>
+            <a:pPr marL="0" indent="0">
+              <a:buNone/>
+            </a:pPr>
+            <a:r>
+              <a:rPr lang="en-US" sz="1800" dirty="0" smtClean="0">
+                <a:hlinkClick r:id="rId2"/>
+              </a:rPr>
+              <a:t>https</a:t>
+            </a:r>
+            <a:r>
+              <a:rPr lang="en-US" sz="1800" dirty="0">
+                <a:hlinkClick r:id="rId2"/>
+              </a:rPr>
+              <a:t>://developers.google.com/accounts/docs/</a:t>
+            </a:r>
+            <a:r>
+              <a:rPr lang="en-US" sz="1800" dirty="0" smtClean="0">
+                <a:hlinkClick r:id="rId2"/>
+              </a:rPr>
+              <a:t>OAuth2</a:t>
+            </a:r>
+            <a:endParaRPr lang="en-US" sz="1800" dirty="0" smtClean="0"/>
+          </a:p>
+          <a:p>
+            <a:pPr marL="0" indent="0">
+              <a:buNone/>
+            </a:pPr>
+            <a:r>
+              <a:rPr lang="en-US" sz="1800" dirty="0">
+                <a:hlinkClick r:id="rId3"/>
+              </a:rPr>
+              <a:t>https://developers.facebook.com/docs/reference/dialogs/oauth</a:t>
+            </a:r>
+            <a:r>
+              <a:rPr lang="en-US" sz="1800" dirty="0" smtClean="0">
+                <a:hlinkClick r:id="rId3"/>
+              </a:rPr>
+              <a:t>/</a:t>
+            </a:r>
+            <a:endParaRPr lang="en-US" sz="1800" dirty="0" smtClean="0"/>
+          </a:p>
+          <a:p>
+            <a:pPr marL="0" indent="0">
+              <a:buNone/>
+            </a:pPr>
+            <a:endParaRPr lang="en-US" sz="1800" dirty="0" smtClean="0"/>
+          </a:p>
+          <a:p>
+            <a:pPr marL="0" indent="0">
+              <a:buNone/>
+            </a:pPr>
+            <a:endParaRPr lang="en-US" sz="1800" dirty="0"/>
+          </a:p>
+          <a:p>
+            <a:pPr marL="0" indent="0">
+              <a:buNone/>
+            </a:pPr>
+            <a:endParaRPr lang="en-US" sz="1800" dirty="0"/>
           </a:p>
         </p:txBody>
       </p:sp>
@@ -11534,268 +11632,6 @@
                 <a:defRPr/>
               </a:pPr>
               <a:t>22</a:t>
-            </a:fld>
-            <a:endParaRPr lang="sv-SE"/>
-          </a:p>
-        </p:txBody>
-      </p:sp>
-    </p:spTree>
-    <p:extLst>
-      <p:ext uri="{BB962C8B-B14F-4D97-AF65-F5344CB8AC3E}">
-        <p14:creationId xmlns:p14="http://schemas.microsoft.com/office/powerpoint/2010/main" val="3598812586"/>
-      </p:ext>
-    </p:extLst>
-  </p:cSld>
-  <p:clrMapOvr>
-    <a:masterClrMapping/>
-  </p:clrMapOvr>
-  <p:timing>
-    <p:tnLst>
-      <p:par>
-        <p:cTn xmlns:p14="http://schemas.microsoft.com/office/powerpoint/2010/main" id="1" dur="indefinite" restart="never" nodeType="tmRoot"/>
-      </p:par>
-    </p:tnLst>
-  </p:timing>
-</p:sld>
-</file>
-
-<file path=ppt/slides/slide23.xml><?xml version="1.0" encoding="utf-8"?>
-<p:sld xmlns:a="http://schemas.openxmlformats.org/drawingml/2006/main" xmlns:r="http://schemas.openxmlformats.org/officeDocument/2006/relationships" xmlns:p="http://schemas.openxmlformats.org/presentationml/2006/main">
-  <p:cSld>
-    <p:spTree>
-      <p:nvGrpSpPr>
-        <p:cNvPr id="1" name=""/>
-        <p:cNvGrpSpPr/>
-        <p:nvPr/>
-      </p:nvGrpSpPr>
-      <p:grpSpPr>
-        <a:xfrm>
-          <a:off x="0" y="0"/>
-          <a:ext cx="0" cy="0"/>
-          <a:chOff x="0" y="0"/>
-          <a:chExt cx="0" cy="0"/>
-        </a:xfrm>
-      </p:grpSpPr>
-      <p:sp>
-        <p:nvSpPr>
-          <p:cNvPr id="2" name="Title 1"/>
-          <p:cNvSpPr>
-            <a:spLocks noGrp="1"/>
-          </p:cNvSpPr>
-          <p:nvPr>
-            <p:ph type="ctrTitle"/>
-          </p:nvPr>
-        </p:nvSpPr>
-        <p:spPr/>
-        <p:txBody>
-          <a:bodyPr/>
-          <a:lstStyle/>
-          <a:p>
-            <a:r>
-              <a:rPr lang="en-US" dirty="0" smtClean="0"/>
-              <a:t>Links</a:t>
-            </a:r>
-            <a:endParaRPr lang="en-US" dirty="0"/>
-          </a:p>
-        </p:txBody>
-      </p:sp>
-      <p:sp>
-        <p:nvSpPr>
-          <p:cNvPr id="3" name="Subtitle 2"/>
-          <p:cNvSpPr>
-            <a:spLocks noGrp="1"/>
-          </p:cNvSpPr>
-          <p:nvPr>
-            <p:ph type="subTitle" idx="1"/>
-          </p:nvPr>
-        </p:nvSpPr>
-        <p:spPr/>
-        <p:txBody>
-          <a:bodyPr>
-            <a:normAutofit fontScale="92500" lnSpcReduction="10000"/>
-          </a:bodyPr>
-          <a:lstStyle/>
-          <a:p>
-            <a:endParaRPr lang="en-US"/>
-          </a:p>
-        </p:txBody>
-      </p:sp>
-      <p:sp>
-        <p:nvSpPr>
-          <p:cNvPr id="4" name="Text Placeholder 3"/>
-          <p:cNvSpPr>
-            <a:spLocks noGrp="1"/>
-          </p:cNvSpPr>
-          <p:nvPr>
-            <p:ph type="body" sz="quarter" idx="13"/>
-          </p:nvPr>
-        </p:nvSpPr>
-        <p:spPr/>
-        <p:txBody>
-          <a:bodyPr/>
-          <a:lstStyle/>
-          <a:p>
-            <a:pPr marL="0" indent="0">
-              <a:buNone/>
-            </a:pPr>
-            <a:endParaRPr lang="en-US" sz="1800" dirty="0" smtClean="0">
-              <a:hlinkClick r:id="rId2"/>
-            </a:endParaRPr>
-          </a:p>
-          <a:p>
-            <a:pPr marL="0" indent="0">
-              <a:buNone/>
-            </a:pPr>
-            <a:r>
-              <a:rPr lang="en-US" sz="1800" dirty="0"/>
-              <a:t>http://</a:t>
-            </a:r>
-            <a:r>
-              <a:rPr lang="en-US" sz="1800" dirty="0" err="1"/>
-              <a:t>www.vinnova.se</a:t>
-            </a:r>
-            <a:r>
-              <a:rPr lang="en-US" sz="1800" dirty="0" smtClean="0"/>
-              <a:t>/</a:t>
-            </a:r>
-            <a:endParaRPr lang="en-US" sz="1800" dirty="0" smtClean="0">
-              <a:hlinkClick r:id="rId2"/>
-            </a:endParaRPr>
-          </a:p>
-          <a:p>
-            <a:pPr marL="0" indent="0">
-              <a:buNone/>
-            </a:pPr>
-            <a:r>
-              <a:rPr lang="en-US" sz="1800" dirty="0">
-                <a:hlinkClick r:id="rId2"/>
-              </a:rPr>
-              <a:t>http://sdk.minavardkontakter.se</a:t>
-            </a:r>
-            <a:r>
-              <a:rPr lang="en-US" sz="1800" dirty="0" smtClean="0">
-                <a:hlinkClick r:id="rId2"/>
-              </a:rPr>
-              <a:t>/</a:t>
-            </a:r>
-          </a:p>
-          <a:p>
-            <a:pPr marL="0" indent="0">
-              <a:buNone/>
-            </a:pPr>
-            <a:r>
-              <a:rPr lang="en-US" sz="1800" dirty="0">
-                <a:hlinkClick r:id="rId2"/>
-              </a:rPr>
-              <a:t>http://oauth.net/2</a:t>
-            </a:r>
-            <a:r>
-              <a:rPr lang="en-US" sz="1800" dirty="0" smtClean="0">
-                <a:hlinkClick r:id="rId2"/>
-              </a:rPr>
-              <a:t>/</a:t>
-            </a:r>
-          </a:p>
-          <a:p>
-            <a:pPr marL="0" indent="0">
-              <a:buNone/>
-            </a:pPr>
-            <a:r>
-              <a:rPr lang="en-US" sz="1800" dirty="0">
-                <a:hlinkClick r:id="rId2"/>
-              </a:rPr>
-              <a:t>http://tools.ietf.org/html/draft-ietf-oauth-v2-31</a:t>
-            </a:r>
-            <a:endParaRPr lang="en-US" sz="1800" dirty="0" smtClean="0">
-              <a:hlinkClick r:id="rId2"/>
-            </a:endParaRPr>
-          </a:p>
-          <a:p>
-            <a:pPr marL="0" indent="0">
-              <a:buNone/>
-            </a:pPr>
-            <a:r>
-              <a:rPr lang="en-US" sz="1800" dirty="0" smtClean="0">
-                <a:hlinkClick r:id="rId2"/>
-              </a:rPr>
-              <a:t>https</a:t>
-            </a:r>
-            <a:r>
-              <a:rPr lang="en-US" sz="1800" dirty="0">
-                <a:hlinkClick r:id="rId2"/>
-              </a:rPr>
-              <a:t>://developers.google.com/accounts/docs/</a:t>
-            </a:r>
-            <a:r>
-              <a:rPr lang="en-US" sz="1800" dirty="0" smtClean="0">
-                <a:hlinkClick r:id="rId2"/>
-              </a:rPr>
-              <a:t>OAuth2</a:t>
-            </a:r>
-            <a:endParaRPr lang="en-US" sz="1800" dirty="0" smtClean="0"/>
-          </a:p>
-          <a:p>
-            <a:pPr marL="0" indent="0">
-              <a:buNone/>
-            </a:pPr>
-            <a:r>
-              <a:rPr lang="en-US" sz="1800" dirty="0">
-                <a:hlinkClick r:id="rId3"/>
-              </a:rPr>
-              <a:t>https://developers.facebook.com/docs/reference/dialogs/oauth</a:t>
-            </a:r>
-            <a:r>
-              <a:rPr lang="en-US" sz="1800" dirty="0" smtClean="0">
-                <a:hlinkClick r:id="rId3"/>
-              </a:rPr>
-              <a:t>/</a:t>
-            </a:r>
-            <a:endParaRPr lang="en-US" sz="1800" dirty="0" smtClean="0"/>
-          </a:p>
-          <a:p>
-            <a:pPr marL="0" indent="0">
-              <a:buNone/>
-            </a:pPr>
-            <a:endParaRPr lang="en-US" sz="1800" dirty="0" smtClean="0"/>
-          </a:p>
-          <a:p>
-            <a:pPr marL="0" indent="0">
-              <a:buNone/>
-            </a:pPr>
-            <a:endParaRPr lang="en-US" sz="1800" dirty="0"/>
-          </a:p>
-          <a:p>
-            <a:pPr marL="0" indent="0">
-              <a:buNone/>
-            </a:pPr>
-            <a:endParaRPr lang="en-US" sz="1800" dirty="0"/>
-          </a:p>
-        </p:txBody>
-      </p:sp>
-      <p:sp>
-        <p:nvSpPr>
-          <p:cNvPr id="5" name="Slide Number Placeholder 4"/>
-          <p:cNvSpPr>
-            <a:spLocks noGrp="1"/>
-          </p:cNvSpPr>
-          <p:nvPr>
-            <p:ph type="sldNum" sz="quarter" idx="14"/>
-          </p:nvPr>
-        </p:nvSpPr>
-        <p:spPr/>
-        <p:txBody>
-          <a:bodyPr/>
-          <a:lstStyle/>
-          <a:p>
-            <a:pPr>
-              <a:defRPr/>
-            </a:pPr>
-            <a:fld id="{4AA01602-B999-AA4E-80A6-B21CED3A9C3C}" type="slidenum">
-              <a:rPr lang="sv-SE" smtClean="0"/>
-              <a:pPr>
-                <a:defRPr/>
-              </a:pPr>
-              <a:t>23</a:t>
             </a:fld>
             <a:endParaRPr lang="sv-SE"/>
           </a:p>

--- a/Cadec-vårdens-apier.pptx
+++ b/Cadec-vårdens-apier.pptx
@@ -16,8 +16,8 @@
     <p:sldId id="262" r:id="rId4"/>
     <p:sldId id="276" r:id="rId5"/>
     <p:sldId id="263" r:id="rId6"/>
-    <p:sldId id="278" r:id="rId7"/>
-    <p:sldId id="279" r:id="rId8"/>
+    <p:sldId id="279" r:id="rId7"/>
+    <p:sldId id="282" r:id="rId8"/>
     <p:sldId id="257" r:id="rId9"/>
     <p:sldId id="258" r:id="rId10"/>
     <p:sldId id="280" r:id="rId11"/>
@@ -872,6 +872,252 @@
 </p:notes>
 </file>
 
+<file path=ppt/notesSlides/notesSlide10.xml><?xml version="1.0" encoding="utf-8"?>
+<p:notes xmlns:a="http://schemas.openxmlformats.org/drawingml/2006/main" xmlns:r="http://schemas.openxmlformats.org/officeDocument/2006/relationships" xmlns:p="http://schemas.openxmlformats.org/presentationml/2006/main">
+  <p:cSld>
+    <p:spTree>
+      <p:nvGrpSpPr>
+        <p:cNvPr id="1" name=""/>
+        <p:cNvGrpSpPr/>
+        <p:nvPr/>
+      </p:nvGrpSpPr>
+      <p:grpSpPr>
+        <a:xfrm>
+          <a:off x="0" y="0"/>
+          <a:ext cx="0" cy="0"/>
+          <a:chOff x="0" y="0"/>
+          <a:chExt cx="0" cy="0"/>
+        </a:xfrm>
+      </p:grpSpPr>
+      <p:sp>
+        <p:nvSpPr>
+          <p:cNvPr id="2" name="Slide Image Placeholder 1"/>
+          <p:cNvSpPr>
+            <a:spLocks noGrp="1" noRot="1" noChangeAspect="1"/>
+          </p:cNvSpPr>
+          <p:nvPr>
+            <p:ph type="sldImg"/>
+          </p:nvPr>
+        </p:nvSpPr>
+        <p:spPr/>
+      </p:sp>
+      <p:sp>
+        <p:nvSpPr>
+          <p:cNvPr id="3" name="Notes Placeholder 2"/>
+          <p:cNvSpPr>
+            <a:spLocks noGrp="1"/>
+          </p:cNvSpPr>
+          <p:nvPr>
+            <p:ph type="body" idx="1"/>
+          </p:nvPr>
+        </p:nvSpPr>
+        <p:spPr/>
+        <p:txBody>
+          <a:bodyPr/>
+          <a:lstStyle/>
+          <a:p>
+            <a:r>
+              <a:rPr lang="en-US" dirty="0" smtClean="0"/>
+              <a:t>En </a:t>
+            </a:r>
+            <a:r>
+              <a:rPr lang="en-US" dirty="0" err="1" smtClean="0"/>
+              <a:t>applikation</a:t>
+            </a:r>
+            <a:r>
+              <a:rPr lang="en-US" dirty="0" smtClean="0"/>
+              <a:t>, </a:t>
+            </a:r>
+            <a:r>
+              <a:rPr lang="en-US" dirty="0" err="1" smtClean="0"/>
+              <a:t>tex</a:t>
+            </a:r>
+            <a:r>
+              <a:rPr lang="en-US" dirty="0" smtClean="0"/>
+              <a:t> </a:t>
+            </a:r>
+            <a:r>
+              <a:rPr lang="en-US" dirty="0" err="1" smtClean="0"/>
+              <a:t>Runkeeper</a:t>
+            </a:r>
+            <a:r>
+              <a:rPr lang="en-US" dirty="0" smtClean="0"/>
+              <a:t>, </a:t>
+            </a:r>
+            <a:r>
+              <a:rPr lang="en-US" dirty="0" err="1" smtClean="0"/>
+              <a:t>som</a:t>
+            </a:r>
+            <a:r>
+              <a:rPr lang="en-US" dirty="0" smtClean="0"/>
+              <a:t> du </a:t>
+            </a:r>
+            <a:r>
+              <a:rPr lang="en-US" dirty="0" err="1" smtClean="0"/>
+              <a:t>lagt</a:t>
+            </a:r>
+            <a:r>
+              <a:rPr lang="en-US" dirty="0" smtClean="0"/>
+              <a:t> till </a:t>
+            </a:r>
+            <a:r>
+              <a:rPr lang="en-US" dirty="0" err="1" smtClean="0"/>
+              <a:t>nyligen</a:t>
+            </a:r>
+            <a:r>
+              <a:rPr lang="en-US" dirty="0" smtClean="0"/>
+              <a:t> </a:t>
+            </a:r>
+            <a:r>
+              <a:rPr lang="en-US" dirty="0" err="1" smtClean="0"/>
+              <a:t>vill</a:t>
+            </a:r>
+            <a:r>
+              <a:rPr lang="en-US" dirty="0" smtClean="0"/>
+              <a:t> </a:t>
+            </a:r>
+            <a:r>
+              <a:rPr lang="en-US" dirty="0" err="1" smtClean="0"/>
+              <a:t>komma</a:t>
+            </a:r>
+            <a:r>
+              <a:rPr lang="en-US" dirty="0" smtClean="0"/>
+              <a:t> </a:t>
+            </a:r>
+            <a:r>
+              <a:rPr lang="en-US" dirty="0" err="1" smtClean="0"/>
+              <a:t>åt</a:t>
+            </a:r>
+            <a:r>
+              <a:rPr lang="en-US" dirty="0" smtClean="0"/>
+              <a:t> information</a:t>
+            </a:r>
+            <a:r>
+              <a:rPr lang="en-US" baseline="0" dirty="0" smtClean="0"/>
+              <a:t> </a:t>
+            </a:r>
+            <a:r>
+              <a:rPr lang="en-US" baseline="0" dirty="0" err="1" smtClean="0"/>
+              <a:t>om</a:t>
+            </a:r>
+            <a:r>
+              <a:rPr lang="en-US" baseline="0" dirty="0" smtClean="0"/>
+              <a:t> dig. I </a:t>
+            </a:r>
+            <a:r>
+              <a:rPr lang="en-US" baseline="0" dirty="0" err="1" smtClean="0"/>
+              <a:t>applikationen</a:t>
+            </a:r>
+            <a:r>
+              <a:rPr lang="en-US" baseline="0" dirty="0" smtClean="0"/>
+              <a:t> </a:t>
+            </a:r>
+            <a:r>
+              <a:rPr lang="en-US" baseline="0" dirty="0" err="1" smtClean="0"/>
+              <a:t>är</a:t>
+            </a:r>
+            <a:r>
+              <a:rPr lang="en-US" baseline="0" dirty="0" smtClean="0"/>
+              <a:t> du </a:t>
+            </a:r>
+            <a:r>
+              <a:rPr lang="en-US" baseline="0" dirty="0" err="1" smtClean="0"/>
+              <a:t>inloggad</a:t>
+            </a:r>
+            <a:r>
+              <a:rPr lang="en-US" baseline="0" dirty="0" smtClean="0"/>
+              <a:t> med </a:t>
+            </a:r>
+            <a:r>
+              <a:rPr lang="en-US" baseline="0" dirty="0" err="1" smtClean="0"/>
+              <a:t>ditt</a:t>
+            </a:r>
+            <a:r>
+              <a:rPr lang="en-US" baseline="0" dirty="0" smtClean="0"/>
+              <a:t> </a:t>
+            </a:r>
+            <a:r>
+              <a:rPr lang="en-US" baseline="0" dirty="0" err="1" smtClean="0"/>
+              <a:t>användarnamn</a:t>
+            </a:r>
+            <a:r>
+              <a:rPr lang="en-US" baseline="0" dirty="0" smtClean="0"/>
+              <a:t> </a:t>
+            </a:r>
+            <a:r>
+              <a:rPr lang="en-US" baseline="0" dirty="0" err="1" smtClean="0"/>
+              <a:t>för</a:t>
+            </a:r>
+            <a:r>
+              <a:rPr lang="en-US" baseline="0" dirty="0" smtClean="0"/>
+              <a:t> just den </a:t>
+            </a:r>
+            <a:r>
+              <a:rPr lang="en-US" baseline="0" dirty="0" err="1" smtClean="0"/>
+              <a:t>applikationen</a:t>
+            </a:r>
+            <a:r>
+              <a:rPr lang="en-US" baseline="0" dirty="0" smtClean="0"/>
+              <a:t>, </a:t>
+            </a:r>
+            <a:r>
+              <a:rPr lang="en-US" baseline="0" dirty="0" err="1" smtClean="0"/>
+              <a:t>ett</a:t>
+            </a:r>
+            <a:r>
+              <a:rPr lang="en-US" baseline="0" dirty="0" smtClean="0"/>
+              <a:t> alias </a:t>
+            </a:r>
+            <a:r>
+              <a:rPr lang="en-US" baseline="0" dirty="0" err="1" smtClean="0"/>
+              <a:t>tex.</a:t>
+            </a:r>
+            <a:endParaRPr lang="en-US" dirty="0"/>
+          </a:p>
+        </p:txBody>
+      </p:sp>
+      <p:sp>
+        <p:nvSpPr>
+          <p:cNvPr id="4" name="Slide Number Placeholder 3"/>
+          <p:cNvSpPr>
+            <a:spLocks noGrp="1"/>
+          </p:cNvSpPr>
+          <p:nvPr>
+            <p:ph type="sldNum" sz="quarter" idx="10"/>
+          </p:nvPr>
+        </p:nvSpPr>
+        <p:spPr/>
+        <p:txBody>
+          <a:bodyPr/>
+          <a:lstStyle/>
+          <a:p>
+            <a:pPr>
+              <a:defRPr/>
+            </a:pPr>
+            <a:fld id="{72F66423-05E2-6345-AF5A-73942C9C3A7C}" type="slidenum">
+              <a:rPr lang="sv-SE" smtClean="0"/>
+              <a:pPr>
+                <a:defRPr/>
+              </a:pPr>
+              <a:t>16</a:t>
+            </a:fld>
+            <a:endParaRPr lang="sv-SE"/>
+          </a:p>
+        </p:txBody>
+      </p:sp>
+    </p:spTree>
+    <p:extLst>
+      <p:ext uri="{BB962C8B-B14F-4D97-AF65-F5344CB8AC3E}">
+        <p14:creationId xmlns:p14="http://schemas.microsoft.com/office/powerpoint/2010/main" val="698192533"/>
+      </p:ext>
+    </p:extLst>
+  </p:cSld>
+  <p:clrMapOvr>
+    <a:masterClrMapping/>
+  </p:clrMapOvr>
+</p:notes>
+</file>
+
 <file path=ppt/notesSlides/notesSlide2.xml><?xml version="1.0" encoding="utf-8"?>
 <p:notes xmlns:a="http://schemas.openxmlformats.org/drawingml/2006/main" xmlns:r="http://schemas.openxmlformats.org/officeDocument/2006/relationships" xmlns:p="http://schemas.openxmlformats.org/presentationml/2006/main">
   <p:cSld>
@@ -980,6 +1226,126 @@
               <a:rPr lang="en-US" baseline="0" dirty="0" smtClean="0"/>
               <a:t>. </a:t>
             </a:r>
+            <a:endParaRPr lang="en-US" baseline="0" dirty="0" smtClean="0"/>
+          </a:p>
+          <a:p>
+            <a:r>
+              <a:rPr lang="en-US" dirty="0" err="1" smtClean="0"/>
+              <a:t>Projektet</a:t>
+            </a:r>
+            <a:r>
+              <a:rPr lang="en-US" dirty="0" smtClean="0"/>
+              <a:t> </a:t>
+            </a:r>
+            <a:r>
+              <a:rPr lang="en-US" dirty="0" err="1" smtClean="0"/>
+              <a:t>drivs</a:t>
+            </a:r>
+            <a:r>
+              <a:rPr lang="en-US" dirty="0" smtClean="0"/>
+              <a:t> </a:t>
+            </a:r>
+            <a:r>
+              <a:rPr lang="en-US" dirty="0" err="1" smtClean="0"/>
+              <a:t>av</a:t>
+            </a:r>
+            <a:r>
+              <a:rPr lang="en-US" dirty="0" smtClean="0"/>
+              <a:t> SLL</a:t>
+            </a:r>
+            <a:r>
+              <a:rPr lang="en-US" baseline="0" dirty="0" smtClean="0"/>
+              <a:t> </a:t>
+            </a:r>
+            <a:r>
+              <a:rPr lang="en-US" baseline="0" dirty="0" err="1" smtClean="0"/>
+              <a:t>ihop</a:t>
+            </a:r>
+            <a:r>
+              <a:rPr lang="en-US" baseline="0" dirty="0" smtClean="0"/>
+              <a:t> med </a:t>
+            </a:r>
+            <a:r>
+              <a:rPr lang="en-US" baseline="0" dirty="0" err="1" smtClean="0"/>
+              <a:t>Vinnova</a:t>
+            </a:r>
+            <a:r>
+              <a:rPr lang="en-US" baseline="0" dirty="0" smtClean="0"/>
+              <a:t>. </a:t>
+            </a:r>
+          </a:p>
+          <a:p>
+            <a:r>
+              <a:rPr lang="en-US" baseline="0" dirty="0" smtClean="0"/>
+              <a:t>SDKs </a:t>
+            </a:r>
+            <a:r>
+              <a:rPr lang="en-US" baseline="0" dirty="0" err="1" smtClean="0"/>
+              <a:t>syfte</a:t>
+            </a:r>
+            <a:r>
+              <a:rPr lang="en-US" baseline="0" dirty="0" smtClean="0"/>
+              <a:t> </a:t>
+            </a:r>
+            <a:r>
+              <a:rPr lang="en-US" baseline="0" dirty="0" err="1" smtClean="0"/>
+              <a:t>är</a:t>
+            </a:r>
+            <a:r>
+              <a:rPr lang="en-US" baseline="0" dirty="0" smtClean="0"/>
+              <a:t> </a:t>
+            </a:r>
+            <a:r>
+              <a:rPr lang="en-US" baseline="0" dirty="0" err="1" smtClean="0"/>
+              <a:t>att</a:t>
+            </a:r>
+            <a:r>
+              <a:rPr lang="en-US" baseline="0" dirty="0" smtClean="0"/>
+              <a:t> </a:t>
+            </a:r>
+            <a:r>
+              <a:rPr lang="en-US" baseline="0" dirty="0" err="1" smtClean="0"/>
+              <a:t>tillgängliggöra</a:t>
+            </a:r>
+            <a:r>
+              <a:rPr lang="en-US" baseline="0" dirty="0" smtClean="0"/>
+              <a:t> </a:t>
+            </a:r>
+            <a:r>
+              <a:rPr lang="en-US" baseline="0" dirty="0" err="1" smtClean="0"/>
+              <a:t>vårdinformation</a:t>
+            </a:r>
+            <a:r>
+              <a:rPr lang="en-US" baseline="0" dirty="0" smtClean="0"/>
+              <a:t> </a:t>
+            </a:r>
+            <a:r>
+              <a:rPr lang="en-US" baseline="0" dirty="0" err="1" smtClean="0"/>
+              <a:t>för</a:t>
+            </a:r>
+            <a:r>
+              <a:rPr lang="en-US" baseline="0" dirty="0" smtClean="0"/>
+              <a:t> </a:t>
+            </a:r>
+            <a:r>
+              <a:rPr lang="en-US" baseline="0" dirty="0" err="1" smtClean="0"/>
+              <a:t>invårnarna</a:t>
+            </a:r>
+            <a:r>
+              <a:rPr lang="en-US" baseline="0" dirty="0" smtClean="0"/>
+              <a:t> via </a:t>
+            </a:r>
+            <a:r>
+              <a:rPr lang="en-US" baseline="0" dirty="0" err="1" smtClean="0"/>
+              <a:t>APIer</a:t>
+            </a:r>
+            <a:r>
+              <a:rPr lang="en-US" baseline="0" dirty="0" smtClean="0"/>
+              <a:t>.</a:t>
+            </a:r>
+          </a:p>
+          <a:p>
+            <a:endParaRPr lang="en-US" baseline="0" dirty="0" smtClean="0"/>
           </a:p>
         </p:txBody>
       </p:sp>
@@ -1070,58 +1436,8 @@
           <a:lstStyle/>
           <a:p>
             <a:r>
-              <a:rPr lang="en-US" dirty="0" err="1" smtClean="0"/>
-              <a:t>Projektet</a:t>
-            </a:r>
-            <a:r>
-              <a:rPr lang="en-US" dirty="0" smtClean="0"/>
-              <a:t> </a:t>
-            </a:r>
-            <a:r>
-              <a:rPr lang="en-US" dirty="0" err="1" smtClean="0"/>
-              <a:t>drivs</a:t>
-            </a:r>
-            <a:r>
-              <a:rPr lang="en-US" dirty="0" smtClean="0"/>
-              <a:t> </a:t>
-            </a:r>
-            <a:r>
-              <a:rPr lang="en-US" dirty="0" err="1" smtClean="0"/>
-              <a:t>av</a:t>
-            </a:r>
-            <a:r>
-              <a:rPr lang="en-US" dirty="0" smtClean="0"/>
-              <a:t> SLL</a:t>
-            </a:r>
-            <a:r>
-              <a:rPr lang="en-US" baseline="0" dirty="0" smtClean="0"/>
-              <a:t> </a:t>
-            </a:r>
-            <a:r>
-              <a:rPr lang="en-US" baseline="0" dirty="0" err="1" smtClean="0"/>
-              <a:t>ihop</a:t>
-            </a:r>
-            <a:r>
-              <a:rPr lang="en-US" baseline="0" dirty="0" smtClean="0"/>
-              <a:t> med </a:t>
-            </a:r>
-            <a:r>
-              <a:rPr lang="en-US" baseline="0" dirty="0" err="1" smtClean="0"/>
-              <a:t>Vinnova</a:t>
-            </a:r>
-            <a:r>
-              <a:rPr lang="en-US" baseline="0" dirty="0" smtClean="0"/>
-              <a:t>. </a:t>
-            </a:r>
-          </a:p>
-          <a:p>
-            <a:r>
-              <a:rPr lang="en-US" baseline="0" dirty="0" smtClean="0"/>
-              <a:t>SDKs </a:t>
-            </a:r>
-            <a:r>
-              <a:rPr lang="en-US" baseline="0" dirty="0" err="1" smtClean="0"/>
-              <a:t>syfte</a:t>
+              <a:rPr lang="en-US" baseline="0" dirty="0" err="1" smtClean="0"/>
+              <a:t>APIerna</a:t>
             </a:r>
             <a:r>
               <a:rPr lang="en-US" baseline="0" dirty="0" smtClean="0"/>
@@ -1137,23 +1453,50 @@
             </a:r>
             <a:r>
               <a:rPr lang="en-US" baseline="0" dirty="0" err="1" smtClean="0"/>
-              <a:t>att</a:t>
-            </a:r>
-            <a:r>
-              <a:rPr lang="en-US" baseline="0" dirty="0" smtClean="0"/>
-              <a:t> </a:t>
-            </a:r>
-            <a:r>
-              <a:rPr lang="en-US" baseline="0" dirty="0" err="1" smtClean="0"/>
-              <a:t>tillgängliggöra</a:t>
-            </a:r>
-            <a:r>
-              <a:rPr lang="en-US" baseline="0" dirty="0" smtClean="0"/>
-              <a:t> </a:t>
-            </a:r>
-            <a:r>
-              <a:rPr lang="en-US" baseline="0" dirty="0" err="1" smtClean="0"/>
-              <a:t>vårdinformation</a:t>
+              <a:t>uppdelade</a:t>
+            </a:r>
+            <a:r>
+              <a:rPr lang="en-US" baseline="0" dirty="0" smtClean="0"/>
+              <a:t> I </a:t>
+            </a:r>
+            <a:r>
+              <a:rPr lang="en-US" baseline="0" dirty="0" err="1" smtClean="0"/>
+              <a:t>tre</a:t>
+            </a:r>
+            <a:r>
+              <a:rPr lang="en-US" baseline="0" dirty="0" smtClean="0"/>
+              <a:t> </a:t>
+            </a:r>
+            <a:r>
+              <a:rPr lang="en-US" baseline="0" dirty="0" err="1" smtClean="0"/>
+              <a:t>kategorier</a:t>
+            </a:r>
+            <a:endParaRPr lang="en-US" baseline="0" dirty="0" smtClean="0"/>
+          </a:p>
+          <a:p>
+            <a:r>
+              <a:rPr lang="en-US" baseline="0" dirty="0" smtClean="0"/>
+              <a:t>	1. </a:t>
+            </a:r>
+            <a:r>
+              <a:rPr lang="en-US" baseline="0" dirty="0" err="1" smtClean="0"/>
+              <a:t>Öppen</a:t>
+            </a:r>
+            <a:r>
+              <a:rPr lang="en-US" baseline="0" dirty="0" smtClean="0"/>
+              <a:t>-data-</a:t>
+            </a:r>
+            <a:r>
+              <a:rPr lang="en-US" baseline="0" dirty="0" err="1" smtClean="0"/>
+              <a:t>APIer</a:t>
+            </a:r>
+            <a:r>
+              <a:rPr lang="en-US" baseline="0" dirty="0" smtClean="0"/>
+              <a:t> (</a:t>
+            </a:r>
+            <a:r>
+              <a:rPr lang="en-US" baseline="0" dirty="0" err="1" smtClean="0"/>
+              <a:t>APIer</a:t>
             </a:r>
             <a:r>
               <a:rPr lang="en-US" baseline="0" dirty="0" smtClean="0"/>
@@ -1169,11 +1512,25 @@
             </a:r>
             <a:r>
               <a:rPr lang="en-US" baseline="0" dirty="0" err="1" smtClean="0"/>
-              <a:t>invårnarna</a:t>
-            </a:r>
-            <a:r>
-              <a:rPr lang="en-US" baseline="0" dirty="0" smtClean="0"/>
-              <a:t> via </a:t>
+              <a:t>offentlig</a:t>
+            </a:r>
+            <a:r>
+              <a:rPr lang="en-US" baseline="0" dirty="0" smtClean="0"/>
+              <a:t> data)</a:t>
+            </a:r>
+          </a:p>
+          <a:p>
+            <a:r>
+              <a:rPr lang="en-US" baseline="0" dirty="0" smtClean="0"/>
+              <a:t>	2. </a:t>
+            </a:r>
+            <a:r>
+              <a:rPr lang="en-US" baseline="0" dirty="0" err="1" smtClean="0"/>
+              <a:t>Patientdata-APIer</a:t>
+            </a:r>
+            <a:r>
+              <a:rPr lang="en-US" baseline="0" dirty="0" smtClean="0"/>
+              <a:t> (</a:t>
             </a:r>
             <a:r>
               <a:rPr lang="en-US" baseline="0" dirty="0" err="1" smtClean="0"/>
@@ -1181,8 +1538,100 @@
             </a:r>
             <a:r>
               <a:rPr lang="en-US" baseline="0" dirty="0" smtClean="0"/>
-              <a:t>.</a:t>
-            </a:r>
+              <a:t> </a:t>
+            </a:r>
+            <a:r>
+              <a:rPr lang="en-US" baseline="0" dirty="0" err="1" smtClean="0"/>
+              <a:t>för</a:t>
+            </a:r>
+            <a:r>
+              <a:rPr lang="en-US" baseline="0" dirty="0" smtClean="0"/>
+              <a:t> </a:t>
+            </a:r>
+            <a:r>
+              <a:rPr lang="en-US" baseline="0" dirty="0" err="1" smtClean="0"/>
+              <a:t>patientbunden</a:t>
+            </a:r>
+            <a:r>
+              <a:rPr lang="en-US" baseline="0" dirty="0" smtClean="0"/>
+              <a:t> data </a:t>
+            </a:r>
+            <a:r>
+              <a:rPr lang="en-US" baseline="0" dirty="0" err="1" smtClean="0"/>
+              <a:t>för</a:t>
+            </a:r>
+            <a:r>
+              <a:rPr lang="en-US" baseline="0" dirty="0" smtClean="0"/>
+              <a:t> </a:t>
+            </a:r>
+            <a:r>
+              <a:rPr lang="en-US" baseline="0" dirty="0" err="1" smtClean="0"/>
+              <a:t>tredje</a:t>
+            </a:r>
+            <a:r>
+              <a:rPr lang="en-US" baseline="0" dirty="0" smtClean="0"/>
+              <a:t> part)</a:t>
+            </a:r>
+          </a:p>
+          <a:p>
+            <a:r>
+              <a:rPr lang="en-US" baseline="0" dirty="0" smtClean="0"/>
+              <a:t>	3. </a:t>
+            </a:r>
+            <a:r>
+              <a:rPr lang="en-US" baseline="0" dirty="0" err="1" smtClean="0"/>
+              <a:t>Vårdgivar-APIer</a:t>
+            </a:r>
+            <a:r>
+              <a:rPr lang="en-US" baseline="0" dirty="0" smtClean="0"/>
+              <a:t> (</a:t>
+            </a:r>
+            <a:r>
+              <a:rPr lang="en-US" baseline="0" dirty="0" err="1" smtClean="0"/>
+              <a:t>APIer</a:t>
+            </a:r>
+            <a:r>
+              <a:rPr lang="en-US" baseline="0" dirty="0" smtClean="0"/>
+              <a:t> </a:t>
+            </a:r>
+            <a:r>
+              <a:rPr lang="en-US" baseline="0" dirty="0" err="1" smtClean="0"/>
+              <a:t>för</a:t>
+            </a:r>
+            <a:r>
+              <a:rPr lang="en-US" baseline="0" dirty="0" smtClean="0"/>
+              <a:t> </a:t>
+            </a:r>
+            <a:r>
+              <a:rPr lang="en-US" baseline="0" dirty="0" err="1" smtClean="0"/>
+              <a:t>patientbunden</a:t>
+            </a:r>
+            <a:r>
+              <a:rPr lang="en-US" baseline="0" dirty="0" smtClean="0"/>
+              <a:t> data </a:t>
+            </a:r>
+            <a:r>
+              <a:rPr lang="en-US" baseline="0" dirty="0" err="1" smtClean="0"/>
+              <a:t>för</a:t>
+            </a:r>
+            <a:r>
+              <a:rPr lang="en-US" baseline="0" dirty="0" smtClean="0"/>
+              <a:t> </a:t>
+            </a:r>
+            <a:r>
+              <a:rPr lang="en-US" baseline="0" dirty="0" err="1" smtClean="0"/>
+              <a:t>vårdgivare</a:t>
+            </a:r>
+            <a:r>
+              <a:rPr lang="en-US" baseline="0" dirty="0" smtClean="0"/>
+              <a:t>)</a:t>
+            </a:r>
+          </a:p>
+          <a:p>
+            <a:endParaRPr lang="en-US" dirty="0" smtClean="0"/>
+          </a:p>
+          <a:p>
+            <a:endParaRPr lang="en-US" dirty="0"/>
           </a:p>
         </p:txBody>
       </p:sp>
@@ -1558,362 +2007,7 @@
           <a:bodyPr/>
           <a:lstStyle/>
           <a:p>
-            <a:r>
-              <a:rPr lang="en-US" dirty="0" err="1" smtClean="0"/>
-              <a:t>Kort</a:t>
-            </a:r>
-            <a:r>
-              <a:rPr lang="en-US" dirty="0" smtClean="0"/>
-              <a:t> </a:t>
-            </a:r>
-            <a:r>
-              <a:rPr lang="en-US" dirty="0" err="1" smtClean="0"/>
-              <a:t>om</a:t>
-            </a:r>
-            <a:r>
-              <a:rPr lang="en-US" dirty="0" smtClean="0"/>
-              <a:t> </a:t>
-            </a:r>
-            <a:r>
-              <a:rPr lang="en-US" dirty="0" err="1" smtClean="0"/>
-              <a:t>API’er</a:t>
-            </a:r>
-            <a:r>
-              <a:rPr lang="en-US" dirty="0" smtClean="0"/>
-              <a:t> </a:t>
-            </a:r>
-            <a:r>
-              <a:rPr lang="en-US" dirty="0" err="1" smtClean="0"/>
-              <a:t>för</a:t>
-            </a:r>
-            <a:r>
-              <a:rPr lang="en-US" dirty="0" smtClean="0"/>
-              <a:t> </a:t>
-            </a:r>
-            <a:r>
-              <a:rPr lang="en-US" dirty="0" err="1" smtClean="0"/>
-              <a:t>patientbunden</a:t>
-            </a:r>
-            <a:r>
-              <a:rPr lang="en-US" dirty="0" smtClean="0"/>
-              <a:t> data</a:t>
-            </a:r>
-          </a:p>
-          <a:p>
-            <a:endParaRPr lang="en-US" dirty="0" smtClean="0"/>
-          </a:p>
-          <a:p>
-            <a:r>
-              <a:rPr lang="en-US" dirty="0" smtClean="0"/>
-              <a:t>Nu </a:t>
-            </a:r>
-            <a:r>
-              <a:rPr lang="en-US" dirty="0" err="1" smtClean="0"/>
-              <a:t>har</a:t>
-            </a:r>
-            <a:r>
-              <a:rPr lang="en-US" dirty="0" smtClean="0"/>
-              <a:t> </a:t>
-            </a:r>
-            <a:r>
-              <a:rPr lang="en-US" dirty="0" err="1" smtClean="0"/>
-              <a:t>ni</a:t>
-            </a:r>
-            <a:r>
-              <a:rPr lang="en-US" dirty="0" smtClean="0"/>
-              <a:t> </a:t>
-            </a:r>
-            <a:r>
-              <a:rPr lang="en-US" dirty="0" err="1" smtClean="0"/>
-              <a:t>testat</a:t>
-            </a:r>
-            <a:r>
-              <a:rPr lang="en-US" baseline="0" dirty="0" smtClean="0"/>
-              <a:t> </a:t>
-            </a:r>
-            <a:r>
-              <a:rPr lang="en-US" baseline="0" dirty="0" err="1" smtClean="0"/>
-              <a:t>APIer</a:t>
-            </a:r>
-            <a:r>
-              <a:rPr lang="en-US" baseline="0" dirty="0" smtClean="0"/>
-              <a:t> </a:t>
-            </a:r>
-            <a:r>
-              <a:rPr lang="en-US" baseline="0" dirty="0" err="1" smtClean="0"/>
-              <a:t>för</a:t>
-            </a:r>
-            <a:r>
-              <a:rPr lang="en-US" baseline="0" dirty="0" smtClean="0"/>
-              <a:t> </a:t>
-            </a:r>
-            <a:r>
-              <a:rPr lang="en-US" baseline="0" dirty="0" err="1" smtClean="0"/>
-              <a:t>offentlig</a:t>
-            </a:r>
-            <a:r>
-              <a:rPr lang="en-US" baseline="0" dirty="0" smtClean="0"/>
-              <a:t> data </a:t>
-            </a:r>
-            <a:r>
-              <a:rPr lang="en-US" baseline="0" dirty="0" err="1" smtClean="0"/>
-              <a:t>som</a:t>
-            </a:r>
-            <a:r>
-              <a:rPr lang="en-US" baseline="0" dirty="0" smtClean="0"/>
-              <a:t> </a:t>
-            </a:r>
-            <a:r>
-              <a:rPr lang="en-US" baseline="0" dirty="0" err="1" smtClean="0"/>
-              <a:t>är</a:t>
-            </a:r>
-            <a:r>
-              <a:rPr lang="en-US" baseline="0" dirty="0" smtClean="0"/>
-              <a:t> </a:t>
-            </a:r>
-            <a:r>
-              <a:rPr lang="en-US" baseline="0" dirty="0" err="1" smtClean="0"/>
-              <a:t>helt</a:t>
-            </a:r>
-            <a:r>
-              <a:rPr lang="en-US" baseline="0" dirty="0" smtClean="0"/>
-              <a:t> </a:t>
-            </a:r>
-            <a:r>
-              <a:rPr lang="en-US" baseline="0" dirty="0" err="1" smtClean="0"/>
-              <a:t>öppna</a:t>
-            </a:r>
-            <a:endParaRPr lang="en-US" baseline="0" dirty="0" smtClean="0"/>
-          </a:p>
-          <a:p>
-            <a:endParaRPr lang="en-US" baseline="0" dirty="0" smtClean="0"/>
-          </a:p>
-          <a:p>
-            <a:r>
-              <a:rPr lang="en-US" baseline="0" dirty="0" err="1" smtClean="0"/>
-              <a:t>Apier</a:t>
-            </a:r>
-            <a:r>
-              <a:rPr lang="en-US" baseline="0" dirty="0" smtClean="0"/>
-              <a:t> </a:t>
-            </a:r>
-            <a:r>
-              <a:rPr lang="en-US" baseline="0" dirty="0" err="1" smtClean="0"/>
-              <a:t>för</a:t>
-            </a:r>
-            <a:r>
-              <a:rPr lang="en-US" baseline="0" dirty="0" smtClean="0"/>
-              <a:t> </a:t>
-            </a:r>
-            <a:r>
-              <a:rPr lang="en-US" baseline="0" dirty="0" err="1" smtClean="0"/>
-              <a:t>patientbunden</a:t>
-            </a:r>
-            <a:r>
-              <a:rPr lang="en-US" baseline="0" dirty="0" smtClean="0"/>
-              <a:t> data </a:t>
-            </a:r>
-            <a:r>
-              <a:rPr lang="en-US" baseline="0" dirty="0" err="1" smtClean="0"/>
-              <a:t>kräver</a:t>
-            </a:r>
-            <a:r>
-              <a:rPr lang="en-US" baseline="0" dirty="0" smtClean="0"/>
-              <a:t> en </a:t>
-            </a:r>
-            <a:r>
-              <a:rPr lang="en-US" baseline="0" dirty="0" err="1" smtClean="0"/>
-              <a:t>strikt</a:t>
-            </a:r>
-            <a:r>
-              <a:rPr lang="en-US" baseline="0" dirty="0" smtClean="0"/>
-              <a:t> </a:t>
-            </a:r>
-            <a:r>
-              <a:rPr lang="en-US" baseline="0" dirty="0" err="1" smtClean="0"/>
-              <a:t>åtkomstkontroll</a:t>
-            </a:r>
-            <a:r>
-              <a:rPr lang="en-US" baseline="0" dirty="0" smtClean="0"/>
-              <a:t> </a:t>
-            </a:r>
-            <a:r>
-              <a:rPr lang="en-US" baseline="0" dirty="0" err="1" smtClean="0"/>
-              <a:t>för</a:t>
-            </a:r>
-            <a:r>
-              <a:rPr lang="en-US" baseline="0" dirty="0" smtClean="0"/>
-              <a:t> </a:t>
-            </a:r>
-            <a:r>
-              <a:rPr lang="en-US" baseline="0" dirty="0" err="1" smtClean="0"/>
-              <a:t>att</a:t>
-            </a:r>
-            <a:r>
-              <a:rPr lang="en-US" baseline="0" dirty="0" smtClean="0"/>
-              <a:t> </a:t>
-            </a:r>
-            <a:r>
-              <a:rPr lang="en-US" baseline="0" dirty="0" err="1" smtClean="0"/>
-              <a:t>inte</a:t>
-            </a:r>
-            <a:r>
-              <a:rPr lang="en-US" baseline="0" dirty="0" smtClean="0"/>
-              <a:t> data </a:t>
-            </a:r>
-            <a:r>
-              <a:rPr lang="en-US" baseline="0" dirty="0" err="1" smtClean="0"/>
-              <a:t>skall</a:t>
-            </a:r>
-            <a:r>
-              <a:rPr lang="en-US" baseline="0" dirty="0" smtClean="0"/>
-              <a:t> </a:t>
-            </a:r>
-            <a:r>
-              <a:rPr lang="en-US" baseline="0" dirty="0" err="1" smtClean="0"/>
-              <a:t>hamna</a:t>
-            </a:r>
-            <a:r>
-              <a:rPr lang="en-US" baseline="0" dirty="0" smtClean="0"/>
-              <a:t> </a:t>
-            </a:r>
-            <a:r>
-              <a:rPr lang="en-US" baseline="0" dirty="0" err="1" smtClean="0"/>
-              <a:t>i</a:t>
-            </a:r>
-            <a:r>
-              <a:rPr lang="en-US" baseline="0" dirty="0" smtClean="0"/>
-              <a:t> </a:t>
-            </a:r>
-            <a:r>
-              <a:rPr lang="en-US" baseline="0" dirty="0" err="1" smtClean="0"/>
-              <a:t>orätta</a:t>
-            </a:r>
-            <a:r>
-              <a:rPr lang="en-US" baseline="0" dirty="0" smtClean="0"/>
-              <a:t> </a:t>
-            </a:r>
-            <a:r>
-              <a:rPr lang="en-US" baseline="0" dirty="0" err="1" smtClean="0"/>
-              <a:t>händer</a:t>
-            </a:r>
-            <a:endParaRPr lang="en-US" baseline="0" dirty="0" smtClean="0"/>
-          </a:p>
-          <a:p>
-            <a:endParaRPr lang="en-US" baseline="0" dirty="0" smtClean="0"/>
-          </a:p>
-          <a:p>
-            <a:r>
-              <a:rPr lang="en-US" baseline="0" dirty="0" err="1" smtClean="0"/>
-              <a:t>Förtroende</a:t>
-            </a:r>
-            <a:r>
-              <a:rPr lang="en-US" baseline="0" dirty="0" smtClean="0"/>
-              <a:t> -&gt; </a:t>
-            </a:r>
-            <a:r>
-              <a:rPr lang="en-US" baseline="0" dirty="0" err="1" smtClean="0"/>
-              <a:t>www.minavardkontakter.se</a:t>
-            </a:r>
-            <a:endParaRPr lang="en-US" baseline="0" dirty="0" smtClean="0"/>
-          </a:p>
-          <a:p>
-            <a:r>
-              <a:rPr lang="en-US" baseline="0" dirty="0" err="1" smtClean="0"/>
-              <a:t>Identifiering</a:t>
-            </a:r>
-            <a:r>
-              <a:rPr lang="en-US" baseline="0" dirty="0" smtClean="0"/>
-              <a:t> -&gt; </a:t>
-            </a:r>
-            <a:r>
-              <a:rPr lang="en-US" baseline="0" dirty="0" err="1" smtClean="0"/>
-              <a:t>inloggning</a:t>
-            </a:r>
-            <a:r>
-              <a:rPr lang="en-US" baseline="0" dirty="0" smtClean="0"/>
-              <a:t> via </a:t>
-            </a:r>
-            <a:r>
-              <a:rPr lang="en-US" baseline="0" dirty="0" err="1" smtClean="0"/>
-              <a:t>mvk</a:t>
-            </a:r>
-            <a:r>
-              <a:rPr lang="en-US" baseline="0" dirty="0" smtClean="0"/>
-              <a:t> med 2-faktorsautenticering till </a:t>
-            </a:r>
-            <a:r>
-              <a:rPr lang="en-US" baseline="0" dirty="0" err="1" smtClean="0"/>
-              <a:t>excempel</a:t>
-            </a:r>
-            <a:r>
-              <a:rPr lang="en-US" baseline="0" dirty="0" smtClean="0"/>
-              <a:t> e-leg. </a:t>
-            </a:r>
-            <a:r>
-              <a:rPr lang="en-US" baseline="0" dirty="0" err="1" smtClean="0"/>
-              <a:t>Krav</a:t>
-            </a:r>
-            <a:r>
-              <a:rPr lang="en-US" baseline="0" dirty="0" smtClean="0"/>
-              <a:t> </a:t>
-            </a:r>
-            <a:r>
-              <a:rPr lang="en-US" baseline="0" dirty="0" err="1" smtClean="0"/>
-              <a:t>från</a:t>
-            </a:r>
-            <a:r>
-              <a:rPr lang="en-US" baseline="0" dirty="0" smtClean="0"/>
-              <a:t> </a:t>
-            </a:r>
-            <a:r>
-              <a:rPr lang="en-US" baseline="0" dirty="0" err="1" smtClean="0"/>
-              <a:t>datainspektionen</a:t>
-            </a:r>
-            <a:r>
-              <a:rPr lang="en-US" baseline="0" dirty="0" smtClean="0"/>
-              <a:t>.</a:t>
-            </a:r>
-          </a:p>
-          <a:p>
-            <a:r>
-              <a:rPr lang="en-US" baseline="0" dirty="0" err="1" smtClean="0"/>
-              <a:t>Auktorisation</a:t>
-            </a:r>
-            <a:r>
-              <a:rPr lang="en-US" baseline="0" dirty="0" smtClean="0"/>
-              <a:t>….</a:t>
-            </a:r>
-          </a:p>
-          <a:p>
-            <a:r>
-              <a:rPr lang="en-US" baseline="0" dirty="0" smtClean="0"/>
-              <a:t>   </a:t>
-            </a:r>
-            <a:r>
-              <a:rPr lang="en-US" baseline="0" dirty="0" err="1" smtClean="0"/>
-              <a:t>Oauth</a:t>
-            </a:r>
-            <a:r>
-              <a:rPr lang="en-US" baseline="0" dirty="0" smtClean="0"/>
-              <a:t> 2.0 TADA… </a:t>
-            </a:r>
-            <a:r>
-              <a:rPr lang="en-US" baseline="0" dirty="0" err="1" smtClean="0"/>
-              <a:t>vänd</a:t>
-            </a:r>
-            <a:r>
-              <a:rPr lang="en-US" baseline="0" dirty="0" smtClean="0"/>
-              <a:t> </a:t>
-            </a:r>
-            <a:r>
-              <a:rPr lang="en-US" baseline="0" dirty="0" err="1" smtClean="0"/>
-              <a:t>blad</a:t>
-            </a:r>
-            <a:endParaRPr lang="en-US" baseline="0" dirty="0" smtClean="0"/>
-          </a:p>
-          <a:p>
-            <a:endParaRPr lang="en-US" baseline="0" dirty="0" smtClean="0"/>
+            <a:endParaRPr lang="en-US"/>
           </a:p>
         </p:txBody>
       </p:sp>
@@ -1940,7 +2034,7 @@
               <a:pPr>
                 <a:defRPr/>
               </a:pPr>
-              <a:t>12</a:t>
+              <a:t>10</a:t>
             </a:fld>
             <a:endParaRPr lang="sv-SE"/>
           </a:p>
@@ -1949,7 +2043,7 @@
     </p:spTree>
     <p:extLst>
       <p:ext uri="{BB962C8B-B14F-4D97-AF65-F5344CB8AC3E}">
-        <p14:creationId xmlns:p14="http://schemas.microsoft.com/office/powerpoint/2010/main" val="422046913"/>
+        <p14:creationId xmlns:p14="http://schemas.microsoft.com/office/powerpoint/2010/main" val="2250645432"/>
       </p:ext>
     </p:extLst>
   </p:cSld>
@@ -2004,12 +2098,16 @@
           <a:lstStyle/>
           <a:p>
             <a:r>
+              <a:rPr lang="en-US" dirty="0" err="1" smtClean="0"/>
+              <a:t>Kort</a:t>
+            </a:r>
+            <a:r>
               <a:rPr lang="en-US" dirty="0" smtClean="0"/>
-              <a:t>Visa </a:t>
+              <a:t> </a:t>
             </a:r>
             <a:r>
               <a:rPr lang="en-US" dirty="0" err="1" smtClean="0"/>
-              <a:t>på</a:t>
+              <a:t>om</a:t>
             </a:r>
             <a:r>
               <a:rPr lang="en-US" dirty="0" smtClean="0"/>
@@ -2017,33 +2115,88 @@
             </a:r>
             <a:r>
               <a:rPr lang="en-US" dirty="0" err="1" smtClean="0"/>
-              <a:t>problemet</a:t>
-            </a:r>
+              <a:t>API’er</a:t>
+            </a:r>
+            <a:r>
+              <a:rPr lang="en-US" dirty="0" smtClean="0"/>
+              <a:t> </a:t>
+            </a:r>
+            <a:r>
+              <a:rPr lang="en-US" dirty="0" err="1" smtClean="0"/>
+              <a:t>för</a:t>
+            </a:r>
+            <a:r>
+              <a:rPr lang="en-US" dirty="0" smtClean="0"/>
+              <a:t> </a:t>
+            </a:r>
+            <a:r>
+              <a:rPr lang="en-US" dirty="0" err="1" smtClean="0"/>
+              <a:t>patientbunden</a:t>
+            </a:r>
+            <a:r>
+              <a:rPr lang="en-US" dirty="0" smtClean="0"/>
+              <a:t> data</a:t>
+            </a:r>
+          </a:p>
+          <a:p>
             <a:endParaRPr lang="en-US" dirty="0" smtClean="0"/>
           </a:p>
           <a:p>
-            <a:endParaRPr lang="en-US" dirty="0" smtClean="0"/>
-          </a:p>
-          <a:p>
             <a:r>
               <a:rPr lang="en-US" dirty="0" smtClean="0"/>
-              <a:t>Den</a:t>
-            </a:r>
-            <a:r>
-              <a:rPr lang="en-US" baseline="0" dirty="0" smtClean="0"/>
-              <a:t> </a:t>
-            </a:r>
-            <a:r>
-              <a:rPr lang="en-US" baseline="0" dirty="0" err="1" smtClean="0"/>
-              <a:t>naiva</a:t>
-            </a:r>
-            <a:r>
-              <a:rPr lang="en-US" baseline="0" dirty="0" smtClean="0"/>
-              <a:t> </a:t>
-            </a:r>
-            <a:r>
-              <a:rPr lang="en-US" baseline="0" dirty="0" err="1" smtClean="0"/>
-              <a:t>approachen</a:t>
+              <a:t>Nu </a:t>
+            </a:r>
+            <a:r>
+              <a:rPr lang="en-US" dirty="0" err="1" smtClean="0"/>
+              <a:t>har</a:t>
+            </a:r>
+            <a:r>
+              <a:rPr lang="en-US" dirty="0" smtClean="0"/>
+              <a:t> </a:t>
+            </a:r>
+            <a:r>
+              <a:rPr lang="en-US" dirty="0" err="1" smtClean="0"/>
+              <a:t>ni</a:t>
+            </a:r>
+            <a:r>
+              <a:rPr lang="en-US" dirty="0" smtClean="0"/>
+              <a:t> </a:t>
+            </a:r>
+            <a:r>
+              <a:rPr lang="en-US" dirty="0" err="1" smtClean="0"/>
+              <a:t>testat</a:t>
+            </a:r>
+            <a:r>
+              <a:rPr lang="en-US" baseline="0" dirty="0" smtClean="0"/>
+              <a:t> </a:t>
+            </a:r>
+            <a:r>
+              <a:rPr lang="en-US" baseline="0" dirty="0" err="1" smtClean="0"/>
+              <a:t>APIer</a:t>
+            </a:r>
+            <a:r>
+              <a:rPr lang="en-US" baseline="0" dirty="0" smtClean="0"/>
+              <a:t> </a:t>
+            </a:r>
+            <a:r>
+              <a:rPr lang="en-US" baseline="0" dirty="0" err="1" smtClean="0"/>
+              <a:t>för</a:t>
+            </a:r>
+            <a:r>
+              <a:rPr lang="en-US" baseline="0" dirty="0" smtClean="0"/>
+              <a:t> </a:t>
+            </a:r>
+            <a:r>
+              <a:rPr lang="en-US" baseline="0" dirty="0" err="1" smtClean="0"/>
+              <a:t>offentlig</a:t>
+            </a:r>
+            <a:r>
+              <a:rPr lang="en-US" baseline="0" dirty="0" smtClean="0"/>
+              <a:t> data </a:t>
+            </a:r>
+            <a:r>
+              <a:rPr lang="en-US" baseline="0" dirty="0" err="1" smtClean="0"/>
+              <a:t>som</a:t>
             </a:r>
             <a:r>
               <a:rPr lang="en-US" baseline="0" dirty="0" smtClean="0"/>
@@ -2059,51 +2212,378 @@
             </a:r>
             <a:r>
               <a:rPr lang="en-US" baseline="0" dirty="0" err="1" smtClean="0"/>
+              <a:t>helt</a:t>
+            </a:r>
+            <a:r>
+              <a:rPr lang="en-US" baseline="0" dirty="0" smtClean="0"/>
+              <a:t> </a:t>
+            </a:r>
+            <a:r>
+              <a:rPr lang="en-US" baseline="0" dirty="0" err="1" smtClean="0"/>
+              <a:t>öppna</a:t>
+            </a:r>
+            <a:endParaRPr lang="en-US" baseline="0" dirty="0" smtClean="0"/>
+          </a:p>
+          <a:p>
+            <a:endParaRPr lang="en-US" baseline="0" dirty="0" smtClean="0"/>
+          </a:p>
+          <a:p>
+            <a:r>
+              <a:rPr lang="en-US" baseline="0" dirty="0" err="1" smtClean="0"/>
+              <a:t>Apier</a:t>
+            </a:r>
+            <a:r>
+              <a:rPr lang="en-US" baseline="0" dirty="0" smtClean="0"/>
+              <a:t> </a:t>
+            </a:r>
+            <a:r>
+              <a:rPr lang="en-US" baseline="0" dirty="0" err="1" smtClean="0"/>
+              <a:t>för</a:t>
+            </a:r>
+            <a:r>
+              <a:rPr lang="en-US" baseline="0" dirty="0" smtClean="0"/>
+              <a:t> </a:t>
+            </a:r>
+            <a:r>
+              <a:rPr lang="en-US" baseline="0" dirty="0" err="1" smtClean="0"/>
+              <a:t>patientbunden</a:t>
+            </a:r>
+            <a:r>
+              <a:rPr lang="en-US" baseline="0" dirty="0" smtClean="0"/>
+              <a:t> data </a:t>
+            </a:r>
+            <a:r>
+              <a:rPr lang="en-US" baseline="0" dirty="0" err="1" smtClean="0"/>
+              <a:t>kräver</a:t>
+            </a:r>
+            <a:r>
+              <a:rPr lang="en-US" baseline="0" dirty="0" smtClean="0"/>
+              <a:t> en </a:t>
+            </a:r>
+            <a:r>
+              <a:rPr lang="en-US" baseline="0" dirty="0" err="1" smtClean="0"/>
+              <a:t>strikt</a:t>
+            </a:r>
+            <a:r>
+              <a:rPr lang="en-US" baseline="0" dirty="0" smtClean="0"/>
+              <a:t> </a:t>
+            </a:r>
+            <a:r>
+              <a:rPr lang="en-US" baseline="0" dirty="0" err="1" smtClean="0"/>
+              <a:t>åtkomstkontroll</a:t>
+            </a:r>
+            <a:r>
+              <a:rPr lang="en-US" baseline="0" dirty="0" smtClean="0"/>
+              <a:t> </a:t>
+            </a:r>
+            <a:r>
+              <a:rPr lang="en-US" baseline="0" dirty="0" err="1" smtClean="0"/>
+              <a:t>för</a:t>
+            </a:r>
+            <a:r>
+              <a:rPr lang="en-US" baseline="0" dirty="0" smtClean="0"/>
+              <a:t> </a:t>
+            </a:r>
+            <a:r>
+              <a:rPr lang="en-US" baseline="0" dirty="0" err="1" smtClean="0"/>
               <a:t>att</a:t>
             </a:r>
             <a:r>
               <a:rPr lang="en-US" baseline="0" dirty="0" smtClean="0"/>
+              <a:t> </a:t>
+            </a:r>
+            <a:r>
+              <a:rPr lang="en-US" baseline="0" dirty="0" err="1" smtClean="0"/>
+              <a:t>inte</a:t>
+            </a:r>
+            <a:r>
+              <a:rPr lang="en-US" baseline="0" dirty="0" smtClean="0"/>
+              <a:t> data </a:t>
+            </a:r>
+            <a:r>
+              <a:rPr lang="en-US" baseline="0" dirty="0" err="1" smtClean="0"/>
+              <a:t>skall</a:t>
+            </a:r>
+            <a:r>
+              <a:rPr lang="en-US" baseline="0" dirty="0" smtClean="0"/>
+              <a:t> </a:t>
+            </a:r>
+            <a:r>
+              <a:rPr lang="en-US" baseline="0" dirty="0" err="1" smtClean="0"/>
+              <a:t>hamna</a:t>
+            </a:r>
+            <a:r>
+              <a:rPr lang="en-US" baseline="0" dirty="0" smtClean="0"/>
+              <a:t> </a:t>
+            </a:r>
+            <a:r>
+              <a:rPr lang="en-US" baseline="0" dirty="0" err="1" smtClean="0"/>
+              <a:t>i</a:t>
+            </a:r>
+            <a:r>
+              <a:rPr lang="en-US" baseline="0" dirty="0" smtClean="0"/>
+              <a:t> </a:t>
+            </a:r>
+            <a:r>
+              <a:rPr lang="en-US" baseline="0" dirty="0" err="1" smtClean="0"/>
+              <a:t>orätta</a:t>
+            </a:r>
+            <a:r>
+              <a:rPr lang="en-US" baseline="0" dirty="0" smtClean="0"/>
+              <a:t> </a:t>
+            </a:r>
+            <a:r>
+              <a:rPr lang="en-US" baseline="0" dirty="0" err="1" smtClean="0"/>
+              <a:t>händer</a:t>
+            </a:r>
+            <a:endParaRPr lang="en-US" baseline="0" dirty="0" smtClean="0"/>
+          </a:p>
+          <a:p>
+            <a:endParaRPr lang="en-US" baseline="0" dirty="0" smtClean="0"/>
+          </a:p>
+          <a:p>
+            <a:r>
+              <a:rPr lang="en-US" baseline="0" dirty="0" err="1" smtClean="0"/>
+              <a:t>Förtroende</a:t>
+            </a:r>
+            <a:r>
+              <a:rPr lang="en-US" baseline="0" dirty="0" smtClean="0"/>
+              <a:t> -&gt; </a:t>
+            </a:r>
+            <a:r>
+              <a:rPr lang="en-US" baseline="0" dirty="0" err="1" smtClean="0"/>
+              <a:t>www.minavardkontakter.se</a:t>
+            </a:r>
+            <a:endParaRPr lang="en-US" baseline="0" dirty="0" smtClean="0"/>
+          </a:p>
+          <a:p>
+            <a:endParaRPr lang="en-US" baseline="0" dirty="0" smtClean="0"/>
+          </a:p>
+          <a:p>
+            <a:r>
+              <a:rPr lang="en-US" baseline="0" dirty="0" err="1" smtClean="0"/>
+              <a:t>Identifiering</a:t>
+            </a:r>
+            <a:r>
+              <a:rPr lang="en-US" baseline="0" dirty="0" smtClean="0"/>
+              <a:t> </a:t>
+            </a:r>
+            <a:r>
+              <a:rPr lang="en-US" baseline="0" dirty="0" smtClean="0"/>
+              <a:t>-&gt; </a:t>
+            </a:r>
+            <a:r>
+              <a:rPr lang="en-US" baseline="0" dirty="0" err="1" smtClean="0"/>
+              <a:t>inloggning</a:t>
+            </a:r>
+            <a:r>
+              <a:rPr lang="en-US" baseline="0" dirty="0" smtClean="0"/>
+              <a:t> via </a:t>
+            </a:r>
+            <a:r>
+              <a:rPr lang="en-US" baseline="0" dirty="0" err="1" smtClean="0"/>
+              <a:t>mvk</a:t>
+            </a:r>
+            <a:r>
+              <a:rPr lang="en-US" baseline="0" dirty="0" smtClean="0"/>
+              <a:t> med 2-faktorsautenticering till </a:t>
+            </a:r>
+            <a:r>
+              <a:rPr lang="en-US" baseline="0" dirty="0" err="1" smtClean="0"/>
+              <a:t>excempel</a:t>
+            </a:r>
+            <a:r>
+              <a:rPr lang="en-US" baseline="0" dirty="0" smtClean="0"/>
+              <a:t> e-leg. </a:t>
+            </a:r>
+            <a:r>
+              <a:rPr lang="en-US" baseline="0" dirty="0" err="1" smtClean="0"/>
+              <a:t>Krav</a:t>
+            </a:r>
+            <a:r>
+              <a:rPr lang="en-US" baseline="0" dirty="0" smtClean="0"/>
+              <a:t> </a:t>
+            </a:r>
+            <a:r>
+              <a:rPr lang="en-US" baseline="0" dirty="0" err="1" smtClean="0"/>
+              <a:t>från</a:t>
+            </a:r>
+            <a:r>
+              <a:rPr lang="en-US" baseline="0" dirty="0" smtClean="0"/>
+              <a:t> </a:t>
+            </a:r>
+            <a:r>
+              <a:rPr lang="en-US" baseline="0" dirty="0" err="1" smtClean="0"/>
+              <a:t>datainspektionen</a:t>
+            </a:r>
+            <a:r>
+              <a:rPr lang="en-US" baseline="0" dirty="0" smtClean="0"/>
+              <a:t>.</a:t>
+            </a:r>
+          </a:p>
+          <a:p>
+            <a:endParaRPr lang="en-US" baseline="0" dirty="0" smtClean="0"/>
+          </a:p>
+          <a:p>
+            <a:r>
+              <a:rPr lang="en-US" baseline="0" dirty="0" err="1" smtClean="0"/>
+              <a:t>Tvåfaktorsautentisering</a:t>
+            </a:r>
+            <a:r>
+              <a:rPr lang="en-US" baseline="0" dirty="0" smtClean="0"/>
+              <a:t> – </a:t>
+            </a:r>
+            <a:r>
+              <a:rPr lang="en-US" baseline="0" dirty="0" err="1" smtClean="0"/>
+              <a:t>identitetskontroll</a:t>
+            </a:r>
+            <a:r>
+              <a:rPr lang="en-US" baseline="0" dirty="0" smtClean="0"/>
+              <a:t> med </a:t>
+            </a:r>
+            <a:r>
+              <a:rPr lang="en-US" baseline="0" dirty="0" err="1" smtClean="0"/>
+              <a:t>hjälp</a:t>
+            </a:r>
+            <a:r>
+              <a:rPr lang="en-US" baseline="0" dirty="0" smtClean="0"/>
+              <a:t> </a:t>
+            </a:r>
+            <a:r>
+              <a:rPr lang="en-US" baseline="0" dirty="0" err="1" smtClean="0"/>
+              <a:t>av</a:t>
+            </a:r>
+            <a:r>
+              <a:rPr lang="en-US" baseline="0" dirty="0" smtClean="0"/>
+              <a:t> </a:t>
+            </a:r>
+            <a:r>
+              <a:rPr lang="en-US" baseline="0" dirty="0" err="1" smtClean="0"/>
+              <a:t>två</a:t>
+            </a:r>
+            <a:r>
+              <a:rPr lang="en-US" baseline="0" dirty="0" smtClean="0"/>
+              <a:t> </a:t>
+            </a:r>
+            <a:r>
+              <a:rPr lang="en-US" baseline="0" dirty="0" err="1" smtClean="0"/>
+              <a:t>skilda</a:t>
+            </a:r>
+            <a:r>
+              <a:rPr lang="en-US" baseline="0" dirty="0" smtClean="0"/>
+              <a:t> former </a:t>
+            </a:r>
+            <a:r>
+              <a:rPr lang="en-US" baseline="0" dirty="0" err="1" smtClean="0"/>
+              <a:t>av</a:t>
+            </a:r>
+            <a:r>
+              <a:rPr lang="en-US" baseline="0" dirty="0" smtClean="0"/>
+              <a:t> information, till </a:t>
+            </a:r>
+            <a:r>
+              <a:rPr lang="en-US" baseline="0" dirty="0" err="1" smtClean="0"/>
+              <a:t>exempel</a:t>
+            </a:r>
+            <a:r>
+              <a:rPr lang="en-US" baseline="0" dirty="0" smtClean="0"/>
+              <a:t> </a:t>
+            </a:r>
+            <a:r>
+              <a:rPr lang="en-US" baseline="0" dirty="0" err="1" smtClean="0"/>
+              <a:t>ett</a:t>
+            </a:r>
+            <a:r>
+              <a:rPr lang="en-US" baseline="0" dirty="0" smtClean="0"/>
+              <a:t> </a:t>
+            </a:r>
+            <a:r>
+              <a:rPr lang="en-US" baseline="0" dirty="0" err="1" smtClean="0"/>
+              <a:t>kort</a:t>
+            </a:r>
+            <a:r>
+              <a:rPr lang="en-US" baseline="0" dirty="0" smtClean="0"/>
+              <a:t> </a:t>
+            </a:r>
+            <a:r>
+              <a:rPr lang="en-US" baseline="0" dirty="0" err="1" smtClean="0"/>
+              <a:t>och</a:t>
+            </a:r>
+            <a:r>
+              <a:rPr lang="en-US" baseline="0" dirty="0" smtClean="0"/>
+              <a:t> </a:t>
+            </a:r>
+            <a:r>
+              <a:rPr lang="en-US" baseline="0" dirty="0" err="1" smtClean="0"/>
+              <a:t>ett</a:t>
+            </a:r>
+            <a:r>
+              <a:rPr lang="en-US" baseline="0" dirty="0" smtClean="0"/>
+              <a:t> </a:t>
+            </a:r>
+            <a:r>
+              <a:rPr lang="en-US" baseline="0" dirty="0" err="1" smtClean="0"/>
+              <a:t>lösenord</a:t>
+            </a:r>
+            <a:r>
+              <a:rPr lang="en-US" baseline="0" dirty="0" smtClean="0"/>
+              <a:t>. </a:t>
+            </a:r>
+            <a:r>
+              <a:rPr lang="en-US" baseline="0" dirty="0" err="1" smtClean="0"/>
+              <a:t>Alltså</a:t>
+            </a:r>
+            <a:r>
+              <a:rPr lang="en-US" baseline="0" dirty="0" smtClean="0"/>
+              <a:t> </a:t>
+            </a:r>
+            <a:r>
+              <a:rPr lang="en-US" baseline="0" dirty="0" err="1" smtClean="0"/>
+              <a:t>som</a:t>
+            </a:r>
+            <a:r>
+              <a:rPr lang="en-US" baseline="0" dirty="0" smtClean="0"/>
+              <a:t> </a:t>
+            </a:r>
+            <a:r>
+              <a:rPr lang="en-US" baseline="0" dirty="0" err="1" smtClean="0"/>
+              <a:t>i</a:t>
+            </a:r>
+            <a:r>
+              <a:rPr lang="en-US" baseline="0" dirty="0" smtClean="0"/>
               <a:t> en </a:t>
             </a:r>
             <a:r>
               <a:rPr lang="en-US" baseline="0" dirty="0" err="1" smtClean="0"/>
-              <a:t>betrodd</a:t>
-            </a:r>
-            <a:r>
-              <a:rPr lang="en-US" baseline="0" dirty="0" smtClean="0"/>
-              <a:t> </a:t>
-            </a:r>
-            <a:r>
-              <a:rPr lang="en-US" baseline="0" dirty="0" err="1" smtClean="0"/>
-              <a:t>klient</a:t>
-            </a:r>
-            <a:r>
-              <a:rPr lang="en-US" baseline="0" dirty="0" smtClean="0"/>
-              <a:t> </a:t>
-            </a:r>
-            <a:r>
-              <a:rPr lang="en-US" baseline="0" dirty="0" err="1" smtClean="0"/>
-              <a:t>kan</a:t>
-            </a:r>
-            <a:r>
-              <a:rPr lang="en-US" baseline="0" dirty="0" smtClean="0"/>
-              <a:t> </a:t>
-            </a:r>
-            <a:r>
-              <a:rPr lang="en-US" baseline="0" dirty="0" err="1" smtClean="0"/>
-              <a:t>anropa</a:t>
-            </a:r>
-            <a:r>
-              <a:rPr lang="en-US" baseline="0" dirty="0" smtClean="0"/>
-              <a:t> </a:t>
-            </a:r>
-            <a:r>
-              <a:rPr lang="en-US" baseline="0" dirty="0" err="1" smtClean="0"/>
-              <a:t>APIet</a:t>
-            </a:r>
-            <a:r>
-              <a:rPr lang="en-US" baseline="0" dirty="0" smtClean="0"/>
-              <a:t> </a:t>
+              <a:t>bankomat</a:t>
+            </a:r>
+            <a:r>
+              <a:rPr lang="en-US" baseline="0" dirty="0" smtClean="0"/>
+              <a:t> med "</a:t>
+            </a:r>
+            <a:r>
+              <a:rPr lang="en-US" baseline="0" dirty="0" err="1" smtClean="0"/>
+              <a:t>något</a:t>
+            </a:r>
+            <a:r>
+              <a:rPr lang="en-US" baseline="0" dirty="0" smtClean="0"/>
+              <a:t> man </a:t>
+            </a:r>
+            <a:r>
+              <a:rPr lang="en-US" baseline="0" dirty="0" err="1" smtClean="0"/>
+              <a:t>har</a:t>
+            </a:r>
+            <a:r>
+              <a:rPr lang="en-US" baseline="0" dirty="0" smtClean="0"/>
+              <a:t>" (</a:t>
+            </a:r>
+            <a:r>
+              <a:rPr lang="en-US" baseline="0" dirty="0" err="1" smtClean="0"/>
+              <a:t>kortet</a:t>
+            </a:r>
+            <a:r>
+              <a:rPr lang="en-US" baseline="0" dirty="0" smtClean="0"/>
+              <a:t>) </a:t>
             </a:r>
             <a:r>
               <a:rPr lang="en-US" baseline="0" dirty="0" err="1" smtClean="0"/>
@@ -2111,411 +2591,67 @@
             </a:r>
             <a:r>
               <a:rPr lang="en-US" baseline="0" dirty="0" smtClean="0"/>
-              <a:t> </a:t>
-            </a:r>
-            <a:r>
-              <a:rPr lang="en-US" baseline="0" dirty="0" err="1" smtClean="0"/>
-              <a:t>begära</a:t>
-            </a:r>
-            <a:r>
-              <a:rPr lang="en-US" baseline="0" dirty="0" smtClean="0"/>
-              <a:t> </a:t>
-            </a:r>
-            <a:r>
-              <a:rPr lang="en-US" baseline="0" dirty="0" err="1" smtClean="0"/>
-              <a:t>ut</a:t>
-            </a:r>
-            <a:r>
-              <a:rPr lang="en-US" baseline="0" dirty="0" smtClean="0"/>
-              <a:t> den information </a:t>
-            </a:r>
-            <a:r>
-              <a:rPr lang="en-US" baseline="0" dirty="0" err="1" smtClean="0"/>
-              <a:t>som</a:t>
-            </a:r>
-            <a:r>
-              <a:rPr lang="en-US" baseline="0" dirty="0" smtClean="0"/>
-              <a:t> </a:t>
-            </a:r>
-            <a:r>
-              <a:rPr lang="en-US" baseline="0" dirty="0" err="1" smtClean="0"/>
-              <a:t>behövs</a:t>
-            </a:r>
+              <a:t> "</a:t>
+            </a:r>
+            <a:r>
+              <a:rPr lang="en-US" baseline="0" dirty="0" err="1" smtClean="0"/>
+              <a:t>något</a:t>
+            </a:r>
+            <a:r>
+              <a:rPr lang="en-US" baseline="0" dirty="0" smtClean="0"/>
+              <a:t> man vet" (</a:t>
+            </a:r>
+            <a:r>
+              <a:rPr lang="en-US" baseline="0" dirty="0" err="1" smtClean="0"/>
+              <a:t>pinkoden</a:t>
+            </a:r>
+            <a:r>
+              <a:rPr lang="en-US" baseline="0" dirty="0" smtClean="0"/>
+              <a:t>).</a:t>
+            </a:r>
+          </a:p>
+          <a:p>
             <a:endParaRPr lang="en-US" baseline="0" dirty="0" smtClean="0"/>
           </a:p>
           <a:p>
+            <a:r>
+              <a:rPr lang="en-US" baseline="0" dirty="0" err="1" smtClean="0"/>
+              <a:t>Auktorisation</a:t>
+            </a:r>
+            <a:r>
+              <a:rPr lang="en-US" baseline="0" dirty="0" smtClean="0"/>
+              <a:t>….</a:t>
+            </a:r>
+          </a:p>
+          <a:p>
+            <a:r>
+              <a:rPr lang="en-US" baseline="0" dirty="0" smtClean="0"/>
+              <a:t>   </a:t>
+            </a:r>
+            <a:r>
+              <a:rPr lang="en-US" baseline="0" dirty="0" err="1" smtClean="0"/>
+              <a:t>Oauth</a:t>
+            </a:r>
+            <a:r>
+              <a:rPr lang="en-US" baseline="0" dirty="0" smtClean="0"/>
+              <a:t> 2.0 TADA… </a:t>
+            </a:r>
+            <a:r>
+              <a:rPr lang="en-US" baseline="0" dirty="0" err="1" smtClean="0"/>
+              <a:t>vänd</a:t>
+            </a:r>
+            <a:r>
+              <a:rPr lang="en-US" baseline="0" dirty="0" smtClean="0"/>
+              <a:t> </a:t>
+            </a:r>
+            <a:r>
+              <a:rPr lang="en-US" baseline="0" dirty="0" err="1" smtClean="0"/>
+              <a:t>blad</a:t>
+            </a:r>
             <a:endParaRPr lang="en-US" baseline="0" dirty="0" smtClean="0"/>
           </a:p>
           <a:p>
-            <a:r>
-              <a:rPr lang="en-US" baseline="0" dirty="0" smtClean="0"/>
-              <a:t>MEN… </a:t>
-            </a:r>
-            <a:r>
-              <a:rPr lang="en-US" baseline="0" dirty="0" err="1" smtClean="0"/>
-              <a:t>är</a:t>
-            </a:r>
-            <a:r>
-              <a:rPr lang="en-US" baseline="0" dirty="0" smtClean="0"/>
-              <a:t> </a:t>
-            </a:r>
-            <a:r>
-              <a:rPr lang="en-US" baseline="0" dirty="0" err="1" smtClean="0"/>
-              <a:t>det</a:t>
-            </a:r>
-            <a:r>
-              <a:rPr lang="en-US" baseline="0" dirty="0" smtClean="0"/>
-              <a:t> </a:t>
-            </a:r>
-            <a:r>
-              <a:rPr lang="en-US" baseline="0" dirty="0" err="1" smtClean="0"/>
-              <a:t>säkert</a:t>
-            </a:r>
-            <a:r>
-              <a:rPr lang="en-US" baseline="0" dirty="0" smtClean="0"/>
-              <a:t> </a:t>
-            </a:r>
-            <a:r>
-              <a:rPr lang="en-US" baseline="0" dirty="0" err="1" smtClean="0"/>
-              <a:t>att</a:t>
-            </a:r>
-            <a:r>
-              <a:rPr lang="en-US" baseline="0" dirty="0" smtClean="0"/>
-              <a:t> </a:t>
-            </a:r>
-            <a:r>
-              <a:rPr lang="en-US" baseline="0" dirty="0" err="1" smtClean="0"/>
-              <a:t>invånaren</a:t>
-            </a:r>
-            <a:r>
-              <a:rPr lang="en-US" baseline="0" dirty="0" smtClean="0"/>
-              <a:t> </a:t>
-            </a:r>
-            <a:r>
-              <a:rPr lang="en-US" baseline="0" dirty="0" err="1" smtClean="0"/>
-              <a:t>kan</a:t>
-            </a:r>
-            <a:r>
-              <a:rPr lang="en-US" baseline="0" dirty="0" smtClean="0"/>
-              <a:t> </a:t>
-            </a:r>
-            <a:r>
-              <a:rPr lang="en-US" baseline="0" dirty="0" err="1" smtClean="0"/>
-              <a:t>lita</a:t>
-            </a:r>
-            <a:r>
-              <a:rPr lang="en-US" baseline="0" dirty="0" smtClean="0"/>
-              <a:t> </a:t>
-            </a:r>
-            <a:r>
-              <a:rPr lang="en-US" baseline="0" dirty="0" err="1" smtClean="0"/>
-              <a:t>på</a:t>
-            </a:r>
-            <a:r>
-              <a:rPr lang="en-US" baseline="0" dirty="0" smtClean="0"/>
-              <a:t> </a:t>
-            </a:r>
-            <a:r>
-              <a:rPr lang="en-US" baseline="0" dirty="0" err="1" smtClean="0"/>
-              <a:t>att</a:t>
-            </a:r>
-            <a:r>
-              <a:rPr lang="en-US" baseline="0" dirty="0" smtClean="0"/>
-              <a:t> </a:t>
-            </a:r>
-            <a:r>
-              <a:rPr lang="en-US" baseline="0" dirty="0" err="1" smtClean="0"/>
-              <a:t>klieneten</a:t>
-            </a:r>
-            <a:r>
-              <a:rPr lang="en-US" baseline="0" dirty="0" smtClean="0"/>
-              <a:t> </a:t>
-            </a:r>
-            <a:r>
-              <a:rPr lang="en-US" baseline="0" dirty="0" err="1" smtClean="0"/>
-              <a:t>inte</a:t>
-            </a:r>
-            <a:r>
-              <a:rPr lang="en-US" baseline="0" dirty="0" smtClean="0"/>
-              <a:t> </a:t>
-            </a:r>
-            <a:r>
-              <a:rPr lang="en-US" baseline="0" dirty="0" err="1" smtClean="0"/>
-              <a:t>begär</a:t>
-            </a:r>
-            <a:r>
-              <a:rPr lang="en-US" baseline="0" dirty="0" smtClean="0"/>
-              <a:t> </a:t>
-            </a:r>
-            <a:r>
-              <a:rPr lang="en-US" baseline="0" dirty="0" err="1" smtClean="0"/>
-              <a:t>ut</a:t>
-            </a:r>
-            <a:r>
-              <a:rPr lang="en-US" baseline="0" dirty="0" smtClean="0"/>
-              <a:t> information </a:t>
-            </a:r>
-            <a:r>
-              <a:rPr lang="en-US" baseline="0" dirty="0" err="1" smtClean="0"/>
-              <a:t>utan</a:t>
-            </a:r>
-            <a:r>
-              <a:rPr lang="en-US" baseline="0" dirty="0" smtClean="0"/>
-              <a:t> </a:t>
-            </a:r>
-            <a:r>
-              <a:rPr lang="en-US" baseline="0" dirty="0" err="1" smtClean="0"/>
-              <a:t>att</a:t>
-            </a:r>
-            <a:r>
-              <a:rPr lang="en-US" baseline="0" dirty="0" smtClean="0"/>
-              <a:t> </a:t>
-            </a:r>
-            <a:r>
-              <a:rPr lang="en-US" baseline="0" dirty="0" err="1" smtClean="0"/>
-              <a:t>invånaren</a:t>
-            </a:r>
-            <a:r>
-              <a:rPr lang="en-US" baseline="0" dirty="0" smtClean="0"/>
-              <a:t> </a:t>
-            </a:r>
-            <a:r>
-              <a:rPr lang="en-US" baseline="0" dirty="0" err="1" smtClean="0"/>
-              <a:t>godkänt</a:t>
-            </a:r>
-            <a:r>
-              <a:rPr lang="en-US" baseline="0" dirty="0" smtClean="0"/>
-              <a:t>.</a:t>
-            </a:r>
-          </a:p>
-          <a:p>
             <a:endParaRPr lang="en-US" baseline="0" dirty="0" smtClean="0"/>
-          </a:p>
-          <a:p>
-            <a:r>
-              <a:rPr lang="en-US" baseline="0" dirty="0" err="1" smtClean="0"/>
-              <a:t>För</a:t>
-            </a:r>
-            <a:r>
-              <a:rPr lang="en-US" baseline="0" dirty="0" smtClean="0"/>
-              <a:t> </a:t>
-            </a:r>
-            <a:r>
-              <a:rPr lang="en-US" baseline="0" dirty="0" err="1" smtClean="0"/>
-              <a:t>att</a:t>
-            </a:r>
-            <a:r>
-              <a:rPr lang="en-US" baseline="0" dirty="0" smtClean="0"/>
-              <a:t> </a:t>
-            </a:r>
-            <a:r>
-              <a:rPr lang="en-US" baseline="0" dirty="0" err="1" smtClean="0"/>
-              <a:t>få</a:t>
-            </a:r>
-            <a:r>
-              <a:rPr lang="en-US" baseline="0" dirty="0" smtClean="0"/>
-              <a:t> </a:t>
-            </a:r>
-            <a:r>
-              <a:rPr lang="en-US" baseline="0" dirty="0" err="1" smtClean="0"/>
-              <a:t>tillit</a:t>
-            </a:r>
-            <a:r>
-              <a:rPr lang="en-US" baseline="0" dirty="0" smtClean="0"/>
-              <a:t> I </a:t>
-            </a:r>
-            <a:r>
-              <a:rPr lang="en-US" baseline="0" dirty="0" err="1" smtClean="0"/>
-              <a:t>systemet</a:t>
-            </a:r>
-            <a:r>
-              <a:rPr lang="en-US" baseline="0" dirty="0" smtClean="0"/>
-              <a:t> </a:t>
-            </a:r>
-            <a:r>
-              <a:rPr lang="en-US" baseline="0" dirty="0" err="1" smtClean="0"/>
-              <a:t>behöver</a:t>
-            </a:r>
-            <a:r>
-              <a:rPr lang="en-US" baseline="0" dirty="0" smtClean="0"/>
-              <a:t> </a:t>
-            </a:r>
-            <a:r>
-              <a:rPr lang="en-US" baseline="0" dirty="0" err="1" smtClean="0"/>
-              <a:t>det</a:t>
-            </a:r>
-            <a:r>
-              <a:rPr lang="en-US" baseline="0" dirty="0" smtClean="0"/>
-              <a:t> </a:t>
-            </a:r>
-            <a:r>
-              <a:rPr lang="en-US" baseline="0" dirty="0" err="1" smtClean="0"/>
-              <a:t>finnas</a:t>
-            </a:r>
-            <a:r>
-              <a:rPr lang="en-US" baseline="0" dirty="0" smtClean="0"/>
-              <a:t> en </a:t>
-            </a:r>
-            <a:r>
-              <a:rPr lang="en-US" baseline="0" dirty="0" err="1" smtClean="0"/>
-              <a:t>mekanism</a:t>
-            </a:r>
-            <a:r>
-              <a:rPr lang="en-US" baseline="0" dirty="0" smtClean="0"/>
-              <a:t> </a:t>
-            </a:r>
-            <a:r>
-              <a:rPr lang="en-US" baseline="0" dirty="0" err="1" smtClean="0"/>
-              <a:t>som</a:t>
-            </a:r>
-            <a:r>
-              <a:rPr lang="en-US" baseline="0" dirty="0" smtClean="0"/>
-              <a:t> </a:t>
-            </a:r>
-            <a:r>
-              <a:rPr lang="en-US" baseline="0" dirty="0" err="1" smtClean="0"/>
-              <a:t>gör</a:t>
-            </a:r>
-            <a:r>
-              <a:rPr lang="en-US" baseline="0" dirty="0" smtClean="0"/>
-              <a:t> </a:t>
-            </a:r>
-            <a:r>
-              <a:rPr lang="en-US" baseline="0" dirty="0" err="1" smtClean="0"/>
-              <a:t>att</a:t>
-            </a:r>
-            <a:r>
-              <a:rPr lang="en-US" baseline="0" dirty="0" smtClean="0"/>
-              <a:t> </a:t>
-            </a:r>
-            <a:r>
-              <a:rPr lang="en-US" baseline="0" dirty="0" err="1" smtClean="0"/>
-              <a:t>klienten</a:t>
-            </a:r>
-            <a:r>
-              <a:rPr lang="en-US" baseline="0" dirty="0" smtClean="0"/>
-              <a:t> </a:t>
-            </a:r>
-            <a:r>
-              <a:rPr lang="en-US" baseline="0" dirty="0" err="1" smtClean="0"/>
-              <a:t>endast</a:t>
-            </a:r>
-            <a:r>
-              <a:rPr lang="en-US" baseline="0" dirty="0" smtClean="0"/>
-              <a:t> </a:t>
-            </a:r>
-            <a:r>
-              <a:rPr lang="en-US" baseline="0" dirty="0" err="1" smtClean="0"/>
-              <a:t>kan</a:t>
-            </a:r>
-            <a:r>
-              <a:rPr lang="en-US" baseline="0" dirty="0" smtClean="0"/>
-              <a:t> </a:t>
-            </a:r>
-            <a:r>
-              <a:rPr lang="en-US" baseline="0" dirty="0" err="1" smtClean="0"/>
-              <a:t>hämta</a:t>
-            </a:r>
-            <a:r>
-              <a:rPr lang="en-US" baseline="0" dirty="0" smtClean="0"/>
-              <a:t> </a:t>
-            </a:r>
-            <a:r>
-              <a:rPr lang="en-US" baseline="0" dirty="0" err="1" smtClean="0"/>
-              <a:t>ut</a:t>
-            </a:r>
-            <a:r>
-              <a:rPr lang="en-US" baseline="0" dirty="0" smtClean="0"/>
-              <a:t> information </a:t>
-            </a:r>
-            <a:r>
-              <a:rPr lang="en-US" baseline="0" dirty="0" err="1" smtClean="0"/>
-              <a:t>som</a:t>
-            </a:r>
-            <a:r>
-              <a:rPr lang="en-US" baseline="0" dirty="0" smtClean="0"/>
-              <a:t> </a:t>
-            </a:r>
-            <a:r>
-              <a:rPr lang="en-US" baseline="0" dirty="0" err="1" smtClean="0"/>
-              <a:t>invånaren</a:t>
-            </a:r>
-            <a:r>
-              <a:rPr lang="en-US" baseline="0" dirty="0" smtClean="0"/>
-              <a:t> </a:t>
-            </a:r>
-            <a:r>
-              <a:rPr lang="en-US" baseline="0" dirty="0" err="1" smtClean="0"/>
-              <a:t>har</a:t>
-            </a:r>
-            <a:r>
-              <a:rPr lang="en-US" baseline="0" dirty="0" smtClean="0"/>
-              <a:t> </a:t>
-            </a:r>
-            <a:r>
-              <a:rPr lang="en-US" baseline="0" dirty="0" err="1" smtClean="0"/>
-              <a:t>godkänt</a:t>
-            </a:r>
-            <a:r>
-              <a:rPr lang="en-US" baseline="0" dirty="0" smtClean="0"/>
-              <a:t>.</a:t>
-            </a:r>
-          </a:p>
-          <a:p>
-            <a:r>
-              <a:rPr lang="en-US" baseline="0" dirty="0" err="1" smtClean="0"/>
-              <a:t>APIet</a:t>
-            </a:r>
-            <a:r>
-              <a:rPr lang="en-US" baseline="0" dirty="0" smtClean="0"/>
-              <a:t> </a:t>
-            </a:r>
-            <a:r>
-              <a:rPr lang="en-US" baseline="0" dirty="0" err="1" smtClean="0"/>
-              <a:t>behöver</a:t>
-            </a:r>
-            <a:r>
-              <a:rPr lang="en-US" baseline="0" dirty="0" smtClean="0"/>
-              <a:t> </a:t>
-            </a:r>
-            <a:r>
-              <a:rPr lang="en-US" baseline="0" dirty="0" err="1" smtClean="0"/>
-              <a:t>verifiera</a:t>
-            </a:r>
-            <a:r>
-              <a:rPr lang="en-US" baseline="0" dirty="0" smtClean="0"/>
-              <a:t> </a:t>
-            </a:r>
-            <a:r>
-              <a:rPr lang="en-US" baseline="0" dirty="0" err="1" smtClean="0"/>
-              <a:t>detta</a:t>
-            </a:r>
-            <a:r>
-              <a:rPr lang="en-US" baseline="0" dirty="0" smtClean="0"/>
-              <a:t>.</a:t>
-            </a:r>
-          </a:p>
-          <a:p>
-            <a:endParaRPr lang="en-US" baseline="0" dirty="0" smtClean="0"/>
-          </a:p>
-          <a:p>
-            <a:r>
-              <a:rPr lang="en-US" baseline="0" dirty="0" err="1" smtClean="0"/>
-              <a:t>Såååå</a:t>
-            </a:r>
-            <a:r>
-              <a:rPr lang="en-US" baseline="0" dirty="0" smtClean="0"/>
-              <a:t>…… OAUTH 2.0 </a:t>
-            </a:r>
-            <a:r>
-              <a:rPr lang="en-US" baseline="0" dirty="0" err="1" smtClean="0"/>
-              <a:t>nästa</a:t>
-            </a:r>
-            <a:r>
-              <a:rPr lang="en-US" baseline="0" dirty="0" smtClean="0"/>
-              <a:t> slide…</a:t>
-            </a:r>
-            <a:endParaRPr lang="en-US" dirty="0"/>
           </a:p>
         </p:txBody>
       </p:sp>
@@ -2542,7 +2678,7 @@
               <a:pPr>
                 <a:defRPr/>
               </a:pPr>
-              <a:t>13</a:t>
+              <a:t>12</a:t>
             </a:fld>
             <a:endParaRPr lang="sv-SE"/>
           </a:p>
@@ -2551,7 +2687,7 @@
     </p:spTree>
     <p:extLst>
       <p:ext uri="{BB962C8B-B14F-4D97-AF65-F5344CB8AC3E}">
-        <p14:creationId xmlns:p14="http://schemas.microsoft.com/office/powerpoint/2010/main" val="1531746770"/>
+        <p14:creationId xmlns:p14="http://schemas.microsoft.com/office/powerpoint/2010/main" val="422046913"/>
       </p:ext>
     </p:extLst>
   </p:cSld>
@@ -2605,7 +2741,519 @@
           <a:bodyPr/>
           <a:lstStyle/>
           <a:p>
+            <a:r>
+              <a:rPr lang="en-US" dirty="0" smtClean="0"/>
+              <a:t>Visa </a:t>
+            </a:r>
+            <a:r>
+              <a:rPr lang="en-US" dirty="0" err="1" smtClean="0"/>
+              <a:t>på</a:t>
+            </a:r>
+            <a:r>
+              <a:rPr lang="en-US" dirty="0" smtClean="0"/>
+              <a:t> </a:t>
+            </a:r>
+            <a:r>
+              <a:rPr lang="en-US" dirty="0" err="1" smtClean="0"/>
+              <a:t>problemet</a:t>
+            </a:r>
+            <a:endParaRPr lang="en-US" dirty="0" smtClean="0"/>
+          </a:p>
+          <a:p>
+            <a:endParaRPr lang="en-US" dirty="0" smtClean="0"/>
+          </a:p>
+          <a:p>
+            <a:r>
+              <a:rPr lang="en-US" dirty="0" smtClean="0"/>
+              <a:t>Den</a:t>
+            </a:r>
+            <a:r>
+              <a:rPr lang="en-US" baseline="0" dirty="0" smtClean="0"/>
+              <a:t> </a:t>
+            </a:r>
+            <a:r>
+              <a:rPr lang="en-US" baseline="0" dirty="0" err="1" smtClean="0"/>
+              <a:t>naiva</a:t>
+            </a:r>
+            <a:r>
+              <a:rPr lang="en-US" baseline="0" dirty="0" smtClean="0"/>
+              <a:t> </a:t>
+            </a:r>
+            <a:r>
+              <a:rPr lang="en-US" baseline="0" dirty="0" err="1" smtClean="0"/>
+              <a:t>approachen</a:t>
+            </a:r>
+            <a:r>
+              <a:rPr lang="en-US" baseline="0" dirty="0" smtClean="0"/>
+              <a:t> </a:t>
+            </a:r>
+            <a:r>
+              <a:rPr lang="en-US" baseline="0" dirty="0" err="1" smtClean="0"/>
+              <a:t>är</a:t>
+            </a:r>
+            <a:r>
+              <a:rPr lang="en-US" baseline="0" dirty="0" smtClean="0"/>
+              <a:t> </a:t>
+            </a:r>
+            <a:r>
+              <a:rPr lang="en-US" baseline="0" dirty="0" err="1" smtClean="0"/>
+              <a:t>att</a:t>
+            </a:r>
+            <a:r>
+              <a:rPr lang="en-US" baseline="0" dirty="0" smtClean="0"/>
+              <a:t> en </a:t>
+            </a:r>
+            <a:r>
+              <a:rPr lang="en-US" baseline="0" dirty="0" err="1" smtClean="0"/>
+              <a:t>betrodd</a:t>
+            </a:r>
+            <a:r>
+              <a:rPr lang="en-US" baseline="0" dirty="0" smtClean="0"/>
+              <a:t> </a:t>
+            </a:r>
+            <a:r>
+              <a:rPr lang="en-US" baseline="0" dirty="0" err="1" smtClean="0"/>
+              <a:t>klient</a:t>
+            </a:r>
+            <a:r>
+              <a:rPr lang="en-US" baseline="0" dirty="0" smtClean="0"/>
+              <a:t> </a:t>
+            </a:r>
+            <a:r>
+              <a:rPr lang="en-US" baseline="0" dirty="0" err="1" smtClean="0"/>
+              <a:t>kan</a:t>
+            </a:r>
+            <a:r>
+              <a:rPr lang="en-US" baseline="0" dirty="0" smtClean="0"/>
+              <a:t> </a:t>
+            </a:r>
+            <a:r>
+              <a:rPr lang="en-US" baseline="0" dirty="0" err="1" smtClean="0"/>
+              <a:t>anropa</a:t>
+            </a:r>
+            <a:r>
+              <a:rPr lang="en-US" baseline="0" dirty="0" smtClean="0"/>
+              <a:t> </a:t>
+            </a:r>
+            <a:r>
+              <a:rPr lang="en-US" baseline="0" dirty="0" err="1" smtClean="0"/>
+              <a:t>APIet</a:t>
+            </a:r>
+            <a:r>
+              <a:rPr lang="en-US" baseline="0" dirty="0" smtClean="0"/>
+              <a:t> </a:t>
+            </a:r>
+            <a:r>
+              <a:rPr lang="en-US" baseline="0" dirty="0" err="1" smtClean="0"/>
+              <a:t>och</a:t>
+            </a:r>
+            <a:r>
+              <a:rPr lang="en-US" baseline="0" dirty="0" smtClean="0"/>
+              <a:t> </a:t>
+            </a:r>
+            <a:r>
+              <a:rPr lang="en-US" baseline="0" dirty="0" err="1" smtClean="0"/>
+              <a:t>begära</a:t>
+            </a:r>
+            <a:r>
+              <a:rPr lang="en-US" baseline="0" dirty="0" smtClean="0"/>
+              <a:t> </a:t>
+            </a:r>
+            <a:r>
+              <a:rPr lang="en-US" baseline="0" dirty="0" err="1" smtClean="0"/>
+              <a:t>ut</a:t>
+            </a:r>
+            <a:r>
+              <a:rPr lang="en-US" baseline="0" dirty="0" smtClean="0"/>
+              <a:t> den information </a:t>
+            </a:r>
+            <a:r>
+              <a:rPr lang="en-US" baseline="0" dirty="0" err="1" smtClean="0"/>
+              <a:t>som</a:t>
+            </a:r>
+            <a:r>
+              <a:rPr lang="en-US" baseline="0" dirty="0" smtClean="0"/>
+              <a:t> </a:t>
+            </a:r>
+            <a:r>
+              <a:rPr lang="en-US" baseline="0" dirty="0" err="1" smtClean="0"/>
+              <a:t>behövs</a:t>
+            </a:r>
             <a:endParaRPr lang="en-US" baseline="0" dirty="0" smtClean="0"/>
+          </a:p>
+          <a:p>
+            <a:endParaRPr lang="en-US" baseline="0" dirty="0" smtClean="0"/>
+          </a:p>
+          <a:p>
+            <a:r>
+              <a:rPr lang="en-US" baseline="0" dirty="0" smtClean="0"/>
+              <a:t>MEN… </a:t>
+            </a:r>
+            <a:r>
+              <a:rPr lang="en-US" baseline="0" dirty="0" err="1" smtClean="0"/>
+              <a:t>är</a:t>
+            </a:r>
+            <a:r>
+              <a:rPr lang="en-US" baseline="0" dirty="0" smtClean="0"/>
+              <a:t> </a:t>
+            </a:r>
+            <a:r>
+              <a:rPr lang="en-US" baseline="0" dirty="0" err="1" smtClean="0"/>
+              <a:t>det</a:t>
+            </a:r>
+            <a:r>
+              <a:rPr lang="en-US" baseline="0" dirty="0" smtClean="0"/>
+              <a:t> </a:t>
+            </a:r>
+            <a:r>
+              <a:rPr lang="en-US" baseline="0" dirty="0" err="1" smtClean="0"/>
+              <a:t>säkert</a:t>
+            </a:r>
+            <a:r>
+              <a:rPr lang="en-US" baseline="0" dirty="0" smtClean="0"/>
+              <a:t> </a:t>
+            </a:r>
+            <a:r>
+              <a:rPr lang="en-US" baseline="0" dirty="0" err="1" smtClean="0"/>
+              <a:t>att</a:t>
+            </a:r>
+            <a:r>
+              <a:rPr lang="en-US" baseline="0" dirty="0" smtClean="0"/>
+              <a:t> </a:t>
+            </a:r>
+            <a:r>
+              <a:rPr lang="en-US" baseline="0" dirty="0" err="1" smtClean="0"/>
+              <a:t>invånaren</a:t>
+            </a:r>
+            <a:r>
+              <a:rPr lang="en-US" baseline="0" dirty="0" smtClean="0"/>
+              <a:t> </a:t>
+            </a:r>
+            <a:r>
+              <a:rPr lang="en-US" baseline="0" dirty="0" err="1" smtClean="0"/>
+              <a:t>kan</a:t>
+            </a:r>
+            <a:r>
+              <a:rPr lang="en-US" baseline="0" dirty="0" smtClean="0"/>
+              <a:t> </a:t>
+            </a:r>
+            <a:r>
+              <a:rPr lang="en-US" baseline="0" dirty="0" err="1" smtClean="0"/>
+              <a:t>lita</a:t>
+            </a:r>
+            <a:r>
+              <a:rPr lang="en-US" baseline="0" dirty="0" smtClean="0"/>
+              <a:t> </a:t>
+            </a:r>
+            <a:r>
+              <a:rPr lang="en-US" baseline="0" dirty="0" err="1" smtClean="0"/>
+              <a:t>på</a:t>
+            </a:r>
+            <a:r>
+              <a:rPr lang="en-US" baseline="0" dirty="0" smtClean="0"/>
+              <a:t> </a:t>
+            </a:r>
+            <a:r>
+              <a:rPr lang="en-US" baseline="0" dirty="0" err="1" smtClean="0"/>
+              <a:t>att</a:t>
+            </a:r>
+            <a:r>
+              <a:rPr lang="en-US" baseline="0" dirty="0" smtClean="0"/>
+              <a:t> </a:t>
+            </a:r>
+            <a:r>
+              <a:rPr lang="en-US" baseline="0" dirty="0" err="1" smtClean="0"/>
+              <a:t>klieneten</a:t>
+            </a:r>
+            <a:r>
+              <a:rPr lang="en-US" baseline="0" dirty="0" smtClean="0"/>
+              <a:t> </a:t>
+            </a:r>
+            <a:r>
+              <a:rPr lang="en-US" baseline="0" dirty="0" err="1" smtClean="0"/>
+              <a:t>inte</a:t>
+            </a:r>
+            <a:r>
+              <a:rPr lang="en-US" baseline="0" dirty="0" smtClean="0"/>
+              <a:t> </a:t>
+            </a:r>
+            <a:r>
+              <a:rPr lang="en-US" baseline="0" dirty="0" err="1" smtClean="0"/>
+              <a:t>begär</a:t>
+            </a:r>
+            <a:r>
+              <a:rPr lang="en-US" baseline="0" dirty="0" smtClean="0"/>
+              <a:t> </a:t>
+            </a:r>
+            <a:r>
+              <a:rPr lang="en-US" baseline="0" dirty="0" err="1" smtClean="0"/>
+              <a:t>ut</a:t>
+            </a:r>
+            <a:r>
+              <a:rPr lang="en-US" baseline="0" dirty="0" smtClean="0"/>
+              <a:t> information </a:t>
+            </a:r>
+            <a:r>
+              <a:rPr lang="en-US" baseline="0" dirty="0" err="1" smtClean="0"/>
+              <a:t>utan</a:t>
+            </a:r>
+            <a:r>
+              <a:rPr lang="en-US" baseline="0" dirty="0" smtClean="0"/>
+              <a:t> </a:t>
+            </a:r>
+            <a:r>
+              <a:rPr lang="en-US" baseline="0" dirty="0" err="1" smtClean="0"/>
+              <a:t>att</a:t>
+            </a:r>
+            <a:r>
+              <a:rPr lang="en-US" baseline="0" dirty="0" smtClean="0"/>
+              <a:t> </a:t>
+            </a:r>
+            <a:r>
+              <a:rPr lang="en-US" baseline="0" dirty="0" err="1" smtClean="0"/>
+              <a:t>invånaren</a:t>
+            </a:r>
+            <a:r>
+              <a:rPr lang="en-US" baseline="0" dirty="0" smtClean="0"/>
+              <a:t> </a:t>
+            </a:r>
+            <a:r>
+              <a:rPr lang="en-US" baseline="0" dirty="0" err="1" smtClean="0"/>
+              <a:t>godkänt</a:t>
+            </a:r>
+            <a:r>
+              <a:rPr lang="en-US" baseline="0" dirty="0" smtClean="0"/>
+              <a:t>.</a:t>
+            </a:r>
+          </a:p>
+          <a:p>
+            <a:endParaRPr lang="en-US" baseline="0" dirty="0" smtClean="0"/>
+          </a:p>
+          <a:p>
+            <a:r>
+              <a:rPr lang="en-US" baseline="0" dirty="0" err="1" smtClean="0"/>
+              <a:t>För</a:t>
+            </a:r>
+            <a:r>
+              <a:rPr lang="en-US" baseline="0" dirty="0" smtClean="0"/>
+              <a:t> </a:t>
+            </a:r>
+            <a:r>
+              <a:rPr lang="en-US" baseline="0" dirty="0" err="1" smtClean="0"/>
+              <a:t>att</a:t>
+            </a:r>
+            <a:r>
+              <a:rPr lang="en-US" baseline="0" dirty="0" smtClean="0"/>
+              <a:t> </a:t>
+            </a:r>
+            <a:r>
+              <a:rPr lang="en-US" baseline="0" dirty="0" err="1" smtClean="0"/>
+              <a:t>få</a:t>
+            </a:r>
+            <a:r>
+              <a:rPr lang="en-US" baseline="0" dirty="0" smtClean="0"/>
+              <a:t> </a:t>
+            </a:r>
+            <a:r>
+              <a:rPr lang="en-US" baseline="0" dirty="0" err="1" smtClean="0"/>
+              <a:t>tillit</a:t>
+            </a:r>
+            <a:r>
+              <a:rPr lang="en-US" baseline="0" dirty="0" smtClean="0"/>
+              <a:t> I </a:t>
+            </a:r>
+            <a:r>
+              <a:rPr lang="en-US" baseline="0" dirty="0" err="1" smtClean="0"/>
+              <a:t>systemet</a:t>
+            </a:r>
+            <a:r>
+              <a:rPr lang="en-US" baseline="0" dirty="0" smtClean="0"/>
+              <a:t> </a:t>
+            </a:r>
+            <a:r>
+              <a:rPr lang="en-US" baseline="0" dirty="0" err="1" smtClean="0"/>
+              <a:t>behöver</a:t>
+            </a:r>
+            <a:r>
+              <a:rPr lang="en-US" baseline="0" dirty="0" smtClean="0"/>
+              <a:t> </a:t>
+            </a:r>
+            <a:r>
+              <a:rPr lang="en-US" baseline="0" dirty="0" err="1" smtClean="0"/>
+              <a:t>det</a:t>
+            </a:r>
+            <a:r>
+              <a:rPr lang="en-US" baseline="0" dirty="0" smtClean="0"/>
+              <a:t> </a:t>
+            </a:r>
+            <a:r>
+              <a:rPr lang="en-US" baseline="0" dirty="0" err="1" smtClean="0"/>
+              <a:t>finnas</a:t>
+            </a:r>
+            <a:r>
+              <a:rPr lang="en-US" baseline="0" dirty="0" smtClean="0"/>
+              <a:t> en </a:t>
+            </a:r>
+            <a:r>
+              <a:rPr lang="en-US" baseline="0" dirty="0" err="1" smtClean="0"/>
+              <a:t>mekanism</a:t>
+            </a:r>
+            <a:r>
+              <a:rPr lang="en-US" baseline="0" dirty="0" smtClean="0"/>
+              <a:t> </a:t>
+            </a:r>
+            <a:r>
+              <a:rPr lang="en-US" baseline="0" dirty="0" err="1" smtClean="0"/>
+              <a:t>som</a:t>
+            </a:r>
+            <a:r>
+              <a:rPr lang="en-US" baseline="0" dirty="0" smtClean="0"/>
+              <a:t> </a:t>
+            </a:r>
+            <a:r>
+              <a:rPr lang="en-US" baseline="0" dirty="0" err="1" smtClean="0"/>
+              <a:t>gör</a:t>
+            </a:r>
+            <a:r>
+              <a:rPr lang="en-US" baseline="0" dirty="0" smtClean="0"/>
+              <a:t> </a:t>
+            </a:r>
+            <a:r>
+              <a:rPr lang="en-US" baseline="0" dirty="0" err="1" smtClean="0"/>
+              <a:t>att</a:t>
+            </a:r>
+            <a:r>
+              <a:rPr lang="en-US" baseline="0" dirty="0" smtClean="0"/>
+              <a:t> </a:t>
+            </a:r>
+            <a:r>
+              <a:rPr lang="en-US" baseline="0" dirty="0" err="1" smtClean="0"/>
+              <a:t>klienten</a:t>
+            </a:r>
+            <a:r>
+              <a:rPr lang="en-US" baseline="0" dirty="0" smtClean="0"/>
+              <a:t> </a:t>
+            </a:r>
+            <a:r>
+              <a:rPr lang="en-US" baseline="0" dirty="0" err="1" smtClean="0"/>
+              <a:t>endast</a:t>
+            </a:r>
+            <a:r>
+              <a:rPr lang="en-US" baseline="0" dirty="0" smtClean="0"/>
+              <a:t> </a:t>
+            </a:r>
+            <a:r>
+              <a:rPr lang="en-US" baseline="0" dirty="0" err="1" smtClean="0"/>
+              <a:t>kan</a:t>
+            </a:r>
+            <a:r>
+              <a:rPr lang="en-US" baseline="0" dirty="0" smtClean="0"/>
+              <a:t> </a:t>
+            </a:r>
+            <a:r>
+              <a:rPr lang="en-US" baseline="0" dirty="0" err="1" smtClean="0"/>
+              <a:t>hämta</a:t>
+            </a:r>
+            <a:r>
+              <a:rPr lang="en-US" baseline="0" dirty="0" smtClean="0"/>
+              <a:t> </a:t>
+            </a:r>
+            <a:r>
+              <a:rPr lang="en-US" baseline="0" dirty="0" err="1" smtClean="0"/>
+              <a:t>ut</a:t>
+            </a:r>
+            <a:r>
+              <a:rPr lang="en-US" baseline="0" dirty="0" smtClean="0"/>
+              <a:t> information </a:t>
+            </a:r>
+            <a:r>
+              <a:rPr lang="en-US" baseline="0" dirty="0" err="1" smtClean="0"/>
+              <a:t>som</a:t>
+            </a:r>
+            <a:r>
+              <a:rPr lang="en-US" baseline="0" dirty="0" smtClean="0"/>
+              <a:t> </a:t>
+            </a:r>
+            <a:r>
+              <a:rPr lang="en-US" baseline="0" dirty="0" err="1" smtClean="0"/>
+              <a:t>invånaren</a:t>
+            </a:r>
+            <a:r>
+              <a:rPr lang="en-US" baseline="0" dirty="0" smtClean="0"/>
+              <a:t> </a:t>
+            </a:r>
+            <a:r>
+              <a:rPr lang="en-US" baseline="0" dirty="0" err="1" smtClean="0"/>
+              <a:t>har</a:t>
+            </a:r>
+            <a:r>
+              <a:rPr lang="en-US" baseline="0" dirty="0" smtClean="0"/>
+              <a:t> </a:t>
+            </a:r>
+            <a:r>
+              <a:rPr lang="en-US" baseline="0" dirty="0" err="1" smtClean="0"/>
+              <a:t>godkänt</a:t>
+            </a:r>
+            <a:r>
+              <a:rPr lang="en-US" baseline="0" dirty="0" smtClean="0"/>
+              <a:t>.</a:t>
+            </a:r>
+          </a:p>
+          <a:p>
+            <a:r>
+              <a:rPr lang="en-US" baseline="0" dirty="0" err="1" smtClean="0"/>
+              <a:t>APIet</a:t>
+            </a:r>
+            <a:r>
+              <a:rPr lang="en-US" baseline="0" dirty="0" smtClean="0"/>
+              <a:t> </a:t>
+            </a:r>
+            <a:r>
+              <a:rPr lang="en-US" baseline="0" dirty="0" err="1" smtClean="0"/>
+              <a:t>behöver</a:t>
+            </a:r>
+            <a:r>
+              <a:rPr lang="en-US" baseline="0" dirty="0" smtClean="0"/>
+              <a:t> </a:t>
+            </a:r>
+            <a:r>
+              <a:rPr lang="en-US" baseline="0" dirty="0" err="1" smtClean="0"/>
+              <a:t>verifiera</a:t>
+            </a:r>
+            <a:r>
+              <a:rPr lang="en-US" baseline="0" dirty="0" smtClean="0"/>
+              <a:t> </a:t>
+            </a:r>
+            <a:r>
+              <a:rPr lang="en-US" baseline="0" dirty="0" err="1" smtClean="0"/>
+              <a:t>detta</a:t>
+            </a:r>
+            <a:r>
+              <a:rPr lang="en-US" baseline="0" dirty="0" smtClean="0"/>
+              <a:t>.</a:t>
+            </a:r>
+          </a:p>
+          <a:p>
+            <a:endParaRPr lang="en-US" baseline="0" dirty="0" smtClean="0"/>
+          </a:p>
+          <a:p>
+            <a:r>
+              <a:rPr lang="en-US" baseline="0" dirty="0" err="1" smtClean="0"/>
+              <a:t>Såååå</a:t>
+            </a:r>
+            <a:r>
+              <a:rPr lang="en-US" baseline="0" dirty="0" smtClean="0"/>
+              <a:t>…… OAUTH 2.0 </a:t>
+            </a:r>
+            <a:r>
+              <a:rPr lang="en-US" baseline="0" dirty="0" err="1" smtClean="0"/>
+              <a:t>nästa</a:t>
+            </a:r>
+            <a:r>
+              <a:rPr lang="en-US" baseline="0" dirty="0" smtClean="0"/>
+              <a:t> slide…</a:t>
+            </a:r>
+            <a:endParaRPr lang="en-US" dirty="0"/>
           </a:p>
         </p:txBody>
       </p:sp>
@@ -2632,7 +3280,7 @@
               <a:pPr>
                 <a:defRPr/>
               </a:pPr>
-              <a:t>14</a:t>
+              <a:t>13</a:t>
             </a:fld>
             <a:endParaRPr lang="sv-SE"/>
           </a:p>
@@ -2641,7 +3289,7 @@
     </p:spTree>
     <p:extLst>
       <p:ext uri="{BB962C8B-B14F-4D97-AF65-F5344CB8AC3E}">
-        <p14:creationId xmlns:p14="http://schemas.microsoft.com/office/powerpoint/2010/main" val="422046913"/>
+        <p14:creationId xmlns:p14="http://schemas.microsoft.com/office/powerpoint/2010/main" val="1531746770"/>
       </p:ext>
     </p:extLst>
   </p:cSld>
@@ -2695,416 +3343,7 @@
           <a:bodyPr/>
           <a:lstStyle/>
           <a:p>
-            <a:r>
-              <a:rPr lang="en-US" dirty="0" err="1" smtClean="0"/>
-              <a:t>Reaource</a:t>
-            </a:r>
-            <a:r>
-              <a:rPr lang="en-US" dirty="0" smtClean="0"/>
-              <a:t> Owner: En roll </a:t>
-            </a:r>
-            <a:r>
-              <a:rPr lang="en-US" dirty="0" err="1" smtClean="0"/>
-              <a:t>i</a:t>
-            </a:r>
-            <a:r>
-              <a:rPr lang="en-US" dirty="0" smtClean="0"/>
-              <a:t> </a:t>
-            </a:r>
-            <a:r>
-              <a:rPr lang="en-US" dirty="0" err="1" smtClean="0"/>
-              <a:t>OAuth</a:t>
-            </a:r>
-            <a:r>
-              <a:rPr lang="en-US" dirty="0" smtClean="0"/>
-              <a:t> 2.0 </a:t>
-            </a:r>
-            <a:r>
-              <a:rPr lang="en-US" dirty="0" err="1" smtClean="0"/>
-              <a:t>specifikationen</a:t>
-            </a:r>
-            <a:r>
-              <a:rPr lang="en-US" dirty="0" smtClean="0"/>
-              <a:t> </a:t>
-            </a:r>
-            <a:r>
-              <a:rPr lang="en-US" dirty="0" err="1" smtClean="0"/>
-              <a:t>som</a:t>
-            </a:r>
-            <a:r>
-              <a:rPr lang="en-US" dirty="0" smtClean="0"/>
-              <a:t> </a:t>
-            </a:r>
-            <a:r>
-              <a:rPr lang="en-US" dirty="0" err="1" smtClean="0"/>
-              <a:t>pekar</a:t>
-            </a:r>
-            <a:r>
-              <a:rPr lang="en-US" dirty="0" smtClean="0"/>
-              <a:t> </a:t>
-            </a:r>
-            <a:r>
-              <a:rPr lang="en-US" dirty="0" err="1" smtClean="0"/>
-              <a:t>ut</a:t>
-            </a:r>
-            <a:r>
-              <a:rPr lang="en-US" dirty="0" smtClean="0"/>
-              <a:t> </a:t>
-            </a:r>
-            <a:r>
-              <a:rPr lang="en-US" dirty="0" err="1" smtClean="0"/>
-              <a:t>användaren</a:t>
-            </a:r>
-            <a:r>
-              <a:rPr lang="en-US" dirty="0" smtClean="0"/>
-              <a:t> </a:t>
-            </a:r>
-            <a:r>
-              <a:rPr lang="en-US" dirty="0" err="1" smtClean="0"/>
-              <a:t>som</a:t>
-            </a:r>
-            <a:r>
-              <a:rPr lang="en-US" dirty="0" smtClean="0"/>
-              <a:t> </a:t>
-            </a:r>
-            <a:r>
-              <a:rPr lang="en-US" dirty="0" err="1" smtClean="0"/>
-              <a:t>äger</a:t>
-            </a:r>
-            <a:r>
-              <a:rPr lang="en-US" dirty="0" smtClean="0"/>
-              <a:t> en given </a:t>
-            </a:r>
-            <a:r>
-              <a:rPr lang="en-US" dirty="0" err="1" smtClean="0"/>
-              <a:t>resurs</a:t>
-            </a:r>
-            <a:r>
-              <a:rPr lang="en-US" dirty="0" smtClean="0"/>
-              <a:t>.</a:t>
-            </a:r>
-          </a:p>
-          <a:p>
-            <a:r>
-              <a:rPr lang="en-US" dirty="0" smtClean="0"/>
-              <a:t>Client: I </a:t>
-            </a:r>
-            <a:r>
-              <a:rPr lang="en-US" dirty="0" err="1" smtClean="0"/>
-              <a:t>OAuth</a:t>
-            </a:r>
-            <a:r>
-              <a:rPr lang="en-US" dirty="0" smtClean="0"/>
-              <a:t> 2.0-specifikationen </a:t>
-            </a:r>
-            <a:r>
-              <a:rPr lang="en-US" dirty="0" err="1" smtClean="0"/>
-              <a:t>är</a:t>
-            </a:r>
-            <a:r>
-              <a:rPr lang="en-US" dirty="0" smtClean="0"/>
-              <a:t> </a:t>
-            </a:r>
-            <a:r>
-              <a:rPr lang="en-US" dirty="0" err="1" smtClean="0"/>
-              <a:t>klienten</a:t>
-            </a:r>
-            <a:r>
-              <a:rPr lang="en-US" dirty="0" smtClean="0"/>
-              <a:t> </a:t>
-            </a:r>
-            <a:r>
-              <a:rPr lang="en-US" dirty="0" err="1" smtClean="0"/>
-              <a:t>hela</a:t>
-            </a:r>
-            <a:r>
-              <a:rPr lang="en-US" dirty="0" smtClean="0"/>
-              <a:t> </a:t>
-            </a:r>
-            <a:r>
-              <a:rPr lang="en-US" dirty="0" err="1" smtClean="0"/>
-              <a:t>tredjeparts-lösningen</a:t>
-            </a:r>
-            <a:r>
-              <a:rPr lang="en-US" dirty="0" smtClean="0"/>
-              <a:t>. </a:t>
-            </a:r>
-            <a:r>
-              <a:rPr lang="en-US" dirty="0" err="1" smtClean="0"/>
-              <a:t>Det</a:t>
-            </a:r>
-            <a:r>
-              <a:rPr lang="en-US" dirty="0" smtClean="0"/>
-              <a:t> </a:t>
-            </a:r>
-            <a:r>
-              <a:rPr lang="en-US" dirty="0" err="1" smtClean="0"/>
-              <a:t>vill</a:t>
-            </a:r>
-            <a:r>
-              <a:rPr lang="en-US" dirty="0" smtClean="0"/>
-              <a:t> </a:t>
-            </a:r>
-            <a:r>
-              <a:rPr lang="en-US" dirty="0" err="1" smtClean="0"/>
-              <a:t>säga</a:t>
-            </a:r>
-            <a:r>
-              <a:rPr lang="en-US" dirty="0" smtClean="0"/>
-              <a:t> </a:t>
-            </a:r>
-            <a:r>
-              <a:rPr lang="en-US" dirty="0" err="1" smtClean="0"/>
-              <a:t>klienten</a:t>
-            </a:r>
-            <a:r>
-              <a:rPr lang="en-US" dirty="0" smtClean="0"/>
-              <a:t> </a:t>
-            </a:r>
-            <a:r>
-              <a:rPr lang="en-US" dirty="0" err="1" smtClean="0"/>
-              <a:t>är</a:t>
-            </a:r>
-            <a:r>
-              <a:rPr lang="en-US" dirty="0" smtClean="0"/>
-              <a:t> </a:t>
-            </a:r>
-            <a:r>
-              <a:rPr lang="en-US" dirty="0" err="1" smtClean="0"/>
-              <a:t>både</a:t>
-            </a:r>
-            <a:r>
-              <a:rPr lang="en-US" dirty="0" smtClean="0"/>
-              <a:t> back-end </a:t>
-            </a:r>
-            <a:r>
-              <a:rPr lang="en-US" dirty="0" err="1" smtClean="0"/>
-              <a:t>och</a:t>
-            </a:r>
-            <a:r>
-              <a:rPr lang="en-US" dirty="0" smtClean="0"/>
-              <a:t> front-end </a:t>
-            </a:r>
-            <a:r>
-              <a:rPr lang="en-US" dirty="0" err="1" smtClean="0"/>
-              <a:t>av</a:t>
-            </a:r>
-            <a:r>
-              <a:rPr lang="en-US" dirty="0" smtClean="0"/>
-              <a:t> </a:t>
-            </a:r>
-            <a:r>
-              <a:rPr lang="en-US" dirty="0" err="1" smtClean="0"/>
-              <a:t>tredjeparts-lösningen</a:t>
-            </a:r>
-            <a:r>
-              <a:rPr lang="en-US" dirty="0" smtClean="0"/>
-              <a:t>.</a:t>
-            </a:r>
-          </a:p>
-          <a:p>
-            <a:r>
-              <a:rPr lang="en-US" dirty="0" smtClean="0"/>
-              <a:t>Authorization server: En roll </a:t>
-            </a:r>
-            <a:r>
-              <a:rPr lang="en-US" dirty="0" err="1" smtClean="0"/>
-              <a:t>i</a:t>
-            </a:r>
-            <a:r>
-              <a:rPr lang="en-US" dirty="0" smtClean="0"/>
-              <a:t> </a:t>
-            </a:r>
-            <a:r>
-              <a:rPr lang="en-US" dirty="0" err="1" smtClean="0"/>
-              <a:t>OAuth</a:t>
-            </a:r>
-            <a:r>
-              <a:rPr lang="en-US" dirty="0" smtClean="0"/>
-              <a:t> 2.0 </a:t>
-            </a:r>
-            <a:r>
-              <a:rPr lang="en-US" dirty="0" err="1" smtClean="0"/>
-              <a:t>specifikationen</a:t>
-            </a:r>
-            <a:r>
-              <a:rPr lang="en-US" dirty="0" smtClean="0"/>
-              <a:t> </a:t>
-            </a:r>
-            <a:r>
-              <a:rPr lang="en-US" dirty="0" err="1" smtClean="0"/>
-              <a:t>som</a:t>
-            </a:r>
-            <a:r>
-              <a:rPr lang="en-US" dirty="0" smtClean="0"/>
-              <a:t> </a:t>
-            </a:r>
-            <a:r>
-              <a:rPr lang="en-US" dirty="0" err="1" smtClean="0"/>
-              <a:t>pekar</a:t>
-            </a:r>
-            <a:r>
-              <a:rPr lang="en-US" dirty="0" smtClean="0"/>
-              <a:t> </a:t>
-            </a:r>
-            <a:r>
-              <a:rPr lang="en-US" dirty="0" err="1" smtClean="0"/>
-              <a:t>ut</a:t>
-            </a:r>
-            <a:r>
-              <a:rPr lang="en-US" dirty="0" smtClean="0"/>
-              <a:t> den del </a:t>
-            </a:r>
-            <a:r>
-              <a:rPr lang="en-US" dirty="0" err="1" smtClean="0"/>
-              <a:t>som</a:t>
-            </a:r>
-            <a:r>
-              <a:rPr lang="en-US" dirty="0" smtClean="0"/>
-              <a:t> </a:t>
-            </a:r>
-            <a:r>
-              <a:rPr lang="en-US" dirty="0" err="1" smtClean="0"/>
-              <a:t>är</a:t>
-            </a:r>
-            <a:r>
-              <a:rPr lang="en-US" dirty="0" smtClean="0"/>
-              <a:t> </a:t>
-            </a:r>
-            <a:r>
-              <a:rPr lang="en-US" dirty="0" err="1" smtClean="0"/>
-              <a:t>ansvarig</a:t>
-            </a:r>
-            <a:r>
-              <a:rPr lang="en-US" dirty="0" smtClean="0"/>
-              <a:t> </a:t>
-            </a:r>
-            <a:r>
-              <a:rPr lang="en-US" dirty="0" err="1" smtClean="0"/>
-              <a:t>för</a:t>
-            </a:r>
-            <a:r>
-              <a:rPr lang="en-US" dirty="0" smtClean="0"/>
-              <a:t> </a:t>
-            </a:r>
-            <a:r>
-              <a:rPr lang="en-US" dirty="0" err="1" smtClean="0"/>
-              <a:t>auktorisationsadministration</a:t>
-            </a:r>
-            <a:r>
-              <a:rPr lang="en-US" dirty="0" smtClean="0"/>
-              <a:t>.</a:t>
-            </a:r>
-          </a:p>
-          <a:p>
-            <a:r>
-              <a:rPr lang="en-US" dirty="0" smtClean="0"/>
-              <a:t>Resource server:</a:t>
-            </a:r>
-            <a:r>
-              <a:rPr lang="en-US" baseline="0" dirty="0" smtClean="0"/>
-              <a:t> En roll </a:t>
-            </a:r>
-            <a:r>
-              <a:rPr lang="en-US" baseline="0" dirty="0" err="1" smtClean="0"/>
-              <a:t>i</a:t>
-            </a:r>
-            <a:r>
-              <a:rPr lang="en-US" baseline="0" dirty="0" smtClean="0"/>
-              <a:t> </a:t>
-            </a:r>
-            <a:r>
-              <a:rPr lang="en-US" baseline="0" dirty="0" err="1" smtClean="0"/>
-              <a:t>OAuth</a:t>
-            </a:r>
-            <a:r>
-              <a:rPr lang="en-US" baseline="0" dirty="0" smtClean="0"/>
-              <a:t> 2.0 </a:t>
-            </a:r>
-            <a:r>
-              <a:rPr lang="en-US" baseline="0" dirty="0" err="1" smtClean="0"/>
-              <a:t>specifikationen</a:t>
-            </a:r>
-            <a:r>
-              <a:rPr lang="en-US" baseline="0" dirty="0" smtClean="0"/>
-              <a:t> </a:t>
-            </a:r>
-            <a:r>
-              <a:rPr lang="en-US" baseline="0" dirty="0" err="1" smtClean="0"/>
-              <a:t>som</a:t>
-            </a:r>
-            <a:r>
-              <a:rPr lang="en-US" baseline="0" dirty="0" smtClean="0"/>
-              <a:t> </a:t>
-            </a:r>
-            <a:r>
-              <a:rPr lang="en-US" baseline="0" dirty="0" err="1" smtClean="0"/>
-              <a:t>pekar</a:t>
-            </a:r>
-            <a:r>
-              <a:rPr lang="en-US" baseline="0" dirty="0" smtClean="0"/>
-              <a:t> </a:t>
-            </a:r>
-            <a:r>
-              <a:rPr lang="en-US" baseline="0" dirty="0" err="1" smtClean="0"/>
-              <a:t>ut</a:t>
-            </a:r>
-            <a:r>
-              <a:rPr lang="en-US" baseline="0" dirty="0" smtClean="0"/>
-              <a:t> den del </a:t>
-            </a:r>
-            <a:r>
-              <a:rPr lang="en-US" baseline="0" dirty="0" err="1" smtClean="0"/>
-              <a:t>som</a:t>
-            </a:r>
-            <a:r>
-              <a:rPr lang="en-US" baseline="0" dirty="0" smtClean="0"/>
-              <a:t> </a:t>
-            </a:r>
-            <a:r>
-              <a:rPr lang="en-US" baseline="0" dirty="0" err="1" smtClean="0"/>
-              <a:t>är</a:t>
-            </a:r>
-            <a:r>
-              <a:rPr lang="en-US" baseline="0" dirty="0" smtClean="0"/>
-              <a:t> </a:t>
-            </a:r>
-            <a:r>
-              <a:rPr lang="en-US" baseline="0" dirty="0" err="1" smtClean="0"/>
-              <a:t>ansvarig</a:t>
-            </a:r>
-            <a:r>
-              <a:rPr lang="en-US" baseline="0" dirty="0" smtClean="0"/>
-              <a:t> </a:t>
-            </a:r>
-            <a:r>
-              <a:rPr lang="en-US" baseline="0" dirty="0" err="1" smtClean="0"/>
-              <a:t>för</a:t>
-            </a:r>
-            <a:r>
-              <a:rPr lang="en-US" baseline="0" dirty="0" smtClean="0"/>
-              <a:t> </a:t>
-            </a:r>
-            <a:r>
-              <a:rPr lang="en-US" baseline="0" dirty="0" err="1" smtClean="0"/>
-              <a:t>resurshantering</a:t>
-            </a:r>
-            <a:r>
-              <a:rPr lang="en-US" baseline="0" dirty="0" smtClean="0"/>
-              <a:t>/</a:t>
-            </a:r>
-            <a:r>
-              <a:rPr lang="en-US" baseline="0" dirty="0" err="1" smtClean="0"/>
-              <a:t>resursutlämning</a:t>
-            </a:r>
-            <a:r>
-              <a:rPr lang="en-US" baseline="0" dirty="0" smtClean="0"/>
-              <a:t>.</a:t>
-            </a:r>
-            <a:endParaRPr lang="en-US" dirty="0" smtClean="0"/>
-          </a:p>
-          <a:p>
-            <a:endParaRPr lang="en-US" dirty="0"/>
+            <a:endParaRPr lang="en-US" baseline="0" dirty="0" smtClean="0"/>
           </a:p>
         </p:txBody>
       </p:sp>
@@ -3131,7 +3370,7 @@
               <a:pPr>
                 <a:defRPr/>
               </a:pPr>
-              <a:t>15</a:t>
+              <a:t>14</a:t>
             </a:fld>
             <a:endParaRPr lang="sv-SE"/>
           </a:p>
@@ -3140,7 +3379,7 @@
     </p:spTree>
     <p:extLst>
       <p:ext uri="{BB962C8B-B14F-4D97-AF65-F5344CB8AC3E}">
-        <p14:creationId xmlns:p14="http://schemas.microsoft.com/office/powerpoint/2010/main" val="698192533"/>
+        <p14:creationId xmlns:p14="http://schemas.microsoft.com/office/powerpoint/2010/main" val="422046913"/>
       </p:ext>
     </p:extLst>
   </p:cSld>
@@ -3196,31 +3435,35 @@
           <a:p>
             <a:r>
               <a:rPr lang="en-US" dirty="0" smtClean="0"/>
-              <a:t>En </a:t>
+              <a:t>Resource </a:t>
+            </a:r>
+            <a:r>
+              <a:rPr lang="en-US" dirty="0" smtClean="0"/>
+              <a:t>Owner: En roll </a:t>
             </a:r>
             <a:r>
               <a:rPr lang="en-US" dirty="0" err="1" smtClean="0"/>
-              <a:t>applikation</a:t>
+              <a:t>i</a:t>
             </a:r>
             <a:r>
               <a:rPr lang="en-US" dirty="0" smtClean="0"/>
-              <a:t>, </a:t>
+              <a:t> </a:t>
             </a:r>
             <a:r>
               <a:rPr lang="en-US" dirty="0" err="1" smtClean="0"/>
-              <a:t>tex</a:t>
+              <a:t>OAuth</a:t>
             </a:r>
             <a:r>
               <a:rPr lang="en-US" dirty="0" smtClean="0"/>
-              <a:t> </a:t>
+              <a:t> 2.0 </a:t>
             </a:r>
             <a:r>
               <a:rPr lang="en-US" dirty="0" err="1" smtClean="0"/>
-              <a:t>Runkeeper</a:t>
+              <a:t>specifikationen</a:t>
             </a:r>
             <a:r>
               <a:rPr lang="en-US" dirty="0" smtClean="0"/>
-              <a:t>, </a:t>
+              <a:t> </a:t>
             </a:r>
             <a:r>
               <a:rPr lang="en-US" dirty="0" err="1" smtClean="0"/>
@@ -3228,19 +3471,105 @@
             </a:r>
             <a:r>
               <a:rPr lang="en-US" dirty="0" smtClean="0"/>
-              <a:t> du </a:t>
+              <a:t> </a:t>
             </a:r>
             <a:r>
               <a:rPr lang="en-US" dirty="0" err="1" smtClean="0"/>
-              <a:t>lagt</a:t>
+              <a:t>pekar</a:t>
             </a:r>
             <a:r>
               <a:rPr lang="en-US" dirty="0" smtClean="0"/>
-              <a:t> till </a:t>
+              <a:t> </a:t>
             </a:r>
             <a:r>
               <a:rPr lang="en-US" dirty="0" err="1" smtClean="0"/>
-              <a:t>nyligen</a:t>
+              <a:t>ut</a:t>
+            </a:r>
+            <a:r>
+              <a:rPr lang="en-US" dirty="0" smtClean="0"/>
+              <a:t> </a:t>
+            </a:r>
+            <a:r>
+              <a:rPr lang="en-US" dirty="0" err="1" smtClean="0"/>
+              <a:t>användaren</a:t>
+            </a:r>
+            <a:r>
+              <a:rPr lang="en-US" dirty="0" smtClean="0"/>
+              <a:t> </a:t>
+            </a:r>
+            <a:r>
+              <a:rPr lang="en-US" dirty="0" err="1" smtClean="0"/>
+              <a:t>som</a:t>
+            </a:r>
+            <a:r>
+              <a:rPr lang="en-US" dirty="0" smtClean="0"/>
+              <a:t> </a:t>
+            </a:r>
+            <a:r>
+              <a:rPr lang="en-US" dirty="0" err="1" smtClean="0"/>
+              <a:t>äger</a:t>
+            </a:r>
+            <a:r>
+              <a:rPr lang="en-US" dirty="0" smtClean="0"/>
+              <a:t> en given </a:t>
+            </a:r>
+            <a:r>
+              <a:rPr lang="en-US" dirty="0" err="1" smtClean="0"/>
+              <a:t>resurs</a:t>
+            </a:r>
+            <a:r>
+              <a:rPr lang="en-US" dirty="0" smtClean="0"/>
+              <a:t>.</a:t>
+            </a:r>
+          </a:p>
+          <a:p>
+            <a:r>
+              <a:rPr lang="en-US" dirty="0" smtClean="0"/>
+              <a:t>Client: I </a:t>
+            </a:r>
+            <a:r>
+              <a:rPr lang="en-US" dirty="0" err="1" smtClean="0"/>
+              <a:t>OAuth</a:t>
+            </a:r>
+            <a:r>
+              <a:rPr lang="en-US" dirty="0" smtClean="0"/>
+              <a:t> 2.0-specifikationen </a:t>
+            </a:r>
+            <a:r>
+              <a:rPr lang="en-US" dirty="0" err="1" smtClean="0"/>
+              <a:t>är</a:t>
+            </a:r>
+            <a:r>
+              <a:rPr lang="en-US" dirty="0" smtClean="0"/>
+              <a:t> </a:t>
+            </a:r>
+            <a:r>
+              <a:rPr lang="en-US" dirty="0" err="1" smtClean="0"/>
+              <a:t>klienten</a:t>
+            </a:r>
+            <a:r>
+              <a:rPr lang="en-US" dirty="0" smtClean="0"/>
+              <a:t> </a:t>
+            </a:r>
+            <a:r>
+              <a:rPr lang="en-US" dirty="0" err="1" smtClean="0"/>
+              <a:t>hela</a:t>
+            </a:r>
+            <a:r>
+              <a:rPr lang="en-US" dirty="0" smtClean="0"/>
+              <a:t> </a:t>
+            </a:r>
+            <a:r>
+              <a:rPr lang="en-US" dirty="0" err="1" smtClean="0"/>
+              <a:t>tredjeparts-lösningen</a:t>
+            </a:r>
+            <a:r>
+              <a:rPr lang="en-US" dirty="0" smtClean="0"/>
+              <a:t>. </a:t>
+            </a:r>
+            <a:r>
+              <a:rPr lang="en-US" dirty="0" err="1" smtClean="0"/>
+              <a:t>Det</a:t>
             </a:r>
             <a:r>
               <a:rPr lang="en-US" dirty="0" smtClean="0"/>
@@ -3256,7 +3585,7 @@
             </a:r>
             <a:r>
               <a:rPr lang="en-US" dirty="0" err="1" smtClean="0"/>
-              <a:t>komma</a:t>
+              <a:t>säga</a:t>
             </a:r>
             <a:r>
               <a:rPr lang="en-US" dirty="0" smtClean="0"/>
@@ -3264,92 +3593,255 @@
             </a:r>
             <a:r>
               <a:rPr lang="en-US" dirty="0" err="1" smtClean="0"/>
-              <a:t>åt</a:t>
+              <a:t>klienten</a:t>
             </a:r>
             <a:r>
               <a:rPr lang="en-US" dirty="0" smtClean="0"/>
-              <a:t> information</a:t>
-            </a:r>
-            <a:r>
-              <a:rPr lang="en-US" baseline="0" dirty="0" smtClean="0"/>
-              <a:t> </a:t>
-            </a:r>
-            <a:r>
-              <a:rPr lang="en-US" baseline="0" dirty="0" err="1" smtClean="0"/>
-              <a:t>om</a:t>
-            </a:r>
-            <a:r>
-              <a:rPr lang="en-US" baseline="0" dirty="0" smtClean="0"/>
-              <a:t> dig. I </a:t>
-            </a:r>
-            <a:r>
-              <a:rPr lang="en-US" baseline="0" dirty="0" err="1" smtClean="0"/>
-              <a:t>applikationen</a:t>
-            </a:r>
-            <a:r>
-              <a:rPr lang="en-US" baseline="0" dirty="0" smtClean="0"/>
-              <a:t> </a:t>
-            </a:r>
-            <a:r>
-              <a:rPr lang="en-US" baseline="0" dirty="0" err="1" smtClean="0"/>
+              <a:t> </a:t>
+            </a:r>
+            <a:r>
+              <a:rPr lang="en-US" dirty="0" err="1" smtClean="0"/>
               <a:t>är</a:t>
             </a:r>
             <a:r>
-              <a:rPr lang="en-US" baseline="0" dirty="0" smtClean="0"/>
-              <a:t> du </a:t>
-            </a:r>
-            <a:r>
-              <a:rPr lang="en-US" baseline="0" dirty="0" err="1" smtClean="0"/>
-              <a:t>inloggad</a:t>
-            </a:r>
-            <a:r>
-              <a:rPr lang="en-US" baseline="0" dirty="0" smtClean="0"/>
-              <a:t> med </a:t>
-            </a:r>
-            <a:r>
-              <a:rPr lang="en-US" baseline="0" dirty="0" err="1" smtClean="0"/>
-              <a:t>ditt</a:t>
-            </a:r>
-            <a:r>
-              <a:rPr lang="en-US" baseline="0" dirty="0" smtClean="0"/>
-              <a:t> </a:t>
-            </a:r>
-            <a:r>
-              <a:rPr lang="en-US" baseline="0" dirty="0" err="1" smtClean="0"/>
-              <a:t>användarnamn</a:t>
-            </a:r>
-            <a:r>
-              <a:rPr lang="en-US" baseline="0" dirty="0" smtClean="0"/>
-              <a:t> </a:t>
-            </a:r>
-            <a:r>
-              <a:rPr lang="en-US" baseline="0" dirty="0" err="1" smtClean="0"/>
+              <a:rPr lang="en-US" dirty="0" smtClean="0"/>
+              <a:t> </a:t>
+            </a:r>
+            <a:r>
+              <a:rPr lang="en-US" dirty="0" err="1" smtClean="0"/>
+              <a:t>både</a:t>
+            </a:r>
+            <a:r>
+              <a:rPr lang="en-US" dirty="0" smtClean="0"/>
+              <a:t> back-end </a:t>
+            </a:r>
+            <a:r>
+              <a:rPr lang="en-US" dirty="0" err="1" smtClean="0"/>
+              <a:t>och</a:t>
+            </a:r>
+            <a:r>
+              <a:rPr lang="en-US" dirty="0" smtClean="0"/>
+              <a:t> front-end </a:t>
+            </a:r>
+            <a:r>
+              <a:rPr lang="en-US" dirty="0" err="1" smtClean="0"/>
+              <a:t>av</a:t>
+            </a:r>
+            <a:r>
+              <a:rPr lang="en-US" dirty="0" smtClean="0"/>
+              <a:t> </a:t>
+            </a:r>
+            <a:r>
+              <a:rPr lang="en-US" dirty="0" err="1" smtClean="0"/>
+              <a:t>tredjeparts-lösningen</a:t>
+            </a:r>
+            <a:r>
+              <a:rPr lang="en-US" dirty="0" smtClean="0"/>
+              <a:t>.</a:t>
+            </a:r>
+          </a:p>
+          <a:p>
+            <a:r>
+              <a:rPr lang="en-US" dirty="0" smtClean="0"/>
+              <a:t>Authorization server: En roll </a:t>
+            </a:r>
+            <a:r>
+              <a:rPr lang="en-US" dirty="0" err="1" smtClean="0"/>
+              <a:t>i</a:t>
+            </a:r>
+            <a:r>
+              <a:rPr lang="en-US" dirty="0" smtClean="0"/>
+              <a:t> </a:t>
+            </a:r>
+            <a:r>
+              <a:rPr lang="en-US" dirty="0" err="1" smtClean="0"/>
+              <a:t>OAuth</a:t>
+            </a:r>
+            <a:r>
+              <a:rPr lang="en-US" dirty="0" smtClean="0"/>
+              <a:t> 2.0 </a:t>
+            </a:r>
+            <a:r>
+              <a:rPr lang="en-US" dirty="0" err="1" smtClean="0"/>
+              <a:t>specifikationen</a:t>
+            </a:r>
+            <a:r>
+              <a:rPr lang="en-US" dirty="0" smtClean="0"/>
+              <a:t> </a:t>
+            </a:r>
+            <a:r>
+              <a:rPr lang="en-US" dirty="0" err="1" smtClean="0"/>
+              <a:t>som</a:t>
+            </a:r>
+            <a:r>
+              <a:rPr lang="en-US" dirty="0" smtClean="0"/>
+              <a:t> </a:t>
+            </a:r>
+            <a:r>
+              <a:rPr lang="en-US" dirty="0" err="1" smtClean="0"/>
+              <a:t>pekar</a:t>
+            </a:r>
+            <a:r>
+              <a:rPr lang="en-US" dirty="0" smtClean="0"/>
+              <a:t> </a:t>
+            </a:r>
+            <a:r>
+              <a:rPr lang="en-US" dirty="0" err="1" smtClean="0"/>
+              <a:t>ut</a:t>
+            </a:r>
+            <a:r>
+              <a:rPr lang="en-US" dirty="0" smtClean="0"/>
+              <a:t> den del </a:t>
+            </a:r>
+            <a:r>
+              <a:rPr lang="en-US" dirty="0" err="1" smtClean="0"/>
+              <a:t>som</a:t>
+            </a:r>
+            <a:r>
+              <a:rPr lang="en-US" dirty="0" smtClean="0"/>
+              <a:t> </a:t>
+            </a:r>
+            <a:r>
+              <a:rPr lang="en-US" dirty="0" err="1" smtClean="0"/>
+              <a:t>är</a:t>
+            </a:r>
+            <a:r>
+              <a:rPr lang="en-US" dirty="0" smtClean="0"/>
+              <a:t> </a:t>
+            </a:r>
+            <a:r>
+              <a:rPr lang="en-US" dirty="0" err="1" smtClean="0"/>
+              <a:t>ansvarig</a:t>
+            </a:r>
+            <a:r>
+              <a:rPr lang="en-US" dirty="0" smtClean="0"/>
+              <a:t> </a:t>
+            </a:r>
+            <a:r>
+              <a:rPr lang="en-US" dirty="0" err="1" smtClean="0"/>
               <a:t>för</a:t>
             </a:r>
             <a:r>
-              <a:rPr lang="en-US" baseline="0" dirty="0" smtClean="0"/>
-              <a:t> just den </a:t>
-            </a:r>
-            <a:r>
-              <a:rPr lang="en-US" baseline="0" dirty="0" err="1" smtClean="0"/>
-              <a:t>applikationen</a:t>
-            </a:r>
-            <a:r>
-              <a:rPr lang="en-US" baseline="0" dirty="0" smtClean="0"/>
-              <a:t>, </a:t>
-            </a:r>
-            <a:r>
-              <a:rPr lang="en-US" baseline="0" dirty="0" err="1" smtClean="0"/>
-              <a:t>ett</a:t>
-            </a:r>
-            <a:r>
-              <a:rPr lang="en-US" baseline="0" dirty="0" smtClean="0"/>
-              <a:t> alias </a:t>
-            </a:r>
-            <a:r>
-              <a:rPr lang="en-US" baseline="0" dirty="0" err="1" smtClean="0"/>
-              <a:t>tex.</a:t>
-            </a:r>
+              <a:rPr lang="en-US" dirty="0" smtClean="0"/>
+              <a:t> </a:t>
+            </a:r>
+            <a:r>
+              <a:rPr lang="en-US" dirty="0" err="1" smtClean="0"/>
+              <a:t>auktorisationsadministration</a:t>
+            </a:r>
+            <a:r>
+              <a:rPr lang="en-US" dirty="0" smtClean="0"/>
+              <a:t>.</a:t>
+            </a:r>
+          </a:p>
+          <a:p>
+            <a:r>
+              <a:rPr lang="en-US" dirty="0" smtClean="0"/>
+              <a:t>Resource server:</a:t>
+            </a:r>
+            <a:r>
+              <a:rPr lang="en-US" baseline="0" dirty="0" smtClean="0"/>
+              <a:t> En roll </a:t>
+            </a:r>
+            <a:r>
+              <a:rPr lang="en-US" baseline="0" dirty="0" err="1" smtClean="0"/>
+              <a:t>i</a:t>
+            </a:r>
+            <a:r>
+              <a:rPr lang="en-US" baseline="0" dirty="0" smtClean="0"/>
+              <a:t> </a:t>
+            </a:r>
+            <a:r>
+              <a:rPr lang="en-US" baseline="0" dirty="0" err="1" smtClean="0"/>
+              <a:t>OAuth</a:t>
+            </a:r>
+            <a:r>
+              <a:rPr lang="en-US" baseline="0" dirty="0" smtClean="0"/>
+              <a:t> 2.0 </a:t>
+            </a:r>
+            <a:r>
+              <a:rPr lang="en-US" baseline="0" dirty="0" err="1" smtClean="0"/>
+              <a:t>specifikationen</a:t>
+            </a:r>
+            <a:r>
+              <a:rPr lang="en-US" baseline="0" dirty="0" smtClean="0"/>
+              <a:t> </a:t>
+            </a:r>
+            <a:r>
+              <a:rPr lang="en-US" baseline="0" dirty="0" err="1" smtClean="0"/>
+              <a:t>som</a:t>
+            </a:r>
+            <a:r>
+              <a:rPr lang="en-US" baseline="0" dirty="0" smtClean="0"/>
+              <a:t> </a:t>
+            </a:r>
+            <a:r>
+              <a:rPr lang="en-US" baseline="0" dirty="0" err="1" smtClean="0"/>
+              <a:t>pekar</a:t>
+            </a:r>
+            <a:r>
+              <a:rPr lang="en-US" baseline="0" dirty="0" smtClean="0"/>
+              <a:t> </a:t>
+            </a:r>
+            <a:r>
+              <a:rPr lang="en-US" baseline="0" dirty="0" err="1" smtClean="0"/>
+              <a:t>ut</a:t>
+            </a:r>
+            <a:r>
+              <a:rPr lang="en-US" baseline="0" dirty="0" smtClean="0"/>
+              <a:t> den del </a:t>
+            </a:r>
+            <a:r>
+              <a:rPr lang="en-US" baseline="0" dirty="0" err="1" smtClean="0"/>
+              <a:t>som</a:t>
+            </a:r>
+            <a:r>
+              <a:rPr lang="en-US" baseline="0" dirty="0" smtClean="0"/>
+              <a:t> </a:t>
+            </a:r>
+            <a:r>
+              <a:rPr lang="en-US" baseline="0" dirty="0" err="1" smtClean="0"/>
+              <a:t>är</a:t>
+            </a:r>
+            <a:r>
+              <a:rPr lang="en-US" baseline="0" dirty="0" smtClean="0"/>
+              <a:t> </a:t>
+            </a:r>
+            <a:r>
+              <a:rPr lang="en-US" baseline="0" dirty="0" err="1" smtClean="0"/>
+              <a:t>ansvarig</a:t>
+            </a:r>
+            <a:r>
+              <a:rPr lang="en-US" baseline="0" dirty="0" smtClean="0"/>
+              <a:t> </a:t>
+            </a:r>
+            <a:r>
+              <a:rPr lang="en-US" baseline="0" dirty="0" err="1" smtClean="0"/>
+              <a:t>för</a:t>
+            </a:r>
+            <a:r>
+              <a:rPr lang="en-US" baseline="0" dirty="0" smtClean="0"/>
+              <a:t> </a:t>
+            </a:r>
+            <a:r>
+              <a:rPr lang="en-US" baseline="0" dirty="0" err="1" smtClean="0"/>
+              <a:t>resurshantering</a:t>
+            </a:r>
+            <a:r>
+              <a:rPr lang="en-US" baseline="0" dirty="0" smtClean="0"/>
+              <a:t>/</a:t>
+            </a:r>
+            <a:r>
+              <a:rPr lang="en-US" baseline="0" dirty="0" err="1" smtClean="0"/>
+              <a:t>resursutlämning</a:t>
+            </a:r>
+            <a:r>
+              <a:rPr lang="en-US" baseline="0" dirty="0" smtClean="0"/>
+              <a:t>.</a:t>
+            </a:r>
+            <a:endParaRPr lang="en-US" dirty="0" smtClean="0"/>
+          </a:p>
+          <a:p>
             <a:endParaRPr lang="en-US" dirty="0"/>
           </a:p>
         </p:txBody>
@@ -3377,7 +3869,7 @@
               <a:pPr>
                 <a:defRPr/>
               </a:pPr>
-              <a:t>16</a:t>
+              <a:t>15</a:t>
             </a:fld>
             <a:endParaRPr lang="sv-SE"/>
           </a:p>
@@ -7577,7 +8069,7 @@
           <p:nvPr/>
         </p:nvPicPr>
         <p:blipFill>
-          <a:blip r:embed="rId2"/>
+          <a:blip r:embed="rId3"/>
           <a:stretch>
             <a:fillRect/>
           </a:stretch>
@@ -7636,769 +8128,829 @@
           </a:p>
         </p:txBody>
       </p:sp>
-      <p:sp>
-        <p:nvSpPr>
-          <p:cNvPr id="12" name="Snip Single Corner Rectangle 11"/>
-          <p:cNvSpPr/>
+      <p:grpSp>
+        <p:nvGrpSpPr>
+          <p:cNvPr id="26" name="Group 25"/>
+          <p:cNvGrpSpPr/>
           <p:nvPr/>
-        </p:nvSpPr>
-        <p:spPr>
+        </p:nvGrpSpPr>
+        <p:grpSpPr>
+          <a:xfrm>
+            <a:off x="6705303" y="2013157"/>
+            <a:ext cx="1165194" cy="1493919"/>
+            <a:chOff x="6705303" y="2013157"/>
+            <a:chExt cx="1165194" cy="1493919"/>
+          </a:xfrm>
+        </p:grpSpPr>
+        <p:pic>
+          <p:nvPicPr>
+            <p:cNvPr id="13" name="Picture 12"/>
+            <p:cNvPicPr>
+              <a:picLocks noChangeAspect="1"/>
+            </p:cNvPicPr>
+            <p:nvPr/>
+          </p:nvPicPr>
+          <p:blipFill>
+            <a:blip r:embed="rId4"/>
+            <a:stretch>
+              <a:fillRect/>
+            </a:stretch>
+          </p:blipFill>
+          <p:spPr>
+            <a:xfrm>
+              <a:off x="6908503" y="2585844"/>
+              <a:ext cx="961994" cy="921232"/>
+            </a:xfrm>
+            <a:prstGeom prst="rect">
+              <a:avLst/>
+            </a:prstGeom>
+          </p:spPr>
+        </p:pic>
+        <p:sp>
+          <p:nvSpPr>
+            <p:cNvPr id="15" name="TextBox 14"/>
+            <p:cNvSpPr txBox="1"/>
+            <p:nvPr/>
+          </p:nvSpPr>
+          <p:spPr>
+            <a:xfrm>
+              <a:off x="6705303" y="2013157"/>
+              <a:ext cx="913068" cy="307777"/>
+            </a:xfrm>
+            <a:prstGeom prst="rect">
+              <a:avLst/>
+            </a:prstGeom>
+            <a:noFill/>
+          </p:spPr>
+          <p:txBody>
+            <a:bodyPr wrap="none" rtlCol="0">
+              <a:spAutoFit/>
+            </a:bodyPr>
+            <a:lstStyle/>
+            <a:p>
+              <a:r>
+                <a:rPr lang="en-US" sz="1400" dirty="0" err="1"/>
+                <a:t>h</a:t>
+              </a:r>
+              <a:r>
+                <a:rPr lang="en-US" sz="1400" dirty="0" err="1" smtClean="0"/>
+                <a:t>ost.com</a:t>
+              </a:r>
+              <a:endParaRPr lang="en-US" sz="1400" dirty="0"/>
+            </a:p>
+          </p:txBody>
+        </p:sp>
+      </p:grpSp>
+      <p:grpSp>
+        <p:nvGrpSpPr>
+          <p:cNvPr id="24" name="Group 23"/>
+          <p:cNvGrpSpPr/>
+          <p:nvPr/>
+        </p:nvGrpSpPr>
+        <p:grpSpPr>
           <a:xfrm>
             <a:off x="2667000" y="1795992"/>
-            <a:ext cx="3746500" cy="2318808"/>
+            <a:ext cx="4533602" cy="2318808"/>
+            <a:chOff x="2667000" y="1795992"/>
+            <a:chExt cx="4533602" cy="2318808"/>
           </a:xfrm>
-          <a:prstGeom prst="snip1Rect">
-            <a:avLst/>
-          </a:prstGeom>
-          <a:solidFill>
-            <a:schemeClr val="tx1"/>
-          </a:solidFill>
-        </p:spPr>
-        <p:style>
-          <a:lnRef idx="1">
-            <a:schemeClr val="accent1"/>
-          </a:lnRef>
-          <a:fillRef idx="3">
-            <a:schemeClr val="accent1"/>
-          </a:fillRef>
-          <a:effectRef idx="2">
-            <a:schemeClr val="accent1"/>
-          </a:effectRef>
-          <a:fontRef idx="minor">
-            <a:schemeClr val="lt1"/>
-          </a:fontRef>
-        </p:style>
-        <p:txBody>
-          <a:bodyPr rtlCol="0" anchor="t" anchorCtr="0"/>
-          <a:lstStyle/>
-          <a:p>
-            <a:r>
-              <a:rPr lang="en-US" sz="1200" dirty="0">
+        </p:grpSpPr>
+        <p:sp>
+          <p:nvSpPr>
+            <p:cNvPr id="12" name="Snip Single Corner Rectangle 11"/>
+            <p:cNvSpPr/>
+            <p:nvPr/>
+          </p:nvSpPr>
+          <p:spPr>
+            <a:xfrm>
+              <a:off x="2667000" y="1795992"/>
+              <a:ext cx="3746500" cy="2318808"/>
+            </a:xfrm>
+            <a:prstGeom prst="snip1Rect">
+              <a:avLst/>
+            </a:prstGeom>
+            <a:solidFill>
+              <a:schemeClr val="tx1"/>
+            </a:solidFill>
+          </p:spPr>
+          <p:style>
+            <a:lnRef idx="1">
+              <a:schemeClr val="accent1"/>
+            </a:lnRef>
+            <a:fillRef idx="3">
+              <a:schemeClr val="accent1"/>
+            </a:fillRef>
+            <a:effectRef idx="2">
+              <a:schemeClr val="accent1"/>
+            </a:effectRef>
+            <a:fontRef idx="minor">
+              <a:schemeClr val="lt1"/>
+            </a:fontRef>
+          </p:style>
+          <p:txBody>
+            <a:bodyPr rtlCol="0" anchor="t" anchorCtr="0"/>
+            <a:lstStyle/>
+            <a:p>
+              <a:r>
+                <a:rPr lang="en-US" sz="1200" dirty="0">
+                  <a:solidFill>
+                    <a:schemeClr val="bg1"/>
+                  </a:solidFill>
+                  <a:latin typeface="Consolas"/>
+                  <a:cs typeface="Consolas"/>
+                </a:rPr>
+                <a:t>&gt; GET /path HTTP/1.1</a:t>
+              </a:r>
+            </a:p>
+            <a:p>
+              <a:r>
+                <a:rPr lang="en-US" sz="1200" dirty="0">
+                  <a:solidFill>
+                    <a:schemeClr val="bg1"/>
+                  </a:solidFill>
+                  <a:latin typeface="Consolas"/>
+                  <a:cs typeface="Consolas"/>
+                </a:rPr>
+                <a:t>&gt; User-Agent: Mozilla/</a:t>
+              </a:r>
+              <a:r>
+                <a:rPr lang="en-US" sz="1200" dirty="0" smtClean="0">
+                  <a:solidFill>
+                    <a:schemeClr val="bg1"/>
+                  </a:solidFill>
+                  <a:latin typeface="Consolas"/>
+                  <a:cs typeface="Consolas"/>
+                </a:rPr>
+                <a:t>5.0</a:t>
+              </a:r>
+              <a:endParaRPr lang="en-US" sz="1200" dirty="0">
                 <a:solidFill>
                   <a:schemeClr val="bg1"/>
                 </a:solidFill>
                 <a:latin typeface="Consolas"/>
                 <a:cs typeface="Consolas"/>
-              </a:rPr>
-              <a:t>&gt; GET /path HTTP/1.1</a:t>
-            </a:r>
-          </a:p>
-          <a:p>
-            <a:r>
-              <a:rPr lang="en-US" sz="1200" dirty="0">
+              </a:endParaRPr>
+            </a:p>
+            <a:p>
+              <a:r>
+                <a:rPr lang="en-US" sz="1200" dirty="0">
+                  <a:solidFill>
+                    <a:schemeClr val="bg1"/>
+                  </a:solidFill>
+                  <a:latin typeface="Consolas"/>
+                  <a:cs typeface="Consolas"/>
+                </a:rPr>
+                <a:t>&gt; Host: </a:t>
+              </a:r>
+              <a:r>
+                <a:rPr lang="en-US" sz="1200" dirty="0" err="1">
+                  <a:solidFill>
+                    <a:schemeClr val="bg1"/>
+                  </a:solidFill>
+                  <a:latin typeface="Consolas"/>
+                  <a:cs typeface="Consolas"/>
+                </a:rPr>
+                <a:t>host.com</a:t>
+              </a:r>
+              <a:endParaRPr lang="en-US" sz="1200" dirty="0">
                 <a:solidFill>
                   <a:schemeClr val="bg1"/>
                 </a:solidFill>
                 <a:latin typeface="Consolas"/>
                 <a:cs typeface="Consolas"/>
-              </a:rPr>
-              <a:t>&gt; User-Agent: Mozilla/</a:t>
-            </a:r>
-            <a:r>
-              <a:rPr lang="en-US" sz="1200" dirty="0" smtClean="0">
+              </a:endParaRPr>
+            </a:p>
+            <a:p>
+              <a:pPr marL="171450" indent="-171450">
+                <a:buFont typeface="Wingdings" charset="0"/>
+                <a:buChar char="Ø"/>
+              </a:pPr>
+              <a:r>
+                <a:rPr lang="en-US" sz="1200" dirty="0" smtClean="0">
+                  <a:solidFill>
+                    <a:schemeClr val="bg1"/>
+                  </a:solidFill>
+                  <a:latin typeface="Consolas"/>
+                  <a:cs typeface="Consolas"/>
+                </a:rPr>
+                <a:t>.</a:t>
+              </a:r>
+              <a:r>
+                <a:rPr lang="en-US" sz="1200" dirty="0">
+                  <a:solidFill>
+                    <a:schemeClr val="bg1"/>
+                  </a:solidFill>
+                  <a:latin typeface="Consolas"/>
+                  <a:cs typeface="Consolas"/>
+                </a:rPr>
+                <a:t>.....</a:t>
+              </a:r>
+              <a:r>
+                <a:rPr lang="en-US" sz="1200" dirty="0" smtClean="0">
+                  <a:solidFill>
+                    <a:schemeClr val="bg1"/>
+                  </a:solidFill>
+                  <a:latin typeface="Consolas"/>
+                  <a:cs typeface="Consolas"/>
+                </a:rPr>
+                <a:t>.</a:t>
+              </a:r>
+            </a:p>
+            <a:p>
+              <a:pPr marL="171450" indent="-171450">
+                <a:buFont typeface="Wingdings" charset="0"/>
+                <a:buChar char="Ø"/>
+              </a:pPr>
+              <a:endParaRPr lang="en-US" sz="1200" dirty="0">
                 <a:solidFill>
                   <a:schemeClr val="bg1"/>
                 </a:solidFill>
                 <a:latin typeface="Consolas"/>
                 <a:cs typeface="Consolas"/>
-              </a:rPr>
-              <a:t>5.0</a:t>
-            </a:r>
-            <a:endParaRPr lang="en-US" sz="1200" dirty="0">
-              <a:solidFill>
-                <a:schemeClr val="bg1"/>
-              </a:solidFill>
-              <a:latin typeface="Consolas"/>
-              <a:cs typeface="Consolas"/>
-            </a:endParaRPr>
-          </a:p>
-          <a:p>
-            <a:r>
-              <a:rPr lang="en-US" sz="1200" dirty="0">
+              </a:endParaRPr>
+            </a:p>
+            <a:p>
+              <a:r>
+                <a:rPr lang="en-US" sz="1200" dirty="0">
+                  <a:solidFill>
+                    <a:schemeClr val="bg1"/>
+                  </a:solidFill>
+                  <a:latin typeface="Consolas"/>
+                  <a:cs typeface="Consolas"/>
+                </a:rPr>
+                <a:t>&lt; HTTP/1.1 302 Found</a:t>
+              </a:r>
+            </a:p>
+            <a:p>
+              <a:r>
+                <a:rPr lang="en-US" sz="1200" dirty="0">
+                  <a:solidFill>
+                    <a:schemeClr val="bg1"/>
+                  </a:solidFill>
+                  <a:latin typeface="Consolas"/>
+                  <a:cs typeface="Consolas"/>
+                </a:rPr>
+                <a:t>&lt; Date: Wed, </a:t>
+              </a:r>
+              <a:r>
+                <a:rPr lang="en-US" sz="1200" dirty="0" smtClean="0">
+                  <a:solidFill>
+                    <a:schemeClr val="bg1"/>
+                  </a:solidFill>
+                  <a:latin typeface="Consolas"/>
+                  <a:cs typeface="Consolas"/>
+                </a:rPr>
+                <a:t>01 </a:t>
+              </a:r>
+              <a:r>
+                <a:rPr lang="en-US" sz="1200" dirty="0">
+                  <a:solidFill>
+                    <a:schemeClr val="bg1"/>
+                  </a:solidFill>
+                  <a:latin typeface="Consolas"/>
+                  <a:cs typeface="Consolas"/>
+                </a:rPr>
+                <a:t>Jan 2013 20:11:48 GMT</a:t>
+              </a:r>
+            </a:p>
+            <a:p>
+              <a:r>
+                <a:rPr lang="en-US" sz="1200" dirty="0">
+                  <a:solidFill>
+                    <a:schemeClr val="bg1"/>
+                  </a:solidFill>
+                  <a:latin typeface="Consolas"/>
+                  <a:cs typeface="Consolas"/>
+                </a:rPr>
+                <a:t>&lt; Server: Apache/2.2.23</a:t>
+              </a:r>
+            </a:p>
+            <a:p>
+              <a:r>
+                <a:rPr lang="en-US" sz="1200" dirty="0">
+                  <a:solidFill>
+                    <a:schemeClr val="bg1"/>
+                  </a:solidFill>
+                  <a:latin typeface="Consolas"/>
+                  <a:cs typeface="Consolas"/>
+                </a:rPr>
+                <a:t>&lt; Location: http://</a:t>
+              </a:r>
+              <a:r>
+                <a:rPr lang="en-US" sz="1200" dirty="0" err="1">
+                  <a:solidFill>
+                    <a:schemeClr val="bg1"/>
+                  </a:solidFill>
+                  <a:latin typeface="Consolas"/>
+                  <a:cs typeface="Consolas"/>
+                </a:rPr>
+                <a:t>anotherhost.com</a:t>
+              </a:r>
+              <a:r>
+                <a:rPr lang="en-US" sz="1200" dirty="0">
+                  <a:solidFill>
+                    <a:schemeClr val="bg1"/>
+                  </a:solidFill>
+                  <a:latin typeface="Consolas"/>
+                  <a:cs typeface="Consolas"/>
+                </a:rPr>
+                <a:t>/path</a:t>
+              </a:r>
+            </a:p>
+            <a:p>
+              <a:r>
+                <a:rPr lang="en-US" sz="1200" dirty="0">
+                  <a:solidFill>
+                    <a:schemeClr val="bg1"/>
+                  </a:solidFill>
+                  <a:latin typeface="Consolas"/>
+                  <a:cs typeface="Consolas"/>
+                </a:rPr>
+                <a:t>&lt; ......</a:t>
+              </a:r>
+            </a:p>
+            <a:p>
+              <a:pPr marL="171450" indent="-171450">
+                <a:buFont typeface="Wingdings" charset="0"/>
+                <a:buChar char="Ø"/>
+              </a:pPr>
+              <a:endParaRPr lang="en-US" sz="1200" dirty="0">
                 <a:solidFill>
                   <a:schemeClr val="bg1"/>
                 </a:solidFill>
                 <a:latin typeface="Consolas"/>
                 <a:cs typeface="Consolas"/>
-              </a:rPr>
-              <a:t>&gt; Host: </a:t>
-            </a:r>
-            <a:r>
-              <a:rPr lang="en-US" sz="1200" dirty="0" err="1">
+              </a:endParaRPr>
+            </a:p>
+          </p:txBody>
+        </p:sp>
+        <p:sp>
+          <p:nvSpPr>
+            <p:cNvPr id="16" name="Curved Left Arrow 15"/>
+            <p:cNvSpPr/>
+            <p:nvPr/>
+          </p:nvSpPr>
+          <p:spPr>
+            <a:xfrm>
+              <a:off x="6616402" y="2395021"/>
+              <a:ext cx="584200" cy="1302876"/>
+            </a:xfrm>
+            <a:prstGeom prst="curvedLeftArrow">
+              <a:avLst/>
+            </a:prstGeom>
+          </p:spPr>
+          <p:style>
+            <a:lnRef idx="1">
+              <a:schemeClr val="accent1"/>
+            </a:lnRef>
+            <a:fillRef idx="3">
+              <a:schemeClr val="accent1"/>
+            </a:fillRef>
+            <a:effectRef idx="2">
+              <a:schemeClr val="accent1"/>
+            </a:effectRef>
+            <a:fontRef idx="minor">
+              <a:schemeClr val="lt1"/>
+            </a:fontRef>
+          </p:style>
+          <p:txBody>
+            <a:bodyPr rtlCol="0" anchor="ctr"/>
+            <a:lstStyle/>
+            <a:p>
+              <a:pPr algn="ctr"/>
+              <a:endParaRPr lang="en-US">
+                <a:solidFill>
+                  <a:schemeClr val="tx1"/>
+                </a:solidFill>
+              </a:endParaRPr>
+            </a:p>
+          </p:txBody>
+        </p:sp>
+      </p:grpSp>
+      <p:grpSp>
+        <p:nvGrpSpPr>
+          <p:cNvPr id="27" name="Group 26"/>
+          <p:cNvGrpSpPr/>
+          <p:nvPr/>
+        </p:nvGrpSpPr>
+        <p:grpSpPr>
+          <a:xfrm>
+            <a:off x="6527503" y="4337446"/>
+            <a:ext cx="1521984" cy="1422486"/>
+            <a:chOff x="6527503" y="4337446"/>
+            <a:chExt cx="1521984" cy="1422486"/>
+          </a:xfrm>
+        </p:grpSpPr>
+        <p:pic>
+          <p:nvPicPr>
+            <p:cNvPr id="18" name="Picture 17"/>
+            <p:cNvPicPr>
+              <a:picLocks noChangeAspect="1"/>
+            </p:cNvPicPr>
+            <p:nvPr/>
+          </p:nvPicPr>
+          <p:blipFill>
+            <a:blip r:embed="rId4"/>
+            <a:stretch>
+              <a:fillRect/>
+            </a:stretch>
+          </p:blipFill>
+          <p:spPr>
+            <a:xfrm>
+              <a:off x="6919600" y="4838700"/>
+              <a:ext cx="961994" cy="921232"/>
+            </a:xfrm>
+            <a:prstGeom prst="rect">
+              <a:avLst/>
+            </a:prstGeom>
+          </p:spPr>
+        </p:pic>
+        <p:sp>
+          <p:nvSpPr>
+            <p:cNvPr id="19" name="TextBox 18"/>
+            <p:cNvSpPr txBox="1"/>
+            <p:nvPr/>
+          </p:nvSpPr>
+          <p:spPr>
+            <a:xfrm>
+              <a:off x="6527503" y="4337446"/>
+              <a:ext cx="1521984" cy="307777"/>
+            </a:xfrm>
+            <a:prstGeom prst="rect">
+              <a:avLst/>
+            </a:prstGeom>
+            <a:noFill/>
+          </p:spPr>
+          <p:txBody>
+            <a:bodyPr wrap="none" rtlCol="0">
+              <a:spAutoFit/>
+            </a:bodyPr>
+            <a:lstStyle/>
+            <a:p>
+              <a:r>
+                <a:rPr lang="en-US" sz="1400" dirty="0" err="1" smtClean="0"/>
+                <a:t>anotherhost.com</a:t>
+              </a:r>
+              <a:endParaRPr lang="en-US" sz="1400" dirty="0"/>
+            </a:p>
+          </p:txBody>
+        </p:sp>
+      </p:grpSp>
+      <p:grpSp>
+        <p:nvGrpSpPr>
+          <p:cNvPr id="25" name="Group 24"/>
+          <p:cNvGrpSpPr/>
+          <p:nvPr/>
+        </p:nvGrpSpPr>
+        <p:grpSpPr>
+          <a:xfrm>
+            <a:off x="2667000" y="4221692"/>
+            <a:ext cx="4584211" cy="2255308"/>
+            <a:chOff x="2667000" y="4221692"/>
+            <a:chExt cx="4584211" cy="2255308"/>
+          </a:xfrm>
+        </p:grpSpPr>
+        <p:sp>
+          <p:nvSpPr>
+            <p:cNvPr id="17" name="Snip Single Corner Rectangle 16"/>
+            <p:cNvSpPr/>
+            <p:nvPr/>
+          </p:nvSpPr>
+          <p:spPr>
+            <a:xfrm>
+              <a:off x="2667000" y="4221692"/>
+              <a:ext cx="3758902" cy="2255308"/>
+            </a:xfrm>
+            <a:prstGeom prst="snip1Rect">
+              <a:avLst/>
+            </a:prstGeom>
+            <a:solidFill>
+              <a:schemeClr val="tx1"/>
+            </a:solidFill>
+          </p:spPr>
+          <p:style>
+            <a:lnRef idx="1">
+              <a:schemeClr val="accent1"/>
+            </a:lnRef>
+            <a:fillRef idx="3">
+              <a:schemeClr val="accent1"/>
+            </a:fillRef>
+            <a:effectRef idx="2">
+              <a:schemeClr val="accent1"/>
+            </a:effectRef>
+            <a:fontRef idx="minor">
+              <a:schemeClr val="lt1"/>
+            </a:fontRef>
+          </p:style>
+          <p:txBody>
+            <a:bodyPr rtlCol="0" anchor="t" anchorCtr="0"/>
+            <a:lstStyle/>
+            <a:p>
+              <a:r>
+                <a:rPr lang="en-US" sz="1200" dirty="0">
+                  <a:solidFill>
+                    <a:schemeClr val="bg1"/>
+                  </a:solidFill>
+                  <a:latin typeface="Consolas"/>
+                  <a:cs typeface="Consolas"/>
+                </a:rPr>
+                <a:t>&gt; GET /path HTTP/1.1</a:t>
+              </a:r>
+            </a:p>
+            <a:p>
+              <a:r>
+                <a:rPr lang="en-US" sz="1200" dirty="0">
+                  <a:solidFill>
+                    <a:schemeClr val="bg1"/>
+                  </a:solidFill>
+                  <a:latin typeface="Consolas"/>
+                  <a:cs typeface="Consolas"/>
+                </a:rPr>
+                <a:t>&gt; User-Agent: Mozilla/</a:t>
+              </a:r>
+              <a:r>
+                <a:rPr lang="en-US" sz="1200" dirty="0" smtClean="0">
+                  <a:solidFill>
+                    <a:schemeClr val="bg1"/>
+                  </a:solidFill>
+                  <a:latin typeface="Consolas"/>
+                  <a:cs typeface="Consolas"/>
+                </a:rPr>
+                <a:t>5.0</a:t>
+              </a:r>
+              <a:endParaRPr lang="en-US" sz="1200" dirty="0">
                 <a:solidFill>
                   <a:schemeClr val="bg1"/>
                 </a:solidFill>
                 <a:latin typeface="Consolas"/>
                 <a:cs typeface="Consolas"/>
-              </a:rPr>
-              <a:t>host.com</a:t>
-            </a:r>
-            <a:endParaRPr lang="en-US" sz="1200" dirty="0">
-              <a:solidFill>
-                <a:schemeClr val="bg1"/>
-              </a:solidFill>
-              <a:latin typeface="Consolas"/>
-              <a:cs typeface="Consolas"/>
-            </a:endParaRPr>
-          </a:p>
-          <a:p>
-            <a:pPr marL="171450" indent="-171450">
-              <a:buFont typeface="Wingdings" charset="0"/>
-              <a:buChar char="Ø"/>
-            </a:pPr>
-            <a:r>
-              <a:rPr lang="en-US" sz="1200" dirty="0" smtClean="0">
+              </a:endParaRPr>
+            </a:p>
+            <a:p>
+              <a:r>
+                <a:rPr lang="en-US" sz="1200" dirty="0">
+                  <a:solidFill>
+                    <a:schemeClr val="bg1"/>
+                  </a:solidFill>
+                  <a:latin typeface="Consolas"/>
+                  <a:cs typeface="Consolas"/>
+                </a:rPr>
+                <a:t>&gt; Host: </a:t>
+              </a:r>
+              <a:r>
+                <a:rPr lang="en-US" sz="1200" dirty="0" err="1" smtClean="0">
+                  <a:solidFill>
+                    <a:schemeClr val="bg1"/>
+                  </a:solidFill>
+                  <a:latin typeface="Consolas"/>
+                  <a:cs typeface="Consolas"/>
+                </a:rPr>
+                <a:t>anotherhost.com</a:t>
+              </a:r>
+              <a:endParaRPr lang="en-US" sz="1200" dirty="0">
                 <a:solidFill>
                   <a:schemeClr val="bg1"/>
                 </a:solidFill>
                 <a:latin typeface="Consolas"/>
                 <a:cs typeface="Consolas"/>
-              </a:rPr>
-              <a:t>.</a:t>
-            </a:r>
-            <a:r>
-              <a:rPr lang="en-US" sz="1200" dirty="0">
+              </a:endParaRPr>
+            </a:p>
+            <a:p>
+              <a:pPr marL="171450" indent="-171450">
+                <a:buFont typeface="Wingdings" charset="0"/>
+                <a:buChar char="Ø"/>
+              </a:pPr>
+              <a:r>
+                <a:rPr lang="en-US" sz="1200" dirty="0" smtClean="0">
+                  <a:solidFill>
+                    <a:schemeClr val="bg1"/>
+                  </a:solidFill>
+                  <a:latin typeface="Consolas"/>
+                  <a:cs typeface="Consolas"/>
+                </a:rPr>
+                <a:t>.</a:t>
+              </a:r>
+              <a:r>
+                <a:rPr lang="en-US" sz="1200" dirty="0">
+                  <a:solidFill>
+                    <a:schemeClr val="bg1"/>
+                  </a:solidFill>
+                  <a:latin typeface="Consolas"/>
+                  <a:cs typeface="Consolas"/>
+                </a:rPr>
+                <a:t>.....</a:t>
+              </a:r>
+              <a:r>
+                <a:rPr lang="en-US" sz="1200" dirty="0" smtClean="0">
+                  <a:solidFill>
+                    <a:schemeClr val="bg1"/>
+                  </a:solidFill>
+                  <a:latin typeface="Consolas"/>
+                  <a:cs typeface="Consolas"/>
+                </a:rPr>
+                <a:t>.</a:t>
+              </a:r>
+            </a:p>
+            <a:p>
+              <a:pPr marL="171450" indent="-171450">
+                <a:buFont typeface="Wingdings" charset="0"/>
+                <a:buChar char="Ø"/>
+              </a:pPr>
+              <a:endParaRPr lang="en-US" sz="1200" dirty="0">
                 <a:solidFill>
                   <a:schemeClr val="bg1"/>
                 </a:solidFill>
                 <a:latin typeface="Consolas"/>
                 <a:cs typeface="Consolas"/>
-              </a:rPr>
-              <a:t>.....</a:t>
-            </a:r>
-            <a:r>
-              <a:rPr lang="en-US" sz="1200" dirty="0" smtClean="0">
+              </a:endParaRPr>
+            </a:p>
+            <a:p>
+              <a:r>
+                <a:rPr lang="en-US" sz="1200" dirty="0">
+                  <a:solidFill>
+                    <a:schemeClr val="bg1"/>
+                  </a:solidFill>
+                  <a:latin typeface="Consolas"/>
+                  <a:cs typeface="Consolas"/>
+                </a:rPr>
+                <a:t>&lt; HTTP/1.1 200 OK</a:t>
+              </a:r>
+            </a:p>
+            <a:p>
+              <a:r>
+                <a:rPr lang="en-US" sz="1200" dirty="0">
+                  <a:solidFill>
+                    <a:schemeClr val="bg1"/>
+                  </a:solidFill>
+                  <a:latin typeface="Consolas"/>
+                  <a:cs typeface="Consolas"/>
+                </a:rPr>
+                <a:t>&lt; Date: Wed, </a:t>
+              </a:r>
+              <a:r>
+                <a:rPr lang="en-US" sz="1200" dirty="0" smtClean="0">
+                  <a:solidFill>
+                    <a:schemeClr val="bg1"/>
+                  </a:solidFill>
+                  <a:latin typeface="Consolas"/>
+                  <a:cs typeface="Consolas"/>
+                </a:rPr>
+                <a:t>01 </a:t>
+              </a:r>
+              <a:r>
+                <a:rPr lang="en-US" sz="1200" dirty="0">
+                  <a:solidFill>
+                    <a:schemeClr val="bg1"/>
+                  </a:solidFill>
+                  <a:latin typeface="Consolas"/>
+                  <a:cs typeface="Consolas"/>
+                </a:rPr>
+                <a:t>Jan 2013 </a:t>
+              </a:r>
+              <a:r>
+                <a:rPr lang="en-US" sz="1200" dirty="0" smtClean="0">
+                  <a:solidFill>
+                    <a:schemeClr val="bg1"/>
+                  </a:solidFill>
+                  <a:latin typeface="Consolas"/>
+                  <a:cs typeface="Consolas"/>
+                </a:rPr>
+                <a:t>20:11:49 </a:t>
+              </a:r>
+              <a:r>
+                <a:rPr lang="en-US" sz="1200" dirty="0">
+                  <a:solidFill>
+                    <a:schemeClr val="bg1"/>
+                  </a:solidFill>
+                  <a:latin typeface="Consolas"/>
+                  <a:cs typeface="Consolas"/>
+                </a:rPr>
+                <a:t>GMT</a:t>
+              </a:r>
+            </a:p>
+            <a:p>
+              <a:r>
+                <a:rPr lang="en-US" sz="1200" dirty="0">
+                  <a:solidFill>
+                    <a:schemeClr val="bg1"/>
+                  </a:solidFill>
+                  <a:latin typeface="Consolas"/>
+                  <a:cs typeface="Consolas"/>
+                </a:rPr>
+                <a:t>&lt; Server: Apache/2.2.23</a:t>
+              </a:r>
+            </a:p>
+            <a:p>
+              <a:r>
+                <a:rPr lang="en-US" sz="1200" dirty="0">
+                  <a:solidFill>
+                    <a:schemeClr val="bg1"/>
+                  </a:solidFill>
+                  <a:latin typeface="Consolas"/>
+                  <a:cs typeface="Consolas"/>
+                </a:rPr>
+                <a:t>&lt; Content-Type: application/</a:t>
+              </a:r>
+              <a:r>
+                <a:rPr lang="en-US" sz="1200" dirty="0" err="1">
+                  <a:solidFill>
+                    <a:schemeClr val="bg1"/>
+                  </a:solidFill>
+                  <a:latin typeface="Consolas"/>
+                  <a:cs typeface="Consolas"/>
+                </a:rPr>
+                <a:t>json;charset</a:t>
+              </a:r>
+              <a:r>
+                <a:rPr lang="en-US" sz="1200" dirty="0">
+                  <a:solidFill>
+                    <a:schemeClr val="bg1"/>
+                  </a:solidFill>
+                  <a:latin typeface="Consolas"/>
+                  <a:cs typeface="Consolas"/>
+                </a:rPr>
+                <a:t>=UTF-8</a:t>
+              </a:r>
+            </a:p>
+            <a:p>
+              <a:r>
+                <a:rPr lang="en-US" sz="1200" dirty="0">
+                  <a:solidFill>
+                    <a:schemeClr val="bg1"/>
+                  </a:solidFill>
+                  <a:latin typeface="Consolas"/>
+                  <a:cs typeface="Consolas"/>
+                </a:rPr>
+                <a:t>&lt; ......</a:t>
+              </a:r>
+            </a:p>
+            <a:p>
+              <a:endParaRPr lang="en-US" sz="1200" dirty="0">
                 <a:solidFill>
                   <a:schemeClr val="bg1"/>
                 </a:solidFill>
                 <a:latin typeface="Consolas"/>
                 <a:cs typeface="Consolas"/>
-              </a:rPr>
-              <a:t>.</a:t>
-            </a:r>
-          </a:p>
-          <a:p>
-            <a:pPr marL="171450" indent="-171450">
-              <a:buFont typeface="Wingdings" charset="0"/>
-              <a:buChar char="Ø"/>
-            </a:pPr>
-            <a:endParaRPr lang="en-US" sz="1200" dirty="0">
-              <a:solidFill>
-                <a:schemeClr val="bg1"/>
-              </a:solidFill>
-              <a:latin typeface="Consolas"/>
-              <a:cs typeface="Consolas"/>
-            </a:endParaRPr>
-          </a:p>
-          <a:p>
-            <a:r>
-              <a:rPr lang="en-US" sz="1200" dirty="0">
+              </a:endParaRPr>
+            </a:p>
+            <a:p>
+              <a:pPr marL="171450" indent="-171450">
+                <a:buFont typeface="Wingdings" charset="0"/>
+                <a:buChar char="Ø"/>
+              </a:pPr>
+              <a:endParaRPr lang="en-US" sz="1200" dirty="0">
                 <a:solidFill>
                   <a:schemeClr val="bg1"/>
                 </a:solidFill>
                 <a:latin typeface="Consolas"/>
                 <a:cs typeface="Consolas"/>
-              </a:rPr>
-              <a:t>&lt; HTTP/1.1 302 Found</a:t>
-            </a:r>
-          </a:p>
-          <a:p>
-            <a:r>
-              <a:rPr lang="en-US" sz="1200" dirty="0">
-                <a:solidFill>
-                  <a:schemeClr val="bg1"/>
-                </a:solidFill>
-                <a:latin typeface="Consolas"/>
-                <a:cs typeface="Consolas"/>
-              </a:rPr>
-              <a:t>&lt; Date: Wed, </a:t>
-            </a:r>
-            <a:r>
-              <a:rPr lang="en-US" sz="1200" dirty="0" smtClean="0">
-                <a:solidFill>
-                  <a:schemeClr val="bg1"/>
-                </a:solidFill>
-                <a:latin typeface="Consolas"/>
-                <a:cs typeface="Consolas"/>
-              </a:rPr>
-              <a:t>01 </a:t>
-            </a:r>
-            <a:r>
-              <a:rPr lang="en-US" sz="1200" dirty="0">
-                <a:solidFill>
-                  <a:schemeClr val="bg1"/>
-                </a:solidFill>
-                <a:latin typeface="Consolas"/>
-                <a:cs typeface="Consolas"/>
-              </a:rPr>
-              <a:t>Jan 2013 20:11:48 GMT</a:t>
-            </a:r>
-          </a:p>
-          <a:p>
-            <a:r>
-              <a:rPr lang="en-US" sz="1200" dirty="0">
-                <a:solidFill>
-                  <a:schemeClr val="bg1"/>
-                </a:solidFill>
-                <a:latin typeface="Consolas"/>
-                <a:cs typeface="Consolas"/>
-              </a:rPr>
-              <a:t>&lt; Server: Apache/2.2.23</a:t>
-            </a:r>
-          </a:p>
-          <a:p>
-            <a:r>
-              <a:rPr lang="en-US" sz="1200" dirty="0">
-                <a:solidFill>
-                  <a:schemeClr val="bg1"/>
-                </a:solidFill>
-                <a:latin typeface="Consolas"/>
-                <a:cs typeface="Consolas"/>
-              </a:rPr>
-              <a:t>&lt; Location: http://</a:t>
-            </a:r>
-            <a:r>
-              <a:rPr lang="en-US" sz="1200" dirty="0" err="1">
-                <a:solidFill>
-                  <a:schemeClr val="bg1"/>
-                </a:solidFill>
-                <a:latin typeface="Consolas"/>
-                <a:cs typeface="Consolas"/>
-              </a:rPr>
-              <a:t>anotherhost.com</a:t>
-            </a:r>
-            <a:r>
-              <a:rPr lang="en-US" sz="1200" dirty="0">
-                <a:solidFill>
-                  <a:schemeClr val="bg1"/>
-                </a:solidFill>
-                <a:latin typeface="Consolas"/>
-                <a:cs typeface="Consolas"/>
-              </a:rPr>
-              <a:t>/path</a:t>
-            </a:r>
-          </a:p>
-          <a:p>
-            <a:r>
-              <a:rPr lang="en-US" sz="1200" dirty="0">
-                <a:solidFill>
-                  <a:schemeClr val="bg1"/>
-                </a:solidFill>
-                <a:latin typeface="Consolas"/>
-                <a:cs typeface="Consolas"/>
-              </a:rPr>
-              <a:t>&lt; ......</a:t>
-            </a:r>
-          </a:p>
-          <a:p>
-            <a:pPr marL="171450" indent="-171450">
-              <a:buFont typeface="Wingdings" charset="0"/>
-              <a:buChar char="Ø"/>
-            </a:pPr>
-            <a:endParaRPr lang="en-US" sz="1200" dirty="0">
-              <a:solidFill>
-                <a:schemeClr val="bg1"/>
-              </a:solidFill>
-              <a:latin typeface="Consolas"/>
-              <a:cs typeface="Consolas"/>
-            </a:endParaRPr>
-          </a:p>
-        </p:txBody>
-      </p:sp>
-      <p:pic>
-        <p:nvPicPr>
-          <p:cNvPr id="13" name="Picture 12"/>
-          <p:cNvPicPr>
-            <a:picLocks noChangeAspect="1"/>
-          </p:cNvPicPr>
-          <p:nvPr/>
-        </p:nvPicPr>
-        <p:blipFill>
-          <a:blip r:embed="rId3"/>
-          <a:stretch>
-            <a:fillRect/>
-          </a:stretch>
-        </p:blipFill>
-        <p:spPr>
-          <a:xfrm>
-            <a:off x="6908503" y="2585844"/>
-            <a:ext cx="961994" cy="921232"/>
-          </a:xfrm>
-          <a:prstGeom prst="rect">
-            <a:avLst/>
-          </a:prstGeom>
-        </p:spPr>
-      </p:pic>
-      <p:sp>
-        <p:nvSpPr>
-          <p:cNvPr id="15" name="TextBox 14"/>
-          <p:cNvSpPr txBox="1"/>
-          <p:nvPr/>
-        </p:nvSpPr>
-        <p:spPr>
-          <a:xfrm>
-            <a:off x="6705303" y="2013157"/>
-            <a:ext cx="913068" cy="307777"/>
-          </a:xfrm>
-          <a:prstGeom prst="rect">
-            <a:avLst/>
-          </a:prstGeom>
-          <a:noFill/>
-        </p:spPr>
-        <p:txBody>
-          <a:bodyPr wrap="none" rtlCol="0">
-            <a:spAutoFit/>
-          </a:bodyPr>
-          <a:lstStyle/>
-          <a:p>
-            <a:r>
-              <a:rPr lang="en-US" sz="1400" dirty="0" err="1"/>
-              <a:t>h</a:t>
-            </a:r>
-            <a:r>
-              <a:rPr lang="en-US" sz="1400" dirty="0" err="1" smtClean="0"/>
-              <a:t>ost.com</a:t>
-            </a:r>
-            <a:endParaRPr lang="en-US" sz="1400" dirty="0"/>
-          </a:p>
-        </p:txBody>
-      </p:sp>
-      <p:sp>
-        <p:nvSpPr>
-          <p:cNvPr id="16" name="Curved Left Arrow 15"/>
-          <p:cNvSpPr/>
-          <p:nvPr/>
-        </p:nvSpPr>
-        <p:spPr>
-          <a:xfrm>
-            <a:off x="6616402" y="2395021"/>
-            <a:ext cx="584200" cy="1302876"/>
-          </a:xfrm>
-          <a:prstGeom prst="curvedLeftArrow">
-            <a:avLst/>
-          </a:prstGeom>
-        </p:spPr>
-        <p:style>
-          <a:lnRef idx="1">
-            <a:schemeClr val="accent1"/>
-          </a:lnRef>
-          <a:fillRef idx="3">
-            <a:schemeClr val="accent1"/>
-          </a:fillRef>
-          <a:effectRef idx="2">
-            <a:schemeClr val="accent1"/>
-          </a:effectRef>
-          <a:fontRef idx="minor">
-            <a:schemeClr val="lt1"/>
-          </a:fontRef>
-        </p:style>
-        <p:txBody>
-          <a:bodyPr rtlCol="0" anchor="ctr"/>
-          <a:lstStyle/>
-          <a:p>
-            <a:pPr algn="ctr"/>
-            <a:endParaRPr lang="en-US">
-              <a:solidFill>
-                <a:schemeClr val="tx1"/>
-              </a:solidFill>
-            </a:endParaRPr>
-          </a:p>
-        </p:txBody>
-      </p:sp>
-      <p:sp>
-        <p:nvSpPr>
-          <p:cNvPr id="17" name="Snip Single Corner Rectangle 16"/>
-          <p:cNvSpPr/>
-          <p:nvPr/>
-        </p:nvSpPr>
-        <p:spPr>
-          <a:xfrm>
-            <a:off x="2667000" y="4221692"/>
-            <a:ext cx="3758902" cy="2255308"/>
-          </a:xfrm>
-          <a:prstGeom prst="snip1Rect">
-            <a:avLst/>
-          </a:prstGeom>
-          <a:solidFill>
-            <a:schemeClr val="tx1"/>
-          </a:solidFill>
-        </p:spPr>
-        <p:style>
-          <a:lnRef idx="1">
-            <a:schemeClr val="accent1"/>
-          </a:lnRef>
-          <a:fillRef idx="3">
-            <a:schemeClr val="accent1"/>
-          </a:fillRef>
-          <a:effectRef idx="2">
-            <a:schemeClr val="accent1"/>
-          </a:effectRef>
-          <a:fontRef idx="minor">
-            <a:schemeClr val="lt1"/>
-          </a:fontRef>
-        </p:style>
-        <p:txBody>
-          <a:bodyPr rtlCol="0" anchor="t" anchorCtr="0"/>
-          <a:lstStyle/>
-          <a:p>
-            <a:r>
-              <a:rPr lang="en-US" sz="1200" dirty="0">
-                <a:solidFill>
-                  <a:schemeClr val="bg1"/>
-                </a:solidFill>
-                <a:latin typeface="Consolas"/>
-                <a:cs typeface="Consolas"/>
-              </a:rPr>
-              <a:t>&gt; GET /path HTTP/1.1</a:t>
-            </a:r>
-          </a:p>
-          <a:p>
-            <a:r>
-              <a:rPr lang="en-US" sz="1200" dirty="0">
-                <a:solidFill>
-                  <a:schemeClr val="bg1"/>
-                </a:solidFill>
-                <a:latin typeface="Consolas"/>
-                <a:cs typeface="Consolas"/>
-              </a:rPr>
-              <a:t>&gt; User-Agent: Mozilla/</a:t>
-            </a:r>
-            <a:r>
-              <a:rPr lang="en-US" sz="1200" dirty="0" smtClean="0">
-                <a:solidFill>
-                  <a:schemeClr val="bg1"/>
-                </a:solidFill>
-                <a:latin typeface="Consolas"/>
-                <a:cs typeface="Consolas"/>
-              </a:rPr>
-              <a:t>5.0</a:t>
-            </a:r>
-            <a:endParaRPr lang="en-US" sz="1200" dirty="0">
-              <a:solidFill>
-                <a:schemeClr val="bg1"/>
-              </a:solidFill>
-              <a:latin typeface="Consolas"/>
-              <a:cs typeface="Consolas"/>
-            </a:endParaRPr>
-          </a:p>
-          <a:p>
-            <a:r>
-              <a:rPr lang="en-US" sz="1200" dirty="0">
-                <a:solidFill>
-                  <a:schemeClr val="bg1"/>
-                </a:solidFill>
-                <a:latin typeface="Consolas"/>
-                <a:cs typeface="Consolas"/>
-              </a:rPr>
-              <a:t>&gt; Host: </a:t>
-            </a:r>
-            <a:r>
-              <a:rPr lang="en-US" sz="1200" dirty="0" err="1" smtClean="0">
-                <a:solidFill>
-                  <a:schemeClr val="bg1"/>
-                </a:solidFill>
-                <a:latin typeface="Consolas"/>
-                <a:cs typeface="Consolas"/>
-              </a:rPr>
-              <a:t>anotherhost.com</a:t>
-            </a:r>
-            <a:endParaRPr lang="en-US" sz="1200" dirty="0">
-              <a:solidFill>
-                <a:schemeClr val="bg1"/>
-              </a:solidFill>
-              <a:latin typeface="Consolas"/>
-              <a:cs typeface="Consolas"/>
-            </a:endParaRPr>
-          </a:p>
-          <a:p>
-            <a:pPr marL="171450" indent="-171450">
-              <a:buFont typeface="Wingdings" charset="0"/>
-              <a:buChar char="Ø"/>
-            </a:pPr>
-            <a:r>
-              <a:rPr lang="en-US" sz="1200" dirty="0" smtClean="0">
-                <a:solidFill>
-                  <a:schemeClr val="bg1"/>
-                </a:solidFill>
-                <a:latin typeface="Consolas"/>
-                <a:cs typeface="Consolas"/>
-              </a:rPr>
-              <a:t>.</a:t>
-            </a:r>
-            <a:r>
-              <a:rPr lang="en-US" sz="1200" dirty="0">
-                <a:solidFill>
-                  <a:schemeClr val="bg1"/>
-                </a:solidFill>
-                <a:latin typeface="Consolas"/>
-                <a:cs typeface="Consolas"/>
-              </a:rPr>
-              <a:t>.....</a:t>
-            </a:r>
-            <a:r>
-              <a:rPr lang="en-US" sz="1200" dirty="0" smtClean="0">
-                <a:solidFill>
-                  <a:schemeClr val="bg1"/>
-                </a:solidFill>
-                <a:latin typeface="Consolas"/>
-                <a:cs typeface="Consolas"/>
-              </a:rPr>
-              <a:t>.</a:t>
-            </a:r>
-          </a:p>
-          <a:p>
-            <a:pPr marL="171450" indent="-171450">
-              <a:buFont typeface="Wingdings" charset="0"/>
-              <a:buChar char="Ø"/>
-            </a:pPr>
-            <a:endParaRPr lang="en-US" sz="1200" dirty="0">
-              <a:solidFill>
-                <a:schemeClr val="bg1"/>
-              </a:solidFill>
-              <a:latin typeface="Consolas"/>
-              <a:cs typeface="Consolas"/>
-            </a:endParaRPr>
-          </a:p>
-          <a:p>
-            <a:r>
-              <a:rPr lang="en-US" sz="1200" dirty="0">
-                <a:solidFill>
-                  <a:schemeClr val="bg1"/>
-                </a:solidFill>
-                <a:latin typeface="Consolas"/>
-                <a:cs typeface="Consolas"/>
-              </a:rPr>
-              <a:t>&lt; HTTP/1.1 200 OK</a:t>
-            </a:r>
-          </a:p>
-          <a:p>
-            <a:r>
-              <a:rPr lang="en-US" sz="1200" dirty="0">
-                <a:solidFill>
-                  <a:schemeClr val="bg1"/>
-                </a:solidFill>
-                <a:latin typeface="Consolas"/>
-                <a:cs typeface="Consolas"/>
-              </a:rPr>
-              <a:t>&lt; Date: Wed, </a:t>
-            </a:r>
-            <a:r>
-              <a:rPr lang="en-US" sz="1200" dirty="0" smtClean="0">
-                <a:solidFill>
-                  <a:schemeClr val="bg1"/>
-                </a:solidFill>
-                <a:latin typeface="Consolas"/>
-                <a:cs typeface="Consolas"/>
-              </a:rPr>
-              <a:t>01 </a:t>
-            </a:r>
-            <a:r>
-              <a:rPr lang="en-US" sz="1200" dirty="0">
-                <a:solidFill>
-                  <a:schemeClr val="bg1"/>
-                </a:solidFill>
-                <a:latin typeface="Consolas"/>
-                <a:cs typeface="Consolas"/>
-              </a:rPr>
-              <a:t>Jan 2013 </a:t>
-            </a:r>
-            <a:r>
-              <a:rPr lang="en-US" sz="1200" dirty="0" smtClean="0">
-                <a:solidFill>
-                  <a:schemeClr val="bg1"/>
-                </a:solidFill>
-                <a:latin typeface="Consolas"/>
-                <a:cs typeface="Consolas"/>
-              </a:rPr>
-              <a:t>20:11:49 </a:t>
-            </a:r>
-            <a:r>
-              <a:rPr lang="en-US" sz="1200" dirty="0">
-                <a:solidFill>
-                  <a:schemeClr val="bg1"/>
-                </a:solidFill>
-                <a:latin typeface="Consolas"/>
-                <a:cs typeface="Consolas"/>
-              </a:rPr>
-              <a:t>GMT</a:t>
-            </a:r>
-          </a:p>
-          <a:p>
-            <a:r>
-              <a:rPr lang="en-US" sz="1200" dirty="0">
-                <a:solidFill>
-                  <a:schemeClr val="bg1"/>
-                </a:solidFill>
-                <a:latin typeface="Consolas"/>
-                <a:cs typeface="Consolas"/>
-              </a:rPr>
-              <a:t>&lt; Server: Apache/2.2.23</a:t>
-            </a:r>
-          </a:p>
-          <a:p>
-            <a:r>
-              <a:rPr lang="en-US" sz="1200" dirty="0">
-                <a:solidFill>
-                  <a:schemeClr val="bg1"/>
-                </a:solidFill>
-                <a:latin typeface="Consolas"/>
-                <a:cs typeface="Consolas"/>
-              </a:rPr>
-              <a:t>&lt; Content-Type: application/</a:t>
-            </a:r>
-            <a:r>
-              <a:rPr lang="en-US" sz="1200" dirty="0" err="1">
-                <a:solidFill>
-                  <a:schemeClr val="bg1"/>
-                </a:solidFill>
-                <a:latin typeface="Consolas"/>
-                <a:cs typeface="Consolas"/>
-              </a:rPr>
-              <a:t>json;charset</a:t>
-            </a:r>
-            <a:r>
-              <a:rPr lang="en-US" sz="1200" dirty="0">
-                <a:solidFill>
-                  <a:schemeClr val="bg1"/>
-                </a:solidFill>
-                <a:latin typeface="Consolas"/>
-                <a:cs typeface="Consolas"/>
-              </a:rPr>
-              <a:t>=UTF-8</a:t>
-            </a:r>
-          </a:p>
-          <a:p>
-            <a:r>
-              <a:rPr lang="en-US" sz="1200" dirty="0">
-                <a:solidFill>
-                  <a:schemeClr val="bg1"/>
-                </a:solidFill>
-                <a:latin typeface="Consolas"/>
-                <a:cs typeface="Consolas"/>
-              </a:rPr>
-              <a:t>&lt; ......</a:t>
-            </a:r>
-          </a:p>
-          <a:p>
-            <a:endParaRPr lang="en-US" sz="1200" dirty="0">
-              <a:solidFill>
-                <a:schemeClr val="bg1"/>
-              </a:solidFill>
-              <a:latin typeface="Consolas"/>
-              <a:cs typeface="Consolas"/>
-            </a:endParaRPr>
-          </a:p>
-          <a:p>
-            <a:pPr marL="171450" indent="-171450">
-              <a:buFont typeface="Wingdings" charset="0"/>
-              <a:buChar char="Ø"/>
-            </a:pPr>
-            <a:endParaRPr lang="en-US" sz="1200" dirty="0">
-              <a:solidFill>
-                <a:schemeClr val="bg1"/>
-              </a:solidFill>
-              <a:latin typeface="Consolas"/>
-              <a:cs typeface="Consolas"/>
-            </a:endParaRPr>
-          </a:p>
-        </p:txBody>
-      </p:sp>
-      <p:pic>
-        <p:nvPicPr>
-          <p:cNvPr id="18" name="Picture 17"/>
-          <p:cNvPicPr>
-            <a:picLocks noChangeAspect="1"/>
-          </p:cNvPicPr>
-          <p:nvPr/>
-        </p:nvPicPr>
-        <p:blipFill>
-          <a:blip r:embed="rId3"/>
-          <a:stretch>
-            <a:fillRect/>
-          </a:stretch>
-        </p:blipFill>
-        <p:spPr>
-          <a:xfrm>
-            <a:off x="6919600" y="4838700"/>
-            <a:ext cx="961994" cy="921232"/>
-          </a:xfrm>
-          <a:prstGeom prst="rect">
-            <a:avLst/>
-          </a:prstGeom>
-        </p:spPr>
-      </p:pic>
-      <p:sp>
-        <p:nvSpPr>
-          <p:cNvPr id="19" name="TextBox 18"/>
-          <p:cNvSpPr txBox="1"/>
-          <p:nvPr/>
-        </p:nvSpPr>
-        <p:spPr>
-          <a:xfrm>
-            <a:off x="6527503" y="4337446"/>
-            <a:ext cx="1521984" cy="307777"/>
-          </a:xfrm>
-          <a:prstGeom prst="rect">
-            <a:avLst/>
-          </a:prstGeom>
-          <a:noFill/>
-        </p:spPr>
-        <p:txBody>
-          <a:bodyPr wrap="none" rtlCol="0">
-            <a:spAutoFit/>
-          </a:bodyPr>
-          <a:lstStyle/>
-          <a:p>
-            <a:r>
-              <a:rPr lang="en-US" sz="1400" dirty="0" err="1" smtClean="0"/>
-              <a:t>anotherhost.com</a:t>
-            </a:r>
-            <a:endParaRPr lang="en-US" sz="1400" dirty="0"/>
-          </a:p>
-        </p:txBody>
-      </p:sp>
-      <p:sp>
-        <p:nvSpPr>
-          <p:cNvPr id="21" name="Curved Left Arrow 20"/>
-          <p:cNvSpPr/>
-          <p:nvPr/>
-        </p:nvSpPr>
-        <p:spPr>
-          <a:xfrm>
-            <a:off x="6667011" y="4714334"/>
-            <a:ext cx="584200" cy="1302876"/>
-          </a:xfrm>
-          <a:prstGeom prst="curvedLeftArrow">
-            <a:avLst/>
-          </a:prstGeom>
-        </p:spPr>
-        <p:style>
-          <a:lnRef idx="1">
-            <a:schemeClr val="accent1"/>
-          </a:lnRef>
-          <a:fillRef idx="3">
-            <a:schemeClr val="accent1"/>
-          </a:fillRef>
-          <a:effectRef idx="2">
-            <a:schemeClr val="accent1"/>
-          </a:effectRef>
-          <a:fontRef idx="minor">
-            <a:schemeClr val="lt1"/>
-          </a:fontRef>
-        </p:style>
-        <p:txBody>
-          <a:bodyPr rtlCol="0" anchor="ctr"/>
-          <a:lstStyle/>
-          <a:p>
-            <a:pPr algn="ctr"/>
-            <a:endParaRPr lang="en-US">
-              <a:solidFill>
-                <a:schemeClr val="tx1"/>
-              </a:solidFill>
-            </a:endParaRPr>
-          </a:p>
-        </p:txBody>
-      </p:sp>
+              </a:endParaRPr>
+            </a:p>
+          </p:txBody>
+        </p:sp>
+        <p:sp>
+          <p:nvSpPr>
+            <p:cNvPr id="21" name="Curved Left Arrow 20"/>
+            <p:cNvSpPr/>
+            <p:nvPr/>
+          </p:nvSpPr>
+          <p:spPr>
+            <a:xfrm>
+              <a:off x="6667011" y="4714334"/>
+              <a:ext cx="584200" cy="1302876"/>
+            </a:xfrm>
+            <a:prstGeom prst="curvedLeftArrow">
+              <a:avLst/>
+            </a:prstGeom>
+          </p:spPr>
+          <p:style>
+            <a:lnRef idx="1">
+              <a:schemeClr val="accent1"/>
+            </a:lnRef>
+            <a:fillRef idx="3">
+              <a:schemeClr val="accent1"/>
+            </a:fillRef>
+            <a:effectRef idx="2">
+              <a:schemeClr val="accent1"/>
+            </a:effectRef>
+            <a:fontRef idx="minor">
+              <a:schemeClr val="lt1"/>
+            </a:fontRef>
+          </p:style>
+          <p:txBody>
+            <a:bodyPr rtlCol="0" anchor="ctr"/>
+            <a:lstStyle/>
+            <a:p>
+              <a:pPr algn="ctr"/>
+              <a:endParaRPr lang="en-US">
+                <a:solidFill>
+                  <a:schemeClr val="tx1"/>
+                </a:solidFill>
+              </a:endParaRPr>
+            </a:p>
+          </p:txBody>
+        </p:sp>
+      </p:grpSp>
     </p:spTree>
     <p:extLst>
       <p:ext uri="{BB962C8B-B14F-4D97-AF65-F5344CB8AC3E}">
@@ -8412,9 +8964,215 @@
   <p:timing>
     <p:tnLst>
       <p:par>
-        <p:cTn xmlns:p14="http://schemas.microsoft.com/office/powerpoint/2010/main" id="1" dur="indefinite" restart="never" nodeType="tmRoot"/>
+        <p:cTn xmlns:p14="http://schemas.microsoft.com/office/powerpoint/2010/main" id="1" dur="indefinite" restart="never" nodeType="tmRoot">
+          <p:childTnLst>
+            <p:seq concurrent="1" nextAc="seek">
+              <p:cTn id="2" dur="indefinite" nodeType="mainSeq">
+                <p:childTnLst>
+                  <p:par>
+                    <p:cTn id="3" fill="hold">
+                      <p:stCondLst>
+                        <p:cond delay="indefinite"/>
+                      </p:stCondLst>
+                      <p:childTnLst>
+                        <p:par>
+                          <p:cTn id="4" fill="hold">
+                            <p:stCondLst>
+                              <p:cond delay="0"/>
+                            </p:stCondLst>
+                            <p:childTnLst>
+                              <p:par>
+                                <p:cTn id="5" presetID="1" presetClass="entr" presetSubtype="0" fill="hold" grpId="0" nodeType="clickEffect">
+                                  <p:stCondLst>
+                                    <p:cond delay="0"/>
+                                  </p:stCondLst>
+                                  <p:childTnLst>
+                                    <p:set>
+                                      <p:cBhvr>
+                                        <p:cTn id="6" dur="1" fill="hold">
+                                          <p:stCondLst>
+                                            <p:cond delay="0"/>
+                                          </p:stCondLst>
+                                        </p:cTn>
+                                        <p:tgtEl>
+                                          <p:spTgt spid="10"/>
+                                        </p:tgtEl>
+                                        <p:attrNameLst>
+                                          <p:attrName>style.visibility</p:attrName>
+                                        </p:attrNameLst>
+                                      </p:cBhvr>
+                                      <p:to>
+                                        <p:strVal val="visible"/>
+                                      </p:to>
+                                    </p:set>
+                                  </p:childTnLst>
+                                </p:cTn>
+                              </p:par>
+                            </p:childTnLst>
+                          </p:cTn>
+                        </p:par>
+                      </p:childTnLst>
+                    </p:cTn>
+                  </p:par>
+                  <p:par>
+                    <p:cTn id="7" fill="hold">
+                      <p:stCondLst>
+                        <p:cond delay="indefinite"/>
+                      </p:stCondLst>
+                      <p:childTnLst>
+                        <p:par>
+                          <p:cTn id="8" fill="hold">
+                            <p:stCondLst>
+                              <p:cond delay="0"/>
+                            </p:stCondLst>
+                            <p:childTnLst>
+                              <p:par>
+                                <p:cTn id="9" presetID="1" presetClass="entr" presetSubtype="0" fill="hold" nodeType="clickEffect">
+                                  <p:stCondLst>
+                                    <p:cond delay="0"/>
+                                  </p:stCondLst>
+                                  <p:childTnLst>
+                                    <p:set>
+                                      <p:cBhvr>
+                                        <p:cTn id="10" dur="1" fill="hold">
+                                          <p:stCondLst>
+                                            <p:cond delay="0"/>
+                                          </p:stCondLst>
+                                        </p:cTn>
+                                        <p:tgtEl>
+                                          <p:spTgt spid="24"/>
+                                        </p:tgtEl>
+                                        <p:attrNameLst>
+                                          <p:attrName>style.visibility</p:attrName>
+                                        </p:attrNameLst>
+                                      </p:cBhvr>
+                                      <p:to>
+                                        <p:strVal val="visible"/>
+                                      </p:to>
+                                    </p:set>
+                                  </p:childTnLst>
+                                </p:cTn>
+                              </p:par>
+                            </p:childTnLst>
+                          </p:cTn>
+                        </p:par>
+                      </p:childTnLst>
+                    </p:cTn>
+                  </p:par>
+                  <p:par>
+                    <p:cTn id="11" fill="hold">
+                      <p:stCondLst>
+                        <p:cond delay="indefinite"/>
+                      </p:stCondLst>
+                      <p:childTnLst>
+                        <p:par>
+                          <p:cTn id="12" fill="hold">
+                            <p:stCondLst>
+                              <p:cond delay="0"/>
+                            </p:stCondLst>
+                            <p:childTnLst>
+                              <p:par>
+                                <p:cTn id="13" presetID="1" presetClass="entr" presetSubtype="0" fill="hold" nodeType="clickEffect">
+                                  <p:stCondLst>
+                                    <p:cond delay="0"/>
+                                  </p:stCondLst>
+                                  <p:childTnLst>
+                                    <p:set>
+                                      <p:cBhvr>
+                                        <p:cTn id="14" dur="1" fill="hold">
+                                          <p:stCondLst>
+                                            <p:cond delay="0"/>
+                                          </p:stCondLst>
+                                        </p:cTn>
+                                        <p:tgtEl>
+                                          <p:spTgt spid="27"/>
+                                        </p:tgtEl>
+                                        <p:attrNameLst>
+                                          <p:attrName>style.visibility</p:attrName>
+                                        </p:attrNameLst>
+                                      </p:cBhvr>
+                                      <p:to>
+                                        <p:strVal val="visible"/>
+                                      </p:to>
+                                    </p:set>
+                                  </p:childTnLst>
+                                </p:cTn>
+                              </p:par>
+                            </p:childTnLst>
+                          </p:cTn>
+                        </p:par>
+                      </p:childTnLst>
+                    </p:cTn>
+                  </p:par>
+                  <p:par>
+                    <p:cTn id="15" fill="hold">
+                      <p:stCondLst>
+                        <p:cond delay="indefinite"/>
+                      </p:stCondLst>
+                      <p:childTnLst>
+                        <p:par>
+                          <p:cTn id="16" fill="hold">
+                            <p:stCondLst>
+                              <p:cond delay="0"/>
+                            </p:stCondLst>
+                            <p:childTnLst>
+                              <p:par>
+                                <p:cTn id="17" presetID="1" presetClass="entr" presetSubtype="0" fill="hold" nodeType="clickEffect">
+                                  <p:stCondLst>
+                                    <p:cond delay="0"/>
+                                  </p:stCondLst>
+                                  <p:childTnLst>
+                                    <p:set>
+                                      <p:cBhvr>
+                                        <p:cTn id="18" dur="1" fill="hold">
+                                          <p:stCondLst>
+                                            <p:cond delay="0"/>
+                                          </p:stCondLst>
+                                        </p:cTn>
+                                        <p:tgtEl>
+                                          <p:spTgt spid="25"/>
+                                        </p:tgtEl>
+                                        <p:attrNameLst>
+                                          <p:attrName>style.visibility</p:attrName>
+                                        </p:attrNameLst>
+                                      </p:cBhvr>
+                                      <p:to>
+                                        <p:strVal val="visible"/>
+                                      </p:to>
+                                    </p:set>
+                                  </p:childTnLst>
+                                </p:cTn>
+                              </p:par>
+                            </p:childTnLst>
+                          </p:cTn>
+                        </p:par>
+                      </p:childTnLst>
+                    </p:cTn>
+                  </p:par>
+                </p:childTnLst>
+              </p:cTn>
+              <p:prevCondLst>
+                <p:cond evt="onPrev" delay="0">
+                  <p:tgtEl>
+                    <p:sldTgt/>
+                  </p:tgtEl>
+                </p:cond>
+              </p:prevCondLst>
+              <p:nextCondLst>
+                <p:cond evt="onNext" delay="0">
+                  <p:tgtEl>
+                    <p:sldTgt/>
+                  </p:tgtEl>
+                </p:cond>
+              </p:nextCondLst>
+            </p:seq>
+          </p:childTnLst>
+        </p:cTn>
       </p:par>
     </p:tnLst>
+    <p:bldLst>
+      <p:bldP spid="10" grpId="0"/>
+    </p:bldLst>
   </p:timing>
 </p:sld>
 </file>
@@ -8594,7 +9352,19 @@
           <a:p>
             <a:r>
               <a:rPr lang="en-US" dirty="0" smtClean="0"/>
-              <a:t>API’s for patient related information</a:t>
+              <a:t>API’s </a:t>
+            </a:r>
+            <a:r>
+              <a:rPr lang="en-US" dirty="0" smtClean="0"/>
+              <a:t>containing patient </a:t>
+            </a:r>
+            <a:r>
+              <a:rPr lang="en-US" dirty="0" smtClean="0"/>
+              <a:t>related </a:t>
+            </a:r>
+            <a:r>
+              <a:rPr lang="en-US" dirty="0" smtClean="0"/>
+              <a:t>data</a:t>
             </a:r>
             <a:endParaRPr lang="en-US" dirty="0"/>
           </a:p>
@@ -8667,8 +9437,9 @@
             <a:pPr lvl="1"/>
             <a:r>
               <a:rPr lang="en-US" sz="1800" dirty="0" smtClean="0"/>
-              <a:t>2 factor</a:t>
-            </a:r>
+              <a:t>2-factor</a:t>
+            </a:r>
+            <a:endParaRPr lang="en-US" sz="1800" dirty="0" smtClean="0"/>
           </a:p>
           <a:p>
             <a:r>
@@ -8801,8 +9572,9 @@
           <a:p>
             <a:r>
               <a:rPr lang="en-US" dirty="0"/>
-              <a:t>API’s for patient related information</a:t>
-            </a:r>
+              <a:t>API’s containing patient related data</a:t>
+            </a:r>
+            <a:endParaRPr lang="en-US" dirty="0"/>
           </a:p>
         </p:txBody>
       </p:sp>
@@ -8855,6 +9627,10 @@
             <a:pPr marL="0" indent="0">
               <a:buNone/>
             </a:pPr>
+            <a:r>
+              <a:rPr lang="en-US" sz="1400" dirty="0" smtClean="0"/>
+              <a:t>Simple solution ??</a:t>
+            </a:r>
             <a:endParaRPr lang="en-US" sz="1400" dirty="0"/>
           </a:p>
         </p:txBody>
@@ -9024,58 +9800,66 @@
       </p:sp>
       <p:grpSp>
         <p:nvGrpSpPr>
-          <p:cNvPr id="12" name="Group 11"/>
+          <p:cNvPr id="6" name="Group 5"/>
           <p:cNvGrpSpPr/>
           <p:nvPr/>
         </p:nvGrpSpPr>
         <p:grpSpPr>
           <a:xfrm>
-            <a:off x="1371600" y="4254381"/>
-            <a:ext cx="1262936" cy="1435219"/>
-            <a:chOff x="1371600" y="3510290"/>
-            <a:chExt cx="1262936" cy="1435219"/>
+            <a:off x="4102100" y="3510290"/>
+            <a:ext cx="3914165" cy="566410"/>
+            <a:chOff x="4102100" y="3510290"/>
+            <a:chExt cx="3914165" cy="566410"/>
           </a:xfrm>
         </p:grpSpPr>
-        <p:pic>
-          <p:nvPicPr>
-            <p:cNvPr id="23" name="Picture 22" descr="owner.gif"/>
-            <p:cNvPicPr>
-              <a:picLocks noChangeAspect="1"/>
-            </p:cNvPicPr>
+        <p:sp>
+          <p:nvSpPr>
+            <p:cNvPr id="24" name="Down Arrow 23"/>
+            <p:cNvSpPr/>
             <p:nvPr/>
-          </p:nvPicPr>
-          <p:blipFill>
-            <a:blip r:embed="rId4">
-              <a:extLst>
-                <a:ext uri="{28A0092B-C50C-407E-A947-70E740481C1C}">
-                  <a14:useLocalDpi xmlns:a14="http://schemas.microsoft.com/office/drawing/2010/main" val="0"/>
-                </a:ext>
-              </a:extLst>
-            </a:blip>
-            <a:stretch>
-              <a:fillRect/>
-            </a:stretch>
-          </p:blipFill>
+          </p:nvSpPr>
           <p:spPr>
             <a:xfrm>
-              <a:off x="1852871" y="3510290"/>
-              <a:ext cx="392415" cy="1132820"/>
+              <a:off x="5499100" y="3510290"/>
+              <a:ext cx="355600" cy="566410"/>
             </a:xfrm>
-            <a:prstGeom prst="rect">
+            <a:prstGeom prst="downArrow">
               <a:avLst/>
             </a:prstGeom>
           </p:spPr>
-        </p:pic>
+          <p:style>
+            <a:lnRef idx="1">
+              <a:schemeClr val="accent1"/>
+            </a:lnRef>
+            <a:fillRef idx="3">
+              <a:schemeClr val="accent1"/>
+            </a:fillRef>
+            <a:effectRef idx="2">
+              <a:schemeClr val="accent1"/>
+            </a:effectRef>
+            <a:fontRef idx="minor">
+              <a:schemeClr val="lt1"/>
+            </a:fontRef>
+          </p:style>
+          <p:txBody>
+            <a:bodyPr rtlCol="0" anchor="ctr"/>
+            <a:lstStyle/>
+            <a:p>
+              <a:pPr algn="ctr"/>
+              <a:endParaRPr lang="en-US"/>
+            </a:p>
+          </p:txBody>
+        </p:sp>
         <p:sp>
           <p:nvSpPr>
-            <p:cNvPr id="10" name="TextBox 9"/>
+            <p:cNvPr id="25" name="TextBox 24"/>
             <p:cNvSpPr txBox="1"/>
             <p:nvPr/>
           </p:nvSpPr>
           <p:spPr>
             <a:xfrm>
-              <a:off x="1371600" y="4668510"/>
-              <a:ext cx="1262936" cy="276999"/>
+              <a:off x="4102100" y="3510290"/>
+              <a:ext cx="3914165" cy="307777"/>
             </a:xfrm>
             <a:prstGeom prst="rect">
               <a:avLst/>
@@ -9089,90 +9873,22 @@
             <a:lstStyle/>
             <a:p>
               <a:r>
-                <a:rPr lang="en-US" sz="1200" dirty="0" smtClean="0"/>
-                <a:t>20121212-1212</a:t>
+                <a:rPr lang="en-US" sz="1400" dirty="0" smtClean="0"/>
+                <a:t>GET http://</a:t>
               </a:r>
-              <a:endParaRPr lang="en-US" sz="1200" dirty="0"/>
+              <a:r>
+                <a:rPr lang="en-US" sz="1400" dirty="0" err="1" smtClean="0"/>
+                <a:t>someurltoapi.com</a:t>
+              </a:r>
+              <a:r>
+                <a:rPr lang="en-US" sz="1400" dirty="0" smtClean="0"/>
+                <a:t>/20121212121212 </a:t>
+              </a:r>
+              <a:endParaRPr lang="en-US" sz="1400" dirty="0"/>
             </a:p>
           </p:txBody>
         </p:sp>
       </p:grpSp>
-      <p:sp>
-        <p:nvSpPr>
-          <p:cNvPr id="24" name="Down Arrow 23"/>
-          <p:cNvSpPr/>
-          <p:nvPr/>
-        </p:nvSpPr>
-        <p:spPr>
-          <a:xfrm>
-            <a:off x="5499100" y="3510290"/>
-            <a:ext cx="355600" cy="566410"/>
-          </a:xfrm>
-          <a:prstGeom prst="downArrow">
-            <a:avLst/>
-          </a:prstGeom>
-        </p:spPr>
-        <p:style>
-          <a:lnRef idx="1">
-            <a:schemeClr val="accent1"/>
-          </a:lnRef>
-          <a:fillRef idx="3">
-            <a:schemeClr val="accent1"/>
-          </a:fillRef>
-          <a:effectRef idx="2">
-            <a:schemeClr val="accent1"/>
-          </a:effectRef>
-          <a:fontRef idx="minor">
-            <a:schemeClr val="lt1"/>
-          </a:fontRef>
-        </p:style>
-        <p:txBody>
-          <a:bodyPr rtlCol="0" anchor="ctr"/>
-          <a:lstStyle/>
-          <a:p>
-            <a:pPr algn="ctr"/>
-            <a:endParaRPr lang="en-US"/>
-          </a:p>
-        </p:txBody>
-      </p:sp>
-      <p:sp>
-        <p:nvSpPr>
-          <p:cNvPr id="25" name="TextBox 24"/>
-          <p:cNvSpPr txBox="1"/>
-          <p:nvPr/>
-        </p:nvSpPr>
-        <p:spPr>
-          <a:xfrm>
-            <a:off x="4102100" y="3510290"/>
-            <a:ext cx="3914165" cy="307777"/>
-          </a:xfrm>
-          <a:prstGeom prst="rect">
-            <a:avLst/>
-          </a:prstGeom>
-          <a:noFill/>
-        </p:spPr>
-        <p:txBody>
-          <a:bodyPr wrap="none" rtlCol="0">
-            <a:spAutoFit/>
-          </a:bodyPr>
-          <a:lstStyle/>
-          <a:p>
-            <a:r>
-              <a:rPr lang="en-US" sz="1400" dirty="0" smtClean="0"/>
-              <a:t>GET http://</a:t>
-            </a:r>
-            <a:r>
-              <a:rPr lang="en-US" sz="1400" dirty="0" err="1" smtClean="0"/>
-              <a:t>someurltoapi.com</a:t>
-            </a:r>
-            <a:r>
-              <a:rPr lang="en-US" sz="1400" dirty="0" smtClean="0"/>
-              <a:t>/20121212121212 </a:t>
-            </a:r>
-            <a:endParaRPr lang="en-US" sz="1400" dirty="0"/>
-          </a:p>
-        </p:txBody>
-      </p:sp>
       <p:sp>
         <p:nvSpPr>
           <p:cNvPr id="26" name="Rectangle 25"/>
@@ -9398,135 +10114,174 @@
           </a:fontRef>
         </p:style>
       </p:cxnSp>
-      <p:sp>
-        <p:nvSpPr>
-          <p:cNvPr id="36" name="TextBox 35"/>
-          <p:cNvSpPr txBox="1"/>
+      <p:grpSp>
+        <p:nvGrpSpPr>
+          <p:cNvPr id="11" name="Group 10"/>
+          <p:cNvGrpSpPr/>
+          <p:nvPr/>
+        </p:nvGrpSpPr>
+        <p:grpSpPr>
+          <a:xfrm>
+            <a:off x="1612900" y="2411680"/>
+            <a:ext cx="2933700" cy="1435219"/>
+            <a:chOff x="685800" y="2382848"/>
+            <a:chExt cx="2933700" cy="1435219"/>
+          </a:xfrm>
+        </p:grpSpPr>
+        <p:grpSp>
+          <p:nvGrpSpPr>
+            <p:cNvPr id="12" name="Group 11"/>
+            <p:cNvGrpSpPr/>
+            <p:nvPr/>
+          </p:nvGrpSpPr>
+          <p:grpSpPr>
+            <a:xfrm>
+              <a:off x="685800" y="2382848"/>
+              <a:ext cx="1262936" cy="1435219"/>
+              <a:chOff x="1371600" y="3510290"/>
+              <a:chExt cx="1262936" cy="1435219"/>
+            </a:xfrm>
+          </p:grpSpPr>
+          <p:pic>
+            <p:nvPicPr>
+              <p:cNvPr id="23" name="Picture 22" descr="owner.gif"/>
+              <p:cNvPicPr>
+                <a:picLocks noChangeAspect="1"/>
+              </p:cNvPicPr>
+              <p:nvPr/>
+            </p:nvPicPr>
+            <p:blipFill>
+              <a:blip r:embed="rId4">
+                <a:extLst>
+                  <a:ext uri="{28A0092B-C50C-407E-A947-70E740481C1C}">
+                    <a14:useLocalDpi xmlns:a14="http://schemas.microsoft.com/office/drawing/2010/main" val="0"/>
+                  </a:ext>
+                </a:extLst>
+              </a:blip>
+              <a:stretch>
+                <a:fillRect/>
+              </a:stretch>
+            </p:blipFill>
+            <p:spPr>
+              <a:xfrm>
+                <a:off x="1852871" y="3510290"/>
+                <a:ext cx="392415" cy="1132820"/>
+              </a:xfrm>
+              <a:prstGeom prst="rect">
+                <a:avLst/>
+              </a:prstGeom>
+            </p:spPr>
+          </p:pic>
+          <p:sp>
+            <p:nvSpPr>
+              <p:cNvPr id="10" name="TextBox 9"/>
+              <p:cNvSpPr txBox="1"/>
+              <p:nvPr/>
+            </p:nvSpPr>
+            <p:spPr>
+              <a:xfrm>
+                <a:off x="1371600" y="4668510"/>
+                <a:ext cx="1262936" cy="276999"/>
+              </a:xfrm>
+              <a:prstGeom prst="rect">
+                <a:avLst/>
+              </a:prstGeom>
+              <a:noFill/>
+            </p:spPr>
+            <p:txBody>
+              <a:bodyPr wrap="none" rtlCol="0">
+                <a:spAutoFit/>
+              </a:bodyPr>
+              <a:lstStyle/>
+              <a:p>
+                <a:r>
+                  <a:rPr lang="en-US" sz="1200" dirty="0" smtClean="0"/>
+                  <a:t>20121212-1212</a:t>
+                </a:r>
+                <a:endParaRPr lang="en-US" sz="1200" dirty="0"/>
+              </a:p>
+            </p:txBody>
+          </p:sp>
+        </p:grpSp>
+        <p:sp>
+          <p:nvSpPr>
+            <p:cNvPr id="36" name="TextBox 35"/>
+            <p:cNvSpPr txBox="1"/>
+            <p:nvPr/>
+          </p:nvSpPr>
+          <p:spPr>
+            <a:xfrm>
+              <a:off x="1612900" y="2733627"/>
+              <a:ext cx="2006600" cy="954107"/>
+            </a:xfrm>
+            <a:prstGeom prst="rect">
+              <a:avLst/>
+            </a:prstGeom>
+            <a:noFill/>
+          </p:spPr>
+          <p:txBody>
+            <a:bodyPr wrap="square" rtlCol="0">
+              <a:spAutoFit/>
+            </a:bodyPr>
+            <a:lstStyle/>
+            <a:p>
+              <a:r>
+                <a:rPr lang="en-US" sz="1400" dirty="0" smtClean="0"/>
+                <a:t>Are </a:t>
+              </a:r>
+              <a:r>
+                <a:rPr lang="en-US" sz="1400" dirty="0"/>
+                <a:t>you </a:t>
+              </a:r>
+              <a:r>
+                <a:rPr lang="en-US" sz="1400" dirty="0" smtClean="0"/>
+                <a:t>sure citizen </a:t>
+              </a:r>
+            </a:p>
+            <a:p>
+              <a:r>
+                <a:rPr lang="sv-SE" sz="1400" dirty="0" err="1" smtClean="0"/>
+                <a:t>approves</a:t>
+              </a:r>
+              <a:r>
+                <a:rPr lang="sv-SE" sz="1400" dirty="0" smtClean="0"/>
+                <a:t> </a:t>
+              </a:r>
+              <a:r>
+                <a:rPr lang="sv-SE" sz="1400" dirty="0" err="1"/>
+                <a:t>this</a:t>
+              </a:r>
+              <a:r>
+                <a:rPr lang="en-US" sz="1400" dirty="0"/>
+                <a:t> request</a:t>
+              </a:r>
+              <a:r>
+                <a:rPr lang="en-US" sz="1400" dirty="0" smtClean="0"/>
+                <a:t>?</a:t>
+              </a:r>
+              <a:endParaRPr lang="en-US" sz="1400" dirty="0"/>
+            </a:p>
+            <a:p>
+              <a:pPr marL="0" indent="0">
+                <a:buNone/>
+              </a:pPr>
+              <a:endParaRPr lang="en-US" sz="1400" dirty="0"/>
+            </a:p>
+            <a:p>
+              <a:endParaRPr lang="en-US" sz="1400" dirty="0"/>
+            </a:p>
+          </p:txBody>
+        </p:sp>
+      </p:grpSp>
+      <p:sp>
+        <p:nvSpPr>
+          <p:cNvPr id="28" name="Rounded Rectangular Callout 27"/>
+          <p:cNvSpPr/>
           <p:nvPr/>
         </p:nvSpPr>
         <p:spPr>
           <a:xfrm>
-            <a:off x="685800" y="1907727"/>
-            <a:ext cx="4521200" cy="2462213"/>
-          </a:xfrm>
-          <a:prstGeom prst="rect">
-            <a:avLst/>
-          </a:prstGeom>
-          <a:noFill/>
-        </p:spPr>
-        <p:txBody>
-          <a:bodyPr wrap="square" rtlCol="0">
-            <a:spAutoFit/>
-          </a:bodyPr>
-          <a:lstStyle/>
-          <a:p>
-            <a:pPr marL="0" indent="0">
-              <a:buNone/>
-            </a:pPr>
-            <a:r>
-              <a:rPr lang="en-US" sz="1400" dirty="0"/>
-              <a:t>Simple solution??</a:t>
-            </a:r>
-          </a:p>
-          <a:p>
-            <a:pPr marL="0" indent="0">
-              <a:buNone/>
-            </a:pPr>
-            <a:endParaRPr lang="en-US" sz="1400" dirty="0" smtClean="0"/>
-          </a:p>
-          <a:p>
-            <a:pPr marL="0" indent="0">
-              <a:buNone/>
-            </a:pPr>
-            <a:r>
-              <a:rPr lang="en-US" sz="1400" dirty="0" smtClean="0"/>
-              <a:t>Are </a:t>
-            </a:r>
-            <a:r>
-              <a:rPr lang="en-US" sz="1400" dirty="0"/>
-              <a:t>you sure 20121212-1212 </a:t>
-            </a:r>
-            <a:r>
-              <a:rPr lang="sv-SE" sz="1400" dirty="0" err="1"/>
-              <a:t>approves</a:t>
-            </a:r>
-            <a:r>
-              <a:rPr lang="sv-SE" sz="1400" dirty="0"/>
-              <a:t> </a:t>
-            </a:r>
-            <a:r>
-              <a:rPr lang="sv-SE" sz="1400" dirty="0" err="1"/>
-              <a:t>this</a:t>
-            </a:r>
-            <a:r>
-              <a:rPr lang="en-US" sz="1400" dirty="0"/>
-              <a:t> request?</a:t>
-            </a:r>
-          </a:p>
-          <a:p>
-            <a:pPr marL="0" indent="0">
-              <a:buNone/>
-            </a:pPr>
-            <a:r>
-              <a:rPr lang="en-US" sz="1400" dirty="0"/>
-              <a:t>API must verify approval from the </a:t>
-            </a:r>
-            <a:r>
-              <a:rPr lang="en-US" sz="1400" dirty="0" smtClean="0"/>
-              <a:t>citizen.</a:t>
-            </a:r>
-          </a:p>
-          <a:p>
-            <a:pPr marL="0" indent="0">
-              <a:buNone/>
-            </a:pPr>
-            <a:endParaRPr lang="en-US" sz="1400" dirty="0" smtClean="0"/>
-          </a:p>
-          <a:p>
-            <a:pPr marL="0" indent="0">
-              <a:buNone/>
-            </a:pPr>
-            <a:r>
-              <a:rPr lang="en-US" sz="1400" dirty="0" smtClean="0"/>
-              <a:t>Does providers of medical records trust the client application?</a:t>
-            </a:r>
-          </a:p>
-          <a:p>
-            <a:pPr marL="0" indent="0">
-              <a:buNone/>
-            </a:pPr>
-            <a:r>
-              <a:rPr lang="en-US" sz="1400" dirty="0" smtClean="0"/>
-              <a:t>API must verify client applications. </a:t>
-            </a:r>
-            <a:endParaRPr lang="en-US" sz="1400" dirty="0"/>
-          </a:p>
-          <a:p>
-            <a:pPr marL="0" indent="0">
-              <a:buNone/>
-            </a:pPr>
-            <a:endParaRPr lang="en-US" sz="1400" dirty="0"/>
-          </a:p>
-          <a:p>
-            <a:pPr marL="0" indent="0">
-              <a:buNone/>
-            </a:pPr>
-            <a:endParaRPr lang="en-US" sz="1400" dirty="0"/>
-          </a:p>
-          <a:p>
-            <a:endParaRPr lang="en-US" sz="1400" dirty="0"/>
-          </a:p>
-        </p:txBody>
-      </p:sp>
-      <p:sp>
-        <p:nvSpPr>
-          <p:cNvPr id="37" name="Rounded Rectangular Callout 36"/>
-          <p:cNvSpPr/>
-          <p:nvPr/>
-        </p:nvSpPr>
-        <p:spPr>
-          <a:xfrm>
-            <a:off x="2537386" y="3884880"/>
+            <a:off x="2804086" y="2010431"/>
             <a:ext cx="1056714" cy="464749"/>
           </a:xfrm>
           <a:prstGeom prst="wedgeRoundRectCallout">
@@ -9564,6 +10319,40 @@
           </a:p>
         </p:txBody>
       </p:sp>
+      <p:sp>
+        <p:nvSpPr>
+          <p:cNvPr id="14" name="TextBox 13"/>
+          <p:cNvSpPr txBox="1"/>
+          <p:nvPr/>
+        </p:nvSpPr>
+        <p:spPr>
+          <a:xfrm>
+            <a:off x="1546786" y="4443968"/>
+            <a:ext cx="2438400" cy="738664"/>
+          </a:xfrm>
+          <a:prstGeom prst="rect">
+            <a:avLst/>
+          </a:prstGeom>
+          <a:noFill/>
+        </p:spPr>
+        <p:txBody>
+          <a:bodyPr wrap="square" rtlCol="0">
+            <a:spAutoFit/>
+          </a:bodyPr>
+          <a:lstStyle/>
+          <a:p>
+            <a:r>
+              <a:rPr lang="en-US" sz="1400" dirty="0"/>
+              <a:t>Does providers of medical records trust the client application</a:t>
+            </a:r>
+            <a:r>
+              <a:rPr lang="en-US" sz="1400" dirty="0" smtClean="0"/>
+              <a:t>?</a:t>
+            </a:r>
+            <a:endParaRPr lang="en-US" sz="1400" dirty="0"/>
+          </a:p>
+        </p:txBody>
+      </p:sp>
     </p:spTree>
     <p:extLst>
       <p:ext uri="{BB962C8B-B14F-4D97-AF65-F5344CB8AC3E}">
@@ -9577,9 +10366,224 @@
   <p:timing>
     <p:tnLst>
       <p:par>
-        <p:cTn xmlns:p14="http://schemas.microsoft.com/office/powerpoint/2010/main" id="1" dur="indefinite" restart="never" nodeType="tmRoot"/>
+        <p:cTn xmlns:p14="http://schemas.microsoft.com/office/powerpoint/2010/main" id="1" dur="indefinite" restart="never" nodeType="tmRoot">
+          <p:childTnLst>
+            <p:seq concurrent="1" nextAc="seek">
+              <p:cTn id="2" dur="indefinite" nodeType="mainSeq">
+                <p:childTnLst>
+                  <p:par>
+                    <p:cTn id="3" fill="hold">
+                      <p:stCondLst>
+                        <p:cond delay="indefinite"/>
+                      </p:stCondLst>
+                      <p:childTnLst>
+                        <p:par>
+                          <p:cTn id="4" fill="hold">
+                            <p:stCondLst>
+                              <p:cond delay="0"/>
+                            </p:stCondLst>
+                            <p:childTnLst>
+                              <p:par>
+                                <p:cTn id="5" presetID="1" presetClass="entr" presetSubtype="0" fill="hold" nodeType="clickEffect">
+                                  <p:stCondLst>
+                                    <p:cond delay="0"/>
+                                  </p:stCondLst>
+                                  <p:childTnLst>
+                                    <p:set>
+                                      <p:cBhvr>
+                                        <p:cTn id="6" dur="1" fill="hold">
+                                          <p:stCondLst>
+                                            <p:cond delay="0"/>
+                                          </p:stCondLst>
+                                        </p:cTn>
+                                        <p:tgtEl>
+                                          <p:spTgt spid="6"/>
+                                        </p:tgtEl>
+                                        <p:attrNameLst>
+                                          <p:attrName>style.visibility</p:attrName>
+                                        </p:attrNameLst>
+                                      </p:cBhvr>
+                                      <p:to>
+                                        <p:strVal val="visible"/>
+                                      </p:to>
+                                    </p:set>
+                                  </p:childTnLst>
+                                </p:cTn>
+                              </p:par>
+                            </p:childTnLst>
+                          </p:cTn>
+                        </p:par>
+                      </p:childTnLst>
+                    </p:cTn>
+                  </p:par>
+                  <p:par>
+                    <p:cTn id="7" fill="hold">
+                      <p:stCondLst>
+                        <p:cond delay="indefinite"/>
+                      </p:stCondLst>
+                      <p:childTnLst>
+                        <p:par>
+                          <p:cTn id="8" fill="hold">
+                            <p:stCondLst>
+                              <p:cond delay="0"/>
+                            </p:stCondLst>
+                            <p:childTnLst>
+                              <p:par>
+                                <p:cTn id="9" presetID="1" presetClass="entr" presetSubtype="0" fill="hold" nodeType="clickEffect">
+                                  <p:stCondLst>
+                                    <p:cond delay="0"/>
+                                  </p:stCondLst>
+                                  <p:childTnLst>
+                                    <p:set>
+                                      <p:cBhvr>
+                                        <p:cTn id="10" dur="1" fill="hold">
+                                          <p:stCondLst>
+                                            <p:cond delay="0"/>
+                                          </p:stCondLst>
+                                        </p:cTn>
+                                        <p:tgtEl>
+                                          <p:spTgt spid="11"/>
+                                        </p:tgtEl>
+                                        <p:attrNameLst>
+                                          <p:attrName>style.visibility</p:attrName>
+                                        </p:attrNameLst>
+                                      </p:cBhvr>
+                                      <p:to>
+                                        <p:strVal val="visible"/>
+                                      </p:to>
+                                    </p:set>
+                                  </p:childTnLst>
+                                </p:cTn>
+                              </p:par>
+                            </p:childTnLst>
+                          </p:cTn>
+                        </p:par>
+                      </p:childTnLst>
+                    </p:cTn>
+                  </p:par>
+                  <p:par>
+                    <p:cTn id="11" fill="hold">
+                      <p:stCondLst>
+                        <p:cond delay="indefinite"/>
+                      </p:stCondLst>
+                      <p:childTnLst>
+                        <p:par>
+                          <p:cTn id="12" fill="hold">
+                            <p:stCondLst>
+                              <p:cond delay="0"/>
+                            </p:stCondLst>
+                            <p:childTnLst>
+                              <p:par>
+                                <p:cTn id="13" presetID="9" presetClass="entr" presetSubtype="0" fill="hold" grpId="0" nodeType="clickEffect">
+                                  <p:stCondLst>
+                                    <p:cond delay="0"/>
+                                  </p:stCondLst>
+                                  <p:childTnLst>
+                                    <p:set>
+                                      <p:cBhvr>
+                                        <p:cTn id="14" dur="1" fill="hold">
+                                          <p:stCondLst>
+                                            <p:cond delay="0"/>
+                                          </p:stCondLst>
+                                        </p:cTn>
+                                        <p:tgtEl>
+                                          <p:spTgt spid="28"/>
+                                        </p:tgtEl>
+                                        <p:attrNameLst>
+                                          <p:attrName>style.visibility</p:attrName>
+                                        </p:attrNameLst>
+                                      </p:cBhvr>
+                                      <p:to>
+                                        <p:strVal val="visible"/>
+                                      </p:to>
+                                    </p:set>
+                                    <p:animEffect transition="in" filter="dissolve">
+                                      <p:cBhvr>
+                                        <p:cTn id="15" dur="500"/>
+                                        <p:tgtEl>
+                                          <p:spTgt spid="28"/>
+                                        </p:tgtEl>
+                                      </p:cBhvr>
+                                    </p:animEffect>
+                                  </p:childTnLst>
+                                </p:cTn>
+                              </p:par>
+                            </p:childTnLst>
+                          </p:cTn>
+                        </p:par>
+                      </p:childTnLst>
+                    </p:cTn>
+                  </p:par>
+                  <p:par>
+                    <p:cTn id="16" fill="hold">
+                      <p:stCondLst>
+                        <p:cond delay="indefinite"/>
+                      </p:stCondLst>
+                      <p:childTnLst>
+                        <p:par>
+                          <p:cTn id="17" fill="hold">
+                            <p:stCondLst>
+                              <p:cond delay="0"/>
+                            </p:stCondLst>
+                            <p:childTnLst>
+                              <p:par>
+                                <p:cTn id="18" presetID="1" presetClass="entr" presetSubtype="0" fill="hold" grpId="0" nodeType="clickEffect">
+                                  <p:stCondLst>
+                                    <p:cond delay="0"/>
+                                  </p:stCondLst>
+                                  <p:childTnLst>
+                                    <p:set>
+                                      <p:cBhvr>
+                                        <p:cTn id="19" dur="1" fill="hold">
+                                          <p:stCondLst>
+                                            <p:cond delay="0"/>
+                                          </p:stCondLst>
+                                        </p:cTn>
+                                        <p:tgtEl>
+                                          <p:spTgt spid="14"/>
+                                        </p:tgtEl>
+                                        <p:attrNameLst>
+                                          <p:attrName>style.visibility</p:attrName>
+                                        </p:attrNameLst>
+                                      </p:cBhvr>
+                                      <p:to>
+                                        <p:strVal val="visible"/>
+                                      </p:to>
+                                    </p:set>
+                                  </p:childTnLst>
+                                </p:cTn>
+                              </p:par>
+                            </p:childTnLst>
+                          </p:cTn>
+                        </p:par>
+                      </p:childTnLst>
+                    </p:cTn>
+                  </p:par>
+                </p:childTnLst>
+              </p:cTn>
+              <p:prevCondLst>
+                <p:cond evt="onPrev" delay="0">
+                  <p:tgtEl>
+                    <p:sldTgt/>
+                  </p:tgtEl>
+                </p:cond>
+              </p:prevCondLst>
+              <p:nextCondLst>
+                <p:cond evt="onNext" delay="0">
+                  <p:tgtEl>
+                    <p:sldTgt/>
+                  </p:tgtEl>
+                </p:cond>
+              </p:nextCondLst>
+            </p:seq>
+          </p:childTnLst>
+        </p:cTn>
       </p:par>
     </p:tnLst>
+    <p:bldLst>
+      <p:bldP spid="28" grpId="0" animBg="1"/>
+      <p:bldP spid="14" grpId="0"/>
+    </p:bldLst>
   </p:timing>
 </p:sld>
 </file>
@@ -9619,8 +10623,8 @@
           <a:lstStyle/>
           <a:p>
             <a:r>
-              <a:rPr lang="en-US" dirty="0" smtClean="0"/>
-              <a:t>API’s for patient related information</a:t>
+              <a:rPr lang="en-US" dirty="0"/>
+              <a:t>API’s containing patient related data</a:t>
             </a:r>
             <a:endParaRPr lang="en-US" dirty="0"/>
           </a:p>
@@ -9692,21 +10696,38 @@
               <a:t>E.g. username </a:t>
             </a:r>
             <a:r>
-              <a:rPr lang="en-US" smtClean="0"/>
+              <a:rPr lang="en-US" dirty="0" err="1" smtClean="0"/>
               <a:t>kallekula</a:t>
             </a:r>
+            <a:endParaRPr lang="en-US" dirty="0" smtClean="0"/>
           </a:p>
           <a:p>
             <a:pPr lvl="1"/>
             <a:r>
               <a:rPr lang="en-US" dirty="0" smtClean="0"/>
-              <a:t>But still authenticated against MVK while authorizing the client</a:t>
-            </a:r>
-          </a:p>
-          <a:p>
+              <a:t>But still </a:t>
+            </a:r>
             <a:r>
               <a:rPr lang="en-US" dirty="0" smtClean="0"/>
-              <a:t>Twitter, Facebook </a:t>
+              <a:t>authenticated as 20121212-1212 </a:t>
+            </a:r>
+            <a:r>
+              <a:rPr lang="en-US" dirty="0" smtClean="0"/>
+              <a:t>against MVK while authorizing the </a:t>
+            </a:r>
+            <a:r>
+              <a:rPr lang="en-US" dirty="0" smtClean="0"/>
+              <a:t>client</a:t>
+            </a:r>
+          </a:p>
+          <a:p>
+            <a:r>
+              <a:rPr lang="en-US" dirty="0" smtClean="0"/>
+              <a:t>Twitter</a:t>
+            </a:r>
+            <a:r>
+              <a:rPr lang="en-US" dirty="0" smtClean="0"/>
+              <a:t>, Facebook </a:t>
             </a:r>
             <a:r>
               <a:rPr lang="en-US" dirty="0" err="1" smtClean="0"/>
@@ -9804,8 +10825,9 @@
           <a:p>
             <a:r>
               <a:rPr lang="en-US" dirty="0"/>
-              <a:t>API’s for patient related information</a:t>
-            </a:r>
+              <a:t>API’s containing patient related data</a:t>
+            </a:r>
+            <a:endParaRPr lang="en-US" dirty="0"/>
           </a:p>
         </p:txBody>
       </p:sp>
@@ -10356,8 +11378,9 @@
           <a:p>
             <a:r>
               <a:rPr lang="en-US" dirty="0"/>
-              <a:t>API’s for patient related information</a:t>
-            </a:r>
+              <a:t>API’s containing patient related data</a:t>
+            </a:r>
+            <a:endParaRPr lang="en-US" dirty="0"/>
           </a:p>
         </p:txBody>
       </p:sp>
@@ -11744,8 +12767,21 @@
           <a:p>
             <a:r>
               <a:rPr lang="en-US" sz="1800" dirty="0" smtClean="0"/>
-              <a:t>API’s for patient related information</a:t>
-            </a:r>
+              <a:t>API’s </a:t>
+            </a:r>
+            <a:r>
+              <a:rPr lang="en-US" sz="1800" dirty="0" smtClean="0"/>
+              <a:t>containing patient </a:t>
+            </a:r>
+            <a:r>
+              <a:rPr lang="en-US" sz="1800" dirty="0" smtClean="0"/>
+              <a:t>related </a:t>
+            </a:r>
+            <a:r>
+              <a:rPr lang="en-US" sz="1800" dirty="0" smtClean="0"/>
+              <a:t>data</a:t>
+            </a:r>
+            <a:endParaRPr lang="en-US" sz="1800" dirty="0" smtClean="0"/>
           </a:p>
           <a:p>
             <a:pPr lvl="1"/>
@@ -11775,8 +12811,12 @@
           <a:p>
             <a:pPr lvl="1"/>
             <a:r>
+              <a:rPr lang="en-US" sz="1800" dirty="0" smtClean="0"/>
+              <a:t>Lab, </a:t>
+            </a:r>
+            <a:r>
               <a:rPr lang="en-US" sz="1800" dirty="0"/>
-              <a:t>Lab 4, build the app backend</a:t>
+              <a:t>build the app backend</a:t>
             </a:r>
           </a:p>
           <a:p>
@@ -11797,8 +12837,12 @@
           <a:p>
             <a:pPr lvl="1"/>
             <a:r>
+              <a:rPr lang="en-US" sz="1800" dirty="0" smtClean="0"/>
+              <a:t>Lab, </a:t>
+            </a:r>
+            <a:r>
               <a:rPr lang="en-US" sz="1800" dirty="0"/>
-              <a:t>Lab 5, Applying the app</a:t>
+              <a:t>Applying the app</a:t>
             </a:r>
           </a:p>
           <a:p>
@@ -12162,7 +13206,20 @@
               <a:rPr lang="en-US" dirty="0" smtClean="0">
                 <a:hlinkClick r:id="rId3"/>
               </a:rPr>
-              <a:t>SDK by VINNOVA</a:t>
+              <a:t>SDK by </a:t>
+            </a:r>
+            <a:r>
+              <a:rPr lang="en-US" dirty="0" smtClean="0">
+                <a:hlinkClick r:id="rId3"/>
+              </a:rPr>
+              <a:t>VINNOVA</a:t>
+            </a:r>
+            <a:endParaRPr lang="en-US" dirty="0" smtClean="0"/>
+          </a:p>
+          <a:p>
+            <a:r>
+              <a:rPr lang="en-US" dirty="0" smtClean="0"/>
+              <a:t>Background</a:t>
             </a:r>
             <a:endParaRPr lang="en-US" dirty="0" smtClean="0"/>
           </a:p>
@@ -12306,7 +13363,7 @@
           <a:p>
             <a:r>
               <a:rPr lang="en-US" dirty="0" smtClean="0"/>
-              <a:t>Background</a:t>
+              <a:t>API’s</a:t>
             </a:r>
             <a:endParaRPr lang="en-US" dirty="0"/>
           </a:p>
@@ -12327,10 +13384,10 @@
           <a:bodyPr/>
           <a:lstStyle/>
           <a:p>
-            <a:r>
-              <a:rPr lang="en-US" dirty="0" smtClean="0"/>
-              <a:t>Background</a:t>
-            </a:r>
+            <a:pPr marL="457200" lvl="1" indent="0">
+              <a:buNone/>
+            </a:pPr>
+            <a:endParaRPr lang="en-US" dirty="0" smtClean="0"/>
           </a:p>
         </p:txBody>
       </p:sp>
@@ -12393,10 +13450,40 @@
           </a:prstGeom>
         </p:spPr>
       </p:pic>
+      <p:pic>
+        <p:nvPicPr>
+          <p:cNvPr id="8" name="Picture 7" descr="Screen Shot 2013-01-03 at 18.57.17.gif"/>
+          <p:cNvPicPr>
+            <a:picLocks noChangeAspect="1"/>
+          </p:cNvPicPr>
+          <p:nvPr/>
+        </p:nvPicPr>
+        <p:blipFill>
+          <a:blip r:embed="rId4">
+            <a:extLst>
+              <a:ext uri="{28A0092B-C50C-407E-A947-70E740481C1C}">
+                <a14:useLocalDpi xmlns:a14="http://schemas.microsoft.com/office/drawing/2010/main" val="0"/>
+              </a:ext>
+            </a:extLst>
+          </a:blip>
+          <a:stretch>
+            <a:fillRect/>
+          </a:stretch>
+        </p:blipFill>
+        <p:spPr>
+          <a:xfrm>
+            <a:off x="1616981" y="1694919"/>
+            <a:ext cx="5855062" cy="2940581"/>
+          </a:xfrm>
+          <a:prstGeom prst="rect">
+            <a:avLst/>
+          </a:prstGeom>
+        </p:spPr>
+      </p:pic>
     </p:spTree>
     <p:extLst>
       <p:ext uri="{BB962C8B-B14F-4D97-AF65-F5344CB8AC3E}">
-        <p14:creationId xmlns:p14="http://schemas.microsoft.com/office/powerpoint/2010/main" val="1594419933"/>
+        <p14:creationId xmlns:p14="http://schemas.microsoft.com/office/powerpoint/2010/main" val="786419873"/>
       </p:ext>
     </p:extLst>
   </p:cSld>
@@ -12493,10 +13580,10 @@
           <a:bodyPr/>
           <a:lstStyle/>
           <a:p>
-            <a:r>
-              <a:rPr lang="en-US" dirty="0" smtClean="0"/>
-              <a:t>API’s</a:t>
-            </a:r>
+            <a:pPr marL="457200" lvl="1" indent="0">
+              <a:buNone/>
+            </a:pPr>
+            <a:endParaRPr lang="en-US" dirty="0" smtClean="0"/>
           </a:p>
         </p:txBody>
       </p:sp>
@@ -12559,10 +13646,42 @@
           </a:prstGeom>
         </p:spPr>
       </p:pic>
+      <p:pic>
+        <p:nvPicPr>
+          <p:cNvPr id="7" name="Picture 6" descr="Screen Shot 2013-01-03 at 18.57.17 2.gif">
+            <a:hlinkClick r:id="rId4"/>
+          </p:cNvPr>
+          <p:cNvPicPr>
+            <a:picLocks noChangeAspect="1"/>
+          </p:cNvPicPr>
+          <p:nvPr/>
+        </p:nvPicPr>
+        <p:blipFill>
+          <a:blip r:embed="rId5">
+            <a:extLst>
+              <a:ext uri="{28A0092B-C50C-407E-A947-70E740481C1C}">
+                <a14:useLocalDpi xmlns:a14="http://schemas.microsoft.com/office/drawing/2010/main" val="0"/>
+              </a:ext>
+            </a:extLst>
+          </a:blip>
+          <a:stretch>
+            <a:fillRect/>
+          </a:stretch>
+        </p:blipFill>
+        <p:spPr>
+          <a:xfrm>
+            <a:off x="1617133" y="1722941"/>
+            <a:ext cx="5672667" cy="3063577"/>
+          </a:xfrm>
+          <a:prstGeom prst="rect">
+            <a:avLst/>
+          </a:prstGeom>
+        </p:spPr>
+      </p:pic>
     </p:spTree>
     <p:extLst>
       <p:ext uri="{BB962C8B-B14F-4D97-AF65-F5344CB8AC3E}">
-        <p14:creationId xmlns:p14="http://schemas.microsoft.com/office/powerpoint/2010/main" val="786419873"/>
+        <p14:creationId xmlns:p14="http://schemas.microsoft.com/office/powerpoint/2010/main" val="1057031842"/>
       </p:ext>
     </p:extLst>
   </p:cSld>

--- a/Cadec-vårdens-apier.pptx
+++ b/Cadec-vårdens-apier.pptx
@@ -5,10 +5,10 @@
     <p:sldMasterId id="2147483648" r:id="rId1"/>
   </p:sldMasterIdLst>
   <p:notesMasterIdLst>
-    <p:notesMasterId r:id="rId24"/>
+    <p:notesMasterId r:id="rId25"/>
   </p:notesMasterIdLst>
   <p:handoutMasterIdLst>
-    <p:handoutMasterId r:id="rId25"/>
+    <p:handoutMasterId r:id="rId26"/>
   </p:handoutMasterIdLst>
   <p:sldIdLst>
     <p:sldId id="256" r:id="rId2"/>
@@ -28,11 +28,12 @@
     <p:sldId id="272" r:id="rId16"/>
     <p:sldId id="273" r:id="rId17"/>
     <p:sldId id="267" r:id="rId18"/>
-    <p:sldId id="275" r:id="rId19"/>
-    <p:sldId id="269" r:id="rId20"/>
-    <p:sldId id="271" r:id="rId21"/>
-    <p:sldId id="270" r:id="rId22"/>
-    <p:sldId id="274" r:id="rId23"/>
+    <p:sldId id="283" r:id="rId19"/>
+    <p:sldId id="275" r:id="rId20"/>
+    <p:sldId id="269" r:id="rId21"/>
+    <p:sldId id="271" r:id="rId22"/>
+    <p:sldId id="270" r:id="rId23"/>
+    <p:sldId id="274" r:id="rId24"/>
   </p:sldIdLst>
   <p:sldSz cx="9144000" cy="6858000" type="screen4x3"/>
   <p:notesSz cx="6858000" cy="9144000"/>
@@ -11543,20 +11544,14 @@
         </p:nvSpPr>
         <p:spPr/>
         <p:txBody>
-          <a:bodyPr/>
+          <a:bodyPr>
+            <a:normAutofit fontScale="90000"/>
+          </a:bodyPr>
           <a:lstStyle/>
           <a:p>
             <a:r>
-              <a:rPr lang="en-US" dirty="0" smtClean="0"/>
-              <a:t>Simple </a:t>
-            </a:r>
-            <a:r>
-              <a:rPr lang="en-US" dirty="0" err="1" smtClean="0"/>
-              <a:t>OAuth</a:t>
-            </a:r>
-            <a:r>
-              <a:rPr lang="en-US" dirty="0" smtClean="0"/>
-              <a:t> 2.0 API Client</a:t>
+              <a:rPr lang="en-US" dirty="0"/>
+              <a:t>API’s containing patient related data</a:t>
             </a:r>
             <a:endParaRPr lang="en-US" dirty="0"/>
           </a:p>
@@ -11581,7 +11576,11 @@
           <a:p>
             <a:r>
               <a:rPr lang="en-US" dirty="0" smtClean="0"/>
-              <a:t>Exercise 3</a:t>
+              <a:t>Exercise </a:t>
+            </a:r>
+            <a:r>
+              <a:rPr lang="en-US" dirty="0" smtClean="0"/>
+              <a:t>2</a:t>
             </a:r>
             <a:endParaRPr lang="en-US" dirty="0"/>
           </a:p>
@@ -11606,17 +11605,18 @@
               <a:buNone/>
             </a:pPr>
             <a:r>
+              <a:rPr lang="en-US" dirty="0"/>
+              <a:t>Use Curl to make http requests against </a:t>
+            </a:r>
+            <a:r>
               <a:rPr lang="en-US" dirty="0" smtClean="0"/>
-              <a:t>Get familiar with </a:t>
-            </a:r>
-            <a:r>
-              <a:rPr lang="en-US" dirty="0" err="1" smtClean="0"/>
-              <a:t>OAuth</a:t>
+              <a:t>API</a:t>
             </a:r>
             <a:r>
               <a:rPr lang="en-US" dirty="0" smtClean="0"/>
-              <a:t> 2.0 and SDK by using a simple client letting the user authorize access.</a:t>
-            </a:r>
+              <a:t>´s containing patient related data.</a:t>
+            </a:r>
+            <a:endParaRPr lang="en-US" dirty="0"/>
           </a:p>
         </p:txBody>
       </p:sp>
@@ -11702,8 +11702,16 @@
           <a:lstStyle/>
           <a:p>
             <a:r>
+              <a:rPr lang="en-US" dirty="0" smtClean="0"/>
+              <a:t>Simple </a:t>
+            </a:r>
+            <a:r>
               <a:rPr lang="en-US" dirty="0" err="1" smtClean="0"/>
-              <a:t>Kaffe</a:t>
+              <a:t>OAuth</a:t>
+            </a:r>
+            <a:r>
+              <a:rPr lang="en-US" dirty="0" smtClean="0"/>
+              <a:t> 2.0 API Client</a:t>
             </a:r>
             <a:endParaRPr lang="en-US" dirty="0"/>
           </a:p>
@@ -11726,7 +11734,11 @@
           </a:bodyPr>
           <a:lstStyle/>
           <a:p>
-            <a:endParaRPr lang="en-US"/>
+            <a:r>
+              <a:rPr lang="en-US" dirty="0" smtClean="0"/>
+              <a:t>Exercise 3</a:t>
+            </a:r>
+            <a:endParaRPr lang="en-US" dirty="0"/>
           </a:p>
         </p:txBody>
       </p:sp>
@@ -11745,7 +11757,21 @@
           <a:bodyPr/>
           <a:lstStyle/>
           <a:p>
-            <a:endParaRPr lang="en-US" dirty="0"/>
+            <a:pPr marL="0" indent="0">
+              <a:buNone/>
+            </a:pPr>
+            <a:r>
+              <a:rPr lang="en-US" dirty="0" smtClean="0"/>
+              <a:t>Get familiar with </a:t>
+            </a:r>
+            <a:r>
+              <a:rPr lang="en-US" dirty="0" err="1" smtClean="0"/>
+              <a:t>OAuth</a:t>
+            </a:r>
+            <a:r>
+              <a:rPr lang="en-US" dirty="0" smtClean="0"/>
+              <a:t> 2.0 and SDK by using a simple client letting the user authorize access.</a:t>
+            </a:r>
           </a:p>
         </p:txBody>
       </p:sp>
@@ -11773,6 +11799,135 @@
                 <a:defRPr/>
               </a:pPr>
               <a:t>18</a:t>
+            </a:fld>
+            <a:endParaRPr lang="sv-SE"/>
+          </a:p>
+        </p:txBody>
+      </p:sp>
+    </p:spTree>
+    <p:extLst>
+      <p:ext uri="{BB962C8B-B14F-4D97-AF65-F5344CB8AC3E}">
+        <p14:creationId xmlns:p14="http://schemas.microsoft.com/office/powerpoint/2010/main" val="873325611"/>
+      </p:ext>
+    </p:extLst>
+  </p:cSld>
+  <p:clrMapOvr>
+    <a:masterClrMapping/>
+  </p:clrMapOvr>
+  <p:timing>
+    <p:tnLst>
+      <p:par>
+        <p:cTn xmlns:p14="http://schemas.microsoft.com/office/powerpoint/2010/main" id="1" dur="indefinite" restart="never" nodeType="tmRoot"/>
+      </p:par>
+    </p:tnLst>
+  </p:timing>
+</p:sld>
+</file>
+
+<file path=ppt/slides/slide19.xml><?xml version="1.0" encoding="utf-8"?>
+<p:sld xmlns:a="http://schemas.openxmlformats.org/drawingml/2006/main" xmlns:r="http://schemas.openxmlformats.org/officeDocument/2006/relationships" xmlns:p="http://schemas.openxmlformats.org/presentationml/2006/main">
+  <p:cSld>
+    <p:spTree>
+      <p:nvGrpSpPr>
+        <p:cNvPr id="1" name=""/>
+        <p:cNvGrpSpPr/>
+        <p:nvPr/>
+      </p:nvGrpSpPr>
+      <p:grpSpPr>
+        <a:xfrm>
+          <a:off x="0" y="0"/>
+          <a:ext cx="0" cy="0"/>
+          <a:chOff x="0" y="0"/>
+          <a:chExt cx="0" cy="0"/>
+        </a:xfrm>
+      </p:grpSpPr>
+      <p:sp>
+        <p:nvSpPr>
+          <p:cNvPr id="2" name="Title 1"/>
+          <p:cNvSpPr>
+            <a:spLocks noGrp="1"/>
+          </p:cNvSpPr>
+          <p:nvPr>
+            <p:ph type="ctrTitle"/>
+          </p:nvPr>
+        </p:nvSpPr>
+        <p:spPr/>
+        <p:txBody>
+          <a:bodyPr/>
+          <a:lstStyle/>
+          <a:p>
+            <a:r>
+              <a:rPr lang="en-US" dirty="0" err="1" smtClean="0"/>
+              <a:t>Kaffe</a:t>
+            </a:r>
+            <a:endParaRPr lang="en-US" dirty="0"/>
+          </a:p>
+        </p:txBody>
+      </p:sp>
+      <p:sp>
+        <p:nvSpPr>
+          <p:cNvPr id="3" name="Subtitle 2"/>
+          <p:cNvSpPr>
+            <a:spLocks noGrp="1"/>
+          </p:cNvSpPr>
+          <p:nvPr>
+            <p:ph type="subTitle" idx="1"/>
+          </p:nvPr>
+        </p:nvSpPr>
+        <p:spPr/>
+        <p:txBody>
+          <a:bodyPr>
+            <a:normAutofit fontScale="92500" lnSpcReduction="10000"/>
+          </a:bodyPr>
+          <a:lstStyle/>
+          <a:p>
+            <a:endParaRPr lang="en-US"/>
+          </a:p>
+        </p:txBody>
+      </p:sp>
+      <p:sp>
+        <p:nvSpPr>
+          <p:cNvPr id="4" name="Text Placeholder 3"/>
+          <p:cNvSpPr>
+            <a:spLocks noGrp="1"/>
+          </p:cNvSpPr>
+          <p:nvPr>
+            <p:ph type="body" sz="quarter" idx="13"/>
+          </p:nvPr>
+        </p:nvSpPr>
+        <p:spPr/>
+        <p:txBody>
+          <a:bodyPr/>
+          <a:lstStyle/>
+          <a:p>
+            <a:endParaRPr lang="en-US" dirty="0"/>
+          </a:p>
+        </p:txBody>
+      </p:sp>
+      <p:sp>
+        <p:nvSpPr>
+          <p:cNvPr id="5" name="Slide Number Placeholder 4"/>
+          <p:cNvSpPr>
+            <a:spLocks noGrp="1"/>
+          </p:cNvSpPr>
+          <p:nvPr>
+            <p:ph type="sldNum" sz="quarter" idx="14"/>
+          </p:nvPr>
+        </p:nvSpPr>
+        <p:spPr/>
+        <p:txBody>
+          <a:bodyPr/>
+          <a:lstStyle/>
+          <a:p>
+            <a:pPr>
+              <a:defRPr/>
+            </a:pPr>
+            <a:fld id="{4AA01602-B999-AA4E-80A6-B21CED3A9C3C}" type="slidenum">
+              <a:rPr lang="sv-SE" smtClean="0"/>
+              <a:pPr>
+                <a:defRPr/>
+              </a:pPr>
+              <a:t>19</a:t>
             </a:fld>
             <a:endParaRPr lang="sv-SE"/>
           </a:p>
@@ -11828,159 +11983,6 @@
 </p:sld>
 </file>
 
-<file path=ppt/slides/slide19.xml><?xml version="1.0" encoding="utf-8"?>
-<p:sld xmlns:a="http://schemas.openxmlformats.org/drawingml/2006/main" xmlns:r="http://schemas.openxmlformats.org/officeDocument/2006/relationships" xmlns:p="http://schemas.openxmlformats.org/presentationml/2006/main">
-  <p:cSld>
-    <p:spTree>
-      <p:nvGrpSpPr>
-        <p:cNvPr id="1" name=""/>
-        <p:cNvGrpSpPr/>
-        <p:nvPr/>
-      </p:nvGrpSpPr>
-      <p:grpSpPr>
-        <a:xfrm>
-          <a:off x="0" y="0"/>
-          <a:ext cx="0" cy="0"/>
-          <a:chOff x="0" y="0"/>
-          <a:chExt cx="0" cy="0"/>
-        </a:xfrm>
-      </p:grpSpPr>
-      <p:sp>
-        <p:nvSpPr>
-          <p:cNvPr id="2" name="Title 1"/>
-          <p:cNvSpPr>
-            <a:spLocks noGrp="1"/>
-          </p:cNvSpPr>
-          <p:nvPr>
-            <p:ph type="ctrTitle"/>
-          </p:nvPr>
-        </p:nvSpPr>
-        <p:spPr/>
-        <p:txBody>
-          <a:bodyPr/>
-          <a:lstStyle/>
-          <a:p>
-            <a:r>
-              <a:rPr lang="en-US" dirty="0" smtClean="0"/>
-              <a:t>Backend</a:t>
-            </a:r>
-            <a:endParaRPr lang="en-US" dirty="0"/>
-          </a:p>
-        </p:txBody>
-      </p:sp>
-      <p:sp>
-        <p:nvSpPr>
-          <p:cNvPr id="3" name="Subtitle 2"/>
-          <p:cNvSpPr>
-            <a:spLocks noGrp="1"/>
-          </p:cNvSpPr>
-          <p:nvPr>
-            <p:ph type="subTitle" idx="1"/>
-          </p:nvPr>
-        </p:nvSpPr>
-        <p:spPr/>
-        <p:txBody>
-          <a:bodyPr>
-            <a:normAutofit fontScale="92500" lnSpcReduction="10000"/>
-          </a:bodyPr>
-          <a:lstStyle/>
-          <a:p>
-            <a:r>
-              <a:rPr lang="en-US" dirty="0" smtClean="0"/>
-              <a:t>Exercise </a:t>
-            </a:r>
-            <a:r>
-              <a:rPr lang="en-US" dirty="0"/>
-              <a:t>4</a:t>
-            </a:r>
-          </a:p>
-        </p:txBody>
-      </p:sp>
-      <p:sp>
-        <p:nvSpPr>
-          <p:cNvPr id="4" name="Text Placeholder 3"/>
-          <p:cNvSpPr>
-            <a:spLocks noGrp="1"/>
-          </p:cNvSpPr>
-          <p:nvPr>
-            <p:ph type="body" sz="quarter" idx="13"/>
-          </p:nvPr>
-        </p:nvSpPr>
-        <p:spPr/>
-        <p:txBody>
-          <a:bodyPr/>
-          <a:lstStyle/>
-          <a:p>
-            <a:pPr marL="0" indent="0">
-              <a:buNone/>
-            </a:pPr>
-            <a:r>
-              <a:rPr lang="en-US" dirty="0" smtClean="0"/>
-              <a:t>Build the app backend to handle the </a:t>
-            </a:r>
-            <a:r>
-              <a:rPr lang="en-US" dirty="0" err="1" smtClean="0"/>
-              <a:t>OAuth</a:t>
-            </a:r>
-            <a:r>
-              <a:rPr lang="en-US" dirty="0" smtClean="0"/>
-              <a:t> 2.0 integration with SDK and to provide an API for the app. </a:t>
-            </a:r>
-          </a:p>
-          <a:p>
-            <a:endParaRPr lang="en-US" dirty="0" smtClean="0"/>
-          </a:p>
-        </p:txBody>
-      </p:sp>
-      <p:sp>
-        <p:nvSpPr>
-          <p:cNvPr id="5" name="Slide Number Placeholder 4"/>
-          <p:cNvSpPr>
-            <a:spLocks noGrp="1"/>
-          </p:cNvSpPr>
-          <p:nvPr>
-            <p:ph type="sldNum" sz="quarter" idx="14"/>
-          </p:nvPr>
-        </p:nvSpPr>
-        <p:spPr/>
-        <p:txBody>
-          <a:bodyPr/>
-          <a:lstStyle/>
-          <a:p>
-            <a:pPr>
-              <a:defRPr/>
-            </a:pPr>
-            <a:fld id="{4AA01602-B999-AA4E-80A6-B21CED3A9C3C}" type="slidenum">
-              <a:rPr lang="sv-SE" smtClean="0"/>
-              <a:pPr>
-                <a:defRPr/>
-              </a:pPr>
-              <a:t>19</a:t>
-            </a:fld>
-            <a:endParaRPr lang="sv-SE"/>
-          </a:p>
-        </p:txBody>
-      </p:sp>
-    </p:spTree>
-    <p:extLst>
-      <p:ext uri="{BB962C8B-B14F-4D97-AF65-F5344CB8AC3E}">
-        <p14:creationId xmlns:p14="http://schemas.microsoft.com/office/powerpoint/2010/main" val="3668199394"/>
-      </p:ext>
-    </p:extLst>
-  </p:cSld>
-  <p:clrMapOvr>
-    <a:masterClrMapping/>
-  </p:clrMapOvr>
-  <p:timing>
-    <p:tnLst>
-      <p:par>
-        <p:cTn xmlns:p14="http://schemas.microsoft.com/office/powerpoint/2010/main" id="1" dur="indefinite" restart="never" nodeType="tmRoot"/>
-      </p:par>
-    </p:tnLst>
-  </p:timing>
-</p:sld>
-</file>
-
 <file path=ppt/slides/slide2.xml><?xml version="1.0" encoding="utf-8"?>
 <p:sld xmlns:a="http://schemas.openxmlformats.org/drawingml/2006/main" xmlns:r="http://schemas.openxmlformats.org/officeDocument/2006/relationships" xmlns:p="http://schemas.openxmlformats.org/presentationml/2006/main">
   <p:cSld>
@@ -12154,7 +12156,7 @@
           <a:p>
             <a:r>
               <a:rPr lang="en-US" dirty="0" smtClean="0"/>
-              <a:t>Frontend</a:t>
+              <a:t>Backend</a:t>
             </a:r>
             <a:endParaRPr lang="en-US" dirty="0"/>
           </a:p>
@@ -12177,7 +12179,14 @@
           </a:bodyPr>
           <a:lstStyle/>
           <a:p>
-            <a:endParaRPr lang="en-US" dirty="0"/>
+            <a:r>
+              <a:rPr lang="en-US" dirty="0" smtClean="0"/>
+              <a:t>Exercise </a:t>
+            </a:r>
+            <a:r>
+              <a:rPr lang="en-US" dirty="0"/>
+              <a:t>4</a:t>
+            </a:r>
           </a:p>
         </p:txBody>
       </p:sp>
@@ -12201,20 +12210,19 @@
             </a:pPr>
             <a:r>
               <a:rPr lang="en-US" dirty="0" smtClean="0"/>
-              <a:t>Frontend technologies</a:t>
-            </a:r>
-          </a:p>
-          <a:p>
+              <a:t>Build the app backend to handle the </a:t>
+            </a:r>
+            <a:r>
+              <a:rPr lang="en-US" dirty="0" err="1" smtClean="0"/>
+              <a:t>OAuth</a:t>
+            </a:r>
             <a:r>
               <a:rPr lang="en-US" dirty="0" smtClean="0"/>
-              <a:t>What’s happening on the frontend</a:t>
-            </a:r>
-          </a:p>
-          <a:p>
-            <a:r>
-              <a:rPr lang="en-US" dirty="0" smtClean="0"/>
-              <a:t>Short intro to Backbone</a:t>
-            </a:r>
+              <a:t> 2.0 integration with SDK and to provide an API for the app. </a:t>
+            </a:r>
+          </a:p>
+          <a:p>
+            <a:endParaRPr lang="en-US" dirty="0" smtClean="0"/>
           </a:p>
         </p:txBody>
       </p:sp>
@@ -12250,7 +12258,7 @@
     </p:spTree>
     <p:extLst>
       <p:ext uri="{BB962C8B-B14F-4D97-AF65-F5344CB8AC3E}">
-        <p14:creationId xmlns:p14="http://schemas.microsoft.com/office/powerpoint/2010/main" val="3753766513"/>
+        <p14:creationId xmlns:p14="http://schemas.microsoft.com/office/powerpoint/2010/main" val="3668199394"/>
       </p:ext>
     </p:extLst>
   </p:cSld>
@@ -12324,14 +12332,7 @@
           </a:bodyPr>
           <a:lstStyle/>
           <a:p>
-            <a:r>
-              <a:rPr lang="en-US" dirty="0" smtClean="0"/>
-              <a:t>Exercise </a:t>
-            </a:r>
-            <a:r>
-              <a:rPr lang="en-US" dirty="0"/>
-              <a:t>5</a:t>
-            </a:r>
+            <a:endParaRPr lang="en-US" dirty="0"/>
           </a:p>
         </p:txBody>
       </p:sp>
@@ -12355,17 +12356,20 @@
             </a:pPr>
             <a:r>
               <a:rPr lang="en-US" dirty="0" smtClean="0"/>
-              <a:t>Build a simple client that use the API provided by the backend. </a:t>
+              <a:t>Frontend technologies</a:t>
             </a:r>
           </a:p>
           <a:p>
             <a:r>
               <a:rPr lang="en-US" dirty="0" smtClean="0"/>
-              <a:t>Login user to create a session</a:t>
-            </a:r>
-          </a:p>
-          <a:p>
-            <a:endParaRPr lang="en-US" dirty="0" smtClean="0"/>
+              <a:t>What’s happening on the frontend</a:t>
+            </a:r>
+          </a:p>
+          <a:p>
+            <a:r>
+              <a:rPr lang="en-US" dirty="0" smtClean="0"/>
+              <a:t>Short intro to Backbone</a:t>
+            </a:r>
           </a:p>
         </p:txBody>
       </p:sp>
@@ -12401,7 +12405,7 @@
     </p:spTree>
     <p:extLst>
       <p:ext uri="{BB962C8B-B14F-4D97-AF65-F5344CB8AC3E}">
-        <p14:creationId xmlns:p14="http://schemas.microsoft.com/office/powerpoint/2010/main" val="3598812586"/>
+        <p14:creationId xmlns:p14="http://schemas.microsoft.com/office/powerpoint/2010/main" val="3753766513"/>
       </p:ext>
     </p:extLst>
   </p:cSld>
@@ -12452,7 +12456,7 @@
           <a:p>
             <a:r>
               <a:rPr lang="en-US" dirty="0" smtClean="0"/>
-              <a:t>Links</a:t>
+              <a:t>Frontend</a:t>
             </a:r>
             <a:endParaRPr lang="en-US" dirty="0"/>
           </a:p>
@@ -12475,7 +12479,14 @@
           </a:bodyPr>
           <a:lstStyle/>
           <a:p>
-            <a:endParaRPr lang="en-US"/>
+            <a:r>
+              <a:rPr lang="en-US" dirty="0" smtClean="0"/>
+              <a:t>Exercise </a:t>
+            </a:r>
+            <a:r>
+              <a:rPr lang="en-US" dirty="0"/>
+              <a:t>5</a:t>
+            </a:r>
           </a:p>
         </p:txBody>
       </p:sp>
@@ -12497,137 +12508,19 @@
             <a:pPr marL="0" indent="0">
               <a:buNone/>
             </a:pPr>
-            <a:endParaRPr lang="en-US" sz="1800" dirty="0" smtClean="0">
-              <a:hlinkClick r:id="rId2"/>
-            </a:endParaRPr>
-          </a:p>
-          <a:p>
-            <a:pPr marL="0" indent="0">
-              <a:buNone/>
-            </a:pPr>
-            <a:r>
-              <a:rPr lang="en-US" sz="1800" dirty="0"/>
-              <a:t>http://</a:t>
-            </a:r>
-            <a:r>
-              <a:rPr lang="en-US" sz="1800" dirty="0" err="1"/>
-              <a:t>www.vinnova.se</a:t>
-            </a:r>
-            <a:r>
-              <a:rPr lang="en-US" sz="1800" dirty="0" smtClean="0"/>
-              <a:t>/</a:t>
-            </a:r>
-            <a:endParaRPr lang="en-US" sz="1800" dirty="0" smtClean="0">
-              <a:hlinkClick r:id="rId2"/>
-            </a:endParaRPr>
-          </a:p>
-          <a:p>
-            <a:pPr marL="0" indent="0">
-              <a:buNone/>
-            </a:pPr>
-            <a:r>
-              <a:rPr lang="en-US" sz="1800" dirty="0">
-                <a:hlinkClick r:id="rId2"/>
-              </a:rPr>
-              <a:t>http://sdk.minavardkontakter.se</a:t>
-            </a:r>
-            <a:r>
-              <a:rPr lang="en-US" sz="1800" dirty="0" smtClean="0">
-                <a:hlinkClick r:id="rId2"/>
-              </a:rPr>
-              <a:t>/</a:t>
-            </a:r>
-          </a:p>
-          <a:p>
-            <a:pPr marL="0" indent="0">
-              <a:buNone/>
-            </a:pPr>
-            <a:r>
-              <a:rPr lang="en-US" sz="1800" dirty="0">
-                <a:hlinkClick r:id="rId2"/>
-              </a:rPr>
-              <a:t>http://oauth.net/2</a:t>
-            </a:r>
-            <a:r>
-              <a:rPr lang="en-US" sz="1800" dirty="0" smtClean="0">
-                <a:hlinkClick r:id="rId2"/>
-              </a:rPr>
-              <a:t>/</a:t>
-            </a:r>
-          </a:p>
-          <a:p>
-            <a:pPr marL="0" indent="0">
-              <a:buNone/>
-            </a:pPr>
-            <a:r>
-              <a:rPr lang="en-US" sz="1800" dirty="0">
-                <a:hlinkClick r:id="rId2"/>
-              </a:rPr>
-              <a:t>http://tools.ietf.org/html/draft-ietf-oauth-v2-31</a:t>
-            </a:r>
-            <a:endParaRPr lang="en-US" sz="1800" dirty="0" smtClean="0">
-              <a:hlinkClick r:id="rId2"/>
-            </a:endParaRPr>
-          </a:p>
-          <a:p>
-            <a:pPr marL="0" indent="0">
-              <a:buNone/>
-            </a:pPr>
-            <a:r>
-              <a:rPr lang="en-US" sz="1800" dirty="0" smtClean="0">
-                <a:hlinkClick r:id="rId2"/>
-              </a:rPr>
-              <a:t>https</a:t>
-            </a:r>
-            <a:r>
-              <a:rPr lang="en-US" sz="1800" dirty="0">
-                <a:hlinkClick r:id="rId2"/>
-              </a:rPr>
-              <a:t>://developers.google.com/accounts/docs/</a:t>
-            </a:r>
-            <a:r>
-              <a:rPr lang="en-US" sz="1800" dirty="0" smtClean="0">
-                <a:hlinkClick r:id="rId2"/>
-              </a:rPr>
-              <a:t>OAuth2</a:t>
-            </a:r>
-            <a:endParaRPr lang="en-US" sz="1800" dirty="0" smtClean="0"/>
-          </a:p>
-          <a:p>
-            <a:pPr marL="0" indent="0">
-              <a:buNone/>
-            </a:pPr>
-            <a:r>
-              <a:rPr lang="en-US" sz="1800" dirty="0">
-                <a:hlinkClick r:id="rId3"/>
-              </a:rPr>
-              <a:t>https://developers.facebook.com/docs/reference/dialogs/oauth</a:t>
-            </a:r>
-            <a:r>
-              <a:rPr lang="en-US" sz="1800" dirty="0" smtClean="0">
-                <a:hlinkClick r:id="rId3"/>
-              </a:rPr>
-              <a:t>/</a:t>
-            </a:r>
-            <a:endParaRPr lang="en-US" sz="1800" dirty="0" smtClean="0"/>
-          </a:p>
-          <a:p>
-            <a:pPr marL="0" indent="0">
-              <a:buNone/>
-            </a:pPr>
-            <a:endParaRPr lang="en-US" sz="1800" dirty="0" smtClean="0"/>
-          </a:p>
-          <a:p>
-            <a:pPr marL="0" indent="0">
-              <a:buNone/>
-            </a:pPr>
-            <a:endParaRPr lang="en-US" sz="1800" dirty="0"/>
-          </a:p>
-          <a:p>
-            <a:pPr marL="0" indent="0">
-              <a:buNone/>
-            </a:pPr>
-            <a:endParaRPr lang="en-US" sz="1800" dirty="0"/>
+            <a:r>
+              <a:rPr lang="en-US" dirty="0" smtClean="0"/>
+              <a:t>Build a simple client that use the API provided by the backend. </a:t>
+            </a:r>
+          </a:p>
+          <a:p>
+            <a:r>
+              <a:rPr lang="en-US" dirty="0" smtClean="0"/>
+              <a:t>Login user to create a session</a:t>
+            </a:r>
+          </a:p>
+          <a:p>
+            <a:endParaRPr lang="en-US" dirty="0" smtClean="0"/>
           </a:p>
         </p:txBody>
       </p:sp>
@@ -12655,6 +12548,268 @@
                 <a:defRPr/>
               </a:pPr>
               <a:t>22</a:t>
+            </a:fld>
+            <a:endParaRPr lang="sv-SE"/>
+          </a:p>
+        </p:txBody>
+      </p:sp>
+    </p:spTree>
+    <p:extLst>
+      <p:ext uri="{BB962C8B-B14F-4D97-AF65-F5344CB8AC3E}">
+        <p14:creationId xmlns:p14="http://schemas.microsoft.com/office/powerpoint/2010/main" val="3598812586"/>
+      </p:ext>
+    </p:extLst>
+  </p:cSld>
+  <p:clrMapOvr>
+    <a:masterClrMapping/>
+  </p:clrMapOvr>
+  <p:timing>
+    <p:tnLst>
+      <p:par>
+        <p:cTn xmlns:p14="http://schemas.microsoft.com/office/powerpoint/2010/main" id="1" dur="indefinite" restart="never" nodeType="tmRoot"/>
+      </p:par>
+    </p:tnLst>
+  </p:timing>
+</p:sld>
+</file>
+
+<file path=ppt/slides/slide23.xml><?xml version="1.0" encoding="utf-8"?>
+<p:sld xmlns:a="http://schemas.openxmlformats.org/drawingml/2006/main" xmlns:r="http://schemas.openxmlformats.org/officeDocument/2006/relationships" xmlns:p="http://schemas.openxmlformats.org/presentationml/2006/main">
+  <p:cSld>
+    <p:spTree>
+      <p:nvGrpSpPr>
+        <p:cNvPr id="1" name=""/>
+        <p:cNvGrpSpPr/>
+        <p:nvPr/>
+      </p:nvGrpSpPr>
+      <p:grpSpPr>
+        <a:xfrm>
+          <a:off x="0" y="0"/>
+          <a:ext cx="0" cy="0"/>
+          <a:chOff x="0" y="0"/>
+          <a:chExt cx="0" cy="0"/>
+        </a:xfrm>
+      </p:grpSpPr>
+      <p:sp>
+        <p:nvSpPr>
+          <p:cNvPr id="2" name="Title 1"/>
+          <p:cNvSpPr>
+            <a:spLocks noGrp="1"/>
+          </p:cNvSpPr>
+          <p:nvPr>
+            <p:ph type="ctrTitle"/>
+          </p:nvPr>
+        </p:nvSpPr>
+        <p:spPr/>
+        <p:txBody>
+          <a:bodyPr/>
+          <a:lstStyle/>
+          <a:p>
+            <a:r>
+              <a:rPr lang="en-US" dirty="0" smtClean="0"/>
+              <a:t>Links</a:t>
+            </a:r>
+            <a:endParaRPr lang="en-US" dirty="0"/>
+          </a:p>
+        </p:txBody>
+      </p:sp>
+      <p:sp>
+        <p:nvSpPr>
+          <p:cNvPr id="3" name="Subtitle 2"/>
+          <p:cNvSpPr>
+            <a:spLocks noGrp="1"/>
+          </p:cNvSpPr>
+          <p:nvPr>
+            <p:ph type="subTitle" idx="1"/>
+          </p:nvPr>
+        </p:nvSpPr>
+        <p:spPr/>
+        <p:txBody>
+          <a:bodyPr>
+            <a:normAutofit fontScale="92500" lnSpcReduction="10000"/>
+          </a:bodyPr>
+          <a:lstStyle/>
+          <a:p>
+            <a:endParaRPr lang="en-US"/>
+          </a:p>
+        </p:txBody>
+      </p:sp>
+      <p:sp>
+        <p:nvSpPr>
+          <p:cNvPr id="4" name="Text Placeholder 3"/>
+          <p:cNvSpPr>
+            <a:spLocks noGrp="1"/>
+          </p:cNvSpPr>
+          <p:nvPr>
+            <p:ph type="body" sz="quarter" idx="13"/>
+          </p:nvPr>
+        </p:nvSpPr>
+        <p:spPr/>
+        <p:txBody>
+          <a:bodyPr/>
+          <a:lstStyle/>
+          <a:p>
+            <a:pPr marL="0" indent="0">
+              <a:buNone/>
+            </a:pPr>
+            <a:endParaRPr lang="en-US" sz="1800" dirty="0" smtClean="0">
+              <a:hlinkClick r:id="rId2"/>
+            </a:endParaRPr>
+          </a:p>
+          <a:p>
+            <a:pPr marL="0" indent="0">
+              <a:buNone/>
+            </a:pPr>
+            <a:r>
+              <a:rPr lang="en-US" sz="1800" dirty="0"/>
+              <a:t>http://</a:t>
+            </a:r>
+            <a:r>
+              <a:rPr lang="en-US" sz="1800" dirty="0" err="1"/>
+              <a:t>www.vinnova.se</a:t>
+            </a:r>
+            <a:r>
+              <a:rPr lang="en-US" sz="1800" dirty="0" smtClean="0"/>
+              <a:t>/</a:t>
+            </a:r>
+            <a:endParaRPr lang="en-US" sz="1800" dirty="0" smtClean="0">
+              <a:hlinkClick r:id="rId2"/>
+            </a:endParaRPr>
+          </a:p>
+          <a:p>
+            <a:pPr marL="0" indent="0">
+              <a:buNone/>
+            </a:pPr>
+            <a:r>
+              <a:rPr lang="en-US" sz="1800" dirty="0">
+                <a:hlinkClick r:id="rId2"/>
+              </a:rPr>
+              <a:t>http://sdk.minavardkontakter.se</a:t>
+            </a:r>
+            <a:r>
+              <a:rPr lang="en-US" sz="1800" dirty="0" smtClean="0">
+                <a:hlinkClick r:id="rId2"/>
+              </a:rPr>
+              <a:t>/</a:t>
+            </a:r>
+          </a:p>
+          <a:p>
+            <a:pPr marL="0" indent="0">
+              <a:buNone/>
+            </a:pPr>
+            <a:r>
+              <a:rPr lang="en-US" sz="1800" dirty="0">
+                <a:hlinkClick r:id="rId2"/>
+              </a:rPr>
+              <a:t>http://oauth.net/2</a:t>
+            </a:r>
+            <a:r>
+              <a:rPr lang="en-US" sz="1800" dirty="0" smtClean="0">
+                <a:hlinkClick r:id="rId2"/>
+              </a:rPr>
+              <a:t>/</a:t>
+            </a:r>
+          </a:p>
+          <a:p>
+            <a:pPr marL="0" indent="0">
+              <a:buNone/>
+            </a:pPr>
+            <a:r>
+              <a:rPr lang="en-US" sz="1800" dirty="0">
+                <a:hlinkClick r:id="rId2"/>
+              </a:rPr>
+              <a:t>http://tools.ietf.org/html/draft-ietf-oauth-v2-31</a:t>
+            </a:r>
+            <a:endParaRPr lang="en-US" sz="1800" dirty="0" smtClean="0">
+              <a:hlinkClick r:id="rId2"/>
+            </a:endParaRPr>
+          </a:p>
+          <a:p>
+            <a:pPr marL="0" indent="0">
+              <a:buNone/>
+            </a:pPr>
+            <a:r>
+              <a:rPr lang="en-US" sz="1800" dirty="0" smtClean="0">
+                <a:hlinkClick r:id="rId2"/>
+              </a:rPr>
+              <a:t>https</a:t>
+            </a:r>
+            <a:r>
+              <a:rPr lang="en-US" sz="1800" dirty="0">
+                <a:hlinkClick r:id="rId2"/>
+              </a:rPr>
+              <a:t>://developers.google.com/accounts/docs/</a:t>
+            </a:r>
+            <a:r>
+              <a:rPr lang="en-US" sz="1800" dirty="0" smtClean="0">
+                <a:hlinkClick r:id="rId2"/>
+              </a:rPr>
+              <a:t>OAuth2</a:t>
+            </a:r>
+            <a:endParaRPr lang="en-US" sz="1800" dirty="0" smtClean="0"/>
+          </a:p>
+          <a:p>
+            <a:pPr marL="0" indent="0">
+              <a:buNone/>
+            </a:pPr>
+            <a:r>
+              <a:rPr lang="en-US" sz="1800" dirty="0">
+                <a:hlinkClick r:id="rId3"/>
+              </a:rPr>
+              <a:t>https://developers.facebook.com/docs/reference/dialogs/oauth</a:t>
+            </a:r>
+            <a:r>
+              <a:rPr lang="en-US" sz="1800" dirty="0" smtClean="0">
+                <a:hlinkClick r:id="rId3"/>
+              </a:rPr>
+              <a:t>/</a:t>
+            </a:r>
+            <a:endParaRPr lang="en-US" sz="1800" dirty="0" smtClean="0"/>
+          </a:p>
+          <a:p>
+            <a:pPr marL="0" indent="0">
+              <a:buNone/>
+            </a:pPr>
+            <a:endParaRPr lang="en-US" sz="1800" dirty="0" smtClean="0"/>
+          </a:p>
+          <a:p>
+            <a:pPr marL="0" indent="0">
+              <a:buNone/>
+            </a:pPr>
+            <a:endParaRPr lang="en-US" sz="1800" dirty="0"/>
+          </a:p>
+          <a:p>
+            <a:pPr marL="0" indent="0">
+              <a:buNone/>
+            </a:pPr>
+            <a:endParaRPr lang="en-US" sz="1800" dirty="0"/>
+          </a:p>
+        </p:txBody>
+      </p:sp>
+      <p:sp>
+        <p:nvSpPr>
+          <p:cNvPr id="5" name="Slide Number Placeholder 4"/>
+          <p:cNvSpPr>
+            <a:spLocks noGrp="1"/>
+          </p:cNvSpPr>
+          <p:nvPr>
+            <p:ph type="sldNum" sz="quarter" idx="14"/>
+          </p:nvPr>
+        </p:nvSpPr>
+        <p:spPr/>
+        <p:txBody>
+          <a:bodyPr/>
+          <a:lstStyle/>
+          <a:p>
+            <a:pPr>
+              <a:defRPr/>
+            </a:pPr>
+            <a:fld id="{4AA01602-B999-AA4E-80A6-B21CED3A9C3C}" type="slidenum">
+              <a:rPr lang="sv-SE" smtClean="0"/>
+              <a:pPr>
+                <a:defRPr/>
+              </a:pPr>
+              <a:t>23</a:t>
             </a:fld>
             <a:endParaRPr lang="sv-SE"/>
           </a:p>

--- a/Cadec-vårdens-apier.pptx
+++ b/Cadec-vårdens-apier.pptx
@@ -12,8 +12,8 @@
   </p:handoutMasterIdLst>
   <p:sldIdLst>
     <p:sldId id="256" r:id="rId2"/>
-    <p:sldId id="260" r:id="rId3"/>
-    <p:sldId id="262" r:id="rId4"/>
+    <p:sldId id="262" r:id="rId3"/>
+    <p:sldId id="260" r:id="rId4"/>
     <p:sldId id="276" r:id="rId5"/>
     <p:sldId id="263" r:id="rId6"/>
     <p:sldId id="279" r:id="rId7"/>
@@ -854,7 +854,7 @@
               <a:pPr>
                 <a:defRPr/>
               </a:pPr>
-              <a:t>3</a:t>
+              <a:t>2</a:t>
             </a:fld>
             <a:endParaRPr lang="sv-SE"/>
           </a:p>
@@ -12015,28 +12015,11 @@
           <a:bodyPr/>
           <a:lstStyle/>
           <a:p>
+            <a:r>
+              <a:rPr lang="en-US" dirty="0" smtClean="0"/>
+              <a:t>Agenda</a:t>
+            </a:r>
             <a:endParaRPr lang="en-US" dirty="0"/>
-          </a:p>
-        </p:txBody>
-      </p:sp>
-      <p:sp>
-        <p:nvSpPr>
-          <p:cNvPr id="3" name="Subtitle 2"/>
-          <p:cNvSpPr>
-            <a:spLocks noGrp="1"/>
-          </p:cNvSpPr>
-          <p:nvPr>
-            <p:ph type="subTitle" idx="1"/>
-          </p:nvPr>
-        </p:nvSpPr>
-        <p:spPr/>
-        <p:txBody>
-          <a:bodyPr>
-            <a:normAutofit fontScale="92500" lnSpcReduction="10000"/>
-          </a:bodyPr>
-          <a:lstStyle/>
-          <a:p>
-            <a:endParaRPr lang="en-US"/>
           </a:p>
         </p:txBody>
       </p:sp>
@@ -12050,26 +12033,137 @@
             <p:ph type="body" sz="quarter" idx="13"/>
           </p:nvPr>
         </p:nvSpPr>
-        <p:spPr/>
+        <p:spPr>
+          <a:xfrm>
+            <a:off x="685800" y="1399726"/>
+            <a:ext cx="7721303" cy="4226373"/>
+          </a:xfrm>
+        </p:spPr>
         <p:txBody>
           <a:bodyPr/>
           <a:lstStyle/>
           <a:p>
             <a:r>
-              <a:rPr lang="en-US" dirty="0" smtClean="0"/>
-              <a:t>Hans Thunberg</a:t>
-            </a:r>
-          </a:p>
-          <a:p>
-            <a:r>
-              <a:rPr lang="en-US" dirty="0" smtClean="0"/>
-              <a:t>Christian </a:t>
-            </a:r>
-            <a:r>
-              <a:rPr lang="en-US" dirty="0" err="1" smtClean="0"/>
-              <a:t>Hilmersson</a:t>
-            </a:r>
-            <a:endParaRPr lang="en-US" dirty="0"/>
+              <a:rPr lang="en-US" sz="1800" dirty="0" smtClean="0"/>
+              <a:t>Welcome</a:t>
+            </a:r>
+          </a:p>
+          <a:p>
+            <a:r>
+              <a:rPr lang="en-US" sz="1800" dirty="0" smtClean="0"/>
+              <a:t>Practical </a:t>
+            </a:r>
+            <a:r>
+              <a:rPr lang="en-US" sz="1800" dirty="0" smtClean="0"/>
+              <a:t>info</a:t>
+            </a:r>
+          </a:p>
+          <a:p>
+            <a:r>
+              <a:rPr lang="en-US" sz="1800" dirty="0" smtClean="0"/>
+              <a:t>Introduction to SDK by VINNOVA</a:t>
+            </a:r>
+          </a:p>
+          <a:p>
+            <a:r>
+              <a:rPr lang="en-US" sz="1800" dirty="0" smtClean="0"/>
+              <a:t>HTTP overview</a:t>
+            </a:r>
+          </a:p>
+          <a:p>
+            <a:pPr lvl="1"/>
+            <a:r>
+              <a:rPr lang="en-US" sz="1800" dirty="0" smtClean="0"/>
+              <a:t>Lab on public data API’s</a:t>
+            </a:r>
+          </a:p>
+          <a:p>
+            <a:r>
+              <a:rPr lang="en-US" sz="1800" dirty="0" smtClean="0"/>
+              <a:t>API’s </a:t>
+            </a:r>
+            <a:r>
+              <a:rPr lang="en-US" sz="1800" dirty="0" smtClean="0"/>
+              <a:t>containing patient </a:t>
+            </a:r>
+            <a:r>
+              <a:rPr lang="en-US" sz="1800" dirty="0" smtClean="0"/>
+              <a:t>related </a:t>
+            </a:r>
+            <a:r>
+              <a:rPr lang="en-US" sz="1800" dirty="0" smtClean="0"/>
+              <a:t>data</a:t>
+            </a:r>
+            <a:endParaRPr lang="en-US" sz="1800" dirty="0" smtClean="0"/>
+          </a:p>
+          <a:p>
+            <a:pPr lvl="1"/>
+            <a:r>
+              <a:rPr lang="en-US" sz="1800" dirty="0" err="1" smtClean="0"/>
+              <a:t>OAuth</a:t>
+            </a:r>
+            <a:r>
+              <a:rPr lang="en-US" sz="1800" dirty="0" smtClean="0"/>
+              <a:t> 2.0, intro and lab</a:t>
+            </a:r>
+            <a:endParaRPr lang="en-US" sz="1800" dirty="0"/>
+          </a:p>
+          <a:p>
+            <a:r>
+              <a:rPr lang="en-US" sz="1800" dirty="0"/>
+              <a:t>Building the App </a:t>
+            </a:r>
+          </a:p>
+          <a:p>
+            <a:pPr lvl="1"/>
+            <a:r>
+              <a:rPr lang="en-US" sz="1800" dirty="0"/>
+              <a:t>Need for an app backend</a:t>
+            </a:r>
+          </a:p>
+          <a:p>
+            <a:pPr lvl="1"/>
+            <a:r>
+              <a:rPr lang="en-US" sz="1800" dirty="0" smtClean="0"/>
+              <a:t>Lab, </a:t>
+            </a:r>
+            <a:r>
+              <a:rPr lang="en-US" sz="1800" dirty="0"/>
+              <a:t>build the app backend</a:t>
+            </a:r>
+          </a:p>
+          <a:p>
+            <a:pPr lvl="1"/>
+            <a:r>
+              <a:rPr lang="en-US" sz="1800" dirty="0"/>
+              <a:t>Front-end development </a:t>
+            </a:r>
+            <a:r>
+              <a:rPr lang="en-US" sz="1800" dirty="0" smtClean="0"/>
+              <a:t>for </a:t>
+            </a:r>
+            <a:r>
+              <a:rPr lang="en-US" sz="1800" dirty="0"/>
+              <a:t>mobile apps, differences ?</a:t>
+            </a:r>
+          </a:p>
+          <a:p>
+            <a:pPr lvl="1"/>
+            <a:r>
+              <a:rPr lang="en-US" sz="1800" dirty="0" smtClean="0"/>
+              <a:t>Lab, </a:t>
+            </a:r>
+            <a:r>
+              <a:rPr lang="en-US" sz="1800" dirty="0"/>
+              <a:t>Applying the app</a:t>
+            </a:r>
+          </a:p>
+          <a:p>
+            <a:endParaRPr lang="en-US" sz="1800" dirty="0"/>
+          </a:p>
+          <a:p>
+            <a:pPr lvl="1"/>
+            <a:endParaRPr lang="en-US" sz="1800" dirty="0" smtClean="0"/>
           </a:p>
         </p:txBody>
       </p:sp>
@@ -12105,7 +12199,7 @@
     </p:spTree>
     <p:extLst>
       <p:ext uri="{BB962C8B-B14F-4D97-AF65-F5344CB8AC3E}">
-        <p14:creationId xmlns:p14="http://schemas.microsoft.com/office/powerpoint/2010/main" val="4028354360"/>
+        <p14:creationId xmlns:p14="http://schemas.microsoft.com/office/powerpoint/2010/main" val="1362912079"/>
       </p:ext>
     </p:extLst>
   </p:cSld>
@@ -12869,9 +12963,30 @@
           <a:p>
             <a:r>
               <a:rPr lang="en-US" dirty="0" smtClean="0"/>
-              <a:t>Agenda</a:t>
+              <a:t>Welcome</a:t>
             </a:r>
             <a:endParaRPr lang="en-US" dirty="0"/>
+          </a:p>
+        </p:txBody>
+      </p:sp>
+      <p:sp>
+        <p:nvSpPr>
+          <p:cNvPr id="3" name="Subtitle 2"/>
+          <p:cNvSpPr>
+            <a:spLocks noGrp="1"/>
+          </p:cNvSpPr>
+          <p:nvPr>
+            <p:ph type="subTitle" idx="1"/>
+          </p:nvPr>
+        </p:nvSpPr>
+        <p:spPr/>
+        <p:txBody>
+          <a:bodyPr>
+            <a:normAutofit fontScale="92500" lnSpcReduction="10000"/>
+          </a:bodyPr>
+          <a:lstStyle/>
+          <a:p>
+            <a:endParaRPr lang="en-US"/>
           </a:p>
         </p:txBody>
       </p:sp>
@@ -12885,127 +13000,26 @@
             <p:ph type="body" sz="quarter" idx="13"/>
           </p:nvPr>
         </p:nvSpPr>
-        <p:spPr>
-          <a:xfrm>
-            <a:off x="685800" y="1399726"/>
-            <a:ext cx="7721303" cy="4226373"/>
-          </a:xfrm>
-        </p:spPr>
+        <p:spPr/>
         <p:txBody>
           <a:bodyPr/>
           <a:lstStyle/>
           <a:p>
             <a:r>
-              <a:rPr lang="en-US" sz="1800" dirty="0" smtClean="0"/>
-              <a:t>Practical info</a:t>
-            </a:r>
-          </a:p>
-          <a:p>
-            <a:r>
-              <a:rPr lang="en-US" sz="1800" dirty="0" smtClean="0"/>
-              <a:t>Introduction to SDK by VINNOVA</a:t>
-            </a:r>
-          </a:p>
-          <a:p>
-            <a:r>
-              <a:rPr lang="en-US" sz="1800" dirty="0" smtClean="0"/>
-              <a:t>HTTP overview</a:t>
-            </a:r>
-          </a:p>
-          <a:p>
-            <a:pPr lvl="1"/>
-            <a:r>
-              <a:rPr lang="en-US" sz="1800" dirty="0" smtClean="0"/>
-              <a:t>Lab on public data API’s</a:t>
-            </a:r>
-          </a:p>
-          <a:p>
-            <a:r>
-              <a:rPr lang="en-US" sz="1800" dirty="0" smtClean="0"/>
-              <a:t>API’s </a:t>
-            </a:r>
-            <a:r>
-              <a:rPr lang="en-US" sz="1800" dirty="0" smtClean="0"/>
-              <a:t>containing patient </a:t>
-            </a:r>
-            <a:r>
-              <a:rPr lang="en-US" sz="1800" dirty="0" smtClean="0"/>
-              <a:t>related </a:t>
-            </a:r>
-            <a:r>
-              <a:rPr lang="en-US" sz="1800" dirty="0" smtClean="0"/>
-              <a:t>data</a:t>
-            </a:r>
-            <a:endParaRPr lang="en-US" sz="1800" dirty="0" smtClean="0"/>
-          </a:p>
-          <a:p>
-            <a:pPr lvl="1"/>
-            <a:r>
-              <a:rPr lang="en-US" sz="1800" dirty="0" err="1" smtClean="0"/>
-              <a:t>OAuth</a:t>
-            </a:r>
-            <a:r>
-              <a:rPr lang="en-US" sz="1800" dirty="0" smtClean="0"/>
-              <a:t> 2.0, intro and lab</a:t>
-            </a:r>
-            <a:endParaRPr lang="en-US" sz="1800" dirty="0"/>
-          </a:p>
-          <a:p>
-            <a:r>
-              <a:rPr lang="en-US" sz="1800" dirty="0"/>
-              <a:t>Building the App </a:t>
-            </a:r>
-          </a:p>
-          <a:p>
-            <a:pPr lvl="1"/>
-            <a:r>
-              <a:rPr lang="en-US" sz="1800" dirty="0"/>
-              <a:t>Need for an app backend</a:t>
-            </a:r>
-          </a:p>
-          <a:p>
-            <a:pPr lvl="1"/>
-            <a:r>
-              <a:rPr lang="en-US" sz="1800" dirty="0" smtClean="0"/>
-              <a:t>Lab, </a:t>
-            </a:r>
-            <a:r>
-              <a:rPr lang="en-US" sz="1800" dirty="0"/>
-              <a:t>build the app backend</a:t>
-            </a:r>
-          </a:p>
-          <a:p>
-            <a:pPr lvl="1"/>
-            <a:r>
-              <a:rPr lang="en-US" sz="1800" dirty="0"/>
-              <a:t>Front-end development </a:t>
-            </a:r>
-            <a:r>
-              <a:rPr lang="en-US" sz="1800" dirty="0" smtClean="0"/>
-              <a:t>for </a:t>
-            </a:r>
-            <a:r>
-              <a:rPr lang="en-US" sz="1800" dirty="0"/>
-              <a:t>mobile apps, differences ?</a:t>
-            </a:r>
-          </a:p>
-          <a:p>
-            <a:pPr lvl="1"/>
-            <a:r>
-              <a:rPr lang="en-US" sz="1800" dirty="0" smtClean="0"/>
-              <a:t>Lab, </a:t>
-            </a:r>
-            <a:r>
-              <a:rPr lang="en-US" sz="1800" dirty="0"/>
-              <a:t>Applying the app</a:t>
-            </a:r>
-          </a:p>
-          <a:p>
-            <a:endParaRPr lang="en-US" sz="1800" dirty="0"/>
-          </a:p>
-          <a:p>
-            <a:pPr lvl="1"/>
-            <a:endParaRPr lang="en-US" sz="1800" dirty="0" smtClean="0"/>
+              <a:rPr lang="en-US" dirty="0" smtClean="0"/>
+              <a:t>Hans Thunberg</a:t>
+            </a:r>
+          </a:p>
+          <a:p>
+            <a:r>
+              <a:rPr lang="en-US" dirty="0" smtClean="0"/>
+              <a:t>Christian </a:t>
+            </a:r>
+            <a:r>
+              <a:rPr lang="en-US" dirty="0" err="1" smtClean="0"/>
+              <a:t>Hilmersson</a:t>
+            </a:r>
+            <a:endParaRPr lang="en-US" dirty="0"/>
           </a:p>
         </p:txBody>
       </p:sp>
@@ -13041,7 +13055,7 @@
     </p:spTree>
     <p:extLst>
       <p:ext uri="{BB962C8B-B14F-4D97-AF65-F5344CB8AC3E}">
-        <p14:creationId xmlns:p14="http://schemas.microsoft.com/office/powerpoint/2010/main" val="1362912079"/>
+        <p14:creationId xmlns:p14="http://schemas.microsoft.com/office/powerpoint/2010/main" val="4028354360"/>
       </p:ext>
     </p:extLst>
   </p:cSld>

--- a/Cadec-vårdens-apier.pptx
+++ b/Cadec-vårdens-apier.pptx
@@ -5,10 +5,10 @@
     <p:sldMasterId id="2147483648" r:id="rId1"/>
   </p:sldMasterIdLst>
   <p:notesMasterIdLst>
-    <p:notesMasterId r:id="rId25"/>
+    <p:notesMasterId r:id="rId27"/>
   </p:notesMasterIdLst>
   <p:handoutMasterIdLst>
-    <p:handoutMasterId r:id="rId26"/>
+    <p:handoutMasterId r:id="rId28"/>
   </p:handoutMasterIdLst>
   <p:sldIdLst>
     <p:sldId id="256" r:id="rId2"/>
@@ -30,10 +30,12 @@
     <p:sldId id="267" r:id="rId18"/>
     <p:sldId id="283" r:id="rId19"/>
     <p:sldId id="275" r:id="rId20"/>
-    <p:sldId id="269" r:id="rId21"/>
-    <p:sldId id="271" r:id="rId22"/>
-    <p:sldId id="270" r:id="rId23"/>
-    <p:sldId id="274" r:id="rId24"/>
+    <p:sldId id="285" r:id="rId21"/>
+    <p:sldId id="269" r:id="rId22"/>
+    <p:sldId id="271" r:id="rId23"/>
+    <p:sldId id="270" r:id="rId24"/>
+    <p:sldId id="284" r:id="rId25"/>
+    <p:sldId id="274" r:id="rId26"/>
   </p:sldIdLst>
   <p:sldSz cx="9144000" cy="6858000" type="screen4x3"/>
   <p:notesSz cx="6858000" cy="9144000"/>
@@ -264,7 +266,7 @@
               <a:pPr>
                 <a:defRPr/>
               </a:pPr>
-              <a:t>2013-01-02</a:t>
+              <a:t>2013-01-04</a:t>
             </a:fld>
             <a:endParaRPr lang="sv-SE"/>
           </a:p>
@@ -464,7 +466,7 @@
               <a:pPr>
                 <a:defRPr/>
               </a:pPr>
-              <a:t>2013-01-02</a:t>
+              <a:t>2013-01-04</a:t>
             </a:fld>
             <a:endParaRPr lang="sv-SE"/>
           </a:p>
@@ -1071,7 +1073,19 @@
             </a:r>
             <a:r>
               <a:rPr lang="en-US" baseline="0" dirty="0" err="1" smtClean="0"/>
-              <a:t>tex.</a:t>
+              <a:t>tex</a:t>
+            </a:r>
+            <a:r>
+              <a:rPr lang="en-US" baseline="0" dirty="0" smtClean="0"/>
+              <a:t> </a:t>
+            </a:r>
+            <a:r>
+              <a:rPr lang="en-US" baseline="0" dirty="0" err="1" smtClean="0"/>
+              <a:t>kallekula</a:t>
+            </a:r>
+            <a:r>
+              <a:rPr lang="en-US" baseline="0" dirty="0" smtClean="0"/>
+              <a:t>.</a:t>
             </a:r>
             <a:endParaRPr lang="en-US" dirty="0"/>
           </a:p>
@@ -1227,7 +1241,6 @@
               <a:rPr lang="en-US" baseline="0" dirty="0" smtClean="0"/>
               <a:t>. </a:t>
             </a:r>
-            <a:endParaRPr lang="en-US" baseline="0" dirty="0" smtClean="0"/>
           </a:p>
           <a:p>
             <a:r>
@@ -1477,46 +1490,50 @@
           <a:p>
             <a:r>
               <a:rPr lang="en-US" baseline="0" dirty="0" smtClean="0"/>
-              <a:t>	1. </a:t>
-            </a:r>
-            <a:r>
-              <a:rPr lang="en-US" baseline="0" dirty="0" err="1" smtClean="0"/>
+              <a:t>	</a:t>
+            </a:r>
+            <a:r>
+              <a:rPr lang="en-US" b="1" baseline="0" dirty="0" smtClean="0"/>
+              <a:t>1. </a:t>
+            </a:r>
+            <a:r>
+              <a:rPr lang="en-US" b="1" baseline="0" dirty="0" err="1" smtClean="0"/>
               <a:t>Öppen</a:t>
             </a:r>
             <a:r>
-              <a:rPr lang="en-US" baseline="0" dirty="0" smtClean="0"/>
+              <a:rPr lang="en-US" b="1" baseline="0" dirty="0" smtClean="0"/>
               <a:t>-data-</a:t>
             </a:r>
             <a:r>
-              <a:rPr lang="en-US" baseline="0" dirty="0" err="1" smtClean="0"/>
+              <a:rPr lang="en-US" b="1" baseline="0" dirty="0" err="1" smtClean="0"/>
               <a:t>APIer</a:t>
             </a:r>
             <a:r>
-              <a:rPr lang="en-US" baseline="0" dirty="0" smtClean="0"/>
+              <a:rPr lang="en-US" b="1" baseline="0" dirty="0" smtClean="0"/>
               <a:t> (</a:t>
             </a:r>
             <a:r>
-              <a:rPr lang="en-US" baseline="0" dirty="0" err="1" smtClean="0"/>
+              <a:rPr lang="en-US" b="1" baseline="0" dirty="0" err="1" smtClean="0"/>
               <a:t>APIer</a:t>
             </a:r>
             <a:r>
-              <a:rPr lang="en-US" baseline="0" dirty="0" smtClean="0"/>
-              <a:t> </a:t>
-            </a:r>
-            <a:r>
-              <a:rPr lang="en-US" baseline="0" dirty="0" err="1" smtClean="0"/>
+              <a:rPr lang="en-US" b="1" baseline="0" dirty="0" smtClean="0"/>
+              <a:t> </a:t>
+            </a:r>
+            <a:r>
+              <a:rPr lang="en-US" b="1" baseline="0" dirty="0" err="1" smtClean="0"/>
               <a:t>för</a:t>
             </a:r>
             <a:r>
-              <a:rPr lang="en-US" baseline="0" dirty="0" smtClean="0"/>
-              <a:t> </a:t>
-            </a:r>
-            <a:r>
-              <a:rPr lang="en-US" baseline="0" dirty="0" err="1" smtClean="0"/>
+              <a:rPr lang="en-US" b="1" baseline="0" dirty="0" smtClean="0"/>
+              <a:t> </a:t>
+            </a:r>
+            <a:r>
+              <a:rPr lang="en-US" b="1" baseline="0" dirty="0" err="1" smtClean="0"/>
               <a:t>offentlig</a:t>
             </a:r>
             <a:r>
-              <a:rPr lang="en-US" baseline="0" dirty="0" smtClean="0"/>
+              <a:rPr lang="en-US" b="1" baseline="0" dirty="0" smtClean="0"/>
               <a:t> data)</a:t>
             </a:r>
           </a:p>
@@ -1809,54 +1826,58 @@
           <a:p>
             <a:r>
               <a:rPr lang="en-US" baseline="0" dirty="0" smtClean="0"/>
-              <a:t>	2. </a:t>
-            </a:r>
-            <a:r>
-              <a:rPr lang="en-US" baseline="0" dirty="0" err="1" smtClean="0"/>
+              <a:t>	</a:t>
+            </a:r>
+            <a:r>
+              <a:rPr lang="en-US" b="1" baseline="0" dirty="0" smtClean="0"/>
+              <a:t>2. </a:t>
+            </a:r>
+            <a:r>
+              <a:rPr lang="en-US" b="1" baseline="0" dirty="0" err="1" smtClean="0"/>
               <a:t>Patientdata-APIer</a:t>
             </a:r>
             <a:r>
-              <a:rPr lang="en-US" baseline="0" dirty="0" smtClean="0"/>
+              <a:rPr lang="en-US" b="1" baseline="0" dirty="0" smtClean="0"/>
               <a:t> (</a:t>
             </a:r>
             <a:r>
-              <a:rPr lang="en-US" baseline="0" dirty="0" err="1" smtClean="0"/>
+              <a:rPr lang="en-US" b="1" baseline="0" dirty="0" err="1" smtClean="0"/>
               <a:t>APIer</a:t>
             </a:r>
             <a:r>
-              <a:rPr lang="en-US" baseline="0" dirty="0" smtClean="0"/>
-              <a:t> </a:t>
-            </a:r>
-            <a:r>
-              <a:rPr lang="en-US" baseline="0" dirty="0" err="1" smtClean="0"/>
+              <a:rPr lang="en-US" b="1" baseline="0" dirty="0" smtClean="0"/>
+              <a:t> </a:t>
+            </a:r>
+            <a:r>
+              <a:rPr lang="en-US" b="1" baseline="0" dirty="0" err="1" smtClean="0"/>
               <a:t>för</a:t>
             </a:r>
             <a:r>
-              <a:rPr lang="en-US" baseline="0" dirty="0" smtClean="0"/>
-              <a:t> </a:t>
-            </a:r>
-            <a:r>
-              <a:rPr lang="en-US" baseline="0" dirty="0" err="1" smtClean="0"/>
+              <a:rPr lang="en-US" b="1" baseline="0" dirty="0" smtClean="0"/>
+              <a:t> </a:t>
+            </a:r>
+            <a:r>
+              <a:rPr lang="en-US" b="1" baseline="0" dirty="0" err="1" smtClean="0"/>
               <a:t>patientbunden</a:t>
             </a:r>
             <a:r>
-              <a:rPr lang="en-US" baseline="0" dirty="0" smtClean="0"/>
+              <a:rPr lang="en-US" b="1" baseline="0" dirty="0" smtClean="0"/>
               <a:t> data </a:t>
             </a:r>
             <a:r>
-              <a:rPr lang="en-US" baseline="0" dirty="0" err="1" smtClean="0"/>
+              <a:rPr lang="en-US" b="1" baseline="0" dirty="0" err="1" smtClean="0"/>
               <a:t>för</a:t>
             </a:r>
             <a:r>
-              <a:rPr lang="en-US" baseline="0" dirty="0" smtClean="0"/>
-              <a:t> </a:t>
-            </a:r>
-            <a:r>
-              <a:rPr lang="en-US" baseline="0" dirty="0" err="1" smtClean="0"/>
+              <a:rPr lang="en-US" b="1" baseline="0" dirty="0" smtClean="0"/>
+              <a:t> </a:t>
+            </a:r>
+            <a:r>
+              <a:rPr lang="en-US" b="1" baseline="0" dirty="0" err="1" smtClean="0"/>
               <a:t>tredje</a:t>
             </a:r>
             <a:r>
-              <a:rPr lang="en-US" baseline="0" dirty="0" smtClean="0"/>
+              <a:rPr lang="en-US" b="1" baseline="0" dirty="0" smtClean="0"/>
               <a:t> part)</a:t>
             </a:r>
           </a:p>
@@ -1913,6 +1934,108 @@
               <a:rPr lang="en-US" baseline="0" dirty="0" smtClean="0"/>
               <a:t>)</a:t>
             </a:r>
+          </a:p>
+          <a:p>
+            <a:endParaRPr lang="en-US" baseline="0" dirty="0" smtClean="0"/>
+          </a:p>
+          <a:p>
+            <a:r>
+              <a:rPr lang="en-US" baseline="0" dirty="0" err="1" smtClean="0"/>
+              <a:t>Klicka</a:t>
+            </a:r>
+            <a:r>
+              <a:rPr lang="en-US" baseline="0" dirty="0" smtClean="0"/>
+              <a:t> </a:t>
+            </a:r>
+            <a:r>
+              <a:rPr lang="en-US" baseline="0" dirty="0" err="1" smtClean="0"/>
+              <a:t>på</a:t>
+            </a:r>
+            <a:r>
+              <a:rPr lang="en-US" baseline="0" dirty="0" smtClean="0"/>
+              <a:t> </a:t>
+            </a:r>
+            <a:r>
+              <a:rPr lang="en-US" baseline="0" dirty="0" err="1" smtClean="0"/>
+              <a:t>bilden</a:t>
+            </a:r>
+            <a:r>
+              <a:rPr lang="en-US" baseline="0" dirty="0" smtClean="0"/>
+              <a:t> </a:t>
+            </a:r>
+            <a:r>
+              <a:rPr lang="en-US" baseline="0" dirty="0" err="1" smtClean="0"/>
+              <a:t>för</a:t>
+            </a:r>
+            <a:r>
+              <a:rPr lang="en-US" baseline="0" dirty="0" smtClean="0"/>
+              <a:t> </a:t>
+            </a:r>
+            <a:r>
+              <a:rPr lang="en-US" baseline="0" dirty="0" err="1" smtClean="0"/>
+              <a:t>att</a:t>
+            </a:r>
+            <a:r>
+              <a:rPr lang="en-US" baseline="0" dirty="0" smtClean="0"/>
+              <a:t> </a:t>
+            </a:r>
+            <a:r>
+              <a:rPr lang="en-US" baseline="0" dirty="0" err="1" smtClean="0"/>
+              <a:t>komma</a:t>
+            </a:r>
+            <a:r>
+              <a:rPr lang="en-US" baseline="0" dirty="0" smtClean="0"/>
+              <a:t> till SDK </a:t>
+            </a:r>
+            <a:r>
+              <a:rPr lang="en-US" baseline="0" dirty="0" err="1" smtClean="0"/>
+              <a:t>och</a:t>
+            </a:r>
+            <a:r>
+              <a:rPr lang="en-US" baseline="0" dirty="0" smtClean="0"/>
+              <a:t> visa </a:t>
+            </a:r>
+            <a:r>
+              <a:rPr lang="en-US" baseline="0" dirty="0" err="1" smtClean="0"/>
+              <a:t>kort</a:t>
+            </a:r>
+            <a:r>
+              <a:rPr lang="en-US" baseline="0" dirty="0" smtClean="0"/>
+              <a:t> </a:t>
+            </a:r>
+            <a:r>
+              <a:rPr lang="en-US" baseline="0" dirty="0" err="1" smtClean="0"/>
+              <a:t>vad</a:t>
+            </a:r>
+            <a:r>
+              <a:rPr lang="en-US" baseline="0" dirty="0" smtClean="0"/>
+              <a:t> </a:t>
+            </a:r>
+            <a:r>
+              <a:rPr lang="en-US" baseline="0" dirty="0" err="1" smtClean="0"/>
+              <a:t>som</a:t>
+            </a:r>
+            <a:r>
+              <a:rPr lang="en-US" baseline="0" dirty="0" smtClean="0"/>
+              <a:t> </a:t>
+            </a:r>
+            <a:r>
+              <a:rPr lang="en-US" baseline="0" dirty="0" err="1" smtClean="0"/>
+              <a:t>finns</a:t>
+            </a:r>
+            <a:r>
+              <a:rPr lang="en-US" baseline="0" dirty="0" smtClean="0"/>
+              <a:t> </a:t>
+            </a:r>
+            <a:r>
+              <a:rPr lang="en-US" baseline="0" dirty="0" err="1" smtClean="0"/>
+              <a:t>där</a:t>
+            </a:r>
+            <a:r>
+              <a:rPr lang="en-US" baseline="0" dirty="0" smtClean="0"/>
+              <a:t>.</a:t>
+            </a:r>
+            <a:endParaRPr lang="en-US" baseline="0" dirty="0" smtClean="0"/>
           </a:p>
           <a:p>
             <a:endParaRPr lang="en-US" dirty="0" smtClean="0"/>
@@ -2367,11 +2490,7 @@
             </a:r>
             <a:r>
               <a:rPr lang="en-US" baseline="0" dirty="0" smtClean="0"/>
-              <a:t> </a:t>
-            </a:r>
-            <a:r>
-              <a:rPr lang="en-US" baseline="0" dirty="0" smtClean="0"/>
-              <a:t>-&gt; </a:t>
+              <a:t> -&gt; </a:t>
             </a:r>
             <a:r>
               <a:rPr lang="en-US" baseline="0" dirty="0" err="1" smtClean="0"/>
@@ -3436,11 +3555,7 @@
           <a:p>
             <a:r>
               <a:rPr lang="en-US" dirty="0" smtClean="0"/>
-              <a:t>Resource </a:t>
-            </a:r>
-            <a:r>
-              <a:rPr lang="en-US" dirty="0" smtClean="0"/>
-              <a:t>Owner: En roll </a:t>
+              <a:t>Resource Owner: En roll </a:t>
             </a:r>
             <a:r>
               <a:rPr lang="en-US" dirty="0" err="1" smtClean="0"/>
@@ -9353,19 +9468,7 @@
           <a:p>
             <a:r>
               <a:rPr lang="en-US" dirty="0" smtClean="0"/>
-              <a:t>API’s </a:t>
-            </a:r>
-            <a:r>
-              <a:rPr lang="en-US" dirty="0" smtClean="0"/>
-              <a:t>containing patient </a:t>
-            </a:r>
-            <a:r>
-              <a:rPr lang="en-US" dirty="0" smtClean="0"/>
-              <a:t>related </a:t>
-            </a:r>
-            <a:r>
-              <a:rPr lang="en-US" dirty="0" smtClean="0"/>
-              <a:t>data</a:t>
+              <a:t>API’s containing patient related data</a:t>
             </a:r>
             <a:endParaRPr lang="en-US" dirty="0"/>
           </a:p>
@@ -9440,7 +9543,6 @@
               <a:rPr lang="en-US" sz="1800" dirty="0" smtClean="0"/>
               <a:t>2-factor</a:t>
             </a:r>
-            <a:endParaRPr lang="en-US" sz="1800" dirty="0" smtClean="0"/>
           </a:p>
           <a:p>
             <a:r>
@@ -9575,7 +9677,6 @@
               <a:rPr lang="en-US" dirty="0"/>
               <a:t>API’s containing patient related data</a:t>
             </a:r>
-            <a:endParaRPr lang="en-US" dirty="0"/>
           </a:p>
         </p:txBody>
       </p:sp>
@@ -9601,38 +9702,6 @@
               <a:t>The problem</a:t>
             </a:r>
             <a:endParaRPr lang="en-US" dirty="0"/>
-          </a:p>
-        </p:txBody>
-      </p:sp>
-      <p:sp>
-        <p:nvSpPr>
-          <p:cNvPr id="4" name="Text Placeholder 3"/>
-          <p:cNvSpPr>
-            <a:spLocks noGrp="1"/>
-          </p:cNvSpPr>
-          <p:nvPr>
-            <p:ph type="body" sz="quarter" idx="13"/>
-          </p:nvPr>
-        </p:nvSpPr>
-        <p:spPr>
-          <a:ln w="38100" cmpd="sng">
-            <a:solidFill>
-              <a:srgbClr val="4F81BD"/>
-            </a:solidFill>
-          </a:ln>
-        </p:spPr>
-        <p:txBody>
-          <a:bodyPr/>
-          <a:lstStyle/>
-          <a:p>
-            <a:pPr marL="0" indent="0">
-              <a:buNone/>
-            </a:pPr>
-            <a:r>
-              <a:rPr lang="en-US" sz="1400" dirty="0" smtClean="0"/>
-              <a:t>Simple solution ??</a:t>
-            </a:r>
-            <a:endParaRPr lang="en-US" sz="1400" dirty="0"/>
           </a:p>
         </p:txBody>
       </p:sp>
@@ -9757,48 +9826,6 @@
           </p:txBody>
         </p:sp>
       </p:grpSp>
-      <p:sp>
-        <p:nvSpPr>
-          <p:cNvPr id="8" name="Rectangle 7"/>
-          <p:cNvSpPr/>
-          <p:nvPr/>
-        </p:nvSpPr>
-        <p:spPr>
-          <a:xfrm>
-            <a:off x="3937000" y="4076700"/>
-            <a:ext cx="3556000" cy="469900"/>
-          </a:xfrm>
-          <a:prstGeom prst="rect">
-            <a:avLst/>
-          </a:prstGeom>
-        </p:spPr>
-        <p:style>
-          <a:lnRef idx="1">
-            <a:schemeClr val="accent1"/>
-          </a:lnRef>
-          <a:fillRef idx="3">
-            <a:schemeClr val="accent1"/>
-          </a:fillRef>
-          <a:effectRef idx="2">
-            <a:schemeClr val="accent1"/>
-          </a:effectRef>
-          <a:fontRef idx="minor">
-            <a:schemeClr val="lt1"/>
-          </a:fontRef>
-        </p:style>
-        <p:txBody>
-          <a:bodyPr rtlCol="0" anchor="ctr"/>
-          <a:lstStyle/>
-          <a:p>
-            <a:pPr algn="ctr"/>
-            <a:r>
-              <a:rPr lang="en-US" dirty="0" smtClean="0"/>
-              <a:t>API</a:t>
-            </a:r>
-            <a:endParaRPr lang="en-US" dirty="0"/>
-          </a:p>
-        </p:txBody>
-      </p:sp>
       <p:grpSp>
         <p:nvGrpSpPr>
           <p:cNvPr id="6" name="Group 5"/>
@@ -9890,231 +9917,288 @@
           </p:txBody>
         </p:sp>
       </p:grpSp>
-      <p:sp>
-        <p:nvSpPr>
-          <p:cNvPr id="26" name="Rectangle 25"/>
-          <p:cNvSpPr/>
+      <p:grpSp>
+        <p:nvGrpSpPr>
+          <p:cNvPr id="7" name="Group 6"/>
+          <p:cNvGrpSpPr/>
           <p:nvPr/>
-        </p:nvSpPr>
-        <p:spPr>
+        </p:nvGrpSpPr>
+        <p:grpSpPr>
           <a:xfrm>
-            <a:off x="3937000" y="4775200"/>
-            <a:ext cx="1066800" cy="673100"/>
+            <a:off x="3937000" y="4076700"/>
+            <a:ext cx="3556000" cy="1371600"/>
+            <a:chOff x="3937000" y="4076700"/>
+            <a:chExt cx="3556000" cy="1371600"/>
           </a:xfrm>
-          <a:prstGeom prst="rect">
-            <a:avLst/>
-          </a:prstGeom>
-        </p:spPr>
-        <p:style>
-          <a:lnRef idx="1">
-            <a:schemeClr val="accent1"/>
-          </a:lnRef>
-          <a:fillRef idx="3">
-            <a:schemeClr val="accent1"/>
-          </a:fillRef>
-          <a:effectRef idx="2">
-            <a:schemeClr val="accent1"/>
-          </a:effectRef>
-          <a:fontRef idx="minor">
-            <a:schemeClr val="lt1"/>
-          </a:fontRef>
-        </p:style>
-        <p:txBody>
-          <a:bodyPr rtlCol="0" anchor="ctr"/>
-          <a:lstStyle/>
-          <a:p>
-            <a:pPr algn="ctr"/>
-            <a:r>
-              <a:rPr lang="en-US" sz="1400" dirty="0" smtClean="0"/>
-              <a:t>Citizens medical records</a:t>
-            </a:r>
-            <a:endParaRPr lang="en-US" sz="1400" dirty="0"/>
-          </a:p>
-        </p:txBody>
-      </p:sp>
-      <p:sp>
-        <p:nvSpPr>
-          <p:cNvPr id="29" name="Rectangle 28"/>
-          <p:cNvSpPr/>
-          <p:nvPr/>
-        </p:nvSpPr>
-        <p:spPr>
-          <a:xfrm>
-            <a:off x="5207000" y="4775200"/>
-            <a:ext cx="1011963" cy="673100"/>
-          </a:xfrm>
-          <a:prstGeom prst="rect">
-            <a:avLst/>
-          </a:prstGeom>
-        </p:spPr>
-        <p:style>
-          <a:lnRef idx="1">
-            <a:schemeClr val="accent1"/>
-          </a:lnRef>
-          <a:fillRef idx="3">
-            <a:schemeClr val="accent1"/>
-          </a:fillRef>
-          <a:effectRef idx="2">
-            <a:schemeClr val="accent1"/>
-          </a:effectRef>
-          <a:fontRef idx="minor">
-            <a:schemeClr val="lt1"/>
-          </a:fontRef>
-        </p:style>
-        <p:txBody>
-          <a:bodyPr rtlCol="0" anchor="ctr"/>
-          <a:lstStyle/>
-          <a:p>
-            <a:pPr algn="ctr"/>
-            <a:r>
-              <a:rPr lang="en-US" sz="1400" dirty="0" smtClean="0"/>
-              <a:t>Citizens medical records</a:t>
-            </a:r>
-            <a:endParaRPr lang="en-US" sz="1400" dirty="0"/>
-          </a:p>
-        </p:txBody>
-      </p:sp>
-      <p:sp>
-        <p:nvSpPr>
-          <p:cNvPr id="30" name="Rectangle 29"/>
-          <p:cNvSpPr/>
-          <p:nvPr/>
-        </p:nvSpPr>
-        <p:spPr>
-          <a:xfrm>
-            <a:off x="6413500" y="4775200"/>
-            <a:ext cx="1079500" cy="673100"/>
-          </a:xfrm>
-          <a:prstGeom prst="rect">
-            <a:avLst/>
-          </a:prstGeom>
-        </p:spPr>
-        <p:style>
-          <a:lnRef idx="1">
-            <a:schemeClr val="accent1"/>
-          </a:lnRef>
-          <a:fillRef idx="3">
-            <a:schemeClr val="accent1"/>
-          </a:fillRef>
-          <a:effectRef idx="2">
-            <a:schemeClr val="accent1"/>
-          </a:effectRef>
-          <a:fontRef idx="minor">
-            <a:schemeClr val="lt1"/>
-          </a:fontRef>
-        </p:style>
-        <p:txBody>
-          <a:bodyPr rtlCol="0" anchor="ctr"/>
-          <a:lstStyle/>
-          <a:p>
-            <a:pPr algn="ctr"/>
-            <a:r>
-              <a:rPr lang="en-US" sz="1400" dirty="0" smtClean="0"/>
-              <a:t>Citizens medical records</a:t>
-            </a:r>
-            <a:endParaRPr lang="en-US" sz="1400" dirty="0"/>
-          </a:p>
-        </p:txBody>
-      </p:sp>
-      <p:cxnSp>
-        <p:nvCxnSpPr>
-          <p:cNvPr id="31" name="Straight Connector 30"/>
-          <p:cNvCxnSpPr>
-            <a:stCxn id="8" idx="2"/>
-            <a:endCxn id="26" idx="0"/>
-          </p:cNvCxnSpPr>
-          <p:nvPr/>
-        </p:nvCxnSpPr>
-        <p:spPr>
-          <a:xfrm flipH="1">
-            <a:off x="4470400" y="4546600"/>
-            <a:ext cx="1244600" cy="228600"/>
-          </a:xfrm>
-          <a:prstGeom prst="line">
-            <a:avLst/>
-          </a:prstGeom>
-        </p:spPr>
-        <p:style>
-          <a:lnRef idx="2">
-            <a:schemeClr val="accent1"/>
-          </a:lnRef>
-          <a:fillRef idx="0">
-            <a:schemeClr val="accent1"/>
-          </a:fillRef>
-          <a:effectRef idx="1">
-            <a:schemeClr val="accent1"/>
-          </a:effectRef>
-          <a:fontRef idx="minor">
-            <a:schemeClr val="tx1"/>
-          </a:fontRef>
-        </p:style>
-      </p:cxnSp>
-      <p:cxnSp>
-        <p:nvCxnSpPr>
-          <p:cNvPr id="33" name="Straight Connector 32"/>
-          <p:cNvCxnSpPr>
-            <a:stCxn id="8" idx="2"/>
-            <a:endCxn id="29" idx="0"/>
-          </p:cNvCxnSpPr>
-          <p:nvPr/>
-        </p:nvCxnSpPr>
-        <p:spPr>
-          <a:xfrm flipH="1">
-            <a:off x="5712982" y="4546600"/>
-            <a:ext cx="2018" cy="228600"/>
-          </a:xfrm>
-          <a:prstGeom prst="line">
-            <a:avLst/>
-          </a:prstGeom>
-        </p:spPr>
-        <p:style>
-          <a:lnRef idx="2">
-            <a:schemeClr val="accent1"/>
-          </a:lnRef>
-          <a:fillRef idx="0">
-            <a:schemeClr val="accent1"/>
-          </a:fillRef>
-          <a:effectRef idx="1">
-            <a:schemeClr val="accent1"/>
-          </a:effectRef>
-          <a:fontRef idx="minor">
-            <a:schemeClr val="tx1"/>
-          </a:fontRef>
-        </p:style>
-      </p:cxnSp>
-      <p:cxnSp>
-        <p:nvCxnSpPr>
-          <p:cNvPr id="35" name="Straight Connector 34"/>
-          <p:cNvCxnSpPr>
-            <a:stCxn id="8" idx="2"/>
-            <a:endCxn id="30" idx="0"/>
-          </p:cNvCxnSpPr>
-          <p:nvPr/>
-        </p:nvCxnSpPr>
-        <p:spPr>
-          <a:xfrm>
-            <a:off x="5715000" y="4546600"/>
-            <a:ext cx="1238250" cy="228600"/>
-          </a:xfrm>
-          <a:prstGeom prst="line">
-            <a:avLst/>
-          </a:prstGeom>
-        </p:spPr>
-        <p:style>
-          <a:lnRef idx="2">
-            <a:schemeClr val="accent1"/>
-          </a:lnRef>
-          <a:fillRef idx="0">
-            <a:schemeClr val="accent1"/>
-          </a:fillRef>
-          <a:effectRef idx="1">
-            <a:schemeClr val="accent1"/>
-          </a:effectRef>
-          <a:fontRef idx="minor">
-            <a:schemeClr val="tx1"/>
-          </a:fontRef>
-        </p:style>
-      </p:cxnSp>
+        </p:grpSpPr>
+        <p:sp>
+          <p:nvSpPr>
+            <p:cNvPr id="8" name="Rectangle 7"/>
+            <p:cNvSpPr/>
+            <p:nvPr/>
+          </p:nvSpPr>
+          <p:spPr>
+            <a:xfrm>
+              <a:off x="3937000" y="4076700"/>
+              <a:ext cx="3556000" cy="469900"/>
+            </a:xfrm>
+            <a:prstGeom prst="rect">
+              <a:avLst/>
+            </a:prstGeom>
+          </p:spPr>
+          <p:style>
+            <a:lnRef idx="1">
+              <a:schemeClr val="accent1"/>
+            </a:lnRef>
+            <a:fillRef idx="3">
+              <a:schemeClr val="accent1"/>
+            </a:fillRef>
+            <a:effectRef idx="2">
+              <a:schemeClr val="accent1"/>
+            </a:effectRef>
+            <a:fontRef idx="minor">
+              <a:schemeClr val="lt1"/>
+            </a:fontRef>
+          </p:style>
+          <p:txBody>
+            <a:bodyPr rtlCol="0" anchor="ctr"/>
+            <a:lstStyle/>
+            <a:p>
+              <a:pPr algn="ctr"/>
+              <a:r>
+                <a:rPr lang="en-US" dirty="0" smtClean="0"/>
+                <a:t>API</a:t>
+              </a:r>
+              <a:endParaRPr lang="en-US" dirty="0"/>
+            </a:p>
+          </p:txBody>
+        </p:sp>
+        <p:sp>
+          <p:nvSpPr>
+            <p:cNvPr id="26" name="Rectangle 25"/>
+            <p:cNvSpPr/>
+            <p:nvPr/>
+          </p:nvSpPr>
+          <p:spPr>
+            <a:xfrm>
+              <a:off x="3937000" y="4775200"/>
+              <a:ext cx="1066800" cy="673100"/>
+            </a:xfrm>
+            <a:prstGeom prst="rect">
+              <a:avLst/>
+            </a:prstGeom>
+          </p:spPr>
+          <p:style>
+            <a:lnRef idx="1">
+              <a:schemeClr val="accent1"/>
+            </a:lnRef>
+            <a:fillRef idx="3">
+              <a:schemeClr val="accent1"/>
+            </a:fillRef>
+            <a:effectRef idx="2">
+              <a:schemeClr val="accent1"/>
+            </a:effectRef>
+            <a:fontRef idx="minor">
+              <a:schemeClr val="lt1"/>
+            </a:fontRef>
+          </p:style>
+          <p:txBody>
+            <a:bodyPr rtlCol="0" anchor="ctr"/>
+            <a:lstStyle/>
+            <a:p>
+              <a:pPr algn="ctr"/>
+              <a:r>
+                <a:rPr lang="en-US" sz="1400" dirty="0" smtClean="0"/>
+                <a:t>Citizens medical records</a:t>
+              </a:r>
+              <a:endParaRPr lang="en-US" sz="1400" dirty="0"/>
+            </a:p>
+          </p:txBody>
+        </p:sp>
+        <p:sp>
+          <p:nvSpPr>
+            <p:cNvPr id="29" name="Rectangle 28"/>
+            <p:cNvSpPr/>
+            <p:nvPr/>
+          </p:nvSpPr>
+          <p:spPr>
+            <a:xfrm>
+              <a:off x="5207000" y="4775200"/>
+              <a:ext cx="1011963" cy="673100"/>
+            </a:xfrm>
+            <a:prstGeom prst="rect">
+              <a:avLst/>
+            </a:prstGeom>
+          </p:spPr>
+          <p:style>
+            <a:lnRef idx="1">
+              <a:schemeClr val="accent1"/>
+            </a:lnRef>
+            <a:fillRef idx="3">
+              <a:schemeClr val="accent1"/>
+            </a:fillRef>
+            <a:effectRef idx="2">
+              <a:schemeClr val="accent1"/>
+            </a:effectRef>
+            <a:fontRef idx="minor">
+              <a:schemeClr val="lt1"/>
+            </a:fontRef>
+          </p:style>
+          <p:txBody>
+            <a:bodyPr rtlCol="0" anchor="ctr"/>
+            <a:lstStyle/>
+            <a:p>
+              <a:pPr algn="ctr"/>
+              <a:r>
+                <a:rPr lang="en-US" sz="1400" dirty="0" smtClean="0"/>
+                <a:t>Citizens medical records</a:t>
+              </a:r>
+              <a:endParaRPr lang="en-US" sz="1400" dirty="0"/>
+            </a:p>
+          </p:txBody>
+        </p:sp>
+        <p:sp>
+          <p:nvSpPr>
+            <p:cNvPr id="30" name="Rectangle 29"/>
+            <p:cNvSpPr/>
+            <p:nvPr/>
+          </p:nvSpPr>
+          <p:spPr>
+            <a:xfrm>
+              <a:off x="6413500" y="4775200"/>
+              <a:ext cx="1079500" cy="673100"/>
+            </a:xfrm>
+            <a:prstGeom prst="rect">
+              <a:avLst/>
+            </a:prstGeom>
+          </p:spPr>
+          <p:style>
+            <a:lnRef idx="1">
+              <a:schemeClr val="accent1"/>
+            </a:lnRef>
+            <a:fillRef idx="3">
+              <a:schemeClr val="accent1"/>
+            </a:fillRef>
+            <a:effectRef idx="2">
+              <a:schemeClr val="accent1"/>
+            </a:effectRef>
+            <a:fontRef idx="minor">
+              <a:schemeClr val="lt1"/>
+            </a:fontRef>
+          </p:style>
+          <p:txBody>
+            <a:bodyPr rtlCol="0" anchor="ctr"/>
+            <a:lstStyle/>
+            <a:p>
+              <a:pPr algn="ctr"/>
+              <a:r>
+                <a:rPr lang="en-US" sz="1400" dirty="0" smtClean="0"/>
+                <a:t>Citizens medical records</a:t>
+              </a:r>
+              <a:endParaRPr lang="en-US" sz="1400" dirty="0"/>
+            </a:p>
+          </p:txBody>
+        </p:sp>
+        <p:cxnSp>
+          <p:nvCxnSpPr>
+            <p:cNvPr id="31" name="Straight Connector 30"/>
+            <p:cNvCxnSpPr>
+              <a:stCxn id="8" idx="2"/>
+              <a:endCxn id="26" idx="0"/>
+            </p:cNvCxnSpPr>
+            <p:nvPr/>
+          </p:nvCxnSpPr>
+          <p:spPr>
+            <a:xfrm flipH="1">
+              <a:off x="4470400" y="4546600"/>
+              <a:ext cx="1244600" cy="228600"/>
+            </a:xfrm>
+            <a:prstGeom prst="line">
+              <a:avLst/>
+            </a:prstGeom>
+          </p:spPr>
+          <p:style>
+            <a:lnRef idx="2">
+              <a:schemeClr val="accent1"/>
+            </a:lnRef>
+            <a:fillRef idx="0">
+              <a:schemeClr val="accent1"/>
+            </a:fillRef>
+            <a:effectRef idx="1">
+              <a:schemeClr val="accent1"/>
+            </a:effectRef>
+            <a:fontRef idx="minor">
+              <a:schemeClr val="tx1"/>
+            </a:fontRef>
+          </p:style>
+        </p:cxnSp>
+        <p:cxnSp>
+          <p:nvCxnSpPr>
+            <p:cNvPr id="33" name="Straight Connector 32"/>
+            <p:cNvCxnSpPr>
+              <a:stCxn id="8" idx="2"/>
+              <a:endCxn id="29" idx="0"/>
+            </p:cNvCxnSpPr>
+            <p:nvPr/>
+          </p:nvCxnSpPr>
+          <p:spPr>
+            <a:xfrm flipH="1">
+              <a:off x="5712982" y="4546600"/>
+              <a:ext cx="2018" cy="228600"/>
+            </a:xfrm>
+            <a:prstGeom prst="line">
+              <a:avLst/>
+            </a:prstGeom>
+          </p:spPr>
+          <p:style>
+            <a:lnRef idx="2">
+              <a:schemeClr val="accent1"/>
+            </a:lnRef>
+            <a:fillRef idx="0">
+              <a:schemeClr val="accent1"/>
+            </a:fillRef>
+            <a:effectRef idx="1">
+              <a:schemeClr val="accent1"/>
+            </a:effectRef>
+            <a:fontRef idx="minor">
+              <a:schemeClr val="tx1"/>
+            </a:fontRef>
+          </p:style>
+        </p:cxnSp>
+        <p:cxnSp>
+          <p:nvCxnSpPr>
+            <p:cNvPr id="35" name="Straight Connector 34"/>
+            <p:cNvCxnSpPr>
+              <a:stCxn id="8" idx="2"/>
+              <a:endCxn id="30" idx="0"/>
+            </p:cNvCxnSpPr>
+            <p:nvPr/>
+          </p:nvCxnSpPr>
+          <p:spPr>
+            <a:xfrm>
+              <a:off x="5715000" y="4546600"/>
+              <a:ext cx="1238250" cy="228600"/>
+            </a:xfrm>
+            <a:prstGeom prst="line">
+              <a:avLst/>
+            </a:prstGeom>
+          </p:spPr>
+          <p:style>
+            <a:lnRef idx="2">
+              <a:schemeClr val="accent1"/>
+            </a:lnRef>
+            <a:fillRef idx="0">
+              <a:schemeClr val="accent1"/>
+            </a:fillRef>
+            <a:effectRef idx="1">
+              <a:schemeClr val="accent1"/>
+            </a:effectRef>
+            <a:fontRef idx="minor">
+              <a:schemeClr val="tx1"/>
+            </a:fontRef>
+          </p:style>
+        </p:cxnSp>
+      </p:grpSp>
       <p:grpSp>
         <p:nvGrpSpPr>
           <p:cNvPr id="11" name="Group 10"/>
@@ -10351,6 +10435,25 @@
               <a:t>?</a:t>
             </a:r>
             <a:endParaRPr lang="en-US" sz="1400" dirty="0"/>
+          </a:p>
+        </p:txBody>
+      </p:sp>
+      <p:sp>
+        <p:nvSpPr>
+          <p:cNvPr id="9" name="Text Placeholder 8"/>
+          <p:cNvSpPr>
+            <a:spLocks noGrp="1"/>
+          </p:cNvSpPr>
+          <p:nvPr>
+            <p:ph type="body" sz="quarter" idx="13"/>
+          </p:nvPr>
+        </p:nvSpPr>
+        <p:spPr/>
+        <p:txBody>
+          <a:bodyPr/>
+          <a:lstStyle/>
+          <a:p>
+            <a:endParaRPr lang="en-US"/>
           </a:p>
         </p:txBody>
       </p:sp>
@@ -10627,7 +10730,6 @@
               <a:rPr lang="en-US" dirty="0"/>
               <a:t>API’s containing patient related data</a:t>
             </a:r>
-            <a:endParaRPr lang="en-US" dirty="0"/>
           </a:p>
         </p:txBody>
       </p:sp>
@@ -10706,29 +10808,13 @@
             <a:pPr lvl="1"/>
             <a:r>
               <a:rPr lang="en-US" dirty="0" smtClean="0"/>
-              <a:t>But still </a:t>
-            </a:r>
+              <a:t>But still authenticated as 20121212-1212 against MVK while authorizing the client</a:t>
+            </a:r>
+          </a:p>
+          <a:p>
             <a:r>
               <a:rPr lang="en-US" dirty="0" smtClean="0"/>
-              <a:t>authenticated as 20121212-1212 </a:t>
-            </a:r>
-            <a:r>
-              <a:rPr lang="en-US" dirty="0" smtClean="0"/>
-              <a:t>against MVK while authorizing the </a:t>
-            </a:r>
-            <a:r>
-              <a:rPr lang="en-US" dirty="0" smtClean="0"/>
-              <a:t>client</a:t>
-            </a:r>
-          </a:p>
-          <a:p>
-            <a:r>
-              <a:rPr lang="en-US" dirty="0" smtClean="0"/>
-              <a:t>Twitter</a:t>
-            </a:r>
-            <a:r>
-              <a:rPr lang="en-US" dirty="0" smtClean="0"/>
-              <a:t>, Facebook </a:t>
+              <a:t>Twitter, Facebook </a:t>
             </a:r>
             <a:r>
               <a:rPr lang="en-US" dirty="0" err="1" smtClean="0"/>
@@ -10828,7 +10914,6 @@
               <a:rPr lang="en-US" dirty="0"/>
               <a:t>API’s containing patient related data</a:t>
             </a:r>
-            <a:endParaRPr lang="en-US" dirty="0"/>
           </a:p>
         </p:txBody>
       </p:sp>
@@ -11381,7 +11466,6 @@
               <a:rPr lang="en-US" dirty="0"/>
               <a:t>API’s containing patient related data</a:t>
             </a:r>
-            <a:endParaRPr lang="en-US" dirty="0"/>
           </a:p>
         </p:txBody>
       </p:sp>
@@ -11553,7 +11637,6 @@
               <a:rPr lang="en-US" dirty="0"/>
               <a:t>API’s containing patient related data</a:t>
             </a:r>
-            <a:endParaRPr lang="en-US" dirty="0"/>
           </a:p>
         </p:txBody>
       </p:sp>
@@ -11576,11 +11659,7 @@
           <a:p>
             <a:r>
               <a:rPr lang="en-US" dirty="0" smtClean="0"/>
-              <a:t>Exercise </a:t>
-            </a:r>
-            <a:r>
-              <a:rPr lang="en-US" dirty="0" smtClean="0"/>
-              <a:t>2</a:t>
+              <a:t>Exercise 2</a:t>
             </a:r>
             <a:endParaRPr lang="en-US" dirty="0"/>
           </a:p>
@@ -11610,11 +11689,7 @@
             </a:r>
             <a:r>
               <a:rPr lang="en-US" dirty="0" smtClean="0"/>
-              <a:t>API</a:t>
-            </a:r>
-            <a:r>
-              <a:rPr lang="en-US" dirty="0" smtClean="0"/>
-              <a:t>´s containing patient related data.</a:t>
+              <a:t>API´s containing patient related data.</a:t>
             </a:r>
             <a:endParaRPr lang="en-US" dirty="0"/>
           </a:p>
@@ -11698,20 +11773,14 @@
         </p:nvSpPr>
         <p:spPr/>
         <p:txBody>
-          <a:bodyPr/>
+          <a:bodyPr>
+            <a:normAutofit fontScale="90000"/>
+          </a:bodyPr>
           <a:lstStyle/>
           <a:p>
             <a:r>
-              <a:rPr lang="en-US" dirty="0" smtClean="0"/>
-              <a:t>Simple </a:t>
-            </a:r>
-            <a:r>
-              <a:rPr lang="en-US" dirty="0" err="1" smtClean="0"/>
-              <a:t>OAuth</a:t>
-            </a:r>
-            <a:r>
-              <a:rPr lang="en-US" dirty="0" smtClean="0"/>
-              <a:t> 2.0 API Client</a:t>
+              <a:rPr lang="en-US" dirty="0"/>
+              <a:t>API’s containing patient related data</a:t>
             </a:r>
             <a:endParaRPr lang="en-US" dirty="0"/>
           </a:p>
@@ -11736,7 +11805,19 @@
           <a:p>
             <a:r>
               <a:rPr lang="en-US" dirty="0" smtClean="0"/>
-              <a:t>Exercise 3</a:t>
+              <a:t>Exercise </a:t>
+            </a:r>
+            <a:r>
+              <a:rPr lang="en-US" dirty="0" smtClean="0"/>
+              <a:t>3, Simple </a:t>
+            </a:r>
+            <a:r>
+              <a:rPr lang="en-US" dirty="0" err="1" smtClean="0"/>
+              <a:t>OAuth</a:t>
+            </a:r>
+            <a:r>
+              <a:rPr lang="en-US" dirty="0" smtClean="0"/>
+              <a:t> 2.0 API Client </a:t>
             </a:r>
             <a:endParaRPr lang="en-US" dirty="0"/>
           </a:p>
@@ -12051,11 +12132,7 @@
           <a:p>
             <a:r>
               <a:rPr lang="en-US" sz="1800" dirty="0" smtClean="0"/>
-              <a:t>Practical </a:t>
-            </a:r>
-            <a:r>
-              <a:rPr lang="en-US" sz="1800" dirty="0" smtClean="0"/>
-              <a:t>info</a:t>
+              <a:t>Practical info</a:t>
             </a:r>
           </a:p>
           <a:p>
@@ -12080,21 +12157,8 @@
           <a:p>
             <a:r>
               <a:rPr lang="en-US" sz="1800" dirty="0" smtClean="0"/>
-              <a:t>API’s </a:t>
-            </a:r>
-            <a:r>
-              <a:rPr lang="en-US" sz="1800" dirty="0" smtClean="0"/>
-              <a:t>containing patient </a:t>
-            </a:r>
-            <a:r>
-              <a:rPr lang="en-US" sz="1800" dirty="0" smtClean="0"/>
-              <a:t>related </a:t>
-            </a:r>
-            <a:r>
-              <a:rPr lang="en-US" sz="1800" dirty="0" smtClean="0"/>
-              <a:t>data</a:t>
-            </a:r>
-            <a:endParaRPr lang="en-US" sz="1800" dirty="0" smtClean="0"/>
+              <a:t>API’s containing patient related data</a:t>
+            </a:r>
           </a:p>
           <a:p>
             <a:pPr lvl="1"/>
@@ -12250,7 +12314,7 @@
           <a:p>
             <a:r>
               <a:rPr lang="en-US" dirty="0" smtClean="0"/>
-              <a:t>Backend</a:t>
+              <a:t>Building the App</a:t>
             </a:r>
             <a:endParaRPr lang="en-US" dirty="0"/>
           </a:p>
@@ -12275,12 +12339,9 @@
           <a:p>
             <a:r>
               <a:rPr lang="en-US" dirty="0" smtClean="0"/>
-              <a:t>Exercise </a:t>
-            </a:r>
-            <a:r>
-              <a:rPr lang="en-US" dirty="0"/>
-              <a:t>4</a:t>
-            </a:r>
+              <a:t>Backend</a:t>
+            </a:r>
+            <a:endParaRPr lang="en-US" dirty="0"/>
           </a:p>
         </p:txBody>
       </p:sp>
@@ -12302,20 +12363,6 @@
             <a:pPr marL="0" indent="0">
               <a:buNone/>
             </a:pPr>
-            <a:r>
-              <a:rPr lang="en-US" dirty="0" smtClean="0"/>
-              <a:t>Build the app backend to handle the </a:t>
-            </a:r>
-            <a:r>
-              <a:rPr lang="en-US" dirty="0" err="1" smtClean="0"/>
-              <a:t>OAuth</a:t>
-            </a:r>
-            <a:r>
-              <a:rPr lang="en-US" dirty="0" smtClean="0"/>
-              <a:t> 2.0 integration with SDK and to provide an API for the app. </a:t>
-            </a:r>
-          </a:p>
-          <a:p>
             <a:endParaRPr lang="en-US" dirty="0" smtClean="0"/>
           </a:p>
         </p:txBody>
@@ -12352,7 +12399,7 @@
     </p:spTree>
     <p:extLst>
       <p:ext uri="{BB962C8B-B14F-4D97-AF65-F5344CB8AC3E}">
-        <p14:creationId xmlns:p14="http://schemas.microsoft.com/office/powerpoint/2010/main" val="3668199394"/>
+        <p14:creationId xmlns:p14="http://schemas.microsoft.com/office/powerpoint/2010/main" val="3828188418"/>
       </p:ext>
     </p:extLst>
   </p:cSld>
@@ -12403,7 +12450,7 @@
           <a:p>
             <a:r>
               <a:rPr lang="en-US" dirty="0" smtClean="0"/>
-              <a:t>Frontend</a:t>
+              <a:t>Building the App</a:t>
             </a:r>
             <a:endParaRPr lang="en-US" dirty="0"/>
           </a:p>
@@ -12426,6 +12473,14 @@
           </a:bodyPr>
           <a:lstStyle/>
           <a:p>
+            <a:r>
+              <a:rPr lang="en-US" dirty="0" smtClean="0"/>
+              <a:t>Exercise </a:t>
+            </a:r>
+            <a:r>
+              <a:rPr lang="en-US" dirty="0" smtClean="0"/>
+              <a:t>4, backend</a:t>
+            </a:r>
             <a:endParaRPr lang="en-US" dirty="0"/>
           </a:p>
         </p:txBody>
@@ -12450,20 +12505,23 @@
             </a:pPr>
             <a:r>
               <a:rPr lang="en-US" dirty="0" smtClean="0"/>
-              <a:t>Frontend technologies</a:t>
-            </a:r>
-          </a:p>
-          <a:p>
+              <a:t>Complete the </a:t>
+            </a:r>
             <a:r>
               <a:rPr lang="en-US" dirty="0" smtClean="0"/>
-              <a:t>What’s happening on the frontend</a:t>
-            </a:r>
-          </a:p>
-          <a:p>
+              <a:t>app backend to handle the </a:t>
+            </a:r>
+            <a:r>
+              <a:rPr lang="en-US" dirty="0" err="1" smtClean="0"/>
+              <a:t>OAuth</a:t>
+            </a:r>
             <a:r>
               <a:rPr lang="en-US" dirty="0" smtClean="0"/>
-              <a:t>Short intro to Backbone</a:t>
-            </a:r>
+              <a:t> 2.0 integration with SDK and to provide an API for the app. </a:t>
+            </a:r>
+          </a:p>
+          <a:p>
+            <a:endParaRPr lang="en-US" dirty="0" smtClean="0"/>
           </a:p>
         </p:txBody>
       </p:sp>
@@ -12499,7 +12557,7 @@
     </p:spTree>
     <p:extLst>
       <p:ext uri="{BB962C8B-B14F-4D97-AF65-F5344CB8AC3E}">
-        <p14:creationId xmlns:p14="http://schemas.microsoft.com/office/powerpoint/2010/main" val="3753766513"/>
+        <p14:creationId xmlns:p14="http://schemas.microsoft.com/office/powerpoint/2010/main" val="3668199394"/>
       </p:ext>
     </p:extLst>
   </p:cSld>
@@ -12550,7 +12608,7 @@
           <a:p>
             <a:r>
               <a:rPr lang="en-US" dirty="0" smtClean="0"/>
-              <a:t>Frontend</a:t>
+              <a:t>Building the App</a:t>
             </a:r>
             <a:endParaRPr lang="en-US" dirty="0"/>
           </a:p>
@@ -12575,12 +12633,9 @@
           <a:p>
             <a:r>
               <a:rPr lang="en-US" dirty="0" smtClean="0"/>
-              <a:t>Exercise </a:t>
-            </a:r>
-            <a:r>
-              <a:rPr lang="en-US" dirty="0"/>
-              <a:t>5</a:t>
-            </a:r>
+              <a:t>Frontend</a:t>
+            </a:r>
+            <a:endParaRPr lang="en-US" dirty="0"/>
           </a:p>
         </p:txBody>
       </p:sp>
@@ -12604,17 +12659,29 @@
             </a:pPr>
             <a:r>
               <a:rPr lang="en-US" dirty="0" smtClean="0"/>
-              <a:t>Build a simple client that use the API provided by the backend. </a:t>
+              <a:t>Frontend technologies</a:t>
             </a:r>
           </a:p>
           <a:p>
             <a:r>
               <a:rPr lang="en-US" dirty="0" smtClean="0"/>
-              <a:t>Login user to create a session</a:t>
-            </a:r>
-          </a:p>
-          <a:p>
+              <a:t>What’s happening on the </a:t>
+            </a:r>
+            <a:r>
+              <a:rPr lang="en-US" dirty="0" smtClean="0"/>
+              <a:t>frontend?</a:t>
+            </a:r>
             <a:endParaRPr lang="en-US" dirty="0" smtClean="0"/>
+          </a:p>
+          <a:p>
+            <a:r>
+              <a:rPr lang="en-US" dirty="0" smtClean="0"/>
+              <a:t>Very short </a:t>
+            </a:r>
+            <a:r>
+              <a:rPr lang="en-US" dirty="0" smtClean="0"/>
+              <a:t>intro to Backbone</a:t>
+            </a:r>
           </a:p>
         </p:txBody>
       </p:sp>
@@ -12650,7 +12717,7 @@
     </p:spTree>
     <p:extLst>
       <p:ext uri="{BB962C8B-B14F-4D97-AF65-F5344CB8AC3E}">
-        <p14:creationId xmlns:p14="http://schemas.microsoft.com/office/powerpoint/2010/main" val="3598812586"/>
+        <p14:creationId xmlns:p14="http://schemas.microsoft.com/office/powerpoint/2010/main" val="3753766513"/>
       </p:ext>
     </p:extLst>
   </p:cSld>
@@ -12701,7 +12768,7 @@
           <a:p>
             <a:r>
               <a:rPr lang="en-US" dirty="0" smtClean="0"/>
-              <a:t>Links</a:t>
+              <a:t>Building the App</a:t>
             </a:r>
             <a:endParaRPr lang="en-US" dirty="0"/>
           </a:p>
@@ -12724,7 +12791,15 @@
           </a:bodyPr>
           <a:lstStyle/>
           <a:p>
-            <a:endParaRPr lang="en-US"/>
+            <a:r>
+              <a:rPr lang="en-US" dirty="0" smtClean="0"/>
+              <a:t>Exercise </a:t>
+            </a:r>
+            <a:r>
+              <a:rPr lang="en-US" dirty="0" smtClean="0"/>
+              <a:t>5, frontend</a:t>
+            </a:r>
+            <a:endParaRPr lang="en-US" dirty="0"/>
           </a:p>
         </p:txBody>
       </p:sp>
@@ -12738,7 +12813,12 @@
             <p:ph type="body" sz="quarter" idx="13"/>
           </p:nvPr>
         </p:nvSpPr>
-        <p:spPr/>
+        <p:spPr>
+          <a:xfrm>
+            <a:off x="685800" y="1895027"/>
+            <a:ext cx="4902199" cy="3780000"/>
+          </a:xfrm>
+        </p:spPr>
         <p:txBody>
           <a:bodyPr/>
           <a:lstStyle/>
@@ -12746,137 +12826,28 @@
             <a:pPr marL="0" indent="0">
               <a:buNone/>
             </a:pPr>
-            <a:endParaRPr lang="en-US" sz="1800" dirty="0" smtClean="0">
-              <a:hlinkClick r:id="rId2"/>
-            </a:endParaRPr>
-          </a:p>
-          <a:p>
-            <a:pPr marL="0" indent="0">
-              <a:buNone/>
-            </a:pPr>
-            <a:r>
-              <a:rPr lang="en-US" sz="1800" dirty="0"/>
-              <a:t>http://</a:t>
-            </a:r>
-            <a:r>
-              <a:rPr lang="en-US" sz="1800" dirty="0" err="1"/>
-              <a:t>www.vinnova.se</a:t>
-            </a:r>
-            <a:r>
-              <a:rPr lang="en-US" sz="1800" dirty="0" smtClean="0"/>
-              <a:t>/</a:t>
-            </a:r>
-            <a:endParaRPr lang="en-US" sz="1800" dirty="0" smtClean="0">
-              <a:hlinkClick r:id="rId2"/>
-            </a:endParaRPr>
-          </a:p>
-          <a:p>
-            <a:pPr marL="0" indent="0">
-              <a:buNone/>
-            </a:pPr>
-            <a:r>
-              <a:rPr lang="en-US" sz="1800" dirty="0">
-                <a:hlinkClick r:id="rId2"/>
-              </a:rPr>
-              <a:t>http://sdk.minavardkontakter.se</a:t>
-            </a:r>
-            <a:r>
-              <a:rPr lang="en-US" sz="1800" dirty="0" smtClean="0">
-                <a:hlinkClick r:id="rId2"/>
-              </a:rPr>
-              <a:t>/</a:t>
-            </a:r>
-          </a:p>
-          <a:p>
-            <a:pPr marL="0" indent="0">
-              <a:buNone/>
-            </a:pPr>
-            <a:r>
-              <a:rPr lang="en-US" sz="1800" dirty="0">
-                <a:hlinkClick r:id="rId2"/>
-              </a:rPr>
-              <a:t>http://oauth.net/2</a:t>
-            </a:r>
-            <a:r>
-              <a:rPr lang="en-US" sz="1800" dirty="0" smtClean="0">
-                <a:hlinkClick r:id="rId2"/>
-              </a:rPr>
-              <a:t>/</a:t>
-            </a:r>
-          </a:p>
-          <a:p>
-            <a:pPr marL="0" indent="0">
-              <a:buNone/>
-            </a:pPr>
-            <a:r>
-              <a:rPr lang="en-US" sz="1800" dirty="0">
-                <a:hlinkClick r:id="rId2"/>
-              </a:rPr>
-              <a:t>http://tools.ietf.org/html/draft-ietf-oauth-v2-31</a:t>
-            </a:r>
-            <a:endParaRPr lang="en-US" sz="1800" dirty="0" smtClean="0">
-              <a:hlinkClick r:id="rId2"/>
-            </a:endParaRPr>
-          </a:p>
-          <a:p>
-            <a:pPr marL="0" indent="0">
-              <a:buNone/>
-            </a:pPr>
-            <a:r>
-              <a:rPr lang="en-US" sz="1800" dirty="0" smtClean="0">
-                <a:hlinkClick r:id="rId2"/>
-              </a:rPr>
-              <a:t>https</a:t>
-            </a:r>
-            <a:r>
-              <a:rPr lang="en-US" sz="1800" dirty="0">
-                <a:hlinkClick r:id="rId2"/>
-              </a:rPr>
-              <a:t>://developers.google.com/accounts/docs/</a:t>
-            </a:r>
-            <a:r>
-              <a:rPr lang="en-US" sz="1800" dirty="0" smtClean="0">
-                <a:hlinkClick r:id="rId2"/>
-              </a:rPr>
-              <a:t>OAuth2</a:t>
-            </a:r>
-            <a:endParaRPr lang="en-US" sz="1800" dirty="0" smtClean="0"/>
-          </a:p>
-          <a:p>
-            <a:pPr marL="0" indent="0">
-              <a:buNone/>
-            </a:pPr>
-            <a:r>
-              <a:rPr lang="en-US" sz="1800" dirty="0">
-                <a:hlinkClick r:id="rId3"/>
-              </a:rPr>
-              <a:t>https://developers.facebook.com/docs/reference/dialogs/oauth</a:t>
-            </a:r>
-            <a:r>
-              <a:rPr lang="en-US" sz="1800" dirty="0" smtClean="0">
-                <a:hlinkClick r:id="rId3"/>
-              </a:rPr>
-              <a:t>/</a:t>
-            </a:r>
-            <a:endParaRPr lang="en-US" sz="1800" dirty="0" smtClean="0"/>
-          </a:p>
-          <a:p>
-            <a:pPr marL="0" indent="0">
-              <a:buNone/>
-            </a:pPr>
-            <a:endParaRPr lang="en-US" sz="1800" dirty="0" smtClean="0"/>
-          </a:p>
-          <a:p>
-            <a:pPr marL="0" indent="0">
-              <a:buNone/>
-            </a:pPr>
-            <a:endParaRPr lang="en-US" sz="1800" dirty="0"/>
-          </a:p>
-          <a:p>
-            <a:pPr marL="0" indent="0">
-              <a:buNone/>
-            </a:pPr>
-            <a:endParaRPr lang="en-US" sz="1800" dirty="0"/>
+            <a:r>
+              <a:rPr lang="en-US" dirty="0" smtClean="0"/>
+              <a:t>Complete a </a:t>
+            </a:r>
+            <a:r>
+              <a:rPr lang="en-US" dirty="0" smtClean="0"/>
+              <a:t>simple client that use the API provided by the backend. </a:t>
+            </a:r>
+          </a:p>
+          <a:p>
+            <a:r>
+              <a:rPr lang="en-US" dirty="0" smtClean="0"/>
+              <a:t>Login user to create a </a:t>
+            </a:r>
+            <a:r>
+              <a:rPr lang="en-US" dirty="0" smtClean="0"/>
+              <a:t>session</a:t>
+            </a:r>
+            <a:endParaRPr lang="en-US" dirty="0" smtClean="0"/>
+          </a:p>
+          <a:p>
+            <a:endParaRPr lang="en-US" dirty="0" smtClean="0"/>
           </a:p>
         </p:txBody>
       </p:sp>
@@ -12904,6 +12875,475 @@
                 <a:defRPr/>
               </a:pPr>
               <a:t>23</a:t>
+            </a:fld>
+            <a:endParaRPr lang="sv-SE"/>
+          </a:p>
+        </p:txBody>
+      </p:sp>
+      <p:pic>
+        <p:nvPicPr>
+          <p:cNvPr id="6" name="Picture 5" descr="Screen Shot 2013-01-04 at 14.07.17.png"/>
+          <p:cNvPicPr>
+            <a:picLocks noChangeAspect="1"/>
+          </p:cNvPicPr>
+          <p:nvPr/>
+        </p:nvPicPr>
+        <p:blipFill>
+          <a:blip r:embed="rId2">
+            <a:extLst>
+              <a:ext uri="{28A0092B-C50C-407E-A947-70E740481C1C}">
+                <a14:useLocalDpi xmlns:a14="http://schemas.microsoft.com/office/drawing/2010/main" val="0"/>
+              </a:ext>
+            </a:extLst>
+          </a:blip>
+          <a:stretch>
+            <a:fillRect/>
+          </a:stretch>
+        </p:blipFill>
+        <p:spPr>
+          <a:xfrm>
+            <a:off x="5798476" y="1329270"/>
+            <a:ext cx="2926424" cy="4512777"/>
+          </a:xfrm>
+          <a:prstGeom prst="rect">
+            <a:avLst/>
+          </a:prstGeom>
+        </p:spPr>
+      </p:pic>
+    </p:spTree>
+    <p:extLst>
+      <p:ext uri="{BB962C8B-B14F-4D97-AF65-F5344CB8AC3E}">
+        <p14:creationId xmlns:p14="http://schemas.microsoft.com/office/powerpoint/2010/main" val="3598812586"/>
+      </p:ext>
+    </p:extLst>
+  </p:cSld>
+  <p:clrMapOvr>
+    <a:masterClrMapping/>
+  </p:clrMapOvr>
+  <p:timing>
+    <p:tnLst>
+      <p:par>
+        <p:cTn xmlns:p14="http://schemas.microsoft.com/office/powerpoint/2010/main" id="1" dur="indefinite" restart="never" nodeType="tmRoot"/>
+      </p:par>
+    </p:tnLst>
+  </p:timing>
+</p:sld>
+</file>
+
+<file path=ppt/slides/slide24.xml><?xml version="1.0" encoding="utf-8"?>
+<p:sld xmlns:a="http://schemas.openxmlformats.org/drawingml/2006/main" xmlns:r="http://schemas.openxmlformats.org/officeDocument/2006/relationships" xmlns:p="http://schemas.openxmlformats.org/presentationml/2006/main">
+  <p:cSld>
+    <p:spTree>
+      <p:nvGrpSpPr>
+        <p:cNvPr id="1" name=""/>
+        <p:cNvGrpSpPr/>
+        <p:nvPr/>
+      </p:nvGrpSpPr>
+      <p:grpSpPr>
+        <a:xfrm>
+          <a:off x="0" y="0"/>
+          <a:ext cx="0" cy="0"/>
+          <a:chOff x="0" y="0"/>
+          <a:chExt cx="0" cy="0"/>
+        </a:xfrm>
+      </p:grpSpPr>
+      <p:sp>
+        <p:nvSpPr>
+          <p:cNvPr id="2" name="Title 1"/>
+          <p:cNvSpPr>
+            <a:spLocks noGrp="1"/>
+          </p:cNvSpPr>
+          <p:nvPr>
+            <p:ph type="ctrTitle"/>
+          </p:nvPr>
+        </p:nvSpPr>
+        <p:spPr/>
+        <p:txBody>
+          <a:bodyPr/>
+          <a:lstStyle/>
+          <a:p>
+            <a:r>
+              <a:rPr lang="en-US" dirty="0" smtClean="0"/>
+              <a:t>Summary</a:t>
+            </a:r>
+            <a:endParaRPr lang="en-US" dirty="0"/>
+          </a:p>
+        </p:txBody>
+      </p:sp>
+      <p:sp>
+        <p:nvSpPr>
+          <p:cNvPr id="3" name="Subtitle 2"/>
+          <p:cNvSpPr>
+            <a:spLocks noGrp="1"/>
+          </p:cNvSpPr>
+          <p:nvPr>
+            <p:ph type="subTitle" idx="1"/>
+          </p:nvPr>
+        </p:nvSpPr>
+        <p:spPr/>
+        <p:txBody>
+          <a:bodyPr>
+            <a:normAutofit fontScale="92500" lnSpcReduction="10000"/>
+          </a:bodyPr>
+          <a:lstStyle/>
+          <a:p>
+            <a:endParaRPr lang="en-US"/>
+          </a:p>
+        </p:txBody>
+      </p:sp>
+      <p:sp>
+        <p:nvSpPr>
+          <p:cNvPr id="4" name="Text Placeholder 3"/>
+          <p:cNvSpPr>
+            <a:spLocks noGrp="1"/>
+          </p:cNvSpPr>
+          <p:nvPr>
+            <p:ph type="body" sz="quarter" idx="13"/>
+          </p:nvPr>
+        </p:nvSpPr>
+        <p:spPr/>
+        <p:txBody>
+          <a:bodyPr/>
+          <a:lstStyle/>
+          <a:p>
+            <a:r>
+              <a:rPr lang="en-US" dirty="0" smtClean="0"/>
+              <a:t>Introduction to SDK by VINNOVA</a:t>
+            </a:r>
+          </a:p>
+          <a:p>
+            <a:r>
+              <a:rPr lang="en-US" dirty="0" smtClean="0"/>
+              <a:t>HTTP overview</a:t>
+            </a:r>
+          </a:p>
+          <a:p>
+            <a:r>
+              <a:rPr lang="en-US" dirty="0" err="1" smtClean="0"/>
+              <a:t>OAuth</a:t>
+            </a:r>
+            <a:r>
+              <a:rPr lang="en-US" dirty="0" smtClean="0"/>
+              <a:t> 2.0</a:t>
+            </a:r>
+          </a:p>
+          <a:p>
+            <a:r>
+              <a:rPr lang="en-US" smtClean="0"/>
+              <a:t>Simple application</a:t>
+            </a:r>
+            <a:endParaRPr lang="en-US" dirty="0" smtClean="0"/>
+          </a:p>
+          <a:p>
+            <a:pPr marL="0" indent="0">
+              <a:buNone/>
+            </a:pPr>
+            <a:endParaRPr lang="en-US" dirty="0" smtClean="0"/>
+          </a:p>
+          <a:p>
+            <a:pPr marL="0" indent="0">
+              <a:buNone/>
+            </a:pPr>
+            <a:r>
+              <a:rPr lang="en-US" dirty="0" smtClean="0"/>
+              <a:t>Questions?</a:t>
+            </a:r>
+            <a:endParaRPr lang="en-US" dirty="0" smtClean="0"/>
+          </a:p>
+          <a:p>
+            <a:pPr marL="0" indent="0">
+              <a:buNone/>
+            </a:pPr>
+            <a:endParaRPr lang="en-US" dirty="0"/>
+          </a:p>
+        </p:txBody>
+      </p:sp>
+      <p:sp>
+        <p:nvSpPr>
+          <p:cNvPr id="5" name="Slide Number Placeholder 4"/>
+          <p:cNvSpPr>
+            <a:spLocks noGrp="1"/>
+          </p:cNvSpPr>
+          <p:nvPr>
+            <p:ph type="sldNum" sz="quarter" idx="14"/>
+          </p:nvPr>
+        </p:nvSpPr>
+        <p:spPr/>
+        <p:txBody>
+          <a:bodyPr/>
+          <a:lstStyle/>
+          <a:p>
+            <a:pPr>
+              <a:defRPr/>
+            </a:pPr>
+            <a:fld id="{4AA01602-B999-AA4E-80A6-B21CED3A9C3C}" type="slidenum">
+              <a:rPr lang="sv-SE" smtClean="0"/>
+              <a:pPr>
+                <a:defRPr/>
+              </a:pPr>
+              <a:t>24</a:t>
+            </a:fld>
+            <a:endParaRPr lang="sv-SE"/>
+          </a:p>
+        </p:txBody>
+      </p:sp>
+    </p:spTree>
+    <p:extLst>
+      <p:ext uri="{BB962C8B-B14F-4D97-AF65-F5344CB8AC3E}">
+        <p14:creationId xmlns:p14="http://schemas.microsoft.com/office/powerpoint/2010/main" val="919221336"/>
+      </p:ext>
+    </p:extLst>
+  </p:cSld>
+  <p:clrMapOvr>
+    <a:masterClrMapping/>
+  </p:clrMapOvr>
+  <p:timing>
+    <p:tnLst>
+      <p:par>
+        <p:cTn xmlns:p14="http://schemas.microsoft.com/office/powerpoint/2010/main" id="1" dur="indefinite" restart="never" nodeType="tmRoot"/>
+      </p:par>
+    </p:tnLst>
+  </p:timing>
+</p:sld>
+</file>
+
+<file path=ppt/slides/slide25.xml><?xml version="1.0" encoding="utf-8"?>
+<p:sld xmlns:a="http://schemas.openxmlformats.org/drawingml/2006/main" xmlns:r="http://schemas.openxmlformats.org/officeDocument/2006/relationships" xmlns:p="http://schemas.openxmlformats.org/presentationml/2006/main">
+  <p:cSld>
+    <p:spTree>
+      <p:nvGrpSpPr>
+        <p:cNvPr id="1" name=""/>
+        <p:cNvGrpSpPr/>
+        <p:nvPr/>
+      </p:nvGrpSpPr>
+      <p:grpSpPr>
+        <a:xfrm>
+          <a:off x="0" y="0"/>
+          <a:ext cx="0" cy="0"/>
+          <a:chOff x="0" y="0"/>
+          <a:chExt cx="0" cy="0"/>
+        </a:xfrm>
+      </p:grpSpPr>
+      <p:sp>
+        <p:nvSpPr>
+          <p:cNvPr id="2" name="Title 1"/>
+          <p:cNvSpPr>
+            <a:spLocks noGrp="1"/>
+          </p:cNvSpPr>
+          <p:nvPr>
+            <p:ph type="ctrTitle"/>
+          </p:nvPr>
+        </p:nvSpPr>
+        <p:spPr/>
+        <p:txBody>
+          <a:bodyPr/>
+          <a:lstStyle/>
+          <a:p>
+            <a:r>
+              <a:rPr lang="en-US" dirty="0" smtClean="0"/>
+              <a:t>Links</a:t>
+            </a:r>
+            <a:endParaRPr lang="en-US" dirty="0"/>
+          </a:p>
+        </p:txBody>
+      </p:sp>
+      <p:sp>
+        <p:nvSpPr>
+          <p:cNvPr id="3" name="Subtitle 2"/>
+          <p:cNvSpPr>
+            <a:spLocks noGrp="1"/>
+          </p:cNvSpPr>
+          <p:nvPr>
+            <p:ph type="subTitle" idx="1"/>
+          </p:nvPr>
+        </p:nvSpPr>
+        <p:spPr/>
+        <p:txBody>
+          <a:bodyPr>
+            <a:normAutofit fontScale="92500" lnSpcReduction="10000"/>
+          </a:bodyPr>
+          <a:lstStyle/>
+          <a:p>
+            <a:endParaRPr lang="en-US"/>
+          </a:p>
+        </p:txBody>
+      </p:sp>
+      <p:sp>
+        <p:nvSpPr>
+          <p:cNvPr id="4" name="Text Placeholder 3"/>
+          <p:cNvSpPr>
+            <a:spLocks noGrp="1"/>
+          </p:cNvSpPr>
+          <p:nvPr>
+            <p:ph type="body" sz="quarter" idx="13"/>
+          </p:nvPr>
+        </p:nvSpPr>
+        <p:spPr/>
+        <p:txBody>
+          <a:bodyPr/>
+          <a:lstStyle/>
+          <a:p>
+            <a:pPr marL="0" indent="0">
+              <a:buNone/>
+            </a:pPr>
+            <a:endParaRPr lang="en-US" sz="1800" dirty="0" smtClean="0">
+              <a:hlinkClick r:id="rId2"/>
+            </a:endParaRPr>
+          </a:p>
+          <a:p>
+            <a:pPr marL="0" indent="0">
+              <a:buNone/>
+            </a:pPr>
+            <a:r>
+              <a:rPr lang="en-US" sz="1800" dirty="0"/>
+              <a:t>http://</a:t>
+            </a:r>
+            <a:r>
+              <a:rPr lang="en-US" sz="1800" dirty="0" err="1"/>
+              <a:t>www.vinnova.se</a:t>
+            </a:r>
+            <a:r>
+              <a:rPr lang="en-US" sz="1800" dirty="0" smtClean="0"/>
+              <a:t>/</a:t>
+            </a:r>
+            <a:endParaRPr lang="en-US" sz="1800" dirty="0" smtClean="0">
+              <a:hlinkClick r:id="rId2"/>
+            </a:endParaRPr>
+          </a:p>
+          <a:p>
+            <a:pPr marL="0" indent="0">
+              <a:buNone/>
+            </a:pPr>
+            <a:r>
+              <a:rPr lang="en-US" sz="1800" dirty="0">
+                <a:hlinkClick r:id="rId2"/>
+              </a:rPr>
+              <a:t>http://sdk.minavardkontakter.se</a:t>
+            </a:r>
+            <a:r>
+              <a:rPr lang="en-US" sz="1800" dirty="0" smtClean="0">
+                <a:hlinkClick r:id="rId2"/>
+              </a:rPr>
+              <a:t>/</a:t>
+            </a:r>
+          </a:p>
+          <a:p>
+            <a:pPr marL="0" indent="0">
+              <a:buNone/>
+            </a:pPr>
+            <a:r>
+              <a:rPr lang="en-US" sz="1800" dirty="0">
+                <a:hlinkClick r:id="rId2"/>
+              </a:rPr>
+              <a:t>http://oauth.net/2</a:t>
+            </a:r>
+            <a:r>
+              <a:rPr lang="en-US" sz="1800" dirty="0" smtClean="0">
+                <a:hlinkClick r:id="rId2"/>
+              </a:rPr>
+              <a:t>/</a:t>
+            </a:r>
+          </a:p>
+          <a:p>
+            <a:pPr marL="0" indent="0">
+              <a:buNone/>
+            </a:pPr>
+            <a:r>
+              <a:rPr lang="en-US" sz="1800" dirty="0">
+                <a:hlinkClick r:id="rId2"/>
+              </a:rPr>
+              <a:t>http://tools.ietf.org/html/draft-ietf-oauth-v2-31</a:t>
+            </a:r>
+            <a:endParaRPr lang="en-US" sz="1800" dirty="0" smtClean="0">
+              <a:hlinkClick r:id="rId2"/>
+            </a:endParaRPr>
+          </a:p>
+          <a:p>
+            <a:pPr marL="0" indent="0">
+              <a:buNone/>
+            </a:pPr>
+            <a:r>
+              <a:rPr lang="en-US" sz="1800" dirty="0" smtClean="0">
+                <a:hlinkClick r:id="rId2"/>
+              </a:rPr>
+              <a:t>https</a:t>
+            </a:r>
+            <a:r>
+              <a:rPr lang="en-US" sz="1800" dirty="0">
+                <a:hlinkClick r:id="rId2"/>
+              </a:rPr>
+              <a:t>://developers.google.com/accounts/docs/</a:t>
+            </a:r>
+            <a:r>
+              <a:rPr lang="en-US" sz="1800" dirty="0" smtClean="0">
+                <a:hlinkClick r:id="rId2"/>
+              </a:rPr>
+              <a:t>OAuth2</a:t>
+            </a:r>
+            <a:endParaRPr lang="en-US" sz="1800" dirty="0" smtClean="0"/>
+          </a:p>
+          <a:p>
+            <a:pPr marL="0" indent="0">
+              <a:buNone/>
+            </a:pPr>
+            <a:r>
+              <a:rPr lang="en-US" sz="1800" dirty="0">
+                <a:hlinkClick r:id="rId3"/>
+              </a:rPr>
+              <a:t>https://developers.facebook.com/docs/reference/dialogs/oauth</a:t>
+            </a:r>
+            <a:r>
+              <a:rPr lang="en-US" sz="1800" dirty="0" smtClean="0">
+                <a:hlinkClick r:id="rId3"/>
+              </a:rPr>
+              <a:t>/</a:t>
+            </a:r>
+            <a:endParaRPr lang="en-US" sz="1800" dirty="0" smtClean="0"/>
+          </a:p>
+          <a:p>
+            <a:pPr marL="0" indent="0">
+              <a:buNone/>
+            </a:pPr>
+            <a:endParaRPr lang="en-US" sz="1800" dirty="0" smtClean="0"/>
+          </a:p>
+          <a:p>
+            <a:pPr marL="0" indent="0">
+              <a:buNone/>
+            </a:pPr>
+            <a:endParaRPr lang="en-US" sz="1800" dirty="0"/>
+          </a:p>
+          <a:p>
+            <a:pPr marL="0" indent="0">
+              <a:buNone/>
+            </a:pPr>
+            <a:endParaRPr lang="en-US" sz="1800" dirty="0"/>
+          </a:p>
+        </p:txBody>
+      </p:sp>
+      <p:sp>
+        <p:nvSpPr>
+          <p:cNvPr id="5" name="Slide Number Placeholder 4"/>
+          <p:cNvSpPr>
+            <a:spLocks noGrp="1"/>
+          </p:cNvSpPr>
+          <p:nvPr>
+            <p:ph type="sldNum" sz="quarter" idx="14"/>
+          </p:nvPr>
+        </p:nvSpPr>
+        <p:spPr/>
+        <p:txBody>
+          <a:bodyPr/>
+          <a:lstStyle/>
+          <a:p>
+            <a:pPr>
+              <a:defRPr/>
+            </a:pPr>
+            <a:fld id="{4AA01602-B999-AA4E-80A6-B21CED3A9C3C}" type="slidenum">
+              <a:rPr lang="sv-SE" smtClean="0"/>
+              <a:pPr>
+                <a:defRPr/>
+              </a:pPr>
+              <a:t>25</a:t>
             </a:fld>
             <a:endParaRPr lang="sv-SE"/>
           </a:p>
@@ -13375,13 +13815,7 @@
               <a:rPr lang="en-US" dirty="0" smtClean="0">
                 <a:hlinkClick r:id="rId3"/>
               </a:rPr>
-              <a:t>SDK by </a:t>
-            </a:r>
-            <a:r>
-              <a:rPr lang="en-US" dirty="0" smtClean="0">
-                <a:hlinkClick r:id="rId3"/>
-              </a:rPr>
-              <a:t>VINNOVA</a:t>
+              <a:t>SDK by VINNOVA</a:t>
             </a:r>
             <a:endParaRPr lang="en-US" dirty="0" smtClean="0"/>
           </a:p>
@@ -13390,7 +13824,6 @@
               <a:rPr lang="en-US" dirty="0" smtClean="0"/>
               <a:t>Background</a:t>
             </a:r>
-            <a:endParaRPr lang="en-US" dirty="0" smtClean="0"/>
           </a:p>
         </p:txBody>
       </p:sp>
@@ -13988,17 +14421,12 @@
               <a:rPr lang="en-US" sz="1600" dirty="0" smtClean="0"/>
               <a:t>web</a:t>
             </a:r>
-            <a:endParaRPr lang="en-US" sz="1600" dirty="0" smtClean="0"/>
           </a:p>
           <a:p>
             <a:pPr lvl="1"/>
             <a:r>
               <a:rPr lang="en-US" sz="1600" dirty="0" smtClean="0"/>
-              <a:t>Address </a:t>
-            </a:r>
-            <a:r>
-              <a:rPr lang="en-US" sz="1600" dirty="0" smtClean="0"/>
-              <a:t>+ parameters</a:t>
+              <a:t>Address + parameters</a:t>
             </a:r>
           </a:p>
           <a:p>

--- a/Cadec-vårdens-apier.pptx
+++ b/Cadec-vårdens-apier.pptx
@@ -921,6 +921,501 @@
           <a:p>
             <a:r>
               <a:rPr lang="en-US" dirty="0" smtClean="0"/>
+              <a:t>Resource Owner: En roll </a:t>
+            </a:r>
+            <a:r>
+              <a:rPr lang="en-US" dirty="0" err="1" smtClean="0"/>
+              <a:t>i</a:t>
+            </a:r>
+            <a:r>
+              <a:rPr lang="en-US" dirty="0" smtClean="0"/>
+              <a:t> </a:t>
+            </a:r>
+            <a:r>
+              <a:rPr lang="en-US" dirty="0" err="1" smtClean="0"/>
+              <a:t>OAuth</a:t>
+            </a:r>
+            <a:r>
+              <a:rPr lang="en-US" dirty="0" smtClean="0"/>
+              <a:t> 2.0 </a:t>
+            </a:r>
+            <a:r>
+              <a:rPr lang="en-US" dirty="0" err="1" smtClean="0"/>
+              <a:t>specifikationen</a:t>
+            </a:r>
+            <a:r>
+              <a:rPr lang="en-US" dirty="0" smtClean="0"/>
+              <a:t> </a:t>
+            </a:r>
+            <a:r>
+              <a:rPr lang="en-US" dirty="0" err="1" smtClean="0"/>
+              <a:t>som</a:t>
+            </a:r>
+            <a:r>
+              <a:rPr lang="en-US" dirty="0" smtClean="0"/>
+              <a:t> </a:t>
+            </a:r>
+            <a:r>
+              <a:rPr lang="en-US" dirty="0" err="1" smtClean="0"/>
+              <a:t>pekar</a:t>
+            </a:r>
+            <a:r>
+              <a:rPr lang="en-US" dirty="0" smtClean="0"/>
+              <a:t> </a:t>
+            </a:r>
+            <a:r>
+              <a:rPr lang="en-US" dirty="0" err="1" smtClean="0"/>
+              <a:t>ut</a:t>
+            </a:r>
+            <a:r>
+              <a:rPr lang="en-US" dirty="0" smtClean="0"/>
+              <a:t> </a:t>
+            </a:r>
+            <a:r>
+              <a:rPr lang="en-US" dirty="0" err="1" smtClean="0"/>
+              <a:t>användaren</a:t>
+            </a:r>
+            <a:r>
+              <a:rPr lang="en-US" dirty="0" smtClean="0"/>
+              <a:t> </a:t>
+            </a:r>
+            <a:r>
+              <a:rPr lang="en-US" dirty="0" err="1" smtClean="0"/>
+              <a:t>som</a:t>
+            </a:r>
+            <a:r>
+              <a:rPr lang="en-US" dirty="0" smtClean="0"/>
+              <a:t> </a:t>
+            </a:r>
+            <a:r>
+              <a:rPr lang="en-US" dirty="0" err="1" smtClean="0"/>
+              <a:t>äger</a:t>
+            </a:r>
+            <a:r>
+              <a:rPr lang="en-US" dirty="0" smtClean="0"/>
+              <a:t> en given </a:t>
+            </a:r>
+            <a:r>
+              <a:rPr lang="en-US" dirty="0" err="1" smtClean="0"/>
+              <a:t>resurs</a:t>
+            </a:r>
+            <a:r>
+              <a:rPr lang="en-US" dirty="0" smtClean="0"/>
+              <a:t>.</a:t>
+            </a:r>
+          </a:p>
+          <a:p>
+            <a:r>
+              <a:rPr lang="en-US" dirty="0" smtClean="0"/>
+              <a:t>Client: I </a:t>
+            </a:r>
+            <a:r>
+              <a:rPr lang="en-US" dirty="0" err="1" smtClean="0"/>
+              <a:t>OAuth</a:t>
+            </a:r>
+            <a:r>
+              <a:rPr lang="en-US" dirty="0" smtClean="0"/>
+              <a:t> 2.0-specifikationen </a:t>
+            </a:r>
+            <a:r>
+              <a:rPr lang="en-US" dirty="0" err="1" smtClean="0"/>
+              <a:t>är</a:t>
+            </a:r>
+            <a:r>
+              <a:rPr lang="en-US" dirty="0" smtClean="0"/>
+              <a:t> </a:t>
+            </a:r>
+            <a:r>
+              <a:rPr lang="en-US" dirty="0" err="1" smtClean="0"/>
+              <a:t>klienten</a:t>
+            </a:r>
+            <a:r>
+              <a:rPr lang="en-US" dirty="0" smtClean="0"/>
+              <a:t> </a:t>
+            </a:r>
+            <a:r>
+              <a:rPr lang="en-US" dirty="0" err="1" smtClean="0"/>
+              <a:t>hela</a:t>
+            </a:r>
+            <a:r>
+              <a:rPr lang="en-US" dirty="0" smtClean="0"/>
+              <a:t> </a:t>
+            </a:r>
+            <a:r>
+              <a:rPr lang="en-US" dirty="0" err="1" smtClean="0"/>
+              <a:t>tredjeparts-lösningen</a:t>
+            </a:r>
+            <a:r>
+              <a:rPr lang="en-US" dirty="0" smtClean="0"/>
+              <a:t>. </a:t>
+            </a:r>
+            <a:r>
+              <a:rPr lang="en-US" dirty="0" err="1" smtClean="0"/>
+              <a:t>Det</a:t>
+            </a:r>
+            <a:r>
+              <a:rPr lang="en-US" dirty="0" smtClean="0"/>
+              <a:t> </a:t>
+            </a:r>
+            <a:r>
+              <a:rPr lang="en-US" dirty="0" err="1" smtClean="0"/>
+              <a:t>vill</a:t>
+            </a:r>
+            <a:r>
+              <a:rPr lang="en-US" dirty="0" smtClean="0"/>
+              <a:t> </a:t>
+            </a:r>
+            <a:r>
+              <a:rPr lang="en-US" dirty="0" err="1" smtClean="0"/>
+              <a:t>säga</a:t>
+            </a:r>
+            <a:r>
+              <a:rPr lang="en-US" dirty="0" smtClean="0"/>
+              <a:t> </a:t>
+            </a:r>
+            <a:r>
+              <a:rPr lang="en-US" dirty="0" err="1" smtClean="0"/>
+              <a:t>klienten</a:t>
+            </a:r>
+            <a:r>
+              <a:rPr lang="en-US" dirty="0" smtClean="0"/>
+              <a:t> </a:t>
+            </a:r>
+            <a:r>
+              <a:rPr lang="en-US" dirty="0" err="1" smtClean="0"/>
+              <a:t>är</a:t>
+            </a:r>
+            <a:r>
+              <a:rPr lang="en-US" dirty="0" smtClean="0"/>
+              <a:t> </a:t>
+            </a:r>
+            <a:r>
+              <a:rPr lang="en-US" dirty="0" err="1" smtClean="0"/>
+              <a:t>både</a:t>
+            </a:r>
+            <a:r>
+              <a:rPr lang="en-US" dirty="0" smtClean="0"/>
+              <a:t> back-end </a:t>
+            </a:r>
+            <a:r>
+              <a:rPr lang="en-US" dirty="0" err="1" smtClean="0"/>
+              <a:t>och</a:t>
+            </a:r>
+            <a:r>
+              <a:rPr lang="en-US" dirty="0" smtClean="0"/>
+              <a:t> front-end </a:t>
+            </a:r>
+            <a:r>
+              <a:rPr lang="en-US" dirty="0" err="1" smtClean="0"/>
+              <a:t>av</a:t>
+            </a:r>
+            <a:r>
+              <a:rPr lang="en-US" dirty="0" smtClean="0"/>
+              <a:t> </a:t>
+            </a:r>
+            <a:r>
+              <a:rPr lang="en-US" dirty="0" err="1" smtClean="0"/>
+              <a:t>tredjeparts-lösningen</a:t>
+            </a:r>
+            <a:r>
+              <a:rPr lang="en-US" dirty="0" smtClean="0"/>
+              <a:t>.</a:t>
+            </a:r>
+          </a:p>
+          <a:p>
+            <a:r>
+              <a:rPr lang="en-US" dirty="0" smtClean="0"/>
+              <a:t>Authorization server: En roll </a:t>
+            </a:r>
+            <a:r>
+              <a:rPr lang="en-US" dirty="0" err="1" smtClean="0"/>
+              <a:t>i</a:t>
+            </a:r>
+            <a:r>
+              <a:rPr lang="en-US" dirty="0" smtClean="0"/>
+              <a:t> </a:t>
+            </a:r>
+            <a:r>
+              <a:rPr lang="en-US" dirty="0" err="1" smtClean="0"/>
+              <a:t>OAuth</a:t>
+            </a:r>
+            <a:r>
+              <a:rPr lang="en-US" dirty="0" smtClean="0"/>
+              <a:t> 2.0 </a:t>
+            </a:r>
+            <a:r>
+              <a:rPr lang="en-US" dirty="0" err="1" smtClean="0"/>
+              <a:t>specifikationen</a:t>
+            </a:r>
+            <a:r>
+              <a:rPr lang="en-US" dirty="0" smtClean="0"/>
+              <a:t> </a:t>
+            </a:r>
+            <a:r>
+              <a:rPr lang="en-US" dirty="0" err="1" smtClean="0"/>
+              <a:t>som</a:t>
+            </a:r>
+            <a:r>
+              <a:rPr lang="en-US" dirty="0" smtClean="0"/>
+              <a:t> </a:t>
+            </a:r>
+            <a:r>
+              <a:rPr lang="en-US" dirty="0" err="1" smtClean="0"/>
+              <a:t>pekar</a:t>
+            </a:r>
+            <a:r>
+              <a:rPr lang="en-US" dirty="0" smtClean="0"/>
+              <a:t> </a:t>
+            </a:r>
+            <a:r>
+              <a:rPr lang="en-US" dirty="0" err="1" smtClean="0"/>
+              <a:t>ut</a:t>
+            </a:r>
+            <a:r>
+              <a:rPr lang="en-US" dirty="0" smtClean="0"/>
+              <a:t> den del </a:t>
+            </a:r>
+            <a:r>
+              <a:rPr lang="en-US" dirty="0" err="1" smtClean="0"/>
+              <a:t>som</a:t>
+            </a:r>
+            <a:r>
+              <a:rPr lang="en-US" dirty="0" smtClean="0"/>
+              <a:t> </a:t>
+            </a:r>
+            <a:r>
+              <a:rPr lang="en-US" dirty="0" err="1" smtClean="0"/>
+              <a:t>är</a:t>
+            </a:r>
+            <a:r>
+              <a:rPr lang="en-US" dirty="0" smtClean="0"/>
+              <a:t> </a:t>
+            </a:r>
+            <a:r>
+              <a:rPr lang="en-US" dirty="0" err="1" smtClean="0"/>
+              <a:t>ansvarig</a:t>
+            </a:r>
+            <a:r>
+              <a:rPr lang="en-US" dirty="0" smtClean="0"/>
+              <a:t> </a:t>
+            </a:r>
+            <a:r>
+              <a:rPr lang="en-US" dirty="0" err="1" smtClean="0"/>
+              <a:t>för</a:t>
+            </a:r>
+            <a:r>
+              <a:rPr lang="en-US" dirty="0" smtClean="0"/>
+              <a:t> </a:t>
+            </a:r>
+            <a:r>
+              <a:rPr lang="en-US" dirty="0" err="1" smtClean="0"/>
+              <a:t>auktorisationsadministration</a:t>
+            </a:r>
+            <a:r>
+              <a:rPr lang="en-US" dirty="0" smtClean="0"/>
+              <a:t>.</a:t>
+            </a:r>
+          </a:p>
+          <a:p>
+            <a:r>
+              <a:rPr lang="en-US" dirty="0" smtClean="0"/>
+              <a:t>Resource server:</a:t>
+            </a:r>
+            <a:r>
+              <a:rPr lang="en-US" baseline="0" dirty="0" smtClean="0"/>
+              <a:t> En roll </a:t>
+            </a:r>
+            <a:r>
+              <a:rPr lang="en-US" baseline="0" dirty="0" err="1" smtClean="0"/>
+              <a:t>i</a:t>
+            </a:r>
+            <a:r>
+              <a:rPr lang="en-US" baseline="0" dirty="0" smtClean="0"/>
+              <a:t> </a:t>
+            </a:r>
+            <a:r>
+              <a:rPr lang="en-US" baseline="0" dirty="0" err="1" smtClean="0"/>
+              <a:t>OAuth</a:t>
+            </a:r>
+            <a:r>
+              <a:rPr lang="en-US" baseline="0" dirty="0" smtClean="0"/>
+              <a:t> 2.0 </a:t>
+            </a:r>
+            <a:r>
+              <a:rPr lang="en-US" baseline="0" dirty="0" err="1" smtClean="0"/>
+              <a:t>specifikationen</a:t>
+            </a:r>
+            <a:r>
+              <a:rPr lang="en-US" baseline="0" dirty="0" smtClean="0"/>
+              <a:t> </a:t>
+            </a:r>
+            <a:r>
+              <a:rPr lang="en-US" baseline="0" dirty="0" err="1" smtClean="0"/>
+              <a:t>som</a:t>
+            </a:r>
+            <a:r>
+              <a:rPr lang="en-US" baseline="0" dirty="0" smtClean="0"/>
+              <a:t> </a:t>
+            </a:r>
+            <a:r>
+              <a:rPr lang="en-US" baseline="0" dirty="0" err="1" smtClean="0"/>
+              <a:t>pekar</a:t>
+            </a:r>
+            <a:r>
+              <a:rPr lang="en-US" baseline="0" dirty="0" smtClean="0"/>
+              <a:t> </a:t>
+            </a:r>
+            <a:r>
+              <a:rPr lang="en-US" baseline="0" dirty="0" err="1" smtClean="0"/>
+              <a:t>ut</a:t>
+            </a:r>
+            <a:r>
+              <a:rPr lang="en-US" baseline="0" dirty="0" smtClean="0"/>
+              <a:t> den del </a:t>
+            </a:r>
+            <a:r>
+              <a:rPr lang="en-US" baseline="0" dirty="0" err="1" smtClean="0"/>
+              <a:t>som</a:t>
+            </a:r>
+            <a:r>
+              <a:rPr lang="en-US" baseline="0" dirty="0" smtClean="0"/>
+              <a:t> </a:t>
+            </a:r>
+            <a:r>
+              <a:rPr lang="en-US" baseline="0" dirty="0" err="1" smtClean="0"/>
+              <a:t>är</a:t>
+            </a:r>
+            <a:r>
+              <a:rPr lang="en-US" baseline="0" dirty="0" smtClean="0"/>
+              <a:t> </a:t>
+            </a:r>
+            <a:r>
+              <a:rPr lang="en-US" baseline="0" dirty="0" err="1" smtClean="0"/>
+              <a:t>ansvarig</a:t>
+            </a:r>
+            <a:r>
+              <a:rPr lang="en-US" baseline="0" dirty="0" smtClean="0"/>
+              <a:t> </a:t>
+            </a:r>
+            <a:r>
+              <a:rPr lang="en-US" baseline="0" dirty="0" err="1" smtClean="0"/>
+              <a:t>för</a:t>
+            </a:r>
+            <a:r>
+              <a:rPr lang="en-US" baseline="0" dirty="0" smtClean="0"/>
+              <a:t> </a:t>
+            </a:r>
+            <a:r>
+              <a:rPr lang="en-US" baseline="0" dirty="0" err="1" smtClean="0"/>
+              <a:t>resurshantering</a:t>
+            </a:r>
+            <a:r>
+              <a:rPr lang="en-US" baseline="0" dirty="0" smtClean="0"/>
+              <a:t>/</a:t>
+            </a:r>
+            <a:r>
+              <a:rPr lang="en-US" baseline="0" dirty="0" err="1" smtClean="0"/>
+              <a:t>resursutlämning</a:t>
+            </a:r>
+            <a:r>
+              <a:rPr lang="en-US" baseline="0" dirty="0" smtClean="0"/>
+              <a:t>.</a:t>
+            </a:r>
+            <a:endParaRPr lang="en-US" dirty="0" smtClean="0"/>
+          </a:p>
+          <a:p>
+            <a:endParaRPr lang="en-US" dirty="0"/>
+          </a:p>
+        </p:txBody>
+      </p:sp>
+      <p:sp>
+        <p:nvSpPr>
+          <p:cNvPr id="4" name="Slide Number Placeholder 3"/>
+          <p:cNvSpPr>
+            <a:spLocks noGrp="1"/>
+          </p:cNvSpPr>
+          <p:nvPr>
+            <p:ph type="sldNum" sz="quarter" idx="10"/>
+          </p:nvPr>
+        </p:nvSpPr>
+        <p:spPr/>
+        <p:txBody>
+          <a:bodyPr/>
+          <a:lstStyle/>
+          <a:p>
+            <a:pPr>
+              <a:defRPr/>
+            </a:pPr>
+            <a:fld id="{72F66423-05E2-6345-AF5A-73942C9C3A7C}" type="slidenum">
+              <a:rPr lang="sv-SE" smtClean="0"/>
+              <a:pPr>
+                <a:defRPr/>
+              </a:pPr>
+              <a:t>15</a:t>
+            </a:fld>
+            <a:endParaRPr lang="sv-SE"/>
+          </a:p>
+        </p:txBody>
+      </p:sp>
+    </p:spTree>
+    <p:extLst>
+      <p:ext uri="{BB962C8B-B14F-4D97-AF65-F5344CB8AC3E}">
+        <p14:creationId xmlns:p14="http://schemas.microsoft.com/office/powerpoint/2010/main" val="698192533"/>
+      </p:ext>
+    </p:extLst>
+  </p:cSld>
+  <p:clrMapOvr>
+    <a:masterClrMapping/>
+  </p:clrMapOvr>
+</p:notes>
+</file>
+
+<file path=ppt/notesSlides/notesSlide11.xml><?xml version="1.0" encoding="utf-8"?>
+<p:notes xmlns:a="http://schemas.openxmlformats.org/drawingml/2006/main" xmlns:r="http://schemas.openxmlformats.org/officeDocument/2006/relationships" xmlns:p="http://schemas.openxmlformats.org/presentationml/2006/main">
+  <p:cSld>
+    <p:spTree>
+      <p:nvGrpSpPr>
+        <p:cNvPr id="1" name=""/>
+        <p:cNvGrpSpPr/>
+        <p:nvPr/>
+      </p:nvGrpSpPr>
+      <p:grpSpPr>
+        <a:xfrm>
+          <a:off x="0" y="0"/>
+          <a:ext cx="0" cy="0"/>
+          <a:chOff x="0" y="0"/>
+          <a:chExt cx="0" cy="0"/>
+        </a:xfrm>
+      </p:grpSpPr>
+      <p:sp>
+        <p:nvSpPr>
+          <p:cNvPr id="2" name="Slide Image Placeholder 1"/>
+          <p:cNvSpPr>
+            <a:spLocks noGrp="1" noRot="1" noChangeAspect="1"/>
+          </p:cNvSpPr>
+          <p:nvPr>
+            <p:ph type="sldImg"/>
+          </p:nvPr>
+        </p:nvSpPr>
+        <p:spPr/>
+      </p:sp>
+      <p:sp>
+        <p:nvSpPr>
+          <p:cNvPr id="3" name="Notes Placeholder 2"/>
+          <p:cNvSpPr>
+            <a:spLocks noGrp="1"/>
+          </p:cNvSpPr>
+          <p:nvPr>
+            <p:ph type="body" idx="1"/>
+          </p:nvPr>
+        </p:nvSpPr>
+        <p:spPr/>
+        <p:txBody>
+          <a:bodyPr/>
+          <a:lstStyle/>
+          <a:p>
+            <a:r>
+              <a:rPr lang="en-US" dirty="0" smtClean="0"/>
               <a:t>En </a:t>
             </a:r>
             <a:r>
@@ -1124,6 +1619,272 @@
     <p:extLst>
       <p:ext uri="{BB962C8B-B14F-4D97-AF65-F5344CB8AC3E}">
         <p14:creationId xmlns:p14="http://schemas.microsoft.com/office/powerpoint/2010/main" val="698192533"/>
+      </p:ext>
+    </p:extLst>
+  </p:cSld>
+  <p:clrMapOvr>
+    <a:masterClrMapping/>
+  </p:clrMapOvr>
+</p:notes>
+</file>
+
+<file path=ppt/notesSlides/notesSlide12.xml><?xml version="1.0" encoding="utf-8"?>
+<p:notes xmlns:a="http://schemas.openxmlformats.org/drawingml/2006/main" xmlns:r="http://schemas.openxmlformats.org/officeDocument/2006/relationships" xmlns:p="http://schemas.openxmlformats.org/presentationml/2006/main">
+  <p:cSld>
+    <p:spTree>
+      <p:nvGrpSpPr>
+        <p:cNvPr id="1" name=""/>
+        <p:cNvGrpSpPr/>
+        <p:nvPr/>
+      </p:nvGrpSpPr>
+      <p:grpSpPr>
+        <a:xfrm>
+          <a:off x="0" y="0"/>
+          <a:ext cx="0" cy="0"/>
+          <a:chOff x="0" y="0"/>
+          <a:chExt cx="0" cy="0"/>
+        </a:xfrm>
+      </p:grpSpPr>
+      <p:sp>
+        <p:nvSpPr>
+          <p:cNvPr id="2" name="Slide Image Placeholder 1"/>
+          <p:cNvSpPr>
+            <a:spLocks noGrp="1" noRot="1" noChangeAspect="1"/>
+          </p:cNvSpPr>
+          <p:nvPr>
+            <p:ph type="sldImg"/>
+          </p:nvPr>
+        </p:nvSpPr>
+        <p:spPr/>
+      </p:sp>
+      <p:sp>
+        <p:nvSpPr>
+          <p:cNvPr id="3" name="Notes Placeholder 2"/>
+          <p:cNvSpPr>
+            <a:spLocks noGrp="1"/>
+          </p:cNvSpPr>
+          <p:nvPr>
+            <p:ph type="body" idx="1"/>
+          </p:nvPr>
+        </p:nvSpPr>
+        <p:spPr/>
+        <p:txBody>
+          <a:bodyPr/>
+          <a:lstStyle/>
+          <a:p>
+            <a:pPr marL="0" marR="0" indent="0" algn="l" defTabSz="457200" rtl="0" eaLnBrk="0" fontAlgn="base" latinLnBrk="0" hangingPunct="0">
+              <a:lnSpc>
+                <a:spcPct val="100000"/>
+              </a:lnSpc>
+              <a:spcBef>
+                <a:spcPct val="30000"/>
+              </a:spcBef>
+              <a:spcAft>
+                <a:spcPct val="0"/>
+              </a:spcAft>
+              <a:buClrTx/>
+              <a:buSzTx/>
+              <a:buFontTx/>
+              <a:buNone/>
+              <a:tabLst/>
+              <a:defRPr/>
+            </a:pPr>
+            <a:r>
+              <a:rPr lang="en-US" dirty="0" err="1" smtClean="0"/>
+              <a:t>Kika</a:t>
+            </a:r>
+            <a:r>
+              <a:rPr lang="en-US" dirty="0" smtClean="0"/>
+              <a:t> </a:t>
+            </a:r>
+            <a:r>
+              <a:rPr lang="en-US" dirty="0" err="1" smtClean="0"/>
+              <a:t>på</a:t>
+            </a:r>
+            <a:r>
+              <a:rPr lang="en-US" dirty="0" smtClean="0"/>
+              <a:t> README I </a:t>
+            </a:r>
+            <a:r>
+              <a:rPr lang="en-US" dirty="0" err="1" smtClean="0"/>
+              <a:t>katalogen</a:t>
+            </a:r>
+            <a:r>
+              <a:rPr lang="en-US" dirty="0" smtClean="0"/>
+              <a:t> /lab2</a:t>
+            </a:r>
+          </a:p>
+          <a:p>
+            <a:endParaRPr lang="en-US" dirty="0"/>
+          </a:p>
+        </p:txBody>
+      </p:sp>
+      <p:sp>
+        <p:nvSpPr>
+          <p:cNvPr id="4" name="Slide Number Placeholder 3"/>
+          <p:cNvSpPr>
+            <a:spLocks noGrp="1"/>
+          </p:cNvSpPr>
+          <p:nvPr>
+            <p:ph type="sldNum" sz="quarter" idx="10"/>
+          </p:nvPr>
+        </p:nvSpPr>
+        <p:spPr/>
+        <p:txBody>
+          <a:bodyPr/>
+          <a:lstStyle/>
+          <a:p>
+            <a:pPr>
+              <a:defRPr/>
+            </a:pPr>
+            <a:fld id="{72F66423-05E2-6345-AF5A-73942C9C3A7C}" type="slidenum">
+              <a:rPr lang="sv-SE" smtClean="0"/>
+              <a:pPr>
+                <a:defRPr/>
+              </a:pPr>
+              <a:t>17</a:t>
+            </a:fld>
+            <a:endParaRPr lang="sv-SE"/>
+          </a:p>
+        </p:txBody>
+      </p:sp>
+    </p:spTree>
+    <p:extLst>
+      <p:ext uri="{BB962C8B-B14F-4D97-AF65-F5344CB8AC3E}">
+        <p14:creationId xmlns:p14="http://schemas.microsoft.com/office/powerpoint/2010/main" val="3815961321"/>
+      </p:ext>
+    </p:extLst>
+  </p:cSld>
+  <p:clrMapOvr>
+    <a:masterClrMapping/>
+  </p:clrMapOvr>
+</p:notes>
+</file>
+
+<file path=ppt/notesSlides/notesSlide13.xml><?xml version="1.0" encoding="utf-8"?>
+<p:notes xmlns:a="http://schemas.openxmlformats.org/drawingml/2006/main" xmlns:r="http://schemas.openxmlformats.org/officeDocument/2006/relationships" xmlns:p="http://schemas.openxmlformats.org/presentationml/2006/main">
+  <p:cSld>
+    <p:spTree>
+      <p:nvGrpSpPr>
+        <p:cNvPr id="1" name=""/>
+        <p:cNvGrpSpPr/>
+        <p:nvPr/>
+      </p:nvGrpSpPr>
+      <p:grpSpPr>
+        <a:xfrm>
+          <a:off x="0" y="0"/>
+          <a:ext cx="0" cy="0"/>
+          <a:chOff x="0" y="0"/>
+          <a:chExt cx="0" cy="0"/>
+        </a:xfrm>
+      </p:grpSpPr>
+      <p:sp>
+        <p:nvSpPr>
+          <p:cNvPr id="2" name="Slide Image Placeholder 1"/>
+          <p:cNvSpPr>
+            <a:spLocks noGrp="1" noRot="1" noChangeAspect="1"/>
+          </p:cNvSpPr>
+          <p:nvPr>
+            <p:ph type="sldImg"/>
+          </p:nvPr>
+        </p:nvSpPr>
+        <p:spPr/>
+      </p:sp>
+      <p:sp>
+        <p:nvSpPr>
+          <p:cNvPr id="3" name="Notes Placeholder 2"/>
+          <p:cNvSpPr>
+            <a:spLocks noGrp="1"/>
+          </p:cNvSpPr>
+          <p:nvPr>
+            <p:ph type="body" idx="1"/>
+          </p:nvPr>
+        </p:nvSpPr>
+        <p:spPr/>
+        <p:txBody>
+          <a:bodyPr/>
+          <a:lstStyle/>
+          <a:p>
+            <a:pPr marL="0" marR="0" indent="0" algn="l" defTabSz="457200" rtl="0" eaLnBrk="0" fontAlgn="base" latinLnBrk="0" hangingPunct="0">
+              <a:lnSpc>
+                <a:spcPct val="100000"/>
+              </a:lnSpc>
+              <a:spcBef>
+                <a:spcPct val="30000"/>
+              </a:spcBef>
+              <a:spcAft>
+                <a:spcPct val="0"/>
+              </a:spcAft>
+              <a:buClrTx/>
+              <a:buSzTx/>
+              <a:buFontTx/>
+              <a:buNone/>
+              <a:tabLst/>
+              <a:defRPr/>
+            </a:pPr>
+            <a:r>
+              <a:rPr lang="en-US" dirty="0" err="1" smtClean="0"/>
+              <a:t>Kika</a:t>
+            </a:r>
+            <a:r>
+              <a:rPr lang="en-US" dirty="0" smtClean="0"/>
+              <a:t> </a:t>
+            </a:r>
+            <a:r>
+              <a:rPr lang="en-US" dirty="0" err="1" smtClean="0"/>
+              <a:t>på</a:t>
+            </a:r>
+            <a:r>
+              <a:rPr lang="en-US" dirty="0" smtClean="0"/>
+              <a:t> README I </a:t>
+            </a:r>
+            <a:r>
+              <a:rPr lang="en-US" dirty="0" err="1" smtClean="0"/>
+              <a:t>katalogen</a:t>
+            </a:r>
+            <a:r>
+              <a:rPr lang="en-US" dirty="0" smtClean="0"/>
+              <a:t> /lab3</a:t>
+            </a:r>
+          </a:p>
+          <a:p>
+            <a:endParaRPr lang="en-US" dirty="0"/>
+          </a:p>
+        </p:txBody>
+      </p:sp>
+      <p:sp>
+        <p:nvSpPr>
+          <p:cNvPr id="4" name="Slide Number Placeholder 3"/>
+          <p:cNvSpPr>
+            <a:spLocks noGrp="1"/>
+          </p:cNvSpPr>
+          <p:nvPr>
+            <p:ph type="sldNum" sz="quarter" idx="10"/>
+          </p:nvPr>
+        </p:nvSpPr>
+        <p:spPr/>
+        <p:txBody>
+          <a:bodyPr/>
+          <a:lstStyle/>
+          <a:p>
+            <a:pPr>
+              <a:defRPr/>
+            </a:pPr>
+            <a:fld id="{72F66423-05E2-6345-AF5A-73942C9C3A7C}" type="slidenum">
+              <a:rPr lang="sv-SE" smtClean="0"/>
+              <a:pPr>
+                <a:defRPr/>
+              </a:pPr>
+              <a:t>18</a:t>
+            </a:fld>
+            <a:endParaRPr lang="sv-SE"/>
+          </a:p>
+        </p:txBody>
+      </p:sp>
+    </p:spTree>
+    <p:extLst>
+      <p:ext uri="{BB962C8B-B14F-4D97-AF65-F5344CB8AC3E}">
+        <p14:creationId xmlns:p14="http://schemas.microsoft.com/office/powerpoint/2010/main" val="548233758"/>
       </p:ext>
     </p:extLst>
   </p:cSld>
@@ -1646,10 +2407,114 @@
             </a:r>
           </a:p>
           <a:p>
-            <a:endParaRPr lang="en-US" dirty="0" smtClean="0"/>
-          </a:p>
-          <a:p>
-            <a:endParaRPr lang="en-US" dirty="0"/>
+            <a:endParaRPr lang="en-US" baseline="0" dirty="0" smtClean="0"/>
+          </a:p>
+          <a:p>
+            <a:r>
+              <a:rPr lang="en-US" baseline="0" dirty="0" err="1" smtClean="0"/>
+              <a:t>Exempel</a:t>
+            </a:r>
+            <a:r>
+              <a:rPr lang="en-US" baseline="0" dirty="0" smtClean="0"/>
+              <a:t> -&gt; </a:t>
+            </a:r>
+            <a:r>
+              <a:rPr lang="en-US" baseline="0" dirty="0" err="1" smtClean="0"/>
+              <a:t>kontaktuppgifter</a:t>
+            </a:r>
+            <a:r>
+              <a:rPr lang="en-US" baseline="0" dirty="0" smtClean="0"/>
+              <a:t> </a:t>
+            </a:r>
+            <a:r>
+              <a:rPr lang="en-US" baseline="0" dirty="0" err="1" smtClean="0"/>
+              <a:t>om</a:t>
+            </a:r>
+            <a:r>
+              <a:rPr lang="en-US" baseline="0" dirty="0" smtClean="0"/>
+              <a:t> </a:t>
+            </a:r>
+            <a:r>
+              <a:rPr lang="en-US" baseline="0" dirty="0" err="1" smtClean="0"/>
+              <a:t>enheter</a:t>
+            </a:r>
+            <a:r>
+              <a:rPr lang="en-US" baseline="0" dirty="0" smtClean="0"/>
+              <a:t> </a:t>
+            </a:r>
+            <a:r>
+              <a:rPr lang="en-US" baseline="0" dirty="0" err="1" smtClean="0"/>
+              <a:t>och</a:t>
+            </a:r>
+            <a:r>
+              <a:rPr lang="en-US" baseline="0" dirty="0" smtClean="0"/>
+              <a:t> </a:t>
+            </a:r>
+            <a:r>
+              <a:rPr lang="en-US" baseline="0" dirty="0" err="1" smtClean="0"/>
+              <a:t>funktioner</a:t>
+            </a:r>
+            <a:r>
+              <a:rPr lang="en-US" baseline="0" dirty="0" smtClean="0"/>
+              <a:t> </a:t>
+            </a:r>
+            <a:r>
+              <a:rPr lang="en-US" baseline="0" dirty="0" err="1" smtClean="0"/>
+              <a:t>i</a:t>
+            </a:r>
+            <a:r>
+              <a:rPr lang="en-US" baseline="0" dirty="0" smtClean="0"/>
+              <a:t> </a:t>
+            </a:r>
+            <a:r>
+              <a:rPr lang="en-US" baseline="0" dirty="0" err="1" smtClean="0"/>
+              <a:t>Sveriges</a:t>
+            </a:r>
+            <a:r>
+              <a:rPr lang="en-US" baseline="0" dirty="0" smtClean="0"/>
+              <a:t> </a:t>
+            </a:r>
+            <a:r>
+              <a:rPr lang="en-US" baseline="0" dirty="0" err="1" smtClean="0"/>
+              <a:t>kommuner</a:t>
+            </a:r>
+            <a:r>
+              <a:rPr lang="en-US" baseline="0" dirty="0" smtClean="0"/>
+              <a:t>, </a:t>
+            </a:r>
+            <a:r>
+              <a:rPr lang="en-US" baseline="0" dirty="0" err="1" smtClean="0"/>
+              <a:t>landsting</a:t>
+            </a:r>
+            <a:r>
+              <a:rPr lang="en-US" baseline="0" dirty="0" smtClean="0"/>
+              <a:t> </a:t>
+            </a:r>
+            <a:r>
+              <a:rPr lang="en-US" baseline="0" dirty="0" err="1" smtClean="0"/>
+              <a:t>och</a:t>
+            </a:r>
+            <a:r>
+              <a:rPr lang="en-US" baseline="0" dirty="0" smtClean="0"/>
+              <a:t> </a:t>
+            </a:r>
+            <a:r>
+              <a:rPr lang="en-US" baseline="0" dirty="0" err="1" smtClean="0"/>
+              <a:t>privata</a:t>
+            </a:r>
+            <a:r>
+              <a:rPr lang="en-US" baseline="0" dirty="0" smtClean="0"/>
+              <a:t> </a:t>
+            </a:r>
+            <a:r>
+              <a:rPr lang="en-US" baseline="0" dirty="0" err="1" smtClean="0"/>
+              <a:t>vårdgivare</a:t>
+            </a:r>
+            <a:r>
+              <a:rPr lang="en-US" baseline="0" dirty="0" smtClean="0"/>
+              <a:t>.</a:t>
+            </a:r>
+            <a:endParaRPr lang="en-US" baseline="0" dirty="0" smtClean="0"/>
           </a:p>
         </p:txBody>
       </p:sp>
@@ -1940,6 +2805,64 @@
           </a:p>
           <a:p>
             <a:r>
+              <a:rPr lang="en-US" b="0" baseline="0" dirty="0" err="1" smtClean="0"/>
+              <a:t>Patientbunden</a:t>
+            </a:r>
+            <a:r>
+              <a:rPr lang="en-US" b="0" baseline="0" dirty="0" smtClean="0"/>
+              <a:t> data</a:t>
+            </a:r>
+          </a:p>
+          <a:p>
+            <a:endParaRPr lang="en-US" b="0" baseline="0" dirty="0" smtClean="0"/>
+          </a:p>
+          <a:p>
+            <a:r>
+              <a:rPr lang="en-US" b="0" baseline="0" dirty="0" err="1" smtClean="0"/>
+              <a:t>Exempel</a:t>
+            </a:r>
+            <a:r>
+              <a:rPr lang="en-US" b="0" baseline="0" dirty="0" smtClean="0"/>
+              <a:t> -&gt; </a:t>
+            </a:r>
+            <a:r>
+              <a:rPr lang="en-US" b="0" baseline="0" dirty="0" err="1" smtClean="0"/>
+              <a:t>Hantera</a:t>
+            </a:r>
+            <a:r>
+              <a:rPr lang="en-US" b="0" baseline="0" dirty="0" smtClean="0"/>
+              <a:t> mina </a:t>
+            </a:r>
+            <a:r>
+              <a:rPr lang="en-US" b="0" baseline="0" dirty="0" err="1" smtClean="0"/>
+              <a:t>egna</a:t>
+            </a:r>
+            <a:r>
+              <a:rPr lang="en-US" b="0" baseline="0" dirty="0" smtClean="0"/>
+              <a:t> </a:t>
+            </a:r>
+            <a:r>
+              <a:rPr lang="en-US" b="0" baseline="0" dirty="0" err="1" smtClean="0"/>
+              <a:t>tidbokningar</a:t>
+            </a:r>
+            <a:r>
+              <a:rPr lang="en-US" b="0" baseline="0" dirty="0" smtClean="0"/>
+              <a:t> hos </a:t>
+            </a:r>
+            <a:r>
+              <a:rPr lang="en-US" b="0" baseline="0" dirty="0" err="1" smtClean="0"/>
+              <a:t>vårdgivare</a:t>
+            </a:r>
+            <a:r>
+              <a:rPr lang="en-US" b="0" baseline="0" dirty="0" smtClean="0"/>
+              <a:t>.</a:t>
+            </a:r>
+          </a:p>
+          <a:p>
+            <a:endParaRPr lang="en-US" baseline="0" dirty="0" smtClean="0"/>
+          </a:p>
+          <a:p>
+            <a:r>
               <a:rPr lang="en-US" baseline="0" dirty="0" err="1" smtClean="0"/>
               <a:t>Klicka</a:t>
             </a:r>
@@ -2223,7 +3146,7 @@
           <a:p>
             <a:r>
               <a:rPr lang="en-US" dirty="0" err="1" smtClean="0"/>
-              <a:t>Kort</a:t>
+              <a:t>Kika</a:t>
             </a:r>
             <a:r>
               <a:rPr lang="en-US" dirty="0" smtClean="0"/>
@@ -2231,547 +3154,21 @@
             </a:r>
             <a:r>
               <a:rPr lang="en-US" dirty="0" err="1" smtClean="0"/>
-              <a:t>om</a:t>
+              <a:t>på</a:t>
             </a:r>
             <a:r>
               <a:rPr lang="en-US" dirty="0" smtClean="0"/>
-              <a:t> </a:t>
+              <a:t> README I </a:t>
             </a:r>
             <a:r>
               <a:rPr lang="en-US" dirty="0" err="1" smtClean="0"/>
-              <a:t>API’er</a:t>
+              <a:t>katalogen</a:t>
             </a:r>
             <a:r>
               <a:rPr lang="en-US" dirty="0" smtClean="0"/>
-              <a:t> </a:t>
-            </a:r>
-            <a:r>
-              <a:rPr lang="en-US" dirty="0" err="1" smtClean="0"/>
-              <a:t>för</a:t>
-            </a:r>
-            <a:r>
-              <a:rPr lang="en-US" dirty="0" smtClean="0"/>
-              <a:t> </a:t>
-            </a:r>
-            <a:r>
-              <a:rPr lang="en-US" dirty="0" err="1" smtClean="0"/>
-              <a:t>patientbunden</a:t>
-            </a:r>
-            <a:r>
-              <a:rPr lang="en-US" dirty="0" smtClean="0"/>
-              <a:t> data</a:t>
-            </a:r>
-          </a:p>
-          <a:p>
-            <a:endParaRPr lang="en-US" dirty="0" smtClean="0"/>
-          </a:p>
-          <a:p>
-            <a:r>
-              <a:rPr lang="en-US" dirty="0" smtClean="0"/>
-              <a:t>Nu </a:t>
-            </a:r>
-            <a:r>
-              <a:rPr lang="en-US" dirty="0" err="1" smtClean="0"/>
-              <a:t>har</a:t>
-            </a:r>
-            <a:r>
-              <a:rPr lang="en-US" dirty="0" smtClean="0"/>
-              <a:t> </a:t>
-            </a:r>
-            <a:r>
-              <a:rPr lang="en-US" dirty="0" err="1" smtClean="0"/>
-              <a:t>ni</a:t>
-            </a:r>
-            <a:r>
-              <a:rPr lang="en-US" dirty="0" smtClean="0"/>
-              <a:t> </a:t>
-            </a:r>
-            <a:r>
-              <a:rPr lang="en-US" dirty="0" err="1" smtClean="0"/>
-              <a:t>testat</a:t>
-            </a:r>
-            <a:r>
-              <a:rPr lang="en-US" baseline="0" dirty="0" smtClean="0"/>
-              <a:t> </a:t>
-            </a:r>
-            <a:r>
-              <a:rPr lang="en-US" baseline="0" dirty="0" err="1" smtClean="0"/>
-              <a:t>APIer</a:t>
-            </a:r>
-            <a:r>
-              <a:rPr lang="en-US" baseline="0" dirty="0" smtClean="0"/>
-              <a:t> </a:t>
-            </a:r>
-            <a:r>
-              <a:rPr lang="en-US" baseline="0" dirty="0" err="1" smtClean="0"/>
-              <a:t>för</a:t>
-            </a:r>
-            <a:r>
-              <a:rPr lang="en-US" baseline="0" dirty="0" smtClean="0"/>
-              <a:t> </a:t>
-            </a:r>
-            <a:r>
-              <a:rPr lang="en-US" baseline="0" dirty="0" err="1" smtClean="0"/>
-              <a:t>offentlig</a:t>
-            </a:r>
-            <a:r>
-              <a:rPr lang="en-US" baseline="0" dirty="0" smtClean="0"/>
-              <a:t> data </a:t>
-            </a:r>
-            <a:r>
-              <a:rPr lang="en-US" baseline="0" dirty="0" err="1" smtClean="0"/>
-              <a:t>som</a:t>
-            </a:r>
-            <a:r>
-              <a:rPr lang="en-US" baseline="0" dirty="0" smtClean="0"/>
-              <a:t> </a:t>
-            </a:r>
-            <a:r>
-              <a:rPr lang="en-US" baseline="0" dirty="0" err="1" smtClean="0"/>
-              <a:t>är</a:t>
-            </a:r>
-            <a:r>
-              <a:rPr lang="en-US" baseline="0" dirty="0" smtClean="0"/>
-              <a:t> </a:t>
-            </a:r>
-            <a:r>
-              <a:rPr lang="en-US" baseline="0" dirty="0" err="1" smtClean="0"/>
-              <a:t>helt</a:t>
-            </a:r>
-            <a:r>
-              <a:rPr lang="en-US" baseline="0" dirty="0" smtClean="0"/>
-              <a:t> </a:t>
-            </a:r>
-            <a:r>
-              <a:rPr lang="en-US" baseline="0" dirty="0" err="1" smtClean="0"/>
-              <a:t>öppna</a:t>
-            </a:r>
-            <a:endParaRPr lang="en-US" baseline="0" dirty="0" smtClean="0"/>
-          </a:p>
-          <a:p>
-            <a:endParaRPr lang="en-US" baseline="0" dirty="0" smtClean="0"/>
-          </a:p>
-          <a:p>
-            <a:r>
-              <a:rPr lang="en-US" baseline="0" dirty="0" err="1" smtClean="0"/>
-              <a:t>Apier</a:t>
-            </a:r>
-            <a:r>
-              <a:rPr lang="en-US" baseline="0" dirty="0" smtClean="0"/>
-              <a:t> </a:t>
-            </a:r>
-            <a:r>
-              <a:rPr lang="en-US" baseline="0" dirty="0" err="1" smtClean="0"/>
-              <a:t>för</a:t>
-            </a:r>
-            <a:r>
-              <a:rPr lang="en-US" baseline="0" dirty="0" smtClean="0"/>
-              <a:t> </a:t>
-            </a:r>
-            <a:r>
-              <a:rPr lang="en-US" baseline="0" dirty="0" err="1" smtClean="0"/>
-              <a:t>patientbunden</a:t>
-            </a:r>
-            <a:r>
-              <a:rPr lang="en-US" baseline="0" dirty="0" smtClean="0"/>
-              <a:t> data </a:t>
-            </a:r>
-            <a:r>
-              <a:rPr lang="en-US" baseline="0" dirty="0" err="1" smtClean="0"/>
-              <a:t>kräver</a:t>
-            </a:r>
-            <a:r>
-              <a:rPr lang="en-US" baseline="0" dirty="0" smtClean="0"/>
-              <a:t> en </a:t>
-            </a:r>
-            <a:r>
-              <a:rPr lang="en-US" baseline="0" dirty="0" err="1" smtClean="0"/>
-              <a:t>strikt</a:t>
-            </a:r>
-            <a:r>
-              <a:rPr lang="en-US" baseline="0" dirty="0" smtClean="0"/>
-              <a:t> </a:t>
-            </a:r>
-            <a:r>
-              <a:rPr lang="en-US" baseline="0" dirty="0" err="1" smtClean="0"/>
-              <a:t>åtkomstkontroll</a:t>
-            </a:r>
-            <a:r>
-              <a:rPr lang="en-US" baseline="0" dirty="0" smtClean="0"/>
-              <a:t> </a:t>
-            </a:r>
-            <a:r>
-              <a:rPr lang="en-US" baseline="0" dirty="0" err="1" smtClean="0"/>
-              <a:t>för</a:t>
-            </a:r>
-            <a:r>
-              <a:rPr lang="en-US" baseline="0" dirty="0" smtClean="0"/>
-              <a:t> </a:t>
-            </a:r>
-            <a:r>
-              <a:rPr lang="en-US" baseline="0" dirty="0" err="1" smtClean="0"/>
-              <a:t>att</a:t>
-            </a:r>
-            <a:r>
-              <a:rPr lang="en-US" baseline="0" dirty="0" smtClean="0"/>
-              <a:t> </a:t>
-            </a:r>
-            <a:r>
-              <a:rPr lang="en-US" baseline="0" dirty="0" err="1" smtClean="0"/>
-              <a:t>inte</a:t>
-            </a:r>
-            <a:r>
-              <a:rPr lang="en-US" baseline="0" dirty="0" smtClean="0"/>
-              <a:t> data </a:t>
-            </a:r>
-            <a:r>
-              <a:rPr lang="en-US" baseline="0" dirty="0" err="1" smtClean="0"/>
-              <a:t>skall</a:t>
-            </a:r>
-            <a:r>
-              <a:rPr lang="en-US" baseline="0" dirty="0" smtClean="0"/>
-              <a:t> </a:t>
-            </a:r>
-            <a:r>
-              <a:rPr lang="en-US" baseline="0" dirty="0" err="1" smtClean="0"/>
-              <a:t>hamna</a:t>
-            </a:r>
-            <a:r>
-              <a:rPr lang="en-US" baseline="0" dirty="0" smtClean="0"/>
-              <a:t> </a:t>
-            </a:r>
-            <a:r>
-              <a:rPr lang="en-US" baseline="0" dirty="0" err="1" smtClean="0"/>
-              <a:t>i</a:t>
-            </a:r>
-            <a:r>
-              <a:rPr lang="en-US" baseline="0" dirty="0" smtClean="0"/>
-              <a:t> </a:t>
-            </a:r>
-            <a:r>
-              <a:rPr lang="en-US" baseline="0" dirty="0" err="1" smtClean="0"/>
-              <a:t>orätta</a:t>
-            </a:r>
-            <a:r>
-              <a:rPr lang="en-US" baseline="0" dirty="0" smtClean="0"/>
-              <a:t> </a:t>
-            </a:r>
-            <a:r>
-              <a:rPr lang="en-US" baseline="0" dirty="0" err="1" smtClean="0"/>
-              <a:t>händer</a:t>
-            </a:r>
-            <a:endParaRPr lang="en-US" baseline="0" dirty="0" smtClean="0"/>
-          </a:p>
-          <a:p>
-            <a:endParaRPr lang="en-US" baseline="0" dirty="0" smtClean="0"/>
-          </a:p>
-          <a:p>
-            <a:r>
-              <a:rPr lang="en-US" baseline="0" dirty="0" err="1" smtClean="0"/>
-              <a:t>Förtroende</a:t>
-            </a:r>
-            <a:r>
-              <a:rPr lang="en-US" baseline="0" dirty="0" smtClean="0"/>
-              <a:t> -&gt; </a:t>
-            </a:r>
-            <a:r>
-              <a:rPr lang="en-US" baseline="0" dirty="0" err="1" smtClean="0"/>
-              <a:t>www.minavardkontakter.se</a:t>
-            </a:r>
-            <a:endParaRPr lang="en-US" baseline="0" dirty="0" smtClean="0"/>
-          </a:p>
-          <a:p>
-            <a:endParaRPr lang="en-US" baseline="0" dirty="0" smtClean="0"/>
-          </a:p>
-          <a:p>
-            <a:r>
-              <a:rPr lang="en-US" baseline="0" dirty="0" err="1" smtClean="0"/>
-              <a:t>Identifiering</a:t>
-            </a:r>
-            <a:r>
-              <a:rPr lang="en-US" baseline="0" dirty="0" smtClean="0"/>
-              <a:t> -&gt; </a:t>
-            </a:r>
-            <a:r>
-              <a:rPr lang="en-US" baseline="0" dirty="0" err="1" smtClean="0"/>
-              <a:t>inloggning</a:t>
-            </a:r>
-            <a:r>
-              <a:rPr lang="en-US" baseline="0" dirty="0" smtClean="0"/>
-              <a:t> via </a:t>
-            </a:r>
-            <a:r>
-              <a:rPr lang="en-US" baseline="0" dirty="0" err="1" smtClean="0"/>
-              <a:t>mvk</a:t>
-            </a:r>
-            <a:r>
-              <a:rPr lang="en-US" baseline="0" dirty="0" smtClean="0"/>
-              <a:t> med 2-faktorsautenticering till </a:t>
-            </a:r>
-            <a:r>
-              <a:rPr lang="en-US" baseline="0" dirty="0" err="1" smtClean="0"/>
-              <a:t>excempel</a:t>
-            </a:r>
-            <a:r>
-              <a:rPr lang="en-US" baseline="0" dirty="0" smtClean="0"/>
-              <a:t> e-leg. </a:t>
-            </a:r>
-            <a:r>
-              <a:rPr lang="en-US" baseline="0" dirty="0" err="1" smtClean="0"/>
-              <a:t>Krav</a:t>
-            </a:r>
-            <a:r>
-              <a:rPr lang="en-US" baseline="0" dirty="0" smtClean="0"/>
-              <a:t> </a:t>
-            </a:r>
-            <a:r>
-              <a:rPr lang="en-US" baseline="0" dirty="0" err="1" smtClean="0"/>
-              <a:t>från</a:t>
-            </a:r>
-            <a:r>
-              <a:rPr lang="en-US" baseline="0" dirty="0" smtClean="0"/>
-              <a:t> </a:t>
-            </a:r>
-            <a:r>
-              <a:rPr lang="en-US" baseline="0" dirty="0" err="1" smtClean="0"/>
-              <a:t>datainspektionen</a:t>
-            </a:r>
-            <a:r>
-              <a:rPr lang="en-US" baseline="0" dirty="0" smtClean="0"/>
-              <a:t>.</a:t>
-            </a:r>
-          </a:p>
-          <a:p>
-            <a:endParaRPr lang="en-US" baseline="0" dirty="0" smtClean="0"/>
-          </a:p>
-          <a:p>
-            <a:r>
-              <a:rPr lang="en-US" baseline="0" dirty="0" err="1" smtClean="0"/>
-              <a:t>Tvåfaktorsautentisering</a:t>
-            </a:r>
-            <a:r>
-              <a:rPr lang="en-US" baseline="0" dirty="0" smtClean="0"/>
-              <a:t> – </a:t>
-            </a:r>
-            <a:r>
-              <a:rPr lang="en-US" baseline="0" dirty="0" err="1" smtClean="0"/>
-              <a:t>identitetskontroll</a:t>
-            </a:r>
-            <a:r>
-              <a:rPr lang="en-US" baseline="0" dirty="0" smtClean="0"/>
-              <a:t> med </a:t>
-            </a:r>
-            <a:r>
-              <a:rPr lang="en-US" baseline="0" dirty="0" err="1" smtClean="0"/>
-              <a:t>hjälp</a:t>
-            </a:r>
-            <a:r>
-              <a:rPr lang="en-US" baseline="0" dirty="0" smtClean="0"/>
-              <a:t> </a:t>
-            </a:r>
-            <a:r>
-              <a:rPr lang="en-US" baseline="0" dirty="0" err="1" smtClean="0"/>
-              <a:t>av</a:t>
-            </a:r>
-            <a:r>
-              <a:rPr lang="en-US" baseline="0" dirty="0" smtClean="0"/>
-              <a:t> </a:t>
-            </a:r>
-            <a:r>
-              <a:rPr lang="en-US" baseline="0" dirty="0" err="1" smtClean="0"/>
-              <a:t>två</a:t>
-            </a:r>
-            <a:r>
-              <a:rPr lang="en-US" baseline="0" dirty="0" smtClean="0"/>
-              <a:t> </a:t>
-            </a:r>
-            <a:r>
-              <a:rPr lang="en-US" baseline="0" dirty="0" err="1" smtClean="0"/>
-              <a:t>skilda</a:t>
-            </a:r>
-            <a:r>
-              <a:rPr lang="en-US" baseline="0" dirty="0" smtClean="0"/>
-              <a:t> former </a:t>
-            </a:r>
-            <a:r>
-              <a:rPr lang="en-US" baseline="0" dirty="0" err="1" smtClean="0"/>
-              <a:t>av</a:t>
-            </a:r>
-            <a:r>
-              <a:rPr lang="en-US" baseline="0" dirty="0" smtClean="0"/>
-              <a:t> information, till </a:t>
-            </a:r>
-            <a:r>
-              <a:rPr lang="en-US" baseline="0" dirty="0" err="1" smtClean="0"/>
-              <a:t>exempel</a:t>
-            </a:r>
-            <a:r>
-              <a:rPr lang="en-US" baseline="0" dirty="0" smtClean="0"/>
-              <a:t> </a:t>
-            </a:r>
-            <a:r>
-              <a:rPr lang="en-US" baseline="0" dirty="0" err="1" smtClean="0"/>
-              <a:t>ett</a:t>
-            </a:r>
-            <a:r>
-              <a:rPr lang="en-US" baseline="0" dirty="0" smtClean="0"/>
-              <a:t> </a:t>
-            </a:r>
-            <a:r>
-              <a:rPr lang="en-US" baseline="0" dirty="0" err="1" smtClean="0"/>
-              <a:t>kort</a:t>
-            </a:r>
-            <a:r>
-              <a:rPr lang="en-US" baseline="0" dirty="0" smtClean="0"/>
-              <a:t> </a:t>
-            </a:r>
-            <a:r>
-              <a:rPr lang="en-US" baseline="0" dirty="0" err="1" smtClean="0"/>
-              <a:t>och</a:t>
-            </a:r>
-            <a:r>
-              <a:rPr lang="en-US" baseline="0" dirty="0" smtClean="0"/>
-              <a:t> </a:t>
-            </a:r>
-            <a:r>
-              <a:rPr lang="en-US" baseline="0" dirty="0" err="1" smtClean="0"/>
-              <a:t>ett</a:t>
-            </a:r>
-            <a:r>
-              <a:rPr lang="en-US" baseline="0" dirty="0" smtClean="0"/>
-              <a:t> </a:t>
-            </a:r>
-            <a:r>
-              <a:rPr lang="en-US" baseline="0" dirty="0" err="1" smtClean="0"/>
-              <a:t>lösenord</a:t>
-            </a:r>
-            <a:r>
-              <a:rPr lang="en-US" baseline="0" dirty="0" smtClean="0"/>
-              <a:t>. </a:t>
-            </a:r>
-            <a:r>
-              <a:rPr lang="en-US" baseline="0" dirty="0" err="1" smtClean="0"/>
-              <a:t>Alltså</a:t>
-            </a:r>
-            <a:r>
-              <a:rPr lang="en-US" baseline="0" dirty="0" smtClean="0"/>
-              <a:t> </a:t>
-            </a:r>
-            <a:r>
-              <a:rPr lang="en-US" baseline="0" dirty="0" err="1" smtClean="0"/>
-              <a:t>som</a:t>
-            </a:r>
-            <a:r>
-              <a:rPr lang="en-US" baseline="0" dirty="0" smtClean="0"/>
-              <a:t> </a:t>
-            </a:r>
-            <a:r>
-              <a:rPr lang="en-US" baseline="0" dirty="0" err="1" smtClean="0"/>
-              <a:t>i</a:t>
-            </a:r>
-            <a:r>
-              <a:rPr lang="en-US" baseline="0" dirty="0" smtClean="0"/>
-              <a:t> en </a:t>
-            </a:r>
-            <a:r>
-              <a:rPr lang="en-US" baseline="0" dirty="0" err="1" smtClean="0"/>
-              <a:t>bankomat</a:t>
-            </a:r>
-            <a:r>
-              <a:rPr lang="en-US" baseline="0" dirty="0" smtClean="0"/>
-              <a:t> med "</a:t>
-            </a:r>
-            <a:r>
-              <a:rPr lang="en-US" baseline="0" dirty="0" err="1" smtClean="0"/>
-              <a:t>något</a:t>
-            </a:r>
-            <a:r>
-              <a:rPr lang="en-US" baseline="0" dirty="0" smtClean="0"/>
-              <a:t> man </a:t>
-            </a:r>
-            <a:r>
-              <a:rPr lang="en-US" baseline="0" dirty="0" err="1" smtClean="0"/>
-              <a:t>har</a:t>
-            </a:r>
-            <a:r>
-              <a:rPr lang="en-US" baseline="0" dirty="0" smtClean="0"/>
-              <a:t>" (</a:t>
-            </a:r>
-            <a:r>
-              <a:rPr lang="en-US" baseline="0" dirty="0" err="1" smtClean="0"/>
-              <a:t>kortet</a:t>
-            </a:r>
-            <a:r>
-              <a:rPr lang="en-US" baseline="0" dirty="0" smtClean="0"/>
-              <a:t>) </a:t>
-            </a:r>
-            <a:r>
-              <a:rPr lang="en-US" baseline="0" dirty="0" err="1" smtClean="0"/>
-              <a:t>och</a:t>
-            </a:r>
-            <a:r>
-              <a:rPr lang="en-US" baseline="0" dirty="0" smtClean="0"/>
-              <a:t> "</a:t>
-            </a:r>
-            <a:r>
-              <a:rPr lang="en-US" baseline="0" dirty="0" err="1" smtClean="0"/>
-              <a:t>något</a:t>
-            </a:r>
-            <a:r>
-              <a:rPr lang="en-US" baseline="0" dirty="0" smtClean="0"/>
-              <a:t> man vet" (</a:t>
-            </a:r>
-            <a:r>
-              <a:rPr lang="en-US" baseline="0" dirty="0" err="1" smtClean="0"/>
-              <a:t>pinkoden</a:t>
-            </a:r>
-            <a:r>
-              <a:rPr lang="en-US" baseline="0" dirty="0" smtClean="0"/>
-              <a:t>).</a:t>
-            </a:r>
-          </a:p>
-          <a:p>
-            <a:endParaRPr lang="en-US" baseline="0" dirty="0" smtClean="0"/>
-          </a:p>
-          <a:p>
-            <a:r>
-              <a:rPr lang="en-US" baseline="0" dirty="0" err="1" smtClean="0"/>
-              <a:t>Auktorisation</a:t>
-            </a:r>
-            <a:r>
-              <a:rPr lang="en-US" baseline="0" dirty="0" smtClean="0"/>
-              <a:t>….</a:t>
-            </a:r>
-          </a:p>
-          <a:p>
-            <a:r>
-              <a:rPr lang="en-US" baseline="0" dirty="0" smtClean="0"/>
-              <a:t>   </a:t>
-            </a:r>
-            <a:r>
-              <a:rPr lang="en-US" baseline="0" dirty="0" err="1" smtClean="0"/>
-              <a:t>Oauth</a:t>
-            </a:r>
-            <a:r>
-              <a:rPr lang="en-US" baseline="0" dirty="0" smtClean="0"/>
-              <a:t> 2.0 TADA… </a:t>
-            </a:r>
-            <a:r>
-              <a:rPr lang="en-US" baseline="0" dirty="0" err="1" smtClean="0"/>
-              <a:t>vänd</a:t>
-            </a:r>
-            <a:r>
-              <a:rPr lang="en-US" baseline="0" dirty="0" smtClean="0"/>
-              <a:t> </a:t>
-            </a:r>
-            <a:r>
-              <a:rPr lang="en-US" baseline="0" dirty="0" err="1" smtClean="0"/>
-              <a:t>blad</a:t>
-            </a:r>
-            <a:endParaRPr lang="en-US" baseline="0" dirty="0" smtClean="0"/>
-          </a:p>
-          <a:p>
-            <a:endParaRPr lang="en-US" baseline="0" dirty="0" smtClean="0"/>
+              <a:t> /lab1</a:t>
+            </a:r>
+            <a:endParaRPr lang="en-US" dirty="0"/>
           </a:p>
         </p:txBody>
       </p:sp>
@@ -2798,7 +3195,7 @@
               <a:pPr>
                 <a:defRPr/>
               </a:pPr>
-              <a:t>12</a:t>
+              <a:t>11</a:t>
             </a:fld>
             <a:endParaRPr lang="sv-SE"/>
           </a:p>
@@ -2807,7 +3204,7 @@
     </p:spTree>
     <p:extLst>
       <p:ext uri="{BB962C8B-B14F-4D97-AF65-F5344CB8AC3E}">
-        <p14:creationId xmlns:p14="http://schemas.microsoft.com/office/powerpoint/2010/main" val="422046913"/>
+        <p14:creationId xmlns:p14="http://schemas.microsoft.com/office/powerpoint/2010/main" val="755091883"/>
       </p:ext>
     </p:extLst>
   </p:cSld>
@@ -2862,54 +3259,56 @@
           <a:lstStyle/>
           <a:p>
             <a:r>
-              <a:rPr lang="en-US" dirty="0" smtClean="0"/>
-              <a:t>Visa </a:t>
-            </a:r>
-            <a:r>
-              <a:rPr lang="en-US" dirty="0" err="1" smtClean="0"/>
-              <a:t>på</a:t>
-            </a:r>
-            <a:r>
-              <a:rPr lang="en-US" dirty="0" smtClean="0"/>
-              <a:t> </a:t>
-            </a:r>
-            <a:r>
-              <a:rPr lang="en-US" dirty="0" err="1" smtClean="0"/>
-              <a:t>problemet</a:t>
-            </a:r>
-            <a:endParaRPr lang="en-US" dirty="0" smtClean="0"/>
-          </a:p>
-          <a:p>
-            <a:endParaRPr lang="en-US" dirty="0" smtClean="0"/>
-          </a:p>
-          <a:p>
-            <a:r>
-              <a:rPr lang="en-US" dirty="0" smtClean="0"/>
-              <a:t>Den</a:t>
-            </a:r>
-            <a:r>
-              <a:rPr lang="en-US" baseline="0" dirty="0" smtClean="0"/>
-              <a:t> </a:t>
-            </a:r>
-            <a:r>
-              <a:rPr lang="en-US" baseline="0" dirty="0" err="1" smtClean="0"/>
-              <a:t>naiva</a:t>
-            </a:r>
-            <a:r>
-              <a:rPr lang="en-US" baseline="0" dirty="0" smtClean="0"/>
-              <a:t> </a:t>
-            </a:r>
-            <a:r>
-              <a:rPr lang="en-US" baseline="0" dirty="0" err="1" smtClean="0"/>
-              <a:t>approachen</a:t>
-            </a:r>
-            <a:r>
-              <a:rPr lang="en-US" baseline="0" dirty="0" smtClean="0"/>
-              <a:t> </a:t>
-            </a:r>
-            <a:r>
-              <a:rPr lang="en-US" baseline="0" dirty="0" err="1" smtClean="0"/>
-              <a:t>är</a:t>
+              <a:rPr lang="en-US" baseline="0" dirty="0" err="1" smtClean="0"/>
+              <a:t>Apier</a:t>
+            </a:r>
+            <a:r>
+              <a:rPr lang="en-US" baseline="0" dirty="0" smtClean="0"/>
+              <a:t> </a:t>
+            </a:r>
+            <a:r>
+              <a:rPr lang="en-US" baseline="0" dirty="0" err="1" smtClean="0"/>
+              <a:t>för</a:t>
+            </a:r>
+            <a:r>
+              <a:rPr lang="en-US" baseline="0" dirty="0" smtClean="0"/>
+              <a:t> </a:t>
+            </a:r>
+            <a:r>
+              <a:rPr lang="en-US" baseline="0" dirty="0" err="1" smtClean="0"/>
+              <a:t>patientbunden</a:t>
+            </a:r>
+            <a:r>
+              <a:rPr lang="en-US" baseline="0" dirty="0" smtClean="0"/>
+              <a:t> data </a:t>
+            </a:r>
+            <a:r>
+              <a:rPr lang="en-US" baseline="0" dirty="0" err="1" smtClean="0"/>
+              <a:t>kräver</a:t>
+            </a:r>
+            <a:r>
+              <a:rPr lang="en-US" baseline="0" dirty="0" smtClean="0"/>
+              <a:t> en </a:t>
+            </a:r>
+            <a:r>
+              <a:rPr lang="en-US" baseline="0" dirty="0" err="1" smtClean="0"/>
+              <a:t>strikt</a:t>
+            </a:r>
+            <a:r>
+              <a:rPr lang="en-US" baseline="0" dirty="0" smtClean="0"/>
+              <a:t> </a:t>
+            </a:r>
+            <a:r>
+              <a:rPr lang="en-US" baseline="0" dirty="0" err="1" smtClean="0"/>
+              <a:t>åtkomstkontroll</a:t>
+            </a:r>
+            <a:r>
+              <a:rPr lang="en-US" baseline="0" dirty="0" smtClean="0"/>
+              <a:t> </a:t>
+            </a:r>
+            <a:r>
+              <a:rPr lang="en-US" baseline="0" dirty="0" err="1" smtClean="0"/>
+              <a:t>för</a:t>
             </a:r>
             <a:r>
               <a:rPr lang="en-US" baseline="0" dirty="0" smtClean="0"/>
@@ -2921,10 +3320,396 @@
             </a:r>
             <a:r>
               <a:rPr lang="en-US" baseline="0" dirty="0" smtClean="0"/>
+              <a:t> </a:t>
+            </a:r>
+            <a:r>
+              <a:rPr lang="en-US" baseline="0" dirty="0" err="1" smtClean="0"/>
+              <a:t>inte</a:t>
+            </a:r>
+            <a:r>
+              <a:rPr lang="en-US" baseline="0" dirty="0" smtClean="0"/>
+              <a:t> data </a:t>
+            </a:r>
+            <a:r>
+              <a:rPr lang="en-US" baseline="0" dirty="0" err="1" smtClean="0"/>
+              <a:t>skall</a:t>
+            </a:r>
+            <a:r>
+              <a:rPr lang="en-US" baseline="0" dirty="0" smtClean="0"/>
+              <a:t> </a:t>
+            </a:r>
+            <a:r>
+              <a:rPr lang="en-US" baseline="0" dirty="0" err="1" smtClean="0"/>
+              <a:t>hamna</a:t>
+            </a:r>
+            <a:r>
+              <a:rPr lang="en-US" baseline="0" dirty="0" smtClean="0"/>
+              <a:t> </a:t>
+            </a:r>
+            <a:r>
+              <a:rPr lang="en-US" baseline="0" dirty="0" err="1" smtClean="0"/>
+              <a:t>i</a:t>
+            </a:r>
+            <a:r>
+              <a:rPr lang="en-US" baseline="0" dirty="0" smtClean="0"/>
+              <a:t> </a:t>
+            </a:r>
+            <a:r>
+              <a:rPr lang="en-US" baseline="0" dirty="0" err="1" smtClean="0"/>
+              <a:t>orätta</a:t>
+            </a:r>
+            <a:r>
+              <a:rPr lang="en-US" baseline="0" dirty="0" smtClean="0"/>
+              <a:t> </a:t>
+            </a:r>
+            <a:r>
+              <a:rPr lang="en-US" baseline="0" dirty="0" err="1" smtClean="0"/>
+              <a:t>händer</a:t>
+            </a:r>
+            <a:r>
+              <a:rPr lang="en-US" baseline="0" dirty="0" smtClean="0"/>
+              <a:t>.</a:t>
+            </a:r>
+            <a:endParaRPr lang="en-US" baseline="0" dirty="0" smtClean="0"/>
+          </a:p>
+          <a:p>
+            <a:endParaRPr lang="en-US" baseline="0" dirty="0" smtClean="0"/>
+          </a:p>
+          <a:p>
+            <a:r>
+              <a:rPr lang="en-US" baseline="0" dirty="0" err="1" smtClean="0"/>
+              <a:t>Tvåfaktorsautentisering</a:t>
+            </a:r>
+            <a:r>
+              <a:rPr lang="en-US" baseline="0" dirty="0" smtClean="0"/>
+              <a:t> (</a:t>
+            </a:r>
+            <a:r>
+              <a:rPr lang="en-US" baseline="0" dirty="0" err="1" smtClean="0"/>
+              <a:t>Krav</a:t>
+            </a:r>
+            <a:r>
+              <a:rPr lang="en-US" baseline="0" dirty="0" smtClean="0"/>
+              <a:t> </a:t>
+            </a:r>
+            <a:r>
+              <a:rPr lang="en-US" baseline="0" dirty="0" err="1" smtClean="0"/>
+              <a:t>från</a:t>
+            </a:r>
+            <a:r>
+              <a:rPr lang="en-US" baseline="0" dirty="0" smtClean="0"/>
+              <a:t> </a:t>
+            </a:r>
+            <a:r>
+              <a:rPr lang="en-US" baseline="0" dirty="0" err="1" smtClean="0"/>
+              <a:t>datainspektionen</a:t>
+            </a:r>
+            <a:r>
+              <a:rPr lang="en-US" baseline="0" dirty="0" smtClean="0"/>
+              <a:t>) </a:t>
+            </a:r>
+            <a:r>
+              <a:rPr lang="en-US" baseline="0" dirty="0" smtClean="0"/>
+              <a:t>– </a:t>
+            </a:r>
+            <a:r>
+              <a:rPr lang="en-US" baseline="0" dirty="0" err="1" smtClean="0"/>
+              <a:t>identitetskontroll</a:t>
+            </a:r>
+            <a:r>
+              <a:rPr lang="en-US" baseline="0" dirty="0" smtClean="0"/>
+              <a:t> med </a:t>
+            </a:r>
+            <a:r>
+              <a:rPr lang="en-US" baseline="0" dirty="0" err="1" smtClean="0"/>
+              <a:t>hjälp</a:t>
+            </a:r>
+            <a:r>
+              <a:rPr lang="en-US" baseline="0" dirty="0" smtClean="0"/>
+              <a:t> </a:t>
+            </a:r>
+            <a:r>
+              <a:rPr lang="en-US" baseline="0" dirty="0" err="1" smtClean="0"/>
+              <a:t>av</a:t>
+            </a:r>
+            <a:r>
+              <a:rPr lang="en-US" baseline="0" dirty="0" smtClean="0"/>
+              <a:t> </a:t>
+            </a:r>
+            <a:r>
+              <a:rPr lang="en-US" baseline="0" dirty="0" err="1" smtClean="0"/>
+              <a:t>två</a:t>
+            </a:r>
+            <a:r>
+              <a:rPr lang="en-US" baseline="0" dirty="0" smtClean="0"/>
+              <a:t> </a:t>
+            </a:r>
+            <a:r>
+              <a:rPr lang="en-US" baseline="0" dirty="0" err="1" smtClean="0"/>
+              <a:t>skilda</a:t>
+            </a:r>
+            <a:r>
+              <a:rPr lang="en-US" baseline="0" dirty="0" smtClean="0"/>
+              <a:t> former </a:t>
+            </a:r>
+            <a:r>
+              <a:rPr lang="en-US" baseline="0" dirty="0" err="1" smtClean="0"/>
+              <a:t>av</a:t>
+            </a:r>
+            <a:r>
+              <a:rPr lang="en-US" baseline="0" dirty="0" smtClean="0"/>
+              <a:t> information, till </a:t>
+            </a:r>
+            <a:r>
+              <a:rPr lang="en-US" baseline="0" dirty="0" err="1" smtClean="0"/>
+              <a:t>exempel</a:t>
+            </a:r>
+            <a:r>
+              <a:rPr lang="en-US" baseline="0" dirty="0" smtClean="0"/>
+              <a:t> </a:t>
+            </a:r>
+            <a:r>
+              <a:rPr lang="en-US" baseline="0" dirty="0" err="1" smtClean="0"/>
+              <a:t>ett</a:t>
+            </a:r>
+            <a:r>
+              <a:rPr lang="en-US" baseline="0" dirty="0" smtClean="0"/>
+              <a:t> </a:t>
+            </a:r>
+            <a:r>
+              <a:rPr lang="en-US" baseline="0" dirty="0" err="1" smtClean="0"/>
+              <a:t>kort</a:t>
+            </a:r>
+            <a:r>
+              <a:rPr lang="en-US" baseline="0" dirty="0" smtClean="0"/>
+              <a:t> </a:t>
+            </a:r>
+            <a:r>
+              <a:rPr lang="en-US" baseline="0" dirty="0" err="1" smtClean="0"/>
+              <a:t>och</a:t>
+            </a:r>
+            <a:r>
+              <a:rPr lang="en-US" baseline="0" dirty="0" smtClean="0"/>
+              <a:t> </a:t>
+            </a:r>
+            <a:r>
+              <a:rPr lang="en-US" baseline="0" dirty="0" err="1" smtClean="0"/>
+              <a:t>ett</a:t>
+            </a:r>
+            <a:r>
+              <a:rPr lang="en-US" baseline="0" dirty="0" smtClean="0"/>
+              <a:t> </a:t>
+            </a:r>
+            <a:r>
+              <a:rPr lang="en-US" baseline="0" dirty="0" err="1" smtClean="0"/>
+              <a:t>lösenord</a:t>
+            </a:r>
+            <a:r>
+              <a:rPr lang="en-US" baseline="0" dirty="0" smtClean="0"/>
+              <a:t>. </a:t>
+            </a:r>
+            <a:r>
+              <a:rPr lang="en-US" baseline="0" dirty="0" err="1" smtClean="0"/>
+              <a:t>Alltså</a:t>
+            </a:r>
+            <a:r>
+              <a:rPr lang="en-US" baseline="0" dirty="0" smtClean="0"/>
+              <a:t> </a:t>
+            </a:r>
+            <a:r>
+              <a:rPr lang="en-US" baseline="0" dirty="0" err="1" smtClean="0"/>
+              <a:t>som</a:t>
+            </a:r>
+            <a:r>
+              <a:rPr lang="en-US" baseline="0" dirty="0" smtClean="0"/>
+              <a:t> </a:t>
+            </a:r>
+            <a:r>
+              <a:rPr lang="en-US" baseline="0" dirty="0" err="1" smtClean="0"/>
+              <a:t>i</a:t>
+            </a:r>
+            <a:r>
+              <a:rPr lang="en-US" baseline="0" dirty="0" smtClean="0"/>
               <a:t> en </a:t>
             </a:r>
             <a:r>
               <a:rPr lang="en-US" baseline="0" dirty="0" err="1" smtClean="0"/>
+              <a:t>bankomat</a:t>
+            </a:r>
+            <a:r>
+              <a:rPr lang="en-US" baseline="0" dirty="0" smtClean="0"/>
+              <a:t> med "</a:t>
+            </a:r>
+            <a:r>
+              <a:rPr lang="en-US" baseline="0" dirty="0" err="1" smtClean="0"/>
+              <a:t>något</a:t>
+            </a:r>
+            <a:r>
+              <a:rPr lang="en-US" baseline="0" dirty="0" smtClean="0"/>
+              <a:t> man </a:t>
+            </a:r>
+            <a:r>
+              <a:rPr lang="en-US" baseline="0" dirty="0" err="1" smtClean="0"/>
+              <a:t>har</a:t>
+            </a:r>
+            <a:r>
+              <a:rPr lang="en-US" baseline="0" dirty="0" smtClean="0"/>
+              <a:t>" (</a:t>
+            </a:r>
+            <a:r>
+              <a:rPr lang="en-US" baseline="0" dirty="0" err="1" smtClean="0"/>
+              <a:t>kortet</a:t>
+            </a:r>
+            <a:r>
+              <a:rPr lang="en-US" baseline="0" dirty="0" smtClean="0"/>
+              <a:t>) </a:t>
+            </a:r>
+            <a:r>
+              <a:rPr lang="en-US" baseline="0" dirty="0" err="1" smtClean="0"/>
+              <a:t>och</a:t>
+            </a:r>
+            <a:r>
+              <a:rPr lang="en-US" baseline="0" dirty="0" smtClean="0"/>
+              <a:t> "</a:t>
+            </a:r>
+            <a:r>
+              <a:rPr lang="en-US" baseline="0" dirty="0" err="1" smtClean="0"/>
+              <a:t>något</a:t>
+            </a:r>
+            <a:r>
+              <a:rPr lang="en-US" baseline="0" dirty="0" smtClean="0"/>
+              <a:t> man vet" (</a:t>
+            </a:r>
+            <a:r>
+              <a:rPr lang="en-US" baseline="0" dirty="0" err="1" smtClean="0"/>
+              <a:t>pinkoden</a:t>
+            </a:r>
+            <a:r>
+              <a:rPr lang="en-US" baseline="0" dirty="0" smtClean="0"/>
+              <a:t>)</a:t>
+            </a:r>
+            <a:r>
+              <a:rPr lang="en-US" baseline="0" dirty="0" smtClean="0"/>
+              <a:t>.</a:t>
+            </a:r>
+          </a:p>
+          <a:p>
+            <a:endParaRPr lang="en-US" baseline="0" dirty="0" smtClean="0"/>
+          </a:p>
+          <a:p>
+            <a:r>
+              <a:rPr lang="en-US" baseline="0" dirty="0" err="1" smtClean="0"/>
+              <a:t>Förtroende</a:t>
+            </a:r>
+            <a:r>
+              <a:rPr lang="en-US" baseline="0" dirty="0" smtClean="0"/>
+              <a:t> -&gt; </a:t>
+            </a:r>
+            <a:r>
+              <a:rPr lang="en-US" baseline="0" dirty="0" err="1" smtClean="0"/>
+              <a:t>www.minavardkontakter.se</a:t>
+            </a:r>
+            <a:endParaRPr lang="en-US" baseline="0" dirty="0" smtClean="0"/>
+          </a:p>
+          <a:p>
+            <a:endParaRPr lang="en-US" baseline="0" dirty="0" smtClean="0"/>
+          </a:p>
+          <a:p>
+            <a:r>
+              <a:rPr lang="en-US" baseline="0" dirty="0" err="1" smtClean="0"/>
+              <a:t>Identifiering</a:t>
+            </a:r>
+            <a:r>
+              <a:rPr lang="en-US" baseline="0" dirty="0" smtClean="0"/>
+              <a:t> -&gt; </a:t>
+            </a:r>
+            <a:r>
+              <a:rPr lang="en-US" baseline="0" dirty="0" err="1" smtClean="0"/>
+              <a:t>inloggning</a:t>
+            </a:r>
+            <a:r>
+              <a:rPr lang="en-US" baseline="0" dirty="0" smtClean="0"/>
+              <a:t> via </a:t>
+            </a:r>
+            <a:r>
+              <a:rPr lang="en-US" baseline="0" dirty="0" err="1" smtClean="0"/>
+              <a:t>mvk</a:t>
+            </a:r>
+            <a:r>
+              <a:rPr lang="en-US" baseline="0" dirty="0" smtClean="0"/>
+              <a:t> med 2-faktorsautenticering till </a:t>
+            </a:r>
+            <a:r>
+              <a:rPr lang="en-US" baseline="0" dirty="0" err="1" smtClean="0"/>
+              <a:t>excempel</a:t>
+            </a:r>
+            <a:r>
+              <a:rPr lang="en-US" baseline="0" dirty="0" smtClean="0"/>
+              <a:t> e-leg.</a:t>
+            </a:r>
+          </a:p>
+          <a:p>
+            <a:endParaRPr lang="en-US" baseline="0" dirty="0" smtClean="0"/>
+          </a:p>
+          <a:p>
+            <a:r>
+              <a:rPr lang="en-US" baseline="0" dirty="0" err="1" smtClean="0"/>
+              <a:t>Klienter</a:t>
+            </a:r>
+            <a:r>
+              <a:rPr lang="en-US" baseline="0" dirty="0" smtClean="0"/>
+              <a:t> </a:t>
+            </a:r>
+            <a:r>
+              <a:rPr lang="en-US" baseline="0" dirty="0" err="1" smtClean="0"/>
+              <a:t>måste</a:t>
+            </a:r>
+            <a:r>
+              <a:rPr lang="en-US" baseline="0" dirty="0" smtClean="0"/>
+              <a:t> </a:t>
+            </a:r>
+            <a:r>
+              <a:rPr lang="en-US" baseline="0" dirty="0" err="1" smtClean="0"/>
+              <a:t>identifiera</a:t>
+            </a:r>
+            <a:r>
+              <a:rPr lang="en-US" baseline="0" dirty="0" smtClean="0"/>
+              <a:t> sig med </a:t>
+            </a:r>
+            <a:r>
+              <a:rPr lang="en-US" baseline="0" dirty="0" err="1" smtClean="0"/>
+              <a:t>ett</a:t>
+            </a:r>
+            <a:r>
+              <a:rPr lang="en-US" baseline="0" dirty="0" smtClean="0"/>
+              <a:t> </a:t>
+            </a:r>
+            <a:r>
+              <a:rPr lang="en-US" baseline="0" dirty="0" err="1" smtClean="0"/>
+              <a:t>certifikat</a:t>
+            </a:r>
+            <a:r>
+              <a:rPr lang="en-US" baseline="0" dirty="0" smtClean="0"/>
+              <a:t> </a:t>
+            </a:r>
+            <a:r>
+              <a:rPr lang="en-US" baseline="0" dirty="0" err="1" smtClean="0"/>
+              <a:t>utfärdat</a:t>
+            </a:r>
+            <a:r>
+              <a:rPr lang="en-US" baseline="0" dirty="0" smtClean="0"/>
+              <a:t> </a:t>
+            </a:r>
+            <a:r>
+              <a:rPr lang="en-US" baseline="0" dirty="0" err="1" smtClean="0"/>
+              <a:t>av</a:t>
+            </a:r>
+            <a:r>
+              <a:rPr lang="en-US" baseline="0" dirty="0" smtClean="0"/>
+              <a:t> en </a:t>
+            </a:r>
+            <a:r>
+              <a:rPr lang="en-US" baseline="0" dirty="0" err="1" smtClean="0"/>
               <a:t>betrodd</a:t>
             </a:r>
             <a:r>
@@ -2933,6 +3718,68 @@
             </a:r>
             <a:r>
               <a:rPr lang="en-US" baseline="0" dirty="0" err="1" smtClean="0"/>
+              <a:t>utfärdare</a:t>
+            </a:r>
+            <a:r>
+              <a:rPr lang="en-US" baseline="0" dirty="0" smtClean="0"/>
+              <a:t>.</a:t>
+            </a:r>
+            <a:endParaRPr lang="en-US" baseline="0" dirty="0" smtClean="0"/>
+          </a:p>
+          <a:p>
+            <a:endParaRPr lang="en-US" baseline="0" dirty="0" smtClean="0"/>
+          </a:p>
+          <a:p>
+            <a:r>
+              <a:rPr lang="en-US" baseline="0" dirty="0" err="1" smtClean="0"/>
+              <a:t>Auktorisation</a:t>
+            </a:r>
+            <a:r>
+              <a:rPr lang="en-US" baseline="0" dirty="0" smtClean="0"/>
+              <a:t> -&gt; </a:t>
+            </a:r>
+            <a:r>
+              <a:rPr lang="en-US" baseline="0" dirty="0" err="1" smtClean="0"/>
+              <a:t>Invånaren</a:t>
+            </a:r>
+            <a:r>
+              <a:rPr lang="en-US" baseline="0" dirty="0" smtClean="0"/>
+              <a:t> </a:t>
+            </a:r>
+            <a:r>
+              <a:rPr lang="en-US" baseline="0" dirty="0" err="1" smtClean="0"/>
+              <a:t>måste</a:t>
+            </a:r>
+            <a:r>
+              <a:rPr lang="en-US" baseline="0" dirty="0" smtClean="0"/>
+              <a:t> </a:t>
+            </a:r>
+            <a:r>
+              <a:rPr lang="en-US" baseline="0" dirty="0" err="1" smtClean="0"/>
+              <a:t>kunna</a:t>
+            </a:r>
+            <a:r>
+              <a:rPr lang="en-US" baseline="0" dirty="0" smtClean="0"/>
+              <a:t> </a:t>
+            </a:r>
+            <a:r>
+              <a:rPr lang="en-US" baseline="0" dirty="0" err="1" smtClean="0"/>
+              <a:t>godkänna</a:t>
+            </a:r>
+            <a:r>
+              <a:rPr lang="en-US" baseline="0" dirty="0" smtClean="0"/>
+              <a:t> </a:t>
+            </a:r>
+            <a:r>
+              <a:rPr lang="en-US" baseline="0" dirty="0" err="1" smtClean="0"/>
+              <a:t>att</a:t>
+            </a:r>
+            <a:r>
+              <a:rPr lang="en-US" baseline="0" dirty="0" smtClean="0"/>
+              <a:t> en </a:t>
+            </a:r>
+            <a:r>
+              <a:rPr lang="en-US" baseline="0" dirty="0" err="1" smtClean="0"/>
               <a:t>klient</a:t>
             </a:r>
             <a:r>
@@ -2941,27 +3788,19 @@
             </a:r>
             <a:r>
               <a:rPr lang="en-US" baseline="0" dirty="0" err="1" smtClean="0"/>
-              <a:t>kan</a:t>
-            </a:r>
-            <a:r>
-              <a:rPr lang="en-US" baseline="0" dirty="0" smtClean="0"/>
-              <a:t> </a:t>
-            </a:r>
-            <a:r>
-              <a:rPr lang="en-US" baseline="0" dirty="0" err="1" smtClean="0"/>
-              <a:t>anropa</a:t>
-            </a:r>
-            <a:r>
-              <a:rPr lang="en-US" baseline="0" dirty="0" smtClean="0"/>
-              <a:t> </a:t>
-            </a:r>
-            <a:r>
-              <a:rPr lang="en-US" baseline="0" dirty="0" err="1" smtClean="0"/>
-              <a:t>APIet</a:t>
-            </a:r>
-            <a:r>
-              <a:rPr lang="en-US" baseline="0" dirty="0" smtClean="0"/>
-              <a:t> </a:t>
+              <a:t>får</a:t>
+            </a:r>
+            <a:r>
+              <a:rPr lang="en-US" baseline="0" dirty="0" smtClean="0"/>
+              <a:t> </a:t>
+            </a:r>
+            <a:r>
+              <a:rPr lang="en-US" baseline="0" dirty="0" err="1" smtClean="0"/>
+              <a:t>tillgång</a:t>
+            </a:r>
+            <a:r>
+              <a:rPr lang="en-US" baseline="0" dirty="0" smtClean="0"/>
+              <a:t> till information </a:t>
             </a:r>
             <a:r>
               <a:rPr lang="en-US" baseline="0" dirty="0" err="1" smtClean="0"/>
@@ -2973,407 +3812,48 @@
             </a:r>
             <a:r>
               <a:rPr lang="en-US" baseline="0" dirty="0" err="1" smtClean="0"/>
-              <a:t>begära</a:t>
-            </a:r>
-            <a:r>
-              <a:rPr lang="en-US" baseline="0" dirty="0" smtClean="0"/>
-              <a:t> </a:t>
-            </a:r>
-            <a:r>
-              <a:rPr lang="en-US" baseline="0" dirty="0" err="1" smtClean="0"/>
-              <a:t>ut</a:t>
-            </a:r>
-            <a:r>
-              <a:rPr lang="en-US" baseline="0" dirty="0" smtClean="0"/>
-              <a:t> den information </a:t>
-            </a:r>
-            <a:r>
-              <a:rPr lang="en-US" baseline="0" dirty="0" err="1" smtClean="0"/>
-              <a:t>som</a:t>
-            </a:r>
-            <a:r>
-              <a:rPr lang="en-US" baseline="0" dirty="0" smtClean="0"/>
-              <a:t> </a:t>
-            </a:r>
-            <a:r>
-              <a:rPr lang="en-US" baseline="0" dirty="0" err="1" smtClean="0"/>
-              <a:t>behövs</a:t>
+              <a:t>även</a:t>
+            </a:r>
+            <a:r>
+              <a:rPr lang="en-US" baseline="0" dirty="0" smtClean="0"/>
+              <a:t> </a:t>
+            </a:r>
+            <a:r>
+              <a:rPr lang="en-US" baseline="0" dirty="0" err="1" smtClean="0"/>
+              <a:t>kunna</a:t>
+            </a:r>
+            <a:r>
+              <a:rPr lang="en-US" baseline="0" dirty="0" smtClean="0"/>
+              <a:t> </a:t>
+            </a:r>
+            <a:r>
+              <a:rPr lang="en-US" baseline="0" dirty="0" err="1" smtClean="0"/>
+              <a:t>återkalla</a:t>
+            </a:r>
+            <a:r>
+              <a:rPr lang="en-US" baseline="0" dirty="0" smtClean="0"/>
+              <a:t> </a:t>
+            </a:r>
+            <a:r>
+              <a:rPr lang="en-US" baseline="0" dirty="0" err="1" smtClean="0"/>
+              <a:t>detta</a:t>
+            </a:r>
+            <a:r>
+              <a:rPr lang="en-US" baseline="0" dirty="0" smtClean="0"/>
+              <a:t> </a:t>
+            </a:r>
+            <a:r>
+              <a:rPr lang="en-US" baseline="0" dirty="0" err="1" smtClean="0"/>
+              <a:t>godkännande</a:t>
+            </a:r>
+            <a:r>
+              <a:rPr lang="en-US" baseline="0" dirty="0" smtClean="0"/>
+              <a:t>.</a:t>
             </a:r>
             <a:endParaRPr lang="en-US" baseline="0" dirty="0" smtClean="0"/>
           </a:p>
           <a:p>
             <a:endParaRPr lang="en-US" baseline="0" dirty="0" smtClean="0"/>
-          </a:p>
-          <a:p>
-            <a:r>
-              <a:rPr lang="en-US" baseline="0" dirty="0" smtClean="0"/>
-              <a:t>MEN… </a:t>
-            </a:r>
-            <a:r>
-              <a:rPr lang="en-US" baseline="0" dirty="0" err="1" smtClean="0"/>
-              <a:t>är</a:t>
-            </a:r>
-            <a:r>
-              <a:rPr lang="en-US" baseline="0" dirty="0" smtClean="0"/>
-              <a:t> </a:t>
-            </a:r>
-            <a:r>
-              <a:rPr lang="en-US" baseline="0" dirty="0" err="1" smtClean="0"/>
-              <a:t>det</a:t>
-            </a:r>
-            <a:r>
-              <a:rPr lang="en-US" baseline="0" dirty="0" smtClean="0"/>
-              <a:t> </a:t>
-            </a:r>
-            <a:r>
-              <a:rPr lang="en-US" baseline="0" dirty="0" err="1" smtClean="0"/>
-              <a:t>säkert</a:t>
-            </a:r>
-            <a:r>
-              <a:rPr lang="en-US" baseline="0" dirty="0" smtClean="0"/>
-              <a:t> </a:t>
-            </a:r>
-            <a:r>
-              <a:rPr lang="en-US" baseline="0" dirty="0" err="1" smtClean="0"/>
-              <a:t>att</a:t>
-            </a:r>
-            <a:r>
-              <a:rPr lang="en-US" baseline="0" dirty="0" smtClean="0"/>
-              <a:t> </a:t>
-            </a:r>
-            <a:r>
-              <a:rPr lang="en-US" baseline="0" dirty="0" err="1" smtClean="0"/>
-              <a:t>invånaren</a:t>
-            </a:r>
-            <a:r>
-              <a:rPr lang="en-US" baseline="0" dirty="0" smtClean="0"/>
-              <a:t> </a:t>
-            </a:r>
-            <a:r>
-              <a:rPr lang="en-US" baseline="0" dirty="0" err="1" smtClean="0"/>
-              <a:t>kan</a:t>
-            </a:r>
-            <a:r>
-              <a:rPr lang="en-US" baseline="0" dirty="0" smtClean="0"/>
-              <a:t> </a:t>
-            </a:r>
-            <a:r>
-              <a:rPr lang="en-US" baseline="0" dirty="0" err="1" smtClean="0"/>
-              <a:t>lita</a:t>
-            </a:r>
-            <a:r>
-              <a:rPr lang="en-US" baseline="0" dirty="0" smtClean="0"/>
-              <a:t> </a:t>
-            </a:r>
-            <a:r>
-              <a:rPr lang="en-US" baseline="0" dirty="0" err="1" smtClean="0"/>
-              <a:t>på</a:t>
-            </a:r>
-            <a:r>
-              <a:rPr lang="en-US" baseline="0" dirty="0" smtClean="0"/>
-              <a:t> </a:t>
-            </a:r>
-            <a:r>
-              <a:rPr lang="en-US" baseline="0" dirty="0" err="1" smtClean="0"/>
-              <a:t>att</a:t>
-            </a:r>
-            <a:r>
-              <a:rPr lang="en-US" baseline="0" dirty="0" smtClean="0"/>
-              <a:t> </a:t>
-            </a:r>
-            <a:r>
-              <a:rPr lang="en-US" baseline="0" dirty="0" err="1" smtClean="0"/>
-              <a:t>klieneten</a:t>
-            </a:r>
-            <a:r>
-              <a:rPr lang="en-US" baseline="0" dirty="0" smtClean="0"/>
-              <a:t> </a:t>
-            </a:r>
-            <a:r>
-              <a:rPr lang="en-US" baseline="0" dirty="0" err="1" smtClean="0"/>
-              <a:t>inte</a:t>
-            </a:r>
-            <a:r>
-              <a:rPr lang="en-US" baseline="0" dirty="0" smtClean="0"/>
-              <a:t> </a:t>
-            </a:r>
-            <a:r>
-              <a:rPr lang="en-US" baseline="0" dirty="0" err="1" smtClean="0"/>
-              <a:t>begär</a:t>
-            </a:r>
-            <a:r>
-              <a:rPr lang="en-US" baseline="0" dirty="0" smtClean="0"/>
-              <a:t> </a:t>
-            </a:r>
-            <a:r>
-              <a:rPr lang="en-US" baseline="0" dirty="0" err="1" smtClean="0"/>
-              <a:t>ut</a:t>
-            </a:r>
-            <a:r>
-              <a:rPr lang="en-US" baseline="0" dirty="0" smtClean="0"/>
-              <a:t> information </a:t>
-            </a:r>
-            <a:r>
-              <a:rPr lang="en-US" baseline="0" dirty="0" err="1" smtClean="0"/>
-              <a:t>utan</a:t>
-            </a:r>
-            <a:r>
-              <a:rPr lang="en-US" baseline="0" dirty="0" smtClean="0"/>
-              <a:t> </a:t>
-            </a:r>
-            <a:r>
-              <a:rPr lang="en-US" baseline="0" dirty="0" err="1" smtClean="0"/>
-              <a:t>att</a:t>
-            </a:r>
-            <a:r>
-              <a:rPr lang="en-US" baseline="0" dirty="0" smtClean="0"/>
-              <a:t> </a:t>
-            </a:r>
-            <a:r>
-              <a:rPr lang="en-US" baseline="0" dirty="0" err="1" smtClean="0"/>
-              <a:t>invånaren</a:t>
-            </a:r>
-            <a:r>
-              <a:rPr lang="en-US" baseline="0" dirty="0" smtClean="0"/>
-              <a:t> </a:t>
-            </a:r>
-            <a:r>
-              <a:rPr lang="en-US" baseline="0" dirty="0" err="1" smtClean="0"/>
-              <a:t>godkänt</a:t>
-            </a:r>
-            <a:r>
-              <a:rPr lang="en-US" baseline="0" dirty="0" smtClean="0"/>
-              <a:t>.</a:t>
-            </a:r>
-          </a:p>
-          <a:p>
-            <a:endParaRPr lang="en-US" baseline="0" dirty="0" smtClean="0"/>
-          </a:p>
-          <a:p>
-            <a:r>
-              <a:rPr lang="en-US" baseline="0" dirty="0" err="1" smtClean="0"/>
-              <a:t>För</a:t>
-            </a:r>
-            <a:r>
-              <a:rPr lang="en-US" baseline="0" dirty="0" smtClean="0"/>
-              <a:t> </a:t>
-            </a:r>
-            <a:r>
-              <a:rPr lang="en-US" baseline="0" dirty="0" err="1" smtClean="0"/>
-              <a:t>att</a:t>
-            </a:r>
-            <a:r>
-              <a:rPr lang="en-US" baseline="0" dirty="0" smtClean="0"/>
-              <a:t> </a:t>
-            </a:r>
-            <a:r>
-              <a:rPr lang="en-US" baseline="0" dirty="0" err="1" smtClean="0"/>
-              <a:t>få</a:t>
-            </a:r>
-            <a:r>
-              <a:rPr lang="en-US" baseline="0" dirty="0" smtClean="0"/>
-              <a:t> </a:t>
-            </a:r>
-            <a:r>
-              <a:rPr lang="en-US" baseline="0" dirty="0" err="1" smtClean="0"/>
-              <a:t>tillit</a:t>
-            </a:r>
-            <a:r>
-              <a:rPr lang="en-US" baseline="0" dirty="0" smtClean="0"/>
-              <a:t> I </a:t>
-            </a:r>
-            <a:r>
-              <a:rPr lang="en-US" baseline="0" dirty="0" err="1" smtClean="0"/>
-              <a:t>systemet</a:t>
-            </a:r>
-            <a:r>
-              <a:rPr lang="en-US" baseline="0" dirty="0" smtClean="0"/>
-              <a:t> </a:t>
-            </a:r>
-            <a:r>
-              <a:rPr lang="en-US" baseline="0" dirty="0" err="1" smtClean="0"/>
-              <a:t>behöver</a:t>
-            </a:r>
-            <a:r>
-              <a:rPr lang="en-US" baseline="0" dirty="0" smtClean="0"/>
-              <a:t> </a:t>
-            </a:r>
-            <a:r>
-              <a:rPr lang="en-US" baseline="0" dirty="0" err="1" smtClean="0"/>
-              <a:t>det</a:t>
-            </a:r>
-            <a:r>
-              <a:rPr lang="en-US" baseline="0" dirty="0" smtClean="0"/>
-              <a:t> </a:t>
-            </a:r>
-            <a:r>
-              <a:rPr lang="en-US" baseline="0" dirty="0" err="1" smtClean="0"/>
-              <a:t>finnas</a:t>
-            </a:r>
-            <a:r>
-              <a:rPr lang="en-US" baseline="0" dirty="0" smtClean="0"/>
-              <a:t> en </a:t>
-            </a:r>
-            <a:r>
-              <a:rPr lang="en-US" baseline="0" dirty="0" err="1" smtClean="0"/>
-              <a:t>mekanism</a:t>
-            </a:r>
-            <a:r>
-              <a:rPr lang="en-US" baseline="0" dirty="0" smtClean="0"/>
-              <a:t> </a:t>
-            </a:r>
-            <a:r>
-              <a:rPr lang="en-US" baseline="0" dirty="0" err="1" smtClean="0"/>
-              <a:t>som</a:t>
-            </a:r>
-            <a:r>
-              <a:rPr lang="en-US" baseline="0" dirty="0" smtClean="0"/>
-              <a:t> </a:t>
-            </a:r>
-            <a:r>
-              <a:rPr lang="en-US" baseline="0" dirty="0" err="1" smtClean="0"/>
-              <a:t>gör</a:t>
-            </a:r>
-            <a:r>
-              <a:rPr lang="en-US" baseline="0" dirty="0" smtClean="0"/>
-              <a:t> </a:t>
-            </a:r>
-            <a:r>
-              <a:rPr lang="en-US" baseline="0" dirty="0" err="1" smtClean="0"/>
-              <a:t>att</a:t>
-            </a:r>
-            <a:r>
-              <a:rPr lang="en-US" baseline="0" dirty="0" smtClean="0"/>
-              <a:t> </a:t>
-            </a:r>
-            <a:r>
-              <a:rPr lang="en-US" baseline="0" dirty="0" err="1" smtClean="0"/>
-              <a:t>klienten</a:t>
-            </a:r>
-            <a:r>
-              <a:rPr lang="en-US" baseline="0" dirty="0" smtClean="0"/>
-              <a:t> </a:t>
-            </a:r>
-            <a:r>
-              <a:rPr lang="en-US" baseline="0" dirty="0" err="1" smtClean="0"/>
-              <a:t>endast</a:t>
-            </a:r>
-            <a:r>
-              <a:rPr lang="en-US" baseline="0" dirty="0" smtClean="0"/>
-              <a:t> </a:t>
-            </a:r>
-            <a:r>
-              <a:rPr lang="en-US" baseline="0" dirty="0" err="1" smtClean="0"/>
-              <a:t>kan</a:t>
-            </a:r>
-            <a:r>
-              <a:rPr lang="en-US" baseline="0" dirty="0" smtClean="0"/>
-              <a:t> </a:t>
-            </a:r>
-            <a:r>
-              <a:rPr lang="en-US" baseline="0" dirty="0" err="1" smtClean="0"/>
-              <a:t>hämta</a:t>
-            </a:r>
-            <a:r>
-              <a:rPr lang="en-US" baseline="0" dirty="0" smtClean="0"/>
-              <a:t> </a:t>
-            </a:r>
-            <a:r>
-              <a:rPr lang="en-US" baseline="0" dirty="0" err="1" smtClean="0"/>
-              <a:t>ut</a:t>
-            </a:r>
-            <a:r>
-              <a:rPr lang="en-US" baseline="0" dirty="0" smtClean="0"/>
-              <a:t> information </a:t>
-            </a:r>
-            <a:r>
-              <a:rPr lang="en-US" baseline="0" dirty="0" err="1" smtClean="0"/>
-              <a:t>som</a:t>
-            </a:r>
-            <a:r>
-              <a:rPr lang="en-US" baseline="0" dirty="0" smtClean="0"/>
-              <a:t> </a:t>
-            </a:r>
-            <a:r>
-              <a:rPr lang="en-US" baseline="0" dirty="0" err="1" smtClean="0"/>
-              <a:t>invånaren</a:t>
-            </a:r>
-            <a:r>
-              <a:rPr lang="en-US" baseline="0" dirty="0" smtClean="0"/>
-              <a:t> </a:t>
-            </a:r>
-            <a:r>
-              <a:rPr lang="en-US" baseline="0" dirty="0" err="1" smtClean="0"/>
-              <a:t>har</a:t>
-            </a:r>
-            <a:r>
-              <a:rPr lang="en-US" baseline="0" dirty="0" smtClean="0"/>
-              <a:t> </a:t>
-            </a:r>
-            <a:r>
-              <a:rPr lang="en-US" baseline="0" dirty="0" err="1" smtClean="0"/>
-              <a:t>godkänt</a:t>
-            </a:r>
-            <a:r>
-              <a:rPr lang="en-US" baseline="0" dirty="0" smtClean="0"/>
-              <a:t>.</a:t>
-            </a:r>
-          </a:p>
-          <a:p>
-            <a:r>
-              <a:rPr lang="en-US" baseline="0" dirty="0" err="1" smtClean="0"/>
-              <a:t>APIet</a:t>
-            </a:r>
-            <a:r>
-              <a:rPr lang="en-US" baseline="0" dirty="0" smtClean="0"/>
-              <a:t> </a:t>
-            </a:r>
-            <a:r>
-              <a:rPr lang="en-US" baseline="0" dirty="0" err="1" smtClean="0"/>
-              <a:t>behöver</a:t>
-            </a:r>
-            <a:r>
-              <a:rPr lang="en-US" baseline="0" dirty="0" smtClean="0"/>
-              <a:t> </a:t>
-            </a:r>
-            <a:r>
-              <a:rPr lang="en-US" baseline="0" dirty="0" err="1" smtClean="0"/>
-              <a:t>verifiera</a:t>
-            </a:r>
-            <a:r>
-              <a:rPr lang="en-US" baseline="0" dirty="0" smtClean="0"/>
-              <a:t> </a:t>
-            </a:r>
-            <a:r>
-              <a:rPr lang="en-US" baseline="0" dirty="0" err="1" smtClean="0"/>
-              <a:t>detta</a:t>
-            </a:r>
-            <a:r>
-              <a:rPr lang="en-US" baseline="0" dirty="0" smtClean="0"/>
-              <a:t>.</a:t>
-            </a:r>
-          </a:p>
-          <a:p>
-            <a:endParaRPr lang="en-US" baseline="0" dirty="0" smtClean="0"/>
-          </a:p>
-          <a:p>
-            <a:r>
-              <a:rPr lang="en-US" baseline="0" dirty="0" err="1" smtClean="0"/>
-              <a:t>Såååå</a:t>
-            </a:r>
-            <a:r>
-              <a:rPr lang="en-US" baseline="0" dirty="0" smtClean="0"/>
-              <a:t>…… OAUTH 2.0 </a:t>
-            </a:r>
-            <a:r>
-              <a:rPr lang="en-US" baseline="0" dirty="0" err="1" smtClean="0"/>
-              <a:t>nästa</a:t>
-            </a:r>
-            <a:r>
-              <a:rPr lang="en-US" baseline="0" dirty="0" smtClean="0"/>
-              <a:t> slide…</a:t>
-            </a:r>
-            <a:endParaRPr lang="en-US" dirty="0"/>
           </a:p>
         </p:txBody>
       </p:sp>
@@ -3400,7 +3880,7 @@
               <a:pPr>
                 <a:defRPr/>
               </a:pPr>
-              <a:t>13</a:t>
+              <a:t>12</a:t>
             </a:fld>
             <a:endParaRPr lang="sv-SE"/>
           </a:p>
@@ -3409,7 +3889,7 @@
     </p:spTree>
     <p:extLst>
       <p:ext uri="{BB962C8B-B14F-4D97-AF65-F5344CB8AC3E}">
-        <p14:creationId xmlns:p14="http://schemas.microsoft.com/office/powerpoint/2010/main" val="1531746770"/>
+        <p14:creationId xmlns:p14="http://schemas.microsoft.com/office/powerpoint/2010/main" val="422046913"/>
       </p:ext>
     </p:extLst>
   </p:cSld>
@@ -3463,6 +3943,488 @@
           <a:bodyPr/>
           <a:lstStyle/>
           <a:p>
+            <a:r>
+              <a:rPr lang="en-US" dirty="0" smtClean="0"/>
+              <a:t>Den</a:t>
+            </a:r>
+            <a:r>
+              <a:rPr lang="en-US" baseline="0" dirty="0" smtClean="0"/>
+              <a:t> </a:t>
+            </a:r>
+            <a:r>
+              <a:rPr lang="en-US" baseline="0" dirty="0" err="1" smtClean="0"/>
+              <a:t>naiva</a:t>
+            </a:r>
+            <a:r>
+              <a:rPr lang="en-US" baseline="0" dirty="0" smtClean="0"/>
+              <a:t> </a:t>
+            </a:r>
+            <a:r>
+              <a:rPr lang="en-US" baseline="0" dirty="0" err="1" smtClean="0"/>
+              <a:t>approachen</a:t>
+            </a:r>
+            <a:r>
+              <a:rPr lang="en-US" baseline="0" dirty="0" smtClean="0"/>
+              <a:t> </a:t>
+            </a:r>
+            <a:r>
+              <a:rPr lang="en-US" baseline="0" dirty="0" err="1" smtClean="0"/>
+              <a:t>är</a:t>
+            </a:r>
+            <a:r>
+              <a:rPr lang="en-US" baseline="0" dirty="0" smtClean="0"/>
+              <a:t> </a:t>
+            </a:r>
+            <a:r>
+              <a:rPr lang="en-US" baseline="0" dirty="0" err="1" smtClean="0"/>
+              <a:t>att</a:t>
+            </a:r>
+            <a:r>
+              <a:rPr lang="en-US" baseline="0" dirty="0" smtClean="0"/>
+              <a:t> en </a:t>
+            </a:r>
+            <a:r>
+              <a:rPr lang="en-US" baseline="0" dirty="0" err="1" smtClean="0"/>
+              <a:t>betrodd</a:t>
+            </a:r>
+            <a:r>
+              <a:rPr lang="en-US" baseline="0" dirty="0" smtClean="0"/>
+              <a:t> </a:t>
+            </a:r>
+            <a:r>
+              <a:rPr lang="en-US" baseline="0" dirty="0" err="1" smtClean="0"/>
+              <a:t>klient</a:t>
+            </a:r>
+            <a:r>
+              <a:rPr lang="en-US" baseline="0" dirty="0" smtClean="0"/>
+              <a:t> </a:t>
+            </a:r>
+            <a:r>
+              <a:rPr lang="en-US" baseline="0" dirty="0" err="1" smtClean="0"/>
+              <a:t>kan</a:t>
+            </a:r>
+            <a:r>
+              <a:rPr lang="en-US" baseline="0" dirty="0" smtClean="0"/>
+              <a:t> </a:t>
+            </a:r>
+            <a:r>
+              <a:rPr lang="en-US" baseline="0" dirty="0" err="1" smtClean="0"/>
+              <a:t>anropa</a:t>
+            </a:r>
+            <a:r>
+              <a:rPr lang="en-US" baseline="0" dirty="0" smtClean="0"/>
+              <a:t> </a:t>
+            </a:r>
+            <a:r>
+              <a:rPr lang="en-US" baseline="0" dirty="0" err="1" smtClean="0"/>
+              <a:t>APIet</a:t>
+            </a:r>
+            <a:r>
+              <a:rPr lang="en-US" baseline="0" dirty="0" smtClean="0"/>
+              <a:t> </a:t>
+            </a:r>
+            <a:r>
+              <a:rPr lang="en-US" baseline="0" dirty="0" err="1" smtClean="0"/>
+              <a:t>och</a:t>
+            </a:r>
+            <a:r>
+              <a:rPr lang="en-US" baseline="0" dirty="0" smtClean="0"/>
+              <a:t> </a:t>
+            </a:r>
+            <a:r>
+              <a:rPr lang="en-US" baseline="0" dirty="0" err="1" smtClean="0"/>
+              <a:t>begära</a:t>
+            </a:r>
+            <a:r>
+              <a:rPr lang="en-US" baseline="0" dirty="0" smtClean="0"/>
+              <a:t> </a:t>
+            </a:r>
+            <a:r>
+              <a:rPr lang="en-US" baseline="0" dirty="0" err="1" smtClean="0"/>
+              <a:t>ut</a:t>
+            </a:r>
+            <a:r>
+              <a:rPr lang="en-US" baseline="0" dirty="0" smtClean="0"/>
+              <a:t> den information </a:t>
+            </a:r>
+            <a:r>
+              <a:rPr lang="en-US" baseline="0" dirty="0" err="1" smtClean="0"/>
+              <a:t>som</a:t>
+            </a:r>
+            <a:r>
+              <a:rPr lang="en-US" baseline="0" dirty="0" smtClean="0"/>
+              <a:t> </a:t>
+            </a:r>
+            <a:r>
+              <a:rPr lang="en-US" baseline="0" dirty="0" err="1" smtClean="0"/>
+              <a:t>behövs</a:t>
+            </a:r>
+            <a:r>
+              <a:rPr lang="en-US" baseline="0" dirty="0" smtClean="0"/>
+              <a:t>.</a:t>
+            </a:r>
+            <a:endParaRPr lang="en-US" baseline="0" dirty="0" smtClean="0"/>
+          </a:p>
+          <a:p>
+            <a:endParaRPr lang="en-US" baseline="0" dirty="0" smtClean="0"/>
+          </a:p>
+          <a:p>
+            <a:r>
+              <a:rPr lang="en-US" baseline="0" dirty="0" smtClean="0"/>
+              <a:t>Men, </a:t>
+            </a:r>
+            <a:r>
+              <a:rPr lang="en-US" baseline="0" dirty="0" err="1" smtClean="0"/>
+              <a:t>är</a:t>
+            </a:r>
+            <a:r>
+              <a:rPr lang="en-US" baseline="0" dirty="0" smtClean="0"/>
+              <a:t> </a:t>
+            </a:r>
+            <a:r>
+              <a:rPr lang="en-US" baseline="0" dirty="0" err="1" smtClean="0"/>
+              <a:t>det</a:t>
+            </a:r>
+            <a:r>
+              <a:rPr lang="en-US" baseline="0" dirty="0" smtClean="0"/>
+              <a:t> </a:t>
+            </a:r>
+            <a:r>
+              <a:rPr lang="en-US" baseline="0" dirty="0" err="1" smtClean="0"/>
+              <a:t>säkert</a:t>
+            </a:r>
+            <a:r>
+              <a:rPr lang="en-US" baseline="0" dirty="0" smtClean="0"/>
+              <a:t> </a:t>
+            </a:r>
+            <a:r>
+              <a:rPr lang="en-US" baseline="0" dirty="0" err="1" smtClean="0"/>
+              <a:t>att</a:t>
+            </a:r>
+            <a:r>
+              <a:rPr lang="en-US" baseline="0" dirty="0" smtClean="0"/>
+              <a:t> </a:t>
+            </a:r>
+            <a:r>
+              <a:rPr lang="en-US" baseline="0" dirty="0" err="1" smtClean="0"/>
+              <a:t>invånaren</a:t>
+            </a:r>
+            <a:r>
+              <a:rPr lang="en-US" baseline="0" dirty="0" smtClean="0"/>
+              <a:t> </a:t>
+            </a:r>
+            <a:r>
+              <a:rPr lang="en-US" baseline="0" dirty="0" err="1" smtClean="0"/>
+              <a:t>kan</a:t>
+            </a:r>
+            <a:r>
+              <a:rPr lang="en-US" baseline="0" dirty="0" smtClean="0"/>
+              <a:t> </a:t>
+            </a:r>
+            <a:r>
+              <a:rPr lang="en-US" baseline="0" dirty="0" err="1" smtClean="0"/>
+              <a:t>lita</a:t>
+            </a:r>
+            <a:r>
+              <a:rPr lang="en-US" baseline="0" dirty="0" smtClean="0"/>
+              <a:t> </a:t>
+            </a:r>
+            <a:r>
+              <a:rPr lang="en-US" baseline="0" dirty="0" err="1" smtClean="0"/>
+              <a:t>på</a:t>
+            </a:r>
+            <a:r>
+              <a:rPr lang="en-US" baseline="0" dirty="0" smtClean="0"/>
+              <a:t> </a:t>
+            </a:r>
+            <a:r>
+              <a:rPr lang="en-US" baseline="0" dirty="0" err="1" smtClean="0"/>
+              <a:t>att</a:t>
+            </a:r>
+            <a:r>
+              <a:rPr lang="en-US" baseline="0" dirty="0" smtClean="0"/>
+              <a:t> </a:t>
+            </a:r>
+            <a:r>
+              <a:rPr lang="en-US" baseline="0" dirty="0" err="1" smtClean="0"/>
+              <a:t>klieneten</a:t>
+            </a:r>
+            <a:r>
+              <a:rPr lang="en-US" baseline="0" dirty="0" smtClean="0"/>
+              <a:t> </a:t>
+            </a:r>
+            <a:r>
+              <a:rPr lang="en-US" baseline="0" dirty="0" err="1" smtClean="0"/>
+              <a:t>inte</a:t>
+            </a:r>
+            <a:r>
+              <a:rPr lang="en-US" baseline="0" dirty="0" smtClean="0"/>
+              <a:t> </a:t>
+            </a:r>
+            <a:r>
+              <a:rPr lang="en-US" baseline="0" dirty="0" err="1" smtClean="0"/>
+              <a:t>begär</a:t>
+            </a:r>
+            <a:r>
+              <a:rPr lang="en-US" baseline="0" dirty="0" smtClean="0"/>
+              <a:t> </a:t>
+            </a:r>
+            <a:r>
+              <a:rPr lang="en-US" baseline="0" dirty="0" err="1" smtClean="0"/>
+              <a:t>ut</a:t>
+            </a:r>
+            <a:r>
+              <a:rPr lang="en-US" baseline="0" dirty="0" smtClean="0"/>
+              <a:t> information </a:t>
+            </a:r>
+            <a:r>
+              <a:rPr lang="en-US" baseline="0" dirty="0" err="1" smtClean="0"/>
+              <a:t>utan</a:t>
+            </a:r>
+            <a:r>
+              <a:rPr lang="en-US" baseline="0" dirty="0" smtClean="0"/>
+              <a:t> </a:t>
+            </a:r>
+            <a:r>
+              <a:rPr lang="en-US" baseline="0" dirty="0" err="1" smtClean="0"/>
+              <a:t>att</a:t>
+            </a:r>
+            <a:r>
+              <a:rPr lang="en-US" baseline="0" dirty="0" smtClean="0"/>
+              <a:t> </a:t>
+            </a:r>
+            <a:r>
+              <a:rPr lang="en-US" baseline="0" dirty="0" err="1" smtClean="0"/>
+              <a:t>invånaren</a:t>
+            </a:r>
+            <a:r>
+              <a:rPr lang="en-US" baseline="0" dirty="0" smtClean="0"/>
+              <a:t> </a:t>
+            </a:r>
+            <a:r>
+              <a:rPr lang="en-US" baseline="0" dirty="0" err="1" smtClean="0"/>
+              <a:t>godkänt</a:t>
+            </a:r>
+            <a:r>
+              <a:rPr lang="en-US" baseline="0" dirty="0" smtClean="0"/>
+              <a:t> </a:t>
+            </a:r>
+            <a:r>
+              <a:rPr lang="en-US" baseline="0" dirty="0" err="1" smtClean="0"/>
+              <a:t>det</a:t>
+            </a:r>
+            <a:r>
+              <a:rPr lang="en-US" baseline="0" dirty="0" smtClean="0"/>
+              <a:t>?</a:t>
+            </a:r>
+            <a:endParaRPr lang="en-US" baseline="0" dirty="0" smtClean="0"/>
+          </a:p>
+          <a:p>
+            <a:endParaRPr lang="en-US" baseline="0" dirty="0" smtClean="0"/>
+          </a:p>
+          <a:p>
+            <a:r>
+              <a:rPr lang="en-US" baseline="0" dirty="0" err="1" smtClean="0"/>
+              <a:t>För</a:t>
+            </a:r>
+            <a:r>
+              <a:rPr lang="en-US" baseline="0" dirty="0" smtClean="0"/>
+              <a:t> </a:t>
+            </a:r>
+            <a:r>
+              <a:rPr lang="en-US" baseline="0" dirty="0" err="1" smtClean="0"/>
+              <a:t>att</a:t>
+            </a:r>
+            <a:r>
+              <a:rPr lang="en-US" baseline="0" dirty="0" smtClean="0"/>
+              <a:t> </a:t>
+            </a:r>
+            <a:r>
+              <a:rPr lang="en-US" baseline="0" dirty="0" err="1" smtClean="0"/>
+              <a:t>få</a:t>
+            </a:r>
+            <a:r>
+              <a:rPr lang="en-US" baseline="0" dirty="0" smtClean="0"/>
+              <a:t> </a:t>
+            </a:r>
+            <a:r>
+              <a:rPr lang="en-US" baseline="0" dirty="0" err="1" smtClean="0"/>
+              <a:t>tillit</a:t>
+            </a:r>
+            <a:r>
+              <a:rPr lang="en-US" baseline="0" dirty="0" smtClean="0"/>
+              <a:t> I </a:t>
+            </a:r>
+            <a:r>
+              <a:rPr lang="en-US" baseline="0" dirty="0" err="1" smtClean="0"/>
+              <a:t>systemet</a:t>
+            </a:r>
+            <a:r>
+              <a:rPr lang="en-US" baseline="0" dirty="0" smtClean="0"/>
+              <a:t> </a:t>
+            </a:r>
+            <a:r>
+              <a:rPr lang="en-US" baseline="0" dirty="0" err="1" smtClean="0"/>
+              <a:t>behöver</a:t>
+            </a:r>
+            <a:r>
+              <a:rPr lang="en-US" baseline="0" dirty="0" smtClean="0"/>
+              <a:t> </a:t>
+            </a:r>
+            <a:r>
+              <a:rPr lang="en-US" baseline="0" dirty="0" err="1" smtClean="0"/>
+              <a:t>det</a:t>
+            </a:r>
+            <a:r>
+              <a:rPr lang="en-US" baseline="0" dirty="0" smtClean="0"/>
+              <a:t> </a:t>
+            </a:r>
+            <a:r>
+              <a:rPr lang="en-US" baseline="0" dirty="0" err="1" smtClean="0"/>
+              <a:t>finnas</a:t>
+            </a:r>
+            <a:r>
+              <a:rPr lang="en-US" baseline="0" dirty="0" smtClean="0"/>
+              <a:t> en </a:t>
+            </a:r>
+            <a:r>
+              <a:rPr lang="en-US" baseline="0" dirty="0" err="1" smtClean="0"/>
+              <a:t>mekanism</a:t>
+            </a:r>
+            <a:r>
+              <a:rPr lang="en-US" baseline="0" dirty="0" smtClean="0"/>
+              <a:t> </a:t>
+            </a:r>
+            <a:r>
+              <a:rPr lang="en-US" baseline="0" dirty="0" err="1" smtClean="0"/>
+              <a:t>som</a:t>
+            </a:r>
+            <a:r>
+              <a:rPr lang="en-US" baseline="0" dirty="0" smtClean="0"/>
+              <a:t> </a:t>
+            </a:r>
+            <a:r>
+              <a:rPr lang="en-US" baseline="0" dirty="0" err="1" smtClean="0"/>
+              <a:t>gör</a:t>
+            </a:r>
+            <a:r>
+              <a:rPr lang="en-US" baseline="0" dirty="0" smtClean="0"/>
+              <a:t> </a:t>
+            </a:r>
+            <a:r>
+              <a:rPr lang="en-US" baseline="0" dirty="0" err="1" smtClean="0"/>
+              <a:t>att</a:t>
+            </a:r>
+            <a:r>
+              <a:rPr lang="en-US" baseline="0" dirty="0" smtClean="0"/>
+              <a:t> </a:t>
+            </a:r>
+            <a:r>
+              <a:rPr lang="en-US" baseline="0" dirty="0" err="1" smtClean="0"/>
+              <a:t>klienten</a:t>
+            </a:r>
+            <a:r>
+              <a:rPr lang="en-US" baseline="0" dirty="0" smtClean="0"/>
+              <a:t> </a:t>
+            </a:r>
+            <a:r>
+              <a:rPr lang="en-US" baseline="0" dirty="0" err="1" smtClean="0"/>
+              <a:t>endast</a:t>
+            </a:r>
+            <a:r>
+              <a:rPr lang="en-US" baseline="0" dirty="0" smtClean="0"/>
+              <a:t> </a:t>
+            </a:r>
+            <a:r>
+              <a:rPr lang="en-US" baseline="0" dirty="0" err="1" smtClean="0"/>
+              <a:t>kan</a:t>
+            </a:r>
+            <a:r>
+              <a:rPr lang="en-US" baseline="0" dirty="0" smtClean="0"/>
+              <a:t> </a:t>
+            </a:r>
+            <a:r>
+              <a:rPr lang="en-US" baseline="0" dirty="0" err="1" smtClean="0"/>
+              <a:t>hämta</a:t>
+            </a:r>
+            <a:r>
+              <a:rPr lang="en-US" baseline="0" dirty="0" smtClean="0"/>
+              <a:t> </a:t>
+            </a:r>
+            <a:r>
+              <a:rPr lang="en-US" baseline="0" dirty="0" err="1" smtClean="0"/>
+              <a:t>ut</a:t>
+            </a:r>
+            <a:r>
+              <a:rPr lang="en-US" baseline="0" dirty="0" smtClean="0"/>
+              <a:t> information </a:t>
+            </a:r>
+            <a:r>
+              <a:rPr lang="en-US" baseline="0" dirty="0" err="1" smtClean="0"/>
+              <a:t>som</a:t>
+            </a:r>
+            <a:r>
+              <a:rPr lang="en-US" baseline="0" dirty="0" smtClean="0"/>
+              <a:t> </a:t>
+            </a:r>
+            <a:r>
+              <a:rPr lang="en-US" baseline="0" dirty="0" err="1" smtClean="0"/>
+              <a:t>invånaren</a:t>
+            </a:r>
+            <a:r>
+              <a:rPr lang="en-US" baseline="0" dirty="0" smtClean="0"/>
+              <a:t> </a:t>
+            </a:r>
+            <a:r>
+              <a:rPr lang="en-US" baseline="0" dirty="0" err="1" smtClean="0"/>
+              <a:t>har</a:t>
+            </a:r>
+            <a:r>
+              <a:rPr lang="en-US" baseline="0" dirty="0" smtClean="0"/>
+              <a:t> </a:t>
+            </a:r>
+            <a:r>
+              <a:rPr lang="en-US" baseline="0" dirty="0" err="1" smtClean="0"/>
+              <a:t>godkänt</a:t>
+            </a:r>
+            <a:r>
+              <a:rPr lang="en-US" baseline="0" dirty="0" smtClean="0"/>
+              <a:t>.</a:t>
+            </a:r>
+          </a:p>
+          <a:p>
+            <a:r>
+              <a:rPr lang="en-US" baseline="0" dirty="0" err="1" smtClean="0"/>
+              <a:t>APIet</a:t>
+            </a:r>
+            <a:r>
+              <a:rPr lang="en-US" baseline="0" dirty="0" smtClean="0"/>
+              <a:t> </a:t>
+            </a:r>
+            <a:r>
+              <a:rPr lang="en-US" baseline="0" dirty="0" err="1" smtClean="0"/>
+              <a:t>behöver</a:t>
+            </a:r>
+            <a:r>
+              <a:rPr lang="en-US" baseline="0" dirty="0" smtClean="0"/>
+              <a:t> </a:t>
+            </a:r>
+            <a:r>
+              <a:rPr lang="en-US" baseline="0" dirty="0" err="1" smtClean="0"/>
+              <a:t>verifiera</a:t>
+            </a:r>
+            <a:r>
+              <a:rPr lang="en-US" baseline="0" dirty="0" smtClean="0"/>
+              <a:t> </a:t>
+            </a:r>
+            <a:r>
+              <a:rPr lang="en-US" baseline="0" dirty="0" err="1" smtClean="0"/>
+              <a:t>detta</a:t>
+            </a:r>
+            <a:r>
+              <a:rPr lang="en-US" baseline="0" dirty="0" smtClean="0"/>
+              <a:t>.</a:t>
+            </a:r>
             <a:endParaRPr lang="en-US" baseline="0" dirty="0" smtClean="0"/>
           </a:p>
         </p:txBody>
@@ -3490,7 +4452,7 @@
               <a:pPr>
                 <a:defRPr/>
               </a:pPr>
-              <a:t>14</a:t>
+              <a:t>13</a:t>
             </a:fld>
             <a:endParaRPr lang="sv-SE"/>
           </a:p>
@@ -3499,7 +4461,7 @@
     </p:spTree>
     <p:extLst>
       <p:ext uri="{BB962C8B-B14F-4D97-AF65-F5344CB8AC3E}">
-        <p14:creationId xmlns:p14="http://schemas.microsoft.com/office/powerpoint/2010/main" val="422046913"/>
+        <p14:creationId xmlns:p14="http://schemas.microsoft.com/office/powerpoint/2010/main" val="1531746770"/>
       </p:ext>
     </p:extLst>
   </p:cSld>
@@ -3554,411 +4516,14 @@
           <a:lstStyle/>
           <a:p>
             <a:r>
-              <a:rPr lang="en-US" dirty="0" smtClean="0"/>
-              <a:t>Resource Owner: En roll </a:t>
-            </a:r>
-            <a:r>
-              <a:rPr lang="en-US" dirty="0" err="1" smtClean="0"/>
-              <a:t>i</a:t>
-            </a:r>
-            <a:r>
-              <a:rPr lang="en-US" dirty="0" smtClean="0"/>
-              <a:t> </a:t>
-            </a:r>
-            <a:r>
-              <a:rPr lang="en-US" dirty="0" err="1" smtClean="0"/>
+              <a:rPr lang="en-US" baseline="0" dirty="0" err="1" smtClean="0"/>
               <a:t>OAuth</a:t>
             </a:r>
             <a:r>
-              <a:rPr lang="en-US" dirty="0" smtClean="0"/>
-              <a:t> 2.0 </a:t>
-            </a:r>
-            <a:r>
-              <a:rPr lang="en-US" dirty="0" err="1" smtClean="0"/>
-              <a:t>specifikationen</a:t>
-            </a:r>
-            <a:r>
-              <a:rPr lang="en-US" dirty="0" smtClean="0"/>
-              <a:t> </a:t>
-            </a:r>
-            <a:r>
-              <a:rPr lang="en-US" dirty="0" err="1" smtClean="0"/>
-              <a:t>som</a:t>
-            </a:r>
-            <a:r>
-              <a:rPr lang="en-US" dirty="0" smtClean="0"/>
-              <a:t> </a:t>
-            </a:r>
-            <a:r>
-              <a:rPr lang="en-US" dirty="0" err="1" smtClean="0"/>
-              <a:t>pekar</a:t>
-            </a:r>
-            <a:r>
-              <a:rPr lang="en-US" dirty="0" smtClean="0"/>
-              <a:t> </a:t>
-            </a:r>
-            <a:r>
-              <a:rPr lang="en-US" dirty="0" err="1" smtClean="0"/>
-              <a:t>ut</a:t>
-            </a:r>
-            <a:r>
-              <a:rPr lang="en-US" dirty="0" smtClean="0"/>
-              <a:t> </a:t>
-            </a:r>
-            <a:r>
-              <a:rPr lang="en-US" dirty="0" err="1" smtClean="0"/>
-              <a:t>användaren</a:t>
-            </a:r>
-            <a:r>
-              <a:rPr lang="en-US" dirty="0" smtClean="0"/>
-              <a:t> </a:t>
-            </a:r>
-            <a:r>
-              <a:rPr lang="en-US" dirty="0" err="1" smtClean="0"/>
-              <a:t>som</a:t>
-            </a:r>
-            <a:r>
-              <a:rPr lang="en-US" dirty="0" smtClean="0"/>
-              <a:t> </a:t>
-            </a:r>
-            <a:r>
-              <a:rPr lang="en-US" dirty="0" err="1" smtClean="0"/>
-              <a:t>äger</a:t>
-            </a:r>
-            <a:r>
-              <a:rPr lang="en-US" dirty="0" smtClean="0"/>
-              <a:t> en given </a:t>
-            </a:r>
-            <a:r>
-              <a:rPr lang="en-US" dirty="0" err="1" smtClean="0"/>
-              <a:t>resurs</a:t>
-            </a:r>
-            <a:r>
-              <a:rPr lang="en-US" dirty="0" smtClean="0"/>
-              <a:t>.</a:t>
-            </a:r>
-          </a:p>
-          <a:p>
-            <a:r>
-              <a:rPr lang="en-US" dirty="0" smtClean="0"/>
-              <a:t>Client: I </a:t>
-            </a:r>
-            <a:r>
-              <a:rPr lang="en-US" dirty="0" err="1" smtClean="0"/>
-              <a:t>OAuth</a:t>
-            </a:r>
-            <a:r>
-              <a:rPr lang="en-US" dirty="0" smtClean="0"/>
-              <a:t> 2.0-specifikationen </a:t>
-            </a:r>
-            <a:r>
-              <a:rPr lang="en-US" dirty="0" err="1" smtClean="0"/>
-              <a:t>är</a:t>
-            </a:r>
-            <a:r>
-              <a:rPr lang="en-US" dirty="0" smtClean="0"/>
-              <a:t> </a:t>
-            </a:r>
-            <a:r>
-              <a:rPr lang="en-US" dirty="0" err="1" smtClean="0"/>
-              <a:t>klienten</a:t>
-            </a:r>
-            <a:r>
-              <a:rPr lang="en-US" dirty="0" smtClean="0"/>
-              <a:t> </a:t>
-            </a:r>
-            <a:r>
-              <a:rPr lang="en-US" dirty="0" err="1" smtClean="0"/>
-              <a:t>hela</a:t>
-            </a:r>
-            <a:r>
-              <a:rPr lang="en-US" dirty="0" smtClean="0"/>
-              <a:t> </a:t>
-            </a:r>
-            <a:r>
-              <a:rPr lang="en-US" dirty="0" err="1" smtClean="0"/>
-              <a:t>tredjeparts-lösningen</a:t>
-            </a:r>
-            <a:r>
-              <a:rPr lang="en-US" dirty="0" smtClean="0"/>
-              <a:t>. </a:t>
-            </a:r>
-            <a:r>
-              <a:rPr lang="en-US" dirty="0" err="1" smtClean="0"/>
-              <a:t>Det</a:t>
-            </a:r>
-            <a:r>
-              <a:rPr lang="en-US" dirty="0" smtClean="0"/>
-              <a:t> </a:t>
-            </a:r>
-            <a:r>
-              <a:rPr lang="en-US" dirty="0" err="1" smtClean="0"/>
-              <a:t>vill</a:t>
-            </a:r>
-            <a:r>
-              <a:rPr lang="en-US" dirty="0" smtClean="0"/>
-              <a:t> </a:t>
-            </a:r>
-            <a:r>
-              <a:rPr lang="en-US" dirty="0" err="1" smtClean="0"/>
-              <a:t>säga</a:t>
-            </a:r>
-            <a:r>
-              <a:rPr lang="en-US" dirty="0" smtClean="0"/>
-              <a:t> </a:t>
-            </a:r>
-            <a:r>
-              <a:rPr lang="en-US" dirty="0" err="1" smtClean="0"/>
-              <a:t>klienten</a:t>
-            </a:r>
-            <a:r>
-              <a:rPr lang="en-US" dirty="0" smtClean="0"/>
-              <a:t> </a:t>
-            </a:r>
-            <a:r>
-              <a:rPr lang="en-US" dirty="0" err="1" smtClean="0"/>
-              <a:t>är</a:t>
-            </a:r>
-            <a:r>
-              <a:rPr lang="en-US" dirty="0" smtClean="0"/>
-              <a:t> </a:t>
-            </a:r>
-            <a:r>
-              <a:rPr lang="en-US" dirty="0" err="1" smtClean="0"/>
-              <a:t>både</a:t>
-            </a:r>
-            <a:r>
-              <a:rPr lang="en-US" dirty="0" smtClean="0"/>
-              <a:t> back-end </a:t>
-            </a:r>
-            <a:r>
-              <a:rPr lang="en-US" dirty="0" err="1" smtClean="0"/>
-              <a:t>och</a:t>
-            </a:r>
-            <a:r>
-              <a:rPr lang="en-US" dirty="0" smtClean="0"/>
-              <a:t> front-end </a:t>
-            </a:r>
-            <a:r>
-              <a:rPr lang="en-US" dirty="0" err="1" smtClean="0"/>
-              <a:t>av</a:t>
-            </a:r>
-            <a:r>
-              <a:rPr lang="en-US" dirty="0" smtClean="0"/>
-              <a:t> </a:t>
-            </a:r>
-            <a:r>
-              <a:rPr lang="en-US" dirty="0" err="1" smtClean="0"/>
-              <a:t>tredjeparts-lösningen</a:t>
-            </a:r>
-            <a:r>
-              <a:rPr lang="en-US" dirty="0" smtClean="0"/>
-              <a:t>.</a:t>
-            </a:r>
-          </a:p>
-          <a:p>
-            <a:r>
-              <a:rPr lang="en-US" dirty="0" smtClean="0"/>
-              <a:t>Authorization server: En roll </a:t>
-            </a:r>
-            <a:r>
-              <a:rPr lang="en-US" dirty="0" err="1" smtClean="0"/>
-              <a:t>i</a:t>
-            </a:r>
-            <a:r>
-              <a:rPr lang="en-US" dirty="0" smtClean="0"/>
-              <a:t> </a:t>
-            </a:r>
-            <a:r>
-              <a:rPr lang="en-US" dirty="0" err="1" smtClean="0"/>
-              <a:t>OAuth</a:t>
-            </a:r>
-            <a:r>
-              <a:rPr lang="en-US" dirty="0" smtClean="0"/>
-              <a:t> 2.0 </a:t>
-            </a:r>
-            <a:r>
-              <a:rPr lang="en-US" dirty="0" err="1" smtClean="0"/>
-              <a:t>specifikationen</a:t>
-            </a:r>
-            <a:r>
-              <a:rPr lang="en-US" dirty="0" smtClean="0"/>
-              <a:t> </a:t>
-            </a:r>
-            <a:r>
-              <a:rPr lang="en-US" dirty="0" err="1" smtClean="0"/>
-              <a:t>som</a:t>
-            </a:r>
-            <a:r>
-              <a:rPr lang="en-US" dirty="0" smtClean="0"/>
-              <a:t> </a:t>
-            </a:r>
-            <a:r>
-              <a:rPr lang="en-US" dirty="0" err="1" smtClean="0"/>
-              <a:t>pekar</a:t>
-            </a:r>
-            <a:r>
-              <a:rPr lang="en-US" dirty="0" smtClean="0"/>
-              <a:t> </a:t>
-            </a:r>
-            <a:r>
-              <a:rPr lang="en-US" dirty="0" err="1" smtClean="0"/>
-              <a:t>ut</a:t>
-            </a:r>
-            <a:r>
-              <a:rPr lang="en-US" dirty="0" smtClean="0"/>
-              <a:t> den del </a:t>
-            </a:r>
-            <a:r>
-              <a:rPr lang="en-US" dirty="0" err="1" smtClean="0"/>
-              <a:t>som</a:t>
-            </a:r>
-            <a:r>
-              <a:rPr lang="en-US" dirty="0" smtClean="0"/>
-              <a:t> </a:t>
-            </a:r>
-            <a:r>
-              <a:rPr lang="en-US" dirty="0" err="1" smtClean="0"/>
-              <a:t>är</a:t>
-            </a:r>
-            <a:r>
-              <a:rPr lang="en-US" dirty="0" smtClean="0"/>
-              <a:t> </a:t>
-            </a:r>
-            <a:r>
-              <a:rPr lang="en-US" dirty="0" err="1" smtClean="0"/>
-              <a:t>ansvarig</a:t>
-            </a:r>
-            <a:r>
-              <a:rPr lang="en-US" dirty="0" smtClean="0"/>
-              <a:t> </a:t>
-            </a:r>
-            <a:r>
-              <a:rPr lang="en-US" dirty="0" err="1" smtClean="0"/>
-              <a:t>för</a:t>
-            </a:r>
-            <a:r>
-              <a:rPr lang="en-US" dirty="0" smtClean="0"/>
-              <a:t> </a:t>
-            </a:r>
-            <a:r>
-              <a:rPr lang="en-US" dirty="0" err="1" smtClean="0"/>
-              <a:t>auktorisationsadministration</a:t>
-            </a:r>
-            <a:r>
-              <a:rPr lang="en-US" dirty="0" smtClean="0"/>
-              <a:t>.</a:t>
-            </a:r>
-          </a:p>
-          <a:p>
-            <a:r>
-              <a:rPr lang="en-US" dirty="0" smtClean="0"/>
-              <a:t>Resource server:</a:t>
-            </a:r>
-            <a:r>
-              <a:rPr lang="en-US" baseline="0" dirty="0" smtClean="0"/>
-              <a:t> En roll </a:t>
-            </a:r>
-            <a:r>
-              <a:rPr lang="en-US" baseline="0" dirty="0" err="1" smtClean="0"/>
-              <a:t>i</a:t>
-            </a:r>
-            <a:r>
-              <a:rPr lang="en-US" baseline="0" dirty="0" smtClean="0"/>
-              <a:t> </a:t>
-            </a:r>
-            <a:r>
-              <a:rPr lang="en-US" baseline="0" dirty="0" err="1" smtClean="0"/>
-              <a:t>OAuth</a:t>
-            </a:r>
-            <a:r>
-              <a:rPr lang="en-US" baseline="0" dirty="0" smtClean="0"/>
-              <a:t> 2.0 </a:t>
-            </a:r>
-            <a:r>
-              <a:rPr lang="en-US" baseline="0" dirty="0" err="1" smtClean="0"/>
-              <a:t>specifikationen</a:t>
-            </a:r>
-            <a:r>
-              <a:rPr lang="en-US" baseline="0" dirty="0" smtClean="0"/>
-              <a:t> </a:t>
-            </a:r>
-            <a:r>
-              <a:rPr lang="en-US" baseline="0" dirty="0" err="1" smtClean="0"/>
-              <a:t>som</a:t>
-            </a:r>
-            <a:r>
-              <a:rPr lang="en-US" baseline="0" dirty="0" smtClean="0"/>
-              <a:t> </a:t>
-            </a:r>
-            <a:r>
-              <a:rPr lang="en-US" baseline="0" dirty="0" err="1" smtClean="0"/>
-              <a:t>pekar</a:t>
-            </a:r>
-            <a:r>
-              <a:rPr lang="en-US" baseline="0" dirty="0" smtClean="0"/>
-              <a:t> </a:t>
-            </a:r>
-            <a:r>
-              <a:rPr lang="en-US" baseline="0" dirty="0" err="1" smtClean="0"/>
-              <a:t>ut</a:t>
-            </a:r>
-            <a:r>
-              <a:rPr lang="en-US" baseline="0" dirty="0" smtClean="0"/>
-              <a:t> den del </a:t>
-            </a:r>
-            <a:r>
-              <a:rPr lang="en-US" baseline="0" dirty="0" err="1" smtClean="0"/>
-              <a:t>som</a:t>
-            </a:r>
-            <a:r>
-              <a:rPr lang="en-US" baseline="0" dirty="0" smtClean="0"/>
-              <a:t> </a:t>
-            </a:r>
-            <a:r>
-              <a:rPr lang="en-US" baseline="0" dirty="0" err="1" smtClean="0"/>
-              <a:t>är</a:t>
-            </a:r>
-            <a:r>
-              <a:rPr lang="en-US" baseline="0" dirty="0" smtClean="0"/>
-              <a:t> </a:t>
-            </a:r>
-            <a:r>
-              <a:rPr lang="en-US" baseline="0" dirty="0" err="1" smtClean="0"/>
-              <a:t>ansvarig</a:t>
-            </a:r>
-            <a:r>
-              <a:rPr lang="en-US" baseline="0" dirty="0" smtClean="0"/>
-              <a:t> </a:t>
-            </a:r>
-            <a:r>
-              <a:rPr lang="en-US" baseline="0" dirty="0" err="1" smtClean="0"/>
-              <a:t>för</a:t>
-            </a:r>
-            <a:r>
-              <a:rPr lang="en-US" baseline="0" dirty="0" smtClean="0"/>
-              <a:t> </a:t>
-            </a:r>
-            <a:r>
-              <a:rPr lang="en-US" baseline="0" dirty="0" err="1" smtClean="0"/>
-              <a:t>resurshantering</a:t>
-            </a:r>
-            <a:r>
-              <a:rPr lang="en-US" baseline="0" dirty="0" smtClean="0"/>
-              <a:t>/</a:t>
-            </a:r>
-            <a:r>
-              <a:rPr lang="en-US" baseline="0" dirty="0" err="1" smtClean="0"/>
-              <a:t>resursutlämning</a:t>
-            </a:r>
-            <a:r>
-              <a:rPr lang="en-US" baseline="0" dirty="0" smtClean="0"/>
-              <a:t>.</a:t>
-            </a:r>
-            <a:endParaRPr lang="en-US" dirty="0" smtClean="0"/>
-          </a:p>
-          <a:p>
-            <a:endParaRPr lang="en-US" dirty="0"/>
+              <a:rPr lang="en-US" baseline="0" smtClean="0"/>
+              <a:t> 2.0</a:t>
+            </a:r>
+            <a:endParaRPr lang="en-US" baseline="0" dirty="0" smtClean="0"/>
           </a:p>
         </p:txBody>
       </p:sp>
@@ -3985,7 +4550,7 @@
               <a:pPr>
                 <a:defRPr/>
               </a:pPr>
-              <a:t>15</a:t>
+              <a:t>14</a:t>
             </a:fld>
             <a:endParaRPr lang="sv-SE"/>
           </a:p>
@@ -3994,7 +4559,7 @@
     </p:spTree>
     <p:extLst>
       <p:ext uri="{BB962C8B-B14F-4D97-AF65-F5344CB8AC3E}">
-        <p14:creationId xmlns:p14="http://schemas.microsoft.com/office/powerpoint/2010/main" val="698192533"/>
+        <p14:creationId xmlns:p14="http://schemas.microsoft.com/office/powerpoint/2010/main" val="422046913"/>
       </p:ext>
     </p:extLst>
   </p:cSld>
@@ -9619,6 +10184,111 @@
           </a:p>
         </p:txBody>
       </p:sp>
+      <p:grpSp>
+        <p:nvGrpSpPr>
+          <p:cNvPr id="9" name="Group 8"/>
+          <p:cNvGrpSpPr/>
+          <p:nvPr/>
+        </p:nvGrpSpPr>
+        <p:grpSpPr>
+          <a:xfrm>
+            <a:off x="5738976" y="2387135"/>
+            <a:ext cx="2311697" cy="2315627"/>
+            <a:chOff x="6246976" y="2550119"/>
+            <a:chExt cx="2311697" cy="2315627"/>
+          </a:xfrm>
+        </p:grpSpPr>
+        <p:pic>
+          <p:nvPicPr>
+            <p:cNvPr id="6" name="Picture 5" descr="Screen Shot 2013-01-04 at 15.31.00.png"/>
+            <p:cNvPicPr>
+              <a:picLocks noChangeAspect="1"/>
+            </p:cNvPicPr>
+            <p:nvPr/>
+          </p:nvPicPr>
+          <p:blipFill>
+            <a:blip r:embed="rId3">
+              <a:extLst>
+                <a:ext uri="{28A0092B-C50C-407E-A947-70E740481C1C}">
+                  <a14:useLocalDpi xmlns:a14="http://schemas.microsoft.com/office/drawing/2010/main" val="0"/>
+                </a:ext>
+              </a:extLst>
+            </a:blip>
+            <a:stretch>
+              <a:fillRect/>
+            </a:stretch>
+          </p:blipFill>
+          <p:spPr>
+            <a:xfrm>
+              <a:off x="6246976" y="2980157"/>
+              <a:ext cx="800397" cy="1031281"/>
+            </a:xfrm>
+            <a:prstGeom prst="rect">
+              <a:avLst/>
+            </a:prstGeom>
+          </p:spPr>
+        </p:pic>
+        <p:pic>
+          <p:nvPicPr>
+            <p:cNvPr id="7" name="Picture 6" descr="Screen Shot 2013-01-04 at 15.30.49.png"/>
+            <p:cNvPicPr>
+              <a:picLocks noChangeAspect="1"/>
+            </p:cNvPicPr>
+            <p:nvPr/>
+          </p:nvPicPr>
+          <p:blipFill>
+            <a:blip r:embed="rId4">
+              <a:extLst>
+                <a:ext uri="{28A0092B-C50C-407E-A947-70E740481C1C}">
+                  <a14:useLocalDpi xmlns:a14="http://schemas.microsoft.com/office/drawing/2010/main" val="0"/>
+                </a:ext>
+              </a:extLst>
+            </a:blip>
+            <a:stretch>
+              <a:fillRect/>
+            </a:stretch>
+          </p:blipFill>
+          <p:spPr>
+            <a:xfrm>
+              <a:off x="7173543" y="2550119"/>
+              <a:ext cx="1372430" cy="994830"/>
+            </a:xfrm>
+            <a:prstGeom prst="rect">
+              <a:avLst/>
+            </a:prstGeom>
+          </p:spPr>
+        </p:pic>
+        <p:pic>
+          <p:nvPicPr>
+            <p:cNvPr id="8" name="Picture 7" descr="Screen Shot 2013-01-04 at 15.30.37.png"/>
+            <p:cNvPicPr>
+              <a:picLocks noChangeAspect="1"/>
+            </p:cNvPicPr>
+            <p:nvPr/>
+          </p:nvPicPr>
+          <p:blipFill>
+            <a:blip r:embed="rId5">
+              <a:extLst>
+                <a:ext uri="{28A0092B-C50C-407E-A947-70E740481C1C}">
+                  <a14:useLocalDpi xmlns:a14="http://schemas.microsoft.com/office/drawing/2010/main" val="0"/>
+                </a:ext>
+              </a:extLst>
+            </a:blip>
+            <a:stretch>
+              <a:fillRect/>
+            </a:stretch>
+          </p:blipFill>
+          <p:spPr>
+            <a:xfrm>
+              <a:off x="7047373" y="3886200"/>
+              <a:ext cx="1511300" cy="979546"/>
+            </a:xfrm>
+            <a:prstGeom prst="rect">
+              <a:avLst/>
+            </a:prstGeom>
+          </p:spPr>
+        </p:pic>
+      </p:grpSp>
     </p:spTree>
     <p:extLst>
       <p:ext uri="{BB962C8B-B14F-4D97-AF65-F5344CB8AC3E}">
@@ -13029,7 +13699,7 @@
           </a:p>
           <a:p>
             <a:r>
-              <a:rPr lang="en-US" smtClean="0"/>
+              <a:rPr lang="en-US" dirty="0" smtClean="0"/>
               <a:t>Simple application</a:t>
             </a:r>
             <a:endParaRPr lang="en-US" dirty="0" smtClean="0"/>
@@ -14598,56 +15268,55 @@
           <a:lstStyle/>
           <a:p>
             <a:r>
-              <a:rPr lang="en-US" dirty="0" smtClean="0"/>
+              <a:rPr lang="en-US" sz="1800" dirty="0" smtClean="0"/>
               <a:t>Status codes</a:t>
             </a:r>
-            <a:endParaRPr lang="en-US" dirty="0"/>
+            <a:endParaRPr lang="en-US" sz="1800" dirty="0"/>
           </a:p>
           <a:p>
             <a:pPr lvl="1"/>
             <a:r>
-              <a:rPr lang="en-US" dirty="0" smtClean="0"/>
+              <a:rPr lang="en-US" sz="1600" dirty="0" smtClean="0"/>
               <a:t>2xx, 3xx, 4xx, 5xx</a:t>
             </a:r>
           </a:p>
           <a:p>
             <a:pPr lvl="1"/>
             <a:r>
-              <a:rPr lang="en-US" dirty="0" smtClean="0"/>
+              <a:rPr lang="en-US" sz="1600" dirty="0" smtClean="0"/>
               <a:t>418 I’m a teapot (RFC2324)</a:t>
             </a:r>
           </a:p>
           <a:p>
             <a:pPr lvl="2"/>
             <a:r>
-              <a:rPr lang="en-US" dirty="0" smtClean="0"/>
+              <a:rPr lang="en-US" sz="1600" dirty="0" smtClean="0"/>
               <a:t>Hyper Text Coffee Pot Control Protocol</a:t>
             </a:r>
           </a:p>
           <a:p>
             <a:r>
-              <a:rPr lang="en-US" dirty="0" smtClean="0"/>
+              <a:rPr lang="en-US" sz="1800" dirty="0" smtClean="0"/>
               <a:t>HTTP Headers</a:t>
             </a:r>
           </a:p>
           <a:p>
             <a:pPr lvl="1"/>
             <a:r>
-              <a:rPr lang="en-US" dirty="0" smtClean="0"/>
+              <a:rPr lang="en-US" sz="1600" dirty="0" smtClean="0"/>
               <a:t>Location</a:t>
             </a:r>
           </a:p>
           <a:p>
             <a:pPr lvl="1"/>
             <a:r>
-              <a:rPr lang="en-US" sz="2400" dirty="0"/>
+              <a:rPr lang="en-US" sz="1600" dirty="0"/>
               <a:t>Content-</a:t>
             </a:r>
             <a:r>
-              <a:rPr lang="en-US" sz="2400" dirty="0" smtClean="0"/>
+              <a:rPr lang="en-US" sz="1600" dirty="0" smtClean="0"/>
               <a:t>Type</a:t>
             </a:r>
-            <a:endParaRPr lang="en-US" dirty="0" smtClean="0"/>
           </a:p>
           <a:p>
             <a:pPr marL="342900" lvl="1" indent="-342900">
@@ -14655,16 +15324,16 @@
               <a:buChar char="•"/>
             </a:pPr>
             <a:r>
-              <a:rPr lang="en-US" dirty="0" smtClean="0"/>
+              <a:rPr lang="en-US" sz="1800" dirty="0" smtClean="0"/>
               <a:t>Example: Redirect, how does it work?</a:t>
             </a:r>
-            <a:endParaRPr lang="en-US" dirty="0"/>
-          </a:p>
-          <a:p>
-            <a:endParaRPr lang="en-US" dirty="0"/>
-          </a:p>
-          <a:p>
-            <a:endParaRPr lang="en-US" dirty="0"/>
+            <a:endParaRPr lang="en-US" sz="1800" dirty="0"/>
+          </a:p>
+          <a:p>
+            <a:endParaRPr lang="en-US" sz="1800" dirty="0"/>
+          </a:p>
+          <a:p>
+            <a:endParaRPr lang="en-US" sz="1800" dirty="0"/>
           </a:p>
         </p:txBody>
       </p:sp>

--- a/Cadec-vårdens-apier.pptx
+++ b/Cadec-vårdens-apier.pptx
@@ -3054,7 +3054,37 @@
           <a:bodyPr/>
           <a:lstStyle/>
           <a:p>
-            <a:endParaRPr lang="en-US"/>
+            <a:r>
+              <a:rPr lang="en-US" dirty="0" smtClean="0"/>
+              <a:t>The HTTP response status code 302 Found is a common way of performing a redirection.</a:t>
+            </a:r>
+          </a:p>
+          <a:p>
+            <a:r>
+              <a:rPr lang="en-US" dirty="0" smtClean="0"/>
+              <a:t>An HTTP response with this status code will additionally provide a URL in the Location header field. </a:t>
+            </a:r>
+          </a:p>
+          <a:p>
+            <a:r>
+              <a:rPr lang="en-US" dirty="0" smtClean="0"/>
+              <a:t>The User Agent (e.g. a web browser) is invited by a response with this code to make a second, otherwise identical, request, to the new URL specified in the Location field</a:t>
+            </a:r>
+            <a:r>
+              <a:rPr lang="en-US" smtClean="0"/>
+              <a:t>. </a:t>
+            </a:r>
+          </a:p>
+          <a:p>
+            <a:r>
+              <a:rPr lang="en-US" smtClean="0"/>
+              <a:t>The </a:t>
+            </a:r>
+            <a:r>
+              <a:rPr lang="en-US" dirty="0" smtClean="0"/>
+              <a:t>HTTP/1.0 specification (RFC 1945) defines this code, and gives it the description phrase "Moved Temporarily".</a:t>
+            </a:r>
+            <a:endParaRPr lang="en-US" dirty="0"/>
           </a:p>
         </p:txBody>
       </p:sp>
@@ -4520,7 +4550,7 @@
               <a:t>OAuth</a:t>
             </a:r>
             <a:r>
-              <a:rPr lang="en-US" baseline="0" smtClean="0"/>
+              <a:rPr lang="en-US" baseline="0" dirty="0" smtClean="0"/>
               <a:t> 2.0</a:t>
             </a:r>
             <a:endParaRPr lang="en-US" baseline="0" dirty="0" smtClean="0"/>

--- a/Cadec-vårdens-apier.pptx
+++ b/Cadec-vårdens-apier.pptx
@@ -5,10 +5,10 @@
     <p:sldMasterId id="2147483648" r:id="rId1"/>
   </p:sldMasterIdLst>
   <p:notesMasterIdLst>
-    <p:notesMasterId r:id="rId27"/>
+    <p:notesMasterId r:id="rId28"/>
   </p:notesMasterIdLst>
   <p:handoutMasterIdLst>
-    <p:handoutMasterId r:id="rId28"/>
+    <p:handoutMasterId r:id="rId29"/>
   </p:handoutMasterIdLst>
   <p:sldIdLst>
     <p:sldId id="256" r:id="rId2"/>
@@ -28,14 +28,15 @@
     <p:sldId id="272" r:id="rId16"/>
     <p:sldId id="273" r:id="rId17"/>
     <p:sldId id="267" r:id="rId18"/>
-    <p:sldId id="283" r:id="rId19"/>
-    <p:sldId id="275" r:id="rId20"/>
-    <p:sldId id="285" r:id="rId21"/>
-    <p:sldId id="269" r:id="rId22"/>
-    <p:sldId id="271" r:id="rId23"/>
-    <p:sldId id="270" r:id="rId24"/>
-    <p:sldId id="284" r:id="rId25"/>
-    <p:sldId id="274" r:id="rId26"/>
+    <p:sldId id="286" r:id="rId19"/>
+    <p:sldId id="283" r:id="rId20"/>
+    <p:sldId id="275" r:id="rId21"/>
+    <p:sldId id="285" r:id="rId22"/>
+    <p:sldId id="269" r:id="rId23"/>
+    <p:sldId id="271" r:id="rId24"/>
+    <p:sldId id="270" r:id="rId25"/>
+    <p:sldId id="284" r:id="rId26"/>
+    <p:sldId id="274" r:id="rId27"/>
   </p:sldIdLst>
   <p:sldSz cx="9144000" cy="6858000" type="screen4x3"/>
   <p:notesSz cx="6858000" cy="9144000"/>
@@ -973,27 +974,23 @@
             </a:r>
             <a:r>
               <a:rPr lang="en-US" dirty="0" err="1" smtClean="0"/>
-              <a:t>användaren</a:t>
-            </a:r>
-            <a:r>
-              <a:rPr lang="en-US" dirty="0" smtClean="0"/>
-              <a:t> </a:t>
-            </a:r>
-            <a:r>
-              <a:rPr lang="en-US" dirty="0" err="1" smtClean="0"/>
-              <a:t>som</a:t>
-            </a:r>
-            <a:r>
-              <a:rPr lang="en-US" dirty="0" smtClean="0"/>
-              <a:t> </a:t>
-            </a:r>
-            <a:r>
-              <a:rPr lang="en-US" dirty="0" err="1" smtClean="0"/>
-              <a:t>äger</a:t>
-            </a:r>
-            <a:r>
-              <a:rPr lang="en-US" dirty="0" smtClean="0"/>
-              <a:t> en given </a:t>
+              <a:t>ägaren</a:t>
+            </a:r>
+            <a:r>
+              <a:rPr lang="en-US" baseline="0" dirty="0" smtClean="0"/>
+              <a:t> </a:t>
+            </a:r>
+            <a:r>
+              <a:rPr lang="en-US" baseline="0" dirty="0" err="1" smtClean="0"/>
+              <a:t>av</a:t>
+            </a:r>
+            <a:r>
+              <a:rPr lang="en-US" dirty="0" smtClean="0"/>
+              <a:t> </a:t>
+            </a:r>
+            <a:r>
+              <a:rPr lang="en-US" dirty="0" smtClean="0"/>
+              <a:t>en given </a:t>
             </a:r>
             <a:r>
               <a:rPr lang="en-US" dirty="0" err="1" smtClean="0"/>
@@ -1034,76 +1031,8 @@
               <a:t> </a:t>
             </a:r>
             <a:r>
-              <a:rPr lang="en-US" dirty="0" err="1" smtClean="0"/>
-              <a:t>hela</a:t>
-            </a:r>
-            <a:r>
-              <a:rPr lang="en-US" dirty="0" smtClean="0"/>
-              <a:t> </a:t>
-            </a:r>
-            <a:r>
-              <a:rPr lang="en-US" dirty="0" err="1" smtClean="0"/>
-              <a:t>tredjeparts-lösningen</a:t>
-            </a:r>
-            <a:r>
-              <a:rPr lang="en-US" dirty="0" smtClean="0"/>
-              <a:t>. </a:t>
-            </a:r>
-            <a:r>
-              <a:rPr lang="en-US" dirty="0" err="1" smtClean="0"/>
-              <a:t>Det</a:t>
-            </a:r>
-            <a:r>
-              <a:rPr lang="en-US" dirty="0" smtClean="0"/>
-              <a:t> </a:t>
-            </a:r>
-            <a:r>
-              <a:rPr lang="en-US" dirty="0" err="1" smtClean="0"/>
-              <a:t>vill</a:t>
-            </a:r>
-            <a:r>
-              <a:rPr lang="en-US" dirty="0" smtClean="0"/>
-              <a:t> </a:t>
-            </a:r>
-            <a:r>
-              <a:rPr lang="en-US" dirty="0" err="1" smtClean="0"/>
-              <a:t>säga</a:t>
-            </a:r>
-            <a:r>
-              <a:rPr lang="en-US" dirty="0" smtClean="0"/>
-              <a:t> </a:t>
-            </a:r>
-            <a:r>
-              <a:rPr lang="en-US" dirty="0" err="1" smtClean="0"/>
-              <a:t>klienten</a:t>
-            </a:r>
-            <a:r>
-              <a:rPr lang="en-US" dirty="0" smtClean="0"/>
-              <a:t> </a:t>
-            </a:r>
-            <a:r>
-              <a:rPr lang="en-US" dirty="0" err="1" smtClean="0"/>
-              <a:t>är</a:t>
-            </a:r>
-            <a:r>
-              <a:rPr lang="en-US" dirty="0" smtClean="0"/>
-              <a:t> </a:t>
-            </a:r>
-            <a:r>
-              <a:rPr lang="en-US" dirty="0" err="1" smtClean="0"/>
-              <a:t>både</a:t>
-            </a:r>
-            <a:r>
-              <a:rPr lang="en-US" dirty="0" smtClean="0"/>
-              <a:t> back-end </a:t>
-            </a:r>
-            <a:r>
-              <a:rPr lang="en-US" dirty="0" err="1" smtClean="0"/>
-              <a:t>och</a:t>
-            </a:r>
-            <a:r>
-              <a:rPr lang="en-US" dirty="0" smtClean="0"/>
-              <a:t> front-end </a:t>
+              <a:rPr lang="en-US" dirty="0" smtClean="0"/>
+              <a:t>den del </a:t>
             </a:r>
             <a:r>
               <a:rPr lang="en-US" dirty="0" err="1" smtClean="0"/>
@@ -1115,12 +1044,61 @@
             </a:r>
             <a:r>
               <a:rPr lang="en-US" dirty="0" err="1" smtClean="0"/>
-              <a:t>tredjeparts-lösningen</a:t>
-            </a:r>
-            <a:r>
-              <a:rPr lang="en-US" dirty="0" smtClean="0"/>
+              <a:t>tredjeparts</a:t>
+            </a:r>
+            <a:r>
+              <a:rPr lang="en-US" dirty="0" err="1" smtClean="0"/>
+              <a:t>-</a:t>
+            </a:r>
+            <a:r>
+              <a:rPr lang="en-US" dirty="0" err="1" smtClean="0"/>
+              <a:t>lösningen</a:t>
+            </a:r>
+            <a:r>
+              <a:rPr lang="en-US" baseline="0" dirty="0" smtClean="0"/>
+              <a:t> </a:t>
+            </a:r>
+            <a:r>
+              <a:rPr lang="en-US" baseline="0" dirty="0" err="1" smtClean="0"/>
+              <a:t>som</a:t>
+            </a:r>
+            <a:r>
+              <a:rPr lang="en-US" baseline="0" dirty="0" smtClean="0"/>
+              <a:t> </a:t>
+            </a:r>
+            <a:r>
+              <a:rPr lang="en-US" baseline="0" dirty="0" err="1" smtClean="0"/>
+              <a:t>kommunicerar</a:t>
+            </a:r>
+            <a:r>
+              <a:rPr lang="en-US" baseline="0" dirty="0" smtClean="0"/>
+              <a:t> med </a:t>
+            </a:r>
+            <a:r>
+              <a:rPr lang="en-US" baseline="0" dirty="0" err="1" smtClean="0"/>
+              <a:t>resurs</a:t>
+            </a:r>
+            <a:r>
+              <a:rPr lang="en-US" baseline="0" dirty="0" smtClean="0"/>
+              <a:t>- </a:t>
+            </a:r>
+            <a:r>
+              <a:rPr lang="en-US" baseline="0" dirty="0" err="1" smtClean="0"/>
+              <a:t>och</a:t>
+            </a:r>
+            <a:r>
+              <a:rPr lang="en-US" baseline="0" dirty="0" smtClean="0"/>
+              <a:t> </a:t>
+            </a:r>
+            <a:r>
+              <a:rPr lang="en-US" baseline="0" dirty="0" err="1" smtClean="0"/>
+              <a:t>auktorisations-servern</a:t>
+            </a:r>
+            <a:r>
+              <a:rPr lang="en-US" baseline="0" dirty="0" smtClean="0"/>
               <a:t>.</a:t>
             </a:r>
+            <a:endParaRPr lang="en-US" dirty="0" smtClean="0"/>
           </a:p>
           <a:p>
             <a:r>
@@ -1500,7 +1478,65 @@
             </a:r>
             <a:r>
               <a:rPr lang="en-US" baseline="0" dirty="0" smtClean="0"/>
-              <a:t> dig. I </a:t>
+              <a:t> </a:t>
+            </a:r>
+            <a:r>
+              <a:rPr lang="en-US" baseline="0" dirty="0" smtClean="0"/>
+              <a:t>dig </a:t>
+            </a:r>
+            <a:r>
+              <a:rPr lang="en-US" baseline="0" dirty="0" err="1" smtClean="0"/>
+              <a:t>eller</a:t>
+            </a:r>
+            <a:r>
+              <a:rPr lang="en-US" baseline="0" dirty="0" smtClean="0"/>
+              <a:t> </a:t>
+            </a:r>
+            <a:r>
+              <a:rPr lang="en-US" baseline="0" dirty="0" err="1" smtClean="0"/>
+              <a:t>agera</a:t>
+            </a:r>
+            <a:r>
+              <a:rPr lang="en-US" baseline="0" dirty="0" smtClean="0"/>
+              <a:t> I </a:t>
+            </a:r>
+            <a:r>
+              <a:rPr lang="en-US" baseline="0" dirty="0" err="1" smtClean="0"/>
+              <a:t>ditt</a:t>
+            </a:r>
+            <a:r>
+              <a:rPr lang="en-US" baseline="0" dirty="0" smtClean="0"/>
+              <a:t> </a:t>
+            </a:r>
+            <a:r>
+              <a:rPr lang="en-US" baseline="0" dirty="0" err="1" smtClean="0"/>
+              <a:t>namn</a:t>
+            </a:r>
+            <a:r>
+              <a:rPr lang="en-US" baseline="0" dirty="0" smtClean="0"/>
+              <a:t>, till </a:t>
+            </a:r>
+            <a:r>
+              <a:rPr lang="en-US" baseline="0" dirty="0" err="1" smtClean="0"/>
+              <a:t>exempel</a:t>
+            </a:r>
+            <a:r>
+              <a:rPr lang="en-US" baseline="0" dirty="0" smtClean="0"/>
+              <a:t> </a:t>
+            </a:r>
+            <a:r>
+              <a:rPr lang="en-US" baseline="0" dirty="0" err="1" smtClean="0"/>
+              <a:t>på</a:t>
+            </a:r>
+            <a:r>
+              <a:rPr lang="en-US" baseline="0" dirty="0" smtClean="0"/>
+              <a:t> Facebook. </a:t>
+            </a:r>
+          </a:p>
+          <a:p>
+            <a:r>
+              <a:rPr lang="en-US" baseline="0" dirty="0" smtClean="0"/>
+              <a:t>I </a:t>
             </a:r>
             <a:r>
               <a:rPr lang="en-US" baseline="0" dirty="0" err="1" smtClean="0"/>
@@ -1508,7 +1544,15 @@
             </a:r>
             <a:r>
               <a:rPr lang="en-US" baseline="0" dirty="0" smtClean="0"/>
-              <a:t> </a:t>
+              <a:t> (</a:t>
+            </a:r>
+            <a:r>
+              <a:rPr lang="en-US" baseline="0" dirty="0" err="1" smtClean="0"/>
+              <a:t>Runkeeper</a:t>
+            </a:r>
+            <a:r>
+              <a:rPr lang="en-US" baseline="0" dirty="0" smtClean="0"/>
+              <a:t>) </a:t>
             </a:r>
             <a:r>
               <a:rPr lang="en-US" baseline="0" dirty="0" err="1" smtClean="0"/>
@@ -1577,6 +1621,190 @@
             <a:r>
               <a:rPr lang="en-US" baseline="0" dirty="0" err="1" smtClean="0"/>
               <a:t>kallekula</a:t>
+            </a:r>
+            <a:r>
+              <a:rPr lang="en-US" baseline="0" dirty="0" smtClean="0"/>
+              <a:t>.</a:t>
+            </a:r>
+          </a:p>
+          <a:p>
+            <a:r>
+              <a:rPr lang="en-US" baseline="0" dirty="0" smtClean="0"/>
+              <a:t>Du </a:t>
+            </a:r>
+            <a:r>
+              <a:rPr lang="en-US" baseline="0" dirty="0" err="1" smtClean="0"/>
+              <a:t>som</a:t>
+            </a:r>
+            <a:r>
+              <a:rPr lang="en-US" baseline="0" dirty="0" smtClean="0"/>
+              <a:t> </a:t>
+            </a:r>
+            <a:r>
+              <a:rPr lang="en-US" baseline="0" dirty="0" err="1" smtClean="0"/>
+              <a:t>invånare</a:t>
+            </a:r>
+            <a:r>
+              <a:rPr lang="en-US" baseline="0" dirty="0" smtClean="0"/>
+              <a:t> </a:t>
+            </a:r>
+            <a:r>
+              <a:rPr lang="en-US" baseline="0" dirty="0" err="1" smtClean="0"/>
+              <a:t>behöver</a:t>
+            </a:r>
+            <a:r>
+              <a:rPr lang="en-US" baseline="0" dirty="0" smtClean="0"/>
+              <a:t> </a:t>
+            </a:r>
+            <a:r>
+              <a:rPr lang="en-US" baseline="0" dirty="0" err="1" smtClean="0"/>
+              <a:t>godkänna</a:t>
+            </a:r>
+            <a:r>
+              <a:rPr lang="en-US" baseline="0" dirty="0" smtClean="0"/>
+              <a:t> </a:t>
+            </a:r>
+            <a:r>
+              <a:rPr lang="en-US" baseline="0" dirty="0" err="1" smtClean="0"/>
+              <a:t>att</a:t>
+            </a:r>
+            <a:r>
+              <a:rPr lang="en-US" baseline="0" dirty="0" smtClean="0"/>
+              <a:t> </a:t>
+            </a:r>
+            <a:r>
+              <a:rPr lang="en-US" baseline="0" dirty="0" err="1" smtClean="0"/>
+              <a:t>applikationen</a:t>
+            </a:r>
+            <a:r>
+              <a:rPr lang="en-US" baseline="0" dirty="0" smtClean="0"/>
+              <a:t> </a:t>
+            </a:r>
+            <a:r>
+              <a:rPr lang="en-US" baseline="0" dirty="0" err="1" smtClean="0"/>
+              <a:t>får</a:t>
+            </a:r>
+            <a:r>
+              <a:rPr lang="en-US" baseline="0" dirty="0" smtClean="0"/>
+              <a:t> </a:t>
+            </a:r>
+            <a:r>
+              <a:rPr lang="en-US" baseline="0" dirty="0" err="1" smtClean="0"/>
+              <a:t>komma</a:t>
+            </a:r>
+            <a:r>
+              <a:rPr lang="en-US" baseline="0" dirty="0" smtClean="0"/>
+              <a:t> </a:t>
+            </a:r>
+            <a:r>
+              <a:rPr lang="en-US" baseline="0" dirty="0" err="1" smtClean="0"/>
+              <a:t>åt</a:t>
+            </a:r>
+            <a:r>
+              <a:rPr lang="en-US" baseline="0" dirty="0" smtClean="0"/>
+              <a:t> information </a:t>
+            </a:r>
+            <a:r>
+              <a:rPr lang="en-US" baseline="0" dirty="0" err="1" smtClean="0"/>
+              <a:t>om</a:t>
+            </a:r>
+            <a:r>
+              <a:rPr lang="en-US" baseline="0" dirty="0" smtClean="0"/>
+              <a:t> dig.</a:t>
+            </a:r>
+          </a:p>
+          <a:p>
+            <a:r>
+              <a:rPr lang="en-US" baseline="0" dirty="0" err="1" smtClean="0"/>
+              <a:t>För</a:t>
+            </a:r>
+            <a:r>
+              <a:rPr lang="en-US" baseline="0" dirty="0" smtClean="0"/>
+              <a:t> </a:t>
+            </a:r>
+            <a:r>
+              <a:rPr lang="en-US" baseline="0" dirty="0" err="1" smtClean="0"/>
+              <a:t>att</a:t>
+            </a:r>
+            <a:r>
+              <a:rPr lang="en-US" baseline="0" dirty="0" smtClean="0"/>
+              <a:t> </a:t>
+            </a:r>
+            <a:r>
+              <a:rPr lang="en-US" baseline="0" dirty="0" err="1" smtClean="0"/>
+              <a:t>göra</a:t>
+            </a:r>
+            <a:r>
+              <a:rPr lang="en-US" baseline="0" dirty="0" smtClean="0"/>
+              <a:t> </a:t>
+            </a:r>
+            <a:r>
+              <a:rPr lang="en-US" baseline="0" dirty="0" err="1" smtClean="0"/>
+              <a:t>detta</a:t>
+            </a:r>
+            <a:r>
+              <a:rPr lang="en-US" baseline="0" dirty="0" smtClean="0"/>
+              <a:t> </a:t>
+            </a:r>
+            <a:r>
+              <a:rPr lang="en-US" baseline="0" dirty="0" err="1" smtClean="0"/>
+              <a:t>blir</a:t>
+            </a:r>
+            <a:r>
+              <a:rPr lang="en-US" baseline="0" dirty="0" smtClean="0"/>
+              <a:t> du </a:t>
+            </a:r>
+            <a:r>
+              <a:rPr lang="en-US" baseline="0" dirty="0" err="1" smtClean="0"/>
+              <a:t>skickad</a:t>
+            </a:r>
+            <a:r>
+              <a:rPr lang="en-US" baseline="0" dirty="0" smtClean="0"/>
+              <a:t> till Facebook, </a:t>
+            </a:r>
+            <a:r>
+              <a:rPr lang="en-US" baseline="0" dirty="0" err="1" smtClean="0"/>
+              <a:t>där</a:t>
+            </a:r>
+            <a:r>
+              <a:rPr lang="en-US" baseline="0" dirty="0" smtClean="0"/>
+              <a:t> du </a:t>
+            </a:r>
+            <a:r>
+              <a:rPr lang="en-US" baseline="0" dirty="0" err="1" smtClean="0"/>
+              <a:t>får</a:t>
+            </a:r>
+            <a:r>
+              <a:rPr lang="en-US" baseline="0" dirty="0" smtClean="0"/>
+              <a:t> </a:t>
+            </a:r>
+            <a:r>
+              <a:rPr lang="en-US" baseline="0" dirty="0" err="1" smtClean="0"/>
+              <a:t>logga</a:t>
+            </a:r>
+            <a:r>
+              <a:rPr lang="en-US" baseline="0" dirty="0" smtClean="0"/>
+              <a:t> in </a:t>
+            </a:r>
+            <a:r>
+              <a:rPr lang="en-US" baseline="0" dirty="0" err="1" smtClean="0"/>
+              <a:t>och</a:t>
+            </a:r>
+            <a:r>
+              <a:rPr lang="en-US" baseline="0" dirty="0" smtClean="0"/>
+              <a:t> </a:t>
+            </a:r>
+            <a:r>
+              <a:rPr lang="en-US" baseline="0" dirty="0" err="1" smtClean="0"/>
+              <a:t>godkänna</a:t>
+            </a:r>
+            <a:r>
+              <a:rPr lang="en-US" baseline="0" dirty="0" smtClean="0"/>
+              <a:t> </a:t>
+            </a:r>
+            <a:r>
+              <a:rPr lang="en-US" baseline="0" dirty="0" err="1" smtClean="0"/>
+              <a:t>begäran</a:t>
             </a:r>
             <a:r>
               <a:rPr lang="en-US" baseline="0" dirty="0" smtClean="0"/>
@@ -1805,6 +2033,893 @@
           <a:bodyPr/>
           <a:lstStyle/>
           <a:p>
+            <a:r>
+              <a:rPr lang="en-US" b="1" dirty="0" smtClean="0"/>
+              <a:t>Response type </a:t>
+            </a:r>
+            <a:r>
+              <a:rPr lang="en-US" b="0" dirty="0" smtClean="0"/>
+              <a:t>-&gt; Fast till Code, </a:t>
+            </a:r>
+            <a:r>
+              <a:rPr lang="en-US" b="0" dirty="0" err="1" smtClean="0"/>
+              <a:t>för</a:t>
+            </a:r>
+            <a:r>
+              <a:rPr lang="en-US" b="0" dirty="0" smtClean="0"/>
+              <a:t> </a:t>
+            </a:r>
+            <a:r>
+              <a:rPr lang="en-US" b="0" dirty="0" err="1" smtClean="0"/>
+              <a:t>att</a:t>
+            </a:r>
+            <a:r>
+              <a:rPr lang="en-US" b="0" dirty="0" smtClean="0"/>
+              <a:t> </a:t>
+            </a:r>
+            <a:r>
+              <a:rPr lang="en-US" b="0" dirty="0" err="1" smtClean="0"/>
+              <a:t>säga</a:t>
+            </a:r>
+            <a:r>
+              <a:rPr lang="en-US" b="0" dirty="0" smtClean="0"/>
+              <a:t> till authorization server</a:t>
+            </a:r>
+            <a:r>
+              <a:rPr lang="en-US" b="0" baseline="0" dirty="0" smtClean="0"/>
+              <a:t> </a:t>
+            </a:r>
+            <a:r>
+              <a:rPr lang="en-US" b="0" baseline="0" dirty="0" err="1" smtClean="0"/>
+              <a:t>vilket</a:t>
+            </a:r>
+            <a:r>
+              <a:rPr lang="en-US" b="0" baseline="0" dirty="0" smtClean="0"/>
+              <a:t> </a:t>
+            </a:r>
+            <a:r>
+              <a:rPr lang="en-US" b="0" baseline="0" dirty="0" err="1" smtClean="0"/>
+              <a:t>flöde</a:t>
+            </a:r>
+            <a:r>
+              <a:rPr lang="en-US" b="0" baseline="0" dirty="0" smtClean="0"/>
+              <a:t> vi </a:t>
+            </a:r>
+            <a:r>
+              <a:rPr lang="en-US" b="0" baseline="0" dirty="0" err="1" smtClean="0"/>
+              <a:t>vill</a:t>
+            </a:r>
+            <a:r>
+              <a:rPr lang="en-US" b="0" baseline="0" dirty="0" smtClean="0"/>
+              <a:t> </a:t>
+            </a:r>
+            <a:r>
+              <a:rPr lang="en-US" b="0" baseline="0" dirty="0" err="1" smtClean="0"/>
+              <a:t>använda</a:t>
+            </a:r>
+            <a:r>
+              <a:rPr lang="en-US" b="0" baseline="0" dirty="0" smtClean="0"/>
+              <a:t>, I </a:t>
+            </a:r>
+            <a:r>
+              <a:rPr lang="en-US" b="0" baseline="0" dirty="0" err="1" smtClean="0"/>
+              <a:t>detta</a:t>
+            </a:r>
+            <a:r>
+              <a:rPr lang="en-US" b="0" baseline="0" dirty="0" smtClean="0"/>
+              <a:t> </a:t>
+            </a:r>
+            <a:r>
+              <a:rPr lang="en-US" b="0" baseline="0" dirty="0" err="1" smtClean="0"/>
+              <a:t>fallet</a:t>
+            </a:r>
+            <a:r>
+              <a:rPr lang="en-US" b="0" baseline="0" dirty="0" smtClean="0"/>
+              <a:t> authorization code flow.</a:t>
+            </a:r>
+            <a:endParaRPr lang="en-US" b="0" dirty="0" smtClean="0"/>
+          </a:p>
+          <a:p>
+            <a:endParaRPr lang="en-US" b="0" dirty="0" smtClean="0"/>
+          </a:p>
+          <a:p>
+            <a:r>
+              <a:rPr lang="en-US" b="1" dirty="0" smtClean="0"/>
+              <a:t>Client ID</a:t>
+            </a:r>
+            <a:r>
+              <a:rPr lang="en-US" dirty="0" smtClean="0"/>
+              <a:t> -&gt; </a:t>
+            </a:r>
+            <a:r>
+              <a:rPr lang="en-US" dirty="0" err="1" smtClean="0"/>
+              <a:t>Alla</a:t>
+            </a:r>
+            <a:r>
+              <a:rPr lang="en-US" dirty="0" smtClean="0"/>
+              <a:t> </a:t>
+            </a:r>
+            <a:r>
+              <a:rPr lang="en-US" dirty="0" err="1" smtClean="0"/>
+              <a:t>klienter</a:t>
+            </a:r>
+            <a:r>
+              <a:rPr lang="en-US" dirty="0" smtClean="0"/>
+              <a:t> </a:t>
+            </a:r>
+            <a:r>
+              <a:rPr lang="en-US" dirty="0" err="1" smtClean="0"/>
+              <a:t>som</a:t>
+            </a:r>
+            <a:r>
+              <a:rPr lang="en-US" dirty="0" smtClean="0"/>
+              <a:t> </a:t>
+            </a:r>
+            <a:r>
+              <a:rPr lang="en-US" dirty="0" err="1" smtClean="0"/>
+              <a:t>använder</a:t>
+            </a:r>
+            <a:r>
+              <a:rPr lang="en-US" dirty="0" smtClean="0"/>
+              <a:t> </a:t>
+            </a:r>
+            <a:r>
+              <a:rPr lang="en-US" dirty="0" err="1" smtClean="0"/>
+              <a:t>API:et</a:t>
+            </a:r>
+            <a:r>
+              <a:rPr lang="en-US" dirty="0" smtClean="0"/>
+              <a:t> </a:t>
+            </a:r>
+            <a:r>
+              <a:rPr lang="en-US" dirty="0" err="1" smtClean="0"/>
+              <a:t>behöver</a:t>
+            </a:r>
+            <a:r>
+              <a:rPr lang="en-US" dirty="0" smtClean="0"/>
+              <a:t> </a:t>
+            </a:r>
+            <a:r>
+              <a:rPr lang="en-US" dirty="0" err="1" smtClean="0"/>
+              <a:t>registrera</a:t>
+            </a:r>
+            <a:r>
+              <a:rPr lang="en-US" dirty="0" smtClean="0"/>
+              <a:t> </a:t>
+            </a:r>
+            <a:r>
+              <a:rPr lang="en-US" dirty="0" err="1" smtClean="0"/>
+              <a:t>ett</a:t>
+            </a:r>
+            <a:r>
+              <a:rPr lang="en-US" dirty="0" smtClean="0"/>
+              <a:t> </a:t>
+            </a:r>
+            <a:r>
+              <a:rPr lang="en-US" dirty="0" err="1" smtClean="0"/>
+              <a:t>unikt</a:t>
+            </a:r>
+            <a:r>
+              <a:rPr lang="en-US" dirty="0" smtClean="0"/>
+              <a:t> </a:t>
+            </a:r>
+            <a:r>
+              <a:rPr lang="en-US" dirty="0" err="1" smtClean="0"/>
+              <a:t>klient</a:t>
+            </a:r>
+            <a:r>
+              <a:rPr lang="en-US" dirty="0" smtClean="0"/>
+              <a:t>-id </a:t>
+            </a:r>
+            <a:r>
+              <a:rPr lang="en-US" dirty="0" err="1" smtClean="0"/>
+              <a:t>som</a:t>
+            </a:r>
+            <a:r>
+              <a:rPr lang="en-US" dirty="0" smtClean="0"/>
+              <a:t> </a:t>
+            </a:r>
+            <a:r>
+              <a:rPr lang="en-US" dirty="0" err="1" smtClean="0"/>
+              <a:t>är</a:t>
+            </a:r>
+            <a:r>
+              <a:rPr lang="en-US" dirty="0" smtClean="0"/>
+              <a:t> </a:t>
+            </a:r>
+            <a:r>
+              <a:rPr lang="en-US" dirty="0" err="1" smtClean="0"/>
+              <a:t>kopplat</a:t>
+            </a:r>
+            <a:r>
+              <a:rPr lang="en-US" dirty="0" smtClean="0"/>
+              <a:t> till </a:t>
+            </a:r>
+            <a:r>
+              <a:rPr lang="en-US" dirty="0" err="1" smtClean="0"/>
+              <a:t>ett</a:t>
+            </a:r>
+            <a:r>
+              <a:rPr lang="en-US" dirty="0" smtClean="0"/>
+              <a:t> </a:t>
+            </a:r>
+            <a:r>
+              <a:rPr lang="en-US" dirty="0" err="1" smtClean="0"/>
+              <a:t>godkänt</a:t>
+            </a:r>
+            <a:r>
+              <a:rPr lang="en-US" dirty="0" smtClean="0"/>
+              <a:t> </a:t>
+            </a:r>
+            <a:r>
+              <a:rPr lang="en-US" dirty="0" err="1" smtClean="0"/>
+              <a:t>klientcertifikat</a:t>
+            </a:r>
+            <a:r>
+              <a:rPr lang="en-US" dirty="0" smtClean="0"/>
+              <a:t>.</a:t>
+            </a:r>
+          </a:p>
+          <a:p>
+            <a:endParaRPr lang="en-US" dirty="0" smtClean="0"/>
+          </a:p>
+          <a:p>
+            <a:r>
+              <a:rPr lang="en-US" b="1" dirty="0" smtClean="0"/>
+              <a:t>Scope</a:t>
+            </a:r>
+            <a:r>
+              <a:rPr lang="en-US" dirty="0" smtClean="0"/>
+              <a:t> (</a:t>
+            </a:r>
+            <a:r>
+              <a:rPr lang="en-US" dirty="0" err="1" smtClean="0"/>
+              <a:t>omfattning</a:t>
+            </a:r>
+            <a:r>
+              <a:rPr lang="en-US" dirty="0" smtClean="0"/>
+              <a:t>) -&gt; </a:t>
+            </a:r>
+            <a:r>
+              <a:rPr lang="en-US" dirty="0" err="1" smtClean="0"/>
+              <a:t>Parametern</a:t>
+            </a:r>
+            <a:r>
+              <a:rPr lang="en-US" dirty="0" smtClean="0"/>
+              <a:t> </a:t>
+            </a:r>
+            <a:r>
+              <a:rPr lang="en-US" dirty="0" err="1" smtClean="0"/>
+              <a:t>för</a:t>
+            </a:r>
+            <a:r>
+              <a:rPr lang="en-US" dirty="0" smtClean="0"/>
+              <a:t> </a:t>
+            </a:r>
+            <a:r>
+              <a:rPr lang="en-US" dirty="0" err="1" smtClean="0"/>
+              <a:t>omfattning</a:t>
+            </a:r>
+            <a:r>
+              <a:rPr lang="en-US" dirty="0" smtClean="0"/>
+              <a:t> </a:t>
+            </a:r>
+            <a:r>
+              <a:rPr lang="en-US" dirty="0" err="1" smtClean="0"/>
+              <a:t>av</a:t>
+            </a:r>
+            <a:r>
+              <a:rPr lang="en-US" dirty="0" smtClean="0"/>
+              <a:t> </a:t>
+            </a:r>
+            <a:r>
+              <a:rPr lang="en-US" dirty="0" err="1" smtClean="0"/>
+              <a:t>begäran</a:t>
+            </a:r>
+            <a:r>
+              <a:rPr lang="en-US" dirty="0" smtClean="0"/>
+              <a:t> </a:t>
+            </a:r>
+            <a:r>
+              <a:rPr lang="en-US" dirty="0" err="1" smtClean="0"/>
+              <a:t>skickas</a:t>
+            </a:r>
+            <a:r>
+              <a:rPr lang="en-US" dirty="0" smtClean="0"/>
+              <a:t> med </a:t>
+            </a:r>
+            <a:r>
+              <a:rPr lang="en-US" dirty="0" err="1" smtClean="0"/>
+              <a:t>som</a:t>
+            </a:r>
+            <a:r>
+              <a:rPr lang="en-US" dirty="0" smtClean="0"/>
+              <a:t> en </a:t>
+            </a:r>
+            <a:r>
+              <a:rPr lang="en-US" dirty="0" err="1" smtClean="0"/>
+              <a:t>kommaseparerad</a:t>
+            </a:r>
+            <a:r>
+              <a:rPr lang="en-US" dirty="0" smtClean="0"/>
+              <a:t> </a:t>
+            </a:r>
+            <a:r>
+              <a:rPr lang="en-US" dirty="0" err="1" smtClean="0"/>
+              <a:t>lista</a:t>
+            </a:r>
+            <a:r>
+              <a:rPr lang="en-US" dirty="0" smtClean="0"/>
+              <a:t> </a:t>
+            </a:r>
+            <a:r>
+              <a:rPr lang="en-US" dirty="0" err="1" smtClean="0"/>
+              <a:t>av</a:t>
+            </a:r>
+            <a:r>
+              <a:rPr lang="en-US" dirty="0" smtClean="0"/>
+              <a:t> </a:t>
+            </a:r>
+            <a:r>
+              <a:rPr lang="en-US" dirty="0" err="1" smtClean="0"/>
+              <a:t>privilegiekoder</a:t>
+            </a:r>
+            <a:r>
+              <a:rPr lang="en-US" dirty="0" smtClean="0"/>
+              <a:t>.</a:t>
+            </a:r>
+            <a:r>
+              <a:rPr lang="en-US" baseline="0" dirty="0" smtClean="0"/>
+              <a:t> </a:t>
+            </a:r>
+            <a:r>
+              <a:rPr lang="en-US" dirty="0" err="1" smtClean="0"/>
+              <a:t>Exempel</a:t>
+            </a:r>
+            <a:r>
+              <a:rPr lang="en-US" dirty="0" smtClean="0"/>
+              <a:t>: scope=CRM_SCHEDULING_READ,CRM_SCHEDULING_WRITE</a:t>
+            </a:r>
+          </a:p>
+          <a:p>
+            <a:endParaRPr lang="en-US" dirty="0" smtClean="0"/>
+          </a:p>
+          <a:p>
+            <a:r>
+              <a:rPr lang="en-US" b="1" dirty="0" smtClean="0"/>
+              <a:t>State</a:t>
+            </a:r>
+            <a:r>
+              <a:rPr lang="en-US" dirty="0" smtClean="0"/>
+              <a:t> -&gt; </a:t>
+            </a:r>
+            <a:r>
+              <a:rPr lang="en-US" dirty="0" err="1" smtClean="0"/>
+              <a:t>Klienttillståndet</a:t>
+            </a:r>
+            <a:r>
+              <a:rPr lang="en-US" dirty="0" smtClean="0"/>
+              <a:t> </a:t>
+            </a:r>
+            <a:r>
+              <a:rPr lang="en-US" dirty="0" err="1" smtClean="0"/>
+              <a:t>finns</a:t>
+            </a:r>
+            <a:r>
+              <a:rPr lang="en-US" dirty="0" smtClean="0"/>
+              <a:t> med </a:t>
+            </a:r>
+            <a:r>
+              <a:rPr lang="en-US" dirty="0" err="1" smtClean="0"/>
+              <a:t>som</a:t>
+            </a:r>
+            <a:r>
+              <a:rPr lang="en-US" dirty="0" smtClean="0"/>
+              <a:t> </a:t>
+            </a:r>
+            <a:r>
+              <a:rPr lang="en-US" dirty="0" err="1" smtClean="0"/>
+              <a:t>skydd</a:t>
+            </a:r>
+            <a:r>
+              <a:rPr lang="en-US" dirty="0" smtClean="0"/>
+              <a:t> </a:t>
+            </a:r>
+            <a:r>
+              <a:rPr lang="en-US" dirty="0" err="1" smtClean="0"/>
+              <a:t>för</a:t>
+            </a:r>
+            <a:r>
+              <a:rPr lang="en-US" dirty="0" smtClean="0"/>
+              <a:t> </a:t>
+            </a:r>
+            <a:r>
+              <a:rPr lang="en-US" dirty="0" err="1" smtClean="0"/>
+              <a:t>vissa</a:t>
+            </a:r>
+            <a:r>
+              <a:rPr lang="en-US" dirty="0" smtClean="0"/>
+              <a:t> </a:t>
+            </a:r>
+            <a:r>
+              <a:rPr lang="en-US" dirty="0" err="1" smtClean="0"/>
+              <a:t>typer</a:t>
+            </a:r>
+            <a:r>
+              <a:rPr lang="en-US" dirty="0" smtClean="0"/>
+              <a:t> </a:t>
+            </a:r>
+            <a:r>
+              <a:rPr lang="en-US" dirty="0" err="1" smtClean="0"/>
+              <a:t>av</a:t>
+            </a:r>
+            <a:r>
+              <a:rPr lang="en-US" dirty="0" smtClean="0"/>
+              <a:t> attacker </a:t>
+            </a:r>
+            <a:r>
+              <a:rPr lang="en-US" dirty="0" err="1" smtClean="0"/>
+              <a:t>och</a:t>
+            </a:r>
+            <a:r>
+              <a:rPr lang="en-US" dirty="0" smtClean="0"/>
+              <a:t> </a:t>
+            </a:r>
+            <a:r>
+              <a:rPr lang="en-US" dirty="0" err="1" smtClean="0"/>
+              <a:t>skall</a:t>
+            </a:r>
+            <a:r>
+              <a:rPr lang="en-US" dirty="0" smtClean="0"/>
+              <a:t> </a:t>
+            </a:r>
+            <a:r>
+              <a:rPr lang="en-US" dirty="0" err="1" smtClean="0"/>
+              <a:t>vara</a:t>
+            </a:r>
+            <a:r>
+              <a:rPr lang="en-US" dirty="0" smtClean="0"/>
+              <a:t> en </a:t>
+            </a:r>
+            <a:r>
+              <a:rPr lang="en-US" dirty="0" err="1" smtClean="0"/>
+              <a:t>slumpgenererad</a:t>
+            </a:r>
+            <a:r>
+              <a:rPr lang="en-US" dirty="0" smtClean="0"/>
+              <a:t> </a:t>
+            </a:r>
+            <a:r>
+              <a:rPr lang="en-US" dirty="0" err="1" smtClean="0"/>
+              <a:t>sträng</a:t>
+            </a:r>
+            <a:r>
+              <a:rPr lang="en-US" dirty="0" smtClean="0"/>
+              <a:t> </a:t>
+            </a:r>
+            <a:r>
+              <a:rPr lang="en-US" dirty="0" err="1" smtClean="0"/>
+              <a:t>som</a:t>
+            </a:r>
+            <a:r>
+              <a:rPr lang="en-US" dirty="0" smtClean="0"/>
+              <a:t> </a:t>
+            </a:r>
+            <a:r>
+              <a:rPr lang="en-US" dirty="0" err="1" smtClean="0"/>
+              <a:t>är</a:t>
+            </a:r>
+            <a:r>
+              <a:rPr lang="en-US" dirty="0" smtClean="0"/>
+              <a:t> </a:t>
+            </a:r>
+            <a:r>
+              <a:rPr lang="en-US" dirty="0" err="1" smtClean="0"/>
+              <a:t>unik</a:t>
+            </a:r>
+            <a:r>
+              <a:rPr lang="en-US" dirty="0" smtClean="0"/>
+              <a:t> per </a:t>
+            </a:r>
+            <a:r>
+              <a:rPr lang="en-US" dirty="0" err="1" smtClean="0"/>
+              <a:t>anrop</a:t>
+            </a:r>
+            <a:r>
+              <a:rPr lang="en-US" dirty="0" smtClean="0"/>
+              <a:t> </a:t>
+            </a:r>
+            <a:r>
+              <a:rPr lang="en-US" dirty="0" err="1" smtClean="0"/>
+              <a:t>och</a:t>
+            </a:r>
+            <a:r>
+              <a:rPr lang="en-US" dirty="0" smtClean="0"/>
+              <a:t> </a:t>
+            </a:r>
+            <a:r>
+              <a:rPr lang="en-US" dirty="0" err="1" smtClean="0"/>
+              <a:t>som</a:t>
+            </a:r>
+            <a:r>
+              <a:rPr lang="en-US" dirty="0" smtClean="0"/>
+              <a:t> </a:t>
+            </a:r>
+            <a:r>
+              <a:rPr lang="en-US" dirty="0" err="1" smtClean="0"/>
+              <a:t>endast</a:t>
+            </a:r>
+            <a:r>
+              <a:rPr lang="en-US" dirty="0" smtClean="0"/>
+              <a:t> </a:t>
+            </a:r>
+            <a:r>
+              <a:rPr lang="en-US" dirty="0" err="1" smtClean="0"/>
+              <a:t>klienten</a:t>
+            </a:r>
+            <a:r>
+              <a:rPr lang="en-US" dirty="0" smtClean="0"/>
+              <a:t> </a:t>
+            </a:r>
+            <a:r>
+              <a:rPr lang="en-US" dirty="0" err="1" smtClean="0"/>
+              <a:t>känner</a:t>
+            </a:r>
+            <a:r>
+              <a:rPr lang="en-US" dirty="0" smtClean="0"/>
+              <a:t> till. </a:t>
+            </a:r>
+            <a:r>
+              <a:rPr lang="en-US" dirty="0" err="1" smtClean="0"/>
+              <a:t>Tillståndet</a:t>
+            </a:r>
+            <a:r>
+              <a:rPr lang="en-US" dirty="0" smtClean="0"/>
+              <a:t> </a:t>
+            </a:r>
+            <a:r>
+              <a:rPr lang="en-US" dirty="0" err="1" smtClean="0"/>
+              <a:t>måste</a:t>
+            </a:r>
+            <a:r>
+              <a:rPr lang="en-US" dirty="0" smtClean="0"/>
+              <a:t> </a:t>
+            </a:r>
+            <a:r>
+              <a:rPr lang="en-US" dirty="0" err="1" smtClean="0"/>
+              <a:t>sparas</a:t>
+            </a:r>
+            <a:r>
+              <a:rPr lang="en-US" dirty="0" smtClean="0"/>
+              <a:t> </a:t>
+            </a:r>
+            <a:r>
+              <a:rPr lang="en-US" dirty="0" err="1" smtClean="0"/>
+              <a:t>av</a:t>
+            </a:r>
+            <a:r>
+              <a:rPr lang="en-US" dirty="0" smtClean="0"/>
+              <a:t> </a:t>
+            </a:r>
+            <a:r>
+              <a:rPr lang="en-US" dirty="0" err="1" smtClean="0"/>
+              <a:t>klienten</a:t>
+            </a:r>
+            <a:r>
+              <a:rPr lang="en-US" dirty="0" smtClean="0"/>
+              <a:t> tills </a:t>
+            </a:r>
+            <a:r>
+              <a:rPr lang="en-US" dirty="0" err="1" smtClean="0"/>
+              <a:t>dess</a:t>
+            </a:r>
+            <a:r>
+              <a:rPr lang="en-US" dirty="0" smtClean="0"/>
+              <a:t> </a:t>
+            </a:r>
+            <a:r>
+              <a:rPr lang="en-US" dirty="0" err="1" smtClean="0"/>
+              <a:t>att</a:t>
+            </a:r>
+            <a:r>
+              <a:rPr lang="en-US" dirty="0" smtClean="0"/>
+              <a:t> </a:t>
+            </a:r>
+            <a:r>
+              <a:rPr lang="en-US" dirty="0" err="1" smtClean="0"/>
+              <a:t>användaren</a:t>
+            </a:r>
+            <a:r>
+              <a:rPr lang="en-US" dirty="0" smtClean="0"/>
+              <a:t> </a:t>
+            </a:r>
+            <a:r>
+              <a:rPr lang="en-US" dirty="0" err="1" smtClean="0"/>
+              <a:t>kommer</a:t>
+            </a:r>
+            <a:r>
+              <a:rPr lang="en-US" dirty="0" smtClean="0"/>
+              <a:t> </a:t>
+            </a:r>
+            <a:r>
+              <a:rPr lang="en-US" dirty="0" err="1" smtClean="0"/>
+              <a:t>tillbaka</a:t>
+            </a:r>
+            <a:r>
+              <a:rPr lang="en-US" dirty="0" smtClean="0"/>
+              <a:t> </a:t>
+            </a:r>
+            <a:r>
+              <a:rPr lang="en-US" dirty="0" err="1" smtClean="0"/>
+              <a:t>från</a:t>
+            </a:r>
+            <a:r>
+              <a:rPr lang="en-US" dirty="0" smtClean="0"/>
+              <a:t> </a:t>
+            </a:r>
+            <a:r>
+              <a:rPr lang="en-US" dirty="0" err="1" smtClean="0"/>
+              <a:t>auktorisationsdialogen</a:t>
+            </a:r>
+            <a:r>
+              <a:rPr lang="en-US" dirty="0" smtClean="0"/>
+              <a:t> </a:t>
+            </a:r>
+            <a:r>
+              <a:rPr lang="en-US" dirty="0" err="1" smtClean="0"/>
+              <a:t>eftersom</a:t>
+            </a:r>
+            <a:r>
+              <a:rPr lang="en-US" dirty="0" smtClean="0"/>
+              <a:t> </a:t>
+            </a:r>
+            <a:r>
+              <a:rPr lang="en-US" dirty="0" err="1" smtClean="0"/>
+              <a:t>det</a:t>
+            </a:r>
+            <a:r>
+              <a:rPr lang="en-US" dirty="0" smtClean="0"/>
+              <a:t> </a:t>
+            </a:r>
+            <a:r>
+              <a:rPr lang="en-US" dirty="0" err="1" smtClean="0"/>
+              <a:t>då</a:t>
+            </a:r>
+            <a:r>
+              <a:rPr lang="en-US" dirty="0" smtClean="0"/>
+              <a:t> </a:t>
+            </a:r>
+            <a:r>
+              <a:rPr lang="en-US" dirty="0" err="1" smtClean="0"/>
+              <a:t>skall</a:t>
+            </a:r>
+            <a:r>
+              <a:rPr lang="en-US" dirty="0" smtClean="0"/>
+              <a:t> </a:t>
+            </a:r>
+            <a:r>
+              <a:rPr lang="en-US" dirty="0" err="1" smtClean="0"/>
+              <a:t>matchas</a:t>
+            </a:r>
+            <a:r>
+              <a:rPr lang="en-US" dirty="0" smtClean="0"/>
+              <a:t> mot </a:t>
+            </a:r>
+            <a:r>
+              <a:rPr lang="en-US" dirty="0" err="1" smtClean="0"/>
+              <a:t>det</a:t>
+            </a:r>
+            <a:r>
+              <a:rPr lang="en-US" dirty="0" smtClean="0"/>
+              <a:t> </a:t>
+            </a:r>
+            <a:r>
+              <a:rPr lang="en-US" dirty="0" err="1" smtClean="0"/>
+              <a:t>tillståndsvärde</a:t>
+            </a:r>
+            <a:r>
+              <a:rPr lang="en-US" dirty="0" smtClean="0"/>
+              <a:t> </a:t>
+            </a:r>
+            <a:r>
+              <a:rPr lang="en-US" dirty="0" err="1" smtClean="0"/>
+              <a:t>användaren</a:t>
+            </a:r>
+            <a:r>
+              <a:rPr lang="en-US" dirty="0" smtClean="0"/>
+              <a:t> </a:t>
+            </a:r>
+            <a:r>
+              <a:rPr lang="en-US" dirty="0" err="1" smtClean="0"/>
+              <a:t>har</a:t>
+            </a:r>
+            <a:r>
+              <a:rPr lang="en-US" dirty="0" smtClean="0"/>
+              <a:t> med sig </a:t>
+            </a:r>
+            <a:r>
+              <a:rPr lang="en-US" dirty="0" err="1" smtClean="0"/>
+              <a:t>tillbaka</a:t>
+            </a:r>
+            <a:r>
+              <a:rPr lang="en-US" dirty="0" smtClean="0"/>
+              <a:t>.</a:t>
+            </a:r>
+          </a:p>
+          <a:p>
+            <a:endParaRPr lang="en-US" dirty="0" smtClean="0"/>
+          </a:p>
+          <a:p>
+            <a:r>
+              <a:rPr lang="en-US" b="1" dirty="0" smtClean="0"/>
+              <a:t>Redirect URI </a:t>
+            </a:r>
+            <a:r>
+              <a:rPr lang="en-US" b="0" dirty="0" smtClean="0"/>
+              <a:t>-&gt; Den URL </a:t>
+            </a:r>
+            <a:r>
+              <a:rPr lang="en-US" b="0" dirty="0" err="1" smtClean="0"/>
+              <a:t>i</a:t>
+            </a:r>
+            <a:r>
+              <a:rPr lang="en-US" b="0" dirty="0" smtClean="0"/>
+              <a:t> </a:t>
+            </a:r>
+            <a:r>
+              <a:rPr lang="en-US" b="0" dirty="0" err="1" smtClean="0"/>
+              <a:t>klientsystemet</a:t>
+            </a:r>
+            <a:r>
+              <a:rPr lang="en-US" b="0" dirty="0" smtClean="0"/>
+              <a:t> </a:t>
+            </a:r>
+            <a:r>
+              <a:rPr lang="en-US" b="0" dirty="0" err="1" smtClean="0"/>
+              <a:t>som</a:t>
+            </a:r>
+            <a:r>
+              <a:rPr lang="en-US" b="0" dirty="0" smtClean="0"/>
+              <a:t> </a:t>
+            </a:r>
+            <a:r>
+              <a:rPr lang="en-US" b="0" dirty="0" err="1" smtClean="0"/>
+              <a:t>användarens</a:t>
+            </a:r>
+            <a:r>
+              <a:rPr lang="en-US" b="0" dirty="0" smtClean="0"/>
+              <a:t> </a:t>
+            </a:r>
+            <a:r>
+              <a:rPr lang="en-US" b="0" dirty="0" err="1" smtClean="0"/>
+              <a:t>användaragent</a:t>
+            </a:r>
+            <a:r>
+              <a:rPr lang="en-US" b="0" dirty="0" smtClean="0"/>
+              <a:t> </a:t>
+            </a:r>
+            <a:r>
+              <a:rPr lang="en-US" b="0" dirty="0" err="1" smtClean="0"/>
+              <a:t>skall</a:t>
+            </a:r>
+            <a:r>
+              <a:rPr lang="en-US" b="0" dirty="0" smtClean="0"/>
+              <a:t> </a:t>
+            </a:r>
+            <a:r>
+              <a:rPr lang="en-US" b="0" dirty="0" err="1" smtClean="0"/>
+              <a:t>skickas</a:t>
+            </a:r>
+            <a:r>
+              <a:rPr lang="en-US" b="0" dirty="0" smtClean="0"/>
+              <a:t> till </a:t>
+            </a:r>
+            <a:r>
+              <a:rPr lang="en-US" b="0" dirty="0" err="1" smtClean="0"/>
+              <a:t>efter</a:t>
+            </a:r>
+            <a:r>
+              <a:rPr lang="en-US" b="0" dirty="0" smtClean="0"/>
+              <a:t> </a:t>
+            </a:r>
+            <a:r>
+              <a:rPr lang="en-US" b="0" dirty="0" err="1" smtClean="0"/>
+              <a:t>godkännandeprocessen</a:t>
+            </a:r>
+            <a:r>
+              <a:rPr lang="en-US" b="0" dirty="0" smtClean="0"/>
+              <a:t>.</a:t>
+            </a:r>
+            <a:endParaRPr lang="en-US" b="0" dirty="0"/>
+          </a:p>
+        </p:txBody>
+      </p:sp>
+      <p:sp>
+        <p:nvSpPr>
+          <p:cNvPr id="4" name="Slide Number Placeholder 3"/>
+          <p:cNvSpPr>
+            <a:spLocks noGrp="1"/>
+          </p:cNvSpPr>
+          <p:nvPr>
+            <p:ph type="sldNum" sz="quarter" idx="10"/>
+          </p:nvPr>
+        </p:nvSpPr>
+        <p:spPr/>
+        <p:txBody>
+          <a:bodyPr/>
+          <a:lstStyle/>
+          <a:p>
+            <a:pPr>
+              <a:defRPr/>
+            </a:pPr>
+            <a:fld id="{72F66423-05E2-6345-AF5A-73942C9C3A7C}" type="slidenum">
+              <a:rPr lang="sv-SE" smtClean="0"/>
+              <a:pPr>
+                <a:defRPr/>
+              </a:pPr>
+              <a:t>18</a:t>
+            </a:fld>
+            <a:endParaRPr lang="sv-SE"/>
+          </a:p>
+        </p:txBody>
+      </p:sp>
+    </p:spTree>
+    <p:extLst>
+      <p:ext uri="{BB962C8B-B14F-4D97-AF65-F5344CB8AC3E}">
+        <p14:creationId xmlns:p14="http://schemas.microsoft.com/office/powerpoint/2010/main" val="1600914622"/>
+      </p:ext>
+    </p:extLst>
+  </p:cSld>
+  <p:clrMapOvr>
+    <a:masterClrMapping/>
+  </p:clrMapOvr>
+</p:notes>
+</file>
+
+<file path=ppt/notesSlides/notesSlide14.xml><?xml version="1.0" encoding="utf-8"?>
+<p:notes xmlns:a="http://schemas.openxmlformats.org/drawingml/2006/main" xmlns:r="http://schemas.openxmlformats.org/officeDocument/2006/relationships" xmlns:p="http://schemas.openxmlformats.org/presentationml/2006/main">
+  <p:cSld>
+    <p:spTree>
+      <p:nvGrpSpPr>
+        <p:cNvPr id="1" name=""/>
+        <p:cNvGrpSpPr/>
+        <p:nvPr/>
+      </p:nvGrpSpPr>
+      <p:grpSpPr>
+        <a:xfrm>
+          <a:off x="0" y="0"/>
+          <a:ext cx="0" cy="0"/>
+          <a:chOff x="0" y="0"/>
+          <a:chExt cx="0" cy="0"/>
+        </a:xfrm>
+      </p:grpSpPr>
+      <p:sp>
+        <p:nvSpPr>
+          <p:cNvPr id="2" name="Slide Image Placeholder 1"/>
+          <p:cNvSpPr>
+            <a:spLocks noGrp="1" noRot="1" noChangeAspect="1"/>
+          </p:cNvSpPr>
+          <p:nvPr>
+            <p:ph type="sldImg"/>
+          </p:nvPr>
+        </p:nvSpPr>
+        <p:spPr/>
+      </p:sp>
+      <p:sp>
+        <p:nvSpPr>
+          <p:cNvPr id="3" name="Notes Placeholder 2"/>
+          <p:cNvSpPr>
+            <a:spLocks noGrp="1"/>
+          </p:cNvSpPr>
+          <p:nvPr>
+            <p:ph type="body" idx="1"/>
+          </p:nvPr>
+        </p:nvSpPr>
+        <p:spPr/>
+        <p:txBody>
+          <a:bodyPr/>
+          <a:lstStyle/>
+          <a:p>
             <a:pPr marL="0" marR="0" indent="0" algn="l" defTabSz="457200" rtl="0" eaLnBrk="0" fontAlgn="base" latinLnBrk="0" hangingPunct="0">
               <a:lnSpc>
                 <a:spcPct val="100000"/>
@@ -1875,7 +2990,7 @@
               <a:pPr>
                 <a:defRPr/>
               </a:pPr>
-              <a:t>18</a:t>
+              <a:t>19</a:t>
             </a:fld>
             <a:endParaRPr lang="sv-SE"/>
           </a:p>
@@ -1885,6 +3000,325 @@
     <p:extLst>
       <p:ext uri="{BB962C8B-B14F-4D97-AF65-F5344CB8AC3E}">
         <p14:creationId xmlns:p14="http://schemas.microsoft.com/office/powerpoint/2010/main" val="548233758"/>
+      </p:ext>
+    </p:extLst>
+  </p:cSld>
+  <p:clrMapOvr>
+    <a:masterClrMapping/>
+  </p:clrMapOvr>
+</p:notes>
+</file>
+
+<file path=ppt/notesSlides/notesSlide15.xml><?xml version="1.0" encoding="utf-8"?>
+<p:notes xmlns:a="http://schemas.openxmlformats.org/drawingml/2006/main" xmlns:r="http://schemas.openxmlformats.org/officeDocument/2006/relationships" xmlns:p="http://schemas.openxmlformats.org/presentationml/2006/main">
+  <p:cSld>
+    <p:spTree>
+      <p:nvGrpSpPr>
+        <p:cNvPr id="1" name=""/>
+        <p:cNvGrpSpPr/>
+        <p:nvPr/>
+      </p:nvGrpSpPr>
+      <p:grpSpPr>
+        <a:xfrm>
+          <a:off x="0" y="0"/>
+          <a:ext cx="0" cy="0"/>
+          <a:chOff x="0" y="0"/>
+          <a:chExt cx="0" cy="0"/>
+        </a:xfrm>
+      </p:grpSpPr>
+      <p:sp>
+        <p:nvSpPr>
+          <p:cNvPr id="2" name="Slide Image Placeholder 1"/>
+          <p:cNvSpPr>
+            <a:spLocks noGrp="1" noRot="1" noChangeAspect="1"/>
+          </p:cNvSpPr>
+          <p:nvPr>
+            <p:ph type="sldImg"/>
+          </p:nvPr>
+        </p:nvSpPr>
+        <p:spPr/>
+      </p:sp>
+      <p:sp>
+        <p:nvSpPr>
+          <p:cNvPr id="3" name="Notes Placeholder 2"/>
+          <p:cNvSpPr>
+            <a:spLocks noGrp="1"/>
+          </p:cNvSpPr>
+          <p:nvPr>
+            <p:ph type="body" idx="1"/>
+          </p:nvPr>
+        </p:nvSpPr>
+        <p:spPr/>
+        <p:txBody>
+          <a:bodyPr/>
+          <a:lstStyle/>
+          <a:p>
+            <a:r>
+              <a:rPr lang="en-US" b="1" dirty="0" smtClean="0"/>
+              <a:t>Cross Origin Resource Sharing</a:t>
+            </a:r>
+            <a:r>
+              <a:rPr lang="en-US" b="1" baseline="0" dirty="0" smtClean="0"/>
+              <a:t> (</a:t>
+            </a:r>
+            <a:r>
+              <a:rPr lang="en-US" b="1" dirty="0" smtClean="0"/>
+              <a:t>CORS)</a:t>
+            </a:r>
+            <a:r>
+              <a:rPr lang="en-US" dirty="0" smtClean="0"/>
+              <a:t> -&gt; Spring Security,</a:t>
+            </a:r>
+            <a:r>
+              <a:rPr lang="en-US" baseline="0" dirty="0" smtClean="0"/>
+              <a:t> </a:t>
+            </a:r>
+            <a:r>
+              <a:rPr lang="en-US" sz="1200" kern="1200" dirty="0" smtClean="0">
+                <a:solidFill>
+                  <a:schemeClr val="tx1"/>
+                </a:solidFill>
+                <a:latin typeface="+mn-lt"/>
+                <a:ea typeface="ＭＳ Ｐゴシック" charset="0"/>
+                <a:cs typeface="ＭＳ Ｐゴシック" charset="0"/>
+              </a:rPr>
+              <a:t>method=</a:t>
+            </a:r>
+            <a:r>
+              <a:rPr lang="en-US" sz="1200" i="1" kern="1200" dirty="0" smtClean="0">
+                <a:solidFill>
+                  <a:schemeClr val="tx1"/>
+                </a:solidFill>
+                <a:latin typeface="+mn-lt"/>
+                <a:ea typeface="ＭＳ Ｐゴシック" charset="0"/>
+                <a:cs typeface="ＭＳ Ｐゴシック" charset="0"/>
+              </a:rPr>
+              <a:t>"OPTIONS”,</a:t>
+            </a:r>
+            <a:r>
+              <a:rPr lang="en-US" sz="1200" i="0" kern="1200" baseline="0" dirty="0" smtClean="0">
+                <a:solidFill>
+                  <a:schemeClr val="tx1"/>
+                </a:solidFill>
+                <a:latin typeface="+mn-lt"/>
+                <a:ea typeface="ＭＳ Ｐゴシック" charset="0"/>
+                <a:cs typeface="ＭＳ Ｐゴシック" charset="0"/>
+              </a:rPr>
+              <a:t> </a:t>
+            </a:r>
+            <a:r>
+              <a:rPr lang="en-US" sz="1200" i="0" kern="1200" baseline="0" dirty="0" err="1" smtClean="0">
+                <a:solidFill>
+                  <a:schemeClr val="tx1"/>
+                </a:solidFill>
+                <a:latin typeface="+mn-lt"/>
+                <a:ea typeface="ＭＳ Ｐゴシック" charset="0"/>
+                <a:cs typeface="ＭＳ Ｐゴシック" charset="0"/>
+              </a:rPr>
+              <a:t>för</a:t>
+            </a:r>
+            <a:r>
+              <a:rPr lang="en-US" sz="1200" i="0" kern="1200" baseline="0" dirty="0" smtClean="0">
+                <a:solidFill>
+                  <a:schemeClr val="tx1"/>
+                </a:solidFill>
+                <a:latin typeface="+mn-lt"/>
+                <a:ea typeface="ＭＳ Ｐゴシック" charset="0"/>
+                <a:cs typeface="ＭＳ Ｐゴシック" charset="0"/>
+              </a:rPr>
+              <a:t> </a:t>
+            </a:r>
+            <a:r>
+              <a:rPr lang="en-US" sz="1200" i="0" kern="1200" baseline="0" dirty="0" err="1" smtClean="0">
+                <a:solidFill>
+                  <a:schemeClr val="tx1"/>
+                </a:solidFill>
+                <a:latin typeface="+mn-lt"/>
+                <a:ea typeface="ＭＳ Ｐゴシック" charset="0"/>
+                <a:cs typeface="ＭＳ Ｐゴシック" charset="0"/>
+              </a:rPr>
+              <a:t>att</a:t>
+            </a:r>
+            <a:r>
+              <a:rPr lang="en-US" sz="1200" i="0" kern="1200" baseline="0" dirty="0" smtClean="0">
+                <a:solidFill>
+                  <a:schemeClr val="tx1"/>
+                </a:solidFill>
+                <a:latin typeface="+mn-lt"/>
+                <a:ea typeface="ＭＳ Ｐゴシック" charset="0"/>
+                <a:cs typeface="ＭＳ Ｐゴシック" charset="0"/>
+              </a:rPr>
+              <a:t> </a:t>
+            </a:r>
+            <a:r>
+              <a:rPr lang="en-US" sz="1200" i="0" kern="1200" baseline="0" dirty="0" err="1" smtClean="0">
+                <a:solidFill>
+                  <a:schemeClr val="tx1"/>
+                </a:solidFill>
+                <a:latin typeface="+mn-lt"/>
+                <a:ea typeface="ＭＳ Ｐゴシック" charset="0"/>
+                <a:cs typeface="ＭＳ Ｐゴシック" charset="0"/>
+              </a:rPr>
+              <a:t>hantera</a:t>
+            </a:r>
+            <a:r>
+              <a:rPr lang="en-US" sz="1200" i="0" kern="1200" baseline="0" dirty="0" smtClean="0">
+                <a:solidFill>
+                  <a:schemeClr val="tx1"/>
+                </a:solidFill>
+                <a:latin typeface="+mn-lt"/>
+                <a:ea typeface="ＭＳ Ｐゴシック" charset="0"/>
+                <a:cs typeface="ＭＳ Ｐゴシック" charset="0"/>
+              </a:rPr>
+              <a:t> </a:t>
+            </a:r>
+            <a:r>
+              <a:rPr lang="en-US" sz="1200" i="0" kern="1200" baseline="0" dirty="0" err="1" smtClean="0">
+                <a:solidFill>
+                  <a:schemeClr val="tx1"/>
+                </a:solidFill>
+                <a:latin typeface="+mn-lt"/>
+                <a:ea typeface="ＭＳ Ｐゴシック" charset="0"/>
+                <a:cs typeface="ＭＳ Ｐゴシック" charset="0"/>
+              </a:rPr>
+              <a:t>så</a:t>
+            </a:r>
+            <a:r>
+              <a:rPr lang="en-US" sz="1200" i="0" kern="1200" baseline="0" dirty="0" smtClean="0">
+                <a:solidFill>
+                  <a:schemeClr val="tx1"/>
+                </a:solidFill>
+                <a:latin typeface="+mn-lt"/>
+                <a:ea typeface="ＭＳ Ｐゴシック" charset="0"/>
+                <a:cs typeface="ＭＳ Ｐゴシック" charset="0"/>
+              </a:rPr>
+              <a:t> </a:t>
+            </a:r>
+            <a:r>
+              <a:rPr lang="en-US" sz="1200" i="0" kern="1200" baseline="0" dirty="0" err="1" smtClean="0">
+                <a:solidFill>
+                  <a:schemeClr val="tx1"/>
+                </a:solidFill>
+                <a:latin typeface="+mn-lt"/>
+                <a:ea typeface="ＭＳ Ｐゴシック" charset="0"/>
+                <a:cs typeface="ＭＳ Ｐゴシック" charset="0"/>
+              </a:rPr>
+              <a:t>att</a:t>
+            </a:r>
+            <a:r>
+              <a:rPr lang="en-US" sz="1200" i="0" kern="1200" baseline="0" dirty="0" smtClean="0">
+                <a:solidFill>
+                  <a:schemeClr val="tx1"/>
+                </a:solidFill>
+                <a:latin typeface="+mn-lt"/>
+                <a:ea typeface="ＭＳ Ｐゴシック" charset="0"/>
+                <a:cs typeface="ＭＳ Ｐゴシック" charset="0"/>
+              </a:rPr>
+              <a:t> app </a:t>
+            </a:r>
+            <a:r>
+              <a:rPr lang="en-US" sz="1200" i="0" kern="1200" baseline="0" dirty="0" err="1" smtClean="0">
+                <a:solidFill>
+                  <a:schemeClr val="tx1"/>
+                </a:solidFill>
+                <a:latin typeface="+mn-lt"/>
+                <a:ea typeface="ＭＳ Ｐゴシック" charset="0"/>
+                <a:cs typeface="ＭＳ Ｐゴシック" charset="0"/>
+              </a:rPr>
+              <a:t>klienten</a:t>
+            </a:r>
+            <a:r>
+              <a:rPr lang="en-US" sz="1200" i="0" kern="1200" baseline="0" dirty="0" smtClean="0">
+                <a:solidFill>
+                  <a:schemeClr val="tx1"/>
+                </a:solidFill>
+                <a:latin typeface="+mn-lt"/>
+                <a:ea typeface="ＭＳ Ｐゴシック" charset="0"/>
+                <a:cs typeface="ＭＳ Ｐゴシック" charset="0"/>
+              </a:rPr>
+              <a:t> </a:t>
+            </a:r>
+            <a:r>
+              <a:rPr lang="en-US" sz="1200" i="0" kern="1200" baseline="0" dirty="0" err="1" smtClean="0">
+                <a:solidFill>
+                  <a:schemeClr val="tx1"/>
+                </a:solidFill>
+                <a:latin typeface="+mn-lt"/>
+                <a:ea typeface="ＭＳ Ｐゴシック" charset="0"/>
+                <a:cs typeface="ＭＳ Ｐゴシック" charset="0"/>
+              </a:rPr>
+              <a:t>kan</a:t>
+            </a:r>
+            <a:r>
+              <a:rPr lang="en-US" sz="1200" i="0" kern="1200" baseline="0" dirty="0" smtClean="0">
+                <a:solidFill>
+                  <a:schemeClr val="tx1"/>
+                </a:solidFill>
+                <a:latin typeface="+mn-lt"/>
+                <a:ea typeface="ＭＳ Ｐゴシック" charset="0"/>
+                <a:cs typeface="ＭＳ Ｐゴシック" charset="0"/>
+              </a:rPr>
+              <a:t> </a:t>
+            </a:r>
+            <a:r>
+              <a:rPr lang="en-US" sz="1200" i="0" kern="1200" baseline="0" dirty="0" err="1" smtClean="0">
+                <a:solidFill>
+                  <a:schemeClr val="tx1"/>
+                </a:solidFill>
+                <a:latin typeface="+mn-lt"/>
+                <a:ea typeface="ＭＳ Ｐゴシック" charset="0"/>
+                <a:cs typeface="ＭＳ Ｐゴシック" charset="0"/>
+              </a:rPr>
+              <a:t>anropa</a:t>
+            </a:r>
+            <a:r>
+              <a:rPr lang="en-US" sz="1200" i="0" kern="1200" baseline="0" dirty="0" smtClean="0">
+                <a:solidFill>
+                  <a:schemeClr val="tx1"/>
+                </a:solidFill>
+                <a:latin typeface="+mn-lt"/>
+                <a:ea typeface="ＭＳ Ｐゴシック" charset="0"/>
+                <a:cs typeface="ＭＳ Ｐゴシック" charset="0"/>
+              </a:rPr>
+              <a:t> app backend.</a:t>
+            </a:r>
+            <a:endParaRPr lang="en-US" dirty="0"/>
+          </a:p>
+        </p:txBody>
+      </p:sp>
+      <p:sp>
+        <p:nvSpPr>
+          <p:cNvPr id="4" name="Slide Number Placeholder 3"/>
+          <p:cNvSpPr>
+            <a:spLocks noGrp="1"/>
+          </p:cNvSpPr>
+          <p:nvPr>
+            <p:ph type="sldNum" sz="quarter" idx="10"/>
+          </p:nvPr>
+        </p:nvSpPr>
+        <p:spPr/>
+        <p:txBody>
+          <a:bodyPr/>
+          <a:lstStyle/>
+          <a:p>
+            <a:pPr>
+              <a:defRPr/>
+            </a:pPr>
+            <a:fld id="{72F66423-05E2-6345-AF5A-73942C9C3A7C}" type="slidenum">
+              <a:rPr lang="sv-SE" smtClean="0"/>
+              <a:pPr>
+                <a:defRPr/>
+              </a:pPr>
+              <a:t>21</a:t>
+            </a:fld>
+            <a:endParaRPr lang="sv-SE"/>
+          </a:p>
+        </p:txBody>
+      </p:sp>
+    </p:spTree>
+    <p:extLst>
+      <p:ext uri="{BB962C8B-B14F-4D97-AF65-F5344CB8AC3E}">
+        <p14:creationId xmlns:p14="http://schemas.microsoft.com/office/powerpoint/2010/main" val="1604157975"/>
       </p:ext>
     </p:extLst>
   </p:cSld>
@@ -3068,23 +4502,14 @@
           <a:p>
             <a:r>
               <a:rPr lang="en-US" dirty="0" smtClean="0"/>
-              <a:t>The User Agent (e.g. a web browser) is invited by a response with this code to make a second, otherwise identical, request, to the new URL specified in the Location field</a:t>
-            </a:r>
-            <a:r>
-              <a:rPr lang="en-US" smtClean="0"/>
-              <a:t>. </a:t>
-            </a:r>
-          </a:p>
-          <a:p>
-            <a:r>
-              <a:rPr lang="en-US" smtClean="0"/>
-              <a:t>The </a:t>
-            </a:r>
-            <a:r>
-              <a:rPr lang="en-US" dirty="0" smtClean="0"/>
-              <a:t>HTTP/1.0 specification (RFC 1945) defines this code, and gives it the description phrase "Moved Temporarily".</a:t>
-            </a:r>
-            <a:endParaRPr lang="en-US" dirty="0"/>
+              <a:t>The User Agent (e.g. a web browser) is invited by a response with this code to make a second, otherwise identical, request, to the new URL specified in the Location field. </a:t>
+            </a:r>
+          </a:p>
+          <a:p>
+            <a:r>
+              <a:rPr lang="en-US" dirty="0" smtClean="0"/>
+              <a:t>The HTTP/1.0 specification (RFC 1945) defines this code, and gives it the description phrase "Moved Temporarily”.</a:t>
+            </a:r>
           </a:p>
         </p:txBody>
       </p:sp>
@@ -3688,7 +5113,7 @@
             </a:r>
             <a:r>
               <a:rPr lang="en-US" baseline="0" dirty="0" smtClean="0"/>
-              <a:t> </a:t>
+              <a:t> (app server) </a:t>
             </a:r>
             <a:r>
               <a:rPr lang="en-US" baseline="0" dirty="0" err="1" smtClean="0"/>
@@ -10434,98 +11859,84 @@
           </a:p>
         </p:txBody>
       </p:sp>
-      <p:grpSp>
-        <p:nvGrpSpPr>
-          <p:cNvPr id="15" name="Group 14"/>
-          <p:cNvGrpSpPr/>
+      <p:pic>
+        <p:nvPicPr>
+          <p:cNvPr id="16" name="Picture 15"/>
+          <p:cNvPicPr>
+            <a:picLocks noChangeAspect="1"/>
+          </p:cNvPicPr>
           <p:nvPr/>
-        </p:nvGrpSpPr>
-        <p:grpSpPr>
+        </p:nvPicPr>
+        <p:blipFill>
+          <a:blip r:embed="rId3"/>
+          <a:stretch>
+            <a:fillRect/>
+          </a:stretch>
+        </p:blipFill>
+        <p:spPr>
           <a:xfrm>
-            <a:off x="5054636" y="1894254"/>
-            <a:ext cx="1291327" cy="1616036"/>
-            <a:chOff x="2077058" y="2995246"/>
-            <a:chExt cx="1291327" cy="1616036"/>
+            <a:off x="5174678" y="2607339"/>
+            <a:ext cx="902951" cy="902951"/>
           </a:xfrm>
-        </p:grpSpPr>
-        <p:pic>
-          <p:nvPicPr>
-            <p:cNvPr id="16" name="Picture 15"/>
-            <p:cNvPicPr>
-              <a:picLocks noChangeAspect="1"/>
-            </p:cNvPicPr>
-            <p:nvPr/>
-          </p:nvPicPr>
-          <p:blipFill>
-            <a:blip r:embed="rId3"/>
-            <a:stretch>
-              <a:fillRect/>
-            </a:stretch>
-          </p:blipFill>
-          <p:spPr>
-            <a:xfrm>
-              <a:off x="2197100" y="3708331"/>
-              <a:ext cx="902951" cy="902951"/>
-            </a:xfrm>
-            <a:prstGeom prst="rect">
-              <a:avLst/>
-            </a:prstGeom>
-          </p:spPr>
-        </p:pic>
-        <p:sp>
-          <p:nvSpPr>
-            <p:cNvPr id="17" name="TextBox 16"/>
-            <p:cNvSpPr txBox="1"/>
-            <p:nvPr/>
-          </p:nvSpPr>
-          <p:spPr>
-            <a:xfrm>
-              <a:off x="2077058" y="2995246"/>
-              <a:ext cx="1291327" cy="738664"/>
-            </a:xfrm>
-            <a:prstGeom prst="rect">
-              <a:avLst/>
-            </a:prstGeom>
-            <a:noFill/>
-          </p:spPr>
-          <p:txBody>
-            <a:bodyPr wrap="square" rtlCol="0">
-              <a:spAutoFit/>
-            </a:bodyPr>
-            <a:lstStyle/>
-            <a:p>
-              <a:pPr algn="ctr"/>
-              <a:r>
-                <a:rPr lang="en-US" sz="1400" dirty="0" smtClean="0"/>
-                <a:t>3</a:t>
-              </a:r>
-              <a:r>
-                <a:rPr lang="en-US" sz="1400" baseline="30000" dirty="0" smtClean="0"/>
-                <a:t>rd</a:t>
-              </a:r>
-              <a:r>
-                <a:rPr lang="en-US" sz="1400" dirty="0" smtClean="0"/>
-                <a:t> party </a:t>
-              </a:r>
-            </a:p>
-            <a:p>
-              <a:pPr algn="ctr"/>
-              <a:r>
-                <a:rPr lang="en-US" sz="1400" dirty="0" smtClean="0"/>
-                <a:t>Client</a:t>
-              </a:r>
-            </a:p>
-            <a:p>
-              <a:pPr algn="ctr"/>
-              <a:r>
-                <a:rPr lang="en-US" sz="1400" dirty="0" smtClean="0"/>
-                <a:t> application</a:t>
-              </a:r>
-              <a:endParaRPr lang="en-US" sz="1400" dirty="0"/>
-            </a:p>
-          </p:txBody>
-        </p:sp>
-      </p:grpSp>
+          <a:prstGeom prst="rect">
+            <a:avLst/>
+          </a:prstGeom>
+        </p:spPr>
+      </p:pic>
+      <p:sp>
+        <p:nvSpPr>
+          <p:cNvPr id="17" name="TextBox 16"/>
+          <p:cNvSpPr txBox="1"/>
+          <p:nvPr/>
+        </p:nvSpPr>
+        <p:spPr>
+          <a:xfrm>
+            <a:off x="4311668" y="2038906"/>
+            <a:ext cx="2857464" cy="523220"/>
+          </a:xfrm>
+          <a:prstGeom prst="rect">
+            <a:avLst/>
+          </a:prstGeom>
+          <a:noFill/>
+        </p:spPr>
+        <p:txBody>
+          <a:bodyPr wrap="square" rtlCol="0">
+            <a:spAutoFit/>
+          </a:bodyPr>
+          <a:lstStyle/>
+          <a:p>
+            <a:pPr algn="ctr"/>
+            <a:r>
+              <a:rPr lang="en-US" sz="1400" dirty="0" smtClean="0"/>
+              <a:t>SSL authenticated/trusted</a:t>
+            </a:r>
+          </a:p>
+          <a:p>
+            <a:pPr algn="ctr"/>
+            <a:r>
+              <a:rPr lang="en-US" sz="1400" dirty="0" smtClean="0"/>
+              <a:t>3</a:t>
+            </a:r>
+            <a:r>
+              <a:rPr lang="en-US" sz="1400" baseline="30000" dirty="0" smtClean="0"/>
+              <a:t>rd</a:t>
+            </a:r>
+            <a:r>
+              <a:rPr lang="en-US" sz="1400" dirty="0" smtClean="0"/>
+              <a:t> </a:t>
+            </a:r>
+            <a:r>
+              <a:rPr lang="en-US" sz="1400" dirty="0" smtClean="0"/>
+              <a:t>party </a:t>
+            </a:r>
+            <a:r>
+              <a:rPr lang="en-US" sz="1400" dirty="0" smtClean="0"/>
+              <a:t>Client application</a:t>
+            </a:r>
+            <a:endParaRPr lang="en-US" sz="1400" dirty="0"/>
+          </a:p>
+        </p:txBody>
+      </p:sp>
       <p:grpSp>
         <p:nvGrpSpPr>
           <p:cNvPr id="6" name="Group 5"/>
@@ -10535,9 +11946,9 @@
         <p:grpSpPr>
           <a:xfrm>
             <a:off x="4102100" y="3510290"/>
-            <a:ext cx="3914165" cy="566410"/>
+            <a:ext cx="4003933" cy="566410"/>
             <a:chOff x="4102100" y="3510290"/>
-            <a:chExt cx="3914165" cy="566410"/>
+            <a:chExt cx="4003933" cy="566410"/>
           </a:xfrm>
         </p:grpSpPr>
         <p:sp>
@@ -10587,7 +11998,7 @@
           <p:spPr>
             <a:xfrm>
               <a:off x="4102100" y="3510290"/>
-              <a:ext cx="3914165" cy="307777"/>
+              <a:ext cx="4003933" cy="307777"/>
             </a:xfrm>
             <a:prstGeom prst="rect">
               <a:avLst/>
@@ -10602,7 +12013,15 @@
             <a:p>
               <a:r>
                 <a:rPr lang="en-US" sz="1400" dirty="0" smtClean="0"/>
-                <a:t>GET http://</a:t>
+                <a:t>GET </a:t>
+              </a:r>
+              <a:r>
+                <a:rPr lang="en-US" sz="1400" dirty="0" smtClean="0"/>
+                <a:t>https:</a:t>
+              </a:r>
+              <a:r>
+                <a:rPr lang="en-US" sz="1400" dirty="0" smtClean="0"/>
+                <a:t>//</a:t>
               </a:r>
               <a:r>
                 <a:rPr lang="en-US" sz="1400" dirty="0" err="1" smtClean="0"/>
@@ -11138,25 +12557,6 @@
           </a:p>
         </p:txBody>
       </p:sp>
-      <p:sp>
-        <p:nvSpPr>
-          <p:cNvPr id="9" name="Text Placeholder 8"/>
-          <p:cNvSpPr>
-            <a:spLocks noGrp="1"/>
-          </p:cNvSpPr>
-          <p:nvPr>
-            <p:ph type="body" sz="quarter" idx="13"/>
-          </p:nvPr>
-        </p:nvSpPr>
-        <p:spPr/>
-        <p:txBody>
-          <a:bodyPr/>
-          <a:lstStyle/>
-          <a:p>
-            <a:endParaRPr lang="en-US"/>
-          </a:p>
-        </p:txBody>
-      </p:sp>
     </p:spTree>
     <p:extLst>
       <p:ext uri="{BB962C8B-B14F-4D97-AF65-F5344CB8AC3E}">
@@ -11233,7 +12633,7 @@
                             </p:stCondLst>
                             <p:childTnLst>
                               <p:par>
-                                <p:cTn id="9" presetID="1" presetClass="entr" presetSubtype="0" fill="hold" nodeType="clickEffect">
+                                <p:cTn id="9" presetID="1" presetClass="entr" presetSubtype="0" fill="hold" grpId="0" nodeType="clickEffect">
                                   <p:stCondLst>
                                     <p:cond delay="0"/>
                                   </p:stCondLst>
@@ -11246,7 +12646,7 @@
                                           </p:stCondLst>
                                         </p:cTn>
                                         <p:tgtEl>
-                                          <p:spTgt spid="11"/>
+                                          <p:spTgt spid="14"/>
                                         </p:tgtEl>
                                         <p:attrNameLst>
                                           <p:attrName>style.visibility</p:attrName>
@@ -11278,7 +12678,7 @@
                             </p:stCondLst>
                             <p:childTnLst>
                               <p:par>
-                                <p:cTn id="13" presetID="9" presetClass="entr" presetSubtype="0" fill="hold" grpId="0" nodeType="clickEffect">
+                                <p:cTn id="13" presetID="1" presetClass="entr" presetSubtype="0" fill="hold" nodeType="clickEffect">
                                   <p:stCondLst>
                                     <p:cond delay="0"/>
                                   </p:stCondLst>
@@ -11286,6 +12686,51 @@
                                     <p:set>
                                       <p:cBhvr>
                                         <p:cTn id="14" dur="1" fill="hold">
+                                          <p:stCondLst>
+                                            <p:cond delay="0"/>
+                                          </p:stCondLst>
+                                        </p:cTn>
+                                        <p:tgtEl>
+                                          <p:spTgt spid="11"/>
+                                        </p:tgtEl>
+                                        <p:attrNameLst>
+                                          <p:attrName>style.visibility</p:attrName>
+                                        </p:attrNameLst>
+                                      </p:cBhvr>
+                                      <p:to>
+                                        <p:strVal val="visible"/>
+                                      </p:to>
+                                    </p:set>
+                                  </p:childTnLst>
+                                </p:cTn>
+                              </p:par>
+                            </p:childTnLst>
+                          </p:cTn>
+                        </p:par>
+                      </p:childTnLst>
+                    </p:cTn>
+                  </p:par>
+                  <p:par>
+                    <p:cTn id="15" fill="hold">
+                      <p:stCondLst>
+                        <p:cond delay="indefinite"/>
+                      </p:stCondLst>
+                      <p:childTnLst>
+                        <p:par>
+                          <p:cTn id="16" fill="hold">
+                            <p:stCondLst>
+                              <p:cond delay="0"/>
+                            </p:stCondLst>
+                            <p:childTnLst>
+                              <p:par>
+                                <p:cTn id="17" presetID="9" presetClass="entr" presetSubtype="0" fill="hold" grpId="0" nodeType="clickEffect">
+                                  <p:stCondLst>
+                                    <p:cond delay="0"/>
+                                  </p:stCondLst>
+                                  <p:childTnLst>
+                                    <p:set>
+                                      <p:cBhvr>
+                                        <p:cTn id="18" dur="1" fill="hold">
                                           <p:stCondLst>
                                             <p:cond delay="0"/>
                                           </p:stCondLst>
@@ -11303,57 +12748,12 @@
                                     </p:set>
                                     <p:animEffect transition="in" filter="dissolve">
                                       <p:cBhvr>
-                                        <p:cTn id="15" dur="500"/>
+                                        <p:cTn id="19" dur="500"/>
                                         <p:tgtEl>
                                           <p:spTgt spid="28"/>
                                         </p:tgtEl>
                                       </p:cBhvr>
                                     </p:animEffect>
-                                  </p:childTnLst>
-                                </p:cTn>
-                              </p:par>
-                            </p:childTnLst>
-                          </p:cTn>
-                        </p:par>
-                      </p:childTnLst>
-                    </p:cTn>
-                  </p:par>
-                  <p:par>
-                    <p:cTn id="16" fill="hold">
-                      <p:stCondLst>
-                        <p:cond delay="indefinite"/>
-                      </p:stCondLst>
-                      <p:childTnLst>
-                        <p:par>
-                          <p:cTn id="17" fill="hold">
-                            <p:stCondLst>
-                              <p:cond delay="0"/>
-                            </p:stCondLst>
-                            <p:childTnLst>
-                              <p:par>
-                                <p:cTn id="18" presetID="1" presetClass="entr" presetSubtype="0" fill="hold" grpId="0" nodeType="clickEffect">
-                                  <p:stCondLst>
-                                    <p:cond delay="0"/>
-                                  </p:stCondLst>
-                                  <p:childTnLst>
-                                    <p:set>
-                                      <p:cBhvr>
-                                        <p:cTn id="19" dur="1" fill="hold">
-                                          <p:stCondLst>
-                                            <p:cond delay="0"/>
-                                          </p:stCondLst>
-                                        </p:cTn>
-                                        <p:tgtEl>
-                                          <p:spTgt spid="14"/>
-                                        </p:tgtEl>
-                                        <p:attrNameLst>
-                                          <p:attrName>style.visibility</p:attrName>
-                                        </p:attrNameLst>
-                                      </p:cBhvr>
-                                      <p:to>
-                                        <p:strVal val="visible"/>
-                                      </p:to>
-                                    </p:set>
                                   </p:childTnLst>
                                 </p:cTn>
                               </p:par>
@@ -11508,8 +12908,20 @@
             <a:pPr lvl="1"/>
             <a:r>
               <a:rPr lang="en-US" dirty="0" smtClean="0"/>
-              <a:t>But still authenticated as 20121212-1212 against MVK while authorizing the client</a:t>
-            </a:r>
+              <a:t>But still authenticated as 20121212-1212 against MVK while authorizing the </a:t>
+            </a:r>
+            <a:r>
+              <a:rPr lang="en-US" dirty="0" smtClean="0"/>
+              <a:t>client</a:t>
+            </a:r>
+          </a:p>
+          <a:p>
+            <a:pPr lvl="1"/>
+            <a:r>
+              <a:rPr lang="en-US" dirty="0" smtClean="0"/>
+              <a:t>Generates a non-identifiable token representing the citizen authorization</a:t>
+            </a:r>
+            <a:endParaRPr lang="en-US" dirty="0" smtClean="0"/>
           </a:p>
           <a:p>
             <a:r>
@@ -11642,28 +13054,6 @@
               <a:rPr lang="en-US" dirty="0" smtClean="0"/>
               <a:t> 2.0 Roles</a:t>
             </a:r>
-            <a:endParaRPr lang="en-US" dirty="0"/>
-          </a:p>
-        </p:txBody>
-      </p:sp>
-      <p:sp>
-        <p:nvSpPr>
-          <p:cNvPr id="4" name="Text Placeholder 3"/>
-          <p:cNvSpPr>
-            <a:spLocks noGrp="1"/>
-          </p:cNvSpPr>
-          <p:nvPr>
-            <p:ph type="body" sz="quarter" idx="13"/>
-          </p:nvPr>
-        </p:nvSpPr>
-        <p:spPr/>
-        <p:txBody>
-          <a:bodyPr/>
-          <a:lstStyle/>
-          <a:p>
-            <a:pPr marL="0" indent="0">
-              <a:buNone/>
-            </a:pPr>
             <a:endParaRPr lang="en-US" dirty="0"/>
           </a:p>
         </p:txBody>
@@ -11951,8 +13341,8 @@
         </p:nvCxnSpPr>
         <p:spPr>
           <a:xfrm>
-            <a:off x="2717800" y="3872801"/>
-            <a:ext cx="927100" cy="0"/>
+            <a:off x="2852841" y="5003101"/>
+            <a:ext cx="3040582" cy="0"/>
           </a:xfrm>
           <a:prstGeom prst="straightConnector1">
             <a:avLst/>
@@ -12064,7 +13454,7 @@
         </p:blipFill>
         <p:spPr>
           <a:xfrm>
-            <a:off x="1852872" y="3174301"/>
+            <a:off x="2156649" y="4187092"/>
             <a:ext cx="392415" cy="1132820"/>
           </a:xfrm>
           <a:prstGeom prst="rect">
@@ -12080,7 +13470,7 @@
         </p:nvSpPr>
         <p:spPr>
           <a:xfrm>
-            <a:off x="1596021" y="4230282"/>
+            <a:off x="1899798" y="5243073"/>
             <a:ext cx="953043" cy="523220"/>
           </a:xfrm>
           <a:prstGeom prst="rect">
@@ -12482,7 +13872,6 @@
               <a:rPr lang="en-US" dirty="0"/>
               <a:t>API’s containing patient related data</a:t>
             </a:r>
-            <a:endParaRPr lang="en-US" dirty="0"/>
           </a:p>
         </p:txBody>
       </p:sp>
@@ -12504,21 +13893,20 @@
           <a:lstStyle/>
           <a:p>
             <a:r>
-              <a:rPr lang="en-US" dirty="0" smtClean="0"/>
-              <a:t>Exercise </a:t>
-            </a:r>
-            <a:r>
-              <a:rPr lang="en-US" dirty="0" smtClean="0"/>
-              <a:t>3, Simple </a:t>
-            </a:r>
-            <a:r>
-              <a:rPr lang="en-US" dirty="0" err="1" smtClean="0"/>
+              <a:rPr lang="en-US" dirty="0" err="1"/>
               <a:t>OAuth</a:t>
             </a:r>
             <a:r>
-              <a:rPr lang="en-US" dirty="0" smtClean="0"/>
-              <a:t> 2.0 API Client </a:t>
-            </a:r>
+              <a:rPr lang="en-US" dirty="0"/>
+              <a:t> 2.0 </a:t>
+            </a:r>
+            <a:r>
+              <a:rPr lang="en-US" dirty="0" smtClean="0"/>
+              <a:t>Request authorization</a:t>
+            </a:r>
+            <a:endParaRPr lang="en-US" dirty="0"/>
+          </a:p>
+          <a:p>
             <a:endParaRPr lang="en-US" dirty="0"/>
           </a:p>
         </p:txBody>
@@ -12542,17 +13930,60 @@
               <a:buNone/>
             </a:pPr>
             <a:r>
-              <a:rPr lang="en-US" dirty="0" smtClean="0"/>
-              <a:t>Get familiar with </a:t>
-            </a:r>
-            <a:r>
-              <a:rPr lang="en-US" dirty="0" err="1" smtClean="0"/>
-              <a:t>OAuth</a:t>
-            </a:r>
-            <a:r>
-              <a:rPr lang="en-US" dirty="0" smtClean="0"/>
-              <a:t> 2.0 and SDK by using a simple client letting the user authorize access.</a:t>
-            </a:r>
+              <a:rPr lang="en-US" sz="1800" dirty="0" smtClean="0"/>
+              <a:t>Request authorization dialog, parameters:</a:t>
+            </a:r>
+          </a:p>
+          <a:p>
+            <a:r>
+              <a:rPr lang="en-US" sz="1800" dirty="0" smtClean="0"/>
+              <a:t>Response type</a:t>
+            </a:r>
+          </a:p>
+          <a:p>
+            <a:r>
+              <a:rPr lang="en-US" sz="1800" dirty="0" smtClean="0"/>
+              <a:t>Client ID</a:t>
+            </a:r>
+          </a:p>
+          <a:p>
+            <a:r>
+              <a:rPr lang="en-US" sz="1800" dirty="0" smtClean="0"/>
+              <a:t>Scope</a:t>
+            </a:r>
+          </a:p>
+          <a:p>
+            <a:r>
+              <a:rPr lang="en-US" sz="1800" dirty="0" smtClean="0"/>
+              <a:t>State</a:t>
+            </a:r>
+          </a:p>
+          <a:p>
+            <a:r>
+              <a:rPr lang="en-US" sz="1800" dirty="0" smtClean="0"/>
+              <a:t>Redirect URI</a:t>
+            </a:r>
+          </a:p>
+          <a:p>
+            <a:endParaRPr lang="en-US" sz="1800" dirty="0"/>
+          </a:p>
+          <a:p>
+            <a:pPr marL="0" indent="0">
+              <a:buNone/>
+            </a:pPr>
+            <a:r>
+              <a:rPr lang="en-US" sz="1800" dirty="0" smtClean="0"/>
+              <a:t>Request token using authorization code</a:t>
+            </a:r>
+          </a:p>
+          <a:p>
+            <a:r>
+              <a:rPr lang="en-US" sz="1800" dirty="0" smtClean="0"/>
+              <a:t>Token endpoint</a:t>
+            </a:r>
+          </a:p>
+          <a:p>
+            <a:endParaRPr lang="en-US" sz="1800" dirty="0" smtClean="0"/>
           </a:p>
         </p:txBody>
       </p:sp>
@@ -12588,7 +14019,7 @@
     </p:spTree>
     <p:extLst>
       <p:ext uri="{BB962C8B-B14F-4D97-AF65-F5344CB8AC3E}">
-        <p14:creationId xmlns:p14="http://schemas.microsoft.com/office/powerpoint/2010/main" val="873325611"/>
+        <p14:creationId xmlns:p14="http://schemas.microsoft.com/office/powerpoint/2010/main" val="210676882"/>
       </p:ext>
     </p:extLst>
   </p:cSld>
@@ -12634,12 +14065,14 @@
         </p:nvSpPr>
         <p:spPr/>
         <p:txBody>
-          <a:bodyPr/>
+          <a:bodyPr>
+            <a:normAutofit fontScale="90000"/>
+          </a:bodyPr>
           <a:lstStyle/>
           <a:p>
             <a:r>
-              <a:rPr lang="en-US" dirty="0" err="1" smtClean="0"/>
-              <a:t>Kaffe</a:t>
+              <a:rPr lang="en-US" dirty="0"/>
+              <a:t>API’s containing patient related data</a:t>
             </a:r>
             <a:endParaRPr lang="en-US" dirty="0"/>
           </a:p>
@@ -12662,7 +14095,23 @@
           </a:bodyPr>
           <a:lstStyle/>
           <a:p>
-            <a:endParaRPr lang="en-US"/>
+            <a:r>
+              <a:rPr lang="en-US" dirty="0" smtClean="0"/>
+              <a:t>Exercise </a:t>
+            </a:r>
+            <a:r>
+              <a:rPr lang="en-US" dirty="0" smtClean="0"/>
+              <a:t>3, Simple </a:t>
+            </a:r>
+            <a:r>
+              <a:rPr lang="en-US" dirty="0" err="1" smtClean="0"/>
+              <a:t>OAuth</a:t>
+            </a:r>
+            <a:r>
+              <a:rPr lang="en-US" dirty="0" smtClean="0"/>
+              <a:t> 2.0 API Client </a:t>
+            </a:r>
+            <a:endParaRPr lang="en-US" dirty="0"/>
           </a:p>
         </p:txBody>
       </p:sp>
@@ -12681,7 +14130,21 @@
           <a:bodyPr/>
           <a:lstStyle/>
           <a:p>
-            <a:endParaRPr lang="en-US" dirty="0"/>
+            <a:pPr marL="0" indent="0">
+              <a:buNone/>
+            </a:pPr>
+            <a:r>
+              <a:rPr lang="en-US" dirty="0" smtClean="0"/>
+              <a:t>Get familiar with </a:t>
+            </a:r>
+            <a:r>
+              <a:rPr lang="en-US" dirty="0" err="1" smtClean="0"/>
+              <a:t>OAuth</a:t>
+            </a:r>
+            <a:r>
+              <a:rPr lang="en-US" dirty="0" smtClean="0"/>
+              <a:t> 2.0 and SDK by using a simple client letting the user authorize access.</a:t>
+            </a:r>
           </a:p>
         </p:txBody>
       </p:sp>
@@ -12709,6 +14172,351 @@
                 <a:defRPr/>
               </a:pPr>
               <a:t>19</a:t>
+            </a:fld>
+            <a:endParaRPr lang="sv-SE"/>
+          </a:p>
+        </p:txBody>
+      </p:sp>
+    </p:spTree>
+    <p:extLst>
+      <p:ext uri="{BB962C8B-B14F-4D97-AF65-F5344CB8AC3E}">
+        <p14:creationId xmlns:p14="http://schemas.microsoft.com/office/powerpoint/2010/main" val="873325611"/>
+      </p:ext>
+    </p:extLst>
+  </p:cSld>
+  <p:clrMapOvr>
+    <a:masterClrMapping/>
+  </p:clrMapOvr>
+  <p:timing>
+    <p:tnLst>
+      <p:par>
+        <p:cTn xmlns:p14="http://schemas.microsoft.com/office/powerpoint/2010/main" id="1" dur="indefinite" restart="never" nodeType="tmRoot"/>
+      </p:par>
+    </p:tnLst>
+  </p:timing>
+</p:sld>
+</file>
+
+<file path=ppt/slides/slide2.xml><?xml version="1.0" encoding="utf-8"?>
+<p:sld xmlns:a="http://schemas.openxmlformats.org/drawingml/2006/main" xmlns:r="http://schemas.openxmlformats.org/officeDocument/2006/relationships" xmlns:p="http://schemas.openxmlformats.org/presentationml/2006/main">
+  <p:cSld>
+    <p:spTree>
+      <p:nvGrpSpPr>
+        <p:cNvPr id="1" name=""/>
+        <p:cNvGrpSpPr/>
+        <p:nvPr/>
+      </p:nvGrpSpPr>
+      <p:grpSpPr>
+        <a:xfrm>
+          <a:off x="0" y="0"/>
+          <a:ext cx="0" cy="0"/>
+          <a:chOff x="0" y="0"/>
+          <a:chExt cx="0" cy="0"/>
+        </a:xfrm>
+      </p:grpSpPr>
+      <p:sp>
+        <p:nvSpPr>
+          <p:cNvPr id="2" name="Title 1"/>
+          <p:cNvSpPr>
+            <a:spLocks noGrp="1"/>
+          </p:cNvSpPr>
+          <p:nvPr>
+            <p:ph type="ctrTitle"/>
+          </p:nvPr>
+        </p:nvSpPr>
+        <p:spPr/>
+        <p:txBody>
+          <a:bodyPr/>
+          <a:lstStyle/>
+          <a:p>
+            <a:r>
+              <a:rPr lang="en-US" dirty="0" smtClean="0"/>
+              <a:t>Agenda</a:t>
+            </a:r>
+            <a:endParaRPr lang="en-US" dirty="0"/>
+          </a:p>
+        </p:txBody>
+      </p:sp>
+      <p:sp>
+        <p:nvSpPr>
+          <p:cNvPr id="4" name="Text Placeholder 3"/>
+          <p:cNvSpPr>
+            <a:spLocks noGrp="1"/>
+          </p:cNvSpPr>
+          <p:nvPr>
+            <p:ph type="body" sz="quarter" idx="13"/>
+          </p:nvPr>
+        </p:nvSpPr>
+        <p:spPr>
+          <a:xfrm>
+            <a:off x="685800" y="1399726"/>
+            <a:ext cx="7721303" cy="4226373"/>
+          </a:xfrm>
+        </p:spPr>
+        <p:txBody>
+          <a:bodyPr/>
+          <a:lstStyle/>
+          <a:p>
+            <a:r>
+              <a:rPr lang="en-US" sz="1800" dirty="0" smtClean="0"/>
+              <a:t>Welcome</a:t>
+            </a:r>
+          </a:p>
+          <a:p>
+            <a:r>
+              <a:rPr lang="en-US" sz="1800" dirty="0" smtClean="0"/>
+              <a:t>Practical info</a:t>
+            </a:r>
+          </a:p>
+          <a:p>
+            <a:r>
+              <a:rPr lang="en-US" sz="1800" dirty="0" smtClean="0"/>
+              <a:t>Introduction to SDK by VINNOVA</a:t>
+            </a:r>
+          </a:p>
+          <a:p>
+            <a:r>
+              <a:rPr lang="en-US" sz="1800" dirty="0" smtClean="0"/>
+              <a:t>HTTP overview</a:t>
+            </a:r>
+          </a:p>
+          <a:p>
+            <a:pPr lvl="1"/>
+            <a:r>
+              <a:rPr lang="en-US" sz="1800" dirty="0" smtClean="0"/>
+              <a:t>Lab on public data API’s</a:t>
+            </a:r>
+          </a:p>
+          <a:p>
+            <a:r>
+              <a:rPr lang="en-US" sz="1800" dirty="0" smtClean="0"/>
+              <a:t>API’s containing patient related data</a:t>
+            </a:r>
+          </a:p>
+          <a:p>
+            <a:pPr lvl="1"/>
+            <a:r>
+              <a:rPr lang="en-US" sz="1800" dirty="0" err="1" smtClean="0"/>
+              <a:t>OAuth</a:t>
+            </a:r>
+            <a:r>
+              <a:rPr lang="en-US" sz="1800" dirty="0" smtClean="0"/>
+              <a:t> 2.0, intro and lab</a:t>
+            </a:r>
+            <a:endParaRPr lang="en-US" sz="1800" dirty="0"/>
+          </a:p>
+          <a:p>
+            <a:r>
+              <a:rPr lang="en-US" sz="1800" dirty="0"/>
+              <a:t>Building the App </a:t>
+            </a:r>
+          </a:p>
+          <a:p>
+            <a:pPr lvl="1"/>
+            <a:r>
+              <a:rPr lang="en-US" sz="1800" dirty="0"/>
+              <a:t>Need for an app backend</a:t>
+            </a:r>
+          </a:p>
+          <a:p>
+            <a:pPr lvl="1"/>
+            <a:r>
+              <a:rPr lang="en-US" sz="1800" dirty="0" smtClean="0"/>
+              <a:t>Lab, </a:t>
+            </a:r>
+            <a:r>
+              <a:rPr lang="en-US" sz="1800" dirty="0"/>
+              <a:t>build the app backend</a:t>
+            </a:r>
+          </a:p>
+          <a:p>
+            <a:pPr lvl="1"/>
+            <a:r>
+              <a:rPr lang="en-US" sz="1800" dirty="0"/>
+              <a:t>Front-end development </a:t>
+            </a:r>
+            <a:r>
+              <a:rPr lang="en-US" sz="1800" dirty="0" smtClean="0"/>
+              <a:t>for </a:t>
+            </a:r>
+            <a:r>
+              <a:rPr lang="en-US" sz="1800" dirty="0"/>
+              <a:t>mobile apps, differences ?</a:t>
+            </a:r>
+          </a:p>
+          <a:p>
+            <a:pPr lvl="1"/>
+            <a:r>
+              <a:rPr lang="en-US" sz="1800" dirty="0" smtClean="0"/>
+              <a:t>Lab, </a:t>
+            </a:r>
+            <a:r>
+              <a:rPr lang="en-US" sz="1800" dirty="0"/>
+              <a:t>Applying the app</a:t>
+            </a:r>
+          </a:p>
+          <a:p>
+            <a:endParaRPr lang="en-US" sz="1800" dirty="0"/>
+          </a:p>
+          <a:p>
+            <a:pPr lvl="1"/>
+            <a:endParaRPr lang="en-US" sz="1800" dirty="0" smtClean="0"/>
+          </a:p>
+        </p:txBody>
+      </p:sp>
+      <p:sp>
+        <p:nvSpPr>
+          <p:cNvPr id="5" name="Slide Number Placeholder 4"/>
+          <p:cNvSpPr>
+            <a:spLocks noGrp="1"/>
+          </p:cNvSpPr>
+          <p:nvPr>
+            <p:ph type="sldNum" sz="quarter" idx="14"/>
+          </p:nvPr>
+        </p:nvSpPr>
+        <p:spPr/>
+        <p:txBody>
+          <a:bodyPr/>
+          <a:lstStyle/>
+          <a:p>
+            <a:pPr>
+              <a:defRPr/>
+            </a:pPr>
+            <a:fld id="{4AA01602-B999-AA4E-80A6-B21CED3A9C3C}" type="slidenum">
+              <a:rPr lang="sv-SE" smtClean="0"/>
+              <a:pPr>
+                <a:defRPr/>
+              </a:pPr>
+              <a:t>2</a:t>
+            </a:fld>
+            <a:endParaRPr lang="sv-SE"/>
+          </a:p>
+        </p:txBody>
+      </p:sp>
+    </p:spTree>
+    <p:extLst>
+      <p:ext uri="{BB962C8B-B14F-4D97-AF65-F5344CB8AC3E}">
+        <p14:creationId xmlns:p14="http://schemas.microsoft.com/office/powerpoint/2010/main" val="1362912079"/>
+      </p:ext>
+    </p:extLst>
+  </p:cSld>
+  <p:clrMapOvr>
+    <a:masterClrMapping/>
+  </p:clrMapOvr>
+  <p:timing>
+    <p:tnLst>
+      <p:par>
+        <p:cTn xmlns:p14="http://schemas.microsoft.com/office/powerpoint/2010/main" id="1" dur="indefinite" restart="never" nodeType="tmRoot"/>
+      </p:par>
+    </p:tnLst>
+  </p:timing>
+</p:sld>
+</file>
+
+<file path=ppt/slides/slide20.xml><?xml version="1.0" encoding="utf-8"?>
+<p:sld xmlns:a="http://schemas.openxmlformats.org/drawingml/2006/main" xmlns:r="http://schemas.openxmlformats.org/officeDocument/2006/relationships" xmlns:p="http://schemas.openxmlformats.org/presentationml/2006/main">
+  <p:cSld>
+    <p:spTree>
+      <p:nvGrpSpPr>
+        <p:cNvPr id="1" name=""/>
+        <p:cNvGrpSpPr/>
+        <p:nvPr/>
+      </p:nvGrpSpPr>
+      <p:grpSpPr>
+        <a:xfrm>
+          <a:off x="0" y="0"/>
+          <a:ext cx="0" cy="0"/>
+          <a:chOff x="0" y="0"/>
+          <a:chExt cx="0" cy="0"/>
+        </a:xfrm>
+      </p:grpSpPr>
+      <p:sp>
+        <p:nvSpPr>
+          <p:cNvPr id="2" name="Title 1"/>
+          <p:cNvSpPr>
+            <a:spLocks noGrp="1"/>
+          </p:cNvSpPr>
+          <p:nvPr>
+            <p:ph type="ctrTitle"/>
+          </p:nvPr>
+        </p:nvSpPr>
+        <p:spPr/>
+        <p:txBody>
+          <a:bodyPr/>
+          <a:lstStyle/>
+          <a:p>
+            <a:r>
+              <a:rPr lang="en-US" dirty="0" err="1" smtClean="0"/>
+              <a:t>Kaffe</a:t>
+            </a:r>
+            <a:endParaRPr lang="en-US" dirty="0"/>
+          </a:p>
+        </p:txBody>
+      </p:sp>
+      <p:sp>
+        <p:nvSpPr>
+          <p:cNvPr id="3" name="Subtitle 2"/>
+          <p:cNvSpPr>
+            <a:spLocks noGrp="1"/>
+          </p:cNvSpPr>
+          <p:nvPr>
+            <p:ph type="subTitle" idx="1"/>
+          </p:nvPr>
+        </p:nvSpPr>
+        <p:spPr/>
+        <p:txBody>
+          <a:bodyPr>
+            <a:normAutofit fontScale="92500" lnSpcReduction="10000"/>
+          </a:bodyPr>
+          <a:lstStyle/>
+          <a:p>
+            <a:endParaRPr lang="en-US"/>
+          </a:p>
+        </p:txBody>
+      </p:sp>
+      <p:sp>
+        <p:nvSpPr>
+          <p:cNvPr id="4" name="Text Placeholder 3"/>
+          <p:cNvSpPr>
+            <a:spLocks noGrp="1"/>
+          </p:cNvSpPr>
+          <p:nvPr>
+            <p:ph type="body" sz="quarter" idx="13"/>
+          </p:nvPr>
+        </p:nvSpPr>
+        <p:spPr/>
+        <p:txBody>
+          <a:bodyPr/>
+          <a:lstStyle/>
+          <a:p>
+            <a:endParaRPr lang="en-US" dirty="0"/>
+          </a:p>
+        </p:txBody>
+      </p:sp>
+      <p:sp>
+        <p:nvSpPr>
+          <p:cNvPr id="5" name="Slide Number Placeholder 4"/>
+          <p:cNvSpPr>
+            <a:spLocks noGrp="1"/>
+          </p:cNvSpPr>
+          <p:nvPr>
+            <p:ph type="sldNum" sz="quarter" idx="14"/>
+          </p:nvPr>
+        </p:nvSpPr>
+        <p:spPr/>
+        <p:txBody>
+          <a:bodyPr/>
+          <a:lstStyle/>
+          <a:p>
+            <a:pPr>
+              <a:defRPr/>
+            </a:pPr>
+            <a:fld id="{4AA01602-B999-AA4E-80A6-B21CED3A9C3C}" type="slidenum">
+              <a:rPr lang="sv-SE" smtClean="0"/>
+              <a:pPr>
+                <a:defRPr/>
+              </a:pPr>
+              <a:t>20</a:t>
             </a:fld>
             <a:endParaRPr lang="sv-SE"/>
           </a:p>
@@ -12764,358 +14572,6 @@
 </p:sld>
 </file>
 
-<file path=ppt/slides/slide2.xml><?xml version="1.0" encoding="utf-8"?>
-<p:sld xmlns:a="http://schemas.openxmlformats.org/drawingml/2006/main" xmlns:r="http://schemas.openxmlformats.org/officeDocument/2006/relationships" xmlns:p="http://schemas.openxmlformats.org/presentationml/2006/main">
-  <p:cSld>
-    <p:spTree>
-      <p:nvGrpSpPr>
-        <p:cNvPr id="1" name=""/>
-        <p:cNvGrpSpPr/>
-        <p:nvPr/>
-      </p:nvGrpSpPr>
-      <p:grpSpPr>
-        <a:xfrm>
-          <a:off x="0" y="0"/>
-          <a:ext cx="0" cy="0"/>
-          <a:chOff x="0" y="0"/>
-          <a:chExt cx="0" cy="0"/>
-        </a:xfrm>
-      </p:grpSpPr>
-      <p:sp>
-        <p:nvSpPr>
-          <p:cNvPr id="2" name="Title 1"/>
-          <p:cNvSpPr>
-            <a:spLocks noGrp="1"/>
-          </p:cNvSpPr>
-          <p:nvPr>
-            <p:ph type="ctrTitle"/>
-          </p:nvPr>
-        </p:nvSpPr>
-        <p:spPr/>
-        <p:txBody>
-          <a:bodyPr/>
-          <a:lstStyle/>
-          <a:p>
-            <a:r>
-              <a:rPr lang="en-US" dirty="0" smtClean="0"/>
-              <a:t>Agenda</a:t>
-            </a:r>
-            <a:endParaRPr lang="en-US" dirty="0"/>
-          </a:p>
-        </p:txBody>
-      </p:sp>
-      <p:sp>
-        <p:nvSpPr>
-          <p:cNvPr id="4" name="Text Placeholder 3"/>
-          <p:cNvSpPr>
-            <a:spLocks noGrp="1"/>
-          </p:cNvSpPr>
-          <p:nvPr>
-            <p:ph type="body" sz="quarter" idx="13"/>
-          </p:nvPr>
-        </p:nvSpPr>
-        <p:spPr>
-          <a:xfrm>
-            <a:off x="685800" y="1399726"/>
-            <a:ext cx="7721303" cy="4226373"/>
-          </a:xfrm>
-        </p:spPr>
-        <p:txBody>
-          <a:bodyPr/>
-          <a:lstStyle/>
-          <a:p>
-            <a:r>
-              <a:rPr lang="en-US" sz="1800" dirty="0" smtClean="0"/>
-              <a:t>Welcome</a:t>
-            </a:r>
-          </a:p>
-          <a:p>
-            <a:r>
-              <a:rPr lang="en-US" sz="1800" dirty="0" smtClean="0"/>
-              <a:t>Practical info</a:t>
-            </a:r>
-          </a:p>
-          <a:p>
-            <a:r>
-              <a:rPr lang="en-US" sz="1800" dirty="0" smtClean="0"/>
-              <a:t>Introduction to SDK by VINNOVA</a:t>
-            </a:r>
-          </a:p>
-          <a:p>
-            <a:r>
-              <a:rPr lang="en-US" sz="1800" dirty="0" smtClean="0"/>
-              <a:t>HTTP overview</a:t>
-            </a:r>
-          </a:p>
-          <a:p>
-            <a:pPr lvl="1"/>
-            <a:r>
-              <a:rPr lang="en-US" sz="1800" dirty="0" smtClean="0"/>
-              <a:t>Lab on public data API’s</a:t>
-            </a:r>
-          </a:p>
-          <a:p>
-            <a:r>
-              <a:rPr lang="en-US" sz="1800" dirty="0" smtClean="0"/>
-              <a:t>API’s containing patient related data</a:t>
-            </a:r>
-          </a:p>
-          <a:p>
-            <a:pPr lvl="1"/>
-            <a:r>
-              <a:rPr lang="en-US" sz="1800" dirty="0" err="1" smtClean="0"/>
-              <a:t>OAuth</a:t>
-            </a:r>
-            <a:r>
-              <a:rPr lang="en-US" sz="1800" dirty="0" smtClean="0"/>
-              <a:t> 2.0, intro and lab</a:t>
-            </a:r>
-            <a:endParaRPr lang="en-US" sz="1800" dirty="0"/>
-          </a:p>
-          <a:p>
-            <a:r>
-              <a:rPr lang="en-US" sz="1800" dirty="0"/>
-              <a:t>Building the App </a:t>
-            </a:r>
-          </a:p>
-          <a:p>
-            <a:pPr lvl="1"/>
-            <a:r>
-              <a:rPr lang="en-US" sz="1800" dirty="0"/>
-              <a:t>Need for an app backend</a:t>
-            </a:r>
-          </a:p>
-          <a:p>
-            <a:pPr lvl="1"/>
-            <a:r>
-              <a:rPr lang="en-US" sz="1800" dirty="0" smtClean="0"/>
-              <a:t>Lab, </a:t>
-            </a:r>
-            <a:r>
-              <a:rPr lang="en-US" sz="1800" dirty="0"/>
-              <a:t>build the app backend</a:t>
-            </a:r>
-          </a:p>
-          <a:p>
-            <a:pPr lvl="1"/>
-            <a:r>
-              <a:rPr lang="en-US" sz="1800" dirty="0"/>
-              <a:t>Front-end development </a:t>
-            </a:r>
-            <a:r>
-              <a:rPr lang="en-US" sz="1800" dirty="0" smtClean="0"/>
-              <a:t>for </a:t>
-            </a:r>
-            <a:r>
-              <a:rPr lang="en-US" sz="1800" dirty="0"/>
-              <a:t>mobile apps, differences ?</a:t>
-            </a:r>
-          </a:p>
-          <a:p>
-            <a:pPr lvl="1"/>
-            <a:r>
-              <a:rPr lang="en-US" sz="1800" dirty="0" smtClean="0"/>
-              <a:t>Lab, </a:t>
-            </a:r>
-            <a:r>
-              <a:rPr lang="en-US" sz="1800" dirty="0"/>
-              <a:t>Applying the app</a:t>
-            </a:r>
-          </a:p>
-          <a:p>
-            <a:endParaRPr lang="en-US" sz="1800" dirty="0"/>
-          </a:p>
-          <a:p>
-            <a:pPr lvl="1"/>
-            <a:endParaRPr lang="en-US" sz="1800" dirty="0" smtClean="0"/>
-          </a:p>
-        </p:txBody>
-      </p:sp>
-      <p:sp>
-        <p:nvSpPr>
-          <p:cNvPr id="5" name="Slide Number Placeholder 4"/>
-          <p:cNvSpPr>
-            <a:spLocks noGrp="1"/>
-          </p:cNvSpPr>
-          <p:nvPr>
-            <p:ph type="sldNum" sz="quarter" idx="14"/>
-          </p:nvPr>
-        </p:nvSpPr>
-        <p:spPr/>
-        <p:txBody>
-          <a:bodyPr/>
-          <a:lstStyle/>
-          <a:p>
-            <a:pPr>
-              <a:defRPr/>
-            </a:pPr>
-            <a:fld id="{4AA01602-B999-AA4E-80A6-B21CED3A9C3C}" type="slidenum">
-              <a:rPr lang="sv-SE" smtClean="0"/>
-              <a:pPr>
-                <a:defRPr/>
-              </a:pPr>
-              <a:t>2</a:t>
-            </a:fld>
-            <a:endParaRPr lang="sv-SE"/>
-          </a:p>
-        </p:txBody>
-      </p:sp>
-    </p:spTree>
-    <p:extLst>
-      <p:ext uri="{BB962C8B-B14F-4D97-AF65-F5344CB8AC3E}">
-        <p14:creationId xmlns:p14="http://schemas.microsoft.com/office/powerpoint/2010/main" val="1362912079"/>
-      </p:ext>
-    </p:extLst>
-  </p:cSld>
-  <p:clrMapOvr>
-    <a:masterClrMapping/>
-  </p:clrMapOvr>
-  <p:timing>
-    <p:tnLst>
-      <p:par>
-        <p:cTn xmlns:p14="http://schemas.microsoft.com/office/powerpoint/2010/main" id="1" dur="indefinite" restart="never" nodeType="tmRoot"/>
-      </p:par>
-    </p:tnLst>
-  </p:timing>
-</p:sld>
-</file>
-
-<file path=ppt/slides/slide20.xml><?xml version="1.0" encoding="utf-8"?>
-<p:sld xmlns:a="http://schemas.openxmlformats.org/drawingml/2006/main" xmlns:r="http://schemas.openxmlformats.org/officeDocument/2006/relationships" xmlns:p="http://schemas.openxmlformats.org/presentationml/2006/main">
-  <p:cSld>
-    <p:spTree>
-      <p:nvGrpSpPr>
-        <p:cNvPr id="1" name=""/>
-        <p:cNvGrpSpPr/>
-        <p:nvPr/>
-      </p:nvGrpSpPr>
-      <p:grpSpPr>
-        <a:xfrm>
-          <a:off x="0" y="0"/>
-          <a:ext cx="0" cy="0"/>
-          <a:chOff x="0" y="0"/>
-          <a:chExt cx="0" cy="0"/>
-        </a:xfrm>
-      </p:grpSpPr>
-      <p:sp>
-        <p:nvSpPr>
-          <p:cNvPr id="2" name="Title 1"/>
-          <p:cNvSpPr>
-            <a:spLocks noGrp="1"/>
-          </p:cNvSpPr>
-          <p:nvPr>
-            <p:ph type="ctrTitle"/>
-          </p:nvPr>
-        </p:nvSpPr>
-        <p:spPr/>
-        <p:txBody>
-          <a:bodyPr/>
-          <a:lstStyle/>
-          <a:p>
-            <a:r>
-              <a:rPr lang="en-US" dirty="0" smtClean="0"/>
-              <a:t>Building the App</a:t>
-            </a:r>
-            <a:endParaRPr lang="en-US" dirty="0"/>
-          </a:p>
-        </p:txBody>
-      </p:sp>
-      <p:sp>
-        <p:nvSpPr>
-          <p:cNvPr id="3" name="Subtitle 2"/>
-          <p:cNvSpPr>
-            <a:spLocks noGrp="1"/>
-          </p:cNvSpPr>
-          <p:nvPr>
-            <p:ph type="subTitle" idx="1"/>
-          </p:nvPr>
-        </p:nvSpPr>
-        <p:spPr/>
-        <p:txBody>
-          <a:bodyPr>
-            <a:normAutofit fontScale="92500" lnSpcReduction="10000"/>
-          </a:bodyPr>
-          <a:lstStyle/>
-          <a:p>
-            <a:r>
-              <a:rPr lang="en-US" dirty="0" smtClean="0"/>
-              <a:t>Backend</a:t>
-            </a:r>
-            <a:endParaRPr lang="en-US" dirty="0"/>
-          </a:p>
-        </p:txBody>
-      </p:sp>
-      <p:sp>
-        <p:nvSpPr>
-          <p:cNvPr id="4" name="Text Placeholder 3"/>
-          <p:cNvSpPr>
-            <a:spLocks noGrp="1"/>
-          </p:cNvSpPr>
-          <p:nvPr>
-            <p:ph type="body" sz="quarter" idx="13"/>
-          </p:nvPr>
-        </p:nvSpPr>
-        <p:spPr/>
-        <p:txBody>
-          <a:bodyPr/>
-          <a:lstStyle/>
-          <a:p>
-            <a:pPr marL="0" indent="0">
-              <a:buNone/>
-            </a:pPr>
-            <a:endParaRPr lang="en-US" dirty="0" smtClean="0"/>
-          </a:p>
-        </p:txBody>
-      </p:sp>
-      <p:sp>
-        <p:nvSpPr>
-          <p:cNvPr id="5" name="Slide Number Placeholder 4"/>
-          <p:cNvSpPr>
-            <a:spLocks noGrp="1"/>
-          </p:cNvSpPr>
-          <p:nvPr>
-            <p:ph type="sldNum" sz="quarter" idx="14"/>
-          </p:nvPr>
-        </p:nvSpPr>
-        <p:spPr/>
-        <p:txBody>
-          <a:bodyPr/>
-          <a:lstStyle/>
-          <a:p>
-            <a:pPr>
-              <a:defRPr/>
-            </a:pPr>
-            <a:fld id="{4AA01602-B999-AA4E-80A6-B21CED3A9C3C}" type="slidenum">
-              <a:rPr lang="sv-SE" smtClean="0"/>
-              <a:pPr>
-                <a:defRPr/>
-              </a:pPr>
-              <a:t>20</a:t>
-            </a:fld>
-            <a:endParaRPr lang="sv-SE"/>
-          </a:p>
-        </p:txBody>
-      </p:sp>
-    </p:spTree>
-    <p:extLst>
-      <p:ext uri="{BB962C8B-B14F-4D97-AF65-F5344CB8AC3E}">
-        <p14:creationId xmlns:p14="http://schemas.microsoft.com/office/powerpoint/2010/main" val="3828188418"/>
-      </p:ext>
-    </p:extLst>
-  </p:cSld>
-  <p:clrMapOvr>
-    <a:masterClrMapping/>
-  </p:clrMapOvr>
-  <p:timing>
-    <p:tnLst>
-      <p:par>
-        <p:cTn xmlns:p14="http://schemas.microsoft.com/office/powerpoint/2010/main" id="1" dur="indefinite" restart="never" nodeType="tmRoot"/>
-      </p:par>
-    </p:tnLst>
-  </p:timing>
-</p:sld>
-</file>
-
 <file path=ppt/slides/slide21.xml><?xml version="1.0" encoding="utf-8"?>
 <p:sld xmlns:a="http://schemas.openxmlformats.org/drawingml/2006/main" xmlns:r="http://schemas.openxmlformats.org/officeDocument/2006/relationships" xmlns:p="http://schemas.openxmlformats.org/presentationml/2006/main">
   <p:cSld>
@@ -13175,53 +14631,9 @@
           <a:p>
             <a:r>
               <a:rPr lang="en-US" dirty="0" smtClean="0"/>
-              <a:t>Exercise </a:t>
-            </a:r>
-            <a:r>
-              <a:rPr lang="en-US" dirty="0" smtClean="0"/>
-              <a:t>4, backend</a:t>
+              <a:t>Backend, intro</a:t>
             </a:r>
             <a:endParaRPr lang="en-US" dirty="0"/>
-          </a:p>
-        </p:txBody>
-      </p:sp>
-      <p:sp>
-        <p:nvSpPr>
-          <p:cNvPr id="4" name="Text Placeholder 3"/>
-          <p:cNvSpPr>
-            <a:spLocks noGrp="1"/>
-          </p:cNvSpPr>
-          <p:nvPr>
-            <p:ph type="body" sz="quarter" idx="13"/>
-          </p:nvPr>
-        </p:nvSpPr>
-        <p:spPr/>
-        <p:txBody>
-          <a:bodyPr/>
-          <a:lstStyle/>
-          <a:p>
-            <a:pPr marL="0" indent="0">
-              <a:buNone/>
-            </a:pPr>
-            <a:r>
-              <a:rPr lang="en-US" dirty="0" smtClean="0"/>
-              <a:t>Complete the </a:t>
-            </a:r>
-            <a:r>
-              <a:rPr lang="en-US" dirty="0" smtClean="0"/>
-              <a:t>app backend to handle the </a:t>
-            </a:r>
-            <a:r>
-              <a:rPr lang="en-US" dirty="0" err="1" smtClean="0"/>
-              <a:t>OAuth</a:t>
-            </a:r>
-            <a:r>
-              <a:rPr lang="en-US" dirty="0" smtClean="0"/>
-              <a:t> 2.0 integration with SDK and to provide an API for the app. </a:t>
-            </a:r>
-          </a:p>
-          <a:p>
-            <a:endParaRPr lang="en-US" dirty="0" smtClean="0"/>
           </a:p>
         </p:txBody>
       </p:sp>
@@ -13254,10 +14666,161 @@
           </a:p>
         </p:txBody>
       </p:sp>
+      <p:sp>
+        <p:nvSpPr>
+          <p:cNvPr id="8" name="TextBox 7"/>
+          <p:cNvSpPr txBox="1"/>
+          <p:nvPr/>
+        </p:nvSpPr>
+        <p:spPr>
+          <a:xfrm>
+            <a:off x="685800" y="1854200"/>
+            <a:ext cx="4480714" cy="2862323"/>
+          </a:xfrm>
+          <a:prstGeom prst="rect">
+            <a:avLst/>
+          </a:prstGeom>
+          <a:noFill/>
+        </p:spPr>
+        <p:txBody>
+          <a:bodyPr wrap="none" rtlCol="0">
+            <a:spAutoFit/>
+          </a:bodyPr>
+          <a:lstStyle/>
+          <a:p>
+            <a:r>
+              <a:rPr lang="en-US" dirty="0" smtClean="0"/>
+              <a:t>Simple App backend uses:</a:t>
+            </a:r>
+          </a:p>
+          <a:p>
+            <a:pPr marL="285750" indent="-285750">
+              <a:buFont typeface="Arial"/>
+              <a:buChar char="•"/>
+            </a:pPr>
+            <a:r>
+              <a:rPr lang="en-US" dirty="0" smtClean="0"/>
+              <a:t>Spring MVC framework</a:t>
+            </a:r>
+          </a:p>
+          <a:p>
+            <a:pPr marL="285750" indent="-285750">
+              <a:buFont typeface="Arial"/>
+              <a:buChar char="•"/>
+            </a:pPr>
+            <a:r>
+              <a:rPr lang="en-US" dirty="0" smtClean="0"/>
+              <a:t>Spring Security to Secure API’s</a:t>
+            </a:r>
+          </a:p>
+          <a:p>
+            <a:pPr marL="285750" indent="-285750">
+              <a:buFont typeface="Arial"/>
+              <a:buChar char="•"/>
+            </a:pPr>
+            <a:r>
+              <a:rPr lang="en-US" dirty="0" smtClean="0"/>
+              <a:t>Spring Data JPA for repository handling</a:t>
+            </a:r>
+          </a:p>
+          <a:p>
+            <a:pPr marL="285750" indent="-285750">
+              <a:buFont typeface="Arial"/>
+              <a:buChar char="•"/>
+            </a:pPr>
+            <a:r>
+              <a:rPr lang="en-US" dirty="0" smtClean="0"/>
+              <a:t>HSQL as persistence for user tokens</a:t>
+            </a:r>
+          </a:p>
+          <a:p>
+            <a:pPr marL="285750" indent="-285750">
+              <a:buFont typeface="Arial"/>
+              <a:buChar char="•"/>
+            </a:pPr>
+            <a:endParaRPr lang="en-US" dirty="0"/>
+          </a:p>
+          <a:p>
+            <a:r>
+              <a:rPr lang="en-US" dirty="0" smtClean="0"/>
+              <a:t>Simple App backend exposes:</a:t>
+            </a:r>
+          </a:p>
+          <a:p>
+            <a:pPr marL="285750" indent="-285750">
+              <a:buFont typeface="Arial"/>
+              <a:buChar char="•"/>
+            </a:pPr>
+            <a:r>
+              <a:rPr lang="en-US" dirty="0" smtClean="0"/>
+              <a:t>Login page</a:t>
+            </a:r>
+          </a:p>
+          <a:p>
+            <a:pPr marL="285750" indent="-285750">
+              <a:buFont typeface="Arial"/>
+              <a:buChar char="•"/>
+            </a:pPr>
+            <a:r>
+              <a:rPr lang="en-US" dirty="0" err="1" smtClean="0"/>
+              <a:t>OAuth</a:t>
+            </a:r>
+            <a:r>
+              <a:rPr lang="en-US" dirty="0" smtClean="0"/>
+              <a:t> authorization pages</a:t>
+            </a:r>
+          </a:p>
+          <a:p>
+            <a:pPr marL="285750" indent="-285750">
+              <a:buFont typeface="Arial"/>
+              <a:buChar char="•"/>
+            </a:pPr>
+            <a:r>
+              <a:rPr lang="en-US" dirty="0" smtClean="0"/>
+              <a:t>API</a:t>
+            </a:r>
+            <a:r>
+              <a:rPr lang="en-US" dirty="0" smtClean="0"/>
+              <a:t>´s for an app</a:t>
+            </a:r>
+            <a:endParaRPr lang="en-US" dirty="0"/>
+          </a:p>
+        </p:txBody>
+      </p:sp>
+      <p:pic>
+        <p:nvPicPr>
+          <p:cNvPr id="9" name="Picture 8" descr="Backend.jpg"/>
+          <p:cNvPicPr>
+            <a:picLocks noChangeAspect="1"/>
+          </p:cNvPicPr>
+          <p:nvPr/>
+        </p:nvPicPr>
+        <p:blipFill>
+          <a:blip r:embed="rId3">
+            <a:extLst>
+              <a:ext uri="{28A0092B-C50C-407E-A947-70E740481C1C}">
+                <a14:useLocalDpi xmlns:a14="http://schemas.microsoft.com/office/drawing/2010/main" val="0"/>
+              </a:ext>
+            </a:extLst>
+          </a:blip>
+          <a:stretch>
+            <a:fillRect/>
+          </a:stretch>
+        </p:blipFill>
+        <p:spPr>
+          <a:xfrm>
+            <a:off x="5486400" y="977900"/>
+            <a:ext cx="2971800" cy="4267200"/>
+          </a:xfrm>
+          <a:prstGeom prst="rect">
+            <a:avLst/>
+          </a:prstGeom>
+        </p:spPr>
+      </p:pic>
     </p:spTree>
     <p:extLst>
       <p:ext uri="{BB962C8B-B14F-4D97-AF65-F5344CB8AC3E}">
-        <p14:creationId xmlns:p14="http://schemas.microsoft.com/office/powerpoint/2010/main" val="3668199394"/>
+        <p14:creationId xmlns:p14="http://schemas.microsoft.com/office/powerpoint/2010/main" val="3828188418"/>
       </p:ext>
     </p:extLst>
   </p:cSld>
@@ -13333,7 +14896,11 @@
           <a:p>
             <a:r>
               <a:rPr lang="en-US" dirty="0" smtClean="0"/>
-              <a:t>Frontend</a:t>
+              <a:t>Exercise </a:t>
+            </a:r>
+            <a:r>
+              <a:rPr lang="en-US" dirty="0" smtClean="0"/>
+              <a:t>4, backend</a:t>
             </a:r>
             <a:endParaRPr lang="en-US" dirty="0"/>
           </a:p>
@@ -13359,28 +14926,21 @@
             </a:pPr>
             <a:r>
               <a:rPr lang="en-US" dirty="0" smtClean="0"/>
-              <a:t>Frontend technologies</a:t>
-            </a:r>
-          </a:p>
-          <a:p>
-            <a:r>
-              <a:rPr lang="en-US" dirty="0" smtClean="0"/>
-              <a:t>What’s happening on the </a:t>
-            </a:r>
-            <a:r>
-              <a:rPr lang="en-US" dirty="0" smtClean="0"/>
-              <a:t>frontend?</a:t>
-            </a:r>
-            <a:endParaRPr lang="en-US" dirty="0" smtClean="0"/>
-          </a:p>
-          <a:p>
-            <a:r>
-              <a:rPr lang="en-US" dirty="0" smtClean="0"/>
-              <a:t>Very short </a:t>
-            </a:r>
-            <a:r>
-              <a:rPr lang="en-US" dirty="0" smtClean="0"/>
-              <a:t>intro to Backbone</a:t>
+              <a:t>Complete the Simple App </a:t>
+            </a:r>
+            <a:r>
+              <a:rPr lang="en-US" dirty="0" smtClean="0"/>
+              <a:t>backend to </a:t>
+            </a:r>
+            <a:r>
+              <a:rPr lang="en-US" dirty="0" smtClean="0"/>
+              <a:t>provide a secure API for the frontend. </a:t>
+            </a:r>
+          </a:p>
+          <a:p>
+            <a:r>
+              <a:rPr lang="en-US" dirty="0" smtClean="0"/>
+              <a:t>Add JSON API</a:t>
             </a:r>
           </a:p>
         </p:txBody>
@@ -13417,7 +14977,7 @@
     </p:spTree>
     <p:extLst>
       <p:ext uri="{BB962C8B-B14F-4D97-AF65-F5344CB8AC3E}">
-        <p14:creationId xmlns:p14="http://schemas.microsoft.com/office/powerpoint/2010/main" val="3753766513"/>
+        <p14:creationId xmlns:p14="http://schemas.microsoft.com/office/powerpoint/2010/main" val="3668199394"/>
       </p:ext>
     </p:extLst>
   </p:cSld>
@@ -13493,11 +15053,7 @@
           <a:p>
             <a:r>
               <a:rPr lang="en-US" dirty="0" smtClean="0"/>
-              <a:t>Exercise </a:t>
-            </a:r>
-            <a:r>
-              <a:rPr lang="en-US" dirty="0" smtClean="0"/>
-              <a:t>5, frontend</a:t>
+              <a:t>Frontend</a:t>
             </a:r>
             <a:endParaRPr lang="en-US" dirty="0"/>
           </a:p>
@@ -13513,12 +15069,7 @@
             <p:ph type="body" sz="quarter" idx="13"/>
           </p:nvPr>
         </p:nvSpPr>
-        <p:spPr>
-          <a:xfrm>
-            <a:off x="685800" y="1895027"/>
-            <a:ext cx="4902199" cy="3780000"/>
-          </a:xfrm>
-        </p:spPr>
+        <p:spPr/>
         <p:txBody>
           <a:bodyPr/>
           <a:lstStyle/>
@@ -13528,25 +15079,86 @@
             </a:pPr>
             <a:r>
               <a:rPr lang="en-US" dirty="0" smtClean="0"/>
-              <a:t>Complete a </a:t>
-            </a:r>
-            <a:r>
-              <a:rPr lang="en-US" dirty="0" smtClean="0"/>
-              <a:t>simple client that use the API provided by the backend. </a:t>
-            </a:r>
-          </a:p>
-          <a:p>
-            <a:r>
-              <a:rPr lang="en-US" dirty="0" smtClean="0"/>
-              <a:t>Login user to create a </a:t>
-            </a:r>
-            <a:r>
-              <a:rPr lang="en-US" dirty="0" smtClean="0"/>
-              <a:t>session</a:t>
-            </a:r>
-            <a:endParaRPr lang="en-US" dirty="0" smtClean="0"/>
-          </a:p>
-          <a:p>
+              <a:t>Frontend technologies</a:t>
+            </a:r>
+          </a:p>
+          <a:p>
+            <a:r>
+              <a:rPr lang="en-US" dirty="0" smtClean="0"/>
+              <a:t>What’s happening on the </a:t>
+            </a:r>
+            <a:r>
+              <a:rPr lang="en-US" dirty="0" smtClean="0"/>
+              <a:t>frontend?</a:t>
+            </a:r>
+          </a:p>
+          <a:p>
+            <a:r>
+              <a:rPr lang="en-US" dirty="0" smtClean="0"/>
+              <a:t>Apps as independent HTML/JS solutions</a:t>
+            </a:r>
+          </a:p>
+          <a:p>
+            <a:pPr lvl="1"/>
+            <a:r>
+              <a:rPr lang="en-US" dirty="0" smtClean="0"/>
+              <a:t>Same origin policy</a:t>
+            </a:r>
+          </a:p>
+          <a:p>
+            <a:pPr lvl="1"/>
+            <a:r>
+              <a:rPr lang="en-US" dirty="0" smtClean="0"/>
+              <a:t>Cross Origin Resource Sharing</a:t>
+            </a:r>
+          </a:p>
+          <a:p>
+            <a:r>
+              <a:rPr lang="en-US" dirty="0" smtClean="0"/>
+              <a:t>My Healthcare Calendar</a:t>
+            </a:r>
+          </a:p>
+          <a:p>
+            <a:pPr lvl="1"/>
+            <a:r>
+              <a:rPr lang="en-US" dirty="0" smtClean="0"/>
+              <a:t>(Almost) Finished HTML/JS App built </a:t>
+            </a:r>
+            <a:r>
+              <a:rPr lang="en-US" dirty="0" smtClean="0"/>
+              <a:t>with</a:t>
+            </a:r>
+            <a:r>
+              <a:rPr lang="en-US" dirty="0" smtClean="0"/>
+              <a:t> </a:t>
+            </a:r>
+            <a:r>
+              <a:rPr lang="en-US" dirty="0" err="1" smtClean="0"/>
+              <a:t>backbone.js</a:t>
+            </a:r>
+            <a:r>
+              <a:rPr lang="en-US" dirty="0" smtClean="0"/>
+              <a:t> and </a:t>
+            </a:r>
+            <a:r>
+              <a:rPr lang="en-US" dirty="0" err="1"/>
+              <a:t>j</a:t>
+            </a:r>
+            <a:r>
+              <a:rPr lang="en-US" dirty="0" err="1" smtClean="0"/>
+              <a:t>Query</a:t>
+            </a:r>
+            <a:r>
+              <a:rPr lang="en-US" dirty="0" smtClean="0"/>
+              <a:t> mobile</a:t>
+            </a:r>
+          </a:p>
+          <a:p>
+            <a:pPr lvl="1"/>
+            <a:r>
+              <a:rPr lang="en-US" dirty="0" smtClean="0"/>
+              <a:t>How do we connect the app to our API?</a:t>
+            </a:r>
             <a:endParaRPr lang="en-US" dirty="0" smtClean="0"/>
           </a:p>
         </p:txBody>
@@ -13580,40 +15192,10 @@
           </a:p>
         </p:txBody>
       </p:sp>
-      <p:pic>
-        <p:nvPicPr>
-          <p:cNvPr id="6" name="Picture 5" descr="Screen Shot 2013-01-04 at 14.07.17.png"/>
-          <p:cNvPicPr>
-            <a:picLocks noChangeAspect="1"/>
-          </p:cNvPicPr>
-          <p:nvPr/>
-        </p:nvPicPr>
-        <p:blipFill>
-          <a:blip r:embed="rId2">
-            <a:extLst>
-              <a:ext uri="{28A0092B-C50C-407E-A947-70E740481C1C}">
-                <a14:useLocalDpi xmlns:a14="http://schemas.microsoft.com/office/drawing/2010/main" val="0"/>
-              </a:ext>
-            </a:extLst>
-          </a:blip>
-          <a:stretch>
-            <a:fillRect/>
-          </a:stretch>
-        </p:blipFill>
-        <p:spPr>
-          <a:xfrm>
-            <a:off x="5798476" y="1329270"/>
-            <a:ext cx="2926424" cy="4512777"/>
-          </a:xfrm>
-          <a:prstGeom prst="rect">
-            <a:avLst/>
-          </a:prstGeom>
-        </p:spPr>
-      </p:pic>
     </p:spTree>
     <p:extLst>
       <p:ext uri="{BB962C8B-B14F-4D97-AF65-F5344CB8AC3E}">
-        <p14:creationId xmlns:p14="http://schemas.microsoft.com/office/powerpoint/2010/main" val="3598812586"/>
+        <p14:creationId xmlns:p14="http://schemas.microsoft.com/office/powerpoint/2010/main" val="3753766513"/>
       </p:ext>
     </p:extLst>
   </p:cSld>
@@ -13664,7 +15246,7 @@
           <a:p>
             <a:r>
               <a:rPr lang="en-US" dirty="0" smtClean="0"/>
-              <a:t>Summary</a:t>
+              <a:t>Building the App</a:t>
             </a:r>
             <a:endParaRPr lang="en-US" dirty="0"/>
           </a:p>
@@ -13687,7 +15269,15 @@
           </a:bodyPr>
           <a:lstStyle/>
           <a:p>
-            <a:endParaRPr lang="en-US"/>
+            <a:r>
+              <a:rPr lang="en-US" dirty="0" smtClean="0"/>
+              <a:t>Exercise </a:t>
+            </a:r>
+            <a:r>
+              <a:rPr lang="en-US" dirty="0" smtClean="0"/>
+              <a:t>5, frontend</a:t>
+            </a:r>
+            <a:endParaRPr lang="en-US" dirty="0"/>
           </a:p>
         </p:txBody>
       </p:sp>
@@ -13701,60 +15291,91 @@
             <p:ph type="body" sz="quarter" idx="13"/>
           </p:nvPr>
         </p:nvSpPr>
-        <p:spPr/>
+        <p:spPr>
+          <a:xfrm>
+            <a:off x="685800" y="1895027"/>
+            <a:ext cx="4902199" cy="3780000"/>
+          </a:xfrm>
+        </p:spPr>
         <p:txBody>
           <a:bodyPr/>
           <a:lstStyle/>
           <a:p>
-            <a:r>
-              <a:rPr lang="en-US" dirty="0" smtClean="0"/>
-              <a:t>Introduction to SDK by VINNOVA</a:t>
-            </a:r>
-          </a:p>
-          <a:p>
-            <a:r>
-              <a:rPr lang="en-US" dirty="0" smtClean="0"/>
-              <a:t>HTTP overview</a:t>
-            </a:r>
-          </a:p>
-          <a:p>
-            <a:r>
-              <a:rPr lang="en-US" dirty="0" err="1" smtClean="0"/>
-              <a:t>OAuth</a:t>
-            </a:r>
-            <a:r>
-              <a:rPr lang="en-US" dirty="0" smtClean="0"/>
-              <a:t> 2.0</a:t>
-            </a:r>
-          </a:p>
-          <a:p>
-            <a:r>
-              <a:rPr lang="en-US" dirty="0" smtClean="0"/>
-              <a:t>Simple application</a:t>
-            </a:r>
-            <a:endParaRPr lang="en-US" dirty="0" smtClean="0"/>
-          </a:p>
-          <a:p>
             <a:pPr marL="0" indent="0">
               <a:buNone/>
             </a:pPr>
-            <a:endParaRPr lang="en-US" dirty="0" smtClean="0"/>
-          </a:p>
-          <a:p>
-            <a:pPr marL="0" indent="0">
-              <a:buNone/>
-            </a:pPr>
-            <a:r>
-              <a:rPr lang="en-US" dirty="0" smtClean="0"/>
-              <a:t>Questions?</a:t>
-            </a:r>
-            <a:endParaRPr lang="en-US" dirty="0" smtClean="0"/>
-          </a:p>
-          <a:p>
-            <a:pPr marL="0" indent="0">
-              <a:buNone/>
-            </a:pPr>
-            <a:endParaRPr lang="en-US" dirty="0"/>
+            <a:r>
+              <a:rPr lang="en-US" sz="1800" dirty="0" smtClean="0"/>
+              <a:t>Complete a </a:t>
+            </a:r>
+            <a:r>
+              <a:rPr lang="en-US" sz="1800" dirty="0" smtClean="0"/>
+              <a:t>simple client that use the API provided by the backend. </a:t>
+            </a:r>
+          </a:p>
+          <a:p>
+            <a:r>
+              <a:rPr lang="en-US" sz="1800" dirty="0" smtClean="0"/>
+              <a:t>Alter JavaScript to login and to fetch bookings from our API</a:t>
+            </a:r>
+          </a:p>
+          <a:p>
+            <a:endParaRPr lang="en-US" sz="1800" dirty="0"/>
+          </a:p>
+          <a:p>
+            <a:r>
+              <a:rPr lang="en-US" sz="1800" dirty="0" smtClean="0"/>
+              <a:t>Since we will use the backend we created in lab 4</a:t>
+            </a:r>
+          </a:p>
+          <a:p>
+            <a:pPr lvl="1"/>
+            <a:r>
+              <a:rPr lang="en-US" sz="1600" dirty="0" smtClean="0"/>
+              <a:t>Run </a:t>
+            </a:r>
+            <a:r>
+              <a:rPr lang="en-US" sz="1600" dirty="0" err="1" smtClean="0"/>
+              <a:t>mvn</a:t>
+            </a:r>
+            <a:r>
+              <a:rPr lang="en-US" sz="1600" dirty="0" smtClean="0"/>
+              <a:t> </a:t>
+            </a:r>
+            <a:r>
+              <a:rPr lang="en-US" sz="1600" dirty="0" err="1" smtClean="0"/>
+              <a:t>jetty:run</a:t>
+            </a:r>
+            <a:r>
+              <a:rPr lang="en-US" sz="1600" dirty="0" smtClean="0"/>
+              <a:t> from lab4/solution/simple-app</a:t>
+            </a:r>
+            <a:r>
+              <a:rPr lang="en-US" sz="1600" smtClean="0"/>
+              <a:t>-backend</a:t>
+            </a:r>
+            <a:endParaRPr lang="en-US" sz="1600" dirty="0" smtClean="0"/>
+          </a:p>
+          <a:p>
+            <a:pPr lvl="1"/>
+            <a:r>
+              <a:rPr lang="en-US" sz="1600" dirty="0"/>
+              <a:t>Login user at http://localhost:8080</a:t>
+            </a:r>
+          </a:p>
+          <a:p>
+            <a:pPr lvl="1"/>
+            <a:r>
+              <a:rPr lang="en-US" sz="1600" dirty="0"/>
+              <a:t>Authorize access for simple client</a:t>
+            </a:r>
+          </a:p>
+          <a:p>
+            <a:pPr lvl="1"/>
+            <a:endParaRPr lang="en-US" sz="1600" dirty="0" smtClean="0"/>
+          </a:p>
+          <a:p>
+            <a:endParaRPr lang="en-US" sz="1800" dirty="0" smtClean="0"/>
           </a:p>
         </p:txBody>
       </p:sp>
@@ -13787,10 +15408,70 @@
           </a:p>
         </p:txBody>
       </p:sp>
+      <p:pic>
+        <p:nvPicPr>
+          <p:cNvPr id="7" name="Picture 6" descr="Screen Shot 2013-01-09 at 16.05.45.png"/>
+          <p:cNvPicPr>
+            <a:picLocks noChangeAspect="1"/>
+          </p:cNvPicPr>
+          <p:nvPr/>
+        </p:nvPicPr>
+        <p:blipFill>
+          <a:blip r:embed="rId2">
+            <a:extLst>
+              <a:ext uri="{28A0092B-C50C-407E-A947-70E740481C1C}">
+                <a14:useLocalDpi xmlns:a14="http://schemas.microsoft.com/office/drawing/2010/main" val="0"/>
+              </a:ext>
+            </a:extLst>
+          </a:blip>
+          <a:stretch>
+            <a:fillRect/>
+          </a:stretch>
+        </p:blipFill>
+        <p:spPr>
+          <a:xfrm>
+            <a:off x="5735831" y="985082"/>
+            <a:ext cx="2722369" cy="1419673"/>
+          </a:xfrm>
+          <a:prstGeom prst="rect">
+            <a:avLst/>
+          </a:prstGeom>
+        </p:spPr>
+      </p:pic>
+      <p:pic>
+        <p:nvPicPr>
+          <p:cNvPr id="8" name="Picture 7" descr="Screen Shot 2013-01-09 at 16.18.16.png"/>
+          <p:cNvPicPr>
+            <a:picLocks noChangeAspect="1"/>
+          </p:cNvPicPr>
+          <p:nvPr/>
+        </p:nvPicPr>
+        <p:blipFill>
+          <a:blip r:embed="rId3">
+            <a:extLst>
+              <a:ext uri="{28A0092B-C50C-407E-A947-70E740481C1C}">
+                <a14:useLocalDpi xmlns:a14="http://schemas.microsoft.com/office/drawing/2010/main" val="0"/>
+              </a:ext>
+            </a:extLst>
+          </a:blip>
+          <a:stretch>
+            <a:fillRect/>
+          </a:stretch>
+        </p:blipFill>
+        <p:spPr>
+          <a:xfrm>
+            <a:off x="5587999" y="2654300"/>
+            <a:ext cx="3266066" cy="3136900"/>
+          </a:xfrm>
+          <a:prstGeom prst="rect">
+            <a:avLst/>
+          </a:prstGeom>
+        </p:spPr>
+      </p:pic>
     </p:spTree>
     <p:extLst>
       <p:ext uri="{BB962C8B-B14F-4D97-AF65-F5344CB8AC3E}">
-        <p14:creationId xmlns:p14="http://schemas.microsoft.com/office/powerpoint/2010/main" val="919221336"/>
+        <p14:creationId xmlns:p14="http://schemas.microsoft.com/office/powerpoint/2010/main" val="3598812586"/>
       </p:ext>
     </p:extLst>
   </p:cSld>
@@ -13841,7 +15522,7 @@
           <a:p>
             <a:r>
               <a:rPr lang="en-US" dirty="0" smtClean="0"/>
-              <a:t>Links</a:t>
+              <a:t>Summary</a:t>
             </a:r>
             <a:endParaRPr lang="en-US" dirty="0"/>
           </a:p>
@@ -13883,140 +15564,55 @@
           <a:bodyPr/>
           <a:lstStyle/>
           <a:p>
+            <a:r>
+              <a:rPr lang="en-US" dirty="0" smtClean="0"/>
+              <a:t>Introduction to SDK by VINNOVA</a:t>
+            </a:r>
+          </a:p>
+          <a:p>
+            <a:r>
+              <a:rPr lang="en-US" dirty="0" smtClean="0"/>
+              <a:t>HTTP overview</a:t>
+            </a:r>
+          </a:p>
+          <a:p>
+            <a:r>
+              <a:rPr lang="en-US" dirty="0" err="1" smtClean="0"/>
+              <a:t>OAuth</a:t>
+            </a:r>
+            <a:r>
+              <a:rPr lang="en-US" dirty="0" smtClean="0"/>
+              <a:t> 2.0</a:t>
+            </a:r>
+          </a:p>
+          <a:p>
+            <a:r>
+              <a:rPr lang="en-US" dirty="0" smtClean="0"/>
+              <a:t>Simple application</a:t>
+            </a:r>
+            <a:endParaRPr lang="en-US" dirty="0" smtClean="0"/>
+          </a:p>
+          <a:p>
             <a:pPr marL="0" indent="0">
               <a:buNone/>
             </a:pPr>
-            <a:endParaRPr lang="en-US" sz="1800" dirty="0" smtClean="0">
-              <a:hlinkClick r:id="rId2"/>
-            </a:endParaRPr>
+            <a:endParaRPr lang="en-US" dirty="0" smtClean="0"/>
           </a:p>
           <a:p>
             <a:pPr marL="0" indent="0">
               <a:buNone/>
             </a:pPr>
             <a:r>
-              <a:rPr lang="en-US" sz="1800" dirty="0"/>
-              <a:t>http://</a:t>
-            </a:r>
-            <a:r>
-              <a:rPr lang="en-US" sz="1800" dirty="0" err="1"/>
-              <a:t>www.vinnova.se</a:t>
-            </a:r>
-            <a:r>
-              <a:rPr lang="en-US" sz="1800" dirty="0" smtClean="0"/>
-              <a:t>/</a:t>
-            </a:r>
-            <a:endParaRPr lang="en-US" sz="1800" dirty="0" smtClean="0">
-              <a:hlinkClick r:id="rId2"/>
-            </a:endParaRPr>
+              <a:rPr lang="en-US" dirty="0" smtClean="0"/>
+              <a:t>Questions?</a:t>
+            </a:r>
+            <a:endParaRPr lang="en-US" dirty="0" smtClean="0"/>
           </a:p>
           <a:p>
             <a:pPr marL="0" indent="0">
               <a:buNone/>
             </a:pPr>
-            <a:r>
-              <a:rPr lang="en-US" sz="1800" dirty="0">
-                <a:hlinkClick r:id="rId2"/>
-              </a:rPr>
-              <a:t>http://sdk.minavardkontakter.se</a:t>
-            </a:r>
-            <a:r>
-              <a:rPr lang="en-US" sz="1800" dirty="0" smtClean="0">
-                <a:hlinkClick r:id="rId2"/>
-              </a:rPr>
-              <a:t>/</a:t>
-            </a:r>
-          </a:p>
-          <a:p>
-            <a:pPr marL="0" indent="0">
-              <a:buNone/>
-            </a:pPr>
-            <a:r>
-              <a:rPr lang="en-US" sz="1800" dirty="0">
-                <a:hlinkClick r:id="rId2"/>
-              </a:rPr>
-              <a:t>http://oauth.net/2</a:t>
-            </a:r>
-            <a:r>
-              <a:rPr lang="en-US" sz="1800" dirty="0" smtClean="0">
-                <a:hlinkClick r:id="rId2"/>
-              </a:rPr>
-              <a:t>/</a:t>
-            </a:r>
-          </a:p>
-          <a:p>
-            <a:pPr marL="0" indent="0">
-              <a:buNone/>
-            </a:pPr>
-            <a:r>
-              <a:rPr lang="en-US" sz="1800" dirty="0">
-                <a:hlinkClick r:id="rId2"/>
-              </a:rPr>
-              <a:t>http://tools.ietf.org/html/draft-ietf-oauth-v2-31</a:t>
-            </a:r>
-            <a:endParaRPr lang="en-US" sz="1800" dirty="0" smtClean="0">
-              <a:hlinkClick r:id="rId2"/>
-            </a:endParaRPr>
-          </a:p>
-          <a:p>
-            <a:pPr marL="0" indent="0">
-              <a:buNone/>
-            </a:pPr>
-            <a:r>
-              <a:rPr lang="en-US" sz="1800" dirty="0" smtClean="0">
-                <a:hlinkClick r:id="rId2"/>
-              </a:rPr>
-              <a:t>https</a:t>
-            </a:r>
-            <a:r>
-              <a:rPr lang="en-US" sz="1800" dirty="0">
-                <a:hlinkClick r:id="rId2"/>
-              </a:rPr>
-              <a:t>://developers.google.com/accounts/docs/</a:t>
-            </a:r>
-            <a:r>
-              <a:rPr lang="en-US" sz="1800" dirty="0" smtClean="0">
-                <a:hlinkClick r:id="rId2"/>
-              </a:rPr>
-              <a:t>OAuth2</a:t>
-            </a:r>
-            <a:endParaRPr lang="en-US" sz="1800" dirty="0" smtClean="0"/>
-          </a:p>
-          <a:p>
-            <a:pPr marL="0" indent="0">
-              <a:buNone/>
-            </a:pPr>
-            <a:r>
-              <a:rPr lang="en-US" sz="1800" dirty="0">
-                <a:hlinkClick r:id="rId3"/>
-              </a:rPr>
-              <a:t>https://developers.facebook.com/docs/reference/dialogs/oauth</a:t>
-            </a:r>
-            <a:r>
-              <a:rPr lang="en-US" sz="1800" dirty="0" smtClean="0">
-                <a:hlinkClick r:id="rId3"/>
-              </a:rPr>
-              <a:t>/</a:t>
-            </a:r>
-            <a:endParaRPr lang="en-US" sz="1800" dirty="0" smtClean="0"/>
-          </a:p>
-          <a:p>
-            <a:pPr marL="0" indent="0">
-              <a:buNone/>
-            </a:pPr>
-            <a:endParaRPr lang="en-US" sz="1800" dirty="0" smtClean="0"/>
-          </a:p>
-          <a:p>
-            <a:pPr marL="0" indent="0">
-              <a:buNone/>
-            </a:pPr>
-            <a:endParaRPr lang="en-US" sz="1800" dirty="0"/>
-          </a:p>
-          <a:p>
-            <a:pPr marL="0" indent="0">
-              <a:buNone/>
-            </a:pPr>
-            <a:endParaRPr lang="en-US" sz="1800" dirty="0"/>
+            <a:endParaRPr lang="en-US" dirty="0"/>
           </a:p>
         </p:txBody>
       </p:sp>
@@ -14044,6 +15640,274 @@
                 <a:defRPr/>
               </a:pPr>
               <a:t>25</a:t>
+            </a:fld>
+            <a:endParaRPr lang="sv-SE"/>
+          </a:p>
+        </p:txBody>
+      </p:sp>
+    </p:spTree>
+    <p:extLst>
+      <p:ext uri="{BB962C8B-B14F-4D97-AF65-F5344CB8AC3E}">
+        <p14:creationId xmlns:p14="http://schemas.microsoft.com/office/powerpoint/2010/main" val="919221336"/>
+      </p:ext>
+    </p:extLst>
+  </p:cSld>
+  <p:clrMapOvr>
+    <a:masterClrMapping/>
+  </p:clrMapOvr>
+  <p:timing>
+    <p:tnLst>
+      <p:par>
+        <p:cTn xmlns:p14="http://schemas.microsoft.com/office/powerpoint/2010/main" id="1" dur="indefinite" restart="never" nodeType="tmRoot"/>
+      </p:par>
+    </p:tnLst>
+  </p:timing>
+</p:sld>
+</file>
+
+<file path=ppt/slides/slide26.xml><?xml version="1.0" encoding="utf-8"?>
+<p:sld xmlns:a="http://schemas.openxmlformats.org/drawingml/2006/main" xmlns:r="http://schemas.openxmlformats.org/officeDocument/2006/relationships" xmlns:p="http://schemas.openxmlformats.org/presentationml/2006/main">
+  <p:cSld>
+    <p:spTree>
+      <p:nvGrpSpPr>
+        <p:cNvPr id="1" name=""/>
+        <p:cNvGrpSpPr/>
+        <p:nvPr/>
+      </p:nvGrpSpPr>
+      <p:grpSpPr>
+        <a:xfrm>
+          <a:off x="0" y="0"/>
+          <a:ext cx="0" cy="0"/>
+          <a:chOff x="0" y="0"/>
+          <a:chExt cx="0" cy="0"/>
+        </a:xfrm>
+      </p:grpSpPr>
+      <p:sp>
+        <p:nvSpPr>
+          <p:cNvPr id="2" name="Title 1"/>
+          <p:cNvSpPr>
+            <a:spLocks noGrp="1"/>
+          </p:cNvSpPr>
+          <p:nvPr>
+            <p:ph type="ctrTitle"/>
+          </p:nvPr>
+        </p:nvSpPr>
+        <p:spPr/>
+        <p:txBody>
+          <a:bodyPr/>
+          <a:lstStyle/>
+          <a:p>
+            <a:r>
+              <a:rPr lang="en-US" dirty="0" smtClean="0"/>
+              <a:t>Links</a:t>
+            </a:r>
+            <a:endParaRPr lang="en-US" dirty="0"/>
+          </a:p>
+        </p:txBody>
+      </p:sp>
+      <p:sp>
+        <p:nvSpPr>
+          <p:cNvPr id="3" name="Subtitle 2"/>
+          <p:cNvSpPr>
+            <a:spLocks noGrp="1"/>
+          </p:cNvSpPr>
+          <p:nvPr>
+            <p:ph type="subTitle" idx="1"/>
+          </p:nvPr>
+        </p:nvSpPr>
+        <p:spPr/>
+        <p:txBody>
+          <a:bodyPr>
+            <a:normAutofit fontScale="92500" lnSpcReduction="10000"/>
+          </a:bodyPr>
+          <a:lstStyle/>
+          <a:p>
+            <a:endParaRPr lang="en-US"/>
+          </a:p>
+        </p:txBody>
+      </p:sp>
+      <p:sp>
+        <p:nvSpPr>
+          <p:cNvPr id="4" name="Text Placeholder 3"/>
+          <p:cNvSpPr>
+            <a:spLocks noGrp="1"/>
+          </p:cNvSpPr>
+          <p:nvPr>
+            <p:ph type="body" sz="quarter" idx="13"/>
+          </p:nvPr>
+        </p:nvSpPr>
+        <p:spPr/>
+        <p:txBody>
+          <a:bodyPr/>
+          <a:lstStyle/>
+          <a:p>
+            <a:pPr marL="0" indent="0">
+              <a:buNone/>
+            </a:pPr>
+            <a:endParaRPr lang="en-US" sz="1800" dirty="0" smtClean="0">
+              <a:hlinkClick r:id="rId2"/>
+            </a:endParaRPr>
+          </a:p>
+          <a:p>
+            <a:pPr marL="0" indent="0">
+              <a:buNone/>
+            </a:pPr>
+            <a:r>
+              <a:rPr lang="en-US" sz="1800" dirty="0"/>
+              <a:t>http://</a:t>
+            </a:r>
+            <a:r>
+              <a:rPr lang="en-US" sz="1800" dirty="0" err="1"/>
+              <a:t>www.vinnova.se</a:t>
+            </a:r>
+            <a:r>
+              <a:rPr lang="en-US" sz="1800" dirty="0" smtClean="0"/>
+              <a:t>/</a:t>
+            </a:r>
+            <a:endParaRPr lang="en-US" sz="1800" dirty="0" smtClean="0">
+              <a:hlinkClick r:id="rId2"/>
+            </a:endParaRPr>
+          </a:p>
+          <a:p>
+            <a:pPr marL="0" indent="0">
+              <a:buNone/>
+            </a:pPr>
+            <a:r>
+              <a:rPr lang="en-US" sz="1800" dirty="0">
+                <a:hlinkClick r:id="rId2"/>
+              </a:rPr>
+              <a:t>http://sdk.minavardkontakter.se</a:t>
+            </a:r>
+            <a:r>
+              <a:rPr lang="en-US" sz="1800" dirty="0" smtClean="0">
+                <a:hlinkClick r:id="rId2"/>
+              </a:rPr>
+              <a:t>/</a:t>
+            </a:r>
+          </a:p>
+          <a:p>
+            <a:pPr marL="0" indent="0">
+              <a:buNone/>
+            </a:pPr>
+            <a:r>
+              <a:rPr lang="en-US" sz="1800" dirty="0">
+                <a:hlinkClick r:id="rId2"/>
+              </a:rPr>
+              <a:t>http://oauth.net/2</a:t>
+            </a:r>
+            <a:r>
+              <a:rPr lang="en-US" sz="1800" dirty="0" smtClean="0">
+                <a:hlinkClick r:id="rId2"/>
+              </a:rPr>
+              <a:t>/</a:t>
+            </a:r>
+          </a:p>
+          <a:p>
+            <a:pPr marL="0" indent="0">
+              <a:buNone/>
+            </a:pPr>
+            <a:r>
+              <a:rPr lang="en-US" sz="1800" dirty="0">
+                <a:hlinkClick r:id="rId2"/>
+              </a:rPr>
+              <a:t>http://tools.ietf.org/html/draft-ietf-oauth-v2-31</a:t>
+            </a:r>
+            <a:endParaRPr lang="en-US" sz="1800" dirty="0" smtClean="0">
+              <a:hlinkClick r:id="rId2"/>
+            </a:endParaRPr>
+          </a:p>
+          <a:p>
+            <a:pPr marL="0" indent="0">
+              <a:buNone/>
+            </a:pPr>
+            <a:r>
+              <a:rPr lang="en-US" sz="1800" dirty="0" smtClean="0">
+                <a:hlinkClick r:id="rId2"/>
+              </a:rPr>
+              <a:t>https</a:t>
+            </a:r>
+            <a:r>
+              <a:rPr lang="en-US" sz="1800" dirty="0">
+                <a:hlinkClick r:id="rId2"/>
+              </a:rPr>
+              <a:t>://developers.google.com/accounts/docs/</a:t>
+            </a:r>
+            <a:r>
+              <a:rPr lang="en-US" sz="1800" dirty="0" smtClean="0">
+                <a:hlinkClick r:id="rId2"/>
+              </a:rPr>
+              <a:t>OAuth2</a:t>
+            </a:r>
+            <a:endParaRPr lang="en-US" sz="1800" dirty="0" smtClean="0"/>
+          </a:p>
+          <a:p>
+            <a:pPr marL="0" indent="0">
+              <a:buNone/>
+            </a:pPr>
+            <a:r>
+              <a:rPr lang="en-US" sz="1800" dirty="0">
+                <a:hlinkClick r:id="rId3"/>
+              </a:rPr>
+              <a:t>https://developers.facebook.com/docs/reference/dialogs/oauth</a:t>
+            </a:r>
+            <a:r>
+              <a:rPr lang="en-US" sz="1800" dirty="0" smtClean="0">
+                <a:hlinkClick r:id="rId3"/>
+              </a:rPr>
+              <a:t>/</a:t>
+            </a:r>
+            <a:endParaRPr lang="en-US" sz="1800" dirty="0" smtClean="0"/>
+          </a:p>
+          <a:p>
+            <a:pPr marL="0" indent="0">
+              <a:buNone/>
+            </a:pPr>
+            <a:endParaRPr lang="en-US" sz="1800" dirty="0" smtClean="0"/>
+          </a:p>
+          <a:p>
+            <a:pPr marL="0" indent="0">
+              <a:buNone/>
+            </a:pPr>
+            <a:endParaRPr lang="en-US" sz="1800" dirty="0" smtClean="0"/>
+          </a:p>
+          <a:p>
+            <a:pPr marL="0" indent="0">
+              <a:buNone/>
+            </a:pPr>
+            <a:endParaRPr lang="en-US" sz="1800" dirty="0"/>
+          </a:p>
+          <a:p>
+            <a:pPr marL="0" indent="0">
+              <a:buNone/>
+            </a:pPr>
+            <a:endParaRPr lang="en-US" sz="1800" dirty="0"/>
+          </a:p>
+        </p:txBody>
+      </p:sp>
+      <p:sp>
+        <p:nvSpPr>
+          <p:cNvPr id="5" name="Slide Number Placeholder 4"/>
+          <p:cNvSpPr>
+            <a:spLocks noGrp="1"/>
+          </p:cNvSpPr>
+          <p:nvPr>
+            <p:ph type="sldNum" sz="quarter" idx="14"/>
+          </p:nvPr>
+        </p:nvSpPr>
+        <p:spPr/>
+        <p:txBody>
+          <a:bodyPr/>
+          <a:lstStyle/>
+          <a:p>
+            <a:pPr>
+              <a:defRPr/>
+            </a:pPr>
+            <a:fld id="{4AA01602-B999-AA4E-80A6-B21CED3A9C3C}" type="slidenum">
+              <a:rPr lang="sv-SE" smtClean="0"/>
+              <a:pPr>
+                <a:defRPr/>
+              </a:pPr>
+              <a:t>26</a:t>
             </a:fld>
             <a:endParaRPr lang="sv-SE"/>
           </a:p>

--- a/Cadec-vårdens-apier.pptx
+++ b/Cadec-vårdens-apier.pptx
@@ -267,7 +267,7 @@
               <a:pPr>
                 <a:defRPr/>
               </a:pPr>
-              <a:t>2013-01-04</a:t>
+              <a:t>2013-01-10</a:t>
             </a:fld>
             <a:endParaRPr lang="sv-SE"/>
           </a:p>
@@ -467,7 +467,7 @@
               <a:pPr>
                 <a:defRPr/>
               </a:pPr>
-              <a:t>2013-01-04</a:t>
+              <a:t>2013-01-10</a:t>
             </a:fld>
             <a:endParaRPr lang="sv-SE"/>
           </a:p>
@@ -922,387 +922,484 @@
           <a:p>
             <a:r>
               <a:rPr lang="en-US" dirty="0" smtClean="0"/>
-              <a:t>Resource Owner: En roll </a:t>
-            </a:r>
-            <a:r>
-              <a:rPr lang="en-US" dirty="0" err="1" smtClean="0"/>
-              <a:t>i</a:t>
-            </a:r>
-            <a:r>
-              <a:rPr lang="en-US" dirty="0" smtClean="0"/>
-              <a:t> </a:t>
-            </a:r>
-            <a:r>
-              <a:rPr lang="en-US" dirty="0" err="1" smtClean="0"/>
-              <a:t>OAuth</a:t>
-            </a:r>
-            <a:r>
-              <a:rPr lang="en-US" dirty="0" smtClean="0"/>
-              <a:t> 2.0 </a:t>
-            </a:r>
-            <a:r>
-              <a:rPr lang="en-US" dirty="0" err="1" smtClean="0"/>
-              <a:t>specifikationen</a:t>
-            </a:r>
-            <a:r>
-              <a:rPr lang="en-US" dirty="0" smtClean="0"/>
-              <a:t> </a:t>
-            </a:r>
-            <a:r>
-              <a:rPr lang="en-US" dirty="0" err="1" smtClean="0"/>
+              <a:t>Den</a:t>
+            </a:r>
+            <a:r>
+              <a:rPr lang="en-US" baseline="0" dirty="0" smtClean="0"/>
+              <a:t> </a:t>
+            </a:r>
+            <a:r>
+              <a:rPr lang="en-US" baseline="0" dirty="0" err="1" smtClean="0"/>
+              <a:t>naiva</a:t>
+            </a:r>
+            <a:r>
+              <a:rPr lang="en-US" baseline="0" dirty="0" smtClean="0"/>
+              <a:t> </a:t>
+            </a:r>
+            <a:r>
+              <a:rPr lang="en-US" baseline="0" dirty="0" err="1" smtClean="0"/>
+              <a:t>approachen</a:t>
+            </a:r>
+            <a:r>
+              <a:rPr lang="en-US" baseline="0" dirty="0" smtClean="0"/>
+              <a:t> </a:t>
+            </a:r>
+            <a:r>
+              <a:rPr lang="en-US" baseline="0" dirty="0" err="1" smtClean="0"/>
+              <a:t>är</a:t>
+            </a:r>
+            <a:r>
+              <a:rPr lang="en-US" baseline="0" dirty="0" smtClean="0"/>
+              <a:t> </a:t>
+            </a:r>
+            <a:r>
+              <a:rPr lang="en-US" baseline="0" dirty="0" err="1" smtClean="0"/>
+              <a:t>att</a:t>
+            </a:r>
+            <a:r>
+              <a:rPr lang="en-US" baseline="0" dirty="0" smtClean="0"/>
+              <a:t> en </a:t>
+            </a:r>
+            <a:r>
+              <a:rPr lang="en-US" baseline="0" dirty="0" err="1" smtClean="0"/>
+              <a:t>betrodd</a:t>
+            </a:r>
+            <a:r>
+              <a:rPr lang="en-US" baseline="0" dirty="0" smtClean="0"/>
+              <a:t> </a:t>
+            </a:r>
+            <a:r>
+              <a:rPr lang="en-US" baseline="0" dirty="0" err="1" smtClean="0"/>
+              <a:t>klient</a:t>
+            </a:r>
+            <a:r>
+              <a:rPr lang="en-US" baseline="0" dirty="0" smtClean="0"/>
+              <a:t> </a:t>
+            </a:r>
+            <a:r>
+              <a:rPr lang="en-US" baseline="0" dirty="0" err="1" smtClean="0"/>
+              <a:t>kan</a:t>
+            </a:r>
+            <a:r>
+              <a:rPr lang="en-US" baseline="0" dirty="0" smtClean="0"/>
+              <a:t> </a:t>
+            </a:r>
+            <a:r>
+              <a:rPr lang="en-US" baseline="0" dirty="0" err="1" smtClean="0"/>
+              <a:t>anropa</a:t>
+            </a:r>
+            <a:r>
+              <a:rPr lang="en-US" baseline="0" dirty="0" smtClean="0"/>
+              <a:t> </a:t>
+            </a:r>
+            <a:r>
+              <a:rPr lang="en-US" baseline="0" dirty="0" err="1" smtClean="0"/>
+              <a:t>APIet</a:t>
+            </a:r>
+            <a:r>
+              <a:rPr lang="en-US" baseline="0" dirty="0" smtClean="0"/>
+              <a:t> </a:t>
+            </a:r>
+            <a:r>
+              <a:rPr lang="en-US" baseline="0" dirty="0" err="1" smtClean="0"/>
+              <a:t>och</a:t>
+            </a:r>
+            <a:r>
+              <a:rPr lang="en-US" baseline="0" dirty="0" smtClean="0"/>
+              <a:t> </a:t>
+            </a:r>
+            <a:r>
+              <a:rPr lang="en-US" baseline="0" dirty="0" err="1" smtClean="0"/>
+              <a:t>begära</a:t>
+            </a:r>
+            <a:r>
+              <a:rPr lang="en-US" baseline="0" dirty="0" smtClean="0"/>
+              <a:t> </a:t>
+            </a:r>
+            <a:r>
+              <a:rPr lang="en-US" baseline="0" dirty="0" err="1" smtClean="0"/>
+              <a:t>ut</a:t>
+            </a:r>
+            <a:r>
+              <a:rPr lang="en-US" baseline="0" dirty="0" smtClean="0"/>
+              <a:t> den information </a:t>
+            </a:r>
+            <a:r>
+              <a:rPr lang="en-US" baseline="0" dirty="0" err="1" smtClean="0"/>
               <a:t>som</a:t>
             </a:r>
             <a:r>
-              <a:rPr lang="en-US" dirty="0" smtClean="0"/>
-              <a:t> </a:t>
-            </a:r>
-            <a:r>
-              <a:rPr lang="en-US" dirty="0" err="1" smtClean="0"/>
-              <a:t>pekar</a:t>
-            </a:r>
-            <a:r>
-              <a:rPr lang="en-US" dirty="0" smtClean="0"/>
-              <a:t> </a:t>
-            </a:r>
-            <a:r>
-              <a:rPr lang="en-US" dirty="0" err="1" smtClean="0"/>
+              <a:rPr lang="en-US" baseline="0" dirty="0" smtClean="0"/>
+              <a:t> </a:t>
+            </a:r>
+            <a:r>
+              <a:rPr lang="en-US" baseline="0" dirty="0" err="1" smtClean="0"/>
+              <a:t>behövs</a:t>
+            </a:r>
+            <a:r>
+              <a:rPr lang="en-US" baseline="0" dirty="0" smtClean="0"/>
+              <a:t>.</a:t>
+            </a:r>
+          </a:p>
+          <a:p>
+            <a:endParaRPr lang="en-US" baseline="0" dirty="0" smtClean="0"/>
+          </a:p>
+          <a:p>
+            <a:r>
+              <a:rPr lang="en-US" baseline="0" dirty="0" smtClean="0"/>
+              <a:t>Men, </a:t>
+            </a:r>
+            <a:r>
+              <a:rPr lang="en-US" baseline="0" dirty="0" err="1" smtClean="0"/>
+              <a:t>är</a:t>
+            </a:r>
+            <a:r>
+              <a:rPr lang="en-US" baseline="0" dirty="0" smtClean="0"/>
+              <a:t> </a:t>
+            </a:r>
+            <a:r>
+              <a:rPr lang="en-US" baseline="0" dirty="0" err="1" smtClean="0"/>
+              <a:t>det</a:t>
+            </a:r>
+            <a:r>
+              <a:rPr lang="en-US" baseline="0" dirty="0" smtClean="0"/>
+              <a:t> </a:t>
+            </a:r>
+            <a:r>
+              <a:rPr lang="en-US" baseline="0" dirty="0" err="1" smtClean="0"/>
+              <a:t>säkert</a:t>
+            </a:r>
+            <a:r>
+              <a:rPr lang="en-US" baseline="0" dirty="0" smtClean="0"/>
+              <a:t> </a:t>
+            </a:r>
+            <a:r>
+              <a:rPr lang="en-US" baseline="0" dirty="0" err="1" smtClean="0"/>
+              <a:t>att</a:t>
+            </a:r>
+            <a:r>
+              <a:rPr lang="en-US" baseline="0" dirty="0" smtClean="0"/>
+              <a:t> </a:t>
+            </a:r>
+            <a:r>
+              <a:rPr lang="en-US" baseline="0" dirty="0" err="1" smtClean="0"/>
+              <a:t>invånaren</a:t>
+            </a:r>
+            <a:r>
+              <a:rPr lang="en-US" baseline="0" dirty="0" smtClean="0"/>
+              <a:t> </a:t>
+            </a:r>
+            <a:r>
+              <a:rPr lang="en-US" baseline="0" dirty="0" err="1" smtClean="0"/>
+              <a:t>kan</a:t>
+            </a:r>
+            <a:r>
+              <a:rPr lang="en-US" baseline="0" dirty="0" smtClean="0"/>
+              <a:t> </a:t>
+            </a:r>
+            <a:r>
+              <a:rPr lang="en-US" baseline="0" dirty="0" err="1" smtClean="0"/>
+              <a:t>lita</a:t>
+            </a:r>
+            <a:r>
+              <a:rPr lang="en-US" baseline="0" dirty="0" smtClean="0"/>
+              <a:t> </a:t>
+            </a:r>
+            <a:r>
+              <a:rPr lang="en-US" baseline="0" dirty="0" err="1" smtClean="0"/>
+              <a:t>på</a:t>
+            </a:r>
+            <a:r>
+              <a:rPr lang="en-US" baseline="0" dirty="0" smtClean="0"/>
+              <a:t> </a:t>
+            </a:r>
+            <a:r>
+              <a:rPr lang="en-US" baseline="0" dirty="0" err="1" smtClean="0"/>
+              <a:t>att</a:t>
+            </a:r>
+            <a:r>
+              <a:rPr lang="en-US" baseline="0" dirty="0" smtClean="0"/>
+              <a:t> </a:t>
+            </a:r>
+            <a:r>
+              <a:rPr lang="en-US" baseline="0" dirty="0" err="1" smtClean="0"/>
+              <a:t>klieneten</a:t>
+            </a:r>
+            <a:r>
+              <a:rPr lang="en-US" baseline="0" dirty="0" smtClean="0"/>
+              <a:t> </a:t>
+            </a:r>
+            <a:r>
+              <a:rPr lang="en-US" baseline="0" dirty="0" err="1" smtClean="0"/>
+              <a:t>inte</a:t>
+            </a:r>
+            <a:r>
+              <a:rPr lang="en-US" baseline="0" dirty="0" smtClean="0"/>
+              <a:t> </a:t>
+            </a:r>
+            <a:r>
+              <a:rPr lang="en-US" baseline="0" dirty="0" err="1" smtClean="0"/>
+              <a:t>begär</a:t>
+            </a:r>
+            <a:r>
+              <a:rPr lang="en-US" baseline="0" dirty="0" smtClean="0"/>
+              <a:t> </a:t>
+            </a:r>
+            <a:r>
+              <a:rPr lang="en-US" baseline="0" dirty="0" err="1" smtClean="0"/>
               <a:t>ut</a:t>
             </a:r>
             <a:r>
-              <a:rPr lang="en-US" dirty="0" smtClean="0"/>
-              <a:t> </a:t>
-            </a:r>
-            <a:r>
-              <a:rPr lang="en-US" dirty="0" err="1" smtClean="0"/>
-              <a:t>ägaren</a:t>
-            </a:r>
-            <a:r>
-              <a:rPr lang="en-US" baseline="0" dirty="0" smtClean="0"/>
-              <a:t> </a:t>
-            </a:r>
-            <a:r>
-              <a:rPr lang="en-US" baseline="0" dirty="0" err="1" smtClean="0"/>
-              <a:t>av</a:t>
-            </a:r>
-            <a:r>
-              <a:rPr lang="en-US" dirty="0" smtClean="0"/>
-              <a:t> </a:t>
-            </a:r>
-            <a:r>
-              <a:rPr lang="en-US" dirty="0" smtClean="0"/>
-              <a:t>en given </a:t>
-            </a:r>
-            <a:r>
-              <a:rPr lang="en-US" dirty="0" err="1" smtClean="0"/>
-              <a:t>resurs</a:t>
-            </a:r>
-            <a:r>
-              <a:rPr lang="en-US" dirty="0" smtClean="0"/>
+              <a:rPr lang="en-US" baseline="0" dirty="0" smtClean="0"/>
+              <a:t> information </a:t>
+            </a:r>
+            <a:r>
+              <a:rPr lang="en-US" baseline="0" dirty="0" err="1" smtClean="0"/>
+              <a:t>utan</a:t>
+            </a:r>
+            <a:r>
+              <a:rPr lang="en-US" baseline="0" dirty="0" smtClean="0"/>
+              <a:t> </a:t>
+            </a:r>
+            <a:r>
+              <a:rPr lang="en-US" baseline="0" dirty="0" err="1" smtClean="0"/>
+              <a:t>att</a:t>
+            </a:r>
+            <a:r>
+              <a:rPr lang="en-US" baseline="0" dirty="0" smtClean="0"/>
+              <a:t> </a:t>
+            </a:r>
+            <a:r>
+              <a:rPr lang="en-US" baseline="0" dirty="0" err="1" smtClean="0"/>
+              <a:t>invånaren</a:t>
+            </a:r>
+            <a:r>
+              <a:rPr lang="en-US" baseline="0" dirty="0" smtClean="0"/>
+              <a:t> </a:t>
+            </a:r>
+            <a:r>
+              <a:rPr lang="en-US" baseline="0" dirty="0" err="1" smtClean="0"/>
+              <a:t>godkänt</a:t>
+            </a:r>
+            <a:r>
+              <a:rPr lang="en-US" baseline="0" dirty="0" smtClean="0"/>
+              <a:t> </a:t>
+            </a:r>
+            <a:r>
+              <a:rPr lang="en-US" baseline="0" dirty="0" err="1" smtClean="0"/>
+              <a:t>det</a:t>
+            </a:r>
+            <a:r>
+              <a:rPr lang="en-US" baseline="0" dirty="0" smtClean="0"/>
+              <a:t>?</a:t>
+            </a:r>
+          </a:p>
+          <a:p>
+            <a:endParaRPr lang="en-US" baseline="0" dirty="0" smtClean="0"/>
+          </a:p>
+          <a:p>
+            <a:r>
+              <a:rPr lang="en-US" baseline="0" dirty="0" err="1" smtClean="0"/>
+              <a:t>För</a:t>
+            </a:r>
+            <a:r>
+              <a:rPr lang="en-US" baseline="0" dirty="0" smtClean="0"/>
+              <a:t> </a:t>
+            </a:r>
+            <a:r>
+              <a:rPr lang="en-US" baseline="0" dirty="0" err="1" smtClean="0"/>
+              <a:t>att</a:t>
+            </a:r>
+            <a:r>
+              <a:rPr lang="en-US" baseline="0" dirty="0" smtClean="0"/>
+              <a:t> </a:t>
+            </a:r>
+            <a:r>
+              <a:rPr lang="en-US" baseline="0" dirty="0" err="1" smtClean="0"/>
+              <a:t>få</a:t>
+            </a:r>
+            <a:r>
+              <a:rPr lang="en-US" baseline="0" dirty="0" smtClean="0"/>
+              <a:t> </a:t>
+            </a:r>
+            <a:r>
+              <a:rPr lang="en-US" baseline="0" dirty="0" err="1" smtClean="0"/>
+              <a:t>tillit</a:t>
+            </a:r>
+            <a:r>
+              <a:rPr lang="en-US" baseline="0" dirty="0" smtClean="0"/>
+              <a:t> I </a:t>
+            </a:r>
+            <a:r>
+              <a:rPr lang="en-US" baseline="0" dirty="0" err="1" smtClean="0"/>
+              <a:t>systemet</a:t>
+            </a:r>
+            <a:r>
+              <a:rPr lang="en-US" baseline="0" dirty="0" smtClean="0"/>
+              <a:t> </a:t>
+            </a:r>
+            <a:r>
+              <a:rPr lang="en-US" baseline="0" dirty="0" err="1" smtClean="0"/>
+              <a:t>behöver</a:t>
+            </a:r>
+            <a:r>
+              <a:rPr lang="en-US" baseline="0" dirty="0" smtClean="0"/>
+              <a:t> </a:t>
+            </a:r>
+            <a:r>
+              <a:rPr lang="en-US" baseline="0" dirty="0" err="1" smtClean="0"/>
+              <a:t>det</a:t>
+            </a:r>
+            <a:r>
+              <a:rPr lang="en-US" baseline="0" dirty="0" smtClean="0"/>
+              <a:t> </a:t>
+            </a:r>
+            <a:r>
+              <a:rPr lang="en-US" baseline="0" dirty="0" err="1" smtClean="0"/>
+              <a:t>finnas</a:t>
+            </a:r>
+            <a:r>
+              <a:rPr lang="en-US" baseline="0" dirty="0" smtClean="0"/>
+              <a:t> en </a:t>
+            </a:r>
+            <a:r>
+              <a:rPr lang="en-US" baseline="0" dirty="0" err="1" smtClean="0"/>
+              <a:t>mekanism</a:t>
+            </a:r>
+            <a:r>
+              <a:rPr lang="en-US" baseline="0" dirty="0" smtClean="0"/>
+              <a:t> </a:t>
+            </a:r>
+            <a:r>
+              <a:rPr lang="en-US" baseline="0" dirty="0" err="1" smtClean="0"/>
+              <a:t>som</a:t>
+            </a:r>
+            <a:r>
+              <a:rPr lang="en-US" baseline="0" dirty="0" smtClean="0"/>
+              <a:t> </a:t>
+            </a:r>
+            <a:r>
+              <a:rPr lang="en-US" baseline="0" dirty="0" err="1" smtClean="0"/>
+              <a:t>gör</a:t>
+            </a:r>
+            <a:r>
+              <a:rPr lang="en-US" baseline="0" dirty="0" smtClean="0"/>
+              <a:t> </a:t>
+            </a:r>
+            <a:r>
+              <a:rPr lang="en-US" baseline="0" dirty="0" err="1" smtClean="0"/>
+              <a:t>att</a:t>
+            </a:r>
+            <a:r>
+              <a:rPr lang="en-US" baseline="0" dirty="0" smtClean="0"/>
+              <a:t> </a:t>
+            </a:r>
+            <a:r>
+              <a:rPr lang="en-US" baseline="0" dirty="0" err="1" smtClean="0"/>
+              <a:t>klienten</a:t>
+            </a:r>
+            <a:r>
+              <a:rPr lang="en-US" baseline="0" dirty="0" smtClean="0"/>
+              <a:t> </a:t>
+            </a:r>
+            <a:r>
+              <a:rPr lang="en-US" baseline="0" dirty="0" err="1" smtClean="0"/>
+              <a:t>endast</a:t>
+            </a:r>
+            <a:r>
+              <a:rPr lang="en-US" baseline="0" dirty="0" smtClean="0"/>
+              <a:t> </a:t>
+            </a:r>
+            <a:r>
+              <a:rPr lang="en-US" baseline="0" dirty="0" err="1" smtClean="0"/>
+              <a:t>kan</a:t>
+            </a:r>
+            <a:r>
+              <a:rPr lang="en-US" baseline="0" dirty="0" smtClean="0"/>
+              <a:t> </a:t>
+            </a:r>
+            <a:r>
+              <a:rPr lang="en-US" baseline="0" dirty="0" err="1" smtClean="0"/>
+              <a:t>hämta</a:t>
+            </a:r>
+            <a:r>
+              <a:rPr lang="en-US" baseline="0" dirty="0" smtClean="0"/>
+              <a:t> </a:t>
+            </a:r>
+            <a:r>
+              <a:rPr lang="en-US" baseline="0" dirty="0" err="1" smtClean="0"/>
+              <a:t>ut</a:t>
+            </a:r>
+            <a:r>
+              <a:rPr lang="en-US" baseline="0" dirty="0" smtClean="0"/>
+              <a:t> information </a:t>
+            </a:r>
+            <a:r>
+              <a:rPr lang="en-US" baseline="0" dirty="0" err="1" smtClean="0"/>
+              <a:t>som</a:t>
+            </a:r>
+            <a:r>
+              <a:rPr lang="en-US" baseline="0" dirty="0" smtClean="0"/>
+              <a:t> </a:t>
+            </a:r>
+            <a:r>
+              <a:rPr lang="en-US" baseline="0" dirty="0" err="1" smtClean="0"/>
+              <a:t>invånaren</a:t>
+            </a:r>
+            <a:r>
+              <a:rPr lang="en-US" baseline="0" dirty="0" smtClean="0"/>
+              <a:t> </a:t>
+            </a:r>
+            <a:r>
+              <a:rPr lang="en-US" baseline="0" dirty="0" err="1" smtClean="0"/>
+              <a:t>har</a:t>
+            </a:r>
+            <a:r>
+              <a:rPr lang="en-US" baseline="0" dirty="0" smtClean="0"/>
+              <a:t> </a:t>
+            </a:r>
+            <a:r>
+              <a:rPr lang="en-US" baseline="0" dirty="0" err="1" smtClean="0"/>
+              <a:t>godkänt</a:t>
+            </a:r>
+            <a:r>
+              <a:rPr lang="en-US" baseline="0" dirty="0" smtClean="0"/>
               <a:t>.</a:t>
             </a:r>
           </a:p>
           <a:p>
             <a:r>
-              <a:rPr lang="en-US" dirty="0" smtClean="0"/>
-              <a:t>Client: I </a:t>
-            </a:r>
-            <a:r>
-              <a:rPr lang="en-US" dirty="0" err="1" smtClean="0"/>
-              <a:t>OAuth</a:t>
-            </a:r>
-            <a:r>
-              <a:rPr lang="en-US" dirty="0" smtClean="0"/>
-              <a:t> 2.0-specifikationen </a:t>
-            </a:r>
-            <a:r>
-              <a:rPr lang="en-US" dirty="0" err="1" smtClean="0"/>
-              <a:t>är</a:t>
-            </a:r>
-            <a:r>
-              <a:rPr lang="en-US" dirty="0" smtClean="0"/>
-              <a:t> </a:t>
-            </a:r>
-            <a:r>
-              <a:rPr lang="en-US" dirty="0" err="1" smtClean="0"/>
-              <a:t>klienten</a:t>
-            </a:r>
-            <a:r>
-              <a:rPr lang="en-US" dirty="0" smtClean="0"/>
-              <a:t> </a:t>
-            </a:r>
-            <a:r>
-              <a:rPr lang="en-US" dirty="0" smtClean="0"/>
-              <a:t>den del </a:t>
-            </a:r>
-            <a:r>
-              <a:rPr lang="en-US" dirty="0" err="1" smtClean="0"/>
-              <a:t>av</a:t>
-            </a:r>
-            <a:r>
-              <a:rPr lang="en-US" dirty="0" smtClean="0"/>
-              <a:t> </a:t>
-            </a:r>
-            <a:r>
-              <a:rPr lang="en-US" dirty="0" err="1" smtClean="0"/>
-              <a:t>tredjeparts</a:t>
-            </a:r>
-            <a:r>
-              <a:rPr lang="en-US" dirty="0" err="1" smtClean="0"/>
-              <a:t>-</a:t>
-            </a:r>
-            <a:r>
-              <a:rPr lang="en-US" dirty="0" err="1" smtClean="0"/>
-              <a:t>lösningen</a:t>
-            </a:r>
-            <a:r>
-              <a:rPr lang="en-US" baseline="0" dirty="0" smtClean="0"/>
-              <a:t> </a:t>
-            </a:r>
-            <a:r>
-              <a:rPr lang="en-US" baseline="0" dirty="0" err="1" smtClean="0"/>
-              <a:t>som</a:t>
-            </a:r>
-            <a:r>
-              <a:rPr lang="en-US" baseline="0" dirty="0" smtClean="0"/>
-              <a:t> </a:t>
-            </a:r>
-            <a:r>
-              <a:rPr lang="en-US" baseline="0" dirty="0" err="1" smtClean="0"/>
-              <a:t>kommunicerar</a:t>
-            </a:r>
-            <a:r>
-              <a:rPr lang="en-US" baseline="0" dirty="0" smtClean="0"/>
-              <a:t> med </a:t>
-            </a:r>
-            <a:r>
-              <a:rPr lang="en-US" baseline="0" dirty="0" err="1" smtClean="0"/>
-              <a:t>resurs</a:t>
-            </a:r>
-            <a:r>
-              <a:rPr lang="en-US" baseline="0" dirty="0" smtClean="0"/>
-              <a:t>- </a:t>
-            </a:r>
-            <a:r>
-              <a:rPr lang="en-US" baseline="0" dirty="0" err="1" smtClean="0"/>
-              <a:t>och</a:t>
-            </a:r>
-            <a:r>
-              <a:rPr lang="en-US" baseline="0" dirty="0" smtClean="0"/>
-              <a:t> </a:t>
-            </a:r>
-            <a:r>
-              <a:rPr lang="en-US" baseline="0" dirty="0" err="1" smtClean="0"/>
-              <a:t>auktorisations-servern</a:t>
+              <a:rPr lang="en-US" baseline="0" dirty="0" err="1" smtClean="0"/>
+              <a:t>APIet</a:t>
+            </a:r>
+            <a:r>
+              <a:rPr lang="en-US" baseline="0" dirty="0" smtClean="0"/>
+              <a:t> </a:t>
+            </a:r>
+            <a:r>
+              <a:rPr lang="en-US" baseline="0" dirty="0" err="1" smtClean="0"/>
+              <a:t>behöver</a:t>
+            </a:r>
+            <a:r>
+              <a:rPr lang="en-US" baseline="0" dirty="0" smtClean="0"/>
+              <a:t> </a:t>
+            </a:r>
+            <a:r>
+              <a:rPr lang="en-US" baseline="0" dirty="0" err="1" smtClean="0"/>
+              <a:t>verifiera</a:t>
+            </a:r>
+            <a:r>
+              <a:rPr lang="en-US" baseline="0" dirty="0" smtClean="0"/>
+              <a:t> </a:t>
+            </a:r>
+            <a:r>
+              <a:rPr lang="en-US" baseline="0" dirty="0" err="1" smtClean="0"/>
+              <a:t>detta</a:t>
             </a:r>
             <a:r>
               <a:rPr lang="en-US" baseline="0" dirty="0" smtClean="0"/>
               <a:t>.</a:t>
             </a:r>
-            <a:endParaRPr lang="en-US" dirty="0" smtClean="0"/>
-          </a:p>
-          <a:p>
-            <a:r>
-              <a:rPr lang="en-US" dirty="0" smtClean="0"/>
-              <a:t>Authorization server: En roll </a:t>
-            </a:r>
-            <a:r>
-              <a:rPr lang="en-US" dirty="0" err="1" smtClean="0"/>
-              <a:t>i</a:t>
-            </a:r>
-            <a:r>
-              <a:rPr lang="en-US" dirty="0" smtClean="0"/>
-              <a:t> </a:t>
-            </a:r>
-            <a:r>
-              <a:rPr lang="en-US" dirty="0" err="1" smtClean="0"/>
-              <a:t>OAuth</a:t>
-            </a:r>
-            <a:r>
-              <a:rPr lang="en-US" dirty="0" smtClean="0"/>
-              <a:t> 2.0 </a:t>
-            </a:r>
-            <a:r>
-              <a:rPr lang="en-US" dirty="0" err="1" smtClean="0"/>
-              <a:t>specifikationen</a:t>
-            </a:r>
-            <a:r>
-              <a:rPr lang="en-US" dirty="0" smtClean="0"/>
-              <a:t> </a:t>
-            </a:r>
-            <a:r>
-              <a:rPr lang="en-US" dirty="0" err="1" smtClean="0"/>
-              <a:t>som</a:t>
-            </a:r>
-            <a:r>
-              <a:rPr lang="en-US" dirty="0" smtClean="0"/>
-              <a:t> </a:t>
-            </a:r>
-            <a:r>
-              <a:rPr lang="en-US" dirty="0" err="1" smtClean="0"/>
-              <a:t>pekar</a:t>
-            </a:r>
-            <a:r>
-              <a:rPr lang="en-US" dirty="0" smtClean="0"/>
-              <a:t> </a:t>
-            </a:r>
-            <a:r>
-              <a:rPr lang="en-US" dirty="0" err="1" smtClean="0"/>
-              <a:t>ut</a:t>
-            </a:r>
-            <a:r>
-              <a:rPr lang="en-US" dirty="0" smtClean="0"/>
-              <a:t> den del </a:t>
-            </a:r>
-            <a:r>
-              <a:rPr lang="en-US" dirty="0" err="1" smtClean="0"/>
-              <a:t>som</a:t>
-            </a:r>
-            <a:r>
-              <a:rPr lang="en-US" dirty="0" smtClean="0"/>
-              <a:t> </a:t>
-            </a:r>
-            <a:r>
-              <a:rPr lang="en-US" dirty="0" err="1" smtClean="0"/>
-              <a:t>är</a:t>
-            </a:r>
-            <a:r>
-              <a:rPr lang="en-US" dirty="0" smtClean="0"/>
-              <a:t> </a:t>
-            </a:r>
-            <a:r>
-              <a:rPr lang="en-US" dirty="0" err="1" smtClean="0"/>
-              <a:t>ansvarig</a:t>
-            </a:r>
-            <a:r>
-              <a:rPr lang="en-US" dirty="0" smtClean="0"/>
-              <a:t> </a:t>
-            </a:r>
-            <a:r>
-              <a:rPr lang="en-US" dirty="0" err="1" smtClean="0"/>
-              <a:t>för</a:t>
-            </a:r>
-            <a:r>
-              <a:rPr lang="en-US" dirty="0" smtClean="0"/>
-              <a:t> </a:t>
-            </a:r>
-            <a:r>
-              <a:rPr lang="en-US" dirty="0" err="1" smtClean="0"/>
-              <a:t>auktorisationsadministration</a:t>
-            </a:r>
-            <a:r>
-              <a:rPr lang="en-US" dirty="0" smtClean="0"/>
-              <a:t>.</a:t>
-            </a:r>
-          </a:p>
-          <a:p>
-            <a:r>
-              <a:rPr lang="en-US" dirty="0" smtClean="0"/>
-              <a:t>Resource server:</a:t>
-            </a:r>
-            <a:r>
-              <a:rPr lang="en-US" baseline="0" dirty="0" smtClean="0"/>
-              <a:t> En roll </a:t>
-            </a:r>
-            <a:r>
-              <a:rPr lang="en-US" baseline="0" dirty="0" err="1" smtClean="0"/>
-              <a:t>i</a:t>
-            </a:r>
-            <a:r>
-              <a:rPr lang="en-US" baseline="0" dirty="0" smtClean="0"/>
-              <a:t> </a:t>
-            </a:r>
-            <a:r>
-              <a:rPr lang="en-US" baseline="0" dirty="0" err="1" smtClean="0"/>
-              <a:t>OAuth</a:t>
-            </a:r>
-            <a:r>
-              <a:rPr lang="en-US" baseline="0" dirty="0" smtClean="0"/>
-              <a:t> 2.0 </a:t>
-            </a:r>
-            <a:r>
-              <a:rPr lang="en-US" baseline="0" dirty="0" err="1" smtClean="0"/>
-              <a:t>specifikationen</a:t>
-            </a:r>
-            <a:r>
-              <a:rPr lang="en-US" baseline="0" dirty="0" smtClean="0"/>
-              <a:t> </a:t>
-            </a:r>
-            <a:r>
-              <a:rPr lang="en-US" baseline="0" dirty="0" err="1" smtClean="0"/>
-              <a:t>som</a:t>
-            </a:r>
-            <a:r>
-              <a:rPr lang="en-US" baseline="0" dirty="0" smtClean="0"/>
-              <a:t> </a:t>
-            </a:r>
-            <a:r>
-              <a:rPr lang="en-US" baseline="0" dirty="0" err="1" smtClean="0"/>
-              <a:t>pekar</a:t>
-            </a:r>
-            <a:r>
-              <a:rPr lang="en-US" baseline="0" dirty="0" smtClean="0"/>
-              <a:t> </a:t>
-            </a:r>
-            <a:r>
-              <a:rPr lang="en-US" baseline="0" dirty="0" err="1" smtClean="0"/>
-              <a:t>ut</a:t>
-            </a:r>
-            <a:r>
-              <a:rPr lang="en-US" baseline="0" dirty="0" smtClean="0"/>
-              <a:t> den del </a:t>
-            </a:r>
-            <a:r>
-              <a:rPr lang="en-US" baseline="0" dirty="0" err="1" smtClean="0"/>
-              <a:t>som</a:t>
-            </a:r>
-            <a:r>
-              <a:rPr lang="en-US" baseline="0" dirty="0" smtClean="0"/>
-              <a:t> </a:t>
-            </a:r>
-            <a:r>
-              <a:rPr lang="en-US" baseline="0" dirty="0" err="1" smtClean="0"/>
-              <a:t>är</a:t>
-            </a:r>
-            <a:r>
-              <a:rPr lang="en-US" baseline="0" dirty="0" smtClean="0"/>
-              <a:t> </a:t>
-            </a:r>
-            <a:r>
-              <a:rPr lang="en-US" baseline="0" dirty="0" err="1" smtClean="0"/>
-              <a:t>ansvarig</a:t>
-            </a:r>
-            <a:r>
-              <a:rPr lang="en-US" baseline="0" dirty="0" smtClean="0"/>
-              <a:t> </a:t>
-            </a:r>
-            <a:r>
-              <a:rPr lang="en-US" baseline="0" dirty="0" err="1" smtClean="0"/>
-              <a:t>för</a:t>
-            </a:r>
-            <a:r>
-              <a:rPr lang="en-US" baseline="0" dirty="0" smtClean="0"/>
-              <a:t> </a:t>
-            </a:r>
-            <a:r>
-              <a:rPr lang="en-US" baseline="0" dirty="0" err="1" smtClean="0"/>
-              <a:t>resurshantering</a:t>
-            </a:r>
-            <a:r>
-              <a:rPr lang="en-US" baseline="0" dirty="0" smtClean="0"/>
-              <a:t>/</a:t>
-            </a:r>
-            <a:r>
-              <a:rPr lang="en-US" baseline="0" dirty="0" err="1" smtClean="0"/>
-              <a:t>resursutlämning</a:t>
-            </a:r>
-            <a:r>
-              <a:rPr lang="en-US" baseline="0" dirty="0" smtClean="0"/>
-              <a:t>.</a:t>
-            </a:r>
-            <a:endParaRPr lang="en-US" dirty="0" smtClean="0"/>
-          </a:p>
-          <a:p>
-            <a:endParaRPr lang="en-US" dirty="0"/>
           </a:p>
         </p:txBody>
       </p:sp>
@@ -1329,7 +1426,7 @@
               <a:pPr>
                 <a:defRPr/>
               </a:pPr>
-              <a:t>15</a:t>
+              <a:t>13</a:t>
             </a:fld>
             <a:endParaRPr lang="sv-SE"/>
           </a:p>
@@ -1338,7 +1435,7 @@
     </p:spTree>
     <p:extLst>
       <p:ext uri="{BB962C8B-B14F-4D97-AF65-F5344CB8AC3E}">
-        <p14:creationId xmlns:p14="http://schemas.microsoft.com/office/powerpoint/2010/main" val="698192533"/>
+        <p14:creationId xmlns:p14="http://schemas.microsoft.com/office/powerpoint/2010/main" val="1531746770"/>
       </p:ext>
     </p:extLst>
   </p:cSld>
@@ -1393,424 +1490,13 @@
           <a:lstStyle/>
           <a:p>
             <a:r>
-              <a:rPr lang="en-US" dirty="0" smtClean="0"/>
-              <a:t>En </a:t>
-            </a:r>
-            <a:r>
-              <a:rPr lang="en-US" dirty="0" err="1" smtClean="0"/>
-              <a:t>applikation</a:t>
-            </a:r>
-            <a:r>
-              <a:rPr lang="en-US" dirty="0" smtClean="0"/>
-              <a:t>, </a:t>
-            </a:r>
-            <a:r>
-              <a:rPr lang="en-US" dirty="0" err="1" smtClean="0"/>
-              <a:t>tex</a:t>
-            </a:r>
-            <a:r>
-              <a:rPr lang="en-US" dirty="0" smtClean="0"/>
-              <a:t> </a:t>
-            </a:r>
-            <a:r>
-              <a:rPr lang="en-US" dirty="0" err="1" smtClean="0"/>
-              <a:t>Runkeeper</a:t>
-            </a:r>
-            <a:r>
-              <a:rPr lang="en-US" dirty="0" smtClean="0"/>
-              <a:t>, </a:t>
-            </a:r>
-            <a:r>
-              <a:rPr lang="en-US" dirty="0" err="1" smtClean="0"/>
-              <a:t>som</a:t>
-            </a:r>
-            <a:r>
-              <a:rPr lang="en-US" dirty="0" smtClean="0"/>
-              <a:t> du </a:t>
-            </a:r>
-            <a:r>
-              <a:rPr lang="en-US" dirty="0" err="1" smtClean="0"/>
-              <a:t>lagt</a:t>
-            </a:r>
-            <a:r>
-              <a:rPr lang="en-US" dirty="0" smtClean="0"/>
-              <a:t> till </a:t>
-            </a:r>
-            <a:r>
-              <a:rPr lang="en-US" dirty="0" err="1" smtClean="0"/>
-              <a:t>nyligen</a:t>
-            </a:r>
-            <a:r>
-              <a:rPr lang="en-US" dirty="0" smtClean="0"/>
-              <a:t> </a:t>
-            </a:r>
-            <a:r>
-              <a:rPr lang="en-US" dirty="0" err="1" smtClean="0"/>
-              <a:t>vill</a:t>
-            </a:r>
-            <a:r>
-              <a:rPr lang="en-US" dirty="0" smtClean="0"/>
-              <a:t> </a:t>
-            </a:r>
-            <a:r>
-              <a:rPr lang="en-US" dirty="0" err="1" smtClean="0"/>
-              <a:t>komma</a:t>
-            </a:r>
-            <a:r>
-              <a:rPr lang="en-US" dirty="0" smtClean="0"/>
-              <a:t> </a:t>
-            </a:r>
-            <a:r>
-              <a:rPr lang="en-US" dirty="0" err="1" smtClean="0"/>
-              <a:t>åt</a:t>
-            </a:r>
-            <a:r>
-              <a:rPr lang="en-US" dirty="0" smtClean="0"/>
-              <a:t> information</a:t>
-            </a:r>
-            <a:r>
-              <a:rPr lang="en-US" baseline="0" dirty="0" smtClean="0"/>
-              <a:t> </a:t>
-            </a:r>
-            <a:r>
-              <a:rPr lang="en-US" baseline="0" dirty="0" err="1" smtClean="0"/>
-              <a:t>om</a:t>
-            </a:r>
-            <a:r>
-              <a:rPr lang="en-US" baseline="0" dirty="0" smtClean="0"/>
-              <a:t> </a:t>
-            </a:r>
-            <a:r>
-              <a:rPr lang="en-US" baseline="0" dirty="0" smtClean="0"/>
-              <a:t>dig </a:t>
-            </a:r>
-            <a:r>
-              <a:rPr lang="en-US" baseline="0" dirty="0" err="1" smtClean="0"/>
-              <a:t>eller</a:t>
-            </a:r>
-            <a:r>
-              <a:rPr lang="en-US" baseline="0" dirty="0" smtClean="0"/>
-              <a:t> </a:t>
-            </a:r>
-            <a:r>
-              <a:rPr lang="en-US" baseline="0" dirty="0" err="1" smtClean="0"/>
-              <a:t>agera</a:t>
-            </a:r>
-            <a:r>
-              <a:rPr lang="en-US" baseline="0" dirty="0" smtClean="0"/>
-              <a:t> I </a:t>
-            </a:r>
-            <a:r>
-              <a:rPr lang="en-US" baseline="0" dirty="0" err="1" smtClean="0"/>
-              <a:t>ditt</a:t>
-            </a:r>
-            <a:r>
-              <a:rPr lang="en-US" baseline="0" dirty="0" smtClean="0"/>
-              <a:t> </a:t>
-            </a:r>
-            <a:r>
-              <a:rPr lang="en-US" baseline="0" dirty="0" err="1" smtClean="0"/>
-              <a:t>namn</a:t>
-            </a:r>
-            <a:r>
-              <a:rPr lang="en-US" baseline="0" dirty="0" smtClean="0"/>
-              <a:t>, till </a:t>
-            </a:r>
-            <a:r>
-              <a:rPr lang="en-US" baseline="0" dirty="0" err="1" smtClean="0"/>
-              <a:t>exempel</a:t>
-            </a:r>
-            <a:r>
-              <a:rPr lang="en-US" baseline="0" dirty="0" smtClean="0"/>
-              <a:t> </a:t>
-            </a:r>
-            <a:r>
-              <a:rPr lang="en-US" baseline="0" dirty="0" err="1" smtClean="0"/>
-              <a:t>på</a:t>
-            </a:r>
-            <a:r>
-              <a:rPr lang="en-US" baseline="0" dirty="0" smtClean="0"/>
-              <a:t> Facebook. </a:t>
-            </a:r>
-          </a:p>
-          <a:p>
-            <a:r>
-              <a:rPr lang="en-US" baseline="0" dirty="0" smtClean="0"/>
-              <a:t>I </a:t>
-            </a:r>
-            <a:r>
-              <a:rPr lang="en-US" baseline="0" dirty="0" err="1" smtClean="0"/>
-              <a:t>applikationen</a:t>
-            </a:r>
-            <a:r>
-              <a:rPr lang="en-US" baseline="0" dirty="0" smtClean="0"/>
-              <a:t> (</a:t>
-            </a:r>
-            <a:r>
-              <a:rPr lang="en-US" baseline="0" dirty="0" err="1" smtClean="0"/>
-              <a:t>Runkeeper</a:t>
-            </a:r>
-            <a:r>
-              <a:rPr lang="en-US" baseline="0" dirty="0" smtClean="0"/>
-              <a:t>) </a:t>
-            </a:r>
-            <a:r>
-              <a:rPr lang="en-US" baseline="0" dirty="0" err="1" smtClean="0"/>
-              <a:t>är</a:t>
-            </a:r>
-            <a:r>
-              <a:rPr lang="en-US" baseline="0" dirty="0" smtClean="0"/>
-              <a:t> du </a:t>
-            </a:r>
-            <a:r>
-              <a:rPr lang="en-US" baseline="0" dirty="0" err="1" smtClean="0"/>
-              <a:t>inloggad</a:t>
-            </a:r>
-            <a:r>
-              <a:rPr lang="en-US" baseline="0" dirty="0" smtClean="0"/>
-              <a:t> med </a:t>
-            </a:r>
-            <a:r>
-              <a:rPr lang="en-US" baseline="0" dirty="0" err="1" smtClean="0"/>
-              <a:t>ditt</a:t>
-            </a:r>
-            <a:r>
-              <a:rPr lang="en-US" baseline="0" dirty="0" smtClean="0"/>
-              <a:t> </a:t>
-            </a:r>
-            <a:r>
-              <a:rPr lang="en-US" baseline="0" dirty="0" err="1" smtClean="0"/>
-              <a:t>användarnamn</a:t>
-            </a:r>
-            <a:r>
-              <a:rPr lang="en-US" baseline="0" dirty="0" smtClean="0"/>
-              <a:t> </a:t>
-            </a:r>
-            <a:r>
-              <a:rPr lang="en-US" baseline="0" dirty="0" err="1" smtClean="0"/>
-              <a:t>för</a:t>
-            </a:r>
-            <a:r>
-              <a:rPr lang="en-US" baseline="0" dirty="0" smtClean="0"/>
-              <a:t> just den </a:t>
-            </a:r>
-            <a:r>
-              <a:rPr lang="en-US" baseline="0" dirty="0" err="1" smtClean="0"/>
-              <a:t>applikationen</a:t>
-            </a:r>
-            <a:r>
-              <a:rPr lang="en-US" baseline="0" dirty="0" smtClean="0"/>
-              <a:t>, </a:t>
-            </a:r>
-            <a:r>
-              <a:rPr lang="en-US" baseline="0" dirty="0" err="1" smtClean="0"/>
-              <a:t>ett</a:t>
-            </a:r>
-            <a:r>
-              <a:rPr lang="en-US" baseline="0" dirty="0" smtClean="0"/>
-              <a:t> alias </a:t>
-            </a:r>
-            <a:r>
-              <a:rPr lang="en-US" baseline="0" dirty="0" err="1" smtClean="0"/>
-              <a:t>tex</a:t>
-            </a:r>
-            <a:r>
-              <a:rPr lang="en-US" baseline="0" dirty="0" smtClean="0"/>
-              <a:t> </a:t>
-            </a:r>
-            <a:r>
-              <a:rPr lang="en-US" baseline="0" dirty="0" err="1" smtClean="0"/>
-              <a:t>kallekula</a:t>
-            </a:r>
-            <a:r>
-              <a:rPr lang="en-US" baseline="0" dirty="0" smtClean="0"/>
-              <a:t>.</a:t>
-            </a:r>
-          </a:p>
-          <a:p>
-            <a:r>
-              <a:rPr lang="en-US" baseline="0" dirty="0" smtClean="0"/>
-              <a:t>Du </a:t>
-            </a:r>
-            <a:r>
-              <a:rPr lang="en-US" baseline="0" dirty="0" err="1" smtClean="0"/>
-              <a:t>som</a:t>
-            </a:r>
-            <a:r>
-              <a:rPr lang="en-US" baseline="0" dirty="0" smtClean="0"/>
-              <a:t> </a:t>
-            </a:r>
-            <a:r>
-              <a:rPr lang="en-US" baseline="0" dirty="0" err="1" smtClean="0"/>
-              <a:t>invånare</a:t>
-            </a:r>
-            <a:r>
-              <a:rPr lang="en-US" baseline="0" dirty="0" smtClean="0"/>
-              <a:t> </a:t>
-            </a:r>
-            <a:r>
-              <a:rPr lang="en-US" baseline="0" dirty="0" err="1" smtClean="0"/>
-              <a:t>behöver</a:t>
-            </a:r>
-            <a:r>
-              <a:rPr lang="en-US" baseline="0" dirty="0" smtClean="0"/>
-              <a:t> </a:t>
-            </a:r>
-            <a:r>
-              <a:rPr lang="en-US" baseline="0" dirty="0" err="1" smtClean="0"/>
-              <a:t>godkänna</a:t>
-            </a:r>
-            <a:r>
-              <a:rPr lang="en-US" baseline="0" dirty="0" smtClean="0"/>
-              <a:t> </a:t>
-            </a:r>
-            <a:r>
-              <a:rPr lang="en-US" baseline="0" dirty="0" err="1" smtClean="0"/>
-              <a:t>att</a:t>
-            </a:r>
-            <a:r>
-              <a:rPr lang="en-US" baseline="0" dirty="0" smtClean="0"/>
-              <a:t> </a:t>
-            </a:r>
-            <a:r>
-              <a:rPr lang="en-US" baseline="0" dirty="0" err="1" smtClean="0"/>
-              <a:t>applikationen</a:t>
-            </a:r>
-            <a:r>
-              <a:rPr lang="en-US" baseline="0" dirty="0" smtClean="0"/>
-              <a:t> </a:t>
-            </a:r>
-            <a:r>
-              <a:rPr lang="en-US" baseline="0" dirty="0" err="1" smtClean="0"/>
-              <a:t>får</a:t>
-            </a:r>
-            <a:r>
-              <a:rPr lang="en-US" baseline="0" dirty="0" smtClean="0"/>
-              <a:t> </a:t>
-            </a:r>
-            <a:r>
-              <a:rPr lang="en-US" baseline="0" dirty="0" err="1" smtClean="0"/>
-              <a:t>komma</a:t>
-            </a:r>
-            <a:r>
-              <a:rPr lang="en-US" baseline="0" dirty="0" smtClean="0"/>
-              <a:t> </a:t>
-            </a:r>
-            <a:r>
-              <a:rPr lang="en-US" baseline="0" dirty="0" err="1" smtClean="0"/>
-              <a:t>åt</a:t>
-            </a:r>
-            <a:r>
-              <a:rPr lang="en-US" baseline="0" dirty="0" smtClean="0"/>
-              <a:t> information </a:t>
-            </a:r>
-            <a:r>
-              <a:rPr lang="en-US" baseline="0" dirty="0" err="1" smtClean="0"/>
-              <a:t>om</a:t>
-            </a:r>
-            <a:r>
-              <a:rPr lang="en-US" baseline="0" dirty="0" smtClean="0"/>
-              <a:t> dig.</a:t>
-            </a:r>
-          </a:p>
-          <a:p>
-            <a:r>
-              <a:rPr lang="en-US" baseline="0" dirty="0" err="1" smtClean="0"/>
-              <a:t>För</a:t>
-            </a:r>
-            <a:r>
-              <a:rPr lang="en-US" baseline="0" dirty="0" smtClean="0"/>
-              <a:t> </a:t>
-            </a:r>
-            <a:r>
-              <a:rPr lang="en-US" baseline="0" dirty="0" err="1" smtClean="0"/>
-              <a:t>att</a:t>
-            </a:r>
-            <a:r>
-              <a:rPr lang="en-US" baseline="0" dirty="0" smtClean="0"/>
-              <a:t> </a:t>
-            </a:r>
-            <a:r>
-              <a:rPr lang="en-US" baseline="0" dirty="0" err="1" smtClean="0"/>
-              <a:t>göra</a:t>
-            </a:r>
-            <a:r>
-              <a:rPr lang="en-US" baseline="0" dirty="0" smtClean="0"/>
-              <a:t> </a:t>
-            </a:r>
-            <a:r>
-              <a:rPr lang="en-US" baseline="0" dirty="0" err="1" smtClean="0"/>
-              <a:t>detta</a:t>
-            </a:r>
-            <a:r>
-              <a:rPr lang="en-US" baseline="0" dirty="0" smtClean="0"/>
-              <a:t> </a:t>
-            </a:r>
-            <a:r>
-              <a:rPr lang="en-US" baseline="0" dirty="0" err="1" smtClean="0"/>
-              <a:t>blir</a:t>
-            </a:r>
-            <a:r>
-              <a:rPr lang="en-US" baseline="0" dirty="0" smtClean="0"/>
-              <a:t> du </a:t>
-            </a:r>
-            <a:r>
-              <a:rPr lang="en-US" baseline="0" dirty="0" err="1" smtClean="0"/>
-              <a:t>skickad</a:t>
-            </a:r>
-            <a:r>
-              <a:rPr lang="en-US" baseline="0" dirty="0" smtClean="0"/>
-              <a:t> till Facebook, </a:t>
-            </a:r>
-            <a:r>
-              <a:rPr lang="en-US" baseline="0" dirty="0" err="1" smtClean="0"/>
-              <a:t>där</a:t>
-            </a:r>
-            <a:r>
-              <a:rPr lang="en-US" baseline="0" dirty="0" smtClean="0"/>
-              <a:t> du </a:t>
-            </a:r>
-            <a:r>
-              <a:rPr lang="en-US" baseline="0" dirty="0" err="1" smtClean="0"/>
-              <a:t>får</a:t>
-            </a:r>
-            <a:r>
-              <a:rPr lang="en-US" baseline="0" dirty="0" smtClean="0"/>
-              <a:t> </a:t>
-            </a:r>
-            <a:r>
-              <a:rPr lang="en-US" baseline="0" dirty="0" err="1" smtClean="0"/>
-              <a:t>logga</a:t>
-            </a:r>
-            <a:r>
-              <a:rPr lang="en-US" baseline="0" dirty="0" smtClean="0"/>
-              <a:t> in </a:t>
-            </a:r>
-            <a:r>
-              <a:rPr lang="en-US" baseline="0" dirty="0" err="1" smtClean="0"/>
-              <a:t>och</a:t>
-            </a:r>
-            <a:r>
-              <a:rPr lang="en-US" baseline="0" dirty="0" smtClean="0"/>
-              <a:t> </a:t>
-            </a:r>
-            <a:r>
-              <a:rPr lang="en-US" baseline="0" dirty="0" err="1" smtClean="0"/>
-              <a:t>godkänna</a:t>
-            </a:r>
-            <a:r>
-              <a:rPr lang="en-US" baseline="0" dirty="0" smtClean="0"/>
-              <a:t> </a:t>
-            </a:r>
-            <a:r>
-              <a:rPr lang="en-US" baseline="0" dirty="0" err="1" smtClean="0"/>
-              <a:t>begäran</a:t>
-            </a:r>
-            <a:r>
-              <a:rPr lang="en-US" baseline="0" dirty="0" smtClean="0"/>
-              <a:t>.</a:t>
-            </a:r>
-            <a:endParaRPr lang="en-US" dirty="0"/>
+              <a:rPr lang="en-US" baseline="0" dirty="0" err="1" smtClean="0"/>
+              <a:t>OAuth</a:t>
+            </a:r>
+            <a:r>
+              <a:rPr lang="en-US" baseline="0" dirty="0" smtClean="0"/>
+              <a:t> 2.0</a:t>
+            </a:r>
           </a:p>
         </p:txBody>
       </p:sp>
@@ -1837,7 +1523,7 @@
               <a:pPr>
                 <a:defRPr/>
               </a:pPr>
-              <a:t>16</a:t>
+              <a:t>14</a:t>
             </a:fld>
             <a:endParaRPr lang="sv-SE"/>
           </a:p>
@@ -1846,7 +1532,7 @@
     </p:spTree>
     <p:extLst>
       <p:ext uri="{BB962C8B-B14F-4D97-AF65-F5344CB8AC3E}">
-        <p14:creationId xmlns:p14="http://schemas.microsoft.com/office/powerpoint/2010/main" val="698192533"/>
+        <p14:creationId xmlns:p14="http://schemas.microsoft.com/office/powerpoint/2010/main" val="422046913"/>
       </p:ext>
     </p:extLst>
   </p:cSld>
@@ -1900,26 +1586,13 @@
           <a:bodyPr/>
           <a:lstStyle/>
           <a:p>
-            <a:pPr marL="0" marR="0" indent="0" algn="l" defTabSz="457200" rtl="0" eaLnBrk="0" fontAlgn="base" latinLnBrk="0" hangingPunct="0">
-              <a:lnSpc>
-                <a:spcPct val="100000"/>
-              </a:lnSpc>
-              <a:spcBef>
-                <a:spcPct val="30000"/>
-              </a:spcBef>
-              <a:spcAft>
-                <a:spcPct val="0"/>
-              </a:spcAft>
-              <a:buClrTx/>
-              <a:buSzTx/>
-              <a:buFontTx/>
-              <a:buNone/>
-              <a:tabLst/>
-              <a:defRPr/>
-            </a:pPr>
+            <a:r>
+              <a:rPr lang="en-US" dirty="0" smtClean="0"/>
+              <a:t>Resource Owner: En roll </a:t>
+            </a:r>
             <a:r>
               <a:rPr lang="en-US" dirty="0" err="1" smtClean="0"/>
-              <a:t>Kika</a:t>
+              <a:t>i</a:t>
             </a:r>
             <a:r>
               <a:rPr lang="en-US" dirty="0" smtClean="0"/>
@@ -1927,20 +1600,356 @@
             </a:r>
             <a:r>
               <a:rPr lang="en-US" dirty="0" err="1" smtClean="0"/>
-              <a:t>på</a:t>
-            </a:r>
-            <a:r>
-              <a:rPr lang="en-US" dirty="0" smtClean="0"/>
-              <a:t> README I </a:t>
+              <a:t>OAuth</a:t>
+            </a:r>
+            <a:r>
+              <a:rPr lang="en-US" dirty="0" smtClean="0"/>
+              <a:t> 2.0 </a:t>
             </a:r>
             <a:r>
               <a:rPr lang="en-US" dirty="0" err="1" smtClean="0"/>
-              <a:t>katalogen</a:t>
-            </a:r>
-            <a:r>
-              <a:rPr lang="en-US" dirty="0" smtClean="0"/>
-              <a:t> /lab2</a:t>
-            </a:r>
+              <a:t>specifikationen</a:t>
+            </a:r>
+            <a:r>
+              <a:rPr lang="en-US" dirty="0" smtClean="0"/>
+              <a:t> </a:t>
+            </a:r>
+            <a:r>
+              <a:rPr lang="en-US" dirty="0" err="1" smtClean="0"/>
+              <a:t>som</a:t>
+            </a:r>
+            <a:r>
+              <a:rPr lang="en-US" dirty="0" smtClean="0"/>
+              <a:t> </a:t>
+            </a:r>
+            <a:r>
+              <a:rPr lang="en-US" dirty="0" err="1" smtClean="0"/>
+              <a:t>pekar</a:t>
+            </a:r>
+            <a:r>
+              <a:rPr lang="en-US" dirty="0" smtClean="0"/>
+              <a:t> </a:t>
+            </a:r>
+            <a:r>
+              <a:rPr lang="en-US" dirty="0" err="1" smtClean="0"/>
+              <a:t>ut</a:t>
+            </a:r>
+            <a:r>
+              <a:rPr lang="en-US" dirty="0" smtClean="0"/>
+              <a:t> </a:t>
+            </a:r>
+            <a:r>
+              <a:rPr lang="en-US" dirty="0" err="1" smtClean="0"/>
+              <a:t>ägaren</a:t>
+            </a:r>
+            <a:r>
+              <a:rPr lang="en-US" baseline="0" dirty="0" smtClean="0"/>
+              <a:t> </a:t>
+            </a:r>
+            <a:r>
+              <a:rPr lang="en-US" baseline="0" dirty="0" err="1" smtClean="0"/>
+              <a:t>av</a:t>
+            </a:r>
+            <a:r>
+              <a:rPr lang="en-US" dirty="0" smtClean="0"/>
+              <a:t> en given </a:t>
+            </a:r>
+            <a:r>
+              <a:rPr lang="en-US" dirty="0" err="1" smtClean="0"/>
+              <a:t>resurs</a:t>
+            </a:r>
+            <a:r>
+              <a:rPr lang="en-US" dirty="0" smtClean="0"/>
+              <a:t>.</a:t>
+            </a:r>
+          </a:p>
+          <a:p>
+            <a:r>
+              <a:rPr lang="en-US" dirty="0" smtClean="0"/>
+              <a:t>Client: I </a:t>
+            </a:r>
+            <a:r>
+              <a:rPr lang="en-US" dirty="0" err="1" smtClean="0"/>
+              <a:t>OAuth</a:t>
+            </a:r>
+            <a:r>
+              <a:rPr lang="en-US" dirty="0" smtClean="0"/>
+              <a:t> 2.0-specifikationen </a:t>
+            </a:r>
+            <a:r>
+              <a:rPr lang="en-US" dirty="0" err="1" smtClean="0"/>
+              <a:t>är</a:t>
+            </a:r>
+            <a:r>
+              <a:rPr lang="en-US" dirty="0" smtClean="0"/>
+              <a:t> </a:t>
+            </a:r>
+            <a:r>
+              <a:rPr lang="en-US" dirty="0" err="1" smtClean="0"/>
+              <a:t>klienten</a:t>
+            </a:r>
+            <a:r>
+              <a:rPr lang="en-US" dirty="0" smtClean="0"/>
+              <a:t> den del </a:t>
+            </a:r>
+            <a:r>
+              <a:rPr lang="en-US" dirty="0" err="1" smtClean="0"/>
+              <a:t>av</a:t>
+            </a:r>
+            <a:r>
+              <a:rPr lang="en-US" dirty="0" smtClean="0"/>
+              <a:t> </a:t>
+            </a:r>
+            <a:r>
+              <a:rPr lang="en-US" dirty="0" err="1" smtClean="0"/>
+              <a:t>tredjeparts-lösningen</a:t>
+            </a:r>
+            <a:r>
+              <a:rPr lang="en-US" baseline="0" dirty="0" smtClean="0"/>
+              <a:t> </a:t>
+            </a:r>
+            <a:r>
+              <a:rPr lang="en-US" baseline="0" dirty="0" err="1" smtClean="0"/>
+              <a:t>som</a:t>
+            </a:r>
+            <a:r>
+              <a:rPr lang="en-US" baseline="0" dirty="0" smtClean="0"/>
+              <a:t> </a:t>
+            </a:r>
+            <a:r>
+              <a:rPr lang="en-US" baseline="0" dirty="0" err="1" smtClean="0"/>
+              <a:t>kommunicerar</a:t>
+            </a:r>
+            <a:r>
+              <a:rPr lang="en-US" baseline="0" dirty="0" smtClean="0"/>
+              <a:t> med </a:t>
+            </a:r>
+            <a:r>
+              <a:rPr lang="en-US" baseline="0" dirty="0" err="1" smtClean="0"/>
+              <a:t>resurs</a:t>
+            </a:r>
+            <a:r>
+              <a:rPr lang="en-US" baseline="0" dirty="0" smtClean="0"/>
+              <a:t>- </a:t>
+            </a:r>
+            <a:r>
+              <a:rPr lang="en-US" baseline="0" dirty="0" err="1" smtClean="0"/>
+              <a:t>och</a:t>
+            </a:r>
+            <a:r>
+              <a:rPr lang="en-US" baseline="0" dirty="0" smtClean="0"/>
+              <a:t> </a:t>
+            </a:r>
+            <a:r>
+              <a:rPr lang="en-US" baseline="0" dirty="0" err="1" smtClean="0"/>
+              <a:t>auktorisations-servern</a:t>
+            </a:r>
+            <a:r>
+              <a:rPr lang="en-US" baseline="0" dirty="0" smtClean="0"/>
+              <a:t>.</a:t>
+            </a:r>
+            <a:endParaRPr lang="en-US" dirty="0" smtClean="0"/>
+          </a:p>
+          <a:p>
+            <a:r>
+              <a:rPr lang="en-US" dirty="0" smtClean="0"/>
+              <a:t>Authorization server: En roll </a:t>
+            </a:r>
+            <a:r>
+              <a:rPr lang="en-US" dirty="0" err="1" smtClean="0"/>
+              <a:t>i</a:t>
+            </a:r>
+            <a:r>
+              <a:rPr lang="en-US" dirty="0" smtClean="0"/>
+              <a:t> </a:t>
+            </a:r>
+            <a:r>
+              <a:rPr lang="en-US" dirty="0" err="1" smtClean="0"/>
+              <a:t>OAuth</a:t>
+            </a:r>
+            <a:r>
+              <a:rPr lang="en-US" dirty="0" smtClean="0"/>
+              <a:t> 2.0 </a:t>
+            </a:r>
+            <a:r>
+              <a:rPr lang="en-US" dirty="0" err="1" smtClean="0"/>
+              <a:t>specifikationen</a:t>
+            </a:r>
+            <a:r>
+              <a:rPr lang="en-US" dirty="0" smtClean="0"/>
+              <a:t> </a:t>
+            </a:r>
+            <a:r>
+              <a:rPr lang="en-US" dirty="0" err="1" smtClean="0"/>
+              <a:t>som</a:t>
+            </a:r>
+            <a:r>
+              <a:rPr lang="en-US" dirty="0" smtClean="0"/>
+              <a:t> </a:t>
+            </a:r>
+            <a:r>
+              <a:rPr lang="en-US" dirty="0" err="1" smtClean="0"/>
+              <a:t>pekar</a:t>
+            </a:r>
+            <a:r>
+              <a:rPr lang="en-US" dirty="0" smtClean="0"/>
+              <a:t> </a:t>
+            </a:r>
+            <a:r>
+              <a:rPr lang="en-US" dirty="0" err="1" smtClean="0"/>
+              <a:t>ut</a:t>
+            </a:r>
+            <a:r>
+              <a:rPr lang="en-US" dirty="0" smtClean="0"/>
+              <a:t> den del </a:t>
+            </a:r>
+            <a:r>
+              <a:rPr lang="en-US" dirty="0" err="1" smtClean="0"/>
+              <a:t>som</a:t>
+            </a:r>
+            <a:r>
+              <a:rPr lang="en-US" dirty="0" smtClean="0"/>
+              <a:t> </a:t>
+            </a:r>
+            <a:r>
+              <a:rPr lang="en-US" dirty="0" err="1" smtClean="0"/>
+              <a:t>är</a:t>
+            </a:r>
+            <a:r>
+              <a:rPr lang="en-US" dirty="0" smtClean="0"/>
+              <a:t> </a:t>
+            </a:r>
+            <a:r>
+              <a:rPr lang="en-US" dirty="0" err="1" smtClean="0"/>
+              <a:t>ansvarig</a:t>
+            </a:r>
+            <a:r>
+              <a:rPr lang="en-US" dirty="0" smtClean="0"/>
+              <a:t> </a:t>
+            </a:r>
+            <a:r>
+              <a:rPr lang="en-US" dirty="0" err="1" smtClean="0"/>
+              <a:t>för</a:t>
+            </a:r>
+            <a:r>
+              <a:rPr lang="en-US" dirty="0" smtClean="0"/>
+              <a:t> </a:t>
+            </a:r>
+            <a:r>
+              <a:rPr lang="en-US" dirty="0" err="1" smtClean="0"/>
+              <a:t>auktorisationsadministration</a:t>
+            </a:r>
+            <a:r>
+              <a:rPr lang="en-US" dirty="0" smtClean="0"/>
+              <a:t>.</a:t>
+            </a:r>
+          </a:p>
+          <a:p>
+            <a:r>
+              <a:rPr lang="en-US" dirty="0" smtClean="0"/>
+              <a:t>Resource server:</a:t>
+            </a:r>
+            <a:r>
+              <a:rPr lang="en-US" baseline="0" dirty="0" smtClean="0"/>
+              <a:t> En roll </a:t>
+            </a:r>
+            <a:r>
+              <a:rPr lang="en-US" baseline="0" dirty="0" err="1" smtClean="0"/>
+              <a:t>i</a:t>
+            </a:r>
+            <a:r>
+              <a:rPr lang="en-US" baseline="0" dirty="0" smtClean="0"/>
+              <a:t> </a:t>
+            </a:r>
+            <a:r>
+              <a:rPr lang="en-US" baseline="0" dirty="0" err="1" smtClean="0"/>
+              <a:t>OAuth</a:t>
+            </a:r>
+            <a:r>
+              <a:rPr lang="en-US" baseline="0" dirty="0" smtClean="0"/>
+              <a:t> 2.0 </a:t>
+            </a:r>
+            <a:r>
+              <a:rPr lang="en-US" baseline="0" dirty="0" err="1" smtClean="0"/>
+              <a:t>specifikationen</a:t>
+            </a:r>
+            <a:r>
+              <a:rPr lang="en-US" baseline="0" dirty="0" smtClean="0"/>
+              <a:t> </a:t>
+            </a:r>
+            <a:r>
+              <a:rPr lang="en-US" baseline="0" dirty="0" err="1" smtClean="0"/>
+              <a:t>som</a:t>
+            </a:r>
+            <a:r>
+              <a:rPr lang="en-US" baseline="0" dirty="0" smtClean="0"/>
+              <a:t> </a:t>
+            </a:r>
+            <a:r>
+              <a:rPr lang="en-US" baseline="0" dirty="0" err="1" smtClean="0"/>
+              <a:t>pekar</a:t>
+            </a:r>
+            <a:r>
+              <a:rPr lang="en-US" baseline="0" dirty="0" smtClean="0"/>
+              <a:t> </a:t>
+            </a:r>
+            <a:r>
+              <a:rPr lang="en-US" baseline="0" dirty="0" err="1" smtClean="0"/>
+              <a:t>ut</a:t>
+            </a:r>
+            <a:r>
+              <a:rPr lang="en-US" baseline="0" dirty="0" smtClean="0"/>
+              <a:t> den del </a:t>
+            </a:r>
+            <a:r>
+              <a:rPr lang="en-US" baseline="0" dirty="0" err="1" smtClean="0"/>
+              <a:t>som</a:t>
+            </a:r>
+            <a:r>
+              <a:rPr lang="en-US" baseline="0" dirty="0" smtClean="0"/>
+              <a:t> </a:t>
+            </a:r>
+            <a:r>
+              <a:rPr lang="en-US" baseline="0" dirty="0" err="1" smtClean="0"/>
+              <a:t>är</a:t>
+            </a:r>
+            <a:r>
+              <a:rPr lang="en-US" baseline="0" dirty="0" smtClean="0"/>
+              <a:t> </a:t>
+            </a:r>
+            <a:r>
+              <a:rPr lang="en-US" baseline="0" dirty="0" err="1" smtClean="0"/>
+              <a:t>ansvarig</a:t>
+            </a:r>
+            <a:r>
+              <a:rPr lang="en-US" baseline="0" dirty="0" smtClean="0"/>
+              <a:t> </a:t>
+            </a:r>
+            <a:r>
+              <a:rPr lang="en-US" baseline="0" dirty="0" err="1" smtClean="0"/>
+              <a:t>för</a:t>
+            </a:r>
+            <a:r>
+              <a:rPr lang="en-US" baseline="0" dirty="0" smtClean="0"/>
+              <a:t> </a:t>
+            </a:r>
+            <a:r>
+              <a:rPr lang="en-US" baseline="0" dirty="0" err="1" smtClean="0"/>
+              <a:t>resurshantering</a:t>
+            </a:r>
+            <a:r>
+              <a:rPr lang="en-US" baseline="0" dirty="0" smtClean="0"/>
+              <a:t>/</a:t>
+            </a:r>
+            <a:r>
+              <a:rPr lang="en-US" baseline="0" dirty="0" err="1" smtClean="0"/>
+              <a:t>resursutlämning</a:t>
+            </a:r>
+            <a:r>
+              <a:rPr lang="en-US" baseline="0" dirty="0" smtClean="0"/>
+              <a:t>.</a:t>
+            </a:r>
+            <a:endParaRPr lang="en-US" dirty="0" smtClean="0"/>
           </a:p>
           <a:p>
             <a:endParaRPr lang="en-US" dirty="0"/>
@@ -1970,7 +1979,7 @@
               <a:pPr>
                 <a:defRPr/>
               </a:pPr>
-              <a:t>17</a:t>
+              <a:t>15</a:t>
             </a:fld>
             <a:endParaRPr lang="sv-SE"/>
           </a:p>
@@ -1979,7 +1988,7 @@
     </p:spTree>
     <p:extLst>
       <p:ext uri="{BB962C8B-B14F-4D97-AF65-F5344CB8AC3E}">
-        <p14:creationId xmlns:p14="http://schemas.microsoft.com/office/powerpoint/2010/main" val="3815961321"/>
+        <p14:creationId xmlns:p14="http://schemas.microsoft.com/office/powerpoint/2010/main" val="698192533"/>
       </p:ext>
     </p:extLst>
   </p:cSld>
@@ -2034,118 +2043,32 @@
           <a:lstStyle/>
           <a:p>
             <a:r>
-              <a:rPr lang="en-US" b="1" dirty="0" smtClean="0"/>
-              <a:t>Response type </a:t>
-            </a:r>
-            <a:r>
-              <a:rPr lang="en-US" b="0" dirty="0" smtClean="0"/>
-              <a:t>-&gt; Fast till Code, </a:t>
-            </a:r>
-            <a:r>
-              <a:rPr lang="en-US" b="0" dirty="0" err="1" smtClean="0"/>
-              <a:t>för</a:t>
-            </a:r>
-            <a:r>
-              <a:rPr lang="en-US" b="0" dirty="0" smtClean="0"/>
-              <a:t> </a:t>
-            </a:r>
-            <a:r>
-              <a:rPr lang="en-US" b="0" dirty="0" err="1" smtClean="0"/>
-              <a:t>att</a:t>
-            </a:r>
-            <a:r>
-              <a:rPr lang="en-US" b="0" dirty="0" smtClean="0"/>
-              <a:t> </a:t>
-            </a:r>
-            <a:r>
-              <a:rPr lang="en-US" b="0" dirty="0" err="1" smtClean="0"/>
-              <a:t>säga</a:t>
-            </a:r>
-            <a:r>
-              <a:rPr lang="en-US" b="0" dirty="0" smtClean="0"/>
-              <a:t> till authorization server</a:t>
-            </a:r>
-            <a:r>
-              <a:rPr lang="en-US" b="0" baseline="0" dirty="0" smtClean="0"/>
-              <a:t> </a:t>
-            </a:r>
-            <a:r>
-              <a:rPr lang="en-US" b="0" baseline="0" dirty="0" err="1" smtClean="0"/>
-              <a:t>vilket</a:t>
-            </a:r>
-            <a:r>
-              <a:rPr lang="en-US" b="0" baseline="0" dirty="0" smtClean="0"/>
-              <a:t> </a:t>
-            </a:r>
-            <a:r>
-              <a:rPr lang="en-US" b="0" baseline="0" dirty="0" err="1" smtClean="0"/>
-              <a:t>flöde</a:t>
-            </a:r>
-            <a:r>
-              <a:rPr lang="en-US" b="0" baseline="0" dirty="0" smtClean="0"/>
-              <a:t> vi </a:t>
-            </a:r>
-            <a:r>
-              <a:rPr lang="en-US" b="0" baseline="0" dirty="0" err="1" smtClean="0"/>
-              <a:t>vill</a:t>
-            </a:r>
-            <a:r>
-              <a:rPr lang="en-US" b="0" baseline="0" dirty="0" smtClean="0"/>
-              <a:t> </a:t>
-            </a:r>
-            <a:r>
-              <a:rPr lang="en-US" b="0" baseline="0" dirty="0" err="1" smtClean="0"/>
-              <a:t>använda</a:t>
-            </a:r>
-            <a:r>
-              <a:rPr lang="en-US" b="0" baseline="0" dirty="0" smtClean="0"/>
-              <a:t>, I </a:t>
-            </a:r>
-            <a:r>
-              <a:rPr lang="en-US" b="0" baseline="0" dirty="0" err="1" smtClean="0"/>
-              <a:t>detta</a:t>
-            </a:r>
-            <a:r>
-              <a:rPr lang="en-US" b="0" baseline="0" dirty="0" smtClean="0"/>
-              <a:t> </a:t>
-            </a:r>
-            <a:r>
-              <a:rPr lang="en-US" b="0" baseline="0" dirty="0" err="1" smtClean="0"/>
-              <a:t>fallet</a:t>
-            </a:r>
-            <a:r>
-              <a:rPr lang="en-US" b="0" baseline="0" dirty="0" smtClean="0"/>
-              <a:t> authorization code flow.</a:t>
-            </a:r>
-            <a:endParaRPr lang="en-US" b="0" dirty="0" smtClean="0"/>
-          </a:p>
-          <a:p>
-            <a:endParaRPr lang="en-US" b="0" dirty="0" smtClean="0"/>
-          </a:p>
-          <a:p>
-            <a:r>
-              <a:rPr lang="en-US" b="1" dirty="0" smtClean="0"/>
-              <a:t>Client ID</a:t>
-            </a:r>
-            <a:r>
-              <a:rPr lang="en-US" dirty="0" smtClean="0"/>
-              <a:t> -&gt; </a:t>
+              <a:rPr lang="en-US" dirty="0" smtClean="0"/>
+              <a:t>En </a:t>
             </a:r>
             <a:r>
               <a:rPr lang="en-US" dirty="0" err="1" smtClean="0"/>
-              <a:t>Alla</a:t>
-            </a:r>
-            <a:r>
-              <a:rPr lang="en-US" dirty="0" smtClean="0"/>
-              <a:t> </a:t>
+              <a:t>applikation</a:t>
+            </a:r>
+            <a:r>
+              <a:rPr lang="en-US" dirty="0" smtClean="0"/>
+              <a:t>, </a:t>
             </a:r>
             <a:r>
               <a:rPr lang="en-US" dirty="0" err="1" smtClean="0"/>
-              <a:t>klienter</a:t>
-            </a:r>
-            <a:r>
-              <a:rPr lang="en-US" dirty="0" smtClean="0"/>
-              <a:t> </a:t>
+              <a:t>tex</a:t>
+            </a:r>
+            <a:r>
+              <a:rPr lang="en-US" dirty="0" smtClean="0"/>
+              <a:t> </a:t>
+            </a:r>
+            <a:r>
+              <a:rPr lang="en-US" dirty="0" err="1" smtClean="0"/>
+              <a:t>Runkeeper</a:t>
+            </a:r>
+            <a:r>
+              <a:rPr lang="en-US" dirty="0" smtClean="0"/>
+              <a:t>, </a:t>
             </a:r>
             <a:r>
               <a:rPr lang="en-US" dirty="0" err="1" smtClean="0"/>
@@ -2153,19 +2076,19 @@
             </a:r>
             <a:r>
               <a:rPr lang="en-US" dirty="0" smtClean="0"/>
-              <a:t> </a:t>
+              <a:t> du </a:t>
             </a:r>
             <a:r>
               <a:rPr lang="en-US" dirty="0" err="1" smtClean="0"/>
-              <a:t>använder</a:t>
-            </a:r>
-            <a:r>
-              <a:rPr lang="en-US" dirty="0" smtClean="0"/>
-              <a:t> </a:t>
+              <a:t>lagt</a:t>
+            </a:r>
+            <a:r>
+              <a:rPr lang="en-US" dirty="0" smtClean="0"/>
+              <a:t> till </a:t>
             </a:r>
             <a:r>
               <a:rPr lang="en-US" dirty="0" err="1" smtClean="0"/>
-              <a:t>API:et</a:t>
+              <a:t>nyligen</a:t>
             </a:r>
             <a:r>
               <a:rPr lang="en-US" dirty="0" smtClean="0"/>
@@ -2173,664 +2096,367 @@
             </a:r>
             <a:r>
               <a:rPr lang="en-US" dirty="0" err="1" smtClean="0"/>
+              <a:t>vill</a:t>
+            </a:r>
+            <a:r>
+              <a:rPr lang="en-US" dirty="0" smtClean="0"/>
+              <a:t> </a:t>
+            </a:r>
+            <a:r>
+              <a:rPr lang="en-US" dirty="0" err="1" smtClean="0"/>
+              <a:t>komma</a:t>
+            </a:r>
+            <a:r>
+              <a:rPr lang="en-US" dirty="0" smtClean="0"/>
+              <a:t> </a:t>
+            </a:r>
+            <a:r>
+              <a:rPr lang="en-US" dirty="0" err="1" smtClean="0"/>
+              <a:t>åt</a:t>
+            </a:r>
+            <a:r>
+              <a:rPr lang="en-US" dirty="0" smtClean="0"/>
+              <a:t> information</a:t>
+            </a:r>
+            <a:r>
+              <a:rPr lang="en-US" baseline="0" dirty="0" smtClean="0"/>
+              <a:t> </a:t>
+            </a:r>
+            <a:r>
+              <a:rPr lang="en-US" baseline="0" dirty="0" err="1" smtClean="0"/>
+              <a:t>om</a:t>
+            </a:r>
+            <a:r>
+              <a:rPr lang="en-US" baseline="0" dirty="0" smtClean="0"/>
+              <a:t> dig </a:t>
+            </a:r>
+            <a:r>
+              <a:rPr lang="en-US" baseline="0" dirty="0" err="1" smtClean="0"/>
+              <a:t>eller</a:t>
+            </a:r>
+            <a:r>
+              <a:rPr lang="en-US" baseline="0" dirty="0" smtClean="0"/>
+              <a:t> </a:t>
+            </a:r>
+            <a:r>
+              <a:rPr lang="en-US" baseline="0" dirty="0" err="1" smtClean="0"/>
+              <a:t>agera</a:t>
+            </a:r>
+            <a:r>
+              <a:rPr lang="en-US" baseline="0" dirty="0" smtClean="0"/>
+              <a:t> I </a:t>
+            </a:r>
+            <a:r>
+              <a:rPr lang="en-US" baseline="0" dirty="0" err="1" smtClean="0"/>
+              <a:t>ditt</a:t>
+            </a:r>
+            <a:r>
+              <a:rPr lang="en-US" baseline="0" dirty="0" smtClean="0"/>
+              <a:t> </a:t>
+            </a:r>
+            <a:r>
+              <a:rPr lang="en-US" baseline="0" dirty="0" err="1" smtClean="0"/>
+              <a:t>namn</a:t>
+            </a:r>
+            <a:r>
+              <a:rPr lang="en-US" baseline="0" dirty="0" smtClean="0"/>
+              <a:t>, till </a:t>
+            </a:r>
+            <a:r>
+              <a:rPr lang="en-US" baseline="0" dirty="0" err="1" smtClean="0"/>
+              <a:t>exempel</a:t>
+            </a:r>
+            <a:r>
+              <a:rPr lang="en-US" baseline="0" dirty="0" smtClean="0"/>
+              <a:t> </a:t>
+            </a:r>
+            <a:r>
+              <a:rPr lang="en-US" baseline="0" dirty="0" err="1" smtClean="0"/>
+              <a:t>på</a:t>
+            </a:r>
+            <a:r>
+              <a:rPr lang="en-US" baseline="0" dirty="0" smtClean="0"/>
+              <a:t> Facebook. </a:t>
+            </a:r>
+          </a:p>
+          <a:p>
+            <a:r>
+              <a:rPr lang="en-US" baseline="0" dirty="0" smtClean="0"/>
+              <a:t>I </a:t>
+            </a:r>
+            <a:r>
+              <a:rPr lang="en-US" baseline="0" dirty="0" err="1" smtClean="0"/>
+              <a:t>applikationen</a:t>
+            </a:r>
+            <a:r>
+              <a:rPr lang="en-US" baseline="0" dirty="0" smtClean="0"/>
+              <a:t> (</a:t>
+            </a:r>
+            <a:r>
+              <a:rPr lang="en-US" baseline="0" dirty="0" err="1" smtClean="0"/>
+              <a:t>Runkeeper</a:t>
+            </a:r>
+            <a:r>
+              <a:rPr lang="en-US" baseline="0" dirty="0" smtClean="0"/>
+              <a:t>) </a:t>
+            </a:r>
+            <a:r>
+              <a:rPr lang="en-US" baseline="0" dirty="0" err="1" smtClean="0"/>
+              <a:t>är</a:t>
+            </a:r>
+            <a:r>
+              <a:rPr lang="en-US" baseline="0" dirty="0" smtClean="0"/>
+              <a:t> du </a:t>
+            </a:r>
+            <a:r>
+              <a:rPr lang="en-US" baseline="0" dirty="0" err="1" smtClean="0"/>
+              <a:t>inloggad</a:t>
+            </a:r>
+            <a:r>
+              <a:rPr lang="en-US" baseline="0" dirty="0" smtClean="0"/>
+              <a:t> med </a:t>
+            </a:r>
+            <a:r>
+              <a:rPr lang="en-US" baseline="0" dirty="0" err="1" smtClean="0"/>
+              <a:t>ditt</a:t>
+            </a:r>
+            <a:r>
+              <a:rPr lang="en-US" baseline="0" dirty="0" smtClean="0"/>
+              <a:t> </a:t>
+            </a:r>
+            <a:r>
+              <a:rPr lang="en-US" baseline="0" dirty="0" err="1" smtClean="0"/>
+              <a:t>användarnamn</a:t>
+            </a:r>
+            <a:r>
+              <a:rPr lang="en-US" baseline="0" dirty="0" smtClean="0"/>
+              <a:t> </a:t>
+            </a:r>
+            <a:r>
+              <a:rPr lang="en-US" baseline="0" dirty="0" err="1" smtClean="0"/>
+              <a:t>för</a:t>
+            </a:r>
+            <a:r>
+              <a:rPr lang="en-US" baseline="0" dirty="0" smtClean="0"/>
+              <a:t> just den </a:t>
+            </a:r>
+            <a:r>
+              <a:rPr lang="en-US" baseline="0" dirty="0" err="1" smtClean="0"/>
+              <a:t>applikationen</a:t>
+            </a:r>
+            <a:r>
+              <a:rPr lang="en-US" baseline="0" dirty="0" smtClean="0"/>
+              <a:t>, </a:t>
+            </a:r>
+            <a:r>
+              <a:rPr lang="en-US" baseline="0" dirty="0" err="1" smtClean="0"/>
+              <a:t>ett</a:t>
+            </a:r>
+            <a:r>
+              <a:rPr lang="en-US" baseline="0" dirty="0" smtClean="0"/>
+              <a:t> alias </a:t>
+            </a:r>
+            <a:r>
+              <a:rPr lang="en-US" baseline="0" dirty="0" err="1" smtClean="0"/>
+              <a:t>tex</a:t>
+            </a:r>
+            <a:r>
+              <a:rPr lang="en-US" baseline="0" dirty="0" smtClean="0"/>
+              <a:t> </a:t>
+            </a:r>
+            <a:r>
+              <a:rPr lang="en-US" baseline="0" dirty="0" err="1" smtClean="0"/>
+              <a:t>kallekula</a:t>
+            </a:r>
+            <a:r>
+              <a:rPr lang="en-US" baseline="0" dirty="0" smtClean="0"/>
+              <a:t>.</a:t>
+            </a:r>
+          </a:p>
+          <a:p>
+            <a:r>
+              <a:rPr lang="en-US" baseline="0" dirty="0" smtClean="0"/>
+              <a:t>Du </a:t>
+            </a:r>
+            <a:r>
+              <a:rPr lang="en-US" baseline="0" dirty="0" err="1" smtClean="0"/>
+              <a:t>som</a:t>
+            </a:r>
+            <a:r>
+              <a:rPr lang="en-US" baseline="0" dirty="0" smtClean="0"/>
+              <a:t> </a:t>
+            </a:r>
+            <a:r>
+              <a:rPr lang="en-US" baseline="0" dirty="0" err="1" smtClean="0"/>
+              <a:t>invånare</a:t>
+            </a:r>
+            <a:r>
+              <a:rPr lang="en-US" baseline="0" dirty="0" smtClean="0"/>
+              <a:t> </a:t>
+            </a:r>
+            <a:r>
+              <a:rPr lang="en-US" baseline="0" dirty="0" err="1" smtClean="0"/>
               <a:t>behöver</a:t>
             </a:r>
             <a:r>
-              <a:rPr lang="en-US" dirty="0" smtClean="0"/>
-              <a:t> </a:t>
-            </a:r>
-            <a:r>
-              <a:rPr lang="en-US" dirty="0" err="1" smtClean="0"/>
-              <a:t>registrera</a:t>
-            </a:r>
-            <a:r>
-              <a:rPr lang="en-US" dirty="0" smtClean="0"/>
-              <a:t> </a:t>
-            </a:r>
-            <a:r>
-              <a:rPr lang="en-US" dirty="0" err="1" smtClean="0"/>
-              <a:t>ett</a:t>
-            </a:r>
-            <a:r>
-              <a:rPr lang="en-US" dirty="0" smtClean="0"/>
-              <a:t> </a:t>
-            </a:r>
-            <a:r>
-              <a:rPr lang="en-US" dirty="0" err="1" smtClean="0"/>
-              <a:t>unikt</a:t>
-            </a:r>
-            <a:r>
-              <a:rPr lang="en-US" dirty="0" smtClean="0"/>
-              <a:t> </a:t>
-            </a:r>
-            <a:r>
-              <a:rPr lang="en-US" dirty="0" err="1" smtClean="0"/>
-              <a:t>klient</a:t>
-            </a:r>
-            <a:r>
-              <a:rPr lang="en-US" dirty="0" smtClean="0"/>
-              <a:t>-id </a:t>
-            </a:r>
-            <a:r>
-              <a:rPr lang="en-US" dirty="0" err="1" smtClean="0"/>
-              <a:t>som</a:t>
-            </a:r>
-            <a:r>
-              <a:rPr lang="en-US" dirty="0" smtClean="0"/>
-              <a:t> </a:t>
-            </a:r>
-            <a:r>
-              <a:rPr lang="en-US" dirty="0" err="1" smtClean="0"/>
-              <a:t>är</a:t>
-            </a:r>
-            <a:r>
-              <a:rPr lang="en-US" dirty="0" smtClean="0"/>
-              <a:t> </a:t>
-            </a:r>
-            <a:r>
-              <a:rPr lang="en-US" dirty="0" err="1" smtClean="0"/>
-              <a:t>kopplat</a:t>
-            </a:r>
-            <a:r>
-              <a:rPr lang="en-US" dirty="0" smtClean="0"/>
-              <a:t> till </a:t>
-            </a:r>
-            <a:r>
-              <a:rPr lang="en-US" dirty="0" err="1" smtClean="0"/>
-              <a:t>ett</a:t>
-            </a:r>
-            <a:r>
-              <a:rPr lang="en-US" dirty="0" smtClean="0"/>
-              <a:t> </a:t>
-            </a:r>
-            <a:r>
-              <a:rPr lang="en-US" dirty="0" err="1" smtClean="0"/>
-              <a:t>godkänt</a:t>
-            </a:r>
-            <a:r>
-              <a:rPr lang="en-US" dirty="0" smtClean="0"/>
-              <a:t> </a:t>
-            </a:r>
-            <a:r>
-              <a:rPr lang="en-US" dirty="0" err="1" smtClean="0"/>
-              <a:t>klientcertifikat</a:t>
-            </a:r>
-            <a:r>
-              <a:rPr lang="en-US" dirty="0" smtClean="0"/>
+              <a:rPr lang="en-US" baseline="0" dirty="0" smtClean="0"/>
+              <a:t> </a:t>
+            </a:r>
+            <a:r>
+              <a:rPr lang="en-US" baseline="0" dirty="0" err="1" smtClean="0"/>
+              <a:t>godkänna</a:t>
+            </a:r>
+            <a:r>
+              <a:rPr lang="en-US" baseline="0" dirty="0" smtClean="0"/>
+              <a:t> </a:t>
+            </a:r>
+            <a:r>
+              <a:rPr lang="en-US" baseline="0" dirty="0" err="1" smtClean="0"/>
+              <a:t>att</a:t>
+            </a:r>
+            <a:r>
+              <a:rPr lang="en-US" baseline="0" dirty="0" smtClean="0"/>
+              <a:t> </a:t>
+            </a:r>
+            <a:r>
+              <a:rPr lang="en-US" baseline="0" dirty="0" err="1" smtClean="0"/>
+              <a:t>applikationen</a:t>
+            </a:r>
+            <a:r>
+              <a:rPr lang="en-US" baseline="0" dirty="0" smtClean="0"/>
+              <a:t> </a:t>
+            </a:r>
+            <a:r>
+              <a:rPr lang="en-US" baseline="0" dirty="0" err="1" smtClean="0"/>
+              <a:t>får</a:t>
+            </a:r>
+            <a:r>
+              <a:rPr lang="en-US" baseline="0" dirty="0" smtClean="0"/>
+              <a:t> </a:t>
+            </a:r>
+            <a:r>
+              <a:rPr lang="en-US" baseline="0" dirty="0" err="1" smtClean="0"/>
+              <a:t>komma</a:t>
+            </a:r>
+            <a:r>
+              <a:rPr lang="en-US" baseline="0" dirty="0" smtClean="0"/>
+              <a:t> </a:t>
+            </a:r>
+            <a:r>
+              <a:rPr lang="en-US" baseline="0" dirty="0" err="1" smtClean="0"/>
+              <a:t>åt</a:t>
+            </a:r>
+            <a:r>
+              <a:rPr lang="en-US" baseline="0" dirty="0" smtClean="0"/>
+              <a:t> information </a:t>
+            </a:r>
+            <a:r>
+              <a:rPr lang="en-US" baseline="0" dirty="0" err="1" smtClean="0"/>
+              <a:t>om</a:t>
+            </a:r>
+            <a:r>
+              <a:rPr lang="en-US" baseline="0" dirty="0" smtClean="0"/>
+              <a:t> dig.</a:t>
+            </a:r>
+          </a:p>
+          <a:p>
+            <a:r>
+              <a:rPr lang="en-US" baseline="0" dirty="0" err="1" smtClean="0"/>
+              <a:t>För</a:t>
+            </a:r>
+            <a:r>
+              <a:rPr lang="en-US" baseline="0" dirty="0" smtClean="0"/>
+              <a:t> </a:t>
+            </a:r>
+            <a:r>
+              <a:rPr lang="en-US" baseline="0" dirty="0" err="1" smtClean="0"/>
+              <a:t>att</a:t>
+            </a:r>
+            <a:r>
+              <a:rPr lang="en-US" baseline="0" dirty="0" smtClean="0"/>
+              <a:t> </a:t>
+            </a:r>
+            <a:r>
+              <a:rPr lang="en-US" baseline="0" dirty="0" err="1" smtClean="0"/>
+              <a:t>göra</a:t>
+            </a:r>
+            <a:r>
+              <a:rPr lang="en-US" baseline="0" dirty="0" smtClean="0"/>
+              <a:t> </a:t>
+            </a:r>
+            <a:r>
+              <a:rPr lang="en-US" baseline="0" dirty="0" err="1" smtClean="0"/>
+              <a:t>detta</a:t>
+            </a:r>
+            <a:r>
+              <a:rPr lang="en-US" baseline="0" dirty="0" smtClean="0"/>
+              <a:t> </a:t>
+            </a:r>
+            <a:r>
+              <a:rPr lang="en-US" baseline="0" dirty="0" err="1" smtClean="0"/>
+              <a:t>blir</a:t>
+            </a:r>
+            <a:r>
+              <a:rPr lang="en-US" baseline="0" dirty="0" smtClean="0"/>
+              <a:t> du </a:t>
+            </a:r>
+            <a:r>
+              <a:rPr lang="en-US" baseline="0" dirty="0" err="1" smtClean="0"/>
+              <a:t>skickad</a:t>
+            </a:r>
+            <a:r>
+              <a:rPr lang="en-US" baseline="0" dirty="0" smtClean="0"/>
+              <a:t> till Facebook, </a:t>
+            </a:r>
+            <a:r>
+              <a:rPr lang="en-US" baseline="0" dirty="0" err="1" smtClean="0"/>
+              <a:t>där</a:t>
+            </a:r>
+            <a:r>
+              <a:rPr lang="en-US" baseline="0" dirty="0" smtClean="0"/>
+              <a:t> du </a:t>
+            </a:r>
+            <a:r>
+              <a:rPr lang="en-US" baseline="0" dirty="0" err="1" smtClean="0"/>
+              <a:t>får</a:t>
+            </a:r>
+            <a:r>
+              <a:rPr lang="en-US" baseline="0" dirty="0" smtClean="0"/>
+              <a:t> </a:t>
+            </a:r>
+            <a:r>
+              <a:rPr lang="en-US" baseline="0" dirty="0" err="1" smtClean="0"/>
+              <a:t>logga</a:t>
+            </a:r>
+            <a:r>
+              <a:rPr lang="en-US" baseline="0" dirty="0" smtClean="0"/>
+              <a:t> in </a:t>
+            </a:r>
+            <a:r>
+              <a:rPr lang="en-US" baseline="0" dirty="0" err="1" smtClean="0"/>
+              <a:t>och</a:t>
+            </a:r>
+            <a:r>
+              <a:rPr lang="en-US" baseline="0" dirty="0" smtClean="0"/>
+              <a:t> </a:t>
+            </a:r>
+            <a:r>
+              <a:rPr lang="en-US" baseline="0" dirty="0" err="1" smtClean="0"/>
+              <a:t>godkänna</a:t>
+            </a:r>
+            <a:r>
+              <a:rPr lang="en-US" baseline="0" dirty="0" smtClean="0"/>
+              <a:t> </a:t>
+            </a:r>
+            <a:r>
+              <a:rPr lang="en-US" baseline="0" dirty="0" err="1" smtClean="0"/>
+              <a:t>begäran</a:t>
+            </a:r>
+            <a:r>
+              <a:rPr lang="en-US" baseline="0" dirty="0" smtClean="0"/>
               <a:t>.</a:t>
             </a:r>
-          </a:p>
-          <a:p>
-            <a:endParaRPr lang="en-US" dirty="0" smtClean="0"/>
-          </a:p>
-          <a:p>
-            <a:r>
-              <a:rPr lang="en-US" b="1" dirty="0" smtClean="0"/>
-              <a:t>Scope</a:t>
-            </a:r>
-            <a:r>
-              <a:rPr lang="en-US" dirty="0" smtClean="0"/>
-              <a:t> (</a:t>
-            </a:r>
-            <a:r>
-              <a:rPr lang="en-US" dirty="0" err="1" smtClean="0"/>
-              <a:t>omfattning</a:t>
-            </a:r>
-            <a:r>
-              <a:rPr lang="en-US" dirty="0" smtClean="0"/>
-              <a:t>) -&gt; </a:t>
-            </a:r>
-            <a:r>
-              <a:rPr lang="en-US" dirty="0" err="1" smtClean="0"/>
-              <a:t>Parametern</a:t>
-            </a:r>
-            <a:r>
-              <a:rPr lang="en-US" dirty="0" smtClean="0"/>
-              <a:t> </a:t>
-            </a:r>
-            <a:r>
-              <a:rPr lang="en-US" dirty="0" err="1" smtClean="0"/>
-              <a:t>för</a:t>
-            </a:r>
-            <a:r>
-              <a:rPr lang="en-US" dirty="0" smtClean="0"/>
-              <a:t> </a:t>
-            </a:r>
-            <a:r>
-              <a:rPr lang="en-US" dirty="0" err="1" smtClean="0"/>
-              <a:t>omfattning</a:t>
-            </a:r>
-            <a:r>
-              <a:rPr lang="en-US" dirty="0" smtClean="0"/>
-              <a:t> </a:t>
-            </a:r>
-            <a:r>
-              <a:rPr lang="en-US" dirty="0" err="1" smtClean="0"/>
-              <a:t>av</a:t>
-            </a:r>
-            <a:r>
-              <a:rPr lang="en-US" dirty="0" smtClean="0"/>
-              <a:t> </a:t>
-            </a:r>
-            <a:r>
-              <a:rPr lang="en-US" dirty="0" err="1" smtClean="0"/>
-              <a:t>begäran</a:t>
-            </a:r>
-            <a:r>
-              <a:rPr lang="en-US" dirty="0" smtClean="0"/>
-              <a:t> </a:t>
-            </a:r>
-            <a:r>
-              <a:rPr lang="en-US" dirty="0" err="1" smtClean="0"/>
-              <a:t>skickas</a:t>
-            </a:r>
-            <a:r>
-              <a:rPr lang="en-US" dirty="0" smtClean="0"/>
-              <a:t> med </a:t>
-            </a:r>
-            <a:r>
-              <a:rPr lang="en-US" dirty="0" err="1" smtClean="0"/>
-              <a:t>som</a:t>
-            </a:r>
-            <a:r>
-              <a:rPr lang="en-US" dirty="0" smtClean="0"/>
-              <a:t> en </a:t>
-            </a:r>
-            <a:r>
-              <a:rPr lang="en-US" dirty="0" err="1" smtClean="0"/>
-              <a:t>kommaseparerad</a:t>
-            </a:r>
-            <a:r>
-              <a:rPr lang="en-US" dirty="0" smtClean="0"/>
-              <a:t> </a:t>
-            </a:r>
-            <a:r>
-              <a:rPr lang="en-US" dirty="0" err="1" smtClean="0"/>
-              <a:t>lista</a:t>
-            </a:r>
-            <a:r>
-              <a:rPr lang="en-US" dirty="0" smtClean="0"/>
-              <a:t> </a:t>
-            </a:r>
-            <a:r>
-              <a:rPr lang="en-US" dirty="0" err="1" smtClean="0"/>
-              <a:t>av</a:t>
-            </a:r>
-            <a:r>
-              <a:rPr lang="en-US" dirty="0" smtClean="0"/>
-              <a:t> </a:t>
-            </a:r>
-            <a:r>
-              <a:rPr lang="en-US" dirty="0" err="1" smtClean="0"/>
-              <a:t>privilegiekoder</a:t>
-            </a:r>
-            <a:r>
-              <a:rPr lang="en-US" dirty="0" smtClean="0"/>
-              <a:t>.</a:t>
-            </a:r>
-            <a:r>
-              <a:rPr lang="en-US" baseline="0" dirty="0" smtClean="0"/>
-              <a:t> </a:t>
-            </a:r>
-            <a:r>
-              <a:rPr lang="en-US" dirty="0" err="1" smtClean="0"/>
-              <a:t>Exempel</a:t>
-            </a:r>
-            <a:r>
-              <a:rPr lang="en-US" dirty="0" smtClean="0"/>
-              <a:t>: scope=CRM_SCHEDULING_READ,CRM_SCHEDULING_WRITE</a:t>
-            </a:r>
-          </a:p>
-          <a:p>
-            <a:endParaRPr lang="en-US" dirty="0" smtClean="0"/>
-          </a:p>
-          <a:p>
-            <a:r>
-              <a:rPr lang="en-US" b="1" dirty="0" smtClean="0"/>
-              <a:t>State</a:t>
-            </a:r>
-            <a:r>
-              <a:rPr lang="en-US" dirty="0" smtClean="0"/>
-              <a:t> -&gt; </a:t>
-            </a:r>
-            <a:r>
-              <a:rPr lang="en-US" dirty="0" err="1" smtClean="0"/>
-              <a:t>Klienttillståndet</a:t>
-            </a:r>
-            <a:r>
-              <a:rPr lang="en-US" dirty="0" smtClean="0"/>
-              <a:t> </a:t>
-            </a:r>
-            <a:r>
-              <a:rPr lang="en-US" dirty="0" err="1" smtClean="0"/>
-              <a:t>finns</a:t>
-            </a:r>
-            <a:r>
-              <a:rPr lang="en-US" dirty="0" smtClean="0"/>
-              <a:t> med </a:t>
-            </a:r>
-            <a:r>
-              <a:rPr lang="en-US" dirty="0" err="1" smtClean="0"/>
-              <a:t>som</a:t>
-            </a:r>
-            <a:r>
-              <a:rPr lang="en-US" dirty="0" smtClean="0"/>
-              <a:t> </a:t>
-            </a:r>
-            <a:r>
-              <a:rPr lang="en-US" dirty="0" err="1" smtClean="0"/>
-              <a:t>skydd</a:t>
-            </a:r>
-            <a:r>
-              <a:rPr lang="en-US" dirty="0" smtClean="0"/>
-              <a:t> </a:t>
-            </a:r>
-            <a:r>
-              <a:rPr lang="en-US" dirty="0" err="1" smtClean="0"/>
-              <a:t>för</a:t>
-            </a:r>
-            <a:r>
-              <a:rPr lang="en-US" dirty="0" smtClean="0"/>
-              <a:t> </a:t>
-            </a:r>
-            <a:r>
-              <a:rPr lang="en-US" dirty="0" err="1" smtClean="0"/>
-              <a:t>vissa</a:t>
-            </a:r>
-            <a:r>
-              <a:rPr lang="en-US" dirty="0" smtClean="0"/>
-              <a:t> </a:t>
-            </a:r>
-            <a:r>
-              <a:rPr lang="en-US" dirty="0" err="1" smtClean="0"/>
-              <a:t>typer</a:t>
-            </a:r>
-            <a:r>
-              <a:rPr lang="en-US" dirty="0" smtClean="0"/>
-              <a:t> </a:t>
-            </a:r>
-            <a:r>
-              <a:rPr lang="en-US" dirty="0" err="1" smtClean="0"/>
-              <a:t>av</a:t>
-            </a:r>
-            <a:r>
-              <a:rPr lang="en-US" dirty="0" smtClean="0"/>
-              <a:t> attacker </a:t>
-            </a:r>
-            <a:r>
-              <a:rPr lang="en-US" dirty="0" err="1" smtClean="0"/>
-              <a:t>och</a:t>
-            </a:r>
-            <a:r>
-              <a:rPr lang="en-US" dirty="0" smtClean="0"/>
-              <a:t> </a:t>
-            </a:r>
-            <a:r>
-              <a:rPr lang="en-US" dirty="0" err="1" smtClean="0"/>
-              <a:t>skall</a:t>
-            </a:r>
-            <a:r>
-              <a:rPr lang="en-US" dirty="0" smtClean="0"/>
-              <a:t> </a:t>
-            </a:r>
-            <a:r>
-              <a:rPr lang="en-US" dirty="0" err="1" smtClean="0"/>
-              <a:t>vara</a:t>
-            </a:r>
-            <a:r>
-              <a:rPr lang="en-US" dirty="0" smtClean="0"/>
-              <a:t> en </a:t>
-            </a:r>
-            <a:r>
-              <a:rPr lang="en-US" dirty="0" err="1" smtClean="0"/>
-              <a:t>slumpgenererad</a:t>
-            </a:r>
-            <a:r>
-              <a:rPr lang="en-US" dirty="0" smtClean="0"/>
-              <a:t> </a:t>
-            </a:r>
-            <a:r>
-              <a:rPr lang="en-US" dirty="0" err="1" smtClean="0"/>
-              <a:t>sträng</a:t>
-            </a:r>
-            <a:r>
-              <a:rPr lang="en-US" dirty="0" smtClean="0"/>
-              <a:t> </a:t>
-            </a:r>
-            <a:r>
-              <a:rPr lang="en-US" dirty="0" err="1" smtClean="0"/>
-              <a:t>som</a:t>
-            </a:r>
-            <a:r>
-              <a:rPr lang="en-US" dirty="0" smtClean="0"/>
-              <a:t> </a:t>
-            </a:r>
-            <a:r>
-              <a:rPr lang="en-US" dirty="0" err="1" smtClean="0"/>
-              <a:t>är</a:t>
-            </a:r>
-            <a:r>
-              <a:rPr lang="en-US" dirty="0" smtClean="0"/>
-              <a:t> </a:t>
-            </a:r>
-            <a:r>
-              <a:rPr lang="en-US" dirty="0" err="1" smtClean="0"/>
-              <a:t>unik</a:t>
-            </a:r>
-            <a:r>
-              <a:rPr lang="en-US" dirty="0" smtClean="0"/>
-              <a:t> per </a:t>
-            </a:r>
-            <a:r>
-              <a:rPr lang="en-US" dirty="0" err="1" smtClean="0"/>
-              <a:t>anrop</a:t>
-            </a:r>
-            <a:r>
-              <a:rPr lang="en-US" dirty="0" smtClean="0"/>
-              <a:t> </a:t>
-            </a:r>
-            <a:r>
-              <a:rPr lang="en-US" dirty="0" err="1" smtClean="0"/>
-              <a:t>och</a:t>
-            </a:r>
-            <a:r>
-              <a:rPr lang="en-US" dirty="0" smtClean="0"/>
-              <a:t> </a:t>
-            </a:r>
-            <a:r>
-              <a:rPr lang="en-US" dirty="0" err="1" smtClean="0"/>
-              <a:t>som</a:t>
-            </a:r>
-            <a:r>
-              <a:rPr lang="en-US" dirty="0" smtClean="0"/>
-              <a:t> </a:t>
-            </a:r>
-            <a:r>
-              <a:rPr lang="en-US" dirty="0" err="1" smtClean="0"/>
-              <a:t>endast</a:t>
-            </a:r>
-            <a:r>
-              <a:rPr lang="en-US" dirty="0" smtClean="0"/>
-              <a:t> </a:t>
-            </a:r>
-            <a:r>
-              <a:rPr lang="en-US" dirty="0" err="1" smtClean="0"/>
-              <a:t>klienten</a:t>
-            </a:r>
-            <a:r>
-              <a:rPr lang="en-US" dirty="0" smtClean="0"/>
-              <a:t> </a:t>
-            </a:r>
-            <a:r>
-              <a:rPr lang="en-US" dirty="0" err="1" smtClean="0"/>
-              <a:t>känner</a:t>
-            </a:r>
-            <a:r>
-              <a:rPr lang="en-US" dirty="0" smtClean="0"/>
-              <a:t> till. </a:t>
-            </a:r>
-            <a:r>
-              <a:rPr lang="en-US" dirty="0" err="1" smtClean="0"/>
-              <a:t>Tillståndet</a:t>
-            </a:r>
-            <a:r>
-              <a:rPr lang="en-US" dirty="0" smtClean="0"/>
-              <a:t> </a:t>
-            </a:r>
-            <a:r>
-              <a:rPr lang="en-US" dirty="0" err="1" smtClean="0"/>
-              <a:t>måste</a:t>
-            </a:r>
-            <a:r>
-              <a:rPr lang="en-US" dirty="0" smtClean="0"/>
-              <a:t> </a:t>
-            </a:r>
-            <a:r>
-              <a:rPr lang="en-US" dirty="0" err="1" smtClean="0"/>
-              <a:t>sparas</a:t>
-            </a:r>
-            <a:r>
-              <a:rPr lang="en-US" dirty="0" smtClean="0"/>
-              <a:t> </a:t>
-            </a:r>
-            <a:r>
-              <a:rPr lang="en-US" dirty="0" err="1" smtClean="0"/>
-              <a:t>av</a:t>
-            </a:r>
-            <a:r>
-              <a:rPr lang="en-US" dirty="0" smtClean="0"/>
-              <a:t> </a:t>
-            </a:r>
-            <a:r>
-              <a:rPr lang="en-US" dirty="0" err="1" smtClean="0"/>
-              <a:t>klienten</a:t>
-            </a:r>
-            <a:r>
-              <a:rPr lang="en-US" dirty="0" smtClean="0"/>
-              <a:t> tills </a:t>
-            </a:r>
-            <a:r>
-              <a:rPr lang="en-US" dirty="0" err="1" smtClean="0"/>
-              <a:t>dess</a:t>
-            </a:r>
-            <a:r>
-              <a:rPr lang="en-US" dirty="0" smtClean="0"/>
-              <a:t> </a:t>
-            </a:r>
-            <a:r>
-              <a:rPr lang="en-US" dirty="0" err="1" smtClean="0"/>
-              <a:t>att</a:t>
-            </a:r>
-            <a:r>
-              <a:rPr lang="en-US" dirty="0" smtClean="0"/>
-              <a:t> </a:t>
-            </a:r>
-            <a:r>
-              <a:rPr lang="en-US" dirty="0" err="1" smtClean="0"/>
-              <a:t>användaren</a:t>
-            </a:r>
-            <a:r>
-              <a:rPr lang="en-US" dirty="0" smtClean="0"/>
-              <a:t> </a:t>
-            </a:r>
-            <a:r>
-              <a:rPr lang="en-US" dirty="0" err="1" smtClean="0"/>
-              <a:t>kommer</a:t>
-            </a:r>
-            <a:r>
-              <a:rPr lang="en-US" dirty="0" smtClean="0"/>
-              <a:t> </a:t>
-            </a:r>
-            <a:r>
-              <a:rPr lang="en-US" dirty="0" err="1" smtClean="0"/>
-              <a:t>tillbaka</a:t>
-            </a:r>
-            <a:r>
-              <a:rPr lang="en-US" dirty="0" smtClean="0"/>
-              <a:t> </a:t>
-            </a:r>
-            <a:r>
-              <a:rPr lang="en-US" dirty="0" err="1" smtClean="0"/>
-              <a:t>från</a:t>
-            </a:r>
-            <a:r>
-              <a:rPr lang="en-US" dirty="0" smtClean="0"/>
-              <a:t> </a:t>
-            </a:r>
-            <a:r>
-              <a:rPr lang="en-US" dirty="0" err="1" smtClean="0"/>
-              <a:t>auktorisationsdialogen</a:t>
-            </a:r>
-            <a:r>
-              <a:rPr lang="en-US" dirty="0" smtClean="0"/>
-              <a:t> </a:t>
-            </a:r>
-            <a:r>
-              <a:rPr lang="en-US" dirty="0" err="1" smtClean="0"/>
-              <a:t>eftersom</a:t>
-            </a:r>
-            <a:r>
-              <a:rPr lang="en-US" dirty="0" smtClean="0"/>
-              <a:t> </a:t>
-            </a:r>
-            <a:r>
-              <a:rPr lang="en-US" dirty="0" err="1" smtClean="0"/>
-              <a:t>det</a:t>
-            </a:r>
-            <a:r>
-              <a:rPr lang="en-US" dirty="0" smtClean="0"/>
-              <a:t> </a:t>
-            </a:r>
-            <a:r>
-              <a:rPr lang="en-US" dirty="0" err="1" smtClean="0"/>
-              <a:t>då</a:t>
-            </a:r>
-            <a:r>
-              <a:rPr lang="en-US" dirty="0" smtClean="0"/>
-              <a:t> </a:t>
-            </a:r>
-            <a:r>
-              <a:rPr lang="en-US" dirty="0" err="1" smtClean="0"/>
-              <a:t>skall</a:t>
-            </a:r>
-            <a:r>
-              <a:rPr lang="en-US" dirty="0" smtClean="0"/>
-              <a:t> </a:t>
-            </a:r>
-            <a:r>
-              <a:rPr lang="en-US" dirty="0" err="1" smtClean="0"/>
-              <a:t>matchas</a:t>
-            </a:r>
-            <a:r>
-              <a:rPr lang="en-US" dirty="0" smtClean="0"/>
-              <a:t> mot </a:t>
-            </a:r>
-            <a:r>
-              <a:rPr lang="en-US" dirty="0" err="1" smtClean="0"/>
-              <a:t>det</a:t>
-            </a:r>
-            <a:r>
-              <a:rPr lang="en-US" dirty="0" smtClean="0"/>
-              <a:t> </a:t>
-            </a:r>
-            <a:r>
-              <a:rPr lang="en-US" dirty="0" err="1" smtClean="0"/>
-              <a:t>tillståndsvärde</a:t>
-            </a:r>
-            <a:r>
-              <a:rPr lang="en-US" dirty="0" smtClean="0"/>
-              <a:t> </a:t>
-            </a:r>
-            <a:r>
-              <a:rPr lang="en-US" dirty="0" err="1" smtClean="0"/>
-              <a:t>användaren</a:t>
-            </a:r>
-            <a:r>
-              <a:rPr lang="en-US" dirty="0" smtClean="0"/>
-              <a:t> </a:t>
-            </a:r>
-            <a:r>
-              <a:rPr lang="en-US" dirty="0" err="1" smtClean="0"/>
-              <a:t>har</a:t>
-            </a:r>
-            <a:r>
-              <a:rPr lang="en-US" dirty="0" smtClean="0"/>
-              <a:t> med sig </a:t>
-            </a:r>
-            <a:r>
-              <a:rPr lang="en-US" dirty="0" err="1" smtClean="0"/>
-              <a:t>tillbaka</a:t>
-            </a:r>
-            <a:r>
-              <a:rPr lang="en-US" dirty="0" smtClean="0"/>
-              <a:t>.</a:t>
-            </a:r>
-          </a:p>
-          <a:p>
-            <a:endParaRPr lang="en-US" dirty="0" smtClean="0"/>
-          </a:p>
-          <a:p>
-            <a:r>
-              <a:rPr lang="en-US" b="1" dirty="0" smtClean="0"/>
-              <a:t>Redirect URI </a:t>
-            </a:r>
-            <a:r>
-              <a:rPr lang="en-US" b="0" dirty="0" smtClean="0"/>
-              <a:t>-&gt; Den URL </a:t>
-            </a:r>
-            <a:r>
-              <a:rPr lang="en-US" b="0" dirty="0" err="1" smtClean="0"/>
-              <a:t>i</a:t>
-            </a:r>
-            <a:r>
-              <a:rPr lang="en-US" b="0" dirty="0" smtClean="0"/>
-              <a:t> </a:t>
-            </a:r>
-            <a:r>
-              <a:rPr lang="en-US" b="0" dirty="0" err="1" smtClean="0"/>
-              <a:t>klientsystemet</a:t>
-            </a:r>
-            <a:r>
-              <a:rPr lang="en-US" b="0" dirty="0" smtClean="0"/>
-              <a:t> </a:t>
-            </a:r>
-            <a:r>
-              <a:rPr lang="en-US" b="0" dirty="0" err="1" smtClean="0"/>
-              <a:t>som</a:t>
-            </a:r>
-            <a:r>
-              <a:rPr lang="en-US" b="0" dirty="0" smtClean="0"/>
-              <a:t> </a:t>
-            </a:r>
-            <a:r>
-              <a:rPr lang="en-US" b="0" dirty="0" err="1" smtClean="0"/>
-              <a:t>användarens</a:t>
-            </a:r>
-            <a:r>
-              <a:rPr lang="en-US" b="0" dirty="0" smtClean="0"/>
-              <a:t> </a:t>
-            </a:r>
-            <a:r>
-              <a:rPr lang="en-US" b="0" dirty="0" err="1" smtClean="0"/>
-              <a:t>användaragent</a:t>
-            </a:r>
-            <a:r>
-              <a:rPr lang="en-US" b="0" dirty="0" smtClean="0"/>
-              <a:t> </a:t>
-            </a:r>
-            <a:r>
-              <a:rPr lang="en-US" b="0" dirty="0" err="1" smtClean="0"/>
-              <a:t>skall</a:t>
-            </a:r>
-            <a:r>
-              <a:rPr lang="en-US" b="0" dirty="0" smtClean="0"/>
-              <a:t> </a:t>
-            </a:r>
-            <a:r>
-              <a:rPr lang="en-US" b="0" dirty="0" err="1" smtClean="0"/>
-              <a:t>skickas</a:t>
-            </a:r>
-            <a:r>
-              <a:rPr lang="en-US" b="0" dirty="0" smtClean="0"/>
-              <a:t> till </a:t>
-            </a:r>
-            <a:r>
-              <a:rPr lang="en-US" b="0" dirty="0" err="1" smtClean="0"/>
-              <a:t>efter</a:t>
-            </a:r>
-            <a:r>
-              <a:rPr lang="en-US" b="0" dirty="0" smtClean="0"/>
-              <a:t> </a:t>
-            </a:r>
-            <a:r>
-              <a:rPr lang="en-US" b="0" dirty="0" err="1" smtClean="0"/>
-              <a:t>godkännandeprocessen</a:t>
-            </a:r>
-            <a:r>
-              <a:rPr lang="en-US" b="0" dirty="0" smtClean="0"/>
-              <a:t>.</a:t>
-            </a:r>
-            <a:endParaRPr lang="en-US" b="0" dirty="0"/>
+            <a:endParaRPr lang="en-US" dirty="0"/>
           </a:p>
         </p:txBody>
       </p:sp>
@@ -2857,7 +2483,7 @@
               <a:pPr>
                 <a:defRPr/>
               </a:pPr>
-              <a:t>18</a:t>
+              <a:t>16</a:t>
             </a:fld>
             <a:endParaRPr lang="sv-SE"/>
           </a:p>
@@ -2866,7 +2492,7 @@
     </p:spTree>
     <p:extLst>
       <p:ext uri="{BB962C8B-B14F-4D97-AF65-F5344CB8AC3E}">
-        <p14:creationId xmlns:p14="http://schemas.microsoft.com/office/powerpoint/2010/main" val="1600914622"/>
+        <p14:creationId xmlns:p14="http://schemas.microsoft.com/office/powerpoint/2010/main" val="698192533"/>
       </p:ext>
     </p:extLst>
   </p:cSld>
@@ -2959,7 +2585,7 @@
             </a:r>
             <a:r>
               <a:rPr lang="en-US" dirty="0" smtClean="0"/>
-              <a:t> /lab3</a:t>
+              <a:t> /lab2</a:t>
             </a:r>
           </a:p>
           <a:p>
@@ -2990,7 +2616,7 @@
               <a:pPr>
                 <a:defRPr/>
               </a:pPr>
-              <a:t>19</a:t>
+              <a:t>17</a:t>
             </a:fld>
             <a:endParaRPr lang="sv-SE"/>
           </a:p>
@@ -2999,7 +2625,7 @@
     </p:spTree>
     <p:extLst>
       <p:ext uri="{BB962C8B-B14F-4D97-AF65-F5344CB8AC3E}">
-        <p14:creationId xmlns:p14="http://schemas.microsoft.com/office/powerpoint/2010/main" val="548233758"/>
+        <p14:creationId xmlns:p14="http://schemas.microsoft.com/office/powerpoint/2010/main" val="3815961321"/>
       </p:ext>
     </p:extLst>
   </p:cSld>
@@ -3055,233 +2681,1024 @@
           <a:p>
             <a:r>
               <a:rPr lang="en-US" b="1" dirty="0" smtClean="0"/>
-              <a:t>Cross Origin Resource Sharing</a:t>
-            </a:r>
-            <a:r>
-              <a:rPr lang="en-US" b="1" baseline="0" dirty="0" smtClean="0"/>
+              <a:t>Response type </a:t>
+            </a:r>
+            <a:r>
+              <a:rPr lang="en-US" b="0" dirty="0" smtClean="0"/>
+              <a:t>-&gt; Fast till Code, </a:t>
+            </a:r>
+            <a:r>
+              <a:rPr lang="en-US" b="0" dirty="0" err="1" smtClean="0"/>
+              <a:t>för</a:t>
+            </a:r>
+            <a:r>
+              <a:rPr lang="en-US" b="0" dirty="0" smtClean="0"/>
+              <a:t> </a:t>
+            </a:r>
+            <a:r>
+              <a:rPr lang="en-US" b="0" dirty="0" err="1" smtClean="0"/>
+              <a:t>att</a:t>
+            </a:r>
+            <a:r>
+              <a:rPr lang="en-US" b="0" dirty="0" smtClean="0"/>
+              <a:t> </a:t>
+            </a:r>
+            <a:r>
+              <a:rPr lang="en-US" b="0" dirty="0" err="1" smtClean="0"/>
+              <a:t>säga</a:t>
+            </a:r>
+            <a:r>
+              <a:rPr lang="en-US" b="0" dirty="0" smtClean="0"/>
+              <a:t> till authorization server</a:t>
+            </a:r>
+            <a:r>
+              <a:rPr lang="en-US" b="0" baseline="0" dirty="0" smtClean="0"/>
+              <a:t> </a:t>
+            </a:r>
+            <a:r>
+              <a:rPr lang="en-US" b="0" baseline="0" dirty="0" err="1" smtClean="0"/>
+              <a:t>vilket</a:t>
+            </a:r>
+            <a:r>
+              <a:rPr lang="en-US" b="0" baseline="0" dirty="0" smtClean="0"/>
+              <a:t> </a:t>
+            </a:r>
+            <a:r>
+              <a:rPr lang="en-US" b="0" baseline="0" dirty="0" err="1" smtClean="0"/>
+              <a:t>flöde</a:t>
+            </a:r>
+            <a:r>
+              <a:rPr lang="en-US" b="0" baseline="0" dirty="0" smtClean="0"/>
+              <a:t> vi </a:t>
+            </a:r>
+            <a:r>
+              <a:rPr lang="en-US" b="0" baseline="0" dirty="0" err="1" smtClean="0"/>
+              <a:t>vill</a:t>
+            </a:r>
+            <a:r>
+              <a:rPr lang="en-US" b="0" baseline="0" dirty="0" smtClean="0"/>
+              <a:t> </a:t>
+            </a:r>
+            <a:r>
+              <a:rPr lang="en-US" b="0" baseline="0" dirty="0" err="1" smtClean="0"/>
+              <a:t>använda</a:t>
+            </a:r>
+            <a:r>
+              <a:rPr lang="en-US" b="0" baseline="0" dirty="0" smtClean="0"/>
+              <a:t>, I </a:t>
+            </a:r>
+            <a:r>
+              <a:rPr lang="en-US" b="0" baseline="0" dirty="0" err="1" smtClean="0"/>
+              <a:t>detta</a:t>
+            </a:r>
+            <a:r>
+              <a:rPr lang="en-US" b="0" baseline="0" dirty="0" smtClean="0"/>
+              <a:t> </a:t>
+            </a:r>
+            <a:r>
+              <a:rPr lang="en-US" b="0" baseline="0" dirty="0" err="1" smtClean="0"/>
+              <a:t>fallet</a:t>
+            </a:r>
+            <a:r>
+              <a:rPr lang="en-US" b="0" baseline="0" dirty="0" smtClean="0"/>
+              <a:t> authorization code flow.</a:t>
+            </a:r>
+            <a:endParaRPr lang="en-US" b="0" dirty="0" smtClean="0"/>
+          </a:p>
+          <a:p>
+            <a:endParaRPr lang="en-US" b="0" dirty="0" smtClean="0"/>
+          </a:p>
+          <a:p>
+            <a:r>
+              <a:rPr lang="en-US" b="1" dirty="0" smtClean="0"/>
+              <a:t>Client ID</a:t>
+            </a:r>
+            <a:r>
+              <a:rPr lang="en-US" dirty="0" smtClean="0"/>
+              <a:t> -&gt; </a:t>
+            </a:r>
+            <a:r>
+              <a:rPr lang="en-US" dirty="0" err="1" smtClean="0"/>
+              <a:t>Alla</a:t>
+            </a:r>
+            <a:r>
+              <a:rPr lang="en-US" dirty="0" smtClean="0"/>
+              <a:t> </a:t>
+            </a:r>
+            <a:r>
+              <a:rPr lang="en-US" dirty="0" err="1" smtClean="0"/>
+              <a:t>klienter</a:t>
+            </a:r>
+            <a:r>
+              <a:rPr lang="en-US" dirty="0" smtClean="0"/>
+              <a:t> </a:t>
+            </a:r>
+            <a:r>
+              <a:rPr lang="en-US" dirty="0" err="1" smtClean="0"/>
+              <a:t>som</a:t>
+            </a:r>
+            <a:r>
+              <a:rPr lang="en-US" dirty="0" smtClean="0"/>
+              <a:t> </a:t>
+            </a:r>
+            <a:r>
+              <a:rPr lang="en-US" dirty="0" err="1" smtClean="0"/>
+              <a:t>använder</a:t>
+            </a:r>
+            <a:r>
+              <a:rPr lang="en-US" dirty="0" smtClean="0"/>
+              <a:t> </a:t>
+            </a:r>
+            <a:r>
+              <a:rPr lang="en-US" dirty="0" err="1" smtClean="0"/>
+              <a:t>API:et</a:t>
+            </a:r>
+            <a:r>
+              <a:rPr lang="en-US" dirty="0" smtClean="0"/>
+              <a:t> </a:t>
+            </a:r>
+            <a:r>
+              <a:rPr lang="en-US" dirty="0" err="1" smtClean="0"/>
+              <a:t>behöver</a:t>
+            </a:r>
+            <a:r>
+              <a:rPr lang="en-US" dirty="0" smtClean="0"/>
+              <a:t> </a:t>
+            </a:r>
+            <a:r>
+              <a:rPr lang="en-US" dirty="0" err="1" smtClean="0"/>
+              <a:t>registrera</a:t>
+            </a:r>
+            <a:r>
+              <a:rPr lang="en-US" dirty="0" smtClean="0"/>
+              <a:t> </a:t>
+            </a:r>
+            <a:r>
+              <a:rPr lang="en-US" dirty="0" err="1" smtClean="0"/>
+              <a:t>ett</a:t>
+            </a:r>
+            <a:r>
+              <a:rPr lang="en-US" dirty="0" smtClean="0"/>
+              <a:t> </a:t>
+            </a:r>
+            <a:r>
+              <a:rPr lang="en-US" dirty="0" err="1" smtClean="0"/>
+              <a:t>unikt</a:t>
+            </a:r>
+            <a:r>
+              <a:rPr lang="en-US" dirty="0" smtClean="0"/>
+              <a:t> </a:t>
+            </a:r>
+            <a:r>
+              <a:rPr lang="en-US" dirty="0" err="1" smtClean="0"/>
+              <a:t>klient</a:t>
+            </a:r>
+            <a:r>
+              <a:rPr lang="en-US" dirty="0" smtClean="0"/>
+              <a:t>-id </a:t>
+            </a:r>
+            <a:r>
+              <a:rPr lang="en-US" dirty="0" err="1" smtClean="0"/>
+              <a:t>som</a:t>
+            </a:r>
+            <a:r>
+              <a:rPr lang="en-US" dirty="0" smtClean="0"/>
+              <a:t> </a:t>
+            </a:r>
+            <a:r>
+              <a:rPr lang="en-US" dirty="0" err="1" smtClean="0"/>
+              <a:t>är</a:t>
+            </a:r>
+            <a:r>
+              <a:rPr lang="en-US" dirty="0" smtClean="0"/>
+              <a:t> </a:t>
+            </a:r>
+            <a:r>
+              <a:rPr lang="en-US" dirty="0" err="1" smtClean="0"/>
+              <a:t>kopplat</a:t>
+            </a:r>
+            <a:r>
+              <a:rPr lang="en-US" dirty="0" smtClean="0"/>
+              <a:t> till </a:t>
+            </a:r>
+            <a:r>
+              <a:rPr lang="en-US" dirty="0" err="1" smtClean="0"/>
+              <a:t>ett</a:t>
+            </a:r>
+            <a:r>
+              <a:rPr lang="en-US" dirty="0" smtClean="0"/>
+              <a:t> </a:t>
+            </a:r>
+            <a:r>
+              <a:rPr lang="en-US" dirty="0" err="1" smtClean="0"/>
+              <a:t>godkänt</a:t>
+            </a:r>
+            <a:r>
+              <a:rPr lang="en-US" dirty="0" smtClean="0"/>
+              <a:t> </a:t>
+            </a:r>
+            <a:r>
+              <a:rPr lang="en-US" dirty="0" err="1" smtClean="0"/>
+              <a:t>klientcertifikat</a:t>
+            </a:r>
+            <a:r>
+              <a:rPr lang="en-US" dirty="0" smtClean="0"/>
+              <a:t>.</a:t>
+            </a:r>
+          </a:p>
+          <a:p>
+            <a:endParaRPr lang="en-US" dirty="0" smtClean="0"/>
+          </a:p>
+          <a:p>
+            <a:r>
+              <a:rPr lang="en-US" b="1" dirty="0" smtClean="0"/>
+              <a:t>Scope</a:t>
+            </a:r>
+            <a:r>
+              <a:rPr lang="en-US" dirty="0" smtClean="0"/>
               <a:t> (</a:t>
             </a:r>
             <a:r>
+              <a:rPr lang="en-US" dirty="0" err="1" smtClean="0"/>
+              <a:t>omfattning</a:t>
+            </a:r>
+            <a:r>
+              <a:rPr lang="en-US" dirty="0" smtClean="0"/>
+              <a:t>) -&gt; </a:t>
+            </a:r>
+            <a:r>
+              <a:rPr lang="en-US" dirty="0" err="1" smtClean="0"/>
+              <a:t>Parametern</a:t>
+            </a:r>
+            <a:r>
+              <a:rPr lang="en-US" dirty="0" smtClean="0"/>
+              <a:t> </a:t>
+            </a:r>
+            <a:r>
+              <a:rPr lang="en-US" dirty="0" err="1" smtClean="0"/>
+              <a:t>för</a:t>
+            </a:r>
+            <a:r>
+              <a:rPr lang="en-US" dirty="0" smtClean="0"/>
+              <a:t> </a:t>
+            </a:r>
+            <a:r>
+              <a:rPr lang="en-US" dirty="0" err="1" smtClean="0"/>
+              <a:t>omfattning</a:t>
+            </a:r>
+            <a:r>
+              <a:rPr lang="en-US" dirty="0" smtClean="0"/>
+              <a:t> </a:t>
+            </a:r>
+            <a:r>
+              <a:rPr lang="en-US" dirty="0" err="1" smtClean="0"/>
+              <a:t>av</a:t>
+            </a:r>
+            <a:r>
+              <a:rPr lang="en-US" dirty="0" smtClean="0"/>
+              <a:t> </a:t>
+            </a:r>
+            <a:r>
+              <a:rPr lang="en-US" dirty="0" err="1" smtClean="0"/>
+              <a:t>begäran</a:t>
+            </a:r>
+            <a:r>
+              <a:rPr lang="en-US" dirty="0" smtClean="0"/>
+              <a:t> </a:t>
+            </a:r>
+            <a:r>
+              <a:rPr lang="en-US" dirty="0" err="1" smtClean="0"/>
+              <a:t>skickas</a:t>
+            </a:r>
+            <a:r>
+              <a:rPr lang="en-US" dirty="0" smtClean="0"/>
+              <a:t> med </a:t>
+            </a:r>
+            <a:r>
+              <a:rPr lang="en-US" dirty="0" err="1" smtClean="0"/>
+              <a:t>som</a:t>
+            </a:r>
+            <a:r>
+              <a:rPr lang="en-US" dirty="0" smtClean="0"/>
+              <a:t> en </a:t>
+            </a:r>
+            <a:r>
+              <a:rPr lang="en-US" dirty="0" err="1" smtClean="0"/>
+              <a:t>kommaseparerad</a:t>
+            </a:r>
+            <a:r>
+              <a:rPr lang="en-US" dirty="0" smtClean="0"/>
+              <a:t> </a:t>
+            </a:r>
+            <a:r>
+              <a:rPr lang="en-US" dirty="0" err="1" smtClean="0"/>
+              <a:t>lista</a:t>
+            </a:r>
+            <a:r>
+              <a:rPr lang="en-US" dirty="0" smtClean="0"/>
+              <a:t> </a:t>
+            </a:r>
+            <a:r>
+              <a:rPr lang="en-US" dirty="0" err="1" smtClean="0"/>
+              <a:t>av</a:t>
+            </a:r>
+            <a:r>
+              <a:rPr lang="en-US" dirty="0" smtClean="0"/>
+              <a:t> </a:t>
+            </a:r>
+            <a:r>
+              <a:rPr lang="en-US" dirty="0" err="1" smtClean="0"/>
+              <a:t>privilegiekoder</a:t>
+            </a:r>
+            <a:r>
+              <a:rPr lang="en-US" dirty="0" smtClean="0"/>
+              <a:t>.</a:t>
+            </a:r>
+            <a:r>
+              <a:rPr lang="en-US" baseline="0" dirty="0" smtClean="0"/>
+              <a:t> </a:t>
+            </a:r>
+            <a:r>
+              <a:rPr lang="en-US" dirty="0" err="1" smtClean="0"/>
+              <a:t>Exempel</a:t>
+            </a:r>
+            <a:r>
+              <a:rPr lang="en-US" dirty="0" smtClean="0"/>
+              <a:t>: scope=CRM_SCHEDULING_READ,CRM_SCHEDULING_WRITE</a:t>
+            </a:r>
+          </a:p>
+          <a:p>
+            <a:endParaRPr lang="en-US" dirty="0" smtClean="0"/>
+          </a:p>
+          <a:p>
+            <a:r>
               <a:rPr lang="en-US" b="1" dirty="0" smtClean="0"/>
-              <a:t>CORS)</a:t>
-            </a:r>
-            <a:r>
-              <a:rPr lang="en-US" dirty="0" smtClean="0"/>
-              <a:t> -&gt; Spring Security,</a:t>
-            </a:r>
-            <a:r>
-              <a:rPr lang="en-US" baseline="0" dirty="0" smtClean="0"/>
-              <a:t> </a:t>
-            </a:r>
-            <a:r>
-              <a:rPr lang="en-US" sz="1200" kern="1200" dirty="0" smtClean="0">
-                <a:solidFill>
-                  <a:schemeClr val="tx1"/>
-                </a:solidFill>
-                <a:latin typeface="+mn-lt"/>
-                <a:ea typeface="ＭＳ Ｐゴシック" charset="0"/>
-                <a:cs typeface="ＭＳ Ｐゴシック" charset="0"/>
-              </a:rPr>
-              <a:t>method=</a:t>
-            </a:r>
-            <a:r>
-              <a:rPr lang="en-US" sz="1200" i="1" kern="1200" dirty="0" smtClean="0">
-                <a:solidFill>
-                  <a:schemeClr val="tx1"/>
-                </a:solidFill>
-                <a:latin typeface="+mn-lt"/>
-                <a:ea typeface="ＭＳ Ｐゴシック" charset="0"/>
-                <a:cs typeface="ＭＳ Ｐゴシック" charset="0"/>
-              </a:rPr>
-              <a:t>"OPTIONS”,</a:t>
-            </a:r>
-            <a:r>
-              <a:rPr lang="en-US" sz="1200" i="0" kern="1200" baseline="0" dirty="0" smtClean="0">
-                <a:solidFill>
-                  <a:schemeClr val="tx1"/>
-                </a:solidFill>
-                <a:latin typeface="+mn-lt"/>
-                <a:ea typeface="ＭＳ Ｐゴシック" charset="0"/>
-                <a:cs typeface="ＭＳ Ｐゴシック" charset="0"/>
-              </a:rPr>
-              <a:t> </a:t>
-            </a:r>
-            <a:r>
-              <a:rPr lang="en-US" sz="1200" i="0" kern="1200" baseline="0" dirty="0" err="1" smtClean="0">
-                <a:solidFill>
-                  <a:schemeClr val="tx1"/>
-                </a:solidFill>
-                <a:latin typeface="+mn-lt"/>
-                <a:ea typeface="ＭＳ Ｐゴシック" charset="0"/>
-                <a:cs typeface="ＭＳ Ｐゴシック" charset="0"/>
-              </a:rPr>
+              <a:t>State</a:t>
+            </a:r>
+            <a:r>
+              <a:rPr lang="en-US" dirty="0" smtClean="0"/>
+              <a:t> -&gt; </a:t>
+            </a:r>
+            <a:r>
+              <a:rPr lang="en-US" dirty="0" err="1" smtClean="0"/>
+              <a:t>Klienttillståndet</a:t>
+            </a:r>
+            <a:r>
+              <a:rPr lang="en-US" dirty="0" smtClean="0"/>
+              <a:t> </a:t>
+            </a:r>
+            <a:r>
+              <a:rPr lang="en-US" dirty="0" err="1" smtClean="0"/>
+              <a:t>finns</a:t>
+            </a:r>
+            <a:r>
+              <a:rPr lang="en-US" dirty="0" smtClean="0"/>
+              <a:t> med </a:t>
+            </a:r>
+            <a:r>
+              <a:rPr lang="en-US" dirty="0" err="1" smtClean="0"/>
+              <a:t>som</a:t>
+            </a:r>
+            <a:r>
+              <a:rPr lang="en-US" dirty="0" smtClean="0"/>
+              <a:t> </a:t>
+            </a:r>
+            <a:r>
+              <a:rPr lang="en-US" dirty="0" err="1" smtClean="0"/>
+              <a:t>skydd</a:t>
+            </a:r>
+            <a:r>
+              <a:rPr lang="en-US" dirty="0" smtClean="0"/>
+              <a:t> </a:t>
+            </a:r>
+            <a:r>
+              <a:rPr lang="en-US" dirty="0" err="1" smtClean="0"/>
               <a:t>för</a:t>
             </a:r>
             <a:r>
-              <a:rPr lang="en-US" sz="1200" i="0" kern="1200" baseline="0" dirty="0" smtClean="0">
-                <a:solidFill>
-                  <a:schemeClr val="tx1"/>
-                </a:solidFill>
-                <a:latin typeface="+mn-lt"/>
-                <a:ea typeface="ＭＳ Ｐゴシック" charset="0"/>
-                <a:cs typeface="ＭＳ Ｐゴシック" charset="0"/>
-              </a:rPr>
-              <a:t> </a:t>
-            </a:r>
-            <a:r>
-              <a:rPr lang="en-US" sz="1200" i="0" kern="1200" baseline="0" dirty="0" err="1" smtClean="0">
-                <a:solidFill>
-                  <a:schemeClr val="tx1"/>
-                </a:solidFill>
-                <a:latin typeface="+mn-lt"/>
-                <a:ea typeface="ＭＳ Ｐゴシック" charset="0"/>
-                <a:cs typeface="ＭＳ Ｐゴシック" charset="0"/>
-              </a:rPr>
+              <a:rPr lang="en-US" dirty="0" smtClean="0"/>
+              <a:t> </a:t>
+            </a:r>
+            <a:r>
+              <a:rPr lang="en-US" dirty="0" err="1" smtClean="0"/>
+              <a:t>vissa</a:t>
+            </a:r>
+            <a:r>
+              <a:rPr lang="en-US" dirty="0" smtClean="0"/>
+              <a:t> </a:t>
+            </a:r>
+            <a:r>
+              <a:rPr lang="en-US" dirty="0" err="1" smtClean="0"/>
+              <a:t>typer</a:t>
+            </a:r>
+            <a:r>
+              <a:rPr lang="en-US" dirty="0" smtClean="0"/>
+              <a:t> </a:t>
+            </a:r>
+            <a:r>
+              <a:rPr lang="en-US" dirty="0" err="1" smtClean="0"/>
+              <a:t>av</a:t>
+            </a:r>
+            <a:r>
+              <a:rPr lang="en-US" dirty="0" smtClean="0"/>
+              <a:t> attacker </a:t>
+            </a:r>
+            <a:r>
+              <a:rPr lang="en-US" dirty="0" err="1" smtClean="0"/>
+              <a:t>och</a:t>
+            </a:r>
+            <a:r>
+              <a:rPr lang="en-US" dirty="0" smtClean="0"/>
+              <a:t> </a:t>
+            </a:r>
+            <a:r>
+              <a:rPr lang="en-US" dirty="0" err="1" smtClean="0"/>
+              <a:t>skall</a:t>
+            </a:r>
+            <a:r>
+              <a:rPr lang="en-US" dirty="0" smtClean="0"/>
+              <a:t> </a:t>
+            </a:r>
+            <a:r>
+              <a:rPr lang="en-US" dirty="0" err="1" smtClean="0"/>
+              <a:t>vara</a:t>
+            </a:r>
+            <a:r>
+              <a:rPr lang="en-US" dirty="0" smtClean="0"/>
+              <a:t> en </a:t>
+            </a:r>
+            <a:r>
+              <a:rPr lang="en-US" dirty="0" err="1" smtClean="0"/>
+              <a:t>slumpgenererad</a:t>
+            </a:r>
+            <a:r>
+              <a:rPr lang="en-US" dirty="0" smtClean="0"/>
+              <a:t> </a:t>
+            </a:r>
+            <a:r>
+              <a:rPr lang="en-US" dirty="0" err="1" smtClean="0"/>
+              <a:t>sträng</a:t>
+            </a:r>
+            <a:r>
+              <a:rPr lang="en-US" dirty="0" smtClean="0"/>
+              <a:t> </a:t>
+            </a:r>
+            <a:r>
+              <a:rPr lang="en-US" dirty="0" err="1" smtClean="0"/>
+              <a:t>som</a:t>
+            </a:r>
+            <a:r>
+              <a:rPr lang="en-US" dirty="0" smtClean="0"/>
+              <a:t> </a:t>
+            </a:r>
+            <a:r>
+              <a:rPr lang="en-US" dirty="0" err="1" smtClean="0"/>
+              <a:t>är</a:t>
+            </a:r>
+            <a:r>
+              <a:rPr lang="en-US" dirty="0" smtClean="0"/>
+              <a:t> </a:t>
+            </a:r>
+            <a:r>
+              <a:rPr lang="en-US" dirty="0" err="1" smtClean="0"/>
+              <a:t>unik</a:t>
+            </a:r>
+            <a:r>
+              <a:rPr lang="en-US" dirty="0" smtClean="0"/>
+              <a:t> per </a:t>
+            </a:r>
+            <a:r>
+              <a:rPr lang="en-US" dirty="0" err="1" smtClean="0"/>
+              <a:t>anrop</a:t>
+            </a:r>
+            <a:r>
+              <a:rPr lang="en-US" dirty="0" smtClean="0"/>
+              <a:t> </a:t>
+            </a:r>
+            <a:r>
+              <a:rPr lang="en-US" dirty="0" err="1" smtClean="0"/>
+              <a:t>och</a:t>
+            </a:r>
+            <a:r>
+              <a:rPr lang="en-US" dirty="0" smtClean="0"/>
+              <a:t> </a:t>
+            </a:r>
+            <a:r>
+              <a:rPr lang="en-US" dirty="0" err="1" smtClean="0"/>
+              <a:t>som</a:t>
+            </a:r>
+            <a:r>
+              <a:rPr lang="en-US" dirty="0" smtClean="0"/>
+              <a:t> </a:t>
+            </a:r>
+            <a:r>
+              <a:rPr lang="en-US" dirty="0" err="1" smtClean="0"/>
+              <a:t>endast</a:t>
+            </a:r>
+            <a:r>
+              <a:rPr lang="en-US" dirty="0" smtClean="0"/>
+              <a:t> </a:t>
+            </a:r>
+            <a:r>
+              <a:rPr lang="en-US" dirty="0" err="1" smtClean="0"/>
+              <a:t>klienten</a:t>
+            </a:r>
+            <a:r>
+              <a:rPr lang="en-US" dirty="0" smtClean="0"/>
+              <a:t> </a:t>
+            </a:r>
+            <a:r>
+              <a:rPr lang="en-US" dirty="0" err="1" smtClean="0"/>
+              <a:t>känner</a:t>
+            </a:r>
+            <a:r>
+              <a:rPr lang="en-US" dirty="0" smtClean="0"/>
+              <a:t> till. </a:t>
+            </a:r>
+            <a:r>
+              <a:rPr lang="en-US" dirty="0" err="1" smtClean="0"/>
+              <a:t>Tillståndet</a:t>
+            </a:r>
+            <a:r>
+              <a:rPr lang="en-US" dirty="0" smtClean="0"/>
+              <a:t> </a:t>
+            </a:r>
+            <a:r>
+              <a:rPr lang="en-US" dirty="0" err="1" smtClean="0"/>
+              <a:t>måste</a:t>
+            </a:r>
+            <a:r>
+              <a:rPr lang="en-US" dirty="0" smtClean="0"/>
+              <a:t> </a:t>
+            </a:r>
+            <a:r>
+              <a:rPr lang="en-US" dirty="0" err="1" smtClean="0"/>
+              <a:t>sparas</a:t>
+            </a:r>
+            <a:r>
+              <a:rPr lang="en-US" dirty="0" smtClean="0"/>
+              <a:t> </a:t>
+            </a:r>
+            <a:r>
+              <a:rPr lang="en-US" dirty="0" err="1" smtClean="0"/>
+              <a:t>av</a:t>
+            </a:r>
+            <a:r>
+              <a:rPr lang="en-US" dirty="0" smtClean="0"/>
+              <a:t> </a:t>
+            </a:r>
+            <a:r>
+              <a:rPr lang="en-US" dirty="0" err="1" smtClean="0"/>
+              <a:t>klienten</a:t>
+            </a:r>
+            <a:r>
+              <a:rPr lang="en-US" dirty="0" smtClean="0"/>
+              <a:t> tills </a:t>
+            </a:r>
+            <a:r>
+              <a:rPr lang="en-US" dirty="0" err="1" smtClean="0"/>
+              <a:t>dess</a:t>
+            </a:r>
+            <a:r>
+              <a:rPr lang="en-US" dirty="0" smtClean="0"/>
+              <a:t> </a:t>
+            </a:r>
+            <a:r>
+              <a:rPr lang="en-US" dirty="0" err="1" smtClean="0"/>
               <a:t>att</a:t>
             </a:r>
             <a:r>
-              <a:rPr lang="en-US" sz="1200" i="0" kern="1200" baseline="0" dirty="0" smtClean="0">
-                <a:solidFill>
-                  <a:schemeClr val="tx1"/>
-                </a:solidFill>
-                <a:latin typeface="+mn-lt"/>
-                <a:ea typeface="ＭＳ Ｐゴシック" charset="0"/>
-                <a:cs typeface="ＭＳ Ｐゴシック" charset="0"/>
-              </a:rPr>
-              <a:t> </a:t>
-            </a:r>
-            <a:r>
-              <a:rPr lang="en-US" sz="1200" i="0" kern="1200" baseline="0" dirty="0" err="1" smtClean="0">
-                <a:solidFill>
-                  <a:schemeClr val="tx1"/>
-                </a:solidFill>
-                <a:latin typeface="+mn-lt"/>
-                <a:ea typeface="ＭＳ Ｐゴシック" charset="0"/>
-                <a:cs typeface="ＭＳ Ｐゴシック" charset="0"/>
-              </a:rPr>
-              <a:t>hantera</a:t>
-            </a:r>
-            <a:r>
-              <a:rPr lang="en-US" sz="1200" i="0" kern="1200" baseline="0" dirty="0" smtClean="0">
-                <a:solidFill>
-                  <a:schemeClr val="tx1"/>
-                </a:solidFill>
-                <a:latin typeface="+mn-lt"/>
-                <a:ea typeface="ＭＳ Ｐゴシック" charset="0"/>
-                <a:cs typeface="ＭＳ Ｐゴシック" charset="0"/>
-              </a:rPr>
-              <a:t> </a:t>
-            </a:r>
-            <a:r>
-              <a:rPr lang="en-US" sz="1200" i="0" kern="1200" baseline="0" dirty="0" err="1" smtClean="0">
-                <a:solidFill>
-                  <a:schemeClr val="tx1"/>
-                </a:solidFill>
-                <a:latin typeface="+mn-lt"/>
-                <a:ea typeface="ＭＳ Ｐゴシック" charset="0"/>
-                <a:cs typeface="ＭＳ Ｐゴシック" charset="0"/>
-              </a:rPr>
-              <a:t>så</a:t>
-            </a:r>
-            <a:r>
-              <a:rPr lang="en-US" sz="1200" i="0" kern="1200" baseline="0" dirty="0" smtClean="0">
-                <a:solidFill>
-                  <a:schemeClr val="tx1"/>
-                </a:solidFill>
-                <a:latin typeface="+mn-lt"/>
-                <a:ea typeface="ＭＳ Ｐゴシック" charset="0"/>
-                <a:cs typeface="ＭＳ Ｐゴシック" charset="0"/>
-              </a:rPr>
-              <a:t> </a:t>
-            </a:r>
-            <a:r>
-              <a:rPr lang="en-US" sz="1200" i="0" kern="1200" baseline="0" dirty="0" err="1" smtClean="0">
-                <a:solidFill>
-                  <a:schemeClr val="tx1"/>
-                </a:solidFill>
-                <a:latin typeface="+mn-lt"/>
-                <a:ea typeface="ＭＳ Ｐゴシック" charset="0"/>
-                <a:cs typeface="ＭＳ Ｐゴシック" charset="0"/>
-              </a:rPr>
-              <a:t>att</a:t>
-            </a:r>
-            <a:r>
-              <a:rPr lang="en-US" sz="1200" i="0" kern="1200" baseline="0" dirty="0" smtClean="0">
-                <a:solidFill>
-                  <a:schemeClr val="tx1"/>
-                </a:solidFill>
-                <a:latin typeface="+mn-lt"/>
-                <a:ea typeface="ＭＳ Ｐゴシック" charset="0"/>
-                <a:cs typeface="ＭＳ Ｐゴシック" charset="0"/>
-              </a:rPr>
-              <a:t> app </a:t>
-            </a:r>
-            <a:r>
-              <a:rPr lang="en-US" sz="1200" i="0" kern="1200" baseline="0" dirty="0" err="1" smtClean="0">
-                <a:solidFill>
-                  <a:schemeClr val="tx1"/>
-                </a:solidFill>
-                <a:latin typeface="+mn-lt"/>
-                <a:ea typeface="ＭＳ Ｐゴシック" charset="0"/>
-                <a:cs typeface="ＭＳ Ｐゴシック" charset="0"/>
-              </a:rPr>
-              <a:t>klienten</a:t>
-            </a:r>
-            <a:r>
-              <a:rPr lang="en-US" sz="1200" i="0" kern="1200" baseline="0" dirty="0" smtClean="0">
-                <a:solidFill>
-                  <a:schemeClr val="tx1"/>
-                </a:solidFill>
-                <a:latin typeface="+mn-lt"/>
-                <a:ea typeface="ＭＳ Ｐゴシック" charset="0"/>
-                <a:cs typeface="ＭＳ Ｐゴシック" charset="0"/>
-              </a:rPr>
-              <a:t> </a:t>
-            </a:r>
-            <a:r>
-              <a:rPr lang="en-US" sz="1200" i="0" kern="1200" baseline="0" dirty="0" err="1" smtClean="0">
-                <a:solidFill>
-                  <a:schemeClr val="tx1"/>
-                </a:solidFill>
-                <a:latin typeface="+mn-lt"/>
-                <a:ea typeface="ＭＳ Ｐゴシック" charset="0"/>
-                <a:cs typeface="ＭＳ Ｐゴシック" charset="0"/>
-              </a:rPr>
-              <a:t>kan</a:t>
-            </a:r>
-            <a:r>
-              <a:rPr lang="en-US" sz="1200" i="0" kern="1200" baseline="0" dirty="0" smtClean="0">
-                <a:solidFill>
-                  <a:schemeClr val="tx1"/>
-                </a:solidFill>
-                <a:latin typeface="+mn-lt"/>
-                <a:ea typeface="ＭＳ Ｐゴシック" charset="0"/>
-                <a:cs typeface="ＭＳ Ｐゴシック" charset="0"/>
-              </a:rPr>
-              <a:t> </a:t>
-            </a:r>
-            <a:r>
-              <a:rPr lang="en-US" sz="1200" i="0" kern="1200" baseline="0" dirty="0" err="1" smtClean="0">
-                <a:solidFill>
-                  <a:schemeClr val="tx1"/>
-                </a:solidFill>
-                <a:latin typeface="+mn-lt"/>
-                <a:ea typeface="ＭＳ Ｐゴシック" charset="0"/>
-                <a:cs typeface="ＭＳ Ｐゴシック" charset="0"/>
-              </a:rPr>
-              <a:t>anropa</a:t>
-            </a:r>
-            <a:r>
-              <a:rPr lang="en-US" sz="1200" i="0" kern="1200" baseline="0" dirty="0" smtClean="0">
-                <a:solidFill>
-                  <a:schemeClr val="tx1"/>
-                </a:solidFill>
-                <a:latin typeface="+mn-lt"/>
-                <a:ea typeface="ＭＳ Ｐゴシック" charset="0"/>
-                <a:cs typeface="ＭＳ Ｐゴシック" charset="0"/>
-              </a:rPr>
-              <a:t> app backend.</a:t>
-            </a:r>
+              <a:rPr lang="en-US" dirty="0" smtClean="0"/>
+              <a:t> </a:t>
+            </a:r>
+            <a:r>
+              <a:rPr lang="en-US" dirty="0" err="1" smtClean="0"/>
+              <a:t>användaren</a:t>
+            </a:r>
+            <a:r>
+              <a:rPr lang="en-US" dirty="0" smtClean="0"/>
+              <a:t> </a:t>
+            </a:r>
+            <a:r>
+              <a:rPr lang="en-US" dirty="0" err="1" smtClean="0"/>
+              <a:t>kommer</a:t>
+            </a:r>
+            <a:r>
+              <a:rPr lang="en-US" dirty="0" smtClean="0"/>
+              <a:t> </a:t>
+            </a:r>
+            <a:r>
+              <a:rPr lang="en-US" dirty="0" err="1" smtClean="0"/>
+              <a:t>tillbaka</a:t>
+            </a:r>
+            <a:r>
+              <a:rPr lang="en-US" dirty="0" smtClean="0"/>
+              <a:t> </a:t>
+            </a:r>
+            <a:r>
+              <a:rPr lang="en-US" dirty="0" err="1" smtClean="0"/>
+              <a:t>från</a:t>
+            </a:r>
+            <a:r>
+              <a:rPr lang="en-US" dirty="0" smtClean="0"/>
+              <a:t> </a:t>
+            </a:r>
+            <a:r>
+              <a:rPr lang="en-US" dirty="0" err="1" smtClean="0"/>
+              <a:t>auktorisationsdialogen</a:t>
+            </a:r>
+            <a:r>
+              <a:rPr lang="en-US" dirty="0" smtClean="0"/>
+              <a:t> </a:t>
+            </a:r>
+            <a:r>
+              <a:rPr lang="en-US" dirty="0" err="1" smtClean="0"/>
+              <a:t>eftersom</a:t>
+            </a:r>
+            <a:r>
+              <a:rPr lang="en-US" dirty="0" smtClean="0"/>
+              <a:t> </a:t>
+            </a:r>
+            <a:r>
+              <a:rPr lang="en-US" dirty="0" err="1" smtClean="0"/>
+              <a:t>det</a:t>
+            </a:r>
+            <a:r>
+              <a:rPr lang="en-US" dirty="0" smtClean="0"/>
+              <a:t> </a:t>
+            </a:r>
+            <a:r>
+              <a:rPr lang="en-US" dirty="0" err="1" smtClean="0"/>
+              <a:t>då</a:t>
+            </a:r>
+            <a:r>
+              <a:rPr lang="en-US" dirty="0" smtClean="0"/>
+              <a:t> </a:t>
+            </a:r>
+            <a:r>
+              <a:rPr lang="en-US" dirty="0" err="1" smtClean="0"/>
+              <a:t>skall</a:t>
+            </a:r>
+            <a:r>
+              <a:rPr lang="en-US" dirty="0" smtClean="0"/>
+              <a:t> </a:t>
+            </a:r>
+            <a:r>
+              <a:rPr lang="en-US" dirty="0" err="1" smtClean="0"/>
+              <a:t>matchas</a:t>
+            </a:r>
+            <a:r>
+              <a:rPr lang="en-US" dirty="0" smtClean="0"/>
+              <a:t> mot </a:t>
+            </a:r>
+            <a:r>
+              <a:rPr lang="en-US" dirty="0" err="1" smtClean="0"/>
+              <a:t>det</a:t>
+            </a:r>
+            <a:r>
+              <a:rPr lang="en-US" dirty="0" smtClean="0"/>
+              <a:t> </a:t>
+            </a:r>
+            <a:r>
+              <a:rPr lang="en-US" dirty="0" err="1" smtClean="0"/>
+              <a:t>tillståndsvärde</a:t>
+            </a:r>
+            <a:r>
+              <a:rPr lang="en-US" dirty="0" smtClean="0"/>
+              <a:t> </a:t>
+            </a:r>
+            <a:r>
+              <a:rPr lang="en-US" dirty="0" err="1" smtClean="0"/>
+              <a:t>användaren</a:t>
+            </a:r>
+            <a:r>
+              <a:rPr lang="en-US" dirty="0" smtClean="0"/>
+              <a:t> </a:t>
+            </a:r>
+            <a:r>
+              <a:rPr lang="en-US" dirty="0" err="1" smtClean="0"/>
+              <a:t>har</a:t>
+            </a:r>
+            <a:r>
+              <a:rPr lang="en-US" dirty="0" smtClean="0"/>
+              <a:t> med sig </a:t>
+            </a:r>
+            <a:r>
+              <a:rPr lang="en-US" dirty="0" err="1" smtClean="0"/>
+              <a:t>tillbaka</a:t>
+            </a:r>
+            <a:r>
+              <a:rPr lang="en-US" dirty="0" smtClean="0"/>
+              <a:t>.</a:t>
+            </a:r>
+          </a:p>
+          <a:p>
+            <a:endParaRPr lang="en-US" dirty="0" smtClean="0"/>
+          </a:p>
+          <a:p>
+            <a:r>
+              <a:rPr lang="en-US" b="1" dirty="0" smtClean="0"/>
+              <a:t>Redirect URI </a:t>
+            </a:r>
+            <a:r>
+              <a:rPr lang="en-US" b="0" dirty="0" smtClean="0"/>
+              <a:t>-&gt; Den URL </a:t>
+            </a:r>
+            <a:r>
+              <a:rPr lang="en-US" b="0" dirty="0" err="1" smtClean="0"/>
+              <a:t>i</a:t>
+            </a:r>
+            <a:r>
+              <a:rPr lang="en-US" b="0" dirty="0" smtClean="0"/>
+              <a:t> </a:t>
+            </a:r>
+            <a:r>
+              <a:rPr lang="en-US" b="0" dirty="0" err="1" smtClean="0"/>
+              <a:t>klientsystemet</a:t>
+            </a:r>
+            <a:r>
+              <a:rPr lang="en-US" b="0" dirty="0" smtClean="0"/>
+              <a:t> </a:t>
+            </a:r>
+            <a:r>
+              <a:rPr lang="en-US" b="0" dirty="0" err="1" smtClean="0"/>
+              <a:t>som</a:t>
+            </a:r>
+            <a:r>
+              <a:rPr lang="en-US" b="0" dirty="0" smtClean="0"/>
+              <a:t> </a:t>
+            </a:r>
+            <a:r>
+              <a:rPr lang="en-US" b="0" dirty="0" err="1" smtClean="0"/>
+              <a:t>användarens</a:t>
+            </a:r>
+            <a:r>
+              <a:rPr lang="en-US" b="0" dirty="0" smtClean="0"/>
+              <a:t> </a:t>
+            </a:r>
+            <a:r>
+              <a:rPr lang="en-US" b="0" dirty="0" err="1" smtClean="0"/>
+              <a:t>användaragent</a:t>
+            </a:r>
+            <a:r>
+              <a:rPr lang="en-US" b="0" dirty="0" smtClean="0"/>
+              <a:t> </a:t>
+            </a:r>
+            <a:r>
+              <a:rPr lang="en-US" b="0" dirty="0" err="1" smtClean="0"/>
+              <a:t>skall</a:t>
+            </a:r>
+            <a:r>
+              <a:rPr lang="en-US" b="0" dirty="0" smtClean="0"/>
+              <a:t> </a:t>
+            </a:r>
+            <a:r>
+              <a:rPr lang="en-US" b="0" dirty="0" err="1" smtClean="0"/>
+              <a:t>skickas</a:t>
+            </a:r>
+            <a:r>
+              <a:rPr lang="en-US" b="0" dirty="0" smtClean="0"/>
+              <a:t> till </a:t>
+            </a:r>
+            <a:r>
+              <a:rPr lang="en-US" b="0" dirty="0" err="1" smtClean="0"/>
+              <a:t>efter</a:t>
+            </a:r>
+            <a:r>
+              <a:rPr lang="en-US" b="0" dirty="0" smtClean="0"/>
+              <a:t> </a:t>
+            </a:r>
+            <a:r>
+              <a:rPr lang="en-US" b="0" dirty="0" err="1" smtClean="0"/>
+              <a:t>godkännandeprocessen</a:t>
+            </a:r>
+            <a:r>
+              <a:rPr lang="en-US" b="0" dirty="0" smtClean="0"/>
+              <a:t>.</a:t>
+            </a:r>
+            <a:endParaRPr lang="en-US" b="0" dirty="0"/>
+          </a:p>
+        </p:txBody>
+      </p:sp>
+      <p:sp>
+        <p:nvSpPr>
+          <p:cNvPr id="4" name="Slide Number Placeholder 3"/>
+          <p:cNvSpPr>
+            <a:spLocks noGrp="1"/>
+          </p:cNvSpPr>
+          <p:nvPr>
+            <p:ph type="sldNum" sz="quarter" idx="10"/>
+          </p:nvPr>
+        </p:nvSpPr>
+        <p:spPr/>
+        <p:txBody>
+          <a:bodyPr/>
+          <a:lstStyle/>
+          <a:p>
+            <a:pPr>
+              <a:defRPr/>
+            </a:pPr>
+            <a:fld id="{72F66423-05E2-6345-AF5A-73942C9C3A7C}" type="slidenum">
+              <a:rPr lang="sv-SE" smtClean="0"/>
+              <a:pPr>
+                <a:defRPr/>
+              </a:pPr>
+              <a:t>18</a:t>
+            </a:fld>
+            <a:endParaRPr lang="sv-SE"/>
+          </a:p>
+        </p:txBody>
+      </p:sp>
+    </p:spTree>
+    <p:extLst>
+      <p:ext uri="{BB962C8B-B14F-4D97-AF65-F5344CB8AC3E}">
+        <p14:creationId xmlns:p14="http://schemas.microsoft.com/office/powerpoint/2010/main" val="1600914622"/>
+      </p:ext>
+    </p:extLst>
+  </p:cSld>
+  <p:clrMapOvr>
+    <a:masterClrMapping/>
+  </p:clrMapOvr>
+</p:notes>
+</file>
+
+<file path=ppt/notesSlides/notesSlide16.xml><?xml version="1.0" encoding="utf-8"?>
+<p:notes xmlns:a="http://schemas.openxmlformats.org/drawingml/2006/main" xmlns:r="http://schemas.openxmlformats.org/officeDocument/2006/relationships" xmlns:p="http://schemas.openxmlformats.org/presentationml/2006/main">
+  <p:cSld>
+    <p:spTree>
+      <p:nvGrpSpPr>
+        <p:cNvPr id="1" name=""/>
+        <p:cNvGrpSpPr/>
+        <p:nvPr/>
+      </p:nvGrpSpPr>
+      <p:grpSpPr>
+        <a:xfrm>
+          <a:off x="0" y="0"/>
+          <a:ext cx="0" cy="0"/>
+          <a:chOff x="0" y="0"/>
+          <a:chExt cx="0" cy="0"/>
+        </a:xfrm>
+      </p:grpSpPr>
+      <p:sp>
+        <p:nvSpPr>
+          <p:cNvPr id="2" name="Slide Image Placeholder 1"/>
+          <p:cNvSpPr>
+            <a:spLocks noGrp="1" noRot="1" noChangeAspect="1"/>
+          </p:cNvSpPr>
+          <p:nvPr>
+            <p:ph type="sldImg"/>
+          </p:nvPr>
+        </p:nvSpPr>
+        <p:spPr/>
+      </p:sp>
+      <p:sp>
+        <p:nvSpPr>
+          <p:cNvPr id="3" name="Notes Placeholder 2"/>
+          <p:cNvSpPr>
+            <a:spLocks noGrp="1"/>
+          </p:cNvSpPr>
+          <p:nvPr>
+            <p:ph type="body" idx="1"/>
+          </p:nvPr>
+        </p:nvSpPr>
+        <p:spPr/>
+        <p:txBody>
+          <a:bodyPr/>
+          <a:lstStyle/>
+          <a:p>
+            <a:pPr marL="0" marR="0" indent="0" algn="l" defTabSz="457200" rtl="0" eaLnBrk="0" fontAlgn="base" latinLnBrk="0" hangingPunct="0">
+              <a:lnSpc>
+                <a:spcPct val="100000"/>
+              </a:lnSpc>
+              <a:spcBef>
+                <a:spcPct val="30000"/>
+              </a:spcBef>
+              <a:spcAft>
+                <a:spcPct val="0"/>
+              </a:spcAft>
+              <a:buClrTx/>
+              <a:buSzTx/>
+              <a:buFontTx/>
+              <a:buNone/>
+              <a:tabLst/>
+              <a:defRPr/>
+            </a:pPr>
+            <a:r>
+              <a:rPr lang="en-US" dirty="0" err="1" smtClean="0"/>
+              <a:t>Kika</a:t>
+            </a:r>
+            <a:r>
+              <a:rPr lang="en-US" dirty="0" smtClean="0"/>
+              <a:t> </a:t>
+            </a:r>
+            <a:r>
+              <a:rPr lang="en-US" dirty="0" err="1" smtClean="0"/>
+              <a:t>på</a:t>
+            </a:r>
+            <a:r>
+              <a:rPr lang="en-US" dirty="0" smtClean="0"/>
+              <a:t> README I </a:t>
+            </a:r>
+            <a:r>
+              <a:rPr lang="en-US" dirty="0" err="1" smtClean="0"/>
+              <a:t>katalogen</a:t>
+            </a:r>
+            <a:r>
+              <a:rPr lang="en-US" dirty="0" smtClean="0"/>
+              <a:t> /lab3</a:t>
+            </a:r>
+          </a:p>
+          <a:p>
+            <a:endParaRPr lang="en-US" dirty="0"/>
+          </a:p>
+        </p:txBody>
+      </p:sp>
+      <p:sp>
+        <p:nvSpPr>
+          <p:cNvPr id="4" name="Slide Number Placeholder 3"/>
+          <p:cNvSpPr>
+            <a:spLocks noGrp="1"/>
+          </p:cNvSpPr>
+          <p:nvPr>
+            <p:ph type="sldNum" sz="quarter" idx="10"/>
+          </p:nvPr>
+        </p:nvSpPr>
+        <p:spPr/>
+        <p:txBody>
+          <a:bodyPr/>
+          <a:lstStyle/>
+          <a:p>
+            <a:pPr>
+              <a:defRPr/>
+            </a:pPr>
+            <a:fld id="{72F66423-05E2-6345-AF5A-73942C9C3A7C}" type="slidenum">
+              <a:rPr lang="sv-SE" smtClean="0"/>
+              <a:pPr>
+                <a:defRPr/>
+              </a:pPr>
+              <a:t>19</a:t>
+            </a:fld>
+            <a:endParaRPr lang="sv-SE"/>
+          </a:p>
+        </p:txBody>
+      </p:sp>
+    </p:spTree>
+    <p:extLst>
+      <p:ext uri="{BB962C8B-B14F-4D97-AF65-F5344CB8AC3E}">
+        <p14:creationId xmlns:p14="http://schemas.microsoft.com/office/powerpoint/2010/main" val="548233758"/>
+      </p:ext>
+    </p:extLst>
+  </p:cSld>
+  <p:clrMapOvr>
+    <a:masterClrMapping/>
+  </p:clrMapOvr>
+</p:notes>
+</file>
+
+<file path=ppt/notesSlides/notesSlide17.xml><?xml version="1.0" encoding="utf-8"?>
+<p:notes xmlns:a="http://schemas.openxmlformats.org/drawingml/2006/main" xmlns:r="http://schemas.openxmlformats.org/officeDocument/2006/relationships" xmlns:p="http://schemas.openxmlformats.org/presentationml/2006/main">
+  <p:cSld>
+    <p:spTree>
+      <p:nvGrpSpPr>
+        <p:cNvPr id="1" name=""/>
+        <p:cNvGrpSpPr/>
+        <p:nvPr/>
+      </p:nvGrpSpPr>
+      <p:grpSpPr>
+        <a:xfrm>
+          <a:off x="0" y="0"/>
+          <a:ext cx="0" cy="0"/>
+          <a:chOff x="0" y="0"/>
+          <a:chExt cx="0" cy="0"/>
+        </a:xfrm>
+      </p:grpSpPr>
+      <p:sp>
+        <p:nvSpPr>
+          <p:cNvPr id="2" name="Slide Image Placeholder 1"/>
+          <p:cNvSpPr>
+            <a:spLocks noGrp="1" noRot="1" noChangeAspect="1"/>
+          </p:cNvSpPr>
+          <p:nvPr>
+            <p:ph type="sldImg"/>
+          </p:nvPr>
+        </p:nvSpPr>
+        <p:spPr/>
+      </p:sp>
+      <p:sp>
+        <p:nvSpPr>
+          <p:cNvPr id="3" name="Notes Placeholder 2"/>
+          <p:cNvSpPr>
+            <a:spLocks noGrp="1"/>
+          </p:cNvSpPr>
+          <p:nvPr>
+            <p:ph type="body" idx="1"/>
+          </p:nvPr>
+        </p:nvSpPr>
+        <p:spPr/>
+        <p:txBody>
+          <a:bodyPr/>
+          <a:lstStyle/>
+          <a:p>
             <a:endParaRPr lang="en-US" dirty="0"/>
           </a:p>
         </p:txBody>
@@ -3319,6 +3736,345 @@
     <p:extLst>
       <p:ext uri="{BB962C8B-B14F-4D97-AF65-F5344CB8AC3E}">
         <p14:creationId xmlns:p14="http://schemas.microsoft.com/office/powerpoint/2010/main" val="1604157975"/>
+      </p:ext>
+    </p:extLst>
+  </p:cSld>
+  <p:clrMapOvr>
+    <a:masterClrMapping/>
+  </p:clrMapOvr>
+</p:notes>
+</file>
+
+<file path=ppt/notesSlides/notesSlide18.xml><?xml version="1.0" encoding="utf-8"?>
+<p:notes xmlns:a="http://schemas.openxmlformats.org/drawingml/2006/main" xmlns:r="http://schemas.openxmlformats.org/officeDocument/2006/relationships" xmlns:p="http://schemas.openxmlformats.org/presentationml/2006/main">
+  <p:cSld>
+    <p:spTree>
+      <p:nvGrpSpPr>
+        <p:cNvPr id="1" name=""/>
+        <p:cNvGrpSpPr/>
+        <p:nvPr/>
+      </p:nvGrpSpPr>
+      <p:grpSpPr>
+        <a:xfrm>
+          <a:off x="0" y="0"/>
+          <a:ext cx="0" cy="0"/>
+          <a:chOff x="0" y="0"/>
+          <a:chExt cx="0" cy="0"/>
+        </a:xfrm>
+      </p:grpSpPr>
+      <p:sp>
+        <p:nvSpPr>
+          <p:cNvPr id="2" name="Slide Image Placeholder 1"/>
+          <p:cNvSpPr>
+            <a:spLocks noGrp="1" noRot="1" noChangeAspect="1"/>
+          </p:cNvSpPr>
+          <p:nvPr>
+            <p:ph type="sldImg"/>
+          </p:nvPr>
+        </p:nvSpPr>
+        <p:spPr/>
+      </p:sp>
+      <p:sp>
+        <p:nvSpPr>
+          <p:cNvPr id="3" name="Notes Placeholder 2"/>
+          <p:cNvSpPr>
+            <a:spLocks noGrp="1"/>
+          </p:cNvSpPr>
+          <p:nvPr>
+            <p:ph type="body" idx="1"/>
+          </p:nvPr>
+        </p:nvSpPr>
+        <p:spPr/>
+        <p:txBody>
+          <a:bodyPr/>
+          <a:lstStyle/>
+          <a:p>
+            <a:pPr marL="0" marR="0" indent="0" algn="l" defTabSz="457200" rtl="0" eaLnBrk="0" fontAlgn="base" latinLnBrk="0" hangingPunct="0">
+              <a:lnSpc>
+                <a:spcPct val="100000"/>
+              </a:lnSpc>
+              <a:spcBef>
+                <a:spcPct val="30000"/>
+              </a:spcBef>
+              <a:spcAft>
+                <a:spcPct val="0"/>
+              </a:spcAft>
+              <a:buClrTx/>
+              <a:buSzTx/>
+              <a:buFontTx/>
+              <a:buNone/>
+              <a:tabLst/>
+              <a:defRPr/>
+            </a:pPr>
+            <a:r>
+              <a:rPr lang="en-US" b="1" dirty="0" smtClean="0"/>
+              <a:t>Cross Origin Resource Sharing</a:t>
+            </a:r>
+            <a:r>
+              <a:rPr lang="en-US" b="1" baseline="0" dirty="0" smtClean="0"/>
+              <a:t> (</a:t>
+            </a:r>
+            <a:r>
+              <a:rPr lang="en-US" b="1" dirty="0" smtClean="0"/>
+              <a:t>CORS)</a:t>
+            </a:r>
+            <a:r>
+              <a:rPr lang="en-US" dirty="0" smtClean="0"/>
+              <a:t> -&gt; Spring Security,</a:t>
+            </a:r>
+            <a:r>
+              <a:rPr lang="en-US" baseline="0" dirty="0" smtClean="0"/>
+              <a:t> </a:t>
+            </a:r>
+            <a:r>
+              <a:rPr lang="en-US" sz="1200" kern="1200" dirty="0" smtClean="0">
+                <a:solidFill>
+                  <a:schemeClr val="tx1"/>
+                </a:solidFill>
+                <a:latin typeface="+mn-lt"/>
+                <a:ea typeface="ＭＳ Ｐゴシック" charset="0"/>
+                <a:cs typeface="ＭＳ Ｐゴシック" charset="0"/>
+              </a:rPr>
+              <a:t>method=</a:t>
+            </a:r>
+            <a:r>
+              <a:rPr lang="en-US" sz="1200" i="1" kern="1200" dirty="0" smtClean="0">
+                <a:solidFill>
+                  <a:schemeClr val="tx1"/>
+                </a:solidFill>
+                <a:latin typeface="+mn-lt"/>
+                <a:ea typeface="ＭＳ Ｐゴシック" charset="0"/>
+                <a:cs typeface="ＭＳ Ｐゴシック" charset="0"/>
+              </a:rPr>
+              <a:t>"OPTIONS”,</a:t>
+            </a:r>
+            <a:r>
+              <a:rPr lang="en-US" sz="1200" i="0" kern="1200" baseline="0" dirty="0" smtClean="0">
+                <a:solidFill>
+                  <a:schemeClr val="tx1"/>
+                </a:solidFill>
+                <a:latin typeface="+mn-lt"/>
+                <a:ea typeface="ＭＳ Ｐゴシック" charset="0"/>
+                <a:cs typeface="ＭＳ Ｐゴシック" charset="0"/>
+              </a:rPr>
+              <a:t> </a:t>
+            </a:r>
+            <a:r>
+              <a:rPr lang="en-US" sz="1200" i="0" kern="1200" baseline="0" dirty="0" err="1" smtClean="0">
+                <a:solidFill>
+                  <a:schemeClr val="tx1"/>
+                </a:solidFill>
+                <a:latin typeface="+mn-lt"/>
+                <a:ea typeface="ＭＳ Ｐゴシック" charset="0"/>
+                <a:cs typeface="ＭＳ Ｐゴシック" charset="0"/>
+              </a:rPr>
+              <a:t>för</a:t>
+            </a:r>
+            <a:r>
+              <a:rPr lang="en-US" sz="1200" i="0" kern="1200" baseline="0" dirty="0" smtClean="0">
+                <a:solidFill>
+                  <a:schemeClr val="tx1"/>
+                </a:solidFill>
+                <a:latin typeface="+mn-lt"/>
+                <a:ea typeface="ＭＳ Ｐゴシック" charset="0"/>
+                <a:cs typeface="ＭＳ Ｐゴシック" charset="0"/>
+              </a:rPr>
+              <a:t> </a:t>
+            </a:r>
+            <a:r>
+              <a:rPr lang="en-US" sz="1200" i="0" kern="1200" baseline="0" dirty="0" err="1" smtClean="0">
+                <a:solidFill>
+                  <a:schemeClr val="tx1"/>
+                </a:solidFill>
+                <a:latin typeface="+mn-lt"/>
+                <a:ea typeface="ＭＳ Ｐゴシック" charset="0"/>
+                <a:cs typeface="ＭＳ Ｐゴシック" charset="0"/>
+              </a:rPr>
+              <a:t>att</a:t>
+            </a:r>
+            <a:r>
+              <a:rPr lang="en-US" sz="1200" i="0" kern="1200" baseline="0" dirty="0" smtClean="0">
+                <a:solidFill>
+                  <a:schemeClr val="tx1"/>
+                </a:solidFill>
+                <a:latin typeface="+mn-lt"/>
+                <a:ea typeface="ＭＳ Ｐゴシック" charset="0"/>
+                <a:cs typeface="ＭＳ Ｐゴシック" charset="0"/>
+              </a:rPr>
+              <a:t> </a:t>
+            </a:r>
+            <a:r>
+              <a:rPr lang="en-US" sz="1200" i="0" kern="1200" baseline="0" dirty="0" err="1" smtClean="0">
+                <a:solidFill>
+                  <a:schemeClr val="tx1"/>
+                </a:solidFill>
+                <a:latin typeface="+mn-lt"/>
+                <a:ea typeface="ＭＳ Ｐゴシック" charset="0"/>
+                <a:cs typeface="ＭＳ Ｐゴシック" charset="0"/>
+              </a:rPr>
+              <a:t>hantera</a:t>
+            </a:r>
+            <a:r>
+              <a:rPr lang="en-US" sz="1200" i="0" kern="1200" baseline="0" dirty="0" smtClean="0">
+                <a:solidFill>
+                  <a:schemeClr val="tx1"/>
+                </a:solidFill>
+                <a:latin typeface="+mn-lt"/>
+                <a:ea typeface="ＭＳ Ｐゴシック" charset="0"/>
+                <a:cs typeface="ＭＳ Ｐゴシック" charset="0"/>
+              </a:rPr>
+              <a:t> </a:t>
+            </a:r>
+            <a:r>
+              <a:rPr lang="en-US" sz="1200" i="0" kern="1200" baseline="0" dirty="0" err="1" smtClean="0">
+                <a:solidFill>
+                  <a:schemeClr val="tx1"/>
+                </a:solidFill>
+                <a:latin typeface="+mn-lt"/>
+                <a:ea typeface="ＭＳ Ｐゴシック" charset="0"/>
+                <a:cs typeface="ＭＳ Ｐゴシック" charset="0"/>
+              </a:rPr>
+              <a:t>så</a:t>
+            </a:r>
+            <a:r>
+              <a:rPr lang="en-US" sz="1200" i="0" kern="1200" baseline="0" dirty="0" smtClean="0">
+                <a:solidFill>
+                  <a:schemeClr val="tx1"/>
+                </a:solidFill>
+                <a:latin typeface="+mn-lt"/>
+                <a:ea typeface="ＭＳ Ｐゴシック" charset="0"/>
+                <a:cs typeface="ＭＳ Ｐゴシック" charset="0"/>
+              </a:rPr>
+              <a:t> </a:t>
+            </a:r>
+            <a:r>
+              <a:rPr lang="en-US" sz="1200" i="0" kern="1200" baseline="0" dirty="0" err="1" smtClean="0">
+                <a:solidFill>
+                  <a:schemeClr val="tx1"/>
+                </a:solidFill>
+                <a:latin typeface="+mn-lt"/>
+                <a:ea typeface="ＭＳ Ｐゴシック" charset="0"/>
+                <a:cs typeface="ＭＳ Ｐゴシック" charset="0"/>
+              </a:rPr>
+              <a:t>att</a:t>
+            </a:r>
+            <a:r>
+              <a:rPr lang="en-US" sz="1200" i="0" kern="1200" baseline="0" dirty="0" smtClean="0">
+                <a:solidFill>
+                  <a:schemeClr val="tx1"/>
+                </a:solidFill>
+                <a:latin typeface="+mn-lt"/>
+                <a:ea typeface="ＭＳ Ｐゴシック" charset="0"/>
+                <a:cs typeface="ＭＳ Ｐゴシック" charset="0"/>
+              </a:rPr>
+              <a:t> app </a:t>
+            </a:r>
+            <a:r>
+              <a:rPr lang="en-US" sz="1200" i="0" kern="1200" baseline="0" dirty="0" err="1" smtClean="0">
+                <a:solidFill>
+                  <a:schemeClr val="tx1"/>
+                </a:solidFill>
+                <a:latin typeface="+mn-lt"/>
+                <a:ea typeface="ＭＳ Ｐゴシック" charset="0"/>
+                <a:cs typeface="ＭＳ Ｐゴシック" charset="0"/>
+              </a:rPr>
+              <a:t>klienten</a:t>
+            </a:r>
+            <a:r>
+              <a:rPr lang="en-US" sz="1200" i="0" kern="1200" baseline="0" dirty="0" smtClean="0">
+                <a:solidFill>
+                  <a:schemeClr val="tx1"/>
+                </a:solidFill>
+                <a:latin typeface="+mn-lt"/>
+                <a:ea typeface="ＭＳ Ｐゴシック" charset="0"/>
+                <a:cs typeface="ＭＳ Ｐゴシック" charset="0"/>
+              </a:rPr>
+              <a:t> </a:t>
+            </a:r>
+            <a:r>
+              <a:rPr lang="en-US" sz="1200" i="0" kern="1200" baseline="0" dirty="0" err="1" smtClean="0">
+                <a:solidFill>
+                  <a:schemeClr val="tx1"/>
+                </a:solidFill>
+                <a:latin typeface="+mn-lt"/>
+                <a:ea typeface="ＭＳ Ｐゴシック" charset="0"/>
+                <a:cs typeface="ＭＳ Ｐゴシック" charset="0"/>
+              </a:rPr>
+              <a:t>kan</a:t>
+            </a:r>
+            <a:r>
+              <a:rPr lang="en-US" sz="1200" i="0" kern="1200" baseline="0" dirty="0" smtClean="0">
+                <a:solidFill>
+                  <a:schemeClr val="tx1"/>
+                </a:solidFill>
+                <a:latin typeface="+mn-lt"/>
+                <a:ea typeface="ＭＳ Ｐゴシック" charset="0"/>
+                <a:cs typeface="ＭＳ Ｐゴシック" charset="0"/>
+              </a:rPr>
+              <a:t> </a:t>
+            </a:r>
+            <a:r>
+              <a:rPr lang="en-US" sz="1200" i="0" kern="1200" baseline="0" dirty="0" err="1" smtClean="0">
+                <a:solidFill>
+                  <a:schemeClr val="tx1"/>
+                </a:solidFill>
+                <a:latin typeface="+mn-lt"/>
+                <a:ea typeface="ＭＳ Ｐゴシック" charset="0"/>
+                <a:cs typeface="ＭＳ Ｐゴシック" charset="0"/>
+              </a:rPr>
+              <a:t>anropa</a:t>
+            </a:r>
+            <a:r>
+              <a:rPr lang="en-US" sz="1200" i="0" kern="1200" baseline="0" dirty="0" smtClean="0">
+                <a:solidFill>
+                  <a:schemeClr val="tx1"/>
+                </a:solidFill>
+                <a:latin typeface="+mn-lt"/>
+                <a:ea typeface="ＭＳ Ｐゴシック" charset="0"/>
+                <a:cs typeface="ＭＳ Ｐゴシック" charset="0"/>
+              </a:rPr>
+              <a:t> app backend.</a:t>
+            </a:r>
+            <a:endParaRPr lang="en-US" dirty="0" smtClean="0"/>
+          </a:p>
+          <a:p>
+            <a:endParaRPr lang="en-US" dirty="0"/>
+          </a:p>
+        </p:txBody>
+      </p:sp>
+      <p:sp>
+        <p:nvSpPr>
+          <p:cNvPr id="4" name="Slide Number Placeholder 3"/>
+          <p:cNvSpPr>
+            <a:spLocks noGrp="1"/>
+          </p:cNvSpPr>
+          <p:nvPr>
+            <p:ph type="sldNum" sz="quarter" idx="10"/>
+          </p:nvPr>
+        </p:nvSpPr>
+        <p:spPr/>
+        <p:txBody>
+          <a:bodyPr/>
+          <a:lstStyle/>
+          <a:p>
+            <a:pPr>
+              <a:defRPr/>
+            </a:pPr>
+            <a:fld id="{72F66423-05E2-6345-AF5A-73942C9C3A7C}" type="slidenum">
+              <a:rPr lang="sv-SE" smtClean="0"/>
+              <a:pPr>
+                <a:defRPr/>
+              </a:pPr>
+              <a:t>23</a:t>
+            </a:fld>
+            <a:endParaRPr lang="sv-SE"/>
+          </a:p>
+        </p:txBody>
+      </p:sp>
+    </p:spTree>
+    <p:extLst>
+      <p:ext uri="{BB962C8B-B14F-4D97-AF65-F5344CB8AC3E}">
+        <p14:creationId xmlns:p14="http://schemas.microsoft.com/office/powerpoint/2010/main" val="2194732820"/>
       </p:ext>
     </p:extLst>
   </p:cSld>
@@ -3552,6 +4308,129 @@
               <a:rPr lang="en-US" baseline="0" dirty="0" smtClean="0"/>
               <a:t>.</a:t>
             </a:r>
+          </a:p>
+          <a:p>
+            <a:r>
+              <a:rPr lang="en-US" baseline="0" dirty="0" err="1" smtClean="0"/>
+              <a:t>Detta</a:t>
+            </a:r>
+            <a:r>
+              <a:rPr lang="en-US" baseline="0" dirty="0" smtClean="0"/>
+              <a:t> </a:t>
+            </a:r>
+            <a:r>
+              <a:rPr lang="en-US" baseline="0" dirty="0" err="1" smtClean="0"/>
+              <a:t>ger</a:t>
+            </a:r>
+            <a:r>
+              <a:rPr lang="en-US" baseline="0" dirty="0" smtClean="0"/>
+              <a:t> en </a:t>
+            </a:r>
+            <a:r>
+              <a:rPr lang="en-US" baseline="0" dirty="0" err="1" smtClean="0"/>
+              <a:t>förbättrad</a:t>
+            </a:r>
+            <a:r>
+              <a:rPr lang="en-US" baseline="0" dirty="0" smtClean="0"/>
+              <a:t> </a:t>
+            </a:r>
+            <a:r>
+              <a:rPr lang="en-US" baseline="0" dirty="0" err="1" smtClean="0"/>
+              <a:t>och</a:t>
+            </a:r>
+            <a:r>
+              <a:rPr lang="en-US" baseline="0" dirty="0" smtClean="0"/>
+              <a:t> </a:t>
+            </a:r>
+            <a:r>
+              <a:rPr lang="en-US" baseline="0" dirty="0" err="1" smtClean="0"/>
+              <a:t>sammanhållen</a:t>
+            </a:r>
+            <a:r>
+              <a:rPr lang="en-US" baseline="0" dirty="0" smtClean="0"/>
+              <a:t> </a:t>
+            </a:r>
+            <a:r>
+              <a:rPr lang="en-US" baseline="0" dirty="0" err="1" smtClean="0"/>
+              <a:t>insyn</a:t>
+            </a:r>
+            <a:r>
+              <a:rPr lang="en-US" baseline="0" dirty="0" smtClean="0"/>
+              <a:t> I </a:t>
+            </a:r>
+            <a:r>
+              <a:rPr lang="en-US" baseline="0" dirty="0" err="1" smtClean="0"/>
+              <a:t>vårdflöden</a:t>
+            </a:r>
+            <a:r>
+              <a:rPr lang="en-US" baseline="0" dirty="0" smtClean="0"/>
+              <a:t>, </a:t>
+            </a:r>
+            <a:r>
+              <a:rPr lang="en-US" baseline="0" dirty="0" err="1" smtClean="0"/>
+              <a:t>ökar</a:t>
+            </a:r>
+            <a:r>
+              <a:rPr lang="en-US" baseline="0" dirty="0" smtClean="0"/>
+              <a:t> </a:t>
+            </a:r>
+            <a:r>
+              <a:rPr lang="en-US" baseline="0" dirty="0" err="1" smtClean="0"/>
+              <a:t>patientenskunskap</a:t>
+            </a:r>
+            <a:r>
+              <a:rPr lang="en-US" baseline="0" dirty="0" smtClean="0"/>
+              <a:t>,  </a:t>
+            </a:r>
+            <a:r>
+              <a:rPr lang="en-US" baseline="0" dirty="0" err="1" smtClean="0"/>
+              <a:t>engagemang</a:t>
+            </a:r>
+            <a:r>
+              <a:rPr lang="en-US" baseline="0" dirty="0" smtClean="0"/>
+              <a:t> </a:t>
+            </a:r>
+            <a:r>
+              <a:rPr lang="en-US" baseline="0" dirty="0" err="1" smtClean="0"/>
+              <a:t>och</a:t>
+            </a:r>
+            <a:r>
+              <a:rPr lang="en-US" baseline="0" dirty="0" smtClean="0"/>
+              <a:t> </a:t>
+            </a:r>
+            <a:r>
+              <a:rPr lang="en-US" baseline="0" dirty="0" err="1" smtClean="0"/>
+              <a:t>trygghet</a:t>
+            </a:r>
+            <a:r>
+              <a:rPr lang="en-US" baseline="0" dirty="0" smtClean="0"/>
+              <a:t> </a:t>
+            </a:r>
+            <a:r>
+              <a:rPr lang="en-US" baseline="0" dirty="0" err="1" smtClean="0"/>
+              <a:t>kring</a:t>
+            </a:r>
+            <a:r>
+              <a:rPr lang="en-US" baseline="0" dirty="0" smtClean="0"/>
+              <a:t> </a:t>
+            </a:r>
+            <a:r>
+              <a:rPr lang="en-US" baseline="0" dirty="0" err="1" smtClean="0"/>
+              <a:t>pågående</a:t>
+            </a:r>
+            <a:r>
+              <a:rPr lang="en-US" baseline="0" dirty="0" smtClean="0"/>
+              <a:t> </a:t>
+            </a:r>
+            <a:r>
+              <a:rPr lang="en-US" baseline="0" dirty="0" err="1" smtClean="0"/>
+              <a:t>vårdprocesser</a:t>
+            </a:r>
+            <a:r>
+              <a:rPr lang="en-US" baseline="0" dirty="0" smtClean="0"/>
+              <a:t>.</a:t>
+            </a:r>
+            <a:endParaRPr lang="en-US" baseline="0" dirty="0" smtClean="0"/>
           </a:p>
           <a:p>
             <a:endParaRPr lang="en-US" baseline="0" dirty="0" smtClean="0"/>
@@ -3837,20 +4716,65 @@
             </a:r>
             <a:r>
               <a:rPr lang="en-US" baseline="0" dirty="0" smtClean="0"/>
-              <a:t>)</a:t>
-            </a:r>
-          </a:p>
-          <a:p>
+              <a:t>), </a:t>
+            </a:r>
+            <a:r>
+              <a:rPr lang="en-US" baseline="0" dirty="0" err="1" smtClean="0"/>
+              <a:t>finns</a:t>
+            </a:r>
+            <a:r>
+              <a:rPr lang="en-US" baseline="0" dirty="0" smtClean="0"/>
+              <a:t> </a:t>
+            </a:r>
+            <a:r>
+              <a:rPr lang="en-US" baseline="0" dirty="0" err="1" smtClean="0"/>
+              <a:t>inga</a:t>
+            </a:r>
+            <a:r>
+              <a:rPr lang="en-US" baseline="0" dirty="0" smtClean="0"/>
+              <a:t> </a:t>
+            </a:r>
+            <a:r>
+              <a:rPr lang="en-US" baseline="0" dirty="0" err="1" smtClean="0"/>
+              <a:t>ännu</a:t>
+            </a:r>
+            <a:r>
+              <a:rPr lang="en-US" baseline="0" dirty="0" smtClean="0"/>
+              <a:t>.</a:t>
+            </a:r>
             <a:endParaRPr lang="en-US" baseline="0" dirty="0" smtClean="0"/>
           </a:p>
           <a:p>
+            <a:endParaRPr lang="en-US" baseline="0" dirty="0" smtClean="0"/>
+          </a:p>
+          <a:p>
             <a:r>
               <a:rPr lang="en-US" baseline="0" dirty="0" err="1" smtClean="0"/>
               <a:t>Exempel</a:t>
             </a:r>
             <a:r>
               <a:rPr lang="en-US" baseline="0" dirty="0" smtClean="0"/>
-              <a:t> -&gt; </a:t>
+              <a:t> </a:t>
+            </a:r>
+            <a:r>
+              <a:rPr lang="en-US" baseline="0" dirty="0" err="1" smtClean="0"/>
+              <a:t>öppna</a:t>
+            </a:r>
+            <a:r>
+              <a:rPr lang="en-US" baseline="0" dirty="0" smtClean="0"/>
+              <a:t> </a:t>
+            </a:r>
+            <a:r>
+              <a:rPr lang="en-US" baseline="0" dirty="0" err="1" smtClean="0"/>
+              <a:t>apier</a:t>
+            </a:r>
+            <a:r>
+              <a:rPr lang="en-US" baseline="0" dirty="0" smtClean="0"/>
+              <a:t> </a:t>
+            </a:r>
+            <a:r>
+              <a:rPr lang="en-US" baseline="0" dirty="0" smtClean="0"/>
+              <a:t>-&gt; </a:t>
             </a:r>
             <a:r>
               <a:rPr lang="en-US" baseline="0" dirty="0" err="1" smtClean="0"/>
@@ -3948,7 +4872,6 @@
               <a:rPr lang="en-US" baseline="0" dirty="0" smtClean="0"/>
               <a:t>.</a:t>
             </a:r>
-            <a:endParaRPr lang="en-US" baseline="0" dirty="0" smtClean="0"/>
           </a:p>
         </p:txBody>
       </p:sp>
@@ -4039,97 +4962,12 @@
           <a:lstStyle/>
           <a:p>
             <a:r>
-              <a:rPr lang="en-US" baseline="0" dirty="0" err="1" smtClean="0"/>
-              <a:t>APIerna</a:t>
-            </a:r>
-            <a:r>
-              <a:rPr lang="en-US" baseline="0" dirty="0" smtClean="0"/>
-              <a:t> </a:t>
-            </a:r>
-            <a:r>
-              <a:rPr lang="en-US" baseline="0" dirty="0" err="1" smtClean="0"/>
-              <a:t>är</a:t>
-            </a:r>
-            <a:r>
-              <a:rPr lang="en-US" baseline="0" dirty="0" smtClean="0"/>
-              <a:t> </a:t>
-            </a:r>
-            <a:r>
-              <a:rPr lang="en-US" baseline="0" dirty="0" err="1" smtClean="0"/>
-              <a:t>uppdelade</a:t>
-            </a:r>
-            <a:r>
-              <a:rPr lang="en-US" baseline="0" dirty="0" smtClean="0"/>
-              <a:t> I </a:t>
-            </a:r>
-            <a:r>
-              <a:rPr lang="en-US" baseline="0" dirty="0" err="1" smtClean="0"/>
-              <a:t>tre</a:t>
-            </a:r>
-            <a:r>
-              <a:rPr lang="en-US" baseline="0" dirty="0" smtClean="0"/>
-              <a:t> </a:t>
-            </a:r>
-            <a:r>
-              <a:rPr lang="en-US" baseline="0" dirty="0" err="1" smtClean="0"/>
-              <a:t>kategorier</a:t>
-            </a:r>
-            <a:endParaRPr lang="en-US" baseline="0" dirty="0" smtClean="0"/>
-          </a:p>
-          <a:p>
-            <a:r>
-              <a:rPr lang="en-US" baseline="0" dirty="0" smtClean="0"/>
-              <a:t>	1. </a:t>
-            </a:r>
-            <a:r>
-              <a:rPr lang="en-US" baseline="0" dirty="0" err="1" smtClean="0"/>
-              <a:t>Öppen</a:t>
-            </a:r>
-            <a:r>
-              <a:rPr lang="en-US" baseline="0" dirty="0" smtClean="0"/>
-              <a:t>-data-</a:t>
-            </a:r>
-            <a:r>
-              <a:rPr lang="en-US" baseline="0" dirty="0" err="1" smtClean="0"/>
-              <a:t>APIer</a:t>
-            </a:r>
-            <a:r>
-              <a:rPr lang="en-US" baseline="0" dirty="0" smtClean="0"/>
-              <a:t> (</a:t>
-            </a:r>
-            <a:r>
-              <a:rPr lang="en-US" baseline="0" dirty="0" err="1" smtClean="0"/>
-              <a:t>APIer</a:t>
-            </a:r>
-            <a:r>
-              <a:rPr lang="en-US" baseline="0" dirty="0" smtClean="0"/>
-              <a:t> </a:t>
-            </a:r>
-            <a:r>
-              <a:rPr lang="en-US" baseline="0" dirty="0" err="1" smtClean="0"/>
-              <a:t>för</a:t>
-            </a:r>
-            <a:r>
-              <a:rPr lang="en-US" baseline="0" dirty="0" smtClean="0"/>
-              <a:t> </a:t>
-            </a:r>
-            <a:r>
-              <a:rPr lang="en-US" baseline="0" dirty="0" err="1" smtClean="0"/>
-              <a:t>offentlig</a:t>
-            </a:r>
-            <a:r>
-              <a:rPr lang="en-US" baseline="0" dirty="0" smtClean="0"/>
-              <a:t> data)</a:t>
-            </a:r>
-          </a:p>
-          <a:p>
-            <a:r>
-              <a:rPr lang="en-US" baseline="0" dirty="0" smtClean="0"/>
-              <a:t>	</a:t>
-            </a:r>
-            <a:r>
               <a:rPr lang="en-US" b="1" baseline="0" dirty="0" smtClean="0"/>
-              <a:t>2. </a:t>
+              <a:t>2</a:t>
+            </a:r>
+            <a:r>
+              <a:rPr lang="en-US" b="1" baseline="0" dirty="0" smtClean="0"/>
+              <a:t>. </a:t>
             </a:r>
             <a:r>
               <a:rPr lang="en-US" b="1" baseline="0" dirty="0" err="1" smtClean="0"/>
@@ -4177,87 +5015,42 @@
             </a:r>
             <a:r>
               <a:rPr lang="en-US" b="1" baseline="0" dirty="0" smtClean="0"/>
-              <a:t> part)</a:t>
-            </a:r>
-          </a:p>
-          <a:p>
-            <a:r>
-              <a:rPr lang="en-US" baseline="0" dirty="0" smtClean="0"/>
-              <a:t>	3. </a:t>
-            </a:r>
-            <a:r>
-              <a:rPr lang="en-US" baseline="0" dirty="0" err="1" smtClean="0"/>
-              <a:t>Vårdgivar-APIer</a:t>
-            </a:r>
-            <a:r>
-              <a:rPr lang="en-US" baseline="0" dirty="0" smtClean="0"/>
-              <a:t> (</a:t>
-            </a:r>
-            <a:r>
-              <a:rPr lang="en-US" baseline="0" dirty="0" err="1" smtClean="0"/>
-              <a:t>APIer</a:t>
-            </a:r>
-            <a:r>
-              <a:rPr lang="en-US" baseline="0" dirty="0" smtClean="0"/>
-              <a:t> </a:t>
-            </a:r>
-            <a:r>
-              <a:rPr lang="en-US" baseline="0" dirty="0" err="1" smtClean="0"/>
-              <a:t>för</a:t>
-            </a:r>
-            <a:r>
-              <a:rPr lang="en-US" baseline="0" dirty="0" smtClean="0"/>
-              <a:t> </a:t>
-            </a:r>
-            <a:r>
-              <a:rPr lang="en-US" baseline="0" dirty="0" err="1" smtClean="0"/>
-              <a:t>patientbunden</a:t>
-            </a:r>
-            <a:r>
-              <a:rPr lang="en-US" baseline="0" dirty="0" smtClean="0"/>
-              <a:t> data </a:t>
-            </a:r>
-            <a:r>
-              <a:rPr lang="en-US" baseline="0" dirty="0" err="1" smtClean="0"/>
-              <a:t>för</a:t>
-            </a:r>
-            <a:r>
-              <a:rPr lang="en-US" baseline="0" dirty="0" smtClean="0"/>
-              <a:t> </a:t>
-            </a:r>
-            <a:r>
-              <a:rPr lang="en-US" baseline="0" dirty="0" err="1" smtClean="0"/>
-              <a:t>vårdgivare</a:t>
-            </a:r>
-            <a:r>
-              <a:rPr lang="en-US" baseline="0" dirty="0" smtClean="0"/>
+              <a:t> part</a:t>
+            </a:r>
+            <a:r>
+              <a:rPr lang="en-US" b="1" baseline="0" dirty="0" smtClean="0"/>
               <a:t>)</a:t>
             </a:r>
-          </a:p>
-          <a:p>
-            <a:endParaRPr lang="en-US" baseline="0" dirty="0" smtClean="0"/>
+            <a:endParaRPr lang="en-US" b="0" baseline="0" dirty="0" smtClean="0"/>
           </a:p>
           <a:p>
             <a:r>
               <a:rPr lang="en-US" b="0" baseline="0" dirty="0" err="1" smtClean="0"/>
-              <a:t>Patientbunden</a:t>
+              <a:t>Exempe</a:t>
             </a:r>
             <a:r>
               <a:rPr lang="en-US" b="0" baseline="0" dirty="0" smtClean="0"/>
-              <a:t> data</a:t>
-            </a:r>
-          </a:p>
-          <a:p>
-            <a:endParaRPr lang="en-US" b="0" baseline="0" dirty="0" smtClean="0"/>
-          </a:p>
-          <a:p>
+              <a:t> </a:t>
+            </a:r>
             <a:r>
               <a:rPr lang="en-US" b="0" baseline="0" dirty="0" err="1" smtClean="0"/>
-              <a:t>Exempel</a:t>
+              <a:t>patiendata</a:t>
             </a:r>
             <a:r>
               <a:rPr lang="en-US" b="0" baseline="0" dirty="0" smtClean="0"/>
-              <a:t> -&gt; </a:t>
+              <a:t> </a:t>
+            </a:r>
+            <a:r>
+              <a:rPr lang="en-US" b="0" baseline="0" dirty="0" err="1" smtClean="0"/>
+              <a:t>apier</a:t>
+            </a:r>
+            <a:r>
+              <a:rPr lang="en-US" b="0" baseline="0" dirty="0" smtClean="0"/>
+              <a:t> </a:t>
+            </a:r>
+            <a:r>
+              <a:rPr lang="en-US" b="0" baseline="0" dirty="0" smtClean="0"/>
+              <a:t>-&gt; </a:t>
             </a:r>
             <a:r>
               <a:rPr lang="en-US" b="0" baseline="0" dirty="0" err="1" smtClean="0"/>
@@ -4291,8 +5084,6 @@
               <a:rPr lang="en-US" b="0" baseline="0" dirty="0" smtClean="0"/>
               <a:t>.</a:t>
             </a:r>
-          </a:p>
-          <a:p>
             <a:endParaRPr lang="en-US" baseline="0" dirty="0" smtClean="0"/>
           </a:p>
           <a:p>
@@ -4392,6 +5183,58 @@
               <a:rPr lang="en-US" baseline="0" dirty="0" smtClean="0"/>
               <a:t>.</a:t>
             </a:r>
+          </a:p>
+          <a:p>
+            <a:r>
+              <a:rPr lang="en-US" baseline="0" dirty="0" err="1" smtClean="0"/>
+              <a:t>Bokmärk</a:t>
+            </a:r>
+            <a:r>
+              <a:rPr lang="en-US" baseline="0" dirty="0" smtClean="0"/>
+              <a:t> </a:t>
+            </a:r>
+            <a:r>
+              <a:rPr lang="en-US" baseline="0" dirty="0" err="1" smtClean="0"/>
+              <a:t>denna</a:t>
+            </a:r>
+            <a:r>
+              <a:rPr lang="en-US" baseline="0" dirty="0" smtClean="0"/>
+              <a:t> </a:t>
+            </a:r>
+            <a:r>
+              <a:rPr lang="en-US" baseline="0" dirty="0" err="1" smtClean="0"/>
+              <a:t>sidan</a:t>
+            </a:r>
+            <a:r>
+              <a:rPr lang="en-US" baseline="0" dirty="0" smtClean="0"/>
+              <a:t> </a:t>
+            </a:r>
+            <a:r>
+              <a:rPr lang="en-US" baseline="0" dirty="0" err="1" smtClean="0"/>
+              <a:t>för</a:t>
+            </a:r>
+            <a:r>
+              <a:rPr lang="en-US" baseline="0" dirty="0" smtClean="0"/>
+              <a:t> </a:t>
+            </a:r>
+            <a:r>
+              <a:rPr lang="en-US" baseline="0" dirty="0" err="1" smtClean="0"/>
+              <a:t>senare</a:t>
+            </a:r>
+            <a:r>
+              <a:rPr lang="en-US" baseline="0" dirty="0" smtClean="0"/>
+              <a:t> </a:t>
+            </a:r>
+            <a:r>
+              <a:rPr lang="en-US" baseline="0" dirty="0" err="1" smtClean="0"/>
+              <a:t>labbar</a:t>
+            </a:r>
+            <a:r>
+              <a:rPr lang="en-US" baseline="0" dirty="0" smtClean="0"/>
+              <a:t>.</a:t>
+            </a:r>
+          </a:p>
+          <a:p>
             <a:endParaRPr lang="en-US" baseline="0" dirty="0" smtClean="0"/>
           </a:p>
           <a:p>
@@ -4488,28 +5331,7 @@
           <a:bodyPr/>
           <a:lstStyle/>
           <a:p>
-            <a:r>
-              <a:rPr lang="en-US" dirty="0" smtClean="0"/>
-              <a:t>The HTTP response status code 302 Found is a common way of performing a redirection.</a:t>
-            </a:r>
-          </a:p>
-          <a:p>
-            <a:r>
-              <a:rPr lang="en-US" dirty="0" smtClean="0"/>
-              <a:t>An HTTP response with this status code will additionally provide a URL in the Location header field. </a:t>
-            </a:r>
-          </a:p>
-          <a:p>
-            <a:r>
-              <a:rPr lang="en-US" dirty="0" smtClean="0"/>
-              <a:t>The User Agent (e.g. a web browser) is invited by a response with this code to make a second, otherwise identical, request, to the new URL specified in the Location field. </a:t>
-            </a:r>
-          </a:p>
-          <a:p>
-            <a:r>
-              <a:rPr lang="en-US" dirty="0" smtClean="0"/>
-              <a:t>The HTTP/1.0 specification (RFC 1945) defines this code, and gives it the description phrase "Moved Temporarily”.</a:t>
-            </a:r>
+            <a:endParaRPr lang="en-US" baseline="0" dirty="0" smtClean="0"/>
           </a:p>
         </p:txBody>
       </p:sp>
@@ -4536,7 +5358,7 @@
               <a:pPr>
                 <a:defRPr/>
               </a:pPr>
-              <a:t>10</a:t>
+              <a:t>8</a:t>
             </a:fld>
             <a:endParaRPr lang="sv-SE"/>
           </a:p>
@@ -4545,7 +5367,7 @@
     </p:spTree>
     <p:extLst>
       <p:ext uri="{BB962C8B-B14F-4D97-AF65-F5344CB8AC3E}">
-        <p14:creationId xmlns:p14="http://schemas.microsoft.com/office/powerpoint/2010/main" val="2250645432"/>
+        <p14:creationId xmlns:p14="http://schemas.microsoft.com/office/powerpoint/2010/main" val="2738795889"/>
       </p:ext>
     </p:extLst>
   </p:cSld>
@@ -4600,28 +5422,70 @@
           <a:lstStyle/>
           <a:p>
             <a:r>
-              <a:rPr lang="en-US" dirty="0" err="1" smtClean="0"/>
-              <a:t>Kika</a:t>
-            </a:r>
-            <a:r>
-              <a:rPr lang="en-US" dirty="0" smtClean="0"/>
-              <a:t> </a:t>
-            </a:r>
-            <a:r>
-              <a:rPr lang="en-US" dirty="0" err="1" smtClean="0"/>
-              <a:t>på</a:t>
-            </a:r>
-            <a:r>
-              <a:rPr lang="en-US" dirty="0" smtClean="0"/>
-              <a:t> README I </a:t>
-            </a:r>
-            <a:r>
-              <a:rPr lang="en-US" dirty="0" err="1" smtClean="0"/>
-              <a:t>katalogen</a:t>
-            </a:r>
-            <a:r>
-              <a:rPr lang="en-US" dirty="0" smtClean="0"/>
-              <a:t> /lab1</a:t>
+              <a:rPr lang="en-US" dirty="0" smtClean="0"/>
+              <a:t>2xx</a:t>
+            </a:r>
+            <a:r>
+              <a:rPr lang="en-US" baseline="0" dirty="0" smtClean="0"/>
+              <a:t> = request </a:t>
+            </a:r>
+            <a:r>
+              <a:rPr lang="en-US" baseline="0" dirty="0" err="1" smtClean="0"/>
+              <a:t>gick</a:t>
+            </a:r>
+            <a:r>
+              <a:rPr lang="en-US" baseline="0" dirty="0" smtClean="0"/>
+              <a:t> bra</a:t>
+            </a:r>
+          </a:p>
+          <a:p>
+            <a:r>
+              <a:rPr lang="en-US" baseline="0" dirty="0" smtClean="0"/>
+              <a:t>3xx = redirection </a:t>
+            </a:r>
+            <a:r>
+              <a:rPr lang="en-US" baseline="0" dirty="0" err="1" smtClean="0"/>
+              <a:t>koder</a:t>
+            </a:r>
+            <a:endParaRPr lang="en-US" baseline="0" dirty="0" smtClean="0"/>
+          </a:p>
+          <a:p>
+            <a:r>
+              <a:rPr lang="en-US" baseline="0" dirty="0" smtClean="0"/>
+              <a:t>4xx = client error</a:t>
+            </a:r>
+          </a:p>
+          <a:p>
+            <a:r>
+              <a:rPr lang="en-US" baseline="0" dirty="0" smtClean="0"/>
+              <a:t>5xx = server </a:t>
+            </a:r>
+            <a:r>
+              <a:rPr lang="en-US" baseline="0" dirty="0" err="1" smtClean="0"/>
+              <a:t>fel</a:t>
+            </a:r>
+            <a:endParaRPr lang="en-US" baseline="0" dirty="0" smtClean="0"/>
+          </a:p>
+          <a:p>
+            <a:r>
+              <a:rPr lang="en-US" baseline="0" dirty="0" smtClean="0"/>
+              <a:t>418 -&gt; </a:t>
+            </a:r>
+            <a:r>
+              <a:rPr lang="en-US" baseline="0" dirty="0" err="1" smtClean="0"/>
+              <a:t>Aprilskämt</a:t>
+            </a:r>
+            <a:r>
+              <a:rPr lang="en-US" baseline="0" dirty="0" smtClean="0"/>
+              <a:t> </a:t>
+            </a:r>
+            <a:r>
+              <a:rPr lang="en-US" baseline="0" dirty="0" err="1" smtClean="0"/>
+              <a:t>från</a:t>
+            </a:r>
+            <a:r>
+              <a:rPr lang="en-US" baseline="0" dirty="0" smtClean="0"/>
+              <a:t> IETF 1998</a:t>
             </a:r>
             <a:endParaRPr lang="en-US" dirty="0"/>
           </a:p>
@@ -4650,7 +5514,7 @@
               <a:pPr>
                 <a:defRPr/>
               </a:pPr>
-              <a:t>11</a:t>
+              <a:t>9</a:t>
             </a:fld>
             <a:endParaRPr lang="sv-SE"/>
           </a:p>
@@ -4659,7 +5523,7 @@
     </p:spTree>
     <p:extLst>
       <p:ext uri="{BB962C8B-B14F-4D97-AF65-F5344CB8AC3E}">
-        <p14:creationId xmlns:p14="http://schemas.microsoft.com/office/powerpoint/2010/main" val="755091883"/>
+        <p14:creationId xmlns:p14="http://schemas.microsoft.com/office/powerpoint/2010/main" val="2357929938"/>
       </p:ext>
     </p:extLst>
   </p:cSld>
@@ -4714,601 +5578,27 @@
           <a:lstStyle/>
           <a:p>
             <a:r>
-              <a:rPr lang="en-US" baseline="0" dirty="0" err="1" smtClean="0"/>
-              <a:t>Apier</a:t>
-            </a:r>
-            <a:r>
-              <a:rPr lang="en-US" baseline="0" dirty="0" smtClean="0"/>
-              <a:t> </a:t>
-            </a:r>
-            <a:r>
-              <a:rPr lang="en-US" baseline="0" dirty="0" err="1" smtClean="0"/>
-              <a:t>för</a:t>
-            </a:r>
-            <a:r>
-              <a:rPr lang="en-US" baseline="0" dirty="0" smtClean="0"/>
-              <a:t> </a:t>
-            </a:r>
-            <a:r>
-              <a:rPr lang="en-US" baseline="0" dirty="0" err="1" smtClean="0"/>
-              <a:t>patientbunden</a:t>
-            </a:r>
-            <a:r>
-              <a:rPr lang="en-US" baseline="0" dirty="0" smtClean="0"/>
-              <a:t> data </a:t>
-            </a:r>
-            <a:r>
-              <a:rPr lang="en-US" baseline="0" dirty="0" err="1" smtClean="0"/>
-              <a:t>kräver</a:t>
-            </a:r>
-            <a:r>
-              <a:rPr lang="en-US" baseline="0" dirty="0" smtClean="0"/>
-              <a:t> en </a:t>
-            </a:r>
-            <a:r>
-              <a:rPr lang="en-US" baseline="0" dirty="0" err="1" smtClean="0"/>
-              <a:t>strikt</a:t>
-            </a:r>
-            <a:r>
-              <a:rPr lang="en-US" baseline="0" dirty="0" smtClean="0"/>
-              <a:t> </a:t>
-            </a:r>
-            <a:r>
-              <a:rPr lang="en-US" baseline="0" dirty="0" err="1" smtClean="0"/>
-              <a:t>åtkomstkontroll</a:t>
-            </a:r>
-            <a:r>
-              <a:rPr lang="en-US" baseline="0" dirty="0" smtClean="0"/>
-              <a:t> </a:t>
-            </a:r>
-            <a:r>
-              <a:rPr lang="en-US" baseline="0" dirty="0" err="1" smtClean="0"/>
-              <a:t>för</a:t>
-            </a:r>
-            <a:r>
-              <a:rPr lang="en-US" baseline="0" dirty="0" smtClean="0"/>
-              <a:t> </a:t>
-            </a:r>
-            <a:r>
-              <a:rPr lang="en-US" baseline="0" dirty="0" err="1" smtClean="0"/>
-              <a:t>att</a:t>
-            </a:r>
-            <a:r>
-              <a:rPr lang="en-US" baseline="0" dirty="0" smtClean="0"/>
-              <a:t> </a:t>
-            </a:r>
-            <a:r>
-              <a:rPr lang="en-US" baseline="0" dirty="0" err="1" smtClean="0"/>
-              <a:t>inte</a:t>
-            </a:r>
-            <a:r>
-              <a:rPr lang="en-US" baseline="0" dirty="0" smtClean="0"/>
-              <a:t> data </a:t>
-            </a:r>
-            <a:r>
-              <a:rPr lang="en-US" baseline="0" dirty="0" err="1" smtClean="0"/>
-              <a:t>skall</a:t>
-            </a:r>
-            <a:r>
-              <a:rPr lang="en-US" baseline="0" dirty="0" smtClean="0"/>
-              <a:t> </a:t>
-            </a:r>
-            <a:r>
-              <a:rPr lang="en-US" baseline="0" dirty="0" err="1" smtClean="0"/>
-              <a:t>hamna</a:t>
-            </a:r>
-            <a:r>
-              <a:rPr lang="en-US" baseline="0" dirty="0" smtClean="0"/>
-              <a:t> </a:t>
-            </a:r>
-            <a:r>
-              <a:rPr lang="en-US" baseline="0" dirty="0" err="1" smtClean="0"/>
-              <a:t>i</a:t>
-            </a:r>
-            <a:r>
-              <a:rPr lang="en-US" baseline="0" dirty="0" smtClean="0"/>
-              <a:t> </a:t>
-            </a:r>
-            <a:r>
-              <a:rPr lang="en-US" baseline="0" dirty="0" err="1" smtClean="0"/>
-              <a:t>orätta</a:t>
-            </a:r>
-            <a:r>
-              <a:rPr lang="en-US" baseline="0" dirty="0" smtClean="0"/>
-              <a:t> </a:t>
-            </a:r>
-            <a:r>
-              <a:rPr lang="en-US" baseline="0" dirty="0" err="1" smtClean="0"/>
-              <a:t>händer</a:t>
-            </a:r>
-            <a:r>
-              <a:rPr lang="en-US" baseline="0" dirty="0" smtClean="0"/>
-              <a:t>.</a:t>
-            </a:r>
-            <a:endParaRPr lang="en-US" baseline="0" dirty="0" smtClean="0"/>
-          </a:p>
-          <a:p>
-            <a:endParaRPr lang="en-US" baseline="0" dirty="0" smtClean="0"/>
-          </a:p>
-          <a:p>
-            <a:r>
-              <a:rPr lang="en-US" baseline="0" dirty="0" err="1" smtClean="0"/>
-              <a:t>Tvåfaktorsautentisering</a:t>
-            </a:r>
-            <a:r>
-              <a:rPr lang="en-US" baseline="0" dirty="0" smtClean="0"/>
-              <a:t> (</a:t>
-            </a:r>
-            <a:r>
-              <a:rPr lang="en-US" baseline="0" dirty="0" err="1" smtClean="0"/>
-              <a:t>Krav</a:t>
-            </a:r>
-            <a:r>
-              <a:rPr lang="en-US" baseline="0" dirty="0" smtClean="0"/>
-              <a:t> </a:t>
-            </a:r>
-            <a:r>
-              <a:rPr lang="en-US" baseline="0" dirty="0" err="1" smtClean="0"/>
-              <a:t>från</a:t>
-            </a:r>
-            <a:r>
-              <a:rPr lang="en-US" baseline="0" dirty="0" smtClean="0"/>
-              <a:t> </a:t>
-            </a:r>
-            <a:r>
-              <a:rPr lang="en-US" baseline="0" dirty="0" err="1" smtClean="0"/>
-              <a:t>datainspektionen</a:t>
-            </a:r>
-            <a:r>
-              <a:rPr lang="en-US" baseline="0" dirty="0" smtClean="0"/>
-              <a:t>) </a:t>
-            </a:r>
-            <a:r>
-              <a:rPr lang="en-US" baseline="0" dirty="0" smtClean="0"/>
-              <a:t>– </a:t>
-            </a:r>
-            <a:r>
-              <a:rPr lang="en-US" baseline="0" dirty="0" err="1" smtClean="0"/>
-              <a:t>identitetskontroll</a:t>
-            </a:r>
-            <a:r>
-              <a:rPr lang="en-US" baseline="0" dirty="0" smtClean="0"/>
-              <a:t> med </a:t>
-            </a:r>
-            <a:r>
-              <a:rPr lang="en-US" baseline="0" dirty="0" err="1" smtClean="0"/>
-              <a:t>hjälp</a:t>
-            </a:r>
-            <a:r>
-              <a:rPr lang="en-US" baseline="0" dirty="0" smtClean="0"/>
-              <a:t> </a:t>
-            </a:r>
-            <a:r>
-              <a:rPr lang="en-US" baseline="0" dirty="0" err="1" smtClean="0"/>
-              <a:t>av</a:t>
-            </a:r>
-            <a:r>
-              <a:rPr lang="en-US" baseline="0" dirty="0" smtClean="0"/>
-              <a:t> </a:t>
-            </a:r>
-            <a:r>
-              <a:rPr lang="en-US" baseline="0" dirty="0" err="1" smtClean="0"/>
-              <a:t>två</a:t>
-            </a:r>
-            <a:r>
-              <a:rPr lang="en-US" baseline="0" dirty="0" smtClean="0"/>
-              <a:t> </a:t>
-            </a:r>
-            <a:r>
-              <a:rPr lang="en-US" baseline="0" dirty="0" err="1" smtClean="0"/>
-              <a:t>skilda</a:t>
-            </a:r>
-            <a:r>
-              <a:rPr lang="en-US" baseline="0" dirty="0" smtClean="0"/>
-              <a:t> former </a:t>
-            </a:r>
-            <a:r>
-              <a:rPr lang="en-US" baseline="0" dirty="0" err="1" smtClean="0"/>
-              <a:t>av</a:t>
-            </a:r>
-            <a:r>
-              <a:rPr lang="en-US" baseline="0" dirty="0" smtClean="0"/>
-              <a:t> information, till </a:t>
-            </a:r>
-            <a:r>
-              <a:rPr lang="en-US" baseline="0" dirty="0" err="1" smtClean="0"/>
-              <a:t>exempel</a:t>
-            </a:r>
-            <a:r>
-              <a:rPr lang="en-US" baseline="0" dirty="0" smtClean="0"/>
-              <a:t> </a:t>
-            </a:r>
-            <a:r>
-              <a:rPr lang="en-US" baseline="0" dirty="0" err="1" smtClean="0"/>
-              <a:t>ett</a:t>
-            </a:r>
-            <a:r>
-              <a:rPr lang="en-US" baseline="0" dirty="0" smtClean="0"/>
-              <a:t> </a:t>
-            </a:r>
-            <a:r>
-              <a:rPr lang="en-US" baseline="0" dirty="0" err="1" smtClean="0"/>
-              <a:t>kort</a:t>
-            </a:r>
-            <a:r>
-              <a:rPr lang="en-US" baseline="0" dirty="0" smtClean="0"/>
-              <a:t> </a:t>
-            </a:r>
-            <a:r>
-              <a:rPr lang="en-US" baseline="0" dirty="0" err="1" smtClean="0"/>
-              <a:t>och</a:t>
-            </a:r>
-            <a:r>
-              <a:rPr lang="en-US" baseline="0" dirty="0" smtClean="0"/>
-              <a:t> </a:t>
-            </a:r>
-            <a:r>
-              <a:rPr lang="en-US" baseline="0" dirty="0" err="1" smtClean="0"/>
-              <a:t>ett</a:t>
-            </a:r>
-            <a:r>
-              <a:rPr lang="en-US" baseline="0" dirty="0" smtClean="0"/>
-              <a:t> </a:t>
-            </a:r>
-            <a:r>
-              <a:rPr lang="en-US" baseline="0" dirty="0" err="1" smtClean="0"/>
-              <a:t>lösenord</a:t>
-            </a:r>
-            <a:r>
-              <a:rPr lang="en-US" baseline="0" dirty="0" smtClean="0"/>
-              <a:t>. </a:t>
-            </a:r>
-            <a:r>
-              <a:rPr lang="en-US" baseline="0" dirty="0" err="1" smtClean="0"/>
-              <a:t>Alltså</a:t>
-            </a:r>
-            <a:r>
-              <a:rPr lang="en-US" baseline="0" dirty="0" smtClean="0"/>
-              <a:t> </a:t>
-            </a:r>
-            <a:r>
-              <a:rPr lang="en-US" baseline="0" dirty="0" err="1" smtClean="0"/>
-              <a:t>som</a:t>
-            </a:r>
-            <a:r>
-              <a:rPr lang="en-US" baseline="0" dirty="0" smtClean="0"/>
-              <a:t> </a:t>
-            </a:r>
-            <a:r>
-              <a:rPr lang="en-US" baseline="0" dirty="0" err="1" smtClean="0"/>
-              <a:t>i</a:t>
-            </a:r>
-            <a:r>
-              <a:rPr lang="en-US" baseline="0" dirty="0" smtClean="0"/>
-              <a:t> en </a:t>
-            </a:r>
-            <a:r>
-              <a:rPr lang="en-US" baseline="0" dirty="0" err="1" smtClean="0"/>
-              <a:t>bankomat</a:t>
-            </a:r>
-            <a:r>
-              <a:rPr lang="en-US" baseline="0" dirty="0" smtClean="0"/>
-              <a:t> med "</a:t>
-            </a:r>
-            <a:r>
-              <a:rPr lang="en-US" baseline="0" dirty="0" err="1" smtClean="0"/>
-              <a:t>något</a:t>
-            </a:r>
-            <a:r>
-              <a:rPr lang="en-US" baseline="0" dirty="0" smtClean="0"/>
-              <a:t> man </a:t>
-            </a:r>
-            <a:r>
-              <a:rPr lang="en-US" baseline="0" dirty="0" err="1" smtClean="0"/>
-              <a:t>har</a:t>
-            </a:r>
-            <a:r>
-              <a:rPr lang="en-US" baseline="0" dirty="0" smtClean="0"/>
-              <a:t>" (</a:t>
-            </a:r>
-            <a:r>
-              <a:rPr lang="en-US" baseline="0" dirty="0" err="1" smtClean="0"/>
-              <a:t>kortet</a:t>
-            </a:r>
-            <a:r>
-              <a:rPr lang="en-US" baseline="0" dirty="0" smtClean="0"/>
-              <a:t>) </a:t>
-            </a:r>
-            <a:r>
-              <a:rPr lang="en-US" baseline="0" dirty="0" err="1" smtClean="0"/>
-              <a:t>och</a:t>
-            </a:r>
-            <a:r>
-              <a:rPr lang="en-US" baseline="0" dirty="0" smtClean="0"/>
-              <a:t> "</a:t>
-            </a:r>
-            <a:r>
-              <a:rPr lang="en-US" baseline="0" dirty="0" err="1" smtClean="0"/>
-              <a:t>något</a:t>
-            </a:r>
-            <a:r>
-              <a:rPr lang="en-US" baseline="0" dirty="0" smtClean="0"/>
-              <a:t> man vet" (</a:t>
-            </a:r>
-            <a:r>
-              <a:rPr lang="en-US" baseline="0" dirty="0" err="1" smtClean="0"/>
-              <a:t>pinkoden</a:t>
-            </a:r>
-            <a:r>
-              <a:rPr lang="en-US" baseline="0" dirty="0" smtClean="0"/>
-              <a:t>)</a:t>
-            </a:r>
-            <a:r>
-              <a:rPr lang="en-US" baseline="0" dirty="0" smtClean="0"/>
-              <a:t>.</a:t>
-            </a:r>
-          </a:p>
-          <a:p>
-            <a:endParaRPr lang="en-US" baseline="0" dirty="0" smtClean="0"/>
-          </a:p>
-          <a:p>
-            <a:r>
-              <a:rPr lang="en-US" baseline="0" dirty="0" err="1" smtClean="0"/>
-              <a:t>Förtroende</a:t>
-            </a:r>
-            <a:r>
-              <a:rPr lang="en-US" baseline="0" dirty="0" smtClean="0"/>
-              <a:t> -&gt; </a:t>
-            </a:r>
-            <a:r>
-              <a:rPr lang="en-US" baseline="0" dirty="0" err="1" smtClean="0"/>
-              <a:t>www.minavardkontakter.se</a:t>
-            </a:r>
-            <a:endParaRPr lang="en-US" baseline="0" dirty="0" smtClean="0"/>
-          </a:p>
-          <a:p>
-            <a:endParaRPr lang="en-US" baseline="0" dirty="0" smtClean="0"/>
-          </a:p>
-          <a:p>
-            <a:r>
-              <a:rPr lang="en-US" baseline="0" dirty="0" err="1" smtClean="0"/>
-              <a:t>Identifiering</a:t>
-            </a:r>
-            <a:r>
-              <a:rPr lang="en-US" baseline="0" dirty="0" smtClean="0"/>
-              <a:t> -&gt; </a:t>
-            </a:r>
-            <a:r>
-              <a:rPr lang="en-US" baseline="0" dirty="0" err="1" smtClean="0"/>
-              <a:t>inloggning</a:t>
-            </a:r>
-            <a:r>
-              <a:rPr lang="en-US" baseline="0" dirty="0" smtClean="0"/>
-              <a:t> via </a:t>
-            </a:r>
-            <a:r>
-              <a:rPr lang="en-US" baseline="0" dirty="0" err="1" smtClean="0"/>
-              <a:t>mvk</a:t>
-            </a:r>
-            <a:r>
-              <a:rPr lang="en-US" baseline="0" dirty="0" smtClean="0"/>
-              <a:t> med 2-faktorsautenticering till </a:t>
-            </a:r>
-            <a:r>
-              <a:rPr lang="en-US" baseline="0" dirty="0" err="1" smtClean="0"/>
-              <a:t>excempel</a:t>
-            </a:r>
-            <a:r>
-              <a:rPr lang="en-US" baseline="0" dirty="0" smtClean="0"/>
-              <a:t> e-leg.</a:t>
-            </a:r>
-          </a:p>
-          <a:p>
-            <a:endParaRPr lang="en-US" baseline="0" dirty="0" smtClean="0"/>
-          </a:p>
-          <a:p>
-            <a:r>
-              <a:rPr lang="en-US" baseline="0" dirty="0" err="1" smtClean="0"/>
-              <a:t>Klienter</a:t>
-            </a:r>
-            <a:r>
-              <a:rPr lang="en-US" baseline="0" dirty="0" smtClean="0"/>
-              <a:t> (app server) </a:t>
-            </a:r>
-            <a:r>
-              <a:rPr lang="en-US" baseline="0" dirty="0" err="1" smtClean="0"/>
-              <a:t>måste</a:t>
-            </a:r>
-            <a:r>
-              <a:rPr lang="en-US" baseline="0" dirty="0" smtClean="0"/>
-              <a:t> </a:t>
-            </a:r>
-            <a:r>
-              <a:rPr lang="en-US" baseline="0" dirty="0" err="1" smtClean="0"/>
-              <a:t>identifiera</a:t>
-            </a:r>
-            <a:r>
-              <a:rPr lang="en-US" baseline="0" dirty="0" smtClean="0"/>
-              <a:t> sig med </a:t>
-            </a:r>
-            <a:r>
-              <a:rPr lang="en-US" baseline="0" dirty="0" err="1" smtClean="0"/>
-              <a:t>ett</a:t>
-            </a:r>
-            <a:r>
-              <a:rPr lang="en-US" baseline="0" dirty="0" smtClean="0"/>
-              <a:t> </a:t>
-            </a:r>
-            <a:r>
-              <a:rPr lang="en-US" baseline="0" dirty="0" err="1" smtClean="0"/>
-              <a:t>certifikat</a:t>
-            </a:r>
-            <a:r>
-              <a:rPr lang="en-US" baseline="0" dirty="0" smtClean="0"/>
-              <a:t> </a:t>
-            </a:r>
-            <a:r>
-              <a:rPr lang="en-US" baseline="0" dirty="0" err="1" smtClean="0"/>
-              <a:t>utfärdat</a:t>
-            </a:r>
-            <a:r>
-              <a:rPr lang="en-US" baseline="0" dirty="0" smtClean="0"/>
-              <a:t> </a:t>
-            </a:r>
-            <a:r>
-              <a:rPr lang="en-US" baseline="0" dirty="0" err="1" smtClean="0"/>
-              <a:t>av</a:t>
-            </a:r>
-            <a:r>
-              <a:rPr lang="en-US" baseline="0" dirty="0" smtClean="0"/>
-              <a:t> en </a:t>
-            </a:r>
-            <a:r>
-              <a:rPr lang="en-US" baseline="0" dirty="0" err="1" smtClean="0"/>
-              <a:t>betrodd</a:t>
-            </a:r>
-            <a:r>
-              <a:rPr lang="en-US" baseline="0" dirty="0" smtClean="0"/>
-              <a:t> </a:t>
-            </a:r>
-            <a:r>
-              <a:rPr lang="en-US" baseline="0" dirty="0" err="1" smtClean="0"/>
-              <a:t>utfärdare</a:t>
-            </a:r>
-            <a:r>
-              <a:rPr lang="en-US" baseline="0" dirty="0" smtClean="0"/>
-              <a:t>.</a:t>
-            </a:r>
-            <a:endParaRPr lang="en-US" baseline="0" dirty="0" smtClean="0"/>
-          </a:p>
-          <a:p>
-            <a:endParaRPr lang="en-US" baseline="0" dirty="0" smtClean="0"/>
-          </a:p>
-          <a:p>
-            <a:r>
-              <a:rPr lang="en-US" baseline="0" dirty="0" err="1" smtClean="0"/>
-              <a:t>Auktorisation</a:t>
-            </a:r>
-            <a:r>
-              <a:rPr lang="en-US" baseline="0" dirty="0" smtClean="0"/>
-              <a:t> -&gt; </a:t>
-            </a:r>
-            <a:r>
-              <a:rPr lang="en-US" baseline="0" dirty="0" err="1" smtClean="0"/>
-              <a:t>Invånaren</a:t>
-            </a:r>
-            <a:r>
-              <a:rPr lang="en-US" baseline="0" dirty="0" smtClean="0"/>
-              <a:t> </a:t>
-            </a:r>
-            <a:r>
-              <a:rPr lang="en-US" baseline="0" dirty="0" err="1" smtClean="0"/>
-              <a:t>måste</a:t>
-            </a:r>
-            <a:r>
-              <a:rPr lang="en-US" baseline="0" dirty="0" smtClean="0"/>
-              <a:t> </a:t>
-            </a:r>
-            <a:r>
-              <a:rPr lang="en-US" baseline="0" dirty="0" err="1" smtClean="0"/>
-              <a:t>kunna</a:t>
-            </a:r>
-            <a:r>
-              <a:rPr lang="en-US" baseline="0" dirty="0" smtClean="0"/>
-              <a:t> </a:t>
-            </a:r>
-            <a:r>
-              <a:rPr lang="en-US" baseline="0" dirty="0" err="1" smtClean="0"/>
-              <a:t>godkänna</a:t>
-            </a:r>
-            <a:r>
-              <a:rPr lang="en-US" baseline="0" dirty="0" smtClean="0"/>
-              <a:t> </a:t>
-            </a:r>
-            <a:r>
-              <a:rPr lang="en-US" baseline="0" dirty="0" err="1" smtClean="0"/>
-              <a:t>att</a:t>
-            </a:r>
-            <a:r>
-              <a:rPr lang="en-US" baseline="0" dirty="0" smtClean="0"/>
-              <a:t> en </a:t>
-            </a:r>
-            <a:r>
-              <a:rPr lang="en-US" baseline="0" dirty="0" err="1" smtClean="0"/>
-              <a:t>klient</a:t>
-            </a:r>
-            <a:r>
-              <a:rPr lang="en-US" baseline="0" dirty="0" smtClean="0"/>
-              <a:t> </a:t>
-            </a:r>
-            <a:r>
-              <a:rPr lang="en-US" baseline="0" dirty="0" err="1" smtClean="0"/>
-              <a:t>får</a:t>
-            </a:r>
-            <a:r>
-              <a:rPr lang="en-US" baseline="0" dirty="0" smtClean="0"/>
-              <a:t> </a:t>
-            </a:r>
-            <a:r>
-              <a:rPr lang="en-US" baseline="0" dirty="0" err="1" smtClean="0"/>
-              <a:t>tillgång</a:t>
-            </a:r>
-            <a:r>
-              <a:rPr lang="en-US" baseline="0" dirty="0" smtClean="0"/>
-              <a:t> till information </a:t>
-            </a:r>
-            <a:r>
-              <a:rPr lang="en-US" baseline="0" dirty="0" err="1" smtClean="0"/>
-              <a:t>och</a:t>
-            </a:r>
-            <a:r>
-              <a:rPr lang="en-US" baseline="0" dirty="0" smtClean="0"/>
-              <a:t> </a:t>
-            </a:r>
-            <a:r>
-              <a:rPr lang="en-US" baseline="0" dirty="0" err="1" smtClean="0"/>
-              <a:t>även</a:t>
-            </a:r>
-            <a:r>
-              <a:rPr lang="en-US" baseline="0" dirty="0" smtClean="0"/>
-              <a:t> </a:t>
-            </a:r>
-            <a:r>
-              <a:rPr lang="en-US" baseline="0" dirty="0" err="1" smtClean="0"/>
-              <a:t>kunna</a:t>
-            </a:r>
-            <a:r>
-              <a:rPr lang="en-US" baseline="0" dirty="0" smtClean="0"/>
-              <a:t> </a:t>
-            </a:r>
-            <a:r>
-              <a:rPr lang="en-US" baseline="0" dirty="0" err="1" smtClean="0"/>
-              <a:t>återkalla</a:t>
-            </a:r>
-            <a:r>
-              <a:rPr lang="en-US" baseline="0" dirty="0" smtClean="0"/>
-              <a:t> </a:t>
-            </a:r>
-            <a:r>
-              <a:rPr lang="en-US" baseline="0" dirty="0" err="1" smtClean="0"/>
-              <a:t>detta</a:t>
-            </a:r>
-            <a:r>
-              <a:rPr lang="en-US" baseline="0" dirty="0" smtClean="0"/>
-              <a:t> </a:t>
-            </a:r>
-            <a:r>
-              <a:rPr lang="en-US" baseline="0" dirty="0" err="1" smtClean="0"/>
-              <a:t>godkännande</a:t>
-            </a:r>
-            <a:r>
-              <a:rPr lang="en-US" baseline="0" dirty="0" smtClean="0"/>
-              <a:t>.</a:t>
-            </a:r>
-            <a:endParaRPr lang="en-US" baseline="0" dirty="0" smtClean="0"/>
-          </a:p>
-          <a:p>
-            <a:endParaRPr lang="en-US" baseline="0" dirty="0" smtClean="0"/>
+              <a:rPr lang="en-US" dirty="0" smtClean="0"/>
+              <a:t>The HTTP response status code 302 Found is a common way of performing a redirection.</a:t>
+            </a:r>
+          </a:p>
+          <a:p>
+            <a:r>
+              <a:rPr lang="en-US" dirty="0" smtClean="0"/>
+              <a:t>An HTTP response with this status code will additionally provide a URL in the Location header field. </a:t>
+            </a:r>
+          </a:p>
+          <a:p>
+            <a:r>
+              <a:rPr lang="en-US" dirty="0" smtClean="0"/>
+              <a:t>The User Agent (e.g. a web browser) is invited by a response with this code to make a second, otherwise identical, request, to the new URL specified in the Location field. </a:t>
+            </a:r>
+          </a:p>
+          <a:p>
+            <a:r>
+              <a:rPr lang="en-US" dirty="0" smtClean="0"/>
+              <a:t>The HTTP/1.0 specification (RFC 1945) defines this code, and gives it the description phrase "Moved Temporarily”.</a:t>
+            </a:r>
           </a:p>
         </p:txBody>
       </p:sp>
@@ -5335,7 +5625,7 @@
               <a:pPr>
                 <a:defRPr/>
               </a:pPr>
-              <a:t>12</a:t>
+              <a:t>10</a:t>
             </a:fld>
             <a:endParaRPr lang="sv-SE"/>
           </a:p>
@@ -5344,7 +5634,7 @@
     </p:spTree>
     <p:extLst>
       <p:ext uri="{BB962C8B-B14F-4D97-AF65-F5344CB8AC3E}">
-        <p14:creationId xmlns:p14="http://schemas.microsoft.com/office/powerpoint/2010/main" val="422046913"/>
+        <p14:creationId xmlns:p14="http://schemas.microsoft.com/office/powerpoint/2010/main" val="2250645432"/>
       </p:ext>
     </p:extLst>
   </p:cSld>
@@ -5399,488 +5689,30 @@
           <a:lstStyle/>
           <a:p>
             <a:r>
-              <a:rPr lang="en-US" dirty="0" smtClean="0"/>
-              <a:t>Den</a:t>
-            </a:r>
-            <a:r>
-              <a:rPr lang="en-US" baseline="0" dirty="0" smtClean="0"/>
-              <a:t> </a:t>
-            </a:r>
-            <a:r>
-              <a:rPr lang="en-US" baseline="0" dirty="0" err="1" smtClean="0"/>
-              <a:t>naiva</a:t>
-            </a:r>
-            <a:r>
-              <a:rPr lang="en-US" baseline="0" dirty="0" smtClean="0"/>
-              <a:t> </a:t>
-            </a:r>
-            <a:r>
-              <a:rPr lang="en-US" baseline="0" dirty="0" err="1" smtClean="0"/>
-              <a:t>approachen</a:t>
-            </a:r>
-            <a:r>
-              <a:rPr lang="en-US" baseline="0" dirty="0" smtClean="0"/>
-              <a:t> </a:t>
-            </a:r>
-            <a:r>
-              <a:rPr lang="en-US" baseline="0" dirty="0" err="1" smtClean="0"/>
-              <a:t>är</a:t>
-            </a:r>
-            <a:r>
-              <a:rPr lang="en-US" baseline="0" dirty="0" smtClean="0"/>
-              <a:t> </a:t>
-            </a:r>
-            <a:r>
-              <a:rPr lang="en-US" baseline="0" dirty="0" err="1" smtClean="0"/>
-              <a:t>att</a:t>
-            </a:r>
-            <a:r>
-              <a:rPr lang="en-US" baseline="0" dirty="0" smtClean="0"/>
-              <a:t> en </a:t>
-            </a:r>
-            <a:r>
-              <a:rPr lang="en-US" baseline="0" dirty="0" err="1" smtClean="0"/>
-              <a:t>betrodd</a:t>
-            </a:r>
-            <a:r>
-              <a:rPr lang="en-US" baseline="0" dirty="0" smtClean="0"/>
-              <a:t> </a:t>
-            </a:r>
-            <a:r>
-              <a:rPr lang="en-US" baseline="0" dirty="0" err="1" smtClean="0"/>
-              <a:t>klient</a:t>
-            </a:r>
-            <a:r>
-              <a:rPr lang="en-US" baseline="0" dirty="0" smtClean="0"/>
-              <a:t> </a:t>
-            </a:r>
-            <a:r>
-              <a:rPr lang="en-US" baseline="0" dirty="0" err="1" smtClean="0"/>
-              <a:t>kan</a:t>
-            </a:r>
-            <a:r>
-              <a:rPr lang="en-US" baseline="0" dirty="0" smtClean="0"/>
-              <a:t> </a:t>
-            </a:r>
-            <a:r>
-              <a:rPr lang="en-US" baseline="0" dirty="0" err="1" smtClean="0"/>
-              <a:t>anropa</a:t>
-            </a:r>
-            <a:r>
-              <a:rPr lang="en-US" baseline="0" dirty="0" smtClean="0"/>
-              <a:t> </a:t>
-            </a:r>
-            <a:r>
-              <a:rPr lang="en-US" baseline="0" dirty="0" err="1" smtClean="0"/>
-              <a:t>APIet</a:t>
-            </a:r>
-            <a:r>
-              <a:rPr lang="en-US" baseline="0" dirty="0" smtClean="0"/>
-              <a:t> </a:t>
-            </a:r>
-            <a:r>
-              <a:rPr lang="en-US" baseline="0" dirty="0" err="1" smtClean="0"/>
-              <a:t>och</a:t>
-            </a:r>
-            <a:r>
-              <a:rPr lang="en-US" baseline="0" dirty="0" smtClean="0"/>
-              <a:t> </a:t>
-            </a:r>
-            <a:r>
-              <a:rPr lang="en-US" baseline="0" dirty="0" err="1" smtClean="0"/>
-              <a:t>begära</a:t>
-            </a:r>
-            <a:r>
-              <a:rPr lang="en-US" baseline="0" dirty="0" smtClean="0"/>
-              <a:t> </a:t>
-            </a:r>
-            <a:r>
-              <a:rPr lang="en-US" baseline="0" dirty="0" err="1" smtClean="0"/>
-              <a:t>ut</a:t>
-            </a:r>
-            <a:r>
-              <a:rPr lang="en-US" baseline="0" dirty="0" smtClean="0"/>
-              <a:t> den information </a:t>
-            </a:r>
-            <a:r>
-              <a:rPr lang="en-US" baseline="0" dirty="0" err="1" smtClean="0"/>
-              <a:t>som</a:t>
-            </a:r>
-            <a:r>
-              <a:rPr lang="en-US" baseline="0" dirty="0" smtClean="0"/>
-              <a:t> </a:t>
-            </a:r>
-            <a:r>
-              <a:rPr lang="en-US" baseline="0" dirty="0" err="1" smtClean="0"/>
-              <a:t>behövs</a:t>
-            </a:r>
-            <a:r>
-              <a:rPr lang="en-US" baseline="0" dirty="0" smtClean="0"/>
-              <a:t>.</a:t>
-            </a:r>
-            <a:endParaRPr lang="en-US" baseline="0" dirty="0" smtClean="0"/>
-          </a:p>
-          <a:p>
-            <a:endParaRPr lang="en-US" baseline="0" dirty="0" smtClean="0"/>
-          </a:p>
-          <a:p>
-            <a:r>
-              <a:rPr lang="en-US" baseline="0" dirty="0" smtClean="0"/>
-              <a:t>Men, </a:t>
-            </a:r>
-            <a:r>
-              <a:rPr lang="en-US" baseline="0" dirty="0" err="1" smtClean="0"/>
-              <a:t>är</a:t>
-            </a:r>
-            <a:r>
-              <a:rPr lang="en-US" baseline="0" dirty="0" smtClean="0"/>
-              <a:t> </a:t>
-            </a:r>
-            <a:r>
-              <a:rPr lang="en-US" baseline="0" dirty="0" err="1" smtClean="0"/>
-              <a:t>det</a:t>
-            </a:r>
-            <a:r>
-              <a:rPr lang="en-US" baseline="0" dirty="0" smtClean="0"/>
-              <a:t> </a:t>
-            </a:r>
-            <a:r>
-              <a:rPr lang="en-US" baseline="0" dirty="0" err="1" smtClean="0"/>
-              <a:t>säkert</a:t>
-            </a:r>
-            <a:r>
-              <a:rPr lang="en-US" baseline="0" dirty="0" smtClean="0"/>
-              <a:t> </a:t>
-            </a:r>
-            <a:r>
-              <a:rPr lang="en-US" baseline="0" dirty="0" err="1" smtClean="0"/>
-              <a:t>att</a:t>
-            </a:r>
-            <a:r>
-              <a:rPr lang="en-US" baseline="0" dirty="0" smtClean="0"/>
-              <a:t> </a:t>
-            </a:r>
-            <a:r>
-              <a:rPr lang="en-US" baseline="0" dirty="0" err="1" smtClean="0"/>
-              <a:t>invånaren</a:t>
-            </a:r>
-            <a:r>
-              <a:rPr lang="en-US" baseline="0" dirty="0" smtClean="0"/>
-              <a:t> </a:t>
-            </a:r>
-            <a:r>
-              <a:rPr lang="en-US" baseline="0" dirty="0" err="1" smtClean="0"/>
-              <a:t>kan</a:t>
-            </a:r>
-            <a:r>
-              <a:rPr lang="en-US" baseline="0" dirty="0" smtClean="0"/>
-              <a:t> </a:t>
-            </a:r>
-            <a:r>
-              <a:rPr lang="en-US" baseline="0" dirty="0" err="1" smtClean="0"/>
-              <a:t>lita</a:t>
-            </a:r>
-            <a:r>
-              <a:rPr lang="en-US" baseline="0" dirty="0" smtClean="0"/>
-              <a:t> </a:t>
-            </a:r>
-            <a:r>
-              <a:rPr lang="en-US" baseline="0" dirty="0" err="1" smtClean="0"/>
+              <a:rPr lang="en-US" dirty="0" err="1" smtClean="0"/>
+              <a:t>Kika</a:t>
+            </a:r>
+            <a:r>
+              <a:rPr lang="en-US" dirty="0" smtClean="0"/>
+              <a:t> </a:t>
+            </a:r>
+            <a:r>
+              <a:rPr lang="en-US" dirty="0" err="1" smtClean="0"/>
               <a:t>på</a:t>
             </a:r>
             <a:r>
-              <a:rPr lang="en-US" baseline="0" dirty="0" smtClean="0"/>
-              <a:t> </a:t>
-            </a:r>
-            <a:r>
-              <a:rPr lang="en-US" baseline="0" dirty="0" err="1" smtClean="0"/>
-              <a:t>att</a:t>
-            </a:r>
-            <a:r>
-              <a:rPr lang="en-US" baseline="0" dirty="0" smtClean="0"/>
-              <a:t> </a:t>
-            </a:r>
-            <a:r>
-              <a:rPr lang="en-US" baseline="0" dirty="0" err="1" smtClean="0"/>
-              <a:t>klieneten</a:t>
-            </a:r>
-            <a:r>
-              <a:rPr lang="en-US" baseline="0" dirty="0" smtClean="0"/>
-              <a:t> </a:t>
-            </a:r>
-            <a:r>
-              <a:rPr lang="en-US" baseline="0" dirty="0" err="1" smtClean="0"/>
-              <a:t>inte</a:t>
-            </a:r>
-            <a:r>
-              <a:rPr lang="en-US" baseline="0" dirty="0" smtClean="0"/>
-              <a:t> </a:t>
-            </a:r>
-            <a:r>
-              <a:rPr lang="en-US" baseline="0" dirty="0" err="1" smtClean="0"/>
-              <a:t>begär</a:t>
-            </a:r>
-            <a:r>
-              <a:rPr lang="en-US" baseline="0" dirty="0" smtClean="0"/>
-              <a:t> </a:t>
-            </a:r>
-            <a:r>
-              <a:rPr lang="en-US" baseline="0" dirty="0" err="1" smtClean="0"/>
-              <a:t>ut</a:t>
-            </a:r>
-            <a:r>
-              <a:rPr lang="en-US" baseline="0" dirty="0" smtClean="0"/>
-              <a:t> information </a:t>
-            </a:r>
-            <a:r>
-              <a:rPr lang="en-US" baseline="0" dirty="0" err="1" smtClean="0"/>
-              <a:t>utan</a:t>
-            </a:r>
-            <a:r>
-              <a:rPr lang="en-US" baseline="0" dirty="0" smtClean="0"/>
-              <a:t> </a:t>
-            </a:r>
-            <a:r>
-              <a:rPr lang="en-US" baseline="0" dirty="0" err="1" smtClean="0"/>
-              <a:t>att</a:t>
-            </a:r>
-            <a:r>
-              <a:rPr lang="en-US" baseline="0" dirty="0" smtClean="0"/>
-              <a:t> </a:t>
-            </a:r>
-            <a:r>
-              <a:rPr lang="en-US" baseline="0" dirty="0" err="1" smtClean="0"/>
-              <a:t>invånaren</a:t>
-            </a:r>
-            <a:r>
-              <a:rPr lang="en-US" baseline="0" dirty="0" smtClean="0"/>
-              <a:t> </a:t>
-            </a:r>
-            <a:r>
-              <a:rPr lang="en-US" baseline="0" dirty="0" err="1" smtClean="0"/>
-              <a:t>godkänt</a:t>
-            </a:r>
-            <a:r>
-              <a:rPr lang="en-US" baseline="0" dirty="0" smtClean="0"/>
-              <a:t> </a:t>
-            </a:r>
-            <a:r>
-              <a:rPr lang="en-US" baseline="0" dirty="0" err="1" smtClean="0"/>
-              <a:t>det</a:t>
-            </a:r>
-            <a:r>
-              <a:rPr lang="en-US" baseline="0" dirty="0" smtClean="0"/>
-              <a:t>?</a:t>
-            </a:r>
-            <a:endParaRPr lang="en-US" baseline="0" dirty="0" smtClean="0"/>
-          </a:p>
-          <a:p>
-            <a:endParaRPr lang="en-US" baseline="0" dirty="0" smtClean="0"/>
-          </a:p>
-          <a:p>
-            <a:r>
-              <a:rPr lang="en-US" baseline="0" dirty="0" err="1" smtClean="0"/>
-              <a:t>För</a:t>
-            </a:r>
-            <a:r>
-              <a:rPr lang="en-US" baseline="0" dirty="0" smtClean="0"/>
-              <a:t> </a:t>
-            </a:r>
-            <a:r>
-              <a:rPr lang="en-US" baseline="0" dirty="0" err="1" smtClean="0"/>
-              <a:t>att</a:t>
-            </a:r>
-            <a:r>
-              <a:rPr lang="en-US" baseline="0" dirty="0" smtClean="0"/>
-              <a:t> </a:t>
-            </a:r>
-            <a:r>
-              <a:rPr lang="en-US" baseline="0" dirty="0" err="1" smtClean="0"/>
-              <a:t>få</a:t>
-            </a:r>
-            <a:r>
-              <a:rPr lang="en-US" baseline="0" dirty="0" smtClean="0"/>
-              <a:t> </a:t>
-            </a:r>
-            <a:r>
-              <a:rPr lang="en-US" baseline="0" dirty="0" err="1" smtClean="0"/>
-              <a:t>tillit</a:t>
-            </a:r>
-            <a:r>
-              <a:rPr lang="en-US" baseline="0" dirty="0" smtClean="0"/>
-              <a:t> I </a:t>
-            </a:r>
-            <a:r>
-              <a:rPr lang="en-US" baseline="0" dirty="0" err="1" smtClean="0"/>
-              <a:t>systemet</a:t>
-            </a:r>
-            <a:r>
-              <a:rPr lang="en-US" baseline="0" dirty="0" smtClean="0"/>
-              <a:t> </a:t>
-            </a:r>
-            <a:r>
-              <a:rPr lang="en-US" baseline="0" dirty="0" err="1" smtClean="0"/>
-              <a:t>behöver</a:t>
-            </a:r>
-            <a:r>
-              <a:rPr lang="en-US" baseline="0" dirty="0" smtClean="0"/>
-              <a:t> </a:t>
-            </a:r>
-            <a:r>
-              <a:rPr lang="en-US" baseline="0" dirty="0" err="1" smtClean="0"/>
-              <a:t>det</a:t>
-            </a:r>
-            <a:r>
-              <a:rPr lang="en-US" baseline="0" dirty="0" smtClean="0"/>
-              <a:t> </a:t>
-            </a:r>
-            <a:r>
-              <a:rPr lang="en-US" baseline="0" dirty="0" err="1" smtClean="0"/>
-              <a:t>finnas</a:t>
-            </a:r>
-            <a:r>
-              <a:rPr lang="en-US" baseline="0" dirty="0" smtClean="0"/>
-              <a:t> en </a:t>
-            </a:r>
-            <a:r>
-              <a:rPr lang="en-US" baseline="0" dirty="0" err="1" smtClean="0"/>
-              <a:t>mekanism</a:t>
-            </a:r>
-            <a:r>
-              <a:rPr lang="en-US" baseline="0" dirty="0" smtClean="0"/>
-              <a:t> </a:t>
-            </a:r>
-            <a:r>
-              <a:rPr lang="en-US" baseline="0" dirty="0" err="1" smtClean="0"/>
-              <a:t>som</a:t>
-            </a:r>
-            <a:r>
-              <a:rPr lang="en-US" baseline="0" dirty="0" smtClean="0"/>
-              <a:t> </a:t>
-            </a:r>
-            <a:r>
-              <a:rPr lang="en-US" baseline="0" dirty="0" err="1" smtClean="0"/>
-              <a:t>gör</a:t>
-            </a:r>
-            <a:r>
-              <a:rPr lang="en-US" baseline="0" dirty="0" smtClean="0"/>
-              <a:t> </a:t>
-            </a:r>
-            <a:r>
-              <a:rPr lang="en-US" baseline="0" dirty="0" err="1" smtClean="0"/>
-              <a:t>att</a:t>
-            </a:r>
-            <a:r>
-              <a:rPr lang="en-US" baseline="0" dirty="0" smtClean="0"/>
-              <a:t> </a:t>
-            </a:r>
-            <a:r>
-              <a:rPr lang="en-US" baseline="0" dirty="0" err="1" smtClean="0"/>
-              <a:t>klienten</a:t>
-            </a:r>
-            <a:r>
-              <a:rPr lang="en-US" baseline="0" dirty="0" smtClean="0"/>
-              <a:t> </a:t>
-            </a:r>
-            <a:r>
-              <a:rPr lang="en-US" baseline="0" dirty="0" err="1" smtClean="0"/>
-              <a:t>endast</a:t>
-            </a:r>
-            <a:r>
-              <a:rPr lang="en-US" baseline="0" dirty="0" smtClean="0"/>
-              <a:t> </a:t>
-            </a:r>
-            <a:r>
-              <a:rPr lang="en-US" baseline="0" dirty="0" err="1" smtClean="0"/>
-              <a:t>kan</a:t>
-            </a:r>
-            <a:r>
-              <a:rPr lang="en-US" baseline="0" dirty="0" smtClean="0"/>
-              <a:t> </a:t>
-            </a:r>
-            <a:r>
-              <a:rPr lang="en-US" baseline="0" dirty="0" err="1" smtClean="0"/>
-              <a:t>hämta</a:t>
-            </a:r>
-            <a:r>
-              <a:rPr lang="en-US" baseline="0" dirty="0" smtClean="0"/>
-              <a:t> </a:t>
-            </a:r>
-            <a:r>
-              <a:rPr lang="en-US" baseline="0" dirty="0" err="1" smtClean="0"/>
-              <a:t>ut</a:t>
-            </a:r>
-            <a:r>
-              <a:rPr lang="en-US" baseline="0" dirty="0" smtClean="0"/>
-              <a:t> information </a:t>
-            </a:r>
-            <a:r>
-              <a:rPr lang="en-US" baseline="0" dirty="0" err="1" smtClean="0"/>
-              <a:t>som</a:t>
-            </a:r>
-            <a:r>
-              <a:rPr lang="en-US" baseline="0" dirty="0" smtClean="0"/>
-              <a:t> </a:t>
-            </a:r>
-            <a:r>
-              <a:rPr lang="en-US" baseline="0" dirty="0" err="1" smtClean="0"/>
-              <a:t>invånaren</a:t>
-            </a:r>
-            <a:r>
-              <a:rPr lang="en-US" baseline="0" dirty="0" smtClean="0"/>
-              <a:t> </a:t>
-            </a:r>
-            <a:r>
-              <a:rPr lang="en-US" baseline="0" dirty="0" err="1" smtClean="0"/>
-              <a:t>har</a:t>
-            </a:r>
-            <a:r>
-              <a:rPr lang="en-US" baseline="0" dirty="0" smtClean="0"/>
-              <a:t> </a:t>
-            </a:r>
-            <a:r>
-              <a:rPr lang="en-US" baseline="0" dirty="0" err="1" smtClean="0"/>
-              <a:t>godkänt</a:t>
-            </a:r>
-            <a:r>
-              <a:rPr lang="en-US" baseline="0" dirty="0" smtClean="0"/>
-              <a:t>.</a:t>
-            </a:r>
-          </a:p>
-          <a:p>
-            <a:r>
-              <a:rPr lang="en-US" baseline="0" dirty="0" err="1" smtClean="0"/>
-              <a:t>APIet</a:t>
-            </a:r>
-            <a:r>
-              <a:rPr lang="en-US" baseline="0" dirty="0" smtClean="0"/>
-              <a:t> </a:t>
-            </a:r>
-            <a:r>
-              <a:rPr lang="en-US" baseline="0" dirty="0" err="1" smtClean="0"/>
-              <a:t>behöver</a:t>
-            </a:r>
-            <a:r>
-              <a:rPr lang="en-US" baseline="0" dirty="0" smtClean="0"/>
-              <a:t> </a:t>
-            </a:r>
-            <a:r>
-              <a:rPr lang="en-US" baseline="0" dirty="0" err="1" smtClean="0"/>
-              <a:t>verifiera</a:t>
-            </a:r>
-            <a:r>
-              <a:rPr lang="en-US" baseline="0" dirty="0" smtClean="0"/>
-              <a:t> </a:t>
-            </a:r>
-            <a:r>
-              <a:rPr lang="en-US" baseline="0" dirty="0" err="1" smtClean="0"/>
-              <a:t>detta</a:t>
-            </a:r>
-            <a:r>
-              <a:rPr lang="en-US" baseline="0" dirty="0" smtClean="0"/>
-              <a:t>.</a:t>
-            </a:r>
-            <a:endParaRPr lang="en-US" baseline="0" dirty="0" smtClean="0"/>
+              <a:rPr lang="en-US" dirty="0" smtClean="0"/>
+              <a:t> README I </a:t>
+            </a:r>
+            <a:r>
+              <a:rPr lang="en-US" dirty="0" err="1" smtClean="0"/>
+              <a:t>katalogen</a:t>
+            </a:r>
+            <a:r>
+              <a:rPr lang="en-US" dirty="0" smtClean="0"/>
+              <a:t> /lab1</a:t>
+            </a:r>
+            <a:endParaRPr lang="en-US" dirty="0"/>
           </a:p>
         </p:txBody>
       </p:sp>
@@ -5907,7 +5739,7 @@
               <a:pPr>
                 <a:defRPr/>
               </a:pPr>
-              <a:t>13</a:t>
+              <a:t>11</a:t>
             </a:fld>
             <a:endParaRPr lang="sv-SE"/>
           </a:p>
@@ -5916,7 +5748,7 @@
     </p:spTree>
     <p:extLst>
       <p:ext uri="{BB962C8B-B14F-4D97-AF65-F5344CB8AC3E}">
-        <p14:creationId xmlns:p14="http://schemas.microsoft.com/office/powerpoint/2010/main" val="1531746770"/>
+        <p14:creationId xmlns:p14="http://schemas.microsoft.com/office/powerpoint/2010/main" val="755091883"/>
       </p:ext>
     </p:extLst>
   </p:cSld>
@@ -5972,12 +5804,588 @@
           <a:p>
             <a:r>
               <a:rPr lang="en-US" baseline="0" dirty="0" err="1" smtClean="0"/>
-              <a:t>OAuth</a:t>
-            </a:r>
-            <a:r>
-              <a:rPr lang="en-US" baseline="0" dirty="0" smtClean="0"/>
-              <a:t> 2.0</a:t>
-            </a:r>
+              <a:t>Apier</a:t>
+            </a:r>
+            <a:r>
+              <a:rPr lang="en-US" baseline="0" dirty="0" smtClean="0"/>
+              <a:t> </a:t>
+            </a:r>
+            <a:r>
+              <a:rPr lang="en-US" baseline="0" dirty="0" err="1" smtClean="0"/>
+              <a:t>för</a:t>
+            </a:r>
+            <a:r>
+              <a:rPr lang="en-US" baseline="0" dirty="0" smtClean="0"/>
+              <a:t> </a:t>
+            </a:r>
+            <a:r>
+              <a:rPr lang="en-US" baseline="0" dirty="0" err="1" smtClean="0"/>
+              <a:t>patientbunden</a:t>
+            </a:r>
+            <a:r>
+              <a:rPr lang="en-US" baseline="0" dirty="0" smtClean="0"/>
+              <a:t> data </a:t>
+            </a:r>
+            <a:r>
+              <a:rPr lang="en-US" baseline="0" dirty="0" err="1" smtClean="0"/>
+              <a:t>kräver</a:t>
+            </a:r>
+            <a:r>
+              <a:rPr lang="en-US" baseline="0" dirty="0" smtClean="0"/>
+              <a:t> en </a:t>
+            </a:r>
+            <a:r>
+              <a:rPr lang="en-US" baseline="0" dirty="0" err="1" smtClean="0"/>
+              <a:t>strikt</a:t>
+            </a:r>
+            <a:r>
+              <a:rPr lang="en-US" baseline="0" dirty="0" smtClean="0"/>
+              <a:t> </a:t>
+            </a:r>
+            <a:r>
+              <a:rPr lang="en-US" baseline="0" dirty="0" err="1" smtClean="0"/>
+              <a:t>åtkomstkontroll</a:t>
+            </a:r>
+            <a:r>
+              <a:rPr lang="en-US" baseline="0" dirty="0" smtClean="0"/>
+              <a:t> </a:t>
+            </a:r>
+            <a:r>
+              <a:rPr lang="en-US" baseline="0" dirty="0" err="1" smtClean="0"/>
+              <a:t>för</a:t>
+            </a:r>
+            <a:r>
+              <a:rPr lang="en-US" baseline="0" dirty="0" smtClean="0"/>
+              <a:t> </a:t>
+            </a:r>
+            <a:r>
+              <a:rPr lang="en-US" baseline="0" dirty="0" err="1" smtClean="0"/>
+              <a:t>att</a:t>
+            </a:r>
+            <a:r>
+              <a:rPr lang="en-US" baseline="0" dirty="0" smtClean="0"/>
+              <a:t> </a:t>
+            </a:r>
+            <a:r>
+              <a:rPr lang="en-US" baseline="0" dirty="0" err="1" smtClean="0"/>
+              <a:t>inte</a:t>
+            </a:r>
+            <a:r>
+              <a:rPr lang="en-US" baseline="0" dirty="0" smtClean="0"/>
+              <a:t> data </a:t>
+            </a:r>
+            <a:r>
+              <a:rPr lang="en-US" baseline="0" dirty="0" err="1" smtClean="0"/>
+              <a:t>skall</a:t>
+            </a:r>
+            <a:r>
+              <a:rPr lang="en-US" baseline="0" dirty="0" smtClean="0"/>
+              <a:t> </a:t>
+            </a:r>
+            <a:r>
+              <a:rPr lang="en-US" baseline="0" dirty="0" err="1" smtClean="0"/>
+              <a:t>hamna</a:t>
+            </a:r>
+            <a:r>
+              <a:rPr lang="en-US" baseline="0" dirty="0" smtClean="0"/>
+              <a:t> </a:t>
+            </a:r>
+            <a:r>
+              <a:rPr lang="en-US" baseline="0" dirty="0" err="1" smtClean="0"/>
+              <a:t>i</a:t>
+            </a:r>
+            <a:r>
+              <a:rPr lang="en-US" baseline="0" dirty="0" smtClean="0"/>
+              <a:t> </a:t>
+            </a:r>
+            <a:r>
+              <a:rPr lang="en-US" baseline="0" dirty="0" err="1" smtClean="0"/>
+              <a:t>orätta</a:t>
+            </a:r>
+            <a:r>
+              <a:rPr lang="en-US" baseline="0" dirty="0" smtClean="0"/>
+              <a:t> </a:t>
+            </a:r>
+            <a:r>
+              <a:rPr lang="en-US" baseline="0" dirty="0" err="1" smtClean="0"/>
+              <a:t>händer</a:t>
+            </a:r>
+            <a:r>
+              <a:rPr lang="en-US" baseline="0" dirty="0" smtClean="0"/>
+              <a:t>.</a:t>
+            </a:r>
+          </a:p>
+          <a:p>
+            <a:endParaRPr lang="en-US" baseline="0" dirty="0" smtClean="0"/>
+          </a:p>
+          <a:p>
+            <a:r>
+              <a:rPr lang="en-US" baseline="0" dirty="0" err="1" smtClean="0"/>
+              <a:t>Tvåfaktorsautentisering</a:t>
+            </a:r>
+            <a:r>
+              <a:rPr lang="en-US" baseline="0" dirty="0" smtClean="0"/>
+              <a:t> (</a:t>
+            </a:r>
+            <a:r>
+              <a:rPr lang="en-US" baseline="0" dirty="0" err="1" smtClean="0"/>
+              <a:t>Krav</a:t>
+            </a:r>
+            <a:r>
+              <a:rPr lang="en-US" baseline="0" dirty="0" smtClean="0"/>
+              <a:t> </a:t>
+            </a:r>
+            <a:r>
+              <a:rPr lang="en-US" baseline="0" dirty="0" err="1" smtClean="0"/>
+              <a:t>från</a:t>
+            </a:r>
+            <a:r>
+              <a:rPr lang="en-US" baseline="0" dirty="0" smtClean="0"/>
+              <a:t> </a:t>
+            </a:r>
+            <a:r>
+              <a:rPr lang="en-US" baseline="0" dirty="0" err="1" smtClean="0"/>
+              <a:t>datainspektionen</a:t>
+            </a:r>
+            <a:r>
+              <a:rPr lang="en-US" baseline="0" dirty="0" smtClean="0"/>
+              <a:t>) – </a:t>
+            </a:r>
+            <a:r>
+              <a:rPr lang="en-US" baseline="0" dirty="0" err="1" smtClean="0"/>
+              <a:t>identitetskontroll</a:t>
+            </a:r>
+            <a:r>
+              <a:rPr lang="en-US" baseline="0" dirty="0" smtClean="0"/>
+              <a:t> med </a:t>
+            </a:r>
+            <a:r>
+              <a:rPr lang="en-US" baseline="0" dirty="0" err="1" smtClean="0"/>
+              <a:t>hjälp</a:t>
+            </a:r>
+            <a:r>
+              <a:rPr lang="en-US" baseline="0" dirty="0" smtClean="0"/>
+              <a:t> </a:t>
+            </a:r>
+            <a:r>
+              <a:rPr lang="en-US" baseline="0" dirty="0" err="1" smtClean="0"/>
+              <a:t>av</a:t>
+            </a:r>
+            <a:r>
+              <a:rPr lang="en-US" baseline="0" dirty="0" smtClean="0"/>
+              <a:t> </a:t>
+            </a:r>
+            <a:r>
+              <a:rPr lang="en-US" baseline="0" dirty="0" err="1" smtClean="0"/>
+              <a:t>två</a:t>
+            </a:r>
+            <a:r>
+              <a:rPr lang="en-US" baseline="0" dirty="0" smtClean="0"/>
+              <a:t> </a:t>
+            </a:r>
+            <a:r>
+              <a:rPr lang="en-US" baseline="0" dirty="0" err="1" smtClean="0"/>
+              <a:t>skilda</a:t>
+            </a:r>
+            <a:r>
+              <a:rPr lang="en-US" baseline="0" dirty="0" smtClean="0"/>
+              <a:t> former </a:t>
+            </a:r>
+            <a:r>
+              <a:rPr lang="en-US" baseline="0" dirty="0" err="1" smtClean="0"/>
+              <a:t>av</a:t>
+            </a:r>
+            <a:r>
+              <a:rPr lang="en-US" baseline="0" dirty="0" smtClean="0"/>
+              <a:t> information, till </a:t>
+            </a:r>
+            <a:r>
+              <a:rPr lang="en-US" baseline="0" dirty="0" err="1" smtClean="0"/>
+              <a:t>exempel</a:t>
+            </a:r>
+            <a:r>
+              <a:rPr lang="en-US" baseline="0" dirty="0" smtClean="0"/>
+              <a:t> </a:t>
+            </a:r>
+            <a:r>
+              <a:rPr lang="en-US" baseline="0" dirty="0" err="1" smtClean="0"/>
+              <a:t>ett</a:t>
+            </a:r>
+            <a:r>
+              <a:rPr lang="en-US" baseline="0" dirty="0" smtClean="0"/>
+              <a:t> </a:t>
+            </a:r>
+            <a:r>
+              <a:rPr lang="en-US" baseline="0" dirty="0" err="1" smtClean="0"/>
+              <a:t>kort</a:t>
+            </a:r>
+            <a:r>
+              <a:rPr lang="en-US" baseline="0" dirty="0" smtClean="0"/>
+              <a:t> </a:t>
+            </a:r>
+            <a:r>
+              <a:rPr lang="en-US" baseline="0" dirty="0" err="1" smtClean="0"/>
+              <a:t>och</a:t>
+            </a:r>
+            <a:r>
+              <a:rPr lang="en-US" baseline="0" dirty="0" smtClean="0"/>
+              <a:t> </a:t>
+            </a:r>
+            <a:r>
+              <a:rPr lang="en-US" baseline="0" dirty="0" err="1" smtClean="0"/>
+              <a:t>ett</a:t>
+            </a:r>
+            <a:r>
+              <a:rPr lang="en-US" baseline="0" dirty="0" smtClean="0"/>
+              <a:t> </a:t>
+            </a:r>
+            <a:r>
+              <a:rPr lang="en-US" baseline="0" dirty="0" err="1" smtClean="0"/>
+              <a:t>lösenord</a:t>
+            </a:r>
+            <a:r>
+              <a:rPr lang="en-US" baseline="0" dirty="0" smtClean="0"/>
+              <a:t>. </a:t>
+            </a:r>
+            <a:r>
+              <a:rPr lang="en-US" baseline="0" dirty="0" err="1" smtClean="0"/>
+              <a:t>Alltså</a:t>
+            </a:r>
+            <a:r>
+              <a:rPr lang="en-US" baseline="0" dirty="0" smtClean="0"/>
+              <a:t> </a:t>
+            </a:r>
+            <a:r>
+              <a:rPr lang="en-US" baseline="0" dirty="0" err="1" smtClean="0"/>
+              <a:t>som</a:t>
+            </a:r>
+            <a:r>
+              <a:rPr lang="en-US" baseline="0" dirty="0" smtClean="0"/>
+              <a:t> </a:t>
+            </a:r>
+            <a:r>
+              <a:rPr lang="en-US" baseline="0" dirty="0" err="1" smtClean="0"/>
+              <a:t>i</a:t>
+            </a:r>
+            <a:r>
+              <a:rPr lang="en-US" baseline="0" dirty="0" smtClean="0"/>
+              <a:t> en </a:t>
+            </a:r>
+            <a:r>
+              <a:rPr lang="en-US" baseline="0" dirty="0" err="1" smtClean="0"/>
+              <a:t>bankomat</a:t>
+            </a:r>
+            <a:r>
+              <a:rPr lang="en-US" baseline="0" dirty="0" smtClean="0"/>
+              <a:t> med "</a:t>
+            </a:r>
+            <a:r>
+              <a:rPr lang="en-US" baseline="0" dirty="0" err="1" smtClean="0"/>
+              <a:t>något</a:t>
+            </a:r>
+            <a:r>
+              <a:rPr lang="en-US" baseline="0" dirty="0" smtClean="0"/>
+              <a:t> man </a:t>
+            </a:r>
+            <a:r>
+              <a:rPr lang="en-US" baseline="0" dirty="0" err="1" smtClean="0"/>
+              <a:t>har</a:t>
+            </a:r>
+            <a:r>
+              <a:rPr lang="en-US" baseline="0" dirty="0" smtClean="0"/>
+              <a:t>" (</a:t>
+            </a:r>
+            <a:r>
+              <a:rPr lang="en-US" baseline="0" dirty="0" err="1" smtClean="0"/>
+              <a:t>kortet</a:t>
+            </a:r>
+            <a:r>
+              <a:rPr lang="en-US" baseline="0" dirty="0" smtClean="0"/>
+              <a:t>) </a:t>
+            </a:r>
+            <a:r>
+              <a:rPr lang="en-US" baseline="0" dirty="0" err="1" smtClean="0"/>
+              <a:t>och</a:t>
+            </a:r>
+            <a:r>
+              <a:rPr lang="en-US" baseline="0" dirty="0" smtClean="0"/>
+              <a:t> "</a:t>
+            </a:r>
+            <a:r>
+              <a:rPr lang="en-US" baseline="0" dirty="0" err="1" smtClean="0"/>
+              <a:t>något</a:t>
+            </a:r>
+            <a:r>
+              <a:rPr lang="en-US" baseline="0" dirty="0" smtClean="0"/>
+              <a:t> man vet" (</a:t>
+            </a:r>
+            <a:r>
+              <a:rPr lang="en-US" baseline="0" dirty="0" err="1" smtClean="0"/>
+              <a:t>pinkoden</a:t>
+            </a:r>
+            <a:r>
+              <a:rPr lang="en-US" baseline="0" dirty="0" smtClean="0"/>
+              <a:t>).</a:t>
+            </a:r>
+          </a:p>
+          <a:p>
+            <a:endParaRPr lang="en-US" baseline="0" dirty="0" smtClean="0"/>
+          </a:p>
+          <a:p>
+            <a:r>
+              <a:rPr lang="en-US" baseline="0" dirty="0" err="1" smtClean="0"/>
+              <a:t>Förtroende</a:t>
+            </a:r>
+            <a:r>
+              <a:rPr lang="en-US" baseline="0" dirty="0" smtClean="0"/>
+              <a:t> -&gt; </a:t>
+            </a:r>
+            <a:r>
+              <a:rPr lang="en-US" baseline="0" dirty="0" err="1" smtClean="0"/>
+              <a:t>www.minavardkontakter.se</a:t>
+            </a:r>
+            <a:endParaRPr lang="en-US" baseline="0" dirty="0" smtClean="0"/>
+          </a:p>
+          <a:p>
+            <a:endParaRPr lang="en-US" baseline="0" dirty="0" smtClean="0"/>
+          </a:p>
+          <a:p>
+            <a:r>
+              <a:rPr lang="en-US" baseline="0" dirty="0" err="1" smtClean="0"/>
+              <a:t>Identifiering</a:t>
+            </a:r>
+            <a:r>
+              <a:rPr lang="en-US" baseline="0" dirty="0" smtClean="0"/>
+              <a:t> -&gt; </a:t>
+            </a:r>
+            <a:r>
+              <a:rPr lang="en-US" baseline="0" dirty="0" err="1" smtClean="0"/>
+              <a:t>inloggning</a:t>
+            </a:r>
+            <a:r>
+              <a:rPr lang="en-US" baseline="0" dirty="0" smtClean="0"/>
+              <a:t> via </a:t>
+            </a:r>
+            <a:r>
+              <a:rPr lang="en-US" baseline="0" dirty="0" err="1" smtClean="0"/>
+              <a:t>mvk</a:t>
+            </a:r>
+            <a:r>
+              <a:rPr lang="en-US" baseline="0" dirty="0" smtClean="0"/>
+              <a:t> med 2-faktorsautenticering till </a:t>
+            </a:r>
+            <a:r>
+              <a:rPr lang="en-US" baseline="0" dirty="0" err="1" smtClean="0"/>
+              <a:t>excempel</a:t>
+            </a:r>
+            <a:r>
+              <a:rPr lang="en-US" baseline="0" dirty="0" smtClean="0"/>
+              <a:t> e-leg.</a:t>
+            </a:r>
+          </a:p>
+          <a:p>
+            <a:endParaRPr lang="en-US" baseline="0" dirty="0" smtClean="0"/>
+          </a:p>
+          <a:p>
+            <a:r>
+              <a:rPr lang="en-US" baseline="0" dirty="0" err="1" smtClean="0"/>
+              <a:t>Klienter</a:t>
+            </a:r>
+            <a:r>
+              <a:rPr lang="en-US" baseline="0" dirty="0" smtClean="0"/>
+              <a:t> (app server) </a:t>
+            </a:r>
+            <a:r>
+              <a:rPr lang="en-US" baseline="0" dirty="0" err="1" smtClean="0"/>
+              <a:t>måste</a:t>
+            </a:r>
+            <a:r>
+              <a:rPr lang="en-US" baseline="0" dirty="0" smtClean="0"/>
+              <a:t> </a:t>
+            </a:r>
+            <a:r>
+              <a:rPr lang="en-US" baseline="0" dirty="0" err="1" smtClean="0"/>
+              <a:t>identifiera</a:t>
+            </a:r>
+            <a:r>
+              <a:rPr lang="en-US" baseline="0" dirty="0" smtClean="0"/>
+              <a:t> sig med </a:t>
+            </a:r>
+            <a:r>
+              <a:rPr lang="en-US" baseline="0" dirty="0" err="1" smtClean="0"/>
+              <a:t>ett</a:t>
+            </a:r>
+            <a:r>
+              <a:rPr lang="en-US" baseline="0" dirty="0" smtClean="0"/>
+              <a:t> </a:t>
+            </a:r>
+            <a:r>
+              <a:rPr lang="en-US" baseline="0" dirty="0" err="1" smtClean="0"/>
+              <a:t>certifikat</a:t>
+            </a:r>
+            <a:r>
+              <a:rPr lang="en-US" baseline="0" dirty="0" smtClean="0"/>
+              <a:t> </a:t>
+            </a:r>
+            <a:r>
+              <a:rPr lang="en-US" baseline="0" dirty="0" err="1" smtClean="0"/>
+              <a:t>utfärdat</a:t>
+            </a:r>
+            <a:r>
+              <a:rPr lang="en-US" baseline="0" dirty="0" smtClean="0"/>
+              <a:t> </a:t>
+            </a:r>
+            <a:r>
+              <a:rPr lang="en-US" baseline="0" dirty="0" err="1" smtClean="0"/>
+              <a:t>av</a:t>
+            </a:r>
+            <a:r>
+              <a:rPr lang="en-US" baseline="0" dirty="0" smtClean="0"/>
+              <a:t> en </a:t>
+            </a:r>
+            <a:r>
+              <a:rPr lang="en-US" baseline="0" dirty="0" err="1" smtClean="0"/>
+              <a:t>betrodd</a:t>
+            </a:r>
+            <a:r>
+              <a:rPr lang="en-US" baseline="0" dirty="0" smtClean="0"/>
+              <a:t> </a:t>
+            </a:r>
+            <a:r>
+              <a:rPr lang="en-US" baseline="0" dirty="0" err="1" smtClean="0"/>
+              <a:t>utfärdare</a:t>
+            </a:r>
+            <a:r>
+              <a:rPr lang="en-US" baseline="0" dirty="0" smtClean="0"/>
+              <a:t>.</a:t>
+            </a:r>
+          </a:p>
+          <a:p>
+            <a:endParaRPr lang="en-US" baseline="0" dirty="0" smtClean="0"/>
+          </a:p>
+          <a:p>
+            <a:r>
+              <a:rPr lang="en-US" baseline="0" dirty="0" err="1" smtClean="0"/>
+              <a:t>Auktorisation</a:t>
+            </a:r>
+            <a:r>
+              <a:rPr lang="en-US" baseline="0" dirty="0" smtClean="0"/>
+              <a:t> -&gt; </a:t>
+            </a:r>
+            <a:r>
+              <a:rPr lang="en-US" baseline="0" dirty="0" err="1" smtClean="0"/>
+              <a:t>Invånaren</a:t>
+            </a:r>
+            <a:r>
+              <a:rPr lang="en-US" baseline="0" dirty="0" smtClean="0"/>
+              <a:t> </a:t>
+            </a:r>
+            <a:r>
+              <a:rPr lang="en-US" baseline="0" dirty="0" err="1" smtClean="0"/>
+              <a:t>måste</a:t>
+            </a:r>
+            <a:r>
+              <a:rPr lang="en-US" baseline="0" dirty="0" smtClean="0"/>
+              <a:t> </a:t>
+            </a:r>
+            <a:r>
+              <a:rPr lang="en-US" baseline="0" dirty="0" err="1" smtClean="0"/>
+              <a:t>kunna</a:t>
+            </a:r>
+            <a:r>
+              <a:rPr lang="en-US" baseline="0" dirty="0" smtClean="0"/>
+              <a:t> </a:t>
+            </a:r>
+            <a:r>
+              <a:rPr lang="en-US" baseline="0" dirty="0" err="1" smtClean="0"/>
+              <a:t>godkänna</a:t>
+            </a:r>
+            <a:r>
+              <a:rPr lang="en-US" baseline="0" dirty="0" smtClean="0"/>
+              <a:t> </a:t>
+            </a:r>
+            <a:r>
+              <a:rPr lang="en-US" baseline="0" dirty="0" err="1" smtClean="0"/>
+              <a:t>att</a:t>
+            </a:r>
+            <a:r>
+              <a:rPr lang="en-US" baseline="0" dirty="0" smtClean="0"/>
+              <a:t> en </a:t>
+            </a:r>
+            <a:r>
+              <a:rPr lang="en-US" baseline="0" dirty="0" err="1" smtClean="0"/>
+              <a:t>klient</a:t>
+            </a:r>
+            <a:r>
+              <a:rPr lang="en-US" baseline="0" dirty="0" smtClean="0"/>
+              <a:t> </a:t>
+            </a:r>
+            <a:r>
+              <a:rPr lang="en-US" baseline="0" dirty="0" err="1" smtClean="0"/>
+              <a:t>får</a:t>
+            </a:r>
+            <a:r>
+              <a:rPr lang="en-US" baseline="0" dirty="0" smtClean="0"/>
+              <a:t> </a:t>
+            </a:r>
+            <a:r>
+              <a:rPr lang="en-US" baseline="0" dirty="0" err="1" smtClean="0"/>
+              <a:t>tillgång</a:t>
+            </a:r>
+            <a:r>
+              <a:rPr lang="en-US" baseline="0" dirty="0" smtClean="0"/>
+              <a:t> till information </a:t>
+            </a:r>
+            <a:r>
+              <a:rPr lang="en-US" baseline="0" dirty="0" err="1" smtClean="0"/>
+              <a:t>och</a:t>
+            </a:r>
+            <a:r>
+              <a:rPr lang="en-US" baseline="0" dirty="0" smtClean="0"/>
+              <a:t> </a:t>
+            </a:r>
+            <a:r>
+              <a:rPr lang="en-US" baseline="0" dirty="0" err="1" smtClean="0"/>
+              <a:t>även</a:t>
+            </a:r>
+            <a:r>
+              <a:rPr lang="en-US" baseline="0" dirty="0" smtClean="0"/>
+              <a:t> </a:t>
+            </a:r>
+            <a:r>
+              <a:rPr lang="en-US" baseline="0" dirty="0" err="1" smtClean="0"/>
+              <a:t>kunna</a:t>
+            </a:r>
+            <a:r>
+              <a:rPr lang="en-US" baseline="0" dirty="0" smtClean="0"/>
+              <a:t> </a:t>
+            </a:r>
+            <a:r>
+              <a:rPr lang="en-US" baseline="0" dirty="0" err="1" smtClean="0"/>
+              <a:t>återkalla</a:t>
+            </a:r>
+            <a:r>
+              <a:rPr lang="en-US" baseline="0" dirty="0" smtClean="0"/>
+              <a:t> </a:t>
+            </a:r>
+            <a:r>
+              <a:rPr lang="en-US" baseline="0" dirty="0" err="1" smtClean="0"/>
+              <a:t>detta</a:t>
+            </a:r>
+            <a:r>
+              <a:rPr lang="en-US" baseline="0" dirty="0" smtClean="0"/>
+              <a:t> </a:t>
+            </a:r>
+            <a:r>
+              <a:rPr lang="en-US" baseline="0" dirty="0" err="1" smtClean="0"/>
+              <a:t>godkännande</a:t>
+            </a:r>
+            <a:r>
+              <a:rPr lang="en-US" baseline="0" dirty="0" smtClean="0"/>
+              <a:t>.</a:t>
+            </a:r>
+          </a:p>
+          <a:p>
             <a:endParaRPr lang="en-US" baseline="0" dirty="0" smtClean="0"/>
           </a:p>
         </p:txBody>
@@ -6005,7 +6413,7 @@
               <a:pPr>
                 <a:defRPr/>
               </a:pPr>
-              <a:t>14</a:t>
+              <a:t>12</a:t>
             </a:fld>
             <a:endParaRPr lang="sv-SE"/>
           </a:p>
@@ -6648,13 +7056,40 @@
               <a:defRPr/>
             </a:pPr>
             <a:r>
-              <a:rPr lang="sv-SE" sz="1100" smtClean="0">
+              <a:rPr lang="sv-SE" sz="1100" dirty="0" err="1" smtClean="0">
                 <a:solidFill>
                   <a:schemeClr val="bg1"/>
                 </a:solidFill>
                 <a:latin typeface="Calibri" charset="0"/>
               </a:rPr>
-              <a:t>Title – edit in template</a:t>
+              <a:t>Title</a:t>
+            </a:r>
+            <a:r>
+              <a:rPr lang="sv-SE" sz="1100" dirty="0" smtClean="0">
+                <a:solidFill>
+                  <a:schemeClr val="bg1"/>
+                </a:solidFill>
+                <a:latin typeface="Calibri" charset="0"/>
+              </a:rPr>
+              <a:t> – </a:t>
+            </a:r>
+            <a:r>
+              <a:rPr lang="sv-SE" sz="1100" dirty="0" err="1" smtClean="0">
+                <a:solidFill>
+                  <a:schemeClr val="bg1"/>
+                </a:solidFill>
+                <a:latin typeface="Calibri" charset="0"/>
+              </a:rPr>
+              <a:t>edit</a:t>
+            </a:r>
+            <a:r>
+              <a:rPr lang="sv-SE" sz="1100" dirty="0" smtClean="0">
+                <a:solidFill>
+                  <a:schemeClr val="bg1"/>
+                </a:solidFill>
+                <a:latin typeface="Calibri" charset="0"/>
+              </a:rPr>
+              <a:t> in template</a:t>
             </a:r>
           </a:p>
         </p:txBody>
@@ -9977,14 +10412,13 @@
           </a:bodyPr>
           <a:lstStyle/>
           <a:p>
-            <a:pPr eaLnBrk="1" hangingPunct="1"/>
-            <a:r>
-              <a:rPr lang="en-US" dirty="0" err="1" smtClean="0">
+            <a:r>
+              <a:rPr lang="en-US" dirty="0">
                 <a:latin typeface="Cambria" charset="0"/>
                 <a:ea typeface="ＭＳ Ｐゴシック" charset="0"/>
                 <a:cs typeface="Cambria" charset="0"/>
               </a:rPr>
-              <a:t>Rubrik</a:t>
+              <a:t>Building apps against Swedish healthcare API’s</a:t>
             </a:r>
             <a:endParaRPr lang="en-US" dirty="0">
               <a:latin typeface="Cambria" charset="0"/>
@@ -11398,8 +11832,29 @@
             </a:pPr>
             <a:r>
               <a:rPr lang="en-US" dirty="0" smtClean="0"/>
-              <a:t>Use Curl to make http requests against public data API</a:t>
-            </a:r>
+              <a:t>Use Curl to make http requests against public data </a:t>
+            </a:r>
+            <a:r>
+              <a:rPr lang="en-US" dirty="0" smtClean="0"/>
+              <a:t>API</a:t>
+            </a:r>
+          </a:p>
+          <a:p>
+            <a:pPr marL="0" indent="0">
+              <a:buNone/>
+            </a:pPr>
+            <a:endParaRPr lang="en-US" dirty="0"/>
+          </a:p>
+          <a:p>
+            <a:pPr>
+              <a:buFont typeface="Wingdings" charset="2"/>
+              <a:buChar char="ü"/>
+            </a:pPr>
+            <a:r>
+              <a:rPr lang="en-US" sz="2000" dirty="0" smtClean="0"/>
+              <a:t>Open lab/lab1/README and follow the instructions</a:t>
+            </a:r>
+            <a:endParaRPr lang="en-US" sz="2000" dirty="0" smtClean="0"/>
           </a:p>
         </p:txBody>
       </p:sp>
@@ -11923,15 +12378,15 @@
             </a:r>
             <a:r>
               <a:rPr lang="en-US" sz="1400" dirty="0" smtClean="0"/>
-              <a:t> </a:t>
+              <a:t> party </a:t>
             </a:r>
             <a:r>
               <a:rPr lang="en-US" sz="1400" dirty="0" smtClean="0"/>
-              <a:t>party </a:t>
+              <a:t>client </a:t>
             </a:r>
             <a:r>
               <a:rPr lang="en-US" sz="1400" dirty="0" smtClean="0"/>
-              <a:t>Client application</a:t>
+              <a:t>application</a:t>
             </a:r>
             <a:endParaRPr lang="en-US" sz="1400" dirty="0"/>
           </a:p>
@@ -12013,15 +12468,7 @@
             <a:p>
               <a:r>
                 <a:rPr lang="en-US" sz="1400" dirty="0" smtClean="0"/>
-                <a:t>GET </a:t>
-              </a:r>
-              <a:r>
-                <a:rPr lang="en-US" sz="1400" dirty="0" smtClean="0"/>
-                <a:t>https:</a:t>
-              </a:r>
-              <a:r>
-                <a:rPr lang="en-US" sz="1400" dirty="0" smtClean="0"/>
-                <a:t>//</a:t>
+                <a:t>GET https://</a:t>
               </a:r>
               <a:r>
                 <a:rPr lang="en-US" sz="1400" dirty="0" err="1" smtClean="0"/>
@@ -12327,9 +12774,9 @@
         <p:grpSpPr>
           <a:xfrm>
             <a:off x="1612900" y="2411680"/>
-            <a:ext cx="2933700" cy="1435219"/>
+            <a:ext cx="2933700" cy="1619885"/>
             <a:chOff x="685800" y="2382848"/>
-            <a:chExt cx="2933700" cy="1435219"/>
+            <a:chExt cx="2933700" cy="1619885"/>
           </a:xfrm>
         </p:grpSpPr>
         <p:grpSp>
@@ -12341,9 +12788,9 @@
           <p:grpSpPr>
             <a:xfrm>
               <a:off x="685800" y="2382848"/>
-              <a:ext cx="1262936" cy="1435219"/>
+              <a:ext cx="1326856" cy="1619885"/>
               <a:chOff x="1371600" y="3510290"/>
-              <a:chExt cx="1262936" cy="1435219"/>
+              <a:chExt cx="1326856" cy="1619885"/>
             </a:xfrm>
           </p:grpSpPr>
           <p:pic>
@@ -12385,7 +12832,7 @@
             <p:spPr>
               <a:xfrm>
                 <a:off x="1371600" y="4668510"/>
-                <a:ext cx="1262936" cy="276999"/>
+                <a:ext cx="1326856" cy="461665"/>
               </a:xfrm>
               <a:prstGeom prst="rect">
                 <a:avLst/>
@@ -12397,6 +12844,21 @@
                 <a:spAutoFit/>
               </a:bodyPr>
               <a:lstStyle/>
+              <a:p>
+                <a:r>
+                  <a:rPr lang="en-US" sz="1200" dirty="0" err="1" smtClean="0"/>
+                  <a:t>Agda</a:t>
+                </a:r>
+                <a:r>
+                  <a:rPr lang="en-US" sz="1200" dirty="0" smtClean="0"/>
+                  <a:t> </a:t>
+                </a:r>
+                <a:r>
+                  <a:rPr lang="en-US" sz="1200" dirty="0" err="1" smtClean="0"/>
+                  <a:t>Andersson</a:t>
+                </a:r>
+                <a:endParaRPr lang="en-US" sz="1200" dirty="0" smtClean="0"/>
+              </a:p>
               <a:p>
                 <a:r>
                   <a:rPr lang="en-US" sz="1200" dirty="0" smtClean="0"/>
@@ -12883,7 +13345,15 @@
             </a:r>
             <a:r>
               <a:rPr lang="en-US" dirty="0" smtClean="0"/>
-              <a:t> 2.0 addresses these kind of issues</a:t>
+              <a:t> 2.0 addresses these </a:t>
+            </a:r>
+            <a:r>
+              <a:rPr lang="en-US" dirty="0" smtClean="0"/>
+              <a:t>kinds </a:t>
+            </a:r>
+            <a:r>
+              <a:rPr lang="en-US" dirty="0" smtClean="0"/>
+              <a:t>of issues</a:t>
             </a:r>
           </a:p>
           <a:p>
@@ -12908,11 +13378,27 @@
             <a:pPr lvl="1"/>
             <a:r>
               <a:rPr lang="en-US" dirty="0" smtClean="0"/>
-              <a:t>But still authenticated as 20121212-1212 against MVK while authorizing the </a:t>
-            </a:r>
-            <a:r>
-              <a:rPr lang="en-US" dirty="0" smtClean="0"/>
-              <a:t>client</a:t>
+              <a:t>But still authenticated as </a:t>
+            </a:r>
+            <a:r>
+              <a:rPr lang="en-US" dirty="0" err="1" smtClean="0"/>
+              <a:t>Agda</a:t>
+            </a:r>
+            <a:r>
+              <a:rPr lang="en-US" dirty="0" smtClean="0"/>
+              <a:t> </a:t>
+            </a:r>
+            <a:r>
+              <a:rPr lang="en-US" dirty="0" err="1" smtClean="0"/>
+              <a:t>Andersson</a:t>
+            </a:r>
+            <a:r>
+              <a:rPr lang="en-US" dirty="0" smtClean="0"/>
+              <a:t> </a:t>
+            </a:r>
+            <a:r>
+              <a:rPr lang="en-US" dirty="0" smtClean="0"/>
+              <a:t>against MVK while authorizing the client</a:t>
             </a:r>
           </a:p>
           <a:p>
@@ -12921,7 +13407,6 @@
               <a:rPr lang="en-US" dirty="0" smtClean="0"/>
               <a:t>Generates a non-identifiable token representing the citizen authorization</a:t>
             </a:r>
-            <a:endParaRPr lang="en-US" dirty="0" smtClean="0"/>
           </a:p>
           <a:p>
             <a:r>
@@ -13095,7 +13580,7 @@
         </p:nvGrpSpPr>
         <p:grpSpPr>
           <a:xfrm>
-            <a:off x="5830551" y="2091660"/>
+            <a:off x="5830551" y="1786860"/>
             <a:ext cx="990600" cy="1349971"/>
             <a:chOff x="3708400" y="2100590"/>
             <a:chExt cx="990600" cy="1349971"/>
@@ -13172,7 +13657,7 @@
         </p:nvGrpSpPr>
         <p:grpSpPr>
           <a:xfrm>
-            <a:off x="5791201" y="3872801"/>
+            <a:off x="6219422" y="3956419"/>
             <a:ext cx="1232604" cy="1337271"/>
             <a:chOff x="4303427" y="3920529"/>
             <a:chExt cx="1232604" cy="1337271"/>
@@ -13249,10 +13734,10 @@
         </p:nvGrpSpPr>
         <p:grpSpPr>
           <a:xfrm>
-            <a:off x="3524858" y="2766646"/>
-            <a:ext cx="1291327" cy="1616036"/>
-            <a:chOff x="2077058" y="2995246"/>
-            <a:chExt cx="1291327" cy="1616036"/>
+            <a:off x="3524858" y="1576506"/>
+            <a:ext cx="1291327" cy="1641615"/>
+            <a:chOff x="2077058" y="1805106"/>
+            <a:chExt cx="1291327" cy="1641615"/>
           </a:xfrm>
         </p:grpSpPr>
         <p:pic>
@@ -13271,7 +13756,7 @@
           </p:blipFill>
           <p:spPr>
             <a:xfrm>
-              <a:off x="2197100" y="3708331"/>
+              <a:off x="2197100" y="2543770"/>
               <a:ext cx="902951" cy="902951"/>
             </a:xfrm>
             <a:prstGeom prst="rect">
@@ -13287,7 +13772,7 @@
           </p:nvSpPr>
           <p:spPr>
             <a:xfrm>
-              <a:off x="2077058" y="2995246"/>
+              <a:off x="2077058" y="1805106"/>
               <a:ext cx="1291327" cy="738664"/>
             </a:xfrm>
             <a:prstGeom prst="rect">
@@ -13319,8 +13804,9 @@
               <a:pPr algn="ctr"/>
               <a:r>
                 <a:rPr lang="en-US" sz="1400" dirty="0" smtClean="0"/>
-                <a:t>Client</a:t>
+                <a:t>client</a:t>
               </a:r>
+              <a:endParaRPr lang="en-US" sz="1400" dirty="0" smtClean="0"/>
             </a:p>
             <a:p>
               <a:pPr algn="ctr"/>
@@ -13336,13 +13822,15 @@
       <p:cxnSp>
         <p:nvCxnSpPr>
           <p:cNvPr id="27" name="Straight Arrow Connector 26"/>
-          <p:cNvCxnSpPr/>
+          <p:cNvCxnSpPr>
+            <a:stCxn id="38" idx="3"/>
+          </p:cNvCxnSpPr>
           <p:nvPr/>
         </p:nvCxnSpPr>
         <p:spPr>
           <a:xfrm>
-            <a:off x="2852841" y="5003101"/>
-            <a:ext cx="3040582" cy="0"/>
+            <a:off x="2352857" y="4816372"/>
+            <a:ext cx="3684322" cy="25843"/>
           </a:xfrm>
           <a:prstGeom prst="straightConnector1">
             <a:avLst/>
@@ -13373,9 +13861,9 @@
           <p:nvPr/>
         </p:nvCxnSpPr>
         <p:spPr>
-          <a:xfrm flipV="1">
-            <a:off x="4394200" y="3111500"/>
-            <a:ext cx="1499223" cy="761301"/>
+          <a:xfrm>
+            <a:off x="4547851" y="3035934"/>
+            <a:ext cx="1345572" cy="75567"/>
           </a:xfrm>
           <a:prstGeom prst="straightConnector1">
             <a:avLst/>
@@ -13407,8 +13895,8 @@
         </p:nvCxnSpPr>
         <p:spPr>
           <a:xfrm>
-            <a:off x="4394200" y="3872801"/>
-            <a:ext cx="1499223" cy="673799"/>
+            <a:off x="4547851" y="3035934"/>
+            <a:ext cx="1489328" cy="1518828"/>
           </a:xfrm>
           <a:prstGeom prst="straightConnector1">
             <a:avLst/>
@@ -13454,7 +13942,7 @@
         </p:blipFill>
         <p:spPr>
           <a:xfrm>
-            <a:off x="2156649" y="4187092"/>
+            <a:off x="1668342" y="3421942"/>
             <a:ext cx="392415" cy="1132820"/>
           </a:xfrm>
           <a:prstGeom prst="rect">
@@ -13470,7 +13958,7 @@
         </p:nvSpPr>
         <p:spPr>
           <a:xfrm>
-            <a:off x="1899798" y="5243073"/>
+            <a:off x="1399814" y="4554762"/>
             <a:ext cx="953043" cy="523220"/>
           </a:xfrm>
           <a:prstGeom prst="rect">
@@ -13498,6 +13986,159 @@
           </a:p>
         </p:txBody>
       </p:sp>
+      <p:pic>
+        <p:nvPicPr>
+          <p:cNvPr id="41" name="Picture 40"/>
+          <p:cNvPicPr>
+            <a:picLocks noChangeAspect="1"/>
+          </p:cNvPicPr>
+          <p:nvPr/>
+        </p:nvPicPr>
+        <p:blipFill>
+          <a:blip r:embed="rId3"/>
+          <a:stretch>
+            <a:fillRect/>
+          </a:stretch>
+        </p:blipFill>
+        <p:spPr>
+          <a:xfrm>
+            <a:off x="5918200" y="2469455"/>
+            <a:ext cx="902951" cy="902951"/>
+          </a:xfrm>
+          <a:prstGeom prst="rect">
+            <a:avLst/>
+          </a:prstGeom>
+        </p:spPr>
+      </p:pic>
+      <p:cxnSp>
+        <p:nvCxnSpPr>
+          <p:cNvPr id="43" name="Straight Arrow Connector 42"/>
+          <p:cNvCxnSpPr/>
+          <p:nvPr/>
+        </p:nvCxnSpPr>
+        <p:spPr>
+          <a:xfrm flipV="1">
+            <a:off x="2184400" y="2959734"/>
+            <a:ext cx="1460500" cy="855908"/>
+          </a:xfrm>
+          <a:prstGeom prst="straightConnector1">
+            <a:avLst/>
+          </a:prstGeom>
+          <a:ln>
+            <a:tailEnd type="arrow"/>
+          </a:ln>
+        </p:spPr>
+        <p:style>
+          <a:lnRef idx="2">
+            <a:schemeClr val="accent1"/>
+          </a:lnRef>
+          <a:fillRef idx="0">
+            <a:schemeClr val="accent1"/>
+          </a:fillRef>
+          <a:effectRef idx="1">
+            <a:schemeClr val="accent1"/>
+          </a:effectRef>
+          <a:fontRef idx="minor">
+            <a:schemeClr val="tx1"/>
+          </a:fontRef>
+        </p:style>
+      </p:cxnSp>
+      <p:sp>
+        <p:nvSpPr>
+          <p:cNvPr id="46" name="TextBox 45"/>
+          <p:cNvSpPr txBox="1"/>
+          <p:nvPr/>
+        </p:nvSpPr>
+        <p:spPr>
+          <a:xfrm>
+            <a:off x="2282639" y="3111501"/>
+            <a:ext cx="1082861" cy="369332"/>
+          </a:xfrm>
+          <a:prstGeom prst="rect">
+            <a:avLst/>
+          </a:prstGeom>
+          <a:noFill/>
+        </p:spPr>
+        <p:txBody>
+          <a:bodyPr wrap="none" rtlCol="0">
+            <a:spAutoFit/>
+          </a:bodyPr>
+          <a:lstStyle/>
+          <a:p>
+            <a:r>
+              <a:rPr lang="en-US" dirty="0" err="1" smtClean="0"/>
+              <a:t>kallekula</a:t>
+            </a:r>
+            <a:endParaRPr lang="en-US" dirty="0"/>
+          </a:p>
+        </p:txBody>
+      </p:sp>
+      <p:sp>
+        <p:nvSpPr>
+          <p:cNvPr id="50" name="TextBox 49"/>
+          <p:cNvSpPr txBox="1"/>
+          <p:nvPr/>
+        </p:nvSpPr>
+        <p:spPr>
+          <a:xfrm>
+            <a:off x="2352857" y="4924358"/>
+            <a:ext cx="3684322" cy="369332"/>
+          </a:xfrm>
+          <a:prstGeom prst="rect">
+            <a:avLst/>
+          </a:prstGeom>
+          <a:noFill/>
+        </p:spPr>
+        <p:txBody>
+          <a:bodyPr wrap="none" rtlCol="0">
+            <a:spAutoFit/>
+          </a:bodyPr>
+          <a:lstStyle/>
+          <a:p>
+            <a:r>
+              <a:rPr lang="en-US" dirty="0" err="1" smtClean="0"/>
+              <a:t>Agda</a:t>
+            </a:r>
+            <a:r>
+              <a:rPr lang="en-US" dirty="0" smtClean="0"/>
+              <a:t> </a:t>
+            </a:r>
+            <a:r>
+              <a:rPr lang="en-US" dirty="0" err="1" smtClean="0"/>
+              <a:t>Andersson</a:t>
+            </a:r>
+            <a:r>
+              <a:rPr lang="en-US" dirty="0" smtClean="0"/>
+              <a:t> 20121212-11212</a:t>
+            </a:r>
+            <a:endParaRPr lang="en-US" dirty="0"/>
+          </a:p>
+        </p:txBody>
+      </p:sp>
+      <p:pic>
+        <p:nvPicPr>
+          <p:cNvPr id="51" name="Picture 50"/>
+          <p:cNvPicPr>
+            <a:picLocks noChangeAspect="1"/>
+          </p:cNvPicPr>
+          <p:nvPr/>
+        </p:nvPicPr>
+        <p:blipFill>
+          <a:blip r:embed="rId3"/>
+          <a:stretch>
+            <a:fillRect/>
+          </a:stretch>
+        </p:blipFill>
+        <p:spPr>
+          <a:xfrm>
+            <a:off x="6037179" y="2806701"/>
+            <a:ext cx="902951" cy="902951"/>
+          </a:xfrm>
+          <a:prstGeom prst="rect">
+            <a:avLst/>
+          </a:prstGeom>
+        </p:spPr>
+      </p:pic>
     </p:spTree>
     <p:extLst>
       <p:ext uri="{BB962C8B-B14F-4D97-AF65-F5344CB8AC3E}">
@@ -13590,28 +14231,6 @@
       </p:sp>
       <p:sp>
         <p:nvSpPr>
-          <p:cNvPr id="4" name="Text Placeholder 3"/>
-          <p:cNvSpPr>
-            <a:spLocks noGrp="1"/>
-          </p:cNvSpPr>
-          <p:nvPr>
-            <p:ph type="body" sz="quarter" idx="13"/>
-          </p:nvPr>
-        </p:nvSpPr>
-        <p:spPr/>
-        <p:txBody>
-          <a:bodyPr/>
-          <a:lstStyle/>
-          <a:p>
-            <a:pPr marL="0" indent="0">
-              <a:buNone/>
-            </a:pPr>
-            <a:endParaRPr lang="en-US" dirty="0"/>
-          </a:p>
-        </p:txBody>
-      </p:sp>
-      <p:sp>
-        <p:nvSpPr>
           <p:cNvPr id="5" name="Slide Number Placeholder 4"/>
           <p:cNvSpPr>
             <a:spLocks noGrp="1"/>
@@ -13641,7 +14260,7 @@
       </p:sp>
       <p:pic>
         <p:nvPicPr>
-          <p:cNvPr id="6" name="Picture 5" descr="OAuth20 authcode flow.jpg"/>
+          <p:cNvPr id="7" name="Picture 6" descr="OAuth20 authcode flow.jpg"/>
           <p:cNvPicPr>
             <a:picLocks noChangeAspect="1"/>
           </p:cNvPicPr>
@@ -13661,8 +14280,8 @@
         </p:blipFill>
         <p:spPr>
           <a:xfrm>
-            <a:off x="1346200" y="2011652"/>
-            <a:ext cx="5969000" cy="3500147"/>
+            <a:off x="1524000" y="1791443"/>
+            <a:ext cx="6019800" cy="3945284"/>
           </a:xfrm>
           <a:prstGeom prst="rect">
             <a:avLst/>
@@ -13775,13 +14394,53 @@
             </a:pPr>
             <a:r>
               <a:rPr lang="en-US" dirty="0"/>
-              <a:t>Use Curl to make http requests against </a:t>
-            </a:r>
-            <a:r>
-              <a:rPr lang="en-US" dirty="0" smtClean="0"/>
-              <a:t>API´s containing patient related data.</a:t>
-            </a:r>
+              <a:t>Use Curl to make http requests </a:t>
+            </a:r>
+            <a:r>
+              <a:rPr lang="en-US" dirty="0" smtClean="0"/>
+              <a:t>using pre-</a:t>
+            </a:r>
+            <a:r>
+              <a:rPr lang="en-US" dirty="0" smtClean="0"/>
+              <a:t>generated </a:t>
+            </a:r>
+            <a:r>
+              <a:rPr lang="en-US" dirty="0" smtClean="0"/>
+              <a:t>access token</a:t>
+            </a:r>
+            <a:r>
+              <a:rPr lang="en-US" dirty="0" smtClean="0"/>
+              <a:t>s </a:t>
+            </a:r>
+            <a:r>
+              <a:rPr lang="en-US" dirty="0" smtClean="0"/>
+              <a:t>against </a:t>
+            </a:r>
+            <a:r>
+              <a:rPr lang="en-US" dirty="0" smtClean="0"/>
+              <a:t>API´s containing patient related data</a:t>
+            </a:r>
+            <a:r>
+              <a:rPr lang="en-US" dirty="0" smtClean="0"/>
+              <a:t>.</a:t>
+            </a:r>
+          </a:p>
+          <a:p>
+            <a:pPr marL="0" indent="0">
+              <a:buNone/>
+            </a:pPr>
             <a:endParaRPr lang="en-US" dirty="0"/>
+          </a:p>
+          <a:p>
+            <a:pPr>
+              <a:buFont typeface="Wingdings" charset="2"/>
+              <a:buChar char="ü"/>
+            </a:pPr>
+            <a:r>
+              <a:rPr lang="en-US" sz="1800" dirty="0" smtClean="0"/>
+              <a:t>Open lab/lab2/README and follow the instructions</a:t>
+            </a:r>
+            <a:endParaRPr lang="en-US" sz="1800" dirty="0"/>
           </a:p>
         </p:txBody>
       </p:sp>
@@ -14074,7 +14733,6 @@
               <a:rPr lang="en-US" dirty="0"/>
               <a:t>API’s containing patient related data</a:t>
             </a:r>
-            <a:endParaRPr lang="en-US" dirty="0"/>
           </a:p>
         </p:txBody>
       </p:sp>
@@ -14097,11 +14755,7 @@
           <a:p>
             <a:r>
               <a:rPr lang="en-US" dirty="0" smtClean="0"/>
-              <a:t>Exercise </a:t>
-            </a:r>
-            <a:r>
-              <a:rPr lang="en-US" dirty="0" smtClean="0"/>
-              <a:t>3, Simple </a:t>
+              <a:t>Exercise 3, Simple </a:t>
             </a:r>
             <a:r>
               <a:rPr lang="en-US" dirty="0" err="1" smtClean="0"/>
@@ -14143,8 +14797,29 @@
             </a:r>
             <a:r>
               <a:rPr lang="en-US" dirty="0" smtClean="0"/>
-              <a:t> 2.0 and SDK by using a simple client letting the user authorize access.</a:t>
-            </a:r>
+              <a:t> 2.0 and SDK by using a simple client letting the user authorize access</a:t>
+            </a:r>
+            <a:r>
+              <a:rPr lang="en-US" dirty="0" smtClean="0"/>
+              <a:t>.</a:t>
+            </a:r>
+          </a:p>
+          <a:p>
+            <a:pPr marL="0" indent="0">
+              <a:buNone/>
+            </a:pPr>
+            <a:endParaRPr lang="en-US" dirty="0"/>
+          </a:p>
+          <a:p>
+            <a:pPr>
+              <a:buFont typeface="Wingdings" charset="2"/>
+              <a:buChar char="ü"/>
+            </a:pPr>
+            <a:r>
+              <a:rPr lang="en-US" sz="1800" dirty="0" smtClean="0"/>
+              <a:t>Open lab/lab3/README and follow the instructions</a:t>
+            </a:r>
+            <a:endParaRPr lang="en-US" sz="1800" dirty="0" smtClean="0"/>
           </a:p>
         </p:txBody>
       </p:sp>
@@ -14351,9 +15026,14 @@
               <a:t>Lab, </a:t>
             </a:r>
             <a:r>
-              <a:rPr lang="en-US" sz="1800" dirty="0"/>
-              <a:t>Applying the app</a:t>
-            </a:r>
+              <a:rPr lang="en-US" sz="1800" dirty="0" smtClean="0"/>
+              <a:t>Integrating </a:t>
+            </a:r>
+            <a:r>
+              <a:rPr lang="en-US" sz="1800" dirty="0" smtClean="0"/>
+              <a:t>with the backend API</a:t>
+            </a:r>
+            <a:endParaRPr lang="en-US" sz="1800" dirty="0"/>
           </a:p>
           <a:p>
             <a:endParaRPr lang="en-US" sz="1800" dirty="0"/>
@@ -14777,11 +15457,7 @@
             </a:pPr>
             <a:r>
               <a:rPr lang="en-US" dirty="0" smtClean="0"/>
-              <a:t>API</a:t>
-            </a:r>
-            <a:r>
-              <a:rPr lang="en-US" dirty="0" smtClean="0"/>
-              <a:t>´s for an app</a:t>
+              <a:t>API´s for an app</a:t>
             </a:r>
             <a:endParaRPr lang="en-US" dirty="0"/>
           </a:p>
@@ -14896,11 +15572,7 @@
           <a:p>
             <a:r>
               <a:rPr lang="en-US" dirty="0" smtClean="0"/>
-              <a:t>Exercise </a:t>
-            </a:r>
-            <a:r>
-              <a:rPr lang="en-US" dirty="0" smtClean="0"/>
-              <a:t>4, backend</a:t>
+              <a:t>Exercise 4, backend</a:t>
             </a:r>
             <a:endParaRPr lang="en-US" dirty="0"/>
           </a:p>
@@ -14926,22 +15598,32 @@
             </a:pPr>
             <a:r>
               <a:rPr lang="en-US" dirty="0" smtClean="0"/>
-              <a:t>Complete the Simple App </a:t>
-            </a:r>
-            <a:r>
-              <a:rPr lang="en-US" dirty="0" smtClean="0"/>
-              <a:t>backend to </a:t>
-            </a:r>
-            <a:r>
-              <a:rPr lang="en-US" dirty="0" smtClean="0"/>
-              <a:t>provide a secure API for the frontend. </a:t>
-            </a:r>
-          </a:p>
-          <a:p>
-            <a:r>
-              <a:rPr lang="en-US" dirty="0" smtClean="0"/>
-              <a:t>Add JSON API</a:t>
-            </a:r>
+              <a:t>Complete the Simple App backend to provide a secure API for the frontend. </a:t>
+            </a:r>
+          </a:p>
+          <a:p>
+            <a:r>
+              <a:rPr lang="en-US" dirty="0" smtClean="0"/>
+              <a:t>Add JSON </a:t>
+            </a:r>
+            <a:r>
+              <a:rPr lang="en-US" dirty="0" smtClean="0"/>
+              <a:t>API</a:t>
+            </a:r>
+          </a:p>
+          <a:p>
+            <a:endParaRPr lang="en-US" dirty="0"/>
+          </a:p>
+          <a:p>
+            <a:pPr>
+              <a:buFont typeface="Wingdings" charset="2"/>
+              <a:buChar char="ü"/>
+            </a:pPr>
+            <a:r>
+              <a:rPr lang="en-US" sz="1800" dirty="0" smtClean="0"/>
+              <a:t>Open lab/lab4/README and follow the instructions</a:t>
+            </a:r>
+            <a:endParaRPr lang="en-US" sz="1800" dirty="0"/>
           </a:p>
         </p:txBody>
       </p:sp>
@@ -15085,11 +15767,7 @@
           <a:p>
             <a:r>
               <a:rPr lang="en-US" dirty="0" smtClean="0"/>
-              <a:t>What’s happening on the </a:t>
-            </a:r>
-            <a:r>
-              <a:rPr lang="en-US" dirty="0" smtClean="0"/>
-              <a:t>frontend?</a:t>
+              <a:t>What’s happening on the frontend?</a:t>
             </a:r>
           </a:p>
           <a:p>
@@ -15122,15 +15800,7 @@
             <a:pPr lvl="1"/>
             <a:r>
               <a:rPr lang="en-US" dirty="0" smtClean="0"/>
-              <a:t>(Almost) Finished HTML/JS App built </a:t>
-            </a:r>
-            <a:r>
-              <a:rPr lang="en-US" dirty="0" smtClean="0"/>
-              <a:t>with</a:t>
-            </a:r>
-            <a:r>
-              <a:rPr lang="en-US" dirty="0" smtClean="0"/>
-              <a:t> </a:t>
+              <a:t>(Almost) Finished HTML/JS App built with </a:t>
             </a:r>
             <a:r>
               <a:rPr lang="en-US" dirty="0" err="1" smtClean="0"/>
@@ -15159,7 +15829,6 @@
               <a:rPr lang="en-US" dirty="0" smtClean="0"/>
               <a:t>How do we connect the app to our API?</a:t>
             </a:r>
-            <a:endParaRPr lang="en-US" dirty="0" smtClean="0"/>
           </a:p>
         </p:txBody>
       </p:sp>
@@ -15271,11 +15940,7 @@
           <a:p>
             <a:r>
               <a:rPr lang="en-US" dirty="0" smtClean="0"/>
-              <a:t>Exercise </a:t>
-            </a:r>
-            <a:r>
-              <a:rPr lang="en-US" dirty="0" smtClean="0"/>
-              <a:t>5, frontend</a:t>
+              <a:t>Exercise 5, frontend</a:t>
             </a:r>
             <a:endParaRPr lang="en-US" dirty="0"/>
           </a:p>
@@ -15294,7 +15959,7 @@
         <p:spPr>
           <a:xfrm>
             <a:off x="685800" y="1895027"/>
-            <a:ext cx="4902199" cy="3780000"/>
+            <a:ext cx="5499100" cy="3780000"/>
           </a:xfrm>
         </p:spPr>
         <p:txBody>
@@ -15306,11 +15971,7 @@
             </a:pPr>
             <a:r>
               <a:rPr lang="en-US" sz="1800" dirty="0" smtClean="0"/>
-              <a:t>Complete a </a:t>
-            </a:r>
-            <a:r>
-              <a:rPr lang="en-US" sz="1800" dirty="0" smtClean="0"/>
-              <a:t>simple client that use the API provided by the backend. </a:t>
+              <a:t>Complete a simple client that use the API provided by the backend. </a:t>
             </a:r>
           </a:p>
           <a:p>
@@ -15348,13 +16009,8 @@
             </a:r>
             <a:r>
               <a:rPr lang="en-US" sz="1600" dirty="0" smtClean="0"/>
-              <a:t> from lab4/solution/simple-app</a:t>
-            </a:r>
-            <a:r>
-              <a:rPr lang="en-US" sz="1600" smtClean="0"/>
-              <a:t>-backend</a:t>
-            </a:r>
-            <a:endParaRPr lang="en-US" sz="1600" dirty="0" smtClean="0"/>
+              <a:t> from lab4/solution/simple-app-backend</a:t>
+            </a:r>
           </a:p>
           <a:p>
             <a:pPr lvl="1"/>
@@ -15367,8 +16023,27 @@
             <a:pPr lvl="1"/>
             <a:r>
               <a:rPr lang="en-US" sz="1600" dirty="0"/>
-              <a:t>Authorize access for simple client</a:t>
-            </a:r>
+              <a:t>Authorize access for simple </a:t>
+            </a:r>
+            <a:r>
+              <a:rPr lang="en-US" sz="1600" dirty="0" smtClean="0"/>
+              <a:t>client</a:t>
+            </a:r>
+          </a:p>
+          <a:p>
+            <a:pPr lvl="1"/>
+            <a:endParaRPr lang="en-US" sz="1600" dirty="0"/>
+          </a:p>
+          <a:p>
+            <a:pPr>
+              <a:buFont typeface="Wingdings" charset="2"/>
+              <a:buChar char="ü"/>
+            </a:pPr>
+            <a:r>
+              <a:rPr lang="en-US" sz="1800" dirty="0" smtClean="0"/>
+              <a:t>Open lab/lab5/README and follow the instructions</a:t>
+            </a:r>
+            <a:endParaRPr lang="en-US" sz="1800" dirty="0"/>
           </a:p>
           <a:p>
             <a:pPr lvl="1"/>
@@ -15430,8 +16105,8 @@
         </p:blipFill>
         <p:spPr>
           <a:xfrm>
-            <a:off x="5735831" y="985082"/>
-            <a:ext cx="2722369" cy="1419673"/>
+            <a:off x="6057900" y="762390"/>
+            <a:ext cx="2174105" cy="1133762"/>
           </a:xfrm>
           <a:prstGeom prst="rect">
             <a:avLst/>
@@ -15460,8 +16135,8 @@
         </p:blipFill>
         <p:spPr>
           <a:xfrm>
-            <a:off x="5587999" y="2654300"/>
-            <a:ext cx="3266066" cy="3136900"/>
+            <a:off x="6057900" y="2184400"/>
+            <a:ext cx="2923165" cy="2807560"/>
           </a:xfrm>
           <a:prstGeom prst="rect">
             <a:avLst/>
@@ -15590,7 +16265,6 @@
               <a:rPr lang="en-US" dirty="0" smtClean="0"/>
               <a:t>Simple application</a:t>
             </a:r>
-            <a:endParaRPr lang="en-US" dirty="0" smtClean="0"/>
           </a:p>
           <a:p>
             <a:pPr marL="0" indent="0">
@@ -15606,7 +16280,6 @@
               <a:rPr lang="en-US" dirty="0" smtClean="0"/>
               <a:t>Questions?</a:t>
             </a:r>
-            <a:endParaRPr lang="en-US" dirty="0" smtClean="0"/>
           </a:p>
           <a:p>
             <a:pPr marL="0" indent="0">
@@ -16389,6 +17062,30 @@
               <a:t>Background</a:t>
             </a:r>
           </a:p>
+          <a:p>
+            <a:pPr lvl="1"/>
+            <a:r>
+              <a:rPr lang="en-US" dirty="0" smtClean="0"/>
+              <a:t>SLL and </a:t>
+            </a:r>
+            <a:r>
+              <a:rPr lang="en-US" dirty="0" err="1" smtClean="0"/>
+              <a:t>Vinnova</a:t>
+            </a:r>
+            <a:endParaRPr lang="en-US" dirty="0"/>
+          </a:p>
+          <a:p>
+            <a:pPr lvl="1"/>
+            <a:r>
+              <a:rPr lang="en-US" dirty="0" smtClean="0"/>
+              <a:t>Part of Mina </a:t>
+            </a:r>
+            <a:r>
+              <a:rPr lang="en-US" dirty="0" err="1" smtClean="0"/>
+              <a:t>Vårdflöden</a:t>
+            </a:r>
+            <a:endParaRPr lang="en-US" dirty="0" smtClean="0"/>
+          </a:p>
         </p:txBody>
       </p:sp>
       <p:sp>
@@ -16945,53 +17642,81 @@
           <a:lstStyle/>
           <a:p>
             <a:r>
-              <a:rPr lang="en-US" sz="1800" dirty="0" smtClean="0"/>
-              <a:t>POST, GET, PUT, DELETE</a:t>
-            </a:r>
-          </a:p>
-          <a:p>
-            <a:pPr lvl="1"/>
-            <a:r>
-              <a:rPr lang="en-US" sz="1600" dirty="0" smtClean="0"/>
-              <a:t>CRUD mappings based on best practices within REST community.</a:t>
-            </a:r>
-          </a:p>
-          <a:p>
-            <a:r>
               <a:rPr lang="en-US" sz="1800" dirty="0"/>
               <a:t>URL </a:t>
             </a:r>
+          </a:p>
+          <a:p>
+            <a:pPr lvl="1"/>
+            <a:r>
+              <a:rPr lang="en-US" sz="1600" dirty="0"/>
+              <a:t>Uniform Resource Locator is used to uniquely identify a resource over the web</a:t>
+            </a:r>
+          </a:p>
+          <a:p>
+            <a:pPr lvl="1"/>
+            <a:r>
+              <a:rPr lang="en-US" sz="1600" dirty="0"/>
+              <a:t>Address + </a:t>
+            </a:r>
+            <a:r>
+              <a:rPr lang="en-US" sz="1600" dirty="0" smtClean="0"/>
+              <a:t>parameters</a:t>
+            </a:r>
+          </a:p>
+          <a:p>
+            <a:pPr lvl="1"/>
+            <a:r>
+              <a:rPr lang="en-US" sz="1600" dirty="0" smtClean="0"/>
+              <a:t>http://</a:t>
+            </a:r>
+            <a:r>
+              <a:rPr lang="en-US" sz="1600" dirty="0" err="1" smtClean="0"/>
+              <a:t>server.se</a:t>
+            </a:r>
+            <a:r>
+              <a:rPr lang="en-US" sz="1600" dirty="0" smtClean="0"/>
+              <a:t>/</a:t>
+            </a:r>
+            <a:r>
+              <a:rPr lang="en-US" sz="1600" dirty="0" err="1" smtClean="0"/>
+              <a:t>api</a:t>
+            </a:r>
+            <a:r>
+              <a:rPr lang="en-US" sz="1600" dirty="0" smtClean="0"/>
+              <a:t>/</a:t>
+            </a:r>
+            <a:r>
+              <a:rPr lang="en-US" sz="1600" dirty="0" err="1" smtClean="0"/>
+              <a:t>healthcarefacilities</a:t>
+            </a:r>
+            <a:r>
+              <a:rPr lang="en-US" sz="1600" dirty="0" smtClean="0"/>
+              <a:t>/123/bookings/1</a:t>
+            </a:r>
             <a:endParaRPr lang="en-US" sz="1800" dirty="0" smtClean="0"/>
           </a:p>
           <a:p>
+            <a:r>
+              <a:rPr lang="en-US" sz="1800" dirty="0" smtClean="0"/>
+              <a:t>POST</a:t>
+            </a:r>
+            <a:r>
+              <a:rPr lang="en-US" sz="1800" dirty="0" smtClean="0"/>
+              <a:t>, GET, PUT, DELETE</a:t>
+            </a:r>
+          </a:p>
+          <a:p>
             <a:pPr lvl="1"/>
             <a:r>
               <a:rPr lang="en-US" sz="1600" dirty="0" smtClean="0"/>
-              <a:t>Uniform </a:t>
-            </a:r>
-            <a:r>
-              <a:rPr lang="en-US" sz="1600" dirty="0"/>
-              <a:t>Resource </a:t>
+              <a:t>CRUD mappings based on best practices within REST community</a:t>
             </a:r>
             <a:r>
               <a:rPr lang="en-US" sz="1600" dirty="0" smtClean="0"/>
-              <a:t>Locator </a:t>
-            </a:r>
-            <a:r>
-              <a:rPr lang="en-US" sz="1600" dirty="0"/>
-              <a:t>is used to uniquely identify a resource over the </a:t>
-            </a:r>
-            <a:r>
-              <a:rPr lang="en-US" sz="1600" dirty="0" smtClean="0"/>
-              <a:t>web</a:t>
-            </a:r>
-          </a:p>
-          <a:p>
-            <a:pPr lvl="1"/>
-            <a:r>
-              <a:rPr lang="en-US" sz="1600" dirty="0" smtClean="0"/>
-              <a:t>Address + parameters</a:t>
-            </a:r>
+              <a:t>.</a:t>
+            </a:r>
+            <a:endParaRPr lang="en-US" sz="1600" dirty="0" smtClean="0"/>
           </a:p>
           <a:p>
             <a:r>
@@ -17178,8 +17903,13 @@
             <a:pPr lvl="1"/>
             <a:r>
               <a:rPr lang="en-US" sz="1600" dirty="0" smtClean="0"/>
-              <a:t>418 I’m a teapot (RFC2324)</a:t>
-            </a:r>
+              <a:t>418 I’m a teapot (RFC2324</a:t>
+            </a:r>
+            <a:r>
+              <a:rPr lang="en-US" sz="1600" dirty="0" smtClean="0"/>
+              <a:t>)</a:t>
+            </a:r>
+            <a:endParaRPr lang="en-US" sz="1600" dirty="0" smtClean="0"/>
           </a:p>
           <a:p>
             <a:pPr lvl="2"/>

--- a/Cadec-vårdens-apier.pptx
+++ b/Cadec-vårdens-apier.pptx
@@ -267,7 +267,7 @@
               <a:pPr>
                 <a:defRPr/>
               </a:pPr>
-              <a:t>2013-01-10</a:t>
+              <a:t>2013-01-11</a:t>
             </a:fld>
             <a:endParaRPr lang="sv-SE"/>
           </a:p>
@@ -467,7 +467,7 @@
               <a:pPr>
                 <a:defRPr/>
               </a:pPr>
-              <a:t>2013-01-10</a:t>
+              <a:t>2013-01-11</a:t>
             </a:fld>
             <a:endParaRPr lang="sv-SE"/>
           </a:p>
@@ -1588,7 +1588,114 @@
           <a:p>
             <a:r>
               <a:rPr lang="en-US" dirty="0" smtClean="0"/>
-              <a:t>Resource Owner: En roll </a:t>
+              <a:t>User: -&gt; </a:t>
+            </a:r>
+            <a:r>
+              <a:rPr lang="en-US" dirty="0" err="1" smtClean="0"/>
+              <a:t>Har</a:t>
+            </a:r>
+            <a:r>
+              <a:rPr lang="en-US" dirty="0" smtClean="0"/>
+              <a:t> </a:t>
+            </a:r>
+            <a:r>
+              <a:rPr lang="en-US" dirty="0" err="1" smtClean="0"/>
+              <a:t>inget</a:t>
+            </a:r>
+            <a:r>
+              <a:rPr lang="en-US" dirty="0" smtClean="0"/>
+              <a:t> med </a:t>
+            </a:r>
+            <a:r>
+              <a:rPr lang="en-US" dirty="0" err="1" smtClean="0"/>
+              <a:t>Oauth</a:t>
+            </a:r>
+            <a:r>
+              <a:rPr lang="en-US" dirty="0" smtClean="0"/>
+              <a:t> </a:t>
+            </a:r>
+            <a:r>
+              <a:rPr lang="en-US" dirty="0" err="1" smtClean="0"/>
+              <a:t>att</a:t>
+            </a:r>
+            <a:r>
+              <a:rPr lang="en-US" dirty="0" smtClean="0"/>
+              <a:t> </a:t>
+            </a:r>
+            <a:r>
+              <a:rPr lang="en-US" dirty="0" err="1" smtClean="0"/>
+              <a:t>göra</a:t>
+            </a:r>
+            <a:r>
+              <a:rPr lang="en-US" dirty="0" smtClean="0"/>
+              <a:t>,</a:t>
+            </a:r>
+            <a:r>
+              <a:rPr lang="en-US" baseline="0" dirty="0" smtClean="0"/>
+              <a:t> </a:t>
+            </a:r>
+            <a:r>
+              <a:rPr lang="en-US" baseline="0" dirty="0" err="1" smtClean="0"/>
+              <a:t>utan</a:t>
+            </a:r>
+            <a:r>
+              <a:rPr lang="en-US" baseline="0" dirty="0" smtClean="0"/>
+              <a:t> </a:t>
+            </a:r>
+            <a:r>
+              <a:rPr lang="en-US" baseline="0" dirty="0" err="1" smtClean="0"/>
+              <a:t>är</a:t>
+            </a:r>
+            <a:r>
+              <a:rPr lang="en-US" baseline="0" dirty="0" smtClean="0"/>
+              <a:t> </a:t>
+            </a:r>
+            <a:r>
+              <a:rPr lang="en-US" baseline="0" dirty="0" err="1" smtClean="0"/>
+              <a:t>helt</a:t>
+            </a:r>
+            <a:r>
+              <a:rPr lang="en-US" baseline="0" dirty="0" smtClean="0"/>
+              <a:t> </a:t>
+            </a:r>
+            <a:r>
+              <a:rPr lang="en-US" baseline="0" dirty="0" err="1" smtClean="0"/>
+              <a:t>enkelt</a:t>
+            </a:r>
+            <a:r>
+              <a:rPr lang="en-US" baseline="0" dirty="0" smtClean="0"/>
+              <a:t> den </a:t>
+            </a:r>
+            <a:r>
+              <a:rPr lang="en-US" baseline="0" dirty="0" err="1" smtClean="0"/>
+              <a:t>användare</a:t>
+            </a:r>
+            <a:r>
+              <a:rPr lang="en-US" baseline="0" dirty="0" smtClean="0"/>
+              <a:t> man </a:t>
+            </a:r>
+            <a:r>
+              <a:rPr lang="en-US" baseline="0" dirty="0" err="1" smtClean="0"/>
+              <a:t>loggar</a:t>
+            </a:r>
+            <a:r>
+              <a:rPr lang="en-US" baseline="0" dirty="0" smtClean="0"/>
+              <a:t> in med I </a:t>
+            </a:r>
+            <a:r>
+              <a:rPr lang="en-US" baseline="0" smtClean="0"/>
+              <a:t>applikationen</a:t>
+            </a:r>
+            <a:endParaRPr lang="en-US" smtClean="0"/>
+          </a:p>
+          <a:p>
+            <a:r>
+              <a:rPr lang="en-US" dirty="0" smtClean="0"/>
+              <a:t>Resource </a:t>
+            </a:r>
+            <a:r>
+              <a:rPr lang="en-US" dirty="0" smtClean="0"/>
+              <a:t>Owner: En roll </a:t>
             </a:r>
             <a:r>
               <a:rPr lang="en-US" dirty="0" err="1" smtClean="0"/>
@@ -4430,7 +4537,6 @@
               <a:rPr lang="en-US" baseline="0" dirty="0" smtClean="0"/>
               <a:t>.</a:t>
             </a:r>
-            <a:endParaRPr lang="en-US" baseline="0" dirty="0" smtClean="0"/>
           </a:p>
           <a:p>
             <a:endParaRPr lang="en-US" baseline="0" dirty="0" smtClean="0"/>
@@ -4742,12 +4848,11 @@
               <a:rPr lang="en-US" baseline="0" dirty="0" smtClean="0"/>
               <a:t>.</a:t>
             </a:r>
+          </a:p>
+          <a:p>
             <a:endParaRPr lang="en-US" baseline="0" dirty="0" smtClean="0"/>
           </a:p>
           <a:p>
-            <a:endParaRPr lang="en-US" baseline="0" dirty="0" smtClean="0"/>
-          </a:p>
-          <a:p>
             <a:r>
               <a:rPr lang="en-US" baseline="0" dirty="0" err="1" smtClean="0"/>
               <a:t>Exempel</a:t>
@@ -4770,11 +4875,7 @@
             </a:r>
             <a:r>
               <a:rPr lang="en-US" baseline="0" dirty="0" smtClean="0"/>
-              <a:t> </a:t>
-            </a:r>
-            <a:r>
-              <a:rPr lang="en-US" baseline="0" dirty="0" smtClean="0"/>
-              <a:t>-&gt; </a:t>
+              <a:t> -&gt; </a:t>
             </a:r>
             <a:r>
               <a:rPr lang="en-US" baseline="0" dirty="0" err="1" smtClean="0"/>
@@ -4963,11 +5064,7 @@
           <a:p>
             <a:r>
               <a:rPr lang="en-US" b="1" baseline="0" dirty="0" smtClean="0"/>
-              <a:t>2</a:t>
-            </a:r>
-            <a:r>
-              <a:rPr lang="en-US" b="1" baseline="0" dirty="0" smtClean="0"/>
-              <a:t>. </a:t>
+              <a:t>2. </a:t>
             </a:r>
             <a:r>
               <a:rPr lang="en-US" b="1" baseline="0" dirty="0" err="1" smtClean="0"/>
@@ -5015,11 +5112,7 @@
             </a:r>
             <a:r>
               <a:rPr lang="en-US" b="1" baseline="0" dirty="0" smtClean="0"/>
-              <a:t> part</a:t>
-            </a:r>
-            <a:r>
-              <a:rPr lang="en-US" b="1" baseline="0" dirty="0" smtClean="0"/>
-              <a:t>)</a:t>
+              <a:t> part)</a:t>
             </a:r>
             <a:endParaRPr lang="en-US" b="0" baseline="0" dirty="0" smtClean="0"/>
           </a:p>
@@ -5046,11 +5139,7 @@
             </a:r>
             <a:r>
               <a:rPr lang="en-US" b="0" baseline="0" dirty="0" smtClean="0"/>
-              <a:t> </a:t>
-            </a:r>
-            <a:r>
-              <a:rPr lang="en-US" b="0" baseline="0" dirty="0" smtClean="0"/>
-              <a:t>-&gt; </a:t>
+              <a:t> -&gt; </a:t>
             </a:r>
             <a:r>
               <a:rPr lang="en-US" b="0" baseline="0" dirty="0" err="1" smtClean="0"/>
@@ -10420,11 +10509,6 @@
               </a:rPr>
               <a:t>Building apps against Swedish healthcare API’s</a:t>
             </a:r>
-            <a:endParaRPr lang="en-US" dirty="0">
-              <a:latin typeface="Cambria" charset="0"/>
-              <a:ea typeface="ＭＳ Ｐゴシック" charset="0"/>
-              <a:cs typeface="Cambria" charset="0"/>
-            </a:endParaRPr>
           </a:p>
         </p:txBody>
       </p:sp>
@@ -11832,11 +11916,7 @@
             </a:pPr>
             <a:r>
               <a:rPr lang="en-US" dirty="0" smtClean="0"/>
-              <a:t>Use Curl to make http requests against public data </a:t>
-            </a:r>
-            <a:r>
-              <a:rPr lang="en-US" dirty="0" smtClean="0"/>
-              <a:t>API</a:t>
+              <a:t>Use Curl to make http requests against public data API</a:t>
             </a:r>
           </a:p>
           <a:p>
@@ -11854,7 +11934,6 @@
               <a:rPr lang="en-US" sz="2000" dirty="0" smtClean="0"/>
               <a:t>Open lab/lab1/README and follow the instructions</a:t>
             </a:r>
-            <a:endParaRPr lang="en-US" sz="2000" dirty="0" smtClean="0"/>
           </a:p>
         </p:txBody>
       </p:sp>
@@ -12378,15 +12457,7 @@
             </a:r>
             <a:r>
               <a:rPr lang="en-US" sz="1400" dirty="0" smtClean="0"/>
-              <a:t> party </a:t>
-            </a:r>
-            <a:r>
-              <a:rPr lang="en-US" sz="1400" dirty="0" smtClean="0"/>
-              <a:t>client </a:t>
-            </a:r>
-            <a:r>
-              <a:rPr lang="en-US" sz="1400" dirty="0" smtClean="0"/>
-              <a:t>application</a:t>
+              <a:t> party client application</a:t>
             </a:r>
             <a:endParaRPr lang="en-US" sz="1400" dirty="0"/>
           </a:p>
@@ -13345,15 +13416,7 @@
             </a:r>
             <a:r>
               <a:rPr lang="en-US" dirty="0" smtClean="0"/>
-              <a:t> 2.0 addresses these </a:t>
-            </a:r>
-            <a:r>
-              <a:rPr lang="en-US" dirty="0" smtClean="0"/>
-              <a:t>kinds </a:t>
-            </a:r>
-            <a:r>
-              <a:rPr lang="en-US" dirty="0" smtClean="0"/>
-              <a:t>of issues</a:t>
+              <a:t> 2.0 addresses these kinds of issues</a:t>
             </a:r>
           </a:p>
           <a:p>
@@ -13394,11 +13457,7 @@
             </a:r>
             <a:r>
               <a:rPr lang="en-US" dirty="0" smtClean="0"/>
-              <a:t> </a:t>
-            </a:r>
-            <a:r>
-              <a:rPr lang="en-US" dirty="0" smtClean="0"/>
-              <a:t>against MVK while authorizing the client</a:t>
+              <a:t> against MVK while authorizing the client</a:t>
             </a:r>
           </a:p>
           <a:p>
@@ -13806,7 +13865,6 @@
                 <a:rPr lang="en-US" sz="1400" dirty="0" smtClean="0"/>
                 <a:t>client</a:t>
               </a:r>
-              <a:endParaRPr lang="en-US" sz="1400" dirty="0" smtClean="0"/>
             </a:p>
             <a:p>
               <a:pPr algn="ctr"/>
@@ -14051,7 +14109,7 @@
         </p:nvSpPr>
         <p:spPr>
           <a:xfrm>
-            <a:off x="2282639" y="3111501"/>
+            <a:off x="2447739" y="3149601"/>
             <a:ext cx="1082861" cy="369332"/>
           </a:xfrm>
           <a:prstGeom prst="rect">
@@ -14139,6 +14197,36 @@
           </a:prstGeom>
         </p:spPr>
       </p:pic>
+      <p:sp>
+        <p:nvSpPr>
+          <p:cNvPr id="26" name="TextBox 25"/>
+          <p:cNvSpPr txBox="1"/>
+          <p:nvPr/>
+        </p:nvSpPr>
+        <p:spPr>
+          <a:xfrm>
+            <a:off x="1589613" y="3102556"/>
+            <a:ext cx="569387" cy="307777"/>
+          </a:xfrm>
+          <a:prstGeom prst="rect">
+            <a:avLst/>
+          </a:prstGeom>
+          <a:noFill/>
+        </p:spPr>
+        <p:txBody>
+          <a:bodyPr wrap="none" rtlCol="0">
+            <a:spAutoFit/>
+          </a:bodyPr>
+          <a:lstStyle/>
+          <a:p>
+            <a:r>
+              <a:rPr lang="en-US" sz="1400" dirty="0" smtClean="0"/>
+              <a:t>User</a:t>
+            </a:r>
+            <a:endParaRPr lang="en-US" sz="1400" dirty="0"/>
+          </a:p>
+        </p:txBody>
+      </p:sp>
     </p:spTree>
     <p:extLst>
       <p:ext uri="{BB962C8B-B14F-4D97-AF65-F5344CB8AC3E}">
@@ -14398,31 +14486,7 @@
             </a:r>
             <a:r>
               <a:rPr lang="en-US" dirty="0" smtClean="0"/>
-              <a:t>using pre-</a:t>
-            </a:r>
-            <a:r>
-              <a:rPr lang="en-US" dirty="0" smtClean="0"/>
-              <a:t>generated </a:t>
-            </a:r>
-            <a:r>
-              <a:rPr lang="en-US" dirty="0" smtClean="0"/>
-              <a:t>access token</a:t>
-            </a:r>
-            <a:r>
-              <a:rPr lang="en-US" dirty="0" smtClean="0"/>
-              <a:t>s </a:t>
-            </a:r>
-            <a:r>
-              <a:rPr lang="en-US" dirty="0" smtClean="0"/>
-              <a:t>against </a:t>
-            </a:r>
-            <a:r>
-              <a:rPr lang="en-US" dirty="0" smtClean="0"/>
-              <a:t>API´s containing patient related data</a:t>
-            </a:r>
-            <a:r>
-              <a:rPr lang="en-US" dirty="0" smtClean="0"/>
-              <a:t>.</a:t>
+              <a:t>using pre-generated access tokens against API´s containing patient related data.</a:t>
             </a:r>
           </a:p>
           <a:p>
@@ -14797,11 +14861,7 @@
             </a:r>
             <a:r>
               <a:rPr lang="en-US" dirty="0" smtClean="0"/>
-              <a:t> 2.0 and SDK by using a simple client letting the user authorize access</a:t>
-            </a:r>
-            <a:r>
-              <a:rPr lang="en-US" dirty="0" smtClean="0"/>
-              <a:t>.</a:t>
+              <a:t> 2.0 and SDK by using a simple client letting the user authorize access.</a:t>
             </a:r>
           </a:p>
           <a:p>
@@ -14819,7 +14879,6 @@
               <a:rPr lang="en-US" sz="1800" dirty="0" smtClean="0"/>
               <a:t>Open lab/lab3/README and follow the instructions</a:t>
             </a:r>
-            <a:endParaRPr lang="en-US" sz="1800" dirty="0" smtClean="0"/>
           </a:p>
         </p:txBody>
       </p:sp>
@@ -15023,15 +15082,7 @@
             <a:pPr lvl="1"/>
             <a:r>
               <a:rPr lang="en-US" sz="1800" dirty="0" smtClean="0"/>
-              <a:t>Lab, </a:t>
-            </a:r>
-            <a:r>
-              <a:rPr lang="en-US" sz="1800" dirty="0" smtClean="0"/>
-              <a:t>Integrating </a:t>
-            </a:r>
-            <a:r>
-              <a:rPr lang="en-US" sz="1800" dirty="0" smtClean="0"/>
-              <a:t>with the backend API</a:t>
+              <a:t>Lab, Integrating with the backend API</a:t>
             </a:r>
             <a:endParaRPr lang="en-US" sz="1800" dirty="0"/>
           </a:p>
@@ -15604,11 +15655,7 @@
           <a:p>
             <a:r>
               <a:rPr lang="en-US" dirty="0" smtClean="0"/>
-              <a:t>Add JSON </a:t>
-            </a:r>
-            <a:r>
-              <a:rPr lang="en-US" dirty="0" smtClean="0"/>
-              <a:t>API</a:t>
+              <a:t>Add JSON API</a:t>
             </a:r>
           </a:p>
           <a:p>
@@ -17699,24 +17746,15 @@
           <a:p>
             <a:r>
               <a:rPr lang="en-US" sz="1800" dirty="0" smtClean="0"/>
-              <a:t>POST</a:t>
-            </a:r>
-            <a:r>
-              <a:rPr lang="en-US" sz="1800" dirty="0" smtClean="0"/>
-              <a:t>, GET, PUT, DELETE</a:t>
+              <a:t>POST, GET, PUT, DELETE</a:t>
             </a:r>
           </a:p>
           <a:p>
             <a:pPr lvl="1"/>
             <a:r>
               <a:rPr lang="en-US" sz="1600" dirty="0" smtClean="0"/>
-              <a:t>CRUD mappings based on best practices within REST community</a:t>
-            </a:r>
-            <a:r>
-              <a:rPr lang="en-US" sz="1600" dirty="0" smtClean="0"/>
-              <a:t>.</a:t>
-            </a:r>
-            <a:endParaRPr lang="en-US" sz="1600" dirty="0" smtClean="0"/>
+              <a:t>CRUD mappings based on best practices within REST community.</a:t>
+            </a:r>
           </a:p>
           <a:p>
             <a:r>
@@ -17903,13 +17941,8 @@
             <a:pPr lvl="1"/>
             <a:r>
               <a:rPr lang="en-US" sz="1600" dirty="0" smtClean="0"/>
-              <a:t>418 I’m a teapot (RFC2324</a:t>
-            </a:r>
-            <a:r>
-              <a:rPr lang="en-US" sz="1600" dirty="0" smtClean="0"/>
-              <a:t>)</a:t>
-            </a:r>
-            <a:endParaRPr lang="en-US" sz="1600" dirty="0" smtClean="0"/>
+              <a:t>418 I’m a teapot (RFC2324)</a:t>
+            </a:r>
           </a:p>
           <a:p>
             <a:pPr lvl="2"/>

--- a/Cadec-vårdens-apier.pptx
+++ b/Cadec-vårdens-apier.pptx
@@ -5,10 +5,10 @@
     <p:sldMasterId id="2147483648" r:id="rId1"/>
   </p:sldMasterIdLst>
   <p:notesMasterIdLst>
-    <p:notesMasterId r:id="rId28"/>
+    <p:notesMasterId r:id="rId30"/>
   </p:notesMasterIdLst>
   <p:handoutMasterIdLst>
-    <p:handoutMasterId r:id="rId29"/>
+    <p:handoutMasterId r:id="rId31"/>
   </p:handoutMasterIdLst>
   <p:sldIdLst>
     <p:sldId id="256" r:id="rId2"/>
@@ -24,19 +24,21 @@
     <p:sldId id="261" r:id="rId12"/>
     <p:sldId id="264" r:id="rId13"/>
     <p:sldId id="277" r:id="rId14"/>
-    <p:sldId id="265" r:id="rId15"/>
-    <p:sldId id="272" r:id="rId16"/>
-    <p:sldId id="273" r:id="rId17"/>
+    <p:sldId id="288" r:id="rId15"/>
+    <p:sldId id="265" r:id="rId16"/>
+    <p:sldId id="272" r:id="rId17"/>
     <p:sldId id="267" r:id="rId18"/>
-    <p:sldId id="286" r:id="rId19"/>
-    <p:sldId id="283" r:id="rId20"/>
-    <p:sldId id="275" r:id="rId21"/>
-    <p:sldId id="285" r:id="rId22"/>
-    <p:sldId id="269" r:id="rId23"/>
-    <p:sldId id="271" r:id="rId24"/>
-    <p:sldId id="270" r:id="rId25"/>
-    <p:sldId id="284" r:id="rId26"/>
-    <p:sldId id="274" r:id="rId27"/>
+    <p:sldId id="273" r:id="rId19"/>
+    <p:sldId id="286" r:id="rId20"/>
+    <p:sldId id="287" r:id="rId21"/>
+    <p:sldId id="283" r:id="rId22"/>
+    <p:sldId id="275" r:id="rId23"/>
+    <p:sldId id="285" r:id="rId24"/>
+    <p:sldId id="269" r:id="rId25"/>
+    <p:sldId id="271" r:id="rId26"/>
+    <p:sldId id="270" r:id="rId27"/>
+    <p:sldId id="284" r:id="rId28"/>
+    <p:sldId id="274" r:id="rId29"/>
   </p:sldIdLst>
   <p:sldSz cx="9144000" cy="6858000" type="screen4x3"/>
   <p:notesSz cx="6858000" cy="9144000"/>
@@ -1491,12 +1493,915 @@
           <a:p>
             <a:r>
               <a:rPr lang="en-US" baseline="0" dirty="0" err="1" smtClean="0"/>
-              <a:t>OAuth</a:t>
-            </a:r>
-            <a:r>
-              <a:rPr lang="en-US" baseline="0" dirty="0" smtClean="0"/>
-              <a:t> 2.0</a:t>
-            </a:r>
+              <a:t>Oauth</a:t>
+            </a:r>
+            <a:r>
+              <a:rPr lang="en-US" baseline="0" dirty="0" smtClean="0"/>
+              <a:t> 2.0 </a:t>
+            </a:r>
+            <a:r>
+              <a:rPr lang="en-US" baseline="0" dirty="0" err="1" smtClean="0"/>
+              <a:t>adresserar</a:t>
+            </a:r>
+            <a:r>
+              <a:rPr lang="en-US" baseline="0" dirty="0" smtClean="0"/>
+              <a:t> den </a:t>
+            </a:r>
+            <a:r>
+              <a:rPr lang="en-US" baseline="0" dirty="0" err="1" smtClean="0"/>
+              <a:t>här</a:t>
+            </a:r>
+            <a:r>
+              <a:rPr lang="en-US" baseline="0" dirty="0" smtClean="0"/>
+              <a:t> </a:t>
+            </a:r>
+            <a:r>
+              <a:rPr lang="en-US" baseline="0" dirty="0" err="1" smtClean="0"/>
+              <a:t>typen</a:t>
+            </a:r>
+            <a:r>
+              <a:rPr lang="en-US" baseline="0" dirty="0" smtClean="0"/>
+              <a:t> </a:t>
+            </a:r>
+            <a:r>
+              <a:rPr lang="en-US" baseline="0" dirty="0" err="1" smtClean="0"/>
+              <a:t>av</a:t>
+            </a:r>
+            <a:r>
+              <a:rPr lang="en-US" baseline="0" dirty="0" smtClean="0"/>
+              <a:t> problem </a:t>
+            </a:r>
+            <a:r>
+              <a:rPr lang="en-US" baseline="0" dirty="0" err="1" smtClean="0"/>
+              <a:t>och</a:t>
+            </a:r>
+            <a:r>
+              <a:rPr lang="en-US" baseline="0" dirty="0" smtClean="0"/>
+              <a:t> </a:t>
+            </a:r>
+            <a:r>
+              <a:rPr lang="en-US" baseline="0" dirty="0" err="1" smtClean="0"/>
+              <a:t>ger</a:t>
+            </a:r>
+            <a:r>
+              <a:rPr lang="en-US" baseline="0" dirty="0" smtClean="0"/>
+              <a:t> </a:t>
+            </a:r>
+            <a:r>
+              <a:rPr lang="en-US" baseline="0" dirty="0" err="1" smtClean="0"/>
+              <a:t>användare</a:t>
+            </a:r>
+            <a:r>
+              <a:rPr lang="en-US" baseline="0" dirty="0" smtClean="0"/>
+              <a:t> </a:t>
+            </a:r>
+            <a:r>
+              <a:rPr lang="en-US" baseline="0" dirty="0" err="1" smtClean="0"/>
+              <a:t>möjlighet</a:t>
+            </a:r>
+            <a:r>
+              <a:rPr lang="en-US" baseline="0" dirty="0" smtClean="0"/>
+              <a:t> </a:t>
+            </a:r>
+            <a:r>
+              <a:rPr lang="en-US" baseline="0" dirty="0" err="1" smtClean="0"/>
+              <a:t>att</a:t>
+            </a:r>
+            <a:r>
+              <a:rPr lang="en-US" baseline="0" dirty="0" smtClean="0"/>
+              <a:t> </a:t>
+            </a:r>
+            <a:r>
+              <a:rPr lang="en-US" baseline="0" dirty="0" err="1" smtClean="0"/>
+              <a:t>delegera</a:t>
+            </a:r>
+            <a:r>
+              <a:rPr lang="en-US" baseline="0" dirty="0" smtClean="0"/>
+              <a:t> </a:t>
+            </a:r>
+            <a:r>
+              <a:rPr lang="en-US" baseline="0" dirty="0" err="1" smtClean="0"/>
+              <a:t>auktorisation</a:t>
+            </a:r>
+            <a:r>
+              <a:rPr lang="en-US" baseline="0" dirty="0" smtClean="0"/>
+              <a:t> till en </a:t>
+            </a:r>
+            <a:r>
+              <a:rPr lang="en-US" baseline="0" dirty="0" err="1" smtClean="0"/>
+              <a:t>tredjepartsapplikation</a:t>
+            </a:r>
+            <a:r>
+              <a:rPr lang="en-US" baseline="0" dirty="0" smtClean="0"/>
+              <a:t> </a:t>
+            </a:r>
+            <a:r>
+              <a:rPr lang="en-US" baseline="0" dirty="0" err="1" smtClean="0"/>
+              <a:t>utan</a:t>
+            </a:r>
+            <a:r>
+              <a:rPr lang="en-US" baseline="0" dirty="0" smtClean="0"/>
+              <a:t> </a:t>
+            </a:r>
+            <a:r>
+              <a:rPr lang="en-US" baseline="0" dirty="0" err="1" smtClean="0"/>
+              <a:t>att</a:t>
+            </a:r>
+            <a:r>
+              <a:rPr lang="en-US" baseline="0" dirty="0" smtClean="0"/>
+              <a:t> </a:t>
+            </a:r>
+            <a:r>
+              <a:rPr lang="en-US" baseline="0" dirty="0" err="1" smtClean="0"/>
+              <a:t>behöva</a:t>
+            </a:r>
+            <a:r>
+              <a:rPr lang="en-US" baseline="0" dirty="0" smtClean="0"/>
+              <a:t> </a:t>
+            </a:r>
+            <a:r>
+              <a:rPr lang="en-US" baseline="0" dirty="0" err="1" smtClean="0"/>
+              <a:t>uppge</a:t>
+            </a:r>
+            <a:r>
+              <a:rPr lang="en-US" baseline="0" dirty="0" smtClean="0"/>
+              <a:t> </a:t>
+            </a:r>
+            <a:r>
+              <a:rPr lang="en-US" baseline="0" dirty="0" err="1" smtClean="0"/>
+              <a:t>sitt</a:t>
+            </a:r>
+            <a:r>
+              <a:rPr lang="en-US" baseline="0" dirty="0" smtClean="0"/>
+              <a:t> </a:t>
+            </a:r>
+            <a:r>
+              <a:rPr lang="en-US" baseline="0" dirty="0" err="1" smtClean="0"/>
+              <a:t>användarnamn</a:t>
+            </a:r>
+            <a:r>
+              <a:rPr lang="en-US" baseline="0" dirty="0" smtClean="0"/>
+              <a:t> </a:t>
+            </a:r>
+            <a:r>
+              <a:rPr lang="en-US" baseline="0" dirty="0" err="1" smtClean="0"/>
+              <a:t>eller</a:t>
+            </a:r>
+            <a:r>
+              <a:rPr lang="en-US" baseline="0" dirty="0" smtClean="0"/>
+              <a:t> </a:t>
+            </a:r>
+            <a:r>
+              <a:rPr lang="en-US" baseline="0" dirty="0" err="1" smtClean="0"/>
+              <a:t>lösenord</a:t>
+            </a:r>
+            <a:r>
+              <a:rPr lang="en-US" baseline="0" dirty="0" smtClean="0"/>
+              <a:t>.</a:t>
+            </a:r>
+          </a:p>
+          <a:p>
+            <a:r>
+              <a:rPr lang="en-US" baseline="0" dirty="0" smtClean="0"/>
+              <a:t>Till </a:t>
+            </a:r>
+            <a:r>
+              <a:rPr lang="en-US" baseline="0" dirty="0" err="1" smtClean="0"/>
+              <a:t>exempel</a:t>
+            </a:r>
+            <a:r>
+              <a:rPr lang="en-US" baseline="0" dirty="0" smtClean="0"/>
+              <a:t> </a:t>
+            </a:r>
+            <a:r>
+              <a:rPr lang="en-US" baseline="0" dirty="0" err="1" smtClean="0"/>
+              <a:t>så</a:t>
+            </a:r>
+            <a:r>
+              <a:rPr lang="en-US" baseline="0" dirty="0" smtClean="0"/>
+              <a:t> </a:t>
+            </a:r>
+            <a:r>
+              <a:rPr lang="en-US" baseline="0" dirty="0" err="1" smtClean="0"/>
+              <a:t>behöver</a:t>
+            </a:r>
+            <a:r>
+              <a:rPr lang="en-US" baseline="0" dirty="0" smtClean="0"/>
+              <a:t> man </a:t>
+            </a:r>
+            <a:r>
+              <a:rPr lang="en-US" baseline="0" dirty="0" err="1" smtClean="0"/>
+              <a:t>inte</a:t>
+            </a:r>
+            <a:r>
+              <a:rPr lang="en-US" baseline="0" dirty="0" smtClean="0"/>
+              <a:t> </a:t>
+            </a:r>
+            <a:r>
+              <a:rPr lang="en-US" baseline="0" dirty="0" err="1" smtClean="0"/>
+              <a:t>dela</a:t>
+            </a:r>
+            <a:r>
+              <a:rPr lang="en-US" baseline="0" dirty="0" smtClean="0"/>
+              <a:t> med sig </a:t>
+            </a:r>
+            <a:r>
+              <a:rPr lang="en-US" baseline="0" dirty="0" err="1" smtClean="0"/>
+              <a:t>av</a:t>
+            </a:r>
+            <a:r>
+              <a:rPr lang="en-US" baseline="0" dirty="0" smtClean="0"/>
+              <a:t> </a:t>
+            </a:r>
+            <a:r>
+              <a:rPr lang="en-US" baseline="0" dirty="0" err="1" smtClean="0"/>
+              <a:t>sitt</a:t>
+            </a:r>
+            <a:r>
+              <a:rPr lang="en-US" baseline="0" dirty="0" smtClean="0"/>
+              <a:t> Facebook-</a:t>
+            </a:r>
+            <a:r>
+              <a:rPr lang="en-US" baseline="0" dirty="0" err="1" smtClean="0"/>
+              <a:t>lösenord</a:t>
+            </a:r>
+            <a:r>
+              <a:rPr lang="en-US" baseline="0" dirty="0" smtClean="0"/>
+              <a:t> till </a:t>
+            </a:r>
+            <a:r>
+              <a:rPr lang="en-US" baseline="0" dirty="0" err="1" smtClean="0"/>
+              <a:t>Runkeeper</a:t>
+            </a:r>
+            <a:r>
+              <a:rPr lang="en-US" baseline="0" dirty="0" smtClean="0"/>
+              <a:t> </a:t>
+            </a:r>
+            <a:r>
+              <a:rPr lang="en-US" baseline="0" dirty="0" err="1" smtClean="0"/>
+              <a:t>för</a:t>
+            </a:r>
+            <a:r>
+              <a:rPr lang="en-US" baseline="0" dirty="0" smtClean="0"/>
+              <a:t> </a:t>
+            </a:r>
+            <a:r>
+              <a:rPr lang="en-US" baseline="0" dirty="0" err="1" smtClean="0"/>
+              <a:t>att</a:t>
+            </a:r>
+            <a:r>
+              <a:rPr lang="en-US" baseline="0" dirty="0" smtClean="0"/>
+              <a:t> </a:t>
+            </a:r>
+            <a:r>
+              <a:rPr lang="en-US" baseline="0" dirty="0" err="1" smtClean="0"/>
+              <a:t>få</a:t>
+            </a:r>
+            <a:r>
+              <a:rPr lang="en-US" baseline="0" dirty="0" smtClean="0"/>
+              <a:t> </a:t>
+            </a:r>
+            <a:r>
+              <a:rPr lang="en-US" baseline="0" dirty="0" err="1" smtClean="0"/>
+              <a:t>Runkeeper</a:t>
+            </a:r>
+            <a:r>
+              <a:rPr lang="en-US" baseline="0" dirty="0" smtClean="0"/>
+              <a:t> </a:t>
+            </a:r>
+            <a:r>
+              <a:rPr lang="en-US" baseline="0" dirty="0" err="1" smtClean="0"/>
+              <a:t>att</a:t>
+            </a:r>
+            <a:r>
+              <a:rPr lang="en-US" baseline="0" dirty="0" smtClean="0"/>
+              <a:t> </a:t>
+            </a:r>
+            <a:r>
+              <a:rPr lang="en-US" baseline="0" dirty="0" err="1" smtClean="0"/>
+              <a:t>integrera</a:t>
+            </a:r>
+            <a:r>
+              <a:rPr lang="en-US" baseline="0" dirty="0" smtClean="0"/>
+              <a:t> med FB.</a:t>
+            </a:r>
+          </a:p>
+          <a:p>
+            <a:r>
+              <a:rPr lang="en-US" baseline="0" dirty="0" err="1" smtClean="0"/>
+              <a:t>Runkeeper</a:t>
+            </a:r>
+            <a:r>
+              <a:rPr lang="en-US" baseline="0" dirty="0" smtClean="0"/>
+              <a:t> </a:t>
+            </a:r>
+            <a:r>
+              <a:rPr lang="en-US" baseline="0" dirty="0" err="1" smtClean="0"/>
+              <a:t>får</a:t>
+            </a:r>
+            <a:r>
+              <a:rPr lang="en-US" baseline="0" dirty="0" smtClean="0"/>
+              <a:t> en token </a:t>
+            </a:r>
+            <a:r>
+              <a:rPr lang="en-US" baseline="0" dirty="0" err="1" smtClean="0"/>
+              <a:t>som</a:t>
+            </a:r>
+            <a:r>
+              <a:rPr lang="en-US" baseline="0" dirty="0" smtClean="0"/>
+              <a:t> </a:t>
+            </a:r>
+            <a:r>
+              <a:rPr lang="en-US" baseline="0" dirty="0" err="1" smtClean="0"/>
+              <a:t>representerar</a:t>
+            </a:r>
+            <a:r>
+              <a:rPr lang="en-US" baseline="0" dirty="0" smtClean="0"/>
+              <a:t> </a:t>
+            </a:r>
+            <a:r>
+              <a:rPr lang="en-US" baseline="0" dirty="0" err="1" smtClean="0"/>
+              <a:t>godkännandet</a:t>
+            </a:r>
+            <a:r>
+              <a:rPr lang="en-US" baseline="0" dirty="0" smtClean="0"/>
+              <a:t> </a:t>
+            </a:r>
+            <a:r>
+              <a:rPr lang="en-US" baseline="0" dirty="0" err="1" smtClean="0"/>
+              <a:t>och</a:t>
+            </a:r>
+            <a:r>
+              <a:rPr lang="en-US" baseline="0" dirty="0" smtClean="0"/>
+              <a:t> </a:t>
+            </a:r>
+            <a:r>
+              <a:rPr lang="en-US" baseline="0" dirty="0" err="1" smtClean="0"/>
+              <a:t>som</a:t>
+            </a:r>
+            <a:r>
+              <a:rPr lang="en-US" baseline="0" dirty="0" smtClean="0"/>
+              <a:t> den </a:t>
+            </a:r>
+            <a:r>
+              <a:rPr lang="en-US" baseline="0" dirty="0" err="1" smtClean="0"/>
+              <a:t>använder</a:t>
+            </a:r>
+            <a:r>
+              <a:rPr lang="en-US" baseline="0" dirty="0" smtClean="0"/>
+              <a:t> vid </a:t>
+            </a:r>
+            <a:r>
+              <a:rPr lang="en-US" baseline="0" dirty="0" err="1" smtClean="0"/>
+              <a:t>kommunikation</a:t>
+            </a:r>
+            <a:r>
+              <a:rPr lang="en-US" baseline="0" dirty="0" smtClean="0"/>
+              <a:t> med Facebook-</a:t>
+            </a:r>
+            <a:r>
+              <a:rPr lang="en-US" baseline="0" dirty="0" err="1" smtClean="0"/>
+              <a:t>APIet</a:t>
+            </a:r>
+            <a:r>
+              <a:rPr lang="en-US" baseline="0" dirty="0" smtClean="0"/>
+              <a:t>.</a:t>
+            </a:r>
+          </a:p>
+          <a:p>
+            <a:r>
+              <a:rPr lang="en-US" baseline="0" dirty="0" smtClean="0"/>
+              <a:t>Om </a:t>
+            </a:r>
+            <a:r>
+              <a:rPr lang="en-US" baseline="0" dirty="0" err="1" smtClean="0"/>
+              <a:t>Runkeeper</a:t>
+            </a:r>
+            <a:r>
+              <a:rPr lang="en-US" baseline="0" dirty="0" smtClean="0"/>
+              <a:t> till </a:t>
+            </a:r>
+            <a:r>
+              <a:rPr lang="en-US" baseline="0" dirty="0" err="1" smtClean="0"/>
+              <a:t>exempel</a:t>
+            </a:r>
+            <a:r>
+              <a:rPr lang="en-US" baseline="0" dirty="0" smtClean="0"/>
+              <a:t> </a:t>
+            </a:r>
+            <a:r>
+              <a:rPr lang="en-US" baseline="0" dirty="0" err="1" smtClean="0"/>
+              <a:t>vill</a:t>
+            </a:r>
+            <a:r>
+              <a:rPr lang="en-US" baseline="0" dirty="0" smtClean="0"/>
+              <a:t> </a:t>
+            </a:r>
+            <a:r>
+              <a:rPr lang="en-US" baseline="0" dirty="0" err="1" smtClean="0"/>
+              <a:t>posta</a:t>
+            </a:r>
+            <a:r>
+              <a:rPr lang="en-US" baseline="0" dirty="0" smtClean="0"/>
+              <a:t> </a:t>
+            </a:r>
+            <a:r>
+              <a:rPr lang="en-US" baseline="0" dirty="0" err="1" smtClean="0"/>
+              <a:t>på</a:t>
+            </a:r>
+            <a:r>
+              <a:rPr lang="en-US" baseline="0" dirty="0" smtClean="0"/>
+              <a:t> </a:t>
+            </a:r>
+            <a:r>
+              <a:rPr lang="en-US" baseline="0" dirty="0" err="1" smtClean="0"/>
+              <a:t>användarens</a:t>
+            </a:r>
+            <a:r>
+              <a:rPr lang="en-US" baseline="0" dirty="0" smtClean="0"/>
+              <a:t> </a:t>
+            </a:r>
+            <a:r>
+              <a:rPr lang="en-US" baseline="0" dirty="0" err="1" smtClean="0"/>
+              <a:t>facebook</a:t>
+            </a:r>
+            <a:r>
+              <a:rPr lang="en-US" baseline="0" dirty="0" smtClean="0"/>
+              <a:t>-wall </a:t>
+            </a:r>
+            <a:r>
+              <a:rPr lang="en-US" baseline="0" dirty="0" err="1" smtClean="0"/>
+              <a:t>så</a:t>
+            </a:r>
+            <a:r>
+              <a:rPr lang="en-US" baseline="0" dirty="0" smtClean="0"/>
+              <a:t> </a:t>
+            </a:r>
+            <a:r>
+              <a:rPr lang="en-US" baseline="0" dirty="0" err="1" smtClean="0"/>
+              <a:t>anropar</a:t>
+            </a:r>
+            <a:r>
+              <a:rPr lang="en-US" baseline="0" dirty="0" smtClean="0"/>
+              <a:t> den </a:t>
+            </a:r>
+            <a:r>
+              <a:rPr lang="en-US" baseline="0" dirty="0" err="1" smtClean="0"/>
+              <a:t>posta</a:t>
+            </a:r>
+            <a:r>
+              <a:rPr lang="en-US" baseline="0" dirty="0" smtClean="0"/>
+              <a:t> </a:t>
+            </a:r>
+            <a:r>
+              <a:rPr lang="en-US" baseline="0" dirty="0" err="1" smtClean="0"/>
+              <a:t>på</a:t>
+            </a:r>
+            <a:r>
+              <a:rPr lang="en-US" baseline="0" dirty="0" smtClean="0"/>
+              <a:t> wall-</a:t>
+            </a:r>
+            <a:r>
+              <a:rPr lang="en-US" baseline="0" dirty="0" err="1" smtClean="0"/>
+              <a:t>funktionen</a:t>
+            </a:r>
+            <a:r>
+              <a:rPr lang="en-US" baseline="0" dirty="0" smtClean="0"/>
+              <a:t> </a:t>
+            </a:r>
+            <a:r>
+              <a:rPr lang="en-US" baseline="0" dirty="0" err="1" smtClean="0"/>
+              <a:t>ihop</a:t>
+            </a:r>
+            <a:r>
+              <a:rPr lang="en-US" baseline="0" dirty="0" smtClean="0"/>
+              <a:t> med </a:t>
+            </a:r>
+            <a:r>
+              <a:rPr lang="en-US" baseline="0" dirty="0" err="1" smtClean="0"/>
+              <a:t>tokenet</a:t>
+            </a:r>
+            <a:r>
+              <a:rPr lang="en-US" baseline="0" dirty="0" smtClean="0"/>
+              <a:t> </a:t>
+            </a:r>
+            <a:r>
+              <a:rPr lang="en-US" baseline="0" dirty="0" err="1" smtClean="0"/>
+              <a:t>och</a:t>
+            </a:r>
+            <a:r>
+              <a:rPr lang="en-US" baseline="0" dirty="0" smtClean="0"/>
+              <a:t> </a:t>
+            </a:r>
+            <a:r>
+              <a:rPr lang="en-US" baseline="0" dirty="0" err="1" smtClean="0"/>
+              <a:t>facebook</a:t>
+            </a:r>
+            <a:r>
+              <a:rPr lang="en-US" baseline="0" dirty="0" smtClean="0"/>
+              <a:t> vet </a:t>
+            </a:r>
+            <a:r>
+              <a:rPr lang="en-US" baseline="0" dirty="0" err="1" smtClean="0"/>
+              <a:t>då</a:t>
+            </a:r>
+            <a:r>
+              <a:rPr lang="en-US" baseline="0" dirty="0" smtClean="0"/>
+              <a:t> </a:t>
+            </a:r>
+            <a:r>
+              <a:rPr lang="en-US" baseline="0" dirty="0" err="1" smtClean="0"/>
+              <a:t>vilken</a:t>
+            </a:r>
+            <a:r>
+              <a:rPr lang="en-US" baseline="0" dirty="0" smtClean="0"/>
+              <a:t> wall </a:t>
+            </a:r>
+            <a:r>
+              <a:rPr lang="en-US" baseline="0" dirty="0" err="1" smtClean="0"/>
+              <a:t>som</a:t>
+            </a:r>
+            <a:r>
+              <a:rPr lang="en-US" baseline="0" dirty="0" smtClean="0"/>
+              <a:t> </a:t>
+            </a:r>
+            <a:r>
+              <a:rPr lang="en-US" baseline="0" dirty="0" err="1" smtClean="0"/>
+              <a:t>hör</a:t>
+            </a:r>
+            <a:r>
+              <a:rPr lang="en-US" baseline="0" dirty="0" smtClean="0"/>
+              <a:t> till </a:t>
+            </a:r>
+            <a:r>
+              <a:rPr lang="en-US" baseline="0" dirty="0" err="1" smtClean="0"/>
+              <a:t>det</a:t>
+            </a:r>
+            <a:r>
+              <a:rPr lang="en-US" baseline="0" dirty="0" smtClean="0"/>
+              <a:t> </a:t>
+            </a:r>
+            <a:r>
+              <a:rPr lang="en-US" baseline="0" dirty="0" err="1" smtClean="0"/>
+              <a:t>tokenet</a:t>
+            </a:r>
+            <a:r>
+              <a:rPr lang="en-US" baseline="0" dirty="0" smtClean="0"/>
+              <a:t>.</a:t>
+            </a:r>
+          </a:p>
+          <a:p>
+            <a:r>
+              <a:rPr lang="en-US" baseline="0" dirty="0" err="1" smtClean="0"/>
+              <a:t>Oauth</a:t>
+            </a:r>
+            <a:r>
+              <a:rPr lang="en-US" baseline="0" dirty="0" smtClean="0"/>
+              <a:t> </a:t>
+            </a:r>
+            <a:r>
+              <a:rPr lang="en-US" baseline="0" dirty="0" err="1" smtClean="0"/>
+              <a:t>ger</a:t>
+            </a:r>
+            <a:r>
+              <a:rPr lang="en-US" baseline="0" dirty="0" smtClean="0"/>
+              <a:t> </a:t>
+            </a:r>
+            <a:r>
+              <a:rPr lang="en-US" baseline="0" dirty="0" err="1" smtClean="0"/>
+              <a:t>oss</a:t>
+            </a:r>
+            <a:r>
+              <a:rPr lang="en-US" baseline="0" dirty="0" smtClean="0"/>
+              <a:t> </a:t>
+            </a:r>
+            <a:r>
+              <a:rPr lang="en-US" baseline="0" dirty="0" err="1" smtClean="0"/>
+              <a:t>alltså</a:t>
+            </a:r>
+            <a:r>
+              <a:rPr lang="en-US" baseline="0" dirty="0" smtClean="0"/>
+              <a:t> </a:t>
+            </a:r>
+            <a:r>
+              <a:rPr lang="en-US" baseline="0" dirty="0" err="1" smtClean="0"/>
+              <a:t>möjlighet</a:t>
+            </a:r>
+            <a:r>
+              <a:rPr lang="en-US" baseline="0" dirty="0" smtClean="0"/>
+              <a:t> </a:t>
+            </a:r>
+            <a:r>
+              <a:rPr lang="en-US" baseline="0" dirty="0" err="1" smtClean="0"/>
+              <a:t>att</a:t>
+            </a:r>
+            <a:r>
+              <a:rPr lang="en-US" baseline="0" dirty="0" smtClean="0"/>
+              <a:t> </a:t>
+            </a:r>
+            <a:r>
+              <a:rPr lang="en-US" baseline="0" dirty="0" err="1" smtClean="0"/>
+              <a:t>frikoppla</a:t>
+            </a:r>
+            <a:r>
+              <a:rPr lang="en-US" baseline="0" dirty="0" smtClean="0"/>
+              <a:t> </a:t>
+            </a:r>
+            <a:r>
+              <a:rPr lang="en-US" baseline="0" dirty="0" err="1" smtClean="0"/>
+              <a:t>identiteten</a:t>
+            </a:r>
+            <a:r>
+              <a:rPr lang="en-US" baseline="0" dirty="0" smtClean="0"/>
+              <a:t> </a:t>
+            </a:r>
+            <a:r>
+              <a:rPr lang="en-US" baseline="0" dirty="0" err="1" smtClean="0"/>
+              <a:t>inom</a:t>
+            </a:r>
+            <a:r>
+              <a:rPr lang="en-US" baseline="0" dirty="0" smtClean="0"/>
+              <a:t> </a:t>
+            </a:r>
+            <a:r>
+              <a:rPr lang="en-US" baseline="0" dirty="0" err="1" smtClean="0"/>
+              <a:t>vården</a:t>
+            </a:r>
+            <a:r>
+              <a:rPr lang="en-US" baseline="0" dirty="0" smtClean="0"/>
+              <a:t> </a:t>
+            </a:r>
+            <a:r>
+              <a:rPr lang="en-US" baseline="0" dirty="0" err="1" smtClean="0"/>
+              <a:t>från</a:t>
+            </a:r>
+            <a:r>
+              <a:rPr lang="en-US" baseline="0" dirty="0" smtClean="0"/>
+              <a:t> </a:t>
+            </a:r>
+            <a:r>
+              <a:rPr lang="en-US" baseline="0" dirty="0" err="1" smtClean="0"/>
+              <a:t>identeten</a:t>
+            </a:r>
+            <a:r>
+              <a:rPr lang="en-US" baseline="0" dirty="0" smtClean="0"/>
+              <a:t> I </a:t>
+            </a:r>
+            <a:r>
+              <a:rPr lang="en-US" baseline="0" dirty="0" err="1" smtClean="0"/>
+              <a:t>tredjepartsapplikationen</a:t>
+            </a:r>
+            <a:r>
+              <a:rPr lang="en-US" baseline="0" dirty="0" smtClean="0"/>
+              <a:t> </a:t>
+            </a:r>
+            <a:r>
+              <a:rPr lang="en-US" baseline="0" dirty="0" err="1" smtClean="0"/>
+              <a:t>så</a:t>
+            </a:r>
+            <a:r>
+              <a:rPr lang="en-US" baseline="0" dirty="0" smtClean="0"/>
+              <a:t> </a:t>
+            </a:r>
+            <a:r>
+              <a:rPr lang="en-US" baseline="0" dirty="0" err="1" smtClean="0"/>
+              <a:t>att</a:t>
+            </a:r>
+            <a:r>
+              <a:rPr lang="en-US" baseline="0" dirty="0" smtClean="0"/>
+              <a:t> </a:t>
+            </a:r>
+            <a:r>
+              <a:rPr lang="en-US" baseline="0" dirty="0" err="1" smtClean="0"/>
+              <a:t>tredjepartarn</a:t>
+            </a:r>
+            <a:r>
+              <a:rPr lang="en-US" baseline="0" dirty="0" smtClean="0"/>
+              <a:t> </a:t>
+            </a:r>
+            <a:r>
+              <a:rPr lang="en-US" baseline="0" dirty="0" err="1" smtClean="0"/>
+              <a:t>inte</a:t>
+            </a:r>
+            <a:r>
+              <a:rPr lang="en-US" baseline="0" dirty="0" smtClean="0"/>
+              <a:t> </a:t>
+            </a:r>
+            <a:r>
+              <a:rPr lang="en-US" baseline="0" dirty="0" err="1" smtClean="0"/>
+              <a:t>behöver</a:t>
+            </a:r>
+            <a:r>
+              <a:rPr lang="en-US" baseline="0" dirty="0" smtClean="0"/>
+              <a:t> </a:t>
+            </a:r>
+            <a:r>
+              <a:rPr lang="en-US" baseline="0" dirty="0" err="1" smtClean="0"/>
+              <a:t>veta</a:t>
+            </a:r>
+            <a:r>
+              <a:rPr lang="en-US" baseline="0" dirty="0" smtClean="0"/>
+              <a:t> </a:t>
+            </a:r>
+            <a:r>
+              <a:rPr lang="en-US" baseline="0" dirty="0" err="1" smtClean="0"/>
+              <a:t>vems</a:t>
+            </a:r>
+            <a:r>
+              <a:rPr lang="en-US" baseline="0" dirty="0" smtClean="0"/>
+              <a:t> </a:t>
+            </a:r>
+            <a:r>
+              <a:rPr lang="en-US" baseline="0" dirty="0" err="1" smtClean="0"/>
+              <a:t>tidbokningar</a:t>
+            </a:r>
+            <a:r>
+              <a:rPr lang="en-US" baseline="0" dirty="0" smtClean="0"/>
+              <a:t> den </a:t>
+            </a:r>
+            <a:r>
+              <a:rPr lang="en-US" baseline="0" dirty="0" err="1" smtClean="0"/>
+              <a:t>hämtar</a:t>
+            </a:r>
+            <a:r>
+              <a:rPr lang="en-US" baseline="0" dirty="0" smtClean="0"/>
+              <a:t>.</a:t>
+            </a:r>
+          </a:p>
+          <a:p>
+            <a:r>
+              <a:rPr lang="en-US" baseline="0" dirty="0" smtClean="0"/>
+              <a:t>I </a:t>
+            </a:r>
+            <a:r>
+              <a:rPr lang="en-US" baseline="0" dirty="0" err="1" smtClean="0"/>
+              <a:t>facebook-fallet</a:t>
+            </a:r>
+            <a:r>
+              <a:rPr lang="en-US" baseline="0" dirty="0" smtClean="0"/>
+              <a:t> </a:t>
+            </a:r>
+            <a:r>
+              <a:rPr lang="en-US" baseline="0" dirty="0" err="1" smtClean="0"/>
+              <a:t>är</a:t>
+            </a:r>
+            <a:r>
+              <a:rPr lang="en-US" baseline="0" dirty="0" smtClean="0"/>
+              <a:t> </a:t>
+            </a:r>
+            <a:r>
+              <a:rPr lang="en-US" baseline="0" dirty="0" err="1" smtClean="0"/>
+              <a:t>det</a:t>
+            </a:r>
+            <a:r>
+              <a:rPr lang="en-US" baseline="0" dirty="0" smtClean="0"/>
+              <a:t> </a:t>
+            </a:r>
+            <a:r>
+              <a:rPr lang="en-US" baseline="0" dirty="0" err="1" smtClean="0"/>
+              <a:t>inte</a:t>
+            </a:r>
+            <a:r>
+              <a:rPr lang="en-US" baseline="0" dirty="0" smtClean="0"/>
+              <a:t> </a:t>
+            </a:r>
+            <a:r>
+              <a:rPr lang="en-US" baseline="0" dirty="0" err="1" smtClean="0"/>
+              <a:t>riktigt</a:t>
+            </a:r>
+            <a:r>
+              <a:rPr lang="en-US" baseline="0" dirty="0" smtClean="0"/>
+              <a:t> </a:t>
+            </a:r>
+            <a:r>
+              <a:rPr lang="en-US" baseline="0" dirty="0" err="1" smtClean="0"/>
+              <a:t>så</a:t>
+            </a:r>
+            <a:r>
+              <a:rPr lang="en-US" baseline="0" dirty="0" smtClean="0"/>
+              <a:t> </a:t>
+            </a:r>
+            <a:r>
+              <a:rPr lang="en-US" baseline="0" dirty="0" err="1" smtClean="0"/>
+              <a:t>eftersom</a:t>
+            </a:r>
+            <a:r>
+              <a:rPr lang="en-US" baseline="0" dirty="0" smtClean="0"/>
+              <a:t> man </a:t>
+            </a:r>
+            <a:r>
+              <a:rPr lang="en-US" baseline="0" dirty="0" err="1" smtClean="0"/>
+              <a:t>också</a:t>
+            </a:r>
+            <a:r>
+              <a:rPr lang="en-US" baseline="0" dirty="0" smtClean="0"/>
+              <a:t> </a:t>
+            </a:r>
+            <a:r>
+              <a:rPr lang="en-US" baseline="0" dirty="0" err="1" smtClean="0"/>
+              <a:t>kan</a:t>
+            </a:r>
+            <a:r>
+              <a:rPr lang="en-US" baseline="0" dirty="0" smtClean="0"/>
+              <a:t> </a:t>
+            </a:r>
+            <a:r>
+              <a:rPr lang="en-US" baseline="0" dirty="0" err="1" smtClean="0"/>
+              <a:t>använda</a:t>
+            </a:r>
+            <a:r>
+              <a:rPr lang="en-US" baseline="0" dirty="0" smtClean="0"/>
+              <a:t> token </a:t>
+            </a:r>
+            <a:r>
+              <a:rPr lang="en-US" baseline="0" dirty="0" err="1" smtClean="0"/>
+              <a:t>för</a:t>
+            </a:r>
+            <a:r>
+              <a:rPr lang="en-US" baseline="0" dirty="0" smtClean="0"/>
+              <a:t> </a:t>
+            </a:r>
+            <a:r>
+              <a:rPr lang="en-US" baseline="0" dirty="0" err="1" smtClean="0"/>
+              <a:t>att</a:t>
+            </a:r>
+            <a:r>
+              <a:rPr lang="en-US" baseline="0" dirty="0" smtClean="0"/>
+              <a:t> </a:t>
+            </a:r>
+            <a:r>
+              <a:rPr lang="en-US" baseline="0" dirty="0" err="1" smtClean="0"/>
+              <a:t>hämta</a:t>
+            </a:r>
+            <a:r>
+              <a:rPr lang="en-US" baseline="0" dirty="0" smtClean="0"/>
+              <a:t> </a:t>
+            </a:r>
+            <a:r>
+              <a:rPr lang="en-US" baseline="0" dirty="0" err="1" smtClean="0"/>
+              <a:t>personinformation</a:t>
+            </a:r>
+            <a:r>
+              <a:rPr lang="en-US" baseline="0" dirty="0" smtClean="0"/>
+              <a:t>, men </a:t>
+            </a:r>
+            <a:r>
+              <a:rPr lang="en-US" baseline="0" dirty="0" err="1" smtClean="0"/>
+              <a:t>det</a:t>
+            </a:r>
+            <a:r>
+              <a:rPr lang="en-US" baseline="0" dirty="0" smtClean="0"/>
+              <a:t> </a:t>
+            </a:r>
+            <a:r>
+              <a:rPr lang="en-US" baseline="0" dirty="0" err="1" smtClean="0"/>
+              <a:t>är</a:t>
+            </a:r>
+            <a:r>
+              <a:rPr lang="en-US" baseline="0" dirty="0" smtClean="0"/>
+              <a:t> </a:t>
+            </a:r>
+            <a:r>
+              <a:rPr lang="en-US" baseline="0" dirty="0" err="1" smtClean="0"/>
+              <a:t>ett</a:t>
+            </a:r>
+            <a:r>
+              <a:rPr lang="en-US" baseline="0" dirty="0" smtClean="0"/>
+              <a:t> </a:t>
+            </a:r>
+            <a:r>
+              <a:rPr lang="en-US" baseline="0" dirty="0" err="1" smtClean="0"/>
+              <a:t>val</a:t>
+            </a:r>
+            <a:r>
+              <a:rPr lang="en-US" baseline="0" dirty="0" smtClean="0"/>
+              <a:t> </a:t>
+            </a:r>
+            <a:r>
+              <a:rPr lang="en-US" baseline="0" dirty="0" err="1" smtClean="0"/>
+              <a:t>dom</a:t>
+            </a:r>
+            <a:r>
+              <a:rPr lang="en-US" baseline="0" dirty="0" smtClean="0"/>
+              <a:t> </a:t>
+            </a:r>
+            <a:r>
+              <a:rPr lang="en-US" baseline="0" dirty="0" err="1" smtClean="0"/>
+              <a:t>gjort</a:t>
+            </a:r>
+            <a:r>
+              <a:rPr lang="en-US" baseline="0" dirty="0" smtClean="0"/>
+              <a:t> </a:t>
+            </a:r>
+            <a:r>
+              <a:rPr lang="en-US" baseline="0" dirty="0" err="1" smtClean="0"/>
+              <a:t>på</a:t>
+            </a:r>
+            <a:r>
+              <a:rPr lang="en-US" baseline="0" dirty="0" smtClean="0"/>
+              <a:t> FB.</a:t>
+            </a:r>
+            <a:endParaRPr lang="en-US" baseline="0" dirty="0" smtClean="0"/>
           </a:p>
         </p:txBody>
       </p:sp>
@@ -1587,56 +2492,750 @@
           <a:lstStyle/>
           <a:p>
             <a:r>
-              <a:rPr lang="en-US" dirty="0" smtClean="0"/>
-              <a:t>User: -&gt; </a:t>
-            </a:r>
-            <a:r>
-              <a:rPr lang="en-US" dirty="0" err="1" smtClean="0"/>
-              <a:t>Har</a:t>
-            </a:r>
-            <a:r>
-              <a:rPr lang="en-US" dirty="0" smtClean="0"/>
-              <a:t> </a:t>
-            </a:r>
-            <a:r>
-              <a:rPr lang="en-US" dirty="0" err="1" smtClean="0"/>
-              <a:t>inget</a:t>
-            </a:r>
-            <a:r>
-              <a:rPr lang="en-US" dirty="0" smtClean="0"/>
+              <a:rPr lang="en-US" baseline="0" dirty="0" err="1" smtClean="0"/>
+              <a:t>Oauth</a:t>
+            </a:r>
+            <a:r>
+              <a:rPr lang="en-US" baseline="0" dirty="0" smtClean="0"/>
+              <a:t> 2.0 </a:t>
+            </a:r>
+            <a:r>
+              <a:rPr lang="en-US" baseline="0" dirty="0" err="1" smtClean="0"/>
+              <a:t>adresserar</a:t>
+            </a:r>
+            <a:r>
+              <a:rPr lang="en-US" baseline="0" dirty="0" smtClean="0"/>
+              <a:t> den </a:t>
+            </a:r>
+            <a:r>
+              <a:rPr lang="en-US" baseline="0" dirty="0" err="1" smtClean="0"/>
+              <a:t>här</a:t>
+            </a:r>
+            <a:r>
+              <a:rPr lang="en-US" baseline="0" dirty="0" smtClean="0"/>
+              <a:t> </a:t>
+            </a:r>
+            <a:r>
+              <a:rPr lang="en-US" baseline="0" dirty="0" err="1" smtClean="0"/>
+              <a:t>typen</a:t>
+            </a:r>
+            <a:r>
+              <a:rPr lang="en-US" baseline="0" dirty="0" smtClean="0"/>
+              <a:t> </a:t>
+            </a:r>
+            <a:r>
+              <a:rPr lang="en-US" baseline="0" dirty="0" err="1" smtClean="0"/>
+              <a:t>av</a:t>
+            </a:r>
+            <a:r>
+              <a:rPr lang="en-US" baseline="0" dirty="0" smtClean="0"/>
+              <a:t> problem </a:t>
+            </a:r>
+            <a:r>
+              <a:rPr lang="en-US" baseline="0" dirty="0" err="1" smtClean="0"/>
+              <a:t>och</a:t>
+            </a:r>
+            <a:r>
+              <a:rPr lang="en-US" baseline="0" dirty="0" smtClean="0"/>
+              <a:t> </a:t>
+            </a:r>
+            <a:r>
+              <a:rPr lang="en-US" baseline="0" dirty="0" err="1" smtClean="0"/>
+              <a:t>ger</a:t>
+            </a:r>
+            <a:r>
+              <a:rPr lang="en-US" baseline="0" dirty="0" smtClean="0"/>
+              <a:t> </a:t>
+            </a:r>
+            <a:r>
+              <a:rPr lang="en-US" baseline="0" dirty="0" err="1" smtClean="0"/>
+              <a:t>användare</a:t>
+            </a:r>
+            <a:r>
+              <a:rPr lang="en-US" baseline="0" dirty="0" smtClean="0"/>
+              <a:t> </a:t>
+            </a:r>
+            <a:r>
+              <a:rPr lang="en-US" baseline="0" dirty="0" err="1" smtClean="0"/>
+              <a:t>möjlighet</a:t>
+            </a:r>
+            <a:r>
+              <a:rPr lang="en-US" baseline="0" dirty="0" smtClean="0"/>
+              <a:t> </a:t>
+            </a:r>
+            <a:r>
+              <a:rPr lang="en-US" baseline="0" dirty="0" err="1" smtClean="0"/>
+              <a:t>att</a:t>
+            </a:r>
+            <a:r>
+              <a:rPr lang="en-US" baseline="0" dirty="0" smtClean="0"/>
+              <a:t> </a:t>
+            </a:r>
+            <a:r>
+              <a:rPr lang="en-US" baseline="0" dirty="0" err="1" smtClean="0"/>
+              <a:t>delegera</a:t>
+            </a:r>
+            <a:r>
+              <a:rPr lang="en-US" baseline="0" dirty="0" smtClean="0"/>
+              <a:t> </a:t>
+            </a:r>
+            <a:r>
+              <a:rPr lang="en-US" baseline="0" dirty="0" err="1" smtClean="0"/>
+              <a:t>auktorisation</a:t>
+            </a:r>
+            <a:r>
+              <a:rPr lang="en-US" baseline="0" dirty="0" smtClean="0"/>
+              <a:t> till en </a:t>
+            </a:r>
+            <a:r>
+              <a:rPr lang="en-US" baseline="0" dirty="0" err="1" smtClean="0"/>
+              <a:t>tredjepartsapplikation</a:t>
+            </a:r>
+            <a:r>
+              <a:rPr lang="en-US" baseline="0" dirty="0" smtClean="0"/>
+              <a:t> </a:t>
+            </a:r>
+            <a:r>
+              <a:rPr lang="en-US" baseline="0" dirty="0" err="1" smtClean="0"/>
+              <a:t>utan</a:t>
+            </a:r>
+            <a:r>
+              <a:rPr lang="en-US" baseline="0" dirty="0" smtClean="0"/>
+              <a:t> </a:t>
+            </a:r>
+            <a:r>
+              <a:rPr lang="en-US" baseline="0" dirty="0" err="1" smtClean="0"/>
+              <a:t>att</a:t>
+            </a:r>
+            <a:r>
+              <a:rPr lang="en-US" baseline="0" dirty="0" smtClean="0"/>
+              <a:t> </a:t>
+            </a:r>
+            <a:r>
+              <a:rPr lang="en-US" baseline="0" dirty="0" err="1" smtClean="0"/>
+              <a:t>behöva</a:t>
+            </a:r>
+            <a:r>
+              <a:rPr lang="en-US" baseline="0" dirty="0" smtClean="0"/>
+              <a:t> </a:t>
+            </a:r>
+            <a:r>
+              <a:rPr lang="en-US" baseline="0" dirty="0" err="1" smtClean="0"/>
+              <a:t>uppge</a:t>
+            </a:r>
+            <a:r>
+              <a:rPr lang="en-US" baseline="0" dirty="0" smtClean="0"/>
+              <a:t> </a:t>
+            </a:r>
+            <a:r>
+              <a:rPr lang="en-US" baseline="0" dirty="0" err="1" smtClean="0"/>
+              <a:t>sitt</a:t>
+            </a:r>
+            <a:r>
+              <a:rPr lang="en-US" baseline="0" dirty="0" smtClean="0"/>
+              <a:t> </a:t>
+            </a:r>
+            <a:r>
+              <a:rPr lang="en-US" baseline="0" dirty="0" err="1" smtClean="0"/>
+              <a:t>användarnamn</a:t>
+            </a:r>
+            <a:r>
+              <a:rPr lang="en-US" baseline="0" dirty="0" smtClean="0"/>
+              <a:t> </a:t>
+            </a:r>
+            <a:r>
+              <a:rPr lang="en-US" baseline="0" dirty="0" err="1" smtClean="0"/>
+              <a:t>eller</a:t>
+            </a:r>
+            <a:r>
+              <a:rPr lang="en-US" baseline="0" dirty="0" smtClean="0"/>
+              <a:t> </a:t>
+            </a:r>
+            <a:r>
+              <a:rPr lang="en-US" baseline="0" dirty="0" err="1" smtClean="0"/>
+              <a:t>lösenord</a:t>
+            </a:r>
+            <a:r>
+              <a:rPr lang="en-US" baseline="0" dirty="0" smtClean="0"/>
+              <a:t>.</a:t>
+            </a:r>
+          </a:p>
+          <a:p>
+            <a:r>
+              <a:rPr lang="en-US" baseline="0" dirty="0" smtClean="0"/>
+              <a:t>Till </a:t>
+            </a:r>
+            <a:r>
+              <a:rPr lang="en-US" baseline="0" dirty="0" err="1" smtClean="0"/>
+              <a:t>exempel</a:t>
+            </a:r>
+            <a:r>
+              <a:rPr lang="en-US" baseline="0" dirty="0" smtClean="0"/>
+              <a:t> </a:t>
+            </a:r>
+            <a:r>
+              <a:rPr lang="en-US" baseline="0" dirty="0" err="1" smtClean="0"/>
+              <a:t>så</a:t>
+            </a:r>
+            <a:r>
+              <a:rPr lang="en-US" baseline="0" dirty="0" smtClean="0"/>
+              <a:t> </a:t>
+            </a:r>
+            <a:r>
+              <a:rPr lang="en-US" baseline="0" dirty="0" err="1" smtClean="0"/>
+              <a:t>behöver</a:t>
+            </a:r>
+            <a:r>
+              <a:rPr lang="en-US" baseline="0" dirty="0" smtClean="0"/>
+              <a:t> man </a:t>
+            </a:r>
+            <a:r>
+              <a:rPr lang="en-US" baseline="0" dirty="0" err="1" smtClean="0"/>
+              <a:t>inte</a:t>
+            </a:r>
+            <a:r>
+              <a:rPr lang="en-US" baseline="0" dirty="0" smtClean="0"/>
+              <a:t> </a:t>
+            </a:r>
+            <a:r>
+              <a:rPr lang="en-US" baseline="0" dirty="0" err="1" smtClean="0"/>
+              <a:t>dela</a:t>
+            </a:r>
+            <a:r>
+              <a:rPr lang="en-US" baseline="0" dirty="0" smtClean="0"/>
+              <a:t> med sig </a:t>
+            </a:r>
+            <a:r>
+              <a:rPr lang="en-US" baseline="0" dirty="0" err="1" smtClean="0"/>
+              <a:t>av</a:t>
+            </a:r>
+            <a:r>
+              <a:rPr lang="en-US" baseline="0" dirty="0" smtClean="0"/>
+              <a:t> </a:t>
+            </a:r>
+            <a:r>
+              <a:rPr lang="en-US" baseline="0" dirty="0" err="1" smtClean="0"/>
+              <a:t>sitt</a:t>
+            </a:r>
+            <a:r>
+              <a:rPr lang="en-US" baseline="0" dirty="0" smtClean="0"/>
+              <a:t> Facebook-</a:t>
+            </a:r>
+            <a:r>
+              <a:rPr lang="en-US" baseline="0" dirty="0" err="1" smtClean="0"/>
+              <a:t>lösenord</a:t>
+            </a:r>
+            <a:r>
+              <a:rPr lang="en-US" baseline="0" dirty="0" smtClean="0"/>
+              <a:t> till </a:t>
+            </a:r>
+            <a:r>
+              <a:rPr lang="en-US" baseline="0" dirty="0" err="1" smtClean="0"/>
+              <a:t>Runkeeper</a:t>
+            </a:r>
+            <a:r>
+              <a:rPr lang="en-US" baseline="0" dirty="0" smtClean="0"/>
+              <a:t> </a:t>
+            </a:r>
+            <a:r>
+              <a:rPr lang="en-US" baseline="0" dirty="0" err="1" smtClean="0"/>
+              <a:t>för</a:t>
+            </a:r>
+            <a:r>
+              <a:rPr lang="en-US" baseline="0" dirty="0" smtClean="0"/>
+              <a:t> </a:t>
+            </a:r>
+            <a:r>
+              <a:rPr lang="en-US" baseline="0" dirty="0" err="1" smtClean="0"/>
+              <a:t>att</a:t>
+            </a:r>
+            <a:r>
+              <a:rPr lang="en-US" baseline="0" dirty="0" smtClean="0"/>
+              <a:t> </a:t>
+            </a:r>
+            <a:r>
+              <a:rPr lang="en-US" baseline="0" dirty="0" err="1" smtClean="0"/>
+              <a:t>få</a:t>
+            </a:r>
+            <a:r>
+              <a:rPr lang="en-US" baseline="0" dirty="0" smtClean="0"/>
+              <a:t> </a:t>
+            </a:r>
+            <a:r>
+              <a:rPr lang="en-US" baseline="0" dirty="0" err="1" smtClean="0"/>
+              <a:t>Runkeeper</a:t>
+            </a:r>
+            <a:r>
+              <a:rPr lang="en-US" baseline="0" dirty="0" smtClean="0"/>
+              <a:t> </a:t>
+            </a:r>
+            <a:r>
+              <a:rPr lang="en-US" baseline="0" dirty="0" err="1" smtClean="0"/>
+              <a:t>att</a:t>
+            </a:r>
+            <a:r>
+              <a:rPr lang="en-US" baseline="0" dirty="0" smtClean="0"/>
+              <a:t> </a:t>
+            </a:r>
+            <a:r>
+              <a:rPr lang="en-US" baseline="0" dirty="0" err="1" smtClean="0"/>
+              <a:t>integrera</a:t>
+            </a:r>
+            <a:r>
+              <a:rPr lang="en-US" baseline="0" dirty="0" smtClean="0"/>
+              <a:t> med FB.</a:t>
+            </a:r>
+          </a:p>
+          <a:p>
+            <a:r>
+              <a:rPr lang="en-US" baseline="0" dirty="0" err="1" smtClean="0"/>
+              <a:t>Runkeeper</a:t>
+            </a:r>
+            <a:r>
+              <a:rPr lang="en-US" baseline="0" dirty="0" smtClean="0"/>
+              <a:t> </a:t>
+            </a:r>
+            <a:r>
+              <a:rPr lang="en-US" baseline="0" dirty="0" err="1" smtClean="0"/>
+              <a:t>får</a:t>
+            </a:r>
+            <a:r>
+              <a:rPr lang="en-US" baseline="0" dirty="0" smtClean="0"/>
+              <a:t> en token </a:t>
+            </a:r>
+            <a:r>
+              <a:rPr lang="en-US" baseline="0" dirty="0" err="1" smtClean="0"/>
+              <a:t>som</a:t>
+            </a:r>
+            <a:r>
+              <a:rPr lang="en-US" baseline="0" dirty="0" smtClean="0"/>
+              <a:t> </a:t>
+            </a:r>
+            <a:r>
+              <a:rPr lang="en-US" baseline="0" dirty="0" err="1" smtClean="0"/>
+              <a:t>representerar</a:t>
+            </a:r>
+            <a:r>
+              <a:rPr lang="en-US" baseline="0" dirty="0" smtClean="0"/>
+              <a:t> </a:t>
+            </a:r>
+            <a:r>
+              <a:rPr lang="en-US" baseline="0" dirty="0" err="1" smtClean="0"/>
+              <a:t>godkännandet</a:t>
+            </a:r>
+            <a:r>
+              <a:rPr lang="en-US" baseline="0" dirty="0" smtClean="0"/>
+              <a:t> </a:t>
+            </a:r>
+            <a:r>
+              <a:rPr lang="en-US" baseline="0" dirty="0" err="1" smtClean="0"/>
+              <a:t>och</a:t>
+            </a:r>
+            <a:r>
+              <a:rPr lang="en-US" baseline="0" dirty="0" smtClean="0"/>
+              <a:t> </a:t>
+            </a:r>
+            <a:r>
+              <a:rPr lang="en-US" baseline="0" dirty="0" err="1" smtClean="0"/>
+              <a:t>som</a:t>
+            </a:r>
+            <a:r>
+              <a:rPr lang="en-US" baseline="0" dirty="0" smtClean="0"/>
+              <a:t> den </a:t>
+            </a:r>
+            <a:r>
+              <a:rPr lang="en-US" baseline="0" dirty="0" err="1" smtClean="0"/>
+              <a:t>använder</a:t>
+            </a:r>
+            <a:r>
+              <a:rPr lang="en-US" baseline="0" dirty="0" smtClean="0"/>
+              <a:t> vid </a:t>
+            </a:r>
+            <a:r>
+              <a:rPr lang="en-US" baseline="0" dirty="0" err="1" smtClean="0"/>
+              <a:t>kommunikation</a:t>
+            </a:r>
+            <a:r>
+              <a:rPr lang="en-US" baseline="0" dirty="0" smtClean="0"/>
+              <a:t> med Facebook-</a:t>
+            </a:r>
+            <a:r>
+              <a:rPr lang="en-US" baseline="0" dirty="0" err="1" smtClean="0"/>
+              <a:t>APIet</a:t>
+            </a:r>
+            <a:r>
+              <a:rPr lang="en-US" baseline="0" dirty="0" smtClean="0"/>
+              <a:t>.</a:t>
+            </a:r>
+          </a:p>
+          <a:p>
+            <a:r>
+              <a:rPr lang="en-US" baseline="0" dirty="0" smtClean="0"/>
+              <a:t>Om </a:t>
+            </a:r>
+            <a:r>
+              <a:rPr lang="en-US" baseline="0" dirty="0" err="1" smtClean="0"/>
+              <a:t>Runkeeper</a:t>
+            </a:r>
+            <a:r>
+              <a:rPr lang="en-US" baseline="0" dirty="0" smtClean="0"/>
+              <a:t> till </a:t>
+            </a:r>
+            <a:r>
+              <a:rPr lang="en-US" baseline="0" dirty="0" err="1" smtClean="0"/>
+              <a:t>exempel</a:t>
+            </a:r>
+            <a:r>
+              <a:rPr lang="en-US" baseline="0" dirty="0" smtClean="0"/>
+              <a:t> </a:t>
+            </a:r>
+            <a:r>
+              <a:rPr lang="en-US" baseline="0" dirty="0" err="1" smtClean="0"/>
+              <a:t>vill</a:t>
+            </a:r>
+            <a:r>
+              <a:rPr lang="en-US" baseline="0" dirty="0" smtClean="0"/>
+              <a:t> </a:t>
+            </a:r>
+            <a:r>
+              <a:rPr lang="en-US" baseline="0" dirty="0" err="1" smtClean="0"/>
+              <a:t>posta</a:t>
+            </a:r>
+            <a:r>
+              <a:rPr lang="en-US" baseline="0" dirty="0" smtClean="0"/>
+              <a:t> </a:t>
+            </a:r>
+            <a:r>
+              <a:rPr lang="en-US" baseline="0" dirty="0" err="1" smtClean="0"/>
+              <a:t>på</a:t>
+            </a:r>
+            <a:r>
+              <a:rPr lang="en-US" baseline="0" dirty="0" smtClean="0"/>
+              <a:t> </a:t>
+            </a:r>
+            <a:r>
+              <a:rPr lang="en-US" baseline="0" dirty="0" err="1" smtClean="0"/>
+              <a:t>användarens</a:t>
+            </a:r>
+            <a:r>
+              <a:rPr lang="en-US" baseline="0" dirty="0" smtClean="0"/>
+              <a:t> </a:t>
+            </a:r>
+            <a:r>
+              <a:rPr lang="en-US" baseline="0" dirty="0" err="1" smtClean="0"/>
+              <a:t>facebook</a:t>
+            </a:r>
+            <a:r>
+              <a:rPr lang="en-US" baseline="0" dirty="0" smtClean="0"/>
+              <a:t>-wall </a:t>
+            </a:r>
+            <a:r>
+              <a:rPr lang="en-US" baseline="0" dirty="0" err="1" smtClean="0"/>
+              <a:t>så</a:t>
+            </a:r>
+            <a:r>
+              <a:rPr lang="en-US" baseline="0" dirty="0" smtClean="0"/>
+              <a:t> </a:t>
+            </a:r>
+            <a:r>
+              <a:rPr lang="en-US" baseline="0" dirty="0" err="1" smtClean="0"/>
+              <a:t>anropar</a:t>
+            </a:r>
+            <a:r>
+              <a:rPr lang="en-US" baseline="0" dirty="0" smtClean="0"/>
+              <a:t> den </a:t>
+            </a:r>
+            <a:r>
+              <a:rPr lang="en-US" baseline="0" dirty="0" err="1" smtClean="0"/>
+              <a:t>posta</a:t>
+            </a:r>
+            <a:r>
+              <a:rPr lang="en-US" baseline="0" dirty="0" smtClean="0"/>
+              <a:t> </a:t>
+            </a:r>
+            <a:r>
+              <a:rPr lang="en-US" baseline="0" dirty="0" err="1" smtClean="0"/>
+              <a:t>på</a:t>
+            </a:r>
+            <a:r>
+              <a:rPr lang="en-US" baseline="0" dirty="0" smtClean="0"/>
+              <a:t> wall-</a:t>
+            </a:r>
+            <a:r>
+              <a:rPr lang="en-US" baseline="0" dirty="0" err="1" smtClean="0"/>
+              <a:t>funktionen</a:t>
+            </a:r>
+            <a:r>
+              <a:rPr lang="en-US" baseline="0" dirty="0" smtClean="0"/>
+              <a:t> </a:t>
+            </a:r>
+            <a:r>
+              <a:rPr lang="en-US" baseline="0" dirty="0" err="1" smtClean="0"/>
+              <a:t>ihop</a:t>
+            </a:r>
+            <a:r>
+              <a:rPr lang="en-US" baseline="0" dirty="0" smtClean="0"/>
               <a:t> med </a:t>
             </a:r>
             <a:r>
-              <a:rPr lang="en-US" dirty="0" err="1" smtClean="0"/>
+              <a:rPr lang="en-US" baseline="0" dirty="0" err="1" smtClean="0"/>
+              <a:t>tokenet</a:t>
+            </a:r>
+            <a:r>
+              <a:rPr lang="en-US" baseline="0" dirty="0" smtClean="0"/>
+              <a:t> </a:t>
+            </a:r>
+            <a:r>
+              <a:rPr lang="en-US" baseline="0" dirty="0" err="1" smtClean="0"/>
+              <a:t>och</a:t>
+            </a:r>
+            <a:r>
+              <a:rPr lang="en-US" baseline="0" dirty="0" smtClean="0"/>
+              <a:t> </a:t>
+            </a:r>
+            <a:r>
+              <a:rPr lang="en-US" baseline="0" dirty="0" err="1" smtClean="0"/>
+              <a:t>facebook</a:t>
+            </a:r>
+            <a:r>
+              <a:rPr lang="en-US" baseline="0" dirty="0" smtClean="0"/>
+              <a:t> vet </a:t>
+            </a:r>
+            <a:r>
+              <a:rPr lang="en-US" baseline="0" dirty="0" err="1" smtClean="0"/>
+              <a:t>då</a:t>
+            </a:r>
+            <a:r>
+              <a:rPr lang="en-US" baseline="0" dirty="0" smtClean="0"/>
+              <a:t> </a:t>
+            </a:r>
+            <a:r>
+              <a:rPr lang="en-US" baseline="0" dirty="0" err="1" smtClean="0"/>
+              <a:t>vilken</a:t>
+            </a:r>
+            <a:r>
+              <a:rPr lang="en-US" baseline="0" dirty="0" smtClean="0"/>
+              <a:t> wall </a:t>
+            </a:r>
+            <a:r>
+              <a:rPr lang="en-US" baseline="0" dirty="0" err="1" smtClean="0"/>
+              <a:t>som</a:t>
+            </a:r>
+            <a:r>
+              <a:rPr lang="en-US" baseline="0" dirty="0" smtClean="0"/>
+              <a:t> </a:t>
+            </a:r>
+            <a:r>
+              <a:rPr lang="en-US" baseline="0" dirty="0" err="1" smtClean="0"/>
+              <a:t>hör</a:t>
+            </a:r>
+            <a:r>
+              <a:rPr lang="en-US" baseline="0" dirty="0" smtClean="0"/>
+              <a:t> till </a:t>
+            </a:r>
+            <a:r>
+              <a:rPr lang="en-US" baseline="0" dirty="0" err="1" smtClean="0"/>
+              <a:t>det</a:t>
+            </a:r>
+            <a:r>
+              <a:rPr lang="en-US" baseline="0" dirty="0" smtClean="0"/>
+              <a:t> </a:t>
+            </a:r>
+            <a:r>
+              <a:rPr lang="en-US" baseline="0" dirty="0" err="1" smtClean="0"/>
+              <a:t>tokenet</a:t>
+            </a:r>
+            <a:r>
+              <a:rPr lang="en-US" baseline="0" dirty="0" smtClean="0"/>
+              <a:t>.</a:t>
+            </a:r>
+          </a:p>
+          <a:p>
+            <a:r>
+              <a:rPr lang="en-US" baseline="0" dirty="0" err="1" smtClean="0"/>
               <a:t>Oauth</a:t>
             </a:r>
             <a:r>
-              <a:rPr lang="en-US" dirty="0" smtClean="0"/>
-              <a:t> </a:t>
-            </a:r>
-            <a:r>
-              <a:rPr lang="en-US" dirty="0" err="1" smtClean="0"/>
+              <a:rPr lang="en-US" baseline="0" dirty="0" smtClean="0"/>
+              <a:t> </a:t>
+            </a:r>
+            <a:r>
+              <a:rPr lang="en-US" baseline="0" dirty="0" err="1" smtClean="0"/>
+              <a:t>ger</a:t>
+            </a:r>
+            <a:r>
+              <a:rPr lang="en-US" baseline="0" dirty="0" smtClean="0"/>
+              <a:t> </a:t>
+            </a:r>
+            <a:r>
+              <a:rPr lang="en-US" baseline="0" dirty="0" err="1" smtClean="0"/>
+              <a:t>oss</a:t>
+            </a:r>
+            <a:r>
+              <a:rPr lang="en-US" baseline="0" dirty="0" smtClean="0"/>
+              <a:t> </a:t>
+            </a:r>
+            <a:r>
+              <a:rPr lang="en-US" baseline="0" dirty="0" err="1" smtClean="0"/>
+              <a:t>alltså</a:t>
+            </a:r>
+            <a:r>
+              <a:rPr lang="en-US" baseline="0" dirty="0" smtClean="0"/>
+              <a:t> </a:t>
+            </a:r>
+            <a:r>
+              <a:rPr lang="en-US" baseline="0" dirty="0" err="1" smtClean="0"/>
+              <a:t>möjlighet</a:t>
+            </a:r>
+            <a:r>
+              <a:rPr lang="en-US" baseline="0" dirty="0" smtClean="0"/>
+              <a:t> </a:t>
+            </a:r>
+            <a:r>
+              <a:rPr lang="en-US" baseline="0" dirty="0" err="1" smtClean="0"/>
               <a:t>att</a:t>
             </a:r>
             <a:r>
-              <a:rPr lang="en-US" dirty="0" smtClean="0"/>
-              <a:t> </a:t>
-            </a:r>
-            <a:r>
-              <a:rPr lang="en-US" dirty="0" err="1" smtClean="0"/>
-              <a:t>göra</a:t>
-            </a:r>
-            <a:r>
-              <a:rPr lang="en-US" dirty="0" smtClean="0"/>
-              <a:t>,</a:t>
-            </a:r>
-            <a:r>
-              <a:rPr lang="en-US" baseline="0" dirty="0" smtClean="0"/>
-              <a:t> </a:t>
-            </a:r>
-            <a:r>
-              <a:rPr lang="en-US" baseline="0" dirty="0" err="1" smtClean="0"/>
-              <a:t>utan</a:t>
+              <a:rPr lang="en-US" baseline="0" dirty="0" smtClean="0"/>
+              <a:t> </a:t>
+            </a:r>
+            <a:r>
+              <a:rPr lang="en-US" baseline="0" dirty="0" err="1" smtClean="0"/>
+              <a:t>frikoppla</a:t>
+            </a:r>
+            <a:r>
+              <a:rPr lang="en-US" baseline="0" dirty="0" smtClean="0"/>
+              <a:t> </a:t>
+            </a:r>
+            <a:r>
+              <a:rPr lang="en-US" baseline="0" dirty="0" err="1" smtClean="0"/>
+              <a:t>identiteten</a:t>
+            </a:r>
+            <a:r>
+              <a:rPr lang="en-US" baseline="0" dirty="0" smtClean="0"/>
+              <a:t> </a:t>
+            </a:r>
+            <a:r>
+              <a:rPr lang="en-US" baseline="0" dirty="0" err="1" smtClean="0"/>
+              <a:t>inom</a:t>
+            </a:r>
+            <a:r>
+              <a:rPr lang="en-US" baseline="0" dirty="0" smtClean="0"/>
+              <a:t> </a:t>
+            </a:r>
+            <a:r>
+              <a:rPr lang="en-US" baseline="0" dirty="0" err="1" smtClean="0"/>
+              <a:t>vården</a:t>
+            </a:r>
+            <a:r>
+              <a:rPr lang="en-US" baseline="0" dirty="0" smtClean="0"/>
+              <a:t> </a:t>
+            </a:r>
+            <a:r>
+              <a:rPr lang="en-US" baseline="0" dirty="0" err="1" smtClean="0"/>
+              <a:t>från</a:t>
+            </a:r>
+            <a:r>
+              <a:rPr lang="en-US" baseline="0" dirty="0" smtClean="0"/>
+              <a:t> </a:t>
+            </a:r>
+            <a:r>
+              <a:rPr lang="en-US" baseline="0" dirty="0" err="1" smtClean="0"/>
+              <a:t>identeten</a:t>
+            </a:r>
+            <a:r>
+              <a:rPr lang="en-US" baseline="0" dirty="0" smtClean="0"/>
+              <a:t> I </a:t>
+            </a:r>
+            <a:r>
+              <a:rPr lang="en-US" baseline="0" dirty="0" err="1" smtClean="0"/>
+              <a:t>tredjepartsapplikationen</a:t>
+            </a:r>
+            <a:r>
+              <a:rPr lang="en-US" baseline="0" dirty="0" smtClean="0"/>
+              <a:t> </a:t>
+            </a:r>
+            <a:r>
+              <a:rPr lang="en-US" baseline="0" dirty="0" err="1" smtClean="0"/>
+              <a:t>så</a:t>
+            </a:r>
+            <a:r>
+              <a:rPr lang="en-US" baseline="0" dirty="0" smtClean="0"/>
+              <a:t> </a:t>
+            </a:r>
+            <a:r>
+              <a:rPr lang="en-US" baseline="0" dirty="0" err="1" smtClean="0"/>
+              <a:t>att</a:t>
+            </a:r>
+            <a:r>
+              <a:rPr lang="en-US" baseline="0" dirty="0" smtClean="0"/>
+              <a:t> </a:t>
+            </a:r>
+            <a:r>
+              <a:rPr lang="en-US" baseline="0" dirty="0" err="1" smtClean="0"/>
+              <a:t>tredjepartarn</a:t>
+            </a:r>
+            <a:r>
+              <a:rPr lang="en-US" baseline="0" dirty="0" smtClean="0"/>
+              <a:t> </a:t>
+            </a:r>
+            <a:r>
+              <a:rPr lang="en-US" baseline="0" dirty="0" err="1" smtClean="0"/>
+              <a:t>inte</a:t>
+            </a:r>
+            <a:r>
+              <a:rPr lang="en-US" baseline="0" dirty="0" smtClean="0"/>
+              <a:t> </a:t>
+            </a:r>
+            <a:r>
+              <a:rPr lang="en-US" baseline="0" dirty="0" err="1" smtClean="0"/>
+              <a:t>behöver</a:t>
+            </a:r>
+            <a:r>
+              <a:rPr lang="en-US" baseline="0" dirty="0" smtClean="0"/>
+              <a:t> </a:t>
+            </a:r>
+            <a:r>
+              <a:rPr lang="en-US" baseline="0" dirty="0" err="1" smtClean="0"/>
+              <a:t>veta</a:t>
+            </a:r>
+            <a:r>
+              <a:rPr lang="en-US" baseline="0" dirty="0" smtClean="0"/>
+              <a:t> </a:t>
+            </a:r>
+            <a:r>
+              <a:rPr lang="en-US" baseline="0" dirty="0" err="1" smtClean="0"/>
+              <a:t>vems</a:t>
+            </a:r>
+            <a:r>
+              <a:rPr lang="en-US" baseline="0" dirty="0" smtClean="0"/>
+              <a:t> </a:t>
+            </a:r>
+            <a:r>
+              <a:rPr lang="en-US" baseline="0" dirty="0" err="1" smtClean="0"/>
+              <a:t>tidbokningar</a:t>
+            </a:r>
+            <a:r>
+              <a:rPr lang="en-US" baseline="0" dirty="0" smtClean="0"/>
+              <a:t> den </a:t>
+            </a:r>
+            <a:r>
+              <a:rPr lang="en-US" baseline="0" dirty="0" err="1" smtClean="0"/>
+              <a:t>hämtar</a:t>
+            </a:r>
+            <a:r>
+              <a:rPr lang="en-US" baseline="0" dirty="0" smtClean="0"/>
+              <a:t>.</a:t>
+            </a:r>
+          </a:p>
+          <a:p>
+            <a:r>
+              <a:rPr lang="en-US" baseline="0" dirty="0" smtClean="0"/>
+              <a:t>I </a:t>
+            </a:r>
+            <a:r>
+              <a:rPr lang="en-US" baseline="0" dirty="0" err="1" smtClean="0"/>
+              <a:t>facebook-fallet</a:t>
             </a:r>
             <a:r>
               <a:rPr lang="en-US" baseline="0" dirty="0" smtClean="0"/>
@@ -1652,23 +3251,39 @@
             </a:r>
             <a:r>
               <a:rPr lang="en-US" baseline="0" dirty="0" err="1" smtClean="0"/>
-              <a:t>helt</a:t>
-            </a:r>
-            <a:r>
-              <a:rPr lang="en-US" baseline="0" dirty="0" smtClean="0"/>
-              <a:t> </a:t>
-            </a:r>
-            <a:r>
-              <a:rPr lang="en-US" baseline="0" dirty="0" err="1" smtClean="0"/>
-              <a:t>enkelt</a:t>
-            </a:r>
-            <a:r>
-              <a:rPr lang="en-US" baseline="0" dirty="0" smtClean="0"/>
-              <a:t> den </a:t>
-            </a:r>
-            <a:r>
-              <a:rPr lang="en-US" baseline="0" dirty="0" err="1" smtClean="0"/>
-              <a:t>användare</a:t>
+              <a:t>det</a:t>
+            </a:r>
+            <a:r>
+              <a:rPr lang="en-US" baseline="0" dirty="0" smtClean="0"/>
+              <a:t> </a:t>
+            </a:r>
+            <a:r>
+              <a:rPr lang="en-US" baseline="0" dirty="0" err="1" smtClean="0"/>
+              <a:t>inte</a:t>
+            </a:r>
+            <a:r>
+              <a:rPr lang="en-US" baseline="0" dirty="0" smtClean="0"/>
+              <a:t> </a:t>
+            </a:r>
+            <a:r>
+              <a:rPr lang="en-US" baseline="0" dirty="0" err="1" smtClean="0"/>
+              <a:t>riktigt</a:t>
+            </a:r>
+            <a:r>
+              <a:rPr lang="en-US" baseline="0" dirty="0" smtClean="0"/>
+              <a:t> </a:t>
+            </a:r>
+            <a:r>
+              <a:rPr lang="en-US" baseline="0" dirty="0" err="1" smtClean="0"/>
+              <a:t>så</a:t>
+            </a:r>
+            <a:r>
+              <a:rPr lang="en-US" baseline="0" dirty="0" smtClean="0"/>
+              <a:t> </a:t>
+            </a:r>
+            <a:r>
+              <a:rPr lang="en-US" baseline="0" dirty="0" err="1" smtClean="0"/>
+              <a:t>eftersom</a:t>
             </a:r>
             <a:r>
               <a:rPr lang="en-US" baseline="0" dirty="0" smtClean="0"/>
@@ -1676,390 +3291,117 @@
             </a:r>
             <a:r>
               <a:rPr lang="en-US" baseline="0" dirty="0" err="1" smtClean="0"/>
-              <a:t>loggar</a:t>
-            </a:r>
-            <a:r>
-              <a:rPr lang="en-US" baseline="0" dirty="0" smtClean="0"/>
-              <a:t> in med I </a:t>
-            </a:r>
-            <a:r>
-              <a:rPr lang="en-US" baseline="0" smtClean="0"/>
-              <a:t>applikationen</a:t>
-            </a:r>
-            <a:endParaRPr lang="en-US" smtClean="0"/>
-          </a:p>
-          <a:p>
-            <a:r>
-              <a:rPr lang="en-US" dirty="0" smtClean="0"/>
-              <a:t>Resource </a:t>
-            </a:r>
-            <a:r>
-              <a:rPr lang="en-US" dirty="0" smtClean="0"/>
-              <a:t>Owner: En roll </a:t>
-            </a:r>
-            <a:r>
-              <a:rPr lang="en-US" dirty="0" err="1" smtClean="0"/>
-              <a:t>i</a:t>
-            </a:r>
-            <a:r>
-              <a:rPr lang="en-US" dirty="0" smtClean="0"/>
-              <a:t> </a:t>
-            </a:r>
-            <a:r>
-              <a:rPr lang="en-US" dirty="0" err="1" smtClean="0"/>
-              <a:t>OAuth</a:t>
-            </a:r>
-            <a:r>
-              <a:rPr lang="en-US" dirty="0" smtClean="0"/>
-              <a:t> 2.0 </a:t>
-            </a:r>
-            <a:r>
-              <a:rPr lang="en-US" dirty="0" err="1" smtClean="0"/>
-              <a:t>specifikationen</a:t>
-            </a:r>
-            <a:r>
-              <a:rPr lang="en-US" dirty="0" smtClean="0"/>
-              <a:t> </a:t>
-            </a:r>
-            <a:r>
-              <a:rPr lang="en-US" dirty="0" err="1" smtClean="0"/>
-              <a:t>som</a:t>
-            </a:r>
-            <a:r>
-              <a:rPr lang="en-US" dirty="0" smtClean="0"/>
-              <a:t> </a:t>
-            </a:r>
-            <a:r>
-              <a:rPr lang="en-US" dirty="0" err="1" smtClean="0"/>
-              <a:t>pekar</a:t>
-            </a:r>
-            <a:r>
-              <a:rPr lang="en-US" dirty="0" smtClean="0"/>
-              <a:t> </a:t>
-            </a:r>
-            <a:r>
-              <a:rPr lang="en-US" dirty="0" err="1" smtClean="0"/>
-              <a:t>ut</a:t>
-            </a:r>
-            <a:r>
-              <a:rPr lang="en-US" dirty="0" smtClean="0"/>
-              <a:t> </a:t>
-            </a:r>
-            <a:r>
-              <a:rPr lang="en-US" dirty="0" err="1" smtClean="0"/>
-              <a:t>ägaren</a:t>
-            </a:r>
-            <a:r>
-              <a:rPr lang="en-US" baseline="0" dirty="0" smtClean="0"/>
-              <a:t> </a:t>
-            </a:r>
-            <a:r>
-              <a:rPr lang="en-US" baseline="0" dirty="0" err="1" smtClean="0"/>
-              <a:t>av</a:t>
-            </a:r>
-            <a:r>
-              <a:rPr lang="en-US" dirty="0" smtClean="0"/>
-              <a:t> en given </a:t>
-            </a:r>
-            <a:r>
-              <a:rPr lang="en-US" dirty="0" err="1" smtClean="0"/>
-              <a:t>resurs</a:t>
-            </a:r>
-            <a:r>
-              <a:rPr lang="en-US" dirty="0" smtClean="0"/>
-              <a:t>.</a:t>
-            </a:r>
-          </a:p>
-          <a:p>
-            <a:r>
-              <a:rPr lang="en-US" dirty="0" smtClean="0"/>
-              <a:t>Client: I </a:t>
-            </a:r>
-            <a:r>
-              <a:rPr lang="en-US" dirty="0" err="1" smtClean="0"/>
-              <a:t>OAuth</a:t>
-            </a:r>
-            <a:r>
-              <a:rPr lang="en-US" dirty="0" smtClean="0"/>
-              <a:t> 2.0-specifikationen </a:t>
-            </a:r>
-            <a:r>
-              <a:rPr lang="en-US" dirty="0" err="1" smtClean="0"/>
+              <a:t>också</a:t>
+            </a:r>
+            <a:r>
+              <a:rPr lang="en-US" baseline="0" dirty="0" smtClean="0"/>
+              <a:t> </a:t>
+            </a:r>
+            <a:r>
+              <a:rPr lang="en-US" baseline="0" dirty="0" err="1" smtClean="0"/>
+              <a:t>kan</a:t>
+            </a:r>
+            <a:r>
+              <a:rPr lang="en-US" baseline="0" dirty="0" smtClean="0"/>
+              <a:t> </a:t>
+            </a:r>
+            <a:r>
+              <a:rPr lang="en-US" baseline="0" dirty="0" err="1" smtClean="0"/>
+              <a:t>använda</a:t>
+            </a:r>
+            <a:r>
+              <a:rPr lang="en-US" baseline="0" dirty="0" smtClean="0"/>
+              <a:t> token </a:t>
+            </a:r>
+            <a:r>
+              <a:rPr lang="en-US" baseline="0" dirty="0" err="1" smtClean="0"/>
+              <a:t>för</a:t>
+            </a:r>
+            <a:r>
+              <a:rPr lang="en-US" baseline="0" dirty="0" smtClean="0"/>
+              <a:t> </a:t>
+            </a:r>
+            <a:r>
+              <a:rPr lang="en-US" baseline="0" dirty="0" err="1" smtClean="0"/>
+              <a:t>att</a:t>
+            </a:r>
+            <a:r>
+              <a:rPr lang="en-US" baseline="0" dirty="0" smtClean="0"/>
+              <a:t> </a:t>
+            </a:r>
+            <a:r>
+              <a:rPr lang="en-US" baseline="0" dirty="0" err="1" smtClean="0"/>
+              <a:t>hämta</a:t>
+            </a:r>
+            <a:r>
+              <a:rPr lang="en-US" baseline="0" dirty="0" smtClean="0"/>
+              <a:t> </a:t>
+            </a:r>
+            <a:r>
+              <a:rPr lang="en-US" baseline="0" dirty="0" err="1" smtClean="0"/>
+              <a:t>personinformation</a:t>
+            </a:r>
+            <a:r>
+              <a:rPr lang="en-US" baseline="0" dirty="0" smtClean="0"/>
+              <a:t>, men </a:t>
+            </a:r>
+            <a:r>
+              <a:rPr lang="en-US" baseline="0" dirty="0" err="1" smtClean="0"/>
+              <a:t>det</a:t>
+            </a:r>
+            <a:r>
+              <a:rPr lang="en-US" baseline="0" dirty="0" smtClean="0"/>
+              <a:t> </a:t>
+            </a:r>
+            <a:r>
+              <a:rPr lang="en-US" baseline="0" dirty="0" err="1" smtClean="0"/>
               <a:t>är</a:t>
             </a:r>
             <a:r>
-              <a:rPr lang="en-US" dirty="0" smtClean="0"/>
-              <a:t> </a:t>
-            </a:r>
-            <a:r>
-              <a:rPr lang="en-US" dirty="0" err="1" smtClean="0"/>
-              <a:t>klienten</a:t>
-            </a:r>
-            <a:r>
-              <a:rPr lang="en-US" dirty="0" smtClean="0"/>
-              <a:t> den del </a:t>
-            </a:r>
-            <a:r>
-              <a:rPr lang="en-US" dirty="0" err="1" smtClean="0"/>
-              <a:t>av</a:t>
-            </a:r>
-            <a:r>
-              <a:rPr lang="en-US" dirty="0" smtClean="0"/>
-              <a:t> </a:t>
-            </a:r>
-            <a:r>
-              <a:rPr lang="en-US" dirty="0" err="1" smtClean="0"/>
-              <a:t>tredjeparts-lösningen</a:t>
-            </a:r>
-            <a:r>
-              <a:rPr lang="en-US" baseline="0" dirty="0" smtClean="0"/>
-              <a:t> </a:t>
-            </a:r>
-            <a:r>
-              <a:rPr lang="en-US" baseline="0" dirty="0" err="1" smtClean="0"/>
-              <a:t>som</a:t>
-            </a:r>
-            <a:r>
-              <a:rPr lang="en-US" baseline="0" dirty="0" smtClean="0"/>
-              <a:t> </a:t>
-            </a:r>
-            <a:r>
-              <a:rPr lang="en-US" baseline="0" dirty="0" err="1" smtClean="0"/>
-              <a:t>kommunicerar</a:t>
-            </a:r>
-            <a:r>
-              <a:rPr lang="en-US" baseline="0" dirty="0" smtClean="0"/>
-              <a:t> med </a:t>
-            </a:r>
-            <a:r>
-              <a:rPr lang="en-US" baseline="0" dirty="0" err="1" smtClean="0"/>
-              <a:t>resurs</a:t>
-            </a:r>
-            <a:r>
-              <a:rPr lang="en-US" baseline="0" dirty="0" smtClean="0"/>
-              <a:t>- </a:t>
-            </a:r>
-            <a:r>
-              <a:rPr lang="en-US" baseline="0" dirty="0" err="1" smtClean="0"/>
-              <a:t>och</a:t>
-            </a:r>
-            <a:r>
-              <a:rPr lang="en-US" baseline="0" dirty="0" smtClean="0"/>
-              <a:t> </a:t>
-            </a:r>
-            <a:r>
-              <a:rPr lang="en-US" baseline="0" dirty="0" err="1" smtClean="0"/>
-              <a:t>auktorisations-servern</a:t>
-            </a:r>
-            <a:r>
-              <a:rPr lang="en-US" baseline="0" dirty="0" smtClean="0"/>
-              <a:t>.</a:t>
-            </a:r>
-            <a:endParaRPr lang="en-US" dirty="0" smtClean="0"/>
-          </a:p>
-          <a:p>
-            <a:r>
-              <a:rPr lang="en-US" dirty="0" smtClean="0"/>
-              <a:t>Authorization server: En roll </a:t>
-            </a:r>
-            <a:r>
-              <a:rPr lang="en-US" dirty="0" err="1" smtClean="0"/>
-              <a:t>i</a:t>
-            </a:r>
-            <a:r>
-              <a:rPr lang="en-US" dirty="0" smtClean="0"/>
-              <a:t> </a:t>
-            </a:r>
-            <a:r>
-              <a:rPr lang="en-US" dirty="0" err="1" smtClean="0"/>
-              <a:t>OAuth</a:t>
-            </a:r>
-            <a:r>
-              <a:rPr lang="en-US" dirty="0" smtClean="0"/>
-              <a:t> 2.0 </a:t>
-            </a:r>
-            <a:r>
-              <a:rPr lang="en-US" dirty="0" err="1" smtClean="0"/>
-              <a:t>specifikationen</a:t>
-            </a:r>
-            <a:r>
-              <a:rPr lang="en-US" dirty="0" smtClean="0"/>
-              <a:t> </a:t>
-            </a:r>
-            <a:r>
-              <a:rPr lang="en-US" dirty="0" err="1" smtClean="0"/>
-              <a:t>som</a:t>
-            </a:r>
-            <a:r>
-              <a:rPr lang="en-US" dirty="0" smtClean="0"/>
-              <a:t> </a:t>
-            </a:r>
-            <a:r>
-              <a:rPr lang="en-US" dirty="0" err="1" smtClean="0"/>
-              <a:t>pekar</a:t>
-            </a:r>
-            <a:r>
-              <a:rPr lang="en-US" dirty="0" smtClean="0"/>
-              <a:t> </a:t>
-            </a:r>
-            <a:r>
-              <a:rPr lang="en-US" dirty="0" err="1" smtClean="0"/>
-              <a:t>ut</a:t>
-            </a:r>
-            <a:r>
-              <a:rPr lang="en-US" dirty="0" smtClean="0"/>
-              <a:t> den del </a:t>
-            </a:r>
-            <a:r>
-              <a:rPr lang="en-US" dirty="0" err="1" smtClean="0"/>
-              <a:t>som</a:t>
-            </a:r>
-            <a:r>
-              <a:rPr lang="en-US" dirty="0" smtClean="0"/>
-              <a:t> </a:t>
-            </a:r>
-            <a:r>
-              <a:rPr lang="en-US" dirty="0" err="1" smtClean="0"/>
-              <a:t>är</a:t>
-            </a:r>
-            <a:r>
-              <a:rPr lang="en-US" dirty="0" smtClean="0"/>
-              <a:t> </a:t>
-            </a:r>
-            <a:r>
-              <a:rPr lang="en-US" dirty="0" err="1" smtClean="0"/>
-              <a:t>ansvarig</a:t>
-            </a:r>
-            <a:r>
-              <a:rPr lang="en-US" dirty="0" smtClean="0"/>
-              <a:t> </a:t>
-            </a:r>
-            <a:r>
-              <a:rPr lang="en-US" dirty="0" err="1" smtClean="0"/>
-              <a:t>för</a:t>
-            </a:r>
-            <a:r>
-              <a:rPr lang="en-US" dirty="0" smtClean="0"/>
-              <a:t> </a:t>
-            </a:r>
-            <a:r>
-              <a:rPr lang="en-US" dirty="0" err="1" smtClean="0"/>
-              <a:t>auktorisationsadministration</a:t>
-            </a:r>
-            <a:r>
-              <a:rPr lang="en-US" dirty="0" smtClean="0"/>
-              <a:t>.</a:t>
-            </a:r>
-          </a:p>
-          <a:p>
-            <a:r>
-              <a:rPr lang="en-US" dirty="0" smtClean="0"/>
-              <a:t>Resource server:</a:t>
-            </a:r>
-            <a:r>
-              <a:rPr lang="en-US" baseline="0" dirty="0" smtClean="0"/>
-              <a:t> En roll </a:t>
-            </a:r>
-            <a:r>
-              <a:rPr lang="en-US" baseline="0" dirty="0" err="1" smtClean="0"/>
-              <a:t>i</a:t>
-            </a:r>
-            <a:r>
-              <a:rPr lang="en-US" baseline="0" dirty="0" smtClean="0"/>
-              <a:t> </a:t>
-            </a:r>
-            <a:r>
-              <a:rPr lang="en-US" baseline="0" dirty="0" err="1" smtClean="0"/>
-              <a:t>OAuth</a:t>
-            </a:r>
-            <a:r>
-              <a:rPr lang="en-US" baseline="0" dirty="0" smtClean="0"/>
-              <a:t> 2.0 </a:t>
-            </a:r>
-            <a:r>
-              <a:rPr lang="en-US" baseline="0" dirty="0" err="1" smtClean="0"/>
-              <a:t>specifikationen</a:t>
-            </a:r>
-            <a:r>
-              <a:rPr lang="en-US" baseline="0" dirty="0" smtClean="0"/>
-              <a:t> </a:t>
-            </a:r>
-            <a:r>
-              <a:rPr lang="en-US" baseline="0" dirty="0" err="1" smtClean="0"/>
-              <a:t>som</a:t>
-            </a:r>
-            <a:r>
-              <a:rPr lang="en-US" baseline="0" dirty="0" smtClean="0"/>
-              <a:t> </a:t>
-            </a:r>
-            <a:r>
-              <a:rPr lang="en-US" baseline="0" dirty="0" err="1" smtClean="0"/>
-              <a:t>pekar</a:t>
-            </a:r>
-            <a:r>
-              <a:rPr lang="en-US" baseline="0" dirty="0" smtClean="0"/>
-              <a:t> </a:t>
-            </a:r>
-            <a:r>
-              <a:rPr lang="en-US" baseline="0" dirty="0" err="1" smtClean="0"/>
-              <a:t>ut</a:t>
-            </a:r>
-            <a:r>
-              <a:rPr lang="en-US" baseline="0" dirty="0" smtClean="0"/>
-              <a:t> den del </a:t>
-            </a:r>
-            <a:r>
-              <a:rPr lang="en-US" baseline="0" dirty="0" err="1" smtClean="0"/>
-              <a:t>som</a:t>
-            </a:r>
-            <a:r>
-              <a:rPr lang="en-US" baseline="0" dirty="0" smtClean="0"/>
-              <a:t> </a:t>
-            </a:r>
-            <a:r>
-              <a:rPr lang="en-US" baseline="0" dirty="0" err="1" smtClean="0"/>
-              <a:t>är</a:t>
-            </a:r>
-            <a:r>
-              <a:rPr lang="en-US" baseline="0" dirty="0" smtClean="0"/>
-              <a:t> </a:t>
-            </a:r>
-            <a:r>
-              <a:rPr lang="en-US" baseline="0" dirty="0" err="1" smtClean="0"/>
-              <a:t>ansvarig</a:t>
-            </a:r>
-            <a:r>
-              <a:rPr lang="en-US" baseline="0" dirty="0" smtClean="0"/>
-              <a:t> </a:t>
-            </a:r>
-            <a:r>
-              <a:rPr lang="en-US" baseline="0" dirty="0" err="1" smtClean="0"/>
-              <a:t>för</a:t>
-            </a:r>
-            <a:r>
-              <a:rPr lang="en-US" baseline="0" dirty="0" smtClean="0"/>
-              <a:t> </a:t>
-            </a:r>
-            <a:r>
-              <a:rPr lang="en-US" baseline="0" dirty="0" err="1" smtClean="0"/>
-              <a:t>resurshantering</a:t>
-            </a:r>
-            <a:r>
-              <a:rPr lang="en-US" baseline="0" dirty="0" smtClean="0"/>
-              <a:t>/</a:t>
-            </a:r>
-            <a:r>
-              <a:rPr lang="en-US" baseline="0" dirty="0" err="1" smtClean="0"/>
-              <a:t>resursutlämning</a:t>
-            </a:r>
-            <a:r>
-              <a:rPr lang="en-US" baseline="0" dirty="0" smtClean="0"/>
-              <a:t>.</a:t>
-            </a:r>
-            <a:endParaRPr lang="en-US" dirty="0" smtClean="0"/>
-          </a:p>
-          <a:p>
-            <a:endParaRPr lang="en-US" dirty="0"/>
+              <a:rPr lang="en-US" baseline="0" dirty="0" smtClean="0"/>
+              <a:t> </a:t>
+            </a:r>
+            <a:r>
+              <a:rPr lang="en-US" baseline="0" dirty="0" err="1" smtClean="0"/>
+              <a:t>ett</a:t>
+            </a:r>
+            <a:r>
+              <a:rPr lang="en-US" baseline="0" dirty="0" smtClean="0"/>
+              <a:t> </a:t>
+            </a:r>
+            <a:r>
+              <a:rPr lang="en-US" baseline="0" dirty="0" err="1" smtClean="0"/>
+              <a:t>val</a:t>
+            </a:r>
+            <a:r>
+              <a:rPr lang="en-US" baseline="0" dirty="0" smtClean="0"/>
+              <a:t> </a:t>
+            </a:r>
+            <a:r>
+              <a:rPr lang="en-US" baseline="0" dirty="0" err="1" smtClean="0"/>
+              <a:t>dom</a:t>
+            </a:r>
+            <a:r>
+              <a:rPr lang="en-US" baseline="0" dirty="0" smtClean="0"/>
+              <a:t> </a:t>
+            </a:r>
+            <a:r>
+              <a:rPr lang="en-US" baseline="0" dirty="0" err="1" smtClean="0"/>
+              <a:t>gjort</a:t>
+            </a:r>
+            <a:r>
+              <a:rPr lang="en-US" baseline="0" dirty="0" smtClean="0"/>
+              <a:t> </a:t>
+            </a:r>
+            <a:r>
+              <a:rPr lang="en-US" baseline="0" dirty="0" err="1" smtClean="0"/>
+              <a:t>på</a:t>
+            </a:r>
+            <a:r>
+              <a:rPr lang="en-US" baseline="0" dirty="0" smtClean="0"/>
+              <a:t> FB.</a:t>
+            </a:r>
+            <a:endParaRPr lang="en-US" baseline="0" dirty="0" smtClean="0"/>
           </a:p>
         </p:txBody>
       </p:sp>
@@ -2095,7 +3437,7 @@
     </p:spTree>
     <p:extLst>
       <p:ext uri="{BB962C8B-B14F-4D97-AF65-F5344CB8AC3E}">
-        <p14:creationId xmlns:p14="http://schemas.microsoft.com/office/powerpoint/2010/main" val="698192533"/>
+        <p14:creationId xmlns:p14="http://schemas.microsoft.com/office/powerpoint/2010/main" val="422046913"/>
       </p:ext>
     </p:extLst>
   </p:cSld>
@@ -2151,31 +3493,138 @@
           <a:p>
             <a:r>
               <a:rPr lang="en-US" dirty="0" smtClean="0"/>
-              <a:t>En </a:t>
+              <a:t>User: -&gt; </a:t>
             </a:r>
             <a:r>
               <a:rPr lang="en-US" dirty="0" err="1" smtClean="0"/>
-              <a:t>applikation</a:t>
-            </a:r>
-            <a:r>
-              <a:rPr lang="en-US" dirty="0" smtClean="0"/>
-              <a:t>, </a:t>
+              <a:t>Har</a:t>
+            </a:r>
+            <a:r>
+              <a:rPr lang="en-US" dirty="0" smtClean="0"/>
+              <a:t> </a:t>
             </a:r>
             <a:r>
               <a:rPr lang="en-US" dirty="0" err="1" smtClean="0"/>
-              <a:t>tex</a:t>
-            </a:r>
-            <a:r>
-              <a:rPr lang="en-US" dirty="0" smtClean="0"/>
-              <a:t> </a:t>
+              <a:t>inget</a:t>
+            </a:r>
+            <a:r>
+              <a:rPr lang="en-US" dirty="0" smtClean="0"/>
+              <a:t> med </a:t>
             </a:r>
             <a:r>
               <a:rPr lang="en-US" dirty="0" err="1" smtClean="0"/>
-              <a:t>Runkeeper</a:t>
-            </a:r>
-            <a:r>
-              <a:rPr lang="en-US" dirty="0" smtClean="0"/>
-              <a:t>, </a:t>
+              <a:t>Oauth</a:t>
+            </a:r>
+            <a:r>
+              <a:rPr lang="en-US" dirty="0" smtClean="0"/>
+              <a:t> </a:t>
+            </a:r>
+            <a:r>
+              <a:rPr lang="en-US" dirty="0" err="1" smtClean="0"/>
+              <a:t>att</a:t>
+            </a:r>
+            <a:r>
+              <a:rPr lang="en-US" dirty="0" smtClean="0"/>
+              <a:t> </a:t>
+            </a:r>
+            <a:r>
+              <a:rPr lang="en-US" dirty="0" err="1" smtClean="0"/>
+              <a:t>göra</a:t>
+            </a:r>
+            <a:r>
+              <a:rPr lang="en-US" dirty="0" smtClean="0"/>
+              <a:t>,</a:t>
+            </a:r>
+            <a:r>
+              <a:rPr lang="en-US" baseline="0" dirty="0" smtClean="0"/>
+              <a:t> </a:t>
+            </a:r>
+            <a:r>
+              <a:rPr lang="en-US" baseline="0" dirty="0" err="1" smtClean="0"/>
+              <a:t>utan</a:t>
+            </a:r>
+            <a:r>
+              <a:rPr lang="en-US" baseline="0" dirty="0" smtClean="0"/>
+              <a:t> </a:t>
+            </a:r>
+            <a:r>
+              <a:rPr lang="en-US" baseline="0" dirty="0" err="1" smtClean="0"/>
+              <a:t>är</a:t>
+            </a:r>
+            <a:r>
+              <a:rPr lang="en-US" baseline="0" dirty="0" smtClean="0"/>
+              <a:t> </a:t>
+            </a:r>
+            <a:r>
+              <a:rPr lang="en-US" baseline="0" dirty="0" err="1" smtClean="0"/>
+              <a:t>helt</a:t>
+            </a:r>
+            <a:r>
+              <a:rPr lang="en-US" baseline="0" dirty="0" smtClean="0"/>
+              <a:t> </a:t>
+            </a:r>
+            <a:r>
+              <a:rPr lang="en-US" baseline="0" dirty="0" err="1" smtClean="0"/>
+              <a:t>enkelt</a:t>
+            </a:r>
+            <a:r>
+              <a:rPr lang="en-US" baseline="0" dirty="0" smtClean="0"/>
+              <a:t> den </a:t>
+            </a:r>
+            <a:r>
+              <a:rPr lang="en-US" baseline="0" dirty="0" err="1" smtClean="0"/>
+              <a:t>användare</a:t>
+            </a:r>
+            <a:r>
+              <a:rPr lang="en-US" baseline="0" dirty="0" smtClean="0"/>
+              <a:t> man </a:t>
+            </a:r>
+            <a:r>
+              <a:rPr lang="en-US" baseline="0" dirty="0" err="1" smtClean="0"/>
+              <a:t>loggar</a:t>
+            </a:r>
+            <a:r>
+              <a:rPr lang="en-US" baseline="0" dirty="0" smtClean="0"/>
+              <a:t> in med I </a:t>
+            </a:r>
+            <a:r>
+              <a:rPr lang="en-US" baseline="0" dirty="0" err="1" smtClean="0"/>
+              <a:t>applikationen</a:t>
+            </a:r>
+            <a:endParaRPr lang="en-US" dirty="0" smtClean="0"/>
+          </a:p>
+          <a:p>
+            <a:r>
+              <a:rPr lang="en-US" dirty="0" smtClean="0"/>
+              <a:t>Resource </a:t>
+            </a:r>
+            <a:r>
+              <a:rPr lang="en-US" dirty="0" smtClean="0"/>
+              <a:t>Owner: En roll </a:t>
+            </a:r>
+            <a:r>
+              <a:rPr lang="en-US" dirty="0" err="1" smtClean="0"/>
+              <a:t>i</a:t>
+            </a:r>
+            <a:r>
+              <a:rPr lang="en-US" dirty="0" smtClean="0"/>
+              <a:t> </a:t>
+            </a:r>
+            <a:r>
+              <a:rPr lang="en-US" dirty="0" err="1" smtClean="0"/>
+              <a:t>OAuth</a:t>
+            </a:r>
+            <a:r>
+              <a:rPr lang="en-US" dirty="0" smtClean="0"/>
+              <a:t> 2.0 </a:t>
+            </a:r>
+            <a:r>
+              <a:rPr lang="en-US" dirty="0" err="1" smtClean="0"/>
+              <a:t>specifikationen</a:t>
+            </a:r>
+            <a:r>
+              <a:rPr lang="en-US" dirty="0" smtClean="0"/>
+              <a:t> </a:t>
             </a:r>
             <a:r>
               <a:rPr lang="en-US" dirty="0" err="1" smtClean="0"/>
@@ -2183,19 +3632,19 @@
             </a:r>
             <a:r>
               <a:rPr lang="en-US" dirty="0" smtClean="0"/>
-              <a:t> du </a:t>
+              <a:t> </a:t>
             </a:r>
             <a:r>
               <a:rPr lang="en-US" dirty="0" err="1" smtClean="0"/>
-              <a:t>lagt</a:t>
-            </a:r>
-            <a:r>
-              <a:rPr lang="en-US" dirty="0" smtClean="0"/>
-              <a:t> till </a:t>
+              <a:t>pekar</a:t>
+            </a:r>
+            <a:r>
+              <a:rPr lang="en-US" dirty="0" smtClean="0"/>
+              <a:t> </a:t>
             </a:r>
             <a:r>
               <a:rPr lang="en-US" dirty="0" err="1" smtClean="0"/>
-              <a:t>nyligen</a:t>
+              <a:t>ut</a:t>
             </a:r>
             <a:r>
               <a:rPr lang="en-US" dirty="0" smtClean="0"/>
@@ -2203,121 +3652,85 @@
             </a:r>
             <a:r>
               <a:rPr lang="en-US" dirty="0" err="1" smtClean="0"/>
-              <a:t>vill</a:t>
-            </a:r>
-            <a:r>
-              <a:rPr lang="en-US" dirty="0" smtClean="0"/>
-              <a:t> </a:t>
+              <a:t>ägaren</a:t>
+            </a:r>
+            <a:r>
+              <a:rPr lang="en-US" baseline="0" dirty="0" smtClean="0"/>
+              <a:t> </a:t>
+            </a:r>
+            <a:r>
+              <a:rPr lang="en-US" baseline="0" dirty="0" err="1" smtClean="0"/>
+              <a:t>av</a:t>
+            </a:r>
+            <a:r>
+              <a:rPr lang="en-US" dirty="0" smtClean="0"/>
+              <a:t> en given </a:t>
             </a:r>
             <a:r>
               <a:rPr lang="en-US" dirty="0" err="1" smtClean="0"/>
-              <a:t>komma</a:t>
-            </a:r>
-            <a:r>
-              <a:rPr lang="en-US" dirty="0" smtClean="0"/>
-              <a:t> </a:t>
+              <a:t>resurs</a:t>
+            </a:r>
+            <a:r>
+              <a:rPr lang="en-US" dirty="0" smtClean="0"/>
+              <a:t>.</a:t>
+            </a:r>
+          </a:p>
+          <a:p>
+            <a:r>
+              <a:rPr lang="en-US" dirty="0" smtClean="0"/>
+              <a:t>Client: I </a:t>
             </a:r>
             <a:r>
               <a:rPr lang="en-US" dirty="0" err="1" smtClean="0"/>
-              <a:t>åt</a:t>
-            </a:r>
-            <a:r>
-              <a:rPr lang="en-US" dirty="0" smtClean="0"/>
-              <a:t> information</a:t>
-            </a:r>
-            <a:r>
-              <a:rPr lang="en-US" baseline="0" dirty="0" smtClean="0"/>
-              <a:t> </a:t>
-            </a:r>
-            <a:r>
-              <a:rPr lang="en-US" baseline="0" dirty="0" err="1" smtClean="0"/>
-              <a:t>om</a:t>
-            </a:r>
-            <a:r>
-              <a:rPr lang="en-US" baseline="0" dirty="0" smtClean="0"/>
-              <a:t> dig </a:t>
-            </a:r>
-            <a:r>
-              <a:rPr lang="en-US" baseline="0" dirty="0" err="1" smtClean="0"/>
-              <a:t>eller</a:t>
-            </a:r>
-            <a:r>
-              <a:rPr lang="en-US" baseline="0" dirty="0" smtClean="0"/>
-              <a:t> </a:t>
-            </a:r>
-            <a:r>
-              <a:rPr lang="en-US" baseline="0" dirty="0" err="1" smtClean="0"/>
-              <a:t>agera</a:t>
-            </a:r>
-            <a:r>
-              <a:rPr lang="en-US" baseline="0" dirty="0" smtClean="0"/>
-              <a:t> I </a:t>
-            </a:r>
-            <a:r>
-              <a:rPr lang="en-US" baseline="0" dirty="0" err="1" smtClean="0"/>
-              <a:t>ditt</a:t>
-            </a:r>
-            <a:r>
-              <a:rPr lang="en-US" baseline="0" dirty="0" smtClean="0"/>
-              <a:t> </a:t>
-            </a:r>
-            <a:r>
-              <a:rPr lang="en-US" baseline="0" dirty="0" err="1" smtClean="0"/>
-              <a:t>namn</a:t>
-            </a:r>
-            <a:r>
-              <a:rPr lang="en-US" baseline="0" dirty="0" smtClean="0"/>
-              <a:t>, till </a:t>
-            </a:r>
-            <a:r>
-              <a:rPr lang="en-US" baseline="0" dirty="0" err="1" smtClean="0"/>
-              <a:t>exempel</a:t>
-            </a:r>
-            <a:r>
-              <a:rPr lang="en-US" baseline="0" dirty="0" smtClean="0"/>
-              <a:t> </a:t>
-            </a:r>
-            <a:r>
-              <a:rPr lang="en-US" baseline="0" dirty="0" err="1" smtClean="0"/>
-              <a:t>på</a:t>
-            </a:r>
-            <a:r>
-              <a:rPr lang="en-US" baseline="0" dirty="0" smtClean="0"/>
-              <a:t> Facebook. </a:t>
-            </a:r>
-          </a:p>
-          <a:p>
-            <a:r>
-              <a:rPr lang="en-US" baseline="0" dirty="0" smtClean="0"/>
-              <a:t>I </a:t>
-            </a:r>
-            <a:r>
-              <a:rPr lang="en-US" baseline="0" dirty="0" err="1" smtClean="0"/>
-              <a:t>applikationen</a:t>
-            </a:r>
-            <a:r>
-              <a:rPr lang="en-US" baseline="0" dirty="0" smtClean="0"/>
-              <a:t> (</a:t>
-            </a:r>
-            <a:r>
-              <a:rPr lang="en-US" baseline="0" dirty="0" err="1" smtClean="0"/>
-              <a:t>Runkeeper</a:t>
-            </a:r>
-            <a:r>
-              <a:rPr lang="en-US" baseline="0" dirty="0" smtClean="0"/>
-              <a:t>) </a:t>
-            </a:r>
-            <a:r>
-              <a:rPr lang="en-US" baseline="0" dirty="0" err="1" smtClean="0"/>
+              <a:t>OAuth</a:t>
+            </a:r>
+            <a:r>
+              <a:rPr lang="en-US" dirty="0" smtClean="0"/>
+              <a:t> 2.0-specifikationen </a:t>
+            </a:r>
+            <a:r>
+              <a:rPr lang="en-US" dirty="0" err="1" smtClean="0"/>
               <a:t>är</a:t>
             </a:r>
             <a:r>
-              <a:rPr lang="en-US" baseline="0" dirty="0" smtClean="0"/>
-              <a:t> du </a:t>
-            </a:r>
-            <a:r>
-              <a:rPr lang="en-US" baseline="0" dirty="0" err="1" smtClean="0"/>
-              <a:t>inloggad</a:t>
+              <a:rPr lang="en-US" dirty="0" smtClean="0"/>
+              <a:t> </a:t>
+            </a:r>
+            <a:r>
+              <a:rPr lang="en-US" dirty="0" err="1" smtClean="0"/>
+              <a:t>klienten</a:t>
+            </a:r>
+            <a:r>
+              <a:rPr lang="en-US" dirty="0" smtClean="0"/>
+              <a:t> den del </a:t>
+            </a:r>
+            <a:r>
+              <a:rPr lang="en-US" dirty="0" err="1" smtClean="0"/>
+              <a:t>av</a:t>
+            </a:r>
+            <a:r>
+              <a:rPr lang="en-US" dirty="0" smtClean="0"/>
+              <a:t> </a:t>
+            </a:r>
+            <a:r>
+              <a:rPr lang="en-US" dirty="0" err="1" smtClean="0"/>
+              <a:t>tredjeparts-lösningen</a:t>
+            </a:r>
+            <a:r>
+              <a:rPr lang="en-US" baseline="0" dirty="0" smtClean="0"/>
+              <a:t> </a:t>
+            </a:r>
+            <a:r>
+              <a:rPr lang="en-US" baseline="0" dirty="0" err="1" smtClean="0"/>
+              <a:t>som</a:t>
+            </a:r>
+            <a:r>
+              <a:rPr lang="en-US" baseline="0" dirty="0" smtClean="0"/>
+              <a:t> </a:t>
+            </a:r>
+            <a:r>
+              <a:rPr lang="en-US" baseline="0" dirty="0" err="1" smtClean="0"/>
+              <a:t>kommunicerar</a:t>
             </a:r>
             <a:r>
               <a:rPr lang="en-US" baseline="0" dirty="0" smtClean="0"/>
@@ -2325,65 +3738,156 @@
             </a:r>
             <a:r>
               <a:rPr lang="en-US" baseline="0" dirty="0" err="1" smtClean="0"/>
-              <a:t>ditt</a:t>
-            </a:r>
-            <a:r>
-              <a:rPr lang="en-US" baseline="0" dirty="0" smtClean="0"/>
-              <a:t> </a:t>
-            </a:r>
-            <a:r>
-              <a:rPr lang="en-US" baseline="0" dirty="0" err="1" smtClean="0"/>
-              <a:t>användarnamn</a:t>
-            </a:r>
-            <a:r>
-              <a:rPr lang="en-US" baseline="0" dirty="0" smtClean="0"/>
-              <a:t> </a:t>
-            </a:r>
-            <a:r>
-              <a:rPr lang="en-US" baseline="0" dirty="0" err="1" smtClean="0"/>
+              <a:t>resurs</a:t>
+            </a:r>
+            <a:r>
+              <a:rPr lang="en-US" baseline="0" dirty="0" smtClean="0"/>
+              <a:t>- </a:t>
+            </a:r>
+            <a:r>
+              <a:rPr lang="en-US" baseline="0" dirty="0" err="1" smtClean="0"/>
+              <a:t>och</a:t>
+            </a:r>
+            <a:r>
+              <a:rPr lang="en-US" baseline="0" dirty="0" smtClean="0"/>
+              <a:t> </a:t>
+            </a:r>
+            <a:r>
+              <a:rPr lang="en-US" baseline="0" dirty="0" err="1" smtClean="0"/>
+              <a:t>auktorisations-servern</a:t>
+            </a:r>
+            <a:r>
+              <a:rPr lang="en-US" baseline="0" dirty="0" smtClean="0"/>
+              <a:t>.</a:t>
+            </a:r>
+            <a:endParaRPr lang="en-US" dirty="0" smtClean="0"/>
+          </a:p>
+          <a:p>
+            <a:r>
+              <a:rPr lang="en-US" dirty="0" smtClean="0"/>
+              <a:t>Authorization server: En roll </a:t>
+            </a:r>
+            <a:r>
+              <a:rPr lang="en-US" dirty="0" err="1" smtClean="0"/>
+              <a:t>i</a:t>
+            </a:r>
+            <a:r>
+              <a:rPr lang="en-US" dirty="0" smtClean="0"/>
+              <a:t> </a:t>
+            </a:r>
+            <a:r>
+              <a:rPr lang="en-US" dirty="0" err="1" smtClean="0"/>
+              <a:t>OAuth</a:t>
+            </a:r>
+            <a:r>
+              <a:rPr lang="en-US" dirty="0" smtClean="0"/>
+              <a:t> 2.0 </a:t>
+            </a:r>
+            <a:r>
+              <a:rPr lang="en-US" dirty="0" err="1" smtClean="0"/>
+              <a:t>specifikationen</a:t>
+            </a:r>
+            <a:r>
+              <a:rPr lang="en-US" dirty="0" smtClean="0"/>
+              <a:t> </a:t>
+            </a:r>
+            <a:r>
+              <a:rPr lang="en-US" dirty="0" err="1" smtClean="0"/>
+              <a:t>som</a:t>
+            </a:r>
+            <a:r>
+              <a:rPr lang="en-US" dirty="0" smtClean="0"/>
+              <a:t> </a:t>
+            </a:r>
+            <a:r>
+              <a:rPr lang="en-US" dirty="0" err="1" smtClean="0"/>
+              <a:t>pekar</a:t>
+            </a:r>
+            <a:r>
+              <a:rPr lang="en-US" dirty="0" smtClean="0"/>
+              <a:t> </a:t>
+            </a:r>
+            <a:r>
+              <a:rPr lang="en-US" dirty="0" err="1" smtClean="0"/>
+              <a:t>ut</a:t>
+            </a:r>
+            <a:r>
+              <a:rPr lang="en-US" dirty="0" smtClean="0"/>
+              <a:t> den del </a:t>
+            </a:r>
+            <a:r>
+              <a:rPr lang="en-US" dirty="0" err="1" smtClean="0"/>
+              <a:t>som</a:t>
+            </a:r>
+            <a:r>
+              <a:rPr lang="en-US" dirty="0" smtClean="0"/>
+              <a:t> </a:t>
+            </a:r>
+            <a:r>
+              <a:rPr lang="en-US" dirty="0" err="1" smtClean="0"/>
+              <a:t>är</a:t>
+            </a:r>
+            <a:r>
+              <a:rPr lang="en-US" dirty="0" smtClean="0"/>
+              <a:t> </a:t>
+            </a:r>
+            <a:r>
+              <a:rPr lang="en-US" dirty="0" err="1" smtClean="0"/>
+              <a:t>ansvarig</a:t>
+            </a:r>
+            <a:r>
+              <a:rPr lang="en-US" dirty="0" smtClean="0"/>
+              <a:t> </a:t>
+            </a:r>
+            <a:r>
+              <a:rPr lang="en-US" dirty="0" err="1" smtClean="0"/>
               <a:t>för</a:t>
             </a:r>
             <a:r>
-              <a:rPr lang="en-US" baseline="0" dirty="0" smtClean="0"/>
-              <a:t> just den </a:t>
-            </a:r>
-            <a:r>
-              <a:rPr lang="en-US" baseline="0" dirty="0" err="1" smtClean="0"/>
-              <a:t>applikationen</a:t>
-            </a:r>
-            <a:r>
-              <a:rPr lang="en-US" baseline="0" dirty="0" smtClean="0"/>
-              <a:t>, </a:t>
-            </a:r>
-            <a:r>
-              <a:rPr lang="en-US" baseline="0" dirty="0" err="1" smtClean="0"/>
-              <a:t>ett</a:t>
-            </a:r>
-            <a:r>
-              <a:rPr lang="en-US" baseline="0" dirty="0" smtClean="0"/>
-              <a:t> alias </a:t>
-            </a:r>
-            <a:r>
-              <a:rPr lang="en-US" baseline="0" dirty="0" err="1" smtClean="0"/>
-              <a:t>tex</a:t>
-            </a:r>
-            <a:r>
-              <a:rPr lang="en-US" baseline="0" dirty="0" smtClean="0"/>
-              <a:t> </a:t>
-            </a:r>
-            <a:r>
-              <a:rPr lang="en-US" baseline="0" dirty="0" err="1" smtClean="0"/>
-              <a:t>kallekula</a:t>
-            </a:r>
-            <a:r>
-              <a:rPr lang="en-US" baseline="0" dirty="0" smtClean="0"/>
+              <a:rPr lang="en-US" dirty="0" smtClean="0"/>
+              <a:t> </a:t>
+            </a:r>
+            <a:r>
+              <a:rPr lang="en-US" dirty="0" err="1" smtClean="0"/>
+              <a:t>auktorisationsadministration</a:t>
+            </a:r>
+            <a:r>
+              <a:rPr lang="en-US" dirty="0" smtClean="0"/>
               <a:t>.</a:t>
             </a:r>
           </a:p>
           <a:p>
             <a:r>
-              <a:rPr lang="en-US" baseline="0" dirty="0" smtClean="0"/>
-              <a:t>Du </a:t>
+              <a:rPr lang="en-US" dirty="0" smtClean="0"/>
+              <a:t>Resource server:</a:t>
+            </a:r>
+            <a:r>
+              <a:rPr lang="en-US" baseline="0" dirty="0" smtClean="0"/>
+              <a:t> En roll </a:t>
+            </a:r>
+            <a:r>
+              <a:rPr lang="en-US" baseline="0" dirty="0" err="1" smtClean="0"/>
+              <a:t>i</a:t>
+            </a:r>
+            <a:r>
+              <a:rPr lang="en-US" baseline="0" dirty="0" smtClean="0"/>
+              <a:t> </a:t>
+            </a:r>
+            <a:r>
+              <a:rPr lang="en-US" baseline="0" dirty="0" err="1" smtClean="0"/>
+              <a:t>OAuth</a:t>
+            </a:r>
+            <a:r>
+              <a:rPr lang="en-US" baseline="0" dirty="0" smtClean="0"/>
+              <a:t> 2.0 </a:t>
+            </a:r>
+            <a:r>
+              <a:rPr lang="en-US" baseline="0" dirty="0" err="1" smtClean="0"/>
+              <a:t>specifikationen</a:t>
+            </a:r>
+            <a:r>
+              <a:rPr lang="en-US" baseline="0" dirty="0" smtClean="0"/>
+              <a:t> </a:t>
             </a:r>
             <a:r>
               <a:rPr lang="en-US" baseline="0" dirty="0" err="1" smtClean="0"/>
@@ -2395,174 +3899,71 @@
             </a:r>
             <a:r>
               <a:rPr lang="en-US" baseline="0" dirty="0" err="1" smtClean="0"/>
-              <a:t>invånare</a:t>
-            </a:r>
-            <a:r>
-              <a:rPr lang="en-US" baseline="0" dirty="0" smtClean="0"/>
-              <a:t> </a:t>
-            </a:r>
-            <a:r>
-              <a:rPr lang="en-US" baseline="0" dirty="0" err="1" smtClean="0"/>
-              <a:t>behöver</a:t>
-            </a:r>
-            <a:r>
-              <a:rPr lang="en-US" baseline="0" dirty="0" smtClean="0"/>
-              <a:t> </a:t>
-            </a:r>
-            <a:r>
-              <a:rPr lang="en-US" baseline="0" dirty="0" err="1" smtClean="0"/>
-              <a:t>godkänna</a:t>
-            </a:r>
-            <a:r>
-              <a:rPr lang="en-US" baseline="0" dirty="0" smtClean="0"/>
-              <a:t> </a:t>
-            </a:r>
-            <a:r>
-              <a:rPr lang="en-US" baseline="0" dirty="0" err="1" smtClean="0"/>
-              <a:t>att</a:t>
-            </a:r>
-            <a:r>
-              <a:rPr lang="en-US" baseline="0" dirty="0" smtClean="0"/>
-              <a:t> </a:t>
-            </a:r>
-            <a:r>
-              <a:rPr lang="en-US" baseline="0" dirty="0" err="1" smtClean="0"/>
-              <a:t>applikationen</a:t>
-            </a:r>
-            <a:r>
-              <a:rPr lang="en-US" baseline="0" dirty="0" smtClean="0"/>
-              <a:t> </a:t>
-            </a:r>
-            <a:r>
-              <a:rPr lang="en-US" baseline="0" dirty="0" err="1" smtClean="0"/>
-              <a:t>får</a:t>
-            </a:r>
-            <a:r>
-              <a:rPr lang="en-US" baseline="0" dirty="0" smtClean="0"/>
-              <a:t> </a:t>
-            </a:r>
-            <a:r>
-              <a:rPr lang="en-US" baseline="0" dirty="0" err="1" smtClean="0"/>
-              <a:t>komma</a:t>
-            </a:r>
-            <a:r>
-              <a:rPr lang="en-US" baseline="0" dirty="0" smtClean="0"/>
-              <a:t> </a:t>
-            </a:r>
-            <a:r>
-              <a:rPr lang="en-US" baseline="0" dirty="0" err="1" smtClean="0"/>
-              <a:t>åt</a:t>
-            </a:r>
-            <a:r>
-              <a:rPr lang="en-US" baseline="0" dirty="0" smtClean="0"/>
-              <a:t> information </a:t>
-            </a:r>
-            <a:r>
-              <a:rPr lang="en-US" baseline="0" dirty="0" err="1" smtClean="0"/>
-              <a:t>om</a:t>
-            </a:r>
-            <a:r>
-              <a:rPr lang="en-US" baseline="0" dirty="0" smtClean="0"/>
-              <a:t> dig.</a:t>
-            </a:r>
-          </a:p>
-          <a:p>
-            <a:r>
-              <a:rPr lang="en-US" baseline="0" dirty="0" err="1" smtClean="0"/>
-              <a:t>För</a:t>
-            </a:r>
-            <a:r>
-              <a:rPr lang="en-US" baseline="0" dirty="0" smtClean="0"/>
-              <a:t> </a:t>
-            </a:r>
-            <a:r>
-              <a:rPr lang="en-US" baseline="0" dirty="0" err="1" smtClean="0"/>
-              <a:t>att</a:t>
-            </a:r>
-            <a:r>
-              <a:rPr lang="en-US" baseline="0" dirty="0" smtClean="0"/>
-              <a:t> </a:t>
-            </a:r>
-            <a:r>
-              <a:rPr lang="en-US" baseline="0" dirty="0" err="1" smtClean="0"/>
-              <a:t>göra</a:t>
-            </a:r>
-            <a:r>
-              <a:rPr lang="en-US" baseline="0" dirty="0" smtClean="0"/>
-              <a:t> </a:t>
-            </a:r>
-            <a:r>
-              <a:rPr lang="en-US" baseline="0" dirty="0" err="1" smtClean="0"/>
-              <a:t>detta</a:t>
-            </a:r>
-            <a:r>
-              <a:rPr lang="en-US" baseline="0" dirty="0" smtClean="0"/>
-              <a:t> </a:t>
-            </a:r>
-            <a:r>
-              <a:rPr lang="en-US" baseline="0" dirty="0" err="1" smtClean="0"/>
-              <a:t>blir</a:t>
-            </a:r>
-            <a:r>
-              <a:rPr lang="en-US" baseline="0" dirty="0" smtClean="0"/>
-              <a:t> du </a:t>
-            </a:r>
-            <a:r>
-              <a:rPr lang="en-US" baseline="0" dirty="0" err="1" smtClean="0"/>
-              <a:t>skickad</a:t>
-            </a:r>
-            <a:r>
-              <a:rPr lang="en-US" baseline="0" dirty="0" smtClean="0"/>
-              <a:t> till Facebook, </a:t>
-            </a:r>
-            <a:r>
-              <a:rPr lang="en-US" baseline="0" dirty="0" err="1" smtClean="0"/>
-              <a:t>där</a:t>
-            </a:r>
-            <a:r>
-              <a:rPr lang="en-US" baseline="0" dirty="0" smtClean="0"/>
-              <a:t> du </a:t>
-            </a:r>
-            <a:r>
-              <a:rPr lang="en-US" baseline="0" dirty="0" err="1" smtClean="0"/>
-              <a:t>får</a:t>
-            </a:r>
-            <a:r>
-              <a:rPr lang="en-US" baseline="0" dirty="0" smtClean="0"/>
-              <a:t> </a:t>
-            </a:r>
-            <a:r>
-              <a:rPr lang="en-US" baseline="0" dirty="0" err="1" smtClean="0"/>
-              <a:t>logga</a:t>
-            </a:r>
-            <a:r>
-              <a:rPr lang="en-US" baseline="0" dirty="0" smtClean="0"/>
-              <a:t> in </a:t>
-            </a:r>
-            <a:r>
-              <a:rPr lang="en-US" baseline="0" dirty="0" err="1" smtClean="0"/>
-              <a:t>och</a:t>
-            </a:r>
-            <a:r>
-              <a:rPr lang="en-US" baseline="0" dirty="0" smtClean="0"/>
-              <a:t> </a:t>
-            </a:r>
-            <a:r>
-              <a:rPr lang="en-US" baseline="0" dirty="0" err="1" smtClean="0"/>
-              <a:t>godkänna</a:t>
-            </a:r>
-            <a:r>
-              <a:rPr lang="en-US" baseline="0" dirty="0" smtClean="0"/>
-              <a:t> </a:t>
-            </a:r>
-            <a:r>
-              <a:rPr lang="en-US" baseline="0" dirty="0" err="1" smtClean="0"/>
-              <a:t>begäran</a:t>
+              <a:t>pekar</a:t>
+            </a:r>
+            <a:r>
+              <a:rPr lang="en-US" baseline="0" dirty="0" smtClean="0"/>
+              <a:t> </a:t>
+            </a:r>
+            <a:r>
+              <a:rPr lang="en-US" baseline="0" dirty="0" err="1" smtClean="0"/>
+              <a:t>ut</a:t>
+            </a:r>
+            <a:r>
+              <a:rPr lang="en-US" baseline="0" dirty="0" smtClean="0"/>
+              <a:t> den del </a:t>
+            </a:r>
+            <a:r>
+              <a:rPr lang="en-US" baseline="0" dirty="0" err="1" smtClean="0"/>
+              <a:t>som</a:t>
+            </a:r>
+            <a:r>
+              <a:rPr lang="en-US" baseline="0" dirty="0" smtClean="0"/>
+              <a:t> </a:t>
+            </a:r>
+            <a:r>
+              <a:rPr lang="en-US" baseline="0" dirty="0" err="1" smtClean="0"/>
+              <a:t>är</a:t>
+            </a:r>
+            <a:r>
+              <a:rPr lang="en-US" baseline="0" dirty="0" smtClean="0"/>
+              <a:t> </a:t>
+            </a:r>
+            <a:r>
+              <a:rPr lang="en-US" baseline="0" dirty="0" err="1" smtClean="0"/>
+              <a:t>ansvarig</a:t>
+            </a:r>
+            <a:r>
+              <a:rPr lang="en-US" baseline="0" dirty="0" smtClean="0"/>
+              <a:t> </a:t>
+            </a:r>
+            <a:r>
+              <a:rPr lang="en-US" baseline="0" dirty="0" err="1" smtClean="0"/>
+              <a:t>för</a:t>
+            </a:r>
+            <a:r>
+              <a:rPr lang="en-US" baseline="0" dirty="0" smtClean="0"/>
+              <a:t> </a:t>
+            </a:r>
+            <a:r>
+              <a:rPr lang="en-US" baseline="0" dirty="0" err="1" smtClean="0"/>
+              <a:t>resurshantering</a:t>
+            </a:r>
+            <a:r>
+              <a:rPr lang="en-US" baseline="0" dirty="0" smtClean="0"/>
+              <a:t>/</a:t>
+            </a:r>
+            <a:r>
+              <a:rPr lang="en-US" baseline="0" dirty="0" err="1" smtClean="0"/>
+              <a:t>resursutlämning</a:t>
             </a:r>
             <a:r>
               <a:rPr lang="en-US" baseline="0" dirty="0" smtClean="0"/>
               <a:t>.</a:t>
             </a:r>
+            <a:endParaRPr lang="en-US" dirty="0" smtClean="0"/>
+          </a:p>
+          <a:p>
             <a:endParaRPr lang="en-US" dirty="0"/>
           </a:p>
         </p:txBody>
@@ -2787,118 +4188,32 @@
           <a:lstStyle/>
           <a:p>
             <a:r>
-              <a:rPr lang="en-US" b="1" dirty="0" smtClean="0"/>
-              <a:t>Response type </a:t>
-            </a:r>
-            <a:r>
-              <a:rPr lang="en-US" b="0" dirty="0" smtClean="0"/>
-              <a:t>-&gt; Fast till Code, </a:t>
-            </a:r>
-            <a:r>
-              <a:rPr lang="en-US" b="0" dirty="0" err="1" smtClean="0"/>
-              <a:t>för</a:t>
-            </a:r>
-            <a:r>
-              <a:rPr lang="en-US" b="0" dirty="0" smtClean="0"/>
-              <a:t> </a:t>
-            </a:r>
-            <a:r>
-              <a:rPr lang="en-US" b="0" dirty="0" err="1" smtClean="0"/>
-              <a:t>att</a:t>
-            </a:r>
-            <a:r>
-              <a:rPr lang="en-US" b="0" dirty="0" smtClean="0"/>
-              <a:t> </a:t>
-            </a:r>
-            <a:r>
-              <a:rPr lang="en-US" b="0" dirty="0" err="1" smtClean="0"/>
-              <a:t>säga</a:t>
-            </a:r>
-            <a:r>
-              <a:rPr lang="en-US" b="0" dirty="0" smtClean="0"/>
-              <a:t> till authorization server</a:t>
-            </a:r>
-            <a:r>
-              <a:rPr lang="en-US" b="0" baseline="0" dirty="0" smtClean="0"/>
-              <a:t> </a:t>
-            </a:r>
-            <a:r>
-              <a:rPr lang="en-US" b="0" baseline="0" dirty="0" err="1" smtClean="0"/>
-              <a:t>vilket</a:t>
-            </a:r>
-            <a:r>
-              <a:rPr lang="en-US" b="0" baseline="0" dirty="0" smtClean="0"/>
-              <a:t> </a:t>
-            </a:r>
-            <a:r>
-              <a:rPr lang="en-US" b="0" baseline="0" dirty="0" err="1" smtClean="0"/>
-              <a:t>flöde</a:t>
-            </a:r>
-            <a:r>
-              <a:rPr lang="en-US" b="0" baseline="0" dirty="0" smtClean="0"/>
-              <a:t> vi </a:t>
-            </a:r>
-            <a:r>
-              <a:rPr lang="en-US" b="0" baseline="0" dirty="0" err="1" smtClean="0"/>
-              <a:t>vill</a:t>
-            </a:r>
-            <a:r>
-              <a:rPr lang="en-US" b="0" baseline="0" dirty="0" smtClean="0"/>
-              <a:t> </a:t>
-            </a:r>
-            <a:r>
-              <a:rPr lang="en-US" b="0" baseline="0" dirty="0" err="1" smtClean="0"/>
-              <a:t>använda</a:t>
-            </a:r>
-            <a:r>
-              <a:rPr lang="en-US" b="0" baseline="0" dirty="0" smtClean="0"/>
-              <a:t>, I </a:t>
-            </a:r>
-            <a:r>
-              <a:rPr lang="en-US" b="0" baseline="0" dirty="0" err="1" smtClean="0"/>
-              <a:t>detta</a:t>
-            </a:r>
-            <a:r>
-              <a:rPr lang="en-US" b="0" baseline="0" dirty="0" smtClean="0"/>
-              <a:t> </a:t>
-            </a:r>
-            <a:r>
-              <a:rPr lang="en-US" b="0" baseline="0" dirty="0" err="1" smtClean="0"/>
-              <a:t>fallet</a:t>
-            </a:r>
-            <a:r>
-              <a:rPr lang="en-US" b="0" baseline="0" dirty="0" smtClean="0"/>
-              <a:t> authorization code flow.</a:t>
-            </a:r>
-            <a:endParaRPr lang="en-US" b="0" dirty="0" smtClean="0"/>
-          </a:p>
-          <a:p>
-            <a:endParaRPr lang="en-US" b="0" dirty="0" smtClean="0"/>
-          </a:p>
-          <a:p>
-            <a:r>
-              <a:rPr lang="en-US" b="1" dirty="0" smtClean="0"/>
-              <a:t>Client ID</a:t>
-            </a:r>
-            <a:r>
-              <a:rPr lang="en-US" dirty="0" smtClean="0"/>
-              <a:t> -&gt; </a:t>
+              <a:rPr lang="en-US" dirty="0" smtClean="0"/>
+              <a:t>En </a:t>
             </a:r>
             <a:r>
               <a:rPr lang="en-US" dirty="0" err="1" smtClean="0"/>
-              <a:t>Alla</a:t>
-            </a:r>
-            <a:r>
-              <a:rPr lang="en-US" dirty="0" smtClean="0"/>
-              <a:t> </a:t>
+              <a:t>applikation</a:t>
+            </a:r>
+            <a:r>
+              <a:rPr lang="en-US" dirty="0" smtClean="0"/>
+              <a:t>, </a:t>
             </a:r>
             <a:r>
               <a:rPr lang="en-US" dirty="0" err="1" smtClean="0"/>
-              <a:t>klienter</a:t>
-            </a:r>
-            <a:r>
-              <a:rPr lang="en-US" dirty="0" smtClean="0"/>
-              <a:t> </a:t>
+              <a:t>tex</a:t>
+            </a:r>
+            <a:r>
+              <a:rPr lang="en-US" dirty="0" smtClean="0"/>
+              <a:t> </a:t>
+            </a:r>
+            <a:r>
+              <a:rPr lang="en-US" dirty="0" err="1" smtClean="0"/>
+              <a:t>Runkeeper</a:t>
+            </a:r>
+            <a:r>
+              <a:rPr lang="en-US" dirty="0" smtClean="0"/>
+              <a:t>, </a:t>
             </a:r>
             <a:r>
               <a:rPr lang="en-US" dirty="0" err="1" smtClean="0"/>
@@ -2906,19 +4221,19 @@
             </a:r>
             <a:r>
               <a:rPr lang="en-US" dirty="0" smtClean="0"/>
-              <a:t> </a:t>
+              <a:t> du </a:t>
             </a:r>
             <a:r>
               <a:rPr lang="en-US" dirty="0" err="1" smtClean="0"/>
-              <a:t>använder</a:t>
-            </a:r>
-            <a:r>
-              <a:rPr lang="en-US" dirty="0" smtClean="0"/>
-              <a:t> </a:t>
+              <a:t>lagt</a:t>
+            </a:r>
+            <a:r>
+              <a:rPr lang="en-US" dirty="0" smtClean="0"/>
+              <a:t> till </a:t>
             </a:r>
             <a:r>
               <a:rPr lang="en-US" dirty="0" err="1" smtClean="0"/>
-              <a:t>API:et</a:t>
+              <a:t>nyligen</a:t>
             </a:r>
             <a:r>
               <a:rPr lang="en-US" dirty="0" smtClean="0"/>
@@ -2926,664 +4241,367 @@
             </a:r>
             <a:r>
               <a:rPr lang="en-US" dirty="0" err="1" smtClean="0"/>
+              <a:t>vill</a:t>
+            </a:r>
+            <a:r>
+              <a:rPr lang="en-US" dirty="0" smtClean="0"/>
+              <a:t> </a:t>
+            </a:r>
+            <a:r>
+              <a:rPr lang="en-US" dirty="0" err="1" smtClean="0"/>
+              <a:t>komma</a:t>
+            </a:r>
+            <a:r>
+              <a:rPr lang="en-US" dirty="0" smtClean="0"/>
+              <a:t> </a:t>
+            </a:r>
+            <a:r>
+              <a:rPr lang="en-US" dirty="0" err="1" smtClean="0"/>
+              <a:t>åt</a:t>
+            </a:r>
+            <a:r>
+              <a:rPr lang="en-US" dirty="0" smtClean="0"/>
+              <a:t> information</a:t>
+            </a:r>
+            <a:r>
+              <a:rPr lang="en-US" baseline="0" dirty="0" smtClean="0"/>
+              <a:t> </a:t>
+            </a:r>
+            <a:r>
+              <a:rPr lang="en-US" baseline="0" dirty="0" err="1" smtClean="0"/>
+              <a:t>om</a:t>
+            </a:r>
+            <a:r>
+              <a:rPr lang="en-US" baseline="0" dirty="0" smtClean="0"/>
+              <a:t> dig </a:t>
+            </a:r>
+            <a:r>
+              <a:rPr lang="en-US" baseline="0" dirty="0" err="1" smtClean="0"/>
+              <a:t>eller</a:t>
+            </a:r>
+            <a:r>
+              <a:rPr lang="en-US" baseline="0" dirty="0" smtClean="0"/>
+              <a:t> </a:t>
+            </a:r>
+            <a:r>
+              <a:rPr lang="en-US" baseline="0" dirty="0" err="1" smtClean="0"/>
+              <a:t>agera</a:t>
+            </a:r>
+            <a:r>
+              <a:rPr lang="en-US" baseline="0" dirty="0" smtClean="0"/>
+              <a:t> I </a:t>
+            </a:r>
+            <a:r>
+              <a:rPr lang="en-US" baseline="0" dirty="0" err="1" smtClean="0"/>
+              <a:t>ditt</a:t>
+            </a:r>
+            <a:r>
+              <a:rPr lang="en-US" baseline="0" dirty="0" smtClean="0"/>
+              <a:t> </a:t>
+            </a:r>
+            <a:r>
+              <a:rPr lang="en-US" baseline="0" dirty="0" err="1" smtClean="0"/>
+              <a:t>namn</a:t>
+            </a:r>
+            <a:r>
+              <a:rPr lang="en-US" baseline="0" dirty="0" smtClean="0"/>
+              <a:t>, till </a:t>
+            </a:r>
+            <a:r>
+              <a:rPr lang="en-US" baseline="0" dirty="0" err="1" smtClean="0"/>
+              <a:t>exempel</a:t>
+            </a:r>
+            <a:r>
+              <a:rPr lang="en-US" baseline="0" dirty="0" smtClean="0"/>
+              <a:t> </a:t>
+            </a:r>
+            <a:r>
+              <a:rPr lang="en-US" baseline="0" dirty="0" err="1" smtClean="0"/>
+              <a:t>på</a:t>
+            </a:r>
+            <a:r>
+              <a:rPr lang="en-US" baseline="0" dirty="0" smtClean="0"/>
+              <a:t> Facebook. </a:t>
+            </a:r>
+          </a:p>
+          <a:p>
+            <a:r>
+              <a:rPr lang="en-US" baseline="0" dirty="0" smtClean="0"/>
+              <a:t>I </a:t>
+            </a:r>
+            <a:r>
+              <a:rPr lang="en-US" baseline="0" dirty="0" err="1" smtClean="0"/>
+              <a:t>applikationen</a:t>
+            </a:r>
+            <a:r>
+              <a:rPr lang="en-US" baseline="0" dirty="0" smtClean="0"/>
+              <a:t> (</a:t>
+            </a:r>
+            <a:r>
+              <a:rPr lang="en-US" baseline="0" dirty="0" err="1" smtClean="0"/>
+              <a:t>Runkeeper</a:t>
+            </a:r>
+            <a:r>
+              <a:rPr lang="en-US" baseline="0" dirty="0" smtClean="0"/>
+              <a:t>) </a:t>
+            </a:r>
+            <a:r>
+              <a:rPr lang="en-US" baseline="0" dirty="0" err="1" smtClean="0"/>
+              <a:t>är</a:t>
+            </a:r>
+            <a:r>
+              <a:rPr lang="en-US" baseline="0" dirty="0" smtClean="0"/>
+              <a:t> du </a:t>
+            </a:r>
+            <a:r>
+              <a:rPr lang="en-US" baseline="0" dirty="0" err="1" smtClean="0"/>
+              <a:t>inloggad</a:t>
+            </a:r>
+            <a:r>
+              <a:rPr lang="en-US" baseline="0" dirty="0" smtClean="0"/>
+              <a:t> med </a:t>
+            </a:r>
+            <a:r>
+              <a:rPr lang="en-US" baseline="0" dirty="0" err="1" smtClean="0"/>
+              <a:t>ditt</a:t>
+            </a:r>
+            <a:r>
+              <a:rPr lang="en-US" baseline="0" dirty="0" smtClean="0"/>
+              <a:t> </a:t>
+            </a:r>
+            <a:r>
+              <a:rPr lang="en-US" baseline="0" dirty="0" err="1" smtClean="0"/>
+              <a:t>användarnamn</a:t>
+            </a:r>
+            <a:r>
+              <a:rPr lang="en-US" baseline="0" dirty="0" smtClean="0"/>
+              <a:t> </a:t>
+            </a:r>
+            <a:r>
+              <a:rPr lang="en-US" baseline="0" dirty="0" err="1" smtClean="0"/>
+              <a:t>för</a:t>
+            </a:r>
+            <a:r>
+              <a:rPr lang="en-US" baseline="0" dirty="0" smtClean="0"/>
+              <a:t> just den </a:t>
+            </a:r>
+            <a:r>
+              <a:rPr lang="en-US" baseline="0" dirty="0" err="1" smtClean="0"/>
+              <a:t>applikationen</a:t>
+            </a:r>
+            <a:r>
+              <a:rPr lang="en-US" baseline="0" dirty="0" smtClean="0"/>
+              <a:t>, </a:t>
+            </a:r>
+            <a:r>
+              <a:rPr lang="en-US" baseline="0" dirty="0" err="1" smtClean="0"/>
+              <a:t>ett</a:t>
+            </a:r>
+            <a:r>
+              <a:rPr lang="en-US" baseline="0" dirty="0" smtClean="0"/>
+              <a:t> alias </a:t>
+            </a:r>
+            <a:r>
+              <a:rPr lang="en-US" baseline="0" dirty="0" err="1" smtClean="0"/>
+              <a:t>tex</a:t>
+            </a:r>
+            <a:r>
+              <a:rPr lang="en-US" baseline="0" dirty="0" smtClean="0"/>
+              <a:t> </a:t>
+            </a:r>
+            <a:r>
+              <a:rPr lang="en-US" baseline="0" dirty="0" err="1" smtClean="0"/>
+              <a:t>kallekula</a:t>
+            </a:r>
+            <a:r>
+              <a:rPr lang="en-US" baseline="0" dirty="0" smtClean="0"/>
+              <a:t>.</a:t>
+            </a:r>
+          </a:p>
+          <a:p>
+            <a:r>
+              <a:rPr lang="en-US" baseline="0" dirty="0" smtClean="0"/>
+              <a:t>Du </a:t>
+            </a:r>
+            <a:r>
+              <a:rPr lang="en-US" baseline="0" dirty="0" err="1" smtClean="0"/>
+              <a:t>som</a:t>
+            </a:r>
+            <a:r>
+              <a:rPr lang="en-US" baseline="0" dirty="0" smtClean="0"/>
+              <a:t> </a:t>
+            </a:r>
+            <a:r>
+              <a:rPr lang="en-US" baseline="0" dirty="0" err="1" smtClean="0"/>
+              <a:t>invånare</a:t>
+            </a:r>
+            <a:r>
+              <a:rPr lang="en-US" baseline="0" dirty="0" smtClean="0"/>
+              <a:t> </a:t>
+            </a:r>
+            <a:r>
+              <a:rPr lang="en-US" baseline="0" dirty="0" err="1" smtClean="0"/>
               <a:t>behöver</a:t>
             </a:r>
             <a:r>
-              <a:rPr lang="en-US" dirty="0" smtClean="0"/>
-              <a:t> </a:t>
-            </a:r>
-            <a:r>
-              <a:rPr lang="en-US" dirty="0" err="1" smtClean="0"/>
-              <a:t>registrera</a:t>
-            </a:r>
-            <a:r>
-              <a:rPr lang="en-US" dirty="0" smtClean="0"/>
-              <a:t> </a:t>
-            </a:r>
-            <a:r>
-              <a:rPr lang="en-US" dirty="0" err="1" smtClean="0"/>
-              <a:t>ett</a:t>
-            </a:r>
-            <a:r>
-              <a:rPr lang="en-US" dirty="0" smtClean="0"/>
-              <a:t> </a:t>
-            </a:r>
-            <a:r>
-              <a:rPr lang="en-US" dirty="0" err="1" smtClean="0"/>
-              <a:t>unikt</a:t>
-            </a:r>
-            <a:r>
-              <a:rPr lang="en-US" dirty="0" smtClean="0"/>
-              <a:t> </a:t>
-            </a:r>
-            <a:r>
-              <a:rPr lang="en-US" dirty="0" err="1" smtClean="0"/>
-              <a:t>klient</a:t>
-            </a:r>
-            <a:r>
-              <a:rPr lang="en-US" dirty="0" smtClean="0"/>
-              <a:t>-id </a:t>
-            </a:r>
-            <a:r>
-              <a:rPr lang="en-US" dirty="0" err="1" smtClean="0"/>
-              <a:t>som</a:t>
-            </a:r>
-            <a:r>
-              <a:rPr lang="en-US" dirty="0" smtClean="0"/>
-              <a:t> </a:t>
-            </a:r>
-            <a:r>
-              <a:rPr lang="en-US" dirty="0" err="1" smtClean="0"/>
-              <a:t>är</a:t>
-            </a:r>
-            <a:r>
-              <a:rPr lang="en-US" dirty="0" smtClean="0"/>
-              <a:t> </a:t>
-            </a:r>
-            <a:r>
-              <a:rPr lang="en-US" dirty="0" err="1" smtClean="0"/>
-              <a:t>kopplat</a:t>
-            </a:r>
-            <a:r>
-              <a:rPr lang="en-US" dirty="0" smtClean="0"/>
-              <a:t> till </a:t>
-            </a:r>
-            <a:r>
-              <a:rPr lang="en-US" dirty="0" err="1" smtClean="0"/>
-              <a:t>ett</a:t>
-            </a:r>
-            <a:r>
-              <a:rPr lang="en-US" dirty="0" smtClean="0"/>
-              <a:t> </a:t>
-            </a:r>
-            <a:r>
-              <a:rPr lang="en-US" dirty="0" err="1" smtClean="0"/>
-              <a:t>godkänt</a:t>
-            </a:r>
-            <a:r>
-              <a:rPr lang="en-US" dirty="0" smtClean="0"/>
-              <a:t> </a:t>
-            </a:r>
-            <a:r>
-              <a:rPr lang="en-US" dirty="0" err="1" smtClean="0"/>
-              <a:t>klientcertifikat</a:t>
-            </a:r>
-            <a:r>
-              <a:rPr lang="en-US" dirty="0" smtClean="0"/>
+              <a:rPr lang="en-US" baseline="0" dirty="0" smtClean="0"/>
+              <a:t> </a:t>
+            </a:r>
+            <a:r>
+              <a:rPr lang="en-US" baseline="0" dirty="0" err="1" smtClean="0"/>
+              <a:t>godkänna</a:t>
+            </a:r>
+            <a:r>
+              <a:rPr lang="en-US" baseline="0" dirty="0" smtClean="0"/>
+              <a:t> </a:t>
+            </a:r>
+            <a:r>
+              <a:rPr lang="en-US" baseline="0" dirty="0" err="1" smtClean="0"/>
+              <a:t>att</a:t>
+            </a:r>
+            <a:r>
+              <a:rPr lang="en-US" baseline="0" dirty="0" smtClean="0"/>
+              <a:t> </a:t>
+            </a:r>
+            <a:r>
+              <a:rPr lang="en-US" baseline="0" dirty="0" err="1" smtClean="0"/>
+              <a:t>applikationen</a:t>
+            </a:r>
+            <a:r>
+              <a:rPr lang="en-US" baseline="0" dirty="0" smtClean="0"/>
+              <a:t> </a:t>
+            </a:r>
+            <a:r>
+              <a:rPr lang="en-US" baseline="0" dirty="0" err="1" smtClean="0"/>
+              <a:t>får</a:t>
+            </a:r>
+            <a:r>
+              <a:rPr lang="en-US" baseline="0" dirty="0" smtClean="0"/>
+              <a:t> </a:t>
+            </a:r>
+            <a:r>
+              <a:rPr lang="en-US" baseline="0" dirty="0" err="1" smtClean="0"/>
+              <a:t>komma</a:t>
+            </a:r>
+            <a:r>
+              <a:rPr lang="en-US" baseline="0" dirty="0" smtClean="0"/>
+              <a:t> </a:t>
+            </a:r>
+            <a:r>
+              <a:rPr lang="en-US" baseline="0" dirty="0" err="1" smtClean="0"/>
+              <a:t>åt</a:t>
+            </a:r>
+            <a:r>
+              <a:rPr lang="en-US" baseline="0" dirty="0" smtClean="0"/>
+              <a:t> information </a:t>
+            </a:r>
+            <a:r>
+              <a:rPr lang="en-US" baseline="0" dirty="0" err="1" smtClean="0"/>
+              <a:t>om</a:t>
+            </a:r>
+            <a:r>
+              <a:rPr lang="en-US" baseline="0" dirty="0" smtClean="0"/>
+              <a:t> dig.</a:t>
+            </a:r>
+          </a:p>
+          <a:p>
+            <a:r>
+              <a:rPr lang="en-US" baseline="0" dirty="0" err="1" smtClean="0"/>
+              <a:t>För</a:t>
+            </a:r>
+            <a:r>
+              <a:rPr lang="en-US" baseline="0" dirty="0" smtClean="0"/>
+              <a:t> </a:t>
+            </a:r>
+            <a:r>
+              <a:rPr lang="en-US" baseline="0" dirty="0" err="1" smtClean="0"/>
+              <a:t>att</a:t>
+            </a:r>
+            <a:r>
+              <a:rPr lang="en-US" baseline="0" dirty="0" smtClean="0"/>
+              <a:t> </a:t>
+            </a:r>
+            <a:r>
+              <a:rPr lang="en-US" baseline="0" dirty="0" err="1" smtClean="0"/>
+              <a:t>göra</a:t>
+            </a:r>
+            <a:r>
+              <a:rPr lang="en-US" baseline="0" dirty="0" smtClean="0"/>
+              <a:t> </a:t>
+            </a:r>
+            <a:r>
+              <a:rPr lang="en-US" baseline="0" dirty="0" err="1" smtClean="0"/>
+              <a:t>detta</a:t>
+            </a:r>
+            <a:r>
+              <a:rPr lang="en-US" baseline="0" dirty="0" smtClean="0"/>
+              <a:t> </a:t>
+            </a:r>
+            <a:r>
+              <a:rPr lang="en-US" baseline="0" dirty="0" err="1" smtClean="0"/>
+              <a:t>blir</a:t>
+            </a:r>
+            <a:r>
+              <a:rPr lang="en-US" baseline="0" dirty="0" smtClean="0"/>
+              <a:t> du </a:t>
+            </a:r>
+            <a:r>
+              <a:rPr lang="en-US" baseline="0" dirty="0" err="1" smtClean="0"/>
+              <a:t>skickad</a:t>
+            </a:r>
+            <a:r>
+              <a:rPr lang="en-US" baseline="0" dirty="0" smtClean="0"/>
+              <a:t> till Facebook, </a:t>
+            </a:r>
+            <a:r>
+              <a:rPr lang="en-US" baseline="0" dirty="0" err="1" smtClean="0"/>
+              <a:t>där</a:t>
+            </a:r>
+            <a:r>
+              <a:rPr lang="en-US" baseline="0" dirty="0" smtClean="0"/>
+              <a:t> du </a:t>
+            </a:r>
+            <a:r>
+              <a:rPr lang="en-US" baseline="0" dirty="0" err="1" smtClean="0"/>
+              <a:t>får</a:t>
+            </a:r>
+            <a:r>
+              <a:rPr lang="en-US" baseline="0" dirty="0" smtClean="0"/>
+              <a:t> </a:t>
+            </a:r>
+            <a:r>
+              <a:rPr lang="en-US" baseline="0" dirty="0" err="1" smtClean="0"/>
+              <a:t>logga</a:t>
+            </a:r>
+            <a:r>
+              <a:rPr lang="en-US" baseline="0" dirty="0" smtClean="0"/>
+              <a:t> in </a:t>
+            </a:r>
+            <a:r>
+              <a:rPr lang="en-US" baseline="0" dirty="0" err="1" smtClean="0"/>
+              <a:t>och</a:t>
+            </a:r>
+            <a:r>
+              <a:rPr lang="en-US" baseline="0" dirty="0" smtClean="0"/>
+              <a:t> </a:t>
+            </a:r>
+            <a:r>
+              <a:rPr lang="en-US" baseline="0" dirty="0" err="1" smtClean="0"/>
+              <a:t>godkänna</a:t>
+            </a:r>
+            <a:r>
+              <a:rPr lang="en-US" baseline="0" dirty="0" smtClean="0"/>
+              <a:t> </a:t>
+            </a:r>
+            <a:r>
+              <a:rPr lang="en-US" baseline="0" dirty="0" err="1" smtClean="0"/>
+              <a:t>begäran</a:t>
+            </a:r>
+            <a:r>
+              <a:rPr lang="en-US" baseline="0" dirty="0" smtClean="0"/>
               <a:t>.</a:t>
             </a:r>
-          </a:p>
-          <a:p>
-            <a:endParaRPr lang="en-US" dirty="0" smtClean="0"/>
-          </a:p>
-          <a:p>
-            <a:r>
-              <a:rPr lang="en-US" b="1" dirty="0" smtClean="0"/>
-              <a:t>Scope</a:t>
-            </a:r>
-            <a:r>
-              <a:rPr lang="en-US" dirty="0" smtClean="0"/>
-              <a:t> (</a:t>
-            </a:r>
-            <a:r>
-              <a:rPr lang="en-US" dirty="0" err="1" smtClean="0"/>
-              <a:t>omfattning</a:t>
-            </a:r>
-            <a:r>
-              <a:rPr lang="en-US" dirty="0" smtClean="0"/>
-              <a:t>) -&gt; </a:t>
-            </a:r>
-            <a:r>
-              <a:rPr lang="en-US" dirty="0" err="1" smtClean="0"/>
-              <a:t>Parametern</a:t>
-            </a:r>
-            <a:r>
-              <a:rPr lang="en-US" dirty="0" smtClean="0"/>
-              <a:t> </a:t>
-            </a:r>
-            <a:r>
-              <a:rPr lang="en-US" dirty="0" err="1" smtClean="0"/>
-              <a:t>för</a:t>
-            </a:r>
-            <a:r>
-              <a:rPr lang="en-US" dirty="0" smtClean="0"/>
-              <a:t> </a:t>
-            </a:r>
-            <a:r>
-              <a:rPr lang="en-US" dirty="0" err="1" smtClean="0"/>
-              <a:t>omfattning</a:t>
-            </a:r>
-            <a:r>
-              <a:rPr lang="en-US" dirty="0" smtClean="0"/>
-              <a:t> </a:t>
-            </a:r>
-            <a:r>
-              <a:rPr lang="en-US" dirty="0" err="1" smtClean="0"/>
-              <a:t>av</a:t>
-            </a:r>
-            <a:r>
-              <a:rPr lang="en-US" dirty="0" smtClean="0"/>
-              <a:t> </a:t>
-            </a:r>
-            <a:r>
-              <a:rPr lang="en-US" dirty="0" err="1" smtClean="0"/>
-              <a:t>begäran</a:t>
-            </a:r>
-            <a:r>
-              <a:rPr lang="en-US" dirty="0" smtClean="0"/>
-              <a:t> </a:t>
-            </a:r>
-            <a:r>
-              <a:rPr lang="en-US" dirty="0" err="1" smtClean="0"/>
-              <a:t>skickas</a:t>
-            </a:r>
-            <a:r>
-              <a:rPr lang="en-US" dirty="0" smtClean="0"/>
-              <a:t> med </a:t>
-            </a:r>
-            <a:r>
-              <a:rPr lang="en-US" dirty="0" err="1" smtClean="0"/>
-              <a:t>som</a:t>
-            </a:r>
-            <a:r>
-              <a:rPr lang="en-US" dirty="0" smtClean="0"/>
-              <a:t> en </a:t>
-            </a:r>
-            <a:r>
-              <a:rPr lang="en-US" dirty="0" err="1" smtClean="0"/>
-              <a:t>kommaseparerad</a:t>
-            </a:r>
-            <a:r>
-              <a:rPr lang="en-US" dirty="0" smtClean="0"/>
-              <a:t> </a:t>
-            </a:r>
-            <a:r>
-              <a:rPr lang="en-US" dirty="0" err="1" smtClean="0"/>
-              <a:t>lista</a:t>
-            </a:r>
-            <a:r>
-              <a:rPr lang="en-US" dirty="0" smtClean="0"/>
-              <a:t> </a:t>
-            </a:r>
-            <a:r>
-              <a:rPr lang="en-US" dirty="0" err="1" smtClean="0"/>
-              <a:t>av</a:t>
-            </a:r>
-            <a:r>
-              <a:rPr lang="en-US" dirty="0" smtClean="0"/>
-              <a:t> </a:t>
-            </a:r>
-            <a:r>
-              <a:rPr lang="en-US" dirty="0" err="1" smtClean="0"/>
-              <a:t>privilegiekoder</a:t>
-            </a:r>
-            <a:r>
-              <a:rPr lang="en-US" dirty="0" smtClean="0"/>
-              <a:t>.</a:t>
-            </a:r>
-            <a:r>
-              <a:rPr lang="en-US" baseline="0" dirty="0" smtClean="0"/>
-              <a:t> </a:t>
-            </a:r>
-            <a:r>
-              <a:rPr lang="en-US" dirty="0" err="1" smtClean="0"/>
-              <a:t>Exempel</a:t>
-            </a:r>
-            <a:r>
-              <a:rPr lang="en-US" dirty="0" smtClean="0"/>
-              <a:t>: scope=CRM_SCHEDULING_READ,CRM_SCHEDULING_WRITE</a:t>
-            </a:r>
-          </a:p>
-          <a:p>
-            <a:endParaRPr lang="en-US" dirty="0" smtClean="0"/>
-          </a:p>
-          <a:p>
-            <a:r>
-              <a:rPr lang="en-US" b="1" dirty="0" smtClean="0"/>
-              <a:t>State</a:t>
-            </a:r>
-            <a:r>
-              <a:rPr lang="en-US" dirty="0" smtClean="0"/>
-              <a:t> -&gt; </a:t>
-            </a:r>
-            <a:r>
-              <a:rPr lang="en-US" dirty="0" err="1" smtClean="0"/>
-              <a:t>Klienttillståndet</a:t>
-            </a:r>
-            <a:r>
-              <a:rPr lang="en-US" dirty="0" smtClean="0"/>
-              <a:t> </a:t>
-            </a:r>
-            <a:r>
-              <a:rPr lang="en-US" dirty="0" err="1" smtClean="0"/>
-              <a:t>finns</a:t>
-            </a:r>
-            <a:r>
-              <a:rPr lang="en-US" dirty="0" smtClean="0"/>
-              <a:t> med </a:t>
-            </a:r>
-            <a:r>
-              <a:rPr lang="en-US" dirty="0" err="1" smtClean="0"/>
-              <a:t>som</a:t>
-            </a:r>
-            <a:r>
-              <a:rPr lang="en-US" dirty="0" smtClean="0"/>
-              <a:t> </a:t>
-            </a:r>
-            <a:r>
-              <a:rPr lang="en-US" dirty="0" err="1" smtClean="0"/>
-              <a:t>skydd</a:t>
-            </a:r>
-            <a:r>
-              <a:rPr lang="en-US" dirty="0" smtClean="0"/>
-              <a:t> </a:t>
-            </a:r>
-            <a:r>
-              <a:rPr lang="en-US" dirty="0" err="1" smtClean="0"/>
-              <a:t>för</a:t>
-            </a:r>
-            <a:r>
-              <a:rPr lang="en-US" dirty="0" smtClean="0"/>
-              <a:t> </a:t>
-            </a:r>
-            <a:r>
-              <a:rPr lang="en-US" dirty="0" err="1" smtClean="0"/>
-              <a:t>vissa</a:t>
-            </a:r>
-            <a:r>
-              <a:rPr lang="en-US" dirty="0" smtClean="0"/>
-              <a:t> </a:t>
-            </a:r>
-            <a:r>
-              <a:rPr lang="en-US" dirty="0" err="1" smtClean="0"/>
-              <a:t>typer</a:t>
-            </a:r>
-            <a:r>
-              <a:rPr lang="en-US" dirty="0" smtClean="0"/>
-              <a:t> </a:t>
-            </a:r>
-            <a:r>
-              <a:rPr lang="en-US" dirty="0" err="1" smtClean="0"/>
-              <a:t>av</a:t>
-            </a:r>
-            <a:r>
-              <a:rPr lang="en-US" dirty="0" smtClean="0"/>
-              <a:t> attacker </a:t>
-            </a:r>
-            <a:r>
-              <a:rPr lang="en-US" dirty="0" err="1" smtClean="0"/>
-              <a:t>och</a:t>
-            </a:r>
-            <a:r>
-              <a:rPr lang="en-US" dirty="0" smtClean="0"/>
-              <a:t> </a:t>
-            </a:r>
-            <a:r>
-              <a:rPr lang="en-US" dirty="0" err="1" smtClean="0"/>
-              <a:t>skall</a:t>
-            </a:r>
-            <a:r>
-              <a:rPr lang="en-US" dirty="0" smtClean="0"/>
-              <a:t> </a:t>
-            </a:r>
-            <a:r>
-              <a:rPr lang="en-US" dirty="0" err="1" smtClean="0"/>
-              <a:t>vara</a:t>
-            </a:r>
-            <a:r>
-              <a:rPr lang="en-US" dirty="0" smtClean="0"/>
-              <a:t> en </a:t>
-            </a:r>
-            <a:r>
-              <a:rPr lang="en-US" dirty="0" err="1" smtClean="0"/>
-              <a:t>slumpgenererad</a:t>
-            </a:r>
-            <a:r>
-              <a:rPr lang="en-US" dirty="0" smtClean="0"/>
-              <a:t> </a:t>
-            </a:r>
-            <a:r>
-              <a:rPr lang="en-US" dirty="0" err="1" smtClean="0"/>
-              <a:t>sträng</a:t>
-            </a:r>
-            <a:r>
-              <a:rPr lang="en-US" dirty="0" smtClean="0"/>
-              <a:t> </a:t>
-            </a:r>
-            <a:r>
-              <a:rPr lang="en-US" dirty="0" err="1" smtClean="0"/>
-              <a:t>som</a:t>
-            </a:r>
-            <a:r>
-              <a:rPr lang="en-US" dirty="0" smtClean="0"/>
-              <a:t> </a:t>
-            </a:r>
-            <a:r>
-              <a:rPr lang="en-US" dirty="0" err="1" smtClean="0"/>
-              <a:t>är</a:t>
-            </a:r>
-            <a:r>
-              <a:rPr lang="en-US" dirty="0" smtClean="0"/>
-              <a:t> </a:t>
-            </a:r>
-            <a:r>
-              <a:rPr lang="en-US" dirty="0" err="1" smtClean="0"/>
-              <a:t>unik</a:t>
-            </a:r>
-            <a:r>
-              <a:rPr lang="en-US" dirty="0" smtClean="0"/>
-              <a:t> per </a:t>
-            </a:r>
-            <a:r>
-              <a:rPr lang="en-US" dirty="0" err="1" smtClean="0"/>
-              <a:t>anrop</a:t>
-            </a:r>
-            <a:r>
-              <a:rPr lang="en-US" dirty="0" smtClean="0"/>
-              <a:t> </a:t>
-            </a:r>
-            <a:r>
-              <a:rPr lang="en-US" dirty="0" err="1" smtClean="0"/>
-              <a:t>och</a:t>
-            </a:r>
-            <a:r>
-              <a:rPr lang="en-US" dirty="0" smtClean="0"/>
-              <a:t> </a:t>
-            </a:r>
-            <a:r>
-              <a:rPr lang="en-US" dirty="0" err="1" smtClean="0"/>
-              <a:t>som</a:t>
-            </a:r>
-            <a:r>
-              <a:rPr lang="en-US" dirty="0" smtClean="0"/>
-              <a:t> </a:t>
-            </a:r>
-            <a:r>
-              <a:rPr lang="en-US" dirty="0" err="1" smtClean="0"/>
-              <a:t>endast</a:t>
-            </a:r>
-            <a:r>
-              <a:rPr lang="en-US" dirty="0" smtClean="0"/>
-              <a:t> </a:t>
-            </a:r>
-            <a:r>
-              <a:rPr lang="en-US" dirty="0" err="1" smtClean="0"/>
-              <a:t>klienten</a:t>
-            </a:r>
-            <a:r>
-              <a:rPr lang="en-US" dirty="0" smtClean="0"/>
-              <a:t> </a:t>
-            </a:r>
-            <a:r>
-              <a:rPr lang="en-US" dirty="0" err="1" smtClean="0"/>
-              <a:t>känner</a:t>
-            </a:r>
-            <a:r>
-              <a:rPr lang="en-US" dirty="0" smtClean="0"/>
-              <a:t> till. </a:t>
-            </a:r>
-            <a:r>
-              <a:rPr lang="en-US" dirty="0" err="1" smtClean="0"/>
-              <a:t>Tillståndet</a:t>
-            </a:r>
-            <a:r>
-              <a:rPr lang="en-US" dirty="0" smtClean="0"/>
-              <a:t> </a:t>
-            </a:r>
-            <a:r>
-              <a:rPr lang="en-US" dirty="0" err="1" smtClean="0"/>
-              <a:t>måste</a:t>
-            </a:r>
-            <a:r>
-              <a:rPr lang="en-US" dirty="0" smtClean="0"/>
-              <a:t> </a:t>
-            </a:r>
-            <a:r>
-              <a:rPr lang="en-US" dirty="0" err="1" smtClean="0"/>
-              <a:t>sparas</a:t>
-            </a:r>
-            <a:r>
-              <a:rPr lang="en-US" dirty="0" smtClean="0"/>
-              <a:t> </a:t>
-            </a:r>
-            <a:r>
-              <a:rPr lang="en-US" dirty="0" err="1" smtClean="0"/>
-              <a:t>av</a:t>
-            </a:r>
-            <a:r>
-              <a:rPr lang="en-US" dirty="0" smtClean="0"/>
-              <a:t> </a:t>
-            </a:r>
-            <a:r>
-              <a:rPr lang="en-US" dirty="0" err="1" smtClean="0"/>
-              <a:t>klienten</a:t>
-            </a:r>
-            <a:r>
-              <a:rPr lang="en-US" dirty="0" smtClean="0"/>
-              <a:t> tills </a:t>
-            </a:r>
-            <a:r>
-              <a:rPr lang="en-US" dirty="0" err="1" smtClean="0"/>
-              <a:t>dess</a:t>
-            </a:r>
-            <a:r>
-              <a:rPr lang="en-US" dirty="0" smtClean="0"/>
-              <a:t> </a:t>
-            </a:r>
-            <a:r>
-              <a:rPr lang="en-US" dirty="0" err="1" smtClean="0"/>
-              <a:t>att</a:t>
-            </a:r>
-            <a:r>
-              <a:rPr lang="en-US" dirty="0" smtClean="0"/>
-              <a:t> </a:t>
-            </a:r>
-            <a:r>
-              <a:rPr lang="en-US" dirty="0" err="1" smtClean="0"/>
-              <a:t>användaren</a:t>
-            </a:r>
-            <a:r>
-              <a:rPr lang="en-US" dirty="0" smtClean="0"/>
-              <a:t> </a:t>
-            </a:r>
-            <a:r>
-              <a:rPr lang="en-US" dirty="0" err="1" smtClean="0"/>
-              <a:t>kommer</a:t>
-            </a:r>
-            <a:r>
-              <a:rPr lang="en-US" dirty="0" smtClean="0"/>
-              <a:t> </a:t>
-            </a:r>
-            <a:r>
-              <a:rPr lang="en-US" dirty="0" err="1" smtClean="0"/>
-              <a:t>tillbaka</a:t>
-            </a:r>
-            <a:r>
-              <a:rPr lang="en-US" dirty="0" smtClean="0"/>
-              <a:t> </a:t>
-            </a:r>
-            <a:r>
-              <a:rPr lang="en-US" dirty="0" err="1" smtClean="0"/>
-              <a:t>från</a:t>
-            </a:r>
-            <a:r>
-              <a:rPr lang="en-US" dirty="0" smtClean="0"/>
-              <a:t> </a:t>
-            </a:r>
-            <a:r>
-              <a:rPr lang="en-US" dirty="0" err="1" smtClean="0"/>
-              <a:t>auktorisationsdialogen</a:t>
-            </a:r>
-            <a:r>
-              <a:rPr lang="en-US" dirty="0" smtClean="0"/>
-              <a:t> </a:t>
-            </a:r>
-            <a:r>
-              <a:rPr lang="en-US" dirty="0" err="1" smtClean="0"/>
-              <a:t>eftersom</a:t>
-            </a:r>
-            <a:r>
-              <a:rPr lang="en-US" dirty="0" smtClean="0"/>
-              <a:t> </a:t>
-            </a:r>
-            <a:r>
-              <a:rPr lang="en-US" dirty="0" err="1" smtClean="0"/>
-              <a:t>det</a:t>
-            </a:r>
-            <a:r>
-              <a:rPr lang="en-US" dirty="0" smtClean="0"/>
-              <a:t> </a:t>
-            </a:r>
-            <a:r>
-              <a:rPr lang="en-US" dirty="0" err="1" smtClean="0"/>
-              <a:t>då</a:t>
-            </a:r>
-            <a:r>
-              <a:rPr lang="en-US" dirty="0" smtClean="0"/>
-              <a:t> </a:t>
-            </a:r>
-            <a:r>
-              <a:rPr lang="en-US" dirty="0" err="1" smtClean="0"/>
-              <a:t>skall</a:t>
-            </a:r>
-            <a:r>
-              <a:rPr lang="en-US" dirty="0" smtClean="0"/>
-              <a:t> </a:t>
-            </a:r>
-            <a:r>
-              <a:rPr lang="en-US" dirty="0" err="1" smtClean="0"/>
-              <a:t>matchas</a:t>
-            </a:r>
-            <a:r>
-              <a:rPr lang="en-US" dirty="0" smtClean="0"/>
-              <a:t> mot </a:t>
-            </a:r>
-            <a:r>
-              <a:rPr lang="en-US" dirty="0" err="1" smtClean="0"/>
-              <a:t>det</a:t>
-            </a:r>
-            <a:r>
-              <a:rPr lang="en-US" dirty="0" smtClean="0"/>
-              <a:t> </a:t>
-            </a:r>
-            <a:r>
-              <a:rPr lang="en-US" dirty="0" err="1" smtClean="0"/>
-              <a:t>tillståndsvärde</a:t>
-            </a:r>
-            <a:r>
-              <a:rPr lang="en-US" dirty="0" smtClean="0"/>
-              <a:t> </a:t>
-            </a:r>
-            <a:r>
-              <a:rPr lang="en-US" dirty="0" err="1" smtClean="0"/>
-              <a:t>användaren</a:t>
-            </a:r>
-            <a:r>
-              <a:rPr lang="en-US" dirty="0" smtClean="0"/>
-              <a:t> </a:t>
-            </a:r>
-            <a:r>
-              <a:rPr lang="en-US" dirty="0" err="1" smtClean="0"/>
-              <a:t>har</a:t>
-            </a:r>
-            <a:r>
-              <a:rPr lang="en-US" dirty="0" smtClean="0"/>
-              <a:t> med sig </a:t>
-            </a:r>
-            <a:r>
-              <a:rPr lang="en-US" dirty="0" err="1" smtClean="0"/>
-              <a:t>tillbaka</a:t>
-            </a:r>
-            <a:r>
-              <a:rPr lang="en-US" dirty="0" smtClean="0"/>
-              <a:t>.</a:t>
-            </a:r>
-          </a:p>
-          <a:p>
-            <a:endParaRPr lang="en-US" dirty="0" smtClean="0"/>
-          </a:p>
-          <a:p>
-            <a:r>
-              <a:rPr lang="en-US" b="1" dirty="0" smtClean="0"/>
-              <a:t>Redirect URI </a:t>
-            </a:r>
-            <a:r>
-              <a:rPr lang="en-US" b="0" dirty="0" smtClean="0"/>
-              <a:t>-&gt; Den URL </a:t>
-            </a:r>
-            <a:r>
-              <a:rPr lang="en-US" b="0" dirty="0" err="1" smtClean="0"/>
-              <a:t>i</a:t>
-            </a:r>
-            <a:r>
-              <a:rPr lang="en-US" b="0" dirty="0" smtClean="0"/>
-              <a:t> </a:t>
-            </a:r>
-            <a:r>
-              <a:rPr lang="en-US" b="0" dirty="0" err="1" smtClean="0"/>
-              <a:t>klientsystemet</a:t>
-            </a:r>
-            <a:r>
-              <a:rPr lang="en-US" b="0" dirty="0" smtClean="0"/>
-              <a:t> </a:t>
-            </a:r>
-            <a:r>
-              <a:rPr lang="en-US" b="0" dirty="0" err="1" smtClean="0"/>
-              <a:t>som</a:t>
-            </a:r>
-            <a:r>
-              <a:rPr lang="en-US" b="0" dirty="0" smtClean="0"/>
-              <a:t> </a:t>
-            </a:r>
-            <a:r>
-              <a:rPr lang="en-US" b="0" dirty="0" err="1" smtClean="0"/>
-              <a:t>användarens</a:t>
-            </a:r>
-            <a:r>
-              <a:rPr lang="en-US" b="0" dirty="0" smtClean="0"/>
-              <a:t> </a:t>
-            </a:r>
-            <a:r>
-              <a:rPr lang="en-US" b="0" dirty="0" err="1" smtClean="0"/>
-              <a:t>användaragent</a:t>
-            </a:r>
-            <a:r>
-              <a:rPr lang="en-US" b="0" dirty="0" smtClean="0"/>
-              <a:t> </a:t>
-            </a:r>
-            <a:r>
-              <a:rPr lang="en-US" b="0" dirty="0" err="1" smtClean="0"/>
-              <a:t>skall</a:t>
-            </a:r>
-            <a:r>
-              <a:rPr lang="en-US" b="0" dirty="0" smtClean="0"/>
-              <a:t> </a:t>
-            </a:r>
-            <a:r>
-              <a:rPr lang="en-US" b="0" dirty="0" err="1" smtClean="0"/>
-              <a:t>skickas</a:t>
-            </a:r>
-            <a:r>
-              <a:rPr lang="en-US" b="0" dirty="0" smtClean="0"/>
-              <a:t> till </a:t>
-            </a:r>
-            <a:r>
-              <a:rPr lang="en-US" b="0" dirty="0" err="1" smtClean="0"/>
-              <a:t>efter</a:t>
-            </a:r>
-            <a:r>
-              <a:rPr lang="en-US" b="0" dirty="0" smtClean="0"/>
-              <a:t> </a:t>
-            </a:r>
-            <a:r>
-              <a:rPr lang="en-US" b="0" dirty="0" err="1" smtClean="0"/>
-              <a:t>godkännandeprocessen</a:t>
-            </a:r>
-            <a:r>
-              <a:rPr lang="en-US" b="0" dirty="0" smtClean="0"/>
-              <a:t>.</a:t>
-            </a:r>
-            <a:endParaRPr lang="en-US" b="0" dirty="0"/>
+            <a:endParaRPr lang="en-US" dirty="0"/>
           </a:p>
         </p:txBody>
       </p:sp>
@@ -3619,7 +4637,7 @@
     </p:spTree>
     <p:extLst>
       <p:ext uri="{BB962C8B-B14F-4D97-AF65-F5344CB8AC3E}">
-        <p14:creationId xmlns:p14="http://schemas.microsoft.com/office/powerpoint/2010/main" val="1600914622"/>
+        <p14:creationId xmlns:p14="http://schemas.microsoft.com/office/powerpoint/2010/main" val="698192533"/>
       </p:ext>
     </p:extLst>
   </p:cSld>
@@ -3673,26 +4691,107 @@
           <a:bodyPr/>
           <a:lstStyle/>
           <a:p>
-            <a:pPr marL="0" marR="0" indent="0" algn="l" defTabSz="457200" rtl="0" eaLnBrk="0" fontAlgn="base" latinLnBrk="0" hangingPunct="0">
-              <a:lnSpc>
-                <a:spcPct val="100000"/>
-              </a:lnSpc>
-              <a:spcBef>
-                <a:spcPct val="30000"/>
-              </a:spcBef>
-              <a:spcAft>
-                <a:spcPct val="0"/>
-              </a:spcAft>
-              <a:buClrTx/>
-              <a:buSzTx/>
-              <a:buFontTx/>
-              <a:buNone/>
-              <a:tabLst/>
-              <a:defRPr/>
-            </a:pPr>
+            <a:r>
+              <a:rPr lang="en-US" b="1" dirty="0" smtClean="0"/>
+              <a:t>Response type </a:t>
+            </a:r>
+            <a:r>
+              <a:rPr lang="en-US" b="0" dirty="0" smtClean="0"/>
+              <a:t>-&gt; Fast till Code, </a:t>
+            </a:r>
+            <a:r>
+              <a:rPr lang="en-US" b="0" dirty="0" err="1" smtClean="0"/>
+              <a:t>för</a:t>
+            </a:r>
+            <a:r>
+              <a:rPr lang="en-US" b="0" dirty="0" smtClean="0"/>
+              <a:t> </a:t>
+            </a:r>
+            <a:r>
+              <a:rPr lang="en-US" b="0" dirty="0" err="1" smtClean="0"/>
+              <a:t>att</a:t>
+            </a:r>
+            <a:r>
+              <a:rPr lang="en-US" b="0" dirty="0" smtClean="0"/>
+              <a:t> </a:t>
+            </a:r>
+            <a:r>
+              <a:rPr lang="en-US" b="0" dirty="0" err="1" smtClean="0"/>
+              <a:t>säga</a:t>
+            </a:r>
+            <a:r>
+              <a:rPr lang="en-US" b="0" dirty="0" smtClean="0"/>
+              <a:t> till authorization server</a:t>
+            </a:r>
+            <a:r>
+              <a:rPr lang="en-US" b="0" baseline="0" dirty="0" smtClean="0"/>
+              <a:t> </a:t>
+            </a:r>
+            <a:r>
+              <a:rPr lang="en-US" b="0" baseline="0" dirty="0" err="1" smtClean="0"/>
+              <a:t>vilket</a:t>
+            </a:r>
+            <a:r>
+              <a:rPr lang="en-US" b="0" baseline="0" dirty="0" smtClean="0"/>
+              <a:t> </a:t>
+            </a:r>
+            <a:r>
+              <a:rPr lang="en-US" b="0" baseline="0" dirty="0" err="1" smtClean="0"/>
+              <a:t>flöde</a:t>
+            </a:r>
+            <a:r>
+              <a:rPr lang="en-US" b="0" baseline="0" dirty="0" smtClean="0"/>
+              <a:t> vi </a:t>
+            </a:r>
+            <a:r>
+              <a:rPr lang="en-US" b="0" baseline="0" dirty="0" err="1" smtClean="0"/>
+              <a:t>vill</a:t>
+            </a:r>
+            <a:r>
+              <a:rPr lang="en-US" b="0" baseline="0" dirty="0" smtClean="0"/>
+              <a:t> </a:t>
+            </a:r>
+            <a:r>
+              <a:rPr lang="en-US" b="0" baseline="0" dirty="0" err="1" smtClean="0"/>
+              <a:t>använda</a:t>
+            </a:r>
+            <a:r>
+              <a:rPr lang="en-US" b="0" baseline="0" dirty="0" smtClean="0"/>
+              <a:t>, I </a:t>
+            </a:r>
+            <a:r>
+              <a:rPr lang="en-US" b="0" baseline="0" dirty="0" err="1" smtClean="0"/>
+              <a:t>detta</a:t>
+            </a:r>
+            <a:r>
+              <a:rPr lang="en-US" b="0" baseline="0" dirty="0" smtClean="0"/>
+              <a:t> </a:t>
+            </a:r>
+            <a:r>
+              <a:rPr lang="en-US" b="0" baseline="0" dirty="0" err="1" smtClean="0"/>
+              <a:t>fallet</a:t>
+            </a:r>
+            <a:r>
+              <a:rPr lang="en-US" b="0" baseline="0" dirty="0" smtClean="0"/>
+              <a:t> authorization code flow.</a:t>
+            </a:r>
+            <a:endParaRPr lang="en-US" b="0" dirty="0" smtClean="0"/>
+          </a:p>
+          <a:p>
+            <a:endParaRPr lang="en-US" b="0" dirty="0" smtClean="0"/>
+          </a:p>
+          <a:p>
+            <a:r>
+              <a:rPr lang="en-US" b="1" dirty="0" smtClean="0"/>
+              <a:t>Client ID</a:t>
+            </a:r>
+            <a:r>
+              <a:rPr lang="en-US" dirty="0" smtClean="0"/>
+              <a:t> -&gt; </a:t>
+            </a:r>
             <a:r>
               <a:rPr lang="en-US" dirty="0" err="1" smtClean="0"/>
-              <a:t>Kika</a:t>
+              <a:t>Alla</a:t>
             </a:r>
             <a:r>
               <a:rPr lang="en-US" dirty="0" smtClean="0"/>
@@ -3700,23 +4799,696 @@
             </a:r>
             <a:r>
               <a:rPr lang="en-US" dirty="0" err="1" smtClean="0"/>
-              <a:t>på</a:t>
-            </a:r>
-            <a:r>
-              <a:rPr lang="en-US" dirty="0" smtClean="0"/>
-              <a:t> README I </a:t>
+              <a:t>klienter</a:t>
+            </a:r>
+            <a:r>
+              <a:rPr lang="en-US" dirty="0" smtClean="0"/>
+              <a:t> </a:t>
             </a:r>
             <a:r>
               <a:rPr lang="en-US" dirty="0" err="1" smtClean="0"/>
-              <a:t>katalogen</a:t>
-            </a:r>
-            <a:r>
-              <a:rPr lang="en-US" dirty="0" smtClean="0"/>
-              <a:t> /lab3</a:t>
-            </a:r>
-          </a:p>
-          <a:p>
-            <a:endParaRPr lang="en-US" dirty="0"/>
+              <a:t>som</a:t>
+            </a:r>
+            <a:r>
+              <a:rPr lang="en-US" dirty="0" smtClean="0"/>
+              <a:t> </a:t>
+            </a:r>
+            <a:r>
+              <a:rPr lang="en-US" dirty="0" err="1" smtClean="0"/>
+              <a:t>använder</a:t>
+            </a:r>
+            <a:r>
+              <a:rPr lang="en-US" dirty="0" smtClean="0"/>
+              <a:t> </a:t>
+            </a:r>
+            <a:r>
+              <a:rPr lang="en-US" dirty="0" err="1" smtClean="0"/>
+              <a:t>API:et</a:t>
+            </a:r>
+            <a:r>
+              <a:rPr lang="en-US" dirty="0" smtClean="0"/>
+              <a:t> </a:t>
+            </a:r>
+            <a:r>
+              <a:rPr lang="en-US" dirty="0" err="1" smtClean="0"/>
+              <a:t>behöver</a:t>
+            </a:r>
+            <a:r>
+              <a:rPr lang="en-US" dirty="0" smtClean="0"/>
+              <a:t> </a:t>
+            </a:r>
+            <a:r>
+              <a:rPr lang="en-US" dirty="0" err="1" smtClean="0"/>
+              <a:t>registrera</a:t>
+            </a:r>
+            <a:r>
+              <a:rPr lang="en-US" dirty="0" smtClean="0"/>
+              <a:t> </a:t>
+            </a:r>
+            <a:r>
+              <a:rPr lang="en-US" dirty="0" err="1" smtClean="0"/>
+              <a:t>ett</a:t>
+            </a:r>
+            <a:r>
+              <a:rPr lang="en-US" dirty="0" smtClean="0"/>
+              <a:t> </a:t>
+            </a:r>
+            <a:r>
+              <a:rPr lang="en-US" dirty="0" err="1" smtClean="0"/>
+              <a:t>unikt</a:t>
+            </a:r>
+            <a:r>
+              <a:rPr lang="en-US" dirty="0" smtClean="0"/>
+              <a:t> </a:t>
+            </a:r>
+            <a:r>
+              <a:rPr lang="en-US" dirty="0" err="1" smtClean="0"/>
+              <a:t>klient</a:t>
+            </a:r>
+            <a:r>
+              <a:rPr lang="en-US" dirty="0" smtClean="0"/>
+              <a:t>-id </a:t>
+            </a:r>
+            <a:r>
+              <a:rPr lang="en-US" dirty="0" err="1" smtClean="0"/>
+              <a:t>som</a:t>
+            </a:r>
+            <a:r>
+              <a:rPr lang="en-US" dirty="0" smtClean="0"/>
+              <a:t> </a:t>
+            </a:r>
+            <a:r>
+              <a:rPr lang="en-US" dirty="0" err="1" smtClean="0"/>
+              <a:t>är</a:t>
+            </a:r>
+            <a:r>
+              <a:rPr lang="en-US" dirty="0" smtClean="0"/>
+              <a:t> </a:t>
+            </a:r>
+            <a:r>
+              <a:rPr lang="en-US" dirty="0" err="1" smtClean="0"/>
+              <a:t>kopplat</a:t>
+            </a:r>
+            <a:r>
+              <a:rPr lang="en-US" dirty="0" smtClean="0"/>
+              <a:t> till </a:t>
+            </a:r>
+            <a:r>
+              <a:rPr lang="en-US" dirty="0" err="1" smtClean="0"/>
+              <a:t>ett</a:t>
+            </a:r>
+            <a:r>
+              <a:rPr lang="en-US" dirty="0" smtClean="0"/>
+              <a:t> </a:t>
+            </a:r>
+            <a:r>
+              <a:rPr lang="en-US" dirty="0" err="1" smtClean="0"/>
+              <a:t>godkänt</a:t>
+            </a:r>
+            <a:r>
+              <a:rPr lang="en-US" dirty="0" smtClean="0"/>
+              <a:t> </a:t>
+            </a:r>
+            <a:r>
+              <a:rPr lang="en-US" dirty="0" err="1" smtClean="0"/>
+              <a:t>klientcertifikat</a:t>
+            </a:r>
+            <a:r>
+              <a:rPr lang="en-US" dirty="0" smtClean="0"/>
+              <a:t>.</a:t>
+            </a:r>
+          </a:p>
+          <a:p>
+            <a:endParaRPr lang="en-US" dirty="0" smtClean="0"/>
+          </a:p>
+          <a:p>
+            <a:r>
+              <a:rPr lang="en-US" b="1" dirty="0" smtClean="0"/>
+              <a:t>Scope</a:t>
+            </a:r>
+            <a:r>
+              <a:rPr lang="en-US" dirty="0" smtClean="0"/>
+              <a:t> (</a:t>
+            </a:r>
+            <a:r>
+              <a:rPr lang="en-US" dirty="0" err="1" smtClean="0"/>
+              <a:t>omfattning</a:t>
+            </a:r>
+            <a:r>
+              <a:rPr lang="en-US" dirty="0" smtClean="0"/>
+              <a:t>) -&gt; </a:t>
+            </a:r>
+            <a:r>
+              <a:rPr lang="en-US" dirty="0" err="1" smtClean="0"/>
+              <a:t>Parametern</a:t>
+            </a:r>
+            <a:r>
+              <a:rPr lang="en-US" dirty="0" smtClean="0"/>
+              <a:t> </a:t>
+            </a:r>
+            <a:r>
+              <a:rPr lang="en-US" dirty="0" err="1" smtClean="0"/>
+              <a:t>för</a:t>
+            </a:r>
+            <a:r>
+              <a:rPr lang="en-US" dirty="0" smtClean="0"/>
+              <a:t> </a:t>
+            </a:r>
+            <a:r>
+              <a:rPr lang="en-US" dirty="0" err="1" smtClean="0"/>
+              <a:t>omfattning</a:t>
+            </a:r>
+            <a:r>
+              <a:rPr lang="en-US" dirty="0" smtClean="0"/>
+              <a:t> </a:t>
+            </a:r>
+            <a:r>
+              <a:rPr lang="en-US" dirty="0" err="1" smtClean="0"/>
+              <a:t>av</a:t>
+            </a:r>
+            <a:r>
+              <a:rPr lang="en-US" dirty="0" smtClean="0"/>
+              <a:t> </a:t>
+            </a:r>
+            <a:r>
+              <a:rPr lang="en-US" dirty="0" err="1" smtClean="0"/>
+              <a:t>begäran</a:t>
+            </a:r>
+            <a:r>
+              <a:rPr lang="en-US" dirty="0" smtClean="0"/>
+              <a:t> </a:t>
+            </a:r>
+            <a:r>
+              <a:rPr lang="en-US" dirty="0" err="1" smtClean="0"/>
+              <a:t>skickas</a:t>
+            </a:r>
+            <a:r>
+              <a:rPr lang="en-US" dirty="0" smtClean="0"/>
+              <a:t> med </a:t>
+            </a:r>
+            <a:r>
+              <a:rPr lang="en-US" dirty="0" err="1" smtClean="0"/>
+              <a:t>som</a:t>
+            </a:r>
+            <a:r>
+              <a:rPr lang="en-US" dirty="0" smtClean="0"/>
+              <a:t> en </a:t>
+            </a:r>
+            <a:r>
+              <a:rPr lang="en-US" dirty="0" err="1" smtClean="0"/>
+              <a:t>kommaseparerad</a:t>
+            </a:r>
+            <a:r>
+              <a:rPr lang="en-US" dirty="0" smtClean="0"/>
+              <a:t> </a:t>
+            </a:r>
+            <a:r>
+              <a:rPr lang="en-US" dirty="0" err="1" smtClean="0"/>
+              <a:t>lista</a:t>
+            </a:r>
+            <a:r>
+              <a:rPr lang="en-US" dirty="0" smtClean="0"/>
+              <a:t> </a:t>
+            </a:r>
+            <a:r>
+              <a:rPr lang="en-US" dirty="0" err="1" smtClean="0"/>
+              <a:t>av</a:t>
+            </a:r>
+            <a:r>
+              <a:rPr lang="en-US" dirty="0" smtClean="0"/>
+              <a:t> </a:t>
+            </a:r>
+            <a:r>
+              <a:rPr lang="en-US" dirty="0" err="1" smtClean="0"/>
+              <a:t>privilegiekoder</a:t>
+            </a:r>
+            <a:r>
+              <a:rPr lang="en-US" dirty="0" smtClean="0"/>
+              <a:t>.</a:t>
+            </a:r>
+            <a:r>
+              <a:rPr lang="en-US" baseline="0" dirty="0" smtClean="0"/>
+              <a:t> </a:t>
+            </a:r>
+            <a:r>
+              <a:rPr lang="en-US" dirty="0" err="1" smtClean="0"/>
+              <a:t>Exempel</a:t>
+            </a:r>
+            <a:r>
+              <a:rPr lang="en-US" dirty="0" smtClean="0"/>
+              <a:t>: scope=CRM_SCHEDULING_READ,CRM_SCHEDULING_WRITE</a:t>
+            </a:r>
+          </a:p>
+          <a:p>
+            <a:endParaRPr lang="en-US" dirty="0" smtClean="0"/>
+          </a:p>
+          <a:p>
+            <a:r>
+              <a:rPr lang="en-US" b="1" dirty="0" smtClean="0"/>
+              <a:t>State</a:t>
+            </a:r>
+            <a:r>
+              <a:rPr lang="en-US" dirty="0" smtClean="0"/>
+              <a:t> -&gt; </a:t>
+            </a:r>
+            <a:r>
+              <a:rPr lang="en-US" dirty="0" err="1" smtClean="0"/>
+              <a:t>Klienttillståndet</a:t>
+            </a:r>
+            <a:r>
+              <a:rPr lang="en-US" dirty="0" smtClean="0"/>
+              <a:t> </a:t>
+            </a:r>
+            <a:r>
+              <a:rPr lang="en-US" dirty="0" err="1" smtClean="0"/>
+              <a:t>finns</a:t>
+            </a:r>
+            <a:r>
+              <a:rPr lang="en-US" dirty="0" smtClean="0"/>
+              <a:t> med </a:t>
+            </a:r>
+            <a:r>
+              <a:rPr lang="en-US" dirty="0" err="1" smtClean="0"/>
+              <a:t>som</a:t>
+            </a:r>
+            <a:r>
+              <a:rPr lang="en-US" dirty="0" smtClean="0"/>
+              <a:t> </a:t>
+            </a:r>
+            <a:r>
+              <a:rPr lang="en-US" dirty="0" err="1" smtClean="0"/>
+              <a:t>skydd</a:t>
+            </a:r>
+            <a:r>
+              <a:rPr lang="en-US" dirty="0" smtClean="0"/>
+              <a:t> </a:t>
+            </a:r>
+            <a:r>
+              <a:rPr lang="en-US" dirty="0" err="1" smtClean="0"/>
+              <a:t>för</a:t>
+            </a:r>
+            <a:r>
+              <a:rPr lang="en-US" dirty="0" smtClean="0"/>
+              <a:t> </a:t>
+            </a:r>
+            <a:r>
+              <a:rPr lang="en-US" dirty="0" err="1" smtClean="0"/>
+              <a:t>vissa</a:t>
+            </a:r>
+            <a:r>
+              <a:rPr lang="en-US" dirty="0" smtClean="0"/>
+              <a:t> </a:t>
+            </a:r>
+            <a:r>
+              <a:rPr lang="en-US" dirty="0" err="1" smtClean="0"/>
+              <a:t>typer</a:t>
+            </a:r>
+            <a:r>
+              <a:rPr lang="en-US" dirty="0" smtClean="0"/>
+              <a:t> </a:t>
+            </a:r>
+            <a:r>
+              <a:rPr lang="en-US" dirty="0" err="1" smtClean="0"/>
+              <a:t>av</a:t>
+            </a:r>
+            <a:r>
+              <a:rPr lang="en-US" dirty="0" smtClean="0"/>
+              <a:t> attacker </a:t>
+            </a:r>
+            <a:r>
+              <a:rPr lang="en-US" dirty="0" err="1" smtClean="0"/>
+              <a:t>och</a:t>
+            </a:r>
+            <a:r>
+              <a:rPr lang="en-US" dirty="0" smtClean="0"/>
+              <a:t> </a:t>
+            </a:r>
+            <a:r>
+              <a:rPr lang="en-US" dirty="0" err="1" smtClean="0"/>
+              <a:t>skall</a:t>
+            </a:r>
+            <a:r>
+              <a:rPr lang="en-US" dirty="0" smtClean="0"/>
+              <a:t> </a:t>
+            </a:r>
+            <a:r>
+              <a:rPr lang="en-US" dirty="0" err="1" smtClean="0"/>
+              <a:t>vara</a:t>
+            </a:r>
+            <a:r>
+              <a:rPr lang="en-US" dirty="0" smtClean="0"/>
+              <a:t> en </a:t>
+            </a:r>
+            <a:r>
+              <a:rPr lang="en-US" dirty="0" err="1" smtClean="0"/>
+              <a:t>slumpgenererad</a:t>
+            </a:r>
+            <a:r>
+              <a:rPr lang="en-US" dirty="0" smtClean="0"/>
+              <a:t> </a:t>
+            </a:r>
+            <a:r>
+              <a:rPr lang="en-US" dirty="0" err="1" smtClean="0"/>
+              <a:t>sträng</a:t>
+            </a:r>
+            <a:r>
+              <a:rPr lang="en-US" dirty="0" smtClean="0"/>
+              <a:t> </a:t>
+            </a:r>
+            <a:r>
+              <a:rPr lang="en-US" dirty="0" err="1" smtClean="0"/>
+              <a:t>som</a:t>
+            </a:r>
+            <a:r>
+              <a:rPr lang="en-US" dirty="0" smtClean="0"/>
+              <a:t> </a:t>
+            </a:r>
+            <a:r>
+              <a:rPr lang="en-US" dirty="0" err="1" smtClean="0"/>
+              <a:t>är</a:t>
+            </a:r>
+            <a:r>
+              <a:rPr lang="en-US" dirty="0" smtClean="0"/>
+              <a:t> </a:t>
+            </a:r>
+            <a:r>
+              <a:rPr lang="en-US" dirty="0" err="1" smtClean="0"/>
+              <a:t>unik</a:t>
+            </a:r>
+            <a:r>
+              <a:rPr lang="en-US" dirty="0" smtClean="0"/>
+              <a:t> per </a:t>
+            </a:r>
+            <a:r>
+              <a:rPr lang="en-US" dirty="0" err="1" smtClean="0"/>
+              <a:t>anrop</a:t>
+            </a:r>
+            <a:r>
+              <a:rPr lang="en-US" dirty="0" smtClean="0"/>
+              <a:t> </a:t>
+            </a:r>
+            <a:r>
+              <a:rPr lang="en-US" dirty="0" err="1" smtClean="0"/>
+              <a:t>och</a:t>
+            </a:r>
+            <a:r>
+              <a:rPr lang="en-US" dirty="0" smtClean="0"/>
+              <a:t> </a:t>
+            </a:r>
+            <a:r>
+              <a:rPr lang="en-US" dirty="0" err="1" smtClean="0"/>
+              <a:t>som</a:t>
+            </a:r>
+            <a:r>
+              <a:rPr lang="en-US" dirty="0" smtClean="0"/>
+              <a:t> </a:t>
+            </a:r>
+            <a:r>
+              <a:rPr lang="en-US" dirty="0" err="1" smtClean="0"/>
+              <a:t>endast</a:t>
+            </a:r>
+            <a:r>
+              <a:rPr lang="en-US" dirty="0" smtClean="0"/>
+              <a:t> </a:t>
+            </a:r>
+            <a:r>
+              <a:rPr lang="en-US" dirty="0" err="1" smtClean="0"/>
+              <a:t>klienten</a:t>
+            </a:r>
+            <a:r>
+              <a:rPr lang="en-US" dirty="0" smtClean="0"/>
+              <a:t> </a:t>
+            </a:r>
+            <a:r>
+              <a:rPr lang="en-US" dirty="0" err="1" smtClean="0"/>
+              <a:t>känner</a:t>
+            </a:r>
+            <a:r>
+              <a:rPr lang="en-US" dirty="0" smtClean="0"/>
+              <a:t> till. </a:t>
+            </a:r>
+            <a:r>
+              <a:rPr lang="en-US" dirty="0" err="1" smtClean="0"/>
+              <a:t>Tillståndet</a:t>
+            </a:r>
+            <a:r>
+              <a:rPr lang="en-US" dirty="0" smtClean="0"/>
+              <a:t> </a:t>
+            </a:r>
+            <a:r>
+              <a:rPr lang="en-US" dirty="0" err="1" smtClean="0"/>
+              <a:t>måste</a:t>
+            </a:r>
+            <a:r>
+              <a:rPr lang="en-US" dirty="0" smtClean="0"/>
+              <a:t> </a:t>
+            </a:r>
+            <a:r>
+              <a:rPr lang="en-US" dirty="0" err="1" smtClean="0"/>
+              <a:t>sparas</a:t>
+            </a:r>
+            <a:r>
+              <a:rPr lang="en-US" dirty="0" smtClean="0"/>
+              <a:t> </a:t>
+            </a:r>
+            <a:r>
+              <a:rPr lang="en-US" dirty="0" err="1" smtClean="0"/>
+              <a:t>av</a:t>
+            </a:r>
+            <a:r>
+              <a:rPr lang="en-US" dirty="0" smtClean="0"/>
+              <a:t> </a:t>
+            </a:r>
+            <a:r>
+              <a:rPr lang="en-US" dirty="0" err="1" smtClean="0"/>
+              <a:t>klienten</a:t>
+            </a:r>
+            <a:r>
+              <a:rPr lang="en-US" dirty="0" smtClean="0"/>
+              <a:t> tills </a:t>
+            </a:r>
+            <a:r>
+              <a:rPr lang="en-US" dirty="0" err="1" smtClean="0"/>
+              <a:t>dess</a:t>
+            </a:r>
+            <a:r>
+              <a:rPr lang="en-US" dirty="0" smtClean="0"/>
+              <a:t> </a:t>
+            </a:r>
+            <a:r>
+              <a:rPr lang="en-US" dirty="0" err="1" smtClean="0"/>
+              <a:t>att</a:t>
+            </a:r>
+            <a:r>
+              <a:rPr lang="en-US" dirty="0" smtClean="0"/>
+              <a:t> </a:t>
+            </a:r>
+            <a:r>
+              <a:rPr lang="en-US" dirty="0" err="1" smtClean="0"/>
+              <a:t>användaren</a:t>
+            </a:r>
+            <a:r>
+              <a:rPr lang="en-US" dirty="0" smtClean="0"/>
+              <a:t> </a:t>
+            </a:r>
+            <a:r>
+              <a:rPr lang="en-US" dirty="0" err="1" smtClean="0"/>
+              <a:t>kommer</a:t>
+            </a:r>
+            <a:r>
+              <a:rPr lang="en-US" dirty="0" smtClean="0"/>
+              <a:t> </a:t>
+            </a:r>
+            <a:r>
+              <a:rPr lang="en-US" dirty="0" err="1" smtClean="0"/>
+              <a:t>tillbaka</a:t>
+            </a:r>
+            <a:r>
+              <a:rPr lang="en-US" dirty="0" smtClean="0"/>
+              <a:t> </a:t>
+            </a:r>
+            <a:r>
+              <a:rPr lang="en-US" dirty="0" err="1" smtClean="0"/>
+              <a:t>från</a:t>
+            </a:r>
+            <a:r>
+              <a:rPr lang="en-US" dirty="0" smtClean="0"/>
+              <a:t> </a:t>
+            </a:r>
+            <a:r>
+              <a:rPr lang="en-US" dirty="0" err="1" smtClean="0"/>
+              <a:t>auktorisationsdialogen</a:t>
+            </a:r>
+            <a:r>
+              <a:rPr lang="en-US" dirty="0" smtClean="0"/>
+              <a:t> </a:t>
+            </a:r>
+            <a:r>
+              <a:rPr lang="en-US" dirty="0" err="1" smtClean="0"/>
+              <a:t>eftersom</a:t>
+            </a:r>
+            <a:r>
+              <a:rPr lang="en-US" dirty="0" smtClean="0"/>
+              <a:t> </a:t>
+            </a:r>
+            <a:r>
+              <a:rPr lang="en-US" dirty="0" err="1" smtClean="0"/>
+              <a:t>det</a:t>
+            </a:r>
+            <a:r>
+              <a:rPr lang="en-US" dirty="0" smtClean="0"/>
+              <a:t> </a:t>
+            </a:r>
+            <a:r>
+              <a:rPr lang="en-US" dirty="0" err="1" smtClean="0"/>
+              <a:t>då</a:t>
+            </a:r>
+            <a:r>
+              <a:rPr lang="en-US" dirty="0" smtClean="0"/>
+              <a:t> </a:t>
+            </a:r>
+            <a:r>
+              <a:rPr lang="en-US" dirty="0" err="1" smtClean="0"/>
+              <a:t>skall</a:t>
+            </a:r>
+            <a:r>
+              <a:rPr lang="en-US" dirty="0" smtClean="0"/>
+              <a:t> </a:t>
+            </a:r>
+            <a:r>
+              <a:rPr lang="en-US" dirty="0" err="1" smtClean="0"/>
+              <a:t>matchas</a:t>
+            </a:r>
+            <a:r>
+              <a:rPr lang="en-US" dirty="0" smtClean="0"/>
+              <a:t> mot </a:t>
+            </a:r>
+            <a:r>
+              <a:rPr lang="en-US" dirty="0" err="1" smtClean="0"/>
+              <a:t>det</a:t>
+            </a:r>
+            <a:r>
+              <a:rPr lang="en-US" dirty="0" smtClean="0"/>
+              <a:t> </a:t>
+            </a:r>
+            <a:r>
+              <a:rPr lang="en-US" dirty="0" err="1" smtClean="0"/>
+              <a:t>tillståndsvärde</a:t>
+            </a:r>
+            <a:r>
+              <a:rPr lang="en-US" dirty="0" smtClean="0"/>
+              <a:t> </a:t>
+            </a:r>
+            <a:r>
+              <a:rPr lang="en-US" dirty="0" err="1" smtClean="0"/>
+              <a:t>användaren</a:t>
+            </a:r>
+            <a:r>
+              <a:rPr lang="en-US" dirty="0" smtClean="0"/>
+              <a:t> </a:t>
+            </a:r>
+            <a:r>
+              <a:rPr lang="en-US" dirty="0" err="1" smtClean="0"/>
+              <a:t>har</a:t>
+            </a:r>
+            <a:r>
+              <a:rPr lang="en-US" dirty="0" smtClean="0"/>
+              <a:t> med sig </a:t>
+            </a:r>
+            <a:r>
+              <a:rPr lang="en-US" dirty="0" err="1" smtClean="0"/>
+              <a:t>tillbaka</a:t>
+            </a:r>
+            <a:r>
+              <a:rPr lang="en-US" dirty="0" smtClean="0"/>
+              <a:t>.</a:t>
+            </a:r>
+          </a:p>
+          <a:p>
+            <a:endParaRPr lang="en-US" dirty="0" smtClean="0"/>
+          </a:p>
+          <a:p>
+            <a:r>
+              <a:rPr lang="en-US" b="1" dirty="0" smtClean="0"/>
+              <a:t>Redirect URI </a:t>
+            </a:r>
+            <a:r>
+              <a:rPr lang="en-US" b="0" dirty="0" smtClean="0"/>
+              <a:t>-&gt; Den URL </a:t>
+            </a:r>
+            <a:r>
+              <a:rPr lang="en-US" b="0" dirty="0" err="1" smtClean="0"/>
+              <a:t>i</a:t>
+            </a:r>
+            <a:r>
+              <a:rPr lang="en-US" b="0" dirty="0" smtClean="0"/>
+              <a:t> </a:t>
+            </a:r>
+            <a:r>
+              <a:rPr lang="en-US" b="0" dirty="0" err="1" smtClean="0"/>
+              <a:t>klientsystemet</a:t>
+            </a:r>
+            <a:r>
+              <a:rPr lang="en-US" b="0" dirty="0" smtClean="0"/>
+              <a:t> </a:t>
+            </a:r>
+            <a:r>
+              <a:rPr lang="en-US" b="0" dirty="0" err="1" smtClean="0"/>
+              <a:t>som</a:t>
+            </a:r>
+            <a:r>
+              <a:rPr lang="en-US" b="0" dirty="0" smtClean="0"/>
+              <a:t> </a:t>
+            </a:r>
+            <a:r>
+              <a:rPr lang="en-US" b="0" dirty="0" err="1" smtClean="0"/>
+              <a:t>användarens</a:t>
+            </a:r>
+            <a:r>
+              <a:rPr lang="en-US" b="0" dirty="0" smtClean="0"/>
+              <a:t> </a:t>
+            </a:r>
+            <a:r>
+              <a:rPr lang="en-US" b="0" dirty="0" err="1" smtClean="0"/>
+              <a:t>användaragent</a:t>
+            </a:r>
+            <a:r>
+              <a:rPr lang="en-US" b="0" dirty="0" smtClean="0"/>
+              <a:t> </a:t>
+            </a:r>
+            <a:r>
+              <a:rPr lang="en-US" b="0" dirty="0" err="1" smtClean="0"/>
+              <a:t>skall</a:t>
+            </a:r>
+            <a:r>
+              <a:rPr lang="en-US" b="0" dirty="0" smtClean="0"/>
+              <a:t> </a:t>
+            </a:r>
+            <a:r>
+              <a:rPr lang="en-US" b="0" dirty="0" err="1" smtClean="0"/>
+              <a:t>skickas</a:t>
+            </a:r>
+            <a:r>
+              <a:rPr lang="en-US" b="0" dirty="0" smtClean="0"/>
+              <a:t> till </a:t>
+            </a:r>
+            <a:r>
+              <a:rPr lang="en-US" b="0" dirty="0" err="1" smtClean="0"/>
+              <a:t>efter</a:t>
+            </a:r>
+            <a:r>
+              <a:rPr lang="en-US" b="0" dirty="0" smtClean="0"/>
+              <a:t> </a:t>
+            </a:r>
+            <a:r>
+              <a:rPr lang="en-US" b="0" dirty="0" err="1" smtClean="0"/>
+              <a:t>godkännandeprocessen</a:t>
+            </a:r>
+            <a:r>
+              <a:rPr lang="en-US" b="0" dirty="0" smtClean="0"/>
+              <a:t>.</a:t>
+            </a:r>
+            <a:endParaRPr lang="en-US" b="0" dirty="0"/>
           </a:p>
         </p:txBody>
       </p:sp>
@@ -3752,7 +5524,7 @@
     </p:spTree>
     <p:extLst>
       <p:ext uri="{BB962C8B-B14F-4D97-AF65-F5344CB8AC3E}">
-        <p14:creationId xmlns:p14="http://schemas.microsoft.com/office/powerpoint/2010/main" val="548233758"/>
+        <p14:creationId xmlns:p14="http://schemas.microsoft.com/office/powerpoint/2010/main" val="1600914622"/>
       </p:ext>
     </p:extLst>
   </p:cSld>
@@ -3806,6 +5578,38 @@
           <a:bodyPr/>
           <a:lstStyle/>
           <a:p>
+            <a:pPr marL="0" marR="0" indent="0" algn="l" defTabSz="457200" rtl="0" eaLnBrk="0" fontAlgn="base" latinLnBrk="0" hangingPunct="0">
+              <a:lnSpc>
+                <a:spcPct val="100000"/>
+              </a:lnSpc>
+              <a:spcBef>
+                <a:spcPct val="30000"/>
+              </a:spcBef>
+              <a:spcAft>
+                <a:spcPct val="0"/>
+              </a:spcAft>
+              <a:buClrTx/>
+              <a:buSzTx/>
+              <a:buFontTx/>
+              <a:buNone/>
+              <a:tabLst/>
+              <a:defRPr/>
+            </a:pPr>
+            <a:r>
+              <a:rPr lang="en-US" dirty="0" smtClean="0"/>
+              <a:t>TODO: </a:t>
+            </a:r>
+            <a:r>
+              <a:rPr lang="en-US" dirty="0" err="1" smtClean="0"/>
+              <a:t>Startat</a:t>
+            </a:r>
+            <a:r>
+              <a:rPr lang="en-US" baseline="0" dirty="0" smtClean="0"/>
+              <a:t> lab3/solution</a:t>
+            </a:r>
+            <a:endParaRPr lang="en-US" dirty="0" smtClean="0"/>
+          </a:p>
+          <a:p>
             <a:endParaRPr lang="en-US" dirty="0"/>
           </a:p>
         </p:txBody>
@@ -3833,7 +5637,7 @@
               <a:pPr>
                 <a:defRPr/>
               </a:pPr>
-              <a:t>21</a:t>
+              <a:t>20</a:t>
             </a:fld>
             <a:endParaRPr lang="sv-SE"/>
           </a:p>
@@ -3842,7 +5646,7 @@
     </p:spTree>
     <p:extLst>
       <p:ext uri="{BB962C8B-B14F-4D97-AF65-F5344CB8AC3E}">
-        <p14:creationId xmlns:p14="http://schemas.microsoft.com/office/powerpoint/2010/main" val="1604157975"/>
+        <p14:creationId xmlns:p14="http://schemas.microsoft.com/office/powerpoint/2010/main" val="3815961321"/>
       </p:ext>
     </p:extLst>
   </p:cSld>
@@ -3914,235 +5718,29 @@
               <a:defRPr/>
             </a:pPr>
             <a:r>
-              <a:rPr lang="en-US" b="1" dirty="0" smtClean="0"/>
-              <a:t>Cross Origin Resource Sharing</a:t>
-            </a:r>
-            <a:r>
-              <a:rPr lang="en-US" b="1" baseline="0" dirty="0" smtClean="0"/>
-              <a:t> (</a:t>
-            </a:r>
-            <a:r>
-              <a:rPr lang="en-US" b="1" dirty="0" smtClean="0"/>
-              <a:t>CORS)</a:t>
-            </a:r>
-            <a:r>
-              <a:rPr lang="en-US" dirty="0" smtClean="0"/>
-              <a:t> -&gt; Spring Security,</a:t>
-            </a:r>
-            <a:r>
-              <a:rPr lang="en-US" baseline="0" dirty="0" smtClean="0"/>
-              <a:t> </a:t>
-            </a:r>
-            <a:r>
-              <a:rPr lang="en-US" sz="1200" kern="1200" dirty="0" smtClean="0">
-                <a:solidFill>
-                  <a:schemeClr val="tx1"/>
-                </a:solidFill>
-                <a:latin typeface="+mn-lt"/>
-                <a:ea typeface="ＭＳ Ｐゴシック" charset="0"/>
-                <a:cs typeface="ＭＳ Ｐゴシック" charset="0"/>
-              </a:rPr>
-              <a:t>method=</a:t>
-            </a:r>
-            <a:r>
-              <a:rPr lang="en-US" sz="1200" i="1" kern="1200" dirty="0" smtClean="0">
-                <a:solidFill>
-                  <a:schemeClr val="tx1"/>
-                </a:solidFill>
-                <a:latin typeface="+mn-lt"/>
-                <a:ea typeface="ＭＳ Ｐゴシック" charset="0"/>
-                <a:cs typeface="ＭＳ Ｐゴシック" charset="0"/>
-              </a:rPr>
-              <a:t>"OPTIONS”,</a:t>
-            </a:r>
-            <a:r>
-              <a:rPr lang="en-US" sz="1200" i="0" kern="1200" baseline="0" dirty="0" smtClean="0">
-                <a:solidFill>
-                  <a:schemeClr val="tx1"/>
-                </a:solidFill>
-                <a:latin typeface="+mn-lt"/>
-                <a:ea typeface="ＭＳ Ｐゴシック" charset="0"/>
-                <a:cs typeface="ＭＳ Ｐゴシック" charset="0"/>
-              </a:rPr>
-              <a:t> </a:t>
-            </a:r>
-            <a:r>
-              <a:rPr lang="en-US" sz="1200" i="0" kern="1200" baseline="0" dirty="0" err="1" smtClean="0">
-                <a:solidFill>
-                  <a:schemeClr val="tx1"/>
-                </a:solidFill>
-                <a:latin typeface="+mn-lt"/>
-                <a:ea typeface="ＭＳ Ｐゴシック" charset="0"/>
-                <a:cs typeface="ＭＳ Ｐゴシック" charset="0"/>
-              </a:rPr>
-              <a:t>för</a:t>
-            </a:r>
-            <a:r>
-              <a:rPr lang="en-US" sz="1200" i="0" kern="1200" baseline="0" dirty="0" smtClean="0">
-                <a:solidFill>
-                  <a:schemeClr val="tx1"/>
-                </a:solidFill>
-                <a:latin typeface="+mn-lt"/>
-                <a:ea typeface="ＭＳ Ｐゴシック" charset="0"/>
-                <a:cs typeface="ＭＳ Ｐゴシック" charset="0"/>
-              </a:rPr>
-              <a:t> </a:t>
-            </a:r>
-            <a:r>
-              <a:rPr lang="en-US" sz="1200" i="0" kern="1200" baseline="0" dirty="0" err="1" smtClean="0">
-                <a:solidFill>
-                  <a:schemeClr val="tx1"/>
-                </a:solidFill>
-                <a:latin typeface="+mn-lt"/>
-                <a:ea typeface="ＭＳ Ｐゴシック" charset="0"/>
-                <a:cs typeface="ＭＳ Ｐゴシック" charset="0"/>
-              </a:rPr>
-              <a:t>att</a:t>
-            </a:r>
-            <a:r>
-              <a:rPr lang="en-US" sz="1200" i="0" kern="1200" baseline="0" dirty="0" smtClean="0">
-                <a:solidFill>
-                  <a:schemeClr val="tx1"/>
-                </a:solidFill>
-                <a:latin typeface="+mn-lt"/>
-                <a:ea typeface="ＭＳ Ｐゴシック" charset="0"/>
-                <a:cs typeface="ＭＳ Ｐゴシック" charset="0"/>
-              </a:rPr>
-              <a:t> </a:t>
-            </a:r>
-            <a:r>
-              <a:rPr lang="en-US" sz="1200" i="0" kern="1200" baseline="0" dirty="0" err="1" smtClean="0">
-                <a:solidFill>
-                  <a:schemeClr val="tx1"/>
-                </a:solidFill>
-                <a:latin typeface="+mn-lt"/>
-                <a:ea typeface="ＭＳ Ｐゴシック" charset="0"/>
-                <a:cs typeface="ＭＳ Ｐゴシック" charset="0"/>
-              </a:rPr>
-              <a:t>hantera</a:t>
-            </a:r>
-            <a:r>
-              <a:rPr lang="en-US" sz="1200" i="0" kern="1200" baseline="0" dirty="0" smtClean="0">
-                <a:solidFill>
-                  <a:schemeClr val="tx1"/>
-                </a:solidFill>
-                <a:latin typeface="+mn-lt"/>
-                <a:ea typeface="ＭＳ Ｐゴシック" charset="0"/>
-                <a:cs typeface="ＭＳ Ｐゴシック" charset="0"/>
-              </a:rPr>
-              <a:t> </a:t>
-            </a:r>
-            <a:r>
-              <a:rPr lang="en-US" sz="1200" i="0" kern="1200" baseline="0" dirty="0" err="1" smtClean="0">
-                <a:solidFill>
-                  <a:schemeClr val="tx1"/>
-                </a:solidFill>
-                <a:latin typeface="+mn-lt"/>
-                <a:ea typeface="ＭＳ Ｐゴシック" charset="0"/>
-                <a:cs typeface="ＭＳ Ｐゴシック" charset="0"/>
-              </a:rPr>
-              <a:t>så</a:t>
-            </a:r>
-            <a:r>
-              <a:rPr lang="en-US" sz="1200" i="0" kern="1200" baseline="0" dirty="0" smtClean="0">
-                <a:solidFill>
-                  <a:schemeClr val="tx1"/>
-                </a:solidFill>
-                <a:latin typeface="+mn-lt"/>
-                <a:ea typeface="ＭＳ Ｐゴシック" charset="0"/>
-                <a:cs typeface="ＭＳ Ｐゴシック" charset="0"/>
-              </a:rPr>
-              <a:t> </a:t>
-            </a:r>
-            <a:r>
-              <a:rPr lang="en-US" sz="1200" i="0" kern="1200" baseline="0" dirty="0" err="1" smtClean="0">
-                <a:solidFill>
-                  <a:schemeClr val="tx1"/>
-                </a:solidFill>
-                <a:latin typeface="+mn-lt"/>
-                <a:ea typeface="ＭＳ Ｐゴシック" charset="0"/>
-                <a:cs typeface="ＭＳ Ｐゴシック" charset="0"/>
-              </a:rPr>
-              <a:t>att</a:t>
-            </a:r>
-            <a:r>
-              <a:rPr lang="en-US" sz="1200" i="0" kern="1200" baseline="0" dirty="0" smtClean="0">
-                <a:solidFill>
-                  <a:schemeClr val="tx1"/>
-                </a:solidFill>
-                <a:latin typeface="+mn-lt"/>
-                <a:ea typeface="ＭＳ Ｐゴシック" charset="0"/>
-                <a:cs typeface="ＭＳ Ｐゴシック" charset="0"/>
-              </a:rPr>
-              <a:t> app </a:t>
-            </a:r>
-            <a:r>
-              <a:rPr lang="en-US" sz="1200" i="0" kern="1200" baseline="0" dirty="0" err="1" smtClean="0">
-                <a:solidFill>
-                  <a:schemeClr val="tx1"/>
-                </a:solidFill>
-                <a:latin typeface="+mn-lt"/>
-                <a:ea typeface="ＭＳ Ｐゴシック" charset="0"/>
-                <a:cs typeface="ＭＳ Ｐゴシック" charset="0"/>
-              </a:rPr>
-              <a:t>klienten</a:t>
-            </a:r>
-            <a:r>
-              <a:rPr lang="en-US" sz="1200" i="0" kern="1200" baseline="0" dirty="0" smtClean="0">
-                <a:solidFill>
-                  <a:schemeClr val="tx1"/>
-                </a:solidFill>
-                <a:latin typeface="+mn-lt"/>
-                <a:ea typeface="ＭＳ Ｐゴシック" charset="0"/>
-                <a:cs typeface="ＭＳ Ｐゴシック" charset="0"/>
-              </a:rPr>
-              <a:t> </a:t>
-            </a:r>
-            <a:r>
-              <a:rPr lang="en-US" sz="1200" i="0" kern="1200" baseline="0" dirty="0" err="1" smtClean="0">
-                <a:solidFill>
-                  <a:schemeClr val="tx1"/>
-                </a:solidFill>
-                <a:latin typeface="+mn-lt"/>
-                <a:ea typeface="ＭＳ Ｐゴシック" charset="0"/>
-                <a:cs typeface="ＭＳ Ｐゴシック" charset="0"/>
-              </a:rPr>
-              <a:t>kan</a:t>
-            </a:r>
-            <a:r>
-              <a:rPr lang="en-US" sz="1200" i="0" kern="1200" baseline="0" dirty="0" smtClean="0">
-                <a:solidFill>
-                  <a:schemeClr val="tx1"/>
-                </a:solidFill>
-                <a:latin typeface="+mn-lt"/>
-                <a:ea typeface="ＭＳ Ｐゴシック" charset="0"/>
-                <a:cs typeface="ＭＳ Ｐゴシック" charset="0"/>
-              </a:rPr>
-              <a:t> </a:t>
-            </a:r>
-            <a:r>
-              <a:rPr lang="en-US" sz="1200" i="0" kern="1200" baseline="0" dirty="0" err="1" smtClean="0">
-                <a:solidFill>
-                  <a:schemeClr val="tx1"/>
-                </a:solidFill>
-                <a:latin typeface="+mn-lt"/>
-                <a:ea typeface="ＭＳ Ｐゴシック" charset="0"/>
-                <a:cs typeface="ＭＳ Ｐゴシック" charset="0"/>
-              </a:rPr>
-              <a:t>anropa</a:t>
-            </a:r>
-            <a:r>
-              <a:rPr lang="en-US" sz="1200" i="0" kern="1200" baseline="0" dirty="0" smtClean="0">
-                <a:solidFill>
-                  <a:schemeClr val="tx1"/>
-                </a:solidFill>
-                <a:latin typeface="+mn-lt"/>
-                <a:ea typeface="ＭＳ Ｐゴシック" charset="0"/>
-                <a:cs typeface="ＭＳ Ｐゴシック" charset="0"/>
-              </a:rPr>
-              <a:t> app backend.</a:t>
-            </a:r>
-            <a:endParaRPr lang="en-US" dirty="0" smtClean="0"/>
+              <a:rPr lang="en-US" dirty="0" err="1" smtClean="0"/>
+              <a:t>Kika</a:t>
+            </a:r>
+            <a:r>
+              <a:rPr lang="en-US" dirty="0" smtClean="0"/>
+              <a:t> </a:t>
+            </a:r>
+            <a:r>
+              <a:rPr lang="en-US" dirty="0" err="1" smtClean="0"/>
+              <a:t>på</a:t>
+            </a:r>
+            <a:r>
+              <a:rPr lang="en-US" dirty="0" smtClean="0"/>
+              <a:t> README I </a:t>
+            </a:r>
+            <a:r>
+              <a:rPr lang="en-US" dirty="0" err="1" smtClean="0"/>
+              <a:t>katalogen</a:t>
+            </a:r>
+            <a:r>
+              <a:rPr lang="en-US" dirty="0" smtClean="0"/>
+              <a:t> /lab3</a:t>
+            </a:r>
           </a:p>
           <a:p>
             <a:endParaRPr lang="en-US" dirty="0"/>
@@ -4172,7 +5770,7 @@
               <a:pPr>
                 <a:defRPr/>
               </a:pPr>
-              <a:t>23</a:t>
+              <a:t>21</a:t>
             </a:fld>
             <a:endParaRPr lang="sv-SE"/>
           </a:p>
@@ -4181,7 +5779,97 @@
     </p:spTree>
     <p:extLst>
       <p:ext uri="{BB962C8B-B14F-4D97-AF65-F5344CB8AC3E}">
-        <p14:creationId xmlns:p14="http://schemas.microsoft.com/office/powerpoint/2010/main" val="2194732820"/>
+        <p14:creationId xmlns:p14="http://schemas.microsoft.com/office/powerpoint/2010/main" val="548233758"/>
+      </p:ext>
+    </p:extLst>
+  </p:cSld>
+  <p:clrMapOvr>
+    <a:masterClrMapping/>
+  </p:clrMapOvr>
+</p:notes>
+</file>
+
+<file path=ppt/notesSlides/notesSlide19.xml><?xml version="1.0" encoding="utf-8"?>
+<p:notes xmlns:a="http://schemas.openxmlformats.org/drawingml/2006/main" xmlns:r="http://schemas.openxmlformats.org/officeDocument/2006/relationships" xmlns:p="http://schemas.openxmlformats.org/presentationml/2006/main">
+  <p:cSld>
+    <p:spTree>
+      <p:nvGrpSpPr>
+        <p:cNvPr id="1" name=""/>
+        <p:cNvGrpSpPr/>
+        <p:nvPr/>
+      </p:nvGrpSpPr>
+      <p:grpSpPr>
+        <a:xfrm>
+          <a:off x="0" y="0"/>
+          <a:ext cx="0" cy="0"/>
+          <a:chOff x="0" y="0"/>
+          <a:chExt cx="0" cy="0"/>
+        </a:xfrm>
+      </p:grpSpPr>
+      <p:sp>
+        <p:nvSpPr>
+          <p:cNvPr id="2" name="Slide Image Placeholder 1"/>
+          <p:cNvSpPr>
+            <a:spLocks noGrp="1" noRot="1" noChangeAspect="1"/>
+          </p:cNvSpPr>
+          <p:nvPr>
+            <p:ph type="sldImg"/>
+          </p:nvPr>
+        </p:nvSpPr>
+        <p:spPr/>
+      </p:sp>
+      <p:sp>
+        <p:nvSpPr>
+          <p:cNvPr id="3" name="Notes Placeholder 2"/>
+          <p:cNvSpPr>
+            <a:spLocks noGrp="1"/>
+          </p:cNvSpPr>
+          <p:nvPr>
+            <p:ph type="body" idx="1"/>
+          </p:nvPr>
+        </p:nvSpPr>
+        <p:spPr/>
+        <p:txBody>
+          <a:bodyPr/>
+          <a:lstStyle/>
+          <a:p>
+            <a:endParaRPr lang="en-US" dirty="0"/>
+          </a:p>
+        </p:txBody>
+      </p:sp>
+      <p:sp>
+        <p:nvSpPr>
+          <p:cNvPr id="4" name="Slide Number Placeholder 3"/>
+          <p:cNvSpPr>
+            <a:spLocks noGrp="1"/>
+          </p:cNvSpPr>
+          <p:nvPr>
+            <p:ph type="sldNum" sz="quarter" idx="10"/>
+          </p:nvPr>
+        </p:nvSpPr>
+        <p:spPr/>
+        <p:txBody>
+          <a:bodyPr/>
+          <a:lstStyle/>
+          <a:p>
+            <a:pPr>
+              <a:defRPr/>
+            </a:pPr>
+            <a:fld id="{72F66423-05E2-6345-AF5A-73942C9C3A7C}" type="slidenum">
+              <a:rPr lang="sv-SE" smtClean="0"/>
+              <a:pPr>
+                <a:defRPr/>
+              </a:pPr>
+              <a:t>23</a:t>
+            </a:fld>
+            <a:endParaRPr lang="sv-SE"/>
+          </a:p>
+        </p:txBody>
+      </p:sp>
+    </p:spTree>
+    <p:extLst>
+      <p:ext uri="{BB962C8B-B14F-4D97-AF65-F5344CB8AC3E}">
+        <p14:creationId xmlns:p14="http://schemas.microsoft.com/office/powerpoint/2010/main" val="1604157975"/>
       </p:ext>
     </p:extLst>
   </p:cSld>
@@ -4576,6 +6264,345 @@
     <p:extLst>
       <p:ext uri="{BB962C8B-B14F-4D97-AF65-F5344CB8AC3E}">
         <p14:creationId xmlns:p14="http://schemas.microsoft.com/office/powerpoint/2010/main" val="1770856474"/>
+      </p:ext>
+    </p:extLst>
+  </p:cSld>
+  <p:clrMapOvr>
+    <a:masterClrMapping/>
+  </p:clrMapOvr>
+</p:notes>
+</file>
+
+<file path=ppt/notesSlides/notesSlide20.xml><?xml version="1.0" encoding="utf-8"?>
+<p:notes xmlns:a="http://schemas.openxmlformats.org/drawingml/2006/main" xmlns:r="http://schemas.openxmlformats.org/officeDocument/2006/relationships" xmlns:p="http://schemas.openxmlformats.org/presentationml/2006/main">
+  <p:cSld>
+    <p:spTree>
+      <p:nvGrpSpPr>
+        <p:cNvPr id="1" name=""/>
+        <p:cNvGrpSpPr/>
+        <p:nvPr/>
+      </p:nvGrpSpPr>
+      <p:grpSpPr>
+        <a:xfrm>
+          <a:off x="0" y="0"/>
+          <a:ext cx="0" cy="0"/>
+          <a:chOff x="0" y="0"/>
+          <a:chExt cx="0" cy="0"/>
+        </a:xfrm>
+      </p:grpSpPr>
+      <p:sp>
+        <p:nvSpPr>
+          <p:cNvPr id="2" name="Slide Image Placeholder 1"/>
+          <p:cNvSpPr>
+            <a:spLocks noGrp="1" noRot="1" noChangeAspect="1"/>
+          </p:cNvSpPr>
+          <p:nvPr>
+            <p:ph type="sldImg"/>
+          </p:nvPr>
+        </p:nvSpPr>
+        <p:spPr/>
+      </p:sp>
+      <p:sp>
+        <p:nvSpPr>
+          <p:cNvPr id="3" name="Notes Placeholder 2"/>
+          <p:cNvSpPr>
+            <a:spLocks noGrp="1"/>
+          </p:cNvSpPr>
+          <p:nvPr>
+            <p:ph type="body" idx="1"/>
+          </p:nvPr>
+        </p:nvSpPr>
+        <p:spPr/>
+        <p:txBody>
+          <a:bodyPr/>
+          <a:lstStyle/>
+          <a:p>
+            <a:pPr marL="0" marR="0" indent="0" algn="l" defTabSz="457200" rtl="0" eaLnBrk="0" fontAlgn="base" latinLnBrk="0" hangingPunct="0">
+              <a:lnSpc>
+                <a:spcPct val="100000"/>
+              </a:lnSpc>
+              <a:spcBef>
+                <a:spcPct val="30000"/>
+              </a:spcBef>
+              <a:spcAft>
+                <a:spcPct val="0"/>
+              </a:spcAft>
+              <a:buClrTx/>
+              <a:buSzTx/>
+              <a:buFontTx/>
+              <a:buNone/>
+              <a:tabLst/>
+              <a:defRPr/>
+            </a:pPr>
+            <a:r>
+              <a:rPr lang="en-US" b="1" dirty="0" smtClean="0"/>
+              <a:t>Cross Origin Resource Sharing</a:t>
+            </a:r>
+            <a:r>
+              <a:rPr lang="en-US" b="1" baseline="0" dirty="0" smtClean="0"/>
+              <a:t> (</a:t>
+            </a:r>
+            <a:r>
+              <a:rPr lang="en-US" b="1" dirty="0" smtClean="0"/>
+              <a:t>CORS)</a:t>
+            </a:r>
+            <a:r>
+              <a:rPr lang="en-US" dirty="0" smtClean="0"/>
+              <a:t> -&gt; Spring Security,</a:t>
+            </a:r>
+            <a:r>
+              <a:rPr lang="en-US" baseline="0" dirty="0" smtClean="0"/>
+              <a:t> </a:t>
+            </a:r>
+            <a:r>
+              <a:rPr lang="en-US" sz="1200" kern="1200" dirty="0" smtClean="0">
+                <a:solidFill>
+                  <a:schemeClr val="tx1"/>
+                </a:solidFill>
+                <a:latin typeface="+mn-lt"/>
+                <a:ea typeface="ＭＳ Ｐゴシック" charset="0"/>
+                <a:cs typeface="ＭＳ Ｐゴシック" charset="0"/>
+              </a:rPr>
+              <a:t>method=</a:t>
+            </a:r>
+            <a:r>
+              <a:rPr lang="en-US" sz="1200" i="1" kern="1200" dirty="0" smtClean="0">
+                <a:solidFill>
+                  <a:schemeClr val="tx1"/>
+                </a:solidFill>
+                <a:latin typeface="+mn-lt"/>
+                <a:ea typeface="ＭＳ Ｐゴシック" charset="0"/>
+                <a:cs typeface="ＭＳ Ｐゴシック" charset="0"/>
+              </a:rPr>
+              <a:t>"OPTIONS”,</a:t>
+            </a:r>
+            <a:r>
+              <a:rPr lang="en-US" sz="1200" i="0" kern="1200" baseline="0" dirty="0" smtClean="0">
+                <a:solidFill>
+                  <a:schemeClr val="tx1"/>
+                </a:solidFill>
+                <a:latin typeface="+mn-lt"/>
+                <a:ea typeface="ＭＳ Ｐゴシック" charset="0"/>
+                <a:cs typeface="ＭＳ Ｐゴシック" charset="0"/>
+              </a:rPr>
+              <a:t> </a:t>
+            </a:r>
+            <a:r>
+              <a:rPr lang="en-US" sz="1200" i="0" kern="1200" baseline="0" dirty="0" err="1" smtClean="0">
+                <a:solidFill>
+                  <a:schemeClr val="tx1"/>
+                </a:solidFill>
+                <a:latin typeface="+mn-lt"/>
+                <a:ea typeface="ＭＳ Ｐゴシック" charset="0"/>
+                <a:cs typeface="ＭＳ Ｐゴシック" charset="0"/>
+              </a:rPr>
+              <a:t>för</a:t>
+            </a:r>
+            <a:r>
+              <a:rPr lang="en-US" sz="1200" i="0" kern="1200" baseline="0" dirty="0" smtClean="0">
+                <a:solidFill>
+                  <a:schemeClr val="tx1"/>
+                </a:solidFill>
+                <a:latin typeface="+mn-lt"/>
+                <a:ea typeface="ＭＳ Ｐゴシック" charset="0"/>
+                <a:cs typeface="ＭＳ Ｐゴシック" charset="0"/>
+              </a:rPr>
+              <a:t> </a:t>
+            </a:r>
+            <a:r>
+              <a:rPr lang="en-US" sz="1200" i="0" kern="1200" baseline="0" dirty="0" err="1" smtClean="0">
+                <a:solidFill>
+                  <a:schemeClr val="tx1"/>
+                </a:solidFill>
+                <a:latin typeface="+mn-lt"/>
+                <a:ea typeface="ＭＳ Ｐゴシック" charset="0"/>
+                <a:cs typeface="ＭＳ Ｐゴシック" charset="0"/>
+              </a:rPr>
+              <a:t>att</a:t>
+            </a:r>
+            <a:r>
+              <a:rPr lang="en-US" sz="1200" i="0" kern="1200" baseline="0" dirty="0" smtClean="0">
+                <a:solidFill>
+                  <a:schemeClr val="tx1"/>
+                </a:solidFill>
+                <a:latin typeface="+mn-lt"/>
+                <a:ea typeface="ＭＳ Ｐゴシック" charset="0"/>
+                <a:cs typeface="ＭＳ Ｐゴシック" charset="0"/>
+              </a:rPr>
+              <a:t> </a:t>
+            </a:r>
+            <a:r>
+              <a:rPr lang="en-US" sz="1200" i="0" kern="1200" baseline="0" dirty="0" err="1" smtClean="0">
+                <a:solidFill>
+                  <a:schemeClr val="tx1"/>
+                </a:solidFill>
+                <a:latin typeface="+mn-lt"/>
+                <a:ea typeface="ＭＳ Ｐゴシック" charset="0"/>
+                <a:cs typeface="ＭＳ Ｐゴシック" charset="0"/>
+              </a:rPr>
+              <a:t>hantera</a:t>
+            </a:r>
+            <a:r>
+              <a:rPr lang="en-US" sz="1200" i="0" kern="1200" baseline="0" dirty="0" smtClean="0">
+                <a:solidFill>
+                  <a:schemeClr val="tx1"/>
+                </a:solidFill>
+                <a:latin typeface="+mn-lt"/>
+                <a:ea typeface="ＭＳ Ｐゴシック" charset="0"/>
+                <a:cs typeface="ＭＳ Ｐゴシック" charset="0"/>
+              </a:rPr>
+              <a:t> </a:t>
+            </a:r>
+            <a:r>
+              <a:rPr lang="en-US" sz="1200" i="0" kern="1200" baseline="0" dirty="0" err="1" smtClean="0">
+                <a:solidFill>
+                  <a:schemeClr val="tx1"/>
+                </a:solidFill>
+                <a:latin typeface="+mn-lt"/>
+                <a:ea typeface="ＭＳ Ｐゴシック" charset="0"/>
+                <a:cs typeface="ＭＳ Ｐゴシック" charset="0"/>
+              </a:rPr>
+              <a:t>så</a:t>
+            </a:r>
+            <a:r>
+              <a:rPr lang="en-US" sz="1200" i="0" kern="1200" baseline="0" dirty="0" smtClean="0">
+                <a:solidFill>
+                  <a:schemeClr val="tx1"/>
+                </a:solidFill>
+                <a:latin typeface="+mn-lt"/>
+                <a:ea typeface="ＭＳ Ｐゴシック" charset="0"/>
+                <a:cs typeface="ＭＳ Ｐゴシック" charset="0"/>
+              </a:rPr>
+              <a:t> </a:t>
+            </a:r>
+            <a:r>
+              <a:rPr lang="en-US" sz="1200" i="0" kern="1200" baseline="0" dirty="0" err="1" smtClean="0">
+                <a:solidFill>
+                  <a:schemeClr val="tx1"/>
+                </a:solidFill>
+                <a:latin typeface="+mn-lt"/>
+                <a:ea typeface="ＭＳ Ｐゴシック" charset="0"/>
+                <a:cs typeface="ＭＳ Ｐゴシック" charset="0"/>
+              </a:rPr>
+              <a:t>att</a:t>
+            </a:r>
+            <a:r>
+              <a:rPr lang="en-US" sz="1200" i="0" kern="1200" baseline="0" dirty="0" smtClean="0">
+                <a:solidFill>
+                  <a:schemeClr val="tx1"/>
+                </a:solidFill>
+                <a:latin typeface="+mn-lt"/>
+                <a:ea typeface="ＭＳ Ｐゴシック" charset="0"/>
+                <a:cs typeface="ＭＳ Ｐゴシック" charset="0"/>
+              </a:rPr>
+              <a:t> app </a:t>
+            </a:r>
+            <a:r>
+              <a:rPr lang="en-US" sz="1200" i="0" kern="1200" baseline="0" dirty="0" err="1" smtClean="0">
+                <a:solidFill>
+                  <a:schemeClr val="tx1"/>
+                </a:solidFill>
+                <a:latin typeface="+mn-lt"/>
+                <a:ea typeface="ＭＳ Ｐゴシック" charset="0"/>
+                <a:cs typeface="ＭＳ Ｐゴシック" charset="0"/>
+              </a:rPr>
+              <a:t>klienten</a:t>
+            </a:r>
+            <a:r>
+              <a:rPr lang="en-US" sz="1200" i="0" kern="1200" baseline="0" dirty="0" smtClean="0">
+                <a:solidFill>
+                  <a:schemeClr val="tx1"/>
+                </a:solidFill>
+                <a:latin typeface="+mn-lt"/>
+                <a:ea typeface="ＭＳ Ｐゴシック" charset="0"/>
+                <a:cs typeface="ＭＳ Ｐゴシック" charset="0"/>
+              </a:rPr>
+              <a:t> </a:t>
+            </a:r>
+            <a:r>
+              <a:rPr lang="en-US" sz="1200" i="0" kern="1200" baseline="0" dirty="0" err="1" smtClean="0">
+                <a:solidFill>
+                  <a:schemeClr val="tx1"/>
+                </a:solidFill>
+                <a:latin typeface="+mn-lt"/>
+                <a:ea typeface="ＭＳ Ｐゴシック" charset="0"/>
+                <a:cs typeface="ＭＳ Ｐゴシック" charset="0"/>
+              </a:rPr>
+              <a:t>kan</a:t>
+            </a:r>
+            <a:r>
+              <a:rPr lang="en-US" sz="1200" i="0" kern="1200" baseline="0" dirty="0" smtClean="0">
+                <a:solidFill>
+                  <a:schemeClr val="tx1"/>
+                </a:solidFill>
+                <a:latin typeface="+mn-lt"/>
+                <a:ea typeface="ＭＳ Ｐゴシック" charset="0"/>
+                <a:cs typeface="ＭＳ Ｐゴシック" charset="0"/>
+              </a:rPr>
+              <a:t> </a:t>
+            </a:r>
+            <a:r>
+              <a:rPr lang="en-US" sz="1200" i="0" kern="1200" baseline="0" dirty="0" err="1" smtClean="0">
+                <a:solidFill>
+                  <a:schemeClr val="tx1"/>
+                </a:solidFill>
+                <a:latin typeface="+mn-lt"/>
+                <a:ea typeface="ＭＳ Ｐゴシック" charset="0"/>
+                <a:cs typeface="ＭＳ Ｐゴシック" charset="0"/>
+              </a:rPr>
+              <a:t>anropa</a:t>
+            </a:r>
+            <a:r>
+              <a:rPr lang="en-US" sz="1200" i="0" kern="1200" baseline="0" dirty="0" smtClean="0">
+                <a:solidFill>
+                  <a:schemeClr val="tx1"/>
+                </a:solidFill>
+                <a:latin typeface="+mn-lt"/>
+                <a:ea typeface="ＭＳ Ｐゴシック" charset="0"/>
+                <a:cs typeface="ＭＳ Ｐゴシック" charset="0"/>
+              </a:rPr>
+              <a:t> app backend.</a:t>
+            </a:r>
+            <a:endParaRPr lang="en-US" dirty="0" smtClean="0"/>
+          </a:p>
+          <a:p>
+            <a:endParaRPr lang="en-US" dirty="0"/>
+          </a:p>
+        </p:txBody>
+      </p:sp>
+      <p:sp>
+        <p:nvSpPr>
+          <p:cNvPr id="4" name="Slide Number Placeholder 3"/>
+          <p:cNvSpPr>
+            <a:spLocks noGrp="1"/>
+          </p:cNvSpPr>
+          <p:nvPr>
+            <p:ph type="sldNum" sz="quarter" idx="10"/>
+          </p:nvPr>
+        </p:nvSpPr>
+        <p:spPr/>
+        <p:txBody>
+          <a:bodyPr/>
+          <a:lstStyle/>
+          <a:p>
+            <a:pPr>
+              <a:defRPr/>
+            </a:pPr>
+            <a:fld id="{72F66423-05E2-6345-AF5A-73942C9C3A7C}" type="slidenum">
+              <a:rPr lang="sv-SE" smtClean="0"/>
+              <a:pPr>
+                <a:defRPr/>
+              </a:pPr>
+              <a:t>25</a:t>
+            </a:fld>
+            <a:endParaRPr lang="sv-SE"/>
+          </a:p>
+        </p:txBody>
+      </p:sp>
+    </p:spTree>
+    <p:extLst>
+      <p:ext uri="{BB962C8B-B14F-4D97-AF65-F5344CB8AC3E}">
+        <p14:creationId xmlns:p14="http://schemas.microsoft.com/office/powerpoint/2010/main" val="2194732820"/>
       </p:ext>
     </p:extLst>
   </p:cSld>
@@ -5420,6 +7447,100 @@
           <a:bodyPr/>
           <a:lstStyle/>
           <a:p>
+            <a:r>
+              <a:rPr lang="en-US" baseline="0" dirty="0" err="1" smtClean="0"/>
+              <a:t>Det</a:t>
+            </a:r>
+            <a:r>
+              <a:rPr lang="en-US" baseline="0" dirty="0" smtClean="0"/>
+              <a:t> </a:t>
+            </a:r>
+            <a:r>
+              <a:rPr lang="en-US" baseline="0" dirty="0" err="1" smtClean="0"/>
+              <a:t>skall</a:t>
+            </a:r>
+            <a:r>
+              <a:rPr lang="en-US" baseline="0" dirty="0" smtClean="0"/>
+              <a:t> </a:t>
+            </a:r>
+            <a:r>
+              <a:rPr lang="en-US" baseline="0" dirty="0" err="1" smtClean="0"/>
+              <a:t>gå</a:t>
+            </a:r>
+            <a:r>
+              <a:rPr lang="en-US" baseline="0" dirty="0" smtClean="0"/>
+              <a:t> </a:t>
+            </a:r>
+            <a:r>
+              <a:rPr lang="en-US" baseline="0" dirty="0" err="1" smtClean="0"/>
+              <a:t>att</a:t>
+            </a:r>
+            <a:r>
+              <a:rPr lang="en-US" baseline="0" dirty="0" smtClean="0"/>
+              <a:t> se </a:t>
+            </a:r>
+            <a:r>
+              <a:rPr lang="en-US" baseline="0" dirty="0" err="1" smtClean="0"/>
+              <a:t>på</a:t>
+            </a:r>
+            <a:r>
+              <a:rPr lang="en-US" baseline="0" dirty="0" smtClean="0"/>
+              <a:t> en URL </a:t>
+            </a:r>
+            <a:r>
+              <a:rPr lang="en-US" baseline="0" dirty="0" err="1" smtClean="0"/>
+              <a:t>vilken</a:t>
+            </a:r>
+            <a:r>
+              <a:rPr lang="en-US" baseline="0" dirty="0" smtClean="0"/>
+              <a:t> </a:t>
+            </a:r>
+            <a:r>
+              <a:rPr lang="en-US" baseline="0" dirty="0" err="1" smtClean="0"/>
+              <a:t>resurs</a:t>
+            </a:r>
+            <a:r>
+              <a:rPr lang="en-US" baseline="0" dirty="0" smtClean="0"/>
+              <a:t> </a:t>
+            </a:r>
+            <a:r>
+              <a:rPr lang="en-US" baseline="0" dirty="0" err="1" smtClean="0"/>
+              <a:t>som</a:t>
+            </a:r>
+            <a:r>
+              <a:rPr lang="en-US" baseline="0" dirty="0" smtClean="0"/>
+              <a:t> </a:t>
+            </a:r>
+            <a:r>
+              <a:rPr lang="en-US" baseline="0" dirty="0" err="1" smtClean="0"/>
+              <a:t>efterfrågas</a:t>
+            </a:r>
+            <a:endParaRPr lang="en-US" baseline="0" dirty="0" smtClean="0"/>
+          </a:p>
+          <a:p>
+            <a:r>
+              <a:rPr lang="en-US" baseline="0" dirty="0" err="1" smtClean="0"/>
+              <a:t>Ett</a:t>
+            </a:r>
+            <a:r>
+              <a:rPr lang="en-US" baseline="0" dirty="0" smtClean="0"/>
+              <a:t> </a:t>
+            </a:r>
+            <a:r>
+              <a:rPr lang="en-US" baseline="0" dirty="0" err="1" smtClean="0"/>
+              <a:t>restbaserat</a:t>
+            </a:r>
+            <a:r>
+              <a:rPr lang="en-US" baseline="0" dirty="0" smtClean="0"/>
+              <a:t> API med CRUD </a:t>
+            </a:r>
+            <a:r>
+              <a:rPr lang="en-US" baseline="0" dirty="0" err="1" smtClean="0"/>
+              <a:t>ansats</a:t>
+            </a:r>
+            <a:endParaRPr lang="en-US" baseline="0" dirty="0" smtClean="0"/>
+          </a:p>
+          <a:p>
             <a:endParaRPr lang="en-US" baseline="0" dirty="0" smtClean="0"/>
           </a:p>
         </p:txBody>
@@ -6227,127 +8348,152 @@
             </a:r>
             <a:r>
               <a:rPr lang="en-US" baseline="0" dirty="0" smtClean="0"/>
+              <a:t> </a:t>
+            </a:r>
+            <a:r>
+              <a:rPr lang="en-US" baseline="0" dirty="0" err="1" smtClean="0"/>
+              <a:t>för</a:t>
+            </a:r>
+            <a:r>
+              <a:rPr lang="en-US" baseline="0" dirty="0" smtClean="0"/>
+              <a:t> </a:t>
+            </a:r>
+            <a:r>
+              <a:rPr lang="en-US" baseline="0" smtClean="0"/>
+              <a:t>invånare </a:t>
+            </a:r>
+            <a:r>
+              <a:rPr lang="en-US" baseline="0" dirty="0" smtClean="0"/>
+              <a:t>-&gt; </a:t>
+            </a:r>
+            <a:r>
+              <a:rPr lang="en-US" baseline="0" dirty="0" err="1" smtClean="0"/>
+              <a:t>www.minavardkontakter.se</a:t>
+            </a:r>
+            <a:endParaRPr lang="en-US" baseline="0" dirty="0" smtClean="0"/>
+          </a:p>
+          <a:p>
+            <a:endParaRPr lang="en-US" baseline="0" dirty="0" smtClean="0"/>
+          </a:p>
+          <a:p>
+            <a:r>
+              <a:rPr lang="en-US" baseline="0" dirty="0" err="1" smtClean="0"/>
+              <a:t>Identifiering</a:t>
+            </a:r>
+            <a:r>
+              <a:rPr lang="en-US" baseline="0" dirty="0" smtClean="0"/>
               <a:t> -&gt; </a:t>
             </a:r>
             <a:r>
               <a:rPr lang="en-US" baseline="0" dirty="0" err="1" smtClean="0"/>
-              <a:t>www.minavardkontakter.se</a:t>
-            </a:r>
+              <a:t>inloggning</a:t>
+            </a:r>
+            <a:r>
+              <a:rPr lang="en-US" baseline="0" dirty="0" smtClean="0"/>
+              <a:t> via </a:t>
+            </a:r>
+            <a:r>
+              <a:rPr lang="en-US" baseline="0" dirty="0" err="1" smtClean="0"/>
+              <a:t>mvk</a:t>
+            </a:r>
+            <a:r>
+              <a:rPr lang="en-US" baseline="0" dirty="0" smtClean="0"/>
+              <a:t> med 2-faktorsautenticering till </a:t>
+            </a:r>
+            <a:r>
+              <a:rPr lang="en-US" baseline="0" dirty="0" err="1" smtClean="0"/>
+              <a:t>excempel</a:t>
+            </a:r>
+            <a:r>
+              <a:rPr lang="en-US" baseline="0" dirty="0" smtClean="0"/>
+              <a:t> e-leg.</a:t>
+            </a:r>
+          </a:p>
+          <a:p>
             <a:endParaRPr lang="en-US" baseline="0" dirty="0" smtClean="0"/>
           </a:p>
           <a:p>
+            <a:r>
+              <a:rPr lang="en-US" baseline="0" dirty="0" err="1" smtClean="0"/>
+              <a:t>Klienter</a:t>
+            </a:r>
+            <a:r>
+              <a:rPr lang="en-US" baseline="0" dirty="0" smtClean="0"/>
+              <a:t> (app server) </a:t>
+            </a:r>
+            <a:r>
+              <a:rPr lang="en-US" baseline="0" dirty="0" err="1" smtClean="0"/>
+              <a:t>måste</a:t>
+            </a:r>
+            <a:r>
+              <a:rPr lang="en-US" baseline="0" dirty="0" smtClean="0"/>
+              <a:t> </a:t>
+            </a:r>
+            <a:r>
+              <a:rPr lang="en-US" baseline="0" dirty="0" err="1" smtClean="0"/>
+              <a:t>identifiera</a:t>
+            </a:r>
+            <a:r>
+              <a:rPr lang="en-US" baseline="0" dirty="0" smtClean="0"/>
+              <a:t> sig med </a:t>
+            </a:r>
+            <a:r>
+              <a:rPr lang="en-US" baseline="0" dirty="0" err="1" smtClean="0"/>
+              <a:t>ett</a:t>
+            </a:r>
+            <a:r>
+              <a:rPr lang="en-US" baseline="0" dirty="0" smtClean="0"/>
+              <a:t> </a:t>
+            </a:r>
+            <a:r>
+              <a:rPr lang="en-US" baseline="0" dirty="0" err="1" smtClean="0"/>
+              <a:t>certifikat</a:t>
+            </a:r>
+            <a:r>
+              <a:rPr lang="en-US" baseline="0" dirty="0" smtClean="0"/>
+              <a:t> </a:t>
+            </a:r>
+            <a:r>
+              <a:rPr lang="en-US" baseline="0" dirty="0" err="1" smtClean="0"/>
+              <a:t>utfärdat</a:t>
+            </a:r>
+            <a:r>
+              <a:rPr lang="en-US" baseline="0" dirty="0" smtClean="0"/>
+              <a:t> </a:t>
+            </a:r>
+            <a:r>
+              <a:rPr lang="en-US" baseline="0" dirty="0" err="1" smtClean="0"/>
+              <a:t>av</a:t>
+            </a:r>
+            <a:r>
+              <a:rPr lang="en-US" baseline="0" dirty="0" smtClean="0"/>
+              <a:t> en </a:t>
+            </a:r>
+            <a:r>
+              <a:rPr lang="en-US" baseline="0" dirty="0" err="1" smtClean="0"/>
+              <a:t>betrodd</a:t>
+            </a:r>
+            <a:r>
+              <a:rPr lang="en-US" baseline="0" dirty="0" smtClean="0"/>
+              <a:t> </a:t>
+            </a:r>
+            <a:r>
+              <a:rPr lang="en-US" baseline="0" dirty="0" err="1" smtClean="0"/>
+              <a:t>utfärdare</a:t>
+            </a:r>
+            <a:r>
+              <a:rPr lang="en-US" baseline="0" dirty="0" smtClean="0"/>
+              <a:t>. </a:t>
+            </a:r>
+            <a:r>
+              <a:rPr lang="en-US" baseline="0" dirty="0" err="1" smtClean="0"/>
+              <a:t>Tillit</a:t>
+            </a:r>
+            <a:r>
+              <a:rPr lang="en-US" baseline="0" dirty="0" smtClean="0"/>
+              <a:t>.</a:t>
+            </a:r>
             <a:endParaRPr lang="en-US" baseline="0" dirty="0" smtClean="0"/>
-          </a:p>
-          <a:p>
-            <a:r>
-              <a:rPr lang="en-US" baseline="0" dirty="0" err="1" smtClean="0"/>
-              <a:t>Identifiering</a:t>
-            </a:r>
-            <a:r>
-              <a:rPr lang="en-US" baseline="0" dirty="0" smtClean="0"/>
-              <a:t> -&gt; </a:t>
-            </a:r>
-            <a:r>
-              <a:rPr lang="en-US" baseline="0" dirty="0" err="1" smtClean="0"/>
-              <a:t>inloggning</a:t>
-            </a:r>
-            <a:r>
-              <a:rPr lang="en-US" baseline="0" dirty="0" smtClean="0"/>
-              <a:t> via </a:t>
-            </a:r>
-            <a:r>
-              <a:rPr lang="en-US" baseline="0" dirty="0" err="1" smtClean="0"/>
-              <a:t>mvk</a:t>
-            </a:r>
-            <a:r>
-              <a:rPr lang="en-US" baseline="0" dirty="0" smtClean="0"/>
-              <a:t> med 2-faktorsautenticering till </a:t>
-            </a:r>
-            <a:r>
-              <a:rPr lang="en-US" baseline="0" dirty="0" err="1" smtClean="0"/>
-              <a:t>excempel</a:t>
-            </a:r>
-            <a:r>
-              <a:rPr lang="en-US" baseline="0" dirty="0" smtClean="0"/>
-              <a:t> e-leg.</a:t>
-            </a:r>
-          </a:p>
-          <a:p>
-            <a:endParaRPr lang="en-US" baseline="0" dirty="0" smtClean="0"/>
-          </a:p>
-          <a:p>
-            <a:r>
-              <a:rPr lang="en-US" baseline="0" dirty="0" err="1" smtClean="0"/>
-              <a:t>Klienter</a:t>
-            </a:r>
-            <a:r>
-              <a:rPr lang="en-US" baseline="0" dirty="0" smtClean="0"/>
-              <a:t> (app server) </a:t>
-            </a:r>
-            <a:r>
-              <a:rPr lang="en-US" baseline="0" dirty="0" err="1" smtClean="0"/>
-              <a:t>måste</a:t>
-            </a:r>
-            <a:r>
-              <a:rPr lang="en-US" baseline="0" dirty="0" smtClean="0"/>
-              <a:t> </a:t>
-            </a:r>
-            <a:r>
-              <a:rPr lang="en-US" baseline="0" dirty="0" err="1" smtClean="0"/>
-              <a:t>identifiera</a:t>
-            </a:r>
-            <a:r>
-              <a:rPr lang="en-US" baseline="0" dirty="0" smtClean="0"/>
-              <a:t> sig med </a:t>
-            </a:r>
-            <a:r>
-              <a:rPr lang="en-US" baseline="0" dirty="0" err="1" smtClean="0"/>
-              <a:t>ett</a:t>
-            </a:r>
-            <a:r>
-              <a:rPr lang="en-US" baseline="0" dirty="0" smtClean="0"/>
-              <a:t> </a:t>
-            </a:r>
-            <a:r>
-              <a:rPr lang="en-US" baseline="0" dirty="0" err="1" smtClean="0"/>
-              <a:t>certifikat</a:t>
-            </a:r>
-            <a:r>
-              <a:rPr lang="en-US" baseline="0" dirty="0" smtClean="0"/>
-              <a:t> </a:t>
-            </a:r>
-            <a:r>
-              <a:rPr lang="en-US" baseline="0" dirty="0" err="1" smtClean="0"/>
-              <a:t>utfärdat</a:t>
-            </a:r>
-            <a:r>
-              <a:rPr lang="en-US" baseline="0" dirty="0" smtClean="0"/>
-              <a:t> </a:t>
-            </a:r>
-            <a:r>
-              <a:rPr lang="en-US" baseline="0" dirty="0" err="1" smtClean="0"/>
-              <a:t>av</a:t>
-            </a:r>
-            <a:r>
-              <a:rPr lang="en-US" baseline="0" dirty="0" smtClean="0"/>
-              <a:t> en </a:t>
-            </a:r>
-            <a:r>
-              <a:rPr lang="en-US" baseline="0" dirty="0" err="1" smtClean="0"/>
-              <a:t>betrodd</a:t>
-            </a:r>
-            <a:r>
-              <a:rPr lang="en-US" baseline="0" dirty="0" smtClean="0"/>
-              <a:t> </a:t>
-            </a:r>
-            <a:r>
-              <a:rPr lang="en-US" baseline="0" dirty="0" err="1" smtClean="0"/>
-              <a:t>utfärdare</a:t>
-            </a:r>
-            <a:r>
-              <a:rPr lang="en-US" baseline="0" dirty="0" smtClean="0"/>
-              <a:t>.</a:t>
-            </a:r>
           </a:p>
           <a:p>
             <a:endParaRPr lang="en-US" baseline="0" dirty="0" smtClean="0"/>
@@ -7145,41 +9291,29 @@
               <a:defRPr/>
             </a:pPr>
             <a:r>
+              <a:rPr lang="sv-SE" sz="1100" dirty="0" smtClean="0">
+                <a:solidFill>
+                  <a:schemeClr val="bg1"/>
+                </a:solidFill>
+                <a:latin typeface="Calibri" charset="0"/>
+              </a:rPr>
+              <a:t>Healthcare API </a:t>
+            </a:r>
+            <a:r>
               <a:rPr lang="sv-SE" sz="1100" dirty="0" err="1" smtClean="0">
                 <a:solidFill>
                   <a:schemeClr val="bg1"/>
                 </a:solidFill>
                 <a:latin typeface="Calibri" charset="0"/>
               </a:rPr>
-              <a:t>Title</a:t>
-            </a:r>
-            <a:r>
-              <a:rPr lang="sv-SE" sz="1100" dirty="0" smtClean="0">
-                <a:solidFill>
-                  <a:schemeClr val="bg1"/>
-                </a:solidFill>
-                <a:latin typeface="Calibri" charset="0"/>
-              </a:rPr>
-              <a:t> – </a:t>
-            </a:r>
-            <a:r>
-              <a:rPr lang="sv-SE" sz="1100" dirty="0" err="1" smtClean="0">
-                <a:solidFill>
-                  <a:schemeClr val="bg1"/>
-                </a:solidFill>
-                <a:latin typeface="Calibri" charset="0"/>
-              </a:rPr>
-              <a:t>edit</a:t>
-            </a:r>
-            <a:r>
-              <a:rPr lang="sv-SE" sz="1100" dirty="0" smtClean="0">
-                <a:solidFill>
-                  <a:schemeClr val="bg1"/>
-                </a:solidFill>
-                <a:latin typeface="Calibri" charset="0"/>
-              </a:rPr>
-              <a:t> in template</a:t>
-            </a:r>
+              <a:t>tutorial</a:t>
+            </a:r>
+            <a:endParaRPr lang="sv-SE" sz="1100" dirty="0" smtClean="0">
+              <a:solidFill>
+                <a:schemeClr val="bg1"/>
+              </a:solidFill>
+              <a:latin typeface="Calibri" charset="0"/>
+            </a:endParaRPr>
           </a:p>
         </p:txBody>
       </p:sp>
@@ -7887,6 +10021,49 @@
             </a:lvl9pPr>
           </a:lstStyle>
           <a:p>
+            <a:pPr marL="0" marR="0" indent="0" algn="l" defTabSz="457200" rtl="0" eaLnBrk="1" fontAlgn="base" latinLnBrk="0" hangingPunct="1">
+              <a:lnSpc>
+                <a:spcPct val="90000"/>
+              </a:lnSpc>
+              <a:spcBef>
+                <a:spcPct val="20000"/>
+              </a:spcBef>
+              <a:spcAft>
+                <a:spcPct val="0"/>
+              </a:spcAft>
+              <a:buClrTx/>
+              <a:buSzTx/>
+              <a:buFont typeface="Arial" charset="0"/>
+              <a:buNone/>
+              <a:tabLst/>
+              <a:defRPr/>
+            </a:pPr>
+            <a:r>
+              <a:rPr lang="sv-SE" sz="1100" dirty="0" smtClean="0">
+                <a:solidFill>
+                  <a:schemeClr val="bg1"/>
+                </a:solidFill>
+                <a:latin typeface="Calibri" charset="0"/>
+              </a:rPr>
+              <a:t>Healthcare API </a:t>
+            </a:r>
+            <a:r>
+              <a:rPr lang="sv-SE" sz="1100" dirty="0" err="1" smtClean="0">
+                <a:solidFill>
+                  <a:schemeClr val="bg1"/>
+                </a:solidFill>
+                <a:latin typeface="Calibri" charset="0"/>
+              </a:rPr>
+              <a:t>tutorial</a:t>
+            </a:r>
+            <a:endParaRPr lang="sv-SE" sz="1100" dirty="0" smtClean="0">
+              <a:solidFill>
+                <a:schemeClr val="bg1"/>
+              </a:solidFill>
+              <a:latin typeface="Calibri" charset="0"/>
+            </a:endParaRPr>
+          </a:p>
+          <a:p>
             <a:pPr eaLnBrk="1" hangingPunct="1">
               <a:lnSpc>
                 <a:spcPct val="90000"/>
@@ -7898,15 +10075,12 @@
               <a:buNone/>
               <a:defRPr/>
             </a:pPr>
-            <a:r>
-              <a:rPr lang="sv-SE" sz="1100" smtClean="0">
-                <a:solidFill>
-                  <a:schemeClr val="bg1"/>
-                </a:solidFill>
-                <a:latin typeface="Calibri" charset="0"/>
-              </a:rPr>
-              <a:t>Title – edit in template</a:t>
-            </a:r>
+            <a:endParaRPr lang="sv-SE" sz="1100" dirty="0" smtClean="0">
+              <a:solidFill>
+                <a:schemeClr val="bg1"/>
+              </a:solidFill>
+              <a:latin typeface="Calibri" charset="0"/>
+            </a:endParaRPr>
           </a:p>
         </p:txBody>
       </p:sp>
@@ -8617,6 +10791,49 @@
             </a:lvl9pPr>
           </a:lstStyle>
           <a:p>
+            <a:pPr marL="0" marR="0" indent="0" algn="l" defTabSz="457200" rtl="0" eaLnBrk="1" fontAlgn="base" latinLnBrk="0" hangingPunct="1">
+              <a:lnSpc>
+                <a:spcPct val="90000"/>
+              </a:lnSpc>
+              <a:spcBef>
+                <a:spcPct val="20000"/>
+              </a:spcBef>
+              <a:spcAft>
+                <a:spcPct val="0"/>
+              </a:spcAft>
+              <a:buClrTx/>
+              <a:buSzTx/>
+              <a:buFont typeface="Arial" charset="0"/>
+              <a:buNone/>
+              <a:tabLst/>
+              <a:defRPr/>
+            </a:pPr>
+            <a:r>
+              <a:rPr lang="sv-SE" sz="1100" dirty="0" smtClean="0">
+                <a:solidFill>
+                  <a:schemeClr val="bg1"/>
+                </a:solidFill>
+                <a:latin typeface="Calibri" charset="0"/>
+              </a:rPr>
+              <a:t>Healthcare API </a:t>
+            </a:r>
+            <a:r>
+              <a:rPr lang="sv-SE" sz="1100" dirty="0" err="1" smtClean="0">
+                <a:solidFill>
+                  <a:schemeClr val="bg1"/>
+                </a:solidFill>
+                <a:latin typeface="Calibri" charset="0"/>
+              </a:rPr>
+              <a:t>tutorial</a:t>
+            </a:r>
+            <a:endParaRPr lang="sv-SE" sz="1100" dirty="0" smtClean="0">
+              <a:solidFill>
+                <a:schemeClr val="bg1"/>
+              </a:solidFill>
+              <a:latin typeface="Calibri" charset="0"/>
+            </a:endParaRPr>
+          </a:p>
+          <a:p>
             <a:pPr eaLnBrk="1" hangingPunct="1">
               <a:lnSpc>
                 <a:spcPct val="90000"/>
@@ -8628,15 +10845,12 @@
               <a:buNone/>
               <a:defRPr/>
             </a:pPr>
-            <a:r>
-              <a:rPr lang="sv-SE" sz="1100" smtClean="0">
-                <a:solidFill>
-                  <a:schemeClr val="bg1"/>
-                </a:solidFill>
-                <a:latin typeface="Calibri" charset="0"/>
-              </a:rPr>
-              <a:t>Title – edit in template</a:t>
-            </a:r>
+            <a:endParaRPr lang="sv-SE" sz="1100" dirty="0" smtClean="0">
+              <a:solidFill>
+                <a:schemeClr val="bg1"/>
+              </a:solidFill>
+              <a:latin typeface="Calibri" charset="0"/>
+            </a:endParaRPr>
           </a:p>
         </p:txBody>
       </p:sp>
@@ -9442,6 +11656,49 @@
             </a:lvl9pPr>
           </a:lstStyle>
           <a:p>
+            <a:pPr marL="0" marR="0" indent="0" algn="l" defTabSz="457200" rtl="0" eaLnBrk="1" fontAlgn="base" latinLnBrk="0" hangingPunct="1">
+              <a:lnSpc>
+                <a:spcPct val="90000"/>
+              </a:lnSpc>
+              <a:spcBef>
+                <a:spcPct val="20000"/>
+              </a:spcBef>
+              <a:spcAft>
+                <a:spcPct val="0"/>
+              </a:spcAft>
+              <a:buClrTx/>
+              <a:buSzTx/>
+              <a:buFont typeface="Arial" charset="0"/>
+              <a:buNone/>
+              <a:tabLst/>
+              <a:defRPr/>
+            </a:pPr>
+            <a:r>
+              <a:rPr lang="sv-SE" sz="1100" dirty="0" smtClean="0">
+                <a:solidFill>
+                  <a:schemeClr val="bg1"/>
+                </a:solidFill>
+                <a:latin typeface="Calibri" charset="0"/>
+              </a:rPr>
+              <a:t>Healthcare API </a:t>
+            </a:r>
+            <a:r>
+              <a:rPr lang="sv-SE" sz="1100" dirty="0" err="1" smtClean="0">
+                <a:solidFill>
+                  <a:schemeClr val="bg1"/>
+                </a:solidFill>
+                <a:latin typeface="Calibri" charset="0"/>
+              </a:rPr>
+              <a:t>tutorial</a:t>
+            </a:r>
+            <a:endParaRPr lang="sv-SE" sz="1100" dirty="0" smtClean="0">
+              <a:solidFill>
+                <a:schemeClr val="bg1"/>
+              </a:solidFill>
+              <a:latin typeface="Calibri" charset="0"/>
+            </a:endParaRPr>
+          </a:p>
+          <a:p>
             <a:pPr eaLnBrk="1" hangingPunct="1">
               <a:lnSpc>
                 <a:spcPct val="90000"/>
@@ -9453,15 +11710,12 @@
               <a:buNone/>
               <a:defRPr/>
             </a:pPr>
-            <a:r>
-              <a:rPr lang="sv-SE" sz="1100" smtClean="0">
-                <a:solidFill>
-                  <a:schemeClr val="bg1"/>
-                </a:solidFill>
-                <a:latin typeface="Calibri" charset="0"/>
-              </a:rPr>
-              <a:t>Title – edit in template</a:t>
-            </a:r>
+            <a:endParaRPr lang="sv-SE" sz="1100" dirty="0" smtClean="0">
+              <a:solidFill>
+                <a:schemeClr val="bg1"/>
+              </a:solidFill>
+              <a:latin typeface="Calibri" charset="0"/>
+            </a:endParaRPr>
           </a:p>
         </p:txBody>
       </p:sp>
@@ -12068,15 +14322,22 @@
           <a:bodyPr/>
           <a:lstStyle/>
           <a:p>
+            <a:pPr marL="0" indent="0">
+              <a:buNone/>
+            </a:pPr>
             <a:r>
               <a:rPr lang="en-US" sz="1800" dirty="0" smtClean="0"/>
-              <a:t>As opposed to the public API’s, not open data API’s</a:t>
+              <a:t>Requirements on Patient related data API’s</a:t>
             </a:r>
           </a:p>
           <a:p>
             <a:r>
               <a:rPr lang="en-US" sz="1800" dirty="0" smtClean="0"/>
-              <a:t>Strong authentication of citizens</a:t>
+              <a:t>Strong </a:t>
+            </a:r>
+            <a:r>
+              <a:rPr lang="en-US" sz="1800" dirty="0" smtClean="0"/>
+              <a:t>authentication of citizens</a:t>
             </a:r>
           </a:p>
           <a:p>
@@ -12101,7 +14362,11 @@
           <a:p>
             <a:r>
               <a:rPr lang="en-US" sz="1800" dirty="0" smtClean="0"/>
-              <a:t>Strong authentication of API clients</a:t>
+              <a:t>Strong </a:t>
+            </a:r>
+            <a:r>
+              <a:rPr lang="en-US" sz="1800" dirty="0" smtClean="0"/>
+              <a:t>authentication of API clients</a:t>
             </a:r>
           </a:p>
           <a:p>
@@ -12135,12 +14400,13 @@
               <a:rPr lang="en-US" sz="1600" dirty="0" smtClean="0"/>
               <a:t>Citizen approved </a:t>
             </a:r>
-          </a:p>
-          <a:p>
-            <a:r>
-              <a:rPr lang="en-US" sz="1800" dirty="0" smtClean="0"/>
-              <a:t>So what’s the problem???</a:t>
-            </a:r>
+            <a:endParaRPr lang="en-US" sz="1600" dirty="0"/>
+          </a:p>
+          <a:p>
+            <a:pPr marL="0" indent="0">
+              <a:buNone/>
+            </a:pPr>
+            <a:endParaRPr lang="en-US" sz="1800" dirty="0" smtClean="0"/>
           </a:p>
         </p:txBody>
       </p:sp>
@@ -12358,7 +14624,7 @@
           <a:p>
             <a:r>
               <a:rPr lang="en-US" dirty="0" smtClean="0"/>
-              <a:t>The problem</a:t>
+              <a:t>Introduction</a:t>
             </a:r>
             <a:endParaRPr lang="en-US" dirty="0"/>
           </a:p>
@@ -13397,94 +15663,6 @@
       </p:sp>
       <p:sp>
         <p:nvSpPr>
-          <p:cNvPr id="4" name="Text Placeholder 3"/>
-          <p:cNvSpPr>
-            <a:spLocks noGrp="1"/>
-          </p:cNvSpPr>
-          <p:nvPr>
-            <p:ph type="body" sz="quarter" idx="13"/>
-          </p:nvPr>
-        </p:nvSpPr>
-        <p:spPr/>
-        <p:txBody>
-          <a:bodyPr/>
-          <a:lstStyle/>
-          <a:p>
-            <a:r>
-              <a:rPr lang="en-US" dirty="0" err="1" smtClean="0"/>
-              <a:t>Oauth</a:t>
-            </a:r>
-            <a:r>
-              <a:rPr lang="en-US" dirty="0" smtClean="0"/>
-              <a:t> 2.0 addresses these kinds of issues</a:t>
-            </a:r>
-          </a:p>
-          <a:p>
-            <a:r>
-              <a:rPr lang="en-US" dirty="0" smtClean="0"/>
-              <a:t>Possible for the citizen to be anonymous in the app</a:t>
-            </a:r>
-          </a:p>
-          <a:p>
-            <a:pPr lvl="1"/>
-            <a:r>
-              <a:rPr lang="en-US" dirty="0" smtClean="0"/>
-              <a:t>E.g. username </a:t>
-            </a:r>
-            <a:r>
-              <a:rPr lang="en-US" dirty="0" err="1" smtClean="0"/>
-              <a:t>kallekula</a:t>
-            </a:r>
-            <a:endParaRPr lang="en-US" dirty="0" smtClean="0"/>
-          </a:p>
-          <a:p>
-            <a:pPr lvl="1"/>
-            <a:r>
-              <a:rPr lang="en-US" dirty="0" smtClean="0"/>
-              <a:t>But still authenticated as </a:t>
-            </a:r>
-            <a:r>
-              <a:rPr lang="en-US" dirty="0" err="1" smtClean="0"/>
-              <a:t>Agda</a:t>
-            </a:r>
-            <a:r>
-              <a:rPr lang="en-US" dirty="0" smtClean="0"/>
-              <a:t> </a:t>
-            </a:r>
-            <a:r>
-              <a:rPr lang="en-US" dirty="0" err="1" smtClean="0"/>
-              <a:t>Andersson</a:t>
-            </a:r>
-            <a:r>
-              <a:rPr lang="en-US" dirty="0" smtClean="0"/>
-              <a:t> against MVK while authorizing the client</a:t>
-            </a:r>
-          </a:p>
-          <a:p>
-            <a:pPr lvl="1"/>
-            <a:r>
-              <a:rPr lang="en-US" dirty="0" smtClean="0"/>
-              <a:t>Generates a non-identifiable token representing the citizen authorization</a:t>
-            </a:r>
-          </a:p>
-          <a:p>
-            <a:r>
-              <a:rPr lang="en-US" dirty="0" smtClean="0"/>
-              <a:t>Twitter, Facebook </a:t>
-            </a:r>
-            <a:r>
-              <a:rPr lang="en-US" dirty="0" err="1" smtClean="0"/>
-              <a:t>etc</a:t>
-            </a:r>
-            <a:endParaRPr lang="en-US" dirty="0" smtClean="0"/>
-          </a:p>
-          <a:p>
-            <a:endParaRPr lang="en-US" dirty="0"/>
-          </a:p>
-        </p:txBody>
-      </p:sp>
-      <p:sp>
-        <p:nvSpPr>
           <p:cNvPr id="5" name="Slide Number Placeholder 4"/>
           <p:cNvSpPr>
             <a:spLocks noGrp="1"/>
@@ -13512,10 +15690,124 @@
           </a:p>
         </p:txBody>
       </p:sp>
+      <p:pic>
+        <p:nvPicPr>
+          <p:cNvPr id="7" name="Picture 6" descr="Screen Shot 2013-01-15 at 14.18.18.png"/>
+          <p:cNvPicPr>
+            <a:picLocks noChangeAspect="1"/>
+          </p:cNvPicPr>
+          <p:nvPr/>
+        </p:nvPicPr>
+        <p:blipFill>
+          <a:blip r:embed="rId3">
+            <a:extLst>
+              <a:ext uri="{28A0092B-C50C-407E-A947-70E740481C1C}">
+                <a14:useLocalDpi xmlns:a14="http://schemas.microsoft.com/office/drawing/2010/main" val="0"/>
+              </a:ext>
+            </a:extLst>
+          </a:blip>
+          <a:stretch>
+            <a:fillRect/>
+          </a:stretch>
+        </p:blipFill>
+        <p:spPr>
+          <a:xfrm>
+            <a:off x="177800" y="2396303"/>
+            <a:ext cx="8856662" cy="2302291"/>
+          </a:xfrm>
+          <a:prstGeom prst="rect">
+            <a:avLst/>
+          </a:prstGeom>
+        </p:spPr>
+      </p:pic>
+      <p:pic>
+        <p:nvPicPr>
+          <p:cNvPr id="6" name="Picture 5"/>
+          <p:cNvPicPr>
+            <a:picLocks noChangeAspect="1"/>
+          </p:cNvPicPr>
+          <p:nvPr/>
+        </p:nvPicPr>
+        <p:blipFill>
+          <a:blip r:embed="rId4"/>
+          <a:stretch>
+            <a:fillRect/>
+          </a:stretch>
+        </p:blipFill>
+        <p:spPr>
+          <a:xfrm>
+            <a:off x="7569200" y="4394200"/>
+            <a:ext cx="1574800" cy="1562100"/>
+          </a:xfrm>
+          <a:prstGeom prst="rect">
+            <a:avLst/>
+          </a:prstGeom>
+        </p:spPr>
+      </p:pic>
+      <p:sp>
+        <p:nvSpPr>
+          <p:cNvPr id="9" name="TextBox 8"/>
+          <p:cNvSpPr txBox="1"/>
+          <p:nvPr/>
+        </p:nvSpPr>
+        <p:spPr>
+          <a:xfrm>
+            <a:off x="177800" y="1785671"/>
+            <a:ext cx="8661400" cy="646331"/>
+          </a:xfrm>
+          <a:prstGeom prst="rect">
+            <a:avLst/>
+          </a:prstGeom>
+          <a:noFill/>
+        </p:spPr>
+        <p:txBody>
+          <a:bodyPr wrap="square" rtlCol="0">
+            <a:spAutoFit/>
+          </a:bodyPr>
+          <a:lstStyle/>
+          <a:p>
+            <a:pPr marL="285750" indent="-285750">
+              <a:buFont typeface="Arial"/>
+              <a:buChar char="•"/>
+            </a:pPr>
+            <a:r>
+              <a:rPr lang="en-US" dirty="0" err="1" smtClean="0"/>
+              <a:t>OAuth</a:t>
+            </a:r>
+            <a:r>
+              <a:rPr lang="en-US" dirty="0" smtClean="0"/>
+              <a:t> </a:t>
+            </a:r>
+            <a:r>
+              <a:rPr lang="en-US" dirty="0"/>
+              <a:t>2.0 addresses these kinds of </a:t>
+            </a:r>
+            <a:r>
+              <a:rPr lang="en-US" dirty="0" smtClean="0"/>
+              <a:t>issues</a:t>
+            </a:r>
+          </a:p>
+          <a:p>
+            <a:pPr marL="285750" indent="-285750">
+              <a:buFont typeface="Arial"/>
+              <a:buChar char="•"/>
+            </a:pPr>
+            <a:r>
+              <a:rPr lang="en-US" dirty="0" smtClean="0"/>
+              <a:t>From </a:t>
+            </a:r>
+            <a:r>
+              <a:rPr lang="en-US" dirty="0" err="1" smtClean="0"/>
+              <a:t>oauth.net</a:t>
+            </a:r>
+            <a:endParaRPr lang="en-US" dirty="0"/>
+          </a:p>
+        </p:txBody>
+      </p:sp>
     </p:spTree>
     <p:extLst>
       <p:ext uri="{BB962C8B-B14F-4D97-AF65-F5344CB8AC3E}">
-        <p14:creationId xmlns:p14="http://schemas.microsoft.com/office/powerpoint/2010/main" val="25701892"/>
+        <p14:creationId xmlns:p14="http://schemas.microsoft.com/office/powerpoint/2010/main" val="2259684202"/>
       </p:ext>
     </p:extLst>
   </p:cSld>
@@ -13596,8 +15888,108 @@
             </a:r>
             <a:r>
               <a:rPr lang="en-US" dirty="0" smtClean="0"/>
-              <a:t> 2.0 Roles</a:t>
-            </a:r>
+              <a:t> 2.0</a:t>
+            </a:r>
+            <a:endParaRPr lang="en-US" dirty="0"/>
+          </a:p>
+        </p:txBody>
+      </p:sp>
+      <p:sp>
+        <p:nvSpPr>
+          <p:cNvPr id="4" name="Text Placeholder 3"/>
+          <p:cNvSpPr>
+            <a:spLocks noGrp="1"/>
+          </p:cNvSpPr>
+          <p:nvPr>
+            <p:ph type="body" sz="quarter" idx="13"/>
+          </p:nvPr>
+        </p:nvSpPr>
+        <p:spPr/>
+        <p:txBody>
+          <a:bodyPr/>
+          <a:lstStyle/>
+          <a:p>
+            <a:r>
+              <a:rPr lang="en-US" dirty="0" smtClean="0"/>
+              <a:t>Possible to delegate authorization using tokens</a:t>
+            </a:r>
+          </a:p>
+          <a:p>
+            <a:pPr lvl="1"/>
+            <a:r>
+              <a:rPr lang="en-US" dirty="0" smtClean="0"/>
+              <a:t>I.e. without giving out the password</a:t>
+            </a:r>
+          </a:p>
+          <a:p>
+            <a:pPr lvl="1"/>
+            <a:r>
+              <a:rPr lang="en-US" dirty="0"/>
+              <a:t>Twitter, </a:t>
+            </a:r>
+            <a:r>
+              <a:rPr lang="en-US" dirty="0" smtClean="0"/>
+              <a:t>Facebook, Google </a:t>
+            </a:r>
+            <a:r>
+              <a:rPr lang="en-US" dirty="0" err="1" smtClean="0"/>
+              <a:t>etc</a:t>
+            </a:r>
+            <a:endParaRPr lang="en-US" dirty="0" smtClean="0"/>
+          </a:p>
+          <a:p>
+            <a:r>
+              <a:rPr lang="en-US" dirty="0" smtClean="0"/>
+              <a:t>Possible </a:t>
+            </a:r>
+            <a:r>
+              <a:rPr lang="en-US" dirty="0" smtClean="0"/>
+              <a:t>for the citizen to be anonymous in the app</a:t>
+            </a:r>
+          </a:p>
+          <a:p>
+            <a:pPr lvl="1"/>
+            <a:r>
+              <a:rPr lang="en-US" dirty="0" smtClean="0"/>
+              <a:t>E.g. username </a:t>
+            </a:r>
+            <a:r>
+              <a:rPr lang="en-US" dirty="0" err="1" smtClean="0"/>
+              <a:t>kallekula</a:t>
+            </a:r>
+            <a:endParaRPr lang="en-US" dirty="0" smtClean="0"/>
+          </a:p>
+          <a:p>
+            <a:pPr lvl="1"/>
+            <a:r>
+              <a:rPr lang="en-US" dirty="0" smtClean="0"/>
+              <a:t>But still authenticated as </a:t>
+            </a:r>
+            <a:r>
+              <a:rPr lang="en-US" dirty="0" err="1" smtClean="0"/>
+              <a:t>Agda</a:t>
+            </a:r>
+            <a:r>
+              <a:rPr lang="en-US" dirty="0" smtClean="0"/>
+              <a:t> </a:t>
+            </a:r>
+            <a:r>
+              <a:rPr lang="en-US" dirty="0" err="1" smtClean="0"/>
+              <a:t>Andersson</a:t>
+            </a:r>
+            <a:r>
+              <a:rPr lang="en-US" dirty="0" smtClean="0"/>
+              <a:t> against MVK while authorizing the client</a:t>
+            </a:r>
+          </a:p>
+          <a:p>
+            <a:pPr lvl="1"/>
+            <a:r>
+              <a:rPr lang="en-US" dirty="0" smtClean="0"/>
+              <a:t>Generates a non-identifiable token representing the citizen authorization</a:t>
+            </a:r>
+          </a:p>
+          <a:p>
             <a:endParaRPr lang="en-US" dirty="0"/>
           </a:p>
         </p:txBody>
@@ -13631,6 +16023,125 @@
           </a:p>
         </p:txBody>
       </p:sp>
+    </p:spTree>
+    <p:extLst>
+      <p:ext uri="{BB962C8B-B14F-4D97-AF65-F5344CB8AC3E}">
+        <p14:creationId xmlns:p14="http://schemas.microsoft.com/office/powerpoint/2010/main" val="25701892"/>
+      </p:ext>
+    </p:extLst>
+  </p:cSld>
+  <p:clrMapOvr>
+    <a:masterClrMapping/>
+  </p:clrMapOvr>
+  <p:timing>
+    <p:tnLst>
+      <p:par>
+        <p:cTn xmlns:p14="http://schemas.microsoft.com/office/powerpoint/2010/main" id="1" dur="indefinite" restart="never" nodeType="tmRoot"/>
+      </p:par>
+    </p:tnLst>
+  </p:timing>
+</p:sld>
+</file>
+
+<file path=ppt/slides/slide16.xml><?xml version="1.0" encoding="utf-8"?>
+<p:sld xmlns:a="http://schemas.openxmlformats.org/drawingml/2006/main" xmlns:r="http://schemas.openxmlformats.org/officeDocument/2006/relationships" xmlns:p="http://schemas.openxmlformats.org/presentationml/2006/main">
+  <p:cSld>
+    <p:spTree>
+      <p:nvGrpSpPr>
+        <p:cNvPr id="1" name=""/>
+        <p:cNvGrpSpPr/>
+        <p:nvPr/>
+      </p:nvGrpSpPr>
+      <p:grpSpPr>
+        <a:xfrm>
+          <a:off x="0" y="0"/>
+          <a:ext cx="0" cy="0"/>
+          <a:chOff x="0" y="0"/>
+          <a:chExt cx="0" cy="0"/>
+        </a:xfrm>
+      </p:grpSpPr>
+      <p:sp>
+        <p:nvSpPr>
+          <p:cNvPr id="2" name="Title 1"/>
+          <p:cNvSpPr>
+            <a:spLocks noGrp="1"/>
+          </p:cNvSpPr>
+          <p:nvPr>
+            <p:ph type="ctrTitle"/>
+          </p:nvPr>
+        </p:nvSpPr>
+        <p:spPr/>
+        <p:txBody>
+          <a:bodyPr>
+            <a:normAutofit fontScale="90000"/>
+          </a:bodyPr>
+          <a:lstStyle/>
+          <a:p>
+            <a:r>
+              <a:rPr lang="en-US" dirty="0"/>
+              <a:t>API’s containing patient related data</a:t>
+            </a:r>
+          </a:p>
+        </p:txBody>
+      </p:sp>
+      <p:sp>
+        <p:nvSpPr>
+          <p:cNvPr id="3" name="Subtitle 2"/>
+          <p:cNvSpPr>
+            <a:spLocks noGrp="1"/>
+          </p:cNvSpPr>
+          <p:nvPr>
+            <p:ph type="subTitle" idx="1"/>
+          </p:nvPr>
+        </p:nvSpPr>
+        <p:spPr/>
+        <p:txBody>
+          <a:bodyPr>
+            <a:normAutofit fontScale="92500" lnSpcReduction="10000"/>
+          </a:bodyPr>
+          <a:lstStyle/>
+          <a:p>
+            <a:r>
+              <a:rPr lang="en-US" dirty="0" err="1" smtClean="0"/>
+              <a:t>OAuth</a:t>
+            </a:r>
+            <a:r>
+              <a:rPr lang="en-US" dirty="0" smtClean="0"/>
+              <a:t> 2.0 Roles</a:t>
+            </a:r>
+            <a:endParaRPr lang="en-US" dirty="0"/>
+          </a:p>
+        </p:txBody>
+      </p:sp>
+      <p:sp>
+        <p:nvSpPr>
+          <p:cNvPr id="5" name="Slide Number Placeholder 4"/>
+          <p:cNvSpPr>
+            <a:spLocks noGrp="1"/>
+          </p:cNvSpPr>
+          <p:nvPr>
+            <p:ph type="sldNum" sz="quarter" idx="14"/>
+          </p:nvPr>
+        </p:nvSpPr>
+        <p:spPr/>
+        <p:txBody>
+          <a:bodyPr/>
+          <a:lstStyle/>
+          <a:p>
+            <a:pPr>
+              <a:defRPr/>
+            </a:pPr>
+            <a:fld id="{4AA01602-B999-AA4E-80A6-B21CED3A9C3C}" type="slidenum">
+              <a:rPr lang="sv-SE" smtClean="0"/>
+              <a:pPr>
+                <a:defRPr/>
+              </a:pPr>
+              <a:t>16</a:t>
+            </a:fld>
+            <a:endParaRPr lang="sv-SE"/>
+          </a:p>
+        </p:txBody>
+      </p:sp>
       <p:grpSp>
         <p:nvGrpSpPr>
           <p:cNvPr id="23" name="Group 22"/>
@@ -13639,10 +16150,10 @@
         </p:nvGrpSpPr>
         <p:grpSpPr>
           <a:xfrm>
-            <a:off x="5830551" y="1786860"/>
-            <a:ext cx="990600" cy="1349971"/>
-            <a:chOff x="3708400" y="2100590"/>
-            <a:chExt cx="990600" cy="1349971"/>
+            <a:off x="5758485" y="1786860"/>
+            <a:ext cx="1172291" cy="1349971"/>
+            <a:chOff x="3636334" y="2100590"/>
+            <a:chExt cx="1172291" cy="1349971"/>
           </a:xfrm>
         </p:grpSpPr>
         <p:pic>
@@ -13677,8 +16188,8 @@
           </p:nvSpPr>
           <p:spPr>
             <a:xfrm>
-              <a:off x="3745957" y="2100590"/>
-              <a:ext cx="953043" cy="523220"/>
+              <a:off x="3636334" y="2100590"/>
+              <a:ext cx="1172291" cy="523220"/>
             </a:xfrm>
             <a:prstGeom prst="rect">
               <a:avLst/>
@@ -13701,7 +16212,7 @@
               <a:pPr algn="ctr"/>
               <a:r>
                 <a:rPr lang="en-US" sz="1400" dirty="0" smtClean="0"/>
-                <a:t>Server</a:t>
+                <a:t>Server (API)</a:t>
               </a:r>
               <a:endParaRPr lang="en-US" sz="1400" dirty="0"/>
             </a:p>
@@ -14227,159 +16738,40 @@
           </a:p>
         </p:txBody>
       </p:sp>
+      <p:sp>
+        <p:nvSpPr>
+          <p:cNvPr id="29" name="TextBox 28"/>
+          <p:cNvSpPr txBox="1"/>
+          <p:nvPr/>
+        </p:nvSpPr>
+        <p:spPr>
+          <a:xfrm>
+            <a:off x="4619537" y="2590402"/>
+            <a:ext cx="1211014" cy="369332"/>
+          </a:xfrm>
+          <a:prstGeom prst="rect">
+            <a:avLst/>
+          </a:prstGeom>
+          <a:noFill/>
+        </p:spPr>
+        <p:txBody>
+          <a:bodyPr wrap="none" rtlCol="0">
+            <a:spAutoFit/>
+          </a:bodyPr>
+          <a:lstStyle/>
+          <a:p>
+            <a:r>
+              <a:rPr lang="en-US" dirty="0" err="1" smtClean="0"/>
+              <a:t>Token:xyz</a:t>
+            </a:r>
+            <a:endParaRPr lang="en-US" dirty="0"/>
+          </a:p>
+        </p:txBody>
+      </p:sp>
     </p:spTree>
     <p:extLst>
       <p:ext uri="{BB962C8B-B14F-4D97-AF65-F5344CB8AC3E}">
         <p14:creationId xmlns:p14="http://schemas.microsoft.com/office/powerpoint/2010/main" val="1177100080"/>
-      </p:ext>
-    </p:extLst>
-  </p:cSld>
-  <p:clrMapOvr>
-    <a:masterClrMapping/>
-  </p:clrMapOvr>
-  <p:timing>
-    <p:tnLst>
-      <p:par>
-        <p:cTn xmlns:p14="http://schemas.microsoft.com/office/powerpoint/2010/main" id="1" dur="indefinite" restart="never" nodeType="tmRoot"/>
-      </p:par>
-    </p:tnLst>
-  </p:timing>
-</p:sld>
-</file>
-
-<file path=ppt/slides/slide16.xml><?xml version="1.0" encoding="utf-8"?>
-<p:sld xmlns:a="http://schemas.openxmlformats.org/drawingml/2006/main" xmlns:r="http://schemas.openxmlformats.org/officeDocument/2006/relationships" xmlns:p="http://schemas.openxmlformats.org/presentationml/2006/main">
-  <p:cSld>
-    <p:spTree>
-      <p:nvGrpSpPr>
-        <p:cNvPr id="1" name=""/>
-        <p:cNvGrpSpPr/>
-        <p:nvPr/>
-      </p:nvGrpSpPr>
-      <p:grpSpPr>
-        <a:xfrm>
-          <a:off x="0" y="0"/>
-          <a:ext cx="0" cy="0"/>
-          <a:chOff x="0" y="0"/>
-          <a:chExt cx="0" cy="0"/>
-        </a:xfrm>
-      </p:grpSpPr>
-      <p:sp>
-        <p:nvSpPr>
-          <p:cNvPr id="2" name="Title 1"/>
-          <p:cNvSpPr>
-            <a:spLocks noGrp="1"/>
-          </p:cNvSpPr>
-          <p:nvPr>
-            <p:ph type="ctrTitle"/>
-          </p:nvPr>
-        </p:nvSpPr>
-        <p:spPr/>
-        <p:txBody>
-          <a:bodyPr>
-            <a:normAutofit fontScale="90000"/>
-          </a:bodyPr>
-          <a:lstStyle/>
-          <a:p>
-            <a:r>
-              <a:rPr lang="en-US" dirty="0"/>
-              <a:t>API’s containing patient related data</a:t>
-            </a:r>
-          </a:p>
-        </p:txBody>
-      </p:sp>
-      <p:sp>
-        <p:nvSpPr>
-          <p:cNvPr id="3" name="Subtitle 2"/>
-          <p:cNvSpPr>
-            <a:spLocks noGrp="1"/>
-          </p:cNvSpPr>
-          <p:nvPr>
-            <p:ph type="subTitle" idx="1"/>
-          </p:nvPr>
-        </p:nvSpPr>
-        <p:spPr/>
-        <p:txBody>
-          <a:bodyPr>
-            <a:normAutofit fontScale="92500" lnSpcReduction="10000"/>
-          </a:bodyPr>
-          <a:lstStyle/>
-          <a:p>
-            <a:r>
-              <a:rPr lang="en-US" dirty="0" err="1" smtClean="0"/>
-              <a:t>OAuth</a:t>
-            </a:r>
-            <a:r>
-              <a:rPr lang="en-US" dirty="0" smtClean="0"/>
-              <a:t> 2.0 Authorization code flow</a:t>
-            </a:r>
-            <a:endParaRPr lang="en-US" dirty="0"/>
-          </a:p>
-        </p:txBody>
-      </p:sp>
-      <p:sp>
-        <p:nvSpPr>
-          <p:cNvPr id="5" name="Slide Number Placeholder 4"/>
-          <p:cNvSpPr>
-            <a:spLocks noGrp="1"/>
-          </p:cNvSpPr>
-          <p:nvPr>
-            <p:ph type="sldNum" sz="quarter" idx="14"/>
-          </p:nvPr>
-        </p:nvSpPr>
-        <p:spPr/>
-        <p:txBody>
-          <a:bodyPr/>
-          <a:lstStyle/>
-          <a:p>
-            <a:pPr>
-              <a:defRPr/>
-            </a:pPr>
-            <a:fld id="{4AA01602-B999-AA4E-80A6-B21CED3A9C3C}" type="slidenum">
-              <a:rPr lang="sv-SE" smtClean="0"/>
-              <a:pPr>
-                <a:defRPr/>
-              </a:pPr>
-              <a:t>16</a:t>
-            </a:fld>
-            <a:endParaRPr lang="sv-SE"/>
-          </a:p>
-        </p:txBody>
-      </p:sp>
-      <p:pic>
-        <p:nvPicPr>
-          <p:cNvPr id="7" name="Picture 6" descr="OAuth20 authcode flow.jpg"/>
-          <p:cNvPicPr>
-            <a:picLocks noChangeAspect="1"/>
-          </p:cNvPicPr>
-          <p:nvPr/>
-        </p:nvPicPr>
-        <p:blipFill>
-          <a:blip r:embed="rId3">
-            <a:extLst>
-              <a:ext uri="{28A0092B-C50C-407E-A947-70E740481C1C}">
-                <a14:useLocalDpi xmlns:a14="http://schemas.microsoft.com/office/drawing/2010/main" val="0"/>
-              </a:ext>
-            </a:extLst>
-          </a:blip>
-          <a:stretch>
-            <a:fillRect/>
-          </a:stretch>
-        </p:blipFill>
-        <p:spPr>
-          <a:xfrm>
-            <a:off x="1524000" y="1791443"/>
-            <a:ext cx="6019800" cy="3945284"/>
-          </a:xfrm>
-          <a:prstGeom prst="rect">
-            <a:avLst/>
-          </a:prstGeom>
-        </p:spPr>
-      </p:pic>
-    </p:spTree>
-    <p:extLst>
-      <p:ext uri="{BB962C8B-B14F-4D97-AF65-F5344CB8AC3E}">
-        <p14:creationId xmlns:p14="http://schemas.microsoft.com/office/powerpoint/2010/main" val="3779845909"/>
       </p:ext>
     </p:extLst>
   </p:cSld>
@@ -14616,97 +17008,14 @@
           <a:lstStyle/>
           <a:p>
             <a:r>
-              <a:rPr lang="en-US" dirty="0" err="1"/>
+              <a:rPr lang="en-US" dirty="0" err="1" smtClean="0"/>
               <a:t>OAuth</a:t>
             </a:r>
             <a:r>
-              <a:rPr lang="en-US" dirty="0"/>
-              <a:t> 2.0 </a:t>
-            </a:r>
-            <a:r>
-              <a:rPr lang="en-US" dirty="0" smtClean="0"/>
-              <a:t>Request authorization</a:t>
+              <a:rPr lang="en-US" dirty="0" smtClean="0"/>
+              <a:t> 2.0 Authorization code flow</a:t>
             </a:r>
             <a:endParaRPr lang="en-US" dirty="0"/>
-          </a:p>
-          <a:p>
-            <a:endParaRPr lang="en-US" dirty="0"/>
-          </a:p>
-        </p:txBody>
-      </p:sp>
-      <p:sp>
-        <p:nvSpPr>
-          <p:cNvPr id="4" name="Text Placeholder 3"/>
-          <p:cNvSpPr>
-            <a:spLocks noGrp="1"/>
-          </p:cNvSpPr>
-          <p:nvPr>
-            <p:ph type="body" sz="quarter" idx="13"/>
-          </p:nvPr>
-        </p:nvSpPr>
-        <p:spPr/>
-        <p:txBody>
-          <a:bodyPr/>
-          <a:lstStyle/>
-          <a:p>
-            <a:pPr marL="0" indent="0">
-              <a:buNone/>
-            </a:pPr>
-            <a:r>
-              <a:rPr lang="en-US" sz="1800" dirty="0" smtClean="0"/>
-              <a:t>Request authorization dialog, parameters:</a:t>
-            </a:r>
-          </a:p>
-          <a:p>
-            <a:r>
-              <a:rPr lang="en-US" sz="1800" dirty="0" smtClean="0"/>
-              <a:t>Response type</a:t>
-            </a:r>
-          </a:p>
-          <a:p>
-            <a:r>
-              <a:rPr lang="en-US" sz="1800" dirty="0" smtClean="0"/>
-              <a:t>Client ID</a:t>
-            </a:r>
-          </a:p>
-          <a:p>
-            <a:r>
-              <a:rPr lang="en-US" sz="1800" dirty="0" smtClean="0"/>
-              <a:t>Scope</a:t>
-            </a:r>
-          </a:p>
-          <a:p>
-            <a:r>
-              <a:rPr lang="en-US" sz="1800" dirty="0" smtClean="0"/>
-              <a:t>State</a:t>
-            </a:r>
-          </a:p>
-          <a:p>
-            <a:r>
-              <a:rPr lang="en-US" sz="1800" dirty="0" smtClean="0"/>
-              <a:t>Redirect URI</a:t>
-            </a:r>
-          </a:p>
-          <a:p>
-            <a:endParaRPr lang="en-US" sz="1800" dirty="0"/>
-          </a:p>
-          <a:p>
-            <a:pPr marL="0" indent="0">
-              <a:buNone/>
-            </a:pPr>
-            <a:r>
-              <a:rPr lang="en-US" sz="1800" dirty="0" smtClean="0"/>
-              <a:t>Request token using authorization code</a:t>
-            </a:r>
-          </a:p>
-          <a:p>
-            <a:r>
-              <a:rPr lang="en-US" sz="1800" dirty="0" smtClean="0"/>
-              <a:t>Token endpoint</a:t>
-            </a:r>
-          </a:p>
-          <a:p>
-            <a:endParaRPr lang="en-US" sz="1800" dirty="0" smtClean="0"/>
           </a:p>
         </p:txBody>
       </p:sp>
@@ -14739,10 +17048,40 @@
           </a:p>
         </p:txBody>
       </p:sp>
+      <p:pic>
+        <p:nvPicPr>
+          <p:cNvPr id="7" name="Picture 6" descr="OAuth20 authcode flow.jpg"/>
+          <p:cNvPicPr>
+            <a:picLocks noChangeAspect="1"/>
+          </p:cNvPicPr>
+          <p:nvPr/>
+        </p:nvPicPr>
+        <p:blipFill>
+          <a:blip r:embed="rId3">
+            <a:extLst>
+              <a:ext uri="{28A0092B-C50C-407E-A947-70E740481C1C}">
+                <a14:useLocalDpi xmlns:a14="http://schemas.microsoft.com/office/drawing/2010/main" val="0"/>
+              </a:ext>
+            </a:extLst>
+          </a:blip>
+          <a:stretch>
+            <a:fillRect/>
+          </a:stretch>
+        </p:blipFill>
+        <p:spPr>
+          <a:xfrm>
+            <a:off x="1524000" y="1791443"/>
+            <a:ext cx="6019800" cy="3945284"/>
+          </a:xfrm>
+          <a:prstGeom prst="rect">
+            <a:avLst/>
+          </a:prstGeom>
+        </p:spPr>
+      </p:pic>
     </p:spTree>
     <p:extLst>
       <p:ext uri="{BB962C8B-B14F-4D97-AF65-F5344CB8AC3E}">
-        <p14:creationId xmlns:p14="http://schemas.microsoft.com/office/powerpoint/2010/main" val="210676882"/>
+        <p14:creationId xmlns:p14="http://schemas.microsoft.com/office/powerpoint/2010/main" val="3779845909"/>
       </p:ext>
     </p:extLst>
   </p:cSld>
@@ -14818,17 +17157,20 @@
           <a:lstStyle/>
           <a:p>
             <a:r>
-              <a:rPr lang="en-US" dirty="0" smtClean="0"/>
-              <a:t>Exercise 3, Simple </a:t>
-            </a:r>
-            <a:r>
-              <a:rPr lang="en-US" dirty="0" err="1" smtClean="0"/>
+              <a:rPr lang="en-US" dirty="0" err="1"/>
               <a:t>OAuth</a:t>
             </a:r>
             <a:r>
-              <a:rPr lang="en-US" dirty="0" smtClean="0"/>
-              <a:t> 2.0 API Client </a:t>
-            </a:r>
+              <a:rPr lang="en-US" dirty="0"/>
+              <a:t> 2.0 </a:t>
+            </a:r>
+            <a:r>
+              <a:rPr lang="en-US" dirty="0" smtClean="0"/>
+              <a:t>Request authorization</a:t>
+            </a:r>
+            <a:endParaRPr lang="en-US" dirty="0"/>
+          </a:p>
+          <a:p>
             <a:endParaRPr lang="en-US" dirty="0"/>
           </a:p>
         </p:txBody>
@@ -14852,33 +17194,60 @@
               <a:buNone/>
             </a:pPr>
             <a:r>
-              <a:rPr lang="en-US" dirty="0" smtClean="0"/>
-              <a:t>Get familiar with </a:t>
-            </a:r>
-            <a:r>
-              <a:rPr lang="en-US" dirty="0" err="1" smtClean="0"/>
-              <a:t>OAuth</a:t>
-            </a:r>
-            <a:r>
-              <a:rPr lang="en-US" dirty="0" smtClean="0"/>
-              <a:t> 2.0 and SDK by using a simple client letting the user authorize access.</a:t>
-            </a:r>
+              <a:rPr lang="en-US" sz="1800" dirty="0" smtClean="0"/>
+              <a:t>Request authorization dialog, parameters:</a:t>
+            </a:r>
+          </a:p>
+          <a:p>
+            <a:r>
+              <a:rPr lang="en-US" sz="1800" dirty="0" smtClean="0"/>
+              <a:t>Response type</a:t>
+            </a:r>
+          </a:p>
+          <a:p>
+            <a:r>
+              <a:rPr lang="en-US" sz="1800" dirty="0" smtClean="0"/>
+              <a:t>Client ID</a:t>
+            </a:r>
+          </a:p>
+          <a:p>
+            <a:r>
+              <a:rPr lang="en-US" sz="1800" dirty="0" smtClean="0"/>
+              <a:t>Scope</a:t>
+            </a:r>
+          </a:p>
+          <a:p>
+            <a:r>
+              <a:rPr lang="en-US" sz="1800" dirty="0" smtClean="0"/>
+              <a:t>State</a:t>
+            </a:r>
+          </a:p>
+          <a:p>
+            <a:r>
+              <a:rPr lang="en-US" sz="1800" dirty="0" smtClean="0"/>
+              <a:t>Redirect URI</a:t>
+            </a:r>
+          </a:p>
+          <a:p>
+            <a:endParaRPr lang="en-US" sz="1800" dirty="0"/>
           </a:p>
           <a:p>
             <a:pPr marL="0" indent="0">
               <a:buNone/>
             </a:pPr>
-            <a:endParaRPr lang="en-US" dirty="0"/>
-          </a:p>
-          <a:p>
-            <a:pPr>
-              <a:buFont typeface="Wingdings" charset="2"/>
-              <a:buChar char="ü"/>
-            </a:pPr>
             <a:r>
               <a:rPr lang="en-US" sz="1800" dirty="0" smtClean="0"/>
-              <a:t>Open lab/lab3/README and follow the instructions</a:t>
-            </a:r>
+              <a:t>Request token using authorization code</a:t>
+            </a:r>
+          </a:p>
+          <a:p>
+            <a:r>
+              <a:rPr lang="en-US" sz="1800" dirty="0" smtClean="0"/>
+              <a:t>Token endpoint</a:t>
+            </a:r>
+          </a:p>
+          <a:p>
+            <a:endParaRPr lang="en-US" sz="1800" dirty="0" smtClean="0"/>
           </a:p>
         </p:txBody>
       </p:sp>
@@ -14914,7 +17283,7 @@
     </p:spTree>
     <p:extLst>
       <p:ext uri="{BB962C8B-B14F-4D97-AF65-F5344CB8AC3E}">
-        <p14:creationId xmlns:p14="http://schemas.microsoft.com/office/powerpoint/2010/main" val="873325611"/>
+        <p14:creationId xmlns:p14="http://schemas.microsoft.com/office/powerpoint/2010/main" val="210676882"/>
       </p:ext>
     </p:extLst>
   </p:cSld>
@@ -15173,14 +17542,15 @@
         </p:nvSpPr>
         <p:spPr/>
         <p:txBody>
-          <a:bodyPr/>
+          <a:bodyPr>
+            <a:normAutofit fontScale="90000"/>
+          </a:bodyPr>
           <a:lstStyle/>
           <a:p>
             <a:r>
-              <a:rPr lang="en-US" dirty="0" err="1" smtClean="0"/>
-              <a:t>Kaffe</a:t>
-            </a:r>
-            <a:endParaRPr lang="en-US" dirty="0"/>
+              <a:rPr lang="en-US" dirty="0"/>
+              <a:t>API’s containing patient related data</a:t>
+            </a:r>
           </a:p>
         </p:txBody>
       </p:sp>
@@ -15201,7 +17571,11 @@
           </a:bodyPr>
           <a:lstStyle/>
           <a:p>
-            <a:endParaRPr lang="en-US"/>
+            <a:r>
+              <a:rPr lang="en-US" dirty="0" smtClean="0"/>
+              <a:t>Demo</a:t>
+            </a:r>
+            <a:endParaRPr lang="en-US" dirty="0"/>
           </a:p>
         </p:txBody>
       </p:sp>
@@ -15220,7 +17594,22 @@
           <a:bodyPr/>
           <a:lstStyle/>
           <a:p>
-            <a:endParaRPr lang="en-US" dirty="0"/>
+            <a:pPr marL="0" indent="0">
+              <a:buNone/>
+            </a:pPr>
+            <a:r>
+              <a:rPr lang="en-US" sz="1800" dirty="0" smtClean="0"/>
+              <a:t>Demo of the </a:t>
+            </a:r>
+            <a:r>
+              <a:rPr lang="en-US" sz="1800" dirty="0" err="1" smtClean="0"/>
+              <a:t>OAuth</a:t>
+            </a:r>
+            <a:r>
+              <a:rPr lang="en-US" sz="1800" dirty="0" smtClean="0"/>
+              <a:t> dance </a:t>
+            </a:r>
+            <a:endParaRPr lang="en-US" sz="1800" dirty="0"/>
           </a:p>
         </p:txBody>
       </p:sp>
@@ -15248,6 +17637,307 @@
                 <a:defRPr/>
               </a:pPr>
               <a:t>20</a:t>
+            </a:fld>
+            <a:endParaRPr lang="sv-SE"/>
+          </a:p>
+        </p:txBody>
+      </p:sp>
+    </p:spTree>
+    <p:extLst>
+      <p:ext uri="{BB962C8B-B14F-4D97-AF65-F5344CB8AC3E}">
+        <p14:creationId xmlns:p14="http://schemas.microsoft.com/office/powerpoint/2010/main" val="2434833156"/>
+      </p:ext>
+    </p:extLst>
+  </p:cSld>
+  <p:clrMapOvr>
+    <a:masterClrMapping/>
+  </p:clrMapOvr>
+  <p:timing>
+    <p:tnLst>
+      <p:par>
+        <p:cTn xmlns:p14="http://schemas.microsoft.com/office/powerpoint/2010/main" id="1" dur="indefinite" restart="never" nodeType="tmRoot"/>
+      </p:par>
+    </p:tnLst>
+  </p:timing>
+</p:sld>
+</file>
+
+<file path=ppt/slides/slide21.xml><?xml version="1.0" encoding="utf-8"?>
+<p:sld xmlns:a="http://schemas.openxmlformats.org/drawingml/2006/main" xmlns:r="http://schemas.openxmlformats.org/officeDocument/2006/relationships" xmlns:p="http://schemas.openxmlformats.org/presentationml/2006/main">
+  <p:cSld>
+    <p:spTree>
+      <p:nvGrpSpPr>
+        <p:cNvPr id="1" name=""/>
+        <p:cNvGrpSpPr/>
+        <p:nvPr/>
+      </p:nvGrpSpPr>
+      <p:grpSpPr>
+        <a:xfrm>
+          <a:off x="0" y="0"/>
+          <a:ext cx="0" cy="0"/>
+          <a:chOff x="0" y="0"/>
+          <a:chExt cx="0" cy="0"/>
+        </a:xfrm>
+      </p:grpSpPr>
+      <p:sp>
+        <p:nvSpPr>
+          <p:cNvPr id="2" name="Title 1"/>
+          <p:cNvSpPr>
+            <a:spLocks noGrp="1"/>
+          </p:cNvSpPr>
+          <p:nvPr>
+            <p:ph type="ctrTitle"/>
+          </p:nvPr>
+        </p:nvSpPr>
+        <p:spPr/>
+        <p:txBody>
+          <a:bodyPr>
+            <a:normAutofit fontScale="90000"/>
+          </a:bodyPr>
+          <a:lstStyle/>
+          <a:p>
+            <a:r>
+              <a:rPr lang="en-US" dirty="0"/>
+              <a:t>API’s containing patient related data</a:t>
+            </a:r>
+          </a:p>
+        </p:txBody>
+      </p:sp>
+      <p:sp>
+        <p:nvSpPr>
+          <p:cNvPr id="3" name="Subtitle 2"/>
+          <p:cNvSpPr>
+            <a:spLocks noGrp="1"/>
+          </p:cNvSpPr>
+          <p:nvPr>
+            <p:ph type="subTitle" idx="1"/>
+          </p:nvPr>
+        </p:nvSpPr>
+        <p:spPr/>
+        <p:txBody>
+          <a:bodyPr>
+            <a:normAutofit fontScale="92500" lnSpcReduction="10000"/>
+          </a:bodyPr>
+          <a:lstStyle/>
+          <a:p>
+            <a:r>
+              <a:rPr lang="en-US" dirty="0" smtClean="0"/>
+              <a:t>Exercise 3, Simple </a:t>
+            </a:r>
+            <a:r>
+              <a:rPr lang="en-US" dirty="0" err="1" smtClean="0"/>
+              <a:t>OAuth</a:t>
+            </a:r>
+            <a:r>
+              <a:rPr lang="en-US" dirty="0" smtClean="0"/>
+              <a:t> 2.0 API Client </a:t>
+            </a:r>
+            <a:endParaRPr lang="en-US" dirty="0"/>
+          </a:p>
+        </p:txBody>
+      </p:sp>
+      <p:sp>
+        <p:nvSpPr>
+          <p:cNvPr id="4" name="Text Placeholder 3"/>
+          <p:cNvSpPr>
+            <a:spLocks noGrp="1"/>
+          </p:cNvSpPr>
+          <p:nvPr>
+            <p:ph type="body" sz="quarter" idx="13"/>
+          </p:nvPr>
+        </p:nvSpPr>
+        <p:spPr/>
+        <p:txBody>
+          <a:bodyPr/>
+          <a:lstStyle/>
+          <a:p>
+            <a:pPr marL="0" indent="0">
+              <a:buNone/>
+            </a:pPr>
+            <a:r>
+              <a:rPr lang="en-US" dirty="0" smtClean="0"/>
+              <a:t>Get familiar with </a:t>
+            </a:r>
+            <a:r>
+              <a:rPr lang="en-US" dirty="0" err="1" smtClean="0"/>
+              <a:t>OAuth</a:t>
+            </a:r>
+            <a:r>
+              <a:rPr lang="en-US" dirty="0" smtClean="0"/>
+              <a:t> 2.0 and SDK by using a simple client letting the user authorize access.</a:t>
+            </a:r>
+          </a:p>
+          <a:p>
+            <a:pPr marL="0" indent="0">
+              <a:buNone/>
+            </a:pPr>
+            <a:endParaRPr lang="en-US" dirty="0"/>
+          </a:p>
+          <a:p>
+            <a:pPr>
+              <a:buFont typeface="Wingdings" charset="2"/>
+              <a:buChar char="ü"/>
+            </a:pPr>
+            <a:r>
+              <a:rPr lang="en-US" sz="1800" dirty="0" smtClean="0"/>
+              <a:t>Open lab/lab3/README and follow the instructions</a:t>
+            </a:r>
+          </a:p>
+        </p:txBody>
+      </p:sp>
+      <p:sp>
+        <p:nvSpPr>
+          <p:cNvPr id="5" name="Slide Number Placeholder 4"/>
+          <p:cNvSpPr>
+            <a:spLocks noGrp="1"/>
+          </p:cNvSpPr>
+          <p:nvPr>
+            <p:ph type="sldNum" sz="quarter" idx="14"/>
+          </p:nvPr>
+        </p:nvSpPr>
+        <p:spPr/>
+        <p:txBody>
+          <a:bodyPr/>
+          <a:lstStyle/>
+          <a:p>
+            <a:pPr>
+              <a:defRPr/>
+            </a:pPr>
+            <a:fld id="{4AA01602-B999-AA4E-80A6-B21CED3A9C3C}" type="slidenum">
+              <a:rPr lang="sv-SE" smtClean="0"/>
+              <a:pPr>
+                <a:defRPr/>
+              </a:pPr>
+              <a:t>21</a:t>
+            </a:fld>
+            <a:endParaRPr lang="sv-SE"/>
+          </a:p>
+        </p:txBody>
+      </p:sp>
+    </p:spTree>
+    <p:extLst>
+      <p:ext uri="{BB962C8B-B14F-4D97-AF65-F5344CB8AC3E}">
+        <p14:creationId xmlns:p14="http://schemas.microsoft.com/office/powerpoint/2010/main" val="873325611"/>
+      </p:ext>
+    </p:extLst>
+  </p:cSld>
+  <p:clrMapOvr>
+    <a:masterClrMapping/>
+  </p:clrMapOvr>
+  <p:timing>
+    <p:tnLst>
+      <p:par>
+        <p:cTn xmlns:p14="http://schemas.microsoft.com/office/powerpoint/2010/main" id="1" dur="indefinite" restart="never" nodeType="tmRoot"/>
+      </p:par>
+    </p:tnLst>
+  </p:timing>
+</p:sld>
+</file>
+
+<file path=ppt/slides/slide22.xml><?xml version="1.0" encoding="utf-8"?>
+<p:sld xmlns:a="http://schemas.openxmlformats.org/drawingml/2006/main" xmlns:r="http://schemas.openxmlformats.org/officeDocument/2006/relationships" xmlns:p="http://schemas.openxmlformats.org/presentationml/2006/main">
+  <p:cSld>
+    <p:spTree>
+      <p:nvGrpSpPr>
+        <p:cNvPr id="1" name=""/>
+        <p:cNvGrpSpPr/>
+        <p:nvPr/>
+      </p:nvGrpSpPr>
+      <p:grpSpPr>
+        <a:xfrm>
+          <a:off x="0" y="0"/>
+          <a:ext cx="0" cy="0"/>
+          <a:chOff x="0" y="0"/>
+          <a:chExt cx="0" cy="0"/>
+        </a:xfrm>
+      </p:grpSpPr>
+      <p:sp>
+        <p:nvSpPr>
+          <p:cNvPr id="2" name="Title 1"/>
+          <p:cNvSpPr>
+            <a:spLocks noGrp="1"/>
+          </p:cNvSpPr>
+          <p:nvPr>
+            <p:ph type="ctrTitle"/>
+          </p:nvPr>
+        </p:nvSpPr>
+        <p:spPr/>
+        <p:txBody>
+          <a:bodyPr/>
+          <a:lstStyle/>
+          <a:p>
+            <a:r>
+              <a:rPr lang="en-US" dirty="0" err="1" smtClean="0"/>
+              <a:t>Kaffe</a:t>
+            </a:r>
+            <a:endParaRPr lang="en-US" dirty="0"/>
+          </a:p>
+        </p:txBody>
+      </p:sp>
+      <p:sp>
+        <p:nvSpPr>
+          <p:cNvPr id="3" name="Subtitle 2"/>
+          <p:cNvSpPr>
+            <a:spLocks noGrp="1"/>
+          </p:cNvSpPr>
+          <p:nvPr>
+            <p:ph type="subTitle" idx="1"/>
+          </p:nvPr>
+        </p:nvSpPr>
+        <p:spPr/>
+        <p:txBody>
+          <a:bodyPr>
+            <a:normAutofit fontScale="92500" lnSpcReduction="10000"/>
+          </a:bodyPr>
+          <a:lstStyle/>
+          <a:p>
+            <a:endParaRPr lang="en-US"/>
+          </a:p>
+        </p:txBody>
+      </p:sp>
+      <p:sp>
+        <p:nvSpPr>
+          <p:cNvPr id="4" name="Text Placeholder 3"/>
+          <p:cNvSpPr>
+            <a:spLocks noGrp="1"/>
+          </p:cNvSpPr>
+          <p:nvPr>
+            <p:ph type="body" sz="quarter" idx="13"/>
+          </p:nvPr>
+        </p:nvSpPr>
+        <p:spPr/>
+        <p:txBody>
+          <a:bodyPr/>
+          <a:lstStyle/>
+          <a:p>
+            <a:endParaRPr lang="en-US" dirty="0"/>
+          </a:p>
+        </p:txBody>
+      </p:sp>
+      <p:sp>
+        <p:nvSpPr>
+          <p:cNvPr id="5" name="Slide Number Placeholder 4"/>
+          <p:cNvSpPr>
+            <a:spLocks noGrp="1"/>
+          </p:cNvSpPr>
+          <p:nvPr>
+            <p:ph type="sldNum" sz="quarter" idx="14"/>
+          </p:nvPr>
+        </p:nvSpPr>
+        <p:spPr/>
+        <p:txBody>
+          <a:bodyPr/>
+          <a:lstStyle/>
+          <a:p>
+            <a:pPr>
+              <a:defRPr/>
+            </a:pPr>
+            <a:fld id="{4AA01602-B999-AA4E-80A6-B21CED3A9C3C}" type="slidenum">
+              <a:rPr lang="sv-SE" smtClean="0"/>
+              <a:pPr>
+                <a:defRPr/>
+              </a:pPr>
+              <a:t>22</a:t>
             </a:fld>
             <a:endParaRPr lang="sv-SE"/>
           </a:p>
@@ -15303,7 +17993,7 @@
 </p:sld>
 </file>
 
-<file path=ppt/slides/slide21.xml><?xml version="1.0" encoding="utf-8"?>
+<file path=ppt/slides/slide23.xml><?xml version="1.0" encoding="utf-8"?>
 <p:sld xmlns:a="http://schemas.openxmlformats.org/drawingml/2006/main" xmlns:r="http://schemas.openxmlformats.org/officeDocument/2006/relationships" xmlns:p="http://schemas.openxmlformats.org/presentationml/2006/main">
   <p:cSld>
     <p:spTree>
@@ -15391,7 +18081,7 @@
               <a:pPr>
                 <a:defRPr/>
               </a:pPr>
-              <a:t>21</a:t>
+              <a:t>23</a:t>
             </a:fld>
             <a:endParaRPr lang="sv-SE"/>
           </a:p>
@@ -15564,370 +18254,6 @@
 </p:sld>
 </file>
 
-<file path=ppt/slides/slide22.xml><?xml version="1.0" encoding="utf-8"?>
-<p:sld xmlns:a="http://schemas.openxmlformats.org/drawingml/2006/main" xmlns:r="http://schemas.openxmlformats.org/officeDocument/2006/relationships" xmlns:p="http://schemas.openxmlformats.org/presentationml/2006/main">
-  <p:cSld>
-    <p:spTree>
-      <p:nvGrpSpPr>
-        <p:cNvPr id="1" name=""/>
-        <p:cNvGrpSpPr/>
-        <p:nvPr/>
-      </p:nvGrpSpPr>
-      <p:grpSpPr>
-        <a:xfrm>
-          <a:off x="0" y="0"/>
-          <a:ext cx="0" cy="0"/>
-          <a:chOff x="0" y="0"/>
-          <a:chExt cx="0" cy="0"/>
-        </a:xfrm>
-      </p:grpSpPr>
-      <p:sp>
-        <p:nvSpPr>
-          <p:cNvPr id="2" name="Title 1"/>
-          <p:cNvSpPr>
-            <a:spLocks noGrp="1"/>
-          </p:cNvSpPr>
-          <p:nvPr>
-            <p:ph type="ctrTitle"/>
-          </p:nvPr>
-        </p:nvSpPr>
-        <p:spPr/>
-        <p:txBody>
-          <a:bodyPr/>
-          <a:lstStyle/>
-          <a:p>
-            <a:r>
-              <a:rPr lang="en-US" dirty="0" smtClean="0"/>
-              <a:t>Building the App</a:t>
-            </a:r>
-            <a:endParaRPr lang="en-US" dirty="0"/>
-          </a:p>
-        </p:txBody>
-      </p:sp>
-      <p:sp>
-        <p:nvSpPr>
-          <p:cNvPr id="3" name="Subtitle 2"/>
-          <p:cNvSpPr>
-            <a:spLocks noGrp="1"/>
-          </p:cNvSpPr>
-          <p:nvPr>
-            <p:ph type="subTitle" idx="1"/>
-          </p:nvPr>
-        </p:nvSpPr>
-        <p:spPr/>
-        <p:txBody>
-          <a:bodyPr>
-            <a:normAutofit fontScale="92500" lnSpcReduction="10000"/>
-          </a:bodyPr>
-          <a:lstStyle/>
-          <a:p>
-            <a:r>
-              <a:rPr lang="en-US" dirty="0" smtClean="0"/>
-              <a:t>Exercise 4, backend</a:t>
-            </a:r>
-            <a:endParaRPr lang="en-US" dirty="0"/>
-          </a:p>
-        </p:txBody>
-      </p:sp>
-      <p:sp>
-        <p:nvSpPr>
-          <p:cNvPr id="4" name="Text Placeholder 3"/>
-          <p:cNvSpPr>
-            <a:spLocks noGrp="1"/>
-          </p:cNvSpPr>
-          <p:nvPr>
-            <p:ph type="body" sz="quarter" idx="13"/>
-          </p:nvPr>
-        </p:nvSpPr>
-        <p:spPr/>
-        <p:txBody>
-          <a:bodyPr/>
-          <a:lstStyle/>
-          <a:p>
-            <a:pPr marL="0" indent="0">
-              <a:buNone/>
-            </a:pPr>
-            <a:r>
-              <a:rPr lang="en-US" dirty="0" smtClean="0"/>
-              <a:t>Complete the Simple App backend to provide a secure API for the frontend. </a:t>
-            </a:r>
-          </a:p>
-          <a:p>
-            <a:r>
-              <a:rPr lang="en-US" dirty="0" smtClean="0"/>
-              <a:t>Add JSON API</a:t>
-            </a:r>
-          </a:p>
-          <a:p>
-            <a:endParaRPr lang="en-US" dirty="0"/>
-          </a:p>
-          <a:p>
-            <a:pPr>
-              <a:buFont typeface="Wingdings" charset="2"/>
-              <a:buChar char="ü"/>
-            </a:pPr>
-            <a:r>
-              <a:rPr lang="en-US" sz="1800" dirty="0" smtClean="0"/>
-              <a:t>Open lab/lab4/README and follow the instructions</a:t>
-            </a:r>
-            <a:endParaRPr lang="en-US" sz="1800" dirty="0"/>
-          </a:p>
-        </p:txBody>
-      </p:sp>
-      <p:sp>
-        <p:nvSpPr>
-          <p:cNvPr id="5" name="Slide Number Placeholder 4"/>
-          <p:cNvSpPr>
-            <a:spLocks noGrp="1"/>
-          </p:cNvSpPr>
-          <p:nvPr>
-            <p:ph type="sldNum" sz="quarter" idx="14"/>
-          </p:nvPr>
-        </p:nvSpPr>
-        <p:spPr/>
-        <p:txBody>
-          <a:bodyPr/>
-          <a:lstStyle/>
-          <a:p>
-            <a:pPr>
-              <a:defRPr/>
-            </a:pPr>
-            <a:fld id="{4AA01602-B999-AA4E-80A6-B21CED3A9C3C}" type="slidenum">
-              <a:rPr lang="sv-SE" smtClean="0"/>
-              <a:pPr>
-                <a:defRPr/>
-              </a:pPr>
-              <a:t>22</a:t>
-            </a:fld>
-            <a:endParaRPr lang="sv-SE"/>
-          </a:p>
-        </p:txBody>
-      </p:sp>
-    </p:spTree>
-    <p:extLst>
-      <p:ext uri="{BB962C8B-B14F-4D97-AF65-F5344CB8AC3E}">
-        <p14:creationId xmlns:p14="http://schemas.microsoft.com/office/powerpoint/2010/main" val="3668199394"/>
-      </p:ext>
-    </p:extLst>
-  </p:cSld>
-  <p:clrMapOvr>
-    <a:masterClrMapping/>
-  </p:clrMapOvr>
-  <p:timing>
-    <p:tnLst>
-      <p:par>
-        <p:cTn xmlns:p14="http://schemas.microsoft.com/office/powerpoint/2010/main" id="1" dur="indefinite" restart="never" nodeType="tmRoot"/>
-      </p:par>
-    </p:tnLst>
-  </p:timing>
-</p:sld>
-</file>
-
-<file path=ppt/slides/slide23.xml><?xml version="1.0" encoding="utf-8"?>
-<p:sld xmlns:a="http://schemas.openxmlformats.org/drawingml/2006/main" xmlns:r="http://schemas.openxmlformats.org/officeDocument/2006/relationships" xmlns:p="http://schemas.openxmlformats.org/presentationml/2006/main">
-  <p:cSld>
-    <p:spTree>
-      <p:nvGrpSpPr>
-        <p:cNvPr id="1" name=""/>
-        <p:cNvGrpSpPr/>
-        <p:nvPr/>
-      </p:nvGrpSpPr>
-      <p:grpSpPr>
-        <a:xfrm>
-          <a:off x="0" y="0"/>
-          <a:ext cx="0" cy="0"/>
-          <a:chOff x="0" y="0"/>
-          <a:chExt cx="0" cy="0"/>
-        </a:xfrm>
-      </p:grpSpPr>
-      <p:sp>
-        <p:nvSpPr>
-          <p:cNvPr id="2" name="Title 1"/>
-          <p:cNvSpPr>
-            <a:spLocks noGrp="1"/>
-          </p:cNvSpPr>
-          <p:nvPr>
-            <p:ph type="ctrTitle"/>
-          </p:nvPr>
-        </p:nvSpPr>
-        <p:spPr/>
-        <p:txBody>
-          <a:bodyPr/>
-          <a:lstStyle/>
-          <a:p>
-            <a:r>
-              <a:rPr lang="en-US" dirty="0" smtClean="0"/>
-              <a:t>Building the App</a:t>
-            </a:r>
-            <a:endParaRPr lang="en-US" dirty="0"/>
-          </a:p>
-        </p:txBody>
-      </p:sp>
-      <p:sp>
-        <p:nvSpPr>
-          <p:cNvPr id="3" name="Subtitle 2"/>
-          <p:cNvSpPr>
-            <a:spLocks noGrp="1"/>
-          </p:cNvSpPr>
-          <p:nvPr>
-            <p:ph type="subTitle" idx="1"/>
-          </p:nvPr>
-        </p:nvSpPr>
-        <p:spPr/>
-        <p:txBody>
-          <a:bodyPr>
-            <a:normAutofit fontScale="92500" lnSpcReduction="10000"/>
-          </a:bodyPr>
-          <a:lstStyle/>
-          <a:p>
-            <a:r>
-              <a:rPr lang="en-US" dirty="0" smtClean="0"/>
-              <a:t>Frontend</a:t>
-            </a:r>
-            <a:endParaRPr lang="en-US" dirty="0"/>
-          </a:p>
-        </p:txBody>
-      </p:sp>
-      <p:sp>
-        <p:nvSpPr>
-          <p:cNvPr id="4" name="Text Placeholder 3"/>
-          <p:cNvSpPr>
-            <a:spLocks noGrp="1"/>
-          </p:cNvSpPr>
-          <p:nvPr>
-            <p:ph type="body" sz="quarter" idx="13"/>
-          </p:nvPr>
-        </p:nvSpPr>
-        <p:spPr/>
-        <p:txBody>
-          <a:bodyPr/>
-          <a:lstStyle/>
-          <a:p>
-            <a:pPr marL="0" indent="0">
-              <a:buNone/>
-            </a:pPr>
-            <a:r>
-              <a:rPr lang="en-US" dirty="0" smtClean="0"/>
-              <a:t>Frontend technologies</a:t>
-            </a:r>
-          </a:p>
-          <a:p>
-            <a:r>
-              <a:rPr lang="en-US" dirty="0" smtClean="0"/>
-              <a:t>What’s happening on the frontend?</a:t>
-            </a:r>
-          </a:p>
-          <a:p>
-            <a:r>
-              <a:rPr lang="en-US" dirty="0" smtClean="0"/>
-              <a:t>Apps as independent HTML/JS solutions</a:t>
-            </a:r>
-          </a:p>
-          <a:p>
-            <a:pPr lvl="1"/>
-            <a:r>
-              <a:rPr lang="en-US" dirty="0" smtClean="0"/>
-              <a:t>Same origin policy</a:t>
-            </a:r>
-          </a:p>
-          <a:p>
-            <a:pPr lvl="1"/>
-            <a:r>
-              <a:rPr lang="en-US" dirty="0" smtClean="0"/>
-              <a:t>Cross Origin Resource Sharing</a:t>
-            </a:r>
-          </a:p>
-          <a:p>
-            <a:r>
-              <a:rPr lang="en-US" dirty="0" smtClean="0"/>
-              <a:t>My Healthcare Calendar</a:t>
-            </a:r>
-          </a:p>
-          <a:p>
-            <a:pPr lvl="1"/>
-            <a:r>
-              <a:rPr lang="en-US" dirty="0" smtClean="0"/>
-              <a:t>(Almost) Finished HTML/JS App built with </a:t>
-            </a:r>
-            <a:r>
-              <a:rPr lang="en-US" dirty="0" err="1" smtClean="0"/>
-              <a:t>backbone.js</a:t>
-            </a:r>
-            <a:r>
-              <a:rPr lang="en-US" dirty="0" smtClean="0"/>
-              <a:t> and </a:t>
-            </a:r>
-            <a:r>
-              <a:rPr lang="en-US" dirty="0" err="1"/>
-              <a:t>j</a:t>
-            </a:r>
-            <a:r>
-              <a:rPr lang="en-US" dirty="0" err="1" smtClean="0"/>
-              <a:t>Query</a:t>
-            </a:r>
-            <a:r>
-              <a:rPr lang="en-US" dirty="0" smtClean="0"/>
-              <a:t> mobile</a:t>
-            </a:r>
-          </a:p>
-          <a:p>
-            <a:pPr lvl="1"/>
-            <a:r>
-              <a:rPr lang="en-US" dirty="0" smtClean="0"/>
-              <a:t>How do we connect the app to our API?</a:t>
-            </a:r>
-          </a:p>
-        </p:txBody>
-      </p:sp>
-      <p:sp>
-        <p:nvSpPr>
-          <p:cNvPr id="5" name="Slide Number Placeholder 4"/>
-          <p:cNvSpPr>
-            <a:spLocks noGrp="1"/>
-          </p:cNvSpPr>
-          <p:nvPr>
-            <p:ph type="sldNum" sz="quarter" idx="14"/>
-          </p:nvPr>
-        </p:nvSpPr>
-        <p:spPr/>
-        <p:txBody>
-          <a:bodyPr/>
-          <a:lstStyle/>
-          <a:p>
-            <a:pPr>
-              <a:defRPr/>
-            </a:pPr>
-            <a:fld id="{4AA01602-B999-AA4E-80A6-B21CED3A9C3C}" type="slidenum">
-              <a:rPr lang="sv-SE" smtClean="0"/>
-              <a:pPr>
-                <a:defRPr/>
-              </a:pPr>
-              <a:t>23</a:t>
-            </a:fld>
-            <a:endParaRPr lang="sv-SE"/>
-          </a:p>
-        </p:txBody>
-      </p:sp>
-    </p:spTree>
-    <p:extLst>
-      <p:ext uri="{BB962C8B-B14F-4D97-AF65-F5344CB8AC3E}">
-        <p14:creationId xmlns:p14="http://schemas.microsoft.com/office/powerpoint/2010/main" val="3753766513"/>
-      </p:ext>
-    </p:extLst>
-  </p:cSld>
-  <p:clrMapOvr>
-    <a:masterClrMapping/>
-  </p:clrMapOvr>
-  <p:timing>
-    <p:tnLst>
-      <p:par>
-        <p:cTn xmlns:p14="http://schemas.microsoft.com/office/powerpoint/2010/main" id="1" dur="indefinite" restart="never" nodeType="tmRoot"/>
-      </p:par>
-    </p:tnLst>
-  </p:timing>
-</p:sld>
-</file>
-
 <file path=ppt/slides/slide24.xml><?xml version="1.0" encoding="utf-8"?>
 <p:sld xmlns:a="http://schemas.openxmlformats.org/drawingml/2006/main" xmlns:r="http://schemas.openxmlformats.org/officeDocument/2006/relationships" xmlns:p="http://schemas.openxmlformats.org/presentationml/2006/main">
   <p:cSld>
@@ -15987,6 +18313,387 @@
           <a:p>
             <a:r>
               <a:rPr lang="en-US" dirty="0" smtClean="0"/>
+              <a:t>Exercise 4, backend</a:t>
+            </a:r>
+            <a:endParaRPr lang="en-US" dirty="0"/>
+          </a:p>
+        </p:txBody>
+      </p:sp>
+      <p:sp>
+        <p:nvSpPr>
+          <p:cNvPr id="4" name="Text Placeholder 3"/>
+          <p:cNvSpPr>
+            <a:spLocks noGrp="1"/>
+          </p:cNvSpPr>
+          <p:nvPr>
+            <p:ph type="body" sz="quarter" idx="13"/>
+          </p:nvPr>
+        </p:nvSpPr>
+        <p:spPr/>
+        <p:txBody>
+          <a:bodyPr/>
+          <a:lstStyle/>
+          <a:p>
+            <a:pPr marL="0" indent="0">
+              <a:buNone/>
+            </a:pPr>
+            <a:r>
+              <a:rPr lang="en-US" dirty="0" smtClean="0"/>
+              <a:t>Complete the Simple App backend to provide a secure API for the frontend. </a:t>
+            </a:r>
+          </a:p>
+          <a:p>
+            <a:r>
+              <a:rPr lang="en-US" dirty="0" smtClean="0"/>
+              <a:t>Add JSON </a:t>
+            </a:r>
+            <a:r>
+              <a:rPr lang="en-US" dirty="0" smtClean="0"/>
+              <a:t>API</a:t>
+            </a:r>
+          </a:p>
+          <a:p>
+            <a:r>
+              <a:rPr lang="en-US" dirty="0" smtClean="0"/>
+              <a:t>Call SDK to fetch data</a:t>
+            </a:r>
+          </a:p>
+          <a:p>
+            <a:r>
+              <a:rPr lang="en-US" dirty="0" smtClean="0"/>
+              <a:t>Add security</a:t>
+            </a:r>
+            <a:endParaRPr lang="en-US" dirty="0" smtClean="0"/>
+          </a:p>
+          <a:p>
+            <a:endParaRPr lang="en-US" dirty="0"/>
+          </a:p>
+          <a:p>
+            <a:pPr>
+              <a:buFont typeface="Wingdings" charset="2"/>
+              <a:buChar char="ü"/>
+            </a:pPr>
+            <a:r>
+              <a:rPr lang="en-US" sz="1800" dirty="0" smtClean="0"/>
+              <a:t>Open lab/lab4/README and follow the instructions</a:t>
+            </a:r>
+            <a:endParaRPr lang="en-US" sz="1800" dirty="0"/>
+          </a:p>
+        </p:txBody>
+      </p:sp>
+      <p:sp>
+        <p:nvSpPr>
+          <p:cNvPr id="5" name="Slide Number Placeholder 4"/>
+          <p:cNvSpPr>
+            <a:spLocks noGrp="1"/>
+          </p:cNvSpPr>
+          <p:nvPr>
+            <p:ph type="sldNum" sz="quarter" idx="14"/>
+          </p:nvPr>
+        </p:nvSpPr>
+        <p:spPr/>
+        <p:txBody>
+          <a:bodyPr/>
+          <a:lstStyle/>
+          <a:p>
+            <a:pPr>
+              <a:defRPr/>
+            </a:pPr>
+            <a:fld id="{4AA01602-B999-AA4E-80A6-B21CED3A9C3C}" type="slidenum">
+              <a:rPr lang="sv-SE" smtClean="0"/>
+              <a:pPr>
+                <a:defRPr/>
+              </a:pPr>
+              <a:t>24</a:t>
+            </a:fld>
+            <a:endParaRPr lang="sv-SE"/>
+          </a:p>
+        </p:txBody>
+      </p:sp>
+    </p:spTree>
+    <p:extLst>
+      <p:ext uri="{BB962C8B-B14F-4D97-AF65-F5344CB8AC3E}">
+        <p14:creationId xmlns:p14="http://schemas.microsoft.com/office/powerpoint/2010/main" val="3668199394"/>
+      </p:ext>
+    </p:extLst>
+  </p:cSld>
+  <p:clrMapOvr>
+    <a:masterClrMapping/>
+  </p:clrMapOvr>
+  <p:timing>
+    <p:tnLst>
+      <p:par>
+        <p:cTn xmlns:p14="http://schemas.microsoft.com/office/powerpoint/2010/main" id="1" dur="indefinite" restart="never" nodeType="tmRoot"/>
+      </p:par>
+    </p:tnLst>
+  </p:timing>
+</p:sld>
+</file>
+
+<file path=ppt/slides/slide25.xml><?xml version="1.0" encoding="utf-8"?>
+<p:sld xmlns:a="http://schemas.openxmlformats.org/drawingml/2006/main" xmlns:r="http://schemas.openxmlformats.org/officeDocument/2006/relationships" xmlns:p="http://schemas.openxmlformats.org/presentationml/2006/main">
+  <p:cSld>
+    <p:spTree>
+      <p:nvGrpSpPr>
+        <p:cNvPr id="1" name=""/>
+        <p:cNvGrpSpPr/>
+        <p:nvPr/>
+      </p:nvGrpSpPr>
+      <p:grpSpPr>
+        <a:xfrm>
+          <a:off x="0" y="0"/>
+          <a:ext cx="0" cy="0"/>
+          <a:chOff x="0" y="0"/>
+          <a:chExt cx="0" cy="0"/>
+        </a:xfrm>
+      </p:grpSpPr>
+      <p:sp>
+        <p:nvSpPr>
+          <p:cNvPr id="2" name="Title 1"/>
+          <p:cNvSpPr>
+            <a:spLocks noGrp="1"/>
+          </p:cNvSpPr>
+          <p:nvPr>
+            <p:ph type="ctrTitle"/>
+          </p:nvPr>
+        </p:nvSpPr>
+        <p:spPr/>
+        <p:txBody>
+          <a:bodyPr/>
+          <a:lstStyle/>
+          <a:p>
+            <a:r>
+              <a:rPr lang="en-US" dirty="0" smtClean="0"/>
+              <a:t>Building the App</a:t>
+            </a:r>
+            <a:endParaRPr lang="en-US" dirty="0"/>
+          </a:p>
+        </p:txBody>
+      </p:sp>
+      <p:sp>
+        <p:nvSpPr>
+          <p:cNvPr id="3" name="Subtitle 2"/>
+          <p:cNvSpPr>
+            <a:spLocks noGrp="1"/>
+          </p:cNvSpPr>
+          <p:nvPr>
+            <p:ph type="subTitle" idx="1"/>
+          </p:nvPr>
+        </p:nvSpPr>
+        <p:spPr/>
+        <p:txBody>
+          <a:bodyPr>
+            <a:normAutofit fontScale="92500" lnSpcReduction="10000"/>
+          </a:bodyPr>
+          <a:lstStyle/>
+          <a:p>
+            <a:r>
+              <a:rPr lang="en-US" dirty="0" smtClean="0"/>
+              <a:t>Frontend</a:t>
+            </a:r>
+            <a:endParaRPr lang="en-US" dirty="0"/>
+          </a:p>
+        </p:txBody>
+      </p:sp>
+      <p:sp>
+        <p:nvSpPr>
+          <p:cNvPr id="4" name="Text Placeholder 3"/>
+          <p:cNvSpPr>
+            <a:spLocks noGrp="1"/>
+          </p:cNvSpPr>
+          <p:nvPr>
+            <p:ph type="body" sz="quarter" idx="13"/>
+          </p:nvPr>
+        </p:nvSpPr>
+        <p:spPr/>
+        <p:txBody>
+          <a:bodyPr/>
+          <a:lstStyle/>
+          <a:p>
+            <a:pPr marL="0" indent="0">
+              <a:buNone/>
+            </a:pPr>
+            <a:r>
+              <a:rPr lang="en-US" dirty="0" smtClean="0"/>
+              <a:t>Frontend technologies</a:t>
+            </a:r>
+          </a:p>
+          <a:p>
+            <a:r>
+              <a:rPr lang="en-US" dirty="0" smtClean="0"/>
+              <a:t>What’s happening on the frontend?</a:t>
+            </a:r>
+          </a:p>
+          <a:p>
+            <a:r>
+              <a:rPr lang="en-US" dirty="0" smtClean="0"/>
+              <a:t>Apps as independent HTML/JS solutions</a:t>
+            </a:r>
+          </a:p>
+          <a:p>
+            <a:pPr lvl="1"/>
+            <a:r>
+              <a:rPr lang="en-US" dirty="0" smtClean="0"/>
+              <a:t>Same origin policy</a:t>
+            </a:r>
+          </a:p>
+          <a:p>
+            <a:pPr lvl="1"/>
+            <a:r>
+              <a:rPr lang="en-US" dirty="0" smtClean="0"/>
+              <a:t>Cross Origin Resource Sharing</a:t>
+            </a:r>
+          </a:p>
+          <a:p>
+            <a:r>
+              <a:rPr lang="en-US" dirty="0" smtClean="0"/>
+              <a:t>My Healthcare Calendar</a:t>
+            </a:r>
+          </a:p>
+          <a:p>
+            <a:pPr lvl="1"/>
+            <a:r>
+              <a:rPr lang="en-US" dirty="0" smtClean="0"/>
+              <a:t>(Almost) Finished HTML/JS App built with </a:t>
+            </a:r>
+            <a:r>
+              <a:rPr lang="en-US" dirty="0" err="1" smtClean="0"/>
+              <a:t>backbone.js</a:t>
+            </a:r>
+            <a:r>
+              <a:rPr lang="en-US" dirty="0" smtClean="0"/>
+              <a:t> and </a:t>
+            </a:r>
+            <a:r>
+              <a:rPr lang="en-US" dirty="0" err="1"/>
+              <a:t>j</a:t>
+            </a:r>
+            <a:r>
+              <a:rPr lang="en-US" dirty="0" err="1" smtClean="0"/>
+              <a:t>Query</a:t>
+            </a:r>
+            <a:r>
+              <a:rPr lang="en-US" dirty="0" smtClean="0"/>
+              <a:t> mobile</a:t>
+            </a:r>
+          </a:p>
+          <a:p>
+            <a:pPr lvl="1"/>
+            <a:r>
+              <a:rPr lang="en-US" dirty="0" smtClean="0"/>
+              <a:t>How do we connect the app to our API?</a:t>
+            </a:r>
+          </a:p>
+        </p:txBody>
+      </p:sp>
+      <p:sp>
+        <p:nvSpPr>
+          <p:cNvPr id="5" name="Slide Number Placeholder 4"/>
+          <p:cNvSpPr>
+            <a:spLocks noGrp="1"/>
+          </p:cNvSpPr>
+          <p:nvPr>
+            <p:ph type="sldNum" sz="quarter" idx="14"/>
+          </p:nvPr>
+        </p:nvSpPr>
+        <p:spPr/>
+        <p:txBody>
+          <a:bodyPr/>
+          <a:lstStyle/>
+          <a:p>
+            <a:pPr>
+              <a:defRPr/>
+            </a:pPr>
+            <a:fld id="{4AA01602-B999-AA4E-80A6-B21CED3A9C3C}" type="slidenum">
+              <a:rPr lang="sv-SE" smtClean="0"/>
+              <a:pPr>
+                <a:defRPr/>
+              </a:pPr>
+              <a:t>25</a:t>
+            </a:fld>
+            <a:endParaRPr lang="sv-SE"/>
+          </a:p>
+        </p:txBody>
+      </p:sp>
+    </p:spTree>
+    <p:extLst>
+      <p:ext uri="{BB962C8B-B14F-4D97-AF65-F5344CB8AC3E}">
+        <p14:creationId xmlns:p14="http://schemas.microsoft.com/office/powerpoint/2010/main" val="3753766513"/>
+      </p:ext>
+    </p:extLst>
+  </p:cSld>
+  <p:clrMapOvr>
+    <a:masterClrMapping/>
+  </p:clrMapOvr>
+  <p:timing>
+    <p:tnLst>
+      <p:par>
+        <p:cTn xmlns:p14="http://schemas.microsoft.com/office/powerpoint/2010/main" id="1" dur="indefinite" restart="never" nodeType="tmRoot"/>
+      </p:par>
+    </p:tnLst>
+  </p:timing>
+</p:sld>
+</file>
+
+<file path=ppt/slides/slide26.xml><?xml version="1.0" encoding="utf-8"?>
+<p:sld xmlns:a="http://schemas.openxmlformats.org/drawingml/2006/main" xmlns:r="http://schemas.openxmlformats.org/officeDocument/2006/relationships" xmlns:p="http://schemas.openxmlformats.org/presentationml/2006/main">
+  <p:cSld>
+    <p:spTree>
+      <p:nvGrpSpPr>
+        <p:cNvPr id="1" name=""/>
+        <p:cNvGrpSpPr/>
+        <p:nvPr/>
+      </p:nvGrpSpPr>
+      <p:grpSpPr>
+        <a:xfrm>
+          <a:off x="0" y="0"/>
+          <a:ext cx="0" cy="0"/>
+          <a:chOff x="0" y="0"/>
+          <a:chExt cx="0" cy="0"/>
+        </a:xfrm>
+      </p:grpSpPr>
+      <p:sp>
+        <p:nvSpPr>
+          <p:cNvPr id="2" name="Title 1"/>
+          <p:cNvSpPr>
+            <a:spLocks noGrp="1"/>
+          </p:cNvSpPr>
+          <p:nvPr>
+            <p:ph type="ctrTitle"/>
+          </p:nvPr>
+        </p:nvSpPr>
+        <p:spPr/>
+        <p:txBody>
+          <a:bodyPr/>
+          <a:lstStyle/>
+          <a:p>
+            <a:r>
+              <a:rPr lang="en-US" dirty="0" smtClean="0"/>
+              <a:t>Building the App</a:t>
+            </a:r>
+            <a:endParaRPr lang="en-US" dirty="0"/>
+          </a:p>
+        </p:txBody>
+      </p:sp>
+      <p:sp>
+        <p:nvSpPr>
+          <p:cNvPr id="3" name="Subtitle 2"/>
+          <p:cNvSpPr>
+            <a:spLocks noGrp="1"/>
+          </p:cNvSpPr>
+          <p:nvPr>
+            <p:ph type="subTitle" idx="1"/>
+          </p:nvPr>
+        </p:nvSpPr>
+        <p:spPr/>
+        <p:txBody>
+          <a:bodyPr>
+            <a:normAutofit fontScale="92500" lnSpcReduction="10000"/>
+          </a:bodyPr>
+          <a:lstStyle/>
+          <a:p>
+            <a:r>
+              <a:rPr lang="en-US" dirty="0" smtClean="0"/>
               <a:t>Exercise 5, frontend</a:t>
             </a:r>
             <a:endParaRPr lang="en-US" dirty="0"/>
@@ -16124,7 +18831,7 @@
               <a:pPr>
                 <a:defRPr/>
               </a:pPr>
-              <a:t>24</a:t>
+              <a:t>26</a:t>
             </a:fld>
             <a:endParaRPr lang="sv-SE"/>
           </a:p>
@@ -16210,7 +18917,7 @@
 </p:sld>
 </file>
 
-<file path=ppt/slides/slide25.xml><?xml version="1.0" encoding="utf-8"?>
+<file path=ppt/slides/slide27.xml><?xml version="1.0" encoding="utf-8"?>
 <p:sld xmlns:a="http://schemas.openxmlformats.org/drawingml/2006/main" xmlns:r="http://schemas.openxmlformats.org/officeDocument/2006/relationships" xmlns:p="http://schemas.openxmlformats.org/presentationml/2006/main">
   <p:cSld>
     <p:spTree>
@@ -16359,7 +19066,7 @@
               <a:pPr>
                 <a:defRPr/>
               </a:pPr>
-              <a:t>25</a:t>
+              <a:t>27</a:t>
             </a:fld>
             <a:endParaRPr lang="sv-SE"/>
           </a:p>
@@ -16385,7 +19092,7 @@
 </p:sld>
 </file>
 
-<file path=ppt/slides/slide26.xml><?xml version="1.0" encoding="utf-8"?>
+<file path=ppt/slides/slide28.xml><?xml version="1.0" encoding="utf-8"?>
 <p:sld xmlns:a="http://schemas.openxmlformats.org/drawingml/2006/main" xmlns:r="http://schemas.openxmlformats.org/officeDocument/2006/relationships" xmlns:p="http://schemas.openxmlformats.org/presentationml/2006/main">
   <p:cSld>
     <p:spTree>
@@ -16627,7 +19334,7 @@
               <a:pPr>
                 <a:defRPr/>
               </a:pPr>
-              <a:t>26</a:t>
+              <a:t>28</a:t>
             </a:fld>
             <a:endParaRPr lang="sv-SE"/>
           </a:p>
